--- a/final_project/T2_final_project.pptx
+++ b/final_project/T2_final_project.pptx
@@ -10,13 +10,14 @@
     <p:sldId id="258" r:id="rId4"/>
     <p:sldId id="259" r:id="rId5"/>
     <p:sldId id="260" r:id="rId6"/>
-    <p:sldId id="265" r:id="rId7"/>
-    <p:sldId id="263" r:id="rId8"/>
-    <p:sldId id="262" r:id="rId9"/>
-    <p:sldId id="264" r:id="rId10"/>
-    <p:sldId id="266" r:id="rId11"/>
-    <p:sldId id="267" r:id="rId12"/>
-    <p:sldId id="268" r:id="rId13"/>
+    <p:sldId id="269" r:id="rId7"/>
+    <p:sldId id="265" r:id="rId8"/>
+    <p:sldId id="263" r:id="rId9"/>
+    <p:sldId id="262" r:id="rId10"/>
+    <p:sldId id="264" r:id="rId11"/>
+    <p:sldId id="266" r:id="rId12"/>
+    <p:sldId id="267" r:id="rId13"/>
+    <p:sldId id="268" r:id="rId14"/>
   </p:sldIdLst>
   <p:sldSz cx="12192000" cy="6858000"/>
   <p:notesSz cx="6858000" cy="9144000"/>
@@ -115,6 +116,11 @@
       </a:defRPr>
     </a:lvl9pPr>
   </p:defaultTextStyle>
+  <p:extLst>
+    <p:ext uri="{EFAFB233-063F-42B5-8137-9DF3F51BA10A}">
+      <p15:sldGuideLst xmlns:p15="http://schemas.microsoft.com/office/powerpoint/2012/main"/>
+    </p:ext>
+  </p:extLst>
 </p:presentation>
 </file>
 
@@ -3966,6 +3972,2005 @@
       </p:grpSpPr>
       <p:cxnSp>
         <p:nvCxnSpPr>
+          <p:cNvPr id="28" name="Straight Connector 27">
+            <a:extLst>
+              <a:ext uri="{FF2B5EF4-FFF2-40B4-BE49-F238E27FC236}">
+                <a16:creationId xmlns:a16="http://schemas.microsoft.com/office/drawing/2014/main" id="{5BC01C7A-1442-4981-9CA7-DBED2A4FA907}"/>
+              </a:ext>
+            </a:extLst>
+          </p:cNvPr>
+          <p:cNvCxnSpPr/>
+          <p:nvPr/>
+        </p:nvCxnSpPr>
+        <p:spPr>
+          <a:xfrm>
+            <a:off x="0" y="1047750"/>
+            <a:ext cx="12192000" cy="0"/>
+          </a:xfrm>
+          <a:prstGeom prst="line">
+            <a:avLst/>
+          </a:prstGeom>
+          <a:ln w="76200">
+            <a:solidFill>
+              <a:srgbClr val="D2C264"/>
+            </a:solidFill>
+          </a:ln>
+        </p:spPr>
+        <p:style>
+          <a:lnRef idx="1">
+            <a:schemeClr val="accent1"/>
+          </a:lnRef>
+          <a:fillRef idx="0">
+            <a:schemeClr val="accent1"/>
+          </a:fillRef>
+          <a:effectRef idx="0">
+            <a:schemeClr val="accent1"/>
+          </a:effectRef>
+          <a:fontRef idx="minor">
+            <a:schemeClr val="tx1"/>
+          </a:fontRef>
+        </p:style>
+      </p:cxnSp>
+      <p:sp>
+        <p:nvSpPr>
+          <p:cNvPr id="29" name="TextBox 28">
+            <a:extLst>
+              <a:ext uri="{FF2B5EF4-FFF2-40B4-BE49-F238E27FC236}">
+                <a16:creationId xmlns:a16="http://schemas.microsoft.com/office/drawing/2014/main" id="{FD8A799C-BE52-4998-90B7-F7B21AE43B0E}"/>
+              </a:ext>
+            </a:extLst>
+          </p:cNvPr>
+          <p:cNvSpPr txBox="1"/>
+          <p:nvPr/>
+        </p:nvSpPr>
+        <p:spPr>
+          <a:xfrm>
+            <a:off x="439692" y="229258"/>
+            <a:ext cx="4559261" cy="584775"/>
+          </a:xfrm>
+          <a:prstGeom prst="rect">
+            <a:avLst/>
+          </a:prstGeom>
+          <a:noFill/>
+        </p:spPr>
+        <p:txBody>
+          <a:bodyPr wrap="none" rtlCol="0">
+            <a:spAutoFit/>
+          </a:bodyPr>
+          <a:lstStyle/>
+          <a:p>
+            <a:r>
+              <a:rPr lang="en-US" sz="3200" b="1" dirty="0">
+                <a:latin typeface="Times New Roman" panose="02020603050405020304" pitchFamily="18" charset="0"/>
+                <a:cs typeface="Times New Roman" panose="02020603050405020304" pitchFamily="18" charset="0"/>
+              </a:rPr>
+              <a:t>Calculating Match Stats:</a:t>
+            </a:r>
+          </a:p>
+        </p:txBody>
+      </p:sp>
+      <p:sp>
+        <p:nvSpPr>
+          <p:cNvPr id="8" name="Rectangle: Rounded Corners 7">
+            <a:extLst>
+              <a:ext uri="{FF2B5EF4-FFF2-40B4-BE49-F238E27FC236}">
+                <a16:creationId xmlns:a16="http://schemas.microsoft.com/office/drawing/2014/main" id="{F4435332-69FC-4D75-B3A6-EA7EB1DA13F2}"/>
+              </a:ext>
+            </a:extLst>
+          </p:cNvPr>
+          <p:cNvSpPr/>
+          <p:nvPr/>
+        </p:nvSpPr>
+        <p:spPr>
+          <a:xfrm>
+            <a:off x="1124868" y="1733907"/>
+            <a:ext cx="1802331" cy="803985"/>
+          </a:xfrm>
+          <a:prstGeom prst="roundRect">
+            <a:avLst/>
+          </a:prstGeom>
+          <a:solidFill>
+            <a:srgbClr val="00B050"/>
+          </a:solidFill>
+          <a:ln>
+            <a:noFill/>
+          </a:ln>
+          <a:effectLst>
+            <a:outerShdw blurRad="190500" dist="228600" dir="2700000" algn="ctr">
+              <a:srgbClr val="000000">
+                <a:alpha val="30000"/>
+              </a:srgbClr>
+            </a:outerShdw>
+          </a:effectLst>
+          <a:scene3d>
+            <a:camera prst="orthographicFront">
+              <a:rot lat="0" lon="0" rev="0"/>
+            </a:camera>
+            <a:lightRig rig="glow" dir="t">
+              <a:rot lat="0" lon="0" rev="4800000"/>
+            </a:lightRig>
+          </a:scene3d>
+          <a:sp3d prstMaterial="matte">
+            <a:bevelT w="127000" h="63500"/>
+          </a:sp3d>
+        </p:spPr>
+        <p:style>
+          <a:lnRef idx="2">
+            <a:schemeClr val="accent1">
+              <a:shade val="50000"/>
+            </a:schemeClr>
+          </a:lnRef>
+          <a:fillRef idx="1">
+            <a:schemeClr val="accent1"/>
+          </a:fillRef>
+          <a:effectRef idx="0">
+            <a:schemeClr val="accent1"/>
+          </a:effectRef>
+          <a:fontRef idx="minor">
+            <a:schemeClr val="lt1"/>
+          </a:fontRef>
+        </p:style>
+        <p:txBody>
+          <a:bodyPr rtlCol="0" anchor="ctr"/>
+          <a:lstStyle/>
+          <a:p>
+            <a:pPr algn="ctr"/>
+            <a:r>
+              <a:rPr lang="en-US" sz="2000" b="1" dirty="0">
+                <a:latin typeface="Arial Narrow" panose="020B0606020202030204" pitchFamily="34" charset="0"/>
+              </a:rPr>
+              <a:t>Event Name</a:t>
+            </a:r>
+          </a:p>
+        </p:txBody>
+      </p:sp>
+      <p:sp>
+        <p:nvSpPr>
+          <p:cNvPr id="9" name="Rectangle: Rounded Corners 8">
+            <a:extLst>
+              <a:ext uri="{FF2B5EF4-FFF2-40B4-BE49-F238E27FC236}">
+                <a16:creationId xmlns:a16="http://schemas.microsoft.com/office/drawing/2014/main" id="{1F7799C2-40DE-491E-922C-E05F43B64704}"/>
+              </a:ext>
+            </a:extLst>
+          </p:cNvPr>
+          <p:cNvSpPr/>
+          <p:nvPr/>
+        </p:nvSpPr>
+        <p:spPr>
+          <a:xfrm>
+            <a:off x="3177522" y="1733906"/>
+            <a:ext cx="1802331" cy="803985"/>
+          </a:xfrm>
+          <a:prstGeom prst="roundRect">
+            <a:avLst/>
+          </a:prstGeom>
+          <a:solidFill>
+            <a:srgbClr val="00577E"/>
+          </a:solidFill>
+          <a:ln>
+            <a:noFill/>
+          </a:ln>
+          <a:effectLst>
+            <a:outerShdw blurRad="190500" dist="228600" dir="2700000" algn="ctr">
+              <a:srgbClr val="000000">
+                <a:alpha val="30000"/>
+              </a:srgbClr>
+            </a:outerShdw>
+          </a:effectLst>
+          <a:scene3d>
+            <a:camera prst="orthographicFront">
+              <a:rot lat="0" lon="0" rev="0"/>
+            </a:camera>
+            <a:lightRig rig="glow" dir="t">
+              <a:rot lat="0" lon="0" rev="4800000"/>
+            </a:lightRig>
+          </a:scene3d>
+          <a:sp3d prstMaterial="matte">
+            <a:bevelT w="127000" h="63500"/>
+          </a:sp3d>
+        </p:spPr>
+        <p:style>
+          <a:lnRef idx="2">
+            <a:schemeClr val="accent1">
+              <a:shade val="50000"/>
+            </a:schemeClr>
+          </a:lnRef>
+          <a:fillRef idx="1">
+            <a:schemeClr val="accent1"/>
+          </a:fillRef>
+          <a:effectRef idx="0">
+            <a:schemeClr val="accent1"/>
+          </a:effectRef>
+          <a:fontRef idx="minor">
+            <a:schemeClr val="lt1"/>
+          </a:fontRef>
+        </p:style>
+        <p:txBody>
+          <a:bodyPr rtlCol="0" anchor="ctr"/>
+          <a:lstStyle/>
+          <a:p>
+            <a:pPr algn="ctr"/>
+            <a:r>
+              <a:rPr lang="en-US" sz="2000" b="1" dirty="0">
+                <a:latin typeface="Arial Narrow" panose="020B0606020202030204" pitchFamily="34" charset="0"/>
+              </a:rPr>
+              <a:t>Subevent Name</a:t>
+            </a:r>
+          </a:p>
+        </p:txBody>
+      </p:sp>
+      <p:sp>
+        <p:nvSpPr>
+          <p:cNvPr id="10" name="Rectangle: Rounded Corners 9">
+            <a:extLst>
+              <a:ext uri="{FF2B5EF4-FFF2-40B4-BE49-F238E27FC236}">
+                <a16:creationId xmlns:a16="http://schemas.microsoft.com/office/drawing/2014/main" id="{C41A0105-3D0A-41A6-979A-05BB97B6C5C7}"/>
+              </a:ext>
+            </a:extLst>
+          </p:cNvPr>
+          <p:cNvSpPr/>
+          <p:nvPr/>
+        </p:nvSpPr>
+        <p:spPr>
+          <a:xfrm>
+            <a:off x="5194834" y="1733905"/>
+            <a:ext cx="1802331" cy="803985"/>
+          </a:xfrm>
+          <a:prstGeom prst="roundRect">
+            <a:avLst/>
+          </a:prstGeom>
+          <a:solidFill>
+            <a:srgbClr val="00B050"/>
+          </a:solidFill>
+          <a:ln>
+            <a:noFill/>
+          </a:ln>
+          <a:effectLst>
+            <a:outerShdw blurRad="190500" dist="228600" dir="2700000" algn="ctr">
+              <a:srgbClr val="000000">
+                <a:alpha val="30000"/>
+              </a:srgbClr>
+            </a:outerShdw>
+          </a:effectLst>
+          <a:scene3d>
+            <a:camera prst="orthographicFront">
+              <a:rot lat="0" lon="0" rev="0"/>
+            </a:camera>
+            <a:lightRig rig="glow" dir="t">
+              <a:rot lat="0" lon="0" rev="4800000"/>
+            </a:lightRig>
+          </a:scene3d>
+          <a:sp3d prstMaterial="matte">
+            <a:bevelT w="127000" h="63500"/>
+          </a:sp3d>
+        </p:spPr>
+        <p:style>
+          <a:lnRef idx="2">
+            <a:schemeClr val="accent1">
+              <a:shade val="50000"/>
+            </a:schemeClr>
+          </a:lnRef>
+          <a:fillRef idx="1">
+            <a:schemeClr val="accent1"/>
+          </a:fillRef>
+          <a:effectRef idx="0">
+            <a:schemeClr val="accent1"/>
+          </a:effectRef>
+          <a:fontRef idx="minor">
+            <a:schemeClr val="lt1"/>
+          </a:fontRef>
+        </p:style>
+        <p:txBody>
+          <a:bodyPr rtlCol="0" anchor="ctr"/>
+          <a:lstStyle/>
+          <a:p>
+            <a:pPr algn="ctr"/>
+            <a:r>
+              <a:rPr lang="en-US" sz="2000" b="1" dirty="0">
+                <a:latin typeface="Arial Narrow" panose="020B0606020202030204" pitchFamily="34" charset="0"/>
+              </a:rPr>
+              <a:t>Event Time</a:t>
+            </a:r>
+          </a:p>
+        </p:txBody>
+      </p:sp>
+      <p:sp>
+        <p:nvSpPr>
+          <p:cNvPr id="11" name="Rectangle: Rounded Corners 10">
+            <a:extLst>
+              <a:ext uri="{FF2B5EF4-FFF2-40B4-BE49-F238E27FC236}">
+                <a16:creationId xmlns:a16="http://schemas.microsoft.com/office/drawing/2014/main" id="{61A8BB1B-DF19-4230-B91C-FA1B01C9D034}"/>
+              </a:ext>
+            </a:extLst>
+          </p:cNvPr>
+          <p:cNvSpPr/>
+          <p:nvPr/>
+        </p:nvSpPr>
+        <p:spPr>
+          <a:xfrm>
+            <a:off x="7247488" y="1733905"/>
+            <a:ext cx="1802331" cy="803985"/>
+          </a:xfrm>
+          <a:prstGeom prst="roundRect">
+            <a:avLst/>
+          </a:prstGeom>
+          <a:solidFill>
+            <a:srgbClr val="00577E"/>
+          </a:solidFill>
+          <a:ln>
+            <a:noFill/>
+          </a:ln>
+          <a:effectLst>
+            <a:outerShdw blurRad="190500" dist="228600" dir="2700000" algn="ctr">
+              <a:srgbClr val="000000">
+                <a:alpha val="30000"/>
+              </a:srgbClr>
+            </a:outerShdw>
+          </a:effectLst>
+          <a:scene3d>
+            <a:camera prst="orthographicFront">
+              <a:rot lat="0" lon="0" rev="0"/>
+            </a:camera>
+            <a:lightRig rig="glow" dir="t">
+              <a:rot lat="0" lon="0" rev="4800000"/>
+            </a:lightRig>
+          </a:scene3d>
+          <a:sp3d prstMaterial="matte">
+            <a:bevelT w="127000" h="63500"/>
+          </a:sp3d>
+        </p:spPr>
+        <p:style>
+          <a:lnRef idx="2">
+            <a:schemeClr val="accent1">
+              <a:shade val="50000"/>
+            </a:schemeClr>
+          </a:lnRef>
+          <a:fillRef idx="1">
+            <a:schemeClr val="accent1"/>
+          </a:fillRef>
+          <a:effectRef idx="0">
+            <a:schemeClr val="accent1"/>
+          </a:effectRef>
+          <a:fontRef idx="minor">
+            <a:schemeClr val="lt1"/>
+          </a:fontRef>
+        </p:style>
+        <p:txBody>
+          <a:bodyPr rtlCol="0" anchor="ctr"/>
+          <a:lstStyle/>
+          <a:p>
+            <a:pPr algn="ctr"/>
+            <a:r>
+              <a:rPr lang="en-US" sz="2000" b="1" dirty="0">
+                <a:latin typeface="Arial Narrow" panose="020B0606020202030204" pitchFamily="34" charset="0"/>
+              </a:rPr>
+              <a:t>Event Coordinates</a:t>
+            </a:r>
+          </a:p>
+        </p:txBody>
+      </p:sp>
+      <p:sp>
+        <p:nvSpPr>
+          <p:cNvPr id="12" name="Rectangle: Rounded Corners 11">
+            <a:extLst>
+              <a:ext uri="{FF2B5EF4-FFF2-40B4-BE49-F238E27FC236}">
+                <a16:creationId xmlns:a16="http://schemas.microsoft.com/office/drawing/2014/main" id="{C9762CBF-3494-4AB6-8F84-63E4F89FFE81}"/>
+              </a:ext>
+            </a:extLst>
+          </p:cNvPr>
+          <p:cNvSpPr/>
+          <p:nvPr/>
+        </p:nvSpPr>
+        <p:spPr>
+          <a:xfrm>
+            <a:off x="9264802" y="1733904"/>
+            <a:ext cx="1802331" cy="803985"/>
+          </a:xfrm>
+          <a:prstGeom prst="roundRect">
+            <a:avLst/>
+          </a:prstGeom>
+          <a:solidFill>
+            <a:srgbClr val="00577E"/>
+          </a:solidFill>
+          <a:ln>
+            <a:noFill/>
+          </a:ln>
+          <a:effectLst>
+            <a:outerShdw blurRad="190500" dist="228600" dir="2700000" algn="ctr">
+              <a:srgbClr val="000000">
+                <a:alpha val="30000"/>
+              </a:srgbClr>
+            </a:outerShdw>
+          </a:effectLst>
+          <a:scene3d>
+            <a:camera prst="orthographicFront">
+              <a:rot lat="0" lon="0" rev="0"/>
+            </a:camera>
+            <a:lightRig rig="glow" dir="t">
+              <a:rot lat="0" lon="0" rev="4800000"/>
+            </a:lightRig>
+          </a:scene3d>
+          <a:sp3d prstMaterial="matte">
+            <a:bevelT w="127000" h="63500"/>
+          </a:sp3d>
+        </p:spPr>
+        <p:style>
+          <a:lnRef idx="2">
+            <a:schemeClr val="accent1">
+              <a:shade val="50000"/>
+            </a:schemeClr>
+          </a:lnRef>
+          <a:fillRef idx="1">
+            <a:schemeClr val="accent1"/>
+          </a:fillRef>
+          <a:effectRef idx="0">
+            <a:schemeClr val="accent1"/>
+          </a:effectRef>
+          <a:fontRef idx="minor">
+            <a:schemeClr val="lt1"/>
+          </a:fontRef>
+        </p:style>
+        <p:txBody>
+          <a:bodyPr rtlCol="0" anchor="ctr"/>
+          <a:lstStyle/>
+          <a:p>
+            <a:pPr algn="ctr"/>
+            <a:r>
+              <a:rPr lang="en-US" sz="2000" b="1" dirty="0">
+                <a:latin typeface="Arial Narrow" panose="020B0606020202030204" pitchFamily="34" charset="0"/>
+              </a:rPr>
+              <a:t>Player</a:t>
+            </a:r>
+          </a:p>
+        </p:txBody>
+      </p:sp>
+      <p:sp>
+        <p:nvSpPr>
+          <p:cNvPr id="13" name="Rectangle: Rounded Corners 12">
+            <a:extLst>
+              <a:ext uri="{FF2B5EF4-FFF2-40B4-BE49-F238E27FC236}">
+                <a16:creationId xmlns:a16="http://schemas.microsoft.com/office/drawing/2014/main" id="{0AD5A17F-D6F5-4898-90E7-32F83AD408E4}"/>
+              </a:ext>
+            </a:extLst>
+          </p:cNvPr>
+          <p:cNvSpPr/>
+          <p:nvPr/>
+        </p:nvSpPr>
+        <p:spPr>
+          <a:xfrm>
+            <a:off x="1482210" y="4250487"/>
+            <a:ext cx="1802331" cy="803985"/>
+          </a:xfrm>
+          <a:prstGeom prst="roundRect">
+            <a:avLst/>
+          </a:prstGeom>
+          <a:solidFill>
+            <a:srgbClr val="00B050"/>
+          </a:solidFill>
+          <a:ln>
+            <a:noFill/>
+          </a:ln>
+          <a:effectLst>
+            <a:outerShdw blurRad="190500" dist="228600" dir="2700000" algn="ctr">
+              <a:srgbClr val="000000">
+                <a:alpha val="30000"/>
+              </a:srgbClr>
+            </a:outerShdw>
+          </a:effectLst>
+          <a:scene3d>
+            <a:camera prst="orthographicFront">
+              <a:rot lat="0" lon="0" rev="0"/>
+            </a:camera>
+            <a:lightRig rig="glow" dir="t">
+              <a:rot lat="0" lon="0" rev="4800000"/>
+            </a:lightRig>
+          </a:scene3d>
+          <a:sp3d prstMaterial="matte">
+            <a:bevelT w="127000" h="63500"/>
+          </a:sp3d>
+        </p:spPr>
+        <p:style>
+          <a:lnRef idx="2">
+            <a:schemeClr val="accent1">
+              <a:shade val="50000"/>
+            </a:schemeClr>
+          </a:lnRef>
+          <a:fillRef idx="1">
+            <a:schemeClr val="accent1"/>
+          </a:fillRef>
+          <a:effectRef idx="0">
+            <a:schemeClr val="accent1"/>
+          </a:effectRef>
+          <a:fontRef idx="minor">
+            <a:schemeClr val="lt1"/>
+          </a:fontRef>
+        </p:style>
+        <p:txBody>
+          <a:bodyPr rtlCol="0" anchor="ctr"/>
+          <a:lstStyle/>
+          <a:p>
+            <a:pPr algn="ctr"/>
+            <a:r>
+              <a:rPr lang="en-US" sz="2000" b="1" dirty="0">
+                <a:latin typeface="Arial Narrow" panose="020B0606020202030204" pitchFamily="34" charset="0"/>
+              </a:rPr>
+              <a:t>Team</a:t>
+            </a:r>
+          </a:p>
+        </p:txBody>
+      </p:sp>
+      <p:sp>
+        <p:nvSpPr>
+          <p:cNvPr id="14" name="Rectangle: Rounded Corners 13">
+            <a:extLst>
+              <a:ext uri="{FF2B5EF4-FFF2-40B4-BE49-F238E27FC236}">
+                <a16:creationId xmlns:a16="http://schemas.microsoft.com/office/drawing/2014/main" id="{427388F0-F1BF-49F1-AB90-BF4F855265CB}"/>
+              </a:ext>
+            </a:extLst>
+          </p:cNvPr>
+          <p:cNvSpPr/>
+          <p:nvPr/>
+        </p:nvSpPr>
+        <p:spPr>
+          <a:xfrm>
+            <a:off x="3952119" y="4250489"/>
+            <a:ext cx="1802331" cy="803985"/>
+          </a:xfrm>
+          <a:prstGeom prst="roundRect">
+            <a:avLst/>
+          </a:prstGeom>
+          <a:solidFill>
+            <a:srgbClr val="00577E"/>
+          </a:solidFill>
+          <a:ln>
+            <a:noFill/>
+          </a:ln>
+          <a:effectLst>
+            <a:outerShdw blurRad="190500" dist="228600" dir="2700000" algn="ctr">
+              <a:srgbClr val="000000">
+                <a:alpha val="30000"/>
+              </a:srgbClr>
+            </a:outerShdw>
+          </a:effectLst>
+          <a:scene3d>
+            <a:camera prst="orthographicFront">
+              <a:rot lat="0" lon="0" rev="0"/>
+            </a:camera>
+            <a:lightRig rig="glow" dir="t">
+              <a:rot lat="0" lon="0" rev="4800000"/>
+            </a:lightRig>
+          </a:scene3d>
+          <a:sp3d prstMaterial="matte">
+            <a:bevelT w="127000" h="63500"/>
+          </a:sp3d>
+        </p:spPr>
+        <p:style>
+          <a:lnRef idx="2">
+            <a:schemeClr val="accent1">
+              <a:shade val="50000"/>
+            </a:schemeClr>
+          </a:lnRef>
+          <a:fillRef idx="1">
+            <a:schemeClr val="accent1"/>
+          </a:fillRef>
+          <a:effectRef idx="0">
+            <a:schemeClr val="accent1"/>
+          </a:effectRef>
+          <a:fontRef idx="minor">
+            <a:schemeClr val="lt1"/>
+          </a:fontRef>
+        </p:style>
+        <p:txBody>
+          <a:bodyPr rtlCol="0" anchor="ctr"/>
+          <a:lstStyle/>
+          <a:p>
+            <a:pPr algn="ctr"/>
+            <a:r>
+              <a:rPr lang="en-US" sz="2000" b="1" dirty="0">
+                <a:latin typeface="Arial Narrow" panose="020B0606020202030204" pitchFamily="34" charset="0"/>
+              </a:rPr>
+              <a:t>Match Date</a:t>
+            </a:r>
+          </a:p>
+        </p:txBody>
+      </p:sp>
+      <p:sp>
+        <p:nvSpPr>
+          <p:cNvPr id="15" name="Rectangle: Rounded Corners 14">
+            <a:extLst>
+              <a:ext uri="{FF2B5EF4-FFF2-40B4-BE49-F238E27FC236}">
+                <a16:creationId xmlns:a16="http://schemas.microsoft.com/office/drawing/2014/main" id="{F4F36732-5BAB-40B0-8F96-050D67939387}"/>
+              </a:ext>
+            </a:extLst>
+          </p:cNvPr>
+          <p:cNvSpPr/>
+          <p:nvPr/>
+        </p:nvSpPr>
+        <p:spPr>
+          <a:xfrm>
+            <a:off x="6455357" y="4250490"/>
+            <a:ext cx="1802331" cy="803985"/>
+          </a:xfrm>
+          <a:prstGeom prst="roundRect">
+            <a:avLst/>
+          </a:prstGeom>
+          <a:solidFill>
+            <a:srgbClr val="00B050"/>
+          </a:solidFill>
+          <a:ln>
+            <a:noFill/>
+          </a:ln>
+          <a:effectLst>
+            <a:outerShdw blurRad="190500" dist="228600" dir="2700000" algn="ctr">
+              <a:srgbClr val="000000">
+                <a:alpha val="30000"/>
+              </a:srgbClr>
+            </a:outerShdw>
+          </a:effectLst>
+          <a:scene3d>
+            <a:camera prst="orthographicFront">
+              <a:rot lat="0" lon="0" rev="0"/>
+            </a:camera>
+            <a:lightRig rig="glow" dir="t">
+              <a:rot lat="0" lon="0" rev="4800000"/>
+            </a:lightRig>
+          </a:scene3d>
+          <a:sp3d prstMaterial="matte">
+            <a:bevelT w="127000" h="63500"/>
+          </a:sp3d>
+        </p:spPr>
+        <p:style>
+          <a:lnRef idx="2">
+            <a:schemeClr val="accent1">
+              <a:shade val="50000"/>
+            </a:schemeClr>
+          </a:lnRef>
+          <a:fillRef idx="1">
+            <a:schemeClr val="accent1"/>
+          </a:fillRef>
+          <a:effectRef idx="0">
+            <a:schemeClr val="accent1"/>
+          </a:effectRef>
+          <a:fontRef idx="minor">
+            <a:schemeClr val="lt1"/>
+          </a:fontRef>
+        </p:style>
+        <p:txBody>
+          <a:bodyPr rtlCol="0" anchor="ctr"/>
+          <a:lstStyle/>
+          <a:p>
+            <a:pPr algn="ctr"/>
+            <a:r>
+              <a:rPr lang="en-US" sz="2000" b="1" dirty="0">
+                <a:latin typeface="Arial Narrow" panose="020B0606020202030204" pitchFamily="34" charset="0"/>
+              </a:rPr>
+              <a:t>Tags</a:t>
+            </a:r>
+          </a:p>
+        </p:txBody>
+      </p:sp>
+      <p:sp>
+        <p:nvSpPr>
+          <p:cNvPr id="16" name="Rectangle: Rounded Corners 15">
+            <a:extLst>
+              <a:ext uri="{FF2B5EF4-FFF2-40B4-BE49-F238E27FC236}">
+                <a16:creationId xmlns:a16="http://schemas.microsoft.com/office/drawing/2014/main" id="{CA09CD9D-372F-45B5-B665-D4CC658FCC48}"/>
+              </a:ext>
+            </a:extLst>
+          </p:cNvPr>
+          <p:cNvSpPr/>
+          <p:nvPr/>
+        </p:nvSpPr>
+        <p:spPr>
+          <a:xfrm>
+            <a:off x="1124867" y="1733904"/>
+            <a:ext cx="1802331" cy="2104661"/>
+          </a:xfrm>
+          <a:prstGeom prst="roundRect">
+            <a:avLst>
+              <a:gd name="adj" fmla="val 7253"/>
+            </a:avLst>
+          </a:prstGeom>
+          <a:noFill/>
+          <a:ln>
+            <a:noFill/>
+          </a:ln>
+          <a:effectLst/>
+          <a:scene3d>
+            <a:camera prst="orthographicFront">
+              <a:rot lat="0" lon="0" rev="0"/>
+            </a:camera>
+            <a:lightRig rig="chilly" dir="t">
+              <a:rot lat="0" lon="0" rev="18480000"/>
+            </a:lightRig>
+          </a:scene3d>
+          <a:sp3d prstMaterial="clear">
+            <a:bevelT h="63500"/>
+          </a:sp3d>
+        </p:spPr>
+        <p:style>
+          <a:lnRef idx="2">
+            <a:schemeClr val="accent1">
+              <a:shade val="50000"/>
+            </a:schemeClr>
+          </a:lnRef>
+          <a:fillRef idx="1">
+            <a:schemeClr val="accent1"/>
+          </a:fillRef>
+          <a:effectRef idx="0">
+            <a:schemeClr val="accent1"/>
+          </a:effectRef>
+          <a:fontRef idx="minor">
+            <a:schemeClr val="lt1"/>
+          </a:fontRef>
+        </p:style>
+        <p:txBody>
+          <a:bodyPr rtlCol="0" anchor="ctr"/>
+          <a:lstStyle/>
+          <a:p>
+            <a:pPr algn="ctr"/>
+            <a:endParaRPr lang="en-US" sz="2000" b="1" dirty="0">
+              <a:latin typeface="Arial Narrow" panose="020B0606020202030204" pitchFamily="34" charset="0"/>
+            </a:endParaRPr>
+          </a:p>
+        </p:txBody>
+      </p:sp>
+      <p:sp>
+        <p:nvSpPr>
+          <p:cNvPr id="17" name="Rectangle: Rounded Corners 16">
+            <a:extLst>
+              <a:ext uri="{FF2B5EF4-FFF2-40B4-BE49-F238E27FC236}">
+                <a16:creationId xmlns:a16="http://schemas.microsoft.com/office/drawing/2014/main" id="{4D38B512-7E7D-4A61-8C38-D1BF4269173E}"/>
+              </a:ext>
+            </a:extLst>
+          </p:cNvPr>
+          <p:cNvSpPr/>
+          <p:nvPr/>
+        </p:nvSpPr>
+        <p:spPr>
+          <a:xfrm>
+            <a:off x="3177521" y="1733903"/>
+            <a:ext cx="1802331" cy="2104661"/>
+          </a:xfrm>
+          <a:prstGeom prst="roundRect">
+            <a:avLst>
+              <a:gd name="adj" fmla="val 7253"/>
+            </a:avLst>
+          </a:prstGeom>
+          <a:noFill/>
+          <a:ln>
+            <a:noFill/>
+          </a:ln>
+          <a:effectLst/>
+          <a:scene3d>
+            <a:camera prst="orthographicFront">
+              <a:rot lat="0" lon="0" rev="0"/>
+            </a:camera>
+            <a:lightRig rig="chilly" dir="t">
+              <a:rot lat="0" lon="0" rev="18480000"/>
+            </a:lightRig>
+          </a:scene3d>
+          <a:sp3d prstMaterial="clear">
+            <a:bevelT h="63500"/>
+          </a:sp3d>
+        </p:spPr>
+        <p:style>
+          <a:lnRef idx="2">
+            <a:schemeClr val="accent1">
+              <a:shade val="50000"/>
+            </a:schemeClr>
+          </a:lnRef>
+          <a:fillRef idx="1">
+            <a:schemeClr val="accent1"/>
+          </a:fillRef>
+          <a:effectRef idx="0">
+            <a:schemeClr val="accent1"/>
+          </a:effectRef>
+          <a:fontRef idx="minor">
+            <a:schemeClr val="lt1"/>
+          </a:fontRef>
+        </p:style>
+        <p:txBody>
+          <a:bodyPr rtlCol="0" anchor="ctr"/>
+          <a:lstStyle/>
+          <a:p>
+            <a:pPr algn="ctr"/>
+            <a:endParaRPr lang="en-US" sz="2000" b="1" dirty="0">
+              <a:latin typeface="Arial Narrow" panose="020B0606020202030204" pitchFamily="34" charset="0"/>
+            </a:endParaRPr>
+          </a:p>
+        </p:txBody>
+      </p:sp>
+      <p:sp>
+        <p:nvSpPr>
+          <p:cNvPr id="18" name="Rectangle: Rounded Corners 17">
+            <a:extLst>
+              <a:ext uri="{FF2B5EF4-FFF2-40B4-BE49-F238E27FC236}">
+                <a16:creationId xmlns:a16="http://schemas.microsoft.com/office/drawing/2014/main" id="{4077607C-E917-47B5-B2B0-FE2CD453C596}"/>
+              </a:ext>
+            </a:extLst>
+          </p:cNvPr>
+          <p:cNvSpPr/>
+          <p:nvPr/>
+        </p:nvSpPr>
+        <p:spPr>
+          <a:xfrm>
+            <a:off x="5194834" y="1733903"/>
+            <a:ext cx="1802331" cy="2104661"/>
+          </a:xfrm>
+          <a:prstGeom prst="roundRect">
+            <a:avLst>
+              <a:gd name="adj" fmla="val 7253"/>
+            </a:avLst>
+          </a:prstGeom>
+          <a:noFill/>
+          <a:ln>
+            <a:noFill/>
+          </a:ln>
+          <a:effectLst/>
+          <a:scene3d>
+            <a:camera prst="orthographicFront">
+              <a:rot lat="0" lon="0" rev="0"/>
+            </a:camera>
+            <a:lightRig rig="chilly" dir="t">
+              <a:rot lat="0" lon="0" rev="18480000"/>
+            </a:lightRig>
+          </a:scene3d>
+          <a:sp3d prstMaterial="clear">
+            <a:bevelT h="63500"/>
+          </a:sp3d>
+        </p:spPr>
+        <p:style>
+          <a:lnRef idx="2">
+            <a:schemeClr val="accent1">
+              <a:shade val="50000"/>
+            </a:schemeClr>
+          </a:lnRef>
+          <a:fillRef idx="1">
+            <a:schemeClr val="accent1"/>
+          </a:fillRef>
+          <a:effectRef idx="0">
+            <a:schemeClr val="accent1"/>
+          </a:effectRef>
+          <a:fontRef idx="minor">
+            <a:schemeClr val="lt1"/>
+          </a:fontRef>
+        </p:style>
+        <p:txBody>
+          <a:bodyPr rtlCol="0" anchor="ctr"/>
+          <a:lstStyle/>
+          <a:p>
+            <a:pPr algn="ctr"/>
+            <a:endParaRPr lang="en-US" sz="2000" b="1" dirty="0">
+              <a:latin typeface="Arial Narrow" panose="020B0606020202030204" pitchFamily="34" charset="0"/>
+            </a:endParaRPr>
+          </a:p>
+        </p:txBody>
+      </p:sp>
+      <p:sp>
+        <p:nvSpPr>
+          <p:cNvPr id="19" name="Rectangle: Rounded Corners 18">
+            <a:extLst>
+              <a:ext uri="{FF2B5EF4-FFF2-40B4-BE49-F238E27FC236}">
+                <a16:creationId xmlns:a16="http://schemas.microsoft.com/office/drawing/2014/main" id="{61F80F85-6FCC-413C-8C38-5A0E48E467F7}"/>
+              </a:ext>
+            </a:extLst>
+          </p:cNvPr>
+          <p:cNvSpPr/>
+          <p:nvPr/>
+        </p:nvSpPr>
+        <p:spPr>
+          <a:xfrm>
+            <a:off x="7247488" y="1733903"/>
+            <a:ext cx="1802331" cy="2104661"/>
+          </a:xfrm>
+          <a:prstGeom prst="roundRect">
+            <a:avLst>
+              <a:gd name="adj" fmla="val 7253"/>
+            </a:avLst>
+          </a:prstGeom>
+          <a:noFill/>
+          <a:ln>
+            <a:noFill/>
+          </a:ln>
+          <a:effectLst/>
+          <a:scene3d>
+            <a:camera prst="orthographicFront">
+              <a:rot lat="0" lon="0" rev="0"/>
+            </a:camera>
+            <a:lightRig rig="chilly" dir="t">
+              <a:rot lat="0" lon="0" rev="18480000"/>
+            </a:lightRig>
+          </a:scene3d>
+          <a:sp3d prstMaterial="clear">
+            <a:bevelT h="63500"/>
+          </a:sp3d>
+        </p:spPr>
+        <p:style>
+          <a:lnRef idx="2">
+            <a:schemeClr val="accent1">
+              <a:shade val="50000"/>
+            </a:schemeClr>
+          </a:lnRef>
+          <a:fillRef idx="1">
+            <a:schemeClr val="accent1"/>
+          </a:fillRef>
+          <a:effectRef idx="0">
+            <a:schemeClr val="accent1"/>
+          </a:effectRef>
+          <a:fontRef idx="minor">
+            <a:schemeClr val="lt1"/>
+          </a:fontRef>
+        </p:style>
+        <p:txBody>
+          <a:bodyPr rtlCol="0" anchor="ctr"/>
+          <a:lstStyle/>
+          <a:p>
+            <a:pPr algn="ctr"/>
+            <a:endParaRPr lang="en-US" sz="2000" b="1" dirty="0">
+              <a:latin typeface="Arial Narrow" panose="020B0606020202030204" pitchFamily="34" charset="0"/>
+            </a:endParaRPr>
+          </a:p>
+        </p:txBody>
+      </p:sp>
+      <p:sp>
+        <p:nvSpPr>
+          <p:cNvPr id="20" name="Rectangle: Rounded Corners 19">
+            <a:extLst>
+              <a:ext uri="{FF2B5EF4-FFF2-40B4-BE49-F238E27FC236}">
+                <a16:creationId xmlns:a16="http://schemas.microsoft.com/office/drawing/2014/main" id="{CBB470BF-A936-4D60-B1A2-03A93D25CD47}"/>
+              </a:ext>
+            </a:extLst>
+          </p:cNvPr>
+          <p:cNvSpPr/>
+          <p:nvPr/>
+        </p:nvSpPr>
+        <p:spPr>
+          <a:xfrm>
+            <a:off x="9264802" y="1733902"/>
+            <a:ext cx="1802331" cy="2104661"/>
+          </a:xfrm>
+          <a:prstGeom prst="roundRect">
+            <a:avLst>
+              <a:gd name="adj" fmla="val 7253"/>
+            </a:avLst>
+          </a:prstGeom>
+          <a:noFill/>
+          <a:ln>
+            <a:noFill/>
+          </a:ln>
+          <a:effectLst/>
+          <a:scene3d>
+            <a:camera prst="orthographicFront">
+              <a:rot lat="0" lon="0" rev="0"/>
+            </a:camera>
+            <a:lightRig rig="chilly" dir="t">
+              <a:rot lat="0" lon="0" rev="18480000"/>
+            </a:lightRig>
+          </a:scene3d>
+          <a:sp3d prstMaterial="clear">
+            <a:bevelT h="63500"/>
+          </a:sp3d>
+        </p:spPr>
+        <p:style>
+          <a:lnRef idx="2">
+            <a:schemeClr val="accent1">
+              <a:shade val="50000"/>
+            </a:schemeClr>
+          </a:lnRef>
+          <a:fillRef idx="1">
+            <a:schemeClr val="accent1"/>
+          </a:fillRef>
+          <a:effectRef idx="0">
+            <a:schemeClr val="accent1"/>
+          </a:effectRef>
+          <a:fontRef idx="minor">
+            <a:schemeClr val="lt1"/>
+          </a:fontRef>
+        </p:style>
+        <p:txBody>
+          <a:bodyPr rtlCol="0" anchor="ctr"/>
+          <a:lstStyle/>
+          <a:p>
+            <a:pPr algn="ctr"/>
+            <a:endParaRPr lang="en-US" sz="2000" b="1" dirty="0">
+              <a:latin typeface="Arial Narrow" panose="020B0606020202030204" pitchFamily="34" charset="0"/>
+            </a:endParaRPr>
+          </a:p>
+        </p:txBody>
+      </p:sp>
+      <p:sp>
+        <p:nvSpPr>
+          <p:cNvPr id="21" name="Rectangle: Rounded Corners 20">
+            <a:extLst>
+              <a:ext uri="{FF2B5EF4-FFF2-40B4-BE49-F238E27FC236}">
+                <a16:creationId xmlns:a16="http://schemas.microsoft.com/office/drawing/2014/main" id="{F76D9321-06A5-4A29-A115-ADE0DFF6AADD}"/>
+              </a:ext>
+            </a:extLst>
+          </p:cNvPr>
+          <p:cNvSpPr/>
+          <p:nvPr/>
+        </p:nvSpPr>
+        <p:spPr>
+          <a:xfrm>
+            <a:off x="1473280" y="4250486"/>
+            <a:ext cx="1802331" cy="2104661"/>
+          </a:xfrm>
+          <a:prstGeom prst="roundRect">
+            <a:avLst>
+              <a:gd name="adj" fmla="val 7253"/>
+            </a:avLst>
+          </a:prstGeom>
+          <a:noFill/>
+          <a:ln>
+            <a:noFill/>
+          </a:ln>
+          <a:effectLst/>
+          <a:scene3d>
+            <a:camera prst="orthographicFront">
+              <a:rot lat="0" lon="0" rev="0"/>
+            </a:camera>
+            <a:lightRig rig="chilly" dir="t">
+              <a:rot lat="0" lon="0" rev="18480000"/>
+            </a:lightRig>
+          </a:scene3d>
+          <a:sp3d prstMaterial="clear">
+            <a:bevelT h="63500"/>
+          </a:sp3d>
+        </p:spPr>
+        <p:style>
+          <a:lnRef idx="2">
+            <a:schemeClr val="accent1">
+              <a:shade val="50000"/>
+            </a:schemeClr>
+          </a:lnRef>
+          <a:fillRef idx="1">
+            <a:schemeClr val="accent1"/>
+          </a:fillRef>
+          <a:effectRef idx="0">
+            <a:schemeClr val="accent1"/>
+          </a:effectRef>
+          <a:fontRef idx="minor">
+            <a:schemeClr val="lt1"/>
+          </a:fontRef>
+        </p:style>
+        <p:txBody>
+          <a:bodyPr rtlCol="0" anchor="ctr"/>
+          <a:lstStyle/>
+          <a:p>
+            <a:pPr algn="ctr"/>
+            <a:endParaRPr lang="en-US" sz="2000" b="1" dirty="0">
+              <a:latin typeface="Arial Narrow" panose="020B0606020202030204" pitchFamily="34" charset="0"/>
+            </a:endParaRPr>
+          </a:p>
+        </p:txBody>
+      </p:sp>
+      <p:sp>
+        <p:nvSpPr>
+          <p:cNvPr id="22" name="Rectangle: Rounded Corners 21">
+            <a:extLst>
+              <a:ext uri="{FF2B5EF4-FFF2-40B4-BE49-F238E27FC236}">
+                <a16:creationId xmlns:a16="http://schemas.microsoft.com/office/drawing/2014/main" id="{D48F64A5-A45D-4254-B2D2-4763B59951C3}"/>
+              </a:ext>
+            </a:extLst>
+          </p:cNvPr>
+          <p:cNvSpPr/>
+          <p:nvPr/>
+        </p:nvSpPr>
+        <p:spPr>
+          <a:xfrm>
+            <a:off x="3952119" y="4250488"/>
+            <a:ext cx="1802331" cy="2104661"/>
+          </a:xfrm>
+          <a:prstGeom prst="roundRect">
+            <a:avLst>
+              <a:gd name="adj" fmla="val 7253"/>
+            </a:avLst>
+          </a:prstGeom>
+          <a:noFill/>
+          <a:ln>
+            <a:noFill/>
+          </a:ln>
+          <a:effectLst/>
+          <a:scene3d>
+            <a:camera prst="orthographicFront">
+              <a:rot lat="0" lon="0" rev="0"/>
+            </a:camera>
+            <a:lightRig rig="chilly" dir="t">
+              <a:rot lat="0" lon="0" rev="18480000"/>
+            </a:lightRig>
+          </a:scene3d>
+          <a:sp3d prstMaterial="clear">
+            <a:bevelT h="63500"/>
+          </a:sp3d>
+        </p:spPr>
+        <p:style>
+          <a:lnRef idx="2">
+            <a:schemeClr val="accent1">
+              <a:shade val="50000"/>
+            </a:schemeClr>
+          </a:lnRef>
+          <a:fillRef idx="1">
+            <a:schemeClr val="accent1"/>
+          </a:fillRef>
+          <a:effectRef idx="0">
+            <a:schemeClr val="accent1"/>
+          </a:effectRef>
+          <a:fontRef idx="minor">
+            <a:schemeClr val="lt1"/>
+          </a:fontRef>
+        </p:style>
+        <p:txBody>
+          <a:bodyPr rtlCol="0" anchor="ctr"/>
+          <a:lstStyle/>
+          <a:p>
+            <a:pPr algn="ctr"/>
+            <a:endParaRPr lang="en-US" sz="2000" b="1" dirty="0">
+              <a:latin typeface="Arial Narrow" panose="020B0606020202030204" pitchFamily="34" charset="0"/>
+            </a:endParaRPr>
+          </a:p>
+        </p:txBody>
+      </p:sp>
+      <p:sp>
+        <p:nvSpPr>
+          <p:cNvPr id="23" name="Rectangle: Rounded Corners 22">
+            <a:extLst>
+              <a:ext uri="{FF2B5EF4-FFF2-40B4-BE49-F238E27FC236}">
+                <a16:creationId xmlns:a16="http://schemas.microsoft.com/office/drawing/2014/main" id="{1F8CE15E-2EC7-419B-9B10-0944E4E7BB64}"/>
+              </a:ext>
+            </a:extLst>
+          </p:cNvPr>
+          <p:cNvSpPr/>
+          <p:nvPr/>
+        </p:nvSpPr>
+        <p:spPr>
+          <a:xfrm>
+            <a:off x="6455355" y="4250488"/>
+            <a:ext cx="1802331" cy="2104661"/>
+          </a:xfrm>
+          <a:prstGeom prst="roundRect">
+            <a:avLst>
+              <a:gd name="adj" fmla="val 7253"/>
+            </a:avLst>
+          </a:prstGeom>
+          <a:noFill/>
+          <a:ln>
+            <a:noFill/>
+          </a:ln>
+          <a:effectLst/>
+          <a:scene3d>
+            <a:camera prst="orthographicFront">
+              <a:rot lat="0" lon="0" rev="0"/>
+            </a:camera>
+            <a:lightRig rig="chilly" dir="t">
+              <a:rot lat="0" lon="0" rev="18480000"/>
+            </a:lightRig>
+          </a:scene3d>
+          <a:sp3d prstMaterial="clear">
+            <a:bevelT h="63500"/>
+          </a:sp3d>
+        </p:spPr>
+        <p:style>
+          <a:lnRef idx="2">
+            <a:schemeClr val="accent1">
+              <a:shade val="50000"/>
+            </a:schemeClr>
+          </a:lnRef>
+          <a:fillRef idx="1">
+            <a:schemeClr val="accent1"/>
+          </a:fillRef>
+          <a:effectRef idx="0">
+            <a:schemeClr val="accent1"/>
+          </a:effectRef>
+          <a:fontRef idx="minor">
+            <a:schemeClr val="lt1"/>
+          </a:fontRef>
+        </p:style>
+        <p:txBody>
+          <a:bodyPr rtlCol="0" anchor="ctr"/>
+          <a:lstStyle/>
+          <a:p>
+            <a:pPr algn="ctr"/>
+            <a:endParaRPr lang="en-US" sz="2000" b="1" dirty="0">
+              <a:latin typeface="Arial Narrow" panose="020B0606020202030204" pitchFamily="34" charset="0"/>
+            </a:endParaRPr>
+          </a:p>
+        </p:txBody>
+      </p:sp>
+      <p:sp>
+        <p:nvSpPr>
+          <p:cNvPr id="24" name="TextBox 23">
+            <a:extLst>
+              <a:ext uri="{FF2B5EF4-FFF2-40B4-BE49-F238E27FC236}">
+                <a16:creationId xmlns:a16="http://schemas.microsoft.com/office/drawing/2014/main" id="{1D72480D-C09C-42F2-AF4C-B3877C177CC3}"/>
+              </a:ext>
+            </a:extLst>
+          </p:cNvPr>
+          <p:cNvSpPr txBox="1"/>
+          <p:nvPr/>
+        </p:nvSpPr>
+        <p:spPr>
+          <a:xfrm>
+            <a:off x="1188518" y="2696181"/>
+            <a:ext cx="938398" cy="1015663"/>
+          </a:xfrm>
+          <a:prstGeom prst="rect">
+            <a:avLst/>
+          </a:prstGeom>
+          <a:noFill/>
+        </p:spPr>
+        <p:txBody>
+          <a:bodyPr wrap="none" rtlCol="0">
+            <a:spAutoFit/>
+          </a:bodyPr>
+          <a:lstStyle/>
+          <a:p>
+            <a:pPr marL="166688" indent="-166688">
+              <a:buFont typeface="Arial" panose="020B0604020202020204" pitchFamily="34" charset="0"/>
+              <a:buChar char="•"/>
+            </a:pPr>
+            <a:r>
+              <a:rPr lang="en-US" sz="2000" b="1" dirty="0">
+                <a:solidFill>
+                  <a:srgbClr val="00577E"/>
+                </a:solidFill>
+                <a:latin typeface="Arial Narrow" panose="020B0606020202030204" pitchFamily="34" charset="0"/>
+              </a:rPr>
+              <a:t>Shots</a:t>
+            </a:r>
+          </a:p>
+          <a:p>
+            <a:pPr marL="166688" indent="-166688">
+              <a:buFont typeface="Arial" panose="020B0604020202020204" pitchFamily="34" charset="0"/>
+              <a:buChar char="•"/>
+            </a:pPr>
+            <a:r>
+              <a:rPr lang="en-US" sz="2000" b="1" dirty="0">
+                <a:solidFill>
+                  <a:srgbClr val="00577E"/>
+                </a:solidFill>
+                <a:latin typeface="Arial Narrow" panose="020B0606020202030204" pitchFamily="34" charset="0"/>
+              </a:rPr>
+              <a:t>Pass</a:t>
+            </a:r>
+          </a:p>
+          <a:p>
+            <a:pPr marL="166688" indent="-166688">
+              <a:buFont typeface="Arial" panose="020B0604020202020204" pitchFamily="34" charset="0"/>
+              <a:buChar char="•"/>
+            </a:pPr>
+            <a:r>
+              <a:rPr lang="en-US" sz="2000" b="1" dirty="0">
+                <a:solidFill>
+                  <a:srgbClr val="00577E"/>
+                </a:solidFill>
+                <a:latin typeface="Arial Narrow" panose="020B0606020202030204" pitchFamily="34" charset="0"/>
+              </a:rPr>
+              <a:t>Foul</a:t>
+            </a:r>
+          </a:p>
+        </p:txBody>
+      </p:sp>
+      <p:sp>
+        <p:nvSpPr>
+          <p:cNvPr id="25" name="TextBox 24">
+            <a:extLst>
+              <a:ext uri="{FF2B5EF4-FFF2-40B4-BE49-F238E27FC236}">
+                <a16:creationId xmlns:a16="http://schemas.microsoft.com/office/drawing/2014/main" id="{26160063-FD4F-4FF6-B323-B31EE539258B}"/>
+              </a:ext>
+            </a:extLst>
+          </p:cNvPr>
+          <p:cNvSpPr txBox="1"/>
+          <p:nvPr/>
+        </p:nvSpPr>
+        <p:spPr>
+          <a:xfrm>
+            <a:off x="7331313" y="2695491"/>
+            <a:ext cx="810158" cy="1015663"/>
+          </a:xfrm>
+          <a:prstGeom prst="rect">
+            <a:avLst/>
+          </a:prstGeom>
+          <a:noFill/>
+        </p:spPr>
+        <p:txBody>
+          <a:bodyPr wrap="none" rtlCol="0">
+            <a:spAutoFit/>
+          </a:bodyPr>
+          <a:lstStyle/>
+          <a:p>
+            <a:pPr marL="166688" indent="-166688">
+              <a:buFont typeface="Arial" panose="020B0604020202020204" pitchFamily="34" charset="0"/>
+              <a:buChar char="•"/>
+            </a:pPr>
+            <a:r>
+              <a:rPr lang="en-US" sz="2000" b="1" dirty="0">
+                <a:solidFill>
+                  <a:srgbClr val="00577E"/>
+                </a:solidFill>
+                <a:latin typeface="Arial Narrow" panose="020B0606020202030204" pitchFamily="34" charset="0"/>
+              </a:rPr>
+              <a:t>x, y</a:t>
+            </a:r>
+          </a:p>
+          <a:p>
+            <a:pPr marL="166688" indent="-166688">
+              <a:buFont typeface="Arial" panose="020B0604020202020204" pitchFamily="34" charset="0"/>
+              <a:buChar char="•"/>
+            </a:pPr>
+            <a:r>
+              <a:rPr lang="en-US" sz="2000" b="1" dirty="0">
+                <a:solidFill>
+                  <a:srgbClr val="00577E"/>
+                </a:solidFill>
+                <a:latin typeface="Arial Narrow" panose="020B0606020202030204" pitchFamily="34" charset="0"/>
+              </a:rPr>
+              <a:t>start</a:t>
+            </a:r>
+          </a:p>
+          <a:p>
+            <a:pPr marL="166688" indent="-166688">
+              <a:buFont typeface="Arial" panose="020B0604020202020204" pitchFamily="34" charset="0"/>
+              <a:buChar char="•"/>
+            </a:pPr>
+            <a:r>
+              <a:rPr lang="en-US" sz="2000" b="1" dirty="0">
+                <a:solidFill>
+                  <a:srgbClr val="00577E"/>
+                </a:solidFill>
+                <a:latin typeface="Arial Narrow" panose="020B0606020202030204" pitchFamily="34" charset="0"/>
+              </a:rPr>
+              <a:t>end</a:t>
+            </a:r>
+          </a:p>
+        </p:txBody>
+      </p:sp>
+      <p:sp>
+        <p:nvSpPr>
+          <p:cNvPr id="26" name="TextBox 25">
+            <a:extLst>
+              <a:ext uri="{FF2B5EF4-FFF2-40B4-BE49-F238E27FC236}">
+                <a16:creationId xmlns:a16="http://schemas.microsoft.com/office/drawing/2014/main" id="{A8BA53C5-77CF-4DDD-8C5C-056D334E73EE}"/>
+              </a:ext>
+            </a:extLst>
+          </p:cNvPr>
+          <p:cNvSpPr txBox="1"/>
+          <p:nvPr/>
+        </p:nvSpPr>
+        <p:spPr>
+          <a:xfrm>
+            <a:off x="6556214" y="5264974"/>
+            <a:ext cx="1508746" cy="1015663"/>
+          </a:xfrm>
+          <a:prstGeom prst="rect">
+            <a:avLst/>
+          </a:prstGeom>
+          <a:noFill/>
+        </p:spPr>
+        <p:txBody>
+          <a:bodyPr wrap="none" rtlCol="0">
+            <a:spAutoFit/>
+          </a:bodyPr>
+          <a:lstStyle/>
+          <a:p>
+            <a:pPr marL="166688" indent="-166688">
+              <a:buFont typeface="Arial" panose="020B0604020202020204" pitchFamily="34" charset="0"/>
+              <a:buChar char="•"/>
+            </a:pPr>
+            <a:r>
+              <a:rPr lang="en-US" sz="2000" b="1" dirty="0">
+                <a:solidFill>
+                  <a:srgbClr val="00577E"/>
+                </a:solidFill>
+                <a:latin typeface="Arial Narrow" panose="020B0606020202030204" pitchFamily="34" charset="0"/>
+              </a:rPr>
+              <a:t>Yellow card</a:t>
+            </a:r>
+          </a:p>
+          <a:p>
+            <a:pPr marL="166688" indent="-166688">
+              <a:buFont typeface="Arial" panose="020B0604020202020204" pitchFamily="34" charset="0"/>
+              <a:buChar char="•"/>
+            </a:pPr>
+            <a:r>
+              <a:rPr lang="en-US" sz="2000" b="1" dirty="0">
+                <a:solidFill>
+                  <a:srgbClr val="00577E"/>
+                </a:solidFill>
+                <a:latin typeface="Arial Narrow" panose="020B0606020202030204" pitchFamily="34" charset="0"/>
+              </a:rPr>
+              <a:t>Red card</a:t>
+            </a:r>
+          </a:p>
+          <a:p>
+            <a:pPr marL="166688" indent="-166688">
+              <a:buFont typeface="Arial" panose="020B0604020202020204" pitchFamily="34" charset="0"/>
+              <a:buChar char="•"/>
+            </a:pPr>
+            <a:r>
+              <a:rPr lang="en-US" sz="2000" b="1" dirty="0">
+                <a:solidFill>
+                  <a:srgbClr val="00577E"/>
+                </a:solidFill>
+                <a:latin typeface="Arial Narrow" panose="020B0606020202030204" pitchFamily="34" charset="0"/>
+              </a:rPr>
+              <a:t>Accurate</a:t>
+            </a:r>
+          </a:p>
+        </p:txBody>
+      </p:sp>
+      <p:sp>
+        <p:nvSpPr>
+          <p:cNvPr id="27" name="TextBox 26">
+            <a:extLst>
+              <a:ext uri="{FF2B5EF4-FFF2-40B4-BE49-F238E27FC236}">
+                <a16:creationId xmlns:a16="http://schemas.microsoft.com/office/drawing/2014/main" id="{73233433-E353-4C36-A84A-DA39FC0FE1EE}"/>
+              </a:ext>
+            </a:extLst>
+          </p:cNvPr>
+          <p:cNvSpPr txBox="1"/>
+          <p:nvPr/>
+        </p:nvSpPr>
+        <p:spPr>
+          <a:xfrm>
+            <a:off x="3279454" y="2695491"/>
+            <a:ext cx="1592424" cy="1015663"/>
+          </a:xfrm>
+          <a:prstGeom prst="rect">
+            <a:avLst/>
+          </a:prstGeom>
+          <a:noFill/>
+        </p:spPr>
+        <p:txBody>
+          <a:bodyPr wrap="none" rtlCol="0">
+            <a:spAutoFit/>
+          </a:bodyPr>
+          <a:lstStyle/>
+          <a:p>
+            <a:pPr marL="166688" indent="-166688">
+              <a:buFont typeface="Arial" panose="020B0604020202020204" pitchFamily="34" charset="0"/>
+              <a:buChar char="•"/>
+            </a:pPr>
+            <a:r>
+              <a:rPr lang="en-US" sz="2000" b="1" dirty="0">
+                <a:solidFill>
+                  <a:srgbClr val="00577E"/>
+                </a:solidFill>
+                <a:latin typeface="Arial Narrow" panose="020B0606020202030204" pitchFamily="34" charset="0"/>
+              </a:rPr>
+              <a:t>Simple Pass</a:t>
+            </a:r>
+          </a:p>
+          <a:p>
+            <a:pPr marL="166688" indent="-166688">
+              <a:buFont typeface="Arial" panose="020B0604020202020204" pitchFamily="34" charset="0"/>
+              <a:buChar char="•"/>
+            </a:pPr>
+            <a:r>
+              <a:rPr lang="en-US" sz="2000" b="1" dirty="0">
+                <a:solidFill>
+                  <a:srgbClr val="00577E"/>
+                </a:solidFill>
+                <a:latin typeface="Arial Narrow" panose="020B0606020202030204" pitchFamily="34" charset="0"/>
+              </a:rPr>
+              <a:t>Cross</a:t>
+            </a:r>
+          </a:p>
+          <a:p>
+            <a:pPr marL="166688" indent="-166688">
+              <a:buFont typeface="Arial" panose="020B0604020202020204" pitchFamily="34" charset="0"/>
+              <a:buChar char="•"/>
+            </a:pPr>
+            <a:r>
+              <a:rPr lang="en-US" sz="2000" b="1" dirty="0">
+                <a:solidFill>
+                  <a:srgbClr val="00577E"/>
+                </a:solidFill>
+                <a:latin typeface="Arial Narrow" panose="020B0606020202030204" pitchFamily="34" charset="0"/>
+              </a:rPr>
+              <a:t>Goal Kick</a:t>
+            </a:r>
+          </a:p>
+        </p:txBody>
+      </p:sp>
+      <p:sp>
+        <p:nvSpPr>
+          <p:cNvPr id="4" name="TextBox 3">
+            <a:extLst>
+              <a:ext uri="{FF2B5EF4-FFF2-40B4-BE49-F238E27FC236}">
+                <a16:creationId xmlns:a16="http://schemas.microsoft.com/office/drawing/2014/main" id="{A2AD06CB-AC0F-4628-A6C5-065165D1D398}"/>
+              </a:ext>
+            </a:extLst>
+          </p:cNvPr>
+          <p:cNvSpPr txBox="1"/>
+          <p:nvPr/>
+        </p:nvSpPr>
+        <p:spPr>
+          <a:xfrm>
+            <a:off x="5295264" y="2679507"/>
+            <a:ext cx="353302" cy="1015663"/>
+          </a:xfrm>
+          <a:prstGeom prst="rect">
+            <a:avLst/>
+          </a:prstGeom>
+          <a:noFill/>
+        </p:spPr>
+        <p:txBody>
+          <a:bodyPr wrap="none" rtlCol="0">
+            <a:spAutoFit/>
+          </a:bodyPr>
+          <a:lstStyle/>
+          <a:p>
+            <a:pPr marL="166688" indent="-166688">
+              <a:buFont typeface="Arial" panose="020B0604020202020204" pitchFamily="34" charset="0"/>
+              <a:buChar char="•"/>
+            </a:pPr>
+            <a:endParaRPr lang="en-US" sz="2000" b="1" dirty="0">
+              <a:solidFill>
+                <a:srgbClr val="00577E"/>
+              </a:solidFill>
+              <a:latin typeface="Arial Narrow" panose="020B0606020202030204" pitchFamily="34" charset="0"/>
+            </a:endParaRPr>
+          </a:p>
+          <a:p>
+            <a:pPr marL="166688" indent="-166688">
+              <a:buFont typeface="Arial" panose="020B0604020202020204" pitchFamily="34" charset="0"/>
+              <a:buChar char="•"/>
+            </a:pPr>
+            <a:endParaRPr lang="en-US" sz="2000" b="1" dirty="0">
+              <a:solidFill>
+                <a:srgbClr val="00577E"/>
+              </a:solidFill>
+              <a:latin typeface="Arial Narrow" panose="020B0606020202030204" pitchFamily="34" charset="0"/>
+            </a:endParaRPr>
+          </a:p>
+          <a:p>
+            <a:pPr marL="166688" indent="-166688">
+              <a:buFont typeface="Arial" panose="020B0604020202020204" pitchFamily="34" charset="0"/>
+              <a:buChar char="•"/>
+            </a:pPr>
+            <a:endParaRPr lang="en-US" sz="2000" b="1" dirty="0">
+              <a:solidFill>
+                <a:srgbClr val="00577E"/>
+              </a:solidFill>
+              <a:latin typeface="Arial Narrow" panose="020B0606020202030204" pitchFamily="34" charset="0"/>
+            </a:endParaRPr>
+          </a:p>
+        </p:txBody>
+      </p:sp>
+      <p:sp>
+        <p:nvSpPr>
+          <p:cNvPr id="5" name="TextBox 4">
+            <a:extLst>
+              <a:ext uri="{FF2B5EF4-FFF2-40B4-BE49-F238E27FC236}">
+                <a16:creationId xmlns:a16="http://schemas.microsoft.com/office/drawing/2014/main" id="{29DD3659-D9E9-4D4E-B5B3-94B67A848518}"/>
+              </a:ext>
+            </a:extLst>
+          </p:cNvPr>
+          <p:cNvSpPr txBox="1"/>
+          <p:nvPr/>
+        </p:nvSpPr>
+        <p:spPr>
+          <a:xfrm>
+            <a:off x="9317957" y="2679506"/>
+            <a:ext cx="353302" cy="1015663"/>
+          </a:xfrm>
+          <a:prstGeom prst="rect">
+            <a:avLst/>
+          </a:prstGeom>
+          <a:noFill/>
+        </p:spPr>
+        <p:txBody>
+          <a:bodyPr wrap="none" rtlCol="0">
+            <a:spAutoFit/>
+          </a:bodyPr>
+          <a:lstStyle/>
+          <a:p>
+            <a:pPr marL="166688" indent="-166688">
+              <a:buFont typeface="Arial" panose="020B0604020202020204" pitchFamily="34" charset="0"/>
+              <a:buChar char="•"/>
+            </a:pPr>
+            <a:endParaRPr lang="en-US" sz="2000" b="1" dirty="0">
+              <a:solidFill>
+                <a:srgbClr val="00577E"/>
+              </a:solidFill>
+              <a:latin typeface="Arial Narrow" panose="020B0606020202030204" pitchFamily="34" charset="0"/>
+            </a:endParaRPr>
+          </a:p>
+          <a:p>
+            <a:pPr marL="166688" indent="-166688">
+              <a:buFont typeface="Arial" panose="020B0604020202020204" pitchFamily="34" charset="0"/>
+              <a:buChar char="•"/>
+            </a:pPr>
+            <a:endParaRPr lang="en-US" sz="2000" b="1" dirty="0">
+              <a:solidFill>
+                <a:srgbClr val="00577E"/>
+              </a:solidFill>
+              <a:latin typeface="Arial Narrow" panose="020B0606020202030204" pitchFamily="34" charset="0"/>
+            </a:endParaRPr>
+          </a:p>
+          <a:p>
+            <a:pPr marL="166688" indent="-166688">
+              <a:buFont typeface="Arial" panose="020B0604020202020204" pitchFamily="34" charset="0"/>
+              <a:buChar char="•"/>
+            </a:pPr>
+            <a:endParaRPr lang="en-US" sz="2000" b="1" dirty="0">
+              <a:solidFill>
+                <a:srgbClr val="00577E"/>
+              </a:solidFill>
+              <a:latin typeface="Arial Narrow" panose="020B0606020202030204" pitchFamily="34" charset="0"/>
+            </a:endParaRPr>
+          </a:p>
+        </p:txBody>
+      </p:sp>
+      <p:sp>
+        <p:nvSpPr>
+          <p:cNvPr id="6" name="TextBox 5">
+            <a:extLst>
+              <a:ext uri="{FF2B5EF4-FFF2-40B4-BE49-F238E27FC236}">
+                <a16:creationId xmlns:a16="http://schemas.microsoft.com/office/drawing/2014/main" id="{46FFF08C-A00A-452C-9FB5-897F0F9C2026}"/>
+              </a:ext>
+            </a:extLst>
+          </p:cNvPr>
+          <p:cNvSpPr txBox="1"/>
+          <p:nvPr/>
+        </p:nvSpPr>
+        <p:spPr>
+          <a:xfrm>
+            <a:off x="1505371" y="5266318"/>
+            <a:ext cx="353302" cy="1015663"/>
+          </a:xfrm>
+          <a:prstGeom prst="rect">
+            <a:avLst/>
+          </a:prstGeom>
+          <a:noFill/>
+        </p:spPr>
+        <p:txBody>
+          <a:bodyPr wrap="none" rtlCol="0">
+            <a:spAutoFit/>
+          </a:bodyPr>
+          <a:lstStyle/>
+          <a:p>
+            <a:pPr marL="166688" indent="-166688">
+              <a:buFont typeface="Arial" panose="020B0604020202020204" pitchFamily="34" charset="0"/>
+              <a:buChar char="•"/>
+            </a:pPr>
+            <a:endParaRPr lang="en-US" sz="2000" b="1" dirty="0">
+              <a:solidFill>
+                <a:srgbClr val="00577E"/>
+              </a:solidFill>
+              <a:latin typeface="Arial Narrow" panose="020B0606020202030204" pitchFamily="34" charset="0"/>
+            </a:endParaRPr>
+          </a:p>
+          <a:p>
+            <a:pPr marL="166688" indent="-166688">
+              <a:buFont typeface="Arial" panose="020B0604020202020204" pitchFamily="34" charset="0"/>
+              <a:buChar char="•"/>
+            </a:pPr>
+            <a:endParaRPr lang="en-US" sz="2000" b="1" dirty="0">
+              <a:solidFill>
+                <a:srgbClr val="00577E"/>
+              </a:solidFill>
+              <a:latin typeface="Arial Narrow" panose="020B0606020202030204" pitchFamily="34" charset="0"/>
+            </a:endParaRPr>
+          </a:p>
+          <a:p>
+            <a:pPr marL="166688" indent="-166688">
+              <a:buFont typeface="Arial" panose="020B0604020202020204" pitchFamily="34" charset="0"/>
+              <a:buChar char="•"/>
+            </a:pPr>
+            <a:endParaRPr lang="en-US" sz="2000" b="1" dirty="0">
+              <a:solidFill>
+                <a:srgbClr val="00577E"/>
+              </a:solidFill>
+              <a:latin typeface="Arial Narrow" panose="020B0606020202030204" pitchFamily="34" charset="0"/>
+            </a:endParaRPr>
+          </a:p>
+        </p:txBody>
+      </p:sp>
+      <p:sp>
+        <p:nvSpPr>
+          <p:cNvPr id="7" name="TextBox 6">
+            <a:extLst>
+              <a:ext uri="{FF2B5EF4-FFF2-40B4-BE49-F238E27FC236}">
+                <a16:creationId xmlns:a16="http://schemas.microsoft.com/office/drawing/2014/main" id="{DC8BF421-EC0E-41F0-A810-54D65394FB44}"/>
+              </a:ext>
+            </a:extLst>
+          </p:cNvPr>
+          <p:cNvSpPr txBox="1"/>
+          <p:nvPr/>
+        </p:nvSpPr>
+        <p:spPr>
+          <a:xfrm>
+            <a:off x="4052549" y="5302817"/>
+            <a:ext cx="353302" cy="1015663"/>
+          </a:xfrm>
+          <a:prstGeom prst="rect">
+            <a:avLst/>
+          </a:prstGeom>
+          <a:noFill/>
+        </p:spPr>
+        <p:txBody>
+          <a:bodyPr wrap="none" rtlCol="0">
+            <a:spAutoFit/>
+          </a:bodyPr>
+          <a:lstStyle/>
+          <a:p>
+            <a:pPr marL="166688" indent="-166688">
+              <a:buFont typeface="Arial" panose="020B0604020202020204" pitchFamily="34" charset="0"/>
+              <a:buChar char="•"/>
+            </a:pPr>
+            <a:endParaRPr lang="en-US" sz="2000" b="1" dirty="0">
+              <a:solidFill>
+                <a:srgbClr val="00577E"/>
+              </a:solidFill>
+              <a:latin typeface="Arial Narrow" panose="020B0606020202030204" pitchFamily="34" charset="0"/>
+            </a:endParaRPr>
+          </a:p>
+          <a:p>
+            <a:pPr marL="166688" indent="-166688">
+              <a:buFont typeface="Arial" panose="020B0604020202020204" pitchFamily="34" charset="0"/>
+              <a:buChar char="•"/>
+            </a:pPr>
+            <a:endParaRPr lang="en-US" sz="2000" b="1" dirty="0">
+              <a:solidFill>
+                <a:srgbClr val="00577E"/>
+              </a:solidFill>
+              <a:latin typeface="Arial Narrow" panose="020B0606020202030204" pitchFamily="34" charset="0"/>
+            </a:endParaRPr>
+          </a:p>
+          <a:p>
+            <a:pPr marL="166688" indent="-166688">
+              <a:buFont typeface="Arial" panose="020B0604020202020204" pitchFamily="34" charset="0"/>
+              <a:buChar char="•"/>
+            </a:pPr>
+            <a:endParaRPr lang="en-US" sz="2000" b="1" dirty="0">
+              <a:solidFill>
+                <a:srgbClr val="00577E"/>
+              </a:solidFill>
+              <a:latin typeface="Arial Narrow" panose="020B0606020202030204" pitchFamily="34" charset="0"/>
+            </a:endParaRPr>
+          </a:p>
+        </p:txBody>
+      </p:sp>
+      <p:sp>
+        <p:nvSpPr>
+          <p:cNvPr id="30" name="Rectangle: Rounded Corners 29">
+            <a:extLst>
+              <a:ext uri="{FF2B5EF4-FFF2-40B4-BE49-F238E27FC236}">
+                <a16:creationId xmlns:a16="http://schemas.microsoft.com/office/drawing/2014/main" id="{622FED8A-6710-405A-8EEB-2B9A71D48CA2}"/>
+              </a:ext>
+            </a:extLst>
+          </p:cNvPr>
+          <p:cNvSpPr/>
+          <p:nvPr/>
+        </p:nvSpPr>
+        <p:spPr>
+          <a:xfrm>
+            <a:off x="8953073" y="4250487"/>
+            <a:ext cx="1802331" cy="803985"/>
+          </a:xfrm>
+          <a:prstGeom prst="roundRect">
+            <a:avLst/>
+          </a:prstGeom>
+          <a:solidFill>
+            <a:srgbClr val="7030A0"/>
+          </a:solidFill>
+          <a:ln>
+            <a:noFill/>
+          </a:ln>
+          <a:effectLst>
+            <a:outerShdw blurRad="190500" dist="228600" dir="2700000" algn="ctr">
+              <a:srgbClr val="000000">
+                <a:alpha val="30000"/>
+              </a:srgbClr>
+            </a:outerShdw>
+          </a:effectLst>
+          <a:scene3d>
+            <a:camera prst="orthographicFront">
+              <a:rot lat="0" lon="0" rev="0"/>
+            </a:camera>
+            <a:lightRig rig="glow" dir="t">
+              <a:rot lat="0" lon="0" rev="4800000"/>
+            </a:lightRig>
+          </a:scene3d>
+          <a:sp3d prstMaterial="matte">
+            <a:bevelT w="127000" h="63500"/>
+          </a:sp3d>
+        </p:spPr>
+        <p:style>
+          <a:lnRef idx="2">
+            <a:schemeClr val="accent1">
+              <a:shade val="50000"/>
+            </a:schemeClr>
+          </a:lnRef>
+          <a:fillRef idx="1">
+            <a:schemeClr val="accent1"/>
+          </a:fillRef>
+          <a:effectRef idx="0">
+            <a:schemeClr val="accent1"/>
+          </a:effectRef>
+          <a:fontRef idx="minor">
+            <a:schemeClr val="lt1"/>
+          </a:fontRef>
+        </p:style>
+        <p:txBody>
+          <a:bodyPr rtlCol="0" anchor="ctr"/>
+          <a:lstStyle/>
+          <a:p>
+            <a:pPr algn="ctr"/>
+            <a:r>
+              <a:rPr lang="en-US" sz="2000" b="1" dirty="0">
+                <a:latin typeface="Arial Narrow" panose="020B0606020202030204" pitchFamily="34" charset="0"/>
+              </a:rPr>
+              <a:t>Match ID</a:t>
+            </a:r>
+          </a:p>
+        </p:txBody>
+      </p:sp>
+      <p:sp>
+        <p:nvSpPr>
+          <p:cNvPr id="31" name="Rectangle: Rounded Corners 30">
+            <a:extLst>
+              <a:ext uri="{FF2B5EF4-FFF2-40B4-BE49-F238E27FC236}">
+                <a16:creationId xmlns:a16="http://schemas.microsoft.com/office/drawing/2014/main" id="{2F6E0BC0-0AC7-4652-BBFE-A2212A73586F}"/>
+              </a:ext>
+            </a:extLst>
+          </p:cNvPr>
+          <p:cNvSpPr/>
+          <p:nvPr/>
+        </p:nvSpPr>
+        <p:spPr>
+          <a:xfrm>
+            <a:off x="8953073" y="4250486"/>
+            <a:ext cx="1802331" cy="2104661"/>
+          </a:xfrm>
+          <a:prstGeom prst="roundRect">
+            <a:avLst>
+              <a:gd name="adj" fmla="val 7253"/>
+            </a:avLst>
+          </a:prstGeom>
+          <a:noFill/>
+          <a:ln>
+            <a:noFill/>
+          </a:ln>
+          <a:effectLst/>
+          <a:scene3d>
+            <a:camera prst="orthographicFront">
+              <a:rot lat="0" lon="0" rev="0"/>
+            </a:camera>
+            <a:lightRig rig="chilly" dir="t">
+              <a:rot lat="0" lon="0" rev="18480000"/>
+            </a:lightRig>
+          </a:scene3d>
+          <a:sp3d prstMaterial="clear">
+            <a:bevelT h="63500"/>
+          </a:sp3d>
+        </p:spPr>
+        <p:style>
+          <a:lnRef idx="2">
+            <a:schemeClr val="accent1">
+              <a:shade val="50000"/>
+            </a:schemeClr>
+          </a:lnRef>
+          <a:fillRef idx="1">
+            <a:schemeClr val="accent1"/>
+          </a:fillRef>
+          <a:effectRef idx="0">
+            <a:schemeClr val="accent1"/>
+          </a:effectRef>
+          <a:fontRef idx="minor">
+            <a:schemeClr val="lt1"/>
+          </a:fontRef>
+        </p:style>
+        <p:txBody>
+          <a:bodyPr rtlCol="0" anchor="ctr"/>
+          <a:lstStyle/>
+          <a:p>
+            <a:pPr algn="ctr"/>
+            <a:endParaRPr lang="en-US" sz="2000" b="1" dirty="0">
+              <a:latin typeface="Arial Narrow" panose="020B0606020202030204" pitchFamily="34" charset="0"/>
+            </a:endParaRPr>
+          </a:p>
+        </p:txBody>
+      </p:sp>
+      <p:sp>
+        <p:nvSpPr>
+          <p:cNvPr id="32" name="TextBox 31">
+            <a:extLst>
+              <a:ext uri="{FF2B5EF4-FFF2-40B4-BE49-F238E27FC236}">
+                <a16:creationId xmlns:a16="http://schemas.microsoft.com/office/drawing/2014/main" id="{B1DE1F40-72F3-4FC9-B30F-3F4DAF6BCD28}"/>
+              </a:ext>
+            </a:extLst>
+          </p:cNvPr>
+          <p:cNvSpPr txBox="1"/>
+          <p:nvPr/>
+        </p:nvSpPr>
+        <p:spPr>
+          <a:xfrm>
+            <a:off x="9053503" y="5302815"/>
+            <a:ext cx="353302" cy="1015663"/>
+          </a:xfrm>
+          <a:prstGeom prst="rect">
+            <a:avLst/>
+          </a:prstGeom>
+          <a:noFill/>
+        </p:spPr>
+        <p:txBody>
+          <a:bodyPr wrap="none" rtlCol="0">
+            <a:spAutoFit/>
+          </a:bodyPr>
+          <a:lstStyle/>
+          <a:p>
+            <a:pPr marL="166688" indent="-166688">
+              <a:buFont typeface="Arial" panose="020B0604020202020204" pitchFamily="34" charset="0"/>
+              <a:buChar char="•"/>
+            </a:pPr>
+            <a:endParaRPr lang="en-US" sz="2000" b="1" dirty="0">
+              <a:solidFill>
+                <a:srgbClr val="00577E"/>
+              </a:solidFill>
+              <a:latin typeface="Arial Narrow" panose="020B0606020202030204" pitchFamily="34" charset="0"/>
+            </a:endParaRPr>
+          </a:p>
+          <a:p>
+            <a:pPr marL="166688" indent="-166688">
+              <a:buFont typeface="Arial" panose="020B0604020202020204" pitchFamily="34" charset="0"/>
+              <a:buChar char="•"/>
+            </a:pPr>
+            <a:endParaRPr lang="en-US" sz="2000" b="1" dirty="0">
+              <a:solidFill>
+                <a:srgbClr val="00577E"/>
+              </a:solidFill>
+              <a:latin typeface="Arial Narrow" panose="020B0606020202030204" pitchFamily="34" charset="0"/>
+            </a:endParaRPr>
+          </a:p>
+          <a:p>
+            <a:pPr marL="166688" indent="-166688">
+              <a:buFont typeface="Arial" panose="020B0604020202020204" pitchFamily="34" charset="0"/>
+              <a:buChar char="•"/>
+            </a:pPr>
+            <a:endParaRPr lang="en-US" sz="2000" b="1" dirty="0">
+              <a:solidFill>
+                <a:srgbClr val="00577E"/>
+              </a:solidFill>
+              <a:latin typeface="Arial Narrow" panose="020B0606020202030204" pitchFamily="34" charset="0"/>
+            </a:endParaRPr>
+          </a:p>
+        </p:txBody>
+      </p:sp>
+    </p:spTree>
+    <p:extLst>
+      <p:ext uri="{BB962C8B-B14F-4D97-AF65-F5344CB8AC3E}">
+        <p14:creationId xmlns:p14="http://schemas.microsoft.com/office/powerpoint/2010/main" val="3539991135"/>
+      </p:ext>
+    </p:extLst>
+  </p:cSld>
+  <p:clrMapOvr>
+    <a:masterClrMapping/>
+  </p:clrMapOvr>
+</p:sld>
+</file>
+
+<file path=ppt/slides/slide11.xml><?xml version="1.0" encoding="utf-8"?>
+<p:sld xmlns:a="http://schemas.openxmlformats.org/drawingml/2006/main" xmlns:r="http://schemas.openxmlformats.org/officeDocument/2006/relationships" xmlns:p="http://schemas.openxmlformats.org/presentationml/2006/main">
+  <p:cSld>
+    <p:spTree>
+      <p:nvGrpSpPr>
+        <p:cNvPr id="1" name=""/>
+        <p:cNvGrpSpPr/>
+        <p:nvPr/>
+      </p:nvGrpSpPr>
+      <p:grpSpPr>
+        <a:xfrm>
+          <a:off x="0" y="0"/>
+          <a:ext cx="0" cy="0"/>
+          <a:chOff x="0" y="0"/>
+          <a:chExt cx="0" cy="0"/>
+        </a:xfrm>
+      </p:grpSpPr>
+      <p:cxnSp>
+        <p:nvCxnSpPr>
           <p:cNvPr id="2" name="Straight Connector 1">
             <a:extLst>
               <a:ext uri="{FF2B5EF4-FFF2-40B4-BE49-F238E27FC236}">
@@ -4056,7 +6061,7 @@
 </p:sld>
 </file>
 
-<file path=ppt/slides/slide11.xml><?xml version="1.0" encoding="utf-8"?>
+<file path=ppt/slides/slide12.xml><?xml version="1.0" encoding="utf-8"?>
 <p:sld xmlns:a="http://schemas.openxmlformats.org/drawingml/2006/main" xmlns:r="http://schemas.openxmlformats.org/officeDocument/2006/relationships" xmlns:p="http://schemas.openxmlformats.org/presentationml/2006/main">
   <p:cSld>
     <p:spTree>
@@ -4165,7 +6170,7 @@
 </p:sld>
 </file>
 
-<file path=ppt/slides/slide12.xml><?xml version="1.0" encoding="utf-8"?>
+<file path=ppt/slides/slide13.xml><?xml version="1.0" encoding="utf-8"?>
 <p:sld xmlns:a="http://schemas.openxmlformats.org/drawingml/2006/main" xmlns:r="http://schemas.openxmlformats.org/officeDocument/2006/relationships" xmlns:p="http://schemas.openxmlformats.org/presentationml/2006/main">
   <p:cSld>
     <p:spTree>
@@ -12068,6 +14073,235 @@
           <p:cNvPr id="2" name="Straight Connector 1">
             <a:extLst>
               <a:ext uri="{FF2B5EF4-FFF2-40B4-BE49-F238E27FC236}">
+                <a16:creationId xmlns:a16="http://schemas.microsoft.com/office/drawing/2014/main" id="{F44F53FF-CB60-4BDA-BAF7-075D1129A04C}"/>
+              </a:ext>
+            </a:extLst>
+          </p:cNvPr>
+          <p:cNvCxnSpPr/>
+          <p:nvPr/>
+        </p:nvCxnSpPr>
+        <p:spPr>
+          <a:xfrm>
+            <a:off x="0" y="1047750"/>
+            <a:ext cx="12192000" cy="0"/>
+          </a:xfrm>
+          <a:prstGeom prst="line">
+            <a:avLst/>
+          </a:prstGeom>
+          <a:ln w="76200">
+            <a:solidFill>
+              <a:srgbClr val="D2C264"/>
+            </a:solidFill>
+          </a:ln>
+        </p:spPr>
+        <p:style>
+          <a:lnRef idx="1">
+            <a:schemeClr val="accent1"/>
+          </a:lnRef>
+          <a:fillRef idx="0">
+            <a:schemeClr val="accent1"/>
+          </a:fillRef>
+          <a:effectRef idx="0">
+            <a:schemeClr val="accent1"/>
+          </a:effectRef>
+          <a:fontRef idx="minor">
+            <a:schemeClr val="tx1"/>
+          </a:fontRef>
+        </p:style>
+      </p:cxnSp>
+      <p:sp>
+        <p:nvSpPr>
+          <p:cNvPr id="3" name="TextBox 2">
+            <a:extLst>
+              <a:ext uri="{FF2B5EF4-FFF2-40B4-BE49-F238E27FC236}">
+                <a16:creationId xmlns:a16="http://schemas.microsoft.com/office/drawing/2014/main" id="{5D185221-1B9E-4EC1-A3BB-F7F166A2E649}"/>
+              </a:ext>
+            </a:extLst>
+          </p:cNvPr>
+          <p:cNvSpPr txBox="1"/>
+          <p:nvPr/>
+        </p:nvSpPr>
+        <p:spPr>
+          <a:xfrm>
+            <a:off x="439692" y="229258"/>
+            <a:ext cx="4661020" cy="584775"/>
+          </a:xfrm>
+          <a:prstGeom prst="rect">
+            <a:avLst/>
+          </a:prstGeom>
+          <a:noFill/>
+        </p:spPr>
+        <p:txBody>
+          <a:bodyPr wrap="none" rtlCol="0">
+            <a:spAutoFit/>
+          </a:bodyPr>
+          <a:lstStyle/>
+          <a:p>
+            <a:r>
+              <a:rPr lang="en-US" sz="3200" b="1" dirty="0">
+                <a:latin typeface="Times New Roman" panose="02020603050405020304" pitchFamily="18" charset="0"/>
+                <a:cs typeface="Times New Roman" panose="02020603050405020304" pitchFamily="18" charset="0"/>
+              </a:rPr>
+              <a:t>Visualizing Match Events</a:t>
+            </a:r>
+          </a:p>
+        </p:txBody>
+      </p:sp>
+      <p:pic>
+        <p:nvPicPr>
+          <p:cNvPr id="6" name="Picture 5">
+            <a:extLst>
+              <a:ext uri="{FF2B5EF4-FFF2-40B4-BE49-F238E27FC236}">
+                <a16:creationId xmlns:a16="http://schemas.microsoft.com/office/drawing/2014/main" id="{BB23E385-43D3-4488-BB88-D3B73729ABC1}"/>
+              </a:ext>
+            </a:extLst>
+          </p:cNvPr>
+          <p:cNvPicPr>
+            <a:picLocks noChangeAspect="1"/>
+          </p:cNvPicPr>
+          <p:nvPr/>
+        </p:nvPicPr>
+        <p:blipFill>
+          <a:blip r:embed="rId2"/>
+          <a:stretch>
+            <a:fillRect/>
+          </a:stretch>
+        </p:blipFill>
+        <p:spPr>
+          <a:xfrm>
+            <a:off x="1319945" y="1188707"/>
+            <a:ext cx="4343400" cy="2682050"/>
+          </a:xfrm>
+          <a:prstGeom prst="rect">
+            <a:avLst/>
+          </a:prstGeom>
+        </p:spPr>
+      </p:pic>
+      <p:pic>
+        <p:nvPicPr>
+          <p:cNvPr id="7" name="Picture 6">
+            <a:extLst>
+              <a:ext uri="{FF2B5EF4-FFF2-40B4-BE49-F238E27FC236}">
+                <a16:creationId xmlns:a16="http://schemas.microsoft.com/office/drawing/2014/main" id="{02049588-D35A-4493-BF2C-3F86550673B9}"/>
+              </a:ext>
+            </a:extLst>
+          </p:cNvPr>
+          <p:cNvPicPr>
+            <a:picLocks noChangeAspect="1"/>
+          </p:cNvPicPr>
+          <p:nvPr/>
+        </p:nvPicPr>
+        <p:blipFill>
+          <a:blip r:embed="rId3"/>
+          <a:stretch>
+            <a:fillRect/>
+          </a:stretch>
+        </p:blipFill>
+        <p:spPr>
+          <a:xfrm>
+            <a:off x="6528657" y="1188707"/>
+            <a:ext cx="4343400" cy="2682050"/>
+          </a:xfrm>
+          <a:prstGeom prst="rect">
+            <a:avLst/>
+          </a:prstGeom>
+        </p:spPr>
+      </p:pic>
+      <p:pic>
+        <p:nvPicPr>
+          <p:cNvPr id="8" name="Picture 7">
+            <a:extLst>
+              <a:ext uri="{FF2B5EF4-FFF2-40B4-BE49-F238E27FC236}">
+                <a16:creationId xmlns:a16="http://schemas.microsoft.com/office/drawing/2014/main" id="{225C4CDF-6F55-425F-85C0-F2E4B04E43FD}"/>
+              </a:ext>
+            </a:extLst>
+          </p:cNvPr>
+          <p:cNvPicPr>
+            <a:picLocks noChangeAspect="1"/>
+          </p:cNvPicPr>
+          <p:nvPr/>
+        </p:nvPicPr>
+        <p:blipFill>
+          <a:blip r:embed="rId4"/>
+          <a:stretch>
+            <a:fillRect/>
+          </a:stretch>
+        </p:blipFill>
+        <p:spPr>
+          <a:xfrm>
+            <a:off x="1319945" y="4011917"/>
+            <a:ext cx="4343400" cy="2682050"/>
+          </a:xfrm>
+          <a:prstGeom prst="rect">
+            <a:avLst/>
+          </a:prstGeom>
+        </p:spPr>
+      </p:pic>
+      <p:pic>
+        <p:nvPicPr>
+          <p:cNvPr id="9" name="Picture 8">
+            <a:extLst>
+              <a:ext uri="{FF2B5EF4-FFF2-40B4-BE49-F238E27FC236}">
+                <a16:creationId xmlns:a16="http://schemas.microsoft.com/office/drawing/2014/main" id="{B2C6BC1C-BC56-4F85-B7A1-5BE025D05D74}"/>
+              </a:ext>
+            </a:extLst>
+          </p:cNvPr>
+          <p:cNvPicPr>
+            <a:picLocks noChangeAspect="1"/>
+          </p:cNvPicPr>
+          <p:nvPr/>
+        </p:nvPicPr>
+        <p:blipFill>
+          <a:blip r:embed="rId5"/>
+          <a:stretch>
+            <a:fillRect/>
+          </a:stretch>
+        </p:blipFill>
+        <p:spPr>
+          <a:xfrm>
+            <a:off x="6528657" y="4011917"/>
+            <a:ext cx="4343400" cy="2682050"/>
+          </a:xfrm>
+          <a:prstGeom prst="rect">
+            <a:avLst/>
+          </a:prstGeom>
+        </p:spPr>
+      </p:pic>
+    </p:spTree>
+    <p:extLst>
+      <p:ext uri="{BB962C8B-B14F-4D97-AF65-F5344CB8AC3E}">
+        <p14:creationId xmlns:p14="http://schemas.microsoft.com/office/powerpoint/2010/main" val="3141665391"/>
+      </p:ext>
+    </p:extLst>
+  </p:cSld>
+  <p:clrMapOvr>
+    <a:masterClrMapping/>
+  </p:clrMapOvr>
+</p:sld>
+</file>
+
+<file path=ppt/slides/slide7.xml><?xml version="1.0" encoding="utf-8"?>
+<p:sld xmlns:a="http://schemas.openxmlformats.org/drawingml/2006/main" xmlns:r="http://schemas.openxmlformats.org/officeDocument/2006/relationships" xmlns:p="http://schemas.openxmlformats.org/presentationml/2006/main">
+  <p:cSld>
+    <p:spTree>
+      <p:nvGrpSpPr>
+        <p:cNvPr id="1" name=""/>
+        <p:cNvGrpSpPr/>
+        <p:nvPr/>
+      </p:nvGrpSpPr>
+      <p:grpSpPr>
+        <a:xfrm>
+          <a:off x="0" y="0"/>
+          <a:ext cx="0" cy="0"/>
+          <a:chOff x="0" y="0"/>
+          <a:chExt cx="0" cy="0"/>
+        </a:xfrm>
+      </p:grpSpPr>
+      <p:cxnSp>
+        <p:nvCxnSpPr>
+          <p:cNvPr id="2" name="Straight Connector 1">
+            <a:extLst>
+              <a:ext uri="{FF2B5EF4-FFF2-40B4-BE49-F238E27FC236}">
                 <a16:creationId xmlns:a16="http://schemas.microsoft.com/office/drawing/2014/main" id="{6B2A0167-33CF-48BF-A2ED-757ECB5D4774}"/>
               </a:ext>
             </a:extLst>
@@ -12155,7 +14389,7 @@
 </p:sld>
 </file>
 
-<file path=ppt/slides/slide7.xml><?xml version="1.0" encoding="utf-8"?>
+<file path=ppt/slides/slide8.xml><?xml version="1.0" encoding="utf-8"?>
 <p:sld xmlns:a="http://schemas.openxmlformats.org/drawingml/2006/main" xmlns:r="http://schemas.openxmlformats.org/officeDocument/2006/relationships" xmlns:p="http://schemas.openxmlformats.org/presentationml/2006/main">
   <p:cSld>
     <p:spTree>
@@ -12435,7 +14669,7 @@
 </p:sld>
 </file>
 
-<file path=ppt/slides/slide8.xml><?xml version="1.0" encoding="utf-8"?>
+<file path=ppt/slides/slide9.xml><?xml version="1.0" encoding="utf-8"?>
 <p:sld xmlns:a="http://schemas.openxmlformats.org/drawingml/2006/main" xmlns:r="http://schemas.openxmlformats.org/officeDocument/2006/relationships" xmlns:p="http://schemas.openxmlformats.org/presentationml/2006/main">
   <p:cSld>
     <p:spTree>
@@ -12679,2005 +14913,6 @@
     <p:extLst>
       <p:ext uri="{BB962C8B-B14F-4D97-AF65-F5344CB8AC3E}">
         <p14:creationId xmlns:p14="http://schemas.microsoft.com/office/powerpoint/2010/main" val="992733778"/>
-      </p:ext>
-    </p:extLst>
-  </p:cSld>
-  <p:clrMapOvr>
-    <a:masterClrMapping/>
-  </p:clrMapOvr>
-</p:sld>
-</file>
-
-<file path=ppt/slides/slide9.xml><?xml version="1.0" encoding="utf-8"?>
-<p:sld xmlns:a="http://schemas.openxmlformats.org/drawingml/2006/main" xmlns:r="http://schemas.openxmlformats.org/officeDocument/2006/relationships" xmlns:p="http://schemas.openxmlformats.org/presentationml/2006/main">
-  <p:cSld>
-    <p:spTree>
-      <p:nvGrpSpPr>
-        <p:cNvPr id="1" name=""/>
-        <p:cNvGrpSpPr/>
-        <p:nvPr/>
-      </p:nvGrpSpPr>
-      <p:grpSpPr>
-        <a:xfrm>
-          <a:off x="0" y="0"/>
-          <a:ext cx="0" cy="0"/>
-          <a:chOff x="0" y="0"/>
-          <a:chExt cx="0" cy="0"/>
-        </a:xfrm>
-      </p:grpSpPr>
-      <p:cxnSp>
-        <p:nvCxnSpPr>
-          <p:cNvPr id="28" name="Straight Connector 27">
-            <a:extLst>
-              <a:ext uri="{FF2B5EF4-FFF2-40B4-BE49-F238E27FC236}">
-                <a16:creationId xmlns:a16="http://schemas.microsoft.com/office/drawing/2014/main" id="{5BC01C7A-1442-4981-9CA7-DBED2A4FA907}"/>
-              </a:ext>
-            </a:extLst>
-          </p:cNvPr>
-          <p:cNvCxnSpPr/>
-          <p:nvPr/>
-        </p:nvCxnSpPr>
-        <p:spPr>
-          <a:xfrm>
-            <a:off x="0" y="1047750"/>
-            <a:ext cx="12192000" cy="0"/>
-          </a:xfrm>
-          <a:prstGeom prst="line">
-            <a:avLst/>
-          </a:prstGeom>
-          <a:ln w="76200">
-            <a:solidFill>
-              <a:srgbClr val="D2C264"/>
-            </a:solidFill>
-          </a:ln>
-        </p:spPr>
-        <p:style>
-          <a:lnRef idx="1">
-            <a:schemeClr val="accent1"/>
-          </a:lnRef>
-          <a:fillRef idx="0">
-            <a:schemeClr val="accent1"/>
-          </a:fillRef>
-          <a:effectRef idx="0">
-            <a:schemeClr val="accent1"/>
-          </a:effectRef>
-          <a:fontRef idx="minor">
-            <a:schemeClr val="tx1"/>
-          </a:fontRef>
-        </p:style>
-      </p:cxnSp>
-      <p:sp>
-        <p:nvSpPr>
-          <p:cNvPr id="29" name="TextBox 28">
-            <a:extLst>
-              <a:ext uri="{FF2B5EF4-FFF2-40B4-BE49-F238E27FC236}">
-                <a16:creationId xmlns:a16="http://schemas.microsoft.com/office/drawing/2014/main" id="{FD8A799C-BE52-4998-90B7-F7B21AE43B0E}"/>
-              </a:ext>
-            </a:extLst>
-          </p:cNvPr>
-          <p:cNvSpPr txBox="1"/>
-          <p:nvPr/>
-        </p:nvSpPr>
-        <p:spPr>
-          <a:xfrm>
-            <a:off x="439692" y="229258"/>
-            <a:ext cx="4559261" cy="584775"/>
-          </a:xfrm>
-          <a:prstGeom prst="rect">
-            <a:avLst/>
-          </a:prstGeom>
-          <a:noFill/>
-        </p:spPr>
-        <p:txBody>
-          <a:bodyPr wrap="none" rtlCol="0">
-            <a:spAutoFit/>
-          </a:bodyPr>
-          <a:lstStyle/>
-          <a:p>
-            <a:r>
-              <a:rPr lang="en-US" sz="3200" b="1" dirty="0">
-                <a:latin typeface="Times New Roman" panose="02020603050405020304" pitchFamily="18" charset="0"/>
-                <a:cs typeface="Times New Roman" panose="02020603050405020304" pitchFamily="18" charset="0"/>
-              </a:rPr>
-              <a:t>Calculating Match Stats:</a:t>
-            </a:r>
-          </a:p>
-        </p:txBody>
-      </p:sp>
-      <p:sp>
-        <p:nvSpPr>
-          <p:cNvPr id="8" name="Rectangle: Rounded Corners 7">
-            <a:extLst>
-              <a:ext uri="{FF2B5EF4-FFF2-40B4-BE49-F238E27FC236}">
-                <a16:creationId xmlns:a16="http://schemas.microsoft.com/office/drawing/2014/main" id="{F4435332-69FC-4D75-B3A6-EA7EB1DA13F2}"/>
-              </a:ext>
-            </a:extLst>
-          </p:cNvPr>
-          <p:cNvSpPr/>
-          <p:nvPr/>
-        </p:nvSpPr>
-        <p:spPr>
-          <a:xfrm>
-            <a:off x="1124868" y="1733907"/>
-            <a:ext cx="1802331" cy="803985"/>
-          </a:xfrm>
-          <a:prstGeom prst="roundRect">
-            <a:avLst/>
-          </a:prstGeom>
-          <a:solidFill>
-            <a:srgbClr val="00B050"/>
-          </a:solidFill>
-          <a:ln>
-            <a:noFill/>
-          </a:ln>
-          <a:effectLst>
-            <a:outerShdw blurRad="190500" dist="228600" dir="2700000" algn="ctr">
-              <a:srgbClr val="000000">
-                <a:alpha val="30000"/>
-              </a:srgbClr>
-            </a:outerShdw>
-          </a:effectLst>
-          <a:scene3d>
-            <a:camera prst="orthographicFront">
-              <a:rot lat="0" lon="0" rev="0"/>
-            </a:camera>
-            <a:lightRig rig="glow" dir="t">
-              <a:rot lat="0" lon="0" rev="4800000"/>
-            </a:lightRig>
-          </a:scene3d>
-          <a:sp3d prstMaterial="matte">
-            <a:bevelT w="127000" h="63500"/>
-          </a:sp3d>
-        </p:spPr>
-        <p:style>
-          <a:lnRef idx="2">
-            <a:schemeClr val="accent1">
-              <a:shade val="50000"/>
-            </a:schemeClr>
-          </a:lnRef>
-          <a:fillRef idx="1">
-            <a:schemeClr val="accent1"/>
-          </a:fillRef>
-          <a:effectRef idx="0">
-            <a:schemeClr val="accent1"/>
-          </a:effectRef>
-          <a:fontRef idx="minor">
-            <a:schemeClr val="lt1"/>
-          </a:fontRef>
-        </p:style>
-        <p:txBody>
-          <a:bodyPr rtlCol="0" anchor="ctr"/>
-          <a:lstStyle/>
-          <a:p>
-            <a:pPr algn="ctr"/>
-            <a:r>
-              <a:rPr lang="en-US" sz="2000" b="1" dirty="0">
-                <a:latin typeface="Arial Narrow" panose="020B0606020202030204" pitchFamily="34" charset="0"/>
-              </a:rPr>
-              <a:t>Event Name</a:t>
-            </a:r>
-          </a:p>
-        </p:txBody>
-      </p:sp>
-      <p:sp>
-        <p:nvSpPr>
-          <p:cNvPr id="9" name="Rectangle: Rounded Corners 8">
-            <a:extLst>
-              <a:ext uri="{FF2B5EF4-FFF2-40B4-BE49-F238E27FC236}">
-                <a16:creationId xmlns:a16="http://schemas.microsoft.com/office/drawing/2014/main" id="{1F7799C2-40DE-491E-922C-E05F43B64704}"/>
-              </a:ext>
-            </a:extLst>
-          </p:cNvPr>
-          <p:cNvSpPr/>
-          <p:nvPr/>
-        </p:nvSpPr>
-        <p:spPr>
-          <a:xfrm>
-            <a:off x="3177522" y="1733906"/>
-            <a:ext cx="1802331" cy="803985"/>
-          </a:xfrm>
-          <a:prstGeom prst="roundRect">
-            <a:avLst/>
-          </a:prstGeom>
-          <a:solidFill>
-            <a:srgbClr val="00577E"/>
-          </a:solidFill>
-          <a:ln>
-            <a:noFill/>
-          </a:ln>
-          <a:effectLst>
-            <a:outerShdw blurRad="190500" dist="228600" dir="2700000" algn="ctr">
-              <a:srgbClr val="000000">
-                <a:alpha val="30000"/>
-              </a:srgbClr>
-            </a:outerShdw>
-          </a:effectLst>
-          <a:scene3d>
-            <a:camera prst="orthographicFront">
-              <a:rot lat="0" lon="0" rev="0"/>
-            </a:camera>
-            <a:lightRig rig="glow" dir="t">
-              <a:rot lat="0" lon="0" rev="4800000"/>
-            </a:lightRig>
-          </a:scene3d>
-          <a:sp3d prstMaterial="matte">
-            <a:bevelT w="127000" h="63500"/>
-          </a:sp3d>
-        </p:spPr>
-        <p:style>
-          <a:lnRef idx="2">
-            <a:schemeClr val="accent1">
-              <a:shade val="50000"/>
-            </a:schemeClr>
-          </a:lnRef>
-          <a:fillRef idx="1">
-            <a:schemeClr val="accent1"/>
-          </a:fillRef>
-          <a:effectRef idx="0">
-            <a:schemeClr val="accent1"/>
-          </a:effectRef>
-          <a:fontRef idx="minor">
-            <a:schemeClr val="lt1"/>
-          </a:fontRef>
-        </p:style>
-        <p:txBody>
-          <a:bodyPr rtlCol="0" anchor="ctr"/>
-          <a:lstStyle/>
-          <a:p>
-            <a:pPr algn="ctr"/>
-            <a:r>
-              <a:rPr lang="en-US" sz="2000" b="1" dirty="0">
-                <a:latin typeface="Arial Narrow" panose="020B0606020202030204" pitchFamily="34" charset="0"/>
-              </a:rPr>
-              <a:t>Subevent Name</a:t>
-            </a:r>
-          </a:p>
-        </p:txBody>
-      </p:sp>
-      <p:sp>
-        <p:nvSpPr>
-          <p:cNvPr id="10" name="Rectangle: Rounded Corners 9">
-            <a:extLst>
-              <a:ext uri="{FF2B5EF4-FFF2-40B4-BE49-F238E27FC236}">
-                <a16:creationId xmlns:a16="http://schemas.microsoft.com/office/drawing/2014/main" id="{C41A0105-3D0A-41A6-979A-05BB97B6C5C7}"/>
-              </a:ext>
-            </a:extLst>
-          </p:cNvPr>
-          <p:cNvSpPr/>
-          <p:nvPr/>
-        </p:nvSpPr>
-        <p:spPr>
-          <a:xfrm>
-            <a:off x="5194834" y="1733905"/>
-            <a:ext cx="1802331" cy="803985"/>
-          </a:xfrm>
-          <a:prstGeom prst="roundRect">
-            <a:avLst/>
-          </a:prstGeom>
-          <a:solidFill>
-            <a:srgbClr val="00B050"/>
-          </a:solidFill>
-          <a:ln>
-            <a:noFill/>
-          </a:ln>
-          <a:effectLst>
-            <a:outerShdw blurRad="190500" dist="228600" dir="2700000" algn="ctr">
-              <a:srgbClr val="000000">
-                <a:alpha val="30000"/>
-              </a:srgbClr>
-            </a:outerShdw>
-          </a:effectLst>
-          <a:scene3d>
-            <a:camera prst="orthographicFront">
-              <a:rot lat="0" lon="0" rev="0"/>
-            </a:camera>
-            <a:lightRig rig="glow" dir="t">
-              <a:rot lat="0" lon="0" rev="4800000"/>
-            </a:lightRig>
-          </a:scene3d>
-          <a:sp3d prstMaterial="matte">
-            <a:bevelT w="127000" h="63500"/>
-          </a:sp3d>
-        </p:spPr>
-        <p:style>
-          <a:lnRef idx="2">
-            <a:schemeClr val="accent1">
-              <a:shade val="50000"/>
-            </a:schemeClr>
-          </a:lnRef>
-          <a:fillRef idx="1">
-            <a:schemeClr val="accent1"/>
-          </a:fillRef>
-          <a:effectRef idx="0">
-            <a:schemeClr val="accent1"/>
-          </a:effectRef>
-          <a:fontRef idx="minor">
-            <a:schemeClr val="lt1"/>
-          </a:fontRef>
-        </p:style>
-        <p:txBody>
-          <a:bodyPr rtlCol="0" anchor="ctr"/>
-          <a:lstStyle/>
-          <a:p>
-            <a:pPr algn="ctr"/>
-            <a:r>
-              <a:rPr lang="en-US" sz="2000" b="1" dirty="0">
-                <a:latin typeface="Arial Narrow" panose="020B0606020202030204" pitchFamily="34" charset="0"/>
-              </a:rPr>
-              <a:t>Event Time</a:t>
-            </a:r>
-          </a:p>
-        </p:txBody>
-      </p:sp>
-      <p:sp>
-        <p:nvSpPr>
-          <p:cNvPr id="11" name="Rectangle: Rounded Corners 10">
-            <a:extLst>
-              <a:ext uri="{FF2B5EF4-FFF2-40B4-BE49-F238E27FC236}">
-                <a16:creationId xmlns:a16="http://schemas.microsoft.com/office/drawing/2014/main" id="{61A8BB1B-DF19-4230-B91C-FA1B01C9D034}"/>
-              </a:ext>
-            </a:extLst>
-          </p:cNvPr>
-          <p:cNvSpPr/>
-          <p:nvPr/>
-        </p:nvSpPr>
-        <p:spPr>
-          <a:xfrm>
-            <a:off x="7247488" y="1733905"/>
-            <a:ext cx="1802331" cy="803985"/>
-          </a:xfrm>
-          <a:prstGeom prst="roundRect">
-            <a:avLst/>
-          </a:prstGeom>
-          <a:solidFill>
-            <a:srgbClr val="00577E"/>
-          </a:solidFill>
-          <a:ln>
-            <a:noFill/>
-          </a:ln>
-          <a:effectLst>
-            <a:outerShdw blurRad="190500" dist="228600" dir="2700000" algn="ctr">
-              <a:srgbClr val="000000">
-                <a:alpha val="30000"/>
-              </a:srgbClr>
-            </a:outerShdw>
-          </a:effectLst>
-          <a:scene3d>
-            <a:camera prst="orthographicFront">
-              <a:rot lat="0" lon="0" rev="0"/>
-            </a:camera>
-            <a:lightRig rig="glow" dir="t">
-              <a:rot lat="0" lon="0" rev="4800000"/>
-            </a:lightRig>
-          </a:scene3d>
-          <a:sp3d prstMaterial="matte">
-            <a:bevelT w="127000" h="63500"/>
-          </a:sp3d>
-        </p:spPr>
-        <p:style>
-          <a:lnRef idx="2">
-            <a:schemeClr val="accent1">
-              <a:shade val="50000"/>
-            </a:schemeClr>
-          </a:lnRef>
-          <a:fillRef idx="1">
-            <a:schemeClr val="accent1"/>
-          </a:fillRef>
-          <a:effectRef idx="0">
-            <a:schemeClr val="accent1"/>
-          </a:effectRef>
-          <a:fontRef idx="minor">
-            <a:schemeClr val="lt1"/>
-          </a:fontRef>
-        </p:style>
-        <p:txBody>
-          <a:bodyPr rtlCol="0" anchor="ctr"/>
-          <a:lstStyle/>
-          <a:p>
-            <a:pPr algn="ctr"/>
-            <a:r>
-              <a:rPr lang="en-US" sz="2000" b="1" dirty="0">
-                <a:latin typeface="Arial Narrow" panose="020B0606020202030204" pitchFamily="34" charset="0"/>
-              </a:rPr>
-              <a:t>Event Coordinates</a:t>
-            </a:r>
-          </a:p>
-        </p:txBody>
-      </p:sp>
-      <p:sp>
-        <p:nvSpPr>
-          <p:cNvPr id="12" name="Rectangle: Rounded Corners 11">
-            <a:extLst>
-              <a:ext uri="{FF2B5EF4-FFF2-40B4-BE49-F238E27FC236}">
-                <a16:creationId xmlns:a16="http://schemas.microsoft.com/office/drawing/2014/main" id="{C9762CBF-3494-4AB6-8F84-63E4F89FFE81}"/>
-              </a:ext>
-            </a:extLst>
-          </p:cNvPr>
-          <p:cNvSpPr/>
-          <p:nvPr/>
-        </p:nvSpPr>
-        <p:spPr>
-          <a:xfrm>
-            <a:off x="9264802" y="1733904"/>
-            <a:ext cx="1802331" cy="803985"/>
-          </a:xfrm>
-          <a:prstGeom prst="roundRect">
-            <a:avLst/>
-          </a:prstGeom>
-          <a:solidFill>
-            <a:srgbClr val="00577E"/>
-          </a:solidFill>
-          <a:ln>
-            <a:noFill/>
-          </a:ln>
-          <a:effectLst>
-            <a:outerShdw blurRad="190500" dist="228600" dir="2700000" algn="ctr">
-              <a:srgbClr val="000000">
-                <a:alpha val="30000"/>
-              </a:srgbClr>
-            </a:outerShdw>
-          </a:effectLst>
-          <a:scene3d>
-            <a:camera prst="orthographicFront">
-              <a:rot lat="0" lon="0" rev="0"/>
-            </a:camera>
-            <a:lightRig rig="glow" dir="t">
-              <a:rot lat="0" lon="0" rev="4800000"/>
-            </a:lightRig>
-          </a:scene3d>
-          <a:sp3d prstMaterial="matte">
-            <a:bevelT w="127000" h="63500"/>
-          </a:sp3d>
-        </p:spPr>
-        <p:style>
-          <a:lnRef idx="2">
-            <a:schemeClr val="accent1">
-              <a:shade val="50000"/>
-            </a:schemeClr>
-          </a:lnRef>
-          <a:fillRef idx="1">
-            <a:schemeClr val="accent1"/>
-          </a:fillRef>
-          <a:effectRef idx="0">
-            <a:schemeClr val="accent1"/>
-          </a:effectRef>
-          <a:fontRef idx="minor">
-            <a:schemeClr val="lt1"/>
-          </a:fontRef>
-        </p:style>
-        <p:txBody>
-          <a:bodyPr rtlCol="0" anchor="ctr"/>
-          <a:lstStyle/>
-          <a:p>
-            <a:pPr algn="ctr"/>
-            <a:r>
-              <a:rPr lang="en-US" sz="2000" b="1" dirty="0">
-                <a:latin typeface="Arial Narrow" panose="020B0606020202030204" pitchFamily="34" charset="0"/>
-              </a:rPr>
-              <a:t>Player</a:t>
-            </a:r>
-          </a:p>
-        </p:txBody>
-      </p:sp>
-      <p:sp>
-        <p:nvSpPr>
-          <p:cNvPr id="13" name="Rectangle: Rounded Corners 12">
-            <a:extLst>
-              <a:ext uri="{FF2B5EF4-FFF2-40B4-BE49-F238E27FC236}">
-                <a16:creationId xmlns:a16="http://schemas.microsoft.com/office/drawing/2014/main" id="{0AD5A17F-D6F5-4898-90E7-32F83AD408E4}"/>
-              </a:ext>
-            </a:extLst>
-          </p:cNvPr>
-          <p:cNvSpPr/>
-          <p:nvPr/>
-        </p:nvSpPr>
-        <p:spPr>
-          <a:xfrm>
-            <a:off x="1482210" y="4250487"/>
-            <a:ext cx="1802331" cy="803985"/>
-          </a:xfrm>
-          <a:prstGeom prst="roundRect">
-            <a:avLst/>
-          </a:prstGeom>
-          <a:solidFill>
-            <a:srgbClr val="00B050"/>
-          </a:solidFill>
-          <a:ln>
-            <a:noFill/>
-          </a:ln>
-          <a:effectLst>
-            <a:outerShdw blurRad="190500" dist="228600" dir="2700000" algn="ctr">
-              <a:srgbClr val="000000">
-                <a:alpha val="30000"/>
-              </a:srgbClr>
-            </a:outerShdw>
-          </a:effectLst>
-          <a:scene3d>
-            <a:camera prst="orthographicFront">
-              <a:rot lat="0" lon="0" rev="0"/>
-            </a:camera>
-            <a:lightRig rig="glow" dir="t">
-              <a:rot lat="0" lon="0" rev="4800000"/>
-            </a:lightRig>
-          </a:scene3d>
-          <a:sp3d prstMaterial="matte">
-            <a:bevelT w="127000" h="63500"/>
-          </a:sp3d>
-        </p:spPr>
-        <p:style>
-          <a:lnRef idx="2">
-            <a:schemeClr val="accent1">
-              <a:shade val="50000"/>
-            </a:schemeClr>
-          </a:lnRef>
-          <a:fillRef idx="1">
-            <a:schemeClr val="accent1"/>
-          </a:fillRef>
-          <a:effectRef idx="0">
-            <a:schemeClr val="accent1"/>
-          </a:effectRef>
-          <a:fontRef idx="minor">
-            <a:schemeClr val="lt1"/>
-          </a:fontRef>
-        </p:style>
-        <p:txBody>
-          <a:bodyPr rtlCol="0" anchor="ctr"/>
-          <a:lstStyle/>
-          <a:p>
-            <a:pPr algn="ctr"/>
-            <a:r>
-              <a:rPr lang="en-US" sz="2000" b="1" dirty="0">
-                <a:latin typeface="Arial Narrow" panose="020B0606020202030204" pitchFamily="34" charset="0"/>
-              </a:rPr>
-              <a:t>Team</a:t>
-            </a:r>
-          </a:p>
-        </p:txBody>
-      </p:sp>
-      <p:sp>
-        <p:nvSpPr>
-          <p:cNvPr id="14" name="Rectangle: Rounded Corners 13">
-            <a:extLst>
-              <a:ext uri="{FF2B5EF4-FFF2-40B4-BE49-F238E27FC236}">
-                <a16:creationId xmlns:a16="http://schemas.microsoft.com/office/drawing/2014/main" id="{427388F0-F1BF-49F1-AB90-BF4F855265CB}"/>
-              </a:ext>
-            </a:extLst>
-          </p:cNvPr>
-          <p:cNvSpPr/>
-          <p:nvPr/>
-        </p:nvSpPr>
-        <p:spPr>
-          <a:xfrm>
-            <a:off x="3952119" y="4250489"/>
-            <a:ext cx="1802331" cy="803985"/>
-          </a:xfrm>
-          <a:prstGeom prst="roundRect">
-            <a:avLst/>
-          </a:prstGeom>
-          <a:solidFill>
-            <a:srgbClr val="00577E"/>
-          </a:solidFill>
-          <a:ln>
-            <a:noFill/>
-          </a:ln>
-          <a:effectLst>
-            <a:outerShdw blurRad="190500" dist="228600" dir="2700000" algn="ctr">
-              <a:srgbClr val="000000">
-                <a:alpha val="30000"/>
-              </a:srgbClr>
-            </a:outerShdw>
-          </a:effectLst>
-          <a:scene3d>
-            <a:camera prst="orthographicFront">
-              <a:rot lat="0" lon="0" rev="0"/>
-            </a:camera>
-            <a:lightRig rig="glow" dir="t">
-              <a:rot lat="0" lon="0" rev="4800000"/>
-            </a:lightRig>
-          </a:scene3d>
-          <a:sp3d prstMaterial="matte">
-            <a:bevelT w="127000" h="63500"/>
-          </a:sp3d>
-        </p:spPr>
-        <p:style>
-          <a:lnRef idx="2">
-            <a:schemeClr val="accent1">
-              <a:shade val="50000"/>
-            </a:schemeClr>
-          </a:lnRef>
-          <a:fillRef idx="1">
-            <a:schemeClr val="accent1"/>
-          </a:fillRef>
-          <a:effectRef idx="0">
-            <a:schemeClr val="accent1"/>
-          </a:effectRef>
-          <a:fontRef idx="minor">
-            <a:schemeClr val="lt1"/>
-          </a:fontRef>
-        </p:style>
-        <p:txBody>
-          <a:bodyPr rtlCol="0" anchor="ctr"/>
-          <a:lstStyle/>
-          <a:p>
-            <a:pPr algn="ctr"/>
-            <a:r>
-              <a:rPr lang="en-US" sz="2000" b="1" dirty="0">
-                <a:latin typeface="Arial Narrow" panose="020B0606020202030204" pitchFamily="34" charset="0"/>
-              </a:rPr>
-              <a:t>Match Date</a:t>
-            </a:r>
-          </a:p>
-        </p:txBody>
-      </p:sp>
-      <p:sp>
-        <p:nvSpPr>
-          <p:cNvPr id="15" name="Rectangle: Rounded Corners 14">
-            <a:extLst>
-              <a:ext uri="{FF2B5EF4-FFF2-40B4-BE49-F238E27FC236}">
-                <a16:creationId xmlns:a16="http://schemas.microsoft.com/office/drawing/2014/main" id="{F4F36732-5BAB-40B0-8F96-050D67939387}"/>
-              </a:ext>
-            </a:extLst>
-          </p:cNvPr>
-          <p:cNvSpPr/>
-          <p:nvPr/>
-        </p:nvSpPr>
-        <p:spPr>
-          <a:xfrm>
-            <a:off x="6455357" y="4250490"/>
-            <a:ext cx="1802331" cy="803985"/>
-          </a:xfrm>
-          <a:prstGeom prst="roundRect">
-            <a:avLst/>
-          </a:prstGeom>
-          <a:solidFill>
-            <a:srgbClr val="00B050"/>
-          </a:solidFill>
-          <a:ln>
-            <a:noFill/>
-          </a:ln>
-          <a:effectLst>
-            <a:outerShdw blurRad="190500" dist="228600" dir="2700000" algn="ctr">
-              <a:srgbClr val="000000">
-                <a:alpha val="30000"/>
-              </a:srgbClr>
-            </a:outerShdw>
-          </a:effectLst>
-          <a:scene3d>
-            <a:camera prst="orthographicFront">
-              <a:rot lat="0" lon="0" rev="0"/>
-            </a:camera>
-            <a:lightRig rig="glow" dir="t">
-              <a:rot lat="0" lon="0" rev="4800000"/>
-            </a:lightRig>
-          </a:scene3d>
-          <a:sp3d prstMaterial="matte">
-            <a:bevelT w="127000" h="63500"/>
-          </a:sp3d>
-        </p:spPr>
-        <p:style>
-          <a:lnRef idx="2">
-            <a:schemeClr val="accent1">
-              <a:shade val="50000"/>
-            </a:schemeClr>
-          </a:lnRef>
-          <a:fillRef idx="1">
-            <a:schemeClr val="accent1"/>
-          </a:fillRef>
-          <a:effectRef idx="0">
-            <a:schemeClr val="accent1"/>
-          </a:effectRef>
-          <a:fontRef idx="minor">
-            <a:schemeClr val="lt1"/>
-          </a:fontRef>
-        </p:style>
-        <p:txBody>
-          <a:bodyPr rtlCol="0" anchor="ctr"/>
-          <a:lstStyle/>
-          <a:p>
-            <a:pPr algn="ctr"/>
-            <a:r>
-              <a:rPr lang="en-US" sz="2000" b="1" dirty="0">
-                <a:latin typeface="Arial Narrow" panose="020B0606020202030204" pitchFamily="34" charset="0"/>
-              </a:rPr>
-              <a:t>Tags</a:t>
-            </a:r>
-          </a:p>
-        </p:txBody>
-      </p:sp>
-      <p:sp>
-        <p:nvSpPr>
-          <p:cNvPr id="16" name="Rectangle: Rounded Corners 15">
-            <a:extLst>
-              <a:ext uri="{FF2B5EF4-FFF2-40B4-BE49-F238E27FC236}">
-                <a16:creationId xmlns:a16="http://schemas.microsoft.com/office/drawing/2014/main" id="{CA09CD9D-372F-45B5-B665-D4CC658FCC48}"/>
-              </a:ext>
-            </a:extLst>
-          </p:cNvPr>
-          <p:cNvSpPr/>
-          <p:nvPr/>
-        </p:nvSpPr>
-        <p:spPr>
-          <a:xfrm>
-            <a:off x="1124867" y="1733904"/>
-            <a:ext cx="1802331" cy="2104661"/>
-          </a:xfrm>
-          <a:prstGeom prst="roundRect">
-            <a:avLst>
-              <a:gd name="adj" fmla="val 7253"/>
-            </a:avLst>
-          </a:prstGeom>
-          <a:noFill/>
-          <a:ln>
-            <a:noFill/>
-          </a:ln>
-          <a:effectLst/>
-          <a:scene3d>
-            <a:camera prst="orthographicFront">
-              <a:rot lat="0" lon="0" rev="0"/>
-            </a:camera>
-            <a:lightRig rig="chilly" dir="t">
-              <a:rot lat="0" lon="0" rev="18480000"/>
-            </a:lightRig>
-          </a:scene3d>
-          <a:sp3d prstMaterial="clear">
-            <a:bevelT h="63500"/>
-          </a:sp3d>
-        </p:spPr>
-        <p:style>
-          <a:lnRef idx="2">
-            <a:schemeClr val="accent1">
-              <a:shade val="50000"/>
-            </a:schemeClr>
-          </a:lnRef>
-          <a:fillRef idx="1">
-            <a:schemeClr val="accent1"/>
-          </a:fillRef>
-          <a:effectRef idx="0">
-            <a:schemeClr val="accent1"/>
-          </a:effectRef>
-          <a:fontRef idx="minor">
-            <a:schemeClr val="lt1"/>
-          </a:fontRef>
-        </p:style>
-        <p:txBody>
-          <a:bodyPr rtlCol="0" anchor="ctr"/>
-          <a:lstStyle/>
-          <a:p>
-            <a:pPr algn="ctr"/>
-            <a:endParaRPr lang="en-US" sz="2000" b="1" dirty="0">
-              <a:latin typeface="Arial Narrow" panose="020B0606020202030204" pitchFamily="34" charset="0"/>
-            </a:endParaRPr>
-          </a:p>
-        </p:txBody>
-      </p:sp>
-      <p:sp>
-        <p:nvSpPr>
-          <p:cNvPr id="17" name="Rectangle: Rounded Corners 16">
-            <a:extLst>
-              <a:ext uri="{FF2B5EF4-FFF2-40B4-BE49-F238E27FC236}">
-                <a16:creationId xmlns:a16="http://schemas.microsoft.com/office/drawing/2014/main" id="{4D38B512-7E7D-4A61-8C38-D1BF4269173E}"/>
-              </a:ext>
-            </a:extLst>
-          </p:cNvPr>
-          <p:cNvSpPr/>
-          <p:nvPr/>
-        </p:nvSpPr>
-        <p:spPr>
-          <a:xfrm>
-            <a:off x="3177521" y="1733903"/>
-            <a:ext cx="1802331" cy="2104661"/>
-          </a:xfrm>
-          <a:prstGeom prst="roundRect">
-            <a:avLst>
-              <a:gd name="adj" fmla="val 7253"/>
-            </a:avLst>
-          </a:prstGeom>
-          <a:noFill/>
-          <a:ln>
-            <a:noFill/>
-          </a:ln>
-          <a:effectLst/>
-          <a:scene3d>
-            <a:camera prst="orthographicFront">
-              <a:rot lat="0" lon="0" rev="0"/>
-            </a:camera>
-            <a:lightRig rig="chilly" dir="t">
-              <a:rot lat="0" lon="0" rev="18480000"/>
-            </a:lightRig>
-          </a:scene3d>
-          <a:sp3d prstMaterial="clear">
-            <a:bevelT h="63500"/>
-          </a:sp3d>
-        </p:spPr>
-        <p:style>
-          <a:lnRef idx="2">
-            <a:schemeClr val="accent1">
-              <a:shade val="50000"/>
-            </a:schemeClr>
-          </a:lnRef>
-          <a:fillRef idx="1">
-            <a:schemeClr val="accent1"/>
-          </a:fillRef>
-          <a:effectRef idx="0">
-            <a:schemeClr val="accent1"/>
-          </a:effectRef>
-          <a:fontRef idx="minor">
-            <a:schemeClr val="lt1"/>
-          </a:fontRef>
-        </p:style>
-        <p:txBody>
-          <a:bodyPr rtlCol="0" anchor="ctr"/>
-          <a:lstStyle/>
-          <a:p>
-            <a:pPr algn="ctr"/>
-            <a:endParaRPr lang="en-US" sz="2000" b="1" dirty="0">
-              <a:latin typeface="Arial Narrow" panose="020B0606020202030204" pitchFamily="34" charset="0"/>
-            </a:endParaRPr>
-          </a:p>
-        </p:txBody>
-      </p:sp>
-      <p:sp>
-        <p:nvSpPr>
-          <p:cNvPr id="18" name="Rectangle: Rounded Corners 17">
-            <a:extLst>
-              <a:ext uri="{FF2B5EF4-FFF2-40B4-BE49-F238E27FC236}">
-                <a16:creationId xmlns:a16="http://schemas.microsoft.com/office/drawing/2014/main" id="{4077607C-E917-47B5-B2B0-FE2CD453C596}"/>
-              </a:ext>
-            </a:extLst>
-          </p:cNvPr>
-          <p:cNvSpPr/>
-          <p:nvPr/>
-        </p:nvSpPr>
-        <p:spPr>
-          <a:xfrm>
-            <a:off x="5194834" y="1733903"/>
-            <a:ext cx="1802331" cy="2104661"/>
-          </a:xfrm>
-          <a:prstGeom prst="roundRect">
-            <a:avLst>
-              <a:gd name="adj" fmla="val 7253"/>
-            </a:avLst>
-          </a:prstGeom>
-          <a:noFill/>
-          <a:ln>
-            <a:noFill/>
-          </a:ln>
-          <a:effectLst/>
-          <a:scene3d>
-            <a:camera prst="orthographicFront">
-              <a:rot lat="0" lon="0" rev="0"/>
-            </a:camera>
-            <a:lightRig rig="chilly" dir="t">
-              <a:rot lat="0" lon="0" rev="18480000"/>
-            </a:lightRig>
-          </a:scene3d>
-          <a:sp3d prstMaterial="clear">
-            <a:bevelT h="63500"/>
-          </a:sp3d>
-        </p:spPr>
-        <p:style>
-          <a:lnRef idx="2">
-            <a:schemeClr val="accent1">
-              <a:shade val="50000"/>
-            </a:schemeClr>
-          </a:lnRef>
-          <a:fillRef idx="1">
-            <a:schemeClr val="accent1"/>
-          </a:fillRef>
-          <a:effectRef idx="0">
-            <a:schemeClr val="accent1"/>
-          </a:effectRef>
-          <a:fontRef idx="minor">
-            <a:schemeClr val="lt1"/>
-          </a:fontRef>
-        </p:style>
-        <p:txBody>
-          <a:bodyPr rtlCol="0" anchor="ctr"/>
-          <a:lstStyle/>
-          <a:p>
-            <a:pPr algn="ctr"/>
-            <a:endParaRPr lang="en-US" sz="2000" b="1" dirty="0">
-              <a:latin typeface="Arial Narrow" panose="020B0606020202030204" pitchFamily="34" charset="0"/>
-            </a:endParaRPr>
-          </a:p>
-        </p:txBody>
-      </p:sp>
-      <p:sp>
-        <p:nvSpPr>
-          <p:cNvPr id="19" name="Rectangle: Rounded Corners 18">
-            <a:extLst>
-              <a:ext uri="{FF2B5EF4-FFF2-40B4-BE49-F238E27FC236}">
-                <a16:creationId xmlns:a16="http://schemas.microsoft.com/office/drawing/2014/main" id="{61F80F85-6FCC-413C-8C38-5A0E48E467F7}"/>
-              </a:ext>
-            </a:extLst>
-          </p:cNvPr>
-          <p:cNvSpPr/>
-          <p:nvPr/>
-        </p:nvSpPr>
-        <p:spPr>
-          <a:xfrm>
-            <a:off x="7247488" y="1733903"/>
-            <a:ext cx="1802331" cy="2104661"/>
-          </a:xfrm>
-          <a:prstGeom prst="roundRect">
-            <a:avLst>
-              <a:gd name="adj" fmla="val 7253"/>
-            </a:avLst>
-          </a:prstGeom>
-          <a:noFill/>
-          <a:ln>
-            <a:noFill/>
-          </a:ln>
-          <a:effectLst/>
-          <a:scene3d>
-            <a:camera prst="orthographicFront">
-              <a:rot lat="0" lon="0" rev="0"/>
-            </a:camera>
-            <a:lightRig rig="chilly" dir="t">
-              <a:rot lat="0" lon="0" rev="18480000"/>
-            </a:lightRig>
-          </a:scene3d>
-          <a:sp3d prstMaterial="clear">
-            <a:bevelT h="63500"/>
-          </a:sp3d>
-        </p:spPr>
-        <p:style>
-          <a:lnRef idx="2">
-            <a:schemeClr val="accent1">
-              <a:shade val="50000"/>
-            </a:schemeClr>
-          </a:lnRef>
-          <a:fillRef idx="1">
-            <a:schemeClr val="accent1"/>
-          </a:fillRef>
-          <a:effectRef idx="0">
-            <a:schemeClr val="accent1"/>
-          </a:effectRef>
-          <a:fontRef idx="minor">
-            <a:schemeClr val="lt1"/>
-          </a:fontRef>
-        </p:style>
-        <p:txBody>
-          <a:bodyPr rtlCol="0" anchor="ctr"/>
-          <a:lstStyle/>
-          <a:p>
-            <a:pPr algn="ctr"/>
-            <a:endParaRPr lang="en-US" sz="2000" b="1" dirty="0">
-              <a:latin typeface="Arial Narrow" panose="020B0606020202030204" pitchFamily="34" charset="0"/>
-            </a:endParaRPr>
-          </a:p>
-        </p:txBody>
-      </p:sp>
-      <p:sp>
-        <p:nvSpPr>
-          <p:cNvPr id="20" name="Rectangle: Rounded Corners 19">
-            <a:extLst>
-              <a:ext uri="{FF2B5EF4-FFF2-40B4-BE49-F238E27FC236}">
-                <a16:creationId xmlns:a16="http://schemas.microsoft.com/office/drawing/2014/main" id="{CBB470BF-A936-4D60-B1A2-03A93D25CD47}"/>
-              </a:ext>
-            </a:extLst>
-          </p:cNvPr>
-          <p:cNvSpPr/>
-          <p:nvPr/>
-        </p:nvSpPr>
-        <p:spPr>
-          <a:xfrm>
-            <a:off x="9264802" y="1733902"/>
-            <a:ext cx="1802331" cy="2104661"/>
-          </a:xfrm>
-          <a:prstGeom prst="roundRect">
-            <a:avLst>
-              <a:gd name="adj" fmla="val 7253"/>
-            </a:avLst>
-          </a:prstGeom>
-          <a:noFill/>
-          <a:ln>
-            <a:noFill/>
-          </a:ln>
-          <a:effectLst/>
-          <a:scene3d>
-            <a:camera prst="orthographicFront">
-              <a:rot lat="0" lon="0" rev="0"/>
-            </a:camera>
-            <a:lightRig rig="chilly" dir="t">
-              <a:rot lat="0" lon="0" rev="18480000"/>
-            </a:lightRig>
-          </a:scene3d>
-          <a:sp3d prstMaterial="clear">
-            <a:bevelT h="63500"/>
-          </a:sp3d>
-        </p:spPr>
-        <p:style>
-          <a:lnRef idx="2">
-            <a:schemeClr val="accent1">
-              <a:shade val="50000"/>
-            </a:schemeClr>
-          </a:lnRef>
-          <a:fillRef idx="1">
-            <a:schemeClr val="accent1"/>
-          </a:fillRef>
-          <a:effectRef idx="0">
-            <a:schemeClr val="accent1"/>
-          </a:effectRef>
-          <a:fontRef idx="minor">
-            <a:schemeClr val="lt1"/>
-          </a:fontRef>
-        </p:style>
-        <p:txBody>
-          <a:bodyPr rtlCol="0" anchor="ctr"/>
-          <a:lstStyle/>
-          <a:p>
-            <a:pPr algn="ctr"/>
-            <a:endParaRPr lang="en-US" sz="2000" b="1" dirty="0">
-              <a:latin typeface="Arial Narrow" panose="020B0606020202030204" pitchFamily="34" charset="0"/>
-            </a:endParaRPr>
-          </a:p>
-        </p:txBody>
-      </p:sp>
-      <p:sp>
-        <p:nvSpPr>
-          <p:cNvPr id="21" name="Rectangle: Rounded Corners 20">
-            <a:extLst>
-              <a:ext uri="{FF2B5EF4-FFF2-40B4-BE49-F238E27FC236}">
-                <a16:creationId xmlns:a16="http://schemas.microsoft.com/office/drawing/2014/main" id="{F76D9321-06A5-4A29-A115-ADE0DFF6AADD}"/>
-              </a:ext>
-            </a:extLst>
-          </p:cNvPr>
-          <p:cNvSpPr/>
-          <p:nvPr/>
-        </p:nvSpPr>
-        <p:spPr>
-          <a:xfrm>
-            <a:off x="1473280" y="4250486"/>
-            <a:ext cx="1802331" cy="2104661"/>
-          </a:xfrm>
-          <a:prstGeom prst="roundRect">
-            <a:avLst>
-              <a:gd name="adj" fmla="val 7253"/>
-            </a:avLst>
-          </a:prstGeom>
-          <a:noFill/>
-          <a:ln>
-            <a:noFill/>
-          </a:ln>
-          <a:effectLst/>
-          <a:scene3d>
-            <a:camera prst="orthographicFront">
-              <a:rot lat="0" lon="0" rev="0"/>
-            </a:camera>
-            <a:lightRig rig="chilly" dir="t">
-              <a:rot lat="0" lon="0" rev="18480000"/>
-            </a:lightRig>
-          </a:scene3d>
-          <a:sp3d prstMaterial="clear">
-            <a:bevelT h="63500"/>
-          </a:sp3d>
-        </p:spPr>
-        <p:style>
-          <a:lnRef idx="2">
-            <a:schemeClr val="accent1">
-              <a:shade val="50000"/>
-            </a:schemeClr>
-          </a:lnRef>
-          <a:fillRef idx="1">
-            <a:schemeClr val="accent1"/>
-          </a:fillRef>
-          <a:effectRef idx="0">
-            <a:schemeClr val="accent1"/>
-          </a:effectRef>
-          <a:fontRef idx="minor">
-            <a:schemeClr val="lt1"/>
-          </a:fontRef>
-        </p:style>
-        <p:txBody>
-          <a:bodyPr rtlCol="0" anchor="ctr"/>
-          <a:lstStyle/>
-          <a:p>
-            <a:pPr algn="ctr"/>
-            <a:endParaRPr lang="en-US" sz="2000" b="1" dirty="0">
-              <a:latin typeface="Arial Narrow" panose="020B0606020202030204" pitchFamily="34" charset="0"/>
-            </a:endParaRPr>
-          </a:p>
-        </p:txBody>
-      </p:sp>
-      <p:sp>
-        <p:nvSpPr>
-          <p:cNvPr id="22" name="Rectangle: Rounded Corners 21">
-            <a:extLst>
-              <a:ext uri="{FF2B5EF4-FFF2-40B4-BE49-F238E27FC236}">
-                <a16:creationId xmlns:a16="http://schemas.microsoft.com/office/drawing/2014/main" id="{D48F64A5-A45D-4254-B2D2-4763B59951C3}"/>
-              </a:ext>
-            </a:extLst>
-          </p:cNvPr>
-          <p:cNvSpPr/>
-          <p:nvPr/>
-        </p:nvSpPr>
-        <p:spPr>
-          <a:xfrm>
-            <a:off x="3952119" y="4250488"/>
-            <a:ext cx="1802331" cy="2104661"/>
-          </a:xfrm>
-          <a:prstGeom prst="roundRect">
-            <a:avLst>
-              <a:gd name="adj" fmla="val 7253"/>
-            </a:avLst>
-          </a:prstGeom>
-          <a:noFill/>
-          <a:ln>
-            <a:noFill/>
-          </a:ln>
-          <a:effectLst/>
-          <a:scene3d>
-            <a:camera prst="orthographicFront">
-              <a:rot lat="0" lon="0" rev="0"/>
-            </a:camera>
-            <a:lightRig rig="chilly" dir="t">
-              <a:rot lat="0" lon="0" rev="18480000"/>
-            </a:lightRig>
-          </a:scene3d>
-          <a:sp3d prstMaterial="clear">
-            <a:bevelT h="63500"/>
-          </a:sp3d>
-        </p:spPr>
-        <p:style>
-          <a:lnRef idx="2">
-            <a:schemeClr val="accent1">
-              <a:shade val="50000"/>
-            </a:schemeClr>
-          </a:lnRef>
-          <a:fillRef idx="1">
-            <a:schemeClr val="accent1"/>
-          </a:fillRef>
-          <a:effectRef idx="0">
-            <a:schemeClr val="accent1"/>
-          </a:effectRef>
-          <a:fontRef idx="minor">
-            <a:schemeClr val="lt1"/>
-          </a:fontRef>
-        </p:style>
-        <p:txBody>
-          <a:bodyPr rtlCol="0" anchor="ctr"/>
-          <a:lstStyle/>
-          <a:p>
-            <a:pPr algn="ctr"/>
-            <a:endParaRPr lang="en-US" sz="2000" b="1" dirty="0">
-              <a:latin typeface="Arial Narrow" panose="020B0606020202030204" pitchFamily="34" charset="0"/>
-            </a:endParaRPr>
-          </a:p>
-        </p:txBody>
-      </p:sp>
-      <p:sp>
-        <p:nvSpPr>
-          <p:cNvPr id="23" name="Rectangle: Rounded Corners 22">
-            <a:extLst>
-              <a:ext uri="{FF2B5EF4-FFF2-40B4-BE49-F238E27FC236}">
-                <a16:creationId xmlns:a16="http://schemas.microsoft.com/office/drawing/2014/main" id="{1F8CE15E-2EC7-419B-9B10-0944E4E7BB64}"/>
-              </a:ext>
-            </a:extLst>
-          </p:cNvPr>
-          <p:cNvSpPr/>
-          <p:nvPr/>
-        </p:nvSpPr>
-        <p:spPr>
-          <a:xfrm>
-            <a:off x="6455355" y="4250488"/>
-            <a:ext cx="1802331" cy="2104661"/>
-          </a:xfrm>
-          <a:prstGeom prst="roundRect">
-            <a:avLst>
-              <a:gd name="adj" fmla="val 7253"/>
-            </a:avLst>
-          </a:prstGeom>
-          <a:noFill/>
-          <a:ln>
-            <a:noFill/>
-          </a:ln>
-          <a:effectLst/>
-          <a:scene3d>
-            <a:camera prst="orthographicFront">
-              <a:rot lat="0" lon="0" rev="0"/>
-            </a:camera>
-            <a:lightRig rig="chilly" dir="t">
-              <a:rot lat="0" lon="0" rev="18480000"/>
-            </a:lightRig>
-          </a:scene3d>
-          <a:sp3d prstMaterial="clear">
-            <a:bevelT h="63500"/>
-          </a:sp3d>
-        </p:spPr>
-        <p:style>
-          <a:lnRef idx="2">
-            <a:schemeClr val="accent1">
-              <a:shade val="50000"/>
-            </a:schemeClr>
-          </a:lnRef>
-          <a:fillRef idx="1">
-            <a:schemeClr val="accent1"/>
-          </a:fillRef>
-          <a:effectRef idx="0">
-            <a:schemeClr val="accent1"/>
-          </a:effectRef>
-          <a:fontRef idx="minor">
-            <a:schemeClr val="lt1"/>
-          </a:fontRef>
-        </p:style>
-        <p:txBody>
-          <a:bodyPr rtlCol="0" anchor="ctr"/>
-          <a:lstStyle/>
-          <a:p>
-            <a:pPr algn="ctr"/>
-            <a:endParaRPr lang="en-US" sz="2000" b="1" dirty="0">
-              <a:latin typeface="Arial Narrow" panose="020B0606020202030204" pitchFamily="34" charset="0"/>
-            </a:endParaRPr>
-          </a:p>
-        </p:txBody>
-      </p:sp>
-      <p:sp>
-        <p:nvSpPr>
-          <p:cNvPr id="24" name="TextBox 23">
-            <a:extLst>
-              <a:ext uri="{FF2B5EF4-FFF2-40B4-BE49-F238E27FC236}">
-                <a16:creationId xmlns:a16="http://schemas.microsoft.com/office/drawing/2014/main" id="{1D72480D-C09C-42F2-AF4C-B3877C177CC3}"/>
-              </a:ext>
-            </a:extLst>
-          </p:cNvPr>
-          <p:cNvSpPr txBox="1"/>
-          <p:nvPr/>
-        </p:nvSpPr>
-        <p:spPr>
-          <a:xfrm>
-            <a:off x="1188518" y="2696181"/>
-            <a:ext cx="938398" cy="1015663"/>
-          </a:xfrm>
-          <a:prstGeom prst="rect">
-            <a:avLst/>
-          </a:prstGeom>
-          <a:noFill/>
-        </p:spPr>
-        <p:txBody>
-          <a:bodyPr wrap="none" rtlCol="0">
-            <a:spAutoFit/>
-          </a:bodyPr>
-          <a:lstStyle/>
-          <a:p>
-            <a:pPr marL="166688" indent="-166688">
-              <a:buFont typeface="Arial" panose="020B0604020202020204" pitchFamily="34" charset="0"/>
-              <a:buChar char="•"/>
-            </a:pPr>
-            <a:r>
-              <a:rPr lang="en-US" sz="2000" b="1" dirty="0">
-                <a:solidFill>
-                  <a:srgbClr val="00577E"/>
-                </a:solidFill>
-                <a:latin typeface="Arial Narrow" panose="020B0606020202030204" pitchFamily="34" charset="0"/>
-              </a:rPr>
-              <a:t>Shots</a:t>
-            </a:r>
-          </a:p>
-          <a:p>
-            <a:pPr marL="166688" indent="-166688">
-              <a:buFont typeface="Arial" panose="020B0604020202020204" pitchFamily="34" charset="0"/>
-              <a:buChar char="•"/>
-            </a:pPr>
-            <a:r>
-              <a:rPr lang="en-US" sz="2000" b="1" dirty="0">
-                <a:solidFill>
-                  <a:srgbClr val="00577E"/>
-                </a:solidFill>
-                <a:latin typeface="Arial Narrow" panose="020B0606020202030204" pitchFamily="34" charset="0"/>
-              </a:rPr>
-              <a:t>Pass</a:t>
-            </a:r>
-          </a:p>
-          <a:p>
-            <a:pPr marL="166688" indent="-166688">
-              <a:buFont typeface="Arial" panose="020B0604020202020204" pitchFamily="34" charset="0"/>
-              <a:buChar char="•"/>
-            </a:pPr>
-            <a:r>
-              <a:rPr lang="en-US" sz="2000" b="1" dirty="0">
-                <a:solidFill>
-                  <a:srgbClr val="00577E"/>
-                </a:solidFill>
-                <a:latin typeface="Arial Narrow" panose="020B0606020202030204" pitchFamily="34" charset="0"/>
-              </a:rPr>
-              <a:t>Foul</a:t>
-            </a:r>
-          </a:p>
-        </p:txBody>
-      </p:sp>
-      <p:sp>
-        <p:nvSpPr>
-          <p:cNvPr id="25" name="TextBox 24">
-            <a:extLst>
-              <a:ext uri="{FF2B5EF4-FFF2-40B4-BE49-F238E27FC236}">
-                <a16:creationId xmlns:a16="http://schemas.microsoft.com/office/drawing/2014/main" id="{26160063-FD4F-4FF6-B323-B31EE539258B}"/>
-              </a:ext>
-            </a:extLst>
-          </p:cNvPr>
-          <p:cNvSpPr txBox="1"/>
-          <p:nvPr/>
-        </p:nvSpPr>
-        <p:spPr>
-          <a:xfrm>
-            <a:off x="7331313" y="2695491"/>
-            <a:ext cx="810158" cy="1015663"/>
-          </a:xfrm>
-          <a:prstGeom prst="rect">
-            <a:avLst/>
-          </a:prstGeom>
-          <a:noFill/>
-        </p:spPr>
-        <p:txBody>
-          <a:bodyPr wrap="none" rtlCol="0">
-            <a:spAutoFit/>
-          </a:bodyPr>
-          <a:lstStyle/>
-          <a:p>
-            <a:pPr marL="166688" indent="-166688">
-              <a:buFont typeface="Arial" panose="020B0604020202020204" pitchFamily="34" charset="0"/>
-              <a:buChar char="•"/>
-            </a:pPr>
-            <a:r>
-              <a:rPr lang="en-US" sz="2000" b="1" dirty="0">
-                <a:solidFill>
-                  <a:srgbClr val="00577E"/>
-                </a:solidFill>
-                <a:latin typeface="Arial Narrow" panose="020B0606020202030204" pitchFamily="34" charset="0"/>
-              </a:rPr>
-              <a:t>x, y</a:t>
-            </a:r>
-          </a:p>
-          <a:p>
-            <a:pPr marL="166688" indent="-166688">
-              <a:buFont typeface="Arial" panose="020B0604020202020204" pitchFamily="34" charset="0"/>
-              <a:buChar char="•"/>
-            </a:pPr>
-            <a:r>
-              <a:rPr lang="en-US" sz="2000" b="1" dirty="0">
-                <a:solidFill>
-                  <a:srgbClr val="00577E"/>
-                </a:solidFill>
-                <a:latin typeface="Arial Narrow" panose="020B0606020202030204" pitchFamily="34" charset="0"/>
-              </a:rPr>
-              <a:t>start</a:t>
-            </a:r>
-          </a:p>
-          <a:p>
-            <a:pPr marL="166688" indent="-166688">
-              <a:buFont typeface="Arial" panose="020B0604020202020204" pitchFamily="34" charset="0"/>
-              <a:buChar char="•"/>
-            </a:pPr>
-            <a:r>
-              <a:rPr lang="en-US" sz="2000" b="1" dirty="0">
-                <a:solidFill>
-                  <a:srgbClr val="00577E"/>
-                </a:solidFill>
-                <a:latin typeface="Arial Narrow" panose="020B0606020202030204" pitchFamily="34" charset="0"/>
-              </a:rPr>
-              <a:t>end</a:t>
-            </a:r>
-          </a:p>
-        </p:txBody>
-      </p:sp>
-      <p:sp>
-        <p:nvSpPr>
-          <p:cNvPr id="26" name="TextBox 25">
-            <a:extLst>
-              <a:ext uri="{FF2B5EF4-FFF2-40B4-BE49-F238E27FC236}">
-                <a16:creationId xmlns:a16="http://schemas.microsoft.com/office/drawing/2014/main" id="{A8BA53C5-77CF-4DDD-8C5C-056D334E73EE}"/>
-              </a:ext>
-            </a:extLst>
-          </p:cNvPr>
-          <p:cNvSpPr txBox="1"/>
-          <p:nvPr/>
-        </p:nvSpPr>
-        <p:spPr>
-          <a:xfrm>
-            <a:off x="6556214" y="5264974"/>
-            <a:ext cx="1508746" cy="1015663"/>
-          </a:xfrm>
-          <a:prstGeom prst="rect">
-            <a:avLst/>
-          </a:prstGeom>
-          <a:noFill/>
-        </p:spPr>
-        <p:txBody>
-          <a:bodyPr wrap="none" rtlCol="0">
-            <a:spAutoFit/>
-          </a:bodyPr>
-          <a:lstStyle/>
-          <a:p>
-            <a:pPr marL="166688" indent="-166688">
-              <a:buFont typeface="Arial" panose="020B0604020202020204" pitchFamily="34" charset="0"/>
-              <a:buChar char="•"/>
-            </a:pPr>
-            <a:r>
-              <a:rPr lang="en-US" sz="2000" b="1" dirty="0">
-                <a:solidFill>
-                  <a:srgbClr val="00577E"/>
-                </a:solidFill>
-                <a:latin typeface="Arial Narrow" panose="020B0606020202030204" pitchFamily="34" charset="0"/>
-              </a:rPr>
-              <a:t>Yellow card</a:t>
-            </a:r>
-          </a:p>
-          <a:p>
-            <a:pPr marL="166688" indent="-166688">
-              <a:buFont typeface="Arial" panose="020B0604020202020204" pitchFamily="34" charset="0"/>
-              <a:buChar char="•"/>
-            </a:pPr>
-            <a:r>
-              <a:rPr lang="en-US" sz="2000" b="1" dirty="0">
-                <a:solidFill>
-                  <a:srgbClr val="00577E"/>
-                </a:solidFill>
-                <a:latin typeface="Arial Narrow" panose="020B0606020202030204" pitchFamily="34" charset="0"/>
-              </a:rPr>
-              <a:t>Red card</a:t>
-            </a:r>
-          </a:p>
-          <a:p>
-            <a:pPr marL="166688" indent="-166688">
-              <a:buFont typeface="Arial" panose="020B0604020202020204" pitchFamily="34" charset="0"/>
-              <a:buChar char="•"/>
-            </a:pPr>
-            <a:r>
-              <a:rPr lang="en-US" sz="2000" b="1" dirty="0">
-                <a:solidFill>
-                  <a:srgbClr val="00577E"/>
-                </a:solidFill>
-                <a:latin typeface="Arial Narrow" panose="020B0606020202030204" pitchFamily="34" charset="0"/>
-              </a:rPr>
-              <a:t>Accurate</a:t>
-            </a:r>
-          </a:p>
-        </p:txBody>
-      </p:sp>
-      <p:sp>
-        <p:nvSpPr>
-          <p:cNvPr id="27" name="TextBox 26">
-            <a:extLst>
-              <a:ext uri="{FF2B5EF4-FFF2-40B4-BE49-F238E27FC236}">
-                <a16:creationId xmlns:a16="http://schemas.microsoft.com/office/drawing/2014/main" id="{73233433-E353-4C36-A84A-DA39FC0FE1EE}"/>
-              </a:ext>
-            </a:extLst>
-          </p:cNvPr>
-          <p:cNvSpPr txBox="1"/>
-          <p:nvPr/>
-        </p:nvSpPr>
-        <p:spPr>
-          <a:xfrm>
-            <a:off x="3279454" y="2695491"/>
-            <a:ext cx="1592424" cy="1015663"/>
-          </a:xfrm>
-          <a:prstGeom prst="rect">
-            <a:avLst/>
-          </a:prstGeom>
-          <a:noFill/>
-        </p:spPr>
-        <p:txBody>
-          <a:bodyPr wrap="none" rtlCol="0">
-            <a:spAutoFit/>
-          </a:bodyPr>
-          <a:lstStyle/>
-          <a:p>
-            <a:pPr marL="166688" indent="-166688">
-              <a:buFont typeface="Arial" panose="020B0604020202020204" pitchFamily="34" charset="0"/>
-              <a:buChar char="•"/>
-            </a:pPr>
-            <a:r>
-              <a:rPr lang="en-US" sz="2000" b="1" dirty="0">
-                <a:solidFill>
-                  <a:srgbClr val="00577E"/>
-                </a:solidFill>
-                <a:latin typeface="Arial Narrow" panose="020B0606020202030204" pitchFamily="34" charset="0"/>
-              </a:rPr>
-              <a:t>Simple Pass</a:t>
-            </a:r>
-          </a:p>
-          <a:p>
-            <a:pPr marL="166688" indent="-166688">
-              <a:buFont typeface="Arial" panose="020B0604020202020204" pitchFamily="34" charset="0"/>
-              <a:buChar char="•"/>
-            </a:pPr>
-            <a:r>
-              <a:rPr lang="en-US" sz="2000" b="1" dirty="0">
-                <a:solidFill>
-                  <a:srgbClr val="00577E"/>
-                </a:solidFill>
-                <a:latin typeface="Arial Narrow" panose="020B0606020202030204" pitchFamily="34" charset="0"/>
-              </a:rPr>
-              <a:t>Cross</a:t>
-            </a:r>
-          </a:p>
-          <a:p>
-            <a:pPr marL="166688" indent="-166688">
-              <a:buFont typeface="Arial" panose="020B0604020202020204" pitchFamily="34" charset="0"/>
-              <a:buChar char="•"/>
-            </a:pPr>
-            <a:r>
-              <a:rPr lang="en-US" sz="2000" b="1" dirty="0">
-                <a:solidFill>
-                  <a:srgbClr val="00577E"/>
-                </a:solidFill>
-                <a:latin typeface="Arial Narrow" panose="020B0606020202030204" pitchFamily="34" charset="0"/>
-              </a:rPr>
-              <a:t>Goal Kick</a:t>
-            </a:r>
-          </a:p>
-        </p:txBody>
-      </p:sp>
-      <p:sp>
-        <p:nvSpPr>
-          <p:cNvPr id="4" name="TextBox 3">
-            <a:extLst>
-              <a:ext uri="{FF2B5EF4-FFF2-40B4-BE49-F238E27FC236}">
-                <a16:creationId xmlns:a16="http://schemas.microsoft.com/office/drawing/2014/main" id="{A2AD06CB-AC0F-4628-A6C5-065165D1D398}"/>
-              </a:ext>
-            </a:extLst>
-          </p:cNvPr>
-          <p:cNvSpPr txBox="1"/>
-          <p:nvPr/>
-        </p:nvSpPr>
-        <p:spPr>
-          <a:xfrm>
-            <a:off x="5295264" y="2679507"/>
-            <a:ext cx="353302" cy="1015663"/>
-          </a:xfrm>
-          <a:prstGeom prst="rect">
-            <a:avLst/>
-          </a:prstGeom>
-          <a:noFill/>
-        </p:spPr>
-        <p:txBody>
-          <a:bodyPr wrap="none" rtlCol="0">
-            <a:spAutoFit/>
-          </a:bodyPr>
-          <a:lstStyle/>
-          <a:p>
-            <a:pPr marL="166688" indent="-166688">
-              <a:buFont typeface="Arial" panose="020B0604020202020204" pitchFamily="34" charset="0"/>
-              <a:buChar char="•"/>
-            </a:pPr>
-            <a:endParaRPr lang="en-US" sz="2000" b="1" dirty="0">
-              <a:solidFill>
-                <a:srgbClr val="00577E"/>
-              </a:solidFill>
-              <a:latin typeface="Arial Narrow" panose="020B0606020202030204" pitchFamily="34" charset="0"/>
-            </a:endParaRPr>
-          </a:p>
-          <a:p>
-            <a:pPr marL="166688" indent="-166688">
-              <a:buFont typeface="Arial" panose="020B0604020202020204" pitchFamily="34" charset="0"/>
-              <a:buChar char="•"/>
-            </a:pPr>
-            <a:endParaRPr lang="en-US" sz="2000" b="1" dirty="0">
-              <a:solidFill>
-                <a:srgbClr val="00577E"/>
-              </a:solidFill>
-              <a:latin typeface="Arial Narrow" panose="020B0606020202030204" pitchFamily="34" charset="0"/>
-            </a:endParaRPr>
-          </a:p>
-          <a:p>
-            <a:pPr marL="166688" indent="-166688">
-              <a:buFont typeface="Arial" panose="020B0604020202020204" pitchFamily="34" charset="0"/>
-              <a:buChar char="•"/>
-            </a:pPr>
-            <a:endParaRPr lang="en-US" sz="2000" b="1" dirty="0">
-              <a:solidFill>
-                <a:srgbClr val="00577E"/>
-              </a:solidFill>
-              <a:latin typeface="Arial Narrow" panose="020B0606020202030204" pitchFamily="34" charset="0"/>
-            </a:endParaRPr>
-          </a:p>
-        </p:txBody>
-      </p:sp>
-      <p:sp>
-        <p:nvSpPr>
-          <p:cNvPr id="5" name="TextBox 4">
-            <a:extLst>
-              <a:ext uri="{FF2B5EF4-FFF2-40B4-BE49-F238E27FC236}">
-                <a16:creationId xmlns:a16="http://schemas.microsoft.com/office/drawing/2014/main" id="{29DD3659-D9E9-4D4E-B5B3-94B67A848518}"/>
-              </a:ext>
-            </a:extLst>
-          </p:cNvPr>
-          <p:cNvSpPr txBox="1"/>
-          <p:nvPr/>
-        </p:nvSpPr>
-        <p:spPr>
-          <a:xfrm>
-            <a:off x="9317957" y="2679506"/>
-            <a:ext cx="353302" cy="1015663"/>
-          </a:xfrm>
-          <a:prstGeom prst="rect">
-            <a:avLst/>
-          </a:prstGeom>
-          <a:noFill/>
-        </p:spPr>
-        <p:txBody>
-          <a:bodyPr wrap="none" rtlCol="0">
-            <a:spAutoFit/>
-          </a:bodyPr>
-          <a:lstStyle/>
-          <a:p>
-            <a:pPr marL="166688" indent="-166688">
-              <a:buFont typeface="Arial" panose="020B0604020202020204" pitchFamily="34" charset="0"/>
-              <a:buChar char="•"/>
-            </a:pPr>
-            <a:endParaRPr lang="en-US" sz="2000" b="1" dirty="0">
-              <a:solidFill>
-                <a:srgbClr val="00577E"/>
-              </a:solidFill>
-              <a:latin typeface="Arial Narrow" panose="020B0606020202030204" pitchFamily="34" charset="0"/>
-            </a:endParaRPr>
-          </a:p>
-          <a:p>
-            <a:pPr marL="166688" indent="-166688">
-              <a:buFont typeface="Arial" panose="020B0604020202020204" pitchFamily="34" charset="0"/>
-              <a:buChar char="•"/>
-            </a:pPr>
-            <a:endParaRPr lang="en-US" sz="2000" b="1" dirty="0">
-              <a:solidFill>
-                <a:srgbClr val="00577E"/>
-              </a:solidFill>
-              <a:latin typeface="Arial Narrow" panose="020B0606020202030204" pitchFamily="34" charset="0"/>
-            </a:endParaRPr>
-          </a:p>
-          <a:p>
-            <a:pPr marL="166688" indent="-166688">
-              <a:buFont typeface="Arial" panose="020B0604020202020204" pitchFamily="34" charset="0"/>
-              <a:buChar char="•"/>
-            </a:pPr>
-            <a:endParaRPr lang="en-US" sz="2000" b="1" dirty="0">
-              <a:solidFill>
-                <a:srgbClr val="00577E"/>
-              </a:solidFill>
-              <a:latin typeface="Arial Narrow" panose="020B0606020202030204" pitchFamily="34" charset="0"/>
-            </a:endParaRPr>
-          </a:p>
-        </p:txBody>
-      </p:sp>
-      <p:sp>
-        <p:nvSpPr>
-          <p:cNvPr id="6" name="TextBox 5">
-            <a:extLst>
-              <a:ext uri="{FF2B5EF4-FFF2-40B4-BE49-F238E27FC236}">
-                <a16:creationId xmlns:a16="http://schemas.microsoft.com/office/drawing/2014/main" id="{46FFF08C-A00A-452C-9FB5-897F0F9C2026}"/>
-              </a:ext>
-            </a:extLst>
-          </p:cNvPr>
-          <p:cNvSpPr txBox="1"/>
-          <p:nvPr/>
-        </p:nvSpPr>
-        <p:spPr>
-          <a:xfrm>
-            <a:off x="1505371" y="5266318"/>
-            <a:ext cx="353302" cy="1015663"/>
-          </a:xfrm>
-          <a:prstGeom prst="rect">
-            <a:avLst/>
-          </a:prstGeom>
-          <a:noFill/>
-        </p:spPr>
-        <p:txBody>
-          <a:bodyPr wrap="none" rtlCol="0">
-            <a:spAutoFit/>
-          </a:bodyPr>
-          <a:lstStyle/>
-          <a:p>
-            <a:pPr marL="166688" indent="-166688">
-              <a:buFont typeface="Arial" panose="020B0604020202020204" pitchFamily="34" charset="0"/>
-              <a:buChar char="•"/>
-            </a:pPr>
-            <a:endParaRPr lang="en-US" sz="2000" b="1" dirty="0">
-              <a:solidFill>
-                <a:srgbClr val="00577E"/>
-              </a:solidFill>
-              <a:latin typeface="Arial Narrow" panose="020B0606020202030204" pitchFamily="34" charset="0"/>
-            </a:endParaRPr>
-          </a:p>
-          <a:p>
-            <a:pPr marL="166688" indent="-166688">
-              <a:buFont typeface="Arial" panose="020B0604020202020204" pitchFamily="34" charset="0"/>
-              <a:buChar char="•"/>
-            </a:pPr>
-            <a:endParaRPr lang="en-US" sz="2000" b="1" dirty="0">
-              <a:solidFill>
-                <a:srgbClr val="00577E"/>
-              </a:solidFill>
-              <a:latin typeface="Arial Narrow" panose="020B0606020202030204" pitchFamily="34" charset="0"/>
-            </a:endParaRPr>
-          </a:p>
-          <a:p>
-            <a:pPr marL="166688" indent="-166688">
-              <a:buFont typeface="Arial" panose="020B0604020202020204" pitchFamily="34" charset="0"/>
-              <a:buChar char="•"/>
-            </a:pPr>
-            <a:endParaRPr lang="en-US" sz="2000" b="1" dirty="0">
-              <a:solidFill>
-                <a:srgbClr val="00577E"/>
-              </a:solidFill>
-              <a:latin typeface="Arial Narrow" panose="020B0606020202030204" pitchFamily="34" charset="0"/>
-            </a:endParaRPr>
-          </a:p>
-        </p:txBody>
-      </p:sp>
-      <p:sp>
-        <p:nvSpPr>
-          <p:cNvPr id="7" name="TextBox 6">
-            <a:extLst>
-              <a:ext uri="{FF2B5EF4-FFF2-40B4-BE49-F238E27FC236}">
-                <a16:creationId xmlns:a16="http://schemas.microsoft.com/office/drawing/2014/main" id="{DC8BF421-EC0E-41F0-A810-54D65394FB44}"/>
-              </a:ext>
-            </a:extLst>
-          </p:cNvPr>
-          <p:cNvSpPr txBox="1"/>
-          <p:nvPr/>
-        </p:nvSpPr>
-        <p:spPr>
-          <a:xfrm>
-            <a:off x="4052549" y="5302817"/>
-            <a:ext cx="353302" cy="1015663"/>
-          </a:xfrm>
-          <a:prstGeom prst="rect">
-            <a:avLst/>
-          </a:prstGeom>
-          <a:noFill/>
-        </p:spPr>
-        <p:txBody>
-          <a:bodyPr wrap="none" rtlCol="0">
-            <a:spAutoFit/>
-          </a:bodyPr>
-          <a:lstStyle/>
-          <a:p>
-            <a:pPr marL="166688" indent="-166688">
-              <a:buFont typeface="Arial" panose="020B0604020202020204" pitchFamily="34" charset="0"/>
-              <a:buChar char="•"/>
-            </a:pPr>
-            <a:endParaRPr lang="en-US" sz="2000" b="1" dirty="0">
-              <a:solidFill>
-                <a:srgbClr val="00577E"/>
-              </a:solidFill>
-              <a:latin typeface="Arial Narrow" panose="020B0606020202030204" pitchFamily="34" charset="0"/>
-            </a:endParaRPr>
-          </a:p>
-          <a:p>
-            <a:pPr marL="166688" indent="-166688">
-              <a:buFont typeface="Arial" panose="020B0604020202020204" pitchFamily="34" charset="0"/>
-              <a:buChar char="•"/>
-            </a:pPr>
-            <a:endParaRPr lang="en-US" sz="2000" b="1" dirty="0">
-              <a:solidFill>
-                <a:srgbClr val="00577E"/>
-              </a:solidFill>
-              <a:latin typeface="Arial Narrow" panose="020B0606020202030204" pitchFamily="34" charset="0"/>
-            </a:endParaRPr>
-          </a:p>
-          <a:p>
-            <a:pPr marL="166688" indent="-166688">
-              <a:buFont typeface="Arial" panose="020B0604020202020204" pitchFamily="34" charset="0"/>
-              <a:buChar char="•"/>
-            </a:pPr>
-            <a:endParaRPr lang="en-US" sz="2000" b="1" dirty="0">
-              <a:solidFill>
-                <a:srgbClr val="00577E"/>
-              </a:solidFill>
-              <a:latin typeface="Arial Narrow" panose="020B0606020202030204" pitchFamily="34" charset="0"/>
-            </a:endParaRPr>
-          </a:p>
-        </p:txBody>
-      </p:sp>
-      <p:sp>
-        <p:nvSpPr>
-          <p:cNvPr id="30" name="Rectangle: Rounded Corners 29">
-            <a:extLst>
-              <a:ext uri="{FF2B5EF4-FFF2-40B4-BE49-F238E27FC236}">
-                <a16:creationId xmlns:a16="http://schemas.microsoft.com/office/drawing/2014/main" id="{622FED8A-6710-405A-8EEB-2B9A71D48CA2}"/>
-              </a:ext>
-            </a:extLst>
-          </p:cNvPr>
-          <p:cNvSpPr/>
-          <p:nvPr/>
-        </p:nvSpPr>
-        <p:spPr>
-          <a:xfrm>
-            <a:off x="8953073" y="4250487"/>
-            <a:ext cx="1802331" cy="803985"/>
-          </a:xfrm>
-          <a:prstGeom prst="roundRect">
-            <a:avLst/>
-          </a:prstGeom>
-          <a:solidFill>
-            <a:srgbClr val="7030A0"/>
-          </a:solidFill>
-          <a:ln>
-            <a:noFill/>
-          </a:ln>
-          <a:effectLst>
-            <a:outerShdw blurRad="190500" dist="228600" dir="2700000" algn="ctr">
-              <a:srgbClr val="000000">
-                <a:alpha val="30000"/>
-              </a:srgbClr>
-            </a:outerShdw>
-          </a:effectLst>
-          <a:scene3d>
-            <a:camera prst="orthographicFront">
-              <a:rot lat="0" lon="0" rev="0"/>
-            </a:camera>
-            <a:lightRig rig="glow" dir="t">
-              <a:rot lat="0" lon="0" rev="4800000"/>
-            </a:lightRig>
-          </a:scene3d>
-          <a:sp3d prstMaterial="matte">
-            <a:bevelT w="127000" h="63500"/>
-          </a:sp3d>
-        </p:spPr>
-        <p:style>
-          <a:lnRef idx="2">
-            <a:schemeClr val="accent1">
-              <a:shade val="50000"/>
-            </a:schemeClr>
-          </a:lnRef>
-          <a:fillRef idx="1">
-            <a:schemeClr val="accent1"/>
-          </a:fillRef>
-          <a:effectRef idx="0">
-            <a:schemeClr val="accent1"/>
-          </a:effectRef>
-          <a:fontRef idx="minor">
-            <a:schemeClr val="lt1"/>
-          </a:fontRef>
-        </p:style>
-        <p:txBody>
-          <a:bodyPr rtlCol="0" anchor="ctr"/>
-          <a:lstStyle/>
-          <a:p>
-            <a:pPr algn="ctr"/>
-            <a:r>
-              <a:rPr lang="en-US" sz="2000" b="1" dirty="0">
-                <a:latin typeface="Arial Narrow" panose="020B0606020202030204" pitchFamily="34" charset="0"/>
-              </a:rPr>
-              <a:t>Match ID</a:t>
-            </a:r>
-          </a:p>
-        </p:txBody>
-      </p:sp>
-      <p:sp>
-        <p:nvSpPr>
-          <p:cNvPr id="31" name="Rectangle: Rounded Corners 30">
-            <a:extLst>
-              <a:ext uri="{FF2B5EF4-FFF2-40B4-BE49-F238E27FC236}">
-                <a16:creationId xmlns:a16="http://schemas.microsoft.com/office/drawing/2014/main" id="{2F6E0BC0-0AC7-4652-BBFE-A2212A73586F}"/>
-              </a:ext>
-            </a:extLst>
-          </p:cNvPr>
-          <p:cNvSpPr/>
-          <p:nvPr/>
-        </p:nvSpPr>
-        <p:spPr>
-          <a:xfrm>
-            <a:off x="8953073" y="4250486"/>
-            <a:ext cx="1802331" cy="2104661"/>
-          </a:xfrm>
-          <a:prstGeom prst="roundRect">
-            <a:avLst>
-              <a:gd name="adj" fmla="val 7253"/>
-            </a:avLst>
-          </a:prstGeom>
-          <a:noFill/>
-          <a:ln>
-            <a:noFill/>
-          </a:ln>
-          <a:effectLst/>
-          <a:scene3d>
-            <a:camera prst="orthographicFront">
-              <a:rot lat="0" lon="0" rev="0"/>
-            </a:camera>
-            <a:lightRig rig="chilly" dir="t">
-              <a:rot lat="0" lon="0" rev="18480000"/>
-            </a:lightRig>
-          </a:scene3d>
-          <a:sp3d prstMaterial="clear">
-            <a:bevelT h="63500"/>
-          </a:sp3d>
-        </p:spPr>
-        <p:style>
-          <a:lnRef idx="2">
-            <a:schemeClr val="accent1">
-              <a:shade val="50000"/>
-            </a:schemeClr>
-          </a:lnRef>
-          <a:fillRef idx="1">
-            <a:schemeClr val="accent1"/>
-          </a:fillRef>
-          <a:effectRef idx="0">
-            <a:schemeClr val="accent1"/>
-          </a:effectRef>
-          <a:fontRef idx="minor">
-            <a:schemeClr val="lt1"/>
-          </a:fontRef>
-        </p:style>
-        <p:txBody>
-          <a:bodyPr rtlCol="0" anchor="ctr"/>
-          <a:lstStyle/>
-          <a:p>
-            <a:pPr algn="ctr"/>
-            <a:endParaRPr lang="en-US" sz="2000" b="1" dirty="0">
-              <a:latin typeface="Arial Narrow" panose="020B0606020202030204" pitchFamily="34" charset="0"/>
-            </a:endParaRPr>
-          </a:p>
-        </p:txBody>
-      </p:sp>
-      <p:sp>
-        <p:nvSpPr>
-          <p:cNvPr id="32" name="TextBox 31">
-            <a:extLst>
-              <a:ext uri="{FF2B5EF4-FFF2-40B4-BE49-F238E27FC236}">
-                <a16:creationId xmlns:a16="http://schemas.microsoft.com/office/drawing/2014/main" id="{B1DE1F40-72F3-4FC9-B30F-3F4DAF6BCD28}"/>
-              </a:ext>
-            </a:extLst>
-          </p:cNvPr>
-          <p:cNvSpPr txBox="1"/>
-          <p:nvPr/>
-        </p:nvSpPr>
-        <p:spPr>
-          <a:xfrm>
-            <a:off x="9053503" y="5302815"/>
-            <a:ext cx="353302" cy="1015663"/>
-          </a:xfrm>
-          <a:prstGeom prst="rect">
-            <a:avLst/>
-          </a:prstGeom>
-          <a:noFill/>
-        </p:spPr>
-        <p:txBody>
-          <a:bodyPr wrap="none" rtlCol="0">
-            <a:spAutoFit/>
-          </a:bodyPr>
-          <a:lstStyle/>
-          <a:p>
-            <a:pPr marL="166688" indent="-166688">
-              <a:buFont typeface="Arial" panose="020B0604020202020204" pitchFamily="34" charset="0"/>
-              <a:buChar char="•"/>
-            </a:pPr>
-            <a:endParaRPr lang="en-US" sz="2000" b="1" dirty="0">
-              <a:solidFill>
-                <a:srgbClr val="00577E"/>
-              </a:solidFill>
-              <a:latin typeface="Arial Narrow" panose="020B0606020202030204" pitchFamily="34" charset="0"/>
-            </a:endParaRPr>
-          </a:p>
-          <a:p>
-            <a:pPr marL="166688" indent="-166688">
-              <a:buFont typeface="Arial" panose="020B0604020202020204" pitchFamily="34" charset="0"/>
-              <a:buChar char="•"/>
-            </a:pPr>
-            <a:endParaRPr lang="en-US" sz="2000" b="1" dirty="0">
-              <a:solidFill>
-                <a:srgbClr val="00577E"/>
-              </a:solidFill>
-              <a:latin typeface="Arial Narrow" panose="020B0606020202030204" pitchFamily="34" charset="0"/>
-            </a:endParaRPr>
-          </a:p>
-          <a:p>
-            <a:pPr marL="166688" indent="-166688">
-              <a:buFont typeface="Arial" panose="020B0604020202020204" pitchFamily="34" charset="0"/>
-              <a:buChar char="•"/>
-            </a:pPr>
-            <a:endParaRPr lang="en-US" sz="2000" b="1" dirty="0">
-              <a:solidFill>
-                <a:srgbClr val="00577E"/>
-              </a:solidFill>
-              <a:latin typeface="Arial Narrow" panose="020B0606020202030204" pitchFamily="34" charset="0"/>
-            </a:endParaRPr>
-          </a:p>
-        </p:txBody>
-      </p:sp>
-    </p:spTree>
-    <p:extLst>
-      <p:ext uri="{BB962C8B-B14F-4D97-AF65-F5344CB8AC3E}">
-        <p14:creationId xmlns:p14="http://schemas.microsoft.com/office/powerpoint/2010/main" val="3539991135"/>
       </p:ext>
     </p:extLst>
   </p:cSld>

--- a/final_project/T2_final_project.pptx
+++ b/final_project/T2_final_project.pptx
@@ -12,12 +12,15 @@
     <p:sldId id="260" r:id="rId6"/>
     <p:sldId id="269" r:id="rId7"/>
     <p:sldId id="265" r:id="rId8"/>
-    <p:sldId id="263" r:id="rId9"/>
-    <p:sldId id="262" r:id="rId10"/>
-    <p:sldId id="264" r:id="rId11"/>
-    <p:sldId id="266" r:id="rId12"/>
-    <p:sldId id="267" r:id="rId13"/>
-    <p:sldId id="268" r:id="rId14"/>
+    <p:sldId id="270" r:id="rId9"/>
+    <p:sldId id="272" r:id="rId10"/>
+    <p:sldId id="273" r:id="rId11"/>
+    <p:sldId id="263" r:id="rId12"/>
+    <p:sldId id="262" r:id="rId13"/>
+    <p:sldId id="264" r:id="rId14"/>
+    <p:sldId id="266" r:id="rId15"/>
+    <p:sldId id="267" r:id="rId16"/>
+    <p:sldId id="268" r:id="rId17"/>
   </p:sldIdLst>
   <p:sldSz cx="12192000" cy="6858000"/>
   <p:notesSz cx="6858000" cy="9144000"/>
@@ -271,7 +274,7 @@
           <a:p>
             <a:fld id="{21A59B2D-CEAF-4CE7-BBDB-A88F3CD9A195}" type="datetimeFigureOut">
               <a:rPr lang="en-US" smtClean="0"/>
-              <a:t>4/13/2022</a:t>
+              <a:t>4/19/2022</a:t>
             </a:fld>
             <a:endParaRPr lang="en-US"/>
           </a:p>
@@ -325,7 +328,7 @@
           <a:p>
             <a:fld id="{B4FB4218-D507-4A96-AB1C-B66AA2771B74}" type="slidenum">
               <a:rPr lang="en-US" smtClean="0"/>
-              <a:t>‹#›</a:t>
+              <a:t>‹Nº›</a:t>
             </a:fld>
             <a:endParaRPr lang="en-US"/>
           </a:p>
@@ -469,7 +472,7 @@
           <a:p>
             <a:fld id="{21A59B2D-CEAF-4CE7-BBDB-A88F3CD9A195}" type="datetimeFigureOut">
               <a:rPr lang="en-US" smtClean="0"/>
-              <a:t>4/13/2022</a:t>
+              <a:t>4/19/2022</a:t>
             </a:fld>
             <a:endParaRPr lang="en-US"/>
           </a:p>
@@ -523,7 +526,7 @@
           <a:p>
             <a:fld id="{B4FB4218-D507-4A96-AB1C-B66AA2771B74}" type="slidenum">
               <a:rPr lang="en-US" smtClean="0"/>
-              <a:t>‹#›</a:t>
+              <a:t>‹Nº›</a:t>
             </a:fld>
             <a:endParaRPr lang="en-US"/>
           </a:p>
@@ -677,7 +680,7 @@
           <a:p>
             <a:fld id="{21A59B2D-CEAF-4CE7-BBDB-A88F3CD9A195}" type="datetimeFigureOut">
               <a:rPr lang="en-US" smtClean="0"/>
-              <a:t>4/13/2022</a:t>
+              <a:t>4/19/2022</a:t>
             </a:fld>
             <a:endParaRPr lang="en-US"/>
           </a:p>
@@ -731,7 +734,7 @@
           <a:p>
             <a:fld id="{B4FB4218-D507-4A96-AB1C-B66AA2771B74}" type="slidenum">
               <a:rPr lang="en-US" smtClean="0"/>
-              <a:t>‹#›</a:t>
+              <a:t>‹Nº›</a:t>
             </a:fld>
             <a:endParaRPr lang="en-US"/>
           </a:p>
@@ -875,7 +878,7 @@
           <a:p>
             <a:fld id="{21A59B2D-CEAF-4CE7-BBDB-A88F3CD9A195}" type="datetimeFigureOut">
               <a:rPr lang="en-US" smtClean="0"/>
-              <a:t>4/13/2022</a:t>
+              <a:t>4/19/2022</a:t>
             </a:fld>
             <a:endParaRPr lang="en-US"/>
           </a:p>
@@ -929,7 +932,7 @@
           <a:p>
             <a:fld id="{B4FB4218-D507-4A96-AB1C-B66AA2771B74}" type="slidenum">
               <a:rPr lang="en-US" smtClean="0"/>
-              <a:t>‹#›</a:t>
+              <a:t>‹Nº›</a:t>
             </a:fld>
             <a:endParaRPr lang="en-US"/>
           </a:p>
@@ -1150,7 +1153,7 @@
           <a:p>
             <a:fld id="{21A59B2D-CEAF-4CE7-BBDB-A88F3CD9A195}" type="datetimeFigureOut">
               <a:rPr lang="en-US" smtClean="0"/>
-              <a:t>4/13/2022</a:t>
+              <a:t>4/19/2022</a:t>
             </a:fld>
             <a:endParaRPr lang="en-US"/>
           </a:p>
@@ -1204,7 +1207,7 @@
           <a:p>
             <a:fld id="{B4FB4218-D507-4A96-AB1C-B66AA2771B74}" type="slidenum">
               <a:rPr lang="en-US" smtClean="0"/>
-              <a:t>‹#›</a:t>
+              <a:t>‹Nº›</a:t>
             </a:fld>
             <a:endParaRPr lang="en-US"/>
           </a:p>
@@ -1415,7 +1418,7 @@
           <a:p>
             <a:fld id="{21A59B2D-CEAF-4CE7-BBDB-A88F3CD9A195}" type="datetimeFigureOut">
               <a:rPr lang="en-US" smtClean="0"/>
-              <a:t>4/13/2022</a:t>
+              <a:t>4/19/2022</a:t>
             </a:fld>
             <a:endParaRPr lang="en-US"/>
           </a:p>
@@ -1469,7 +1472,7 @@
           <a:p>
             <a:fld id="{B4FB4218-D507-4A96-AB1C-B66AA2771B74}" type="slidenum">
               <a:rPr lang="en-US" smtClean="0"/>
-              <a:t>‹#›</a:t>
+              <a:t>‹Nº›</a:t>
             </a:fld>
             <a:endParaRPr lang="en-US"/>
           </a:p>
@@ -1827,7 +1830,7 @@
           <a:p>
             <a:fld id="{21A59B2D-CEAF-4CE7-BBDB-A88F3CD9A195}" type="datetimeFigureOut">
               <a:rPr lang="en-US" smtClean="0"/>
-              <a:t>4/13/2022</a:t>
+              <a:t>4/19/2022</a:t>
             </a:fld>
             <a:endParaRPr lang="en-US"/>
           </a:p>
@@ -1881,7 +1884,7 @@
           <a:p>
             <a:fld id="{B4FB4218-D507-4A96-AB1C-B66AA2771B74}" type="slidenum">
               <a:rPr lang="en-US" smtClean="0"/>
-              <a:t>‹#›</a:t>
+              <a:t>‹Nº›</a:t>
             </a:fld>
             <a:endParaRPr lang="en-US"/>
           </a:p>
@@ -1968,7 +1971,7 @@
           <a:p>
             <a:fld id="{21A59B2D-CEAF-4CE7-BBDB-A88F3CD9A195}" type="datetimeFigureOut">
               <a:rPr lang="en-US" smtClean="0"/>
-              <a:t>4/13/2022</a:t>
+              <a:t>4/19/2022</a:t>
             </a:fld>
             <a:endParaRPr lang="en-US"/>
           </a:p>
@@ -2022,7 +2025,7 @@
           <a:p>
             <a:fld id="{B4FB4218-D507-4A96-AB1C-B66AA2771B74}" type="slidenum">
               <a:rPr lang="en-US" smtClean="0"/>
-              <a:t>‹#›</a:t>
+              <a:t>‹Nº›</a:t>
             </a:fld>
             <a:endParaRPr lang="en-US"/>
           </a:p>
@@ -2081,7 +2084,7 @@
           <a:p>
             <a:fld id="{21A59B2D-CEAF-4CE7-BBDB-A88F3CD9A195}" type="datetimeFigureOut">
               <a:rPr lang="en-US" smtClean="0"/>
-              <a:t>4/13/2022</a:t>
+              <a:t>4/19/2022</a:t>
             </a:fld>
             <a:endParaRPr lang="en-US"/>
           </a:p>
@@ -2135,7 +2138,7 @@
           <a:p>
             <a:fld id="{B4FB4218-D507-4A96-AB1C-B66AA2771B74}" type="slidenum">
               <a:rPr lang="en-US" smtClean="0"/>
-              <a:t>‹#›</a:t>
+              <a:t>‹Nº›</a:t>
             </a:fld>
             <a:endParaRPr lang="en-US"/>
           </a:p>
@@ -2392,7 +2395,7 @@
           <a:p>
             <a:fld id="{21A59B2D-CEAF-4CE7-BBDB-A88F3CD9A195}" type="datetimeFigureOut">
               <a:rPr lang="en-US" smtClean="0"/>
-              <a:t>4/13/2022</a:t>
+              <a:t>4/19/2022</a:t>
             </a:fld>
             <a:endParaRPr lang="en-US"/>
           </a:p>
@@ -2446,7 +2449,7 @@
           <a:p>
             <a:fld id="{B4FB4218-D507-4A96-AB1C-B66AA2771B74}" type="slidenum">
               <a:rPr lang="en-US" smtClean="0"/>
-              <a:t>‹#›</a:t>
+              <a:t>‹Nº›</a:t>
             </a:fld>
             <a:endParaRPr lang="en-US"/>
           </a:p>
@@ -2680,7 +2683,7 @@
           <a:p>
             <a:fld id="{21A59B2D-CEAF-4CE7-BBDB-A88F3CD9A195}" type="datetimeFigureOut">
               <a:rPr lang="en-US" smtClean="0"/>
-              <a:t>4/13/2022</a:t>
+              <a:t>4/19/2022</a:t>
             </a:fld>
             <a:endParaRPr lang="en-US"/>
           </a:p>
@@ -2734,7 +2737,7 @@
           <a:p>
             <a:fld id="{B4FB4218-D507-4A96-AB1C-B66AA2771B74}" type="slidenum">
               <a:rPr lang="en-US" smtClean="0"/>
-              <a:t>‹#›</a:t>
+              <a:t>‹Nº›</a:t>
             </a:fld>
             <a:endParaRPr lang="en-US"/>
           </a:p>
@@ -2921,7 +2924,7 @@
           <a:p>
             <a:fld id="{21A59B2D-CEAF-4CE7-BBDB-A88F3CD9A195}" type="datetimeFigureOut">
               <a:rPr lang="en-US" smtClean="0"/>
-              <a:t>4/13/2022</a:t>
+              <a:t>4/19/2022</a:t>
             </a:fld>
             <a:endParaRPr lang="en-US"/>
           </a:p>
@@ -3011,7 +3014,7 @@
           <a:p>
             <a:fld id="{B4FB4218-D507-4A96-AB1C-B66AA2771B74}" type="slidenum">
               <a:rPr lang="en-US" smtClean="0"/>
-              <a:t>‹#›</a:t>
+              <a:t>‹Nº›</a:t>
             </a:fld>
             <a:endParaRPr lang="en-US"/>
           </a:p>
@@ -3954,6 +3957,598 @@
 </file>
 
 <file path=ppt/slides/slide10.xml><?xml version="1.0" encoding="utf-8"?>
+<p:sld xmlns:a="http://schemas.openxmlformats.org/drawingml/2006/main" xmlns:r="http://schemas.openxmlformats.org/officeDocument/2006/relationships" xmlns:p="http://schemas.openxmlformats.org/presentationml/2006/main">
+  <p:cSld>
+    <p:spTree>
+      <p:nvGrpSpPr>
+        <p:cNvPr id="1" name=""/>
+        <p:cNvGrpSpPr/>
+        <p:nvPr/>
+      </p:nvGrpSpPr>
+      <p:grpSpPr>
+        <a:xfrm>
+          <a:off x="0" y="0"/>
+          <a:ext cx="0" cy="0"/>
+          <a:chOff x="0" y="0"/>
+          <a:chExt cx="0" cy="0"/>
+        </a:xfrm>
+      </p:grpSpPr>
+      <p:pic>
+        <p:nvPicPr>
+          <p:cNvPr id="12" name="Imagen 11">
+            <a:extLst>
+              <a:ext uri="{FF2B5EF4-FFF2-40B4-BE49-F238E27FC236}">
+                <a16:creationId xmlns:a16="http://schemas.microsoft.com/office/drawing/2014/main" id="{9F999587-A626-4D80-BBDE-BE764F793500}"/>
+              </a:ext>
+            </a:extLst>
+          </p:cNvPr>
+          <p:cNvPicPr>
+            <a:picLocks noChangeAspect="1"/>
+          </p:cNvPicPr>
+          <p:nvPr/>
+        </p:nvPicPr>
+        <p:blipFill rotWithShape="1">
+          <a:blip r:embed="rId2"/>
+          <a:srcRect l="912" t="3320" r="25001" b="4663"/>
+          <a:stretch/>
+        </p:blipFill>
+        <p:spPr>
+          <a:xfrm>
+            <a:off x="1272745" y="414609"/>
+            <a:ext cx="9032789" cy="6307462"/>
+          </a:xfrm>
+          <a:prstGeom prst="rect">
+            <a:avLst/>
+          </a:prstGeom>
+        </p:spPr>
+      </p:pic>
+    </p:spTree>
+    <p:extLst>
+      <p:ext uri="{BB962C8B-B14F-4D97-AF65-F5344CB8AC3E}">
+        <p14:creationId xmlns:p14="http://schemas.microsoft.com/office/powerpoint/2010/main" val="3789757662"/>
+      </p:ext>
+    </p:extLst>
+  </p:cSld>
+  <p:clrMapOvr>
+    <a:masterClrMapping/>
+  </p:clrMapOvr>
+</p:sld>
+</file>
+
+<file path=ppt/slides/slide11.xml><?xml version="1.0" encoding="utf-8"?>
+<p:sld xmlns:a="http://schemas.openxmlformats.org/drawingml/2006/main" xmlns:r="http://schemas.openxmlformats.org/officeDocument/2006/relationships" xmlns:p="http://schemas.openxmlformats.org/presentationml/2006/main">
+  <p:cSld>
+    <p:spTree>
+      <p:nvGrpSpPr>
+        <p:cNvPr id="1" name=""/>
+        <p:cNvGrpSpPr/>
+        <p:nvPr/>
+      </p:nvGrpSpPr>
+      <p:grpSpPr>
+        <a:xfrm>
+          <a:off x="0" y="0"/>
+          <a:ext cx="0" cy="0"/>
+          <a:chOff x="0" y="0"/>
+          <a:chExt cx="0" cy="0"/>
+        </a:xfrm>
+      </p:grpSpPr>
+      <p:sp>
+        <p:nvSpPr>
+          <p:cNvPr id="2" name="TextBox 1">
+            <a:extLst>
+              <a:ext uri="{FF2B5EF4-FFF2-40B4-BE49-F238E27FC236}">
+                <a16:creationId xmlns:a16="http://schemas.microsoft.com/office/drawing/2014/main" id="{742EF216-75D4-4734-B156-3EDB09F9CE9B}"/>
+              </a:ext>
+            </a:extLst>
+          </p:cNvPr>
+          <p:cNvSpPr txBox="1"/>
+          <p:nvPr/>
+        </p:nvSpPr>
+        <p:spPr>
+          <a:xfrm>
+            <a:off x="477753" y="2819123"/>
+            <a:ext cx="11236494" cy="2062103"/>
+          </a:xfrm>
+          <a:prstGeom prst="rect">
+            <a:avLst/>
+          </a:prstGeom>
+          <a:noFill/>
+        </p:spPr>
+        <p:txBody>
+          <a:bodyPr wrap="square">
+            <a:spAutoFit/>
+          </a:bodyPr>
+          <a:lstStyle/>
+          <a:p>
+            <a:pPr lvl="0"/>
+            <a:r>
+              <a:rPr lang="en-US" sz="3200" dirty="0">
+                <a:latin typeface="Times New Roman" panose="02020603050405020304" pitchFamily="18" charset="0"/>
+                <a:cs typeface="Times New Roman" panose="02020603050405020304" pitchFamily="18" charset="0"/>
+              </a:rPr>
+              <a:t>Based on match stats (i.e., percentage of possession of the ball, number of shots, number of shots on target, being home team vs being visitor team, etc.), can we predict who the winner of a particular match was?</a:t>
+            </a:r>
+          </a:p>
+        </p:txBody>
+      </p:sp>
+      <p:cxnSp>
+        <p:nvCxnSpPr>
+          <p:cNvPr id="3" name="Straight Connector 2">
+            <a:extLst>
+              <a:ext uri="{FF2B5EF4-FFF2-40B4-BE49-F238E27FC236}">
+                <a16:creationId xmlns:a16="http://schemas.microsoft.com/office/drawing/2014/main" id="{B493E240-C89A-4822-B4C3-EC3A33AD45FA}"/>
+              </a:ext>
+            </a:extLst>
+          </p:cNvPr>
+          <p:cNvCxnSpPr/>
+          <p:nvPr/>
+        </p:nvCxnSpPr>
+        <p:spPr>
+          <a:xfrm>
+            <a:off x="0" y="1047750"/>
+            <a:ext cx="12192000" cy="0"/>
+          </a:xfrm>
+          <a:prstGeom prst="line">
+            <a:avLst/>
+          </a:prstGeom>
+          <a:ln w="76200">
+            <a:solidFill>
+              <a:srgbClr val="D2C264"/>
+            </a:solidFill>
+          </a:ln>
+        </p:spPr>
+        <p:style>
+          <a:lnRef idx="1">
+            <a:schemeClr val="accent1"/>
+          </a:lnRef>
+          <a:fillRef idx="0">
+            <a:schemeClr val="accent1"/>
+          </a:fillRef>
+          <a:effectRef idx="0">
+            <a:schemeClr val="accent1"/>
+          </a:effectRef>
+          <a:fontRef idx="minor">
+            <a:schemeClr val="tx1"/>
+          </a:fontRef>
+        </p:style>
+      </p:cxnSp>
+      <p:sp>
+        <p:nvSpPr>
+          <p:cNvPr id="4" name="TextBox 3">
+            <a:extLst>
+              <a:ext uri="{FF2B5EF4-FFF2-40B4-BE49-F238E27FC236}">
+                <a16:creationId xmlns:a16="http://schemas.microsoft.com/office/drawing/2014/main" id="{9EAF4BF5-F510-49EE-8E26-0511CB451A3D}"/>
+              </a:ext>
+            </a:extLst>
+          </p:cNvPr>
+          <p:cNvSpPr txBox="1"/>
+          <p:nvPr/>
+        </p:nvSpPr>
+        <p:spPr>
+          <a:xfrm>
+            <a:off x="439692" y="229258"/>
+            <a:ext cx="3764749" cy="584775"/>
+          </a:xfrm>
+          <a:prstGeom prst="rect">
+            <a:avLst/>
+          </a:prstGeom>
+          <a:noFill/>
+        </p:spPr>
+        <p:txBody>
+          <a:bodyPr wrap="none" rtlCol="0">
+            <a:spAutoFit/>
+          </a:bodyPr>
+          <a:lstStyle/>
+          <a:p>
+            <a:r>
+              <a:rPr lang="en-US" sz="3200" b="1" dirty="0">
+                <a:latin typeface="Times New Roman" panose="02020603050405020304" pitchFamily="18" charset="0"/>
+                <a:cs typeface="Times New Roman" panose="02020603050405020304" pitchFamily="18" charset="0"/>
+              </a:rPr>
+              <a:t>SMART Question 2:</a:t>
+            </a:r>
+          </a:p>
+        </p:txBody>
+      </p:sp>
+    </p:spTree>
+    <p:extLst>
+      <p:ext uri="{BB962C8B-B14F-4D97-AF65-F5344CB8AC3E}">
+        <p14:creationId xmlns:p14="http://schemas.microsoft.com/office/powerpoint/2010/main" val="4101889067"/>
+      </p:ext>
+    </p:extLst>
+  </p:cSld>
+  <p:clrMapOvr>
+    <a:masterClrMapping/>
+  </p:clrMapOvr>
+  <p:timing>
+    <p:tnLst>
+      <p:par>
+        <p:cTn id="1" dur="indefinite" restart="never" nodeType="tmRoot">
+          <p:childTnLst>
+            <p:seq concurrent="1" nextAc="seek">
+              <p:cTn id="2" dur="indefinite" nodeType="mainSeq">
+                <p:childTnLst>
+                  <p:par>
+                    <p:cTn id="3" fill="hold">
+                      <p:stCondLst>
+                        <p:cond delay="indefinite"/>
+                      </p:stCondLst>
+                      <p:childTnLst>
+                        <p:par>
+                          <p:cTn id="4" fill="hold">
+                            <p:stCondLst>
+                              <p:cond delay="0"/>
+                            </p:stCondLst>
+                            <p:childTnLst>
+                              <p:par>
+                                <p:cTn id="5" presetID="42" presetClass="entr" presetSubtype="0" fill="hold" grpId="0" nodeType="clickEffect">
+                                  <p:stCondLst>
+                                    <p:cond delay="0"/>
+                                  </p:stCondLst>
+                                  <p:childTnLst>
+                                    <p:set>
+                                      <p:cBhvr>
+                                        <p:cTn id="6" dur="1" fill="hold">
+                                          <p:stCondLst>
+                                            <p:cond delay="0"/>
+                                          </p:stCondLst>
+                                        </p:cTn>
+                                        <p:tgtEl>
+                                          <p:spTgt spid="2"/>
+                                        </p:tgtEl>
+                                        <p:attrNameLst>
+                                          <p:attrName>style.visibility</p:attrName>
+                                        </p:attrNameLst>
+                                      </p:cBhvr>
+                                      <p:to>
+                                        <p:strVal val="visible"/>
+                                      </p:to>
+                                    </p:set>
+                                    <p:animEffect transition="in" filter="fade">
+                                      <p:cBhvr>
+                                        <p:cTn id="7" dur="1000"/>
+                                        <p:tgtEl>
+                                          <p:spTgt spid="2"/>
+                                        </p:tgtEl>
+                                      </p:cBhvr>
+                                    </p:animEffect>
+                                    <p:anim calcmode="lin" valueType="num">
+                                      <p:cBhvr>
+                                        <p:cTn id="8" dur="1000" fill="hold"/>
+                                        <p:tgtEl>
+                                          <p:spTgt spid="2"/>
+                                        </p:tgtEl>
+                                        <p:attrNameLst>
+                                          <p:attrName>ppt_x</p:attrName>
+                                        </p:attrNameLst>
+                                      </p:cBhvr>
+                                      <p:tavLst>
+                                        <p:tav tm="0">
+                                          <p:val>
+                                            <p:strVal val="#ppt_x"/>
+                                          </p:val>
+                                        </p:tav>
+                                        <p:tav tm="100000">
+                                          <p:val>
+                                            <p:strVal val="#ppt_x"/>
+                                          </p:val>
+                                        </p:tav>
+                                      </p:tavLst>
+                                    </p:anim>
+                                    <p:anim calcmode="lin" valueType="num">
+                                      <p:cBhvr>
+                                        <p:cTn id="9" dur="1000" fill="hold"/>
+                                        <p:tgtEl>
+                                          <p:spTgt spid="2"/>
+                                        </p:tgtEl>
+                                        <p:attrNameLst>
+                                          <p:attrName>ppt_y</p:attrName>
+                                        </p:attrNameLst>
+                                      </p:cBhvr>
+                                      <p:tavLst>
+                                        <p:tav tm="0">
+                                          <p:val>
+                                            <p:strVal val="#ppt_y+.1"/>
+                                          </p:val>
+                                        </p:tav>
+                                        <p:tav tm="100000">
+                                          <p:val>
+                                            <p:strVal val="#ppt_y"/>
+                                          </p:val>
+                                        </p:tav>
+                                      </p:tavLst>
+                                    </p:anim>
+                                  </p:childTnLst>
+                                </p:cTn>
+                              </p:par>
+                            </p:childTnLst>
+                          </p:cTn>
+                        </p:par>
+                      </p:childTnLst>
+                    </p:cTn>
+                  </p:par>
+                </p:childTnLst>
+              </p:cTn>
+              <p:prevCondLst>
+                <p:cond evt="onPrev" delay="0">
+                  <p:tgtEl>
+                    <p:sldTgt/>
+                  </p:tgtEl>
+                </p:cond>
+              </p:prevCondLst>
+              <p:nextCondLst>
+                <p:cond evt="onNext" delay="0">
+                  <p:tgtEl>
+                    <p:sldTgt/>
+                  </p:tgtEl>
+                </p:cond>
+              </p:nextCondLst>
+            </p:seq>
+          </p:childTnLst>
+        </p:cTn>
+      </p:par>
+    </p:tnLst>
+    <p:bldLst>
+      <p:bldP spid="2" grpId="0"/>
+    </p:bldLst>
+  </p:timing>
+</p:sld>
+</file>
+
+<file path=ppt/slides/slide12.xml><?xml version="1.0" encoding="utf-8"?>
+<p:sld xmlns:a="http://schemas.openxmlformats.org/drawingml/2006/main" xmlns:r="http://schemas.openxmlformats.org/officeDocument/2006/relationships" xmlns:p="http://schemas.openxmlformats.org/presentationml/2006/main">
+  <p:cSld>
+    <p:spTree>
+      <p:nvGrpSpPr>
+        <p:cNvPr id="1" name=""/>
+        <p:cNvGrpSpPr/>
+        <p:nvPr/>
+      </p:nvGrpSpPr>
+      <p:grpSpPr>
+        <a:xfrm>
+          <a:off x="0" y="0"/>
+          <a:ext cx="0" cy="0"/>
+          <a:chOff x="0" y="0"/>
+          <a:chExt cx="0" cy="0"/>
+        </a:xfrm>
+      </p:grpSpPr>
+      <p:cxnSp>
+        <p:nvCxnSpPr>
+          <p:cNvPr id="2" name="Straight Connector 1">
+            <a:extLst>
+              <a:ext uri="{FF2B5EF4-FFF2-40B4-BE49-F238E27FC236}">
+                <a16:creationId xmlns:a16="http://schemas.microsoft.com/office/drawing/2014/main" id="{EE905CE2-8908-4191-AD04-9750412658A3}"/>
+              </a:ext>
+            </a:extLst>
+          </p:cNvPr>
+          <p:cNvCxnSpPr/>
+          <p:nvPr/>
+        </p:nvCxnSpPr>
+        <p:spPr>
+          <a:xfrm>
+            <a:off x="0" y="1047750"/>
+            <a:ext cx="12192000" cy="0"/>
+          </a:xfrm>
+          <a:prstGeom prst="line">
+            <a:avLst/>
+          </a:prstGeom>
+          <a:ln w="76200">
+            <a:solidFill>
+              <a:srgbClr val="D2C264"/>
+            </a:solidFill>
+          </a:ln>
+        </p:spPr>
+        <p:style>
+          <a:lnRef idx="1">
+            <a:schemeClr val="accent1"/>
+          </a:lnRef>
+          <a:fillRef idx="0">
+            <a:schemeClr val="accent1"/>
+          </a:fillRef>
+          <a:effectRef idx="0">
+            <a:schemeClr val="accent1"/>
+          </a:effectRef>
+          <a:fontRef idx="minor">
+            <a:schemeClr val="tx1"/>
+          </a:fontRef>
+        </p:style>
+      </p:cxnSp>
+      <p:sp>
+        <p:nvSpPr>
+          <p:cNvPr id="3" name="TextBox 2">
+            <a:extLst>
+              <a:ext uri="{FF2B5EF4-FFF2-40B4-BE49-F238E27FC236}">
+                <a16:creationId xmlns:a16="http://schemas.microsoft.com/office/drawing/2014/main" id="{C643D531-7E8B-4760-8A5A-4C20FE94E1D0}"/>
+              </a:ext>
+            </a:extLst>
+          </p:cNvPr>
+          <p:cNvSpPr txBox="1"/>
+          <p:nvPr/>
+        </p:nvSpPr>
+        <p:spPr>
+          <a:xfrm>
+            <a:off x="439692" y="229258"/>
+            <a:ext cx="2292615" cy="584775"/>
+          </a:xfrm>
+          <a:prstGeom prst="rect">
+            <a:avLst/>
+          </a:prstGeom>
+          <a:noFill/>
+        </p:spPr>
+        <p:txBody>
+          <a:bodyPr wrap="none" rtlCol="0">
+            <a:spAutoFit/>
+          </a:bodyPr>
+          <a:lstStyle/>
+          <a:p>
+            <a:r>
+              <a:rPr lang="en-US" sz="3200" b="1" dirty="0">
+                <a:latin typeface="Times New Roman" panose="02020603050405020304" pitchFamily="18" charset="0"/>
+                <a:cs typeface="Times New Roman" panose="02020603050405020304" pitchFamily="18" charset="0"/>
+              </a:rPr>
+              <a:t>Match Stats</a:t>
+            </a:r>
+          </a:p>
+        </p:txBody>
+      </p:sp>
+      <p:grpSp>
+        <p:nvGrpSpPr>
+          <p:cNvPr id="8" name="Group 7">
+            <a:extLst>
+              <a:ext uri="{FF2B5EF4-FFF2-40B4-BE49-F238E27FC236}">
+                <a16:creationId xmlns:a16="http://schemas.microsoft.com/office/drawing/2014/main" id="{D56D44EB-9B4A-4942-BA2D-21CC24E1630F}"/>
+              </a:ext>
+            </a:extLst>
+          </p:cNvPr>
+          <p:cNvGrpSpPr/>
+          <p:nvPr/>
+        </p:nvGrpSpPr>
+        <p:grpSpPr>
+          <a:xfrm>
+            <a:off x="3417570" y="1138593"/>
+            <a:ext cx="5356860" cy="5682637"/>
+            <a:chOff x="3417570" y="1157643"/>
+            <a:chExt cx="5356860" cy="5682637"/>
+          </a:xfrm>
+        </p:grpSpPr>
+        <p:pic>
+          <p:nvPicPr>
+            <p:cNvPr id="5" name="Picture 4" descr="Graphical user interface, application&#10;&#10;Description automatically generated">
+              <a:extLst>
+                <a:ext uri="{FF2B5EF4-FFF2-40B4-BE49-F238E27FC236}">
+                  <a16:creationId xmlns:a16="http://schemas.microsoft.com/office/drawing/2014/main" id="{199DE427-4248-4E0B-905E-17DCC5355BC3}"/>
+                </a:ext>
+              </a:extLst>
+            </p:cNvPr>
+            <p:cNvPicPr>
+              <a:picLocks noChangeAspect="1"/>
+            </p:cNvPicPr>
+            <p:nvPr/>
+          </p:nvPicPr>
+          <p:blipFill rotWithShape="1">
+            <a:blip r:embed="rId2">
+              <a:extLst>
+                <a:ext uri="{28A0092B-C50C-407E-A947-70E740481C1C}">
+                  <a14:useLocalDpi xmlns:a14="http://schemas.microsoft.com/office/drawing/2010/main" val="0"/>
+                </a:ext>
+              </a:extLst>
+            </a:blip>
+            <a:srcRect t="8119" b="37500"/>
+            <a:stretch/>
+          </p:blipFill>
+          <p:spPr>
+            <a:xfrm>
+              <a:off x="3417570" y="1157643"/>
+              <a:ext cx="5356860" cy="1118832"/>
+            </a:xfrm>
+            <a:prstGeom prst="rect">
+              <a:avLst/>
+            </a:prstGeom>
+          </p:spPr>
+        </p:pic>
+        <p:pic>
+          <p:nvPicPr>
+            <p:cNvPr id="7" name="Picture 6" descr="Text&#10;&#10;Description automatically generated">
+              <a:extLst>
+                <a:ext uri="{FF2B5EF4-FFF2-40B4-BE49-F238E27FC236}">
+                  <a16:creationId xmlns:a16="http://schemas.microsoft.com/office/drawing/2014/main" id="{2CC1C528-A443-4FAB-938F-D72C1CC041BF}"/>
+                </a:ext>
+              </a:extLst>
+            </p:cNvPr>
+            <p:cNvPicPr>
+              <a:picLocks noChangeAspect="1"/>
+            </p:cNvPicPr>
+            <p:nvPr/>
+          </p:nvPicPr>
+          <p:blipFill>
+            <a:blip r:embed="rId3">
+              <a:extLst>
+                <a:ext uri="{28A0092B-C50C-407E-A947-70E740481C1C}">
+                  <a14:useLocalDpi xmlns:a14="http://schemas.microsoft.com/office/drawing/2010/main" val="0"/>
+                </a:ext>
+              </a:extLst>
+            </a:blip>
+            <a:stretch>
+              <a:fillRect/>
+            </a:stretch>
+          </p:blipFill>
+          <p:spPr>
+            <a:xfrm>
+              <a:off x="3417570" y="2276475"/>
+              <a:ext cx="5356860" cy="4563805"/>
+            </a:xfrm>
+            <a:prstGeom prst="rect">
+              <a:avLst/>
+            </a:prstGeom>
+          </p:spPr>
+        </p:pic>
+      </p:grpSp>
+      <p:sp>
+        <p:nvSpPr>
+          <p:cNvPr id="9" name="Rectangle 8">
+            <a:extLst>
+              <a:ext uri="{FF2B5EF4-FFF2-40B4-BE49-F238E27FC236}">
+                <a16:creationId xmlns:a16="http://schemas.microsoft.com/office/drawing/2014/main" id="{F99468AA-2A75-4214-862D-2CA3304F500A}"/>
+              </a:ext>
+            </a:extLst>
+          </p:cNvPr>
+          <p:cNvSpPr/>
+          <p:nvPr/>
+        </p:nvSpPr>
+        <p:spPr>
+          <a:xfrm>
+            <a:off x="5514975" y="3219450"/>
+            <a:ext cx="1162050" cy="3371850"/>
+          </a:xfrm>
+          <a:prstGeom prst="rect">
+            <a:avLst/>
+          </a:prstGeom>
+          <a:noFill/>
+          <a:ln w="28575">
+            <a:solidFill>
+              <a:srgbClr val="D2C264"/>
+            </a:solidFill>
+          </a:ln>
+        </p:spPr>
+        <p:style>
+          <a:lnRef idx="2">
+            <a:schemeClr val="accent1">
+              <a:shade val="50000"/>
+            </a:schemeClr>
+          </a:lnRef>
+          <a:fillRef idx="1">
+            <a:schemeClr val="accent1"/>
+          </a:fillRef>
+          <a:effectRef idx="0">
+            <a:schemeClr val="accent1"/>
+          </a:effectRef>
+          <a:fontRef idx="minor">
+            <a:schemeClr val="lt1"/>
+          </a:fontRef>
+        </p:style>
+        <p:txBody>
+          <a:bodyPr rtlCol="0" anchor="ctr"/>
+          <a:lstStyle/>
+          <a:p>
+            <a:pPr algn="ctr"/>
+            <a:endParaRPr lang="en-US"/>
+          </a:p>
+        </p:txBody>
+      </p:sp>
+    </p:spTree>
+    <p:extLst>
+      <p:ext uri="{BB962C8B-B14F-4D97-AF65-F5344CB8AC3E}">
+        <p14:creationId xmlns:p14="http://schemas.microsoft.com/office/powerpoint/2010/main" val="992733778"/>
+      </p:ext>
+    </p:extLst>
+  </p:cSld>
+  <p:clrMapOvr>
+    <a:masterClrMapping/>
+  </p:clrMapOvr>
+</p:sld>
+</file>
+
+<file path=ppt/slides/slide13.xml><?xml version="1.0" encoding="utf-8"?>
 <p:sld xmlns:a="http://schemas.openxmlformats.org/drawingml/2006/main" xmlns:r="http://schemas.openxmlformats.org/officeDocument/2006/relationships" xmlns:p="http://schemas.openxmlformats.org/presentationml/2006/main">
   <p:cSld>
     <p:spTree>
@@ -5952,7 +6547,7 @@
 </p:sld>
 </file>
 
-<file path=ppt/slides/slide11.xml><?xml version="1.0" encoding="utf-8"?>
+<file path=ppt/slides/slide14.xml><?xml version="1.0" encoding="utf-8"?>
 <p:sld xmlns:a="http://schemas.openxmlformats.org/drawingml/2006/main" xmlns:r="http://schemas.openxmlformats.org/officeDocument/2006/relationships" xmlns:p="http://schemas.openxmlformats.org/presentationml/2006/main">
   <p:cSld>
     <p:spTree>
@@ -6061,7 +6656,7 @@
 </p:sld>
 </file>
 
-<file path=ppt/slides/slide12.xml><?xml version="1.0" encoding="utf-8"?>
+<file path=ppt/slides/slide15.xml><?xml version="1.0" encoding="utf-8"?>
 <p:sld xmlns:a="http://schemas.openxmlformats.org/drawingml/2006/main" xmlns:r="http://schemas.openxmlformats.org/officeDocument/2006/relationships" xmlns:p="http://schemas.openxmlformats.org/presentationml/2006/main">
   <p:cSld>
     <p:spTree>
@@ -6170,7 +6765,7 @@
 </p:sld>
 </file>
 
-<file path=ppt/slides/slide13.xml><?xml version="1.0" encoding="utf-8"?>
+<file path=ppt/slides/slide16.xml><?xml version="1.0" encoding="utf-8"?>
 <p:sld xmlns:a="http://schemas.openxmlformats.org/drawingml/2006/main" xmlns:r="http://schemas.openxmlformats.org/officeDocument/2006/relationships" xmlns:p="http://schemas.openxmlformats.org/presentationml/2006/main">
   <p:cSld>
     <p:spTree>
@@ -14376,6 +14971,354 @@
           </a:p>
         </p:txBody>
       </p:sp>
+      <p:sp>
+        <p:nvSpPr>
+          <p:cNvPr id="5" name="Marcador de contenido 4">
+            <a:extLst>
+              <a:ext uri="{FF2B5EF4-FFF2-40B4-BE49-F238E27FC236}">
+                <a16:creationId xmlns:a16="http://schemas.microsoft.com/office/drawing/2014/main" id="{0D461417-6BB0-4F6D-94DC-7C4510A3D7ED}"/>
+              </a:ext>
+            </a:extLst>
+          </p:cNvPr>
+          <p:cNvSpPr>
+            <a:spLocks noGrp="1"/>
+          </p:cNvSpPr>
+          <p:nvPr>
+            <p:ph idx="1"/>
+          </p:nvPr>
+        </p:nvSpPr>
+        <p:spPr>
+          <a:xfrm>
+            <a:off x="838200" y="1303006"/>
+            <a:ext cx="10515600" cy="4776515"/>
+          </a:xfrm>
+        </p:spPr>
+        <p:txBody>
+          <a:bodyPr>
+            <a:normAutofit fontScale="92500" lnSpcReduction="20000"/>
+          </a:bodyPr>
+          <a:lstStyle/>
+          <a:p>
+            <a:pPr marL="514350" indent="-514350">
+              <a:buFont typeface="+mj-lt"/>
+              <a:buAutoNum type="arabicPeriod"/>
+            </a:pPr>
+            <a:r>
+              <a:rPr lang="es-ES" dirty="0" err="1"/>
+              <a:t>Obtain</a:t>
+            </a:r>
+            <a:r>
+              <a:rPr lang="es-ES" dirty="0"/>
+              <a:t> </a:t>
+            </a:r>
+            <a:r>
+              <a:rPr lang="es-ES" dirty="0" err="1"/>
+              <a:t>distance</a:t>
+            </a:r>
+            <a:r>
+              <a:rPr lang="es-ES" dirty="0"/>
+              <a:t> </a:t>
+            </a:r>
+            <a:r>
+              <a:rPr lang="es-ES" dirty="0" err="1"/>
+              <a:t>of</a:t>
+            </a:r>
+            <a:r>
+              <a:rPr lang="es-ES" dirty="0"/>
+              <a:t> </a:t>
+            </a:r>
+            <a:r>
+              <a:rPr lang="es-ES" dirty="0" err="1"/>
+              <a:t>play</a:t>
+            </a:r>
+            <a:r>
+              <a:rPr lang="es-ES" dirty="0"/>
+              <a:t> (</a:t>
+            </a:r>
+            <a:r>
+              <a:rPr lang="es-ES" dirty="0" err="1"/>
+              <a:t>field</a:t>
+            </a:r>
+            <a:r>
+              <a:rPr lang="es-ES" dirty="0"/>
+              <a:t> </a:t>
+            </a:r>
+            <a:r>
+              <a:rPr lang="es-ES" dirty="0" err="1"/>
+              <a:t>dimensions</a:t>
+            </a:r>
+            <a:r>
+              <a:rPr lang="es-ES" dirty="0"/>
+              <a:t>: 120 </a:t>
+            </a:r>
+            <a:r>
+              <a:rPr lang="es-ES" dirty="0" err="1"/>
+              <a:t>by</a:t>
+            </a:r>
+            <a:r>
+              <a:rPr lang="es-ES" dirty="0"/>
+              <a:t> 75 </a:t>
+            </a:r>
+            <a:r>
+              <a:rPr lang="es-ES" dirty="0" err="1"/>
+              <a:t>yards</a:t>
+            </a:r>
+            <a:r>
+              <a:rPr lang="es-ES" dirty="0"/>
+              <a:t>)</a:t>
+            </a:r>
+          </a:p>
+          <a:p>
+            <a:pPr marL="514350" indent="-514350">
+              <a:buFont typeface="+mj-lt"/>
+              <a:buAutoNum type="arabicPeriod"/>
+            </a:pPr>
+            <a:endParaRPr lang="es-ES" dirty="0"/>
+          </a:p>
+          <a:p>
+            <a:pPr marL="514350" indent="-514350">
+              <a:buFont typeface="+mj-lt"/>
+              <a:buAutoNum type="arabicPeriod"/>
+            </a:pPr>
+            <a:r>
+              <a:rPr lang="es-ES" dirty="0"/>
+              <a:t>Balance and center data</a:t>
+            </a:r>
+          </a:p>
+          <a:p>
+            <a:pPr marL="514350" indent="-514350">
+              <a:buFont typeface="+mj-lt"/>
+              <a:buAutoNum type="arabicPeriod"/>
+            </a:pPr>
+            <a:endParaRPr lang="es-ES" dirty="0"/>
+          </a:p>
+          <a:p>
+            <a:pPr marL="514350" indent="-514350">
+              <a:buFont typeface="+mj-lt"/>
+              <a:buAutoNum type="arabicPeriod"/>
+            </a:pPr>
+            <a:r>
+              <a:rPr lang="es-ES" dirty="0"/>
+              <a:t>Use (X, Y) </a:t>
+            </a:r>
+            <a:r>
+              <a:rPr lang="es-ES" dirty="0" err="1"/>
+              <a:t>coordinates</a:t>
+            </a:r>
+            <a:r>
+              <a:rPr lang="es-ES" dirty="0"/>
+              <a:t> </a:t>
+            </a:r>
+            <a:r>
+              <a:rPr lang="es-ES" dirty="0" err="1"/>
+              <a:t>of</a:t>
+            </a:r>
+            <a:r>
+              <a:rPr lang="es-ES" dirty="0"/>
+              <a:t> </a:t>
+            </a:r>
+            <a:r>
+              <a:rPr lang="es-ES" dirty="0" err="1"/>
+              <a:t>events</a:t>
+            </a:r>
+            <a:r>
+              <a:rPr lang="es-ES" dirty="0"/>
+              <a:t> as </a:t>
+            </a:r>
+            <a:r>
+              <a:rPr lang="es-ES" dirty="0" err="1"/>
+              <a:t>independent</a:t>
+            </a:r>
+            <a:r>
+              <a:rPr lang="es-ES" dirty="0"/>
+              <a:t> variables: </a:t>
+            </a:r>
+            <a:r>
+              <a:rPr lang="es-ES" dirty="0" err="1"/>
+              <a:t>start</a:t>
+            </a:r>
+            <a:r>
+              <a:rPr lang="es-ES" dirty="0"/>
+              <a:t>, </a:t>
+            </a:r>
+            <a:r>
+              <a:rPr lang="es-ES" dirty="0" err="1"/>
+              <a:t>end</a:t>
+            </a:r>
+            <a:r>
+              <a:rPr lang="es-ES" dirty="0"/>
+              <a:t>, and </a:t>
+            </a:r>
+            <a:r>
+              <a:rPr lang="es-ES" dirty="0" err="1"/>
+              <a:t>distance</a:t>
+            </a:r>
+            <a:endParaRPr lang="es-ES" dirty="0"/>
+          </a:p>
+          <a:p>
+            <a:pPr marL="514350" indent="-514350">
+              <a:buFont typeface="+mj-lt"/>
+              <a:buAutoNum type="arabicPeriod"/>
+            </a:pPr>
+            <a:endParaRPr lang="es-ES" dirty="0"/>
+          </a:p>
+          <a:p>
+            <a:pPr marL="514350" indent="-514350">
+              <a:buFont typeface="+mj-lt"/>
+              <a:buAutoNum type="arabicPeriod"/>
+            </a:pPr>
+            <a:r>
+              <a:rPr lang="es-ES" dirty="0" err="1"/>
+              <a:t>Build</a:t>
+            </a:r>
+            <a:r>
+              <a:rPr lang="es-ES" dirty="0"/>
+              <a:t> </a:t>
+            </a:r>
+            <a:r>
+              <a:rPr lang="es-ES" dirty="0" err="1"/>
+              <a:t>Logit</a:t>
+            </a:r>
+            <a:r>
+              <a:rPr lang="es-ES" dirty="0"/>
+              <a:t> </a:t>
+            </a:r>
+            <a:r>
+              <a:rPr lang="es-ES" dirty="0" err="1"/>
+              <a:t>models</a:t>
+            </a:r>
+            <a:r>
+              <a:rPr lang="es-ES" dirty="0"/>
+              <a:t>, </a:t>
+            </a:r>
+            <a:r>
+              <a:rPr lang="es-ES" dirty="0" err="1"/>
+              <a:t>select</a:t>
+            </a:r>
+            <a:r>
+              <a:rPr lang="es-ES" dirty="0"/>
+              <a:t> </a:t>
+            </a:r>
+            <a:r>
+              <a:rPr lang="es-ES" dirty="0" err="1"/>
+              <a:t>best</a:t>
+            </a:r>
+            <a:r>
+              <a:rPr lang="es-ES" dirty="0"/>
+              <a:t> </a:t>
+            </a:r>
+            <a:r>
+              <a:rPr lang="es-ES" dirty="0" err="1"/>
+              <a:t>with</a:t>
+            </a:r>
+            <a:r>
+              <a:rPr lang="es-ES" dirty="0"/>
+              <a:t> BIC and VIF</a:t>
+            </a:r>
+          </a:p>
+          <a:p>
+            <a:pPr marL="514350" indent="-514350">
+              <a:buFont typeface="+mj-lt"/>
+              <a:buAutoNum type="arabicPeriod"/>
+            </a:pPr>
+            <a:endParaRPr lang="es-ES" dirty="0"/>
+          </a:p>
+          <a:p>
+            <a:pPr marL="514350" indent="-514350">
+              <a:buFont typeface="+mj-lt"/>
+              <a:buAutoNum type="arabicPeriod"/>
+            </a:pPr>
+            <a:r>
+              <a:rPr lang="es-ES" dirty="0" err="1"/>
+              <a:t>Obtain</a:t>
+            </a:r>
+            <a:r>
+              <a:rPr lang="es-ES" dirty="0"/>
+              <a:t> vector </a:t>
+            </a:r>
+            <a:r>
+              <a:rPr lang="es-ES" dirty="0" err="1"/>
+              <a:t>of</a:t>
+            </a:r>
+            <a:r>
+              <a:rPr lang="es-ES" dirty="0"/>
+              <a:t> </a:t>
+            </a:r>
+            <a:r>
+              <a:rPr lang="es-ES" dirty="0" err="1"/>
+              <a:t>probabilities</a:t>
+            </a:r>
+            <a:endParaRPr lang="es-ES" dirty="0"/>
+          </a:p>
+          <a:p>
+            <a:pPr marL="514350" indent="-514350">
+              <a:buFont typeface="+mj-lt"/>
+              <a:buAutoNum type="arabicPeriod"/>
+            </a:pPr>
+            <a:endParaRPr lang="es-ES" dirty="0"/>
+          </a:p>
+          <a:p>
+            <a:pPr marL="514350" indent="-514350">
+              <a:buFont typeface="+mj-lt"/>
+              <a:buAutoNum type="arabicPeriod"/>
+            </a:pPr>
+            <a:r>
+              <a:rPr lang="es-ES" dirty="0" err="1"/>
+              <a:t>Build</a:t>
+            </a:r>
+            <a:r>
+              <a:rPr lang="es-ES" dirty="0"/>
+              <a:t> new </a:t>
+            </a:r>
+            <a:r>
+              <a:rPr lang="es-ES" dirty="0" err="1"/>
+              <a:t>model</a:t>
+            </a:r>
+            <a:r>
+              <a:rPr lang="es-ES" dirty="0"/>
+              <a:t> </a:t>
+            </a:r>
+            <a:r>
+              <a:rPr lang="es-ES" dirty="0" err="1"/>
+              <a:t>with</a:t>
+            </a:r>
+            <a:r>
+              <a:rPr lang="es-ES" dirty="0"/>
+              <a:t> vector </a:t>
+            </a:r>
+            <a:r>
+              <a:rPr lang="es-ES" dirty="0" err="1"/>
+              <a:t>from</a:t>
+            </a:r>
+            <a:r>
+              <a:rPr lang="es-ES" dirty="0"/>
+              <a:t> 4 as </a:t>
+            </a:r>
+            <a:r>
+              <a:rPr lang="es-ES" dirty="0" err="1"/>
+              <a:t>dependant</a:t>
+            </a:r>
+            <a:r>
+              <a:rPr lang="es-ES" dirty="0"/>
+              <a:t> variable</a:t>
+            </a:r>
+          </a:p>
+          <a:p>
+            <a:pPr marL="514350" indent="-514350">
+              <a:buFont typeface="+mj-lt"/>
+              <a:buAutoNum type="arabicPeriod"/>
+            </a:pPr>
+            <a:endParaRPr lang="es-ES" dirty="0"/>
+          </a:p>
+          <a:p>
+            <a:pPr marL="514350" indent="-514350">
+              <a:buFont typeface="+mj-lt"/>
+              <a:buAutoNum type="arabicPeriod"/>
+            </a:pPr>
+            <a:endParaRPr lang="es-MX" dirty="0"/>
+          </a:p>
+        </p:txBody>
+      </p:sp>
     </p:spTree>
     <p:extLst>
       <p:ext uri="{BB962C8B-B14F-4D97-AF65-F5344CB8AC3E}">
@@ -14406,292 +15349,12 @@
           <a:chExt cx="0" cy="0"/>
         </a:xfrm>
       </p:grpSpPr>
-      <p:sp>
-        <p:nvSpPr>
-          <p:cNvPr id="2" name="TextBox 1">
-            <a:extLst>
-              <a:ext uri="{FF2B5EF4-FFF2-40B4-BE49-F238E27FC236}">
-                <a16:creationId xmlns:a16="http://schemas.microsoft.com/office/drawing/2014/main" id="{742EF216-75D4-4734-B156-3EDB09F9CE9B}"/>
-              </a:ext>
-            </a:extLst>
-          </p:cNvPr>
-          <p:cNvSpPr txBox="1"/>
-          <p:nvPr/>
-        </p:nvSpPr>
-        <p:spPr>
-          <a:xfrm>
-            <a:off x="477753" y="2819123"/>
-            <a:ext cx="11236494" cy="2062103"/>
-          </a:xfrm>
-          <a:prstGeom prst="rect">
-            <a:avLst/>
-          </a:prstGeom>
-          <a:noFill/>
-        </p:spPr>
-        <p:txBody>
-          <a:bodyPr wrap="square">
-            <a:spAutoFit/>
-          </a:bodyPr>
-          <a:lstStyle/>
-          <a:p>
-            <a:pPr lvl="0"/>
-            <a:r>
-              <a:rPr lang="en-US" sz="3200" dirty="0">
-                <a:latin typeface="Times New Roman" panose="02020603050405020304" pitchFamily="18" charset="0"/>
-                <a:cs typeface="Times New Roman" panose="02020603050405020304" pitchFamily="18" charset="0"/>
-              </a:rPr>
-              <a:t>Based on match stats (i.e., percentage of possession of the ball, number of shots, number of shots on target, being home team vs being visitor team, etc.), can we predict who the winner of a particular match was?</a:t>
-            </a:r>
-          </a:p>
-        </p:txBody>
-      </p:sp>
-      <p:cxnSp>
-        <p:nvCxnSpPr>
-          <p:cNvPr id="3" name="Straight Connector 2">
-            <a:extLst>
-              <a:ext uri="{FF2B5EF4-FFF2-40B4-BE49-F238E27FC236}">
-                <a16:creationId xmlns:a16="http://schemas.microsoft.com/office/drawing/2014/main" id="{B493E240-C89A-4822-B4C3-EC3A33AD45FA}"/>
-              </a:ext>
-            </a:extLst>
-          </p:cNvPr>
-          <p:cNvCxnSpPr/>
-          <p:nvPr/>
-        </p:nvCxnSpPr>
-        <p:spPr>
-          <a:xfrm>
-            <a:off x="0" y="1047750"/>
-            <a:ext cx="12192000" cy="0"/>
-          </a:xfrm>
-          <a:prstGeom prst="line">
-            <a:avLst/>
-          </a:prstGeom>
-          <a:ln w="76200">
-            <a:solidFill>
-              <a:srgbClr val="D2C264"/>
-            </a:solidFill>
-          </a:ln>
-        </p:spPr>
-        <p:style>
-          <a:lnRef idx="1">
-            <a:schemeClr val="accent1"/>
-          </a:lnRef>
-          <a:fillRef idx="0">
-            <a:schemeClr val="accent1"/>
-          </a:fillRef>
-          <a:effectRef idx="0">
-            <a:schemeClr val="accent1"/>
-          </a:effectRef>
-          <a:fontRef idx="minor">
-            <a:schemeClr val="tx1"/>
-          </a:fontRef>
-        </p:style>
-      </p:cxnSp>
-      <p:sp>
-        <p:nvSpPr>
-          <p:cNvPr id="4" name="TextBox 3">
-            <a:extLst>
-              <a:ext uri="{FF2B5EF4-FFF2-40B4-BE49-F238E27FC236}">
-                <a16:creationId xmlns:a16="http://schemas.microsoft.com/office/drawing/2014/main" id="{9EAF4BF5-F510-49EE-8E26-0511CB451A3D}"/>
-              </a:ext>
-            </a:extLst>
-          </p:cNvPr>
-          <p:cNvSpPr txBox="1"/>
-          <p:nvPr/>
-        </p:nvSpPr>
-        <p:spPr>
-          <a:xfrm>
-            <a:off x="439692" y="229258"/>
-            <a:ext cx="3764749" cy="584775"/>
-          </a:xfrm>
-          <a:prstGeom prst="rect">
-            <a:avLst/>
-          </a:prstGeom>
-          <a:noFill/>
-        </p:spPr>
-        <p:txBody>
-          <a:bodyPr wrap="none" rtlCol="0">
-            <a:spAutoFit/>
-          </a:bodyPr>
-          <a:lstStyle/>
-          <a:p>
-            <a:r>
-              <a:rPr lang="en-US" sz="3200" b="1" dirty="0">
-                <a:latin typeface="Times New Roman" panose="02020603050405020304" pitchFamily="18" charset="0"/>
-                <a:cs typeface="Times New Roman" panose="02020603050405020304" pitchFamily="18" charset="0"/>
-              </a:rPr>
-              <a:t>SMART Question 2:</a:t>
-            </a:r>
-          </a:p>
-        </p:txBody>
-      </p:sp>
-    </p:spTree>
-    <p:extLst>
-      <p:ext uri="{BB962C8B-B14F-4D97-AF65-F5344CB8AC3E}">
-        <p14:creationId xmlns:p14="http://schemas.microsoft.com/office/powerpoint/2010/main" val="4101889067"/>
-      </p:ext>
-    </p:extLst>
-  </p:cSld>
-  <p:clrMapOvr>
-    <a:masterClrMapping/>
-  </p:clrMapOvr>
-  <p:timing>
-    <p:tnLst>
-      <p:par>
-        <p:cTn id="1" dur="indefinite" restart="never" nodeType="tmRoot">
-          <p:childTnLst>
-            <p:seq concurrent="1" nextAc="seek">
-              <p:cTn id="2" dur="indefinite" nodeType="mainSeq">
-                <p:childTnLst>
-                  <p:par>
-                    <p:cTn id="3" fill="hold">
-                      <p:stCondLst>
-                        <p:cond delay="indefinite"/>
-                      </p:stCondLst>
-                      <p:childTnLst>
-                        <p:par>
-                          <p:cTn id="4" fill="hold">
-                            <p:stCondLst>
-                              <p:cond delay="0"/>
-                            </p:stCondLst>
-                            <p:childTnLst>
-                              <p:par>
-                                <p:cTn id="5" presetID="42" presetClass="entr" presetSubtype="0" fill="hold" grpId="0" nodeType="clickEffect">
-                                  <p:stCondLst>
-                                    <p:cond delay="0"/>
-                                  </p:stCondLst>
-                                  <p:childTnLst>
-                                    <p:set>
-                                      <p:cBhvr>
-                                        <p:cTn id="6" dur="1" fill="hold">
-                                          <p:stCondLst>
-                                            <p:cond delay="0"/>
-                                          </p:stCondLst>
-                                        </p:cTn>
-                                        <p:tgtEl>
-                                          <p:spTgt spid="2"/>
-                                        </p:tgtEl>
-                                        <p:attrNameLst>
-                                          <p:attrName>style.visibility</p:attrName>
-                                        </p:attrNameLst>
-                                      </p:cBhvr>
-                                      <p:to>
-                                        <p:strVal val="visible"/>
-                                      </p:to>
-                                    </p:set>
-                                    <p:animEffect transition="in" filter="fade">
-                                      <p:cBhvr>
-                                        <p:cTn id="7" dur="1000"/>
-                                        <p:tgtEl>
-                                          <p:spTgt spid="2"/>
-                                        </p:tgtEl>
-                                      </p:cBhvr>
-                                    </p:animEffect>
-                                    <p:anim calcmode="lin" valueType="num">
-                                      <p:cBhvr>
-                                        <p:cTn id="8" dur="1000" fill="hold"/>
-                                        <p:tgtEl>
-                                          <p:spTgt spid="2"/>
-                                        </p:tgtEl>
-                                        <p:attrNameLst>
-                                          <p:attrName>ppt_x</p:attrName>
-                                        </p:attrNameLst>
-                                      </p:cBhvr>
-                                      <p:tavLst>
-                                        <p:tav tm="0">
-                                          <p:val>
-                                            <p:strVal val="#ppt_x"/>
-                                          </p:val>
-                                        </p:tav>
-                                        <p:tav tm="100000">
-                                          <p:val>
-                                            <p:strVal val="#ppt_x"/>
-                                          </p:val>
-                                        </p:tav>
-                                      </p:tavLst>
-                                    </p:anim>
-                                    <p:anim calcmode="lin" valueType="num">
-                                      <p:cBhvr>
-                                        <p:cTn id="9" dur="1000" fill="hold"/>
-                                        <p:tgtEl>
-                                          <p:spTgt spid="2"/>
-                                        </p:tgtEl>
-                                        <p:attrNameLst>
-                                          <p:attrName>ppt_y</p:attrName>
-                                        </p:attrNameLst>
-                                      </p:cBhvr>
-                                      <p:tavLst>
-                                        <p:tav tm="0">
-                                          <p:val>
-                                            <p:strVal val="#ppt_y+.1"/>
-                                          </p:val>
-                                        </p:tav>
-                                        <p:tav tm="100000">
-                                          <p:val>
-                                            <p:strVal val="#ppt_y"/>
-                                          </p:val>
-                                        </p:tav>
-                                      </p:tavLst>
-                                    </p:anim>
-                                  </p:childTnLst>
-                                </p:cTn>
-                              </p:par>
-                            </p:childTnLst>
-                          </p:cTn>
-                        </p:par>
-                      </p:childTnLst>
-                    </p:cTn>
-                  </p:par>
-                </p:childTnLst>
-              </p:cTn>
-              <p:prevCondLst>
-                <p:cond evt="onPrev" delay="0">
-                  <p:tgtEl>
-                    <p:sldTgt/>
-                  </p:tgtEl>
-                </p:cond>
-              </p:prevCondLst>
-              <p:nextCondLst>
-                <p:cond evt="onNext" delay="0">
-                  <p:tgtEl>
-                    <p:sldTgt/>
-                  </p:tgtEl>
-                </p:cond>
-              </p:nextCondLst>
-            </p:seq>
-          </p:childTnLst>
-        </p:cTn>
-      </p:par>
-    </p:tnLst>
-    <p:bldLst>
-      <p:bldP spid="2" grpId="0"/>
-    </p:bldLst>
-  </p:timing>
-</p:sld>
-</file>
-
-<file path=ppt/slides/slide9.xml><?xml version="1.0" encoding="utf-8"?>
-<p:sld xmlns:a="http://schemas.openxmlformats.org/drawingml/2006/main" xmlns:r="http://schemas.openxmlformats.org/officeDocument/2006/relationships" xmlns:p="http://schemas.openxmlformats.org/presentationml/2006/main">
-  <p:cSld>
-    <p:spTree>
-      <p:nvGrpSpPr>
-        <p:cNvPr id="1" name=""/>
-        <p:cNvGrpSpPr/>
-        <p:nvPr/>
-      </p:nvGrpSpPr>
-      <p:grpSpPr>
-        <a:xfrm>
-          <a:off x="0" y="0"/>
-          <a:ext cx="0" cy="0"/>
-          <a:chOff x="0" y="0"/>
-          <a:chExt cx="0" cy="0"/>
-        </a:xfrm>
-      </p:grpSpPr>
       <p:cxnSp>
         <p:nvCxnSpPr>
           <p:cNvPr id="2" name="Straight Connector 1">
             <a:extLst>
               <a:ext uri="{FF2B5EF4-FFF2-40B4-BE49-F238E27FC236}">
-                <a16:creationId xmlns:a16="http://schemas.microsoft.com/office/drawing/2014/main" id="{EE905CE2-8908-4191-AD04-9750412658A3}"/>
+                <a16:creationId xmlns:a16="http://schemas.microsoft.com/office/drawing/2014/main" id="{6B2A0167-33CF-48BF-A2ED-757ECB5D4774}"/>
               </a:ext>
             </a:extLst>
           </p:cNvPr>
@@ -14732,7 +15395,7 @@
           <p:cNvPr id="3" name="TextBox 2">
             <a:extLst>
               <a:ext uri="{FF2B5EF4-FFF2-40B4-BE49-F238E27FC236}">
-                <a16:creationId xmlns:a16="http://schemas.microsoft.com/office/drawing/2014/main" id="{C643D531-7E8B-4760-8A5A-4C20FE94E1D0}"/>
+                <a16:creationId xmlns:a16="http://schemas.microsoft.com/office/drawing/2014/main" id="{B89D4FB9-4FD5-4539-9D75-EEA50F5DB448}"/>
               </a:ext>
             </a:extLst>
           </p:cNvPr>
@@ -14742,7 +15405,7 @@
         <p:spPr>
           <a:xfrm>
             <a:off x="439692" y="229258"/>
-            <a:ext cx="2292615" cy="584775"/>
+            <a:ext cx="1301959" cy="584775"/>
           </a:xfrm>
           <a:prstGeom prst="rect">
             <a:avLst/>
@@ -14760,159 +15423,3901 @@
                 <a:latin typeface="Times New Roman" panose="02020603050405020304" pitchFamily="18" charset="0"/>
                 <a:cs typeface="Times New Roman" panose="02020603050405020304" pitchFamily="18" charset="0"/>
               </a:rPr>
-              <a:t>Match Stats</a:t>
+              <a:t>Model</a:t>
             </a:r>
           </a:p>
         </p:txBody>
       </p:sp>
-      <p:grpSp>
-        <p:nvGrpSpPr>
-          <p:cNvPr id="8" name="Group 7">
+      <mc:AlternateContent xmlns:mc="http://schemas.openxmlformats.org/markup-compatibility/2006">
+        <mc:Choice xmlns:a14="http://schemas.microsoft.com/office/drawing/2010/main" Requires="a14">
+          <p:graphicFrame>
+            <p:nvGraphicFramePr>
+              <p:cNvPr id="19" name="Marcador de contenido 18">
+                <a:extLst>
+                  <a:ext uri="{FF2B5EF4-FFF2-40B4-BE49-F238E27FC236}">
+                    <a16:creationId xmlns:a16="http://schemas.microsoft.com/office/drawing/2014/main" id="{A8292075-DFBC-44D4-9140-69A2366F3B6E}"/>
+                  </a:ext>
+                </a:extLst>
+              </p:cNvPr>
+              <p:cNvGraphicFramePr>
+                <a:graphicFrameLocks noGrp="1"/>
+              </p:cNvGraphicFramePr>
+              <p:nvPr>
+                <p:ph idx="1"/>
+                <p:extLst>
+                  <p:ext uri="{D42A27DB-BD31-4B8C-83A1-F6EECF244321}">
+                    <p14:modId xmlns:p14="http://schemas.microsoft.com/office/powerpoint/2010/main" val="2157965862"/>
+                  </p:ext>
+                </p:extLst>
+              </p:nvPr>
+            </p:nvGraphicFramePr>
+            <p:xfrm>
+              <a:off x="284205" y="1655808"/>
+              <a:ext cx="11553568" cy="2922068"/>
+            </p:xfrm>
+            <a:graphic>
+              <a:graphicData uri="http://schemas.openxmlformats.org/drawingml/2006/table">
+                <a:tbl>
+                  <a:tblPr firstRow="1" firstCol="1" bandRow="1"/>
+                  <a:tblGrid>
+                    <a:gridCol w="10489791">
+                      <a:extLst>
+                        <a:ext uri="{9D8B030D-6E8A-4147-A177-3AD203B41FA5}">
+                          <a16:colId xmlns:a16="http://schemas.microsoft.com/office/drawing/2014/main" val="2200701939"/>
+                        </a:ext>
+                      </a:extLst>
+                    </a:gridCol>
+                    <a:gridCol w="1063777">
+                      <a:extLst>
+                        <a:ext uri="{9D8B030D-6E8A-4147-A177-3AD203B41FA5}">
+                          <a16:colId xmlns:a16="http://schemas.microsoft.com/office/drawing/2014/main" val="390178824"/>
+                        </a:ext>
+                      </a:extLst>
+                    </a:gridCol>
+                  </a:tblGrid>
+                  <a:tr h="730517">
+                    <a:tc>
+                      <a:txBody>
+                        <a:bodyPr/>
+                        <a:lstStyle/>
+                        <a:p>
+                          <a:pPr algn="just"/>
+                          <a14:m>
+                            <m:oMathPara xmlns:m="http://schemas.openxmlformats.org/officeDocument/2006/math">
+                              <m:oMathParaPr>
+                                <m:jc m:val="centerGroup"/>
+                              </m:oMathParaPr>
+                              <m:oMath xmlns:m="http://schemas.openxmlformats.org/officeDocument/2006/math">
+                                <m:sSub>
+                                  <m:sSubPr>
+                                    <m:ctrlPr>
+                                      <a:rPr lang="es-MX" sz="2000" i="1">
+                                        <a:effectLst/>
+                                        <a:latin typeface="Cambria Math" panose="02040503050406030204" pitchFamily="18" charset="0"/>
+                                        <a:ea typeface="Times New Roman" panose="02020603050405020304" pitchFamily="18" charset="0"/>
+                                        <a:cs typeface="Times New Roman" panose="02020603050405020304" pitchFamily="18" charset="0"/>
+                                      </a:rPr>
+                                    </m:ctrlPr>
+                                  </m:sSubPr>
+                                  <m:e>
+                                    <m:r>
+                                      <a:rPr lang="en-US" sz="2000" i="1">
+                                        <a:effectLst/>
+                                        <a:latin typeface="Cambria Math" panose="02040503050406030204" pitchFamily="18" charset="0"/>
+                                        <a:ea typeface="Times New Roman" panose="02020603050405020304" pitchFamily="18" charset="0"/>
+                                        <a:cs typeface="Times New Roman" panose="02020603050405020304" pitchFamily="18" charset="0"/>
+                                      </a:rPr>
+                                      <m:t>𝐵</m:t>
+                                    </m:r>
+                                  </m:e>
+                                  <m:sub>
+                                    <m:r>
+                                      <a:rPr lang="en-US" sz="2000" i="1">
+                                        <a:effectLst/>
+                                        <a:latin typeface="Cambria Math" panose="02040503050406030204" pitchFamily="18" charset="0"/>
+                                        <a:ea typeface="Times New Roman" panose="02020603050405020304" pitchFamily="18" charset="0"/>
+                                        <a:cs typeface="Times New Roman" panose="02020603050405020304" pitchFamily="18" charset="0"/>
+                                      </a:rPr>
+                                      <m:t>𝑠𝑢𝑐𝑐𝑒𝑠𝑠</m:t>
+                                    </m:r>
+                                  </m:sub>
+                                </m:sSub>
+                                <m:r>
+                                  <a:rPr lang="en-US" sz="2000" i="1">
+                                    <a:effectLst/>
+                                    <a:latin typeface="Cambria Math" panose="02040503050406030204" pitchFamily="18" charset="0"/>
+                                    <a:ea typeface="Times New Roman" panose="02020603050405020304" pitchFamily="18" charset="0"/>
+                                    <a:cs typeface="Times New Roman" panose="02020603050405020304" pitchFamily="18" charset="0"/>
+                                  </a:rPr>
+                                  <m:t>=</m:t>
+                                </m:r>
+                                <m:sSub>
+                                  <m:sSubPr>
+                                    <m:ctrlPr>
+                                      <a:rPr lang="es-MX" sz="2000" i="1">
+                                        <a:effectLst/>
+                                        <a:latin typeface="Cambria Math" panose="02040503050406030204" pitchFamily="18" charset="0"/>
+                                        <a:ea typeface="Times New Roman" panose="02020603050405020304" pitchFamily="18" charset="0"/>
+                                        <a:cs typeface="Times New Roman" panose="02020603050405020304" pitchFamily="18" charset="0"/>
+                                      </a:rPr>
+                                    </m:ctrlPr>
+                                  </m:sSubPr>
+                                  <m:e>
+                                    <m:r>
+                                      <a:rPr lang="en-US" sz="2000" i="1">
+                                        <a:effectLst/>
+                                        <a:latin typeface="Cambria Math" panose="02040503050406030204" pitchFamily="18" charset="0"/>
+                                        <a:ea typeface="Times New Roman" panose="02020603050405020304" pitchFamily="18" charset="0"/>
+                                        <a:cs typeface="Times New Roman" panose="02020603050405020304" pitchFamily="18" charset="0"/>
+                                      </a:rPr>
+                                      <m:t>𝛽</m:t>
+                                    </m:r>
+                                  </m:e>
+                                  <m:sub>
+                                    <m:r>
+                                      <a:rPr lang="en-US" sz="2000" i="1">
+                                        <a:effectLst/>
+                                        <a:latin typeface="Cambria Math" panose="02040503050406030204" pitchFamily="18" charset="0"/>
+                                        <a:ea typeface="Times New Roman" panose="02020603050405020304" pitchFamily="18" charset="0"/>
+                                        <a:cs typeface="Times New Roman" panose="02020603050405020304" pitchFamily="18" charset="0"/>
+                                      </a:rPr>
+                                      <m:t>0</m:t>
+                                    </m:r>
+                                  </m:sub>
+                                </m:sSub>
+                                <m:r>
+                                  <a:rPr lang="en-US" sz="2000" i="1">
+                                    <a:effectLst/>
+                                    <a:latin typeface="Cambria Math" panose="02040503050406030204" pitchFamily="18" charset="0"/>
+                                    <a:ea typeface="Times New Roman" panose="02020603050405020304" pitchFamily="18" charset="0"/>
+                                    <a:cs typeface="Times New Roman" panose="02020603050405020304" pitchFamily="18" charset="0"/>
+                                  </a:rPr>
+                                  <m:t>+</m:t>
+                                </m:r>
+                                <m:sSub>
+                                  <m:sSubPr>
+                                    <m:ctrlPr>
+                                      <a:rPr lang="es-MX" sz="2000" i="1">
+                                        <a:effectLst/>
+                                        <a:latin typeface="Cambria Math" panose="02040503050406030204" pitchFamily="18" charset="0"/>
+                                        <a:ea typeface="Times New Roman" panose="02020603050405020304" pitchFamily="18" charset="0"/>
+                                        <a:cs typeface="Times New Roman" panose="02020603050405020304" pitchFamily="18" charset="0"/>
+                                      </a:rPr>
+                                    </m:ctrlPr>
+                                  </m:sSubPr>
+                                  <m:e>
+                                    <m:r>
+                                      <a:rPr lang="en-US" sz="2000" i="1">
+                                        <a:effectLst/>
+                                        <a:latin typeface="Cambria Math" panose="02040503050406030204" pitchFamily="18" charset="0"/>
+                                        <a:ea typeface="Times New Roman" panose="02020603050405020304" pitchFamily="18" charset="0"/>
+                                        <a:cs typeface="Times New Roman" panose="02020603050405020304" pitchFamily="18" charset="0"/>
+                                      </a:rPr>
+                                      <m:t>𝛽</m:t>
+                                    </m:r>
+                                  </m:e>
+                                  <m:sub>
+                                    <m:r>
+                                      <a:rPr lang="en-US" sz="2000" i="1">
+                                        <a:effectLst/>
+                                        <a:latin typeface="Cambria Math" panose="02040503050406030204" pitchFamily="18" charset="0"/>
+                                        <a:ea typeface="Times New Roman" panose="02020603050405020304" pitchFamily="18" charset="0"/>
+                                        <a:cs typeface="Times New Roman" panose="02020603050405020304" pitchFamily="18" charset="0"/>
+                                      </a:rPr>
+                                      <m:t>1</m:t>
+                                    </m:r>
+                                  </m:sub>
+                                </m:sSub>
+                                <m:sSub>
+                                  <m:sSubPr>
+                                    <m:ctrlPr>
+                                      <a:rPr lang="es-MX" sz="2000" i="1">
+                                        <a:effectLst/>
+                                        <a:latin typeface="Cambria Math" panose="02040503050406030204" pitchFamily="18" charset="0"/>
+                                        <a:ea typeface="Times New Roman" panose="02020603050405020304" pitchFamily="18" charset="0"/>
+                                        <a:cs typeface="Times New Roman" panose="02020603050405020304" pitchFamily="18" charset="0"/>
+                                      </a:rPr>
+                                    </m:ctrlPr>
+                                  </m:sSubPr>
+                                  <m:e>
+                                    <m:r>
+                                      <a:rPr lang="en-US" sz="2000" i="1">
+                                        <a:effectLst/>
+                                        <a:latin typeface="Cambria Math" panose="02040503050406030204" pitchFamily="18" charset="0"/>
+                                        <a:ea typeface="Times New Roman" panose="02020603050405020304" pitchFamily="18" charset="0"/>
+                                        <a:cs typeface="Times New Roman" panose="02020603050405020304" pitchFamily="18" charset="0"/>
+                                      </a:rPr>
+                                      <m:t>𝑥</m:t>
+                                    </m:r>
+                                  </m:e>
+                                  <m:sub>
+                                    <m:r>
+                                      <a:rPr lang="en-US" sz="2000" i="1">
+                                        <a:effectLst/>
+                                        <a:latin typeface="Cambria Math" panose="02040503050406030204" pitchFamily="18" charset="0"/>
+                                        <a:ea typeface="Times New Roman" panose="02020603050405020304" pitchFamily="18" charset="0"/>
+                                        <a:cs typeface="Times New Roman" panose="02020603050405020304" pitchFamily="18" charset="0"/>
+                                      </a:rPr>
+                                      <m:t>𝑠𝑡𝑎𝑟𝑡</m:t>
+                                    </m:r>
+                                  </m:sub>
+                                </m:sSub>
+                                <m:r>
+                                  <a:rPr lang="en-US" sz="2000" i="1">
+                                    <a:effectLst/>
+                                    <a:latin typeface="Cambria Math" panose="02040503050406030204" pitchFamily="18" charset="0"/>
+                                    <a:ea typeface="Times New Roman" panose="02020603050405020304" pitchFamily="18" charset="0"/>
+                                    <a:cs typeface="Times New Roman" panose="02020603050405020304" pitchFamily="18" charset="0"/>
+                                  </a:rPr>
+                                  <m:t>+</m:t>
+                                </m:r>
+                                <m:sSub>
+                                  <m:sSubPr>
+                                    <m:ctrlPr>
+                                      <a:rPr lang="es-MX" sz="2000" i="1">
+                                        <a:effectLst/>
+                                        <a:latin typeface="Cambria Math" panose="02040503050406030204" pitchFamily="18" charset="0"/>
+                                        <a:ea typeface="Times New Roman" panose="02020603050405020304" pitchFamily="18" charset="0"/>
+                                        <a:cs typeface="Times New Roman" panose="02020603050405020304" pitchFamily="18" charset="0"/>
+                                      </a:rPr>
+                                    </m:ctrlPr>
+                                  </m:sSubPr>
+                                  <m:e>
+                                    <m:r>
+                                      <a:rPr lang="en-US" sz="2000" i="1">
+                                        <a:effectLst/>
+                                        <a:latin typeface="Cambria Math" panose="02040503050406030204" pitchFamily="18" charset="0"/>
+                                        <a:ea typeface="Times New Roman" panose="02020603050405020304" pitchFamily="18" charset="0"/>
+                                        <a:cs typeface="Times New Roman" panose="02020603050405020304" pitchFamily="18" charset="0"/>
+                                      </a:rPr>
+                                      <m:t>𝛽</m:t>
+                                    </m:r>
+                                  </m:e>
+                                  <m:sub>
+                                    <m:r>
+                                      <a:rPr lang="en-US" sz="2000" i="1">
+                                        <a:effectLst/>
+                                        <a:latin typeface="Cambria Math" panose="02040503050406030204" pitchFamily="18" charset="0"/>
+                                        <a:ea typeface="Times New Roman" panose="02020603050405020304" pitchFamily="18" charset="0"/>
+                                        <a:cs typeface="Times New Roman" panose="02020603050405020304" pitchFamily="18" charset="0"/>
+                                      </a:rPr>
+                                      <m:t>2</m:t>
+                                    </m:r>
+                                  </m:sub>
+                                </m:sSub>
+                                <m:sSub>
+                                  <m:sSubPr>
+                                    <m:ctrlPr>
+                                      <a:rPr lang="es-MX" sz="2000" i="1">
+                                        <a:effectLst/>
+                                        <a:latin typeface="Cambria Math" panose="02040503050406030204" pitchFamily="18" charset="0"/>
+                                        <a:ea typeface="Times New Roman" panose="02020603050405020304" pitchFamily="18" charset="0"/>
+                                        <a:cs typeface="Times New Roman" panose="02020603050405020304" pitchFamily="18" charset="0"/>
+                                      </a:rPr>
+                                    </m:ctrlPr>
+                                  </m:sSubPr>
+                                  <m:e>
+                                    <m:r>
+                                      <a:rPr lang="en-US" sz="2000" i="1">
+                                        <a:effectLst/>
+                                        <a:latin typeface="Cambria Math" panose="02040503050406030204" pitchFamily="18" charset="0"/>
+                                        <a:ea typeface="Times New Roman" panose="02020603050405020304" pitchFamily="18" charset="0"/>
+                                        <a:cs typeface="Times New Roman" panose="02020603050405020304" pitchFamily="18" charset="0"/>
+                                      </a:rPr>
+                                      <m:t>𝑥</m:t>
+                                    </m:r>
+                                  </m:e>
+                                  <m:sub>
+                                    <m:r>
+                                      <a:rPr lang="en-US" sz="2000" i="1">
+                                        <a:effectLst/>
+                                        <a:latin typeface="Cambria Math" panose="02040503050406030204" pitchFamily="18" charset="0"/>
+                                        <a:ea typeface="Times New Roman" panose="02020603050405020304" pitchFamily="18" charset="0"/>
+                                        <a:cs typeface="Times New Roman" panose="02020603050405020304" pitchFamily="18" charset="0"/>
+                                      </a:rPr>
+                                      <m:t>𝑒𝑛𝑑</m:t>
+                                    </m:r>
+                                  </m:sub>
+                                </m:sSub>
+                                <m:r>
+                                  <a:rPr lang="en-US" sz="2000" i="1">
+                                    <a:effectLst/>
+                                    <a:latin typeface="Cambria Math" panose="02040503050406030204" pitchFamily="18" charset="0"/>
+                                    <a:ea typeface="Times New Roman" panose="02020603050405020304" pitchFamily="18" charset="0"/>
+                                    <a:cs typeface="Times New Roman" panose="02020603050405020304" pitchFamily="18" charset="0"/>
+                                  </a:rPr>
+                                  <m:t>+</m:t>
+                                </m:r>
+                                <m:sSub>
+                                  <m:sSubPr>
+                                    <m:ctrlPr>
+                                      <a:rPr lang="es-MX" sz="2000" i="1">
+                                        <a:effectLst/>
+                                        <a:latin typeface="Cambria Math" panose="02040503050406030204" pitchFamily="18" charset="0"/>
+                                        <a:ea typeface="Times New Roman" panose="02020603050405020304" pitchFamily="18" charset="0"/>
+                                        <a:cs typeface="Times New Roman" panose="02020603050405020304" pitchFamily="18" charset="0"/>
+                                      </a:rPr>
+                                    </m:ctrlPr>
+                                  </m:sSubPr>
+                                  <m:e>
+                                    <m:r>
+                                      <a:rPr lang="en-US" sz="2000" i="1">
+                                        <a:effectLst/>
+                                        <a:latin typeface="Cambria Math" panose="02040503050406030204" pitchFamily="18" charset="0"/>
+                                        <a:ea typeface="Times New Roman" panose="02020603050405020304" pitchFamily="18" charset="0"/>
+                                        <a:cs typeface="Times New Roman" panose="02020603050405020304" pitchFamily="18" charset="0"/>
+                                      </a:rPr>
+                                      <m:t>𝛽</m:t>
+                                    </m:r>
+                                  </m:e>
+                                  <m:sub>
+                                    <m:r>
+                                      <a:rPr lang="en-US" sz="2000" i="1">
+                                        <a:effectLst/>
+                                        <a:latin typeface="Cambria Math" panose="02040503050406030204" pitchFamily="18" charset="0"/>
+                                        <a:ea typeface="Times New Roman" panose="02020603050405020304" pitchFamily="18" charset="0"/>
+                                        <a:cs typeface="Times New Roman" panose="02020603050405020304" pitchFamily="18" charset="0"/>
+                                      </a:rPr>
+                                      <m:t>3</m:t>
+                                    </m:r>
+                                  </m:sub>
+                                </m:sSub>
+                                <m:sSub>
+                                  <m:sSubPr>
+                                    <m:ctrlPr>
+                                      <a:rPr lang="es-MX" sz="2000" i="1">
+                                        <a:effectLst/>
+                                        <a:latin typeface="Cambria Math" panose="02040503050406030204" pitchFamily="18" charset="0"/>
+                                        <a:ea typeface="Times New Roman" panose="02020603050405020304" pitchFamily="18" charset="0"/>
+                                        <a:cs typeface="Times New Roman" panose="02020603050405020304" pitchFamily="18" charset="0"/>
+                                      </a:rPr>
+                                    </m:ctrlPr>
+                                  </m:sSubPr>
+                                  <m:e>
+                                    <m:r>
+                                      <a:rPr lang="en-US" sz="2000" i="1">
+                                        <a:effectLst/>
+                                        <a:latin typeface="Cambria Math" panose="02040503050406030204" pitchFamily="18" charset="0"/>
+                                        <a:ea typeface="Times New Roman" panose="02020603050405020304" pitchFamily="18" charset="0"/>
+                                        <a:cs typeface="Times New Roman" panose="02020603050405020304" pitchFamily="18" charset="0"/>
+                                      </a:rPr>
+                                      <m:t>𝑦</m:t>
+                                    </m:r>
+                                  </m:e>
+                                  <m:sub>
+                                    <m:r>
+                                      <a:rPr lang="en-US" sz="2000" i="1">
+                                        <a:effectLst/>
+                                        <a:latin typeface="Cambria Math" panose="02040503050406030204" pitchFamily="18" charset="0"/>
+                                        <a:ea typeface="Times New Roman" panose="02020603050405020304" pitchFamily="18" charset="0"/>
+                                        <a:cs typeface="Times New Roman" panose="02020603050405020304" pitchFamily="18" charset="0"/>
+                                      </a:rPr>
+                                      <m:t>𝑠𝑡𝑎𝑟𝑡</m:t>
+                                    </m:r>
+                                  </m:sub>
+                                </m:sSub>
+                                <m:r>
+                                  <a:rPr lang="en-US" sz="2000" i="1">
+                                    <a:effectLst/>
+                                    <a:latin typeface="Cambria Math" panose="02040503050406030204" pitchFamily="18" charset="0"/>
+                                    <a:ea typeface="Times New Roman" panose="02020603050405020304" pitchFamily="18" charset="0"/>
+                                    <a:cs typeface="Times New Roman" panose="02020603050405020304" pitchFamily="18" charset="0"/>
+                                  </a:rPr>
+                                  <m:t> + </m:t>
+                                </m:r>
+                                <m:sSub>
+                                  <m:sSubPr>
+                                    <m:ctrlPr>
+                                      <a:rPr lang="es-MX" sz="2000" i="1">
+                                        <a:effectLst/>
+                                        <a:latin typeface="Cambria Math" panose="02040503050406030204" pitchFamily="18" charset="0"/>
+                                        <a:ea typeface="Times New Roman" panose="02020603050405020304" pitchFamily="18" charset="0"/>
+                                        <a:cs typeface="Times New Roman" panose="02020603050405020304" pitchFamily="18" charset="0"/>
+                                      </a:rPr>
+                                    </m:ctrlPr>
+                                  </m:sSubPr>
+                                  <m:e>
+                                    <m:r>
+                                      <a:rPr lang="en-US" sz="2000" i="1">
+                                        <a:effectLst/>
+                                        <a:latin typeface="Cambria Math" panose="02040503050406030204" pitchFamily="18" charset="0"/>
+                                        <a:ea typeface="Times New Roman" panose="02020603050405020304" pitchFamily="18" charset="0"/>
+                                        <a:cs typeface="Times New Roman" panose="02020603050405020304" pitchFamily="18" charset="0"/>
+                                      </a:rPr>
+                                      <m:t>𝛽</m:t>
+                                    </m:r>
+                                  </m:e>
+                                  <m:sub>
+                                    <m:r>
+                                      <a:rPr lang="en-US" sz="2000" i="1">
+                                        <a:effectLst/>
+                                        <a:latin typeface="Cambria Math" panose="02040503050406030204" pitchFamily="18" charset="0"/>
+                                        <a:ea typeface="Times New Roman" panose="02020603050405020304" pitchFamily="18" charset="0"/>
+                                        <a:cs typeface="Times New Roman" panose="02020603050405020304" pitchFamily="18" charset="0"/>
+                                      </a:rPr>
+                                      <m:t>4</m:t>
+                                    </m:r>
+                                  </m:sub>
+                                </m:sSub>
+                                <m:sSub>
+                                  <m:sSubPr>
+                                    <m:ctrlPr>
+                                      <a:rPr lang="es-MX" sz="2000" i="1">
+                                        <a:effectLst/>
+                                        <a:latin typeface="Cambria Math" panose="02040503050406030204" pitchFamily="18" charset="0"/>
+                                        <a:ea typeface="Times New Roman" panose="02020603050405020304" pitchFamily="18" charset="0"/>
+                                        <a:cs typeface="Times New Roman" panose="02020603050405020304" pitchFamily="18" charset="0"/>
+                                      </a:rPr>
+                                    </m:ctrlPr>
+                                  </m:sSubPr>
+                                  <m:e>
+                                    <m:r>
+                                      <a:rPr lang="en-US" sz="2000" i="1">
+                                        <a:effectLst/>
+                                        <a:latin typeface="Cambria Math" panose="02040503050406030204" pitchFamily="18" charset="0"/>
+                                        <a:ea typeface="Times New Roman" panose="02020603050405020304" pitchFamily="18" charset="0"/>
+                                        <a:cs typeface="Times New Roman" panose="02020603050405020304" pitchFamily="18" charset="0"/>
+                                      </a:rPr>
+                                      <m:t>𝑦</m:t>
+                                    </m:r>
+                                  </m:e>
+                                  <m:sub>
+                                    <m:r>
+                                      <a:rPr lang="en-US" sz="2000" i="1">
+                                        <a:effectLst/>
+                                        <a:latin typeface="Cambria Math" panose="02040503050406030204" pitchFamily="18" charset="0"/>
+                                        <a:ea typeface="Times New Roman" panose="02020603050405020304" pitchFamily="18" charset="0"/>
+                                        <a:cs typeface="Times New Roman" panose="02020603050405020304" pitchFamily="18" charset="0"/>
+                                      </a:rPr>
+                                      <m:t>𝑒𝑛𝑑</m:t>
+                                    </m:r>
+                                  </m:sub>
+                                </m:sSub>
+                                <m:r>
+                                  <a:rPr lang="en-US" sz="2000" i="1">
+                                    <a:effectLst/>
+                                    <a:latin typeface="Cambria Math" panose="02040503050406030204" pitchFamily="18" charset="0"/>
+                                    <a:ea typeface="Times New Roman" panose="02020603050405020304" pitchFamily="18" charset="0"/>
+                                    <a:cs typeface="Times New Roman" panose="02020603050405020304" pitchFamily="18" charset="0"/>
+                                  </a:rPr>
+                                  <m:t> + </m:t>
+                                </m:r>
+                                <m:sSub>
+                                  <m:sSubPr>
+                                    <m:ctrlPr>
+                                      <a:rPr lang="es-MX" sz="2000" i="1">
+                                        <a:effectLst/>
+                                        <a:latin typeface="Cambria Math" panose="02040503050406030204" pitchFamily="18" charset="0"/>
+                                        <a:ea typeface="Times New Roman" panose="02020603050405020304" pitchFamily="18" charset="0"/>
+                                        <a:cs typeface="Times New Roman" panose="02020603050405020304" pitchFamily="18" charset="0"/>
+                                      </a:rPr>
+                                    </m:ctrlPr>
+                                  </m:sSubPr>
+                                  <m:e>
+                                    <m:r>
+                                      <a:rPr lang="en-US" sz="2000" i="1">
+                                        <a:effectLst/>
+                                        <a:latin typeface="Cambria Math" panose="02040503050406030204" pitchFamily="18" charset="0"/>
+                                        <a:ea typeface="Times New Roman" panose="02020603050405020304" pitchFamily="18" charset="0"/>
+                                        <a:cs typeface="Times New Roman" panose="02020603050405020304" pitchFamily="18" charset="0"/>
+                                      </a:rPr>
+                                      <m:t>𝛽</m:t>
+                                    </m:r>
+                                  </m:e>
+                                  <m:sub>
+                                    <m:r>
+                                      <a:rPr lang="en-US" sz="2000" i="1">
+                                        <a:effectLst/>
+                                        <a:latin typeface="Cambria Math" panose="02040503050406030204" pitchFamily="18" charset="0"/>
+                                        <a:ea typeface="Times New Roman" panose="02020603050405020304" pitchFamily="18" charset="0"/>
+                                        <a:cs typeface="Times New Roman" panose="02020603050405020304" pitchFamily="18" charset="0"/>
+                                      </a:rPr>
+                                      <m:t>5</m:t>
+                                    </m:r>
+                                  </m:sub>
+                                </m:sSub>
+                                <m:r>
+                                  <a:rPr lang="en-US" sz="2000" i="1">
+                                    <a:effectLst/>
+                                    <a:latin typeface="Cambria Math" panose="02040503050406030204" pitchFamily="18" charset="0"/>
+                                    <a:ea typeface="Times New Roman" panose="02020603050405020304" pitchFamily="18" charset="0"/>
+                                    <a:cs typeface="Times New Roman" panose="02020603050405020304" pitchFamily="18" charset="0"/>
+                                  </a:rPr>
+                                  <m:t>𝐷𝑖𝑠𝑡𝑎𝑛𝑐𝑒</m:t>
+                                </m:r>
+                                <m:r>
+                                  <a:rPr lang="en-US" sz="2000" i="1">
+                                    <a:effectLst/>
+                                    <a:latin typeface="Cambria Math" panose="02040503050406030204" pitchFamily="18" charset="0"/>
+                                    <a:ea typeface="Times New Roman" panose="02020603050405020304" pitchFamily="18" charset="0"/>
+                                    <a:cs typeface="Times New Roman" panose="02020603050405020304" pitchFamily="18" charset="0"/>
+                                  </a:rPr>
+                                  <m:t>+</m:t>
+                                </m:r>
+                                <m:r>
+                                  <a:rPr lang="en-US" sz="2000" i="1">
+                                    <a:effectLst/>
+                                    <a:latin typeface="Cambria Math" panose="02040503050406030204" pitchFamily="18" charset="0"/>
+                                    <a:ea typeface="Times New Roman" panose="02020603050405020304" pitchFamily="18" charset="0"/>
+                                    <a:cs typeface="Times New Roman" panose="02020603050405020304" pitchFamily="18" charset="0"/>
+                                  </a:rPr>
+                                  <m:t>𝜀</m:t>
+                                </m:r>
+                              </m:oMath>
+                            </m:oMathPara>
+                          </a14:m>
+                          <a:endParaRPr lang="es-MX" sz="2000">
+                            <a:effectLst/>
+                            <a:latin typeface="Arial" panose="020B0604020202020204" pitchFamily="34" charset="0"/>
+                            <a:ea typeface="Calibri" panose="020F0502020204030204" pitchFamily="34" charset="0"/>
+                            <a:cs typeface="Times New Roman" panose="02020603050405020304" pitchFamily="18" charset="0"/>
+                          </a:endParaRPr>
+                        </a:p>
+                      </a:txBody>
+                      <a:tcPr marL="68580" marR="68580" marT="0" marB="0">
+                        <a:lnL w="12700" cap="flat" cmpd="sng" algn="ctr">
+                          <a:noFill/>
+                          <a:prstDash val="solid"/>
+                          <a:round/>
+                          <a:headEnd type="none" w="med" len="med"/>
+                          <a:tailEnd type="none" w="med" len="med"/>
+                        </a:lnL>
+                        <a:lnR w="12700" cap="flat" cmpd="sng" algn="ctr">
+                          <a:noFill/>
+                          <a:prstDash val="solid"/>
+                          <a:round/>
+                          <a:headEnd type="none" w="med" len="med"/>
+                          <a:tailEnd type="none" w="med" len="med"/>
+                        </a:lnR>
+                        <a:lnT w="12700" cap="flat" cmpd="sng" algn="ctr">
+                          <a:noFill/>
+                          <a:prstDash val="solid"/>
+                          <a:round/>
+                          <a:headEnd type="none" w="med" len="med"/>
+                          <a:tailEnd type="none" w="med" len="med"/>
+                        </a:lnT>
+                        <a:lnB w="12700" cap="flat" cmpd="sng" algn="ctr">
+                          <a:noFill/>
+                          <a:prstDash val="solid"/>
+                          <a:round/>
+                          <a:headEnd type="none" w="med" len="med"/>
+                          <a:tailEnd type="none" w="med" len="med"/>
+                        </a:lnB>
+                        <a:lnTlToBr w="12700" cmpd="sng">
+                          <a:noFill/>
+                          <a:prstDash val="solid"/>
+                        </a:lnTlToBr>
+                        <a:lnBlToTr w="12700" cmpd="sng">
+                          <a:noFill/>
+                          <a:prstDash val="solid"/>
+                        </a:lnBlToTr>
+                      </a:tcPr>
+                    </a:tc>
+                    <a:tc>
+                      <a:txBody>
+                        <a:bodyPr/>
+                        <a:lstStyle/>
+                        <a:p>
+                          <a:pPr algn="just"/>
+                          <a:r>
+                            <a:rPr lang="en-US" sz="2000">
+                              <a:effectLst/>
+                              <a:latin typeface="Arial" panose="020B0604020202020204" pitchFamily="34" charset="0"/>
+                              <a:ea typeface="Times New Roman" panose="02020603050405020304" pitchFamily="18" charset="0"/>
+                              <a:cs typeface="Times New Roman" panose="02020603050405020304" pitchFamily="18" charset="0"/>
+                            </a:rPr>
+                            <a:t>(3)</a:t>
+                          </a:r>
+                          <a:endParaRPr lang="es-MX" sz="2000">
+                            <a:effectLst/>
+                            <a:latin typeface="Arial" panose="020B0604020202020204" pitchFamily="34" charset="0"/>
+                            <a:ea typeface="Calibri" panose="020F0502020204030204" pitchFamily="34" charset="0"/>
+                            <a:cs typeface="Times New Roman" panose="02020603050405020304" pitchFamily="18" charset="0"/>
+                          </a:endParaRPr>
+                        </a:p>
+                      </a:txBody>
+                      <a:tcPr marL="68580" marR="68580" marT="0" marB="0">
+                        <a:lnL w="12700" cap="flat" cmpd="sng" algn="ctr">
+                          <a:noFill/>
+                          <a:prstDash val="solid"/>
+                          <a:round/>
+                          <a:headEnd type="none" w="med" len="med"/>
+                          <a:tailEnd type="none" w="med" len="med"/>
+                        </a:lnL>
+                        <a:lnR w="12700" cap="flat" cmpd="sng" algn="ctr">
+                          <a:noFill/>
+                          <a:prstDash val="solid"/>
+                          <a:round/>
+                          <a:headEnd type="none" w="med" len="med"/>
+                          <a:tailEnd type="none" w="med" len="med"/>
+                        </a:lnR>
+                        <a:lnT w="12700" cap="flat" cmpd="sng" algn="ctr">
+                          <a:noFill/>
+                          <a:prstDash val="solid"/>
+                          <a:round/>
+                          <a:headEnd type="none" w="med" len="med"/>
+                          <a:tailEnd type="none" w="med" len="med"/>
+                        </a:lnT>
+                        <a:lnB w="12700" cap="flat" cmpd="sng" algn="ctr">
+                          <a:noFill/>
+                          <a:prstDash val="solid"/>
+                          <a:round/>
+                          <a:headEnd type="none" w="med" len="med"/>
+                          <a:tailEnd type="none" w="med" len="med"/>
+                        </a:lnB>
+                        <a:lnTlToBr w="12700" cmpd="sng">
+                          <a:noFill/>
+                          <a:prstDash val="solid"/>
+                        </a:lnTlToBr>
+                        <a:lnBlToTr w="12700" cmpd="sng">
+                          <a:noFill/>
+                          <a:prstDash val="solid"/>
+                        </a:lnBlToTr>
+                      </a:tcPr>
+                    </a:tc>
+                    <a:extLst>
+                      <a:ext uri="{0D108BD9-81ED-4DB2-BD59-A6C34878D82A}">
+                        <a16:rowId xmlns:a16="http://schemas.microsoft.com/office/drawing/2014/main" val="2311300338"/>
+                      </a:ext>
+                    </a:extLst>
+                  </a:tr>
+                  <a:tr h="730517">
+                    <a:tc>
+                      <a:txBody>
+                        <a:bodyPr/>
+                        <a:lstStyle/>
+                        <a:p>
+                          <a:pPr algn="just"/>
+                          <a14:m>
+                            <m:oMathPara xmlns:m="http://schemas.openxmlformats.org/officeDocument/2006/math">
+                              <m:oMathParaPr>
+                                <m:jc m:val="centerGroup"/>
+                              </m:oMathParaPr>
+                              <m:oMath xmlns:m="http://schemas.openxmlformats.org/officeDocument/2006/math">
+                                <m:sSub>
+                                  <m:sSubPr>
+                                    <m:ctrlPr>
+                                      <a:rPr lang="es-MX" sz="2000" i="1">
+                                        <a:effectLst/>
+                                        <a:latin typeface="Cambria Math" panose="02040503050406030204" pitchFamily="18" charset="0"/>
+                                        <a:ea typeface="Times New Roman" panose="02020603050405020304" pitchFamily="18" charset="0"/>
+                                        <a:cs typeface="Times New Roman" panose="02020603050405020304" pitchFamily="18" charset="0"/>
+                                      </a:rPr>
+                                    </m:ctrlPr>
+                                  </m:sSubPr>
+                                  <m:e>
+                                    <m:r>
+                                      <a:rPr lang="en-US" sz="2000" i="1">
+                                        <a:effectLst/>
+                                        <a:latin typeface="Cambria Math" panose="02040503050406030204" pitchFamily="18" charset="0"/>
+                                        <a:ea typeface="Times New Roman" panose="02020603050405020304" pitchFamily="18" charset="0"/>
+                                        <a:cs typeface="Times New Roman" panose="02020603050405020304" pitchFamily="18" charset="0"/>
+                                      </a:rPr>
+                                      <m:t>𝐵</m:t>
+                                    </m:r>
+                                  </m:e>
+                                  <m:sub>
+                                    <m:r>
+                                      <a:rPr lang="en-US" sz="2000" i="1">
+                                        <a:effectLst/>
+                                        <a:latin typeface="Cambria Math" panose="02040503050406030204" pitchFamily="18" charset="0"/>
+                                        <a:ea typeface="Times New Roman" panose="02020603050405020304" pitchFamily="18" charset="0"/>
+                                        <a:cs typeface="Times New Roman" panose="02020603050405020304" pitchFamily="18" charset="0"/>
+                                      </a:rPr>
+                                      <m:t>𝑠𝑢𝑐𝑐𝑒𝑠𝑠</m:t>
+                                    </m:r>
+                                  </m:sub>
+                                </m:sSub>
+                                <m:r>
+                                  <a:rPr lang="en-US" sz="2000" i="1">
+                                    <a:effectLst/>
+                                    <a:latin typeface="Cambria Math" panose="02040503050406030204" pitchFamily="18" charset="0"/>
+                                    <a:ea typeface="Times New Roman" panose="02020603050405020304" pitchFamily="18" charset="0"/>
+                                    <a:cs typeface="Times New Roman" panose="02020603050405020304" pitchFamily="18" charset="0"/>
+                                  </a:rPr>
+                                  <m:t>=</m:t>
+                                </m:r>
+                                <m:sSub>
+                                  <m:sSubPr>
+                                    <m:ctrlPr>
+                                      <a:rPr lang="es-MX" sz="2000" i="1">
+                                        <a:effectLst/>
+                                        <a:latin typeface="Cambria Math" panose="02040503050406030204" pitchFamily="18" charset="0"/>
+                                        <a:ea typeface="Times New Roman" panose="02020603050405020304" pitchFamily="18" charset="0"/>
+                                        <a:cs typeface="Times New Roman" panose="02020603050405020304" pitchFamily="18" charset="0"/>
+                                      </a:rPr>
+                                    </m:ctrlPr>
+                                  </m:sSubPr>
+                                  <m:e>
+                                    <m:r>
+                                      <a:rPr lang="en-US" sz="2000" i="1">
+                                        <a:effectLst/>
+                                        <a:latin typeface="Cambria Math" panose="02040503050406030204" pitchFamily="18" charset="0"/>
+                                        <a:ea typeface="Times New Roman" panose="02020603050405020304" pitchFamily="18" charset="0"/>
+                                        <a:cs typeface="Times New Roman" panose="02020603050405020304" pitchFamily="18" charset="0"/>
+                                      </a:rPr>
+                                      <m:t>𝛽</m:t>
+                                    </m:r>
+                                  </m:e>
+                                  <m:sub>
+                                    <m:r>
+                                      <a:rPr lang="en-US" sz="2000" i="1">
+                                        <a:effectLst/>
+                                        <a:latin typeface="Cambria Math" panose="02040503050406030204" pitchFamily="18" charset="0"/>
+                                        <a:ea typeface="Times New Roman" panose="02020603050405020304" pitchFamily="18" charset="0"/>
+                                        <a:cs typeface="Times New Roman" panose="02020603050405020304" pitchFamily="18" charset="0"/>
+                                      </a:rPr>
+                                      <m:t>0</m:t>
+                                    </m:r>
+                                  </m:sub>
+                                </m:sSub>
+                                <m:r>
+                                  <a:rPr lang="en-US" sz="2000" i="1">
+                                    <a:effectLst/>
+                                    <a:latin typeface="Cambria Math" panose="02040503050406030204" pitchFamily="18" charset="0"/>
+                                    <a:ea typeface="Times New Roman" panose="02020603050405020304" pitchFamily="18" charset="0"/>
+                                    <a:cs typeface="Times New Roman" panose="02020603050405020304" pitchFamily="18" charset="0"/>
+                                  </a:rPr>
+                                  <m:t>+</m:t>
+                                </m:r>
+                                <m:sSub>
+                                  <m:sSubPr>
+                                    <m:ctrlPr>
+                                      <a:rPr lang="es-MX" sz="2000" i="1">
+                                        <a:effectLst/>
+                                        <a:latin typeface="Cambria Math" panose="02040503050406030204" pitchFamily="18" charset="0"/>
+                                        <a:ea typeface="Times New Roman" panose="02020603050405020304" pitchFamily="18" charset="0"/>
+                                        <a:cs typeface="Times New Roman" panose="02020603050405020304" pitchFamily="18" charset="0"/>
+                                      </a:rPr>
+                                    </m:ctrlPr>
+                                  </m:sSubPr>
+                                  <m:e>
+                                    <m:r>
+                                      <a:rPr lang="en-US" sz="2000" i="1">
+                                        <a:effectLst/>
+                                        <a:latin typeface="Cambria Math" panose="02040503050406030204" pitchFamily="18" charset="0"/>
+                                        <a:ea typeface="Times New Roman" panose="02020603050405020304" pitchFamily="18" charset="0"/>
+                                        <a:cs typeface="Times New Roman" panose="02020603050405020304" pitchFamily="18" charset="0"/>
+                                      </a:rPr>
+                                      <m:t>𝛽</m:t>
+                                    </m:r>
+                                  </m:e>
+                                  <m:sub>
+                                    <m:r>
+                                      <a:rPr lang="en-US" sz="2000" i="1">
+                                        <a:effectLst/>
+                                        <a:latin typeface="Cambria Math" panose="02040503050406030204" pitchFamily="18" charset="0"/>
+                                        <a:ea typeface="Times New Roman" panose="02020603050405020304" pitchFamily="18" charset="0"/>
+                                        <a:cs typeface="Times New Roman" panose="02020603050405020304" pitchFamily="18" charset="0"/>
+                                      </a:rPr>
+                                      <m:t>1</m:t>
+                                    </m:r>
+                                  </m:sub>
+                                </m:sSub>
+                                <m:sSub>
+                                  <m:sSubPr>
+                                    <m:ctrlPr>
+                                      <a:rPr lang="es-MX" sz="2000" i="1">
+                                        <a:effectLst/>
+                                        <a:latin typeface="Cambria Math" panose="02040503050406030204" pitchFamily="18" charset="0"/>
+                                        <a:ea typeface="Times New Roman" panose="02020603050405020304" pitchFamily="18" charset="0"/>
+                                        <a:cs typeface="Times New Roman" panose="02020603050405020304" pitchFamily="18" charset="0"/>
+                                      </a:rPr>
+                                    </m:ctrlPr>
+                                  </m:sSubPr>
+                                  <m:e>
+                                    <m:r>
+                                      <a:rPr lang="en-US" sz="2000" i="1">
+                                        <a:effectLst/>
+                                        <a:latin typeface="Cambria Math" panose="02040503050406030204" pitchFamily="18" charset="0"/>
+                                        <a:ea typeface="Times New Roman" panose="02020603050405020304" pitchFamily="18" charset="0"/>
+                                        <a:cs typeface="Times New Roman" panose="02020603050405020304" pitchFamily="18" charset="0"/>
+                                      </a:rPr>
+                                      <m:t>𝑥</m:t>
+                                    </m:r>
+                                  </m:e>
+                                  <m:sub>
+                                    <m:r>
+                                      <a:rPr lang="en-US" sz="2000" i="1">
+                                        <a:effectLst/>
+                                        <a:latin typeface="Cambria Math" panose="02040503050406030204" pitchFamily="18" charset="0"/>
+                                        <a:ea typeface="Times New Roman" panose="02020603050405020304" pitchFamily="18" charset="0"/>
+                                        <a:cs typeface="Times New Roman" panose="02020603050405020304" pitchFamily="18" charset="0"/>
+                                      </a:rPr>
+                                      <m:t>𝑠𝑡𝑎𝑟𝑡</m:t>
+                                    </m:r>
+                                  </m:sub>
+                                </m:sSub>
+                                <m:r>
+                                  <a:rPr lang="en-US" sz="2000" i="1">
+                                    <a:effectLst/>
+                                    <a:latin typeface="Cambria Math" panose="02040503050406030204" pitchFamily="18" charset="0"/>
+                                    <a:ea typeface="Times New Roman" panose="02020603050405020304" pitchFamily="18" charset="0"/>
+                                    <a:cs typeface="Times New Roman" panose="02020603050405020304" pitchFamily="18" charset="0"/>
+                                  </a:rPr>
+                                  <m:t>+</m:t>
+                                </m:r>
+                                <m:sSub>
+                                  <m:sSubPr>
+                                    <m:ctrlPr>
+                                      <a:rPr lang="es-MX" sz="2000" i="1">
+                                        <a:effectLst/>
+                                        <a:latin typeface="Cambria Math" panose="02040503050406030204" pitchFamily="18" charset="0"/>
+                                        <a:ea typeface="Times New Roman" panose="02020603050405020304" pitchFamily="18" charset="0"/>
+                                        <a:cs typeface="Times New Roman" panose="02020603050405020304" pitchFamily="18" charset="0"/>
+                                      </a:rPr>
+                                    </m:ctrlPr>
+                                  </m:sSubPr>
+                                  <m:e>
+                                    <m:r>
+                                      <a:rPr lang="en-US" sz="2000" i="1">
+                                        <a:effectLst/>
+                                        <a:latin typeface="Cambria Math" panose="02040503050406030204" pitchFamily="18" charset="0"/>
+                                        <a:ea typeface="Times New Roman" panose="02020603050405020304" pitchFamily="18" charset="0"/>
+                                        <a:cs typeface="Times New Roman" panose="02020603050405020304" pitchFamily="18" charset="0"/>
+                                      </a:rPr>
+                                      <m:t>𝛽</m:t>
+                                    </m:r>
+                                  </m:e>
+                                  <m:sub>
+                                    <m:r>
+                                      <a:rPr lang="en-US" sz="2000" i="1">
+                                        <a:effectLst/>
+                                        <a:latin typeface="Cambria Math" panose="02040503050406030204" pitchFamily="18" charset="0"/>
+                                        <a:ea typeface="Times New Roman" panose="02020603050405020304" pitchFamily="18" charset="0"/>
+                                        <a:cs typeface="Times New Roman" panose="02020603050405020304" pitchFamily="18" charset="0"/>
+                                      </a:rPr>
+                                      <m:t>2</m:t>
+                                    </m:r>
+                                  </m:sub>
+                                </m:sSub>
+                                <m:sSub>
+                                  <m:sSubPr>
+                                    <m:ctrlPr>
+                                      <a:rPr lang="es-MX" sz="2000" i="1">
+                                        <a:effectLst/>
+                                        <a:latin typeface="Cambria Math" panose="02040503050406030204" pitchFamily="18" charset="0"/>
+                                        <a:ea typeface="Times New Roman" panose="02020603050405020304" pitchFamily="18" charset="0"/>
+                                        <a:cs typeface="Times New Roman" panose="02020603050405020304" pitchFamily="18" charset="0"/>
+                                      </a:rPr>
+                                    </m:ctrlPr>
+                                  </m:sSubPr>
+                                  <m:e>
+                                    <m:r>
+                                      <a:rPr lang="en-US" sz="2000" i="1">
+                                        <a:effectLst/>
+                                        <a:latin typeface="Cambria Math" panose="02040503050406030204" pitchFamily="18" charset="0"/>
+                                        <a:ea typeface="Times New Roman" panose="02020603050405020304" pitchFamily="18" charset="0"/>
+                                        <a:cs typeface="Times New Roman" panose="02020603050405020304" pitchFamily="18" charset="0"/>
+                                      </a:rPr>
+                                      <m:t>𝑦</m:t>
+                                    </m:r>
+                                  </m:e>
+                                  <m:sub>
+                                    <m:r>
+                                      <a:rPr lang="en-US" sz="2000" i="1">
+                                        <a:effectLst/>
+                                        <a:latin typeface="Cambria Math" panose="02040503050406030204" pitchFamily="18" charset="0"/>
+                                        <a:ea typeface="Times New Roman" panose="02020603050405020304" pitchFamily="18" charset="0"/>
+                                        <a:cs typeface="Times New Roman" panose="02020603050405020304" pitchFamily="18" charset="0"/>
+                                      </a:rPr>
+                                      <m:t>𝑠𝑡𝑎𝑟𝑡</m:t>
+                                    </m:r>
+                                  </m:sub>
+                                </m:sSub>
+                                <m:r>
+                                  <a:rPr lang="en-US" sz="2000" i="1">
+                                    <a:effectLst/>
+                                    <a:latin typeface="Cambria Math" panose="02040503050406030204" pitchFamily="18" charset="0"/>
+                                    <a:ea typeface="Times New Roman" panose="02020603050405020304" pitchFamily="18" charset="0"/>
+                                    <a:cs typeface="Times New Roman" panose="02020603050405020304" pitchFamily="18" charset="0"/>
+                                  </a:rPr>
+                                  <m:t> +</m:t>
+                                </m:r>
+                                <m:sSub>
+                                  <m:sSubPr>
+                                    <m:ctrlPr>
+                                      <a:rPr lang="es-MX" sz="2000" i="1">
+                                        <a:effectLst/>
+                                        <a:latin typeface="Cambria Math" panose="02040503050406030204" pitchFamily="18" charset="0"/>
+                                        <a:ea typeface="Times New Roman" panose="02020603050405020304" pitchFamily="18" charset="0"/>
+                                        <a:cs typeface="Times New Roman" panose="02020603050405020304" pitchFamily="18" charset="0"/>
+                                      </a:rPr>
+                                    </m:ctrlPr>
+                                  </m:sSubPr>
+                                  <m:e>
+                                    <m:r>
+                                      <a:rPr lang="en-US" sz="2000" i="1">
+                                        <a:effectLst/>
+                                        <a:latin typeface="Cambria Math" panose="02040503050406030204" pitchFamily="18" charset="0"/>
+                                        <a:ea typeface="Times New Roman" panose="02020603050405020304" pitchFamily="18" charset="0"/>
+                                        <a:cs typeface="Times New Roman" panose="02020603050405020304" pitchFamily="18" charset="0"/>
+                                      </a:rPr>
+                                      <m:t>𝛽</m:t>
+                                    </m:r>
+                                  </m:e>
+                                  <m:sub>
+                                    <m:r>
+                                      <a:rPr lang="en-US" sz="2000" i="1">
+                                        <a:effectLst/>
+                                        <a:latin typeface="Cambria Math" panose="02040503050406030204" pitchFamily="18" charset="0"/>
+                                        <a:ea typeface="Times New Roman" panose="02020603050405020304" pitchFamily="18" charset="0"/>
+                                        <a:cs typeface="Times New Roman" panose="02020603050405020304" pitchFamily="18" charset="0"/>
+                                      </a:rPr>
+                                      <m:t>3</m:t>
+                                    </m:r>
+                                  </m:sub>
+                                </m:sSub>
+                                <m:d>
+                                  <m:dPr>
+                                    <m:ctrlPr>
+                                      <a:rPr lang="es-MX" sz="2000" i="1">
+                                        <a:effectLst/>
+                                        <a:latin typeface="Cambria Math" panose="02040503050406030204" pitchFamily="18" charset="0"/>
+                                        <a:ea typeface="Times New Roman" panose="02020603050405020304" pitchFamily="18" charset="0"/>
+                                        <a:cs typeface="Times New Roman" panose="02020603050405020304" pitchFamily="18" charset="0"/>
+                                      </a:rPr>
+                                    </m:ctrlPr>
+                                  </m:dPr>
+                                  <m:e>
+                                    <m:sSub>
+                                      <m:sSubPr>
+                                        <m:ctrlPr>
+                                          <a:rPr lang="es-MX" sz="2000" i="1">
+                                            <a:effectLst/>
+                                            <a:latin typeface="Cambria Math" panose="02040503050406030204" pitchFamily="18" charset="0"/>
+                                            <a:ea typeface="Times New Roman" panose="02020603050405020304" pitchFamily="18" charset="0"/>
+                                            <a:cs typeface="Times New Roman" panose="02020603050405020304" pitchFamily="18" charset="0"/>
+                                          </a:rPr>
+                                        </m:ctrlPr>
+                                      </m:sSubPr>
+                                      <m:e>
+                                        <m:r>
+                                          <a:rPr lang="en-US" sz="2000" i="1">
+                                            <a:effectLst/>
+                                            <a:latin typeface="Cambria Math" panose="02040503050406030204" pitchFamily="18" charset="0"/>
+                                            <a:ea typeface="Times New Roman" panose="02020603050405020304" pitchFamily="18" charset="0"/>
+                                            <a:cs typeface="Times New Roman" panose="02020603050405020304" pitchFamily="18" charset="0"/>
+                                          </a:rPr>
+                                          <m:t>𝑥</m:t>
+                                        </m:r>
+                                      </m:e>
+                                      <m:sub>
+                                        <m:r>
+                                          <a:rPr lang="en-US" sz="2000" i="1">
+                                            <a:effectLst/>
+                                            <a:latin typeface="Cambria Math" panose="02040503050406030204" pitchFamily="18" charset="0"/>
+                                            <a:ea typeface="Times New Roman" panose="02020603050405020304" pitchFamily="18" charset="0"/>
+                                            <a:cs typeface="Times New Roman" panose="02020603050405020304" pitchFamily="18" charset="0"/>
+                                          </a:rPr>
+                                          <m:t>𝑠𝑡𝑎𝑟𝑡</m:t>
+                                        </m:r>
+                                      </m:sub>
+                                    </m:sSub>
+                                    <m:r>
+                                      <a:rPr lang="en-US" sz="2000" i="1">
+                                        <a:effectLst/>
+                                        <a:latin typeface="Cambria Math" panose="02040503050406030204" pitchFamily="18" charset="0"/>
+                                        <a:ea typeface="Times New Roman" panose="02020603050405020304" pitchFamily="18" charset="0"/>
+                                        <a:cs typeface="Times New Roman" panose="02020603050405020304" pitchFamily="18" charset="0"/>
+                                      </a:rPr>
+                                      <m:t>:</m:t>
+                                    </m:r>
+                                    <m:sSub>
+                                      <m:sSubPr>
+                                        <m:ctrlPr>
+                                          <a:rPr lang="es-MX" sz="2000" i="1">
+                                            <a:effectLst/>
+                                            <a:latin typeface="Cambria Math" panose="02040503050406030204" pitchFamily="18" charset="0"/>
+                                            <a:ea typeface="Times New Roman" panose="02020603050405020304" pitchFamily="18" charset="0"/>
+                                            <a:cs typeface="Times New Roman" panose="02020603050405020304" pitchFamily="18" charset="0"/>
+                                          </a:rPr>
+                                        </m:ctrlPr>
+                                      </m:sSubPr>
+                                      <m:e>
+                                        <m:r>
+                                          <a:rPr lang="en-US" sz="2000" i="1">
+                                            <a:effectLst/>
+                                            <a:latin typeface="Cambria Math" panose="02040503050406030204" pitchFamily="18" charset="0"/>
+                                            <a:ea typeface="Times New Roman" panose="02020603050405020304" pitchFamily="18" charset="0"/>
+                                            <a:cs typeface="Times New Roman" panose="02020603050405020304" pitchFamily="18" charset="0"/>
+                                          </a:rPr>
+                                          <m:t>𝑦</m:t>
+                                        </m:r>
+                                      </m:e>
+                                      <m:sub>
+                                        <m:r>
+                                          <a:rPr lang="en-US" sz="2000" i="1">
+                                            <a:effectLst/>
+                                            <a:latin typeface="Cambria Math" panose="02040503050406030204" pitchFamily="18" charset="0"/>
+                                            <a:ea typeface="Times New Roman" panose="02020603050405020304" pitchFamily="18" charset="0"/>
+                                            <a:cs typeface="Times New Roman" panose="02020603050405020304" pitchFamily="18" charset="0"/>
+                                          </a:rPr>
+                                          <m:t>𝑠𝑡𝑎𝑟𝑡</m:t>
+                                        </m:r>
+                                      </m:sub>
+                                    </m:sSub>
+                                  </m:e>
+                                </m:d>
+                                <m:r>
+                                  <a:rPr lang="en-US" sz="2000" i="1">
+                                    <a:effectLst/>
+                                    <a:latin typeface="Cambria Math" panose="02040503050406030204" pitchFamily="18" charset="0"/>
+                                    <a:ea typeface="Times New Roman" panose="02020603050405020304" pitchFamily="18" charset="0"/>
+                                    <a:cs typeface="Times New Roman" panose="02020603050405020304" pitchFamily="18" charset="0"/>
+                                  </a:rPr>
+                                  <m:t>+</m:t>
+                                </m:r>
+                                <m:r>
+                                  <a:rPr lang="en-US" sz="2000" i="1">
+                                    <a:effectLst/>
+                                    <a:latin typeface="Cambria Math" panose="02040503050406030204" pitchFamily="18" charset="0"/>
+                                    <a:ea typeface="Times New Roman" panose="02020603050405020304" pitchFamily="18" charset="0"/>
+                                    <a:cs typeface="Times New Roman" panose="02020603050405020304" pitchFamily="18" charset="0"/>
+                                  </a:rPr>
+                                  <m:t>𝜀</m:t>
+                                </m:r>
+                              </m:oMath>
+                            </m:oMathPara>
+                          </a14:m>
+                          <a:endParaRPr lang="es-MX" sz="2000">
+                            <a:effectLst/>
+                            <a:latin typeface="Arial" panose="020B0604020202020204" pitchFamily="34" charset="0"/>
+                            <a:ea typeface="Calibri" panose="020F0502020204030204" pitchFamily="34" charset="0"/>
+                            <a:cs typeface="Times New Roman" panose="02020603050405020304" pitchFamily="18" charset="0"/>
+                          </a:endParaRPr>
+                        </a:p>
+                      </a:txBody>
+                      <a:tcPr marL="68580" marR="68580" marT="0" marB="0">
+                        <a:lnL w="12700" cap="flat" cmpd="sng" algn="ctr">
+                          <a:noFill/>
+                          <a:prstDash val="solid"/>
+                          <a:round/>
+                          <a:headEnd type="none" w="med" len="med"/>
+                          <a:tailEnd type="none" w="med" len="med"/>
+                        </a:lnL>
+                        <a:lnR w="12700" cap="flat" cmpd="sng" algn="ctr">
+                          <a:noFill/>
+                          <a:prstDash val="solid"/>
+                          <a:round/>
+                          <a:headEnd type="none" w="med" len="med"/>
+                          <a:tailEnd type="none" w="med" len="med"/>
+                        </a:lnR>
+                        <a:lnT w="12700" cap="flat" cmpd="sng" algn="ctr">
+                          <a:noFill/>
+                          <a:prstDash val="solid"/>
+                          <a:round/>
+                          <a:headEnd type="none" w="med" len="med"/>
+                          <a:tailEnd type="none" w="med" len="med"/>
+                        </a:lnT>
+                        <a:lnB w="12700" cap="flat" cmpd="sng" algn="ctr">
+                          <a:noFill/>
+                          <a:prstDash val="solid"/>
+                          <a:round/>
+                          <a:headEnd type="none" w="med" len="med"/>
+                          <a:tailEnd type="none" w="med" len="med"/>
+                        </a:lnB>
+                        <a:lnTlToBr w="12700" cmpd="sng">
+                          <a:noFill/>
+                          <a:prstDash val="solid"/>
+                        </a:lnTlToBr>
+                        <a:lnBlToTr w="12700" cmpd="sng">
+                          <a:noFill/>
+                          <a:prstDash val="solid"/>
+                        </a:lnBlToTr>
+                      </a:tcPr>
+                    </a:tc>
+                    <a:tc>
+                      <a:txBody>
+                        <a:bodyPr/>
+                        <a:lstStyle/>
+                        <a:p>
+                          <a:pPr algn="just"/>
+                          <a:r>
+                            <a:rPr lang="en-US" sz="2000">
+                              <a:effectLst/>
+                              <a:latin typeface="Arial" panose="020B0604020202020204" pitchFamily="34" charset="0"/>
+                              <a:ea typeface="Times New Roman" panose="02020603050405020304" pitchFamily="18" charset="0"/>
+                              <a:cs typeface="Times New Roman" panose="02020603050405020304" pitchFamily="18" charset="0"/>
+                            </a:rPr>
+                            <a:t>(4)</a:t>
+                          </a:r>
+                          <a:endParaRPr lang="es-MX" sz="2000">
+                            <a:effectLst/>
+                            <a:latin typeface="Arial" panose="020B0604020202020204" pitchFamily="34" charset="0"/>
+                            <a:ea typeface="Calibri" panose="020F0502020204030204" pitchFamily="34" charset="0"/>
+                            <a:cs typeface="Times New Roman" panose="02020603050405020304" pitchFamily="18" charset="0"/>
+                          </a:endParaRPr>
+                        </a:p>
+                      </a:txBody>
+                      <a:tcPr marL="68580" marR="68580" marT="0" marB="0">
+                        <a:lnL w="12700" cap="flat" cmpd="sng" algn="ctr">
+                          <a:noFill/>
+                          <a:prstDash val="solid"/>
+                          <a:round/>
+                          <a:headEnd type="none" w="med" len="med"/>
+                          <a:tailEnd type="none" w="med" len="med"/>
+                        </a:lnL>
+                        <a:lnR w="12700" cap="flat" cmpd="sng" algn="ctr">
+                          <a:noFill/>
+                          <a:prstDash val="solid"/>
+                          <a:round/>
+                          <a:headEnd type="none" w="med" len="med"/>
+                          <a:tailEnd type="none" w="med" len="med"/>
+                        </a:lnR>
+                        <a:lnT w="12700" cap="flat" cmpd="sng" algn="ctr">
+                          <a:noFill/>
+                          <a:prstDash val="solid"/>
+                          <a:round/>
+                          <a:headEnd type="none" w="med" len="med"/>
+                          <a:tailEnd type="none" w="med" len="med"/>
+                        </a:lnT>
+                        <a:lnB w="12700" cap="flat" cmpd="sng" algn="ctr">
+                          <a:noFill/>
+                          <a:prstDash val="solid"/>
+                          <a:round/>
+                          <a:headEnd type="none" w="med" len="med"/>
+                          <a:tailEnd type="none" w="med" len="med"/>
+                        </a:lnB>
+                        <a:lnTlToBr w="12700" cmpd="sng">
+                          <a:noFill/>
+                          <a:prstDash val="solid"/>
+                        </a:lnTlToBr>
+                        <a:lnBlToTr w="12700" cmpd="sng">
+                          <a:noFill/>
+                          <a:prstDash val="solid"/>
+                        </a:lnBlToTr>
+                      </a:tcPr>
+                    </a:tc>
+                    <a:extLst>
+                      <a:ext uri="{0D108BD9-81ED-4DB2-BD59-A6C34878D82A}">
+                        <a16:rowId xmlns:a16="http://schemas.microsoft.com/office/drawing/2014/main" val="3084881557"/>
+                      </a:ext>
+                    </a:extLst>
+                  </a:tr>
+                  <a:tr h="730517">
+                    <a:tc>
+                      <a:txBody>
+                        <a:bodyPr/>
+                        <a:lstStyle/>
+                        <a:p>
+                          <a:pPr algn="just"/>
+                          <a14:m>
+                            <m:oMathPara xmlns:m="http://schemas.openxmlformats.org/officeDocument/2006/math">
+                              <m:oMathParaPr>
+                                <m:jc m:val="centerGroup"/>
+                              </m:oMathParaPr>
+                              <m:oMath xmlns:m="http://schemas.openxmlformats.org/officeDocument/2006/math">
+                                <m:sSub>
+                                  <m:sSubPr>
+                                    <m:ctrlPr>
+                                      <a:rPr lang="es-MX" sz="2000" i="1">
+                                        <a:effectLst/>
+                                        <a:latin typeface="Cambria Math" panose="02040503050406030204" pitchFamily="18" charset="0"/>
+                                        <a:ea typeface="Times New Roman" panose="02020603050405020304" pitchFamily="18" charset="0"/>
+                                        <a:cs typeface="Times New Roman" panose="02020603050405020304" pitchFamily="18" charset="0"/>
+                                      </a:rPr>
+                                    </m:ctrlPr>
+                                  </m:sSubPr>
+                                  <m:e>
+                                    <m:r>
+                                      <a:rPr lang="en-US" sz="2000" i="1">
+                                        <a:effectLst/>
+                                        <a:latin typeface="Cambria Math" panose="02040503050406030204" pitchFamily="18" charset="0"/>
+                                        <a:ea typeface="Times New Roman" panose="02020603050405020304" pitchFamily="18" charset="0"/>
+                                        <a:cs typeface="Times New Roman" panose="02020603050405020304" pitchFamily="18" charset="0"/>
+                                      </a:rPr>
+                                      <m:t>𝐵</m:t>
+                                    </m:r>
+                                  </m:e>
+                                  <m:sub>
+                                    <m:r>
+                                      <a:rPr lang="en-US" sz="2000" i="1">
+                                        <a:effectLst/>
+                                        <a:latin typeface="Cambria Math" panose="02040503050406030204" pitchFamily="18" charset="0"/>
+                                        <a:ea typeface="Times New Roman" panose="02020603050405020304" pitchFamily="18" charset="0"/>
+                                        <a:cs typeface="Times New Roman" panose="02020603050405020304" pitchFamily="18" charset="0"/>
+                                      </a:rPr>
+                                      <m:t>𝑠𝑢𝑐𝑐𝑒𝑠𝑠</m:t>
+                                    </m:r>
+                                  </m:sub>
+                                </m:sSub>
+                                <m:r>
+                                  <a:rPr lang="en-US" sz="2000" i="1">
+                                    <a:effectLst/>
+                                    <a:latin typeface="Cambria Math" panose="02040503050406030204" pitchFamily="18" charset="0"/>
+                                    <a:ea typeface="Times New Roman" panose="02020603050405020304" pitchFamily="18" charset="0"/>
+                                    <a:cs typeface="Times New Roman" panose="02020603050405020304" pitchFamily="18" charset="0"/>
+                                  </a:rPr>
+                                  <m:t>=</m:t>
+                                </m:r>
+                                <m:sSub>
+                                  <m:sSubPr>
+                                    <m:ctrlPr>
+                                      <a:rPr lang="es-MX" sz="2000" i="1">
+                                        <a:effectLst/>
+                                        <a:latin typeface="Cambria Math" panose="02040503050406030204" pitchFamily="18" charset="0"/>
+                                        <a:ea typeface="Times New Roman" panose="02020603050405020304" pitchFamily="18" charset="0"/>
+                                        <a:cs typeface="Times New Roman" panose="02020603050405020304" pitchFamily="18" charset="0"/>
+                                      </a:rPr>
+                                    </m:ctrlPr>
+                                  </m:sSubPr>
+                                  <m:e>
+                                    <m:r>
+                                      <a:rPr lang="en-US" sz="2000" i="1">
+                                        <a:effectLst/>
+                                        <a:latin typeface="Cambria Math" panose="02040503050406030204" pitchFamily="18" charset="0"/>
+                                        <a:ea typeface="Times New Roman" panose="02020603050405020304" pitchFamily="18" charset="0"/>
+                                        <a:cs typeface="Times New Roman" panose="02020603050405020304" pitchFamily="18" charset="0"/>
+                                      </a:rPr>
+                                      <m:t>𝛽</m:t>
+                                    </m:r>
+                                  </m:e>
+                                  <m:sub>
+                                    <m:r>
+                                      <a:rPr lang="en-US" sz="2000" i="1">
+                                        <a:effectLst/>
+                                        <a:latin typeface="Cambria Math" panose="02040503050406030204" pitchFamily="18" charset="0"/>
+                                        <a:ea typeface="Times New Roman" panose="02020603050405020304" pitchFamily="18" charset="0"/>
+                                        <a:cs typeface="Times New Roman" panose="02020603050405020304" pitchFamily="18" charset="0"/>
+                                      </a:rPr>
+                                      <m:t>0</m:t>
+                                    </m:r>
+                                  </m:sub>
+                                </m:sSub>
+                                <m:r>
+                                  <a:rPr lang="en-US" sz="2000" i="1">
+                                    <a:effectLst/>
+                                    <a:latin typeface="Cambria Math" panose="02040503050406030204" pitchFamily="18" charset="0"/>
+                                    <a:ea typeface="Times New Roman" panose="02020603050405020304" pitchFamily="18" charset="0"/>
+                                    <a:cs typeface="Times New Roman" panose="02020603050405020304" pitchFamily="18" charset="0"/>
+                                  </a:rPr>
+                                  <m:t>+</m:t>
+                                </m:r>
+                                <m:sSub>
+                                  <m:sSubPr>
+                                    <m:ctrlPr>
+                                      <a:rPr lang="es-MX" sz="2000" i="1">
+                                        <a:effectLst/>
+                                        <a:latin typeface="Cambria Math" panose="02040503050406030204" pitchFamily="18" charset="0"/>
+                                        <a:ea typeface="Times New Roman" panose="02020603050405020304" pitchFamily="18" charset="0"/>
+                                        <a:cs typeface="Times New Roman" panose="02020603050405020304" pitchFamily="18" charset="0"/>
+                                      </a:rPr>
+                                    </m:ctrlPr>
+                                  </m:sSubPr>
+                                  <m:e>
+                                    <m:r>
+                                      <a:rPr lang="en-US" sz="2000" i="1">
+                                        <a:effectLst/>
+                                        <a:latin typeface="Cambria Math" panose="02040503050406030204" pitchFamily="18" charset="0"/>
+                                        <a:ea typeface="Times New Roman" panose="02020603050405020304" pitchFamily="18" charset="0"/>
+                                        <a:cs typeface="Times New Roman" panose="02020603050405020304" pitchFamily="18" charset="0"/>
+                                      </a:rPr>
+                                      <m:t>𝛽</m:t>
+                                    </m:r>
+                                  </m:e>
+                                  <m:sub>
+                                    <m:r>
+                                      <a:rPr lang="en-US" sz="2000" i="1">
+                                        <a:effectLst/>
+                                        <a:latin typeface="Cambria Math" panose="02040503050406030204" pitchFamily="18" charset="0"/>
+                                        <a:ea typeface="Times New Roman" panose="02020603050405020304" pitchFamily="18" charset="0"/>
+                                        <a:cs typeface="Times New Roman" panose="02020603050405020304" pitchFamily="18" charset="0"/>
+                                      </a:rPr>
+                                      <m:t>1</m:t>
+                                    </m:r>
+                                  </m:sub>
+                                </m:sSub>
+                                <m:sSub>
+                                  <m:sSubPr>
+                                    <m:ctrlPr>
+                                      <a:rPr lang="es-MX" sz="2000" i="1">
+                                        <a:effectLst/>
+                                        <a:latin typeface="Cambria Math" panose="02040503050406030204" pitchFamily="18" charset="0"/>
+                                        <a:ea typeface="Times New Roman" panose="02020603050405020304" pitchFamily="18" charset="0"/>
+                                        <a:cs typeface="Times New Roman" panose="02020603050405020304" pitchFamily="18" charset="0"/>
+                                      </a:rPr>
+                                    </m:ctrlPr>
+                                  </m:sSubPr>
+                                  <m:e>
+                                    <m:r>
+                                      <a:rPr lang="en-US" sz="2000" i="1">
+                                        <a:effectLst/>
+                                        <a:latin typeface="Cambria Math" panose="02040503050406030204" pitchFamily="18" charset="0"/>
+                                        <a:ea typeface="Times New Roman" panose="02020603050405020304" pitchFamily="18" charset="0"/>
+                                        <a:cs typeface="Times New Roman" panose="02020603050405020304" pitchFamily="18" charset="0"/>
+                                      </a:rPr>
+                                      <m:t>𝑥</m:t>
+                                    </m:r>
+                                  </m:e>
+                                  <m:sub>
+                                    <m:r>
+                                      <a:rPr lang="en-US" sz="2000" i="1">
+                                        <a:effectLst/>
+                                        <a:latin typeface="Cambria Math" panose="02040503050406030204" pitchFamily="18" charset="0"/>
+                                        <a:ea typeface="Times New Roman" panose="02020603050405020304" pitchFamily="18" charset="0"/>
+                                        <a:cs typeface="Times New Roman" panose="02020603050405020304" pitchFamily="18" charset="0"/>
+                                      </a:rPr>
+                                      <m:t>𝑠𝑡𝑎𝑟𝑡</m:t>
+                                    </m:r>
+                                  </m:sub>
+                                </m:sSub>
+                                <m:r>
+                                  <a:rPr lang="en-US" sz="2000" i="1">
+                                    <a:effectLst/>
+                                    <a:latin typeface="Cambria Math" panose="02040503050406030204" pitchFamily="18" charset="0"/>
+                                    <a:ea typeface="Times New Roman" panose="02020603050405020304" pitchFamily="18" charset="0"/>
+                                    <a:cs typeface="Times New Roman" panose="02020603050405020304" pitchFamily="18" charset="0"/>
+                                  </a:rPr>
+                                  <m:t>+</m:t>
+                                </m:r>
+                                <m:sSub>
+                                  <m:sSubPr>
+                                    <m:ctrlPr>
+                                      <a:rPr lang="es-MX" sz="2000" i="1">
+                                        <a:effectLst/>
+                                        <a:latin typeface="Cambria Math" panose="02040503050406030204" pitchFamily="18" charset="0"/>
+                                        <a:ea typeface="Times New Roman" panose="02020603050405020304" pitchFamily="18" charset="0"/>
+                                        <a:cs typeface="Times New Roman" panose="02020603050405020304" pitchFamily="18" charset="0"/>
+                                      </a:rPr>
+                                    </m:ctrlPr>
+                                  </m:sSubPr>
+                                  <m:e>
+                                    <m:r>
+                                      <a:rPr lang="en-US" sz="2000" i="1">
+                                        <a:effectLst/>
+                                        <a:latin typeface="Cambria Math" panose="02040503050406030204" pitchFamily="18" charset="0"/>
+                                        <a:ea typeface="Times New Roman" panose="02020603050405020304" pitchFamily="18" charset="0"/>
+                                        <a:cs typeface="Times New Roman" panose="02020603050405020304" pitchFamily="18" charset="0"/>
+                                      </a:rPr>
+                                      <m:t>𝛽</m:t>
+                                    </m:r>
+                                  </m:e>
+                                  <m:sub>
+                                    <m:r>
+                                      <a:rPr lang="en-US" sz="2000" i="1">
+                                        <a:effectLst/>
+                                        <a:latin typeface="Cambria Math" panose="02040503050406030204" pitchFamily="18" charset="0"/>
+                                        <a:ea typeface="Times New Roman" panose="02020603050405020304" pitchFamily="18" charset="0"/>
+                                        <a:cs typeface="Times New Roman" panose="02020603050405020304" pitchFamily="18" charset="0"/>
+                                      </a:rPr>
+                                      <m:t>2</m:t>
+                                    </m:r>
+                                  </m:sub>
+                                </m:sSub>
+                                <m:sSub>
+                                  <m:sSubPr>
+                                    <m:ctrlPr>
+                                      <a:rPr lang="es-MX" sz="2000" i="1">
+                                        <a:effectLst/>
+                                        <a:latin typeface="Cambria Math" panose="02040503050406030204" pitchFamily="18" charset="0"/>
+                                        <a:ea typeface="Times New Roman" panose="02020603050405020304" pitchFamily="18" charset="0"/>
+                                        <a:cs typeface="Times New Roman" panose="02020603050405020304" pitchFamily="18" charset="0"/>
+                                      </a:rPr>
+                                    </m:ctrlPr>
+                                  </m:sSubPr>
+                                  <m:e>
+                                    <m:r>
+                                      <a:rPr lang="en-US" sz="2000" i="1">
+                                        <a:effectLst/>
+                                        <a:latin typeface="Cambria Math" panose="02040503050406030204" pitchFamily="18" charset="0"/>
+                                        <a:ea typeface="Times New Roman" panose="02020603050405020304" pitchFamily="18" charset="0"/>
+                                        <a:cs typeface="Times New Roman" panose="02020603050405020304" pitchFamily="18" charset="0"/>
+                                      </a:rPr>
+                                      <m:t>𝑦</m:t>
+                                    </m:r>
+                                  </m:e>
+                                  <m:sub>
+                                    <m:r>
+                                      <a:rPr lang="en-US" sz="2000" i="1">
+                                        <a:effectLst/>
+                                        <a:latin typeface="Cambria Math" panose="02040503050406030204" pitchFamily="18" charset="0"/>
+                                        <a:ea typeface="Times New Roman" panose="02020603050405020304" pitchFamily="18" charset="0"/>
+                                        <a:cs typeface="Times New Roman" panose="02020603050405020304" pitchFamily="18" charset="0"/>
+                                      </a:rPr>
+                                      <m:t>𝑠𝑡𝑎𝑟𝑡</m:t>
+                                    </m:r>
+                                  </m:sub>
+                                </m:sSub>
+                                <m:r>
+                                  <a:rPr lang="en-US" sz="2000" i="1">
+                                    <a:effectLst/>
+                                    <a:latin typeface="Cambria Math" panose="02040503050406030204" pitchFamily="18" charset="0"/>
+                                    <a:ea typeface="Times New Roman" panose="02020603050405020304" pitchFamily="18" charset="0"/>
+                                    <a:cs typeface="Times New Roman" panose="02020603050405020304" pitchFamily="18" charset="0"/>
+                                  </a:rPr>
+                                  <m:t> +</m:t>
+                                </m:r>
+                                <m:sSub>
+                                  <m:sSubPr>
+                                    <m:ctrlPr>
+                                      <a:rPr lang="es-MX" sz="2000" i="1">
+                                        <a:effectLst/>
+                                        <a:latin typeface="Cambria Math" panose="02040503050406030204" pitchFamily="18" charset="0"/>
+                                        <a:ea typeface="Times New Roman" panose="02020603050405020304" pitchFamily="18" charset="0"/>
+                                        <a:cs typeface="Times New Roman" panose="02020603050405020304" pitchFamily="18" charset="0"/>
+                                      </a:rPr>
+                                    </m:ctrlPr>
+                                  </m:sSubPr>
+                                  <m:e>
+                                    <m:r>
+                                      <a:rPr lang="en-US" sz="2000" i="1">
+                                        <a:effectLst/>
+                                        <a:latin typeface="Cambria Math" panose="02040503050406030204" pitchFamily="18" charset="0"/>
+                                        <a:ea typeface="Times New Roman" panose="02020603050405020304" pitchFamily="18" charset="0"/>
+                                        <a:cs typeface="Times New Roman" panose="02020603050405020304" pitchFamily="18" charset="0"/>
+                                      </a:rPr>
+                                      <m:t>𝛽</m:t>
+                                    </m:r>
+                                  </m:e>
+                                  <m:sub>
+                                    <m:r>
+                                      <a:rPr lang="en-US" sz="2000" i="1">
+                                        <a:effectLst/>
+                                        <a:latin typeface="Cambria Math" panose="02040503050406030204" pitchFamily="18" charset="0"/>
+                                        <a:ea typeface="Times New Roman" panose="02020603050405020304" pitchFamily="18" charset="0"/>
+                                        <a:cs typeface="Times New Roman" panose="02020603050405020304" pitchFamily="18" charset="0"/>
+                                      </a:rPr>
+                                      <m:t>3</m:t>
+                                    </m:r>
+                                  </m:sub>
+                                </m:sSub>
+                                <m:d>
+                                  <m:dPr>
+                                    <m:ctrlPr>
+                                      <a:rPr lang="es-MX" sz="2000" i="1">
+                                        <a:effectLst/>
+                                        <a:latin typeface="Cambria Math" panose="02040503050406030204" pitchFamily="18" charset="0"/>
+                                        <a:ea typeface="Times New Roman" panose="02020603050405020304" pitchFamily="18" charset="0"/>
+                                        <a:cs typeface="Times New Roman" panose="02020603050405020304" pitchFamily="18" charset="0"/>
+                                      </a:rPr>
+                                    </m:ctrlPr>
+                                  </m:dPr>
+                                  <m:e>
+                                    <m:sSub>
+                                      <m:sSubPr>
+                                        <m:ctrlPr>
+                                          <a:rPr lang="es-MX" sz="2000" i="1">
+                                            <a:effectLst/>
+                                            <a:latin typeface="Cambria Math" panose="02040503050406030204" pitchFamily="18" charset="0"/>
+                                            <a:ea typeface="Times New Roman" panose="02020603050405020304" pitchFamily="18" charset="0"/>
+                                            <a:cs typeface="Times New Roman" panose="02020603050405020304" pitchFamily="18" charset="0"/>
+                                          </a:rPr>
+                                        </m:ctrlPr>
+                                      </m:sSubPr>
+                                      <m:e>
+                                        <m:r>
+                                          <a:rPr lang="en-US" sz="2000" i="1">
+                                            <a:effectLst/>
+                                            <a:latin typeface="Cambria Math" panose="02040503050406030204" pitchFamily="18" charset="0"/>
+                                            <a:ea typeface="Times New Roman" panose="02020603050405020304" pitchFamily="18" charset="0"/>
+                                            <a:cs typeface="Times New Roman" panose="02020603050405020304" pitchFamily="18" charset="0"/>
+                                          </a:rPr>
+                                          <m:t>𝑥</m:t>
+                                        </m:r>
+                                      </m:e>
+                                      <m:sub>
+                                        <m:r>
+                                          <a:rPr lang="en-US" sz="2000" i="1">
+                                            <a:effectLst/>
+                                            <a:latin typeface="Cambria Math" panose="02040503050406030204" pitchFamily="18" charset="0"/>
+                                            <a:ea typeface="Times New Roman" panose="02020603050405020304" pitchFamily="18" charset="0"/>
+                                            <a:cs typeface="Times New Roman" panose="02020603050405020304" pitchFamily="18" charset="0"/>
+                                          </a:rPr>
+                                          <m:t>𝑠𝑡𝑎𝑟𝑡</m:t>
+                                        </m:r>
+                                      </m:sub>
+                                    </m:sSub>
+                                    <m:r>
+                                      <a:rPr lang="en-US" sz="2000" i="1">
+                                        <a:effectLst/>
+                                        <a:latin typeface="Cambria Math" panose="02040503050406030204" pitchFamily="18" charset="0"/>
+                                        <a:ea typeface="Times New Roman" panose="02020603050405020304" pitchFamily="18" charset="0"/>
+                                        <a:cs typeface="Times New Roman" panose="02020603050405020304" pitchFamily="18" charset="0"/>
+                                      </a:rPr>
+                                      <m:t>:</m:t>
+                                    </m:r>
+                                    <m:sSub>
+                                      <m:sSubPr>
+                                        <m:ctrlPr>
+                                          <a:rPr lang="es-MX" sz="2000" i="1">
+                                            <a:effectLst/>
+                                            <a:latin typeface="Cambria Math" panose="02040503050406030204" pitchFamily="18" charset="0"/>
+                                            <a:ea typeface="Times New Roman" panose="02020603050405020304" pitchFamily="18" charset="0"/>
+                                            <a:cs typeface="Times New Roman" panose="02020603050405020304" pitchFamily="18" charset="0"/>
+                                          </a:rPr>
+                                        </m:ctrlPr>
+                                      </m:sSubPr>
+                                      <m:e>
+                                        <m:r>
+                                          <a:rPr lang="en-US" sz="2000" i="1">
+                                            <a:effectLst/>
+                                            <a:latin typeface="Cambria Math" panose="02040503050406030204" pitchFamily="18" charset="0"/>
+                                            <a:ea typeface="Times New Roman" panose="02020603050405020304" pitchFamily="18" charset="0"/>
+                                            <a:cs typeface="Times New Roman" panose="02020603050405020304" pitchFamily="18" charset="0"/>
+                                          </a:rPr>
+                                          <m:t>𝑦</m:t>
+                                        </m:r>
+                                      </m:e>
+                                      <m:sub>
+                                        <m:r>
+                                          <a:rPr lang="en-US" sz="2000" i="1">
+                                            <a:effectLst/>
+                                            <a:latin typeface="Cambria Math" panose="02040503050406030204" pitchFamily="18" charset="0"/>
+                                            <a:ea typeface="Times New Roman" panose="02020603050405020304" pitchFamily="18" charset="0"/>
+                                            <a:cs typeface="Times New Roman" panose="02020603050405020304" pitchFamily="18" charset="0"/>
+                                          </a:rPr>
+                                          <m:t>𝑠𝑡𝑎𝑟𝑡</m:t>
+                                        </m:r>
+                                      </m:sub>
+                                    </m:sSub>
+                                  </m:e>
+                                </m:d>
+                                <m:r>
+                                  <a:rPr lang="en-US" sz="2000" i="1">
+                                    <a:effectLst/>
+                                    <a:latin typeface="Cambria Math" panose="02040503050406030204" pitchFamily="18" charset="0"/>
+                                    <a:ea typeface="Times New Roman" panose="02020603050405020304" pitchFamily="18" charset="0"/>
+                                    <a:cs typeface="Times New Roman" panose="02020603050405020304" pitchFamily="18" charset="0"/>
+                                  </a:rPr>
+                                  <m:t>+</m:t>
+                                </m:r>
+                                <m:sSub>
+                                  <m:sSubPr>
+                                    <m:ctrlPr>
+                                      <a:rPr lang="es-MX" sz="2000" i="1">
+                                        <a:effectLst/>
+                                        <a:latin typeface="Cambria Math" panose="02040503050406030204" pitchFamily="18" charset="0"/>
+                                        <a:ea typeface="Times New Roman" panose="02020603050405020304" pitchFamily="18" charset="0"/>
+                                        <a:cs typeface="Times New Roman" panose="02020603050405020304" pitchFamily="18" charset="0"/>
+                                      </a:rPr>
+                                    </m:ctrlPr>
+                                  </m:sSubPr>
+                                  <m:e>
+                                    <m:r>
+                                      <a:rPr lang="en-US" sz="2000" i="1">
+                                        <a:effectLst/>
+                                        <a:latin typeface="Cambria Math" panose="02040503050406030204" pitchFamily="18" charset="0"/>
+                                        <a:ea typeface="Times New Roman" panose="02020603050405020304" pitchFamily="18" charset="0"/>
+                                        <a:cs typeface="Times New Roman" panose="02020603050405020304" pitchFamily="18" charset="0"/>
+                                      </a:rPr>
+                                      <m:t>𝛽</m:t>
+                                    </m:r>
+                                  </m:e>
+                                  <m:sub>
+                                    <m:r>
+                                      <a:rPr lang="en-US" sz="2000" i="1">
+                                        <a:effectLst/>
+                                        <a:latin typeface="Cambria Math" panose="02040503050406030204" pitchFamily="18" charset="0"/>
+                                        <a:ea typeface="Times New Roman" panose="02020603050405020304" pitchFamily="18" charset="0"/>
+                                        <a:cs typeface="Times New Roman" panose="02020603050405020304" pitchFamily="18" charset="0"/>
+                                      </a:rPr>
+                                      <m:t>4</m:t>
+                                    </m:r>
+                                  </m:sub>
+                                </m:sSub>
+                                <m:sSub>
+                                  <m:sSubPr>
+                                    <m:ctrlPr>
+                                      <a:rPr lang="es-MX" sz="2000" i="1">
+                                        <a:effectLst/>
+                                        <a:latin typeface="Cambria Math" panose="02040503050406030204" pitchFamily="18" charset="0"/>
+                                        <a:ea typeface="Times New Roman" panose="02020603050405020304" pitchFamily="18" charset="0"/>
+                                        <a:cs typeface="Times New Roman" panose="02020603050405020304" pitchFamily="18" charset="0"/>
+                                      </a:rPr>
+                                    </m:ctrlPr>
+                                  </m:sSubPr>
+                                  <m:e>
+                                    <m:r>
+                                      <a:rPr lang="en-US" sz="2000" i="1">
+                                        <a:effectLst/>
+                                        <a:latin typeface="Cambria Math" panose="02040503050406030204" pitchFamily="18" charset="0"/>
+                                        <a:ea typeface="Times New Roman" panose="02020603050405020304" pitchFamily="18" charset="0"/>
+                                        <a:cs typeface="Times New Roman" panose="02020603050405020304" pitchFamily="18" charset="0"/>
+                                      </a:rPr>
+                                      <m:t>𝑥</m:t>
+                                    </m:r>
+                                  </m:e>
+                                  <m:sub>
+                                    <m:r>
+                                      <a:rPr lang="en-US" sz="2000" i="1">
+                                        <a:effectLst/>
+                                        <a:latin typeface="Cambria Math" panose="02040503050406030204" pitchFamily="18" charset="0"/>
+                                        <a:ea typeface="Times New Roman" panose="02020603050405020304" pitchFamily="18" charset="0"/>
+                                        <a:cs typeface="Times New Roman" panose="02020603050405020304" pitchFamily="18" charset="0"/>
+                                      </a:rPr>
+                                      <m:t>𝑒𝑛𝑑</m:t>
+                                    </m:r>
+                                  </m:sub>
+                                </m:sSub>
+                                <m:r>
+                                  <a:rPr lang="en-US" sz="2000" i="1">
+                                    <a:effectLst/>
+                                    <a:latin typeface="Cambria Math" panose="02040503050406030204" pitchFamily="18" charset="0"/>
+                                    <a:ea typeface="Times New Roman" panose="02020603050405020304" pitchFamily="18" charset="0"/>
+                                    <a:cs typeface="Times New Roman" panose="02020603050405020304" pitchFamily="18" charset="0"/>
+                                  </a:rPr>
+                                  <m:t> + </m:t>
+                                </m:r>
+                                <m:sSub>
+                                  <m:sSubPr>
+                                    <m:ctrlPr>
+                                      <a:rPr lang="es-MX" sz="2000" i="1">
+                                        <a:effectLst/>
+                                        <a:latin typeface="Cambria Math" panose="02040503050406030204" pitchFamily="18" charset="0"/>
+                                        <a:ea typeface="Times New Roman" panose="02020603050405020304" pitchFamily="18" charset="0"/>
+                                        <a:cs typeface="Times New Roman" panose="02020603050405020304" pitchFamily="18" charset="0"/>
+                                      </a:rPr>
+                                    </m:ctrlPr>
+                                  </m:sSubPr>
+                                  <m:e>
+                                    <m:r>
+                                      <a:rPr lang="en-US" sz="2000" i="1">
+                                        <a:effectLst/>
+                                        <a:latin typeface="Cambria Math" panose="02040503050406030204" pitchFamily="18" charset="0"/>
+                                        <a:ea typeface="Times New Roman" panose="02020603050405020304" pitchFamily="18" charset="0"/>
+                                        <a:cs typeface="Times New Roman" panose="02020603050405020304" pitchFamily="18" charset="0"/>
+                                      </a:rPr>
+                                      <m:t>𝛽</m:t>
+                                    </m:r>
+                                  </m:e>
+                                  <m:sub>
+                                    <m:r>
+                                      <a:rPr lang="en-US" sz="2000" i="1">
+                                        <a:effectLst/>
+                                        <a:latin typeface="Cambria Math" panose="02040503050406030204" pitchFamily="18" charset="0"/>
+                                        <a:ea typeface="Times New Roman" panose="02020603050405020304" pitchFamily="18" charset="0"/>
+                                        <a:cs typeface="Times New Roman" panose="02020603050405020304" pitchFamily="18" charset="0"/>
+                                      </a:rPr>
+                                      <m:t>5</m:t>
+                                    </m:r>
+                                  </m:sub>
+                                </m:sSub>
+                                <m:sSub>
+                                  <m:sSubPr>
+                                    <m:ctrlPr>
+                                      <a:rPr lang="es-MX" sz="2000" i="1">
+                                        <a:effectLst/>
+                                        <a:latin typeface="Cambria Math" panose="02040503050406030204" pitchFamily="18" charset="0"/>
+                                        <a:ea typeface="Times New Roman" panose="02020603050405020304" pitchFamily="18" charset="0"/>
+                                        <a:cs typeface="Times New Roman" panose="02020603050405020304" pitchFamily="18" charset="0"/>
+                                      </a:rPr>
+                                    </m:ctrlPr>
+                                  </m:sSubPr>
+                                  <m:e>
+                                    <m:r>
+                                      <a:rPr lang="en-US" sz="2000" i="1">
+                                        <a:effectLst/>
+                                        <a:latin typeface="Cambria Math" panose="02040503050406030204" pitchFamily="18" charset="0"/>
+                                        <a:ea typeface="Times New Roman" panose="02020603050405020304" pitchFamily="18" charset="0"/>
+                                        <a:cs typeface="Times New Roman" panose="02020603050405020304" pitchFamily="18" charset="0"/>
+                                      </a:rPr>
+                                      <m:t>𝑦</m:t>
+                                    </m:r>
+                                  </m:e>
+                                  <m:sub>
+                                    <m:r>
+                                      <a:rPr lang="en-US" sz="2000" i="1">
+                                        <a:effectLst/>
+                                        <a:latin typeface="Cambria Math" panose="02040503050406030204" pitchFamily="18" charset="0"/>
+                                        <a:ea typeface="Times New Roman" panose="02020603050405020304" pitchFamily="18" charset="0"/>
+                                        <a:cs typeface="Times New Roman" panose="02020603050405020304" pitchFamily="18" charset="0"/>
+                                      </a:rPr>
+                                      <m:t>𝑒𝑛𝑑</m:t>
+                                    </m:r>
+                                  </m:sub>
+                                </m:sSub>
+                                <m:r>
+                                  <a:rPr lang="en-US" sz="2000" i="1">
+                                    <a:effectLst/>
+                                    <a:latin typeface="Cambria Math" panose="02040503050406030204" pitchFamily="18" charset="0"/>
+                                    <a:ea typeface="Times New Roman" panose="02020603050405020304" pitchFamily="18" charset="0"/>
+                                    <a:cs typeface="Times New Roman" panose="02020603050405020304" pitchFamily="18" charset="0"/>
+                                  </a:rPr>
+                                  <m:t>+</m:t>
+                                </m:r>
+                                <m:r>
+                                  <a:rPr lang="en-US" sz="2000" i="1">
+                                    <a:effectLst/>
+                                    <a:latin typeface="Cambria Math" panose="02040503050406030204" pitchFamily="18" charset="0"/>
+                                    <a:ea typeface="Times New Roman" panose="02020603050405020304" pitchFamily="18" charset="0"/>
+                                    <a:cs typeface="Times New Roman" panose="02020603050405020304" pitchFamily="18" charset="0"/>
+                                  </a:rPr>
+                                  <m:t>𝜀</m:t>
+                                </m:r>
+                              </m:oMath>
+                            </m:oMathPara>
+                          </a14:m>
+                          <a:endParaRPr lang="es-MX" sz="2000">
+                            <a:effectLst/>
+                            <a:latin typeface="Arial" panose="020B0604020202020204" pitchFamily="34" charset="0"/>
+                            <a:ea typeface="Calibri" panose="020F0502020204030204" pitchFamily="34" charset="0"/>
+                            <a:cs typeface="Times New Roman" panose="02020603050405020304" pitchFamily="18" charset="0"/>
+                          </a:endParaRPr>
+                        </a:p>
+                      </a:txBody>
+                      <a:tcPr marL="68580" marR="68580" marT="0" marB="0">
+                        <a:lnL w="12700" cap="flat" cmpd="sng" algn="ctr">
+                          <a:noFill/>
+                          <a:prstDash val="solid"/>
+                          <a:round/>
+                          <a:headEnd type="none" w="med" len="med"/>
+                          <a:tailEnd type="none" w="med" len="med"/>
+                        </a:lnL>
+                        <a:lnR w="12700" cap="flat" cmpd="sng" algn="ctr">
+                          <a:noFill/>
+                          <a:prstDash val="solid"/>
+                          <a:round/>
+                          <a:headEnd type="none" w="med" len="med"/>
+                          <a:tailEnd type="none" w="med" len="med"/>
+                        </a:lnR>
+                        <a:lnT w="12700" cap="flat" cmpd="sng" algn="ctr">
+                          <a:noFill/>
+                          <a:prstDash val="solid"/>
+                          <a:round/>
+                          <a:headEnd type="none" w="med" len="med"/>
+                          <a:tailEnd type="none" w="med" len="med"/>
+                        </a:lnT>
+                        <a:lnB w="12700" cap="flat" cmpd="sng" algn="ctr">
+                          <a:noFill/>
+                          <a:prstDash val="solid"/>
+                          <a:round/>
+                          <a:headEnd type="none" w="med" len="med"/>
+                          <a:tailEnd type="none" w="med" len="med"/>
+                        </a:lnB>
+                        <a:lnTlToBr w="12700" cmpd="sng">
+                          <a:noFill/>
+                          <a:prstDash val="solid"/>
+                        </a:lnTlToBr>
+                        <a:lnBlToTr w="12700" cmpd="sng">
+                          <a:noFill/>
+                          <a:prstDash val="solid"/>
+                        </a:lnBlToTr>
+                      </a:tcPr>
+                    </a:tc>
+                    <a:tc>
+                      <a:txBody>
+                        <a:bodyPr/>
+                        <a:lstStyle/>
+                        <a:p>
+                          <a:pPr algn="just"/>
+                          <a:r>
+                            <a:rPr lang="en-US" sz="2000">
+                              <a:effectLst/>
+                              <a:latin typeface="Arial" panose="020B0604020202020204" pitchFamily="34" charset="0"/>
+                              <a:ea typeface="Times New Roman" panose="02020603050405020304" pitchFamily="18" charset="0"/>
+                              <a:cs typeface="Times New Roman" panose="02020603050405020304" pitchFamily="18" charset="0"/>
+                            </a:rPr>
+                            <a:t>(5)</a:t>
+                          </a:r>
+                          <a:endParaRPr lang="es-MX" sz="2000">
+                            <a:effectLst/>
+                            <a:latin typeface="Arial" panose="020B0604020202020204" pitchFamily="34" charset="0"/>
+                            <a:ea typeface="Calibri" panose="020F0502020204030204" pitchFamily="34" charset="0"/>
+                            <a:cs typeface="Times New Roman" panose="02020603050405020304" pitchFamily="18" charset="0"/>
+                          </a:endParaRPr>
+                        </a:p>
+                      </a:txBody>
+                      <a:tcPr marL="68580" marR="68580" marT="0" marB="0">
+                        <a:lnL w="12700" cap="flat" cmpd="sng" algn="ctr">
+                          <a:noFill/>
+                          <a:prstDash val="solid"/>
+                          <a:round/>
+                          <a:headEnd type="none" w="med" len="med"/>
+                          <a:tailEnd type="none" w="med" len="med"/>
+                        </a:lnL>
+                        <a:lnR w="12700" cap="flat" cmpd="sng" algn="ctr">
+                          <a:noFill/>
+                          <a:prstDash val="solid"/>
+                          <a:round/>
+                          <a:headEnd type="none" w="med" len="med"/>
+                          <a:tailEnd type="none" w="med" len="med"/>
+                        </a:lnR>
+                        <a:lnT w="12700" cap="flat" cmpd="sng" algn="ctr">
+                          <a:noFill/>
+                          <a:prstDash val="solid"/>
+                          <a:round/>
+                          <a:headEnd type="none" w="med" len="med"/>
+                          <a:tailEnd type="none" w="med" len="med"/>
+                        </a:lnT>
+                        <a:lnB w="12700" cap="flat" cmpd="sng" algn="ctr">
+                          <a:noFill/>
+                          <a:prstDash val="solid"/>
+                          <a:round/>
+                          <a:headEnd type="none" w="med" len="med"/>
+                          <a:tailEnd type="none" w="med" len="med"/>
+                        </a:lnB>
+                        <a:lnTlToBr w="12700" cmpd="sng">
+                          <a:noFill/>
+                          <a:prstDash val="solid"/>
+                        </a:lnTlToBr>
+                        <a:lnBlToTr w="12700" cmpd="sng">
+                          <a:noFill/>
+                          <a:prstDash val="solid"/>
+                        </a:lnBlToTr>
+                      </a:tcPr>
+                    </a:tc>
+                    <a:extLst>
+                      <a:ext uri="{0D108BD9-81ED-4DB2-BD59-A6C34878D82A}">
+                        <a16:rowId xmlns:a16="http://schemas.microsoft.com/office/drawing/2014/main" val="4213757338"/>
+                      </a:ext>
+                    </a:extLst>
+                  </a:tr>
+                  <a:tr h="730517">
+                    <a:tc>
+                      <a:txBody>
+                        <a:bodyPr/>
+                        <a:lstStyle/>
+                        <a:p>
+                          <a:pPr algn="just"/>
+                          <a14:m>
+                            <m:oMathPara xmlns:m="http://schemas.openxmlformats.org/officeDocument/2006/math">
+                              <m:oMathParaPr>
+                                <m:jc m:val="centerGroup"/>
+                              </m:oMathParaPr>
+                              <m:oMath xmlns:m="http://schemas.openxmlformats.org/officeDocument/2006/math">
+                                <m:sSub>
+                                  <m:sSubPr>
+                                    <m:ctrlPr>
+                                      <a:rPr lang="es-MX" sz="2400" b="1" i="1">
+                                        <a:effectLst/>
+                                        <a:latin typeface="Cambria Math" panose="02040503050406030204" pitchFamily="18" charset="0"/>
+                                        <a:ea typeface="Times New Roman" panose="02020603050405020304" pitchFamily="18" charset="0"/>
+                                        <a:cs typeface="Times New Roman" panose="02020603050405020304" pitchFamily="18" charset="0"/>
+                                      </a:rPr>
+                                    </m:ctrlPr>
+                                  </m:sSubPr>
+                                  <m:e>
+                                    <m:r>
+                                      <a:rPr lang="en-US" sz="2400" b="1" i="1" smtClean="0">
+                                        <a:effectLst/>
+                                        <a:latin typeface="Cambria Math" panose="02040503050406030204" pitchFamily="18" charset="0"/>
+                                        <a:ea typeface="Times New Roman" panose="02020603050405020304" pitchFamily="18" charset="0"/>
+                                        <a:cs typeface="Times New Roman" panose="02020603050405020304" pitchFamily="18" charset="0"/>
+                                      </a:rPr>
+                                      <m:t>𝑩</m:t>
+                                    </m:r>
+                                  </m:e>
+                                  <m:sub>
+                                    <m:r>
+                                      <a:rPr lang="en-US" sz="2400" b="1" i="1" smtClean="0">
+                                        <a:effectLst/>
+                                        <a:latin typeface="Cambria Math" panose="02040503050406030204" pitchFamily="18" charset="0"/>
+                                        <a:ea typeface="Times New Roman" panose="02020603050405020304" pitchFamily="18" charset="0"/>
+                                        <a:cs typeface="Times New Roman" panose="02020603050405020304" pitchFamily="18" charset="0"/>
+                                      </a:rPr>
+                                      <m:t>𝒔𝒖𝒄𝒄𝒆𝒔𝒔</m:t>
+                                    </m:r>
+                                  </m:sub>
+                                </m:sSub>
+                                <m:r>
+                                  <a:rPr lang="en-US" sz="2400" b="1" i="1" smtClean="0">
+                                    <a:effectLst/>
+                                    <a:latin typeface="Cambria Math" panose="02040503050406030204" pitchFamily="18" charset="0"/>
+                                    <a:ea typeface="Times New Roman" panose="02020603050405020304" pitchFamily="18" charset="0"/>
+                                    <a:cs typeface="Times New Roman" panose="02020603050405020304" pitchFamily="18" charset="0"/>
+                                  </a:rPr>
+                                  <m:t>=</m:t>
+                                </m:r>
+                                <m:sSub>
+                                  <m:sSubPr>
+                                    <m:ctrlPr>
+                                      <a:rPr lang="es-MX" sz="2400" b="1" i="1">
+                                        <a:effectLst/>
+                                        <a:latin typeface="Cambria Math" panose="02040503050406030204" pitchFamily="18" charset="0"/>
+                                        <a:ea typeface="Times New Roman" panose="02020603050405020304" pitchFamily="18" charset="0"/>
+                                        <a:cs typeface="Times New Roman" panose="02020603050405020304" pitchFamily="18" charset="0"/>
+                                      </a:rPr>
+                                    </m:ctrlPr>
+                                  </m:sSubPr>
+                                  <m:e>
+                                    <m:r>
+                                      <a:rPr lang="en-US" sz="2400" b="1" i="1" smtClean="0">
+                                        <a:effectLst/>
+                                        <a:latin typeface="Cambria Math" panose="02040503050406030204" pitchFamily="18" charset="0"/>
+                                        <a:ea typeface="Times New Roman" panose="02020603050405020304" pitchFamily="18" charset="0"/>
+                                        <a:cs typeface="Times New Roman" panose="02020603050405020304" pitchFamily="18" charset="0"/>
+                                      </a:rPr>
+                                      <m:t>𝜷</m:t>
+                                    </m:r>
+                                  </m:e>
+                                  <m:sub>
+                                    <m:r>
+                                      <a:rPr lang="en-US" sz="2400" b="1" i="1" smtClean="0">
+                                        <a:effectLst/>
+                                        <a:latin typeface="Cambria Math" panose="02040503050406030204" pitchFamily="18" charset="0"/>
+                                        <a:ea typeface="Times New Roman" panose="02020603050405020304" pitchFamily="18" charset="0"/>
+                                        <a:cs typeface="Times New Roman" panose="02020603050405020304" pitchFamily="18" charset="0"/>
+                                      </a:rPr>
+                                      <m:t>𝟎</m:t>
+                                    </m:r>
+                                  </m:sub>
+                                </m:sSub>
+                                <m:r>
+                                  <a:rPr lang="en-US" sz="2400" b="1" i="1" smtClean="0">
+                                    <a:effectLst/>
+                                    <a:latin typeface="Cambria Math" panose="02040503050406030204" pitchFamily="18" charset="0"/>
+                                    <a:ea typeface="Times New Roman" panose="02020603050405020304" pitchFamily="18" charset="0"/>
+                                    <a:cs typeface="Times New Roman" panose="02020603050405020304" pitchFamily="18" charset="0"/>
+                                  </a:rPr>
+                                  <m:t>+</m:t>
+                                </m:r>
+                                <m:sSub>
+                                  <m:sSubPr>
+                                    <m:ctrlPr>
+                                      <a:rPr lang="es-MX" sz="2400" b="1" i="1">
+                                        <a:effectLst/>
+                                        <a:latin typeface="Cambria Math" panose="02040503050406030204" pitchFamily="18" charset="0"/>
+                                        <a:ea typeface="Times New Roman" panose="02020603050405020304" pitchFamily="18" charset="0"/>
+                                        <a:cs typeface="Times New Roman" panose="02020603050405020304" pitchFamily="18" charset="0"/>
+                                      </a:rPr>
+                                    </m:ctrlPr>
+                                  </m:sSubPr>
+                                  <m:e>
+                                    <m:r>
+                                      <a:rPr lang="en-US" sz="2400" b="1" i="1" smtClean="0">
+                                        <a:effectLst/>
+                                        <a:latin typeface="Cambria Math" panose="02040503050406030204" pitchFamily="18" charset="0"/>
+                                        <a:ea typeface="Times New Roman" panose="02020603050405020304" pitchFamily="18" charset="0"/>
+                                        <a:cs typeface="Times New Roman" panose="02020603050405020304" pitchFamily="18" charset="0"/>
+                                      </a:rPr>
+                                      <m:t>𝜷</m:t>
+                                    </m:r>
+                                  </m:e>
+                                  <m:sub>
+                                    <m:r>
+                                      <a:rPr lang="en-US" sz="2400" b="1" i="1" smtClean="0">
+                                        <a:effectLst/>
+                                        <a:latin typeface="Cambria Math" panose="02040503050406030204" pitchFamily="18" charset="0"/>
+                                        <a:ea typeface="Times New Roman" panose="02020603050405020304" pitchFamily="18" charset="0"/>
+                                        <a:cs typeface="Times New Roman" panose="02020603050405020304" pitchFamily="18" charset="0"/>
+                                      </a:rPr>
+                                      <m:t>𝟏</m:t>
+                                    </m:r>
+                                  </m:sub>
+                                </m:sSub>
+                                <m:sSub>
+                                  <m:sSubPr>
+                                    <m:ctrlPr>
+                                      <a:rPr lang="es-MX" sz="2400" b="1" i="1">
+                                        <a:effectLst/>
+                                        <a:latin typeface="Cambria Math" panose="02040503050406030204" pitchFamily="18" charset="0"/>
+                                        <a:ea typeface="Times New Roman" panose="02020603050405020304" pitchFamily="18" charset="0"/>
+                                        <a:cs typeface="Times New Roman" panose="02020603050405020304" pitchFamily="18" charset="0"/>
+                                      </a:rPr>
+                                    </m:ctrlPr>
+                                  </m:sSubPr>
+                                  <m:e>
+                                    <m:r>
+                                      <a:rPr lang="en-US" sz="2400" b="1" i="1" smtClean="0">
+                                        <a:effectLst/>
+                                        <a:latin typeface="Cambria Math" panose="02040503050406030204" pitchFamily="18" charset="0"/>
+                                        <a:ea typeface="Times New Roman" panose="02020603050405020304" pitchFamily="18" charset="0"/>
+                                        <a:cs typeface="Times New Roman" panose="02020603050405020304" pitchFamily="18" charset="0"/>
+                                      </a:rPr>
+                                      <m:t>𝒙</m:t>
+                                    </m:r>
+                                  </m:e>
+                                  <m:sub>
+                                    <m:r>
+                                      <a:rPr lang="en-US" sz="2400" b="1" i="1" smtClean="0">
+                                        <a:effectLst/>
+                                        <a:latin typeface="Cambria Math" panose="02040503050406030204" pitchFamily="18" charset="0"/>
+                                        <a:ea typeface="Times New Roman" panose="02020603050405020304" pitchFamily="18" charset="0"/>
+                                        <a:cs typeface="Times New Roman" panose="02020603050405020304" pitchFamily="18" charset="0"/>
+                                      </a:rPr>
+                                      <m:t>𝒔𝒕𝒂𝒓𝒕</m:t>
+                                    </m:r>
+                                  </m:sub>
+                                </m:sSub>
+                                <m:r>
+                                  <a:rPr lang="en-US" sz="2400" b="1" i="1" smtClean="0">
+                                    <a:effectLst/>
+                                    <a:latin typeface="Cambria Math" panose="02040503050406030204" pitchFamily="18" charset="0"/>
+                                    <a:ea typeface="Times New Roman" panose="02020603050405020304" pitchFamily="18" charset="0"/>
+                                    <a:cs typeface="Times New Roman" panose="02020603050405020304" pitchFamily="18" charset="0"/>
+                                  </a:rPr>
+                                  <m:t>+</m:t>
+                                </m:r>
+                                <m:sSub>
+                                  <m:sSubPr>
+                                    <m:ctrlPr>
+                                      <a:rPr lang="es-MX" sz="2400" b="1" i="1">
+                                        <a:effectLst/>
+                                        <a:latin typeface="Cambria Math" panose="02040503050406030204" pitchFamily="18" charset="0"/>
+                                        <a:ea typeface="Times New Roman" panose="02020603050405020304" pitchFamily="18" charset="0"/>
+                                        <a:cs typeface="Times New Roman" panose="02020603050405020304" pitchFamily="18" charset="0"/>
+                                      </a:rPr>
+                                    </m:ctrlPr>
+                                  </m:sSubPr>
+                                  <m:e>
+                                    <m:r>
+                                      <a:rPr lang="en-US" sz="2400" b="1" i="1" smtClean="0">
+                                        <a:effectLst/>
+                                        <a:latin typeface="Cambria Math" panose="02040503050406030204" pitchFamily="18" charset="0"/>
+                                        <a:ea typeface="Times New Roman" panose="02020603050405020304" pitchFamily="18" charset="0"/>
+                                        <a:cs typeface="Times New Roman" panose="02020603050405020304" pitchFamily="18" charset="0"/>
+                                      </a:rPr>
+                                      <m:t>𝜷</m:t>
+                                    </m:r>
+                                  </m:e>
+                                  <m:sub>
+                                    <m:r>
+                                      <a:rPr lang="en-US" sz="2400" b="1" i="1" smtClean="0">
+                                        <a:effectLst/>
+                                        <a:latin typeface="Cambria Math" panose="02040503050406030204" pitchFamily="18" charset="0"/>
+                                        <a:ea typeface="Times New Roman" panose="02020603050405020304" pitchFamily="18" charset="0"/>
+                                        <a:cs typeface="Times New Roman" panose="02020603050405020304" pitchFamily="18" charset="0"/>
+                                      </a:rPr>
+                                      <m:t>𝟐</m:t>
+                                    </m:r>
+                                  </m:sub>
+                                </m:sSub>
+                                <m:sSub>
+                                  <m:sSubPr>
+                                    <m:ctrlPr>
+                                      <a:rPr lang="es-MX" sz="2400" b="1" i="1">
+                                        <a:effectLst/>
+                                        <a:latin typeface="Cambria Math" panose="02040503050406030204" pitchFamily="18" charset="0"/>
+                                        <a:ea typeface="Times New Roman" panose="02020603050405020304" pitchFamily="18" charset="0"/>
+                                        <a:cs typeface="Times New Roman" panose="02020603050405020304" pitchFamily="18" charset="0"/>
+                                      </a:rPr>
+                                    </m:ctrlPr>
+                                  </m:sSubPr>
+                                  <m:e>
+                                    <m:r>
+                                      <a:rPr lang="en-US" sz="2400" b="1" i="1" smtClean="0">
+                                        <a:effectLst/>
+                                        <a:latin typeface="Cambria Math" panose="02040503050406030204" pitchFamily="18" charset="0"/>
+                                        <a:ea typeface="Times New Roman" panose="02020603050405020304" pitchFamily="18" charset="0"/>
+                                        <a:cs typeface="Times New Roman" panose="02020603050405020304" pitchFamily="18" charset="0"/>
+                                      </a:rPr>
+                                      <m:t>𝒚</m:t>
+                                    </m:r>
+                                  </m:e>
+                                  <m:sub>
+                                    <m:r>
+                                      <a:rPr lang="en-US" sz="2400" b="1" i="1" smtClean="0">
+                                        <a:effectLst/>
+                                        <a:latin typeface="Cambria Math" panose="02040503050406030204" pitchFamily="18" charset="0"/>
+                                        <a:ea typeface="Times New Roman" panose="02020603050405020304" pitchFamily="18" charset="0"/>
+                                        <a:cs typeface="Times New Roman" panose="02020603050405020304" pitchFamily="18" charset="0"/>
+                                      </a:rPr>
+                                      <m:t>𝒔𝒕𝒂𝒓𝒕</m:t>
+                                    </m:r>
+                                  </m:sub>
+                                </m:sSub>
+                                <m:r>
+                                  <a:rPr lang="en-US" sz="2400" b="1" i="1" smtClean="0">
+                                    <a:effectLst/>
+                                    <a:latin typeface="Cambria Math" panose="02040503050406030204" pitchFamily="18" charset="0"/>
+                                    <a:ea typeface="Times New Roman" panose="02020603050405020304" pitchFamily="18" charset="0"/>
+                                    <a:cs typeface="Times New Roman" panose="02020603050405020304" pitchFamily="18" charset="0"/>
+                                  </a:rPr>
+                                  <m:t> +</m:t>
+                                </m:r>
+                                <m:sSub>
+                                  <m:sSubPr>
+                                    <m:ctrlPr>
+                                      <a:rPr lang="es-MX" sz="2400" b="1" i="1">
+                                        <a:effectLst/>
+                                        <a:latin typeface="Cambria Math" panose="02040503050406030204" pitchFamily="18" charset="0"/>
+                                        <a:ea typeface="Times New Roman" panose="02020603050405020304" pitchFamily="18" charset="0"/>
+                                        <a:cs typeface="Times New Roman" panose="02020603050405020304" pitchFamily="18" charset="0"/>
+                                      </a:rPr>
+                                    </m:ctrlPr>
+                                  </m:sSubPr>
+                                  <m:e>
+                                    <m:r>
+                                      <a:rPr lang="en-US" sz="2400" b="1" i="1" smtClean="0">
+                                        <a:effectLst/>
+                                        <a:latin typeface="Cambria Math" panose="02040503050406030204" pitchFamily="18" charset="0"/>
+                                        <a:ea typeface="Times New Roman" panose="02020603050405020304" pitchFamily="18" charset="0"/>
+                                        <a:cs typeface="Times New Roman" panose="02020603050405020304" pitchFamily="18" charset="0"/>
+                                      </a:rPr>
+                                      <m:t>𝜷</m:t>
+                                    </m:r>
+                                  </m:e>
+                                  <m:sub>
+                                    <m:r>
+                                      <a:rPr lang="en-US" sz="2400" b="1" i="1" smtClean="0">
+                                        <a:effectLst/>
+                                        <a:latin typeface="Cambria Math" panose="02040503050406030204" pitchFamily="18" charset="0"/>
+                                        <a:ea typeface="Times New Roman" panose="02020603050405020304" pitchFamily="18" charset="0"/>
+                                        <a:cs typeface="Times New Roman" panose="02020603050405020304" pitchFamily="18" charset="0"/>
+                                      </a:rPr>
+                                      <m:t>𝟑</m:t>
+                                    </m:r>
+                                  </m:sub>
+                                </m:sSub>
+                                <m:d>
+                                  <m:dPr>
+                                    <m:ctrlPr>
+                                      <a:rPr lang="es-MX" sz="2400" b="1" i="1">
+                                        <a:effectLst/>
+                                        <a:latin typeface="Cambria Math" panose="02040503050406030204" pitchFamily="18" charset="0"/>
+                                        <a:ea typeface="Times New Roman" panose="02020603050405020304" pitchFamily="18" charset="0"/>
+                                        <a:cs typeface="Times New Roman" panose="02020603050405020304" pitchFamily="18" charset="0"/>
+                                      </a:rPr>
+                                    </m:ctrlPr>
+                                  </m:dPr>
+                                  <m:e>
+                                    <m:sSub>
+                                      <m:sSubPr>
+                                        <m:ctrlPr>
+                                          <a:rPr lang="es-MX" sz="2400" b="1" i="1">
+                                            <a:effectLst/>
+                                            <a:latin typeface="Cambria Math" panose="02040503050406030204" pitchFamily="18" charset="0"/>
+                                            <a:ea typeface="Times New Roman" panose="02020603050405020304" pitchFamily="18" charset="0"/>
+                                            <a:cs typeface="Times New Roman" panose="02020603050405020304" pitchFamily="18" charset="0"/>
+                                          </a:rPr>
+                                        </m:ctrlPr>
+                                      </m:sSubPr>
+                                      <m:e>
+                                        <m:r>
+                                          <a:rPr lang="en-US" sz="2400" b="1" i="1" smtClean="0">
+                                            <a:effectLst/>
+                                            <a:latin typeface="Cambria Math" panose="02040503050406030204" pitchFamily="18" charset="0"/>
+                                            <a:ea typeface="Times New Roman" panose="02020603050405020304" pitchFamily="18" charset="0"/>
+                                            <a:cs typeface="Times New Roman" panose="02020603050405020304" pitchFamily="18" charset="0"/>
+                                          </a:rPr>
+                                          <m:t>𝒙</m:t>
+                                        </m:r>
+                                      </m:e>
+                                      <m:sub>
+                                        <m:r>
+                                          <a:rPr lang="en-US" sz="2400" b="1" i="1" smtClean="0">
+                                            <a:effectLst/>
+                                            <a:latin typeface="Cambria Math" panose="02040503050406030204" pitchFamily="18" charset="0"/>
+                                            <a:ea typeface="Times New Roman" panose="02020603050405020304" pitchFamily="18" charset="0"/>
+                                            <a:cs typeface="Times New Roman" panose="02020603050405020304" pitchFamily="18" charset="0"/>
+                                          </a:rPr>
+                                          <m:t>𝒔𝒕𝒂𝒓𝒕</m:t>
+                                        </m:r>
+                                      </m:sub>
+                                    </m:sSub>
+                                    <m:r>
+                                      <a:rPr lang="en-US" sz="2400" b="1" i="1" smtClean="0">
+                                        <a:effectLst/>
+                                        <a:latin typeface="Cambria Math" panose="02040503050406030204" pitchFamily="18" charset="0"/>
+                                        <a:ea typeface="Times New Roman" panose="02020603050405020304" pitchFamily="18" charset="0"/>
+                                        <a:cs typeface="Times New Roman" panose="02020603050405020304" pitchFamily="18" charset="0"/>
+                                      </a:rPr>
+                                      <m:t>:</m:t>
+                                    </m:r>
+                                    <m:sSub>
+                                      <m:sSubPr>
+                                        <m:ctrlPr>
+                                          <a:rPr lang="es-MX" sz="2400" b="1" i="1">
+                                            <a:effectLst/>
+                                            <a:latin typeface="Cambria Math" panose="02040503050406030204" pitchFamily="18" charset="0"/>
+                                            <a:ea typeface="Times New Roman" panose="02020603050405020304" pitchFamily="18" charset="0"/>
+                                            <a:cs typeface="Times New Roman" panose="02020603050405020304" pitchFamily="18" charset="0"/>
+                                          </a:rPr>
+                                        </m:ctrlPr>
+                                      </m:sSubPr>
+                                      <m:e>
+                                        <m:r>
+                                          <a:rPr lang="en-US" sz="2400" b="1" i="1" smtClean="0">
+                                            <a:effectLst/>
+                                            <a:latin typeface="Cambria Math" panose="02040503050406030204" pitchFamily="18" charset="0"/>
+                                            <a:ea typeface="Times New Roman" panose="02020603050405020304" pitchFamily="18" charset="0"/>
+                                            <a:cs typeface="Times New Roman" panose="02020603050405020304" pitchFamily="18" charset="0"/>
+                                          </a:rPr>
+                                          <m:t>𝒚</m:t>
+                                        </m:r>
+                                      </m:e>
+                                      <m:sub>
+                                        <m:r>
+                                          <a:rPr lang="en-US" sz="2400" b="1" i="1" smtClean="0">
+                                            <a:effectLst/>
+                                            <a:latin typeface="Cambria Math" panose="02040503050406030204" pitchFamily="18" charset="0"/>
+                                            <a:ea typeface="Times New Roman" panose="02020603050405020304" pitchFamily="18" charset="0"/>
+                                            <a:cs typeface="Times New Roman" panose="02020603050405020304" pitchFamily="18" charset="0"/>
+                                          </a:rPr>
+                                          <m:t>𝒔𝒕𝒂𝒓𝒕</m:t>
+                                        </m:r>
+                                      </m:sub>
+                                    </m:sSub>
+                                  </m:e>
+                                </m:d>
+                                <m:r>
+                                  <a:rPr lang="en-US" sz="2400" b="1" i="1" smtClean="0">
+                                    <a:effectLst/>
+                                    <a:latin typeface="Cambria Math" panose="02040503050406030204" pitchFamily="18" charset="0"/>
+                                    <a:ea typeface="Times New Roman" panose="02020603050405020304" pitchFamily="18" charset="0"/>
+                                    <a:cs typeface="Times New Roman" panose="02020603050405020304" pitchFamily="18" charset="0"/>
+                                  </a:rPr>
+                                  <m:t>+</m:t>
+                                </m:r>
+                                <m:sSub>
+                                  <m:sSubPr>
+                                    <m:ctrlPr>
+                                      <a:rPr lang="es-MX" sz="2400" b="1" i="1">
+                                        <a:effectLst/>
+                                        <a:latin typeface="Cambria Math" panose="02040503050406030204" pitchFamily="18" charset="0"/>
+                                        <a:ea typeface="Times New Roman" panose="02020603050405020304" pitchFamily="18" charset="0"/>
+                                        <a:cs typeface="Times New Roman" panose="02020603050405020304" pitchFamily="18" charset="0"/>
+                                      </a:rPr>
+                                    </m:ctrlPr>
+                                  </m:sSubPr>
+                                  <m:e>
+                                    <m:r>
+                                      <a:rPr lang="en-US" sz="2400" b="1" i="1" smtClean="0">
+                                        <a:effectLst/>
+                                        <a:latin typeface="Cambria Math" panose="02040503050406030204" pitchFamily="18" charset="0"/>
+                                        <a:ea typeface="Times New Roman" panose="02020603050405020304" pitchFamily="18" charset="0"/>
+                                        <a:cs typeface="Times New Roman" panose="02020603050405020304" pitchFamily="18" charset="0"/>
+                                      </a:rPr>
+                                      <m:t>𝜷</m:t>
+                                    </m:r>
+                                  </m:e>
+                                  <m:sub>
+                                    <m:r>
+                                      <a:rPr lang="en-US" sz="2400" b="1" i="1" smtClean="0">
+                                        <a:effectLst/>
+                                        <a:latin typeface="Cambria Math" panose="02040503050406030204" pitchFamily="18" charset="0"/>
+                                        <a:ea typeface="Times New Roman" panose="02020603050405020304" pitchFamily="18" charset="0"/>
+                                        <a:cs typeface="Times New Roman" panose="02020603050405020304" pitchFamily="18" charset="0"/>
+                                      </a:rPr>
+                                      <m:t>𝟒</m:t>
+                                    </m:r>
+                                  </m:sub>
+                                </m:sSub>
+                                <m:r>
+                                  <a:rPr lang="en-US" sz="2400" b="1" i="1" smtClean="0">
+                                    <a:effectLst/>
+                                    <a:latin typeface="Cambria Math" panose="02040503050406030204" pitchFamily="18" charset="0"/>
+                                    <a:ea typeface="Times New Roman" panose="02020603050405020304" pitchFamily="18" charset="0"/>
+                                    <a:cs typeface="Times New Roman" panose="02020603050405020304" pitchFamily="18" charset="0"/>
+                                  </a:rPr>
+                                  <m:t>𝑫𝒊𝒔𝒕𝒂𝒏𝒄𝒆</m:t>
+                                </m:r>
+                                <m:r>
+                                  <a:rPr lang="en-US" sz="2400" b="1" i="1" smtClean="0">
+                                    <a:effectLst/>
+                                    <a:latin typeface="Cambria Math" panose="02040503050406030204" pitchFamily="18" charset="0"/>
+                                    <a:ea typeface="Times New Roman" panose="02020603050405020304" pitchFamily="18" charset="0"/>
+                                    <a:cs typeface="Times New Roman" panose="02020603050405020304" pitchFamily="18" charset="0"/>
+                                  </a:rPr>
+                                  <m:t>+</m:t>
+                                </m:r>
+                                <m:r>
+                                  <a:rPr lang="en-US" sz="2400" b="1" i="1" smtClean="0">
+                                    <a:effectLst/>
+                                    <a:latin typeface="Cambria Math" panose="02040503050406030204" pitchFamily="18" charset="0"/>
+                                    <a:ea typeface="Times New Roman" panose="02020603050405020304" pitchFamily="18" charset="0"/>
+                                    <a:cs typeface="Times New Roman" panose="02020603050405020304" pitchFamily="18" charset="0"/>
+                                  </a:rPr>
+                                  <m:t>𝜺</m:t>
+                                </m:r>
+                              </m:oMath>
+                            </m:oMathPara>
+                          </a14:m>
+                          <a:endParaRPr lang="es-MX" sz="2400" b="1" dirty="0">
+                            <a:effectLst/>
+                            <a:latin typeface="Arial" panose="020B0604020202020204" pitchFamily="34" charset="0"/>
+                            <a:ea typeface="Calibri" panose="020F0502020204030204" pitchFamily="34" charset="0"/>
+                            <a:cs typeface="Times New Roman" panose="02020603050405020304" pitchFamily="18" charset="0"/>
+                          </a:endParaRPr>
+                        </a:p>
+                      </a:txBody>
+                      <a:tcPr marL="68580" marR="68580" marT="0" marB="0">
+                        <a:lnL w="12700" cap="flat" cmpd="sng" algn="ctr">
+                          <a:noFill/>
+                          <a:prstDash val="solid"/>
+                          <a:round/>
+                          <a:headEnd type="none" w="med" len="med"/>
+                          <a:tailEnd type="none" w="med" len="med"/>
+                        </a:lnL>
+                        <a:lnR w="12700" cap="flat" cmpd="sng" algn="ctr">
+                          <a:noFill/>
+                          <a:prstDash val="solid"/>
+                          <a:round/>
+                          <a:headEnd type="none" w="med" len="med"/>
+                          <a:tailEnd type="none" w="med" len="med"/>
+                        </a:lnR>
+                        <a:lnT w="12700" cap="flat" cmpd="sng" algn="ctr">
+                          <a:noFill/>
+                          <a:prstDash val="solid"/>
+                          <a:round/>
+                          <a:headEnd type="none" w="med" len="med"/>
+                          <a:tailEnd type="none" w="med" len="med"/>
+                        </a:lnT>
+                        <a:lnB w="12700" cap="flat" cmpd="sng" algn="ctr">
+                          <a:noFill/>
+                          <a:prstDash val="solid"/>
+                          <a:round/>
+                          <a:headEnd type="none" w="med" len="med"/>
+                          <a:tailEnd type="none" w="med" len="med"/>
+                        </a:lnB>
+                        <a:lnTlToBr w="12700" cmpd="sng">
+                          <a:noFill/>
+                          <a:prstDash val="solid"/>
+                        </a:lnTlToBr>
+                        <a:lnBlToTr w="12700" cmpd="sng">
+                          <a:noFill/>
+                          <a:prstDash val="solid"/>
+                        </a:lnBlToTr>
+                      </a:tcPr>
+                    </a:tc>
+                    <a:tc>
+                      <a:txBody>
+                        <a:bodyPr/>
+                        <a:lstStyle/>
+                        <a:p>
+                          <a:pPr algn="just"/>
+                          <a:r>
+                            <a:rPr lang="en-US" sz="2400" b="1" dirty="0">
+                              <a:effectLst/>
+                              <a:latin typeface="Arial" panose="020B0604020202020204" pitchFamily="34" charset="0"/>
+                              <a:ea typeface="Times New Roman" panose="02020603050405020304" pitchFamily="18" charset="0"/>
+                              <a:cs typeface="Times New Roman" panose="02020603050405020304" pitchFamily="18" charset="0"/>
+                            </a:rPr>
+                            <a:t>(6)</a:t>
+                          </a:r>
+                          <a:endParaRPr lang="es-MX" sz="2400" b="1" dirty="0">
+                            <a:effectLst/>
+                            <a:latin typeface="Arial" panose="020B0604020202020204" pitchFamily="34" charset="0"/>
+                            <a:ea typeface="Calibri" panose="020F0502020204030204" pitchFamily="34" charset="0"/>
+                            <a:cs typeface="Times New Roman" panose="02020603050405020304" pitchFamily="18" charset="0"/>
+                          </a:endParaRPr>
+                        </a:p>
+                      </a:txBody>
+                      <a:tcPr marL="68580" marR="68580" marT="0" marB="0">
+                        <a:lnL w="12700" cap="flat" cmpd="sng" algn="ctr">
+                          <a:noFill/>
+                          <a:prstDash val="solid"/>
+                          <a:round/>
+                          <a:headEnd type="none" w="med" len="med"/>
+                          <a:tailEnd type="none" w="med" len="med"/>
+                        </a:lnL>
+                        <a:lnR w="12700" cap="flat" cmpd="sng" algn="ctr">
+                          <a:noFill/>
+                          <a:prstDash val="solid"/>
+                          <a:round/>
+                          <a:headEnd type="none" w="med" len="med"/>
+                          <a:tailEnd type="none" w="med" len="med"/>
+                        </a:lnR>
+                        <a:lnT w="12700" cap="flat" cmpd="sng" algn="ctr">
+                          <a:noFill/>
+                          <a:prstDash val="solid"/>
+                          <a:round/>
+                          <a:headEnd type="none" w="med" len="med"/>
+                          <a:tailEnd type="none" w="med" len="med"/>
+                        </a:lnT>
+                        <a:lnB w="12700" cap="flat" cmpd="sng" algn="ctr">
+                          <a:noFill/>
+                          <a:prstDash val="solid"/>
+                          <a:round/>
+                          <a:headEnd type="none" w="med" len="med"/>
+                          <a:tailEnd type="none" w="med" len="med"/>
+                        </a:lnB>
+                        <a:lnTlToBr w="12700" cmpd="sng">
+                          <a:noFill/>
+                          <a:prstDash val="solid"/>
+                        </a:lnTlToBr>
+                        <a:lnBlToTr w="12700" cmpd="sng">
+                          <a:noFill/>
+                          <a:prstDash val="solid"/>
+                        </a:lnBlToTr>
+                      </a:tcPr>
+                    </a:tc>
+                    <a:extLst>
+                      <a:ext uri="{0D108BD9-81ED-4DB2-BD59-A6C34878D82A}">
+                        <a16:rowId xmlns:a16="http://schemas.microsoft.com/office/drawing/2014/main" val="2720335172"/>
+                      </a:ext>
+                    </a:extLst>
+                  </a:tr>
+                </a:tbl>
+              </a:graphicData>
+            </a:graphic>
+          </p:graphicFrame>
+        </mc:Choice>
+        <mc:Fallback>
+          <p:graphicFrame>
+            <p:nvGraphicFramePr>
+              <p:cNvPr id="19" name="Marcador de contenido 18">
+                <a:extLst>
+                  <a:ext uri="{FF2B5EF4-FFF2-40B4-BE49-F238E27FC236}">
+                    <a16:creationId xmlns:a16="http://schemas.microsoft.com/office/drawing/2014/main" id="{A8292075-DFBC-44D4-9140-69A2366F3B6E}"/>
+                  </a:ext>
+                </a:extLst>
+              </p:cNvPr>
+              <p:cNvGraphicFramePr>
+                <a:graphicFrameLocks noGrp="1"/>
+              </p:cNvGraphicFramePr>
+              <p:nvPr>
+                <p:ph idx="1"/>
+                <p:extLst>
+                  <p:ext uri="{D42A27DB-BD31-4B8C-83A1-F6EECF244321}">
+                    <p14:modId xmlns:p14="http://schemas.microsoft.com/office/powerpoint/2010/main" val="2157965862"/>
+                  </p:ext>
+                </p:extLst>
+              </p:nvPr>
+            </p:nvGraphicFramePr>
+            <p:xfrm>
+              <a:off x="284205" y="1655808"/>
+              <a:ext cx="11553568" cy="2922068"/>
+            </p:xfrm>
+            <a:graphic>
+              <a:graphicData uri="http://schemas.openxmlformats.org/drawingml/2006/table">
+                <a:tbl>
+                  <a:tblPr firstRow="1" firstCol="1" bandRow="1"/>
+                  <a:tblGrid>
+                    <a:gridCol w="10489791">
+                      <a:extLst>
+                        <a:ext uri="{9D8B030D-6E8A-4147-A177-3AD203B41FA5}">
+                          <a16:colId xmlns:a16="http://schemas.microsoft.com/office/drawing/2014/main" val="2200701939"/>
+                        </a:ext>
+                      </a:extLst>
+                    </a:gridCol>
+                    <a:gridCol w="1063777">
+                      <a:extLst>
+                        <a:ext uri="{9D8B030D-6E8A-4147-A177-3AD203B41FA5}">
+                          <a16:colId xmlns:a16="http://schemas.microsoft.com/office/drawing/2014/main" val="390178824"/>
+                        </a:ext>
+                      </a:extLst>
+                    </a:gridCol>
+                  </a:tblGrid>
+                  <a:tr h="730517">
+                    <a:tc>
+                      <a:txBody>
+                        <a:bodyPr/>
+                        <a:lstStyle/>
+                        <a:p>
+                          <a:endParaRPr lang="es-MX"/>
+                        </a:p>
+                      </a:txBody>
+                      <a:tcPr marL="68580" marR="68580" marT="0" marB="0">
+                        <a:lnL w="12700" cap="flat" cmpd="sng" algn="ctr">
+                          <a:noFill/>
+                          <a:prstDash val="solid"/>
+                          <a:round/>
+                          <a:headEnd type="none" w="med" len="med"/>
+                          <a:tailEnd type="none" w="med" len="med"/>
+                        </a:lnL>
+                        <a:lnR w="12700" cap="flat" cmpd="sng" algn="ctr">
+                          <a:noFill/>
+                          <a:prstDash val="solid"/>
+                          <a:round/>
+                          <a:headEnd type="none" w="med" len="med"/>
+                          <a:tailEnd type="none" w="med" len="med"/>
+                        </a:lnR>
+                        <a:lnT w="12700" cap="flat" cmpd="sng" algn="ctr">
+                          <a:noFill/>
+                          <a:prstDash val="solid"/>
+                          <a:round/>
+                          <a:headEnd type="none" w="med" len="med"/>
+                          <a:tailEnd type="none" w="med" len="med"/>
+                        </a:lnT>
+                        <a:lnB w="12700" cap="flat" cmpd="sng" algn="ctr">
+                          <a:noFill/>
+                          <a:prstDash val="solid"/>
+                          <a:round/>
+                          <a:headEnd type="none" w="med" len="med"/>
+                          <a:tailEnd type="none" w="med" len="med"/>
+                        </a:lnB>
+                        <a:lnTlToBr w="12700" cmpd="sng">
+                          <a:noFill/>
+                          <a:prstDash val="solid"/>
+                        </a:lnTlToBr>
+                        <a:lnBlToTr w="12700" cmpd="sng">
+                          <a:noFill/>
+                          <a:prstDash val="solid"/>
+                        </a:lnBlToTr>
+                        <a:blipFill>
+                          <a:blip r:embed="rId2"/>
+                          <a:stretch>
+                            <a:fillRect t="-9167" r="-10169" b="-300000"/>
+                          </a:stretch>
+                        </a:blipFill>
+                      </a:tcPr>
+                    </a:tc>
+                    <a:tc>
+                      <a:txBody>
+                        <a:bodyPr/>
+                        <a:lstStyle/>
+                        <a:p>
+                          <a:pPr algn="just"/>
+                          <a:r>
+                            <a:rPr lang="en-US" sz="2000">
+                              <a:effectLst/>
+                              <a:latin typeface="Arial" panose="020B0604020202020204" pitchFamily="34" charset="0"/>
+                              <a:ea typeface="Times New Roman" panose="02020603050405020304" pitchFamily="18" charset="0"/>
+                              <a:cs typeface="Times New Roman" panose="02020603050405020304" pitchFamily="18" charset="0"/>
+                            </a:rPr>
+                            <a:t>(3)</a:t>
+                          </a:r>
+                          <a:endParaRPr lang="es-MX" sz="2000">
+                            <a:effectLst/>
+                            <a:latin typeface="Arial" panose="020B0604020202020204" pitchFamily="34" charset="0"/>
+                            <a:ea typeface="Calibri" panose="020F0502020204030204" pitchFamily="34" charset="0"/>
+                            <a:cs typeface="Times New Roman" panose="02020603050405020304" pitchFamily="18" charset="0"/>
+                          </a:endParaRPr>
+                        </a:p>
+                      </a:txBody>
+                      <a:tcPr marL="68580" marR="68580" marT="0" marB="0">
+                        <a:lnL w="12700" cap="flat" cmpd="sng" algn="ctr">
+                          <a:noFill/>
+                          <a:prstDash val="solid"/>
+                          <a:round/>
+                          <a:headEnd type="none" w="med" len="med"/>
+                          <a:tailEnd type="none" w="med" len="med"/>
+                        </a:lnL>
+                        <a:lnR w="12700" cap="flat" cmpd="sng" algn="ctr">
+                          <a:noFill/>
+                          <a:prstDash val="solid"/>
+                          <a:round/>
+                          <a:headEnd type="none" w="med" len="med"/>
+                          <a:tailEnd type="none" w="med" len="med"/>
+                        </a:lnR>
+                        <a:lnT w="12700" cap="flat" cmpd="sng" algn="ctr">
+                          <a:noFill/>
+                          <a:prstDash val="solid"/>
+                          <a:round/>
+                          <a:headEnd type="none" w="med" len="med"/>
+                          <a:tailEnd type="none" w="med" len="med"/>
+                        </a:lnT>
+                        <a:lnB w="12700" cap="flat" cmpd="sng" algn="ctr">
+                          <a:noFill/>
+                          <a:prstDash val="solid"/>
+                          <a:round/>
+                          <a:headEnd type="none" w="med" len="med"/>
+                          <a:tailEnd type="none" w="med" len="med"/>
+                        </a:lnB>
+                        <a:lnTlToBr w="12700" cmpd="sng">
+                          <a:noFill/>
+                          <a:prstDash val="solid"/>
+                        </a:lnTlToBr>
+                        <a:lnBlToTr w="12700" cmpd="sng">
+                          <a:noFill/>
+                          <a:prstDash val="solid"/>
+                        </a:lnBlToTr>
+                      </a:tcPr>
+                    </a:tc>
+                    <a:extLst>
+                      <a:ext uri="{0D108BD9-81ED-4DB2-BD59-A6C34878D82A}">
+                        <a16:rowId xmlns:a16="http://schemas.microsoft.com/office/drawing/2014/main" val="2311300338"/>
+                      </a:ext>
+                    </a:extLst>
+                  </a:tr>
+                  <a:tr h="730517">
+                    <a:tc>
+                      <a:txBody>
+                        <a:bodyPr/>
+                        <a:lstStyle/>
+                        <a:p>
+                          <a:endParaRPr lang="es-MX"/>
+                        </a:p>
+                      </a:txBody>
+                      <a:tcPr marL="68580" marR="68580" marT="0" marB="0">
+                        <a:lnL w="12700" cap="flat" cmpd="sng" algn="ctr">
+                          <a:noFill/>
+                          <a:prstDash val="solid"/>
+                          <a:round/>
+                          <a:headEnd type="none" w="med" len="med"/>
+                          <a:tailEnd type="none" w="med" len="med"/>
+                        </a:lnL>
+                        <a:lnR w="12700" cap="flat" cmpd="sng" algn="ctr">
+                          <a:noFill/>
+                          <a:prstDash val="solid"/>
+                          <a:round/>
+                          <a:headEnd type="none" w="med" len="med"/>
+                          <a:tailEnd type="none" w="med" len="med"/>
+                        </a:lnR>
+                        <a:lnT w="12700" cap="flat" cmpd="sng" algn="ctr">
+                          <a:noFill/>
+                          <a:prstDash val="solid"/>
+                          <a:round/>
+                          <a:headEnd type="none" w="med" len="med"/>
+                          <a:tailEnd type="none" w="med" len="med"/>
+                        </a:lnT>
+                        <a:lnB w="12700" cap="flat" cmpd="sng" algn="ctr">
+                          <a:noFill/>
+                          <a:prstDash val="solid"/>
+                          <a:round/>
+                          <a:headEnd type="none" w="med" len="med"/>
+                          <a:tailEnd type="none" w="med" len="med"/>
+                        </a:lnB>
+                        <a:lnTlToBr w="12700" cmpd="sng">
+                          <a:noFill/>
+                          <a:prstDash val="solid"/>
+                        </a:lnTlToBr>
+                        <a:lnBlToTr w="12700" cmpd="sng">
+                          <a:noFill/>
+                          <a:prstDash val="solid"/>
+                        </a:lnBlToTr>
+                        <a:blipFill>
+                          <a:blip r:embed="rId2"/>
+                          <a:stretch>
+                            <a:fillRect t="-109167" r="-10169" b="-200000"/>
+                          </a:stretch>
+                        </a:blipFill>
+                      </a:tcPr>
+                    </a:tc>
+                    <a:tc>
+                      <a:txBody>
+                        <a:bodyPr/>
+                        <a:lstStyle/>
+                        <a:p>
+                          <a:pPr algn="just"/>
+                          <a:r>
+                            <a:rPr lang="en-US" sz="2000">
+                              <a:effectLst/>
+                              <a:latin typeface="Arial" panose="020B0604020202020204" pitchFamily="34" charset="0"/>
+                              <a:ea typeface="Times New Roman" panose="02020603050405020304" pitchFamily="18" charset="0"/>
+                              <a:cs typeface="Times New Roman" panose="02020603050405020304" pitchFamily="18" charset="0"/>
+                            </a:rPr>
+                            <a:t>(4)</a:t>
+                          </a:r>
+                          <a:endParaRPr lang="es-MX" sz="2000">
+                            <a:effectLst/>
+                            <a:latin typeface="Arial" panose="020B0604020202020204" pitchFamily="34" charset="0"/>
+                            <a:ea typeface="Calibri" panose="020F0502020204030204" pitchFamily="34" charset="0"/>
+                            <a:cs typeface="Times New Roman" panose="02020603050405020304" pitchFamily="18" charset="0"/>
+                          </a:endParaRPr>
+                        </a:p>
+                      </a:txBody>
+                      <a:tcPr marL="68580" marR="68580" marT="0" marB="0">
+                        <a:lnL w="12700" cap="flat" cmpd="sng" algn="ctr">
+                          <a:noFill/>
+                          <a:prstDash val="solid"/>
+                          <a:round/>
+                          <a:headEnd type="none" w="med" len="med"/>
+                          <a:tailEnd type="none" w="med" len="med"/>
+                        </a:lnL>
+                        <a:lnR w="12700" cap="flat" cmpd="sng" algn="ctr">
+                          <a:noFill/>
+                          <a:prstDash val="solid"/>
+                          <a:round/>
+                          <a:headEnd type="none" w="med" len="med"/>
+                          <a:tailEnd type="none" w="med" len="med"/>
+                        </a:lnR>
+                        <a:lnT w="12700" cap="flat" cmpd="sng" algn="ctr">
+                          <a:noFill/>
+                          <a:prstDash val="solid"/>
+                          <a:round/>
+                          <a:headEnd type="none" w="med" len="med"/>
+                          <a:tailEnd type="none" w="med" len="med"/>
+                        </a:lnT>
+                        <a:lnB w="12700" cap="flat" cmpd="sng" algn="ctr">
+                          <a:noFill/>
+                          <a:prstDash val="solid"/>
+                          <a:round/>
+                          <a:headEnd type="none" w="med" len="med"/>
+                          <a:tailEnd type="none" w="med" len="med"/>
+                        </a:lnB>
+                        <a:lnTlToBr w="12700" cmpd="sng">
+                          <a:noFill/>
+                          <a:prstDash val="solid"/>
+                        </a:lnTlToBr>
+                        <a:lnBlToTr w="12700" cmpd="sng">
+                          <a:noFill/>
+                          <a:prstDash val="solid"/>
+                        </a:lnBlToTr>
+                      </a:tcPr>
+                    </a:tc>
+                    <a:extLst>
+                      <a:ext uri="{0D108BD9-81ED-4DB2-BD59-A6C34878D82A}">
+                        <a16:rowId xmlns:a16="http://schemas.microsoft.com/office/drawing/2014/main" val="3084881557"/>
+                      </a:ext>
+                    </a:extLst>
+                  </a:tr>
+                  <a:tr h="730517">
+                    <a:tc>
+                      <a:txBody>
+                        <a:bodyPr/>
+                        <a:lstStyle/>
+                        <a:p>
+                          <a:endParaRPr lang="es-MX"/>
+                        </a:p>
+                      </a:txBody>
+                      <a:tcPr marL="68580" marR="68580" marT="0" marB="0">
+                        <a:lnL w="12700" cap="flat" cmpd="sng" algn="ctr">
+                          <a:noFill/>
+                          <a:prstDash val="solid"/>
+                          <a:round/>
+                          <a:headEnd type="none" w="med" len="med"/>
+                          <a:tailEnd type="none" w="med" len="med"/>
+                        </a:lnL>
+                        <a:lnR w="12700" cap="flat" cmpd="sng" algn="ctr">
+                          <a:noFill/>
+                          <a:prstDash val="solid"/>
+                          <a:round/>
+                          <a:headEnd type="none" w="med" len="med"/>
+                          <a:tailEnd type="none" w="med" len="med"/>
+                        </a:lnR>
+                        <a:lnT w="12700" cap="flat" cmpd="sng" algn="ctr">
+                          <a:noFill/>
+                          <a:prstDash val="solid"/>
+                          <a:round/>
+                          <a:headEnd type="none" w="med" len="med"/>
+                          <a:tailEnd type="none" w="med" len="med"/>
+                        </a:lnT>
+                        <a:lnB w="12700" cap="flat" cmpd="sng" algn="ctr">
+                          <a:noFill/>
+                          <a:prstDash val="solid"/>
+                          <a:round/>
+                          <a:headEnd type="none" w="med" len="med"/>
+                          <a:tailEnd type="none" w="med" len="med"/>
+                        </a:lnB>
+                        <a:lnTlToBr w="12700" cmpd="sng">
+                          <a:noFill/>
+                          <a:prstDash val="solid"/>
+                        </a:lnTlToBr>
+                        <a:lnBlToTr w="12700" cmpd="sng">
+                          <a:noFill/>
+                          <a:prstDash val="solid"/>
+                        </a:lnBlToTr>
+                        <a:blipFill>
+                          <a:blip r:embed="rId2"/>
+                          <a:stretch>
+                            <a:fillRect t="-209167" r="-10169" b="-100000"/>
+                          </a:stretch>
+                        </a:blipFill>
+                      </a:tcPr>
+                    </a:tc>
+                    <a:tc>
+                      <a:txBody>
+                        <a:bodyPr/>
+                        <a:lstStyle/>
+                        <a:p>
+                          <a:pPr algn="just"/>
+                          <a:r>
+                            <a:rPr lang="en-US" sz="2000">
+                              <a:effectLst/>
+                              <a:latin typeface="Arial" panose="020B0604020202020204" pitchFamily="34" charset="0"/>
+                              <a:ea typeface="Times New Roman" panose="02020603050405020304" pitchFamily="18" charset="0"/>
+                              <a:cs typeface="Times New Roman" panose="02020603050405020304" pitchFamily="18" charset="0"/>
+                            </a:rPr>
+                            <a:t>(5)</a:t>
+                          </a:r>
+                          <a:endParaRPr lang="es-MX" sz="2000">
+                            <a:effectLst/>
+                            <a:latin typeface="Arial" panose="020B0604020202020204" pitchFamily="34" charset="0"/>
+                            <a:ea typeface="Calibri" panose="020F0502020204030204" pitchFamily="34" charset="0"/>
+                            <a:cs typeface="Times New Roman" panose="02020603050405020304" pitchFamily="18" charset="0"/>
+                          </a:endParaRPr>
+                        </a:p>
+                      </a:txBody>
+                      <a:tcPr marL="68580" marR="68580" marT="0" marB="0">
+                        <a:lnL w="12700" cap="flat" cmpd="sng" algn="ctr">
+                          <a:noFill/>
+                          <a:prstDash val="solid"/>
+                          <a:round/>
+                          <a:headEnd type="none" w="med" len="med"/>
+                          <a:tailEnd type="none" w="med" len="med"/>
+                        </a:lnL>
+                        <a:lnR w="12700" cap="flat" cmpd="sng" algn="ctr">
+                          <a:noFill/>
+                          <a:prstDash val="solid"/>
+                          <a:round/>
+                          <a:headEnd type="none" w="med" len="med"/>
+                          <a:tailEnd type="none" w="med" len="med"/>
+                        </a:lnR>
+                        <a:lnT w="12700" cap="flat" cmpd="sng" algn="ctr">
+                          <a:noFill/>
+                          <a:prstDash val="solid"/>
+                          <a:round/>
+                          <a:headEnd type="none" w="med" len="med"/>
+                          <a:tailEnd type="none" w="med" len="med"/>
+                        </a:lnT>
+                        <a:lnB w="12700" cap="flat" cmpd="sng" algn="ctr">
+                          <a:noFill/>
+                          <a:prstDash val="solid"/>
+                          <a:round/>
+                          <a:headEnd type="none" w="med" len="med"/>
+                          <a:tailEnd type="none" w="med" len="med"/>
+                        </a:lnB>
+                        <a:lnTlToBr w="12700" cmpd="sng">
+                          <a:noFill/>
+                          <a:prstDash val="solid"/>
+                        </a:lnTlToBr>
+                        <a:lnBlToTr w="12700" cmpd="sng">
+                          <a:noFill/>
+                          <a:prstDash val="solid"/>
+                        </a:lnBlToTr>
+                      </a:tcPr>
+                    </a:tc>
+                    <a:extLst>
+                      <a:ext uri="{0D108BD9-81ED-4DB2-BD59-A6C34878D82A}">
+                        <a16:rowId xmlns:a16="http://schemas.microsoft.com/office/drawing/2014/main" val="4213757338"/>
+                      </a:ext>
+                    </a:extLst>
+                  </a:tr>
+                  <a:tr h="730517">
+                    <a:tc>
+                      <a:txBody>
+                        <a:bodyPr/>
+                        <a:lstStyle/>
+                        <a:p>
+                          <a:endParaRPr lang="es-MX"/>
+                        </a:p>
+                      </a:txBody>
+                      <a:tcPr marL="68580" marR="68580" marT="0" marB="0">
+                        <a:lnL w="12700" cap="flat" cmpd="sng" algn="ctr">
+                          <a:noFill/>
+                          <a:prstDash val="solid"/>
+                          <a:round/>
+                          <a:headEnd type="none" w="med" len="med"/>
+                          <a:tailEnd type="none" w="med" len="med"/>
+                        </a:lnL>
+                        <a:lnR w="12700" cap="flat" cmpd="sng" algn="ctr">
+                          <a:noFill/>
+                          <a:prstDash val="solid"/>
+                          <a:round/>
+                          <a:headEnd type="none" w="med" len="med"/>
+                          <a:tailEnd type="none" w="med" len="med"/>
+                        </a:lnR>
+                        <a:lnT w="12700" cap="flat" cmpd="sng" algn="ctr">
+                          <a:noFill/>
+                          <a:prstDash val="solid"/>
+                          <a:round/>
+                          <a:headEnd type="none" w="med" len="med"/>
+                          <a:tailEnd type="none" w="med" len="med"/>
+                        </a:lnT>
+                        <a:lnB w="12700" cap="flat" cmpd="sng" algn="ctr">
+                          <a:noFill/>
+                          <a:prstDash val="solid"/>
+                          <a:round/>
+                          <a:headEnd type="none" w="med" len="med"/>
+                          <a:tailEnd type="none" w="med" len="med"/>
+                        </a:lnB>
+                        <a:lnTlToBr w="12700" cmpd="sng">
+                          <a:noFill/>
+                          <a:prstDash val="solid"/>
+                        </a:lnTlToBr>
+                        <a:lnBlToTr w="12700" cmpd="sng">
+                          <a:noFill/>
+                          <a:prstDash val="solid"/>
+                        </a:lnBlToTr>
+                        <a:blipFill>
+                          <a:blip r:embed="rId2"/>
+                          <a:stretch>
+                            <a:fillRect t="-309167" r="-10169"/>
+                          </a:stretch>
+                        </a:blipFill>
+                      </a:tcPr>
+                    </a:tc>
+                    <a:tc>
+                      <a:txBody>
+                        <a:bodyPr/>
+                        <a:lstStyle/>
+                        <a:p>
+                          <a:pPr algn="just"/>
+                          <a:r>
+                            <a:rPr lang="en-US" sz="2400" b="1" dirty="0">
+                              <a:effectLst/>
+                              <a:latin typeface="Arial" panose="020B0604020202020204" pitchFamily="34" charset="0"/>
+                              <a:ea typeface="Times New Roman" panose="02020603050405020304" pitchFamily="18" charset="0"/>
+                              <a:cs typeface="Times New Roman" panose="02020603050405020304" pitchFamily="18" charset="0"/>
+                            </a:rPr>
+                            <a:t>(6)</a:t>
+                          </a:r>
+                          <a:endParaRPr lang="es-MX" sz="2400" b="1" dirty="0">
+                            <a:effectLst/>
+                            <a:latin typeface="Arial" panose="020B0604020202020204" pitchFamily="34" charset="0"/>
+                            <a:ea typeface="Calibri" panose="020F0502020204030204" pitchFamily="34" charset="0"/>
+                            <a:cs typeface="Times New Roman" panose="02020603050405020304" pitchFamily="18" charset="0"/>
+                          </a:endParaRPr>
+                        </a:p>
+                      </a:txBody>
+                      <a:tcPr marL="68580" marR="68580" marT="0" marB="0">
+                        <a:lnL w="12700" cap="flat" cmpd="sng" algn="ctr">
+                          <a:noFill/>
+                          <a:prstDash val="solid"/>
+                          <a:round/>
+                          <a:headEnd type="none" w="med" len="med"/>
+                          <a:tailEnd type="none" w="med" len="med"/>
+                        </a:lnL>
+                        <a:lnR w="12700" cap="flat" cmpd="sng" algn="ctr">
+                          <a:noFill/>
+                          <a:prstDash val="solid"/>
+                          <a:round/>
+                          <a:headEnd type="none" w="med" len="med"/>
+                          <a:tailEnd type="none" w="med" len="med"/>
+                        </a:lnR>
+                        <a:lnT w="12700" cap="flat" cmpd="sng" algn="ctr">
+                          <a:noFill/>
+                          <a:prstDash val="solid"/>
+                          <a:round/>
+                          <a:headEnd type="none" w="med" len="med"/>
+                          <a:tailEnd type="none" w="med" len="med"/>
+                        </a:lnT>
+                        <a:lnB w="12700" cap="flat" cmpd="sng" algn="ctr">
+                          <a:noFill/>
+                          <a:prstDash val="solid"/>
+                          <a:round/>
+                          <a:headEnd type="none" w="med" len="med"/>
+                          <a:tailEnd type="none" w="med" len="med"/>
+                        </a:lnB>
+                        <a:lnTlToBr w="12700" cmpd="sng">
+                          <a:noFill/>
+                          <a:prstDash val="solid"/>
+                        </a:lnTlToBr>
+                        <a:lnBlToTr w="12700" cmpd="sng">
+                          <a:noFill/>
+                          <a:prstDash val="solid"/>
+                        </a:lnBlToTr>
+                      </a:tcPr>
+                    </a:tc>
+                    <a:extLst>
+                      <a:ext uri="{0D108BD9-81ED-4DB2-BD59-A6C34878D82A}">
+                        <a16:rowId xmlns:a16="http://schemas.microsoft.com/office/drawing/2014/main" val="2720335172"/>
+                      </a:ext>
+                    </a:extLst>
+                  </a:tr>
+                </a:tbl>
+              </a:graphicData>
+            </a:graphic>
+          </p:graphicFrame>
+        </mc:Fallback>
+      </mc:AlternateContent>
+      <p:pic>
+        <p:nvPicPr>
+          <p:cNvPr id="21" name="Imagen 20">
             <a:extLst>
               <a:ext uri="{FF2B5EF4-FFF2-40B4-BE49-F238E27FC236}">
-                <a16:creationId xmlns:a16="http://schemas.microsoft.com/office/drawing/2014/main" id="{D56D44EB-9B4A-4942-BA2D-21CC24E1630F}"/>
+                <a16:creationId xmlns:a16="http://schemas.microsoft.com/office/drawing/2014/main" id="{BCEF3C89-D85A-4AA8-A83D-6EEA5F9EC044}"/>
               </a:ext>
             </a:extLst>
           </p:cNvPr>
-          <p:cNvGrpSpPr/>
+          <p:cNvPicPr>
+            <a:picLocks noChangeAspect="1"/>
+          </p:cNvPicPr>
           <p:nvPr/>
-        </p:nvGrpSpPr>
-        <p:grpSpPr>
-          <a:xfrm>
-            <a:off x="3417570" y="1138593"/>
-            <a:ext cx="5356860" cy="5682637"/>
-            <a:chOff x="3417570" y="1157643"/>
-            <a:chExt cx="5356860" cy="5682637"/>
-          </a:xfrm>
-        </p:grpSpPr>
-        <p:pic>
-          <p:nvPicPr>
-            <p:cNvPr id="5" name="Picture 4" descr="Graphical user interface, application&#10;&#10;Description automatically generated">
-              <a:extLst>
-                <a:ext uri="{FF2B5EF4-FFF2-40B4-BE49-F238E27FC236}">
-                  <a16:creationId xmlns:a16="http://schemas.microsoft.com/office/drawing/2014/main" id="{199DE427-4248-4E0B-905E-17DCC5355BC3}"/>
-                </a:ext>
-              </a:extLst>
-            </p:cNvPr>
-            <p:cNvPicPr>
-              <a:picLocks noChangeAspect="1"/>
-            </p:cNvPicPr>
-            <p:nvPr/>
-          </p:nvPicPr>
-          <p:blipFill rotWithShape="1">
-            <a:blip r:embed="rId2">
-              <a:extLst>
-                <a:ext uri="{28A0092B-C50C-407E-A947-70E740481C1C}">
-                  <a14:useLocalDpi xmlns:a14="http://schemas.microsoft.com/office/drawing/2010/main" val="0"/>
-                </a:ext>
-              </a:extLst>
-            </a:blip>
-            <a:srcRect t="8119" b="37500"/>
-            <a:stretch/>
-          </p:blipFill>
-          <p:spPr>
-            <a:xfrm>
-              <a:off x="3417570" y="1157643"/>
-              <a:ext cx="5356860" cy="1118832"/>
-            </a:xfrm>
-            <a:prstGeom prst="rect">
-              <a:avLst/>
-            </a:prstGeom>
-          </p:spPr>
-        </p:pic>
-        <p:pic>
-          <p:nvPicPr>
-            <p:cNvPr id="7" name="Picture 6" descr="Text&#10;&#10;Description automatically generated">
-              <a:extLst>
-                <a:ext uri="{FF2B5EF4-FFF2-40B4-BE49-F238E27FC236}">
-                  <a16:creationId xmlns:a16="http://schemas.microsoft.com/office/drawing/2014/main" id="{2CC1C528-A443-4FAB-938F-D72C1CC041BF}"/>
-                </a:ext>
-              </a:extLst>
-            </p:cNvPr>
-            <p:cNvPicPr>
-              <a:picLocks noChangeAspect="1"/>
-            </p:cNvPicPr>
-            <p:nvPr/>
-          </p:nvPicPr>
-          <p:blipFill>
-            <a:blip r:embed="rId3">
-              <a:extLst>
-                <a:ext uri="{28A0092B-C50C-407E-A947-70E740481C1C}">
-                  <a14:useLocalDpi xmlns:a14="http://schemas.microsoft.com/office/drawing/2010/main" val="0"/>
-                </a:ext>
-              </a:extLst>
-            </a:blip>
-            <a:stretch>
-              <a:fillRect/>
-            </a:stretch>
-          </p:blipFill>
-          <p:spPr>
-            <a:xfrm>
-              <a:off x="3417570" y="2276475"/>
-              <a:ext cx="5356860" cy="4563805"/>
-            </a:xfrm>
-            <a:prstGeom prst="rect">
-              <a:avLst/>
-            </a:prstGeom>
-          </p:spPr>
-        </p:pic>
-      </p:grpSp>
-      <p:sp>
-        <p:nvSpPr>
-          <p:cNvPr id="9" name="Rectangle 8">
-            <a:extLst>
-              <a:ext uri="{FF2B5EF4-FFF2-40B4-BE49-F238E27FC236}">
-                <a16:creationId xmlns:a16="http://schemas.microsoft.com/office/drawing/2014/main" id="{F99468AA-2A75-4214-862D-2CA3304F500A}"/>
-              </a:ext>
-            </a:extLst>
-          </p:cNvPr>
-          <p:cNvSpPr/>
-          <p:nvPr/>
-        </p:nvSpPr>
+        </p:nvPicPr>
+        <p:blipFill rotWithShape="1">
+          <a:blip r:embed="rId3"/>
+          <a:srcRect r="15647"/>
+          <a:stretch/>
+        </p:blipFill>
         <p:spPr>
           <a:xfrm>
-            <a:off x="5514975" y="3219450"/>
-            <a:ext cx="1162050" cy="3371850"/>
+            <a:off x="2442698" y="4964198"/>
+            <a:ext cx="7236581" cy="1424246"/>
           </a:xfrm>
           <a:prstGeom prst="rect">
             <a:avLst/>
           </a:prstGeom>
-          <a:noFill/>
-          <a:ln w="28575">
+        </p:spPr>
+      </p:pic>
+    </p:spTree>
+    <p:extLst>
+      <p:ext uri="{BB962C8B-B14F-4D97-AF65-F5344CB8AC3E}">
+        <p14:creationId xmlns:p14="http://schemas.microsoft.com/office/powerpoint/2010/main" val="1271993209"/>
+      </p:ext>
+    </p:extLst>
+  </p:cSld>
+  <p:clrMapOvr>
+    <a:masterClrMapping/>
+  </p:clrMapOvr>
+</p:sld>
+</file>
+
+<file path=ppt/slides/slide9.xml><?xml version="1.0" encoding="utf-8"?>
+<p:sld xmlns:a="http://schemas.openxmlformats.org/drawingml/2006/main" xmlns:r="http://schemas.openxmlformats.org/officeDocument/2006/relationships" xmlns:p="http://schemas.openxmlformats.org/presentationml/2006/main">
+  <p:cSld>
+    <p:spTree>
+      <p:nvGrpSpPr>
+        <p:cNvPr id="1" name=""/>
+        <p:cNvGrpSpPr/>
+        <p:nvPr/>
+      </p:nvGrpSpPr>
+      <p:grpSpPr>
+        <a:xfrm>
+          <a:off x="0" y="0"/>
+          <a:ext cx="0" cy="0"/>
+          <a:chOff x="0" y="0"/>
+          <a:chExt cx="0" cy="0"/>
+        </a:xfrm>
+      </p:grpSpPr>
+      <p:cxnSp>
+        <p:nvCxnSpPr>
+          <p:cNvPr id="2" name="Straight Connector 1">
+            <a:extLst>
+              <a:ext uri="{FF2B5EF4-FFF2-40B4-BE49-F238E27FC236}">
+                <a16:creationId xmlns:a16="http://schemas.microsoft.com/office/drawing/2014/main" id="{6B2A0167-33CF-48BF-A2ED-757ECB5D4774}"/>
+              </a:ext>
+            </a:extLst>
+          </p:cNvPr>
+          <p:cNvCxnSpPr/>
+          <p:nvPr/>
+        </p:nvCxnSpPr>
+        <p:spPr>
+          <a:xfrm>
+            <a:off x="0" y="1047750"/>
+            <a:ext cx="12192000" cy="0"/>
+          </a:xfrm>
+          <a:prstGeom prst="line">
+            <a:avLst/>
+          </a:prstGeom>
+          <a:ln w="76200">
             <a:solidFill>
               <a:srgbClr val="D2C264"/>
             </a:solidFill>
           </a:ln>
         </p:spPr>
         <p:style>
-          <a:lnRef idx="2">
-            <a:schemeClr val="accent1">
-              <a:shade val="50000"/>
-            </a:schemeClr>
+          <a:lnRef idx="1">
+            <a:schemeClr val="accent1"/>
           </a:lnRef>
-          <a:fillRef idx="1">
+          <a:fillRef idx="0">
             <a:schemeClr val="accent1"/>
           </a:fillRef>
           <a:effectRef idx="0">
             <a:schemeClr val="accent1"/>
           </a:effectRef>
           <a:fontRef idx="minor">
-            <a:schemeClr val="lt1"/>
+            <a:schemeClr val="tx1"/>
           </a:fontRef>
         </p:style>
+      </p:cxnSp>
+      <p:sp>
+        <p:nvSpPr>
+          <p:cNvPr id="3" name="TextBox 2">
+            <a:extLst>
+              <a:ext uri="{FF2B5EF4-FFF2-40B4-BE49-F238E27FC236}">
+                <a16:creationId xmlns:a16="http://schemas.microsoft.com/office/drawing/2014/main" id="{B89D4FB9-4FD5-4539-9D75-EEA50F5DB448}"/>
+              </a:ext>
+            </a:extLst>
+          </p:cNvPr>
+          <p:cNvSpPr txBox="1"/>
+          <p:nvPr/>
+        </p:nvSpPr>
+        <p:spPr>
+          <a:xfrm>
+            <a:off x="439692" y="229258"/>
+            <a:ext cx="1301959" cy="584775"/>
+          </a:xfrm>
+          <a:prstGeom prst="rect">
+            <a:avLst/>
+          </a:prstGeom>
+          <a:noFill/>
+        </p:spPr>
         <p:txBody>
-          <a:bodyPr rtlCol="0" anchor="ctr"/>
+          <a:bodyPr wrap="none" rtlCol="0">
+            <a:spAutoFit/>
+          </a:bodyPr>
           <a:lstStyle/>
           <a:p>
-            <a:pPr algn="ctr"/>
-            <a:endParaRPr lang="en-US"/>
+            <a:r>
+              <a:rPr lang="en-US" sz="3200" b="1" dirty="0">
+                <a:latin typeface="Times New Roman" panose="02020603050405020304" pitchFamily="18" charset="0"/>
+                <a:cs typeface="Times New Roman" panose="02020603050405020304" pitchFamily="18" charset="0"/>
+              </a:rPr>
+              <a:t>Model</a:t>
+            </a:r>
           </a:p>
         </p:txBody>
       </p:sp>
+      <mc:AlternateContent xmlns:mc="http://schemas.openxmlformats.org/markup-compatibility/2006">
+        <mc:Choice xmlns:a14="http://schemas.microsoft.com/office/drawing/2010/main" Requires="a14">
+          <p:graphicFrame>
+            <p:nvGraphicFramePr>
+              <p:cNvPr id="19" name="Marcador de contenido 18">
+                <a:extLst>
+                  <a:ext uri="{FF2B5EF4-FFF2-40B4-BE49-F238E27FC236}">
+                    <a16:creationId xmlns:a16="http://schemas.microsoft.com/office/drawing/2014/main" id="{A8292075-DFBC-44D4-9140-69A2366F3B6E}"/>
+                  </a:ext>
+                </a:extLst>
+              </p:cNvPr>
+              <p:cNvGraphicFramePr>
+                <a:graphicFrameLocks noGrp="1"/>
+              </p:cNvGraphicFramePr>
+              <p:nvPr>
+                <p:ph idx="1"/>
+                <p:extLst>
+                  <p:ext uri="{D42A27DB-BD31-4B8C-83A1-F6EECF244321}">
+                    <p14:modId xmlns:p14="http://schemas.microsoft.com/office/powerpoint/2010/main" val="2425452652"/>
+                  </p:ext>
+                </p:extLst>
+              </p:nvPr>
+            </p:nvGraphicFramePr>
+            <p:xfrm>
+              <a:off x="284205" y="1655808"/>
+              <a:ext cx="11553568" cy="730517"/>
+            </p:xfrm>
+            <a:graphic>
+              <a:graphicData uri="http://schemas.openxmlformats.org/drawingml/2006/table">
+                <a:tbl>
+                  <a:tblPr firstRow="1" firstCol="1" bandRow="1"/>
+                  <a:tblGrid>
+                    <a:gridCol w="10489791">
+                      <a:extLst>
+                        <a:ext uri="{9D8B030D-6E8A-4147-A177-3AD203B41FA5}">
+                          <a16:colId xmlns:a16="http://schemas.microsoft.com/office/drawing/2014/main" val="2200701939"/>
+                        </a:ext>
+                      </a:extLst>
+                    </a:gridCol>
+                    <a:gridCol w="1063777">
+                      <a:extLst>
+                        <a:ext uri="{9D8B030D-6E8A-4147-A177-3AD203B41FA5}">
+                          <a16:colId xmlns:a16="http://schemas.microsoft.com/office/drawing/2014/main" val="390178824"/>
+                        </a:ext>
+                      </a:extLst>
+                    </a:gridCol>
+                  </a:tblGrid>
+                  <a:tr h="730517">
+                    <a:tc>
+                      <a:txBody>
+                        <a:bodyPr/>
+                        <a:lstStyle/>
+                        <a:p>
+                          <a:pPr algn="just"/>
+                          <a14:m>
+                            <m:oMathPara xmlns:m="http://schemas.openxmlformats.org/officeDocument/2006/math">
+                              <m:oMathParaPr>
+                                <m:jc m:val="centerGroup"/>
+                              </m:oMathParaPr>
+                              <m:oMath xmlns:m="http://schemas.openxmlformats.org/officeDocument/2006/math">
+                                <m:sSub>
+                                  <m:sSubPr>
+                                    <m:ctrlPr>
+                                      <a:rPr lang="es-MX" sz="2400" b="1" i="1">
+                                        <a:effectLst/>
+                                        <a:latin typeface="Cambria Math" panose="02040503050406030204" pitchFamily="18" charset="0"/>
+                                        <a:ea typeface="Times New Roman" panose="02020603050405020304" pitchFamily="18" charset="0"/>
+                                        <a:cs typeface="Times New Roman" panose="02020603050405020304" pitchFamily="18" charset="0"/>
+                                      </a:rPr>
+                                    </m:ctrlPr>
+                                  </m:sSubPr>
+                                  <m:e>
+                                    <m:r>
+                                      <a:rPr lang="en-US" sz="2400" b="1" i="1" smtClean="0">
+                                        <a:effectLst/>
+                                        <a:latin typeface="Cambria Math" panose="02040503050406030204" pitchFamily="18" charset="0"/>
+                                        <a:ea typeface="Times New Roman" panose="02020603050405020304" pitchFamily="18" charset="0"/>
+                                        <a:cs typeface="Times New Roman" panose="02020603050405020304" pitchFamily="18" charset="0"/>
+                                      </a:rPr>
+                                      <m:t>𝑩</m:t>
+                                    </m:r>
+                                  </m:e>
+                                  <m:sub>
+                                    <m:r>
+                                      <a:rPr lang="en-US" sz="2400" b="1" i="1" smtClean="0">
+                                        <a:effectLst/>
+                                        <a:latin typeface="Cambria Math" panose="02040503050406030204" pitchFamily="18" charset="0"/>
+                                        <a:ea typeface="Times New Roman" panose="02020603050405020304" pitchFamily="18" charset="0"/>
+                                        <a:cs typeface="Times New Roman" panose="02020603050405020304" pitchFamily="18" charset="0"/>
+                                      </a:rPr>
+                                      <m:t>𝒔𝒖𝒄𝒄𝒆𝒔𝒔</m:t>
+                                    </m:r>
+                                  </m:sub>
+                                </m:sSub>
+                                <m:r>
+                                  <a:rPr lang="en-US" sz="2400" b="1" i="1" smtClean="0">
+                                    <a:effectLst/>
+                                    <a:latin typeface="Cambria Math" panose="02040503050406030204" pitchFamily="18" charset="0"/>
+                                    <a:ea typeface="Times New Roman" panose="02020603050405020304" pitchFamily="18" charset="0"/>
+                                    <a:cs typeface="Times New Roman" panose="02020603050405020304" pitchFamily="18" charset="0"/>
+                                  </a:rPr>
+                                  <m:t>=</m:t>
+                                </m:r>
+                                <m:sSub>
+                                  <m:sSubPr>
+                                    <m:ctrlPr>
+                                      <a:rPr lang="es-MX" sz="2400" b="1" i="1">
+                                        <a:effectLst/>
+                                        <a:latin typeface="Cambria Math" panose="02040503050406030204" pitchFamily="18" charset="0"/>
+                                        <a:ea typeface="Times New Roman" panose="02020603050405020304" pitchFamily="18" charset="0"/>
+                                        <a:cs typeface="Times New Roman" panose="02020603050405020304" pitchFamily="18" charset="0"/>
+                                      </a:rPr>
+                                    </m:ctrlPr>
+                                  </m:sSubPr>
+                                  <m:e>
+                                    <m:r>
+                                      <a:rPr lang="en-US" sz="2400" b="1" i="1" smtClean="0">
+                                        <a:effectLst/>
+                                        <a:latin typeface="Cambria Math" panose="02040503050406030204" pitchFamily="18" charset="0"/>
+                                        <a:ea typeface="Times New Roman" panose="02020603050405020304" pitchFamily="18" charset="0"/>
+                                        <a:cs typeface="Times New Roman" panose="02020603050405020304" pitchFamily="18" charset="0"/>
+                                      </a:rPr>
+                                      <m:t>𝜷</m:t>
+                                    </m:r>
+                                  </m:e>
+                                  <m:sub>
+                                    <m:r>
+                                      <a:rPr lang="en-US" sz="2400" b="1" i="1" smtClean="0">
+                                        <a:effectLst/>
+                                        <a:latin typeface="Cambria Math" panose="02040503050406030204" pitchFamily="18" charset="0"/>
+                                        <a:ea typeface="Times New Roman" panose="02020603050405020304" pitchFamily="18" charset="0"/>
+                                        <a:cs typeface="Times New Roman" panose="02020603050405020304" pitchFamily="18" charset="0"/>
+                                      </a:rPr>
+                                      <m:t>𝟎</m:t>
+                                    </m:r>
+                                  </m:sub>
+                                </m:sSub>
+                                <m:r>
+                                  <a:rPr lang="en-US" sz="2400" b="1" i="1" smtClean="0">
+                                    <a:effectLst/>
+                                    <a:latin typeface="Cambria Math" panose="02040503050406030204" pitchFamily="18" charset="0"/>
+                                    <a:ea typeface="Times New Roman" panose="02020603050405020304" pitchFamily="18" charset="0"/>
+                                    <a:cs typeface="Times New Roman" panose="02020603050405020304" pitchFamily="18" charset="0"/>
+                                  </a:rPr>
+                                  <m:t>+</m:t>
+                                </m:r>
+                                <m:sSub>
+                                  <m:sSubPr>
+                                    <m:ctrlPr>
+                                      <a:rPr lang="es-MX" sz="2400" b="1" i="1">
+                                        <a:effectLst/>
+                                        <a:latin typeface="Cambria Math" panose="02040503050406030204" pitchFamily="18" charset="0"/>
+                                        <a:ea typeface="Times New Roman" panose="02020603050405020304" pitchFamily="18" charset="0"/>
+                                        <a:cs typeface="Times New Roman" panose="02020603050405020304" pitchFamily="18" charset="0"/>
+                                      </a:rPr>
+                                    </m:ctrlPr>
+                                  </m:sSubPr>
+                                  <m:e>
+                                    <m:r>
+                                      <a:rPr lang="en-US" sz="2400" b="1" i="1" smtClean="0">
+                                        <a:effectLst/>
+                                        <a:latin typeface="Cambria Math" panose="02040503050406030204" pitchFamily="18" charset="0"/>
+                                        <a:ea typeface="Times New Roman" panose="02020603050405020304" pitchFamily="18" charset="0"/>
+                                        <a:cs typeface="Times New Roman" panose="02020603050405020304" pitchFamily="18" charset="0"/>
+                                      </a:rPr>
+                                      <m:t>𝜷</m:t>
+                                    </m:r>
+                                  </m:e>
+                                  <m:sub>
+                                    <m:r>
+                                      <a:rPr lang="en-US" sz="2400" b="1" i="1" smtClean="0">
+                                        <a:effectLst/>
+                                        <a:latin typeface="Cambria Math" panose="02040503050406030204" pitchFamily="18" charset="0"/>
+                                        <a:ea typeface="Times New Roman" panose="02020603050405020304" pitchFamily="18" charset="0"/>
+                                        <a:cs typeface="Times New Roman" panose="02020603050405020304" pitchFamily="18" charset="0"/>
+                                      </a:rPr>
+                                      <m:t>𝟏</m:t>
+                                    </m:r>
+                                  </m:sub>
+                                </m:sSub>
+                                <m:sSub>
+                                  <m:sSubPr>
+                                    <m:ctrlPr>
+                                      <a:rPr lang="es-MX" sz="2400" b="1" i="1">
+                                        <a:effectLst/>
+                                        <a:latin typeface="Cambria Math" panose="02040503050406030204" pitchFamily="18" charset="0"/>
+                                        <a:ea typeface="Times New Roman" panose="02020603050405020304" pitchFamily="18" charset="0"/>
+                                        <a:cs typeface="Times New Roman" panose="02020603050405020304" pitchFamily="18" charset="0"/>
+                                      </a:rPr>
+                                    </m:ctrlPr>
+                                  </m:sSubPr>
+                                  <m:e>
+                                    <m:r>
+                                      <a:rPr lang="en-US" sz="2400" b="1" i="1" smtClean="0">
+                                        <a:effectLst/>
+                                        <a:latin typeface="Cambria Math" panose="02040503050406030204" pitchFamily="18" charset="0"/>
+                                        <a:ea typeface="Times New Roman" panose="02020603050405020304" pitchFamily="18" charset="0"/>
+                                        <a:cs typeface="Times New Roman" panose="02020603050405020304" pitchFamily="18" charset="0"/>
+                                      </a:rPr>
+                                      <m:t>𝒙</m:t>
+                                    </m:r>
+                                  </m:e>
+                                  <m:sub>
+                                    <m:r>
+                                      <a:rPr lang="en-US" sz="2400" b="1" i="1" smtClean="0">
+                                        <a:effectLst/>
+                                        <a:latin typeface="Cambria Math" panose="02040503050406030204" pitchFamily="18" charset="0"/>
+                                        <a:ea typeface="Times New Roman" panose="02020603050405020304" pitchFamily="18" charset="0"/>
+                                        <a:cs typeface="Times New Roman" panose="02020603050405020304" pitchFamily="18" charset="0"/>
+                                      </a:rPr>
+                                      <m:t>𝒔𝒕𝒂𝒓𝒕</m:t>
+                                    </m:r>
+                                  </m:sub>
+                                </m:sSub>
+                                <m:r>
+                                  <a:rPr lang="en-US" sz="2400" b="1" i="1" smtClean="0">
+                                    <a:effectLst/>
+                                    <a:latin typeface="Cambria Math" panose="02040503050406030204" pitchFamily="18" charset="0"/>
+                                    <a:ea typeface="Times New Roman" panose="02020603050405020304" pitchFamily="18" charset="0"/>
+                                    <a:cs typeface="Times New Roman" panose="02020603050405020304" pitchFamily="18" charset="0"/>
+                                  </a:rPr>
+                                  <m:t>+</m:t>
+                                </m:r>
+                                <m:sSub>
+                                  <m:sSubPr>
+                                    <m:ctrlPr>
+                                      <a:rPr lang="es-MX" sz="2400" b="1" i="1">
+                                        <a:effectLst/>
+                                        <a:latin typeface="Cambria Math" panose="02040503050406030204" pitchFamily="18" charset="0"/>
+                                        <a:ea typeface="Times New Roman" panose="02020603050405020304" pitchFamily="18" charset="0"/>
+                                        <a:cs typeface="Times New Roman" panose="02020603050405020304" pitchFamily="18" charset="0"/>
+                                      </a:rPr>
+                                    </m:ctrlPr>
+                                  </m:sSubPr>
+                                  <m:e>
+                                    <m:r>
+                                      <a:rPr lang="en-US" sz="2400" b="1" i="1" smtClean="0">
+                                        <a:effectLst/>
+                                        <a:latin typeface="Cambria Math" panose="02040503050406030204" pitchFamily="18" charset="0"/>
+                                        <a:ea typeface="Times New Roman" panose="02020603050405020304" pitchFamily="18" charset="0"/>
+                                        <a:cs typeface="Times New Roman" panose="02020603050405020304" pitchFamily="18" charset="0"/>
+                                      </a:rPr>
+                                      <m:t>𝜷</m:t>
+                                    </m:r>
+                                  </m:e>
+                                  <m:sub>
+                                    <m:r>
+                                      <a:rPr lang="en-US" sz="2400" b="1" i="1" smtClean="0">
+                                        <a:effectLst/>
+                                        <a:latin typeface="Cambria Math" panose="02040503050406030204" pitchFamily="18" charset="0"/>
+                                        <a:ea typeface="Times New Roman" panose="02020603050405020304" pitchFamily="18" charset="0"/>
+                                        <a:cs typeface="Times New Roman" panose="02020603050405020304" pitchFamily="18" charset="0"/>
+                                      </a:rPr>
+                                      <m:t>𝟐</m:t>
+                                    </m:r>
+                                  </m:sub>
+                                </m:sSub>
+                                <m:sSub>
+                                  <m:sSubPr>
+                                    <m:ctrlPr>
+                                      <a:rPr lang="es-MX" sz="2400" b="1" i="1">
+                                        <a:effectLst/>
+                                        <a:latin typeface="Cambria Math" panose="02040503050406030204" pitchFamily="18" charset="0"/>
+                                        <a:ea typeface="Times New Roman" panose="02020603050405020304" pitchFamily="18" charset="0"/>
+                                        <a:cs typeface="Times New Roman" panose="02020603050405020304" pitchFamily="18" charset="0"/>
+                                      </a:rPr>
+                                    </m:ctrlPr>
+                                  </m:sSubPr>
+                                  <m:e>
+                                    <m:r>
+                                      <a:rPr lang="en-US" sz="2400" b="1" i="1" smtClean="0">
+                                        <a:effectLst/>
+                                        <a:latin typeface="Cambria Math" panose="02040503050406030204" pitchFamily="18" charset="0"/>
+                                        <a:ea typeface="Times New Roman" panose="02020603050405020304" pitchFamily="18" charset="0"/>
+                                        <a:cs typeface="Times New Roman" panose="02020603050405020304" pitchFamily="18" charset="0"/>
+                                      </a:rPr>
+                                      <m:t>𝒚</m:t>
+                                    </m:r>
+                                  </m:e>
+                                  <m:sub>
+                                    <m:r>
+                                      <a:rPr lang="en-US" sz="2400" b="1" i="1" smtClean="0">
+                                        <a:effectLst/>
+                                        <a:latin typeface="Cambria Math" panose="02040503050406030204" pitchFamily="18" charset="0"/>
+                                        <a:ea typeface="Times New Roman" panose="02020603050405020304" pitchFamily="18" charset="0"/>
+                                        <a:cs typeface="Times New Roman" panose="02020603050405020304" pitchFamily="18" charset="0"/>
+                                      </a:rPr>
+                                      <m:t>𝒔𝒕𝒂𝒓𝒕</m:t>
+                                    </m:r>
+                                  </m:sub>
+                                </m:sSub>
+                                <m:r>
+                                  <a:rPr lang="en-US" sz="2400" b="1" i="1" smtClean="0">
+                                    <a:effectLst/>
+                                    <a:latin typeface="Cambria Math" panose="02040503050406030204" pitchFamily="18" charset="0"/>
+                                    <a:ea typeface="Times New Roman" panose="02020603050405020304" pitchFamily="18" charset="0"/>
+                                    <a:cs typeface="Times New Roman" panose="02020603050405020304" pitchFamily="18" charset="0"/>
+                                  </a:rPr>
+                                  <m:t> +</m:t>
+                                </m:r>
+                                <m:sSub>
+                                  <m:sSubPr>
+                                    <m:ctrlPr>
+                                      <a:rPr lang="es-MX" sz="2400" b="1" i="1">
+                                        <a:effectLst/>
+                                        <a:latin typeface="Cambria Math" panose="02040503050406030204" pitchFamily="18" charset="0"/>
+                                        <a:ea typeface="Times New Roman" panose="02020603050405020304" pitchFamily="18" charset="0"/>
+                                        <a:cs typeface="Times New Roman" panose="02020603050405020304" pitchFamily="18" charset="0"/>
+                                      </a:rPr>
+                                    </m:ctrlPr>
+                                  </m:sSubPr>
+                                  <m:e>
+                                    <m:r>
+                                      <a:rPr lang="en-US" sz="2400" b="1" i="1" smtClean="0">
+                                        <a:effectLst/>
+                                        <a:latin typeface="Cambria Math" panose="02040503050406030204" pitchFamily="18" charset="0"/>
+                                        <a:ea typeface="Times New Roman" panose="02020603050405020304" pitchFamily="18" charset="0"/>
+                                        <a:cs typeface="Times New Roman" panose="02020603050405020304" pitchFamily="18" charset="0"/>
+                                      </a:rPr>
+                                      <m:t>𝜷</m:t>
+                                    </m:r>
+                                  </m:e>
+                                  <m:sub>
+                                    <m:r>
+                                      <a:rPr lang="en-US" sz="2400" b="1" i="1" smtClean="0">
+                                        <a:effectLst/>
+                                        <a:latin typeface="Cambria Math" panose="02040503050406030204" pitchFamily="18" charset="0"/>
+                                        <a:ea typeface="Times New Roman" panose="02020603050405020304" pitchFamily="18" charset="0"/>
+                                        <a:cs typeface="Times New Roman" panose="02020603050405020304" pitchFamily="18" charset="0"/>
+                                      </a:rPr>
+                                      <m:t>𝟑</m:t>
+                                    </m:r>
+                                  </m:sub>
+                                </m:sSub>
+                                <m:d>
+                                  <m:dPr>
+                                    <m:ctrlPr>
+                                      <a:rPr lang="es-MX" sz="2400" b="1" i="1">
+                                        <a:effectLst/>
+                                        <a:latin typeface="Cambria Math" panose="02040503050406030204" pitchFamily="18" charset="0"/>
+                                        <a:ea typeface="Times New Roman" panose="02020603050405020304" pitchFamily="18" charset="0"/>
+                                        <a:cs typeface="Times New Roman" panose="02020603050405020304" pitchFamily="18" charset="0"/>
+                                      </a:rPr>
+                                    </m:ctrlPr>
+                                  </m:dPr>
+                                  <m:e>
+                                    <m:sSub>
+                                      <m:sSubPr>
+                                        <m:ctrlPr>
+                                          <a:rPr lang="es-MX" sz="2400" b="1" i="1">
+                                            <a:effectLst/>
+                                            <a:latin typeface="Cambria Math" panose="02040503050406030204" pitchFamily="18" charset="0"/>
+                                            <a:ea typeface="Times New Roman" panose="02020603050405020304" pitchFamily="18" charset="0"/>
+                                            <a:cs typeface="Times New Roman" panose="02020603050405020304" pitchFamily="18" charset="0"/>
+                                          </a:rPr>
+                                        </m:ctrlPr>
+                                      </m:sSubPr>
+                                      <m:e>
+                                        <m:r>
+                                          <a:rPr lang="en-US" sz="2400" b="1" i="1" smtClean="0">
+                                            <a:effectLst/>
+                                            <a:latin typeface="Cambria Math" panose="02040503050406030204" pitchFamily="18" charset="0"/>
+                                            <a:ea typeface="Times New Roman" panose="02020603050405020304" pitchFamily="18" charset="0"/>
+                                            <a:cs typeface="Times New Roman" panose="02020603050405020304" pitchFamily="18" charset="0"/>
+                                          </a:rPr>
+                                          <m:t>𝒙</m:t>
+                                        </m:r>
+                                      </m:e>
+                                      <m:sub>
+                                        <m:r>
+                                          <a:rPr lang="en-US" sz="2400" b="1" i="1" smtClean="0">
+                                            <a:effectLst/>
+                                            <a:latin typeface="Cambria Math" panose="02040503050406030204" pitchFamily="18" charset="0"/>
+                                            <a:ea typeface="Times New Roman" panose="02020603050405020304" pitchFamily="18" charset="0"/>
+                                            <a:cs typeface="Times New Roman" panose="02020603050405020304" pitchFamily="18" charset="0"/>
+                                          </a:rPr>
+                                          <m:t>𝒔𝒕𝒂𝒓𝒕</m:t>
+                                        </m:r>
+                                      </m:sub>
+                                    </m:sSub>
+                                    <m:r>
+                                      <a:rPr lang="en-US" sz="2400" b="1" i="1" smtClean="0">
+                                        <a:effectLst/>
+                                        <a:latin typeface="Cambria Math" panose="02040503050406030204" pitchFamily="18" charset="0"/>
+                                        <a:ea typeface="Times New Roman" panose="02020603050405020304" pitchFamily="18" charset="0"/>
+                                        <a:cs typeface="Times New Roman" panose="02020603050405020304" pitchFamily="18" charset="0"/>
+                                      </a:rPr>
+                                      <m:t>:</m:t>
+                                    </m:r>
+                                    <m:sSub>
+                                      <m:sSubPr>
+                                        <m:ctrlPr>
+                                          <a:rPr lang="es-MX" sz="2400" b="1" i="1">
+                                            <a:effectLst/>
+                                            <a:latin typeface="Cambria Math" panose="02040503050406030204" pitchFamily="18" charset="0"/>
+                                            <a:ea typeface="Times New Roman" panose="02020603050405020304" pitchFamily="18" charset="0"/>
+                                            <a:cs typeface="Times New Roman" panose="02020603050405020304" pitchFamily="18" charset="0"/>
+                                          </a:rPr>
+                                        </m:ctrlPr>
+                                      </m:sSubPr>
+                                      <m:e>
+                                        <m:r>
+                                          <a:rPr lang="en-US" sz="2400" b="1" i="1" smtClean="0">
+                                            <a:effectLst/>
+                                            <a:latin typeface="Cambria Math" panose="02040503050406030204" pitchFamily="18" charset="0"/>
+                                            <a:ea typeface="Times New Roman" panose="02020603050405020304" pitchFamily="18" charset="0"/>
+                                            <a:cs typeface="Times New Roman" panose="02020603050405020304" pitchFamily="18" charset="0"/>
+                                          </a:rPr>
+                                          <m:t>𝒚</m:t>
+                                        </m:r>
+                                      </m:e>
+                                      <m:sub>
+                                        <m:r>
+                                          <a:rPr lang="en-US" sz="2400" b="1" i="1" smtClean="0">
+                                            <a:effectLst/>
+                                            <a:latin typeface="Cambria Math" panose="02040503050406030204" pitchFamily="18" charset="0"/>
+                                            <a:ea typeface="Times New Roman" panose="02020603050405020304" pitchFamily="18" charset="0"/>
+                                            <a:cs typeface="Times New Roman" panose="02020603050405020304" pitchFamily="18" charset="0"/>
+                                          </a:rPr>
+                                          <m:t>𝒔𝒕𝒂𝒓𝒕</m:t>
+                                        </m:r>
+                                      </m:sub>
+                                    </m:sSub>
+                                  </m:e>
+                                </m:d>
+                                <m:r>
+                                  <a:rPr lang="en-US" sz="2400" b="1" i="1" smtClean="0">
+                                    <a:effectLst/>
+                                    <a:latin typeface="Cambria Math" panose="02040503050406030204" pitchFamily="18" charset="0"/>
+                                    <a:ea typeface="Times New Roman" panose="02020603050405020304" pitchFamily="18" charset="0"/>
+                                    <a:cs typeface="Times New Roman" panose="02020603050405020304" pitchFamily="18" charset="0"/>
+                                  </a:rPr>
+                                  <m:t>+</m:t>
+                                </m:r>
+                                <m:sSub>
+                                  <m:sSubPr>
+                                    <m:ctrlPr>
+                                      <a:rPr lang="es-MX" sz="2400" b="1" i="1">
+                                        <a:effectLst/>
+                                        <a:latin typeface="Cambria Math" panose="02040503050406030204" pitchFamily="18" charset="0"/>
+                                        <a:ea typeface="Times New Roman" panose="02020603050405020304" pitchFamily="18" charset="0"/>
+                                        <a:cs typeface="Times New Roman" panose="02020603050405020304" pitchFamily="18" charset="0"/>
+                                      </a:rPr>
+                                    </m:ctrlPr>
+                                  </m:sSubPr>
+                                  <m:e>
+                                    <m:r>
+                                      <a:rPr lang="en-US" sz="2400" b="1" i="1" smtClean="0">
+                                        <a:effectLst/>
+                                        <a:latin typeface="Cambria Math" panose="02040503050406030204" pitchFamily="18" charset="0"/>
+                                        <a:ea typeface="Times New Roman" panose="02020603050405020304" pitchFamily="18" charset="0"/>
+                                        <a:cs typeface="Times New Roman" panose="02020603050405020304" pitchFamily="18" charset="0"/>
+                                      </a:rPr>
+                                      <m:t>𝜷</m:t>
+                                    </m:r>
+                                  </m:e>
+                                  <m:sub>
+                                    <m:r>
+                                      <a:rPr lang="en-US" sz="2400" b="1" i="1" smtClean="0">
+                                        <a:effectLst/>
+                                        <a:latin typeface="Cambria Math" panose="02040503050406030204" pitchFamily="18" charset="0"/>
+                                        <a:ea typeface="Times New Roman" panose="02020603050405020304" pitchFamily="18" charset="0"/>
+                                        <a:cs typeface="Times New Roman" panose="02020603050405020304" pitchFamily="18" charset="0"/>
+                                      </a:rPr>
+                                      <m:t>𝟒</m:t>
+                                    </m:r>
+                                  </m:sub>
+                                </m:sSub>
+                                <m:r>
+                                  <a:rPr lang="en-US" sz="2400" b="1" i="1" smtClean="0">
+                                    <a:effectLst/>
+                                    <a:latin typeface="Cambria Math" panose="02040503050406030204" pitchFamily="18" charset="0"/>
+                                    <a:ea typeface="Times New Roman" panose="02020603050405020304" pitchFamily="18" charset="0"/>
+                                    <a:cs typeface="Times New Roman" panose="02020603050405020304" pitchFamily="18" charset="0"/>
+                                  </a:rPr>
+                                  <m:t>𝑫𝒊𝒔𝒕𝒂𝒏𝒄𝒆</m:t>
+                                </m:r>
+                                <m:r>
+                                  <a:rPr lang="en-US" sz="2400" b="1" i="1" smtClean="0">
+                                    <a:effectLst/>
+                                    <a:latin typeface="Cambria Math" panose="02040503050406030204" pitchFamily="18" charset="0"/>
+                                    <a:ea typeface="Times New Roman" panose="02020603050405020304" pitchFamily="18" charset="0"/>
+                                    <a:cs typeface="Times New Roman" panose="02020603050405020304" pitchFamily="18" charset="0"/>
+                                  </a:rPr>
+                                  <m:t>+</m:t>
+                                </m:r>
+                                <m:r>
+                                  <a:rPr lang="en-US" sz="2400" b="1" i="1" smtClean="0">
+                                    <a:effectLst/>
+                                    <a:latin typeface="Cambria Math" panose="02040503050406030204" pitchFamily="18" charset="0"/>
+                                    <a:ea typeface="Times New Roman" panose="02020603050405020304" pitchFamily="18" charset="0"/>
+                                    <a:cs typeface="Times New Roman" panose="02020603050405020304" pitchFamily="18" charset="0"/>
+                                  </a:rPr>
+                                  <m:t>𝜺</m:t>
+                                </m:r>
+                              </m:oMath>
+                            </m:oMathPara>
+                          </a14:m>
+                          <a:endParaRPr lang="es-MX" sz="2400" b="1" dirty="0">
+                            <a:effectLst/>
+                            <a:latin typeface="Arial" panose="020B0604020202020204" pitchFamily="34" charset="0"/>
+                            <a:ea typeface="Calibri" panose="020F0502020204030204" pitchFamily="34" charset="0"/>
+                            <a:cs typeface="Times New Roman" panose="02020603050405020304" pitchFamily="18" charset="0"/>
+                          </a:endParaRPr>
+                        </a:p>
+                      </a:txBody>
+                      <a:tcPr marL="68580" marR="68580" marT="0" marB="0">
+                        <a:lnL w="12700" cap="flat" cmpd="sng" algn="ctr">
+                          <a:noFill/>
+                          <a:prstDash val="solid"/>
+                          <a:round/>
+                          <a:headEnd type="none" w="med" len="med"/>
+                          <a:tailEnd type="none" w="med" len="med"/>
+                        </a:lnL>
+                        <a:lnR w="12700" cap="flat" cmpd="sng" algn="ctr">
+                          <a:noFill/>
+                          <a:prstDash val="solid"/>
+                          <a:round/>
+                          <a:headEnd type="none" w="med" len="med"/>
+                          <a:tailEnd type="none" w="med" len="med"/>
+                        </a:lnR>
+                        <a:lnT w="12700" cap="flat" cmpd="sng" algn="ctr">
+                          <a:noFill/>
+                          <a:prstDash val="solid"/>
+                          <a:round/>
+                          <a:headEnd type="none" w="med" len="med"/>
+                          <a:tailEnd type="none" w="med" len="med"/>
+                        </a:lnT>
+                        <a:lnB w="12700" cap="flat" cmpd="sng" algn="ctr">
+                          <a:noFill/>
+                          <a:prstDash val="solid"/>
+                          <a:round/>
+                          <a:headEnd type="none" w="med" len="med"/>
+                          <a:tailEnd type="none" w="med" len="med"/>
+                        </a:lnB>
+                        <a:lnTlToBr w="12700" cmpd="sng">
+                          <a:noFill/>
+                          <a:prstDash val="solid"/>
+                        </a:lnTlToBr>
+                        <a:lnBlToTr w="12700" cmpd="sng">
+                          <a:noFill/>
+                          <a:prstDash val="solid"/>
+                        </a:lnBlToTr>
+                      </a:tcPr>
+                    </a:tc>
+                    <a:tc>
+                      <a:txBody>
+                        <a:bodyPr/>
+                        <a:lstStyle/>
+                        <a:p>
+                          <a:pPr algn="just"/>
+                          <a:r>
+                            <a:rPr lang="en-US" sz="2400" b="1" dirty="0">
+                              <a:effectLst/>
+                              <a:latin typeface="Arial" panose="020B0604020202020204" pitchFamily="34" charset="0"/>
+                              <a:ea typeface="Times New Roman" panose="02020603050405020304" pitchFamily="18" charset="0"/>
+                              <a:cs typeface="Times New Roman" panose="02020603050405020304" pitchFamily="18" charset="0"/>
+                            </a:rPr>
+                            <a:t>(6b)</a:t>
+                          </a:r>
+                          <a:endParaRPr lang="es-MX" sz="2400" b="1" dirty="0">
+                            <a:effectLst/>
+                            <a:latin typeface="Arial" panose="020B0604020202020204" pitchFamily="34" charset="0"/>
+                            <a:ea typeface="Calibri" panose="020F0502020204030204" pitchFamily="34" charset="0"/>
+                            <a:cs typeface="Times New Roman" panose="02020603050405020304" pitchFamily="18" charset="0"/>
+                          </a:endParaRPr>
+                        </a:p>
+                      </a:txBody>
+                      <a:tcPr marL="68580" marR="68580" marT="0" marB="0">
+                        <a:lnL w="12700" cap="flat" cmpd="sng" algn="ctr">
+                          <a:noFill/>
+                          <a:prstDash val="solid"/>
+                          <a:round/>
+                          <a:headEnd type="none" w="med" len="med"/>
+                          <a:tailEnd type="none" w="med" len="med"/>
+                        </a:lnL>
+                        <a:lnR w="12700" cap="flat" cmpd="sng" algn="ctr">
+                          <a:noFill/>
+                          <a:prstDash val="solid"/>
+                          <a:round/>
+                          <a:headEnd type="none" w="med" len="med"/>
+                          <a:tailEnd type="none" w="med" len="med"/>
+                        </a:lnR>
+                        <a:lnT w="12700" cap="flat" cmpd="sng" algn="ctr">
+                          <a:noFill/>
+                          <a:prstDash val="solid"/>
+                          <a:round/>
+                          <a:headEnd type="none" w="med" len="med"/>
+                          <a:tailEnd type="none" w="med" len="med"/>
+                        </a:lnT>
+                        <a:lnB w="12700" cap="flat" cmpd="sng" algn="ctr">
+                          <a:noFill/>
+                          <a:prstDash val="solid"/>
+                          <a:round/>
+                          <a:headEnd type="none" w="med" len="med"/>
+                          <a:tailEnd type="none" w="med" len="med"/>
+                        </a:lnB>
+                        <a:lnTlToBr w="12700" cmpd="sng">
+                          <a:noFill/>
+                          <a:prstDash val="solid"/>
+                        </a:lnTlToBr>
+                        <a:lnBlToTr w="12700" cmpd="sng">
+                          <a:noFill/>
+                          <a:prstDash val="solid"/>
+                        </a:lnBlToTr>
+                      </a:tcPr>
+                    </a:tc>
+                    <a:extLst>
+                      <a:ext uri="{0D108BD9-81ED-4DB2-BD59-A6C34878D82A}">
+                        <a16:rowId xmlns:a16="http://schemas.microsoft.com/office/drawing/2014/main" val="2720335172"/>
+                      </a:ext>
+                    </a:extLst>
+                  </a:tr>
+                </a:tbl>
+              </a:graphicData>
+            </a:graphic>
+          </p:graphicFrame>
+        </mc:Choice>
+        <mc:Fallback>
+          <p:graphicFrame>
+            <p:nvGraphicFramePr>
+              <p:cNvPr id="19" name="Marcador de contenido 18">
+                <a:extLst>
+                  <a:ext uri="{FF2B5EF4-FFF2-40B4-BE49-F238E27FC236}">
+                    <a16:creationId xmlns:a16="http://schemas.microsoft.com/office/drawing/2014/main" id="{A8292075-DFBC-44D4-9140-69A2366F3B6E}"/>
+                  </a:ext>
+                </a:extLst>
+              </p:cNvPr>
+              <p:cNvGraphicFramePr>
+                <a:graphicFrameLocks noGrp="1"/>
+              </p:cNvGraphicFramePr>
+              <p:nvPr>
+                <p:ph idx="1"/>
+                <p:extLst>
+                  <p:ext uri="{D42A27DB-BD31-4B8C-83A1-F6EECF244321}">
+                    <p14:modId xmlns:p14="http://schemas.microsoft.com/office/powerpoint/2010/main" val="2425452652"/>
+                  </p:ext>
+                </p:extLst>
+              </p:nvPr>
+            </p:nvGraphicFramePr>
+            <p:xfrm>
+              <a:off x="284205" y="1655808"/>
+              <a:ext cx="11553568" cy="730517"/>
+            </p:xfrm>
+            <a:graphic>
+              <a:graphicData uri="http://schemas.openxmlformats.org/drawingml/2006/table">
+                <a:tbl>
+                  <a:tblPr firstRow="1" firstCol="1" bandRow="1"/>
+                  <a:tblGrid>
+                    <a:gridCol w="10489791">
+                      <a:extLst>
+                        <a:ext uri="{9D8B030D-6E8A-4147-A177-3AD203B41FA5}">
+                          <a16:colId xmlns:a16="http://schemas.microsoft.com/office/drawing/2014/main" val="2200701939"/>
+                        </a:ext>
+                      </a:extLst>
+                    </a:gridCol>
+                    <a:gridCol w="1063777">
+                      <a:extLst>
+                        <a:ext uri="{9D8B030D-6E8A-4147-A177-3AD203B41FA5}">
+                          <a16:colId xmlns:a16="http://schemas.microsoft.com/office/drawing/2014/main" val="390178824"/>
+                        </a:ext>
+                      </a:extLst>
+                    </a:gridCol>
+                  </a:tblGrid>
+                  <a:tr h="730517">
+                    <a:tc>
+                      <a:txBody>
+                        <a:bodyPr/>
+                        <a:lstStyle/>
+                        <a:p>
+                          <a:endParaRPr lang="es-MX"/>
+                        </a:p>
+                      </a:txBody>
+                      <a:tcPr marL="68580" marR="68580" marT="0" marB="0">
+                        <a:lnL w="12700" cap="flat" cmpd="sng" algn="ctr">
+                          <a:noFill/>
+                          <a:prstDash val="solid"/>
+                          <a:round/>
+                          <a:headEnd type="none" w="med" len="med"/>
+                          <a:tailEnd type="none" w="med" len="med"/>
+                        </a:lnL>
+                        <a:lnR w="12700" cap="flat" cmpd="sng" algn="ctr">
+                          <a:noFill/>
+                          <a:prstDash val="solid"/>
+                          <a:round/>
+                          <a:headEnd type="none" w="med" len="med"/>
+                          <a:tailEnd type="none" w="med" len="med"/>
+                        </a:lnR>
+                        <a:lnT w="12700" cap="flat" cmpd="sng" algn="ctr">
+                          <a:noFill/>
+                          <a:prstDash val="solid"/>
+                          <a:round/>
+                          <a:headEnd type="none" w="med" len="med"/>
+                          <a:tailEnd type="none" w="med" len="med"/>
+                        </a:lnT>
+                        <a:lnB w="12700" cap="flat" cmpd="sng" algn="ctr">
+                          <a:noFill/>
+                          <a:prstDash val="solid"/>
+                          <a:round/>
+                          <a:headEnd type="none" w="med" len="med"/>
+                          <a:tailEnd type="none" w="med" len="med"/>
+                        </a:lnB>
+                        <a:lnTlToBr w="12700" cmpd="sng">
+                          <a:noFill/>
+                          <a:prstDash val="solid"/>
+                        </a:lnTlToBr>
+                        <a:lnBlToTr w="12700" cmpd="sng">
+                          <a:noFill/>
+                          <a:prstDash val="solid"/>
+                        </a:lnBlToTr>
+                        <a:blipFill>
+                          <a:blip r:embed="rId2"/>
+                          <a:stretch>
+                            <a:fillRect t="-11570" r="-10169"/>
+                          </a:stretch>
+                        </a:blipFill>
+                      </a:tcPr>
+                    </a:tc>
+                    <a:tc>
+                      <a:txBody>
+                        <a:bodyPr/>
+                        <a:lstStyle/>
+                        <a:p>
+                          <a:pPr algn="just"/>
+                          <a:r>
+                            <a:rPr lang="en-US" sz="2400" b="1" dirty="0">
+                              <a:effectLst/>
+                              <a:latin typeface="Arial" panose="020B0604020202020204" pitchFamily="34" charset="0"/>
+                              <a:ea typeface="Times New Roman" panose="02020603050405020304" pitchFamily="18" charset="0"/>
+                              <a:cs typeface="Times New Roman" panose="02020603050405020304" pitchFamily="18" charset="0"/>
+                            </a:rPr>
+                            <a:t>(6b)</a:t>
+                          </a:r>
+                          <a:endParaRPr lang="es-MX" sz="2400" b="1" dirty="0">
+                            <a:effectLst/>
+                            <a:latin typeface="Arial" panose="020B0604020202020204" pitchFamily="34" charset="0"/>
+                            <a:ea typeface="Calibri" panose="020F0502020204030204" pitchFamily="34" charset="0"/>
+                            <a:cs typeface="Times New Roman" panose="02020603050405020304" pitchFamily="18" charset="0"/>
+                          </a:endParaRPr>
+                        </a:p>
+                      </a:txBody>
+                      <a:tcPr marL="68580" marR="68580" marT="0" marB="0">
+                        <a:lnL w="12700" cap="flat" cmpd="sng" algn="ctr">
+                          <a:noFill/>
+                          <a:prstDash val="solid"/>
+                          <a:round/>
+                          <a:headEnd type="none" w="med" len="med"/>
+                          <a:tailEnd type="none" w="med" len="med"/>
+                        </a:lnL>
+                        <a:lnR w="12700" cap="flat" cmpd="sng" algn="ctr">
+                          <a:noFill/>
+                          <a:prstDash val="solid"/>
+                          <a:round/>
+                          <a:headEnd type="none" w="med" len="med"/>
+                          <a:tailEnd type="none" w="med" len="med"/>
+                        </a:lnR>
+                        <a:lnT w="12700" cap="flat" cmpd="sng" algn="ctr">
+                          <a:noFill/>
+                          <a:prstDash val="solid"/>
+                          <a:round/>
+                          <a:headEnd type="none" w="med" len="med"/>
+                          <a:tailEnd type="none" w="med" len="med"/>
+                        </a:lnT>
+                        <a:lnB w="12700" cap="flat" cmpd="sng" algn="ctr">
+                          <a:noFill/>
+                          <a:prstDash val="solid"/>
+                          <a:round/>
+                          <a:headEnd type="none" w="med" len="med"/>
+                          <a:tailEnd type="none" w="med" len="med"/>
+                        </a:lnB>
+                        <a:lnTlToBr w="12700" cmpd="sng">
+                          <a:noFill/>
+                          <a:prstDash val="solid"/>
+                        </a:lnTlToBr>
+                        <a:lnBlToTr w="12700" cmpd="sng">
+                          <a:noFill/>
+                          <a:prstDash val="solid"/>
+                        </a:lnBlToTr>
+                      </a:tcPr>
+                    </a:tc>
+                    <a:extLst>
+                      <a:ext uri="{0D108BD9-81ED-4DB2-BD59-A6C34878D82A}">
+                        <a16:rowId xmlns:a16="http://schemas.microsoft.com/office/drawing/2014/main" val="2720335172"/>
+                      </a:ext>
+                    </a:extLst>
+                  </a:tr>
+                </a:tbl>
+              </a:graphicData>
+            </a:graphic>
+          </p:graphicFrame>
+        </mc:Fallback>
+      </mc:AlternateContent>
+      <p:pic>
+        <p:nvPicPr>
+          <p:cNvPr id="7" name="Imagen 6">
+            <a:extLst>
+              <a:ext uri="{FF2B5EF4-FFF2-40B4-BE49-F238E27FC236}">
+                <a16:creationId xmlns:a16="http://schemas.microsoft.com/office/drawing/2014/main" id="{AA2FCA76-3D4F-4431-8C78-1B3FDAE197C2}"/>
+              </a:ext>
+            </a:extLst>
+          </p:cNvPr>
+          <p:cNvPicPr>
+            <a:picLocks noChangeAspect="1"/>
+          </p:cNvPicPr>
+          <p:nvPr/>
+        </p:nvPicPr>
+        <p:blipFill>
+          <a:blip r:embed="rId3"/>
+          <a:stretch>
+            <a:fillRect/>
+          </a:stretch>
+        </p:blipFill>
+        <p:spPr>
+          <a:xfrm>
+            <a:off x="2223192" y="2386325"/>
+            <a:ext cx="7745615" cy="2506951"/>
+          </a:xfrm>
+          <a:prstGeom prst="rect">
+            <a:avLst/>
+          </a:prstGeom>
+        </p:spPr>
+      </p:pic>
     </p:spTree>
     <p:extLst>
       <p:ext uri="{BB962C8B-B14F-4D97-AF65-F5344CB8AC3E}">
-        <p14:creationId xmlns:p14="http://schemas.microsoft.com/office/powerpoint/2010/main" val="992733778"/>
+        <p14:creationId xmlns:p14="http://schemas.microsoft.com/office/powerpoint/2010/main" val="2743446554"/>
       </p:ext>
     </p:extLst>
   </p:cSld>

--- a/final_project/T2_final_project.pptx
+++ b/final_project/T2_final_project.pptx
@@ -328,7 +328,7 @@
           <a:p>
             <a:fld id="{B4FB4218-D507-4A96-AB1C-B66AA2771B74}" type="slidenum">
               <a:rPr lang="en-US" smtClean="0"/>
-              <a:t>‹Nº›</a:t>
+              <a:t>‹#›</a:t>
             </a:fld>
             <a:endParaRPr lang="en-US"/>
           </a:p>
@@ -526,7 +526,7 @@
           <a:p>
             <a:fld id="{B4FB4218-D507-4A96-AB1C-B66AA2771B74}" type="slidenum">
               <a:rPr lang="en-US" smtClean="0"/>
-              <a:t>‹Nº›</a:t>
+              <a:t>‹#›</a:t>
             </a:fld>
             <a:endParaRPr lang="en-US"/>
           </a:p>
@@ -734,7 +734,7 @@
           <a:p>
             <a:fld id="{B4FB4218-D507-4A96-AB1C-B66AA2771B74}" type="slidenum">
               <a:rPr lang="en-US" smtClean="0"/>
-              <a:t>‹Nº›</a:t>
+              <a:t>‹#›</a:t>
             </a:fld>
             <a:endParaRPr lang="en-US"/>
           </a:p>
@@ -932,7 +932,7 @@
           <a:p>
             <a:fld id="{B4FB4218-D507-4A96-AB1C-B66AA2771B74}" type="slidenum">
               <a:rPr lang="en-US" smtClean="0"/>
-              <a:t>‹Nº›</a:t>
+              <a:t>‹#›</a:t>
             </a:fld>
             <a:endParaRPr lang="en-US"/>
           </a:p>
@@ -1207,7 +1207,7 @@
           <a:p>
             <a:fld id="{B4FB4218-D507-4A96-AB1C-B66AA2771B74}" type="slidenum">
               <a:rPr lang="en-US" smtClean="0"/>
-              <a:t>‹Nº›</a:t>
+              <a:t>‹#›</a:t>
             </a:fld>
             <a:endParaRPr lang="en-US"/>
           </a:p>
@@ -1472,7 +1472,7 @@
           <a:p>
             <a:fld id="{B4FB4218-D507-4A96-AB1C-B66AA2771B74}" type="slidenum">
               <a:rPr lang="en-US" smtClean="0"/>
-              <a:t>‹Nº›</a:t>
+              <a:t>‹#›</a:t>
             </a:fld>
             <a:endParaRPr lang="en-US"/>
           </a:p>
@@ -1884,7 +1884,7 @@
           <a:p>
             <a:fld id="{B4FB4218-D507-4A96-AB1C-B66AA2771B74}" type="slidenum">
               <a:rPr lang="en-US" smtClean="0"/>
-              <a:t>‹Nº›</a:t>
+              <a:t>‹#›</a:t>
             </a:fld>
             <a:endParaRPr lang="en-US"/>
           </a:p>
@@ -2025,7 +2025,7 @@
           <a:p>
             <a:fld id="{B4FB4218-D507-4A96-AB1C-B66AA2771B74}" type="slidenum">
               <a:rPr lang="en-US" smtClean="0"/>
-              <a:t>‹Nº›</a:t>
+              <a:t>‹#›</a:t>
             </a:fld>
             <a:endParaRPr lang="en-US"/>
           </a:p>
@@ -2138,7 +2138,7 @@
           <a:p>
             <a:fld id="{B4FB4218-D507-4A96-AB1C-B66AA2771B74}" type="slidenum">
               <a:rPr lang="en-US" smtClean="0"/>
-              <a:t>‹Nº›</a:t>
+              <a:t>‹#›</a:t>
             </a:fld>
             <a:endParaRPr lang="en-US"/>
           </a:p>
@@ -2449,7 +2449,7 @@
           <a:p>
             <a:fld id="{B4FB4218-D507-4A96-AB1C-B66AA2771B74}" type="slidenum">
               <a:rPr lang="en-US" smtClean="0"/>
-              <a:t>‹Nº›</a:t>
+              <a:t>‹#›</a:t>
             </a:fld>
             <a:endParaRPr lang="en-US"/>
           </a:p>
@@ -2737,7 +2737,7 @@
           <a:p>
             <a:fld id="{B4FB4218-D507-4A96-AB1C-B66AA2771B74}" type="slidenum">
               <a:rPr lang="en-US" smtClean="0"/>
-              <a:t>‹Nº›</a:t>
+              <a:t>‹#›</a:t>
             </a:fld>
             <a:endParaRPr lang="en-US"/>
           </a:p>
@@ -3014,7 +3014,7 @@
           <a:p>
             <a:fld id="{B4FB4218-D507-4A96-AB1C-B66AA2771B74}" type="slidenum">
               <a:rPr lang="en-US" smtClean="0"/>
-              <a:t>‹Nº›</a:t>
+              <a:t>‹#›</a:t>
             </a:fld>
             <a:endParaRPr lang="en-US"/>
           </a:p>
@@ -8646,7 +8646,7 @@
         <p:spPr>
           <a:xfrm>
             <a:off x="439692" y="229258"/>
-            <a:ext cx="1917513" cy="584775"/>
+            <a:ext cx="2122697" cy="584775"/>
           </a:xfrm>
           <a:prstGeom prst="rect">
             <a:avLst/>
@@ -8664,7 +8664,7 @@
                 <a:latin typeface="Times New Roman" panose="02020603050405020304" pitchFamily="18" charset="0"/>
                 <a:cs typeface="Times New Roman" panose="02020603050405020304" pitchFamily="18" charset="0"/>
               </a:rPr>
-              <a:t>Questions</a:t>
+              <a:t>Questions?</a:t>
             </a:r>
           </a:p>
         </p:txBody>
@@ -15428,8 +15428,8 @@
           </a:p>
         </p:txBody>
       </p:sp>
-      <mc:AlternateContent xmlns:mc="http://schemas.openxmlformats.org/markup-compatibility/2006">
-        <mc:Choice xmlns:a14="http://schemas.microsoft.com/office/drawing/2010/main" Requires="a14">
+      <mc:AlternateContent xmlns:mc="http://schemas.openxmlformats.org/markup-compatibility/2006" xmlns:a14="http://schemas.microsoft.com/office/drawing/2010/main">
+        <mc:Choice Requires="a14">
           <p:graphicFrame>
             <p:nvGraphicFramePr>
               <p:cNvPr id="19" name="Marcador de contenido 18">
@@ -17814,7 +17814,7 @@
             </a:graphic>
           </p:graphicFrame>
         </mc:Choice>
-        <mc:Fallback>
+        <mc:Fallback xmlns="">
           <p:graphicFrame>
             <p:nvGraphicFramePr>
               <p:cNvPr id="19" name="Marcador de contenido 18">
@@ -18492,8 +18492,8 @@
           </a:p>
         </p:txBody>
       </p:sp>
-      <mc:AlternateContent xmlns:mc="http://schemas.openxmlformats.org/markup-compatibility/2006">
-        <mc:Choice xmlns:a14="http://schemas.microsoft.com/office/drawing/2010/main" Requires="a14">
+      <mc:AlternateContent xmlns:mc="http://schemas.openxmlformats.org/markup-compatibility/2006" xmlns:a14="http://schemas.microsoft.com/office/drawing/2010/main">
+        <mc:Choice Requires="a14">
           <p:graphicFrame>
             <p:nvGraphicFramePr>
               <p:cNvPr id="19" name="Marcador de contenido 18">
@@ -19110,7 +19110,7 @@
             </a:graphic>
           </p:graphicFrame>
         </mc:Choice>
-        <mc:Fallback>
+        <mc:Fallback xmlns="">
           <p:graphicFrame>
             <p:nvGraphicFramePr>
               <p:cNvPr id="19" name="Marcador de contenido 18">

--- a/final_project/T2_final_project.pptx
+++ b/final_project/T2_final_project.pptx
@@ -6620,7 +6620,7 @@
         <p:spPr>
           <a:xfrm>
             <a:off x="439692" y="229258"/>
-            <a:ext cx="1301959" cy="584775"/>
+            <a:ext cx="5127301" cy="584775"/>
           </a:xfrm>
           <a:prstGeom prst="rect">
             <a:avLst/>
@@ -6638,7 +6638,202 @@
                 <a:latin typeface="Times New Roman" panose="02020603050405020304" pitchFamily="18" charset="0"/>
                 <a:cs typeface="Times New Roman" panose="02020603050405020304" pitchFamily="18" charset="0"/>
               </a:rPr>
-              <a:t>Model</a:t>
+              <a:t>Logistical Regression Model</a:t>
+            </a:r>
+          </a:p>
+        </p:txBody>
+      </p:sp>
+      <p:pic>
+        <p:nvPicPr>
+          <p:cNvPr id="5" name="Picture 4" descr="Table&#10;&#10;Description automatically generated">
+            <a:extLst>
+              <a:ext uri="{FF2B5EF4-FFF2-40B4-BE49-F238E27FC236}">
+                <a16:creationId xmlns:a16="http://schemas.microsoft.com/office/drawing/2014/main" id="{640A3E40-8F3E-4807-9775-C228686663F6}"/>
+              </a:ext>
+            </a:extLst>
+          </p:cNvPr>
+          <p:cNvPicPr>
+            <a:picLocks noChangeAspect="1"/>
+          </p:cNvPicPr>
+          <p:nvPr/>
+        </p:nvPicPr>
+        <p:blipFill>
+          <a:blip r:embed="rId2">
+            <a:extLst>
+              <a:ext uri="{28A0092B-C50C-407E-A947-70E740481C1C}">
+                <a14:useLocalDpi xmlns:a14="http://schemas.microsoft.com/office/drawing/2010/main" val="0"/>
+              </a:ext>
+            </a:extLst>
+          </a:blip>
+          <a:stretch>
+            <a:fillRect/>
+          </a:stretch>
+        </p:blipFill>
+        <p:spPr>
+          <a:xfrm>
+            <a:off x="439692" y="3096745"/>
+            <a:ext cx="4644650" cy="1740274"/>
+          </a:xfrm>
+          <a:prstGeom prst="rect">
+            <a:avLst/>
+          </a:prstGeom>
+          <a:ln>
+            <a:solidFill>
+              <a:schemeClr val="tx1"/>
+            </a:solidFill>
+          </a:ln>
+        </p:spPr>
+      </p:pic>
+      <p:pic>
+        <p:nvPicPr>
+          <p:cNvPr id="6" name="Picture 5">
+            <a:extLst>
+              <a:ext uri="{FF2B5EF4-FFF2-40B4-BE49-F238E27FC236}">
+                <a16:creationId xmlns:a16="http://schemas.microsoft.com/office/drawing/2014/main" id="{F64BF678-CF07-4709-9518-07C5ADDD0440}"/>
+              </a:ext>
+            </a:extLst>
+          </p:cNvPr>
+          <p:cNvPicPr>
+            <a:picLocks noChangeAspect="1"/>
+          </p:cNvPicPr>
+          <p:nvPr/>
+        </p:nvPicPr>
+        <p:blipFill>
+          <a:blip r:embed="rId3"/>
+          <a:stretch>
+            <a:fillRect/>
+          </a:stretch>
+        </p:blipFill>
+        <p:spPr>
+          <a:xfrm>
+            <a:off x="5444651" y="1909739"/>
+            <a:ext cx="6666667" cy="4114286"/>
+          </a:xfrm>
+          <a:prstGeom prst="rect">
+            <a:avLst/>
+          </a:prstGeom>
+        </p:spPr>
+      </p:pic>
+      <p:sp>
+        <p:nvSpPr>
+          <p:cNvPr id="7" name="TextBox 6">
+            <a:extLst>
+              <a:ext uri="{FF2B5EF4-FFF2-40B4-BE49-F238E27FC236}">
+                <a16:creationId xmlns:a16="http://schemas.microsoft.com/office/drawing/2014/main" id="{4C46B3BD-A19D-4612-B241-47533C1396B3}"/>
+              </a:ext>
+            </a:extLst>
+          </p:cNvPr>
+          <p:cNvSpPr txBox="1"/>
+          <p:nvPr/>
+        </p:nvSpPr>
+        <p:spPr>
+          <a:xfrm>
+            <a:off x="10318376" y="4837019"/>
+            <a:ext cx="1332031" cy="369332"/>
+          </a:xfrm>
+          <a:prstGeom prst="rect">
+            <a:avLst/>
+          </a:prstGeom>
+          <a:noFill/>
+        </p:spPr>
+        <p:txBody>
+          <a:bodyPr wrap="none" rtlCol="0">
+            <a:spAutoFit/>
+          </a:bodyPr>
+          <a:lstStyle/>
+          <a:p>
+            <a:r>
+              <a:rPr lang="en-US" dirty="0"/>
+              <a:t>AUC = 0.801</a:t>
+            </a:r>
+          </a:p>
+        </p:txBody>
+      </p:sp>
+      <p:cxnSp>
+        <p:nvCxnSpPr>
+          <p:cNvPr id="10" name="Straight Arrow Connector 9">
+            <a:extLst>
+              <a:ext uri="{FF2B5EF4-FFF2-40B4-BE49-F238E27FC236}">
+                <a16:creationId xmlns:a16="http://schemas.microsoft.com/office/drawing/2014/main" id="{2A550069-C01B-4CD5-9A8B-7F747EA6E38F}"/>
+              </a:ext>
+            </a:extLst>
+          </p:cNvPr>
+          <p:cNvCxnSpPr>
+            <a:cxnSpLocks/>
+            <a:endCxn id="11" idx="0"/>
+          </p:cNvCxnSpPr>
+          <p:nvPr/>
+        </p:nvCxnSpPr>
+        <p:spPr>
+          <a:xfrm>
+            <a:off x="2762017" y="3550024"/>
+            <a:ext cx="2228725" cy="1240028"/>
+          </a:xfrm>
+          <a:prstGeom prst="straightConnector1">
+            <a:avLst/>
+          </a:prstGeom>
+          <a:ln>
+            <a:solidFill>
+              <a:srgbClr val="00B050"/>
+            </a:solidFill>
+            <a:tailEnd type="triangle"/>
+          </a:ln>
+        </p:spPr>
+        <p:style>
+          <a:lnRef idx="1">
+            <a:schemeClr val="accent1"/>
+          </a:lnRef>
+          <a:fillRef idx="0">
+            <a:schemeClr val="accent1"/>
+          </a:fillRef>
+          <a:effectRef idx="0">
+            <a:schemeClr val="accent1"/>
+          </a:effectRef>
+          <a:fontRef idx="minor">
+            <a:schemeClr val="tx1"/>
+          </a:fontRef>
+        </p:style>
+      </p:cxnSp>
+      <p:sp>
+        <p:nvSpPr>
+          <p:cNvPr id="11" name="TextBox 10">
+            <a:extLst>
+              <a:ext uri="{FF2B5EF4-FFF2-40B4-BE49-F238E27FC236}">
+                <a16:creationId xmlns:a16="http://schemas.microsoft.com/office/drawing/2014/main" id="{C080F36E-D589-4AE0-BB2A-E57C520A437C}"/>
+              </a:ext>
+            </a:extLst>
+          </p:cNvPr>
+          <p:cNvSpPr txBox="1"/>
+          <p:nvPr/>
+        </p:nvSpPr>
+        <p:spPr>
+          <a:xfrm>
+            <a:off x="4169010" y="4790052"/>
+            <a:ext cx="1643463" cy="369332"/>
+          </a:xfrm>
+          <a:prstGeom prst="rect">
+            <a:avLst/>
+          </a:prstGeom>
+          <a:noFill/>
+          <a:ln>
+            <a:solidFill>
+              <a:srgbClr val="00B050"/>
+            </a:solidFill>
+          </a:ln>
+        </p:spPr>
+        <p:txBody>
+          <a:bodyPr wrap="none" rtlCol="0">
+            <a:spAutoFit/>
+          </a:bodyPr>
+          <a:lstStyle/>
+          <a:p>
+            <a:r>
+              <a:rPr lang="en-US" dirty="0">
+                <a:solidFill>
+                  <a:srgbClr val="00B050"/>
+                </a:solidFill>
+              </a:rPr>
+              <a:t>Accuracy = 73%</a:t>
             </a:r>
           </a:p>
         </p:txBody>

--- a/final_project/T2_final_project.pptx
+++ b/final_project/T2_final_project.pptx
@@ -19,8 +19,12 @@
     <p:sldId id="262" r:id="rId13"/>
     <p:sldId id="264" r:id="rId14"/>
     <p:sldId id="266" r:id="rId15"/>
-    <p:sldId id="267" r:id="rId16"/>
-    <p:sldId id="268" r:id="rId17"/>
+    <p:sldId id="274" r:id="rId16"/>
+    <p:sldId id="275" r:id="rId17"/>
+    <p:sldId id="276" r:id="rId18"/>
+    <p:sldId id="277" r:id="rId19"/>
+    <p:sldId id="267" r:id="rId20"/>
+    <p:sldId id="268" r:id="rId21"/>
   </p:sldIdLst>
   <p:sldSz cx="12192000" cy="6858000"/>
   <p:notesSz cx="6858000" cy="9144000"/>
@@ -149,7 +153,7 @@
           <p:cNvPr id="2" name="Title 1">
             <a:extLst>
               <a:ext uri="{FF2B5EF4-FFF2-40B4-BE49-F238E27FC236}">
-                <a16:creationId xmlns:a16="http://schemas.microsoft.com/office/drawing/2014/main" id="{7991FF1C-8740-4583-9D4E-97A7295A265C}"/>
+                <a16:creationId xmlns:a16="http://schemas.microsoft.com/office/drawing/2014/main" xmlns="" id="{7991FF1C-8740-4583-9D4E-97A7295A265C}"/>
               </a:ext>
             </a:extLst>
           </p:cNvPr>
@@ -186,7 +190,7 @@
           <p:cNvPr id="3" name="Subtitle 2">
             <a:extLst>
               <a:ext uri="{FF2B5EF4-FFF2-40B4-BE49-F238E27FC236}">
-                <a16:creationId xmlns:a16="http://schemas.microsoft.com/office/drawing/2014/main" id="{ABF902D2-6FE9-4E65-9BB4-512485FA9A37}"/>
+                <a16:creationId xmlns:a16="http://schemas.microsoft.com/office/drawing/2014/main" xmlns="" id="{ABF902D2-6FE9-4E65-9BB4-512485FA9A37}"/>
               </a:ext>
             </a:extLst>
           </p:cNvPr>
@@ -256,7 +260,7 @@
           <p:cNvPr id="4" name="Date Placeholder 3">
             <a:extLst>
               <a:ext uri="{FF2B5EF4-FFF2-40B4-BE49-F238E27FC236}">
-                <a16:creationId xmlns:a16="http://schemas.microsoft.com/office/drawing/2014/main" id="{64BD5271-D5FF-4012-87BD-4280D41BE3AE}"/>
+                <a16:creationId xmlns:a16="http://schemas.microsoft.com/office/drawing/2014/main" xmlns="" id="{64BD5271-D5FF-4012-87BD-4280D41BE3AE}"/>
               </a:ext>
             </a:extLst>
           </p:cNvPr>
@@ -285,7 +289,7 @@
           <p:cNvPr id="5" name="Footer Placeholder 4">
             <a:extLst>
               <a:ext uri="{FF2B5EF4-FFF2-40B4-BE49-F238E27FC236}">
-                <a16:creationId xmlns:a16="http://schemas.microsoft.com/office/drawing/2014/main" id="{C6326500-5A7B-41C4-8E5E-EDB6F58F3303}"/>
+                <a16:creationId xmlns:a16="http://schemas.microsoft.com/office/drawing/2014/main" xmlns="" id="{C6326500-5A7B-41C4-8E5E-EDB6F58F3303}"/>
               </a:ext>
             </a:extLst>
           </p:cNvPr>
@@ -310,7 +314,7 @@
           <p:cNvPr id="6" name="Slide Number Placeholder 5">
             <a:extLst>
               <a:ext uri="{FF2B5EF4-FFF2-40B4-BE49-F238E27FC236}">
-                <a16:creationId xmlns:a16="http://schemas.microsoft.com/office/drawing/2014/main" id="{847ED73A-F91B-4D4E-B66D-D674A31D9386}"/>
+                <a16:creationId xmlns:a16="http://schemas.microsoft.com/office/drawing/2014/main" xmlns="" id="{847ED73A-F91B-4D4E-B66D-D674A31D9386}"/>
               </a:ext>
             </a:extLst>
           </p:cNvPr>
@@ -369,7 +373,7 @@
           <p:cNvPr id="2" name="Title 1">
             <a:extLst>
               <a:ext uri="{FF2B5EF4-FFF2-40B4-BE49-F238E27FC236}">
-                <a16:creationId xmlns:a16="http://schemas.microsoft.com/office/drawing/2014/main" id="{D9BA2A15-5EBB-48B0-84BF-94A12930FBF7}"/>
+                <a16:creationId xmlns:a16="http://schemas.microsoft.com/office/drawing/2014/main" xmlns="" id="{D9BA2A15-5EBB-48B0-84BF-94A12930FBF7}"/>
               </a:ext>
             </a:extLst>
           </p:cNvPr>
@@ -397,7 +401,7 @@
           <p:cNvPr id="3" name="Vertical Text Placeholder 2">
             <a:extLst>
               <a:ext uri="{FF2B5EF4-FFF2-40B4-BE49-F238E27FC236}">
-                <a16:creationId xmlns:a16="http://schemas.microsoft.com/office/drawing/2014/main" id="{FDCF8101-35E9-4DD5-BCB1-83970413AFD1}"/>
+                <a16:creationId xmlns:a16="http://schemas.microsoft.com/office/drawing/2014/main" xmlns="" id="{FDCF8101-35E9-4DD5-BCB1-83970413AFD1}"/>
               </a:ext>
             </a:extLst>
           </p:cNvPr>
@@ -454,7 +458,7 @@
           <p:cNvPr id="4" name="Date Placeholder 3">
             <a:extLst>
               <a:ext uri="{FF2B5EF4-FFF2-40B4-BE49-F238E27FC236}">
-                <a16:creationId xmlns:a16="http://schemas.microsoft.com/office/drawing/2014/main" id="{32D85C91-8C68-4D38-BE68-E23A7461DB42}"/>
+                <a16:creationId xmlns:a16="http://schemas.microsoft.com/office/drawing/2014/main" xmlns="" id="{32D85C91-8C68-4D38-BE68-E23A7461DB42}"/>
               </a:ext>
             </a:extLst>
           </p:cNvPr>
@@ -483,7 +487,7 @@
           <p:cNvPr id="5" name="Footer Placeholder 4">
             <a:extLst>
               <a:ext uri="{FF2B5EF4-FFF2-40B4-BE49-F238E27FC236}">
-                <a16:creationId xmlns:a16="http://schemas.microsoft.com/office/drawing/2014/main" id="{83785779-70A8-4E04-9A56-29B994E78433}"/>
+                <a16:creationId xmlns:a16="http://schemas.microsoft.com/office/drawing/2014/main" xmlns="" id="{83785779-70A8-4E04-9A56-29B994E78433}"/>
               </a:ext>
             </a:extLst>
           </p:cNvPr>
@@ -508,7 +512,7 @@
           <p:cNvPr id="6" name="Slide Number Placeholder 5">
             <a:extLst>
               <a:ext uri="{FF2B5EF4-FFF2-40B4-BE49-F238E27FC236}">
-                <a16:creationId xmlns:a16="http://schemas.microsoft.com/office/drawing/2014/main" id="{50D77FAB-9DD3-43D8-B923-27418C9D1B6C}"/>
+                <a16:creationId xmlns:a16="http://schemas.microsoft.com/office/drawing/2014/main" xmlns="" id="{50D77FAB-9DD3-43D8-B923-27418C9D1B6C}"/>
               </a:ext>
             </a:extLst>
           </p:cNvPr>
@@ -567,7 +571,7 @@
           <p:cNvPr id="2" name="Vertical Title 1">
             <a:extLst>
               <a:ext uri="{FF2B5EF4-FFF2-40B4-BE49-F238E27FC236}">
-                <a16:creationId xmlns:a16="http://schemas.microsoft.com/office/drawing/2014/main" id="{275FD3A8-5F2D-44FE-B2CB-5F0C31CF5372}"/>
+                <a16:creationId xmlns:a16="http://schemas.microsoft.com/office/drawing/2014/main" xmlns="" id="{275FD3A8-5F2D-44FE-B2CB-5F0C31CF5372}"/>
               </a:ext>
             </a:extLst>
           </p:cNvPr>
@@ -600,7 +604,7 @@
           <p:cNvPr id="3" name="Vertical Text Placeholder 2">
             <a:extLst>
               <a:ext uri="{FF2B5EF4-FFF2-40B4-BE49-F238E27FC236}">
-                <a16:creationId xmlns:a16="http://schemas.microsoft.com/office/drawing/2014/main" id="{6928AD24-AFA4-4DA8-AC71-95FA4AF1C48B}"/>
+                <a16:creationId xmlns:a16="http://schemas.microsoft.com/office/drawing/2014/main" xmlns="" id="{6928AD24-AFA4-4DA8-AC71-95FA4AF1C48B}"/>
               </a:ext>
             </a:extLst>
           </p:cNvPr>
@@ -662,7 +666,7 @@
           <p:cNvPr id="4" name="Date Placeholder 3">
             <a:extLst>
               <a:ext uri="{FF2B5EF4-FFF2-40B4-BE49-F238E27FC236}">
-                <a16:creationId xmlns:a16="http://schemas.microsoft.com/office/drawing/2014/main" id="{EC8585DE-B12A-4EEF-91C9-7B971361427E}"/>
+                <a16:creationId xmlns:a16="http://schemas.microsoft.com/office/drawing/2014/main" xmlns="" id="{EC8585DE-B12A-4EEF-91C9-7B971361427E}"/>
               </a:ext>
             </a:extLst>
           </p:cNvPr>
@@ -691,7 +695,7 @@
           <p:cNvPr id="5" name="Footer Placeholder 4">
             <a:extLst>
               <a:ext uri="{FF2B5EF4-FFF2-40B4-BE49-F238E27FC236}">
-                <a16:creationId xmlns:a16="http://schemas.microsoft.com/office/drawing/2014/main" id="{2997F936-9298-4B18-BD25-457C4711B56A}"/>
+                <a16:creationId xmlns:a16="http://schemas.microsoft.com/office/drawing/2014/main" xmlns="" id="{2997F936-9298-4B18-BD25-457C4711B56A}"/>
               </a:ext>
             </a:extLst>
           </p:cNvPr>
@@ -716,7 +720,7 @@
           <p:cNvPr id="6" name="Slide Number Placeholder 5">
             <a:extLst>
               <a:ext uri="{FF2B5EF4-FFF2-40B4-BE49-F238E27FC236}">
-                <a16:creationId xmlns:a16="http://schemas.microsoft.com/office/drawing/2014/main" id="{0A31366D-2505-44A7-8095-6EB53BAFABBB}"/>
+                <a16:creationId xmlns:a16="http://schemas.microsoft.com/office/drawing/2014/main" xmlns="" id="{0A31366D-2505-44A7-8095-6EB53BAFABBB}"/>
               </a:ext>
             </a:extLst>
           </p:cNvPr>
@@ -775,7 +779,7 @@
           <p:cNvPr id="2" name="Title 1">
             <a:extLst>
               <a:ext uri="{FF2B5EF4-FFF2-40B4-BE49-F238E27FC236}">
-                <a16:creationId xmlns:a16="http://schemas.microsoft.com/office/drawing/2014/main" id="{97BA6634-FAB0-47D4-B566-0318DBA2A7D8}"/>
+                <a16:creationId xmlns:a16="http://schemas.microsoft.com/office/drawing/2014/main" xmlns="" id="{97BA6634-FAB0-47D4-B566-0318DBA2A7D8}"/>
               </a:ext>
             </a:extLst>
           </p:cNvPr>
@@ -803,7 +807,7 @@
           <p:cNvPr id="3" name="Content Placeholder 2">
             <a:extLst>
               <a:ext uri="{FF2B5EF4-FFF2-40B4-BE49-F238E27FC236}">
-                <a16:creationId xmlns:a16="http://schemas.microsoft.com/office/drawing/2014/main" id="{3A3E62D1-62CC-4D63-9482-E8AC3ED1AB52}"/>
+                <a16:creationId xmlns:a16="http://schemas.microsoft.com/office/drawing/2014/main" xmlns="" id="{3A3E62D1-62CC-4D63-9482-E8AC3ED1AB52}"/>
               </a:ext>
             </a:extLst>
           </p:cNvPr>
@@ -860,7 +864,7 @@
           <p:cNvPr id="4" name="Date Placeholder 3">
             <a:extLst>
               <a:ext uri="{FF2B5EF4-FFF2-40B4-BE49-F238E27FC236}">
-                <a16:creationId xmlns:a16="http://schemas.microsoft.com/office/drawing/2014/main" id="{518E4EFC-E675-46DB-AFAB-61F7EA5F0BB1}"/>
+                <a16:creationId xmlns:a16="http://schemas.microsoft.com/office/drawing/2014/main" xmlns="" id="{518E4EFC-E675-46DB-AFAB-61F7EA5F0BB1}"/>
               </a:ext>
             </a:extLst>
           </p:cNvPr>
@@ -889,7 +893,7 @@
           <p:cNvPr id="5" name="Footer Placeholder 4">
             <a:extLst>
               <a:ext uri="{FF2B5EF4-FFF2-40B4-BE49-F238E27FC236}">
-                <a16:creationId xmlns:a16="http://schemas.microsoft.com/office/drawing/2014/main" id="{D4A48A20-0D4A-4BD0-9277-46996715F05F}"/>
+                <a16:creationId xmlns:a16="http://schemas.microsoft.com/office/drawing/2014/main" xmlns="" id="{D4A48A20-0D4A-4BD0-9277-46996715F05F}"/>
               </a:ext>
             </a:extLst>
           </p:cNvPr>
@@ -914,7 +918,7 @@
           <p:cNvPr id="6" name="Slide Number Placeholder 5">
             <a:extLst>
               <a:ext uri="{FF2B5EF4-FFF2-40B4-BE49-F238E27FC236}">
-                <a16:creationId xmlns:a16="http://schemas.microsoft.com/office/drawing/2014/main" id="{3800F55C-AF6F-49EB-803D-93D5EF5D1FA1}"/>
+                <a16:creationId xmlns:a16="http://schemas.microsoft.com/office/drawing/2014/main" xmlns="" id="{3800F55C-AF6F-49EB-803D-93D5EF5D1FA1}"/>
               </a:ext>
             </a:extLst>
           </p:cNvPr>
@@ -973,7 +977,7 @@
           <p:cNvPr id="2" name="Title 1">
             <a:extLst>
               <a:ext uri="{FF2B5EF4-FFF2-40B4-BE49-F238E27FC236}">
-                <a16:creationId xmlns:a16="http://schemas.microsoft.com/office/drawing/2014/main" id="{4056ED20-E0D9-44B8-9C25-62EA4CD16F41}"/>
+                <a16:creationId xmlns:a16="http://schemas.microsoft.com/office/drawing/2014/main" xmlns="" id="{4056ED20-E0D9-44B8-9C25-62EA4CD16F41}"/>
               </a:ext>
             </a:extLst>
           </p:cNvPr>
@@ -1010,7 +1014,7 @@
           <p:cNvPr id="3" name="Text Placeholder 2">
             <a:extLst>
               <a:ext uri="{FF2B5EF4-FFF2-40B4-BE49-F238E27FC236}">
-                <a16:creationId xmlns:a16="http://schemas.microsoft.com/office/drawing/2014/main" id="{092F1EF0-B105-4CA1-8ABF-8AB68494820A}"/>
+                <a16:creationId xmlns:a16="http://schemas.microsoft.com/office/drawing/2014/main" xmlns="" id="{092F1EF0-B105-4CA1-8ABF-8AB68494820A}"/>
               </a:ext>
             </a:extLst>
           </p:cNvPr>
@@ -1135,7 +1139,7 @@
           <p:cNvPr id="4" name="Date Placeholder 3">
             <a:extLst>
               <a:ext uri="{FF2B5EF4-FFF2-40B4-BE49-F238E27FC236}">
-                <a16:creationId xmlns:a16="http://schemas.microsoft.com/office/drawing/2014/main" id="{67103BC3-7A61-420D-9D49-3C4B389D0215}"/>
+                <a16:creationId xmlns:a16="http://schemas.microsoft.com/office/drawing/2014/main" xmlns="" id="{67103BC3-7A61-420D-9D49-3C4B389D0215}"/>
               </a:ext>
             </a:extLst>
           </p:cNvPr>
@@ -1164,7 +1168,7 @@
           <p:cNvPr id="5" name="Footer Placeholder 4">
             <a:extLst>
               <a:ext uri="{FF2B5EF4-FFF2-40B4-BE49-F238E27FC236}">
-                <a16:creationId xmlns:a16="http://schemas.microsoft.com/office/drawing/2014/main" id="{AE03DD3F-9529-4FE1-8DB4-E1D21CB0225B}"/>
+                <a16:creationId xmlns:a16="http://schemas.microsoft.com/office/drawing/2014/main" xmlns="" id="{AE03DD3F-9529-4FE1-8DB4-E1D21CB0225B}"/>
               </a:ext>
             </a:extLst>
           </p:cNvPr>
@@ -1189,7 +1193,7 @@
           <p:cNvPr id="6" name="Slide Number Placeholder 5">
             <a:extLst>
               <a:ext uri="{FF2B5EF4-FFF2-40B4-BE49-F238E27FC236}">
-                <a16:creationId xmlns:a16="http://schemas.microsoft.com/office/drawing/2014/main" id="{AB4B493E-A3C8-4E61-9CF2-366C4C30FFCC}"/>
+                <a16:creationId xmlns:a16="http://schemas.microsoft.com/office/drawing/2014/main" xmlns="" id="{AB4B493E-A3C8-4E61-9CF2-366C4C30FFCC}"/>
               </a:ext>
             </a:extLst>
           </p:cNvPr>
@@ -1248,7 +1252,7 @@
           <p:cNvPr id="2" name="Title 1">
             <a:extLst>
               <a:ext uri="{FF2B5EF4-FFF2-40B4-BE49-F238E27FC236}">
-                <a16:creationId xmlns:a16="http://schemas.microsoft.com/office/drawing/2014/main" id="{C32434D4-5477-4F80-81A7-F2BCF84E7450}"/>
+                <a16:creationId xmlns:a16="http://schemas.microsoft.com/office/drawing/2014/main" xmlns="" id="{C32434D4-5477-4F80-81A7-F2BCF84E7450}"/>
               </a:ext>
             </a:extLst>
           </p:cNvPr>
@@ -1276,7 +1280,7 @@
           <p:cNvPr id="3" name="Content Placeholder 2">
             <a:extLst>
               <a:ext uri="{FF2B5EF4-FFF2-40B4-BE49-F238E27FC236}">
-                <a16:creationId xmlns:a16="http://schemas.microsoft.com/office/drawing/2014/main" id="{41751AE1-B383-424A-803A-B34C21BA2535}"/>
+                <a16:creationId xmlns:a16="http://schemas.microsoft.com/office/drawing/2014/main" xmlns="" id="{41751AE1-B383-424A-803A-B34C21BA2535}"/>
               </a:ext>
             </a:extLst>
           </p:cNvPr>
@@ -1338,7 +1342,7 @@
           <p:cNvPr id="4" name="Content Placeholder 3">
             <a:extLst>
               <a:ext uri="{FF2B5EF4-FFF2-40B4-BE49-F238E27FC236}">
-                <a16:creationId xmlns:a16="http://schemas.microsoft.com/office/drawing/2014/main" id="{69217FB6-C794-4D81-A5E7-BC780DB41F30}"/>
+                <a16:creationId xmlns:a16="http://schemas.microsoft.com/office/drawing/2014/main" xmlns="" id="{69217FB6-C794-4D81-A5E7-BC780DB41F30}"/>
               </a:ext>
             </a:extLst>
           </p:cNvPr>
@@ -1400,7 +1404,7 @@
           <p:cNvPr id="5" name="Date Placeholder 4">
             <a:extLst>
               <a:ext uri="{FF2B5EF4-FFF2-40B4-BE49-F238E27FC236}">
-                <a16:creationId xmlns:a16="http://schemas.microsoft.com/office/drawing/2014/main" id="{BE85F722-6559-46B6-A031-9704F03FA631}"/>
+                <a16:creationId xmlns:a16="http://schemas.microsoft.com/office/drawing/2014/main" xmlns="" id="{BE85F722-6559-46B6-A031-9704F03FA631}"/>
               </a:ext>
             </a:extLst>
           </p:cNvPr>
@@ -1429,7 +1433,7 @@
           <p:cNvPr id="6" name="Footer Placeholder 5">
             <a:extLst>
               <a:ext uri="{FF2B5EF4-FFF2-40B4-BE49-F238E27FC236}">
-                <a16:creationId xmlns:a16="http://schemas.microsoft.com/office/drawing/2014/main" id="{43005DCA-EE35-4011-BBCE-A44B43D4928B}"/>
+                <a16:creationId xmlns:a16="http://schemas.microsoft.com/office/drawing/2014/main" xmlns="" id="{43005DCA-EE35-4011-BBCE-A44B43D4928B}"/>
               </a:ext>
             </a:extLst>
           </p:cNvPr>
@@ -1454,7 +1458,7 @@
           <p:cNvPr id="7" name="Slide Number Placeholder 6">
             <a:extLst>
               <a:ext uri="{FF2B5EF4-FFF2-40B4-BE49-F238E27FC236}">
-                <a16:creationId xmlns:a16="http://schemas.microsoft.com/office/drawing/2014/main" id="{EBCCE416-6CE7-457F-B651-D9949607C5B3}"/>
+                <a16:creationId xmlns:a16="http://schemas.microsoft.com/office/drawing/2014/main" xmlns="" id="{EBCCE416-6CE7-457F-B651-D9949607C5B3}"/>
               </a:ext>
             </a:extLst>
           </p:cNvPr>
@@ -1513,7 +1517,7 @@
           <p:cNvPr id="2" name="Title 1">
             <a:extLst>
               <a:ext uri="{FF2B5EF4-FFF2-40B4-BE49-F238E27FC236}">
-                <a16:creationId xmlns:a16="http://schemas.microsoft.com/office/drawing/2014/main" id="{12028016-80A2-493C-BAD2-F73486BF3747}"/>
+                <a16:creationId xmlns:a16="http://schemas.microsoft.com/office/drawing/2014/main" xmlns="" id="{12028016-80A2-493C-BAD2-F73486BF3747}"/>
               </a:ext>
             </a:extLst>
           </p:cNvPr>
@@ -1546,7 +1550,7 @@
           <p:cNvPr id="3" name="Text Placeholder 2">
             <a:extLst>
               <a:ext uri="{FF2B5EF4-FFF2-40B4-BE49-F238E27FC236}">
-                <a16:creationId xmlns:a16="http://schemas.microsoft.com/office/drawing/2014/main" id="{71460042-26F0-4D19-97AF-8D11535BBF16}"/>
+                <a16:creationId xmlns:a16="http://schemas.microsoft.com/office/drawing/2014/main" xmlns="" id="{71460042-26F0-4D19-97AF-8D11535BBF16}"/>
               </a:ext>
             </a:extLst>
           </p:cNvPr>
@@ -1617,7 +1621,7 @@
           <p:cNvPr id="4" name="Content Placeholder 3">
             <a:extLst>
               <a:ext uri="{FF2B5EF4-FFF2-40B4-BE49-F238E27FC236}">
-                <a16:creationId xmlns:a16="http://schemas.microsoft.com/office/drawing/2014/main" id="{968A4617-9A80-42C0-99C5-4E4304412E46}"/>
+                <a16:creationId xmlns:a16="http://schemas.microsoft.com/office/drawing/2014/main" xmlns="" id="{968A4617-9A80-42C0-99C5-4E4304412E46}"/>
               </a:ext>
             </a:extLst>
           </p:cNvPr>
@@ -1679,7 +1683,7 @@
           <p:cNvPr id="5" name="Text Placeholder 4">
             <a:extLst>
               <a:ext uri="{FF2B5EF4-FFF2-40B4-BE49-F238E27FC236}">
-                <a16:creationId xmlns:a16="http://schemas.microsoft.com/office/drawing/2014/main" id="{66BDE5AC-3F3A-49E1-B00D-F5ABE9B0B502}"/>
+                <a16:creationId xmlns:a16="http://schemas.microsoft.com/office/drawing/2014/main" xmlns="" id="{66BDE5AC-3F3A-49E1-B00D-F5ABE9B0B502}"/>
               </a:ext>
             </a:extLst>
           </p:cNvPr>
@@ -1750,7 +1754,7 @@
           <p:cNvPr id="6" name="Content Placeholder 5">
             <a:extLst>
               <a:ext uri="{FF2B5EF4-FFF2-40B4-BE49-F238E27FC236}">
-                <a16:creationId xmlns:a16="http://schemas.microsoft.com/office/drawing/2014/main" id="{236EC18B-D07C-4A68-B328-0916DE7A7B17}"/>
+                <a16:creationId xmlns:a16="http://schemas.microsoft.com/office/drawing/2014/main" xmlns="" id="{236EC18B-D07C-4A68-B328-0916DE7A7B17}"/>
               </a:ext>
             </a:extLst>
           </p:cNvPr>
@@ -1812,7 +1816,7 @@
           <p:cNvPr id="7" name="Date Placeholder 6">
             <a:extLst>
               <a:ext uri="{FF2B5EF4-FFF2-40B4-BE49-F238E27FC236}">
-                <a16:creationId xmlns:a16="http://schemas.microsoft.com/office/drawing/2014/main" id="{B41FA263-D0AD-45EF-BD1A-1E8EE367E1BF}"/>
+                <a16:creationId xmlns:a16="http://schemas.microsoft.com/office/drawing/2014/main" xmlns="" id="{B41FA263-D0AD-45EF-BD1A-1E8EE367E1BF}"/>
               </a:ext>
             </a:extLst>
           </p:cNvPr>
@@ -1841,7 +1845,7 @@
           <p:cNvPr id="8" name="Footer Placeholder 7">
             <a:extLst>
               <a:ext uri="{FF2B5EF4-FFF2-40B4-BE49-F238E27FC236}">
-                <a16:creationId xmlns:a16="http://schemas.microsoft.com/office/drawing/2014/main" id="{3DD661C0-C595-4BCC-9499-ADE3ED68D657}"/>
+                <a16:creationId xmlns:a16="http://schemas.microsoft.com/office/drawing/2014/main" xmlns="" id="{3DD661C0-C595-4BCC-9499-ADE3ED68D657}"/>
               </a:ext>
             </a:extLst>
           </p:cNvPr>
@@ -1866,7 +1870,7 @@
           <p:cNvPr id="9" name="Slide Number Placeholder 8">
             <a:extLst>
               <a:ext uri="{FF2B5EF4-FFF2-40B4-BE49-F238E27FC236}">
-                <a16:creationId xmlns:a16="http://schemas.microsoft.com/office/drawing/2014/main" id="{FCA5E7FB-383D-40E5-97FA-4BD65C4F834A}"/>
+                <a16:creationId xmlns:a16="http://schemas.microsoft.com/office/drawing/2014/main" xmlns="" id="{FCA5E7FB-383D-40E5-97FA-4BD65C4F834A}"/>
               </a:ext>
             </a:extLst>
           </p:cNvPr>
@@ -1925,7 +1929,7 @@
           <p:cNvPr id="2" name="Title 1">
             <a:extLst>
               <a:ext uri="{FF2B5EF4-FFF2-40B4-BE49-F238E27FC236}">
-                <a16:creationId xmlns:a16="http://schemas.microsoft.com/office/drawing/2014/main" id="{D5C1CC5E-D7D1-492E-AB58-A36F012D2033}"/>
+                <a16:creationId xmlns:a16="http://schemas.microsoft.com/office/drawing/2014/main" xmlns="" id="{D5C1CC5E-D7D1-492E-AB58-A36F012D2033}"/>
               </a:ext>
             </a:extLst>
           </p:cNvPr>
@@ -1953,7 +1957,7 @@
           <p:cNvPr id="3" name="Date Placeholder 2">
             <a:extLst>
               <a:ext uri="{FF2B5EF4-FFF2-40B4-BE49-F238E27FC236}">
-                <a16:creationId xmlns:a16="http://schemas.microsoft.com/office/drawing/2014/main" id="{1F109B1D-3516-465E-B4A7-C856AE085122}"/>
+                <a16:creationId xmlns:a16="http://schemas.microsoft.com/office/drawing/2014/main" xmlns="" id="{1F109B1D-3516-465E-B4A7-C856AE085122}"/>
               </a:ext>
             </a:extLst>
           </p:cNvPr>
@@ -1982,7 +1986,7 @@
           <p:cNvPr id="4" name="Footer Placeholder 3">
             <a:extLst>
               <a:ext uri="{FF2B5EF4-FFF2-40B4-BE49-F238E27FC236}">
-                <a16:creationId xmlns:a16="http://schemas.microsoft.com/office/drawing/2014/main" id="{ED507623-3AD4-4906-956E-3DB299625B53}"/>
+                <a16:creationId xmlns:a16="http://schemas.microsoft.com/office/drawing/2014/main" xmlns="" id="{ED507623-3AD4-4906-956E-3DB299625B53}"/>
               </a:ext>
             </a:extLst>
           </p:cNvPr>
@@ -2007,7 +2011,7 @@
           <p:cNvPr id="5" name="Slide Number Placeholder 4">
             <a:extLst>
               <a:ext uri="{FF2B5EF4-FFF2-40B4-BE49-F238E27FC236}">
-                <a16:creationId xmlns:a16="http://schemas.microsoft.com/office/drawing/2014/main" id="{E50535B7-75F6-48BE-AD26-EFCEC1518C35}"/>
+                <a16:creationId xmlns:a16="http://schemas.microsoft.com/office/drawing/2014/main" xmlns="" id="{E50535B7-75F6-48BE-AD26-EFCEC1518C35}"/>
               </a:ext>
             </a:extLst>
           </p:cNvPr>
@@ -2066,7 +2070,7 @@
           <p:cNvPr id="2" name="Date Placeholder 1">
             <a:extLst>
               <a:ext uri="{FF2B5EF4-FFF2-40B4-BE49-F238E27FC236}">
-                <a16:creationId xmlns:a16="http://schemas.microsoft.com/office/drawing/2014/main" id="{9C94BD29-B01C-4612-AAEE-56789B8F97CB}"/>
+                <a16:creationId xmlns:a16="http://schemas.microsoft.com/office/drawing/2014/main" xmlns="" id="{9C94BD29-B01C-4612-AAEE-56789B8F97CB}"/>
               </a:ext>
             </a:extLst>
           </p:cNvPr>
@@ -2095,7 +2099,7 @@
           <p:cNvPr id="3" name="Footer Placeholder 2">
             <a:extLst>
               <a:ext uri="{FF2B5EF4-FFF2-40B4-BE49-F238E27FC236}">
-                <a16:creationId xmlns:a16="http://schemas.microsoft.com/office/drawing/2014/main" id="{70DED8FE-3A63-4BD5-B4D9-D2EC89D3177B}"/>
+                <a16:creationId xmlns:a16="http://schemas.microsoft.com/office/drawing/2014/main" xmlns="" id="{70DED8FE-3A63-4BD5-B4D9-D2EC89D3177B}"/>
               </a:ext>
             </a:extLst>
           </p:cNvPr>
@@ -2120,7 +2124,7 @@
           <p:cNvPr id="4" name="Slide Number Placeholder 3">
             <a:extLst>
               <a:ext uri="{FF2B5EF4-FFF2-40B4-BE49-F238E27FC236}">
-                <a16:creationId xmlns:a16="http://schemas.microsoft.com/office/drawing/2014/main" id="{9289ABA2-3183-412C-B8F5-DECDA9AAAF95}"/>
+                <a16:creationId xmlns:a16="http://schemas.microsoft.com/office/drawing/2014/main" xmlns="" id="{9289ABA2-3183-412C-B8F5-DECDA9AAAF95}"/>
               </a:ext>
             </a:extLst>
           </p:cNvPr>
@@ -2179,7 +2183,7 @@
           <p:cNvPr id="2" name="Title 1">
             <a:extLst>
               <a:ext uri="{FF2B5EF4-FFF2-40B4-BE49-F238E27FC236}">
-                <a16:creationId xmlns:a16="http://schemas.microsoft.com/office/drawing/2014/main" id="{4D85E78B-794A-4E6D-BA9F-25920A0656FC}"/>
+                <a16:creationId xmlns:a16="http://schemas.microsoft.com/office/drawing/2014/main" xmlns="" id="{4D85E78B-794A-4E6D-BA9F-25920A0656FC}"/>
               </a:ext>
             </a:extLst>
           </p:cNvPr>
@@ -2216,7 +2220,7 @@
           <p:cNvPr id="3" name="Content Placeholder 2">
             <a:extLst>
               <a:ext uri="{FF2B5EF4-FFF2-40B4-BE49-F238E27FC236}">
-                <a16:creationId xmlns:a16="http://schemas.microsoft.com/office/drawing/2014/main" id="{4C8355B9-5127-4870-9EAA-3A0EAA4F76C0}"/>
+                <a16:creationId xmlns:a16="http://schemas.microsoft.com/office/drawing/2014/main" xmlns="" id="{4C8355B9-5127-4870-9EAA-3A0EAA4F76C0}"/>
               </a:ext>
             </a:extLst>
           </p:cNvPr>
@@ -2306,7 +2310,7 @@
           <p:cNvPr id="4" name="Text Placeholder 3">
             <a:extLst>
               <a:ext uri="{FF2B5EF4-FFF2-40B4-BE49-F238E27FC236}">
-                <a16:creationId xmlns:a16="http://schemas.microsoft.com/office/drawing/2014/main" id="{B9AC585D-E45B-4884-8133-896D6B9FD012}"/>
+                <a16:creationId xmlns:a16="http://schemas.microsoft.com/office/drawing/2014/main" xmlns="" id="{B9AC585D-E45B-4884-8133-896D6B9FD012}"/>
               </a:ext>
             </a:extLst>
           </p:cNvPr>
@@ -2377,7 +2381,7 @@
           <p:cNvPr id="5" name="Date Placeholder 4">
             <a:extLst>
               <a:ext uri="{FF2B5EF4-FFF2-40B4-BE49-F238E27FC236}">
-                <a16:creationId xmlns:a16="http://schemas.microsoft.com/office/drawing/2014/main" id="{1CC9432E-1F46-4064-8A02-B5FD4A391C7D}"/>
+                <a16:creationId xmlns:a16="http://schemas.microsoft.com/office/drawing/2014/main" xmlns="" id="{1CC9432E-1F46-4064-8A02-B5FD4A391C7D}"/>
               </a:ext>
             </a:extLst>
           </p:cNvPr>
@@ -2406,7 +2410,7 @@
           <p:cNvPr id="6" name="Footer Placeholder 5">
             <a:extLst>
               <a:ext uri="{FF2B5EF4-FFF2-40B4-BE49-F238E27FC236}">
-                <a16:creationId xmlns:a16="http://schemas.microsoft.com/office/drawing/2014/main" id="{042092B1-D34E-43ED-AC82-9B2070E73CD0}"/>
+                <a16:creationId xmlns:a16="http://schemas.microsoft.com/office/drawing/2014/main" xmlns="" id="{042092B1-D34E-43ED-AC82-9B2070E73CD0}"/>
               </a:ext>
             </a:extLst>
           </p:cNvPr>
@@ -2431,7 +2435,7 @@
           <p:cNvPr id="7" name="Slide Number Placeholder 6">
             <a:extLst>
               <a:ext uri="{FF2B5EF4-FFF2-40B4-BE49-F238E27FC236}">
-                <a16:creationId xmlns:a16="http://schemas.microsoft.com/office/drawing/2014/main" id="{C1A996C0-0D4C-4582-9984-89B1F905F9E2}"/>
+                <a16:creationId xmlns:a16="http://schemas.microsoft.com/office/drawing/2014/main" xmlns="" id="{C1A996C0-0D4C-4582-9984-89B1F905F9E2}"/>
               </a:ext>
             </a:extLst>
           </p:cNvPr>
@@ -2490,7 +2494,7 @@
           <p:cNvPr id="2" name="Title 1">
             <a:extLst>
               <a:ext uri="{FF2B5EF4-FFF2-40B4-BE49-F238E27FC236}">
-                <a16:creationId xmlns:a16="http://schemas.microsoft.com/office/drawing/2014/main" id="{98C2F291-7BE1-41EF-BB2F-A748B93558DB}"/>
+                <a16:creationId xmlns:a16="http://schemas.microsoft.com/office/drawing/2014/main" xmlns="" id="{98C2F291-7BE1-41EF-BB2F-A748B93558DB}"/>
               </a:ext>
             </a:extLst>
           </p:cNvPr>
@@ -2527,7 +2531,7 @@
           <p:cNvPr id="3" name="Picture Placeholder 2">
             <a:extLst>
               <a:ext uri="{FF2B5EF4-FFF2-40B4-BE49-F238E27FC236}">
-                <a16:creationId xmlns:a16="http://schemas.microsoft.com/office/drawing/2014/main" id="{3886DADD-1051-4AA5-8E2A-D2B463C3ED05}"/>
+                <a16:creationId xmlns:a16="http://schemas.microsoft.com/office/drawing/2014/main" xmlns="" id="{3886DADD-1051-4AA5-8E2A-D2B463C3ED05}"/>
               </a:ext>
             </a:extLst>
           </p:cNvPr>
@@ -2594,7 +2598,7 @@
           <p:cNvPr id="4" name="Text Placeholder 3">
             <a:extLst>
               <a:ext uri="{FF2B5EF4-FFF2-40B4-BE49-F238E27FC236}">
-                <a16:creationId xmlns:a16="http://schemas.microsoft.com/office/drawing/2014/main" id="{3A8CEA21-16EB-4A94-9944-3647BB6BA8D5}"/>
+                <a16:creationId xmlns:a16="http://schemas.microsoft.com/office/drawing/2014/main" xmlns="" id="{3A8CEA21-16EB-4A94-9944-3647BB6BA8D5}"/>
               </a:ext>
             </a:extLst>
           </p:cNvPr>
@@ -2665,7 +2669,7 @@
           <p:cNvPr id="5" name="Date Placeholder 4">
             <a:extLst>
               <a:ext uri="{FF2B5EF4-FFF2-40B4-BE49-F238E27FC236}">
-                <a16:creationId xmlns:a16="http://schemas.microsoft.com/office/drawing/2014/main" id="{688DB44F-3059-4092-AD1A-7504EEF36CE6}"/>
+                <a16:creationId xmlns:a16="http://schemas.microsoft.com/office/drawing/2014/main" xmlns="" id="{688DB44F-3059-4092-AD1A-7504EEF36CE6}"/>
               </a:ext>
             </a:extLst>
           </p:cNvPr>
@@ -2694,7 +2698,7 @@
           <p:cNvPr id="6" name="Footer Placeholder 5">
             <a:extLst>
               <a:ext uri="{FF2B5EF4-FFF2-40B4-BE49-F238E27FC236}">
-                <a16:creationId xmlns:a16="http://schemas.microsoft.com/office/drawing/2014/main" id="{B35C929B-9E2A-47DE-873A-02CE39525023}"/>
+                <a16:creationId xmlns:a16="http://schemas.microsoft.com/office/drawing/2014/main" xmlns="" id="{B35C929B-9E2A-47DE-873A-02CE39525023}"/>
               </a:ext>
             </a:extLst>
           </p:cNvPr>
@@ -2719,7 +2723,7 @@
           <p:cNvPr id="7" name="Slide Number Placeholder 6">
             <a:extLst>
               <a:ext uri="{FF2B5EF4-FFF2-40B4-BE49-F238E27FC236}">
-                <a16:creationId xmlns:a16="http://schemas.microsoft.com/office/drawing/2014/main" id="{AAA4813F-F911-4447-B66E-08B88D2CF718}"/>
+                <a16:creationId xmlns:a16="http://schemas.microsoft.com/office/drawing/2014/main" xmlns="" id="{AAA4813F-F911-4447-B66E-08B88D2CF718}"/>
               </a:ext>
             </a:extLst>
           </p:cNvPr>
@@ -2783,7 +2787,7 @@
           <p:cNvPr id="2" name="Title Placeholder 1">
             <a:extLst>
               <a:ext uri="{FF2B5EF4-FFF2-40B4-BE49-F238E27FC236}">
-                <a16:creationId xmlns:a16="http://schemas.microsoft.com/office/drawing/2014/main" id="{8057EEA8-3535-4679-826C-98302F743460}"/>
+                <a16:creationId xmlns:a16="http://schemas.microsoft.com/office/drawing/2014/main" xmlns="" id="{8057EEA8-3535-4679-826C-98302F743460}"/>
               </a:ext>
             </a:extLst>
           </p:cNvPr>
@@ -2821,7 +2825,7 @@
           <p:cNvPr id="3" name="Text Placeholder 2">
             <a:extLst>
               <a:ext uri="{FF2B5EF4-FFF2-40B4-BE49-F238E27FC236}">
-                <a16:creationId xmlns:a16="http://schemas.microsoft.com/office/drawing/2014/main" id="{AF37BD19-7260-4B33-B4CA-FFA7A56E23B8}"/>
+                <a16:creationId xmlns:a16="http://schemas.microsoft.com/office/drawing/2014/main" xmlns="" id="{AF37BD19-7260-4B33-B4CA-FFA7A56E23B8}"/>
               </a:ext>
             </a:extLst>
           </p:cNvPr>
@@ -2888,7 +2892,7 @@
           <p:cNvPr id="4" name="Date Placeholder 3">
             <a:extLst>
               <a:ext uri="{FF2B5EF4-FFF2-40B4-BE49-F238E27FC236}">
-                <a16:creationId xmlns:a16="http://schemas.microsoft.com/office/drawing/2014/main" id="{CAE3F551-FEA9-4AC8-907E-F464AD03C7CF}"/>
+                <a16:creationId xmlns:a16="http://schemas.microsoft.com/office/drawing/2014/main" xmlns="" id="{CAE3F551-FEA9-4AC8-907E-F464AD03C7CF}"/>
               </a:ext>
             </a:extLst>
           </p:cNvPr>
@@ -2935,7 +2939,7 @@
           <p:cNvPr id="5" name="Footer Placeholder 4">
             <a:extLst>
               <a:ext uri="{FF2B5EF4-FFF2-40B4-BE49-F238E27FC236}">
-                <a16:creationId xmlns:a16="http://schemas.microsoft.com/office/drawing/2014/main" id="{9F3A1DFC-4437-46F7-9F8F-A3B4C12FB65C}"/>
+                <a16:creationId xmlns:a16="http://schemas.microsoft.com/office/drawing/2014/main" xmlns="" id="{9F3A1DFC-4437-46F7-9F8F-A3B4C12FB65C}"/>
               </a:ext>
             </a:extLst>
           </p:cNvPr>
@@ -2978,7 +2982,7 @@
           <p:cNvPr id="6" name="Slide Number Placeholder 5">
             <a:extLst>
               <a:ext uri="{FF2B5EF4-FFF2-40B4-BE49-F238E27FC236}">
-                <a16:creationId xmlns:a16="http://schemas.microsoft.com/office/drawing/2014/main" id="{F231CB4B-700E-41BE-B19E-449274381105}"/>
+                <a16:creationId xmlns:a16="http://schemas.microsoft.com/office/drawing/2014/main" xmlns="" id="{F231CB4B-700E-41BE-B19E-449274381105}"/>
               </a:ext>
             </a:extLst>
           </p:cNvPr>
@@ -3346,7 +3350,7 @@
           <p:cNvPr id="8" name="Title 1">
             <a:extLst>
               <a:ext uri="{FF2B5EF4-FFF2-40B4-BE49-F238E27FC236}">
-                <a16:creationId xmlns:a16="http://schemas.microsoft.com/office/drawing/2014/main" id="{2A63AA7F-5772-4352-BFEE-F60D9B7A4536}"/>
+                <a16:creationId xmlns:a16="http://schemas.microsoft.com/office/drawing/2014/main" xmlns="" id="{2A63AA7F-5772-4352-BFEE-F60D9B7A4536}"/>
               </a:ext>
             </a:extLst>
           </p:cNvPr>
@@ -3385,7 +3389,7 @@
           <p:cNvPr id="9" name="Subtitle 2">
             <a:extLst>
               <a:ext uri="{FF2B5EF4-FFF2-40B4-BE49-F238E27FC236}">
-                <a16:creationId xmlns:a16="http://schemas.microsoft.com/office/drawing/2014/main" id="{B58A8D68-3E61-45ED-A10C-6C6894DB002B}"/>
+                <a16:creationId xmlns:a16="http://schemas.microsoft.com/office/drawing/2014/main" xmlns="" id="{B58A8D68-3E61-45ED-A10C-6C6894DB002B}"/>
               </a:ext>
             </a:extLst>
           </p:cNvPr>
@@ -3455,7 +3459,7 @@
           <p:cNvPr id="11" name="Picture 10" descr="Football ball in goal">
             <a:extLst>
               <a:ext uri="{FF2B5EF4-FFF2-40B4-BE49-F238E27FC236}">
-                <a16:creationId xmlns:a16="http://schemas.microsoft.com/office/drawing/2014/main" id="{048B0899-43EE-21D1-2138-892E6609B295}"/>
+                <a16:creationId xmlns:a16="http://schemas.microsoft.com/office/drawing/2014/main" xmlns="" id="{048B0899-43EE-21D1-2138-892E6609B295}"/>
               </a:ext>
             </a:extLst>
           </p:cNvPr>
@@ -3978,7 +3982,7 @@
           <p:cNvPr id="12" name="Imagen 11">
             <a:extLst>
               <a:ext uri="{FF2B5EF4-FFF2-40B4-BE49-F238E27FC236}">
-                <a16:creationId xmlns:a16="http://schemas.microsoft.com/office/drawing/2014/main" id="{9F999587-A626-4D80-BBDE-BE764F793500}"/>
+                <a16:creationId xmlns:a16="http://schemas.microsoft.com/office/drawing/2014/main" xmlns="" id="{9F999587-A626-4D80-BBDE-BE764F793500}"/>
               </a:ext>
             </a:extLst>
           </p:cNvPr>
@@ -4037,7 +4041,7 @@
           <p:cNvPr id="2" name="TextBox 1">
             <a:extLst>
               <a:ext uri="{FF2B5EF4-FFF2-40B4-BE49-F238E27FC236}">
-                <a16:creationId xmlns:a16="http://schemas.microsoft.com/office/drawing/2014/main" id="{742EF216-75D4-4734-B156-3EDB09F9CE9B}"/>
+                <a16:creationId xmlns:a16="http://schemas.microsoft.com/office/drawing/2014/main" xmlns="" id="{742EF216-75D4-4734-B156-3EDB09F9CE9B}"/>
               </a:ext>
             </a:extLst>
           </p:cNvPr>
@@ -4047,7 +4051,7 @@
         <p:spPr>
           <a:xfrm>
             <a:off x="477753" y="2819123"/>
-            <a:ext cx="11236494" cy="2062103"/>
+            <a:ext cx="11236494" cy="1569660"/>
           </a:xfrm>
           <a:prstGeom prst="rect">
             <a:avLst/>
@@ -4066,8 +4070,47 @@
                 <a:latin typeface="Times New Roman" panose="02020603050405020304" pitchFamily="18" charset="0"/>
                 <a:cs typeface="Times New Roman" panose="02020603050405020304" pitchFamily="18" charset="0"/>
               </a:rPr>
-              <a:t>Based on match stats (i.e., percentage of possession of the ball, number of shots, number of shots on target, being home team vs being visitor team, etc.), can we predict who the winner of a particular match was?</a:t>
+              <a:t>Based on match stats (i.e., percentage of possession of the ball, number of shots, number of shots on </a:t>
             </a:r>
+            <a:r>
+              <a:rPr lang="en-US" sz="3200" dirty="0" smtClean="0">
+                <a:latin typeface="Times New Roman" panose="02020603050405020304" pitchFamily="18" charset="0"/>
+                <a:cs typeface="Times New Roman" panose="02020603050405020304" pitchFamily="18" charset="0"/>
+              </a:rPr>
+              <a:t>target, </a:t>
+            </a:r>
+            <a:r>
+              <a:rPr lang="en-US" sz="3200" dirty="0">
+                <a:latin typeface="Times New Roman" panose="02020603050405020304" pitchFamily="18" charset="0"/>
+                <a:cs typeface="Times New Roman" panose="02020603050405020304" pitchFamily="18" charset="0"/>
+              </a:rPr>
+              <a:t>etc.), can we </a:t>
+            </a:r>
+            <a:r>
+              <a:rPr lang="en-US" sz="3200" dirty="0" smtClean="0">
+                <a:latin typeface="Times New Roman" panose="02020603050405020304" pitchFamily="18" charset="0"/>
+                <a:cs typeface="Times New Roman" panose="02020603050405020304" pitchFamily="18" charset="0"/>
+              </a:rPr>
+              <a:t>predict the </a:t>
+            </a:r>
+            <a:r>
+              <a:rPr lang="en-US" sz="3200" dirty="0">
+                <a:latin typeface="Times New Roman" panose="02020603050405020304" pitchFamily="18" charset="0"/>
+                <a:cs typeface="Times New Roman" panose="02020603050405020304" pitchFamily="18" charset="0"/>
+              </a:rPr>
+              <a:t>winner </a:t>
+            </a:r>
+            <a:r>
+              <a:rPr lang="en-US" sz="3200" dirty="0" smtClean="0">
+                <a:latin typeface="Times New Roman" panose="02020603050405020304" pitchFamily="18" charset="0"/>
+                <a:cs typeface="Times New Roman" panose="02020603050405020304" pitchFamily="18" charset="0"/>
+              </a:rPr>
+              <a:t>of a match as indicated by number of goals?</a:t>
+            </a:r>
+            <a:endParaRPr lang="en-US" sz="3200" dirty="0">
+              <a:latin typeface="Times New Roman" panose="02020603050405020304" pitchFamily="18" charset="0"/>
+              <a:cs typeface="Times New Roman" panose="02020603050405020304" pitchFamily="18" charset="0"/>
+            </a:endParaRPr>
           </a:p>
         </p:txBody>
       </p:sp>
@@ -4076,7 +4119,7 @@
           <p:cNvPr id="3" name="Straight Connector 2">
             <a:extLst>
               <a:ext uri="{FF2B5EF4-FFF2-40B4-BE49-F238E27FC236}">
-                <a16:creationId xmlns:a16="http://schemas.microsoft.com/office/drawing/2014/main" id="{B493E240-C89A-4822-B4C3-EC3A33AD45FA}"/>
+                <a16:creationId xmlns:a16="http://schemas.microsoft.com/office/drawing/2014/main" xmlns="" id="{B493E240-C89A-4822-B4C3-EC3A33AD45FA}"/>
               </a:ext>
             </a:extLst>
           </p:cNvPr>
@@ -4117,7 +4160,7 @@
           <p:cNvPr id="4" name="TextBox 3">
             <a:extLst>
               <a:ext uri="{FF2B5EF4-FFF2-40B4-BE49-F238E27FC236}">
-                <a16:creationId xmlns:a16="http://schemas.microsoft.com/office/drawing/2014/main" id="{9EAF4BF5-F510-49EE-8E26-0511CB451A3D}"/>
+                <a16:creationId xmlns:a16="http://schemas.microsoft.com/office/drawing/2014/main" xmlns="" id="{9EAF4BF5-F510-49EE-8E26-0511CB451A3D}"/>
               </a:ext>
             </a:extLst>
           </p:cNvPr>
@@ -4317,7 +4360,7 @@
           <p:cNvPr id="2" name="Straight Connector 1">
             <a:extLst>
               <a:ext uri="{FF2B5EF4-FFF2-40B4-BE49-F238E27FC236}">
-                <a16:creationId xmlns:a16="http://schemas.microsoft.com/office/drawing/2014/main" id="{EE905CE2-8908-4191-AD04-9750412658A3}"/>
+                <a16:creationId xmlns:a16="http://schemas.microsoft.com/office/drawing/2014/main" xmlns="" id="{EE905CE2-8908-4191-AD04-9750412658A3}"/>
               </a:ext>
             </a:extLst>
           </p:cNvPr>
@@ -4358,7 +4401,7 @@
           <p:cNvPr id="3" name="TextBox 2">
             <a:extLst>
               <a:ext uri="{FF2B5EF4-FFF2-40B4-BE49-F238E27FC236}">
-                <a16:creationId xmlns:a16="http://schemas.microsoft.com/office/drawing/2014/main" id="{C643D531-7E8B-4760-8A5A-4C20FE94E1D0}"/>
+                <a16:creationId xmlns:a16="http://schemas.microsoft.com/office/drawing/2014/main" xmlns="" id="{C643D531-7E8B-4760-8A5A-4C20FE94E1D0}"/>
               </a:ext>
             </a:extLst>
           </p:cNvPr>
@@ -4396,7 +4439,7 @@
           <p:cNvPr id="8" name="Group 7">
             <a:extLst>
               <a:ext uri="{FF2B5EF4-FFF2-40B4-BE49-F238E27FC236}">
-                <a16:creationId xmlns:a16="http://schemas.microsoft.com/office/drawing/2014/main" id="{D56D44EB-9B4A-4942-BA2D-21CC24E1630F}"/>
+                <a16:creationId xmlns:a16="http://schemas.microsoft.com/office/drawing/2014/main" xmlns="" id="{D56D44EB-9B4A-4942-BA2D-21CC24E1630F}"/>
               </a:ext>
             </a:extLst>
           </p:cNvPr>
@@ -4416,7 +4459,7 @@
             <p:cNvPr id="5" name="Picture 4" descr="Graphical user interface, application&#10;&#10;Description automatically generated">
               <a:extLst>
                 <a:ext uri="{FF2B5EF4-FFF2-40B4-BE49-F238E27FC236}">
-                  <a16:creationId xmlns:a16="http://schemas.microsoft.com/office/drawing/2014/main" id="{199DE427-4248-4E0B-905E-17DCC5355BC3}"/>
+                  <a16:creationId xmlns:a16="http://schemas.microsoft.com/office/drawing/2014/main" xmlns="" id="{199DE427-4248-4E0B-905E-17DCC5355BC3}"/>
                 </a:ext>
               </a:extLst>
             </p:cNvPr>
@@ -4451,7 +4494,7 @@
             <p:cNvPr id="7" name="Picture 6" descr="Text&#10;&#10;Description automatically generated">
               <a:extLst>
                 <a:ext uri="{FF2B5EF4-FFF2-40B4-BE49-F238E27FC236}">
-                  <a16:creationId xmlns:a16="http://schemas.microsoft.com/office/drawing/2014/main" id="{2CC1C528-A443-4FAB-938F-D72C1CC041BF}"/>
+                  <a16:creationId xmlns:a16="http://schemas.microsoft.com/office/drawing/2014/main" xmlns="" id="{2CC1C528-A443-4FAB-938F-D72C1CC041BF}"/>
                 </a:ext>
               </a:extLst>
             </p:cNvPr>
@@ -4488,7 +4531,7 @@
           <p:cNvPr id="9" name="Rectangle 8">
             <a:extLst>
               <a:ext uri="{FF2B5EF4-FFF2-40B4-BE49-F238E27FC236}">
-                <a16:creationId xmlns:a16="http://schemas.microsoft.com/office/drawing/2014/main" id="{F99468AA-2A75-4214-862D-2CA3304F500A}"/>
+                <a16:creationId xmlns:a16="http://schemas.microsoft.com/office/drawing/2014/main" xmlns="" id="{F99468AA-2A75-4214-862D-2CA3304F500A}"/>
               </a:ext>
             </a:extLst>
           </p:cNvPr>
@@ -4570,7 +4613,7 @@
           <p:cNvPr id="28" name="Straight Connector 27">
             <a:extLst>
               <a:ext uri="{FF2B5EF4-FFF2-40B4-BE49-F238E27FC236}">
-                <a16:creationId xmlns:a16="http://schemas.microsoft.com/office/drawing/2014/main" id="{5BC01C7A-1442-4981-9CA7-DBED2A4FA907}"/>
+                <a16:creationId xmlns:a16="http://schemas.microsoft.com/office/drawing/2014/main" xmlns="" id="{5BC01C7A-1442-4981-9CA7-DBED2A4FA907}"/>
               </a:ext>
             </a:extLst>
           </p:cNvPr>
@@ -4611,7 +4654,7 @@
           <p:cNvPr id="29" name="TextBox 28">
             <a:extLst>
               <a:ext uri="{FF2B5EF4-FFF2-40B4-BE49-F238E27FC236}">
-                <a16:creationId xmlns:a16="http://schemas.microsoft.com/office/drawing/2014/main" id="{FD8A799C-BE52-4998-90B7-F7B21AE43B0E}"/>
+                <a16:creationId xmlns:a16="http://schemas.microsoft.com/office/drawing/2014/main" xmlns="" id="{FD8A799C-BE52-4998-90B7-F7B21AE43B0E}"/>
               </a:ext>
             </a:extLst>
           </p:cNvPr>
@@ -4649,7 +4692,7 @@
           <p:cNvPr id="8" name="Rectangle: Rounded Corners 7">
             <a:extLst>
               <a:ext uri="{FF2B5EF4-FFF2-40B4-BE49-F238E27FC236}">
-                <a16:creationId xmlns:a16="http://schemas.microsoft.com/office/drawing/2014/main" id="{F4435332-69FC-4D75-B3A6-EA7EB1DA13F2}"/>
+                <a16:creationId xmlns:a16="http://schemas.microsoft.com/office/drawing/2014/main" xmlns="" id="{F4435332-69FC-4D75-B3A6-EA7EB1DA13F2}"/>
               </a:ext>
             </a:extLst>
           </p:cNvPr>
@@ -4724,7 +4767,7 @@
           <p:cNvPr id="9" name="Rectangle: Rounded Corners 8">
             <a:extLst>
               <a:ext uri="{FF2B5EF4-FFF2-40B4-BE49-F238E27FC236}">
-                <a16:creationId xmlns:a16="http://schemas.microsoft.com/office/drawing/2014/main" id="{1F7799C2-40DE-491E-922C-E05F43B64704}"/>
+                <a16:creationId xmlns:a16="http://schemas.microsoft.com/office/drawing/2014/main" xmlns="" id="{1F7799C2-40DE-491E-922C-E05F43B64704}"/>
               </a:ext>
             </a:extLst>
           </p:cNvPr>
@@ -4799,7 +4842,7 @@
           <p:cNvPr id="10" name="Rectangle: Rounded Corners 9">
             <a:extLst>
               <a:ext uri="{FF2B5EF4-FFF2-40B4-BE49-F238E27FC236}">
-                <a16:creationId xmlns:a16="http://schemas.microsoft.com/office/drawing/2014/main" id="{C41A0105-3D0A-41A6-979A-05BB97B6C5C7}"/>
+                <a16:creationId xmlns:a16="http://schemas.microsoft.com/office/drawing/2014/main" xmlns="" id="{C41A0105-3D0A-41A6-979A-05BB97B6C5C7}"/>
               </a:ext>
             </a:extLst>
           </p:cNvPr>
@@ -4874,7 +4917,7 @@
           <p:cNvPr id="11" name="Rectangle: Rounded Corners 10">
             <a:extLst>
               <a:ext uri="{FF2B5EF4-FFF2-40B4-BE49-F238E27FC236}">
-                <a16:creationId xmlns:a16="http://schemas.microsoft.com/office/drawing/2014/main" id="{61A8BB1B-DF19-4230-B91C-FA1B01C9D034}"/>
+                <a16:creationId xmlns:a16="http://schemas.microsoft.com/office/drawing/2014/main" xmlns="" id="{61A8BB1B-DF19-4230-B91C-FA1B01C9D034}"/>
               </a:ext>
             </a:extLst>
           </p:cNvPr>
@@ -4949,7 +4992,7 @@
           <p:cNvPr id="12" name="Rectangle: Rounded Corners 11">
             <a:extLst>
               <a:ext uri="{FF2B5EF4-FFF2-40B4-BE49-F238E27FC236}">
-                <a16:creationId xmlns:a16="http://schemas.microsoft.com/office/drawing/2014/main" id="{C9762CBF-3494-4AB6-8F84-63E4F89FFE81}"/>
+                <a16:creationId xmlns:a16="http://schemas.microsoft.com/office/drawing/2014/main" xmlns="" id="{C9762CBF-3494-4AB6-8F84-63E4F89FFE81}"/>
               </a:ext>
             </a:extLst>
           </p:cNvPr>
@@ -5024,7 +5067,7 @@
           <p:cNvPr id="13" name="Rectangle: Rounded Corners 12">
             <a:extLst>
               <a:ext uri="{FF2B5EF4-FFF2-40B4-BE49-F238E27FC236}">
-                <a16:creationId xmlns:a16="http://schemas.microsoft.com/office/drawing/2014/main" id="{0AD5A17F-D6F5-4898-90E7-32F83AD408E4}"/>
+                <a16:creationId xmlns:a16="http://schemas.microsoft.com/office/drawing/2014/main" xmlns="" id="{0AD5A17F-D6F5-4898-90E7-32F83AD408E4}"/>
               </a:ext>
             </a:extLst>
           </p:cNvPr>
@@ -5099,7 +5142,7 @@
           <p:cNvPr id="14" name="Rectangle: Rounded Corners 13">
             <a:extLst>
               <a:ext uri="{FF2B5EF4-FFF2-40B4-BE49-F238E27FC236}">
-                <a16:creationId xmlns:a16="http://schemas.microsoft.com/office/drawing/2014/main" id="{427388F0-F1BF-49F1-AB90-BF4F855265CB}"/>
+                <a16:creationId xmlns:a16="http://schemas.microsoft.com/office/drawing/2014/main" xmlns="" id="{427388F0-F1BF-49F1-AB90-BF4F855265CB}"/>
               </a:ext>
             </a:extLst>
           </p:cNvPr>
@@ -5174,7 +5217,7 @@
           <p:cNvPr id="15" name="Rectangle: Rounded Corners 14">
             <a:extLst>
               <a:ext uri="{FF2B5EF4-FFF2-40B4-BE49-F238E27FC236}">
-                <a16:creationId xmlns:a16="http://schemas.microsoft.com/office/drawing/2014/main" id="{F4F36732-5BAB-40B0-8F96-050D67939387}"/>
+                <a16:creationId xmlns:a16="http://schemas.microsoft.com/office/drawing/2014/main" xmlns="" id="{F4F36732-5BAB-40B0-8F96-050D67939387}"/>
               </a:ext>
             </a:extLst>
           </p:cNvPr>
@@ -5249,7 +5292,7 @@
           <p:cNvPr id="16" name="Rectangle: Rounded Corners 15">
             <a:extLst>
               <a:ext uri="{FF2B5EF4-FFF2-40B4-BE49-F238E27FC236}">
-                <a16:creationId xmlns:a16="http://schemas.microsoft.com/office/drawing/2014/main" id="{CA09CD9D-372F-45B5-B665-D4CC658FCC48}"/>
+                <a16:creationId xmlns:a16="http://schemas.microsoft.com/office/drawing/2014/main" xmlns="" id="{CA09CD9D-372F-45B5-B665-D4CC658FCC48}"/>
               </a:ext>
             </a:extLst>
           </p:cNvPr>
@@ -5315,7 +5358,7 @@
           <p:cNvPr id="17" name="Rectangle: Rounded Corners 16">
             <a:extLst>
               <a:ext uri="{FF2B5EF4-FFF2-40B4-BE49-F238E27FC236}">
-                <a16:creationId xmlns:a16="http://schemas.microsoft.com/office/drawing/2014/main" id="{4D38B512-7E7D-4A61-8C38-D1BF4269173E}"/>
+                <a16:creationId xmlns:a16="http://schemas.microsoft.com/office/drawing/2014/main" xmlns="" id="{4D38B512-7E7D-4A61-8C38-D1BF4269173E}"/>
               </a:ext>
             </a:extLst>
           </p:cNvPr>
@@ -5381,7 +5424,7 @@
           <p:cNvPr id="18" name="Rectangle: Rounded Corners 17">
             <a:extLst>
               <a:ext uri="{FF2B5EF4-FFF2-40B4-BE49-F238E27FC236}">
-                <a16:creationId xmlns:a16="http://schemas.microsoft.com/office/drawing/2014/main" id="{4077607C-E917-47B5-B2B0-FE2CD453C596}"/>
+                <a16:creationId xmlns:a16="http://schemas.microsoft.com/office/drawing/2014/main" xmlns="" id="{4077607C-E917-47B5-B2B0-FE2CD453C596}"/>
               </a:ext>
             </a:extLst>
           </p:cNvPr>
@@ -5447,7 +5490,7 @@
           <p:cNvPr id="19" name="Rectangle: Rounded Corners 18">
             <a:extLst>
               <a:ext uri="{FF2B5EF4-FFF2-40B4-BE49-F238E27FC236}">
-                <a16:creationId xmlns:a16="http://schemas.microsoft.com/office/drawing/2014/main" id="{61F80F85-6FCC-413C-8C38-5A0E48E467F7}"/>
+                <a16:creationId xmlns:a16="http://schemas.microsoft.com/office/drawing/2014/main" xmlns="" id="{61F80F85-6FCC-413C-8C38-5A0E48E467F7}"/>
               </a:ext>
             </a:extLst>
           </p:cNvPr>
@@ -5513,7 +5556,7 @@
           <p:cNvPr id="20" name="Rectangle: Rounded Corners 19">
             <a:extLst>
               <a:ext uri="{FF2B5EF4-FFF2-40B4-BE49-F238E27FC236}">
-                <a16:creationId xmlns:a16="http://schemas.microsoft.com/office/drawing/2014/main" id="{CBB470BF-A936-4D60-B1A2-03A93D25CD47}"/>
+                <a16:creationId xmlns:a16="http://schemas.microsoft.com/office/drawing/2014/main" xmlns="" id="{CBB470BF-A936-4D60-B1A2-03A93D25CD47}"/>
               </a:ext>
             </a:extLst>
           </p:cNvPr>
@@ -5579,7 +5622,7 @@
           <p:cNvPr id="21" name="Rectangle: Rounded Corners 20">
             <a:extLst>
               <a:ext uri="{FF2B5EF4-FFF2-40B4-BE49-F238E27FC236}">
-                <a16:creationId xmlns:a16="http://schemas.microsoft.com/office/drawing/2014/main" id="{F76D9321-06A5-4A29-A115-ADE0DFF6AADD}"/>
+                <a16:creationId xmlns:a16="http://schemas.microsoft.com/office/drawing/2014/main" xmlns="" id="{F76D9321-06A5-4A29-A115-ADE0DFF6AADD}"/>
               </a:ext>
             </a:extLst>
           </p:cNvPr>
@@ -5645,7 +5688,7 @@
           <p:cNvPr id="22" name="Rectangle: Rounded Corners 21">
             <a:extLst>
               <a:ext uri="{FF2B5EF4-FFF2-40B4-BE49-F238E27FC236}">
-                <a16:creationId xmlns:a16="http://schemas.microsoft.com/office/drawing/2014/main" id="{D48F64A5-A45D-4254-B2D2-4763B59951C3}"/>
+                <a16:creationId xmlns:a16="http://schemas.microsoft.com/office/drawing/2014/main" xmlns="" id="{D48F64A5-A45D-4254-B2D2-4763B59951C3}"/>
               </a:ext>
             </a:extLst>
           </p:cNvPr>
@@ -5711,7 +5754,7 @@
           <p:cNvPr id="23" name="Rectangle: Rounded Corners 22">
             <a:extLst>
               <a:ext uri="{FF2B5EF4-FFF2-40B4-BE49-F238E27FC236}">
-                <a16:creationId xmlns:a16="http://schemas.microsoft.com/office/drawing/2014/main" id="{1F8CE15E-2EC7-419B-9B10-0944E4E7BB64}"/>
+                <a16:creationId xmlns:a16="http://schemas.microsoft.com/office/drawing/2014/main" xmlns="" id="{1F8CE15E-2EC7-419B-9B10-0944E4E7BB64}"/>
               </a:ext>
             </a:extLst>
           </p:cNvPr>
@@ -5777,7 +5820,7 @@
           <p:cNvPr id="24" name="TextBox 23">
             <a:extLst>
               <a:ext uri="{FF2B5EF4-FFF2-40B4-BE49-F238E27FC236}">
-                <a16:creationId xmlns:a16="http://schemas.microsoft.com/office/drawing/2014/main" id="{1D72480D-C09C-42F2-AF4C-B3877C177CC3}"/>
+                <a16:creationId xmlns:a16="http://schemas.microsoft.com/office/drawing/2014/main" xmlns="" id="{1D72480D-C09C-42F2-AF4C-B3877C177CC3}"/>
               </a:ext>
             </a:extLst>
           </p:cNvPr>
@@ -5851,7 +5894,7 @@
           <p:cNvPr id="25" name="TextBox 24">
             <a:extLst>
               <a:ext uri="{FF2B5EF4-FFF2-40B4-BE49-F238E27FC236}">
-                <a16:creationId xmlns:a16="http://schemas.microsoft.com/office/drawing/2014/main" id="{26160063-FD4F-4FF6-B323-B31EE539258B}"/>
+                <a16:creationId xmlns:a16="http://schemas.microsoft.com/office/drawing/2014/main" xmlns="" id="{26160063-FD4F-4FF6-B323-B31EE539258B}"/>
               </a:ext>
             </a:extLst>
           </p:cNvPr>
@@ -5925,7 +5968,7 @@
           <p:cNvPr id="26" name="TextBox 25">
             <a:extLst>
               <a:ext uri="{FF2B5EF4-FFF2-40B4-BE49-F238E27FC236}">
-                <a16:creationId xmlns:a16="http://schemas.microsoft.com/office/drawing/2014/main" id="{A8BA53C5-77CF-4DDD-8C5C-056D334E73EE}"/>
+                <a16:creationId xmlns:a16="http://schemas.microsoft.com/office/drawing/2014/main" xmlns="" id="{A8BA53C5-77CF-4DDD-8C5C-056D334E73EE}"/>
               </a:ext>
             </a:extLst>
           </p:cNvPr>
@@ -5999,7 +6042,7 @@
           <p:cNvPr id="27" name="TextBox 26">
             <a:extLst>
               <a:ext uri="{FF2B5EF4-FFF2-40B4-BE49-F238E27FC236}">
-                <a16:creationId xmlns:a16="http://schemas.microsoft.com/office/drawing/2014/main" id="{73233433-E353-4C36-A84A-DA39FC0FE1EE}"/>
+                <a16:creationId xmlns:a16="http://schemas.microsoft.com/office/drawing/2014/main" xmlns="" id="{73233433-E353-4C36-A84A-DA39FC0FE1EE}"/>
               </a:ext>
             </a:extLst>
           </p:cNvPr>
@@ -6073,7 +6116,7 @@
           <p:cNvPr id="4" name="TextBox 3">
             <a:extLst>
               <a:ext uri="{FF2B5EF4-FFF2-40B4-BE49-F238E27FC236}">
-                <a16:creationId xmlns:a16="http://schemas.microsoft.com/office/drawing/2014/main" id="{A2AD06CB-AC0F-4628-A6C5-065165D1D398}"/>
+                <a16:creationId xmlns:a16="http://schemas.microsoft.com/office/drawing/2014/main" xmlns="" id="{A2AD06CB-AC0F-4628-A6C5-065165D1D398}"/>
               </a:ext>
             </a:extLst>
           </p:cNvPr>
@@ -6138,7 +6181,7 @@
           <p:cNvPr id="5" name="TextBox 4">
             <a:extLst>
               <a:ext uri="{FF2B5EF4-FFF2-40B4-BE49-F238E27FC236}">
-                <a16:creationId xmlns:a16="http://schemas.microsoft.com/office/drawing/2014/main" id="{29DD3659-D9E9-4D4E-B5B3-94B67A848518}"/>
+                <a16:creationId xmlns:a16="http://schemas.microsoft.com/office/drawing/2014/main" xmlns="" id="{29DD3659-D9E9-4D4E-B5B3-94B67A848518}"/>
               </a:ext>
             </a:extLst>
           </p:cNvPr>
@@ -6203,7 +6246,7 @@
           <p:cNvPr id="6" name="TextBox 5">
             <a:extLst>
               <a:ext uri="{FF2B5EF4-FFF2-40B4-BE49-F238E27FC236}">
-                <a16:creationId xmlns:a16="http://schemas.microsoft.com/office/drawing/2014/main" id="{46FFF08C-A00A-452C-9FB5-897F0F9C2026}"/>
+                <a16:creationId xmlns:a16="http://schemas.microsoft.com/office/drawing/2014/main" xmlns="" id="{46FFF08C-A00A-452C-9FB5-897F0F9C2026}"/>
               </a:ext>
             </a:extLst>
           </p:cNvPr>
@@ -6268,7 +6311,7 @@
           <p:cNvPr id="7" name="TextBox 6">
             <a:extLst>
               <a:ext uri="{FF2B5EF4-FFF2-40B4-BE49-F238E27FC236}">
-                <a16:creationId xmlns:a16="http://schemas.microsoft.com/office/drawing/2014/main" id="{DC8BF421-EC0E-41F0-A810-54D65394FB44}"/>
+                <a16:creationId xmlns:a16="http://schemas.microsoft.com/office/drawing/2014/main" xmlns="" id="{DC8BF421-EC0E-41F0-A810-54D65394FB44}"/>
               </a:ext>
             </a:extLst>
           </p:cNvPr>
@@ -6333,7 +6376,7 @@
           <p:cNvPr id="30" name="Rectangle: Rounded Corners 29">
             <a:extLst>
               <a:ext uri="{FF2B5EF4-FFF2-40B4-BE49-F238E27FC236}">
-                <a16:creationId xmlns:a16="http://schemas.microsoft.com/office/drawing/2014/main" id="{622FED8A-6710-405A-8EEB-2B9A71D48CA2}"/>
+                <a16:creationId xmlns:a16="http://schemas.microsoft.com/office/drawing/2014/main" xmlns="" id="{622FED8A-6710-405A-8EEB-2B9A71D48CA2}"/>
               </a:ext>
             </a:extLst>
           </p:cNvPr>
@@ -6408,7 +6451,7 @@
           <p:cNvPr id="31" name="Rectangle: Rounded Corners 30">
             <a:extLst>
               <a:ext uri="{FF2B5EF4-FFF2-40B4-BE49-F238E27FC236}">
-                <a16:creationId xmlns:a16="http://schemas.microsoft.com/office/drawing/2014/main" id="{2F6E0BC0-0AC7-4652-BBFE-A2212A73586F}"/>
+                <a16:creationId xmlns:a16="http://schemas.microsoft.com/office/drawing/2014/main" xmlns="" id="{2F6E0BC0-0AC7-4652-BBFE-A2212A73586F}"/>
               </a:ext>
             </a:extLst>
           </p:cNvPr>
@@ -6474,7 +6517,7 @@
           <p:cNvPr id="32" name="TextBox 31">
             <a:extLst>
               <a:ext uri="{FF2B5EF4-FFF2-40B4-BE49-F238E27FC236}">
-                <a16:creationId xmlns:a16="http://schemas.microsoft.com/office/drawing/2014/main" id="{B1DE1F40-72F3-4FC9-B30F-3F4DAF6BCD28}"/>
+                <a16:creationId xmlns:a16="http://schemas.microsoft.com/office/drawing/2014/main" xmlns="" id="{B1DE1F40-72F3-4FC9-B30F-3F4DAF6BCD28}"/>
               </a:ext>
             </a:extLst>
           </p:cNvPr>
@@ -6569,7 +6612,7 @@
           <p:cNvPr id="2" name="Straight Connector 1">
             <a:extLst>
               <a:ext uri="{FF2B5EF4-FFF2-40B4-BE49-F238E27FC236}">
-                <a16:creationId xmlns:a16="http://schemas.microsoft.com/office/drawing/2014/main" id="{BC4339F9-A066-45CD-91C6-61FED21D3027}"/>
+                <a16:creationId xmlns:a16="http://schemas.microsoft.com/office/drawing/2014/main" xmlns="" id="{BC4339F9-A066-45CD-91C6-61FED21D3027}"/>
               </a:ext>
             </a:extLst>
           </p:cNvPr>
@@ -6610,7 +6653,7 @@
           <p:cNvPr id="3" name="TextBox 2">
             <a:extLst>
               <a:ext uri="{FF2B5EF4-FFF2-40B4-BE49-F238E27FC236}">
-                <a16:creationId xmlns:a16="http://schemas.microsoft.com/office/drawing/2014/main" id="{4F839CDC-E463-4502-8748-827AE781F905}"/>
+                <a16:creationId xmlns:a16="http://schemas.microsoft.com/office/drawing/2014/main" xmlns="" id="{4F839CDC-E463-4502-8748-827AE781F905}"/>
               </a:ext>
             </a:extLst>
           </p:cNvPr>
@@ -6620,7 +6663,7 @@
         <p:spPr>
           <a:xfrm>
             <a:off x="439692" y="229258"/>
-            <a:ext cx="1301959" cy="584775"/>
+            <a:ext cx="5260158" cy="584775"/>
           </a:xfrm>
           <a:prstGeom prst="rect">
             <a:avLst/>
@@ -6634,15 +6677,48 @@
           <a:lstStyle/>
           <a:p>
             <a:r>
-              <a:rPr lang="en-US" sz="3200" b="1" dirty="0">
+              <a:rPr lang="en-US" sz="3200" b="1" dirty="0" smtClean="0">
                 <a:latin typeface="Times New Roman" panose="02020603050405020304" pitchFamily="18" charset="0"/>
                 <a:cs typeface="Times New Roman" panose="02020603050405020304" pitchFamily="18" charset="0"/>
               </a:rPr>
-              <a:t>Model</a:t>
+              <a:t>Model – Adjusted R Squared</a:t>
             </a:r>
+            <a:endParaRPr lang="en-US" sz="3200" b="1" dirty="0">
+              <a:latin typeface="Times New Roman" panose="02020603050405020304" pitchFamily="18" charset="0"/>
+              <a:cs typeface="Times New Roman" panose="02020603050405020304" pitchFamily="18" charset="0"/>
+            </a:endParaRPr>
           </a:p>
         </p:txBody>
       </p:sp>
+      <p:pic>
+        <p:nvPicPr>
+          <p:cNvPr id="4" name="Picture 3"/>
+          <p:cNvPicPr>
+            <a:picLocks noChangeAspect="1"/>
+          </p:cNvPicPr>
+          <p:nvPr/>
+        </p:nvPicPr>
+        <p:blipFill rotWithShape="1">
+          <a:blip r:embed="rId2">
+            <a:extLst>
+              <a:ext uri="{28A0092B-C50C-407E-A947-70E740481C1C}">
+                <a14:useLocalDpi xmlns:a14="http://schemas.microsoft.com/office/drawing/2010/main" val="0"/>
+              </a:ext>
+            </a:extLst>
+          </a:blip>
+          <a:srcRect t="11078"/>
+          <a:stretch/>
+        </p:blipFill>
+        <p:spPr>
+          <a:xfrm>
+            <a:off x="910472" y="1475359"/>
+            <a:ext cx="10371324" cy="4991555"/>
+          </a:xfrm>
+          <a:prstGeom prst="rect">
+            <a:avLst/>
+          </a:prstGeom>
+        </p:spPr>
+      </p:pic>
     </p:spTree>
     <p:extLst>
       <p:ext uri="{BB962C8B-B14F-4D97-AF65-F5344CB8AC3E}">
@@ -6678,7 +6754,7 @@
           <p:cNvPr id="2" name="Straight Connector 1">
             <a:extLst>
               <a:ext uri="{FF2B5EF4-FFF2-40B4-BE49-F238E27FC236}">
-                <a16:creationId xmlns:a16="http://schemas.microsoft.com/office/drawing/2014/main" id="{A31E7CB7-EDC3-46F2-92F6-748EE36F583B}"/>
+                <a16:creationId xmlns:a16="http://schemas.microsoft.com/office/drawing/2014/main" xmlns="" id="{BC4339F9-A066-45CD-91C6-61FED21D3027}"/>
               </a:ext>
             </a:extLst>
           </p:cNvPr>
@@ -6719,7 +6795,1227 @@
           <p:cNvPr id="3" name="TextBox 2">
             <a:extLst>
               <a:ext uri="{FF2B5EF4-FFF2-40B4-BE49-F238E27FC236}">
-                <a16:creationId xmlns:a16="http://schemas.microsoft.com/office/drawing/2014/main" id="{1CC17B57-5182-431A-B89C-F0A6B72A815B}"/>
+                <a16:creationId xmlns:a16="http://schemas.microsoft.com/office/drawing/2014/main" xmlns="" id="{4F839CDC-E463-4502-8748-827AE781F905}"/>
+              </a:ext>
+            </a:extLst>
+          </p:cNvPr>
+          <p:cNvSpPr txBox="1"/>
+          <p:nvPr/>
+        </p:nvSpPr>
+        <p:spPr>
+          <a:xfrm>
+            <a:off x="439692" y="229258"/>
+            <a:ext cx="2443298" cy="584775"/>
+          </a:xfrm>
+          <a:prstGeom prst="rect">
+            <a:avLst/>
+          </a:prstGeom>
+          <a:noFill/>
+        </p:spPr>
+        <p:txBody>
+          <a:bodyPr wrap="none" rtlCol="0">
+            <a:spAutoFit/>
+          </a:bodyPr>
+          <a:lstStyle/>
+          <a:p>
+            <a:r>
+              <a:rPr lang="en-US" sz="3200" b="1" dirty="0" smtClean="0">
+                <a:latin typeface="Times New Roman" panose="02020603050405020304" pitchFamily="18" charset="0"/>
+                <a:cs typeface="Times New Roman" panose="02020603050405020304" pitchFamily="18" charset="0"/>
+              </a:rPr>
+              <a:t>Model – BIC</a:t>
+            </a:r>
+            <a:endParaRPr lang="en-US" sz="3200" b="1" dirty="0">
+              <a:latin typeface="Times New Roman" panose="02020603050405020304" pitchFamily="18" charset="0"/>
+              <a:cs typeface="Times New Roman" panose="02020603050405020304" pitchFamily="18" charset="0"/>
+            </a:endParaRPr>
+          </a:p>
+        </p:txBody>
+      </p:sp>
+      <p:pic>
+        <p:nvPicPr>
+          <p:cNvPr id="6" name="Picture 5"/>
+          <p:cNvPicPr>
+            <a:picLocks noChangeAspect="1"/>
+          </p:cNvPicPr>
+          <p:nvPr/>
+        </p:nvPicPr>
+        <p:blipFill rotWithShape="1">
+          <a:blip r:embed="rId2">
+            <a:extLst>
+              <a:ext uri="{28A0092B-C50C-407E-A947-70E740481C1C}">
+                <a14:useLocalDpi xmlns:a14="http://schemas.microsoft.com/office/drawing/2010/main" val="0"/>
+              </a:ext>
+            </a:extLst>
+          </a:blip>
+          <a:srcRect t="10476"/>
+          <a:stretch/>
+        </p:blipFill>
+        <p:spPr>
+          <a:xfrm>
+            <a:off x="1080380" y="1469840"/>
+            <a:ext cx="10031239" cy="5249000"/>
+          </a:xfrm>
+          <a:prstGeom prst="rect">
+            <a:avLst/>
+          </a:prstGeom>
+        </p:spPr>
+      </p:pic>
+    </p:spTree>
+    <p:extLst>
+      <p:ext uri="{BB962C8B-B14F-4D97-AF65-F5344CB8AC3E}">
+        <p14:creationId xmlns:p14="http://schemas.microsoft.com/office/powerpoint/2010/main" val="780329860"/>
+      </p:ext>
+    </p:extLst>
+  </p:cSld>
+  <p:clrMapOvr>
+    <a:masterClrMapping/>
+  </p:clrMapOvr>
+</p:sld>
+</file>
+
+<file path=ppt/slides/slide16.xml><?xml version="1.0" encoding="utf-8"?>
+<p:sld xmlns:a="http://schemas.openxmlformats.org/drawingml/2006/main" xmlns:r="http://schemas.openxmlformats.org/officeDocument/2006/relationships" xmlns:p="http://schemas.openxmlformats.org/presentationml/2006/main">
+  <p:cSld>
+    <p:spTree>
+      <p:nvGrpSpPr>
+        <p:cNvPr id="1" name=""/>
+        <p:cNvGrpSpPr/>
+        <p:nvPr/>
+      </p:nvGrpSpPr>
+      <p:grpSpPr>
+        <a:xfrm>
+          <a:off x="0" y="0"/>
+          <a:ext cx="0" cy="0"/>
+          <a:chOff x="0" y="0"/>
+          <a:chExt cx="0" cy="0"/>
+        </a:xfrm>
+      </p:grpSpPr>
+      <p:cxnSp>
+        <p:nvCxnSpPr>
+          <p:cNvPr id="2" name="Straight Connector 1">
+            <a:extLst>
+              <a:ext uri="{FF2B5EF4-FFF2-40B4-BE49-F238E27FC236}">
+                <a16:creationId xmlns:a16="http://schemas.microsoft.com/office/drawing/2014/main" xmlns="" id="{BC4339F9-A066-45CD-91C6-61FED21D3027}"/>
+              </a:ext>
+            </a:extLst>
+          </p:cNvPr>
+          <p:cNvCxnSpPr/>
+          <p:nvPr/>
+        </p:nvCxnSpPr>
+        <p:spPr>
+          <a:xfrm>
+            <a:off x="0" y="1047750"/>
+            <a:ext cx="12192000" cy="0"/>
+          </a:xfrm>
+          <a:prstGeom prst="line">
+            <a:avLst/>
+          </a:prstGeom>
+          <a:ln w="76200">
+            <a:solidFill>
+              <a:srgbClr val="D2C264"/>
+            </a:solidFill>
+          </a:ln>
+        </p:spPr>
+        <p:style>
+          <a:lnRef idx="1">
+            <a:schemeClr val="accent1"/>
+          </a:lnRef>
+          <a:fillRef idx="0">
+            <a:schemeClr val="accent1"/>
+          </a:fillRef>
+          <a:effectRef idx="0">
+            <a:schemeClr val="accent1"/>
+          </a:effectRef>
+          <a:fontRef idx="minor">
+            <a:schemeClr val="tx1"/>
+          </a:fontRef>
+        </p:style>
+      </p:cxnSp>
+      <p:sp>
+        <p:nvSpPr>
+          <p:cNvPr id="3" name="TextBox 2">
+            <a:extLst>
+              <a:ext uri="{FF2B5EF4-FFF2-40B4-BE49-F238E27FC236}">
+                <a16:creationId xmlns:a16="http://schemas.microsoft.com/office/drawing/2014/main" xmlns="" id="{4F839CDC-E463-4502-8748-827AE781F905}"/>
+              </a:ext>
+            </a:extLst>
+          </p:cNvPr>
+          <p:cNvSpPr txBox="1"/>
+          <p:nvPr/>
+        </p:nvSpPr>
+        <p:spPr>
+          <a:xfrm>
+            <a:off x="439692" y="229258"/>
+            <a:ext cx="5451685" cy="584775"/>
+          </a:xfrm>
+          <a:prstGeom prst="rect">
+            <a:avLst/>
+          </a:prstGeom>
+          <a:noFill/>
+        </p:spPr>
+        <p:txBody>
+          <a:bodyPr wrap="none" rtlCol="0">
+            <a:spAutoFit/>
+          </a:bodyPr>
+          <a:lstStyle/>
+          <a:p>
+            <a:r>
+              <a:rPr lang="en-US" sz="3200" b="1" dirty="0" smtClean="0">
+                <a:latin typeface="Times New Roman" panose="02020603050405020304" pitchFamily="18" charset="0"/>
+                <a:cs typeface="Times New Roman" panose="02020603050405020304" pitchFamily="18" charset="0"/>
+              </a:rPr>
+              <a:t>Best Linear Regression </a:t>
+            </a:r>
+            <a:r>
+              <a:rPr lang="en-US" sz="3200" b="1" dirty="0" smtClean="0">
+                <a:latin typeface="Times New Roman" panose="02020603050405020304" pitchFamily="18" charset="0"/>
+                <a:cs typeface="Times New Roman" panose="02020603050405020304" pitchFamily="18" charset="0"/>
+              </a:rPr>
+              <a:t>Model</a:t>
+            </a:r>
+            <a:endParaRPr lang="en-US" sz="3200" b="1" dirty="0">
+              <a:latin typeface="Times New Roman" panose="02020603050405020304" pitchFamily="18" charset="0"/>
+              <a:cs typeface="Times New Roman" panose="02020603050405020304" pitchFamily="18" charset="0"/>
+            </a:endParaRPr>
+          </a:p>
+        </p:txBody>
+      </p:sp>
+      <p:sp>
+        <p:nvSpPr>
+          <p:cNvPr id="7" name="TextBox 6">
+            <a:extLst>
+              <a:ext uri="{FF2B5EF4-FFF2-40B4-BE49-F238E27FC236}">
+                <a16:creationId xmlns:a16="http://schemas.microsoft.com/office/drawing/2014/main" xmlns="" id="{4F839CDC-E463-4502-8748-827AE781F905}"/>
+              </a:ext>
+            </a:extLst>
+          </p:cNvPr>
+          <p:cNvSpPr txBox="1"/>
+          <p:nvPr/>
+        </p:nvSpPr>
+        <p:spPr>
+          <a:xfrm>
+            <a:off x="429588" y="652279"/>
+            <a:ext cx="8027069" cy="400110"/>
+          </a:xfrm>
+          <a:prstGeom prst="rect">
+            <a:avLst/>
+          </a:prstGeom>
+          <a:noFill/>
+        </p:spPr>
+        <p:txBody>
+          <a:bodyPr wrap="none" rtlCol="0">
+            <a:spAutoFit/>
+          </a:bodyPr>
+          <a:lstStyle/>
+          <a:p>
+            <a:r>
+              <a:rPr lang="en-US" sz="2000" b="1" dirty="0" smtClean="0">
+                <a:latin typeface="Times New Roman" panose="02020603050405020304" pitchFamily="18" charset="0"/>
+                <a:cs typeface="Times New Roman" panose="02020603050405020304" pitchFamily="18" charset="0"/>
+              </a:rPr>
+              <a:t>Goals = Shots + </a:t>
+            </a:r>
+            <a:r>
+              <a:rPr lang="en-US" sz="2000" b="1" dirty="0" err="1" smtClean="0">
+                <a:latin typeface="Times New Roman" panose="02020603050405020304" pitchFamily="18" charset="0"/>
+                <a:cs typeface="Times New Roman" panose="02020603050405020304" pitchFamily="18" charset="0"/>
+              </a:rPr>
+              <a:t>Shots.Target</a:t>
+            </a:r>
+            <a:r>
+              <a:rPr lang="en-US" sz="2000" b="1" dirty="0" smtClean="0">
+                <a:latin typeface="Times New Roman" panose="02020603050405020304" pitchFamily="18" charset="0"/>
+                <a:cs typeface="Times New Roman" panose="02020603050405020304" pitchFamily="18" charset="0"/>
+              </a:rPr>
+              <a:t> + </a:t>
+            </a:r>
+            <a:r>
+              <a:rPr lang="en-US" sz="2000" b="1" dirty="0" err="1" smtClean="0">
+                <a:latin typeface="Times New Roman" panose="02020603050405020304" pitchFamily="18" charset="0"/>
+                <a:cs typeface="Times New Roman" panose="02020603050405020304" pitchFamily="18" charset="0"/>
+              </a:rPr>
+              <a:t>Pass.Acc</a:t>
+            </a:r>
+            <a:r>
+              <a:rPr lang="en-US" sz="2000" b="1" dirty="0" smtClean="0">
+                <a:latin typeface="Times New Roman" panose="02020603050405020304" pitchFamily="18" charset="0"/>
+                <a:cs typeface="Times New Roman" panose="02020603050405020304" pitchFamily="18" charset="0"/>
+              </a:rPr>
+              <a:t> + Possession + Corners + Fouls</a:t>
+            </a:r>
+            <a:endParaRPr lang="en-US" sz="2000" b="1" dirty="0">
+              <a:latin typeface="Times New Roman" panose="02020603050405020304" pitchFamily="18" charset="0"/>
+              <a:cs typeface="Times New Roman" panose="02020603050405020304" pitchFamily="18" charset="0"/>
+            </a:endParaRPr>
+          </a:p>
+        </p:txBody>
+      </p:sp>
+      <p:grpSp>
+        <p:nvGrpSpPr>
+          <p:cNvPr id="10" name="Group 9"/>
+          <p:cNvGrpSpPr/>
+          <p:nvPr/>
+        </p:nvGrpSpPr>
+        <p:grpSpPr>
+          <a:xfrm>
+            <a:off x="429588" y="1209504"/>
+            <a:ext cx="6877292" cy="5216493"/>
+            <a:chOff x="429588" y="1209504"/>
+            <a:chExt cx="6877292" cy="5216493"/>
+          </a:xfrm>
+        </p:grpSpPr>
+        <p:pic>
+          <p:nvPicPr>
+            <p:cNvPr id="4" name="Picture 3"/>
+            <p:cNvPicPr>
+              <a:picLocks noChangeAspect="1"/>
+            </p:cNvPicPr>
+            <p:nvPr/>
+          </p:nvPicPr>
+          <p:blipFill rotWithShape="1">
+            <a:blip r:embed="rId2"/>
+            <a:srcRect l="30442" t="30127" r="25171" b="10018"/>
+            <a:stretch/>
+          </p:blipFill>
+          <p:spPr>
+            <a:xfrm>
+              <a:off x="429588" y="1209504"/>
+              <a:ext cx="6877292" cy="5216493"/>
+            </a:xfrm>
+            <a:prstGeom prst="rect">
+              <a:avLst/>
+            </a:prstGeom>
+          </p:spPr>
+        </p:pic>
+        <p:sp>
+          <p:nvSpPr>
+            <p:cNvPr id="5" name="Rectangle 4"/>
+            <p:cNvSpPr/>
+            <p:nvPr/>
+          </p:nvSpPr>
+          <p:spPr>
+            <a:xfrm rot="5400000">
+              <a:off x="3966275" y="3966279"/>
+              <a:ext cx="287996" cy="2335794"/>
+            </a:xfrm>
+            <a:prstGeom prst="rect">
+              <a:avLst/>
+            </a:prstGeom>
+            <a:noFill/>
+            <a:ln w="28575">
+              <a:solidFill>
+                <a:srgbClr val="FF0000"/>
+              </a:solidFill>
+            </a:ln>
+          </p:spPr>
+          <p:style>
+            <a:lnRef idx="2">
+              <a:schemeClr val="accent6"/>
+            </a:lnRef>
+            <a:fillRef idx="1">
+              <a:schemeClr val="lt1"/>
+            </a:fillRef>
+            <a:effectRef idx="0">
+              <a:schemeClr val="accent6"/>
+            </a:effectRef>
+            <a:fontRef idx="minor">
+              <a:schemeClr val="dk1"/>
+            </a:fontRef>
+          </p:style>
+          <p:txBody>
+            <a:bodyPr rtlCol="0" anchor="ctr"/>
+            <a:lstStyle/>
+            <a:p>
+              <a:pPr algn="ctr"/>
+              <a:endParaRPr lang="en-US"/>
+            </a:p>
+          </p:txBody>
+        </p:sp>
+        <p:sp>
+          <p:nvSpPr>
+            <p:cNvPr id="8" name="Rectangle 7"/>
+            <p:cNvSpPr/>
+            <p:nvPr/>
+          </p:nvSpPr>
+          <p:spPr>
+            <a:xfrm>
+              <a:off x="4742507" y="2587783"/>
+              <a:ext cx="389299" cy="1520982"/>
+            </a:xfrm>
+            <a:prstGeom prst="rect">
+              <a:avLst/>
+            </a:prstGeom>
+            <a:noFill/>
+            <a:ln w="28575">
+              <a:solidFill>
+                <a:srgbClr val="FF0000"/>
+              </a:solidFill>
+            </a:ln>
+          </p:spPr>
+          <p:style>
+            <a:lnRef idx="2">
+              <a:schemeClr val="accent6"/>
+            </a:lnRef>
+            <a:fillRef idx="1">
+              <a:schemeClr val="lt1"/>
+            </a:fillRef>
+            <a:effectRef idx="0">
+              <a:schemeClr val="accent6"/>
+            </a:effectRef>
+            <a:fontRef idx="minor">
+              <a:schemeClr val="dk1"/>
+            </a:fontRef>
+          </p:style>
+          <p:txBody>
+            <a:bodyPr rtlCol="0" anchor="ctr"/>
+            <a:lstStyle/>
+            <a:p>
+              <a:pPr algn="ctr"/>
+              <a:endParaRPr lang="en-US"/>
+            </a:p>
+          </p:txBody>
+        </p:sp>
+      </p:grpSp>
+      <p:sp>
+        <p:nvSpPr>
+          <p:cNvPr id="9" name="Rectangle 8"/>
+          <p:cNvSpPr/>
+          <p:nvPr/>
+        </p:nvSpPr>
+        <p:spPr>
+          <a:xfrm rot="5400000">
+            <a:off x="4000876" y="3122691"/>
+            <a:ext cx="262551" cy="6166919"/>
+          </a:xfrm>
+          <a:prstGeom prst="rect">
+            <a:avLst/>
+          </a:prstGeom>
+          <a:noFill/>
+          <a:ln w="28575">
+            <a:solidFill>
+              <a:srgbClr val="FF0000"/>
+            </a:solidFill>
+          </a:ln>
+        </p:spPr>
+        <p:style>
+          <a:lnRef idx="2">
+            <a:schemeClr val="accent6"/>
+          </a:lnRef>
+          <a:fillRef idx="1">
+            <a:schemeClr val="lt1"/>
+          </a:fillRef>
+          <a:effectRef idx="0">
+            <a:schemeClr val="accent6"/>
+          </a:effectRef>
+          <a:fontRef idx="minor">
+            <a:schemeClr val="dk1"/>
+          </a:fontRef>
+        </p:style>
+        <p:txBody>
+          <a:bodyPr rtlCol="0" anchor="ctr"/>
+          <a:lstStyle/>
+          <a:p>
+            <a:pPr algn="ctr"/>
+            <a:endParaRPr lang="en-US"/>
+          </a:p>
+        </p:txBody>
+      </p:sp>
+      <p:sp>
+        <p:nvSpPr>
+          <p:cNvPr id="12" name="TextBox 11">
+            <a:extLst>
+              <a:ext uri="{FF2B5EF4-FFF2-40B4-BE49-F238E27FC236}">
+                <a16:creationId xmlns:a16="http://schemas.microsoft.com/office/drawing/2014/main" xmlns="" id="{4F839CDC-E463-4502-8748-827AE781F905}"/>
+              </a:ext>
+            </a:extLst>
+          </p:cNvPr>
+          <p:cNvSpPr txBox="1"/>
+          <p:nvPr/>
+        </p:nvSpPr>
+        <p:spPr>
+          <a:xfrm>
+            <a:off x="7306880" y="2840442"/>
+            <a:ext cx="4503156" cy="1015663"/>
+          </a:xfrm>
+          <a:prstGeom prst="rect">
+            <a:avLst/>
+          </a:prstGeom>
+          <a:noFill/>
+        </p:spPr>
+        <p:txBody>
+          <a:bodyPr wrap="none" rtlCol="0">
+            <a:spAutoFit/>
+          </a:bodyPr>
+          <a:lstStyle/>
+          <a:p>
+            <a:pPr marL="457200" indent="-457200">
+              <a:buFont typeface="Arial" panose="020B0604020202020204" pitchFamily="34" charset="0"/>
+              <a:buChar char="•"/>
+            </a:pPr>
+            <a:r>
+              <a:rPr lang="en-US" sz="2000" dirty="0">
+                <a:latin typeface="Times New Roman" panose="02020603050405020304" pitchFamily="18" charset="0"/>
+                <a:cs typeface="Times New Roman" panose="02020603050405020304" pitchFamily="18" charset="0"/>
+              </a:rPr>
+              <a:t>Statistically significant estimates</a:t>
+            </a:r>
+          </a:p>
+          <a:p>
+            <a:pPr marL="457200" indent="-457200">
+              <a:buFont typeface="Arial" panose="020B0604020202020204" pitchFamily="34" charset="0"/>
+              <a:buChar char="•"/>
+            </a:pPr>
+            <a:r>
+              <a:rPr lang="en-US" sz="2000" dirty="0" smtClean="0">
+                <a:latin typeface="Times New Roman" panose="02020603050405020304" pitchFamily="18" charset="0"/>
+                <a:cs typeface="Times New Roman" panose="02020603050405020304" pitchFamily="18" charset="0"/>
+              </a:rPr>
+              <a:t>Adjusted </a:t>
+            </a:r>
+            <a:r>
+              <a:rPr lang="en-US" sz="2000" dirty="0">
+                <a:latin typeface="Times New Roman" panose="02020603050405020304" pitchFamily="18" charset="0"/>
+                <a:cs typeface="Times New Roman" panose="02020603050405020304" pitchFamily="18" charset="0"/>
+              </a:rPr>
+              <a:t>R-Squared can be improved</a:t>
+            </a:r>
+          </a:p>
+          <a:p>
+            <a:pPr marL="457200" indent="-457200">
+              <a:buFont typeface="Arial" panose="020B0604020202020204" pitchFamily="34" charset="0"/>
+              <a:buChar char="•"/>
+            </a:pPr>
+            <a:r>
+              <a:rPr lang="en-US" sz="2000" dirty="0" smtClean="0">
+                <a:latin typeface="Times New Roman" panose="02020603050405020304" pitchFamily="18" charset="0"/>
+                <a:cs typeface="Times New Roman" panose="02020603050405020304" pitchFamily="18" charset="0"/>
+              </a:rPr>
+              <a:t>No concern for </a:t>
+            </a:r>
+            <a:r>
+              <a:rPr lang="en-US" sz="2000" dirty="0" err="1" smtClean="0">
+                <a:latin typeface="Times New Roman" panose="02020603050405020304" pitchFamily="18" charset="0"/>
+                <a:cs typeface="Times New Roman" panose="02020603050405020304" pitchFamily="18" charset="0"/>
+              </a:rPr>
+              <a:t>multicollinearity</a:t>
+            </a:r>
+            <a:endParaRPr lang="en-US" sz="2000" dirty="0">
+              <a:latin typeface="Times New Roman" panose="02020603050405020304" pitchFamily="18" charset="0"/>
+              <a:cs typeface="Times New Roman" panose="02020603050405020304" pitchFamily="18" charset="0"/>
+            </a:endParaRPr>
+          </a:p>
+        </p:txBody>
+      </p:sp>
+    </p:spTree>
+    <p:extLst>
+      <p:ext uri="{BB962C8B-B14F-4D97-AF65-F5344CB8AC3E}">
+        <p14:creationId xmlns:p14="http://schemas.microsoft.com/office/powerpoint/2010/main" val="4192136879"/>
+      </p:ext>
+    </p:extLst>
+  </p:cSld>
+  <p:clrMapOvr>
+    <a:masterClrMapping/>
+  </p:clrMapOvr>
+</p:sld>
+</file>
+
+<file path=ppt/slides/slide17.xml><?xml version="1.0" encoding="utf-8"?>
+<p:sld xmlns:a="http://schemas.openxmlformats.org/drawingml/2006/main" xmlns:r="http://schemas.openxmlformats.org/officeDocument/2006/relationships" xmlns:p="http://schemas.openxmlformats.org/presentationml/2006/main">
+  <p:cSld>
+    <p:spTree>
+      <p:nvGrpSpPr>
+        <p:cNvPr id="1" name=""/>
+        <p:cNvGrpSpPr/>
+        <p:nvPr/>
+      </p:nvGrpSpPr>
+      <p:grpSpPr>
+        <a:xfrm>
+          <a:off x="0" y="0"/>
+          <a:ext cx="0" cy="0"/>
+          <a:chOff x="0" y="0"/>
+          <a:chExt cx="0" cy="0"/>
+        </a:xfrm>
+      </p:grpSpPr>
+      <p:cxnSp>
+        <p:nvCxnSpPr>
+          <p:cNvPr id="2" name="Straight Connector 1">
+            <a:extLst>
+              <a:ext uri="{FF2B5EF4-FFF2-40B4-BE49-F238E27FC236}">
+                <a16:creationId xmlns:a16="http://schemas.microsoft.com/office/drawing/2014/main" xmlns="" id="{BC4339F9-A066-45CD-91C6-61FED21D3027}"/>
+              </a:ext>
+            </a:extLst>
+          </p:cNvPr>
+          <p:cNvCxnSpPr/>
+          <p:nvPr/>
+        </p:nvCxnSpPr>
+        <p:spPr>
+          <a:xfrm>
+            <a:off x="0" y="1047750"/>
+            <a:ext cx="12192000" cy="0"/>
+          </a:xfrm>
+          <a:prstGeom prst="line">
+            <a:avLst/>
+          </a:prstGeom>
+          <a:ln w="76200">
+            <a:solidFill>
+              <a:srgbClr val="D2C264"/>
+            </a:solidFill>
+          </a:ln>
+        </p:spPr>
+        <p:style>
+          <a:lnRef idx="1">
+            <a:schemeClr val="accent1"/>
+          </a:lnRef>
+          <a:fillRef idx="0">
+            <a:schemeClr val="accent1"/>
+          </a:fillRef>
+          <a:effectRef idx="0">
+            <a:schemeClr val="accent1"/>
+          </a:effectRef>
+          <a:fontRef idx="minor">
+            <a:schemeClr val="tx1"/>
+          </a:fontRef>
+        </p:style>
+      </p:cxnSp>
+      <p:sp>
+        <p:nvSpPr>
+          <p:cNvPr id="3" name="TextBox 2">
+            <a:extLst>
+              <a:ext uri="{FF2B5EF4-FFF2-40B4-BE49-F238E27FC236}">
+                <a16:creationId xmlns:a16="http://schemas.microsoft.com/office/drawing/2014/main" xmlns="" id="{4F839CDC-E463-4502-8748-827AE781F905}"/>
+              </a:ext>
+            </a:extLst>
+          </p:cNvPr>
+          <p:cNvSpPr txBox="1"/>
+          <p:nvPr/>
+        </p:nvSpPr>
+        <p:spPr>
+          <a:xfrm>
+            <a:off x="439692" y="229258"/>
+            <a:ext cx="5010026" cy="584775"/>
+          </a:xfrm>
+          <a:prstGeom prst="rect">
+            <a:avLst/>
+          </a:prstGeom>
+          <a:noFill/>
+        </p:spPr>
+        <p:txBody>
+          <a:bodyPr wrap="none" rtlCol="0">
+            <a:spAutoFit/>
+          </a:bodyPr>
+          <a:lstStyle/>
+          <a:p>
+            <a:r>
+              <a:rPr lang="en-US" sz="3200" b="1" dirty="0" smtClean="0">
+                <a:latin typeface="Times New Roman" panose="02020603050405020304" pitchFamily="18" charset="0"/>
+                <a:cs typeface="Times New Roman" panose="02020603050405020304" pitchFamily="18" charset="0"/>
+              </a:rPr>
+              <a:t>Other Variables in the Data</a:t>
+            </a:r>
+            <a:endParaRPr lang="en-US" sz="3200" b="1" dirty="0">
+              <a:latin typeface="Times New Roman" panose="02020603050405020304" pitchFamily="18" charset="0"/>
+              <a:cs typeface="Times New Roman" panose="02020603050405020304" pitchFamily="18" charset="0"/>
+            </a:endParaRPr>
+          </a:p>
+        </p:txBody>
+      </p:sp>
+      <p:grpSp>
+        <p:nvGrpSpPr>
+          <p:cNvPr id="16" name="Group 15"/>
+          <p:cNvGrpSpPr/>
+          <p:nvPr/>
+        </p:nvGrpSpPr>
+        <p:grpSpPr>
+          <a:xfrm>
+            <a:off x="2690159" y="1257901"/>
+            <a:ext cx="5519117" cy="5600099"/>
+            <a:chOff x="2690159" y="1257901"/>
+            <a:chExt cx="5519117" cy="5600099"/>
+          </a:xfrm>
+        </p:grpSpPr>
+        <p:pic>
+          <p:nvPicPr>
+            <p:cNvPr id="10" name="Picture 9"/>
+            <p:cNvPicPr>
+              <a:picLocks noChangeAspect="1"/>
+            </p:cNvPicPr>
+            <p:nvPr/>
+          </p:nvPicPr>
+          <p:blipFill rotWithShape="1">
+            <a:blip r:embed="rId2"/>
+            <a:srcRect l="38453" t="8866" r="16343" b="9592"/>
+            <a:stretch/>
+          </p:blipFill>
+          <p:spPr>
+            <a:xfrm>
+              <a:off x="2690159" y="1257901"/>
+              <a:ext cx="5519117" cy="5600099"/>
+            </a:xfrm>
+            <a:prstGeom prst="rect">
+              <a:avLst/>
+            </a:prstGeom>
+          </p:spPr>
+        </p:pic>
+        <p:sp>
+          <p:nvSpPr>
+            <p:cNvPr id="12" name="Rectangle 11"/>
+            <p:cNvSpPr/>
+            <p:nvPr/>
+          </p:nvSpPr>
+          <p:spPr>
+            <a:xfrm>
+              <a:off x="3657600" y="3619099"/>
+              <a:ext cx="712269" cy="240632"/>
+            </a:xfrm>
+            <a:prstGeom prst="rect">
+              <a:avLst/>
+            </a:prstGeom>
+            <a:noFill/>
+            <a:ln>
+              <a:solidFill>
+                <a:srgbClr val="FF0000"/>
+              </a:solidFill>
+            </a:ln>
+          </p:spPr>
+          <p:style>
+            <a:lnRef idx="2">
+              <a:schemeClr val="accent1">
+                <a:shade val="50000"/>
+              </a:schemeClr>
+            </a:lnRef>
+            <a:fillRef idx="1">
+              <a:schemeClr val="accent1"/>
+            </a:fillRef>
+            <a:effectRef idx="0">
+              <a:schemeClr val="accent1"/>
+            </a:effectRef>
+            <a:fontRef idx="minor">
+              <a:schemeClr val="lt1"/>
+            </a:fontRef>
+          </p:style>
+          <p:txBody>
+            <a:bodyPr rtlCol="0" anchor="ctr"/>
+            <a:lstStyle/>
+            <a:p>
+              <a:pPr algn="ctr"/>
+              <a:endParaRPr lang="en-US"/>
+            </a:p>
+          </p:txBody>
+        </p:sp>
+        <p:sp>
+          <p:nvSpPr>
+            <p:cNvPr id="13" name="Rectangle 12"/>
+            <p:cNvSpPr/>
+            <p:nvPr/>
+          </p:nvSpPr>
+          <p:spPr>
+            <a:xfrm>
+              <a:off x="5205663" y="5176788"/>
+              <a:ext cx="712269" cy="240632"/>
+            </a:xfrm>
+            <a:prstGeom prst="rect">
+              <a:avLst/>
+            </a:prstGeom>
+            <a:noFill/>
+            <a:ln>
+              <a:solidFill>
+                <a:srgbClr val="FF0000"/>
+              </a:solidFill>
+            </a:ln>
+          </p:spPr>
+          <p:style>
+            <a:lnRef idx="2">
+              <a:schemeClr val="accent1">
+                <a:shade val="50000"/>
+              </a:schemeClr>
+            </a:lnRef>
+            <a:fillRef idx="1">
+              <a:schemeClr val="accent1"/>
+            </a:fillRef>
+            <a:effectRef idx="0">
+              <a:schemeClr val="accent1"/>
+            </a:effectRef>
+            <a:fontRef idx="minor">
+              <a:schemeClr val="lt1"/>
+            </a:fontRef>
+          </p:style>
+          <p:txBody>
+            <a:bodyPr rtlCol="0" anchor="ctr"/>
+            <a:lstStyle/>
+            <a:p>
+              <a:pPr algn="ctr"/>
+              <a:endParaRPr lang="en-US"/>
+            </a:p>
+          </p:txBody>
+        </p:sp>
+        <p:sp>
+          <p:nvSpPr>
+            <p:cNvPr id="14" name="Rectangle 13"/>
+            <p:cNvSpPr/>
+            <p:nvPr/>
+          </p:nvSpPr>
+          <p:spPr>
+            <a:xfrm>
+              <a:off x="6012581" y="5954830"/>
+              <a:ext cx="712269" cy="240632"/>
+            </a:xfrm>
+            <a:prstGeom prst="rect">
+              <a:avLst/>
+            </a:prstGeom>
+            <a:noFill/>
+            <a:ln>
+              <a:solidFill>
+                <a:srgbClr val="FF0000"/>
+              </a:solidFill>
+            </a:ln>
+          </p:spPr>
+          <p:style>
+            <a:lnRef idx="2">
+              <a:schemeClr val="accent1">
+                <a:shade val="50000"/>
+              </a:schemeClr>
+            </a:lnRef>
+            <a:fillRef idx="1">
+              <a:schemeClr val="accent1"/>
+            </a:fillRef>
+            <a:effectRef idx="0">
+              <a:schemeClr val="accent1"/>
+            </a:effectRef>
+            <a:fontRef idx="minor">
+              <a:schemeClr val="lt1"/>
+            </a:fontRef>
+          </p:style>
+          <p:txBody>
+            <a:bodyPr rtlCol="0" anchor="ctr"/>
+            <a:lstStyle/>
+            <a:p>
+              <a:pPr algn="ctr"/>
+              <a:endParaRPr lang="en-US"/>
+            </a:p>
+          </p:txBody>
+        </p:sp>
+        <p:sp>
+          <p:nvSpPr>
+            <p:cNvPr id="15" name="Rectangle 14"/>
+            <p:cNvSpPr/>
+            <p:nvPr/>
+          </p:nvSpPr>
+          <p:spPr>
+            <a:xfrm>
+              <a:off x="6394381" y="6352671"/>
+              <a:ext cx="712269" cy="240632"/>
+            </a:xfrm>
+            <a:prstGeom prst="rect">
+              <a:avLst/>
+            </a:prstGeom>
+            <a:noFill/>
+            <a:ln>
+              <a:solidFill>
+                <a:srgbClr val="FF0000"/>
+              </a:solidFill>
+            </a:ln>
+          </p:spPr>
+          <p:style>
+            <a:lnRef idx="2">
+              <a:schemeClr val="accent1">
+                <a:shade val="50000"/>
+              </a:schemeClr>
+            </a:lnRef>
+            <a:fillRef idx="1">
+              <a:schemeClr val="accent1"/>
+            </a:fillRef>
+            <a:effectRef idx="0">
+              <a:schemeClr val="accent1"/>
+            </a:effectRef>
+            <a:fontRef idx="minor">
+              <a:schemeClr val="lt1"/>
+            </a:fontRef>
+          </p:style>
+          <p:txBody>
+            <a:bodyPr rtlCol="0" anchor="ctr"/>
+            <a:lstStyle/>
+            <a:p>
+              <a:pPr algn="ctr"/>
+              <a:endParaRPr lang="en-US"/>
+            </a:p>
+          </p:txBody>
+        </p:sp>
+      </p:grpSp>
+    </p:spTree>
+    <p:extLst>
+      <p:ext uri="{BB962C8B-B14F-4D97-AF65-F5344CB8AC3E}">
+        <p14:creationId xmlns:p14="http://schemas.microsoft.com/office/powerpoint/2010/main" val="2077624635"/>
+      </p:ext>
+    </p:extLst>
+  </p:cSld>
+  <p:clrMapOvr>
+    <a:masterClrMapping/>
+  </p:clrMapOvr>
+</p:sld>
+</file>
+
+<file path=ppt/slides/slide18.xml><?xml version="1.0" encoding="utf-8"?>
+<p:sld xmlns:a="http://schemas.openxmlformats.org/drawingml/2006/main" xmlns:r="http://schemas.openxmlformats.org/officeDocument/2006/relationships" xmlns:p="http://schemas.openxmlformats.org/presentationml/2006/main">
+  <p:cSld>
+    <p:spTree>
+      <p:nvGrpSpPr>
+        <p:cNvPr id="1" name=""/>
+        <p:cNvGrpSpPr/>
+        <p:nvPr/>
+      </p:nvGrpSpPr>
+      <p:grpSpPr>
+        <a:xfrm>
+          <a:off x="0" y="0"/>
+          <a:ext cx="0" cy="0"/>
+          <a:chOff x="0" y="0"/>
+          <a:chExt cx="0" cy="0"/>
+        </a:xfrm>
+      </p:grpSpPr>
+      <p:cxnSp>
+        <p:nvCxnSpPr>
+          <p:cNvPr id="2" name="Straight Connector 1">
+            <a:extLst>
+              <a:ext uri="{FF2B5EF4-FFF2-40B4-BE49-F238E27FC236}">
+                <a16:creationId xmlns:a16="http://schemas.microsoft.com/office/drawing/2014/main" xmlns="" id="{BC4339F9-A066-45CD-91C6-61FED21D3027}"/>
+              </a:ext>
+            </a:extLst>
+          </p:cNvPr>
+          <p:cNvCxnSpPr/>
+          <p:nvPr/>
+        </p:nvCxnSpPr>
+        <p:spPr>
+          <a:xfrm>
+            <a:off x="0" y="1047750"/>
+            <a:ext cx="12192000" cy="0"/>
+          </a:xfrm>
+          <a:prstGeom prst="line">
+            <a:avLst/>
+          </a:prstGeom>
+          <a:ln w="76200">
+            <a:solidFill>
+              <a:srgbClr val="D2C264"/>
+            </a:solidFill>
+          </a:ln>
+        </p:spPr>
+        <p:style>
+          <a:lnRef idx="1">
+            <a:schemeClr val="accent1"/>
+          </a:lnRef>
+          <a:fillRef idx="0">
+            <a:schemeClr val="accent1"/>
+          </a:fillRef>
+          <a:effectRef idx="0">
+            <a:schemeClr val="accent1"/>
+          </a:effectRef>
+          <a:fontRef idx="minor">
+            <a:schemeClr val="tx1"/>
+          </a:fontRef>
+        </p:style>
+      </p:cxnSp>
+      <p:sp>
+        <p:nvSpPr>
+          <p:cNvPr id="3" name="TextBox 2">
+            <a:extLst>
+              <a:ext uri="{FF2B5EF4-FFF2-40B4-BE49-F238E27FC236}">
+                <a16:creationId xmlns:a16="http://schemas.microsoft.com/office/drawing/2014/main" xmlns="" id="{4F839CDC-E463-4502-8748-827AE781F905}"/>
+              </a:ext>
+            </a:extLst>
+          </p:cNvPr>
+          <p:cNvSpPr txBox="1"/>
+          <p:nvPr/>
+        </p:nvSpPr>
+        <p:spPr>
+          <a:xfrm>
+            <a:off x="439692" y="229258"/>
+            <a:ext cx="1027845" cy="584775"/>
+          </a:xfrm>
+          <a:prstGeom prst="rect">
+            <a:avLst/>
+          </a:prstGeom>
+          <a:noFill/>
+        </p:spPr>
+        <p:txBody>
+          <a:bodyPr wrap="none" rtlCol="0">
+            <a:spAutoFit/>
+          </a:bodyPr>
+          <a:lstStyle/>
+          <a:p>
+            <a:r>
+              <a:rPr lang="en-US" sz="3200" b="1" dirty="0" smtClean="0">
+                <a:latin typeface="Times New Roman" panose="02020603050405020304" pitchFamily="18" charset="0"/>
+                <a:cs typeface="Times New Roman" panose="02020603050405020304" pitchFamily="18" charset="0"/>
+              </a:rPr>
+              <a:t>PCR</a:t>
+            </a:r>
+            <a:endParaRPr lang="en-US" sz="3200" b="1" dirty="0">
+              <a:latin typeface="Times New Roman" panose="02020603050405020304" pitchFamily="18" charset="0"/>
+              <a:cs typeface="Times New Roman" panose="02020603050405020304" pitchFamily="18" charset="0"/>
+            </a:endParaRPr>
+          </a:p>
+        </p:txBody>
+      </p:sp>
+      <p:sp>
+        <p:nvSpPr>
+          <p:cNvPr id="12" name="Rectangle 11"/>
+          <p:cNvSpPr/>
+          <p:nvPr/>
+        </p:nvSpPr>
+        <p:spPr>
+          <a:xfrm>
+            <a:off x="3657600" y="3619099"/>
+            <a:ext cx="712269" cy="240632"/>
+          </a:xfrm>
+          <a:prstGeom prst="rect">
+            <a:avLst/>
+          </a:prstGeom>
+          <a:noFill/>
+          <a:ln>
+            <a:solidFill>
+              <a:srgbClr val="FF0000"/>
+            </a:solidFill>
+          </a:ln>
+        </p:spPr>
+        <p:style>
+          <a:lnRef idx="2">
+            <a:schemeClr val="accent1">
+              <a:shade val="50000"/>
+            </a:schemeClr>
+          </a:lnRef>
+          <a:fillRef idx="1">
+            <a:schemeClr val="accent1"/>
+          </a:fillRef>
+          <a:effectRef idx="0">
+            <a:schemeClr val="accent1"/>
+          </a:effectRef>
+          <a:fontRef idx="minor">
+            <a:schemeClr val="lt1"/>
+          </a:fontRef>
+        </p:style>
+        <p:txBody>
+          <a:bodyPr rtlCol="0" anchor="ctr"/>
+          <a:lstStyle/>
+          <a:p>
+            <a:pPr algn="ctr"/>
+            <a:endParaRPr lang="en-US"/>
+          </a:p>
+        </p:txBody>
+      </p:sp>
+      <p:sp>
+        <p:nvSpPr>
+          <p:cNvPr id="13" name="Rectangle 12"/>
+          <p:cNvSpPr/>
+          <p:nvPr/>
+        </p:nvSpPr>
+        <p:spPr>
+          <a:xfrm>
+            <a:off x="5205663" y="5176788"/>
+            <a:ext cx="712269" cy="240632"/>
+          </a:xfrm>
+          <a:prstGeom prst="rect">
+            <a:avLst/>
+          </a:prstGeom>
+          <a:noFill/>
+          <a:ln>
+            <a:solidFill>
+              <a:srgbClr val="FF0000"/>
+            </a:solidFill>
+          </a:ln>
+        </p:spPr>
+        <p:style>
+          <a:lnRef idx="2">
+            <a:schemeClr val="accent1">
+              <a:shade val="50000"/>
+            </a:schemeClr>
+          </a:lnRef>
+          <a:fillRef idx="1">
+            <a:schemeClr val="accent1"/>
+          </a:fillRef>
+          <a:effectRef idx="0">
+            <a:schemeClr val="accent1"/>
+          </a:effectRef>
+          <a:fontRef idx="minor">
+            <a:schemeClr val="lt1"/>
+          </a:fontRef>
+        </p:style>
+        <p:txBody>
+          <a:bodyPr rtlCol="0" anchor="ctr"/>
+          <a:lstStyle/>
+          <a:p>
+            <a:pPr algn="ctr"/>
+            <a:endParaRPr lang="en-US"/>
+          </a:p>
+        </p:txBody>
+      </p:sp>
+      <p:sp>
+        <p:nvSpPr>
+          <p:cNvPr id="14" name="Rectangle 13"/>
+          <p:cNvSpPr/>
+          <p:nvPr/>
+        </p:nvSpPr>
+        <p:spPr>
+          <a:xfrm>
+            <a:off x="6012581" y="5954830"/>
+            <a:ext cx="712269" cy="240632"/>
+          </a:xfrm>
+          <a:prstGeom prst="rect">
+            <a:avLst/>
+          </a:prstGeom>
+          <a:noFill/>
+          <a:ln>
+            <a:solidFill>
+              <a:srgbClr val="FF0000"/>
+            </a:solidFill>
+          </a:ln>
+        </p:spPr>
+        <p:style>
+          <a:lnRef idx="2">
+            <a:schemeClr val="accent1">
+              <a:shade val="50000"/>
+            </a:schemeClr>
+          </a:lnRef>
+          <a:fillRef idx="1">
+            <a:schemeClr val="accent1"/>
+          </a:fillRef>
+          <a:effectRef idx="0">
+            <a:schemeClr val="accent1"/>
+          </a:effectRef>
+          <a:fontRef idx="minor">
+            <a:schemeClr val="lt1"/>
+          </a:fontRef>
+        </p:style>
+        <p:txBody>
+          <a:bodyPr rtlCol="0" anchor="ctr"/>
+          <a:lstStyle/>
+          <a:p>
+            <a:pPr algn="ctr"/>
+            <a:endParaRPr lang="en-US"/>
+          </a:p>
+        </p:txBody>
+      </p:sp>
+      <p:sp>
+        <p:nvSpPr>
+          <p:cNvPr id="15" name="Rectangle 14"/>
+          <p:cNvSpPr/>
+          <p:nvPr/>
+        </p:nvSpPr>
+        <p:spPr>
+          <a:xfrm>
+            <a:off x="6394381" y="6352671"/>
+            <a:ext cx="712269" cy="240632"/>
+          </a:xfrm>
+          <a:prstGeom prst="rect">
+            <a:avLst/>
+          </a:prstGeom>
+          <a:noFill/>
+          <a:ln>
+            <a:solidFill>
+              <a:srgbClr val="FF0000"/>
+            </a:solidFill>
+          </a:ln>
+        </p:spPr>
+        <p:style>
+          <a:lnRef idx="2">
+            <a:schemeClr val="accent1">
+              <a:shade val="50000"/>
+            </a:schemeClr>
+          </a:lnRef>
+          <a:fillRef idx="1">
+            <a:schemeClr val="accent1"/>
+          </a:fillRef>
+          <a:effectRef idx="0">
+            <a:schemeClr val="accent1"/>
+          </a:effectRef>
+          <a:fontRef idx="minor">
+            <a:schemeClr val="lt1"/>
+          </a:fontRef>
+        </p:style>
+        <p:txBody>
+          <a:bodyPr rtlCol="0" anchor="ctr"/>
+          <a:lstStyle/>
+          <a:p>
+            <a:pPr algn="ctr"/>
+            <a:endParaRPr lang="en-US"/>
+          </a:p>
+        </p:txBody>
+      </p:sp>
+    </p:spTree>
+    <p:extLst>
+      <p:ext uri="{BB962C8B-B14F-4D97-AF65-F5344CB8AC3E}">
+        <p14:creationId xmlns:p14="http://schemas.microsoft.com/office/powerpoint/2010/main" val="490822379"/>
+      </p:ext>
+    </p:extLst>
+  </p:cSld>
+  <p:clrMapOvr>
+    <a:masterClrMapping/>
+  </p:clrMapOvr>
+</p:sld>
+</file>
+
+<file path=ppt/slides/slide19.xml><?xml version="1.0" encoding="utf-8"?>
+<p:sld xmlns:a="http://schemas.openxmlformats.org/drawingml/2006/main" xmlns:r="http://schemas.openxmlformats.org/officeDocument/2006/relationships" xmlns:p="http://schemas.openxmlformats.org/presentationml/2006/main">
+  <p:cSld>
+    <p:spTree>
+      <p:nvGrpSpPr>
+        <p:cNvPr id="1" name=""/>
+        <p:cNvGrpSpPr/>
+        <p:nvPr/>
+      </p:nvGrpSpPr>
+      <p:grpSpPr>
+        <a:xfrm>
+          <a:off x="0" y="0"/>
+          <a:ext cx="0" cy="0"/>
+          <a:chOff x="0" y="0"/>
+          <a:chExt cx="0" cy="0"/>
+        </a:xfrm>
+      </p:grpSpPr>
+      <p:cxnSp>
+        <p:nvCxnSpPr>
+          <p:cNvPr id="2" name="Straight Connector 1">
+            <a:extLst>
+              <a:ext uri="{FF2B5EF4-FFF2-40B4-BE49-F238E27FC236}">
+                <a16:creationId xmlns:a16="http://schemas.microsoft.com/office/drawing/2014/main" xmlns="" id="{A31E7CB7-EDC3-46F2-92F6-748EE36F583B}"/>
+              </a:ext>
+            </a:extLst>
+          </p:cNvPr>
+          <p:cNvCxnSpPr/>
+          <p:nvPr/>
+        </p:nvCxnSpPr>
+        <p:spPr>
+          <a:xfrm>
+            <a:off x="0" y="1047750"/>
+            <a:ext cx="12192000" cy="0"/>
+          </a:xfrm>
+          <a:prstGeom prst="line">
+            <a:avLst/>
+          </a:prstGeom>
+          <a:ln w="76200">
+            <a:solidFill>
+              <a:srgbClr val="D2C264"/>
+            </a:solidFill>
+          </a:ln>
+        </p:spPr>
+        <p:style>
+          <a:lnRef idx="1">
+            <a:schemeClr val="accent1"/>
+          </a:lnRef>
+          <a:fillRef idx="0">
+            <a:schemeClr val="accent1"/>
+          </a:fillRef>
+          <a:effectRef idx="0">
+            <a:schemeClr val="accent1"/>
+          </a:effectRef>
+          <a:fontRef idx="minor">
+            <a:schemeClr val="tx1"/>
+          </a:fontRef>
+        </p:style>
+      </p:cxnSp>
+      <p:sp>
+        <p:nvSpPr>
+          <p:cNvPr id="3" name="TextBox 2">
+            <a:extLst>
+              <a:ext uri="{FF2B5EF4-FFF2-40B4-BE49-F238E27FC236}">
+                <a16:creationId xmlns:a16="http://schemas.microsoft.com/office/drawing/2014/main" xmlns="" id="{1CC17B57-5182-431A-B89C-F0A6B72A815B}"/>
               </a:ext>
             </a:extLst>
           </p:cNvPr>
@@ -6765,7 +8061,287 @@
 </p:sld>
 </file>
 
-<file path=ppt/slides/slide16.xml><?xml version="1.0" encoding="utf-8"?>
+<file path=ppt/slides/slide2.xml><?xml version="1.0" encoding="utf-8"?>
+<p:sld xmlns:a="http://schemas.openxmlformats.org/drawingml/2006/main" xmlns:r="http://schemas.openxmlformats.org/officeDocument/2006/relationships" xmlns:p="http://schemas.openxmlformats.org/presentationml/2006/main">
+  <p:cSld>
+    <p:spTree>
+      <p:nvGrpSpPr>
+        <p:cNvPr id="1" name=""/>
+        <p:cNvGrpSpPr/>
+        <p:nvPr/>
+      </p:nvGrpSpPr>
+      <p:grpSpPr>
+        <a:xfrm>
+          <a:off x="0" y="0"/>
+          <a:ext cx="0" cy="0"/>
+          <a:chOff x="0" y="0"/>
+          <a:chExt cx="0" cy="0"/>
+        </a:xfrm>
+      </p:grpSpPr>
+      <p:sp>
+        <p:nvSpPr>
+          <p:cNvPr id="2" name="TextBox 1">
+            <a:extLst>
+              <a:ext uri="{FF2B5EF4-FFF2-40B4-BE49-F238E27FC236}">
+                <a16:creationId xmlns:a16="http://schemas.microsoft.com/office/drawing/2014/main" xmlns="" id="{742EF216-75D4-4734-B156-3EDB09F9CE9B}"/>
+              </a:ext>
+            </a:extLst>
+          </p:cNvPr>
+          <p:cNvSpPr txBox="1"/>
+          <p:nvPr/>
+        </p:nvSpPr>
+        <p:spPr>
+          <a:xfrm>
+            <a:off x="477753" y="2819123"/>
+            <a:ext cx="11236494" cy="2062103"/>
+          </a:xfrm>
+          <a:prstGeom prst="rect">
+            <a:avLst/>
+          </a:prstGeom>
+          <a:noFill/>
+        </p:spPr>
+        <p:txBody>
+          <a:bodyPr wrap="square">
+            <a:spAutoFit/>
+          </a:bodyPr>
+          <a:lstStyle/>
+          <a:p>
+            <a:pPr lvl="0"/>
+            <a:r>
+              <a:rPr lang="en-US" sz="3200" dirty="0">
+                <a:latin typeface="Times New Roman" panose="02020603050405020304" pitchFamily="18" charset="0"/>
+                <a:cs typeface="Times New Roman" panose="02020603050405020304" pitchFamily="18" charset="0"/>
+              </a:rPr>
+              <a:t>Given the variables that describe the (X, Y) coordinates of the beginning and end of key events (shots, assists, key passes), which configuration of the variables result in the best fitting model that gives the probability of a shot on goal being successful?</a:t>
+            </a:r>
+          </a:p>
+        </p:txBody>
+      </p:sp>
+      <p:cxnSp>
+        <p:nvCxnSpPr>
+          <p:cNvPr id="3" name="Straight Connector 2">
+            <a:extLst>
+              <a:ext uri="{FF2B5EF4-FFF2-40B4-BE49-F238E27FC236}">
+                <a16:creationId xmlns:a16="http://schemas.microsoft.com/office/drawing/2014/main" xmlns="" id="{B493E240-C89A-4822-B4C3-EC3A33AD45FA}"/>
+              </a:ext>
+            </a:extLst>
+          </p:cNvPr>
+          <p:cNvCxnSpPr/>
+          <p:nvPr/>
+        </p:nvCxnSpPr>
+        <p:spPr>
+          <a:xfrm>
+            <a:off x="0" y="1047750"/>
+            <a:ext cx="12192000" cy="0"/>
+          </a:xfrm>
+          <a:prstGeom prst="line">
+            <a:avLst/>
+          </a:prstGeom>
+          <a:ln w="76200">
+            <a:solidFill>
+              <a:srgbClr val="D2C264"/>
+            </a:solidFill>
+          </a:ln>
+        </p:spPr>
+        <p:style>
+          <a:lnRef idx="1">
+            <a:schemeClr val="accent1"/>
+          </a:lnRef>
+          <a:fillRef idx="0">
+            <a:schemeClr val="accent1"/>
+          </a:fillRef>
+          <a:effectRef idx="0">
+            <a:schemeClr val="accent1"/>
+          </a:effectRef>
+          <a:fontRef idx="minor">
+            <a:schemeClr val="tx1"/>
+          </a:fontRef>
+        </p:style>
+      </p:cxnSp>
+      <p:sp>
+        <p:nvSpPr>
+          <p:cNvPr id="4" name="TextBox 3">
+            <a:extLst>
+              <a:ext uri="{FF2B5EF4-FFF2-40B4-BE49-F238E27FC236}">
+                <a16:creationId xmlns:a16="http://schemas.microsoft.com/office/drawing/2014/main" xmlns="" id="{9EAF4BF5-F510-49EE-8E26-0511CB451A3D}"/>
+              </a:ext>
+            </a:extLst>
+          </p:cNvPr>
+          <p:cNvSpPr txBox="1"/>
+          <p:nvPr/>
+        </p:nvSpPr>
+        <p:spPr>
+          <a:xfrm>
+            <a:off x="439692" y="229258"/>
+            <a:ext cx="3764749" cy="584775"/>
+          </a:xfrm>
+          <a:prstGeom prst="rect">
+            <a:avLst/>
+          </a:prstGeom>
+          <a:noFill/>
+        </p:spPr>
+        <p:txBody>
+          <a:bodyPr wrap="none" rtlCol="0">
+            <a:spAutoFit/>
+          </a:bodyPr>
+          <a:lstStyle/>
+          <a:p>
+            <a:r>
+              <a:rPr lang="en-US" sz="3200" b="1" dirty="0">
+                <a:latin typeface="Times New Roman" panose="02020603050405020304" pitchFamily="18" charset="0"/>
+                <a:cs typeface="Times New Roman" panose="02020603050405020304" pitchFamily="18" charset="0"/>
+              </a:rPr>
+              <a:t>SMART Question 1:</a:t>
+            </a:r>
+          </a:p>
+        </p:txBody>
+      </p:sp>
+    </p:spTree>
+    <p:extLst>
+      <p:ext uri="{BB962C8B-B14F-4D97-AF65-F5344CB8AC3E}">
+        <p14:creationId xmlns:p14="http://schemas.microsoft.com/office/powerpoint/2010/main" val="1927476904"/>
+      </p:ext>
+    </p:extLst>
+  </p:cSld>
+  <p:clrMapOvr>
+    <a:masterClrMapping/>
+  </p:clrMapOvr>
+  <p:timing>
+    <p:tnLst>
+      <p:par>
+        <p:cTn id="1" dur="indefinite" restart="never" nodeType="tmRoot">
+          <p:childTnLst>
+            <p:seq concurrent="1" nextAc="seek">
+              <p:cTn id="2" dur="indefinite" nodeType="mainSeq">
+                <p:childTnLst>
+                  <p:par>
+                    <p:cTn id="3" fill="hold">
+                      <p:stCondLst>
+                        <p:cond delay="indefinite"/>
+                      </p:stCondLst>
+                      <p:childTnLst>
+                        <p:par>
+                          <p:cTn id="4" fill="hold">
+                            <p:stCondLst>
+                              <p:cond delay="0"/>
+                            </p:stCondLst>
+                            <p:childTnLst>
+                              <p:par>
+                                <p:cTn id="5" presetID="42" presetClass="entr" presetSubtype="0" fill="hold" grpId="0" nodeType="clickEffect">
+                                  <p:stCondLst>
+                                    <p:cond delay="0"/>
+                                  </p:stCondLst>
+                                  <p:childTnLst>
+                                    <p:set>
+                                      <p:cBhvr>
+                                        <p:cTn id="6" dur="1" fill="hold">
+                                          <p:stCondLst>
+                                            <p:cond delay="0"/>
+                                          </p:stCondLst>
+                                        </p:cTn>
+                                        <p:tgtEl>
+                                          <p:spTgt spid="2"/>
+                                        </p:tgtEl>
+                                        <p:attrNameLst>
+                                          <p:attrName>style.visibility</p:attrName>
+                                        </p:attrNameLst>
+                                      </p:cBhvr>
+                                      <p:to>
+                                        <p:strVal val="visible"/>
+                                      </p:to>
+                                    </p:set>
+                                    <p:animEffect transition="in" filter="fade">
+                                      <p:cBhvr>
+                                        <p:cTn id="7" dur="1000"/>
+                                        <p:tgtEl>
+                                          <p:spTgt spid="2"/>
+                                        </p:tgtEl>
+                                      </p:cBhvr>
+                                    </p:animEffect>
+                                    <p:anim calcmode="lin" valueType="num">
+                                      <p:cBhvr>
+                                        <p:cTn id="8" dur="1000" fill="hold"/>
+                                        <p:tgtEl>
+                                          <p:spTgt spid="2"/>
+                                        </p:tgtEl>
+                                        <p:attrNameLst>
+                                          <p:attrName>ppt_x</p:attrName>
+                                        </p:attrNameLst>
+                                      </p:cBhvr>
+                                      <p:tavLst>
+                                        <p:tav tm="0">
+                                          <p:val>
+                                            <p:strVal val="#ppt_x"/>
+                                          </p:val>
+                                        </p:tav>
+                                        <p:tav tm="100000">
+                                          <p:val>
+                                            <p:strVal val="#ppt_x"/>
+                                          </p:val>
+                                        </p:tav>
+                                      </p:tavLst>
+                                    </p:anim>
+                                    <p:anim calcmode="lin" valueType="num">
+                                      <p:cBhvr>
+                                        <p:cTn id="9" dur="1000" fill="hold"/>
+                                        <p:tgtEl>
+                                          <p:spTgt spid="2"/>
+                                        </p:tgtEl>
+                                        <p:attrNameLst>
+                                          <p:attrName>ppt_y</p:attrName>
+                                        </p:attrNameLst>
+                                      </p:cBhvr>
+                                      <p:tavLst>
+                                        <p:tav tm="0">
+                                          <p:val>
+                                            <p:strVal val="#ppt_y+.1"/>
+                                          </p:val>
+                                        </p:tav>
+                                        <p:tav tm="100000">
+                                          <p:val>
+                                            <p:strVal val="#ppt_y"/>
+                                          </p:val>
+                                        </p:tav>
+                                      </p:tavLst>
+                                    </p:anim>
+                                  </p:childTnLst>
+                                </p:cTn>
+                              </p:par>
+                            </p:childTnLst>
+                          </p:cTn>
+                        </p:par>
+                      </p:childTnLst>
+                    </p:cTn>
+                  </p:par>
+                </p:childTnLst>
+              </p:cTn>
+              <p:prevCondLst>
+                <p:cond evt="onPrev" delay="0">
+                  <p:tgtEl>
+                    <p:sldTgt/>
+                  </p:tgtEl>
+                </p:cond>
+              </p:prevCondLst>
+              <p:nextCondLst>
+                <p:cond evt="onNext" delay="0">
+                  <p:tgtEl>
+                    <p:sldTgt/>
+                  </p:tgtEl>
+                </p:cond>
+              </p:nextCondLst>
+            </p:seq>
+          </p:childTnLst>
+        </p:cTn>
+      </p:par>
+    </p:tnLst>
+    <p:bldLst>
+      <p:bldP spid="2" grpId="0"/>
+    </p:bldLst>
+  </p:timing>
+</p:sld>
+</file>
+
+<file path=ppt/slides/slide20.xml><?xml version="1.0" encoding="utf-8"?>
 <p:sld xmlns:a="http://schemas.openxmlformats.org/drawingml/2006/main" xmlns:r="http://schemas.openxmlformats.org/officeDocument/2006/relationships" xmlns:p="http://schemas.openxmlformats.org/presentationml/2006/main">
   <p:cSld>
     <p:spTree>
@@ -6787,7 +8363,7 @@
           <p:cNvPr id="2" name="Group 1">
             <a:extLst>
               <a:ext uri="{FF2B5EF4-FFF2-40B4-BE49-F238E27FC236}">
-                <a16:creationId xmlns:a16="http://schemas.microsoft.com/office/drawing/2014/main" id="{7CCA5530-82AF-4F30-A094-F86FFD933B34}"/>
+                <a16:creationId xmlns:a16="http://schemas.microsoft.com/office/drawing/2014/main" xmlns="" id="{7CCA5530-82AF-4F30-A094-F86FFD933B34}"/>
               </a:ext>
             </a:extLst>
           </p:cNvPr>
@@ -6817,7 +8393,7 @@
             <p:cNvPr id="3" name="Graphic 2" descr="Confused person">
               <a:extLst>
                 <a:ext uri="{FF2B5EF4-FFF2-40B4-BE49-F238E27FC236}">
-                  <a16:creationId xmlns:a16="http://schemas.microsoft.com/office/drawing/2014/main" id="{A38B64CB-D798-4C5A-AC8D-7F2D59AA3750}"/>
+                  <a16:creationId xmlns:a16="http://schemas.microsoft.com/office/drawing/2014/main" xmlns="" id="{A38B64CB-D798-4C5A-AC8D-7F2D59AA3750}"/>
                 </a:ext>
               </a:extLst>
             </p:cNvPr>
@@ -6833,7 +8409,7 @@
                   <a14:useLocalDpi xmlns:a14="http://schemas.microsoft.com/office/drawing/2010/main" val="0"/>
                 </a:ext>
                 <a:ext uri="{96DAC541-7B7A-43D3-8B79-37D633B846F1}">
-                  <asvg:svgBlip xmlns:asvg="http://schemas.microsoft.com/office/drawing/2016/SVG/main" r:embed="rId3"/>
+                  <asvg:svgBlip xmlns:asvg="http://schemas.microsoft.com/office/drawing/2016/SVG/main" xmlns="" r:embed="rId3"/>
                 </a:ext>
               </a:extLst>
             </a:blip>
@@ -6856,7 +8432,7 @@
             <p:cNvPr id="4" name="Graphic 3" descr="Thought bubble">
               <a:extLst>
                 <a:ext uri="{FF2B5EF4-FFF2-40B4-BE49-F238E27FC236}">
-                  <a16:creationId xmlns:a16="http://schemas.microsoft.com/office/drawing/2014/main" id="{341C9552-7FDF-46B3-9262-3A5EEF380915}"/>
+                  <a16:creationId xmlns:a16="http://schemas.microsoft.com/office/drawing/2014/main" xmlns="" id="{341C9552-7FDF-46B3-9262-3A5EEF380915}"/>
                 </a:ext>
               </a:extLst>
             </p:cNvPr>
@@ -6872,7 +8448,7 @@
                   <a14:useLocalDpi xmlns:a14="http://schemas.microsoft.com/office/drawing/2010/main" val="0"/>
                 </a:ext>
                 <a:ext uri="{96DAC541-7B7A-43D3-8B79-37D633B846F1}">
-                  <asvg:svgBlip xmlns:asvg="http://schemas.microsoft.com/office/drawing/2016/SVG/main" r:embed="rId5"/>
+                  <asvg:svgBlip xmlns:asvg="http://schemas.microsoft.com/office/drawing/2016/SVG/main" xmlns="" r:embed="rId5"/>
                 </a:ext>
               </a:extLst>
             </a:blip>
@@ -6895,7 +8471,7 @@
             <p:cNvPr id="5" name="Graphic 4" descr="Users">
               <a:extLst>
                 <a:ext uri="{FF2B5EF4-FFF2-40B4-BE49-F238E27FC236}">
-                  <a16:creationId xmlns:a16="http://schemas.microsoft.com/office/drawing/2014/main" id="{531FB4F3-92FF-4A66-B000-274145B6BC46}"/>
+                  <a16:creationId xmlns:a16="http://schemas.microsoft.com/office/drawing/2014/main" xmlns="" id="{531FB4F3-92FF-4A66-B000-274145B6BC46}"/>
                 </a:ext>
               </a:extLst>
             </p:cNvPr>
@@ -6911,7 +8487,7 @@
                   <a14:useLocalDpi xmlns:a14="http://schemas.microsoft.com/office/drawing/2010/main" val="0"/>
                 </a:ext>
                 <a:ext uri="{96DAC541-7B7A-43D3-8B79-37D633B846F1}">
-                  <asvg:svgBlip xmlns:asvg="http://schemas.microsoft.com/office/drawing/2016/SVG/main" r:embed="rId7"/>
+                  <asvg:svgBlip xmlns:asvg="http://schemas.microsoft.com/office/drawing/2016/SVG/main" xmlns="" r:embed="rId7"/>
                 </a:ext>
               </a:extLst>
             </a:blip>
@@ -6934,7 +8510,7 @@
             <p:cNvPr id="6" name="Graphic 9" descr="Questions">
               <a:extLst>
                 <a:ext uri="{FF2B5EF4-FFF2-40B4-BE49-F238E27FC236}">
-                  <a16:creationId xmlns:a16="http://schemas.microsoft.com/office/drawing/2014/main" id="{A40B25B0-B997-4657-A36D-2494096C6DCC}"/>
+                  <a16:creationId xmlns:a16="http://schemas.microsoft.com/office/drawing/2014/main" xmlns="" id="{A40B25B0-B997-4657-A36D-2494096C6DCC}"/>
                 </a:ext>
               </a:extLst>
             </p:cNvPr>
@@ -7318,7 +8894,7 @@
             <p:cNvPr id="7" name="Graphic 6" descr="Chat bubble">
               <a:extLst>
                 <a:ext uri="{FF2B5EF4-FFF2-40B4-BE49-F238E27FC236}">
-                  <a16:creationId xmlns:a16="http://schemas.microsoft.com/office/drawing/2014/main" id="{989AF653-7BD5-449F-9F07-75B9300F4567}"/>
+                  <a16:creationId xmlns:a16="http://schemas.microsoft.com/office/drawing/2014/main" xmlns="" id="{989AF653-7BD5-449F-9F07-75B9300F4567}"/>
                 </a:ext>
               </a:extLst>
             </p:cNvPr>
@@ -7334,7 +8910,7 @@
                   <a14:useLocalDpi xmlns:a14="http://schemas.microsoft.com/office/drawing/2010/main" val="0"/>
                 </a:ext>
                 <a:ext uri="{96DAC541-7B7A-43D3-8B79-37D633B846F1}">
-                  <asvg:svgBlip xmlns:asvg="http://schemas.microsoft.com/office/drawing/2016/SVG/main" r:embed="rId9"/>
+                  <asvg:svgBlip xmlns:asvg="http://schemas.microsoft.com/office/drawing/2016/SVG/main" xmlns="" r:embed="rId9"/>
                 </a:ext>
               </a:extLst>
             </a:blip>
@@ -7357,7 +8933,7 @@
             <p:cNvPr id="8" name="Graphic 7" descr="Users">
               <a:extLst>
                 <a:ext uri="{FF2B5EF4-FFF2-40B4-BE49-F238E27FC236}">
-                  <a16:creationId xmlns:a16="http://schemas.microsoft.com/office/drawing/2014/main" id="{857E97E0-1CDF-45BC-9962-357E4E895102}"/>
+                  <a16:creationId xmlns:a16="http://schemas.microsoft.com/office/drawing/2014/main" xmlns="" id="{857E97E0-1CDF-45BC-9962-357E4E895102}"/>
                 </a:ext>
               </a:extLst>
             </p:cNvPr>
@@ -7373,7 +8949,7 @@
                   <a14:useLocalDpi xmlns:a14="http://schemas.microsoft.com/office/drawing/2010/main" val="0"/>
                 </a:ext>
                 <a:ext uri="{96DAC541-7B7A-43D3-8B79-37D633B846F1}">
-                  <asvg:svgBlip xmlns:asvg="http://schemas.microsoft.com/office/drawing/2016/SVG/main" r:embed="rId7"/>
+                  <asvg:svgBlip xmlns:asvg="http://schemas.microsoft.com/office/drawing/2016/SVG/main" xmlns="" r:embed="rId7"/>
                 </a:ext>
               </a:extLst>
             </a:blip>
@@ -7396,7 +8972,7 @@
             <p:cNvPr id="9" name="Group 8">
               <a:extLst>
                 <a:ext uri="{FF2B5EF4-FFF2-40B4-BE49-F238E27FC236}">
-                  <a16:creationId xmlns:a16="http://schemas.microsoft.com/office/drawing/2014/main" id="{517FB3E2-2872-447C-918C-A488283BC818}"/>
+                  <a16:creationId xmlns:a16="http://schemas.microsoft.com/office/drawing/2014/main" xmlns="" id="{517FB3E2-2872-447C-918C-A488283BC818}"/>
                 </a:ext>
               </a:extLst>
             </p:cNvPr>
@@ -7417,7 +8993,7 @@
               <p:cNvPr id="11" name="Graphic 20" descr="Person with idea">
                 <a:extLst>
                   <a:ext uri="{FF2B5EF4-FFF2-40B4-BE49-F238E27FC236}">
-                    <a16:creationId xmlns:a16="http://schemas.microsoft.com/office/drawing/2014/main" id="{29AA5932-C2B1-4DD9-8373-92D124E6E1E5}"/>
+                    <a16:creationId xmlns:a16="http://schemas.microsoft.com/office/drawing/2014/main" xmlns="" id="{29AA5932-C2B1-4DD9-8373-92D124E6E1E5}"/>
                   </a:ext>
                 </a:extLst>
               </p:cNvPr>
@@ -7547,7 +9123,7 @@
               <p:cNvPr id="12" name="Graphic 20" descr="Person with idea">
                 <a:extLst>
                   <a:ext uri="{FF2B5EF4-FFF2-40B4-BE49-F238E27FC236}">
-                    <a16:creationId xmlns:a16="http://schemas.microsoft.com/office/drawing/2014/main" id="{F8C8969F-2BC8-4DBC-AF17-5E921E90DE3E}"/>
+                    <a16:creationId xmlns:a16="http://schemas.microsoft.com/office/drawing/2014/main" xmlns="" id="{F8C8969F-2BC8-4DBC-AF17-5E921E90DE3E}"/>
                   </a:ext>
                 </a:extLst>
               </p:cNvPr>
@@ -7642,7 +9218,7 @@
             <p:cNvPr id="10" name="Graphic 20" descr="Person with idea">
               <a:extLst>
                 <a:ext uri="{FF2B5EF4-FFF2-40B4-BE49-F238E27FC236}">
-                  <a16:creationId xmlns:a16="http://schemas.microsoft.com/office/drawing/2014/main" id="{0070E24E-F934-42EC-8686-D50DDD89777A}"/>
+                  <a16:creationId xmlns:a16="http://schemas.microsoft.com/office/drawing/2014/main" xmlns="" id="{0070E24E-F934-42EC-8686-D50DDD89777A}"/>
                 </a:ext>
               </a:extLst>
             </p:cNvPr>
@@ -8595,7 +10171,7 @@
           <p:cNvPr id="13" name="Straight Connector 12">
             <a:extLst>
               <a:ext uri="{FF2B5EF4-FFF2-40B4-BE49-F238E27FC236}">
-                <a16:creationId xmlns:a16="http://schemas.microsoft.com/office/drawing/2014/main" id="{90CA4E41-3F80-415A-8F8B-4B005E0C9EB1}"/>
+                <a16:creationId xmlns:a16="http://schemas.microsoft.com/office/drawing/2014/main" xmlns="" id="{90CA4E41-3F80-415A-8F8B-4B005E0C9EB1}"/>
               </a:ext>
             </a:extLst>
           </p:cNvPr>
@@ -8636,7 +10212,7 @@
           <p:cNvPr id="14" name="TextBox 13">
             <a:extLst>
               <a:ext uri="{FF2B5EF4-FFF2-40B4-BE49-F238E27FC236}">
-                <a16:creationId xmlns:a16="http://schemas.microsoft.com/office/drawing/2014/main" id="{E1A2BC41-0AB1-4AD0-8BF8-6CF5C1660D46}"/>
+                <a16:creationId xmlns:a16="http://schemas.microsoft.com/office/drawing/2014/main" xmlns="" id="{E1A2BC41-0AB1-4AD0-8BF8-6CF5C1660D46}"/>
               </a:ext>
             </a:extLst>
           </p:cNvPr>
@@ -8811,286 +10387,6 @@
 </p:sld>
 </file>
 
-<file path=ppt/slides/slide2.xml><?xml version="1.0" encoding="utf-8"?>
-<p:sld xmlns:a="http://schemas.openxmlformats.org/drawingml/2006/main" xmlns:r="http://schemas.openxmlformats.org/officeDocument/2006/relationships" xmlns:p="http://schemas.openxmlformats.org/presentationml/2006/main">
-  <p:cSld>
-    <p:spTree>
-      <p:nvGrpSpPr>
-        <p:cNvPr id="1" name=""/>
-        <p:cNvGrpSpPr/>
-        <p:nvPr/>
-      </p:nvGrpSpPr>
-      <p:grpSpPr>
-        <a:xfrm>
-          <a:off x="0" y="0"/>
-          <a:ext cx="0" cy="0"/>
-          <a:chOff x="0" y="0"/>
-          <a:chExt cx="0" cy="0"/>
-        </a:xfrm>
-      </p:grpSpPr>
-      <p:sp>
-        <p:nvSpPr>
-          <p:cNvPr id="2" name="TextBox 1">
-            <a:extLst>
-              <a:ext uri="{FF2B5EF4-FFF2-40B4-BE49-F238E27FC236}">
-                <a16:creationId xmlns:a16="http://schemas.microsoft.com/office/drawing/2014/main" id="{742EF216-75D4-4734-B156-3EDB09F9CE9B}"/>
-              </a:ext>
-            </a:extLst>
-          </p:cNvPr>
-          <p:cNvSpPr txBox="1"/>
-          <p:nvPr/>
-        </p:nvSpPr>
-        <p:spPr>
-          <a:xfrm>
-            <a:off x="477753" y="2819123"/>
-            <a:ext cx="11236494" cy="2062103"/>
-          </a:xfrm>
-          <a:prstGeom prst="rect">
-            <a:avLst/>
-          </a:prstGeom>
-          <a:noFill/>
-        </p:spPr>
-        <p:txBody>
-          <a:bodyPr wrap="square">
-            <a:spAutoFit/>
-          </a:bodyPr>
-          <a:lstStyle/>
-          <a:p>
-            <a:pPr lvl="0"/>
-            <a:r>
-              <a:rPr lang="en-US" sz="3200" dirty="0">
-                <a:latin typeface="Times New Roman" panose="02020603050405020304" pitchFamily="18" charset="0"/>
-                <a:cs typeface="Times New Roman" panose="02020603050405020304" pitchFamily="18" charset="0"/>
-              </a:rPr>
-              <a:t>Given the variables that describe the (X, Y) coordinates of the beginning and end of key events (shots, assists, key passes), which configuration of the variables result in the best fitting model that gives the probability of a shot on goal being successful?</a:t>
-            </a:r>
-          </a:p>
-        </p:txBody>
-      </p:sp>
-      <p:cxnSp>
-        <p:nvCxnSpPr>
-          <p:cNvPr id="3" name="Straight Connector 2">
-            <a:extLst>
-              <a:ext uri="{FF2B5EF4-FFF2-40B4-BE49-F238E27FC236}">
-                <a16:creationId xmlns:a16="http://schemas.microsoft.com/office/drawing/2014/main" id="{B493E240-C89A-4822-B4C3-EC3A33AD45FA}"/>
-              </a:ext>
-            </a:extLst>
-          </p:cNvPr>
-          <p:cNvCxnSpPr/>
-          <p:nvPr/>
-        </p:nvCxnSpPr>
-        <p:spPr>
-          <a:xfrm>
-            <a:off x="0" y="1047750"/>
-            <a:ext cx="12192000" cy="0"/>
-          </a:xfrm>
-          <a:prstGeom prst="line">
-            <a:avLst/>
-          </a:prstGeom>
-          <a:ln w="76200">
-            <a:solidFill>
-              <a:srgbClr val="D2C264"/>
-            </a:solidFill>
-          </a:ln>
-        </p:spPr>
-        <p:style>
-          <a:lnRef idx="1">
-            <a:schemeClr val="accent1"/>
-          </a:lnRef>
-          <a:fillRef idx="0">
-            <a:schemeClr val="accent1"/>
-          </a:fillRef>
-          <a:effectRef idx="0">
-            <a:schemeClr val="accent1"/>
-          </a:effectRef>
-          <a:fontRef idx="minor">
-            <a:schemeClr val="tx1"/>
-          </a:fontRef>
-        </p:style>
-      </p:cxnSp>
-      <p:sp>
-        <p:nvSpPr>
-          <p:cNvPr id="4" name="TextBox 3">
-            <a:extLst>
-              <a:ext uri="{FF2B5EF4-FFF2-40B4-BE49-F238E27FC236}">
-                <a16:creationId xmlns:a16="http://schemas.microsoft.com/office/drawing/2014/main" id="{9EAF4BF5-F510-49EE-8E26-0511CB451A3D}"/>
-              </a:ext>
-            </a:extLst>
-          </p:cNvPr>
-          <p:cNvSpPr txBox="1"/>
-          <p:nvPr/>
-        </p:nvSpPr>
-        <p:spPr>
-          <a:xfrm>
-            <a:off x="439692" y="229258"/>
-            <a:ext cx="3764749" cy="584775"/>
-          </a:xfrm>
-          <a:prstGeom prst="rect">
-            <a:avLst/>
-          </a:prstGeom>
-          <a:noFill/>
-        </p:spPr>
-        <p:txBody>
-          <a:bodyPr wrap="none" rtlCol="0">
-            <a:spAutoFit/>
-          </a:bodyPr>
-          <a:lstStyle/>
-          <a:p>
-            <a:r>
-              <a:rPr lang="en-US" sz="3200" b="1" dirty="0">
-                <a:latin typeface="Times New Roman" panose="02020603050405020304" pitchFamily="18" charset="0"/>
-                <a:cs typeface="Times New Roman" panose="02020603050405020304" pitchFamily="18" charset="0"/>
-              </a:rPr>
-              <a:t>SMART Question 1:</a:t>
-            </a:r>
-          </a:p>
-        </p:txBody>
-      </p:sp>
-    </p:spTree>
-    <p:extLst>
-      <p:ext uri="{BB962C8B-B14F-4D97-AF65-F5344CB8AC3E}">
-        <p14:creationId xmlns:p14="http://schemas.microsoft.com/office/powerpoint/2010/main" val="1927476904"/>
-      </p:ext>
-    </p:extLst>
-  </p:cSld>
-  <p:clrMapOvr>
-    <a:masterClrMapping/>
-  </p:clrMapOvr>
-  <p:timing>
-    <p:tnLst>
-      <p:par>
-        <p:cTn id="1" dur="indefinite" restart="never" nodeType="tmRoot">
-          <p:childTnLst>
-            <p:seq concurrent="1" nextAc="seek">
-              <p:cTn id="2" dur="indefinite" nodeType="mainSeq">
-                <p:childTnLst>
-                  <p:par>
-                    <p:cTn id="3" fill="hold">
-                      <p:stCondLst>
-                        <p:cond delay="indefinite"/>
-                      </p:stCondLst>
-                      <p:childTnLst>
-                        <p:par>
-                          <p:cTn id="4" fill="hold">
-                            <p:stCondLst>
-                              <p:cond delay="0"/>
-                            </p:stCondLst>
-                            <p:childTnLst>
-                              <p:par>
-                                <p:cTn id="5" presetID="42" presetClass="entr" presetSubtype="0" fill="hold" grpId="0" nodeType="clickEffect">
-                                  <p:stCondLst>
-                                    <p:cond delay="0"/>
-                                  </p:stCondLst>
-                                  <p:childTnLst>
-                                    <p:set>
-                                      <p:cBhvr>
-                                        <p:cTn id="6" dur="1" fill="hold">
-                                          <p:stCondLst>
-                                            <p:cond delay="0"/>
-                                          </p:stCondLst>
-                                        </p:cTn>
-                                        <p:tgtEl>
-                                          <p:spTgt spid="2"/>
-                                        </p:tgtEl>
-                                        <p:attrNameLst>
-                                          <p:attrName>style.visibility</p:attrName>
-                                        </p:attrNameLst>
-                                      </p:cBhvr>
-                                      <p:to>
-                                        <p:strVal val="visible"/>
-                                      </p:to>
-                                    </p:set>
-                                    <p:animEffect transition="in" filter="fade">
-                                      <p:cBhvr>
-                                        <p:cTn id="7" dur="1000"/>
-                                        <p:tgtEl>
-                                          <p:spTgt spid="2"/>
-                                        </p:tgtEl>
-                                      </p:cBhvr>
-                                    </p:animEffect>
-                                    <p:anim calcmode="lin" valueType="num">
-                                      <p:cBhvr>
-                                        <p:cTn id="8" dur="1000" fill="hold"/>
-                                        <p:tgtEl>
-                                          <p:spTgt spid="2"/>
-                                        </p:tgtEl>
-                                        <p:attrNameLst>
-                                          <p:attrName>ppt_x</p:attrName>
-                                        </p:attrNameLst>
-                                      </p:cBhvr>
-                                      <p:tavLst>
-                                        <p:tav tm="0">
-                                          <p:val>
-                                            <p:strVal val="#ppt_x"/>
-                                          </p:val>
-                                        </p:tav>
-                                        <p:tav tm="100000">
-                                          <p:val>
-                                            <p:strVal val="#ppt_x"/>
-                                          </p:val>
-                                        </p:tav>
-                                      </p:tavLst>
-                                    </p:anim>
-                                    <p:anim calcmode="lin" valueType="num">
-                                      <p:cBhvr>
-                                        <p:cTn id="9" dur="1000" fill="hold"/>
-                                        <p:tgtEl>
-                                          <p:spTgt spid="2"/>
-                                        </p:tgtEl>
-                                        <p:attrNameLst>
-                                          <p:attrName>ppt_y</p:attrName>
-                                        </p:attrNameLst>
-                                      </p:cBhvr>
-                                      <p:tavLst>
-                                        <p:tav tm="0">
-                                          <p:val>
-                                            <p:strVal val="#ppt_y+.1"/>
-                                          </p:val>
-                                        </p:tav>
-                                        <p:tav tm="100000">
-                                          <p:val>
-                                            <p:strVal val="#ppt_y"/>
-                                          </p:val>
-                                        </p:tav>
-                                      </p:tavLst>
-                                    </p:anim>
-                                  </p:childTnLst>
-                                </p:cTn>
-                              </p:par>
-                            </p:childTnLst>
-                          </p:cTn>
-                        </p:par>
-                      </p:childTnLst>
-                    </p:cTn>
-                  </p:par>
-                </p:childTnLst>
-              </p:cTn>
-              <p:prevCondLst>
-                <p:cond evt="onPrev" delay="0">
-                  <p:tgtEl>
-                    <p:sldTgt/>
-                  </p:tgtEl>
-                </p:cond>
-              </p:prevCondLst>
-              <p:nextCondLst>
-                <p:cond evt="onNext" delay="0">
-                  <p:tgtEl>
-                    <p:sldTgt/>
-                  </p:tgtEl>
-                </p:cond>
-              </p:nextCondLst>
-            </p:seq>
-          </p:childTnLst>
-        </p:cTn>
-      </p:par>
-    </p:tnLst>
-    <p:bldLst>
-      <p:bldP spid="2" grpId="0"/>
-    </p:bldLst>
-  </p:timing>
-</p:sld>
-</file>
-
 <file path=ppt/slides/slide3.xml><?xml version="1.0" encoding="utf-8"?>
 <p:sld xmlns:a="http://schemas.openxmlformats.org/drawingml/2006/main" xmlns:r="http://schemas.openxmlformats.org/officeDocument/2006/relationships" xmlns:p="http://schemas.openxmlformats.org/presentationml/2006/main">
   <p:cSld>
@@ -9113,7 +10409,7 @@
           <p:cNvPr id="2" name="TextBox 1">
             <a:extLst>
               <a:ext uri="{FF2B5EF4-FFF2-40B4-BE49-F238E27FC236}">
-                <a16:creationId xmlns:a16="http://schemas.microsoft.com/office/drawing/2014/main" id="{FA3B5E8F-9FB4-4163-B829-9BE843BB6E52}"/>
+                <a16:creationId xmlns:a16="http://schemas.microsoft.com/office/drawing/2014/main" xmlns="" id="{FA3B5E8F-9FB4-4163-B829-9BE843BB6E52}"/>
               </a:ext>
             </a:extLst>
           </p:cNvPr>
@@ -9151,7 +10447,7 @@
           <p:cNvPr id="5" name="Straight Connector 4">
             <a:extLst>
               <a:ext uri="{FF2B5EF4-FFF2-40B4-BE49-F238E27FC236}">
-                <a16:creationId xmlns:a16="http://schemas.microsoft.com/office/drawing/2014/main" id="{2456B271-4A45-4851-A8BF-926F16D8D568}"/>
+                <a16:creationId xmlns:a16="http://schemas.microsoft.com/office/drawing/2014/main" xmlns="" id="{2456B271-4A45-4851-A8BF-926F16D8D568}"/>
               </a:ext>
             </a:extLst>
           </p:cNvPr>
@@ -9192,7 +10488,7 @@
           <p:cNvPr id="6" name="Group 5">
             <a:extLst>
               <a:ext uri="{FF2B5EF4-FFF2-40B4-BE49-F238E27FC236}">
-                <a16:creationId xmlns:a16="http://schemas.microsoft.com/office/drawing/2014/main" id="{402D1F21-BDC0-4BD7-841D-1C7E45806FF7}"/>
+                <a16:creationId xmlns:a16="http://schemas.microsoft.com/office/drawing/2014/main" xmlns="" id="{402D1F21-BDC0-4BD7-841D-1C7E45806FF7}"/>
               </a:ext>
             </a:extLst>
           </p:cNvPr>
@@ -9212,7 +10508,7 @@
             <p:cNvPr id="7" name="TextBox 6">
               <a:extLst>
                 <a:ext uri="{FF2B5EF4-FFF2-40B4-BE49-F238E27FC236}">
-                  <a16:creationId xmlns:a16="http://schemas.microsoft.com/office/drawing/2014/main" id="{F2A9DE6C-01A0-428D-9DC7-E3A1C05F0B8E}"/>
+                  <a16:creationId xmlns:a16="http://schemas.microsoft.com/office/drawing/2014/main" xmlns="" id="{F2A9DE6C-01A0-428D-9DC7-E3A1C05F0B8E}"/>
                 </a:ext>
               </a:extLst>
             </p:cNvPr>
@@ -9259,7 +10555,7 @@
             <p:cNvPr id="8" name="Rectangle: Rounded Corners 7">
               <a:extLst>
                 <a:ext uri="{FF2B5EF4-FFF2-40B4-BE49-F238E27FC236}">
-                  <a16:creationId xmlns:a16="http://schemas.microsoft.com/office/drawing/2014/main" id="{4A406CF7-2F65-455A-BBC0-1F0315BEEBF9}"/>
+                  <a16:creationId xmlns:a16="http://schemas.microsoft.com/office/drawing/2014/main" xmlns="" id="{4A406CF7-2F65-455A-BBC0-1F0315BEEBF9}"/>
                 </a:ext>
               </a:extLst>
             </p:cNvPr>
@@ -9281,7 +10577,7 @@
                     <a14:useLocalDpi xmlns:a14="http://schemas.microsoft.com/office/drawing/2010/main" val="0"/>
                   </a:ext>
                   <a:ext uri="{837473B0-CC2E-450A-ABE3-18F120FF3D39}">
-                    <a1611:picAttrSrcUrl xmlns:a1611="http://schemas.microsoft.com/office/drawing/2016/11/main" r:id="rId3"/>
+                    <a1611:picAttrSrcUrl xmlns:a1611="http://schemas.microsoft.com/office/drawing/2016/11/main" xmlns="" r:id="rId3"/>
                   </a:ext>
                 </a:extLst>
               </a:blip>
@@ -9337,7 +10633,7 @@
             <p:cNvPr id="9" name="Rectangle: Rounded Corners 8">
               <a:extLst>
                 <a:ext uri="{FF2B5EF4-FFF2-40B4-BE49-F238E27FC236}">
-                  <a16:creationId xmlns:a16="http://schemas.microsoft.com/office/drawing/2014/main" id="{309A92D1-CD6E-4925-9171-2B3C09D96288}"/>
+                  <a16:creationId xmlns:a16="http://schemas.microsoft.com/office/drawing/2014/main" xmlns="" id="{309A92D1-CD6E-4925-9171-2B3C09D96288}"/>
                 </a:ext>
               </a:extLst>
             </p:cNvPr>
@@ -9359,7 +10655,7 @@
                     <a14:useLocalDpi xmlns:a14="http://schemas.microsoft.com/office/drawing/2010/main" val="0"/>
                   </a:ext>
                   <a:ext uri="{837473B0-CC2E-450A-ABE3-18F120FF3D39}">
-                    <a1611:picAttrSrcUrl xmlns:a1611="http://schemas.microsoft.com/office/drawing/2016/11/main" r:id="rId5"/>
+                    <a1611:picAttrSrcUrl xmlns:a1611="http://schemas.microsoft.com/office/drawing/2016/11/main" xmlns="" r:id="rId5"/>
                   </a:ext>
                 </a:extLst>
               </a:blip>
@@ -9415,7 +10711,7 @@
             <p:cNvPr id="10" name="Rectangle: Rounded Corners 9">
               <a:extLst>
                 <a:ext uri="{FF2B5EF4-FFF2-40B4-BE49-F238E27FC236}">
-                  <a16:creationId xmlns:a16="http://schemas.microsoft.com/office/drawing/2014/main" id="{F3969DE2-E82B-4AF4-AC81-52648060A3B7}"/>
+                  <a16:creationId xmlns:a16="http://schemas.microsoft.com/office/drawing/2014/main" xmlns="" id="{F3969DE2-E82B-4AF4-AC81-52648060A3B7}"/>
                 </a:ext>
               </a:extLst>
             </p:cNvPr>
@@ -9437,7 +10733,7 @@
                     <a14:useLocalDpi xmlns:a14="http://schemas.microsoft.com/office/drawing/2010/main" val="0"/>
                   </a:ext>
                   <a:ext uri="{837473B0-CC2E-450A-ABE3-18F120FF3D39}">
-                    <a1611:picAttrSrcUrl xmlns:a1611="http://schemas.microsoft.com/office/drawing/2016/11/main" r:id="rId7"/>
+                    <a1611:picAttrSrcUrl xmlns:a1611="http://schemas.microsoft.com/office/drawing/2016/11/main" xmlns="" r:id="rId7"/>
                   </a:ext>
                 </a:extLst>
               </a:blip>
@@ -9493,7 +10789,7 @@
             <p:cNvPr id="11" name="Rectangle: Rounded Corners 10">
               <a:extLst>
                 <a:ext uri="{FF2B5EF4-FFF2-40B4-BE49-F238E27FC236}">
-                  <a16:creationId xmlns:a16="http://schemas.microsoft.com/office/drawing/2014/main" id="{0D308D4E-2F29-4024-B8F7-02A2A59533E4}"/>
+                  <a16:creationId xmlns:a16="http://schemas.microsoft.com/office/drawing/2014/main" xmlns="" id="{0D308D4E-2F29-4024-B8F7-02A2A59533E4}"/>
                 </a:ext>
               </a:extLst>
             </p:cNvPr>
@@ -9515,7 +10811,7 @@
                     <a14:useLocalDpi xmlns:a14="http://schemas.microsoft.com/office/drawing/2010/main" val="0"/>
                   </a:ext>
                   <a:ext uri="{837473B0-CC2E-450A-ABE3-18F120FF3D39}">
-                    <a1611:picAttrSrcUrl xmlns:a1611="http://schemas.microsoft.com/office/drawing/2016/11/main" r:id="rId9"/>
+                    <a1611:picAttrSrcUrl xmlns:a1611="http://schemas.microsoft.com/office/drawing/2016/11/main" xmlns="" r:id="rId9"/>
                   </a:ext>
                 </a:extLst>
               </a:blip>
@@ -9571,7 +10867,7 @@
             <p:cNvPr id="12" name="Rectangle: Rounded Corners 11">
               <a:extLst>
                 <a:ext uri="{FF2B5EF4-FFF2-40B4-BE49-F238E27FC236}">
-                  <a16:creationId xmlns:a16="http://schemas.microsoft.com/office/drawing/2014/main" id="{C506414F-A722-42B9-BD56-6BD0102C7E99}"/>
+                  <a16:creationId xmlns:a16="http://schemas.microsoft.com/office/drawing/2014/main" xmlns="" id="{C506414F-A722-42B9-BD56-6BD0102C7E99}"/>
                 </a:ext>
               </a:extLst>
             </p:cNvPr>
@@ -9593,7 +10889,7 @@
                     <a14:useLocalDpi xmlns:a14="http://schemas.microsoft.com/office/drawing/2010/main" val="0"/>
                   </a:ext>
                   <a:ext uri="{837473B0-CC2E-450A-ABE3-18F120FF3D39}">
-                    <a1611:picAttrSrcUrl xmlns:a1611="http://schemas.microsoft.com/office/drawing/2016/11/main" r:id="rId11"/>
+                    <a1611:picAttrSrcUrl xmlns:a1611="http://schemas.microsoft.com/office/drawing/2016/11/main" xmlns="" r:id="rId11"/>
                   </a:ext>
                 </a:extLst>
               </a:blip>
@@ -9650,7 +10946,7 @@
           <p:cNvPr id="13" name="Group 12">
             <a:extLst>
               <a:ext uri="{FF2B5EF4-FFF2-40B4-BE49-F238E27FC236}">
-                <a16:creationId xmlns:a16="http://schemas.microsoft.com/office/drawing/2014/main" id="{B76497C1-EBE7-4CC7-8848-E6F164537443}"/>
+                <a16:creationId xmlns:a16="http://schemas.microsoft.com/office/drawing/2014/main" xmlns="" id="{B76497C1-EBE7-4CC7-8848-E6F164537443}"/>
               </a:ext>
             </a:extLst>
           </p:cNvPr>
@@ -9670,7 +10966,7 @@
             <p:cNvPr id="14" name="TextBox 13">
               <a:extLst>
                 <a:ext uri="{FF2B5EF4-FFF2-40B4-BE49-F238E27FC236}">
-                  <a16:creationId xmlns:a16="http://schemas.microsoft.com/office/drawing/2014/main" id="{62F0CA42-0789-4126-8406-7D28A7369A25}"/>
+                  <a16:creationId xmlns:a16="http://schemas.microsoft.com/office/drawing/2014/main" xmlns="" id="{62F0CA42-0789-4126-8406-7D28A7369A25}"/>
                 </a:ext>
               </a:extLst>
             </p:cNvPr>
@@ -9717,7 +11013,7 @@
             <p:cNvPr id="15" name="Rectangle: Rounded Corners 14">
               <a:extLst>
                 <a:ext uri="{FF2B5EF4-FFF2-40B4-BE49-F238E27FC236}">
-                  <a16:creationId xmlns:a16="http://schemas.microsoft.com/office/drawing/2014/main" id="{8777892D-759A-4086-AF22-ADF29283590B}"/>
+                  <a16:creationId xmlns:a16="http://schemas.microsoft.com/office/drawing/2014/main" xmlns="" id="{8777892D-759A-4086-AF22-ADF29283590B}"/>
                 </a:ext>
               </a:extLst>
             </p:cNvPr>
@@ -9739,7 +11035,7 @@
                     <a14:useLocalDpi xmlns:a14="http://schemas.microsoft.com/office/drawing/2010/main" val="0"/>
                   </a:ext>
                   <a:ext uri="{837473B0-CC2E-450A-ABE3-18F120FF3D39}">
-                    <a1611:picAttrSrcUrl xmlns:a1611="http://schemas.microsoft.com/office/drawing/2016/11/main" r:id="rId13"/>
+                    <a1611:picAttrSrcUrl xmlns:a1611="http://schemas.microsoft.com/office/drawing/2016/11/main" xmlns="" r:id="rId13"/>
                   </a:ext>
                 </a:extLst>
               </a:blip>
@@ -9796,7 +11092,7 @@
           <p:cNvPr id="16" name="Group 15">
             <a:extLst>
               <a:ext uri="{FF2B5EF4-FFF2-40B4-BE49-F238E27FC236}">
-                <a16:creationId xmlns:a16="http://schemas.microsoft.com/office/drawing/2014/main" id="{92DBFA76-339B-4BC7-A996-64FF23A08D34}"/>
+                <a16:creationId xmlns:a16="http://schemas.microsoft.com/office/drawing/2014/main" xmlns="" id="{92DBFA76-339B-4BC7-A996-64FF23A08D34}"/>
               </a:ext>
             </a:extLst>
           </p:cNvPr>
@@ -9816,7 +11112,7 @@
             <p:cNvPr id="17" name="TextBox 16">
               <a:extLst>
                 <a:ext uri="{FF2B5EF4-FFF2-40B4-BE49-F238E27FC236}">
-                  <a16:creationId xmlns:a16="http://schemas.microsoft.com/office/drawing/2014/main" id="{18863F4F-F7B3-4AA0-A3A2-69C4090AE22B}"/>
+                  <a16:creationId xmlns:a16="http://schemas.microsoft.com/office/drawing/2014/main" xmlns="" id="{18863F4F-F7B3-4AA0-A3A2-69C4090AE22B}"/>
                 </a:ext>
               </a:extLst>
             </p:cNvPr>
@@ -9863,7 +11159,7 @@
             <p:cNvPr id="18" name="Rectangle: Rounded Corners 17">
               <a:extLst>
                 <a:ext uri="{FF2B5EF4-FFF2-40B4-BE49-F238E27FC236}">
-                  <a16:creationId xmlns:a16="http://schemas.microsoft.com/office/drawing/2014/main" id="{CA295CF7-0415-4BD2-B05F-3124A13F2AF7}"/>
+                  <a16:creationId xmlns:a16="http://schemas.microsoft.com/office/drawing/2014/main" xmlns="" id="{CA295CF7-0415-4BD2-B05F-3124A13F2AF7}"/>
                 </a:ext>
               </a:extLst>
             </p:cNvPr>
@@ -9885,7 +11181,7 @@
                     <a14:useLocalDpi xmlns:a14="http://schemas.microsoft.com/office/drawing/2010/main" val="0"/>
                   </a:ext>
                   <a:ext uri="{837473B0-CC2E-450A-ABE3-18F120FF3D39}">
-                    <a1611:picAttrSrcUrl xmlns:a1611="http://schemas.microsoft.com/office/drawing/2016/11/main" r:id="rId15"/>
+                    <a1611:picAttrSrcUrl xmlns:a1611="http://schemas.microsoft.com/office/drawing/2016/11/main" xmlns="" r:id="rId15"/>
                   </a:ext>
                 </a:extLst>
               </a:blip>
@@ -9942,7 +11238,7 @@
           <p:cNvPr id="19" name="Group 18">
             <a:extLst>
               <a:ext uri="{FF2B5EF4-FFF2-40B4-BE49-F238E27FC236}">
-                <a16:creationId xmlns:a16="http://schemas.microsoft.com/office/drawing/2014/main" id="{4695C998-EA22-48E6-99A8-4261DE86D1B7}"/>
+                <a16:creationId xmlns:a16="http://schemas.microsoft.com/office/drawing/2014/main" xmlns="" id="{4695C998-EA22-48E6-99A8-4261DE86D1B7}"/>
               </a:ext>
             </a:extLst>
           </p:cNvPr>
@@ -9962,7 +11258,7 @@
             <p:cNvPr id="20" name="Rectangle: Rounded Corners 19">
               <a:extLst>
                 <a:ext uri="{FF2B5EF4-FFF2-40B4-BE49-F238E27FC236}">
-                  <a16:creationId xmlns:a16="http://schemas.microsoft.com/office/drawing/2014/main" id="{BA8EBCCF-FA84-4EA4-B032-1EFDBA14DBA8}"/>
+                  <a16:creationId xmlns:a16="http://schemas.microsoft.com/office/drawing/2014/main" xmlns="" id="{BA8EBCCF-FA84-4EA4-B032-1EFDBA14DBA8}"/>
                 </a:ext>
               </a:extLst>
             </p:cNvPr>
@@ -10019,7 +11315,7 @@
             <p:cNvPr id="21" name="TextBox 20">
               <a:extLst>
                 <a:ext uri="{FF2B5EF4-FFF2-40B4-BE49-F238E27FC236}">
-                  <a16:creationId xmlns:a16="http://schemas.microsoft.com/office/drawing/2014/main" id="{9E08633C-F67F-443E-9428-E015A1F07E85}"/>
+                  <a16:creationId xmlns:a16="http://schemas.microsoft.com/office/drawing/2014/main" xmlns="" id="{9E08633C-F67F-443E-9428-E015A1F07E85}"/>
                 </a:ext>
               </a:extLst>
             </p:cNvPr>
@@ -10059,7 +11355,7 @@
             <p:cNvPr id="22" name="Arrow: Down 21">
               <a:extLst>
                 <a:ext uri="{FF2B5EF4-FFF2-40B4-BE49-F238E27FC236}">
-                  <a16:creationId xmlns:a16="http://schemas.microsoft.com/office/drawing/2014/main" id="{8B26D85F-9FDA-4812-B6D8-2B78D454FCAD}"/>
+                  <a16:creationId xmlns:a16="http://schemas.microsoft.com/office/drawing/2014/main" xmlns="" id="{8B26D85F-9FDA-4812-B6D8-2B78D454FCAD}"/>
                 </a:ext>
               </a:extLst>
             </p:cNvPr>
@@ -10131,7 +11427,7 @@
             <p:cNvPr id="23" name="TextBox 22">
               <a:extLst>
                 <a:ext uri="{FF2B5EF4-FFF2-40B4-BE49-F238E27FC236}">
-                  <a16:creationId xmlns:a16="http://schemas.microsoft.com/office/drawing/2014/main" id="{3AF5BA8D-EFDA-495B-9355-4A1E67DF7485}"/>
+                  <a16:creationId xmlns:a16="http://schemas.microsoft.com/office/drawing/2014/main" xmlns="" id="{3AF5BA8D-EFDA-495B-9355-4A1E67DF7485}"/>
                 </a:ext>
               </a:extLst>
             </p:cNvPr>
@@ -10628,7 +11924,7 @@
           <p:cNvPr id="28" name="Straight Connector 27">
             <a:extLst>
               <a:ext uri="{FF2B5EF4-FFF2-40B4-BE49-F238E27FC236}">
-                <a16:creationId xmlns:a16="http://schemas.microsoft.com/office/drawing/2014/main" id="{5BC01C7A-1442-4981-9CA7-DBED2A4FA907}"/>
+                <a16:creationId xmlns:a16="http://schemas.microsoft.com/office/drawing/2014/main" xmlns="" id="{5BC01C7A-1442-4981-9CA7-DBED2A4FA907}"/>
               </a:ext>
             </a:extLst>
           </p:cNvPr>
@@ -10669,7 +11965,7 @@
           <p:cNvPr id="29" name="TextBox 28">
             <a:extLst>
               <a:ext uri="{FF2B5EF4-FFF2-40B4-BE49-F238E27FC236}">
-                <a16:creationId xmlns:a16="http://schemas.microsoft.com/office/drawing/2014/main" id="{FD8A799C-BE52-4998-90B7-F7B21AE43B0E}"/>
+                <a16:creationId xmlns:a16="http://schemas.microsoft.com/office/drawing/2014/main" xmlns="" id="{FD8A799C-BE52-4998-90B7-F7B21AE43B0E}"/>
               </a:ext>
             </a:extLst>
           </p:cNvPr>
@@ -10707,7 +12003,7 @@
           <p:cNvPr id="33" name="Group 32">
             <a:extLst>
               <a:ext uri="{FF2B5EF4-FFF2-40B4-BE49-F238E27FC236}">
-                <a16:creationId xmlns:a16="http://schemas.microsoft.com/office/drawing/2014/main" id="{CE0D35C0-CE6D-425B-AE6F-D3F193BAD9E5}"/>
+                <a16:creationId xmlns:a16="http://schemas.microsoft.com/office/drawing/2014/main" xmlns="" id="{CE0D35C0-CE6D-425B-AE6F-D3F193BAD9E5}"/>
               </a:ext>
             </a:extLst>
           </p:cNvPr>
@@ -10727,7 +12023,7 @@
             <p:cNvPr id="8" name="Rectangle: Rounded Corners 7">
               <a:extLst>
                 <a:ext uri="{FF2B5EF4-FFF2-40B4-BE49-F238E27FC236}">
-                  <a16:creationId xmlns:a16="http://schemas.microsoft.com/office/drawing/2014/main" id="{F4435332-69FC-4D75-B3A6-EA7EB1DA13F2}"/>
+                  <a16:creationId xmlns:a16="http://schemas.microsoft.com/office/drawing/2014/main" xmlns="" id="{F4435332-69FC-4D75-B3A6-EA7EB1DA13F2}"/>
                 </a:ext>
               </a:extLst>
             </p:cNvPr>
@@ -10802,7 +12098,7 @@
             <p:cNvPr id="9" name="Rectangle: Rounded Corners 8">
               <a:extLst>
                 <a:ext uri="{FF2B5EF4-FFF2-40B4-BE49-F238E27FC236}">
-                  <a16:creationId xmlns:a16="http://schemas.microsoft.com/office/drawing/2014/main" id="{1F7799C2-40DE-491E-922C-E05F43B64704}"/>
+                  <a16:creationId xmlns:a16="http://schemas.microsoft.com/office/drawing/2014/main" xmlns="" id="{1F7799C2-40DE-491E-922C-E05F43B64704}"/>
                 </a:ext>
               </a:extLst>
             </p:cNvPr>
@@ -10877,7 +12173,7 @@
             <p:cNvPr id="10" name="Rectangle: Rounded Corners 9">
               <a:extLst>
                 <a:ext uri="{FF2B5EF4-FFF2-40B4-BE49-F238E27FC236}">
-                  <a16:creationId xmlns:a16="http://schemas.microsoft.com/office/drawing/2014/main" id="{C41A0105-3D0A-41A6-979A-05BB97B6C5C7}"/>
+                  <a16:creationId xmlns:a16="http://schemas.microsoft.com/office/drawing/2014/main" xmlns="" id="{C41A0105-3D0A-41A6-979A-05BB97B6C5C7}"/>
                 </a:ext>
               </a:extLst>
             </p:cNvPr>
@@ -10952,7 +12248,7 @@
             <p:cNvPr id="11" name="Rectangle: Rounded Corners 10">
               <a:extLst>
                 <a:ext uri="{FF2B5EF4-FFF2-40B4-BE49-F238E27FC236}">
-                  <a16:creationId xmlns:a16="http://schemas.microsoft.com/office/drawing/2014/main" id="{61A8BB1B-DF19-4230-B91C-FA1B01C9D034}"/>
+                  <a16:creationId xmlns:a16="http://schemas.microsoft.com/office/drawing/2014/main" xmlns="" id="{61A8BB1B-DF19-4230-B91C-FA1B01C9D034}"/>
                 </a:ext>
               </a:extLst>
             </p:cNvPr>
@@ -11027,7 +12323,7 @@
             <p:cNvPr id="12" name="Rectangle: Rounded Corners 11">
               <a:extLst>
                 <a:ext uri="{FF2B5EF4-FFF2-40B4-BE49-F238E27FC236}">
-                  <a16:creationId xmlns:a16="http://schemas.microsoft.com/office/drawing/2014/main" id="{C9762CBF-3494-4AB6-8F84-63E4F89FFE81}"/>
+                  <a16:creationId xmlns:a16="http://schemas.microsoft.com/office/drawing/2014/main" xmlns="" id="{C9762CBF-3494-4AB6-8F84-63E4F89FFE81}"/>
                 </a:ext>
               </a:extLst>
             </p:cNvPr>
@@ -11102,7 +12398,7 @@
             <p:cNvPr id="13" name="Rectangle: Rounded Corners 12">
               <a:extLst>
                 <a:ext uri="{FF2B5EF4-FFF2-40B4-BE49-F238E27FC236}">
-                  <a16:creationId xmlns:a16="http://schemas.microsoft.com/office/drawing/2014/main" id="{0AD5A17F-D6F5-4898-90E7-32F83AD408E4}"/>
+                  <a16:creationId xmlns:a16="http://schemas.microsoft.com/office/drawing/2014/main" xmlns="" id="{0AD5A17F-D6F5-4898-90E7-32F83AD408E4}"/>
                 </a:ext>
               </a:extLst>
             </p:cNvPr>
@@ -11177,7 +12473,7 @@
             <p:cNvPr id="14" name="Rectangle: Rounded Corners 13">
               <a:extLst>
                 <a:ext uri="{FF2B5EF4-FFF2-40B4-BE49-F238E27FC236}">
-                  <a16:creationId xmlns:a16="http://schemas.microsoft.com/office/drawing/2014/main" id="{427388F0-F1BF-49F1-AB90-BF4F855265CB}"/>
+                  <a16:creationId xmlns:a16="http://schemas.microsoft.com/office/drawing/2014/main" xmlns="" id="{427388F0-F1BF-49F1-AB90-BF4F855265CB}"/>
                 </a:ext>
               </a:extLst>
             </p:cNvPr>
@@ -11252,7 +12548,7 @@
             <p:cNvPr id="15" name="Rectangle: Rounded Corners 14">
               <a:extLst>
                 <a:ext uri="{FF2B5EF4-FFF2-40B4-BE49-F238E27FC236}">
-                  <a16:creationId xmlns:a16="http://schemas.microsoft.com/office/drawing/2014/main" id="{F4F36732-5BAB-40B0-8F96-050D67939387}"/>
+                  <a16:creationId xmlns:a16="http://schemas.microsoft.com/office/drawing/2014/main" xmlns="" id="{F4F36732-5BAB-40B0-8F96-050D67939387}"/>
                 </a:ext>
               </a:extLst>
             </p:cNvPr>
@@ -11327,7 +12623,7 @@
             <p:cNvPr id="16" name="Rectangle: Rounded Corners 15">
               <a:extLst>
                 <a:ext uri="{FF2B5EF4-FFF2-40B4-BE49-F238E27FC236}">
-                  <a16:creationId xmlns:a16="http://schemas.microsoft.com/office/drawing/2014/main" id="{CA09CD9D-372F-45B5-B665-D4CC658FCC48}"/>
+                  <a16:creationId xmlns:a16="http://schemas.microsoft.com/office/drawing/2014/main" xmlns="" id="{CA09CD9D-372F-45B5-B665-D4CC658FCC48}"/>
                 </a:ext>
               </a:extLst>
             </p:cNvPr>
@@ -11393,7 +12689,7 @@
             <p:cNvPr id="17" name="Rectangle: Rounded Corners 16">
               <a:extLst>
                 <a:ext uri="{FF2B5EF4-FFF2-40B4-BE49-F238E27FC236}">
-                  <a16:creationId xmlns:a16="http://schemas.microsoft.com/office/drawing/2014/main" id="{4D38B512-7E7D-4A61-8C38-D1BF4269173E}"/>
+                  <a16:creationId xmlns:a16="http://schemas.microsoft.com/office/drawing/2014/main" xmlns="" id="{4D38B512-7E7D-4A61-8C38-D1BF4269173E}"/>
                 </a:ext>
               </a:extLst>
             </p:cNvPr>
@@ -11459,7 +12755,7 @@
             <p:cNvPr id="18" name="Rectangle: Rounded Corners 17">
               <a:extLst>
                 <a:ext uri="{FF2B5EF4-FFF2-40B4-BE49-F238E27FC236}">
-                  <a16:creationId xmlns:a16="http://schemas.microsoft.com/office/drawing/2014/main" id="{4077607C-E917-47B5-B2B0-FE2CD453C596}"/>
+                  <a16:creationId xmlns:a16="http://schemas.microsoft.com/office/drawing/2014/main" xmlns="" id="{4077607C-E917-47B5-B2B0-FE2CD453C596}"/>
                 </a:ext>
               </a:extLst>
             </p:cNvPr>
@@ -11525,7 +12821,7 @@
             <p:cNvPr id="19" name="Rectangle: Rounded Corners 18">
               <a:extLst>
                 <a:ext uri="{FF2B5EF4-FFF2-40B4-BE49-F238E27FC236}">
-                  <a16:creationId xmlns:a16="http://schemas.microsoft.com/office/drawing/2014/main" id="{61F80F85-6FCC-413C-8C38-5A0E48E467F7}"/>
+                  <a16:creationId xmlns:a16="http://schemas.microsoft.com/office/drawing/2014/main" xmlns="" id="{61F80F85-6FCC-413C-8C38-5A0E48E467F7}"/>
                 </a:ext>
               </a:extLst>
             </p:cNvPr>
@@ -11591,7 +12887,7 @@
             <p:cNvPr id="20" name="Rectangle: Rounded Corners 19">
               <a:extLst>
                 <a:ext uri="{FF2B5EF4-FFF2-40B4-BE49-F238E27FC236}">
-                  <a16:creationId xmlns:a16="http://schemas.microsoft.com/office/drawing/2014/main" id="{CBB470BF-A936-4D60-B1A2-03A93D25CD47}"/>
+                  <a16:creationId xmlns:a16="http://schemas.microsoft.com/office/drawing/2014/main" xmlns="" id="{CBB470BF-A936-4D60-B1A2-03A93D25CD47}"/>
                 </a:ext>
               </a:extLst>
             </p:cNvPr>
@@ -11657,7 +12953,7 @@
             <p:cNvPr id="21" name="Rectangle: Rounded Corners 20">
               <a:extLst>
                 <a:ext uri="{FF2B5EF4-FFF2-40B4-BE49-F238E27FC236}">
-                  <a16:creationId xmlns:a16="http://schemas.microsoft.com/office/drawing/2014/main" id="{F76D9321-06A5-4A29-A115-ADE0DFF6AADD}"/>
+                  <a16:creationId xmlns:a16="http://schemas.microsoft.com/office/drawing/2014/main" xmlns="" id="{F76D9321-06A5-4A29-A115-ADE0DFF6AADD}"/>
                 </a:ext>
               </a:extLst>
             </p:cNvPr>
@@ -11723,7 +13019,7 @@
             <p:cNvPr id="22" name="Rectangle: Rounded Corners 21">
               <a:extLst>
                 <a:ext uri="{FF2B5EF4-FFF2-40B4-BE49-F238E27FC236}">
-                  <a16:creationId xmlns:a16="http://schemas.microsoft.com/office/drawing/2014/main" id="{D48F64A5-A45D-4254-B2D2-4763B59951C3}"/>
+                  <a16:creationId xmlns:a16="http://schemas.microsoft.com/office/drawing/2014/main" xmlns="" id="{D48F64A5-A45D-4254-B2D2-4763B59951C3}"/>
                 </a:ext>
               </a:extLst>
             </p:cNvPr>
@@ -11789,7 +13085,7 @@
             <p:cNvPr id="23" name="Rectangle: Rounded Corners 22">
               <a:extLst>
                 <a:ext uri="{FF2B5EF4-FFF2-40B4-BE49-F238E27FC236}">
-                  <a16:creationId xmlns:a16="http://schemas.microsoft.com/office/drawing/2014/main" id="{1F8CE15E-2EC7-419B-9B10-0944E4E7BB64}"/>
+                  <a16:creationId xmlns:a16="http://schemas.microsoft.com/office/drawing/2014/main" xmlns="" id="{1F8CE15E-2EC7-419B-9B10-0944E4E7BB64}"/>
                 </a:ext>
               </a:extLst>
             </p:cNvPr>
@@ -11855,7 +13151,7 @@
             <p:cNvPr id="24" name="TextBox 23">
               <a:extLst>
                 <a:ext uri="{FF2B5EF4-FFF2-40B4-BE49-F238E27FC236}">
-                  <a16:creationId xmlns:a16="http://schemas.microsoft.com/office/drawing/2014/main" id="{1D72480D-C09C-42F2-AF4C-B3877C177CC3}"/>
+                  <a16:creationId xmlns:a16="http://schemas.microsoft.com/office/drawing/2014/main" xmlns="" id="{1D72480D-C09C-42F2-AF4C-B3877C177CC3}"/>
                 </a:ext>
               </a:extLst>
             </p:cNvPr>
@@ -11929,7 +13225,7 @@
             <p:cNvPr id="25" name="TextBox 24">
               <a:extLst>
                 <a:ext uri="{FF2B5EF4-FFF2-40B4-BE49-F238E27FC236}">
-                  <a16:creationId xmlns:a16="http://schemas.microsoft.com/office/drawing/2014/main" id="{26160063-FD4F-4FF6-B323-B31EE539258B}"/>
+                  <a16:creationId xmlns:a16="http://schemas.microsoft.com/office/drawing/2014/main" xmlns="" id="{26160063-FD4F-4FF6-B323-B31EE539258B}"/>
                 </a:ext>
               </a:extLst>
             </p:cNvPr>
@@ -12003,7 +13299,7 @@
             <p:cNvPr id="26" name="TextBox 25">
               <a:extLst>
                 <a:ext uri="{FF2B5EF4-FFF2-40B4-BE49-F238E27FC236}">
-                  <a16:creationId xmlns:a16="http://schemas.microsoft.com/office/drawing/2014/main" id="{A8BA53C5-77CF-4DDD-8C5C-056D334E73EE}"/>
+                  <a16:creationId xmlns:a16="http://schemas.microsoft.com/office/drawing/2014/main" xmlns="" id="{A8BA53C5-77CF-4DDD-8C5C-056D334E73EE}"/>
                 </a:ext>
               </a:extLst>
             </p:cNvPr>
@@ -12077,7 +13373,7 @@
             <p:cNvPr id="27" name="TextBox 26">
               <a:extLst>
                 <a:ext uri="{FF2B5EF4-FFF2-40B4-BE49-F238E27FC236}">
-                  <a16:creationId xmlns:a16="http://schemas.microsoft.com/office/drawing/2014/main" id="{73233433-E353-4C36-A84A-DA39FC0FE1EE}"/>
+                  <a16:creationId xmlns:a16="http://schemas.microsoft.com/office/drawing/2014/main" xmlns="" id="{73233433-E353-4C36-A84A-DA39FC0FE1EE}"/>
                 </a:ext>
               </a:extLst>
             </p:cNvPr>
@@ -12151,7 +13447,7 @@
             <p:cNvPr id="4" name="TextBox 3">
               <a:extLst>
                 <a:ext uri="{FF2B5EF4-FFF2-40B4-BE49-F238E27FC236}">
-                  <a16:creationId xmlns:a16="http://schemas.microsoft.com/office/drawing/2014/main" id="{A2AD06CB-AC0F-4628-A6C5-065165D1D398}"/>
+                  <a16:creationId xmlns:a16="http://schemas.microsoft.com/office/drawing/2014/main" xmlns="" id="{A2AD06CB-AC0F-4628-A6C5-065165D1D398}"/>
                 </a:ext>
               </a:extLst>
             </p:cNvPr>
@@ -12216,7 +13512,7 @@
             <p:cNvPr id="5" name="TextBox 4">
               <a:extLst>
                 <a:ext uri="{FF2B5EF4-FFF2-40B4-BE49-F238E27FC236}">
-                  <a16:creationId xmlns:a16="http://schemas.microsoft.com/office/drawing/2014/main" id="{29DD3659-D9E9-4D4E-B5B3-94B67A848518}"/>
+                  <a16:creationId xmlns:a16="http://schemas.microsoft.com/office/drawing/2014/main" xmlns="" id="{29DD3659-D9E9-4D4E-B5B3-94B67A848518}"/>
                 </a:ext>
               </a:extLst>
             </p:cNvPr>
@@ -12281,7 +13577,7 @@
             <p:cNvPr id="6" name="TextBox 5">
               <a:extLst>
                 <a:ext uri="{FF2B5EF4-FFF2-40B4-BE49-F238E27FC236}">
-                  <a16:creationId xmlns:a16="http://schemas.microsoft.com/office/drawing/2014/main" id="{46FFF08C-A00A-452C-9FB5-897F0F9C2026}"/>
+                  <a16:creationId xmlns:a16="http://schemas.microsoft.com/office/drawing/2014/main" xmlns="" id="{46FFF08C-A00A-452C-9FB5-897F0F9C2026}"/>
                 </a:ext>
               </a:extLst>
             </p:cNvPr>
@@ -12346,7 +13642,7 @@
             <p:cNvPr id="7" name="TextBox 6">
               <a:extLst>
                 <a:ext uri="{FF2B5EF4-FFF2-40B4-BE49-F238E27FC236}">
-                  <a16:creationId xmlns:a16="http://schemas.microsoft.com/office/drawing/2014/main" id="{DC8BF421-EC0E-41F0-A810-54D65394FB44}"/>
+                  <a16:creationId xmlns:a16="http://schemas.microsoft.com/office/drawing/2014/main" xmlns="" id="{DC8BF421-EC0E-41F0-A810-54D65394FB44}"/>
                 </a:ext>
               </a:extLst>
             </p:cNvPr>
@@ -12411,7 +13707,7 @@
             <p:cNvPr id="30" name="Rectangle: Rounded Corners 29">
               <a:extLst>
                 <a:ext uri="{FF2B5EF4-FFF2-40B4-BE49-F238E27FC236}">
-                  <a16:creationId xmlns:a16="http://schemas.microsoft.com/office/drawing/2014/main" id="{622FED8A-6710-405A-8EEB-2B9A71D48CA2}"/>
+                  <a16:creationId xmlns:a16="http://schemas.microsoft.com/office/drawing/2014/main" xmlns="" id="{622FED8A-6710-405A-8EEB-2B9A71D48CA2}"/>
                 </a:ext>
               </a:extLst>
             </p:cNvPr>
@@ -12486,7 +13782,7 @@
             <p:cNvPr id="31" name="Rectangle: Rounded Corners 30">
               <a:extLst>
                 <a:ext uri="{FF2B5EF4-FFF2-40B4-BE49-F238E27FC236}">
-                  <a16:creationId xmlns:a16="http://schemas.microsoft.com/office/drawing/2014/main" id="{2F6E0BC0-0AC7-4652-BBFE-A2212A73586F}"/>
+                  <a16:creationId xmlns:a16="http://schemas.microsoft.com/office/drawing/2014/main" xmlns="" id="{2F6E0BC0-0AC7-4652-BBFE-A2212A73586F}"/>
                 </a:ext>
               </a:extLst>
             </p:cNvPr>
@@ -12552,7 +13848,7 @@
             <p:cNvPr id="32" name="TextBox 31">
               <a:extLst>
                 <a:ext uri="{FF2B5EF4-FFF2-40B4-BE49-F238E27FC236}">
-                  <a16:creationId xmlns:a16="http://schemas.microsoft.com/office/drawing/2014/main" id="{B1DE1F40-72F3-4FC9-B30F-3F4DAF6BCD28}"/>
+                  <a16:creationId xmlns:a16="http://schemas.microsoft.com/office/drawing/2014/main" xmlns="" id="{B1DE1F40-72F3-4FC9-B30F-3F4DAF6BCD28}"/>
                 </a:ext>
               </a:extLst>
             </p:cNvPr>
@@ -12648,7 +13944,7 @@
           <p:cNvPr id="28" name="Straight Connector 27">
             <a:extLst>
               <a:ext uri="{FF2B5EF4-FFF2-40B4-BE49-F238E27FC236}">
-                <a16:creationId xmlns:a16="http://schemas.microsoft.com/office/drawing/2014/main" id="{5BC01C7A-1442-4981-9CA7-DBED2A4FA907}"/>
+                <a16:creationId xmlns:a16="http://schemas.microsoft.com/office/drawing/2014/main" xmlns="" id="{5BC01C7A-1442-4981-9CA7-DBED2A4FA907}"/>
               </a:ext>
             </a:extLst>
           </p:cNvPr>
@@ -12689,7 +13985,7 @@
           <p:cNvPr id="29" name="TextBox 28">
             <a:extLst>
               <a:ext uri="{FF2B5EF4-FFF2-40B4-BE49-F238E27FC236}">
-                <a16:creationId xmlns:a16="http://schemas.microsoft.com/office/drawing/2014/main" id="{FD8A799C-BE52-4998-90B7-F7B21AE43B0E}"/>
+                <a16:creationId xmlns:a16="http://schemas.microsoft.com/office/drawing/2014/main" xmlns="" id="{FD8A799C-BE52-4998-90B7-F7B21AE43B0E}"/>
               </a:ext>
             </a:extLst>
           </p:cNvPr>
@@ -12727,7 +14023,7 @@
           <p:cNvPr id="2" name="Group 1">
             <a:extLst>
               <a:ext uri="{FF2B5EF4-FFF2-40B4-BE49-F238E27FC236}">
-                <a16:creationId xmlns:a16="http://schemas.microsoft.com/office/drawing/2014/main" id="{FD0577ED-0B2D-46AA-B696-ACF560E0FD16}"/>
+                <a16:creationId xmlns:a16="http://schemas.microsoft.com/office/drawing/2014/main" xmlns="" id="{FD0577ED-0B2D-46AA-B696-ACF560E0FD16}"/>
               </a:ext>
             </a:extLst>
           </p:cNvPr>
@@ -12747,7 +14043,7 @@
             <p:cNvPr id="8" name="Rectangle: Rounded Corners 7">
               <a:extLst>
                 <a:ext uri="{FF2B5EF4-FFF2-40B4-BE49-F238E27FC236}">
-                  <a16:creationId xmlns:a16="http://schemas.microsoft.com/office/drawing/2014/main" id="{F4435332-69FC-4D75-B3A6-EA7EB1DA13F2}"/>
+                  <a16:creationId xmlns:a16="http://schemas.microsoft.com/office/drawing/2014/main" xmlns="" id="{F4435332-69FC-4D75-B3A6-EA7EB1DA13F2}"/>
                 </a:ext>
               </a:extLst>
             </p:cNvPr>
@@ -12822,7 +14118,7 @@
             <p:cNvPr id="9" name="Rectangle: Rounded Corners 8">
               <a:extLst>
                 <a:ext uri="{FF2B5EF4-FFF2-40B4-BE49-F238E27FC236}">
-                  <a16:creationId xmlns:a16="http://schemas.microsoft.com/office/drawing/2014/main" id="{1F7799C2-40DE-491E-922C-E05F43B64704}"/>
+                  <a16:creationId xmlns:a16="http://schemas.microsoft.com/office/drawing/2014/main" xmlns="" id="{1F7799C2-40DE-491E-922C-E05F43B64704}"/>
                 </a:ext>
               </a:extLst>
             </p:cNvPr>
@@ -12897,7 +14193,7 @@
             <p:cNvPr id="10" name="Rectangle: Rounded Corners 9">
               <a:extLst>
                 <a:ext uri="{FF2B5EF4-FFF2-40B4-BE49-F238E27FC236}">
-                  <a16:creationId xmlns:a16="http://schemas.microsoft.com/office/drawing/2014/main" id="{C41A0105-3D0A-41A6-979A-05BB97B6C5C7}"/>
+                  <a16:creationId xmlns:a16="http://schemas.microsoft.com/office/drawing/2014/main" xmlns="" id="{C41A0105-3D0A-41A6-979A-05BB97B6C5C7}"/>
                 </a:ext>
               </a:extLst>
             </p:cNvPr>
@@ -12972,7 +14268,7 @@
             <p:cNvPr id="11" name="Rectangle: Rounded Corners 10">
               <a:extLst>
                 <a:ext uri="{FF2B5EF4-FFF2-40B4-BE49-F238E27FC236}">
-                  <a16:creationId xmlns:a16="http://schemas.microsoft.com/office/drawing/2014/main" id="{61A8BB1B-DF19-4230-B91C-FA1B01C9D034}"/>
+                  <a16:creationId xmlns:a16="http://schemas.microsoft.com/office/drawing/2014/main" xmlns="" id="{61A8BB1B-DF19-4230-B91C-FA1B01C9D034}"/>
                 </a:ext>
               </a:extLst>
             </p:cNvPr>
@@ -13047,7 +14343,7 @@
             <p:cNvPr id="12" name="Rectangle: Rounded Corners 11">
               <a:extLst>
                 <a:ext uri="{FF2B5EF4-FFF2-40B4-BE49-F238E27FC236}">
-                  <a16:creationId xmlns:a16="http://schemas.microsoft.com/office/drawing/2014/main" id="{C9762CBF-3494-4AB6-8F84-63E4F89FFE81}"/>
+                  <a16:creationId xmlns:a16="http://schemas.microsoft.com/office/drawing/2014/main" xmlns="" id="{C9762CBF-3494-4AB6-8F84-63E4F89FFE81}"/>
                 </a:ext>
               </a:extLst>
             </p:cNvPr>
@@ -13122,7 +14418,7 @@
             <p:cNvPr id="13" name="Rectangle: Rounded Corners 12">
               <a:extLst>
                 <a:ext uri="{FF2B5EF4-FFF2-40B4-BE49-F238E27FC236}">
-                  <a16:creationId xmlns:a16="http://schemas.microsoft.com/office/drawing/2014/main" id="{0AD5A17F-D6F5-4898-90E7-32F83AD408E4}"/>
+                  <a16:creationId xmlns:a16="http://schemas.microsoft.com/office/drawing/2014/main" xmlns="" id="{0AD5A17F-D6F5-4898-90E7-32F83AD408E4}"/>
                 </a:ext>
               </a:extLst>
             </p:cNvPr>
@@ -13197,7 +14493,7 @@
             <p:cNvPr id="14" name="Rectangle: Rounded Corners 13">
               <a:extLst>
                 <a:ext uri="{FF2B5EF4-FFF2-40B4-BE49-F238E27FC236}">
-                  <a16:creationId xmlns:a16="http://schemas.microsoft.com/office/drawing/2014/main" id="{427388F0-F1BF-49F1-AB90-BF4F855265CB}"/>
+                  <a16:creationId xmlns:a16="http://schemas.microsoft.com/office/drawing/2014/main" xmlns="" id="{427388F0-F1BF-49F1-AB90-BF4F855265CB}"/>
                 </a:ext>
               </a:extLst>
             </p:cNvPr>
@@ -13272,7 +14568,7 @@
             <p:cNvPr id="15" name="Rectangle: Rounded Corners 14">
               <a:extLst>
                 <a:ext uri="{FF2B5EF4-FFF2-40B4-BE49-F238E27FC236}">
-                  <a16:creationId xmlns:a16="http://schemas.microsoft.com/office/drawing/2014/main" id="{F4F36732-5BAB-40B0-8F96-050D67939387}"/>
+                  <a16:creationId xmlns:a16="http://schemas.microsoft.com/office/drawing/2014/main" xmlns="" id="{F4F36732-5BAB-40B0-8F96-050D67939387}"/>
                 </a:ext>
               </a:extLst>
             </p:cNvPr>
@@ -13347,7 +14643,7 @@
             <p:cNvPr id="16" name="Rectangle: Rounded Corners 15">
               <a:extLst>
                 <a:ext uri="{FF2B5EF4-FFF2-40B4-BE49-F238E27FC236}">
-                  <a16:creationId xmlns:a16="http://schemas.microsoft.com/office/drawing/2014/main" id="{CA09CD9D-372F-45B5-B665-D4CC658FCC48}"/>
+                  <a16:creationId xmlns:a16="http://schemas.microsoft.com/office/drawing/2014/main" xmlns="" id="{CA09CD9D-372F-45B5-B665-D4CC658FCC48}"/>
                 </a:ext>
               </a:extLst>
             </p:cNvPr>
@@ -13413,7 +14709,7 @@
             <p:cNvPr id="17" name="Rectangle: Rounded Corners 16">
               <a:extLst>
                 <a:ext uri="{FF2B5EF4-FFF2-40B4-BE49-F238E27FC236}">
-                  <a16:creationId xmlns:a16="http://schemas.microsoft.com/office/drawing/2014/main" id="{4D38B512-7E7D-4A61-8C38-D1BF4269173E}"/>
+                  <a16:creationId xmlns:a16="http://schemas.microsoft.com/office/drawing/2014/main" xmlns="" id="{4D38B512-7E7D-4A61-8C38-D1BF4269173E}"/>
                 </a:ext>
               </a:extLst>
             </p:cNvPr>
@@ -13479,7 +14775,7 @@
             <p:cNvPr id="18" name="Rectangle: Rounded Corners 17">
               <a:extLst>
                 <a:ext uri="{FF2B5EF4-FFF2-40B4-BE49-F238E27FC236}">
-                  <a16:creationId xmlns:a16="http://schemas.microsoft.com/office/drawing/2014/main" id="{4077607C-E917-47B5-B2B0-FE2CD453C596}"/>
+                  <a16:creationId xmlns:a16="http://schemas.microsoft.com/office/drawing/2014/main" xmlns="" id="{4077607C-E917-47B5-B2B0-FE2CD453C596}"/>
                 </a:ext>
               </a:extLst>
             </p:cNvPr>
@@ -13545,7 +14841,7 @@
             <p:cNvPr id="19" name="Rectangle: Rounded Corners 18">
               <a:extLst>
                 <a:ext uri="{FF2B5EF4-FFF2-40B4-BE49-F238E27FC236}">
-                  <a16:creationId xmlns:a16="http://schemas.microsoft.com/office/drawing/2014/main" id="{61F80F85-6FCC-413C-8C38-5A0E48E467F7}"/>
+                  <a16:creationId xmlns:a16="http://schemas.microsoft.com/office/drawing/2014/main" xmlns="" id="{61F80F85-6FCC-413C-8C38-5A0E48E467F7}"/>
                 </a:ext>
               </a:extLst>
             </p:cNvPr>
@@ -13611,7 +14907,7 @@
             <p:cNvPr id="20" name="Rectangle: Rounded Corners 19">
               <a:extLst>
                 <a:ext uri="{FF2B5EF4-FFF2-40B4-BE49-F238E27FC236}">
-                  <a16:creationId xmlns:a16="http://schemas.microsoft.com/office/drawing/2014/main" id="{CBB470BF-A936-4D60-B1A2-03A93D25CD47}"/>
+                  <a16:creationId xmlns:a16="http://schemas.microsoft.com/office/drawing/2014/main" xmlns="" id="{CBB470BF-A936-4D60-B1A2-03A93D25CD47}"/>
                 </a:ext>
               </a:extLst>
             </p:cNvPr>
@@ -13677,7 +14973,7 @@
             <p:cNvPr id="21" name="Rectangle: Rounded Corners 20">
               <a:extLst>
                 <a:ext uri="{FF2B5EF4-FFF2-40B4-BE49-F238E27FC236}">
-                  <a16:creationId xmlns:a16="http://schemas.microsoft.com/office/drawing/2014/main" id="{F76D9321-06A5-4A29-A115-ADE0DFF6AADD}"/>
+                  <a16:creationId xmlns:a16="http://schemas.microsoft.com/office/drawing/2014/main" xmlns="" id="{F76D9321-06A5-4A29-A115-ADE0DFF6AADD}"/>
                 </a:ext>
               </a:extLst>
             </p:cNvPr>
@@ -13743,7 +15039,7 @@
             <p:cNvPr id="22" name="Rectangle: Rounded Corners 21">
               <a:extLst>
                 <a:ext uri="{FF2B5EF4-FFF2-40B4-BE49-F238E27FC236}">
-                  <a16:creationId xmlns:a16="http://schemas.microsoft.com/office/drawing/2014/main" id="{D48F64A5-A45D-4254-B2D2-4763B59951C3}"/>
+                  <a16:creationId xmlns:a16="http://schemas.microsoft.com/office/drawing/2014/main" xmlns="" id="{D48F64A5-A45D-4254-B2D2-4763B59951C3}"/>
                 </a:ext>
               </a:extLst>
             </p:cNvPr>
@@ -13809,7 +15105,7 @@
             <p:cNvPr id="23" name="Rectangle: Rounded Corners 22">
               <a:extLst>
                 <a:ext uri="{FF2B5EF4-FFF2-40B4-BE49-F238E27FC236}">
-                  <a16:creationId xmlns:a16="http://schemas.microsoft.com/office/drawing/2014/main" id="{1F8CE15E-2EC7-419B-9B10-0944E4E7BB64}"/>
+                  <a16:creationId xmlns:a16="http://schemas.microsoft.com/office/drawing/2014/main" xmlns="" id="{1F8CE15E-2EC7-419B-9B10-0944E4E7BB64}"/>
                 </a:ext>
               </a:extLst>
             </p:cNvPr>
@@ -13875,7 +15171,7 @@
             <p:cNvPr id="24" name="TextBox 23">
               <a:extLst>
                 <a:ext uri="{FF2B5EF4-FFF2-40B4-BE49-F238E27FC236}">
-                  <a16:creationId xmlns:a16="http://schemas.microsoft.com/office/drawing/2014/main" id="{1D72480D-C09C-42F2-AF4C-B3877C177CC3}"/>
+                  <a16:creationId xmlns:a16="http://schemas.microsoft.com/office/drawing/2014/main" xmlns="" id="{1D72480D-C09C-42F2-AF4C-B3877C177CC3}"/>
                 </a:ext>
               </a:extLst>
             </p:cNvPr>
@@ -13949,7 +15245,7 @@
             <p:cNvPr id="25" name="TextBox 24">
               <a:extLst>
                 <a:ext uri="{FF2B5EF4-FFF2-40B4-BE49-F238E27FC236}">
-                  <a16:creationId xmlns:a16="http://schemas.microsoft.com/office/drawing/2014/main" id="{26160063-FD4F-4FF6-B323-B31EE539258B}"/>
+                  <a16:creationId xmlns:a16="http://schemas.microsoft.com/office/drawing/2014/main" xmlns="" id="{26160063-FD4F-4FF6-B323-B31EE539258B}"/>
                 </a:ext>
               </a:extLst>
             </p:cNvPr>
@@ -14023,7 +15319,7 @@
             <p:cNvPr id="26" name="TextBox 25">
               <a:extLst>
                 <a:ext uri="{FF2B5EF4-FFF2-40B4-BE49-F238E27FC236}">
-                  <a16:creationId xmlns:a16="http://schemas.microsoft.com/office/drawing/2014/main" id="{A8BA53C5-77CF-4DDD-8C5C-056D334E73EE}"/>
+                  <a16:creationId xmlns:a16="http://schemas.microsoft.com/office/drawing/2014/main" xmlns="" id="{A8BA53C5-77CF-4DDD-8C5C-056D334E73EE}"/>
                 </a:ext>
               </a:extLst>
             </p:cNvPr>
@@ -14097,7 +15393,7 @@
             <p:cNvPr id="27" name="TextBox 26">
               <a:extLst>
                 <a:ext uri="{FF2B5EF4-FFF2-40B4-BE49-F238E27FC236}">
-                  <a16:creationId xmlns:a16="http://schemas.microsoft.com/office/drawing/2014/main" id="{73233433-E353-4C36-A84A-DA39FC0FE1EE}"/>
+                  <a16:creationId xmlns:a16="http://schemas.microsoft.com/office/drawing/2014/main" xmlns="" id="{73233433-E353-4C36-A84A-DA39FC0FE1EE}"/>
                 </a:ext>
               </a:extLst>
             </p:cNvPr>
@@ -14171,7 +15467,7 @@
             <p:cNvPr id="4" name="TextBox 3">
               <a:extLst>
                 <a:ext uri="{FF2B5EF4-FFF2-40B4-BE49-F238E27FC236}">
-                  <a16:creationId xmlns:a16="http://schemas.microsoft.com/office/drawing/2014/main" id="{A2AD06CB-AC0F-4628-A6C5-065165D1D398}"/>
+                  <a16:creationId xmlns:a16="http://schemas.microsoft.com/office/drawing/2014/main" xmlns="" id="{A2AD06CB-AC0F-4628-A6C5-065165D1D398}"/>
                 </a:ext>
               </a:extLst>
             </p:cNvPr>
@@ -14236,7 +15532,7 @@
             <p:cNvPr id="5" name="TextBox 4">
               <a:extLst>
                 <a:ext uri="{FF2B5EF4-FFF2-40B4-BE49-F238E27FC236}">
-                  <a16:creationId xmlns:a16="http://schemas.microsoft.com/office/drawing/2014/main" id="{29DD3659-D9E9-4D4E-B5B3-94B67A848518}"/>
+                  <a16:creationId xmlns:a16="http://schemas.microsoft.com/office/drawing/2014/main" xmlns="" id="{29DD3659-D9E9-4D4E-B5B3-94B67A848518}"/>
                 </a:ext>
               </a:extLst>
             </p:cNvPr>
@@ -14301,7 +15597,7 @@
             <p:cNvPr id="6" name="TextBox 5">
               <a:extLst>
                 <a:ext uri="{FF2B5EF4-FFF2-40B4-BE49-F238E27FC236}">
-                  <a16:creationId xmlns:a16="http://schemas.microsoft.com/office/drawing/2014/main" id="{46FFF08C-A00A-452C-9FB5-897F0F9C2026}"/>
+                  <a16:creationId xmlns:a16="http://schemas.microsoft.com/office/drawing/2014/main" xmlns="" id="{46FFF08C-A00A-452C-9FB5-897F0F9C2026}"/>
                 </a:ext>
               </a:extLst>
             </p:cNvPr>
@@ -14366,7 +15662,7 @@
             <p:cNvPr id="7" name="TextBox 6">
               <a:extLst>
                 <a:ext uri="{FF2B5EF4-FFF2-40B4-BE49-F238E27FC236}">
-                  <a16:creationId xmlns:a16="http://schemas.microsoft.com/office/drawing/2014/main" id="{DC8BF421-EC0E-41F0-A810-54D65394FB44}"/>
+                  <a16:creationId xmlns:a16="http://schemas.microsoft.com/office/drawing/2014/main" xmlns="" id="{DC8BF421-EC0E-41F0-A810-54D65394FB44}"/>
                 </a:ext>
               </a:extLst>
             </p:cNvPr>
@@ -14431,7 +15727,7 @@
             <p:cNvPr id="30" name="Rectangle: Rounded Corners 29">
               <a:extLst>
                 <a:ext uri="{FF2B5EF4-FFF2-40B4-BE49-F238E27FC236}">
-                  <a16:creationId xmlns:a16="http://schemas.microsoft.com/office/drawing/2014/main" id="{622FED8A-6710-405A-8EEB-2B9A71D48CA2}"/>
+                  <a16:creationId xmlns:a16="http://schemas.microsoft.com/office/drawing/2014/main" xmlns="" id="{622FED8A-6710-405A-8EEB-2B9A71D48CA2}"/>
                 </a:ext>
               </a:extLst>
             </p:cNvPr>
@@ -14506,7 +15802,7 @@
             <p:cNvPr id="31" name="Rectangle: Rounded Corners 30">
               <a:extLst>
                 <a:ext uri="{FF2B5EF4-FFF2-40B4-BE49-F238E27FC236}">
-                  <a16:creationId xmlns:a16="http://schemas.microsoft.com/office/drawing/2014/main" id="{2F6E0BC0-0AC7-4652-BBFE-A2212A73586F}"/>
+                  <a16:creationId xmlns:a16="http://schemas.microsoft.com/office/drawing/2014/main" xmlns="" id="{2F6E0BC0-0AC7-4652-BBFE-A2212A73586F}"/>
                 </a:ext>
               </a:extLst>
             </p:cNvPr>
@@ -14572,7 +15868,7 @@
             <p:cNvPr id="32" name="TextBox 31">
               <a:extLst>
                 <a:ext uri="{FF2B5EF4-FFF2-40B4-BE49-F238E27FC236}">
-                  <a16:creationId xmlns:a16="http://schemas.microsoft.com/office/drawing/2014/main" id="{B1DE1F40-72F3-4FC9-B30F-3F4DAF6BCD28}"/>
+                  <a16:creationId xmlns:a16="http://schemas.microsoft.com/office/drawing/2014/main" xmlns="" id="{B1DE1F40-72F3-4FC9-B30F-3F4DAF6BCD28}"/>
                 </a:ext>
               </a:extLst>
             </p:cNvPr>
@@ -14668,7 +15964,7 @@
           <p:cNvPr id="2" name="Straight Connector 1">
             <a:extLst>
               <a:ext uri="{FF2B5EF4-FFF2-40B4-BE49-F238E27FC236}">
-                <a16:creationId xmlns:a16="http://schemas.microsoft.com/office/drawing/2014/main" id="{F44F53FF-CB60-4BDA-BAF7-075D1129A04C}"/>
+                <a16:creationId xmlns:a16="http://schemas.microsoft.com/office/drawing/2014/main" xmlns="" id="{F44F53FF-CB60-4BDA-BAF7-075D1129A04C}"/>
               </a:ext>
             </a:extLst>
           </p:cNvPr>
@@ -14709,7 +16005,7 @@
           <p:cNvPr id="3" name="TextBox 2">
             <a:extLst>
               <a:ext uri="{FF2B5EF4-FFF2-40B4-BE49-F238E27FC236}">
-                <a16:creationId xmlns:a16="http://schemas.microsoft.com/office/drawing/2014/main" id="{5D185221-1B9E-4EC1-A3BB-F7F166A2E649}"/>
+                <a16:creationId xmlns:a16="http://schemas.microsoft.com/office/drawing/2014/main" xmlns="" id="{5D185221-1B9E-4EC1-A3BB-F7F166A2E649}"/>
               </a:ext>
             </a:extLst>
           </p:cNvPr>
@@ -14747,7 +16043,7 @@
           <p:cNvPr id="6" name="Picture 5">
             <a:extLst>
               <a:ext uri="{FF2B5EF4-FFF2-40B4-BE49-F238E27FC236}">
-                <a16:creationId xmlns:a16="http://schemas.microsoft.com/office/drawing/2014/main" id="{BB23E385-43D3-4488-BB88-D3B73729ABC1}"/>
+                <a16:creationId xmlns:a16="http://schemas.microsoft.com/office/drawing/2014/main" xmlns="" id="{BB23E385-43D3-4488-BB88-D3B73729ABC1}"/>
               </a:ext>
             </a:extLst>
           </p:cNvPr>
@@ -14777,7 +16073,7 @@
           <p:cNvPr id="7" name="Picture 6">
             <a:extLst>
               <a:ext uri="{FF2B5EF4-FFF2-40B4-BE49-F238E27FC236}">
-                <a16:creationId xmlns:a16="http://schemas.microsoft.com/office/drawing/2014/main" id="{02049588-D35A-4493-BF2C-3F86550673B9}"/>
+                <a16:creationId xmlns:a16="http://schemas.microsoft.com/office/drawing/2014/main" xmlns="" id="{02049588-D35A-4493-BF2C-3F86550673B9}"/>
               </a:ext>
             </a:extLst>
           </p:cNvPr>
@@ -14807,7 +16103,7 @@
           <p:cNvPr id="8" name="Picture 7">
             <a:extLst>
               <a:ext uri="{FF2B5EF4-FFF2-40B4-BE49-F238E27FC236}">
-                <a16:creationId xmlns:a16="http://schemas.microsoft.com/office/drawing/2014/main" id="{225C4CDF-6F55-425F-85C0-F2E4B04E43FD}"/>
+                <a16:creationId xmlns:a16="http://schemas.microsoft.com/office/drawing/2014/main" xmlns="" id="{225C4CDF-6F55-425F-85C0-F2E4B04E43FD}"/>
               </a:ext>
             </a:extLst>
           </p:cNvPr>
@@ -14837,7 +16133,7 @@
           <p:cNvPr id="9" name="Picture 8">
             <a:extLst>
               <a:ext uri="{FF2B5EF4-FFF2-40B4-BE49-F238E27FC236}">
-                <a16:creationId xmlns:a16="http://schemas.microsoft.com/office/drawing/2014/main" id="{B2C6BC1C-BC56-4F85-B7A1-5BE025D05D74}"/>
+                <a16:creationId xmlns:a16="http://schemas.microsoft.com/office/drawing/2014/main" xmlns="" id="{B2C6BC1C-BC56-4F85-B7A1-5BE025D05D74}"/>
               </a:ext>
             </a:extLst>
           </p:cNvPr>
@@ -14897,7 +16193,7 @@
           <p:cNvPr id="2" name="Straight Connector 1">
             <a:extLst>
               <a:ext uri="{FF2B5EF4-FFF2-40B4-BE49-F238E27FC236}">
-                <a16:creationId xmlns:a16="http://schemas.microsoft.com/office/drawing/2014/main" id="{6B2A0167-33CF-48BF-A2ED-757ECB5D4774}"/>
+                <a16:creationId xmlns:a16="http://schemas.microsoft.com/office/drawing/2014/main" xmlns="" id="{6B2A0167-33CF-48BF-A2ED-757ECB5D4774}"/>
               </a:ext>
             </a:extLst>
           </p:cNvPr>
@@ -14938,7 +16234,7 @@
           <p:cNvPr id="3" name="TextBox 2">
             <a:extLst>
               <a:ext uri="{FF2B5EF4-FFF2-40B4-BE49-F238E27FC236}">
-                <a16:creationId xmlns:a16="http://schemas.microsoft.com/office/drawing/2014/main" id="{B89D4FB9-4FD5-4539-9D75-EEA50F5DB448}"/>
+                <a16:creationId xmlns:a16="http://schemas.microsoft.com/office/drawing/2014/main" xmlns="" id="{B89D4FB9-4FD5-4539-9D75-EEA50F5DB448}"/>
               </a:ext>
             </a:extLst>
           </p:cNvPr>
@@ -14976,7 +16272,7 @@
           <p:cNvPr id="5" name="Marcador de contenido 4">
             <a:extLst>
               <a:ext uri="{FF2B5EF4-FFF2-40B4-BE49-F238E27FC236}">
-                <a16:creationId xmlns:a16="http://schemas.microsoft.com/office/drawing/2014/main" id="{0D461417-6BB0-4F6D-94DC-7C4510A3D7ED}"/>
+                <a16:creationId xmlns:a16="http://schemas.microsoft.com/office/drawing/2014/main" xmlns="" id="{0D461417-6BB0-4F6D-94DC-7C4510A3D7ED}"/>
               </a:ext>
             </a:extLst>
           </p:cNvPr>
@@ -15354,7 +16650,7 @@
           <p:cNvPr id="2" name="Straight Connector 1">
             <a:extLst>
               <a:ext uri="{FF2B5EF4-FFF2-40B4-BE49-F238E27FC236}">
-                <a16:creationId xmlns:a16="http://schemas.microsoft.com/office/drawing/2014/main" id="{6B2A0167-33CF-48BF-A2ED-757ECB5D4774}"/>
+                <a16:creationId xmlns:a16="http://schemas.microsoft.com/office/drawing/2014/main" xmlns="" id="{6B2A0167-33CF-48BF-A2ED-757ECB5D4774}"/>
               </a:ext>
             </a:extLst>
           </p:cNvPr>
@@ -15395,7 +16691,7 @@
           <p:cNvPr id="3" name="TextBox 2">
             <a:extLst>
               <a:ext uri="{FF2B5EF4-FFF2-40B4-BE49-F238E27FC236}">
-                <a16:creationId xmlns:a16="http://schemas.microsoft.com/office/drawing/2014/main" id="{B89D4FB9-4FD5-4539-9D75-EEA50F5DB448}"/>
+                <a16:creationId xmlns:a16="http://schemas.microsoft.com/office/drawing/2014/main" xmlns="" id="{B89D4FB9-4FD5-4539-9D75-EEA50F5DB448}"/>
               </a:ext>
             </a:extLst>
           </p:cNvPr>
@@ -15435,7 +16731,7 @@
               <p:cNvPr id="19" name="Marcador de contenido 18">
                 <a:extLst>
                   <a:ext uri="{FF2B5EF4-FFF2-40B4-BE49-F238E27FC236}">
-                    <a16:creationId xmlns:a16="http://schemas.microsoft.com/office/drawing/2014/main" id="{A8292075-DFBC-44D4-9140-69A2366F3B6E}"/>
+                    <a16:creationId xmlns:a16="http://schemas.microsoft.com/office/drawing/2014/main" xmlns="" id="{A8292075-DFBC-44D4-9140-69A2366F3B6E}"/>
                   </a:ext>
                 </a:extLst>
               </p:cNvPr>
@@ -15463,14 +16759,14 @@
                     <a:gridCol w="10489791">
                       <a:extLst>
                         <a:ext uri="{9D8B030D-6E8A-4147-A177-3AD203B41FA5}">
-                          <a16:colId xmlns:a16="http://schemas.microsoft.com/office/drawing/2014/main" val="2200701939"/>
+                          <a16:colId xmlns:a16="http://schemas.microsoft.com/office/drawing/2014/main" xmlns="" val="2200701939"/>
                         </a:ext>
                       </a:extLst>
                     </a:gridCol>
                     <a:gridCol w="1063777">
                       <a:extLst>
                         <a:ext uri="{9D8B030D-6E8A-4147-A177-3AD203B41FA5}">
-                          <a16:colId xmlns:a16="http://schemas.microsoft.com/office/drawing/2014/main" val="390178824"/>
+                          <a16:colId xmlns:a16="http://schemas.microsoft.com/office/drawing/2014/main" xmlns="" val="390178824"/>
                         </a:ext>
                       </a:extLst>
                     </a:gridCol>
@@ -16057,7 +17353,7 @@
                     </a:tc>
                     <a:extLst>
                       <a:ext uri="{0D108BD9-81ED-4DB2-BD59-A6C34878D82A}">
-                        <a16:rowId xmlns:a16="http://schemas.microsoft.com/office/drawing/2014/main" val="2311300338"/>
+                        <a16:rowId xmlns:a16="http://schemas.microsoft.com/office/drawing/2014/main" xmlns="" val="2311300338"/>
                       </a:ext>
                     </a:extLst>
                   </a:tr>
@@ -16571,7 +17867,7 @@
                     </a:tc>
                     <a:extLst>
                       <a:ext uri="{0D108BD9-81ED-4DB2-BD59-A6C34878D82A}">
-                        <a16:rowId xmlns:a16="http://schemas.microsoft.com/office/drawing/2014/main" val="3084881557"/>
+                        <a16:rowId xmlns:a16="http://schemas.microsoft.com/office/drawing/2014/main" xmlns="" val="3084881557"/>
                       </a:ext>
                     </a:extLst>
                   </a:tr>
@@ -17239,7 +18535,7 @@
                     </a:tc>
                     <a:extLst>
                       <a:ext uri="{0D108BD9-81ED-4DB2-BD59-A6C34878D82A}">
-                        <a16:rowId xmlns:a16="http://schemas.microsoft.com/office/drawing/2014/main" val="4213757338"/>
+                        <a16:rowId xmlns:a16="http://schemas.microsoft.com/office/drawing/2014/main" xmlns="" val="4213757338"/>
                       </a:ext>
                     </a:extLst>
                   </a:tr>
@@ -17805,7 +19101,7 @@
                     </a:tc>
                     <a:extLst>
                       <a:ext uri="{0D108BD9-81ED-4DB2-BD59-A6C34878D82A}">
-                        <a16:rowId xmlns:a16="http://schemas.microsoft.com/office/drawing/2014/main" val="2720335172"/>
+                        <a16:rowId xmlns:a16="http://schemas.microsoft.com/office/drawing/2014/main" xmlns="" val="2720335172"/>
                       </a:ext>
                     </a:extLst>
                   </a:tr>
@@ -18359,7 +19655,7 @@
           <p:cNvPr id="21" name="Imagen 20">
             <a:extLst>
               <a:ext uri="{FF2B5EF4-FFF2-40B4-BE49-F238E27FC236}">
-                <a16:creationId xmlns:a16="http://schemas.microsoft.com/office/drawing/2014/main" id="{BCEF3C89-D85A-4AA8-A83D-6EEA5F9EC044}"/>
+                <a16:creationId xmlns:a16="http://schemas.microsoft.com/office/drawing/2014/main" xmlns="" id="{BCEF3C89-D85A-4AA8-A83D-6EEA5F9EC044}"/>
               </a:ext>
             </a:extLst>
           </p:cNvPr>
@@ -18418,7 +19714,7 @@
           <p:cNvPr id="2" name="Straight Connector 1">
             <a:extLst>
               <a:ext uri="{FF2B5EF4-FFF2-40B4-BE49-F238E27FC236}">
-                <a16:creationId xmlns:a16="http://schemas.microsoft.com/office/drawing/2014/main" id="{6B2A0167-33CF-48BF-A2ED-757ECB5D4774}"/>
+                <a16:creationId xmlns:a16="http://schemas.microsoft.com/office/drawing/2014/main" xmlns="" id="{6B2A0167-33CF-48BF-A2ED-757ECB5D4774}"/>
               </a:ext>
             </a:extLst>
           </p:cNvPr>
@@ -18459,7 +19755,7 @@
           <p:cNvPr id="3" name="TextBox 2">
             <a:extLst>
               <a:ext uri="{FF2B5EF4-FFF2-40B4-BE49-F238E27FC236}">
-                <a16:creationId xmlns:a16="http://schemas.microsoft.com/office/drawing/2014/main" id="{B89D4FB9-4FD5-4539-9D75-EEA50F5DB448}"/>
+                <a16:creationId xmlns:a16="http://schemas.microsoft.com/office/drawing/2014/main" xmlns="" id="{B89D4FB9-4FD5-4539-9D75-EEA50F5DB448}"/>
               </a:ext>
             </a:extLst>
           </p:cNvPr>
@@ -18499,7 +19795,7 @@
               <p:cNvPr id="19" name="Marcador de contenido 18">
                 <a:extLst>
                   <a:ext uri="{FF2B5EF4-FFF2-40B4-BE49-F238E27FC236}">
-                    <a16:creationId xmlns:a16="http://schemas.microsoft.com/office/drawing/2014/main" id="{A8292075-DFBC-44D4-9140-69A2366F3B6E}"/>
+                    <a16:creationId xmlns:a16="http://schemas.microsoft.com/office/drawing/2014/main" xmlns="" id="{A8292075-DFBC-44D4-9140-69A2366F3B6E}"/>
                   </a:ext>
                 </a:extLst>
               </p:cNvPr>
@@ -18527,14 +19823,14 @@
                     <a:gridCol w="10489791">
                       <a:extLst>
                         <a:ext uri="{9D8B030D-6E8A-4147-A177-3AD203B41FA5}">
-                          <a16:colId xmlns:a16="http://schemas.microsoft.com/office/drawing/2014/main" val="2200701939"/>
+                          <a16:colId xmlns:a16="http://schemas.microsoft.com/office/drawing/2014/main" xmlns="" val="2200701939"/>
                         </a:ext>
                       </a:extLst>
                     </a:gridCol>
                     <a:gridCol w="1063777">
                       <a:extLst>
                         <a:ext uri="{9D8B030D-6E8A-4147-A177-3AD203B41FA5}">
-                          <a16:colId xmlns:a16="http://schemas.microsoft.com/office/drawing/2014/main" val="390178824"/>
+                          <a16:colId xmlns:a16="http://schemas.microsoft.com/office/drawing/2014/main" xmlns="" val="390178824"/>
                         </a:ext>
                       </a:extLst>
                     </a:gridCol>
@@ -19101,7 +20397,7 @@
                     </a:tc>
                     <a:extLst>
                       <a:ext uri="{0D108BD9-81ED-4DB2-BD59-A6C34878D82A}">
-                        <a16:rowId xmlns:a16="http://schemas.microsoft.com/office/drawing/2014/main" val="2720335172"/>
+                        <a16:rowId xmlns:a16="http://schemas.microsoft.com/office/drawing/2014/main" xmlns="" val="2720335172"/>
                       </a:ext>
                     </a:extLst>
                   </a:tr>
@@ -19289,7 +20585,7 @@
           <p:cNvPr id="7" name="Imagen 6">
             <a:extLst>
               <a:ext uri="{FF2B5EF4-FFF2-40B4-BE49-F238E27FC236}">
-                <a16:creationId xmlns:a16="http://schemas.microsoft.com/office/drawing/2014/main" id="{AA2FCA76-3D4F-4431-8C78-1B3FDAE197C2}"/>
+                <a16:creationId xmlns:a16="http://schemas.microsoft.com/office/drawing/2014/main" xmlns="" id="{AA2FCA76-3D4F-4431-8C78-1B3FDAE197C2}"/>
               </a:ext>
             </a:extLst>
           </p:cNvPr>

--- a/final_project/T2_final_project.pptx
+++ b/final_project/T2_final_project.pptx
@@ -7746,7 +7746,7 @@
                 <a:latin typeface="Times New Roman" panose="02020603050405020304" pitchFamily="18" charset="0"/>
                 <a:cs typeface="Times New Roman" panose="02020603050405020304" pitchFamily="18" charset="0"/>
               </a:rPr>
-              <a:t>PCR</a:t>
+              <a:t>PCA</a:t>
             </a:r>
             <a:endParaRPr lang="en-US" sz="3200" b="1" dirty="0">
               <a:latin typeface="Times New Roman" panose="02020603050405020304" pitchFamily="18" charset="0"/>
@@ -7755,190 +7755,29 @@
           </a:p>
         </p:txBody>
       </p:sp>
-      <p:sp>
-        <p:nvSpPr>
-          <p:cNvPr id="12" name="Rectangle 11"/>
-          <p:cNvSpPr/>
+      <p:pic>
+        <p:nvPicPr>
+          <p:cNvPr id="6" name="Picture 5"/>
+          <p:cNvPicPr>
+            <a:picLocks noChangeAspect="1"/>
+          </p:cNvPicPr>
           <p:nvPr/>
-        </p:nvSpPr>
+        </p:nvPicPr>
+        <p:blipFill rotWithShape="1">
+          <a:blip r:embed="rId2"/>
+          <a:srcRect l="27614" t="15076" r="5017" b="20456"/>
+          <a:stretch/>
+        </p:blipFill>
         <p:spPr>
           <a:xfrm>
-            <a:off x="3657600" y="3619099"/>
-            <a:ext cx="712269" cy="240632"/>
+            <a:off x="1235242" y="1281468"/>
+            <a:ext cx="9727933" cy="5236363"/>
           </a:xfrm>
           <a:prstGeom prst="rect">
             <a:avLst/>
           </a:prstGeom>
-          <a:noFill/>
-          <a:ln>
-            <a:solidFill>
-              <a:srgbClr val="FF0000"/>
-            </a:solidFill>
-          </a:ln>
         </p:spPr>
-        <p:style>
-          <a:lnRef idx="2">
-            <a:schemeClr val="accent1">
-              <a:shade val="50000"/>
-            </a:schemeClr>
-          </a:lnRef>
-          <a:fillRef idx="1">
-            <a:schemeClr val="accent1"/>
-          </a:fillRef>
-          <a:effectRef idx="0">
-            <a:schemeClr val="accent1"/>
-          </a:effectRef>
-          <a:fontRef idx="minor">
-            <a:schemeClr val="lt1"/>
-          </a:fontRef>
-        </p:style>
-        <p:txBody>
-          <a:bodyPr rtlCol="0" anchor="ctr"/>
-          <a:lstStyle/>
-          <a:p>
-            <a:pPr algn="ctr"/>
-            <a:endParaRPr lang="en-US"/>
-          </a:p>
-        </p:txBody>
-      </p:sp>
-      <p:sp>
-        <p:nvSpPr>
-          <p:cNvPr id="13" name="Rectangle 12"/>
-          <p:cNvSpPr/>
-          <p:nvPr/>
-        </p:nvSpPr>
-        <p:spPr>
-          <a:xfrm>
-            <a:off x="5205663" y="5176788"/>
-            <a:ext cx="712269" cy="240632"/>
-          </a:xfrm>
-          <a:prstGeom prst="rect">
-            <a:avLst/>
-          </a:prstGeom>
-          <a:noFill/>
-          <a:ln>
-            <a:solidFill>
-              <a:srgbClr val="FF0000"/>
-            </a:solidFill>
-          </a:ln>
-        </p:spPr>
-        <p:style>
-          <a:lnRef idx="2">
-            <a:schemeClr val="accent1">
-              <a:shade val="50000"/>
-            </a:schemeClr>
-          </a:lnRef>
-          <a:fillRef idx="1">
-            <a:schemeClr val="accent1"/>
-          </a:fillRef>
-          <a:effectRef idx="0">
-            <a:schemeClr val="accent1"/>
-          </a:effectRef>
-          <a:fontRef idx="minor">
-            <a:schemeClr val="lt1"/>
-          </a:fontRef>
-        </p:style>
-        <p:txBody>
-          <a:bodyPr rtlCol="0" anchor="ctr"/>
-          <a:lstStyle/>
-          <a:p>
-            <a:pPr algn="ctr"/>
-            <a:endParaRPr lang="en-US"/>
-          </a:p>
-        </p:txBody>
-      </p:sp>
-      <p:sp>
-        <p:nvSpPr>
-          <p:cNvPr id="14" name="Rectangle 13"/>
-          <p:cNvSpPr/>
-          <p:nvPr/>
-        </p:nvSpPr>
-        <p:spPr>
-          <a:xfrm>
-            <a:off x="6012581" y="5954830"/>
-            <a:ext cx="712269" cy="240632"/>
-          </a:xfrm>
-          <a:prstGeom prst="rect">
-            <a:avLst/>
-          </a:prstGeom>
-          <a:noFill/>
-          <a:ln>
-            <a:solidFill>
-              <a:srgbClr val="FF0000"/>
-            </a:solidFill>
-          </a:ln>
-        </p:spPr>
-        <p:style>
-          <a:lnRef idx="2">
-            <a:schemeClr val="accent1">
-              <a:shade val="50000"/>
-            </a:schemeClr>
-          </a:lnRef>
-          <a:fillRef idx="1">
-            <a:schemeClr val="accent1"/>
-          </a:fillRef>
-          <a:effectRef idx="0">
-            <a:schemeClr val="accent1"/>
-          </a:effectRef>
-          <a:fontRef idx="minor">
-            <a:schemeClr val="lt1"/>
-          </a:fontRef>
-        </p:style>
-        <p:txBody>
-          <a:bodyPr rtlCol="0" anchor="ctr"/>
-          <a:lstStyle/>
-          <a:p>
-            <a:pPr algn="ctr"/>
-            <a:endParaRPr lang="en-US"/>
-          </a:p>
-        </p:txBody>
-      </p:sp>
-      <p:sp>
-        <p:nvSpPr>
-          <p:cNvPr id="15" name="Rectangle 14"/>
-          <p:cNvSpPr/>
-          <p:nvPr/>
-        </p:nvSpPr>
-        <p:spPr>
-          <a:xfrm>
-            <a:off x="6394381" y="6352671"/>
-            <a:ext cx="712269" cy="240632"/>
-          </a:xfrm>
-          <a:prstGeom prst="rect">
-            <a:avLst/>
-          </a:prstGeom>
-          <a:noFill/>
-          <a:ln>
-            <a:solidFill>
-              <a:srgbClr val="FF0000"/>
-            </a:solidFill>
-          </a:ln>
-        </p:spPr>
-        <p:style>
-          <a:lnRef idx="2">
-            <a:schemeClr val="accent1">
-              <a:shade val="50000"/>
-            </a:schemeClr>
-          </a:lnRef>
-          <a:fillRef idx="1">
-            <a:schemeClr val="accent1"/>
-          </a:fillRef>
-          <a:effectRef idx="0">
-            <a:schemeClr val="accent1"/>
-          </a:effectRef>
-          <a:fontRef idx="minor">
-            <a:schemeClr val="lt1"/>
-          </a:fontRef>
-        </p:style>
-        <p:txBody>
-          <a:bodyPr rtlCol="0" anchor="ctr"/>
-          <a:lstStyle/>
-          <a:p>
-            <a:pPr algn="ctr"/>
-            <a:endParaRPr lang="en-US"/>
-          </a:p>
-        </p:txBody>
-      </p:sp>
+      </p:pic>
     </p:spTree>
     <p:extLst>
       <p:ext uri="{BB962C8B-B14F-4D97-AF65-F5344CB8AC3E}">

--- a/final_project/T2_final_project.pptx
+++ b/final_project/T2_final_project.pptx
@@ -23,8 +23,9 @@
     <p:sldId id="275" r:id="rId17"/>
     <p:sldId id="276" r:id="rId18"/>
     <p:sldId id="277" r:id="rId19"/>
-    <p:sldId id="267" r:id="rId20"/>
-    <p:sldId id="268" r:id="rId21"/>
+    <p:sldId id="278" r:id="rId20"/>
+    <p:sldId id="267" r:id="rId21"/>
+    <p:sldId id="268" r:id="rId22"/>
   </p:sldIdLst>
   <p:sldSz cx="12192000" cy="6858000"/>
   <p:notesSz cx="6858000" cy="9144000"/>
@@ -7755,29 +7756,527 @@
           </a:p>
         </p:txBody>
       </p:sp>
-      <p:pic>
-        <p:nvPicPr>
-          <p:cNvPr id="6" name="Picture 5"/>
-          <p:cNvPicPr>
-            <a:picLocks noChangeAspect="1"/>
-          </p:cNvPicPr>
+      <p:sp>
+        <p:nvSpPr>
+          <p:cNvPr id="25" name="Rectangle 24"/>
+          <p:cNvSpPr/>
           <p:nvPr/>
-        </p:nvPicPr>
-        <p:blipFill rotWithShape="1">
-          <a:blip r:embed="rId2"/>
-          <a:srcRect l="27614" t="15076" r="5017" b="20456"/>
-          <a:stretch/>
-        </p:blipFill>
+        </p:nvSpPr>
         <p:spPr>
           <a:xfrm>
-            <a:off x="1235242" y="1281468"/>
-            <a:ext cx="9727933" cy="5236363"/>
+            <a:off x="1934678" y="1218700"/>
+            <a:ext cx="1761423" cy="5639300"/>
           </a:xfrm>
           <a:prstGeom prst="rect">
             <a:avLst/>
           </a:prstGeom>
+          <a:noFill/>
+          <a:ln w="19050">
+            <a:solidFill>
+              <a:schemeClr val="accent4">
+                <a:lumMod val="60000"/>
+                <a:lumOff val="40000"/>
+              </a:schemeClr>
+            </a:solidFill>
+          </a:ln>
         </p:spPr>
-      </p:pic>
+        <p:style>
+          <a:lnRef idx="2">
+            <a:schemeClr val="accent1">
+              <a:shade val="50000"/>
+            </a:schemeClr>
+          </a:lnRef>
+          <a:fillRef idx="1">
+            <a:schemeClr val="accent1"/>
+          </a:fillRef>
+          <a:effectRef idx="0">
+            <a:schemeClr val="accent1"/>
+          </a:effectRef>
+          <a:fontRef idx="minor">
+            <a:schemeClr val="lt1"/>
+          </a:fontRef>
+        </p:style>
+        <p:txBody>
+          <a:bodyPr rtlCol="0" anchor="ctr"/>
+          <a:lstStyle/>
+          <a:p>
+            <a:pPr algn="ctr"/>
+            <a:endParaRPr lang="en-US"/>
+          </a:p>
+        </p:txBody>
+      </p:sp>
+      <p:grpSp>
+        <p:nvGrpSpPr>
+          <p:cNvPr id="11" name="Group 10"/>
+          <p:cNvGrpSpPr/>
+          <p:nvPr/>
+        </p:nvGrpSpPr>
+        <p:grpSpPr>
+          <a:xfrm>
+            <a:off x="766882" y="1213617"/>
+            <a:ext cx="10658236" cy="5644383"/>
+            <a:chOff x="766882" y="1213617"/>
+            <a:chExt cx="10658236" cy="5644383"/>
+          </a:xfrm>
+        </p:grpSpPr>
+        <p:pic>
+          <p:nvPicPr>
+            <p:cNvPr id="8" name="Picture 7"/>
+            <p:cNvPicPr>
+              <a:picLocks noChangeAspect="1"/>
+            </p:cNvPicPr>
+            <p:nvPr/>
+          </p:nvPicPr>
+          <p:blipFill rotWithShape="1">
+            <a:blip r:embed="rId2"/>
+            <a:srcRect l="24140" t="17135" r="2018" b="13345"/>
+            <a:stretch/>
+          </p:blipFill>
+          <p:spPr>
+            <a:xfrm>
+              <a:off x="766882" y="1213617"/>
+              <a:ext cx="10658236" cy="5644383"/>
+            </a:xfrm>
+            <a:prstGeom prst="rect">
+              <a:avLst/>
+            </a:prstGeom>
+          </p:spPr>
+        </p:pic>
+        <p:sp>
+          <p:nvSpPr>
+            <p:cNvPr id="9" name="Rectangle 8"/>
+            <p:cNvSpPr/>
+            <p:nvPr/>
+          </p:nvSpPr>
+          <p:spPr>
+            <a:xfrm>
+              <a:off x="1934678" y="1761422"/>
+              <a:ext cx="9490440" cy="288758"/>
+            </a:xfrm>
+            <a:prstGeom prst="rect">
+              <a:avLst/>
+            </a:prstGeom>
+            <a:noFill/>
+            <a:ln w="19050">
+              <a:solidFill>
+                <a:schemeClr val="accent6"/>
+              </a:solidFill>
+            </a:ln>
+          </p:spPr>
+          <p:style>
+            <a:lnRef idx="2">
+              <a:schemeClr val="accent1">
+                <a:shade val="50000"/>
+              </a:schemeClr>
+            </a:lnRef>
+            <a:fillRef idx="1">
+              <a:schemeClr val="accent1"/>
+            </a:fillRef>
+            <a:effectRef idx="0">
+              <a:schemeClr val="accent1"/>
+            </a:effectRef>
+            <a:fontRef idx="minor">
+              <a:schemeClr val="lt1"/>
+            </a:fontRef>
+          </p:style>
+          <p:txBody>
+            <a:bodyPr rtlCol="0" anchor="ctr"/>
+            <a:lstStyle/>
+            <a:p>
+              <a:pPr algn="ctr"/>
+              <a:endParaRPr lang="en-US"/>
+            </a:p>
+          </p:txBody>
+        </p:sp>
+        <p:sp>
+          <p:nvSpPr>
+            <p:cNvPr id="20" name="Rectangle 19"/>
+            <p:cNvSpPr/>
+            <p:nvPr/>
+          </p:nvSpPr>
+          <p:spPr>
+            <a:xfrm>
+              <a:off x="1934678" y="2727959"/>
+              <a:ext cx="9490440" cy="288758"/>
+            </a:xfrm>
+            <a:prstGeom prst="rect">
+              <a:avLst/>
+            </a:prstGeom>
+            <a:noFill/>
+            <a:ln w="19050">
+              <a:solidFill>
+                <a:schemeClr val="accent6"/>
+              </a:solidFill>
+            </a:ln>
+          </p:spPr>
+          <p:style>
+            <a:lnRef idx="2">
+              <a:schemeClr val="accent1">
+                <a:shade val="50000"/>
+              </a:schemeClr>
+            </a:lnRef>
+            <a:fillRef idx="1">
+              <a:schemeClr val="accent1"/>
+            </a:fillRef>
+            <a:effectRef idx="0">
+              <a:schemeClr val="accent1"/>
+            </a:effectRef>
+            <a:fontRef idx="minor">
+              <a:schemeClr val="lt1"/>
+            </a:fontRef>
+          </p:style>
+          <p:txBody>
+            <a:bodyPr rtlCol="0" anchor="ctr"/>
+            <a:lstStyle/>
+            <a:p>
+              <a:pPr algn="ctr"/>
+              <a:endParaRPr lang="en-US"/>
+            </a:p>
+          </p:txBody>
+        </p:sp>
+        <p:sp>
+          <p:nvSpPr>
+            <p:cNvPr id="21" name="Rectangle 20"/>
+            <p:cNvSpPr/>
+            <p:nvPr/>
+          </p:nvSpPr>
+          <p:spPr>
+            <a:xfrm>
+              <a:off x="1934678" y="3193149"/>
+              <a:ext cx="9490440" cy="288758"/>
+            </a:xfrm>
+            <a:prstGeom prst="rect">
+              <a:avLst/>
+            </a:prstGeom>
+            <a:noFill/>
+            <a:ln w="19050">
+              <a:solidFill>
+                <a:schemeClr val="accent6"/>
+              </a:solidFill>
+            </a:ln>
+          </p:spPr>
+          <p:style>
+            <a:lnRef idx="2">
+              <a:schemeClr val="accent1">
+                <a:shade val="50000"/>
+              </a:schemeClr>
+            </a:lnRef>
+            <a:fillRef idx="1">
+              <a:schemeClr val="accent1"/>
+            </a:fillRef>
+            <a:effectRef idx="0">
+              <a:schemeClr val="accent1"/>
+            </a:effectRef>
+            <a:fontRef idx="minor">
+              <a:schemeClr val="lt1"/>
+            </a:fontRef>
+          </p:style>
+          <p:txBody>
+            <a:bodyPr rtlCol="0" anchor="ctr"/>
+            <a:lstStyle/>
+            <a:p>
+              <a:pPr algn="ctr"/>
+              <a:endParaRPr lang="en-US"/>
+            </a:p>
+          </p:txBody>
+        </p:sp>
+        <p:sp>
+          <p:nvSpPr>
+            <p:cNvPr id="23" name="Rectangle 22"/>
+            <p:cNvSpPr/>
+            <p:nvPr/>
+          </p:nvSpPr>
+          <p:spPr>
+            <a:xfrm>
+              <a:off x="1934678" y="5126223"/>
+              <a:ext cx="9490440" cy="288758"/>
+            </a:xfrm>
+            <a:prstGeom prst="rect">
+              <a:avLst/>
+            </a:prstGeom>
+            <a:noFill/>
+            <a:ln w="19050">
+              <a:solidFill>
+                <a:srgbClr val="FF0000"/>
+              </a:solidFill>
+            </a:ln>
+          </p:spPr>
+          <p:style>
+            <a:lnRef idx="2">
+              <a:schemeClr val="accent1">
+                <a:shade val="50000"/>
+              </a:schemeClr>
+            </a:lnRef>
+            <a:fillRef idx="1">
+              <a:schemeClr val="accent1"/>
+            </a:fillRef>
+            <a:effectRef idx="0">
+              <a:schemeClr val="accent1"/>
+            </a:effectRef>
+            <a:fontRef idx="minor">
+              <a:schemeClr val="lt1"/>
+            </a:fontRef>
+          </p:style>
+          <p:txBody>
+            <a:bodyPr rtlCol="0" anchor="ctr"/>
+            <a:lstStyle/>
+            <a:p>
+              <a:pPr algn="ctr"/>
+              <a:endParaRPr lang="en-US">
+                <a:solidFill>
+                  <a:srgbClr val="FF0000"/>
+                </a:solidFill>
+              </a:endParaRPr>
+            </a:p>
+          </p:txBody>
+        </p:sp>
+        <p:sp>
+          <p:nvSpPr>
+            <p:cNvPr id="24" name="Rectangle 23"/>
+            <p:cNvSpPr/>
+            <p:nvPr/>
+          </p:nvSpPr>
+          <p:spPr>
+            <a:xfrm>
+              <a:off x="1934678" y="6569242"/>
+              <a:ext cx="9490440" cy="288758"/>
+            </a:xfrm>
+            <a:prstGeom prst="rect">
+              <a:avLst/>
+            </a:prstGeom>
+            <a:noFill/>
+            <a:ln w="19050">
+              <a:solidFill>
+                <a:srgbClr val="FF0000"/>
+              </a:solidFill>
+            </a:ln>
+          </p:spPr>
+          <p:style>
+            <a:lnRef idx="2">
+              <a:schemeClr val="accent1">
+                <a:shade val="50000"/>
+              </a:schemeClr>
+            </a:lnRef>
+            <a:fillRef idx="1">
+              <a:schemeClr val="accent1"/>
+            </a:fillRef>
+            <a:effectRef idx="0">
+              <a:schemeClr val="accent1"/>
+            </a:effectRef>
+            <a:fontRef idx="minor">
+              <a:schemeClr val="lt1"/>
+            </a:fontRef>
+          </p:style>
+          <p:txBody>
+            <a:bodyPr rtlCol="0" anchor="ctr"/>
+            <a:lstStyle/>
+            <a:p>
+              <a:pPr algn="ctr"/>
+              <a:endParaRPr lang="en-US">
+                <a:solidFill>
+                  <a:srgbClr val="FF0000"/>
+                </a:solidFill>
+              </a:endParaRPr>
+            </a:p>
+          </p:txBody>
+        </p:sp>
+        <p:sp>
+          <p:nvSpPr>
+            <p:cNvPr id="26" name="Rectangle 25"/>
+            <p:cNvSpPr/>
+            <p:nvPr/>
+          </p:nvSpPr>
+          <p:spPr>
+            <a:xfrm>
+              <a:off x="7170821" y="1236612"/>
+              <a:ext cx="827773" cy="5621388"/>
+            </a:xfrm>
+            <a:prstGeom prst="rect">
+              <a:avLst/>
+            </a:prstGeom>
+            <a:noFill/>
+            <a:ln w="19050">
+              <a:solidFill>
+                <a:schemeClr val="accent4">
+                  <a:lumMod val="60000"/>
+                  <a:lumOff val="40000"/>
+                </a:schemeClr>
+              </a:solidFill>
+            </a:ln>
+          </p:spPr>
+          <p:style>
+            <a:lnRef idx="2">
+              <a:schemeClr val="accent1">
+                <a:shade val="50000"/>
+              </a:schemeClr>
+            </a:lnRef>
+            <a:fillRef idx="1">
+              <a:schemeClr val="accent1"/>
+            </a:fillRef>
+            <a:effectRef idx="0">
+              <a:schemeClr val="accent1"/>
+            </a:effectRef>
+            <a:fontRef idx="minor">
+              <a:schemeClr val="lt1"/>
+            </a:fontRef>
+          </p:style>
+          <p:txBody>
+            <a:bodyPr rtlCol="0" anchor="ctr"/>
+            <a:lstStyle/>
+            <a:p>
+              <a:pPr algn="ctr"/>
+              <a:endParaRPr lang="en-US"/>
+            </a:p>
+          </p:txBody>
+        </p:sp>
+        <p:sp>
+          <p:nvSpPr>
+            <p:cNvPr id="27" name="Rectangle 26"/>
+            <p:cNvSpPr/>
+            <p:nvPr/>
+          </p:nvSpPr>
+          <p:spPr>
+            <a:xfrm>
+              <a:off x="8912995" y="1236610"/>
+              <a:ext cx="784424" cy="5621389"/>
+            </a:xfrm>
+            <a:prstGeom prst="rect">
+              <a:avLst/>
+            </a:prstGeom>
+            <a:noFill/>
+            <a:ln w="19050">
+              <a:solidFill>
+                <a:schemeClr val="accent4">
+                  <a:lumMod val="60000"/>
+                  <a:lumOff val="40000"/>
+                </a:schemeClr>
+              </a:solidFill>
+            </a:ln>
+          </p:spPr>
+          <p:style>
+            <a:lnRef idx="2">
+              <a:schemeClr val="accent1">
+                <a:shade val="50000"/>
+              </a:schemeClr>
+            </a:lnRef>
+            <a:fillRef idx="1">
+              <a:schemeClr val="accent1"/>
+            </a:fillRef>
+            <a:effectRef idx="0">
+              <a:schemeClr val="accent1"/>
+            </a:effectRef>
+            <a:fontRef idx="minor">
+              <a:schemeClr val="lt1"/>
+            </a:fontRef>
+          </p:style>
+          <p:txBody>
+            <a:bodyPr rtlCol="0" anchor="ctr"/>
+            <a:lstStyle/>
+            <a:p>
+              <a:pPr algn="ctr"/>
+              <a:endParaRPr lang="en-US"/>
+            </a:p>
+          </p:txBody>
+        </p:sp>
+      </p:grpSp>
+      <p:sp>
+        <p:nvSpPr>
+          <p:cNvPr id="28" name="Rectangle 27"/>
+          <p:cNvSpPr/>
+          <p:nvPr/>
+        </p:nvSpPr>
+        <p:spPr>
+          <a:xfrm>
+            <a:off x="1987616" y="1281468"/>
+            <a:ext cx="827773" cy="5621388"/>
+          </a:xfrm>
+          <a:prstGeom prst="rect">
+            <a:avLst/>
+          </a:prstGeom>
+          <a:noFill/>
+          <a:ln w="19050">
+            <a:solidFill>
+              <a:schemeClr val="accent4">
+                <a:lumMod val="60000"/>
+                <a:lumOff val="40000"/>
+              </a:schemeClr>
+            </a:solidFill>
+          </a:ln>
+        </p:spPr>
+        <p:style>
+          <a:lnRef idx="2">
+            <a:schemeClr val="accent1">
+              <a:shade val="50000"/>
+            </a:schemeClr>
+          </a:lnRef>
+          <a:fillRef idx="1">
+            <a:schemeClr val="accent1"/>
+          </a:fillRef>
+          <a:effectRef idx="0">
+            <a:schemeClr val="accent1"/>
+          </a:effectRef>
+          <a:fontRef idx="minor">
+            <a:schemeClr val="lt1"/>
+          </a:fontRef>
+        </p:style>
+        <p:txBody>
+          <a:bodyPr rtlCol="0" anchor="ctr"/>
+          <a:lstStyle/>
+          <a:p>
+            <a:pPr algn="ctr"/>
+            <a:endParaRPr lang="en-US"/>
+          </a:p>
+        </p:txBody>
+      </p:sp>
+      <p:sp>
+        <p:nvSpPr>
+          <p:cNvPr id="29" name="Rectangle 28"/>
+          <p:cNvSpPr/>
+          <p:nvPr/>
+        </p:nvSpPr>
+        <p:spPr>
+          <a:xfrm>
+            <a:off x="2868327" y="1281468"/>
+            <a:ext cx="827773" cy="5621388"/>
+          </a:xfrm>
+          <a:prstGeom prst="rect">
+            <a:avLst/>
+          </a:prstGeom>
+          <a:noFill/>
+          <a:ln w="19050">
+            <a:solidFill>
+              <a:schemeClr val="accent4">
+                <a:lumMod val="60000"/>
+                <a:lumOff val="40000"/>
+              </a:schemeClr>
+            </a:solidFill>
+          </a:ln>
+        </p:spPr>
+        <p:style>
+          <a:lnRef idx="2">
+            <a:schemeClr val="accent1">
+              <a:shade val="50000"/>
+            </a:schemeClr>
+          </a:lnRef>
+          <a:fillRef idx="1">
+            <a:schemeClr val="accent1"/>
+          </a:fillRef>
+          <a:effectRef idx="0">
+            <a:schemeClr val="accent1"/>
+          </a:effectRef>
+          <a:fontRef idx="minor">
+            <a:schemeClr val="lt1"/>
+          </a:fontRef>
+        </p:style>
+        <p:txBody>
+          <a:bodyPr rtlCol="0" anchor="ctr"/>
+          <a:lstStyle/>
+          <a:p>
+            <a:pPr algn="ctr"/>
+            <a:endParaRPr lang="en-US"/>
+          </a:p>
+        </p:txBody>
+      </p:sp>
     </p:spTree>
     <p:extLst>
       <p:ext uri="{BB962C8B-B14F-4D97-AF65-F5344CB8AC3E}">
@@ -7813,7 +8312,7 @@
           <p:cNvPr id="2" name="Straight Connector 1">
             <a:extLst>
               <a:ext uri="{FF2B5EF4-FFF2-40B4-BE49-F238E27FC236}">
-                <a16:creationId xmlns:a16="http://schemas.microsoft.com/office/drawing/2014/main" xmlns="" id="{A31E7CB7-EDC3-46F2-92F6-748EE36F583B}"/>
+                <a16:creationId xmlns:a16="http://schemas.microsoft.com/office/drawing/2014/main" xmlns="" id="{BC4339F9-A066-45CD-91C6-61FED21D3027}"/>
               </a:ext>
             </a:extLst>
           </p:cNvPr>
@@ -7854,7 +8353,7 @@
           <p:cNvPr id="3" name="TextBox 2">
             <a:extLst>
               <a:ext uri="{FF2B5EF4-FFF2-40B4-BE49-F238E27FC236}">
-                <a16:creationId xmlns:a16="http://schemas.microsoft.com/office/drawing/2014/main" xmlns="" id="{1CC17B57-5182-431A-B89C-F0A6B72A815B}"/>
+                <a16:creationId xmlns:a16="http://schemas.microsoft.com/office/drawing/2014/main" xmlns="" id="{4F839CDC-E463-4502-8748-827AE781F905}"/>
               </a:ext>
             </a:extLst>
           </p:cNvPr>
@@ -7864,7 +8363,7 @@
         <p:spPr>
           <a:xfrm>
             <a:off x="439692" y="229258"/>
-            <a:ext cx="2305439" cy="584775"/>
+            <a:ext cx="1027845" cy="584775"/>
           </a:xfrm>
           <a:prstGeom prst="rect">
             <a:avLst/>
@@ -7878,19 +8377,168 @@
           <a:lstStyle/>
           <a:p>
             <a:r>
-              <a:rPr lang="en-US" sz="3200" b="1" dirty="0">
+              <a:rPr lang="en-US" sz="3200" b="1" dirty="0" smtClean="0">
                 <a:latin typeface="Times New Roman" panose="02020603050405020304" pitchFamily="18" charset="0"/>
                 <a:cs typeface="Times New Roman" panose="02020603050405020304" pitchFamily="18" charset="0"/>
               </a:rPr>
-              <a:t>Conclusions</a:t>
+              <a:t>PCR</a:t>
             </a:r>
+            <a:endParaRPr lang="en-US" sz="3200" b="1" dirty="0">
+              <a:latin typeface="Times New Roman" panose="02020603050405020304" pitchFamily="18" charset="0"/>
+              <a:cs typeface="Times New Roman" panose="02020603050405020304" pitchFamily="18" charset="0"/>
+            </a:endParaRPr>
           </a:p>
         </p:txBody>
       </p:sp>
+      <p:grpSp>
+        <p:nvGrpSpPr>
+          <p:cNvPr id="7" name="Group 6"/>
+          <p:cNvGrpSpPr/>
+          <p:nvPr/>
+        </p:nvGrpSpPr>
+        <p:grpSpPr>
+          <a:xfrm>
+            <a:off x="439692" y="1281468"/>
+            <a:ext cx="7809223" cy="4686195"/>
+            <a:chOff x="439692" y="1281468"/>
+            <a:chExt cx="7809223" cy="4686195"/>
+          </a:xfrm>
+        </p:grpSpPr>
+        <p:pic>
+          <p:nvPicPr>
+            <p:cNvPr id="4" name="Picture 3"/>
+            <p:cNvPicPr>
+              <a:picLocks noChangeAspect="1"/>
+            </p:cNvPicPr>
+            <p:nvPr/>
+          </p:nvPicPr>
+          <p:blipFill rotWithShape="1">
+            <a:blip r:embed="rId2"/>
+            <a:srcRect l="26667" t="35655" r="23964" b="11286"/>
+            <a:stretch/>
+          </p:blipFill>
+          <p:spPr>
+            <a:xfrm>
+              <a:off x="439692" y="1281468"/>
+              <a:ext cx="7809223" cy="4686195"/>
+            </a:xfrm>
+            <a:prstGeom prst="rect">
+              <a:avLst/>
+            </a:prstGeom>
+          </p:spPr>
+        </p:pic>
+        <p:grpSp>
+          <p:nvGrpSpPr>
+            <p:cNvPr id="6" name="Group 5"/>
+            <p:cNvGrpSpPr/>
+            <p:nvPr/>
+          </p:nvGrpSpPr>
+          <p:grpSpPr>
+            <a:xfrm>
+              <a:off x="3829249" y="2935704"/>
+              <a:ext cx="3100939" cy="2704703"/>
+              <a:chOff x="3829249" y="2935704"/>
+              <a:chExt cx="3100939" cy="2704703"/>
+            </a:xfrm>
+          </p:grpSpPr>
+          <p:sp>
+            <p:nvSpPr>
+              <p:cNvPr id="5" name="Rectangle 4"/>
+              <p:cNvSpPr/>
+              <p:nvPr/>
+            </p:nvSpPr>
+            <p:spPr>
+              <a:xfrm>
+                <a:off x="6102417" y="2935704"/>
+                <a:ext cx="510139" cy="1299411"/>
+              </a:xfrm>
+              <a:prstGeom prst="rect">
+                <a:avLst/>
+              </a:prstGeom>
+              <a:noFill/>
+              <a:ln w="19050">
+                <a:solidFill>
+                  <a:srgbClr val="FF0000"/>
+                </a:solidFill>
+              </a:ln>
+            </p:spPr>
+            <p:style>
+              <a:lnRef idx="2">
+                <a:schemeClr val="accent1">
+                  <a:shade val="50000"/>
+                </a:schemeClr>
+              </a:lnRef>
+              <a:fillRef idx="1">
+                <a:schemeClr val="accent1"/>
+              </a:fillRef>
+              <a:effectRef idx="0">
+                <a:schemeClr val="accent1"/>
+              </a:effectRef>
+              <a:fontRef idx="minor">
+                <a:schemeClr val="lt1"/>
+              </a:fontRef>
+            </p:style>
+            <p:txBody>
+              <a:bodyPr rtlCol="0" anchor="ctr"/>
+              <a:lstStyle/>
+              <a:p>
+                <a:pPr algn="ctr"/>
+                <a:endParaRPr lang="en-US"/>
+              </a:p>
+            </p:txBody>
+          </p:sp>
+          <p:sp>
+            <p:nvSpPr>
+              <p:cNvPr id="15" name="Rectangle 14"/>
+              <p:cNvSpPr/>
+              <p:nvPr/>
+            </p:nvSpPr>
+            <p:spPr>
+              <a:xfrm rot="5400000">
+                <a:off x="5205660" y="3915879"/>
+                <a:ext cx="348117" cy="3100939"/>
+              </a:xfrm>
+              <a:prstGeom prst="rect">
+                <a:avLst/>
+              </a:prstGeom>
+              <a:noFill/>
+              <a:ln w="19050">
+                <a:solidFill>
+                  <a:srgbClr val="FF0000"/>
+                </a:solidFill>
+              </a:ln>
+            </p:spPr>
+            <p:style>
+              <a:lnRef idx="2">
+                <a:schemeClr val="accent1">
+                  <a:shade val="50000"/>
+                </a:schemeClr>
+              </a:lnRef>
+              <a:fillRef idx="1">
+                <a:schemeClr val="accent1"/>
+              </a:fillRef>
+              <a:effectRef idx="0">
+                <a:schemeClr val="accent1"/>
+              </a:effectRef>
+              <a:fontRef idx="minor">
+                <a:schemeClr val="lt1"/>
+              </a:fontRef>
+            </p:style>
+            <p:txBody>
+              <a:bodyPr rtlCol="0" anchor="ctr"/>
+              <a:lstStyle/>
+              <a:p>
+                <a:pPr algn="ctr"/>
+                <a:endParaRPr lang="en-US"/>
+              </a:p>
+            </p:txBody>
+          </p:sp>
+        </p:grpSp>
+      </p:grpSp>
     </p:spTree>
     <p:extLst>
       <p:ext uri="{BB962C8B-B14F-4D97-AF65-F5344CB8AC3E}">
-        <p14:creationId xmlns:p14="http://schemas.microsoft.com/office/powerpoint/2010/main" val="2579900484"/>
+        <p14:creationId xmlns:p14="http://schemas.microsoft.com/office/powerpoint/2010/main" val="4083326155"/>
       </p:ext>
     </p:extLst>
   </p:cSld>
@@ -8181,6 +8829,115 @@
 </file>
 
 <file path=ppt/slides/slide20.xml><?xml version="1.0" encoding="utf-8"?>
+<p:sld xmlns:a="http://schemas.openxmlformats.org/drawingml/2006/main" xmlns:r="http://schemas.openxmlformats.org/officeDocument/2006/relationships" xmlns:p="http://schemas.openxmlformats.org/presentationml/2006/main">
+  <p:cSld>
+    <p:spTree>
+      <p:nvGrpSpPr>
+        <p:cNvPr id="1" name=""/>
+        <p:cNvGrpSpPr/>
+        <p:nvPr/>
+      </p:nvGrpSpPr>
+      <p:grpSpPr>
+        <a:xfrm>
+          <a:off x="0" y="0"/>
+          <a:ext cx="0" cy="0"/>
+          <a:chOff x="0" y="0"/>
+          <a:chExt cx="0" cy="0"/>
+        </a:xfrm>
+      </p:grpSpPr>
+      <p:cxnSp>
+        <p:nvCxnSpPr>
+          <p:cNvPr id="2" name="Straight Connector 1">
+            <a:extLst>
+              <a:ext uri="{FF2B5EF4-FFF2-40B4-BE49-F238E27FC236}">
+                <a16:creationId xmlns:a16="http://schemas.microsoft.com/office/drawing/2014/main" xmlns="" id="{A31E7CB7-EDC3-46F2-92F6-748EE36F583B}"/>
+              </a:ext>
+            </a:extLst>
+          </p:cNvPr>
+          <p:cNvCxnSpPr/>
+          <p:nvPr/>
+        </p:nvCxnSpPr>
+        <p:spPr>
+          <a:xfrm>
+            <a:off x="0" y="1047750"/>
+            <a:ext cx="12192000" cy="0"/>
+          </a:xfrm>
+          <a:prstGeom prst="line">
+            <a:avLst/>
+          </a:prstGeom>
+          <a:ln w="76200">
+            <a:solidFill>
+              <a:srgbClr val="D2C264"/>
+            </a:solidFill>
+          </a:ln>
+        </p:spPr>
+        <p:style>
+          <a:lnRef idx="1">
+            <a:schemeClr val="accent1"/>
+          </a:lnRef>
+          <a:fillRef idx="0">
+            <a:schemeClr val="accent1"/>
+          </a:fillRef>
+          <a:effectRef idx="0">
+            <a:schemeClr val="accent1"/>
+          </a:effectRef>
+          <a:fontRef idx="minor">
+            <a:schemeClr val="tx1"/>
+          </a:fontRef>
+        </p:style>
+      </p:cxnSp>
+      <p:sp>
+        <p:nvSpPr>
+          <p:cNvPr id="3" name="TextBox 2">
+            <a:extLst>
+              <a:ext uri="{FF2B5EF4-FFF2-40B4-BE49-F238E27FC236}">
+                <a16:creationId xmlns:a16="http://schemas.microsoft.com/office/drawing/2014/main" xmlns="" id="{1CC17B57-5182-431A-B89C-F0A6B72A815B}"/>
+              </a:ext>
+            </a:extLst>
+          </p:cNvPr>
+          <p:cNvSpPr txBox="1"/>
+          <p:nvPr/>
+        </p:nvSpPr>
+        <p:spPr>
+          <a:xfrm>
+            <a:off x="439692" y="229258"/>
+            <a:ext cx="2305439" cy="584775"/>
+          </a:xfrm>
+          <a:prstGeom prst="rect">
+            <a:avLst/>
+          </a:prstGeom>
+          <a:noFill/>
+        </p:spPr>
+        <p:txBody>
+          <a:bodyPr wrap="none" rtlCol="0">
+            <a:spAutoFit/>
+          </a:bodyPr>
+          <a:lstStyle/>
+          <a:p>
+            <a:r>
+              <a:rPr lang="en-US" sz="3200" b="1" dirty="0">
+                <a:latin typeface="Times New Roman" panose="02020603050405020304" pitchFamily="18" charset="0"/>
+                <a:cs typeface="Times New Roman" panose="02020603050405020304" pitchFamily="18" charset="0"/>
+              </a:rPr>
+              <a:t>Conclusions</a:t>
+            </a:r>
+          </a:p>
+        </p:txBody>
+      </p:sp>
+    </p:spTree>
+    <p:extLst>
+      <p:ext uri="{BB962C8B-B14F-4D97-AF65-F5344CB8AC3E}">
+        <p14:creationId xmlns:p14="http://schemas.microsoft.com/office/powerpoint/2010/main" val="2579900484"/>
+      </p:ext>
+    </p:extLst>
+  </p:cSld>
+  <p:clrMapOvr>
+    <a:masterClrMapping/>
+  </p:clrMapOvr>
+</p:sld>
+</file>
+
+<file path=ppt/slides/slide21.xml><?xml version="1.0" encoding="utf-8"?>
 <p:sld xmlns:a="http://schemas.openxmlformats.org/drawingml/2006/main" xmlns:r="http://schemas.openxmlformats.org/officeDocument/2006/relationships" xmlns:p="http://schemas.openxmlformats.org/presentationml/2006/main">
   <p:cSld>
     <p:spTree>

--- a/final_project/T2_final_project.pptx
+++ b/final_project/T2_final_project.pptx
@@ -6,9 +6,9 @@
   </p:sldMasterIdLst>
   <p:sldIdLst>
     <p:sldId id="257" r:id="rId2"/>
-    <p:sldId id="261" r:id="rId3"/>
-    <p:sldId id="258" r:id="rId4"/>
-    <p:sldId id="259" r:id="rId5"/>
+    <p:sldId id="258" r:id="rId3"/>
+    <p:sldId id="259" r:id="rId4"/>
+    <p:sldId id="261" r:id="rId5"/>
     <p:sldId id="260" r:id="rId6"/>
     <p:sldId id="269" r:id="rId7"/>
     <p:sldId id="265" r:id="rId8"/>
@@ -19,8 +19,10 @@
     <p:sldId id="262" r:id="rId13"/>
     <p:sldId id="264" r:id="rId14"/>
     <p:sldId id="266" r:id="rId15"/>
-    <p:sldId id="267" r:id="rId16"/>
-    <p:sldId id="268" r:id="rId17"/>
+    <p:sldId id="274" r:id="rId16"/>
+    <p:sldId id="275" r:id="rId17"/>
+    <p:sldId id="267" r:id="rId18"/>
+    <p:sldId id="268" r:id="rId19"/>
   </p:sldIdLst>
   <p:sldSz cx="12192000" cy="6858000"/>
   <p:notesSz cx="6858000" cy="9144000"/>
@@ -6924,6 +6926,395 @@
         <p:spPr>
           <a:xfrm>
             <a:off x="439692" y="229258"/>
+            <a:ext cx="3260829" cy="584775"/>
+          </a:xfrm>
+          <a:prstGeom prst="rect">
+            <a:avLst/>
+          </a:prstGeom>
+          <a:noFill/>
+        </p:spPr>
+        <p:txBody>
+          <a:bodyPr wrap="none" rtlCol="0">
+            <a:spAutoFit/>
+          </a:bodyPr>
+          <a:lstStyle/>
+          <a:p>
+            <a:r>
+              <a:rPr lang="en-US" sz="3200" b="1" dirty="0">
+                <a:latin typeface="Times New Roman" panose="02020603050405020304" pitchFamily="18" charset="0"/>
+                <a:cs typeface="Times New Roman" panose="02020603050405020304" pitchFamily="18" charset="0"/>
+              </a:rPr>
+              <a:t>Smart Question 3</a:t>
+            </a:r>
+          </a:p>
+        </p:txBody>
+      </p:sp>
+      <p:sp>
+        <p:nvSpPr>
+          <p:cNvPr id="4" name="TextBox 3">
+            <a:extLst>
+              <a:ext uri="{FF2B5EF4-FFF2-40B4-BE49-F238E27FC236}">
+                <a16:creationId xmlns:a16="http://schemas.microsoft.com/office/drawing/2014/main" id="{6F1D9BC5-A74C-48B9-B837-E3A52F63C79B}"/>
+              </a:ext>
+            </a:extLst>
+          </p:cNvPr>
+          <p:cNvSpPr txBox="1"/>
+          <p:nvPr/>
+        </p:nvSpPr>
+        <p:spPr>
+          <a:xfrm>
+            <a:off x="477753" y="2819123"/>
+            <a:ext cx="11236494" cy="2062103"/>
+          </a:xfrm>
+          <a:prstGeom prst="rect">
+            <a:avLst/>
+          </a:prstGeom>
+          <a:noFill/>
+        </p:spPr>
+        <p:txBody>
+          <a:bodyPr wrap="square">
+            <a:spAutoFit/>
+          </a:bodyPr>
+          <a:lstStyle/>
+          <a:p>
+            <a:pPr lvl="0"/>
+            <a:r>
+              <a:rPr lang="en-US" sz="3200" dirty="0">
+                <a:latin typeface="Times New Roman" panose="02020603050405020304" pitchFamily="18" charset="0"/>
+                <a:cs typeface="Times New Roman" panose="02020603050405020304" pitchFamily="18" charset="0"/>
+              </a:rPr>
+              <a:t>Based on match stats (i.e., percentage of possession of the ball, number of shots, number of shots on target, being home team vs being visitor team, etc.), can we predict the number of goals scored by each team?</a:t>
+            </a:r>
+          </a:p>
+        </p:txBody>
+      </p:sp>
+    </p:spTree>
+    <p:extLst>
+      <p:ext uri="{BB962C8B-B14F-4D97-AF65-F5344CB8AC3E}">
+        <p14:creationId xmlns:p14="http://schemas.microsoft.com/office/powerpoint/2010/main" val="2418310728"/>
+      </p:ext>
+    </p:extLst>
+  </p:cSld>
+  <p:clrMapOvr>
+    <a:masterClrMapping/>
+  </p:clrMapOvr>
+  <p:timing>
+    <p:tnLst>
+      <p:par>
+        <p:cTn id="1" dur="indefinite" restart="never" nodeType="tmRoot">
+          <p:childTnLst>
+            <p:seq concurrent="1" nextAc="seek">
+              <p:cTn id="2" dur="indefinite" nodeType="mainSeq">
+                <p:childTnLst>
+                  <p:par>
+                    <p:cTn id="3" fill="hold">
+                      <p:stCondLst>
+                        <p:cond delay="indefinite"/>
+                      </p:stCondLst>
+                      <p:childTnLst>
+                        <p:par>
+                          <p:cTn id="4" fill="hold">
+                            <p:stCondLst>
+                              <p:cond delay="0"/>
+                            </p:stCondLst>
+                            <p:childTnLst>
+                              <p:par>
+                                <p:cTn id="5" presetID="42" presetClass="entr" presetSubtype="0" fill="hold" grpId="0" nodeType="clickEffect">
+                                  <p:stCondLst>
+                                    <p:cond delay="0"/>
+                                  </p:stCondLst>
+                                  <p:childTnLst>
+                                    <p:set>
+                                      <p:cBhvr>
+                                        <p:cTn id="6" dur="1" fill="hold">
+                                          <p:stCondLst>
+                                            <p:cond delay="0"/>
+                                          </p:stCondLst>
+                                        </p:cTn>
+                                        <p:tgtEl>
+                                          <p:spTgt spid="4"/>
+                                        </p:tgtEl>
+                                        <p:attrNameLst>
+                                          <p:attrName>style.visibility</p:attrName>
+                                        </p:attrNameLst>
+                                      </p:cBhvr>
+                                      <p:to>
+                                        <p:strVal val="visible"/>
+                                      </p:to>
+                                    </p:set>
+                                    <p:animEffect transition="in" filter="fade">
+                                      <p:cBhvr>
+                                        <p:cTn id="7" dur="1000"/>
+                                        <p:tgtEl>
+                                          <p:spTgt spid="4"/>
+                                        </p:tgtEl>
+                                      </p:cBhvr>
+                                    </p:animEffect>
+                                    <p:anim calcmode="lin" valueType="num">
+                                      <p:cBhvr>
+                                        <p:cTn id="8" dur="1000" fill="hold"/>
+                                        <p:tgtEl>
+                                          <p:spTgt spid="4"/>
+                                        </p:tgtEl>
+                                        <p:attrNameLst>
+                                          <p:attrName>ppt_x</p:attrName>
+                                        </p:attrNameLst>
+                                      </p:cBhvr>
+                                      <p:tavLst>
+                                        <p:tav tm="0">
+                                          <p:val>
+                                            <p:strVal val="#ppt_x"/>
+                                          </p:val>
+                                        </p:tav>
+                                        <p:tav tm="100000">
+                                          <p:val>
+                                            <p:strVal val="#ppt_x"/>
+                                          </p:val>
+                                        </p:tav>
+                                      </p:tavLst>
+                                    </p:anim>
+                                    <p:anim calcmode="lin" valueType="num">
+                                      <p:cBhvr>
+                                        <p:cTn id="9" dur="1000" fill="hold"/>
+                                        <p:tgtEl>
+                                          <p:spTgt spid="4"/>
+                                        </p:tgtEl>
+                                        <p:attrNameLst>
+                                          <p:attrName>ppt_y</p:attrName>
+                                        </p:attrNameLst>
+                                      </p:cBhvr>
+                                      <p:tavLst>
+                                        <p:tav tm="0">
+                                          <p:val>
+                                            <p:strVal val="#ppt_y+.1"/>
+                                          </p:val>
+                                        </p:tav>
+                                        <p:tav tm="100000">
+                                          <p:val>
+                                            <p:strVal val="#ppt_y"/>
+                                          </p:val>
+                                        </p:tav>
+                                      </p:tavLst>
+                                    </p:anim>
+                                  </p:childTnLst>
+                                </p:cTn>
+                              </p:par>
+                            </p:childTnLst>
+                          </p:cTn>
+                        </p:par>
+                      </p:childTnLst>
+                    </p:cTn>
+                  </p:par>
+                </p:childTnLst>
+              </p:cTn>
+              <p:prevCondLst>
+                <p:cond evt="onPrev" delay="0">
+                  <p:tgtEl>
+                    <p:sldTgt/>
+                  </p:tgtEl>
+                </p:cond>
+              </p:prevCondLst>
+              <p:nextCondLst>
+                <p:cond evt="onNext" delay="0">
+                  <p:tgtEl>
+                    <p:sldTgt/>
+                  </p:tgtEl>
+                </p:cond>
+              </p:nextCondLst>
+            </p:seq>
+          </p:childTnLst>
+        </p:cTn>
+      </p:par>
+    </p:tnLst>
+    <p:bldLst>
+      <p:bldP spid="4" grpId="0"/>
+    </p:bldLst>
+  </p:timing>
+</p:sld>
+</file>
+
+<file path=ppt/slides/slide16.xml><?xml version="1.0" encoding="utf-8"?>
+<p:sld xmlns:a="http://schemas.openxmlformats.org/drawingml/2006/main" xmlns:r="http://schemas.openxmlformats.org/officeDocument/2006/relationships" xmlns:p="http://schemas.openxmlformats.org/presentationml/2006/main">
+  <p:cSld>
+    <p:spTree>
+      <p:nvGrpSpPr>
+        <p:cNvPr id="1" name=""/>
+        <p:cNvGrpSpPr/>
+        <p:nvPr/>
+      </p:nvGrpSpPr>
+      <p:grpSpPr>
+        <a:xfrm>
+          <a:off x="0" y="0"/>
+          <a:ext cx="0" cy="0"/>
+          <a:chOff x="0" y="0"/>
+          <a:chExt cx="0" cy="0"/>
+        </a:xfrm>
+      </p:grpSpPr>
+      <p:cxnSp>
+        <p:nvCxnSpPr>
+          <p:cNvPr id="2" name="Straight Connector 1">
+            <a:extLst>
+              <a:ext uri="{FF2B5EF4-FFF2-40B4-BE49-F238E27FC236}">
+                <a16:creationId xmlns:a16="http://schemas.microsoft.com/office/drawing/2014/main" id="{A31E7CB7-EDC3-46F2-92F6-748EE36F583B}"/>
+              </a:ext>
+            </a:extLst>
+          </p:cNvPr>
+          <p:cNvCxnSpPr/>
+          <p:nvPr/>
+        </p:nvCxnSpPr>
+        <p:spPr>
+          <a:xfrm>
+            <a:off x="0" y="1047750"/>
+            <a:ext cx="12192000" cy="0"/>
+          </a:xfrm>
+          <a:prstGeom prst="line">
+            <a:avLst/>
+          </a:prstGeom>
+          <a:ln w="76200">
+            <a:solidFill>
+              <a:srgbClr val="D2C264"/>
+            </a:solidFill>
+          </a:ln>
+        </p:spPr>
+        <p:style>
+          <a:lnRef idx="1">
+            <a:schemeClr val="accent1"/>
+          </a:lnRef>
+          <a:fillRef idx="0">
+            <a:schemeClr val="accent1"/>
+          </a:fillRef>
+          <a:effectRef idx="0">
+            <a:schemeClr val="accent1"/>
+          </a:effectRef>
+          <a:fontRef idx="minor">
+            <a:schemeClr val="tx1"/>
+          </a:fontRef>
+        </p:style>
+      </p:cxnSp>
+      <p:sp>
+        <p:nvSpPr>
+          <p:cNvPr id="3" name="TextBox 2">
+            <a:extLst>
+              <a:ext uri="{FF2B5EF4-FFF2-40B4-BE49-F238E27FC236}">
+                <a16:creationId xmlns:a16="http://schemas.microsoft.com/office/drawing/2014/main" id="{1CC17B57-5182-431A-B89C-F0A6B72A815B}"/>
+              </a:ext>
+            </a:extLst>
+          </p:cNvPr>
+          <p:cNvSpPr txBox="1"/>
+          <p:nvPr/>
+        </p:nvSpPr>
+        <p:spPr>
+          <a:xfrm>
+            <a:off x="439692" y="229258"/>
+            <a:ext cx="1301959" cy="584775"/>
+          </a:xfrm>
+          <a:prstGeom prst="rect">
+            <a:avLst/>
+          </a:prstGeom>
+          <a:noFill/>
+        </p:spPr>
+        <p:txBody>
+          <a:bodyPr wrap="none" rtlCol="0">
+            <a:spAutoFit/>
+          </a:bodyPr>
+          <a:lstStyle/>
+          <a:p>
+            <a:r>
+              <a:rPr lang="en-US" sz="3200" b="1" dirty="0">
+                <a:latin typeface="Times New Roman" panose="02020603050405020304" pitchFamily="18" charset="0"/>
+                <a:cs typeface="Times New Roman" panose="02020603050405020304" pitchFamily="18" charset="0"/>
+              </a:rPr>
+              <a:t>Model</a:t>
+            </a:r>
+          </a:p>
+        </p:txBody>
+      </p:sp>
+    </p:spTree>
+    <p:extLst>
+      <p:ext uri="{BB962C8B-B14F-4D97-AF65-F5344CB8AC3E}">
+        <p14:creationId xmlns:p14="http://schemas.microsoft.com/office/powerpoint/2010/main" val="2429595152"/>
+      </p:ext>
+    </p:extLst>
+  </p:cSld>
+  <p:clrMapOvr>
+    <a:masterClrMapping/>
+  </p:clrMapOvr>
+</p:sld>
+</file>
+
+<file path=ppt/slides/slide17.xml><?xml version="1.0" encoding="utf-8"?>
+<p:sld xmlns:a="http://schemas.openxmlformats.org/drawingml/2006/main" xmlns:r="http://schemas.openxmlformats.org/officeDocument/2006/relationships" xmlns:p="http://schemas.openxmlformats.org/presentationml/2006/main">
+  <p:cSld>
+    <p:spTree>
+      <p:nvGrpSpPr>
+        <p:cNvPr id="1" name=""/>
+        <p:cNvGrpSpPr/>
+        <p:nvPr/>
+      </p:nvGrpSpPr>
+      <p:grpSpPr>
+        <a:xfrm>
+          <a:off x="0" y="0"/>
+          <a:ext cx="0" cy="0"/>
+          <a:chOff x="0" y="0"/>
+          <a:chExt cx="0" cy="0"/>
+        </a:xfrm>
+      </p:grpSpPr>
+      <p:cxnSp>
+        <p:nvCxnSpPr>
+          <p:cNvPr id="2" name="Straight Connector 1">
+            <a:extLst>
+              <a:ext uri="{FF2B5EF4-FFF2-40B4-BE49-F238E27FC236}">
+                <a16:creationId xmlns:a16="http://schemas.microsoft.com/office/drawing/2014/main" id="{A31E7CB7-EDC3-46F2-92F6-748EE36F583B}"/>
+              </a:ext>
+            </a:extLst>
+          </p:cNvPr>
+          <p:cNvCxnSpPr/>
+          <p:nvPr/>
+        </p:nvCxnSpPr>
+        <p:spPr>
+          <a:xfrm>
+            <a:off x="0" y="1047750"/>
+            <a:ext cx="12192000" cy="0"/>
+          </a:xfrm>
+          <a:prstGeom prst="line">
+            <a:avLst/>
+          </a:prstGeom>
+          <a:ln w="76200">
+            <a:solidFill>
+              <a:srgbClr val="D2C264"/>
+            </a:solidFill>
+          </a:ln>
+        </p:spPr>
+        <p:style>
+          <a:lnRef idx="1">
+            <a:schemeClr val="accent1"/>
+          </a:lnRef>
+          <a:fillRef idx="0">
+            <a:schemeClr val="accent1"/>
+          </a:fillRef>
+          <a:effectRef idx="0">
+            <a:schemeClr val="accent1"/>
+          </a:effectRef>
+          <a:fontRef idx="minor">
+            <a:schemeClr val="tx1"/>
+          </a:fontRef>
+        </p:style>
+      </p:cxnSp>
+      <p:sp>
+        <p:nvSpPr>
+          <p:cNvPr id="3" name="TextBox 2">
+            <a:extLst>
+              <a:ext uri="{FF2B5EF4-FFF2-40B4-BE49-F238E27FC236}">
+                <a16:creationId xmlns:a16="http://schemas.microsoft.com/office/drawing/2014/main" id="{1CC17B57-5182-431A-B89C-F0A6B72A815B}"/>
+              </a:ext>
+            </a:extLst>
+          </p:cNvPr>
+          <p:cNvSpPr txBox="1"/>
+          <p:nvPr/>
+        </p:nvSpPr>
+        <p:spPr>
+          <a:xfrm>
+            <a:off x="439692" y="229258"/>
             <a:ext cx="2305439" cy="584775"/>
           </a:xfrm>
           <a:prstGeom prst="rect">
@@ -6960,7 +7351,7 @@
 </p:sld>
 </file>
 
-<file path=ppt/slides/slide16.xml><?xml version="1.0" encoding="utf-8"?>
+<file path=ppt/slides/slide18.xml><?xml version="1.0" encoding="utf-8"?>
 <p:sld xmlns:a="http://schemas.openxmlformats.org/drawingml/2006/main" xmlns:r="http://schemas.openxmlformats.org/officeDocument/2006/relationships" xmlns:p="http://schemas.openxmlformats.org/presentationml/2006/main">
   <p:cSld>
     <p:spTree>
@@ -9028,286 +9419,6 @@
           <p:cNvPr id="2" name="TextBox 1">
             <a:extLst>
               <a:ext uri="{FF2B5EF4-FFF2-40B4-BE49-F238E27FC236}">
-                <a16:creationId xmlns:a16="http://schemas.microsoft.com/office/drawing/2014/main" id="{742EF216-75D4-4734-B156-3EDB09F9CE9B}"/>
-              </a:ext>
-            </a:extLst>
-          </p:cNvPr>
-          <p:cNvSpPr txBox="1"/>
-          <p:nvPr/>
-        </p:nvSpPr>
-        <p:spPr>
-          <a:xfrm>
-            <a:off x="477753" y="2819123"/>
-            <a:ext cx="11236494" cy="2062103"/>
-          </a:xfrm>
-          <a:prstGeom prst="rect">
-            <a:avLst/>
-          </a:prstGeom>
-          <a:noFill/>
-        </p:spPr>
-        <p:txBody>
-          <a:bodyPr wrap="square">
-            <a:spAutoFit/>
-          </a:bodyPr>
-          <a:lstStyle/>
-          <a:p>
-            <a:pPr lvl="0"/>
-            <a:r>
-              <a:rPr lang="en-US" sz="3200" dirty="0">
-                <a:latin typeface="Times New Roman" panose="02020603050405020304" pitchFamily="18" charset="0"/>
-                <a:cs typeface="Times New Roman" panose="02020603050405020304" pitchFamily="18" charset="0"/>
-              </a:rPr>
-              <a:t>Given the variables that describe the (X, Y) coordinates of the beginning and end of key events (shots, assists, key passes), which configuration of the variables result in the best fitting model that gives the probability of a shot on goal being successful?</a:t>
-            </a:r>
-          </a:p>
-        </p:txBody>
-      </p:sp>
-      <p:cxnSp>
-        <p:nvCxnSpPr>
-          <p:cNvPr id="3" name="Straight Connector 2">
-            <a:extLst>
-              <a:ext uri="{FF2B5EF4-FFF2-40B4-BE49-F238E27FC236}">
-                <a16:creationId xmlns:a16="http://schemas.microsoft.com/office/drawing/2014/main" id="{B493E240-C89A-4822-B4C3-EC3A33AD45FA}"/>
-              </a:ext>
-            </a:extLst>
-          </p:cNvPr>
-          <p:cNvCxnSpPr/>
-          <p:nvPr/>
-        </p:nvCxnSpPr>
-        <p:spPr>
-          <a:xfrm>
-            <a:off x="0" y="1047750"/>
-            <a:ext cx="12192000" cy="0"/>
-          </a:xfrm>
-          <a:prstGeom prst="line">
-            <a:avLst/>
-          </a:prstGeom>
-          <a:ln w="76200">
-            <a:solidFill>
-              <a:srgbClr val="D2C264"/>
-            </a:solidFill>
-          </a:ln>
-        </p:spPr>
-        <p:style>
-          <a:lnRef idx="1">
-            <a:schemeClr val="accent1"/>
-          </a:lnRef>
-          <a:fillRef idx="0">
-            <a:schemeClr val="accent1"/>
-          </a:fillRef>
-          <a:effectRef idx="0">
-            <a:schemeClr val="accent1"/>
-          </a:effectRef>
-          <a:fontRef idx="minor">
-            <a:schemeClr val="tx1"/>
-          </a:fontRef>
-        </p:style>
-      </p:cxnSp>
-      <p:sp>
-        <p:nvSpPr>
-          <p:cNvPr id="4" name="TextBox 3">
-            <a:extLst>
-              <a:ext uri="{FF2B5EF4-FFF2-40B4-BE49-F238E27FC236}">
-                <a16:creationId xmlns:a16="http://schemas.microsoft.com/office/drawing/2014/main" id="{9EAF4BF5-F510-49EE-8E26-0511CB451A3D}"/>
-              </a:ext>
-            </a:extLst>
-          </p:cNvPr>
-          <p:cNvSpPr txBox="1"/>
-          <p:nvPr/>
-        </p:nvSpPr>
-        <p:spPr>
-          <a:xfrm>
-            <a:off x="439692" y="229258"/>
-            <a:ext cx="3764749" cy="584775"/>
-          </a:xfrm>
-          <a:prstGeom prst="rect">
-            <a:avLst/>
-          </a:prstGeom>
-          <a:noFill/>
-        </p:spPr>
-        <p:txBody>
-          <a:bodyPr wrap="none" rtlCol="0">
-            <a:spAutoFit/>
-          </a:bodyPr>
-          <a:lstStyle/>
-          <a:p>
-            <a:r>
-              <a:rPr lang="en-US" sz="3200" b="1" dirty="0">
-                <a:latin typeface="Times New Roman" panose="02020603050405020304" pitchFamily="18" charset="0"/>
-                <a:cs typeface="Times New Roman" panose="02020603050405020304" pitchFamily="18" charset="0"/>
-              </a:rPr>
-              <a:t>SMART Question 1:</a:t>
-            </a:r>
-          </a:p>
-        </p:txBody>
-      </p:sp>
-    </p:spTree>
-    <p:extLst>
-      <p:ext uri="{BB962C8B-B14F-4D97-AF65-F5344CB8AC3E}">
-        <p14:creationId xmlns:p14="http://schemas.microsoft.com/office/powerpoint/2010/main" val="1927476904"/>
-      </p:ext>
-    </p:extLst>
-  </p:cSld>
-  <p:clrMapOvr>
-    <a:masterClrMapping/>
-  </p:clrMapOvr>
-  <p:timing>
-    <p:tnLst>
-      <p:par>
-        <p:cTn id="1" dur="indefinite" restart="never" nodeType="tmRoot">
-          <p:childTnLst>
-            <p:seq concurrent="1" nextAc="seek">
-              <p:cTn id="2" dur="indefinite" nodeType="mainSeq">
-                <p:childTnLst>
-                  <p:par>
-                    <p:cTn id="3" fill="hold">
-                      <p:stCondLst>
-                        <p:cond delay="indefinite"/>
-                      </p:stCondLst>
-                      <p:childTnLst>
-                        <p:par>
-                          <p:cTn id="4" fill="hold">
-                            <p:stCondLst>
-                              <p:cond delay="0"/>
-                            </p:stCondLst>
-                            <p:childTnLst>
-                              <p:par>
-                                <p:cTn id="5" presetID="42" presetClass="entr" presetSubtype="0" fill="hold" grpId="0" nodeType="clickEffect">
-                                  <p:stCondLst>
-                                    <p:cond delay="0"/>
-                                  </p:stCondLst>
-                                  <p:childTnLst>
-                                    <p:set>
-                                      <p:cBhvr>
-                                        <p:cTn id="6" dur="1" fill="hold">
-                                          <p:stCondLst>
-                                            <p:cond delay="0"/>
-                                          </p:stCondLst>
-                                        </p:cTn>
-                                        <p:tgtEl>
-                                          <p:spTgt spid="2"/>
-                                        </p:tgtEl>
-                                        <p:attrNameLst>
-                                          <p:attrName>style.visibility</p:attrName>
-                                        </p:attrNameLst>
-                                      </p:cBhvr>
-                                      <p:to>
-                                        <p:strVal val="visible"/>
-                                      </p:to>
-                                    </p:set>
-                                    <p:animEffect transition="in" filter="fade">
-                                      <p:cBhvr>
-                                        <p:cTn id="7" dur="1000"/>
-                                        <p:tgtEl>
-                                          <p:spTgt spid="2"/>
-                                        </p:tgtEl>
-                                      </p:cBhvr>
-                                    </p:animEffect>
-                                    <p:anim calcmode="lin" valueType="num">
-                                      <p:cBhvr>
-                                        <p:cTn id="8" dur="1000" fill="hold"/>
-                                        <p:tgtEl>
-                                          <p:spTgt spid="2"/>
-                                        </p:tgtEl>
-                                        <p:attrNameLst>
-                                          <p:attrName>ppt_x</p:attrName>
-                                        </p:attrNameLst>
-                                      </p:cBhvr>
-                                      <p:tavLst>
-                                        <p:tav tm="0">
-                                          <p:val>
-                                            <p:strVal val="#ppt_x"/>
-                                          </p:val>
-                                        </p:tav>
-                                        <p:tav tm="100000">
-                                          <p:val>
-                                            <p:strVal val="#ppt_x"/>
-                                          </p:val>
-                                        </p:tav>
-                                      </p:tavLst>
-                                    </p:anim>
-                                    <p:anim calcmode="lin" valueType="num">
-                                      <p:cBhvr>
-                                        <p:cTn id="9" dur="1000" fill="hold"/>
-                                        <p:tgtEl>
-                                          <p:spTgt spid="2"/>
-                                        </p:tgtEl>
-                                        <p:attrNameLst>
-                                          <p:attrName>ppt_y</p:attrName>
-                                        </p:attrNameLst>
-                                      </p:cBhvr>
-                                      <p:tavLst>
-                                        <p:tav tm="0">
-                                          <p:val>
-                                            <p:strVal val="#ppt_y+.1"/>
-                                          </p:val>
-                                        </p:tav>
-                                        <p:tav tm="100000">
-                                          <p:val>
-                                            <p:strVal val="#ppt_y"/>
-                                          </p:val>
-                                        </p:tav>
-                                      </p:tavLst>
-                                    </p:anim>
-                                  </p:childTnLst>
-                                </p:cTn>
-                              </p:par>
-                            </p:childTnLst>
-                          </p:cTn>
-                        </p:par>
-                      </p:childTnLst>
-                    </p:cTn>
-                  </p:par>
-                </p:childTnLst>
-              </p:cTn>
-              <p:prevCondLst>
-                <p:cond evt="onPrev" delay="0">
-                  <p:tgtEl>
-                    <p:sldTgt/>
-                  </p:tgtEl>
-                </p:cond>
-              </p:prevCondLst>
-              <p:nextCondLst>
-                <p:cond evt="onNext" delay="0">
-                  <p:tgtEl>
-                    <p:sldTgt/>
-                  </p:tgtEl>
-                </p:cond>
-              </p:nextCondLst>
-            </p:seq>
-          </p:childTnLst>
-        </p:cTn>
-      </p:par>
-    </p:tnLst>
-    <p:bldLst>
-      <p:bldP spid="2" grpId="0"/>
-    </p:bldLst>
-  </p:timing>
-</p:sld>
-</file>
-
-<file path=ppt/slides/slide3.xml><?xml version="1.0" encoding="utf-8"?>
-<p:sld xmlns:a="http://schemas.openxmlformats.org/drawingml/2006/main" xmlns:r="http://schemas.openxmlformats.org/officeDocument/2006/relationships" xmlns:p="http://schemas.openxmlformats.org/presentationml/2006/main">
-  <p:cSld>
-    <p:spTree>
-      <p:nvGrpSpPr>
-        <p:cNvPr id="1" name=""/>
-        <p:cNvGrpSpPr/>
-        <p:nvPr/>
-      </p:nvGrpSpPr>
-      <p:grpSpPr>
-        <a:xfrm>
-          <a:off x="0" y="0"/>
-          <a:ext cx="0" cy="0"/>
-          <a:chOff x="0" y="0"/>
-          <a:chExt cx="0" cy="0"/>
-        </a:xfrm>
-      </p:grpSpPr>
-      <p:sp>
-        <p:nvSpPr>
-          <p:cNvPr id="2" name="TextBox 1">
-            <a:extLst>
-              <a:ext uri="{FF2B5EF4-FFF2-40B4-BE49-F238E27FC236}">
                 <a16:creationId xmlns:a16="http://schemas.microsoft.com/office/drawing/2014/main" id="{FA3B5E8F-9FB4-4163-B829-9BE843BB6E52}"/>
               </a:ext>
             </a:extLst>
@@ -10801,7 +10912,7 @@
 </p:sld>
 </file>
 
-<file path=ppt/slides/slide4.xml><?xml version="1.0" encoding="utf-8"?>
+<file path=ppt/slides/slide3.xml><?xml version="1.0" encoding="utf-8"?>
 <p:sld xmlns:a="http://schemas.openxmlformats.org/drawingml/2006/main" xmlns:r="http://schemas.openxmlformats.org/officeDocument/2006/relationships" xmlns:p="http://schemas.openxmlformats.org/presentationml/2006/main">
   <p:cSld>
     <p:spTree>
@@ -12818,6 +12929,286 @@
   <p:clrMapOvr>
     <a:masterClrMapping/>
   </p:clrMapOvr>
+</p:sld>
+</file>
+
+<file path=ppt/slides/slide4.xml><?xml version="1.0" encoding="utf-8"?>
+<p:sld xmlns:a="http://schemas.openxmlformats.org/drawingml/2006/main" xmlns:r="http://schemas.openxmlformats.org/officeDocument/2006/relationships" xmlns:p="http://schemas.openxmlformats.org/presentationml/2006/main">
+  <p:cSld>
+    <p:spTree>
+      <p:nvGrpSpPr>
+        <p:cNvPr id="1" name=""/>
+        <p:cNvGrpSpPr/>
+        <p:nvPr/>
+      </p:nvGrpSpPr>
+      <p:grpSpPr>
+        <a:xfrm>
+          <a:off x="0" y="0"/>
+          <a:ext cx="0" cy="0"/>
+          <a:chOff x="0" y="0"/>
+          <a:chExt cx="0" cy="0"/>
+        </a:xfrm>
+      </p:grpSpPr>
+      <p:sp>
+        <p:nvSpPr>
+          <p:cNvPr id="2" name="TextBox 1">
+            <a:extLst>
+              <a:ext uri="{FF2B5EF4-FFF2-40B4-BE49-F238E27FC236}">
+                <a16:creationId xmlns:a16="http://schemas.microsoft.com/office/drawing/2014/main" id="{742EF216-75D4-4734-B156-3EDB09F9CE9B}"/>
+              </a:ext>
+            </a:extLst>
+          </p:cNvPr>
+          <p:cNvSpPr txBox="1"/>
+          <p:nvPr/>
+        </p:nvSpPr>
+        <p:spPr>
+          <a:xfrm>
+            <a:off x="477753" y="2819123"/>
+            <a:ext cx="11236494" cy="2062103"/>
+          </a:xfrm>
+          <a:prstGeom prst="rect">
+            <a:avLst/>
+          </a:prstGeom>
+          <a:noFill/>
+        </p:spPr>
+        <p:txBody>
+          <a:bodyPr wrap="square">
+            <a:spAutoFit/>
+          </a:bodyPr>
+          <a:lstStyle/>
+          <a:p>
+            <a:pPr lvl="0"/>
+            <a:r>
+              <a:rPr lang="en-US" sz="3200" dirty="0">
+                <a:latin typeface="Times New Roman" panose="02020603050405020304" pitchFamily="18" charset="0"/>
+                <a:cs typeface="Times New Roman" panose="02020603050405020304" pitchFamily="18" charset="0"/>
+              </a:rPr>
+              <a:t>Given the variables that describe the (X, Y) coordinates of the beginning and end of key events (shots, assists, key passes), which configuration of the variables result in the best fitting model that gives the probability of a shot on goal being successful?</a:t>
+            </a:r>
+          </a:p>
+        </p:txBody>
+      </p:sp>
+      <p:cxnSp>
+        <p:nvCxnSpPr>
+          <p:cNvPr id="3" name="Straight Connector 2">
+            <a:extLst>
+              <a:ext uri="{FF2B5EF4-FFF2-40B4-BE49-F238E27FC236}">
+                <a16:creationId xmlns:a16="http://schemas.microsoft.com/office/drawing/2014/main" id="{B493E240-C89A-4822-B4C3-EC3A33AD45FA}"/>
+              </a:ext>
+            </a:extLst>
+          </p:cNvPr>
+          <p:cNvCxnSpPr/>
+          <p:nvPr/>
+        </p:nvCxnSpPr>
+        <p:spPr>
+          <a:xfrm>
+            <a:off x="0" y="1047750"/>
+            <a:ext cx="12192000" cy="0"/>
+          </a:xfrm>
+          <a:prstGeom prst="line">
+            <a:avLst/>
+          </a:prstGeom>
+          <a:ln w="76200">
+            <a:solidFill>
+              <a:srgbClr val="D2C264"/>
+            </a:solidFill>
+          </a:ln>
+        </p:spPr>
+        <p:style>
+          <a:lnRef idx="1">
+            <a:schemeClr val="accent1"/>
+          </a:lnRef>
+          <a:fillRef idx="0">
+            <a:schemeClr val="accent1"/>
+          </a:fillRef>
+          <a:effectRef idx="0">
+            <a:schemeClr val="accent1"/>
+          </a:effectRef>
+          <a:fontRef idx="minor">
+            <a:schemeClr val="tx1"/>
+          </a:fontRef>
+        </p:style>
+      </p:cxnSp>
+      <p:sp>
+        <p:nvSpPr>
+          <p:cNvPr id="4" name="TextBox 3">
+            <a:extLst>
+              <a:ext uri="{FF2B5EF4-FFF2-40B4-BE49-F238E27FC236}">
+                <a16:creationId xmlns:a16="http://schemas.microsoft.com/office/drawing/2014/main" id="{9EAF4BF5-F510-49EE-8E26-0511CB451A3D}"/>
+              </a:ext>
+            </a:extLst>
+          </p:cNvPr>
+          <p:cNvSpPr txBox="1"/>
+          <p:nvPr/>
+        </p:nvSpPr>
+        <p:spPr>
+          <a:xfrm>
+            <a:off x="439692" y="229258"/>
+            <a:ext cx="3764749" cy="584775"/>
+          </a:xfrm>
+          <a:prstGeom prst="rect">
+            <a:avLst/>
+          </a:prstGeom>
+          <a:noFill/>
+        </p:spPr>
+        <p:txBody>
+          <a:bodyPr wrap="none" rtlCol="0">
+            <a:spAutoFit/>
+          </a:bodyPr>
+          <a:lstStyle/>
+          <a:p>
+            <a:r>
+              <a:rPr lang="en-US" sz="3200" b="1" dirty="0">
+                <a:latin typeface="Times New Roman" panose="02020603050405020304" pitchFamily="18" charset="0"/>
+                <a:cs typeface="Times New Roman" panose="02020603050405020304" pitchFamily="18" charset="0"/>
+              </a:rPr>
+              <a:t>SMART Question 1:</a:t>
+            </a:r>
+          </a:p>
+        </p:txBody>
+      </p:sp>
+    </p:spTree>
+    <p:extLst>
+      <p:ext uri="{BB962C8B-B14F-4D97-AF65-F5344CB8AC3E}">
+        <p14:creationId xmlns:p14="http://schemas.microsoft.com/office/powerpoint/2010/main" val="1927476904"/>
+      </p:ext>
+    </p:extLst>
+  </p:cSld>
+  <p:clrMapOvr>
+    <a:masterClrMapping/>
+  </p:clrMapOvr>
+  <p:timing>
+    <p:tnLst>
+      <p:par>
+        <p:cTn id="1" dur="indefinite" restart="never" nodeType="tmRoot">
+          <p:childTnLst>
+            <p:seq concurrent="1" nextAc="seek">
+              <p:cTn id="2" dur="indefinite" nodeType="mainSeq">
+                <p:childTnLst>
+                  <p:par>
+                    <p:cTn id="3" fill="hold">
+                      <p:stCondLst>
+                        <p:cond delay="indefinite"/>
+                      </p:stCondLst>
+                      <p:childTnLst>
+                        <p:par>
+                          <p:cTn id="4" fill="hold">
+                            <p:stCondLst>
+                              <p:cond delay="0"/>
+                            </p:stCondLst>
+                            <p:childTnLst>
+                              <p:par>
+                                <p:cTn id="5" presetID="42" presetClass="entr" presetSubtype="0" fill="hold" grpId="0" nodeType="clickEffect">
+                                  <p:stCondLst>
+                                    <p:cond delay="0"/>
+                                  </p:stCondLst>
+                                  <p:childTnLst>
+                                    <p:set>
+                                      <p:cBhvr>
+                                        <p:cTn id="6" dur="1" fill="hold">
+                                          <p:stCondLst>
+                                            <p:cond delay="0"/>
+                                          </p:stCondLst>
+                                        </p:cTn>
+                                        <p:tgtEl>
+                                          <p:spTgt spid="2"/>
+                                        </p:tgtEl>
+                                        <p:attrNameLst>
+                                          <p:attrName>style.visibility</p:attrName>
+                                        </p:attrNameLst>
+                                      </p:cBhvr>
+                                      <p:to>
+                                        <p:strVal val="visible"/>
+                                      </p:to>
+                                    </p:set>
+                                    <p:animEffect transition="in" filter="fade">
+                                      <p:cBhvr>
+                                        <p:cTn id="7" dur="1000"/>
+                                        <p:tgtEl>
+                                          <p:spTgt spid="2"/>
+                                        </p:tgtEl>
+                                      </p:cBhvr>
+                                    </p:animEffect>
+                                    <p:anim calcmode="lin" valueType="num">
+                                      <p:cBhvr>
+                                        <p:cTn id="8" dur="1000" fill="hold"/>
+                                        <p:tgtEl>
+                                          <p:spTgt spid="2"/>
+                                        </p:tgtEl>
+                                        <p:attrNameLst>
+                                          <p:attrName>ppt_x</p:attrName>
+                                        </p:attrNameLst>
+                                      </p:cBhvr>
+                                      <p:tavLst>
+                                        <p:tav tm="0">
+                                          <p:val>
+                                            <p:strVal val="#ppt_x"/>
+                                          </p:val>
+                                        </p:tav>
+                                        <p:tav tm="100000">
+                                          <p:val>
+                                            <p:strVal val="#ppt_x"/>
+                                          </p:val>
+                                        </p:tav>
+                                      </p:tavLst>
+                                    </p:anim>
+                                    <p:anim calcmode="lin" valueType="num">
+                                      <p:cBhvr>
+                                        <p:cTn id="9" dur="1000" fill="hold"/>
+                                        <p:tgtEl>
+                                          <p:spTgt spid="2"/>
+                                        </p:tgtEl>
+                                        <p:attrNameLst>
+                                          <p:attrName>ppt_y</p:attrName>
+                                        </p:attrNameLst>
+                                      </p:cBhvr>
+                                      <p:tavLst>
+                                        <p:tav tm="0">
+                                          <p:val>
+                                            <p:strVal val="#ppt_y+.1"/>
+                                          </p:val>
+                                        </p:tav>
+                                        <p:tav tm="100000">
+                                          <p:val>
+                                            <p:strVal val="#ppt_y"/>
+                                          </p:val>
+                                        </p:tav>
+                                      </p:tavLst>
+                                    </p:anim>
+                                  </p:childTnLst>
+                                </p:cTn>
+                              </p:par>
+                            </p:childTnLst>
+                          </p:cTn>
+                        </p:par>
+                      </p:childTnLst>
+                    </p:cTn>
+                  </p:par>
+                </p:childTnLst>
+              </p:cTn>
+              <p:prevCondLst>
+                <p:cond evt="onPrev" delay="0">
+                  <p:tgtEl>
+                    <p:sldTgt/>
+                  </p:tgtEl>
+                </p:cond>
+              </p:prevCondLst>
+              <p:nextCondLst>
+                <p:cond evt="onNext" delay="0">
+                  <p:tgtEl>
+                    <p:sldTgt/>
+                  </p:tgtEl>
+                </p:cond>
+              </p:nextCondLst>
+            </p:seq>
+          </p:childTnLst>
+        </p:cTn>
+      </p:par>
+    </p:tnLst>
+    <p:bldLst>
+      <p:bldP spid="2" grpId="0"/>
+    </p:bldLst>
+  </p:timing>
 </p:sld>
 </file>
 

--- a/final_project/T2_final_project.pptx
+++ b/final_project/T2_final_project.pptx
@@ -18,11 +18,17 @@
     <p:sldId id="263" r:id="rId12"/>
     <p:sldId id="262" r:id="rId13"/>
     <p:sldId id="264" r:id="rId14"/>
-    <p:sldId id="266" r:id="rId15"/>
-    <p:sldId id="274" r:id="rId16"/>
-    <p:sldId id="275" r:id="rId17"/>
-    <p:sldId id="267" r:id="rId18"/>
-    <p:sldId id="268" r:id="rId19"/>
+    <p:sldId id="282" r:id="rId15"/>
+    <p:sldId id="266" r:id="rId16"/>
+    <p:sldId id="274" r:id="rId17"/>
+    <p:sldId id="276" r:id="rId18"/>
+    <p:sldId id="277" r:id="rId19"/>
+    <p:sldId id="278" r:id="rId20"/>
+    <p:sldId id="279" r:id="rId21"/>
+    <p:sldId id="280" r:id="rId22"/>
+    <p:sldId id="281" r:id="rId23"/>
+    <p:sldId id="267" r:id="rId24"/>
+    <p:sldId id="268" r:id="rId25"/>
   </p:sldIdLst>
   <p:sldSz cx="12192000" cy="6858000"/>
   <p:notesSz cx="6858000" cy="9144000"/>
@@ -6571,6 +6577,272 @@
           <p:cNvPr id="2" name="Straight Connector 1">
             <a:extLst>
               <a:ext uri="{FF2B5EF4-FFF2-40B4-BE49-F238E27FC236}">
+                <a16:creationId xmlns:a16="http://schemas.microsoft.com/office/drawing/2014/main" id="{F82B0979-8F33-444A-9C6B-3767B20E23F2}"/>
+              </a:ext>
+            </a:extLst>
+          </p:cNvPr>
+          <p:cNvCxnSpPr/>
+          <p:nvPr/>
+        </p:nvCxnSpPr>
+        <p:spPr>
+          <a:xfrm>
+            <a:off x="0" y="1047750"/>
+            <a:ext cx="12192000" cy="0"/>
+          </a:xfrm>
+          <a:prstGeom prst="line">
+            <a:avLst/>
+          </a:prstGeom>
+          <a:ln w="76200">
+            <a:solidFill>
+              <a:srgbClr val="D2C264"/>
+            </a:solidFill>
+          </a:ln>
+        </p:spPr>
+        <p:style>
+          <a:lnRef idx="1">
+            <a:schemeClr val="accent1"/>
+          </a:lnRef>
+          <a:fillRef idx="0">
+            <a:schemeClr val="accent1"/>
+          </a:fillRef>
+          <a:effectRef idx="0">
+            <a:schemeClr val="accent1"/>
+          </a:effectRef>
+          <a:fontRef idx="minor">
+            <a:schemeClr val="tx1"/>
+          </a:fontRef>
+        </p:style>
+      </p:cxnSp>
+      <p:sp>
+        <p:nvSpPr>
+          <p:cNvPr id="3" name="TextBox 2">
+            <a:extLst>
+              <a:ext uri="{FF2B5EF4-FFF2-40B4-BE49-F238E27FC236}">
+                <a16:creationId xmlns:a16="http://schemas.microsoft.com/office/drawing/2014/main" id="{67AA1C79-2CF3-476C-836F-80765D49F55E}"/>
+              </a:ext>
+            </a:extLst>
+          </p:cNvPr>
+          <p:cNvSpPr txBox="1"/>
+          <p:nvPr/>
+        </p:nvSpPr>
+        <p:spPr>
+          <a:xfrm>
+            <a:off x="439692" y="229258"/>
+            <a:ext cx="4559261" cy="584775"/>
+          </a:xfrm>
+          <a:prstGeom prst="rect">
+            <a:avLst/>
+          </a:prstGeom>
+          <a:noFill/>
+        </p:spPr>
+        <p:txBody>
+          <a:bodyPr wrap="none" rtlCol="0">
+            <a:spAutoFit/>
+          </a:bodyPr>
+          <a:lstStyle/>
+          <a:p>
+            <a:r>
+              <a:rPr lang="en-US" sz="3200" b="1" dirty="0">
+                <a:latin typeface="Times New Roman" panose="02020603050405020304" pitchFamily="18" charset="0"/>
+                <a:cs typeface="Times New Roman" panose="02020603050405020304" pitchFamily="18" charset="0"/>
+              </a:rPr>
+              <a:t>Calculating Match Stats:</a:t>
+            </a:r>
+          </a:p>
+        </p:txBody>
+      </p:sp>
+      <p:pic>
+        <p:nvPicPr>
+          <p:cNvPr id="5" name="Picture 4" descr="Table&#10;&#10;Description automatically generated">
+            <a:extLst>
+              <a:ext uri="{FF2B5EF4-FFF2-40B4-BE49-F238E27FC236}">
+                <a16:creationId xmlns:a16="http://schemas.microsoft.com/office/drawing/2014/main" id="{907BCF52-55E3-47E9-B986-514CFF6D8472}"/>
+              </a:ext>
+            </a:extLst>
+          </p:cNvPr>
+          <p:cNvPicPr>
+            <a:picLocks noChangeAspect="1"/>
+          </p:cNvPicPr>
+          <p:nvPr/>
+        </p:nvPicPr>
+        <p:blipFill>
+          <a:blip r:embed="rId2">
+            <a:extLst>
+              <a:ext uri="{28A0092B-C50C-407E-A947-70E740481C1C}">
+                <a14:useLocalDpi xmlns:a14="http://schemas.microsoft.com/office/drawing/2010/main" val="0"/>
+              </a:ext>
+            </a:extLst>
+          </a:blip>
+          <a:stretch>
+            <a:fillRect/>
+          </a:stretch>
+        </p:blipFill>
+        <p:spPr>
+          <a:xfrm>
+            <a:off x="2133139" y="1980451"/>
+            <a:ext cx="7925721" cy="3541807"/>
+          </a:xfrm>
+          <a:prstGeom prst="rect">
+            <a:avLst/>
+          </a:prstGeom>
+          <a:ln>
+            <a:solidFill>
+              <a:schemeClr val="tx1"/>
+            </a:solidFill>
+          </a:ln>
+        </p:spPr>
+      </p:pic>
+      <p:pic>
+        <p:nvPicPr>
+          <p:cNvPr id="7" name="Picture 6" descr="Table&#10;&#10;Description automatically generated">
+            <a:extLst>
+              <a:ext uri="{FF2B5EF4-FFF2-40B4-BE49-F238E27FC236}">
+                <a16:creationId xmlns:a16="http://schemas.microsoft.com/office/drawing/2014/main" id="{143FE0C7-5559-4624-954C-8200D93DF23B}"/>
+              </a:ext>
+            </a:extLst>
+          </p:cNvPr>
+          <p:cNvPicPr>
+            <a:picLocks noChangeAspect="1"/>
+          </p:cNvPicPr>
+          <p:nvPr/>
+        </p:nvPicPr>
+        <p:blipFill>
+          <a:blip r:embed="rId3">
+            <a:extLst>
+              <a:ext uri="{28A0092B-C50C-407E-A947-70E740481C1C}">
+                <a14:useLocalDpi xmlns:a14="http://schemas.microsoft.com/office/drawing/2010/main" val="0"/>
+              </a:ext>
+            </a:extLst>
+          </a:blip>
+          <a:stretch>
+            <a:fillRect/>
+          </a:stretch>
+        </p:blipFill>
+        <p:spPr>
+          <a:xfrm>
+            <a:off x="1394768" y="1980451"/>
+            <a:ext cx="9402463" cy="3541806"/>
+          </a:xfrm>
+          <a:prstGeom prst="rect">
+            <a:avLst/>
+          </a:prstGeom>
+          <a:ln>
+            <a:solidFill>
+              <a:schemeClr val="tx1"/>
+            </a:solidFill>
+          </a:ln>
+        </p:spPr>
+      </p:pic>
+    </p:spTree>
+    <p:extLst>
+      <p:ext uri="{BB962C8B-B14F-4D97-AF65-F5344CB8AC3E}">
+        <p14:creationId xmlns:p14="http://schemas.microsoft.com/office/powerpoint/2010/main" val="4281136933"/>
+      </p:ext>
+    </p:extLst>
+  </p:cSld>
+  <p:clrMapOvr>
+    <a:masterClrMapping/>
+  </p:clrMapOvr>
+  <p:timing>
+    <p:tnLst>
+      <p:par>
+        <p:cTn id="1" dur="indefinite" restart="never" nodeType="tmRoot">
+          <p:childTnLst>
+            <p:seq concurrent="1" nextAc="seek">
+              <p:cTn id="2" dur="indefinite" nodeType="mainSeq">
+                <p:childTnLst>
+                  <p:par>
+                    <p:cTn id="3" fill="hold">
+                      <p:stCondLst>
+                        <p:cond delay="indefinite"/>
+                      </p:stCondLst>
+                      <p:childTnLst>
+                        <p:par>
+                          <p:cTn id="4" fill="hold">
+                            <p:stCondLst>
+                              <p:cond delay="0"/>
+                            </p:stCondLst>
+                            <p:childTnLst>
+                              <p:par>
+                                <p:cTn id="5" presetID="1" presetClass="entr" presetSubtype="0" fill="hold" nodeType="clickEffect">
+                                  <p:stCondLst>
+                                    <p:cond delay="0"/>
+                                  </p:stCondLst>
+                                  <p:childTnLst>
+                                    <p:set>
+                                      <p:cBhvr>
+                                        <p:cTn id="6" dur="1" fill="hold">
+                                          <p:stCondLst>
+                                            <p:cond delay="0"/>
+                                          </p:stCondLst>
+                                        </p:cTn>
+                                        <p:tgtEl>
+                                          <p:spTgt spid="7"/>
+                                        </p:tgtEl>
+                                        <p:attrNameLst>
+                                          <p:attrName>style.visibility</p:attrName>
+                                        </p:attrNameLst>
+                                      </p:cBhvr>
+                                      <p:to>
+                                        <p:strVal val="visible"/>
+                                      </p:to>
+                                    </p:set>
+                                  </p:childTnLst>
+                                </p:cTn>
+                              </p:par>
+                            </p:childTnLst>
+                          </p:cTn>
+                        </p:par>
+                      </p:childTnLst>
+                    </p:cTn>
+                  </p:par>
+                </p:childTnLst>
+              </p:cTn>
+              <p:prevCondLst>
+                <p:cond evt="onPrev" delay="0">
+                  <p:tgtEl>
+                    <p:sldTgt/>
+                  </p:tgtEl>
+                </p:cond>
+              </p:prevCondLst>
+              <p:nextCondLst>
+                <p:cond evt="onNext" delay="0">
+                  <p:tgtEl>
+                    <p:sldTgt/>
+                  </p:tgtEl>
+                </p:cond>
+              </p:nextCondLst>
+            </p:seq>
+          </p:childTnLst>
+        </p:cTn>
+      </p:par>
+    </p:tnLst>
+  </p:timing>
+</p:sld>
+</file>
+
+<file path=ppt/slides/slide15.xml><?xml version="1.0" encoding="utf-8"?>
+<p:sld xmlns:a="http://schemas.openxmlformats.org/drawingml/2006/main" xmlns:r="http://schemas.openxmlformats.org/officeDocument/2006/relationships" xmlns:p="http://schemas.openxmlformats.org/presentationml/2006/main">
+  <p:cSld>
+    <p:spTree>
+      <p:nvGrpSpPr>
+        <p:cNvPr id="1" name=""/>
+        <p:cNvGrpSpPr/>
+        <p:nvPr/>
+      </p:nvGrpSpPr>
+      <p:grpSpPr>
+        <a:xfrm>
+          <a:off x="0" y="0"/>
+          <a:ext cx="0" cy="0"/>
+          <a:chOff x="0" y="0"/>
+          <a:chExt cx="0" cy="0"/>
+        </a:xfrm>
+      </p:grpSpPr>
+      <p:cxnSp>
+        <p:nvCxnSpPr>
+          <p:cNvPr id="2" name="Straight Connector 1">
+            <a:extLst>
+              <a:ext uri="{FF2B5EF4-FFF2-40B4-BE49-F238E27FC236}">
                 <a16:creationId xmlns:a16="http://schemas.microsoft.com/office/drawing/2014/main" id="{BC4339F9-A066-45CD-91C6-61FED21D3027}"/>
               </a:ext>
             </a:extLst>
@@ -6673,7 +6945,7 @@
         </p:blipFill>
         <p:spPr>
           <a:xfrm>
-            <a:off x="439692" y="3096745"/>
+            <a:off x="439692" y="4459386"/>
             <a:ext cx="4644650" cy="1740274"/>
           </a:xfrm>
           <a:prstGeom prst="rect">
@@ -6737,6 +7009,11 @@
             <a:avLst/>
           </a:prstGeom>
           <a:noFill/>
+          <a:ln w="19050">
+            <a:solidFill>
+              <a:srgbClr val="00B050"/>
+            </a:solidFill>
+          </a:ln>
         </p:spPr>
         <p:txBody>
           <a:bodyPr wrap="none" rtlCol="0">
@@ -6768,13 +7045,13 @@
         </p:nvCxnSpPr>
         <p:spPr>
           <a:xfrm>
-            <a:off x="2762017" y="3550024"/>
-            <a:ext cx="2228725" cy="1240028"/>
+            <a:off x="2680447" y="5145741"/>
+            <a:ext cx="2640425" cy="1150607"/>
           </a:xfrm>
           <a:prstGeom prst="straightConnector1">
             <a:avLst/>
           </a:prstGeom>
-          <a:ln>
+          <a:ln w="19050">
             <a:solidFill>
               <a:srgbClr val="00B050"/>
             </a:solidFill>
@@ -6810,14 +7087,14 @@
         </p:nvSpPr>
         <p:spPr>
           <a:xfrm>
-            <a:off x="4169010" y="4790052"/>
-            <a:ext cx="1643463" cy="369332"/>
+            <a:off x="4258658" y="6296348"/>
+            <a:ext cx="2124428" cy="461665"/>
           </a:xfrm>
           <a:prstGeom prst="rect">
             <a:avLst/>
           </a:prstGeom>
           <a:noFill/>
-          <a:ln>
+          <a:ln w="19050">
             <a:solidFill>
               <a:srgbClr val="00B050"/>
             </a:solidFill>
@@ -6830,13 +7107,205 @@
           <a:lstStyle/>
           <a:p>
             <a:r>
-              <a:rPr lang="en-US" dirty="0">
+              <a:rPr lang="en-US" sz="2400" dirty="0">
                 <a:solidFill>
                   <a:srgbClr val="00B050"/>
                 </a:solidFill>
               </a:rPr>
               <a:t>Accuracy = 73%</a:t>
             </a:r>
+          </a:p>
+        </p:txBody>
+      </p:sp>
+      <p:pic>
+        <p:nvPicPr>
+          <p:cNvPr id="8" name="Picture 7" descr="A black screen with white text&#10;&#10;Description automatically generated with low confidence">
+            <a:extLst>
+              <a:ext uri="{FF2B5EF4-FFF2-40B4-BE49-F238E27FC236}">
+                <a16:creationId xmlns:a16="http://schemas.microsoft.com/office/drawing/2014/main" id="{F5491302-26A4-47DB-A132-06B872391976}"/>
+              </a:ext>
+            </a:extLst>
+          </p:cNvPr>
+          <p:cNvPicPr>
+            <a:picLocks noChangeAspect="1"/>
+          </p:cNvPicPr>
+          <p:nvPr/>
+        </p:nvPicPr>
+        <p:blipFill>
+          <a:blip r:embed="rId4">
+            <a:extLst>
+              <a:ext uri="{28A0092B-C50C-407E-A947-70E740481C1C}">
+                <a14:useLocalDpi xmlns:a14="http://schemas.microsoft.com/office/drawing/2010/main" val="0"/>
+              </a:ext>
+            </a:extLst>
+          </a:blip>
+          <a:stretch>
+            <a:fillRect/>
+          </a:stretch>
+        </p:blipFill>
+        <p:spPr>
+          <a:xfrm>
+            <a:off x="439692" y="1267312"/>
+            <a:ext cx="4644650" cy="2919751"/>
+          </a:xfrm>
+          <a:prstGeom prst="rect">
+            <a:avLst/>
+          </a:prstGeom>
+        </p:spPr>
+      </p:pic>
+      <p:sp>
+        <p:nvSpPr>
+          <p:cNvPr id="9" name="Rectangle 8">
+            <a:extLst>
+              <a:ext uri="{FF2B5EF4-FFF2-40B4-BE49-F238E27FC236}">
+                <a16:creationId xmlns:a16="http://schemas.microsoft.com/office/drawing/2014/main" id="{6D775965-1C50-487F-8F2A-DEC0F98F5C8A}"/>
+              </a:ext>
+            </a:extLst>
+          </p:cNvPr>
+          <p:cNvSpPr/>
+          <p:nvPr/>
+        </p:nvSpPr>
+        <p:spPr>
+          <a:xfrm>
+            <a:off x="439692" y="1712259"/>
+            <a:ext cx="4401249" cy="268941"/>
+          </a:xfrm>
+          <a:prstGeom prst="rect">
+            <a:avLst/>
+          </a:prstGeom>
+          <a:noFill/>
+          <a:ln w="19050">
+            <a:solidFill>
+              <a:srgbClr val="00B0F0"/>
+            </a:solidFill>
+          </a:ln>
+        </p:spPr>
+        <p:style>
+          <a:lnRef idx="2">
+            <a:schemeClr val="accent1">
+              <a:shade val="50000"/>
+            </a:schemeClr>
+          </a:lnRef>
+          <a:fillRef idx="1">
+            <a:schemeClr val="accent1"/>
+          </a:fillRef>
+          <a:effectRef idx="0">
+            <a:schemeClr val="accent1"/>
+          </a:effectRef>
+          <a:fontRef idx="minor">
+            <a:schemeClr val="lt1"/>
+          </a:fontRef>
+        </p:style>
+        <p:txBody>
+          <a:bodyPr rtlCol="0" anchor="ctr"/>
+          <a:lstStyle/>
+          <a:p>
+            <a:pPr algn="ctr"/>
+            <a:endParaRPr lang="en-US"/>
+          </a:p>
+        </p:txBody>
+      </p:sp>
+      <p:sp>
+        <p:nvSpPr>
+          <p:cNvPr id="12" name="Rectangle 11">
+            <a:extLst>
+              <a:ext uri="{FF2B5EF4-FFF2-40B4-BE49-F238E27FC236}">
+                <a16:creationId xmlns:a16="http://schemas.microsoft.com/office/drawing/2014/main" id="{B32DB8DB-FBEF-47EE-92F9-D0F9C79BB6F8}"/>
+              </a:ext>
+            </a:extLst>
+          </p:cNvPr>
+          <p:cNvSpPr/>
+          <p:nvPr/>
+        </p:nvSpPr>
+        <p:spPr>
+          <a:xfrm>
+            <a:off x="439691" y="2371719"/>
+            <a:ext cx="4401249" cy="170968"/>
+          </a:xfrm>
+          <a:prstGeom prst="rect">
+            <a:avLst/>
+          </a:prstGeom>
+          <a:noFill/>
+          <a:ln w="19050">
+            <a:solidFill>
+              <a:srgbClr val="00B0F0"/>
+            </a:solidFill>
+          </a:ln>
+        </p:spPr>
+        <p:style>
+          <a:lnRef idx="2">
+            <a:schemeClr val="accent1">
+              <a:shade val="50000"/>
+            </a:schemeClr>
+          </a:lnRef>
+          <a:fillRef idx="1">
+            <a:schemeClr val="accent1"/>
+          </a:fillRef>
+          <a:effectRef idx="0">
+            <a:schemeClr val="accent1"/>
+          </a:effectRef>
+          <a:fontRef idx="minor">
+            <a:schemeClr val="lt1"/>
+          </a:fontRef>
+        </p:style>
+        <p:txBody>
+          <a:bodyPr rtlCol="0" anchor="ctr"/>
+          <a:lstStyle/>
+          <a:p>
+            <a:pPr algn="ctr"/>
+            <a:endParaRPr lang="en-US"/>
+          </a:p>
+        </p:txBody>
+      </p:sp>
+      <p:sp>
+        <p:nvSpPr>
+          <p:cNvPr id="13" name="Rectangle 12">
+            <a:extLst>
+              <a:ext uri="{FF2B5EF4-FFF2-40B4-BE49-F238E27FC236}">
+                <a16:creationId xmlns:a16="http://schemas.microsoft.com/office/drawing/2014/main" id="{50C32D38-6D4D-495A-92DC-3EE4316B53B3}"/>
+              </a:ext>
+            </a:extLst>
+          </p:cNvPr>
+          <p:cNvSpPr/>
+          <p:nvPr/>
+        </p:nvSpPr>
+        <p:spPr>
+          <a:xfrm>
+            <a:off x="439690" y="2103742"/>
+            <a:ext cx="4401249" cy="170968"/>
+          </a:xfrm>
+          <a:prstGeom prst="rect">
+            <a:avLst/>
+          </a:prstGeom>
+          <a:noFill/>
+          <a:ln w="19050">
+            <a:solidFill>
+              <a:srgbClr val="00B0F0"/>
+            </a:solidFill>
+          </a:ln>
+        </p:spPr>
+        <p:style>
+          <a:lnRef idx="2">
+            <a:schemeClr val="accent1">
+              <a:shade val="50000"/>
+            </a:schemeClr>
+          </a:lnRef>
+          <a:fillRef idx="1">
+            <a:schemeClr val="accent1"/>
+          </a:fillRef>
+          <a:effectRef idx="0">
+            <a:schemeClr val="accent1"/>
+          </a:effectRef>
+          <a:fontRef idx="minor">
+            <a:schemeClr val="lt1"/>
+          </a:fontRef>
+        </p:style>
+        <p:txBody>
+          <a:bodyPr rtlCol="0" anchor="ctr"/>
+          <a:lstStyle/>
+          <a:p>
+            <a:pPr algn="ctr"/>
+            <a:endParaRPr lang="en-US"/>
           </a:p>
         </p:txBody>
       </p:sp>
@@ -6853,7 +7322,7 @@
 </p:sld>
 </file>
 
-<file path=ppt/slides/slide15.xml><?xml version="1.0" encoding="utf-8"?>
+<file path=ppt/slides/slide16.xml><?xml version="1.0" encoding="utf-8"?>
 <p:sld xmlns:a="http://schemas.openxmlformats.org/drawingml/2006/main" xmlns:r="http://schemas.openxmlformats.org/officeDocument/2006/relationships" xmlns:p="http://schemas.openxmlformats.org/presentationml/2006/main">
   <p:cSld>
     <p:spTree>
@@ -7133,7 +7602,7 @@
 </p:sld>
 </file>
 
-<file path=ppt/slides/slide16.xml><?xml version="1.0" encoding="utf-8"?>
+<file path=ppt/slides/slide17.xml><?xml version="1.0" encoding="utf-8"?>
 <p:sld xmlns:a="http://schemas.openxmlformats.org/drawingml/2006/main" xmlns:r="http://schemas.openxmlformats.org/officeDocument/2006/relationships" xmlns:p="http://schemas.openxmlformats.org/presentationml/2006/main">
   <p:cSld>
     <p:spTree>
@@ -7155,7 +7624,7 @@
           <p:cNvPr id="2" name="Straight Connector 1">
             <a:extLst>
               <a:ext uri="{FF2B5EF4-FFF2-40B4-BE49-F238E27FC236}">
-                <a16:creationId xmlns:a16="http://schemas.microsoft.com/office/drawing/2014/main" id="{A31E7CB7-EDC3-46F2-92F6-748EE36F583B}"/>
+                <a16:creationId xmlns:a16="http://schemas.microsoft.com/office/drawing/2014/main" id="{BC4339F9-A066-45CD-91C6-61FED21D3027}"/>
               </a:ext>
             </a:extLst>
           </p:cNvPr>
@@ -7196,7 +7665,7 @@
           <p:cNvPr id="3" name="TextBox 2">
             <a:extLst>
               <a:ext uri="{FF2B5EF4-FFF2-40B4-BE49-F238E27FC236}">
-                <a16:creationId xmlns:a16="http://schemas.microsoft.com/office/drawing/2014/main" id="{1CC17B57-5182-431A-B89C-F0A6B72A815B}"/>
+                <a16:creationId xmlns:a16="http://schemas.microsoft.com/office/drawing/2014/main" id="{4F839CDC-E463-4502-8748-827AE781F905}"/>
               </a:ext>
             </a:extLst>
           </p:cNvPr>
@@ -7206,7 +7675,7 @@
         <p:spPr>
           <a:xfrm>
             <a:off x="439692" y="229258"/>
-            <a:ext cx="1301959" cy="584775"/>
+            <a:ext cx="5260158" cy="584775"/>
           </a:xfrm>
           <a:prstGeom prst="rect">
             <a:avLst/>
@@ -7224,15 +7693,44 @@
                 <a:latin typeface="Times New Roman" panose="02020603050405020304" pitchFamily="18" charset="0"/>
                 <a:cs typeface="Times New Roman" panose="02020603050405020304" pitchFamily="18" charset="0"/>
               </a:rPr>
-              <a:t>Model</a:t>
+              <a:t>Model – Adjusted R Squared</a:t>
             </a:r>
           </a:p>
         </p:txBody>
       </p:sp>
+      <p:pic>
+        <p:nvPicPr>
+          <p:cNvPr id="4" name="Picture 3"/>
+          <p:cNvPicPr>
+            <a:picLocks noChangeAspect="1"/>
+          </p:cNvPicPr>
+          <p:nvPr/>
+        </p:nvPicPr>
+        <p:blipFill rotWithShape="1">
+          <a:blip r:embed="rId2">
+            <a:extLst>
+              <a:ext uri="{28A0092B-C50C-407E-A947-70E740481C1C}">
+                <a14:useLocalDpi xmlns:a14="http://schemas.microsoft.com/office/drawing/2010/main" val="0"/>
+              </a:ext>
+            </a:extLst>
+          </a:blip>
+          <a:srcRect t="11078"/>
+          <a:stretch/>
+        </p:blipFill>
+        <p:spPr>
+          <a:xfrm>
+            <a:off x="910472" y="1475359"/>
+            <a:ext cx="10371324" cy="4991555"/>
+          </a:xfrm>
+          <a:prstGeom prst="rect">
+            <a:avLst/>
+          </a:prstGeom>
+        </p:spPr>
+      </p:pic>
     </p:spTree>
     <p:extLst>
       <p:ext uri="{BB962C8B-B14F-4D97-AF65-F5344CB8AC3E}">
-        <p14:creationId xmlns:p14="http://schemas.microsoft.com/office/powerpoint/2010/main" val="2429595152"/>
+        <p14:creationId xmlns:p14="http://schemas.microsoft.com/office/powerpoint/2010/main" val="3310294040"/>
       </p:ext>
     </p:extLst>
   </p:cSld>
@@ -7242,7 +7740,3299 @@
 </p:sld>
 </file>
 
-<file path=ppt/slides/slide17.xml><?xml version="1.0" encoding="utf-8"?>
+<file path=ppt/slides/slide18.xml><?xml version="1.0" encoding="utf-8"?>
+<p:sld xmlns:a="http://schemas.openxmlformats.org/drawingml/2006/main" xmlns:r="http://schemas.openxmlformats.org/officeDocument/2006/relationships" xmlns:p="http://schemas.openxmlformats.org/presentationml/2006/main">
+  <p:cSld>
+    <p:spTree>
+      <p:nvGrpSpPr>
+        <p:cNvPr id="1" name=""/>
+        <p:cNvGrpSpPr/>
+        <p:nvPr/>
+      </p:nvGrpSpPr>
+      <p:grpSpPr>
+        <a:xfrm>
+          <a:off x="0" y="0"/>
+          <a:ext cx="0" cy="0"/>
+          <a:chOff x="0" y="0"/>
+          <a:chExt cx="0" cy="0"/>
+        </a:xfrm>
+      </p:grpSpPr>
+      <p:cxnSp>
+        <p:nvCxnSpPr>
+          <p:cNvPr id="2" name="Straight Connector 1">
+            <a:extLst>
+              <a:ext uri="{FF2B5EF4-FFF2-40B4-BE49-F238E27FC236}">
+                <a16:creationId xmlns:a16="http://schemas.microsoft.com/office/drawing/2014/main" id="{BC4339F9-A066-45CD-91C6-61FED21D3027}"/>
+              </a:ext>
+            </a:extLst>
+          </p:cNvPr>
+          <p:cNvCxnSpPr/>
+          <p:nvPr/>
+        </p:nvCxnSpPr>
+        <p:spPr>
+          <a:xfrm>
+            <a:off x="0" y="1047750"/>
+            <a:ext cx="12192000" cy="0"/>
+          </a:xfrm>
+          <a:prstGeom prst="line">
+            <a:avLst/>
+          </a:prstGeom>
+          <a:ln w="76200">
+            <a:solidFill>
+              <a:srgbClr val="D2C264"/>
+            </a:solidFill>
+          </a:ln>
+        </p:spPr>
+        <p:style>
+          <a:lnRef idx="1">
+            <a:schemeClr val="accent1"/>
+          </a:lnRef>
+          <a:fillRef idx="0">
+            <a:schemeClr val="accent1"/>
+          </a:fillRef>
+          <a:effectRef idx="0">
+            <a:schemeClr val="accent1"/>
+          </a:effectRef>
+          <a:fontRef idx="minor">
+            <a:schemeClr val="tx1"/>
+          </a:fontRef>
+        </p:style>
+      </p:cxnSp>
+      <p:sp>
+        <p:nvSpPr>
+          <p:cNvPr id="3" name="TextBox 2">
+            <a:extLst>
+              <a:ext uri="{FF2B5EF4-FFF2-40B4-BE49-F238E27FC236}">
+                <a16:creationId xmlns:a16="http://schemas.microsoft.com/office/drawing/2014/main" id="{4F839CDC-E463-4502-8748-827AE781F905}"/>
+              </a:ext>
+            </a:extLst>
+          </p:cNvPr>
+          <p:cNvSpPr txBox="1"/>
+          <p:nvPr/>
+        </p:nvSpPr>
+        <p:spPr>
+          <a:xfrm>
+            <a:off x="439692" y="229258"/>
+            <a:ext cx="2443298" cy="584775"/>
+          </a:xfrm>
+          <a:prstGeom prst="rect">
+            <a:avLst/>
+          </a:prstGeom>
+          <a:noFill/>
+        </p:spPr>
+        <p:txBody>
+          <a:bodyPr wrap="none" rtlCol="0">
+            <a:spAutoFit/>
+          </a:bodyPr>
+          <a:lstStyle/>
+          <a:p>
+            <a:r>
+              <a:rPr lang="en-US" sz="3200" b="1" dirty="0">
+                <a:latin typeface="Times New Roman" panose="02020603050405020304" pitchFamily="18" charset="0"/>
+                <a:cs typeface="Times New Roman" panose="02020603050405020304" pitchFamily="18" charset="0"/>
+              </a:rPr>
+              <a:t>Model – BIC</a:t>
+            </a:r>
+          </a:p>
+        </p:txBody>
+      </p:sp>
+      <p:pic>
+        <p:nvPicPr>
+          <p:cNvPr id="6" name="Picture 5"/>
+          <p:cNvPicPr>
+            <a:picLocks noChangeAspect="1"/>
+          </p:cNvPicPr>
+          <p:nvPr/>
+        </p:nvPicPr>
+        <p:blipFill rotWithShape="1">
+          <a:blip r:embed="rId2">
+            <a:extLst>
+              <a:ext uri="{28A0092B-C50C-407E-A947-70E740481C1C}">
+                <a14:useLocalDpi xmlns:a14="http://schemas.microsoft.com/office/drawing/2010/main" val="0"/>
+              </a:ext>
+            </a:extLst>
+          </a:blip>
+          <a:srcRect t="10476"/>
+          <a:stretch/>
+        </p:blipFill>
+        <p:spPr>
+          <a:xfrm>
+            <a:off x="1080380" y="1469840"/>
+            <a:ext cx="10031239" cy="5249000"/>
+          </a:xfrm>
+          <a:prstGeom prst="rect">
+            <a:avLst/>
+          </a:prstGeom>
+        </p:spPr>
+      </p:pic>
+    </p:spTree>
+    <p:extLst>
+      <p:ext uri="{BB962C8B-B14F-4D97-AF65-F5344CB8AC3E}">
+        <p14:creationId xmlns:p14="http://schemas.microsoft.com/office/powerpoint/2010/main" val="780329860"/>
+      </p:ext>
+    </p:extLst>
+  </p:cSld>
+  <p:clrMapOvr>
+    <a:masterClrMapping/>
+  </p:clrMapOvr>
+</p:sld>
+</file>
+
+<file path=ppt/slides/slide19.xml><?xml version="1.0" encoding="utf-8"?>
+<p:sld xmlns:a="http://schemas.openxmlformats.org/drawingml/2006/main" xmlns:r="http://schemas.openxmlformats.org/officeDocument/2006/relationships" xmlns:p="http://schemas.openxmlformats.org/presentationml/2006/main">
+  <p:cSld>
+    <p:spTree>
+      <p:nvGrpSpPr>
+        <p:cNvPr id="1" name=""/>
+        <p:cNvGrpSpPr/>
+        <p:nvPr/>
+      </p:nvGrpSpPr>
+      <p:grpSpPr>
+        <a:xfrm>
+          <a:off x="0" y="0"/>
+          <a:ext cx="0" cy="0"/>
+          <a:chOff x="0" y="0"/>
+          <a:chExt cx="0" cy="0"/>
+        </a:xfrm>
+      </p:grpSpPr>
+      <p:cxnSp>
+        <p:nvCxnSpPr>
+          <p:cNvPr id="2" name="Straight Connector 1">
+            <a:extLst>
+              <a:ext uri="{FF2B5EF4-FFF2-40B4-BE49-F238E27FC236}">
+                <a16:creationId xmlns:a16="http://schemas.microsoft.com/office/drawing/2014/main" id="{BC4339F9-A066-45CD-91C6-61FED21D3027}"/>
+              </a:ext>
+            </a:extLst>
+          </p:cNvPr>
+          <p:cNvCxnSpPr/>
+          <p:nvPr/>
+        </p:nvCxnSpPr>
+        <p:spPr>
+          <a:xfrm>
+            <a:off x="0" y="1047750"/>
+            <a:ext cx="12192000" cy="0"/>
+          </a:xfrm>
+          <a:prstGeom prst="line">
+            <a:avLst/>
+          </a:prstGeom>
+          <a:ln w="76200">
+            <a:solidFill>
+              <a:srgbClr val="D2C264"/>
+            </a:solidFill>
+          </a:ln>
+        </p:spPr>
+        <p:style>
+          <a:lnRef idx="1">
+            <a:schemeClr val="accent1"/>
+          </a:lnRef>
+          <a:fillRef idx="0">
+            <a:schemeClr val="accent1"/>
+          </a:fillRef>
+          <a:effectRef idx="0">
+            <a:schemeClr val="accent1"/>
+          </a:effectRef>
+          <a:fontRef idx="minor">
+            <a:schemeClr val="tx1"/>
+          </a:fontRef>
+        </p:style>
+      </p:cxnSp>
+      <p:sp>
+        <p:nvSpPr>
+          <p:cNvPr id="3" name="TextBox 2">
+            <a:extLst>
+              <a:ext uri="{FF2B5EF4-FFF2-40B4-BE49-F238E27FC236}">
+                <a16:creationId xmlns:a16="http://schemas.microsoft.com/office/drawing/2014/main" id="{4F839CDC-E463-4502-8748-827AE781F905}"/>
+              </a:ext>
+            </a:extLst>
+          </p:cNvPr>
+          <p:cNvSpPr txBox="1"/>
+          <p:nvPr/>
+        </p:nvSpPr>
+        <p:spPr>
+          <a:xfrm>
+            <a:off x="439692" y="229258"/>
+            <a:ext cx="5451685" cy="584775"/>
+          </a:xfrm>
+          <a:prstGeom prst="rect">
+            <a:avLst/>
+          </a:prstGeom>
+          <a:noFill/>
+        </p:spPr>
+        <p:txBody>
+          <a:bodyPr wrap="none" rtlCol="0">
+            <a:spAutoFit/>
+          </a:bodyPr>
+          <a:lstStyle/>
+          <a:p>
+            <a:r>
+              <a:rPr lang="en-US" sz="3200" b="1" dirty="0">
+                <a:latin typeface="Times New Roman" panose="02020603050405020304" pitchFamily="18" charset="0"/>
+                <a:cs typeface="Times New Roman" panose="02020603050405020304" pitchFamily="18" charset="0"/>
+              </a:rPr>
+              <a:t>Best Linear Regression Model</a:t>
+            </a:r>
+          </a:p>
+        </p:txBody>
+      </p:sp>
+      <p:sp>
+        <p:nvSpPr>
+          <p:cNvPr id="7" name="TextBox 6">
+            <a:extLst>
+              <a:ext uri="{FF2B5EF4-FFF2-40B4-BE49-F238E27FC236}">
+                <a16:creationId xmlns:a16="http://schemas.microsoft.com/office/drawing/2014/main" id="{4F839CDC-E463-4502-8748-827AE781F905}"/>
+              </a:ext>
+            </a:extLst>
+          </p:cNvPr>
+          <p:cNvSpPr txBox="1"/>
+          <p:nvPr/>
+        </p:nvSpPr>
+        <p:spPr>
+          <a:xfrm>
+            <a:off x="429588" y="652279"/>
+            <a:ext cx="8027069" cy="400110"/>
+          </a:xfrm>
+          <a:prstGeom prst="rect">
+            <a:avLst/>
+          </a:prstGeom>
+          <a:noFill/>
+        </p:spPr>
+        <p:txBody>
+          <a:bodyPr wrap="none" rtlCol="0">
+            <a:spAutoFit/>
+          </a:bodyPr>
+          <a:lstStyle/>
+          <a:p>
+            <a:r>
+              <a:rPr lang="en-US" sz="2000" b="1" dirty="0">
+                <a:latin typeface="Times New Roman" panose="02020603050405020304" pitchFamily="18" charset="0"/>
+                <a:cs typeface="Times New Roman" panose="02020603050405020304" pitchFamily="18" charset="0"/>
+              </a:rPr>
+              <a:t>Goals = Shots + </a:t>
+            </a:r>
+            <a:r>
+              <a:rPr lang="en-US" sz="2000" b="1" dirty="0" err="1">
+                <a:latin typeface="Times New Roman" panose="02020603050405020304" pitchFamily="18" charset="0"/>
+                <a:cs typeface="Times New Roman" panose="02020603050405020304" pitchFamily="18" charset="0"/>
+              </a:rPr>
+              <a:t>Shots.Target</a:t>
+            </a:r>
+            <a:r>
+              <a:rPr lang="en-US" sz="2000" b="1" dirty="0">
+                <a:latin typeface="Times New Roman" panose="02020603050405020304" pitchFamily="18" charset="0"/>
+                <a:cs typeface="Times New Roman" panose="02020603050405020304" pitchFamily="18" charset="0"/>
+              </a:rPr>
+              <a:t> + </a:t>
+            </a:r>
+            <a:r>
+              <a:rPr lang="en-US" sz="2000" b="1" dirty="0" err="1">
+                <a:latin typeface="Times New Roman" panose="02020603050405020304" pitchFamily="18" charset="0"/>
+                <a:cs typeface="Times New Roman" panose="02020603050405020304" pitchFamily="18" charset="0"/>
+              </a:rPr>
+              <a:t>Pass.Acc</a:t>
+            </a:r>
+            <a:r>
+              <a:rPr lang="en-US" sz="2000" b="1" dirty="0">
+                <a:latin typeface="Times New Roman" panose="02020603050405020304" pitchFamily="18" charset="0"/>
+                <a:cs typeface="Times New Roman" panose="02020603050405020304" pitchFamily="18" charset="0"/>
+              </a:rPr>
+              <a:t> + Possession + Corners + Fouls</a:t>
+            </a:r>
+          </a:p>
+        </p:txBody>
+      </p:sp>
+      <p:grpSp>
+        <p:nvGrpSpPr>
+          <p:cNvPr id="10" name="Group 9"/>
+          <p:cNvGrpSpPr/>
+          <p:nvPr/>
+        </p:nvGrpSpPr>
+        <p:grpSpPr>
+          <a:xfrm>
+            <a:off x="429588" y="1209504"/>
+            <a:ext cx="6877292" cy="5216493"/>
+            <a:chOff x="429588" y="1209504"/>
+            <a:chExt cx="6877292" cy="5216493"/>
+          </a:xfrm>
+        </p:grpSpPr>
+        <p:pic>
+          <p:nvPicPr>
+            <p:cNvPr id="4" name="Picture 3"/>
+            <p:cNvPicPr>
+              <a:picLocks noChangeAspect="1"/>
+            </p:cNvPicPr>
+            <p:nvPr/>
+          </p:nvPicPr>
+          <p:blipFill rotWithShape="1">
+            <a:blip r:embed="rId2"/>
+            <a:srcRect l="30442" t="30127" r="25171" b="10018"/>
+            <a:stretch/>
+          </p:blipFill>
+          <p:spPr>
+            <a:xfrm>
+              <a:off x="429588" y="1209504"/>
+              <a:ext cx="6877292" cy="5216493"/>
+            </a:xfrm>
+            <a:prstGeom prst="rect">
+              <a:avLst/>
+            </a:prstGeom>
+          </p:spPr>
+        </p:pic>
+        <p:sp>
+          <p:nvSpPr>
+            <p:cNvPr id="5" name="Rectangle 4"/>
+            <p:cNvSpPr/>
+            <p:nvPr/>
+          </p:nvSpPr>
+          <p:spPr>
+            <a:xfrm rot="5400000">
+              <a:off x="3966275" y="3966279"/>
+              <a:ext cx="287996" cy="2335794"/>
+            </a:xfrm>
+            <a:prstGeom prst="rect">
+              <a:avLst/>
+            </a:prstGeom>
+            <a:noFill/>
+            <a:ln w="28575">
+              <a:solidFill>
+                <a:srgbClr val="FF0000"/>
+              </a:solidFill>
+            </a:ln>
+          </p:spPr>
+          <p:style>
+            <a:lnRef idx="2">
+              <a:schemeClr val="accent6"/>
+            </a:lnRef>
+            <a:fillRef idx="1">
+              <a:schemeClr val="lt1"/>
+            </a:fillRef>
+            <a:effectRef idx="0">
+              <a:schemeClr val="accent6"/>
+            </a:effectRef>
+            <a:fontRef idx="minor">
+              <a:schemeClr val="dk1"/>
+            </a:fontRef>
+          </p:style>
+          <p:txBody>
+            <a:bodyPr rtlCol="0" anchor="ctr"/>
+            <a:lstStyle/>
+            <a:p>
+              <a:pPr algn="ctr"/>
+              <a:endParaRPr lang="en-US"/>
+            </a:p>
+          </p:txBody>
+        </p:sp>
+        <p:sp>
+          <p:nvSpPr>
+            <p:cNvPr id="8" name="Rectangle 7"/>
+            <p:cNvSpPr/>
+            <p:nvPr/>
+          </p:nvSpPr>
+          <p:spPr>
+            <a:xfrm>
+              <a:off x="4742507" y="2587783"/>
+              <a:ext cx="389299" cy="1520982"/>
+            </a:xfrm>
+            <a:prstGeom prst="rect">
+              <a:avLst/>
+            </a:prstGeom>
+            <a:noFill/>
+            <a:ln w="28575">
+              <a:solidFill>
+                <a:srgbClr val="FF0000"/>
+              </a:solidFill>
+            </a:ln>
+          </p:spPr>
+          <p:style>
+            <a:lnRef idx="2">
+              <a:schemeClr val="accent6"/>
+            </a:lnRef>
+            <a:fillRef idx="1">
+              <a:schemeClr val="lt1"/>
+            </a:fillRef>
+            <a:effectRef idx="0">
+              <a:schemeClr val="accent6"/>
+            </a:effectRef>
+            <a:fontRef idx="minor">
+              <a:schemeClr val="dk1"/>
+            </a:fontRef>
+          </p:style>
+          <p:txBody>
+            <a:bodyPr rtlCol="0" anchor="ctr"/>
+            <a:lstStyle/>
+            <a:p>
+              <a:pPr algn="ctr"/>
+              <a:endParaRPr lang="en-US"/>
+            </a:p>
+          </p:txBody>
+        </p:sp>
+      </p:grpSp>
+      <p:sp>
+        <p:nvSpPr>
+          <p:cNvPr id="9" name="Rectangle 8"/>
+          <p:cNvSpPr/>
+          <p:nvPr/>
+        </p:nvSpPr>
+        <p:spPr>
+          <a:xfrm rot="5400000">
+            <a:off x="4000876" y="3122691"/>
+            <a:ext cx="262551" cy="6166919"/>
+          </a:xfrm>
+          <a:prstGeom prst="rect">
+            <a:avLst/>
+          </a:prstGeom>
+          <a:noFill/>
+          <a:ln w="28575">
+            <a:solidFill>
+              <a:srgbClr val="FF0000"/>
+            </a:solidFill>
+          </a:ln>
+        </p:spPr>
+        <p:style>
+          <a:lnRef idx="2">
+            <a:schemeClr val="accent6"/>
+          </a:lnRef>
+          <a:fillRef idx="1">
+            <a:schemeClr val="lt1"/>
+          </a:fillRef>
+          <a:effectRef idx="0">
+            <a:schemeClr val="accent6"/>
+          </a:effectRef>
+          <a:fontRef idx="minor">
+            <a:schemeClr val="dk1"/>
+          </a:fontRef>
+        </p:style>
+        <p:txBody>
+          <a:bodyPr rtlCol="0" anchor="ctr"/>
+          <a:lstStyle/>
+          <a:p>
+            <a:pPr algn="ctr"/>
+            <a:endParaRPr lang="en-US"/>
+          </a:p>
+        </p:txBody>
+      </p:sp>
+      <p:sp>
+        <p:nvSpPr>
+          <p:cNvPr id="12" name="TextBox 11">
+            <a:extLst>
+              <a:ext uri="{FF2B5EF4-FFF2-40B4-BE49-F238E27FC236}">
+                <a16:creationId xmlns:a16="http://schemas.microsoft.com/office/drawing/2014/main" id="{4F839CDC-E463-4502-8748-827AE781F905}"/>
+              </a:ext>
+            </a:extLst>
+          </p:cNvPr>
+          <p:cNvSpPr txBox="1"/>
+          <p:nvPr/>
+        </p:nvSpPr>
+        <p:spPr>
+          <a:xfrm>
+            <a:off x="7306880" y="2840442"/>
+            <a:ext cx="4503156" cy="1015663"/>
+          </a:xfrm>
+          <a:prstGeom prst="rect">
+            <a:avLst/>
+          </a:prstGeom>
+          <a:noFill/>
+        </p:spPr>
+        <p:txBody>
+          <a:bodyPr wrap="none" rtlCol="0">
+            <a:spAutoFit/>
+          </a:bodyPr>
+          <a:lstStyle/>
+          <a:p>
+            <a:pPr marL="457200" indent="-457200">
+              <a:buFont typeface="Arial" panose="020B0604020202020204" pitchFamily="34" charset="0"/>
+              <a:buChar char="•"/>
+            </a:pPr>
+            <a:r>
+              <a:rPr lang="en-US" sz="2000" dirty="0">
+                <a:latin typeface="Times New Roman" panose="02020603050405020304" pitchFamily="18" charset="0"/>
+                <a:cs typeface="Times New Roman" panose="02020603050405020304" pitchFamily="18" charset="0"/>
+              </a:rPr>
+              <a:t>Statistically significant estimates</a:t>
+            </a:r>
+          </a:p>
+          <a:p>
+            <a:pPr marL="457200" indent="-457200">
+              <a:buFont typeface="Arial" panose="020B0604020202020204" pitchFamily="34" charset="0"/>
+              <a:buChar char="•"/>
+            </a:pPr>
+            <a:r>
+              <a:rPr lang="en-US" sz="2000" dirty="0">
+                <a:latin typeface="Times New Roman" panose="02020603050405020304" pitchFamily="18" charset="0"/>
+                <a:cs typeface="Times New Roman" panose="02020603050405020304" pitchFamily="18" charset="0"/>
+              </a:rPr>
+              <a:t>Adjusted R-Squared can be improved</a:t>
+            </a:r>
+          </a:p>
+          <a:p>
+            <a:pPr marL="457200" indent="-457200">
+              <a:buFont typeface="Arial" panose="020B0604020202020204" pitchFamily="34" charset="0"/>
+              <a:buChar char="•"/>
+            </a:pPr>
+            <a:r>
+              <a:rPr lang="en-US" sz="2000" dirty="0">
+                <a:latin typeface="Times New Roman" panose="02020603050405020304" pitchFamily="18" charset="0"/>
+                <a:cs typeface="Times New Roman" panose="02020603050405020304" pitchFamily="18" charset="0"/>
+              </a:rPr>
+              <a:t>No concern for </a:t>
+            </a:r>
+            <a:r>
+              <a:rPr lang="en-US" sz="2000" dirty="0" err="1">
+                <a:latin typeface="Times New Roman" panose="02020603050405020304" pitchFamily="18" charset="0"/>
+                <a:cs typeface="Times New Roman" panose="02020603050405020304" pitchFamily="18" charset="0"/>
+              </a:rPr>
+              <a:t>multicollinearity</a:t>
+            </a:r>
+            <a:endParaRPr lang="en-US" sz="2000" dirty="0">
+              <a:latin typeface="Times New Roman" panose="02020603050405020304" pitchFamily="18" charset="0"/>
+              <a:cs typeface="Times New Roman" panose="02020603050405020304" pitchFamily="18" charset="0"/>
+            </a:endParaRPr>
+          </a:p>
+        </p:txBody>
+      </p:sp>
+    </p:spTree>
+    <p:extLst>
+      <p:ext uri="{BB962C8B-B14F-4D97-AF65-F5344CB8AC3E}">
+        <p14:creationId xmlns:p14="http://schemas.microsoft.com/office/powerpoint/2010/main" val="4192136879"/>
+      </p:ext>
+    </p:extLst>
+  </p:cSld>
+  <p:clrMapOvr>
+    <a:masterClrMapping/>
+  </p:clrMapOvr>
+</p:sld>
+</file>
+
+<file path=ppt/slides/slide2.xml><?xml version="1.0" encoding="utf-8"?>
+<p:sld xmlns:a="http://schemas.openxmlformats.org/drawingml/2006/main" xmlns:r="http://schemas.openxmlformats.org/officeDocument/2006/relationships" xmlns:p="http://schemas.openxmlformats.org/presentationml/2006/main">
+  <p:cSld>
+    <p:spTree>
+      <p:nvGrpSpPr>
+        <p:cNvPr id="1" name=""/>
+        <p:cNvGrpSpPr/>
+        <p:nvPr/>
+      </p:nvGrpSpPr>
+      <p:grpSpPr>
+        <a:xfrm>
+          <a:off x="0" y="0"/>
+          <a:ext cx="0" cy="0"/>
+          <a:chOff x="0" y="0"/>
+          <a:chExt cx="0" cy="0"/>
+        </a:xfrm>
+      </p:grpSpPr>
+      <p:sp>
+        <p:nvSpPr>
+          <p:cNvPr id="2" name="TextBox 1">
+            <a:extLst>
+              <a:ext uri="{FF2B5EF4-FFF2-40B4-BE49-F238E27FC236}">
+                <a16:creationId xmlns:a16="http://schemas.microsoft.com/office/drawing/2014/main" id="{FA3B5E8F-9FB4-4163-B829-9BE843BB6E52}"/>
+              </a:ext>
+            </a:extLst>
+          </p:cNvPr>
+          <p:cNvSpPr txBox="1"/>
+          <p:nvPr/>
+        </p:nvSpPr>
+        <p:spPr>
+          <a:xfrm>
+            <a:off x="439692" y="229258"/>
+            <a:ext cx="3603872" cy="584775"/>
+          </a:xfrm>
+          <a:prstGeom prst="rect">
+            <a:avLst/>
+          </a:prstGeom>
+          <a:noFill/>
+        </p:spPr>
+        <p:txBody>
+          <a:bodyPr wrap="none" rtlCol="0">
+            <a:spAutoFit/>
+          </a:bodyPr>
+          <a:lstStyle/>
+          <a:p>
+            <a:r>
+              <a:rPr lang="en-US" sz="3200" b="1" dirty="0">
+                <a:latin typeface="Times New Roman" panose="02020603050405020304" pitchFamily="18" charset="0"/>
+                <a:cs typeface="Times New Roman" panose="02020603050405020304" pitchFamily="18" charset="0"/>
+              </a:rPr>
+              <a:t>Data Set Overview:</a:t>
+            </a:r>
+          </a:p>
+        </p:txBody>
+      </p:sp>
+      <p:cxnSp>
+        <p:nvCxnSpPr>
+          <p:cNvPr id="5" name="Straight Connector 4">
+            <a:extLst>
+              <a:ext uri="{FF2B5EF4-FFF2-40B4-BE49-F238E27FC236}">
+                <a16:creationId xmlns:a16="http://schemas.microsoft.com/office/drawing/2014/main" id="{2456B271-4A45-4851-A8BF-926F16D8D568}"/>
+              </a:ext>
+            </a:extLst>
+          </p:cNvPr>
+          <p:cNvCxnSpPr/>
+          <p:nvPr/>
+        </p:nvCxnSpPr>
+        <p:spPr>
+          <a:xfrm>
+            <a:off x="0" y="1047750"/>
+            <a:ext cx="12192000" cy="0"/>
+          </a:xfrm>
+          <a:prstGeom prst="line">
+            <a:avLst/>
+          </a:prstGeom>
+          <a:ln w="76200">
+            <a:solidFill>
+              <a:srgbClr val="D2C264"/>
+            </a:solidFill>
+          </a:ln>
+        </p:spPr>
+        <p:style>
+          <a:lnRef idx="1">
+            <a:schemeClr val="accent1"/>
+          </a:lnRef>
+          <a:fillRef idx="0">
+            <a:schemeClr val="accent1"/>
+          </a:fillRef>
+          <a:effectRef idx="0">
+            <a:schemeClr val="accent1"/>
+          </a:effectRef>
+          <a:fontRef idx="minor">
+            <a:schemeClr val="tx1"/>
+          </a:fontRef>
+        </p:style>
+      </p:cxnSp>
+      <p:grpSp>
+        <p:nvGrpSpPr>
+          <p:cNvPr id="6" name="Group 5">
+            <a:extLst>
+              <a:ext uri="{FF2B5EF4-FFF2-40B4-BE49-F238E27FC236}">
+                <a16:creationId xmlns:a16="http://schemas.microsoft.com/office/drawing/2014/main" id="{402D1F21-BDC0-4BD7-841D-1C7E45806FF7}"/>
+              </a:ext>
+            </a:extLst>
+          </p:cNvPr>
+          <p:cNvGrpSpPr/>
+          <p:nvPr/>
+        </p:nvGrpSpPr>
+        <p:grpSpPr>
+          <a:xfrm>
+            <a:off x="1441590" y="3216584"/>
+            <a:ext cx="9704588" cy="1392962"/>
+            <a:chOff x="622568" y="2974494"/>
+            <a:chExt cx="11451432" cy="1643697"/>
+          </a:xfrm>
+        </p:grpSpPr>
+        <p:sp>
+          <p:nvSpPr>
+            <p:cNvPr id="7" name="TextBox 6">
+              <a:extLst>
+                <a:ext uri="{FF2B5EF4-FFF2-40B4-BE49-F238E27FC236}">
+                  <a16:creationId xmlns:a16="http://schemas.microsoft.com/office/drawing/2014/main" id="{F2A9DE6C-01A0-428D-9DC7-E3A1C05F0B8E}"/>
+                </a:ext>
+              </a:extLst>
+            </p:cNvPr>
+            <p:cNvSpPr txBox="1"/>
+            <p:nvPr/>
+          </p:nvSpPr>
+          <p:spPr>
+            <a:xfrm>
+              <a:off x="655935" y="2974494"/>
+              <a:ext cx="1897600" cy="544765"/>
+            </a:xfrm>
+            <a:prstGeom prst="rect">
+              <a:avLst/>
+            </a:prstGeom>
+            <a:noFill/>
+            <a:scene3d>
+              <a:camera prst="orthographicFront"/>
+              <a:lightRig rig="threePt" dir="t"/>
+            </a:scene3d>
+            <a:sp3d>
+              <a:bevelT w="114300" prst="artDeco"/>
+            </a:sp3d>
+          </p:spPr>
+          <p:txBody>
+            <a:bodyPr wrap="none" rtlCol="0">
+              <a:spAutoFit/>
+            </a:bodyPr>
+            <a:lstStyle/>
+            <a:p>
+              <a:r>
+                <a:rPr lang="en-US" sz="2400" b="1" dirty="0">
+                  <a:solidFill>
+                    <a:srgbClr val="00577E"/>
+                  </a:solidFill>
+                  <a:latin typeface="Arial Narrow" panose="020B0606020202030204" pitchFamily="34" charset="0"/>
+                </a:rPr>
+                <a:t>2017 / 2018:</a:t>
+              </a:r>
+            </a:p>
+          </p:txBody>
+        </p:sp>
+        <p:sp>
+          <p:nvSpPr>
+            <p:cNvPr id="8" name="Rectangle: Rounded Corners 7">
+              <a:extLst>
+                <a:ext uri="{FF2B5EF4-FFF2-40B4-BE49-F238E27FC236}">
+                  <a16:creationId xmlns:a16="http://schemas.microsoft.com/office/drawing/2014/main" id="{4A406CF7-2F65-455A-BBC0-1F0315BEEBF9}"/>
+                </a:ext>
+              </a:extLst>
+            </p:cNvPr>
+            <p:cNvSpPr/>
+            <p:nvPr/>
+          </p:nvSpPr>
+          <p:spPr>
+            <a:xfrm>
+              <a:off x="622568" y="3461371"/>
+              <a:ext cx="2174132" cy="1140238"/>
+            </a:xfrm>
+            <a:prstGeom prst="roundRect">
+              <a:avLst/>
+            </a:prstGeom>
+            <a:blipFill dpi="0" rotWithShape="1">
+              <a:blip r:embed="rId2" cstate="print">
+                <a:extLst>
+                  <a:ext uri="{28A0092B-C50C-407E-A947-70E740481C1C}">
+                    <a14:useLocalDpi xmlns:a14="http://schemas.microsoft.com/office/drawing/2010/main" val="0"/>
+                  </a:ext>
+                  <a:ext uri="{837473B0-CC2E-450A-ABE3-18F120FF3D39}">
+                    <a1611:picAttrSrcUrl xmlns:a1611="http://schemas.microsoft.com/office/drawing/2016/11/main" r:id="rId3"/>
+                  </a:ext>
+                </a:extLst>
+              </a:blip>
+              <a:srcRect/>
+              <a:stretch>
+                <a:fillRect/>
+              </a:stretch>
+            </a:blipFill>
+            <a:ln>
+              <a:solidFill>
+                <a:schemeClr val="tx1"/>
+              </a:solidFill>
+            </a:ln>
+            <a:scene3d>
+              <a:camera prst="orthographicFront"/>
+              <a:lightRig rig="threePt" dir="t"/>
+            </a:scene3d>
+            <a:sp3d>
+              <a:bevelT w="114300" prst="artDeco"/>
+            </a:sp3d>
+          </p:spPr>
+          <p:style>
+            <a:lnRef idx="2">
+              <a:schemeClr val="accent1">
+                <a:shade val="50000"/>
+              </a:schemeClr>
+            </a:lnRef>
+            <a:fillRef idx="1">
+              <a:schemeClr val="accent1"/>
+            </a:fillRef>
+            <a:effectRef idx="0">
+              <a:schemeClr val="accent1"/>
+            </a:effectRef>
+            <a:fontRef idx="minor">
+              <a:schemeClr val="lt1"/>
+            </a:fontRef>
+          </p:style>
+          <p:txBody>
+            <a:bodyPr rtlCol="0" anchor="ctr"/>
+            <a:lstStyle/>
+            <a:p>
+              <a:pPr algn="ctr"/>
+              <a:endParaRPr lang="en-US" sz="2400" b="1" dirty="0">
+                <a:solidFill>
+                  <a:srgbClr val="00577E"/>
+                </a:solidFill>
+              </a:endParaRPr>
+            </a:p>
+          </p:txBody>
+        </p:sp>
+        <p:sp>
+          <p:nvSpPr>
+            <p:cNvPr id="9" name="Rectangle: Rounded Corners 8">
+              <a:extLst>
+                <a:ext uri="{FF2B5EF4-FFF2-40B4-BE49-F238E27FC236}">
+                  <a16:creationId xmlns:a16="http://schemas.microsoft.com/office/drawing/2014/main" id="{309A92D1-CD6E-4925-9171-2B3C09D96288}"/>
+                </a:ext>
+              </a:extLst>
+            </p:cNvPr>
+            <p:cNvSpPr/>
+            <p:nvPr/>
+          </p:nvSpPr>
+          <p:spPr>
+            <a:xfrm>
+              <a:off x="5261218" y="3461371"/>
+              <a:ext cx="2174132" cy="1156820"/>
+            </a:xfrm>
+            <a:prstGeom prst="roundRect">
+              <a:avLst/>
+            </a:prstGeom>
+            <a:blipFill dpi="0" rotWithShape="1">
+              <a:blip r:embed="rId4">
+                <a:extLst>
+                  <a:ext uri="{28A0092B-C50C-407E-A947-70E740481C1C}">
+                    <a14:useLocalDpi xmlns:a14="http://schemas.microsoft.com/office/drawing/2010/main" val="0"/>
+                  </a:ext>
+                  <a:ext uri="{837473B0-CC2E-450A-ABE3-18F120FF3D39}">
+                    <a1611:picAttrSrcUrl xmlns:a1611="http://schemas.microsoft.com/office/drawing/2016/11/main" r:id="rId5"/>
+                  </a:ext>
+                </a:extLst>
+              </a:blip>
+              <a:srcRect/>
+              <a:stretch>
+                <a:fillRect/>
+              </a:stretch>
+            </a:blipFill>
+            <a:ln>
+              <a:solidFill>
+                <a:schemeClr val="tx1"/>
+              </a:solidFill>
+            </a:ln>
+            <a:scene3d>
+              <a:camera prst="orthographicFront"/>
+              <a:lightRig rig="threePt" dir="t"/>
+            </a:scene3d>
+            <a:sp3d>
+              <a:bevelT w="114300" prst="artDeco"/>
+            </a:sp3d>
+          </p:spPr>
+          <p:style>
+            <a:lnRef idx="2">
+              <a:schemeClr val="accent1">
+                <a:shade val="50000"/>
+              </a:schemeClr>
+            </a:lnRef>
+            <a:fillRef idx="1">
+              <a:schemeClr val="accent1"/>
+            </a:fillRef>
+            <a:effectRef idx="0">
+              <a:schemeClr val="accent1"/>
+            </a:effectRef>
+            <a:fontRef idx="minor">
+              <a:schemeClr val="lt1"/>
+            </a:fontRef>
+          </p:style>
+          <p:txBody>
+            <a:bodyPr rtlCol="0" anchor="ctr"/>
+            <a:lstStyle/>
+            <a:p>
+              <a:pPr algn="ctr"/>
+              <a:endParaRPr lang="en-US" sz="2400" b="1" dirty="0">
+                <a:solidFill>
+                  <a:srgbClr val="00577E"/>
+                </a:solidFill>
+              </a:endParaRPr>
+            </a:p>
+          </p:txBody>
+        </p:sp>
+        <p:sp>
+          <p:nvSpPr>
+            <p:cNvPr id="10" name="Rectangle: Rounded Corners 9">
+              <a:extLst>
+                <a:ext uri="{FF2B5EF4-FFF2-40B4-BE49-F238E27FC236}">
+                  <a16:creationId xmlns:a16="http://schemas.microsoft.com/office/drawing/2014/main" id="{F3969DE2-E82B-4AF4-AC81-52648060A3B7}"/>
+                </a:ext>
+              </a:extLst>
+            </p:cNvPr>
+            <p:cNvSpPr/>
+            <p:nvPr/>
+          </p:nvSpPr>
+          <p:spPr>
+            <a:xfrm>
+              <a:off x="9899868" y="3459959"/>
+              <a:ext cx="2174132" cy="1141650"/>
+            </a:xfrm>
+            <a:prstGeom prst="roundRect">
+              <a:avLst/>
+            </a:prstGeom>
+            <a:blipFill dpi="0" rotWithShape="1">
+              <a:blip r:embed="rId6" cstate="print">
+                <a:extLst>
+                  <a:ext uri="{28A0092B-C50C-407E-A947-70E740481C1C}">
+                    <a14:useLocalDpi xmlns:a14="http://schemas.microsoft.com/office/drawing/2010/main" val="0"/>
+                  </a:ext>
+                  <a:ext uri="{837473B0-CC2E-450A-ABE3-18F120FF3D39}">
+                    <a1611:picAttrSrcUrl xmlns:a1611="http://schemas.microsoft.com/office/drawing/2016/11/main" r:id="rId7"/>
+                  </a:ext>
+                </a:extLst>
+              </a:blip>
+              <a:srcRect/>
+              <a:stretch>
+                <a:fillRect/>
+              </a:stretch>
+            </a:blipFill>
+            <a:ln>
+              <a:solidFill>
+                <a:schemeClr val="tx1"/>
+              </a:solidFill>
+            </a:ln>
+            <a:scene3d>
+              <a:camera prst="orthographicFront"/>
+              <a:lightRig rig="threePt" dir="t"/>
+            </a:scene3d>
+            <a:sp3d>
+              <a:bevelT w="114300" prst="artDeco"/>
+            </a:sp3d>
+          </p:spPr>
+          <p:style>
+            <a:lnRef idx="2">
+              <a:schemeClr val="accent1">
+                <a:shade val="50000"/>
+              </a:schemeClr>
+            </a:lnRef>
+            <a:fillRef idx="1">
+              <a:schemeClr val="accent1"/>
+            </a:fillRef>
+            <a:effectRef idx="0">
+              <a:schemeClr val="accent1"/>
+            </a:effectRef>
+            <a:fontRef idx="minor">
+              <a:schemeClr val="lt1"/>
+            </a:fontRef>
+          </p:style>
+          <p:txBody>
+            <a:bodyPr rtlCol="0" anchor="ctr"/>
+            <a:lstStyle/>
+            <a:p>
+              <a:pPr algn="ctr"/>
+              <a:endParaRPr lang="en-US" sz="2400" b="1" dirty="0">
+                <a:solidFill>
+                  <a:srgbClr val="00577E"/>
+                </a:solidFill>
+              </a:endParaRPr>
+            </a:p>
+          </p:txBody>
+        </p:sp>
+        <p:sp>
+          <p:nvSpPr>
+            <p:cNvPr id="11" name="Rectangle: Rounded Corners 10">
+              <a:extLst>
+                <a:ext uri="{FF2B5EF4-FFF2-40B4-BE49-F238E27FC236}">
+                  <a16:creationId xmlns:a16="http://schemas.microsoft.com/office/drawing/2014/main" id="{0D308D4E-2F29-4024-B8F7-02A2A59533E4}"/>
+                </a:ext>
+              </a:extLst>
+            </p:cNvPr>
+            <p:cNvSpPr/>
+            <p:nvPr/>
+          </p:nvSpPr>
+          <p:spPr>
+            <a:xfrm>
+              <a:off x="2941893" y="3461371"/>
+              <a:ext cx="2174132" cy="1140238"/>
+            </a:xfrm>
+            <a:prstGeom prst="roundRect">
+              <a:avLst/>
+            </a:prstGeom>
+            <a:blipFill dpi="0" rotWithShape="1">
+              <a:blip r:embed="rId8">
+                <a:extLst>
+                  <a:ext uri="{28A0092B-C50C-407E-A947-70E740481C1C}">
+                    <a14:useLocalDpi xmlns:a14="http://schemas.microsoft.com/office/drawing/2010/main" val="0"/>
+                  </a:ext>
+                  <a:ext uri="{837473B0-CC2E-450A-ABE3-18F120FF3D39}">
+                    <a1611:picAttrSrcUrl xmlns:a1611="http://schemas.microsoft.com/office/drawing/2016/11/main" r:id="rId9"/>
+                  </a:ext>
+                </a:extLst>
+              </a:blip>
+              <a:srcRect/>
+              <a:stretch>
+                <a:fillRect/>
+              </a:stretch>
+            </a:blipFill>
+            <a:ln>
+              <a:solidFill>
+                <a:schemeClr val="tx1"/>
+              </a:solidFill>
+            </a:ln>
+            <a:scene3d>
+              <a:camera prst="orthographicFront"/>
+              <a:lightRig rig="threePt" dir="t"/>
+            </a:scene3d>
+            <a:sp3d>
+              <a:bevelT w="114300" prst="artDeco"/>
+            </a:sp3d>
+          </p:spPr>
+          <p:style>
+            <a:lnRef idx="2">
+              <a:schemeClr val="accent1">
+                <a:shade val="50000"/>
+              </a:schemeClr>
+            </a:lnRef>
+            <a:fillRef idx="1">
+              <a:schemeClr val="accent1"/>
+            </a:fillRef>
+            <a:effectRef idx="0">
+              <a:schemeClr val="accent1"/>
+            </a:effectRef>
+            <a:fontRef idx="minor">
+              <a:schemeClr val="lt1"/>
+            </a:fontRef>
+          </p:style>
+          <p:txBody>
+            <a:bodyPr rtlCol="0" anchor="ctr"/>
+            <a:lstStyle/>
+            <a:p>
+              <a:pPr algn="ctr"/>
+              <a:endParaRPr lang="en-US" sz="2400" b="1" dirty="0">
+                <a:solidFill>
+                  <a:srgbClr val="00577E"/>
+                </a:solidFill>
+              </a:endParaRPr>
+            </a:p>
+          </p:txBody>
+        </p:sp>
+        <p:sp>
+          <p:nvSpPr>
+            <p:cNvPr id="12" name="Rectangle: Rounded Corners 11">
+              <a:extLst>
+                <a:ext uri="{FF2B5EF4-FFF2-40B4-BE49-F238E27FC236}">
+                  <a16:creationId xmlns:a16="http://schemas.microsoft.com/office/drawing/2014/main" id="{C506414F-A722-42B9-BD56-6BD0102C7E99}"/>
+                </a:ext>
+              </a:extLst>
+            </p:cNvPr>
+            <p:cNvSpPr/>
+            <p:nvPr/>
+          </p:nvSpPr>
+          <p:spPr>
+            <a:xfrm>
+              <a:off x="7580543" y="3459959"/>
+              <a:ext cx="2174132" cy="1158232"/>
+            </a:xfrm>
+            <a:prstGeom prst="roundRect">
+              <a:avLst/>
+            </a:prstGeom>
+            <a:blipFill dpi="0" rotWithShape="1">
+              <a:blip r:embed="rId10" cstate="print">
+                <a:extLst>
+                  <a:ext uri="{28A0092B-C50C-407E-A947-70E740481C1C}">
+                    <a14:useLocalDpi xmlns:a14="http://schemas.microsoft.com/office/drawing/2010/main" val="0"/>
+                  </a:ext>
+                  <a:ext uri="{837473B0-CC2E-450A-ABE3-18F120FF3D39}">
+                    <a1611:picAttrSrcUrl xmlns:a1611="http://schemas.microsoft.com/office/drawing/2016/11/main" r:id="rId11"/>
+                  </a:ext>
+                </a:extLst>
+              </a:blip>
+              <a:srcRect/>
+              <a:stretch>
+                <a:fillRect/>
+              </a:stretch>
+            </a:blipFill>
+            <a:ln>
+              <a:solidFill>
+                <a:schemeClr val="tx1"/>
+              </a:solidFill>
+            </a:ln>
+            <a:scene3d>
+              <a:camera prst="orthographicFront"/>
+              <a:lightRig rig="threePt" dir="t"/>
+            </a:scene3d>
+            <a:sp3d>
+              <a:bevelT w="114300" prst="artDeco"/>
+            </a:sp3d>
+          </p:spPr>
+          <p:style>
+            <a:lnRef idx="2">
+              <a:schemeClr val="accent1">
+                <a:shade val="50000"/>
+              </a:schemeClr>
+            </a:lnRef>
+            <a:fillRef idx="1">
+              <a:schemeClr val="accent1"/>
+            </a:fillRef>
+            <a:effectRef idx="0">
+              <a:schemeClr val="accent1"/>
+            </a:effectRef>
+            <a:fontRef idx="minor">
+              <a:schemeClr val="lt1"/>
+            </a:fontRef>
+          </p:style>
+          <p:txBody>
+            <a:bodyPr rtlCol="0" anchor="ctr"/>
+            <a:lstStyle/>
+            <a:p>
+              <a:pPr algn="ctr"/>
+              <a:endParaRPr lang="en-US" sz="2400" b="1" dirty="0">
+                <a:solidFill>
+                  <a:srgbClr val="00577E"/>
+                </a:solidFill>
+              </a:endParaRPr>
+            </a:p>
+          </p:txBody>
+        </p:sp>
+      </p:grpSp>
+      <p:grpSp>
+        <p:nvGrpSpPr>
+          <p:cNvPr id="13" name="Group 12">
+            <a:extLst>
+              <a:ext uri="{FF2B5EF4-FFF2-40B4-BE49-F238E27FC236}">
+                <a16:creationId xmlns:a16="http://schemas.microsoft.com/office/drawing/2014/main" id="{B76497C1-EBE7-4CC7-8848-E6F164537443}"/>
+              </a:ext>
+            </a:extLst>
+          </p:cNvPr>
+          <p:cNvGrpSpPr/>
+          <p:nvPr/>
+        </p:nvGrpSpPr>
+        <p:grpSpPr>
+          <a:xfrm>
+            <a:off x="1441590" y="1531274"/>
+            <a:ext cx="1842481" cy="1368098"/>
+            <a:chOff x="672901" y="1272514"/>
+            <a:chExt cx="2174132" cy="1614358"/>
+          </a:xfrm>
+        </p:grpSpPr>
+        <p:sp>
+          <p:nvSpPr>
+            <p:cNvPr id="14" name="TextBox 13">
+              <a:extLst>
+                <a:ext uri="{FF2B5EF4-FFF2-40B4-BE49-F238E27FC236}">
+                  <a16:creationId xmlns:a16="http://schemas.microsoft.com/office/drawing/2014/main" id="{62F0CA42-0789-4126-8406-7D28A7369A25}"/>
+                </a:ext>
+              </a:extLst>
+            </p:cNvPr>
+            <p:cNvSpPr txBox="1"/>
+            <p:nvPr/>
+          </p:nvSpPr>
+          <p:spPr>
+            <a:xfrm>
+              <a:off x="706643" y="1272514"/>
+              <a:ext cx="982091" cy="544765"/>
+            </a:xfrm>
+            <a:prstGeom prst="rect">
+              <a:avLst/>
+            </a:prstGeom>
+            <a:noFill/>
+            <a:scene3d>
+              <a:camera prst="orthographicFront"/>
+              <a:lightRig rig="threePt" dir="t"/>
+            </a:scene3d>
+            <a:sp3d>
+              <a:bevelT w="114300" prst="artDeco"/>
+            </a:sp3d>
+          </p:spPr>
+          <p:txBody>
+            <a:bodyPr wrap="none" rtlCol="0">
+              <a:spAutoFit/>
+            </a:bodyPr>
+            <a:lstStyle/>
+            <a:p>
+              <a:r>
+                <a:rPr lang="en-US" sz="2400" b="1" dirty="0">
+                  <a:solidFill>
+                    <a:srgbClr val="00577E"/>
+                  </a:solidFill>
+                  <a:latin typeface="Arial Narrow" panose="020B0606020202030204" pitchFamily="34" charset="0"/>
+                </a:rPr>
+                <a:t>2016:</a:t>
+              </a:r>
+            </a:p>
+          </p:txBody>
+        </p:sp>
+        <p:sp>
+          <p:nvSpPr>
+            <p:cNvPr id="15" name="Rectangle: Rounded Corners 14">
+              <a:extLst>
+                <a:ext uri="{FF2B5EF4-FFF2-40B4-BE49-F238E27FC236}">
+                  <a16:creationId xmlns:a16="http://schemas.microsoft.com/office/drawing/2014/main" id="{8777892D-759A-4086-AF22-ADF29283590B}"/>
+                </a:ext>
+              </a:extLst>
+            </p:cNvPr>
+            <p:cNvSpPr/>
+            <p:nvPr/>
+          </p:nvSpPr>
+          <p:spPr>
+            <a:xfrm>
+              <a:off x="672901" y="1746634"/>
+              <a:ext cx="2174132" cy="1140238"/>
+            </a:xfrm>
+            <a:prstGeom prst="roundRect">
+              <a:avLst/>
+            </a:prstGeom>
+            <a:blipFill dpi="0" rotWithShape="1">
+              <a:blip r:embed="rId12" cstate="print">
+                <a:extLst>
+                  <a:ext uri="{28A0092B-C50C-407E-A947-70E740481C1C}">
+                    <a14:useLocalDpi xmlns:a14="http://schemas.microsoft.com/office/drawing/2010/main" val="0"/>
+                  </a:ext>
+                  <a:ext uri="{837473B0-CC2E-450A-ABE3-18F120FF3D39}">
+                    <a1611:picAttrSrcUrl xmlns:a1611="http://schemas.microsoft.com/office/drawing/2016/11/main" r:id="rId13"/>
+                  </a:ext>
+                </a:extLst>
+              </a:blip>
+              <a:srcRect/>
+              <a:stretch>
+                <a:fillRect/>
+              </a:stretch>
+            </a:blipFill>
+            <a:ln>
+              <a:solidFill>
+                <a:schemeClr val="tx1"/>
+              </a:solidFill>
+            </a:ln>
+            <a:scene3d>
+              <a:camera prst="orthographicFront"/>
+              <a:lightRig rig="threePt" dir="t"/>
+            </a:scene3d>
+            <a:sp3d>
+              <a:bevelT w="114300" prst="artDeco"/>
+            </a:sp3d>
+          </p:spPr>
+          <p:style>
+            <a:lnRef idx="2">
+              <a:schemeClr val="accent1">
+                <a:shade val="50000"/>
+              </a:schemeClr>
+            </a:lnRef>
+            <a:fillRef idx="1">
+              <a:schemeClr val="accent1"/>
+            </a:fillRef>
+            <a:effectRef idx="0">
+              <a:schemeClr val="accent1"/>
+            </a:effectRef>
+            <a:fontRef idx="minor">
+              <a:schemeClr val="lt1"/>
+            </a:fontRef>
+          </p:style>
+          <p:txBody>
+            <a:bodyPr rtlCol="0" anchor="ctr"/>
+            <a:lstStyle/>
+            <a:p>
+              <a:pPr algn="ctr"/>
+              <a:endParaRPr lang="en-US" sz="2400" b="1" dirty="0">
+                <a:solidFill>
+                  <a:srgbClr val="00577E"/>
+                </a:solidFill>
+              </a:endParaRPr>
+            </a:p>
+          </p:txBody>
+        </p:sp>
+      </p:grpSp>
+      <p:grpSp>
+        <p:nvGrpSpPr>
+          <p:cNvPr id="16" name="Group 15">
+            <a:extLst>
+              <a:ext uri="{FF2B5EF4-FFF2-40B4-BE49-F238E27FC236}">
+                <a16:creationId xmlns:a16="http://schemas.microsoft.com/office/drawing/2014/main" id="{92DBFA76-339B-4BC7-A996-64FF23A08D34}"/>
+              </a:ext>
+            </a:extLst>
+          </p:cNvPr>
+          <p:cNvGrpSpPr/>
+          <p:nvPr/>
+        </p:nvGrpSpPr>
+        <p:grpSpPr>
+          <a:xfrm>
+            <a:off x="1441590" y="4793899"/>
+            <a:ext cx="1842481" cy="1376582"/>
+            <a:chOff x="622568" y="4797529"/>
+            <a:chExt cx="2174132" cy="1624369"/>
+          </a:xfrm>
+        </p:grpSpPr>
+        <p:sp>
+          <p:nvSpPr>
+            <p:cNvPr id="17" name="TextBox 16">
+              <a:extLst>
+                <a:ext uri="{FF2B5EF4-FFF2-40B4-BE49-F238E27FC236}">
+                  <a16:creationId xmlns:a16="http://schemas.microsoft.com/office/drawing/2014/main" id="{18863F4F-F7B3-4AA0-A3A2-69C4090AE22B}"/>
+                </a:ext>
+              </a:extLst>
+            </p:cNvPr>
+            <p:cNvSpPr txBox="1"/>
+            <p:nvPr/>
+          </p:nvSpPr>
+          <p:spPr>
+            <a:xfrm>
+              <a:off x="672901" y="4797529"/>
+              <a:ext cx="982091" cy="544765"/>
+            </a:xfrm>
+            <a:prstGeom prst="rect">
+              <a:avLst/>
+            </a:prstGeom>
+            <a:noFill/>
+            <a:scene3d>
+              <a:camera prst="orthographicFront"/>
+              <a:lightRig rig="threePt" dir="t"/>
+            </a:scene3d>
+            <a:sp3d>
+              <a:bevelT w="114300" prst="artDeco"/>
+            </a:sp3d>
+          </p:spPr>
+          <p:txBody>
+            <a:bodyPr wrap="none" rtlCol="0">
+              <a:spAutoFit/>
+            </a:bodyPr>
+            <a:lstStyle/>
+            <a:p>
+              <a:r>
+                <a:rPr lang="en-US" sz="2400" b="1" dirty="0">
+                  <a:solidFill>
+                    <a:srgbClr val="00577E"/>
+                  </a:solidFill>
+                  <a:latin typeface="Arial Narrow" panose="020B0606020202030204" pitchFamily="34" charset="0"/>
+                </a:rPr>
+                <a:t>2018:</a:t>
+              </a:r>
+            </a:p>
+          </p:txBody>
+        </p:sp>
+        <p:sp>
+          <p:nvSpPr>
+            <p:cNvPr id="18" name="Rectangle: Rounded Corners 17">
+              <a:extLst>
+                <a:ext uri="{FF2B5EF4-FFF2-40B4-BE49-F238E27FC236}">
+                  <a16:creationId xmlns:a16="http://schemas.microsoft.com/office/drawing/2014/main" id="{CA295CF7-0415-4BD2-B05F-3124A13F2AF7}"/>
+                </a:ext>
+              </a:extLst>
+            </p:cNvPr>
+            <p:cNvSpPr/>
+            <p:nvPr/>
+          </p:nvSpPr>
+          <p:spPr>
+            <a:xfrm>
+              <a:off x="622568" y="5281660"/>
+              <a:ext cx="2174132" cy="1140238"/>
+            </a:xfrm>
+            <a:prstGeom prst="roundRect">
+              <a:avLst/>
+            </a:prstGeom>
+            <a:blipFill dpi="0" rotWithShape="1">
+              <a:blip r:embed="rId14" cstate="print">
+                <a:extLst>
+                  <a:ext uri="{28A0092B-C50C-407E-A947-70E740481C1C}">
+                    <a14:useLocalDpi xmlns:a14="http://schemas.microsoft.com/office/drawing/2010/main" val="0"/>
+                  </a:ext>
+                  <a:ext uri="{837473B0-CC2E-450A-ABE3-18F120FF3D39}">
+                    <a1611:picAttrSrcUrl xmlns:a1611="http://schemas.microsoft.com/office/drawing/2016/11/main" r:id="rId15"/>
+                  </a:ext>
+                </a:extLst>
+              </a:blip>
+              <a:srcRect/>
+              <a:stretch>
+                <a:fillRect/>
+              </a:stretch>
+            </a:blipFill>
+            <a:ln>
+              <a:solidFill>
+                <a:schemeClr val="tx1"/>
+              </a:solidFill>
+            </a:ln>
+            <a:scene3d>
+              <a:camera prst="orthographicFront"/>
+              <a:lightRig rig="threePt" dir="t"/>
+            </a:scene3d>
+            <a:sp3d>
+              <a:bevelT w="114300" prst="artDeco"/>
+            </a:sp3d>
+          </p:spPr>
+          <p:style>
+            <a:lnRef idx="2">
+              <a:schemeClr val="accent1">
+                <a:shade val="50000"/>
+              </a:schemeClr>
+            </a:lnRef>
+            <a:fillRef idx="1">
+              <a:schemeClr val="accent1"/>
+            </a:fillRef>
+            <a:effectRef idx="0">
+              <a:schemeClr val="accent1"/>
+            </a:effectRef>
+            <a:fontRef idx="minor">
+              <a:schemeClr val="lt1"/>
+            </a:fontRef>
+          </p:style>
+          <p:txBody>
+            <a:bodyPr rtlCol="0" anchor="ctr"/>
+            <a:lstStyle/>
+            <a:p>
+              <a:pPr algn="ctr"/>
+              <a:endParaRPr lang="en-US" sz="2400" b="1" dirty="0">
+                <a:solidFill>
+                  <a:srgbClr val="00577E"/>
+                </a:solidFill>
+              </a:endParaRPr>
+            </a:p>
+          </p:txBody>
+        </p:sp>
+      </p:grpSp>
+      <p:grpSp>
+        <p:nvGrpSpPr>
+          <p:cNvPr id="19" name="Group 18">
+            <a:extLst>
+              <a:ext uri="{FF2B5EF4-FFF2-40B4-BE49-F238E27FC236}">
+                <a16:creationId xmlns:a16="http://schemas.microsoft.com/office/drawing/2014/main" id="{4695C998-EA22-48E6-99A8-4261DE86D1B7}"/>
+              </a:ext>
+            </a:extLst>
+          </p:cNvPr>
+          <p:cNvGrpSpPr/>
+          <p:nvPr/>
+        </p:nvGrpSpPr>
+        <p:grpSpPr>
+          <a:xfrm>
+            <a:off x="6798451" y="1573478"/>
+            <a:ext cx="3959738" cy="1685307"/>
+            <a:chOff x="5785531" y="918808"/>
+            <a:chExt cx="4624093" cy="1968064"/>
+          </a:xfrm>
+        </p:grpSpPr>
+        <p:sp>
+          <p:nvSpPr>
+            <p:cNvPr id="20" name="Rectangle: Rounded Corners 19">
+              <a:extLst>
+                <a:ext uri="{FF2B5EF4-FFF2-40B4-BE49-F238E27FC236}">
+                  <a16:creationId xmlns:a16="http://schemas.microsoft.com/office/drawing/2014/main" id="{BA8EBCCF-FA84-4EA4-B032-1EFDBA14DBA8}"/>
+                </a:ext>
+              </a:extLst>
+            </p:cNvPr>
+            <p:cNvSpPr/>
+            <p:nvPr/>
+          </p:nvSpPr>
+          <p:spPr>
+            <a:xfrm>
+              <a:off x="5785531" y="918808"/>
+              <a:ext cx="4565673" cy="1968064"/>
+            </a:xfrm>
+            <a:prstGeom prst="roundRect">
+              <a:avLst/>
+            </a:prstGeom>
+            <a:noFill/>
+            <a:ln w="38100"/>
+            <a:effectLst>
+              <a:outerShdw blurRad="50800" dist="38100" dir="8100000" algn="tr" rotWithShape="0">
+                <a:prstClr val="black">
+                  <a:alpha val="40000"/>
+                </a:prstClr>
+              </a:outerShdw>
+            </a:effectLst>
+          </p:spPr>
+          <p:style>
+            <a:lnRef idx="2">
+              <a:schemeClr val="accent1">
+                <a:shade val="50000"/>
+              </a:schemeClr>
+            </a:lnRef>
+            <a:fillRef idx="1">
+              <a:schemeClr val="accent1"/>
+            </a:fillRef>
+            <a:effectRef idx="0">
+              <a:schemeClr val="accent1"/>
+            </a:effectRef>
+            <a:fontRef idx="minor">
+              <a:schemeClr val="lt1"/>
+            </a:fontRef>
+          </p:style>
+          <p:txBody>
+            <a:bodyPr rtlCol="0" anchor="ctr"/>
+            <a:lstStyle/>
+            <a:p>
+              <a:pPr algn="ctr"/>
+              <a:endParaRPr lang="en-US" b="1" dirty="0">
+                <a:latin typeface="Arial Narrow" panose="020B0606020202030204" pitchFamily="34" charset="0"/>
+              </a:endParaRPr>
+            </a:p>
+          </p:txBody>
+        </p:sp>
+        <p:sp>
+          <p:nvSpPr>
+            <p:cNvPr id="21" name="TextBox 20">
+              <a:extLst>
+                <a:ext uri="{FF2B5EF4-FFF2-40B4-BE49-F238E27FC236}">
+                  <a16:creationId xmlns:a16="http://schemas.microsoft.com/office/drawing/2014/main" id="{9E08633C-F67F-443E-9428-E015A1F07E85}"/>
+                </a:ext>
+              </a:extLst>
+            </p:cNvPr>
+            <p:cNvSpPr txBox="1"/>
+            <p:nvPr/>
+          </p:nvSpPr>
+          <p:spPr>
+            <a:xfrm>
+              <a:off x="7013120" y="975080"/>
+              <a:ext cx="2220509" cy="539122"/>
+            </a:xfrm>
+            <a:prstGeom prst="rect">
+              <a:avLst/>
+            </a:prstGeom>
+            <a:noFill/>
+          </p:spPr>
+          <p:txBody>
+            <a:bodyPr wrap="none" rtlCol="0">
+              <a:spAutoFit/>
+            </a:bodyPr>
+            <a:lstStyle/>
+            <a:p>
+              <a:r>
+                <a:rPr lang="en-US" sz="2400" b="1" dirty="0">
+                  <a:solidFill>
+                    <a:srgbClr val="00577E"/>
+                  </a:solidFill>
+                  <a:latin typeface="Arial Narrow" panose="020B0606020202030204" pitchFamily="34" charset="0"/>
+                </a:rPr>
+                <a:t>1,974 Matches</a:t>
+              </a:r>
+            </a:p>
+          </p:txBody>
+        </p:sp>
+        <p:sp>
+          <p:nvSpPr>
+            <p:cNvPr id="22" name="Arrow: Down 21">
+              <a:extLst>
+                <a:ext uri="{FF2B5EF4-FFF2-40B4-BE49-F238E27FC236}">
+                  <a16:creationId xmlns:a16="http://schemas.microsoft.com/office/drawing/2014/main" id="{8B26D85F-9FDA-4812-B6D8-2B78D454FCAD}"/>
+                </a:ext>
+              </a:extLst>
+            </p:cNvPr>
+            <p:cNvSpPr/>
+            <p:nvPr/>
+          </p:nvSpPr>
+          <p:spPr>
+            <a:xfrm>
+              <a:off x="7864088" y="1528247"/>
+              <a:ext cx="408561" cy="730132"/>
+            </a:xfrm>
+            <a:prstGeom prst="downArrow">
+              <a:avLst/>
+            </a:prstGeom>
+            <a:solidFill>
+              <a:srgbClr val="00577E"/>
+            </a:solidFill>
+            <a:ln>
+              <a:noFill/>
+            </a:ln>
+            <a:effectLst>
+              <a:outerShdw blurRad="44450" dist="27940" dir="5400000" algn="ctr">
+                <a:srgbClr val="000000">
+                  <a:alpha val="32000"/>
+                </a:srgbClr>
+              </a:outerShdw>
+            </a:effectLst>
+            <a:scene3d>
+              <a:camera prst="orthographicFront">
+                <a:rot lat="0" lon="0" rev="0"/>
+              </a:camera>
+              <a:lightRig rig="balanced" dir="t">
+                <a:rot lat="0" lon="0" rev="8700000"/>
+              </a:lightRig>
+            </a:scene3d>
+            <a:sp3d>
+              <a:bevelT w="190500" h="38100"/>
+            </a:sp3d>
+          </p:spPr>
+          <p:style>
+            <a:lnRef idx="2">
+              <a:schemeClr val="accent1">
+                <a:shade val="50000"/>
+              </a:schemeClr>
+            </a:lnRef>
+            <a:fillRef idx="1">
+              <a:schemeClr val="accent1"/>
+            </a:fillRef>
+            <a:effectRef idx="0">
+              <a:schemeClr val="accent1"/>
+            </a:effectRef>
+            <a:fontRef idx="minor">
+              <a:schemeClr val="lt1"/>
+            </a:fontRef>
+          </p:style>
+          <p:txBody>
+            <a:bodyPr rtlCol="0" anchor="ctr"/>
+            <a:lstStyle/>
+            <a:p>
+              <a:pPr algn="ctr"/>
+              <a:endParaRPr lang="en-US" b="1">
+                <a:latin typeface="Arial Narrow" panose="020B0606020202030204" pitchFamily="34" charset="0"/>
+              </a:endParaRPr>
+            </a:p>
+          </p:txBody>
+        </p:sp>
+        <p:sp>
+          <p:nvSpPr>
+            <p:cNvPr id="23" name="TextBox 22">
+              <a:extLst>
+                <a:ext uri="{FF2B5EF4-FFF2-40B4-BE49-F238E27FC236}">
+                  <a16:creationId xmlns:a16="http://schemas.microsoft.com/office/drawing/2014/main" id="{3AF5BA8D-EFDA-495B-9355-4A1E67DF7485}"/>
+                </a:ext>
+              </a:extLst>
+            </p:cNvPr>
+            <p:cNvSpPr txBox="1"/>
+            <p:nvPr/>
+          </p:nvSpPr>
+          <p:spPr>
+            <a:xfrm>
+              <a:off x="5785531" y="2189779"/>
+              <a:ext cx="4624093" cy="539122"/>
+            </a:xfrm>
+            <a:prstGeom prst="rect">
+              <a:avLst/>
+            </a:prstGeom>
+            <a:noFill/>
+          </p:spPr>
+          <p:txBody>
+            <a:bodyPr wrap="none" rtlCol="0">
+              <a:spAutoFit/>
+            </a:bodyPr>
+            <a:lstStyle/>
+            <a:p>
+              <a:r>
+                <a:rPr lang="en-US" sz="2400" b="1" dirty="0">
+                  <a:solidFill>
+                    <a:srgbClr val="00577E"/>
+                  </a:solidFill>
+                  <a:latin typeface="Arial Narrow" panose="020B0606020202030204" pitchFamily="34" charset="0"/>
+                </a:rPr>
+                <a:t>3,251,294 events &amp; 18 variables</a:t>
+              </a:r>
+            </a:p>
+          </p:txBody>
+        </p:sp>
+      </p:grpSp>
+    </p:spTree>
+    <p:extLst>
+      <p:ext uri="{BB962C8B-B14F-4D97-AF65-F5344CB8AC3E}">
+        <p14:creationId xmlns:p14="http://schemas.microsoft.com/office/powerpoint/2010/main" val="3983215714"/>
+      </p:ext>
+    </p:extLst>
+  </p:cSld>
+  <p:clrMapOvr>
+    <a:masterClrMapping/>
+  </p:clrMapOvr>
+  <p:timing>
+    <p:tnLst>
+      <p:par>
+        <p:cTn id="1" dur="indefinite" restart="never" nodeType="tmRoot">
+          <p:childTnLst>
+            <p:seq concurrent="1" nextAc="seek">
+              <p:cTn id="2" dur="indefinite" nodeType="mainSeq">
+                <p:childTnLst>
+                  <p:par>
+                    <p:cTn id="3" fill="hold">
+                      <p:stCondLst>
+                        <p:cond delay="indefinite"/>
+                      </p:stCondLst>
+                      <p:childTnLst>
+                        <p:par>
+                          <p:cTn id="4" fill="hold">
+                            <p:stCondLst>
+                              <p:cond delay="0"/>
+                            </p:stCondLst>
+                            <p:childTnLst>
+                              <p:par>
+                                <p:cTn id="5" presetID="53" presetClass="entr" presetSubtype="16" fill="hold" nodeType="clickEffect">
+                                  <p:stCondLst>
+                                    <p:cond delay="0"/>
+                                  </p:stCondLst>
+                                  <p:childTnLst>
+                                    <p:set>
+                                      <p:cBhvr>
+                                        <p:cTn id="6" dur="1" fill="hold">
+                                          <p:stCondLst>
+                                            <p:cond delay="0"/>
+                                          </p:stCondLst>
+                                        </p:cTn>
+                                        <p:tgtEl>
+                                          <p:spTgt spid="19"/>
+                                        </p:tgtEl>
+                                        <p:attrNameLst>
+                                          <p:attrName>style.visibility</p:attrName>
+                                        </p:attrNameLst>
+                                      </p:cBhvr>
+                                      <p:to>
+                                        <p:strVal val="visible"/>
+                                      </p:to>
+                                    </p:set>
+                                    <p:anim calcmode="lin" valueType="num">
+                                      <p:cBhvr>
+                                        <p:cTn id="7" dur="500" fill="hold"/>
+                                        <p:tgtEl>
+                                          <p:spTgt spid="19"/>
+                                        </p:tgtEl>
+                                        <p:attrNameLst>
+                                          <p:attrName>ppt_w</p:attrName>
+                                        </p:attrNameLst>
+                                      </p:cBhvr>
+                                      <p:tavLst>
+                                        <p:tav tm="0">
+                                          <p:val>
+                                            <p:fltVal val="0"/>
+                                          </p:val>
+                                        </p:tav>
+                                        <p:tav tm="100000">
+                                          <p:val>
+                                            <p:strVal val="#ppt_w"/>
+                                          </p:val>
+                                        </p:tav>
+                                      </p:tavLst>
+                                    </p:anim>
+                                    <p:anim calcmode="lin" valueType="num">
+                                      <p:cBhvr>
+                                        <p:cTn id="8" dur="500" fill="hold"/>
+                                        <p:tgtEl>
+                                          <p:spTgt spid="19"/>
+                                        </p:tgtEl>
+                                        <p:attrNameLst>
+                                          <p:attrName>ppt_h</p:attrName>
+                                        </p:attrNameLst>
+                                      </p:cBhvr>
+                                      <p:tavLst>
+                                        <p:tav tm="0">
+                                          <p:val>
+                                            <p:fltVal val="0"/>
+                                          </p:val>
+                                        </p:tav>
+                                        <p:tav tm="100000">
+                                          <p:val>
+                                            <p:strVal val="#ppt_h"/>
+                                          </p:val>
+                                        </p:tav>
+                                      </p:tavLst>
+                                    </p:anim>
+                                    <p:animEffect transition="in" filter="fade">
+                                      <p:cBhvr>
+                                        <p:cTn id="9" dur="500"/>
+                                        <p:tgtEl>
+                                          <p:spTgt spid="19"/>
+                                        </p:tgtEl>
+                                      </p:cBhvr>
+                                    </p:animEffect>
+                                  </p:childTnLst>
+                                </p:cTn>
+                              </p:par>
+                            </p:childTnLst>
+                          </p:cTn>
+                        </p:par>
+                      </p:childTnLst>
+                    </p:cTn>
+                  </p:par>
+                  <p:par>
+                    <p:cTn id="10" fill="hold">
+                      <p:stCondLst>
+                        <p:cond delay="indefinite"/>
+                      </p:stCondLst>
+                      <p:childTnLst>
+                        <p:par>
+                          <p:cTn id="11" fill="hold">
+                            <p:stCondLst>
+                              <p:cond delay="0"/>
+                            </p:stCondLst>
+                            <p:childTnLst>
+                              <p:par>
+                                <p:cTn id="12" presetID="42" presetClass="entr" presetSubtype="0" fill="hold" nodeType="clickEffect">
+                                  <p:stCondLst>
+                                    <p:cond delay="0"/>
+                                  </p:stCondLst>
+                                  <p:childTnLst>
+                                    <p:set>
+                                      <p:cBhvr>
+                                        <p:cTn id="13" dur="1" fill="hold">
+                                          <p:stCondLst>
+                                            <p:cond delay="0"/>
+                                          </p:stCondLst>
+                                        </p:cTn>
+                                        <p:tgtEl>
+                                          <p:spTgt spid="13"/>
+                                        </p:tgtEl>
+                                        <p:attrNameLst>
+                                          <p:attrName>style.visibility</p:attrName>
+                                        </p:attrNameLst>
+                                      </p:cBhvr>
+                                      <p:to>
+                                        <p:strVal val="visible"/>
+                                      </p:to>
+                                    </p:set>
+                                    <p:animEffect transition="in" filter="fade">
+                                      <p:cBhvr>
+                                        <p:cTn id="14" dur="1000"/>
+                                        <p:tgtEl>
+                                          <p:spTgt spid="13"/>
+                                        </p:tgtEl>
+                                      </p:cBhvr>
+                                    </p:animEffect>
+                                    <p:anim calcmode="lin" valueType="num">
+                                      <p:cBhvr>
+                                        <p:cTn id="15" dur="1000" fill="hold"/>
+                                        <p:tgtEl>
+                                          <p:spTgt spid="13"/>
+                                        </p:tgtEl>
+                                        <p:attrNameLst>
+                                          <p:attrName>ppt_x</p:attrName>
+                                        </p:attrNameLst>
+                                      </p:cBhvr>
+                                      <p:tavLst>
+                                        <p:tav tm="0">
+                                          <p:val>
+                                            <p:strVal val="#ppt_x"/>
+                                          </p:val>
+                                        </p:tav>
+                                        <p:tav tm="100000">
+                                          <p:val>
+                                            <p:strVal val="#ppt_x"/>
+                                          </p:val>
+                                        </p:tav>
+                                      </p:tavLst>
+                                    </p:anim>
+                                    <p:anim calcmode="lin" valueType="num">
+                                      <p:cBhvr>
+                                        <p:cTn id="16" dur="1000" fill="hold"/>
+                                        <p:tgtEl>
+                                          <p:spTgt spid="13"/>
+                                        </p:tgtEl>
+                                        <p:attrNameLst>
+                                          <p:attrName>ppt_y</p:attrName>
+                                        </p:attrNameLst>
+                                      </p:cBhvr>
+                                      <p:tavLst>
+                                        <p:tav tm="0">
+                                          <p:val>
+                                            <p:strVal val="#ppt_y+.1"/>
+                                          </p:val>
+                                        </p:tav>
+                                        <p:tav tm="100000">
+                                          <p:val>
+                                            <p:strVal val="#ppt_y"/>
+                                          </p:val>
+                                        </p:tav>
+                                      </p:tavLst>
+                                    </p:anim>
+                                  </p:childTnLst>
+                                </p:cTn>
+                              </p:par>
+                            </p:childTnLst>
+                          </p:cTn>
+                        </p:par>
+                      </p:childTnLst>
+                    </p:cTn>
+                  </p:par>
+                  <p:par>
+                    <p:cTn id="17" fill="hold">
+                      <p:stCondLst>
+                        <p:cond delay="indefinite"/>
+                      </p:stCondLst>
+                      <p:childTnLst>
+                        <p:par>
+                          <p:cTn id="18" fill="hold">
+                            <p:stCondLst>
+                              <p:cond delay="0"/>
+                            </p:stCondLst>
+                            <p:childTnLst>
+                              <p:par>
+                                <p:cTn id="19" presetID="42" presetClass="entr" presetSubtype="0" fill="hold" nodeType="clickEffect">
+                                  <p:stCondLst>
+                                    <p:cond delay="0"/>
+                                  </p:stCondLst>
+                                  <p:childTnLst>
+                                    <p:set>
+                                      <p:cBhvr>
+                                        <p:cTn id="20" dur="1" fill="hold">
+                                          <p:stCondLst>
+                                            <p:cond delay="0"/>
+                                          </p:stCondLst>
+                                        </p:cTn>
+                                        <p:tgtEl>
+                                          <p:spTgt spid="6"/>
+                                        </p:tgtEl>
+                                        <p:attrNameLst>
+                                          <p:attrName>style.visibility</p:attrName>
+                                        </p:attrNameLst>
+                                      </p:cBhvr>
+                                      <p:to>
+                                        <p:strVal val="visible"/>
+                                      </p:to>
+                                    </p:set>
+                                    <p:animEffect transition="in" filter="fade">
+                                      <p:cBhvr>
+                                        <p:cTn id="21" dur="1000"/>
+                                        <p:tgtEl>
+                                          <p:spTgt spid="6"/>
+                                        </p:tgtEl>
+                                      </p:cBhvr>
+                                    </p:animEffect>
+                                    <p:anim calcmode="lin" valueType="num">
+                                      <p:cBhvr>
+                                        <p:cTn id="22" dur="1000" fill="hold"/>
+                                        <p:tgtEl>
+                                          <p:spTgt spid="6"/>
+                                        </p:tgtEl>
+                                        <p:attrNameLst>
+                                          <p:attrName>ppt_x</p:attrName>
+                                        </p:attrNameLst>
+                                      </p:cBhvr>
+                                      <p:tavLst>
+                                        <p:tav tm="0">
+                                          <p:val>
+                                            <p:strVal val="#ppt_x"/>
+                                          </p:val>
+                                        </p:tav>
+                                        <p:tav tm="100000">
+                                          <p:val>
+                                            <p:strVal val="#ppt_x"/>
+                                          </p:val>
+                                        </p:tav>
+                                      </p:tavLst>
+                                    </p:anim>
+                                    <p:anim calcmode="lin" valueType="num">
+                                      <p:cBhvr>
+                                        <p:cTn id="23" dur="1000" fill="hold"/>
+                                        <p:tgtEl>
+                                          <p:spTgt spid="6"/>
+                                        </p:tgtEl>
+                                        <p:attrNameLst>
+                                          <p:attrName>ppt_y</p:attrName>
+                                        </p:attrNameLst>
+                                      </p:cBhvr>
+                                      <p:tavLst>
+                                        <p:tav tm="0">
+                                          <p:val>
+                                            <p:strVal val="#ppt_y+.1"/>
+                                          </p:val>
+                                        </p:tav>
+                                        <p:tav tm="100000">
+                                          <p:val>
+                                            <p:strVal val="#ppt_y"/>
+                                          </p:val>
+                                        </p:tav>
+                                      </p:tavLst>
+                                    </p:anim>
+                                  </p:childTnLst>
+                                </p:cTn>
+                              </p:par>
+                            </p:childTnLst>
+                          </p:cTn>
+                        </p:par>
+                      </p:childTnLst>
+                    </p:cTn>
+                  </p:par>
+                  <p:par>
+                    <p:cTn id="24" fill="hold">
+                      <p:stCondLst>
+                        <p:cond delay="indefinite"/>
+                      </p:stCondLst>
+                      <p:childTnLst>
+                        <p:par>
+                          <p:cTn id="25" fill="hold">
+                            <p:stCondLst>
+                              <p:cond delay="0"/>
+                            </p:stCondLst>
+                            <p:childTnLst>
+                              <p:par>
+                                <p:cTn id="26" presetID="42" presetClass="entr" presetSubtype="0" fill="hold" nodeType="clickEffect">
+                                  <p:stCondLst>
+                                    <p:cond delay="0"/>
+                                  </p:stCondLst>
+                                  <p:childTnLst>
+                                    <p:set>
+                                      <p:cBhvr>
+                                        <p:cTn id="27" dur="1" fill="hold">
+                                          <p:stCondLst>
+                                            <p:cond delay="0"/>
+                                          </p:stCondLst>
+                                        </p:cTn>
+                                        <p:tgtEl>
+                                          <p:spTgt spid="16"/>
+                                        </p:tgtEl>
+                                        <p:attrNameLst>
+                                          <p:attrName>style.visibility</p:attrName>
+                                        </p:attrNameLst>
+                                      </p:cBhvr>
+                                      <p:to>
+                                        <p:strVal val="visible"/>
+                                      </p:to>
+                                    </p:set>
+                                    <p:animEffect transition="in" filter="fade">
+                                      <p:cBhvr>
+                                        <p:cTn id="28" dur="1000"/>
+                                        <p:tgtEl>
+                                          <p:spTgt spid="16"/>
+                                        </p:tgtEl>
+                                      </p:cBhvr>
+                                    </p:animEffect>
+                                    <p:anim calcmode="lin" valueType="num">
+                                      <p:cBhvr>
+                                        <p:cTn id="29" dur="1000" fill="hold"/>
+                                        <p:tgtEl>
+                                          <p:spTgt spid="16"/>
+                                        </p:tgtEl>
+                                        <p:attrNameLst>
+                                          <p:attrName>ppt_x</p:attrName>
+                                        </p:attrNameLst>
+                                      </p:cBhvr>
+                                      <p:tavLst>
+                                        <p:tav tm="0">
+                                          <p:val>
+                                            <p:strVal val="#ppt_x"/>
+                                          </p:val>
+                                        </p:tav>
+                                        <p:tav tm="100000">
+                                          <p:val>
+                                            <p:strVal val="#ppt_x"/>
+                                          </p:val>
+                                        </p:tav>
+                                      </p:tavLst>
+                                    </p:anim>
+                                    <p:anim calcmode="lin" valueType="num">
+                                      <p:cBhvr>
+                                        <p:cTn id="30" dur="1000" fill="hold"/>
+                                        <p:tgtEl>
+                                          <p:spTgt spid="16"/>
+                                        </p:tgtEl>
+                                        <p:attrNameLst>
+                                          <p:attrName>ppt_y</p:attrName>
+                                        </p:attrNameLst>
+                                      </p:cBhvr>
+                                      <p:tavLst>
+                                        <p:tav tm="0">
+                                          <p:val>
+                                            <p:strVal val="#ppt_y+.1"/>
+                                          </p:val>
+                                        </p:tav>
+                                        <p:tav tm="100000">
+                                          <p:val>
+                                            <p:strVal val="#ppt_y"/>
+                                          </p:val>
+                                        </p:tav>
+                                      </p:tavLst>
+                                    </p:anim>
+                                  </p:childTnLst>
+                                </p:cTn>
+                              </p:par>
+                            </p:childTnLst>
+                          </p:cTn>
+                        </p:par>
+                      </p:childTnLst>
+                    </p:cTn>
+                  </p:par>
+                </p:childTnLst>
+              </p:cTn>
+              <p:prevCondLst>
+                <p:cond evt="onPrev" delay="0">
+                  <p:tgtEl>
+                    <p:sldTgt/>
+                  </p:tgtEl>
+                </p:cond>
+              </p:prevCondLst>
+              <p:nextCondLst>
+                <p:cond evt="onNext" delay="0">
+                  <p:tgtEl>
+                    <p:sldTgt/>
+                  </p:tgtEl>
+                </p:cond>
+              </p:nextCondLst>
+            </p:seq>
+          </p:childTnLst>
+        </p:cTn>
+      </p:par>
+    </p:tnLst>
+  </p:timing>
+</p:sld>
+</file>
+
+<file path=ppt/slides/slide20.xml><?xml version="1.0" encoding="utf-8"?>
+<p:sld xmlns:a="http://schemas.openxmlformats.org/drawingml/2006/main" xmlns:r="http://schemas.openxmlformats.org/officeDocument/2006/relationships" xmlns:p="http://schemas.openxmlformats.org/presentationml/2006/main">
+  <p:cSld>
+    <p:spTree>
+      <p:nvGrpSpPr>
+        <p:cNvPr id="1" name=""/>
+        <p:cNvGrpSpPr/>
+        <p:nvPr/>
+      </p:nvGrpSpPr>
+      <p:grpSpPr>
+        <a:xfrm>
+          <a:off x="0" y="0"/>
+          <a:ext cx="0" cy="0"/>
+          <a:chOff x="0" y="0"/>
+          <a:chExt cx="0" cy="0"/>
+        </a:xfrm>
+      </p:grpSpPr>
+      <p:cxnSp>
+        <p:nvCxnSpPr>
+          <p:cNvPr id="2" name="Straight Connector 1">
+            <a:extLst>
+              <a:ext uri="{FF2B5EF4-FFF2-40B4-BE49-F238E27FC236}">
+                <a16:creationId xmlns:a16="http://schemas.microsoft.com/office/drawing/2014/main" id="{BC4339F9-A066-45CD-91C6-61FED21D3027}"/>
+              </a:ext>
+            </a:extLst>
+          </p:cNvPr>
+          <p:cNvCxnSpPr/>
+          <p:nvPr/>
+        </p:nvCxnSpPr>
+        <p:spPr>
+          <a:xfrm>
+            <a:off x="0" y="1047750"/>
+            <a:ext cx="12192000" cy="0"/>
+          </a:xfrm>
+          <a:prstGeom prst="line">
+            <a:avLst/>
+          </a:prstGeom>
+          <a:ln w="76200">
+            <a:solidFill>
+              <a:srgbClr val="D2C264"/>
+            </a:solidFill>
+          </a:ln>
+        </p:spPr>
+        <p:style>
+          <a:lnRef idx="1">
+            <a:schemeClr val="accent1"/>
+          </a:lnRef>
+          <a:fillRef idx="0">
+            <a:schemeClr val="accent1"/>
+          </a:fillRef>
+          <a:effectRef idx="0">
+            <a:schemeClr val="accent1"/>
+          </a:effectRef>
+          <a:fontRef idx="minor">
+            <a:schemeClr val="tx1"/>
+          </a:fontRef>
+        </p:style>
+      </p:cxnSp>
+      <p:sp>
+        <p:nvSpPr>
+          <p:cNvPr id="3" name="TextBox 2">
+            <a:extLst>
+              <a:ext uri="{FF2B5EF4-FFF2-40B4-BE49-F238E27FC236}">
+                <a16:creationId xmlns:a16="http://schemas.microsoft.com/office/drawing/2014/main" id="{4F839CDC-E463-4502-8748-827AE781F905}"/>
+              </a:ext>
+            </a:extLst>
+          </p:cNvPr>
+          <p:cNvSpPr txBox="1"/>
+          <p:nvPr/>
+        </p:nvSpPr>
+        <p:spPr>
+          <a:xfrm>
+            <a:off x="439692" y="229258"/>
+            <a:ext cx="5010026" cy="584775"/>
+          </a:xfrm>
+          <a:prstGeom prst="rect">
+            <a:avLst/>
+          </a:prstGeom>
+          <a:noFill/>
+        </p:spPr>
+        <p:txBody>
+          <a:bodyPr wrap="none" rtlCol="0">
+            <a:spAutoFit/>
+          </a:bodyPr>
+          <a:lstStyle/>
+          <a:p>
+            <a:r>
+              <a:rPr lang="en-US" sz="3200" b="1" dirty="0">
+                <a:latin typeface="Times New Roman" panose="02020603050405020304" pitchFamily="18" charset="0"/>
+                <a:cs typeface="Times New Roman" panose="02020603050405020304" pitchFamily="18" charset="0"/>
+              </a:rPr>
+              <a:t>Other Variables in the Data</a:t>
+            </a:r>
+          </a:p>
+        </p:txBody>
+      </p:sp>
+      <p:grpSp>
+        <p:nvGrpSpPr>
+          <p:cNvPr id="16" name="Group 15"/>
+          <p:cNvGrpSpPr/>
+          <p:nvPr/>
+        </p:nvGrpSpPr>
+        <p:grpSpPr>
+          <a:xfrm>
+            <a:off x="2690159" y="1257901"/>
+            <a:ext cx="5519117" cy="5600099"/>
+            <a:chOff x="2690159" y="1257901"/>
+            <a:chExt cx="5519117" cy="5600099"/>
+          </a:xfrm>
+        </p:grpSpPr>
+        <p:pic>
+          <p:nvPicPr>
+            <p:cNvPr id="10" name="Picture 9"/>
+            <p:cNvPicPr>
+              <a:picLocks noChangeAspect="1"/>
+            </p:cNvPicPr>
+            <p:nvPr/>
+          </p:nvPicPr>
+          <p:blipFill rotWithShape="1">
+            <a:blip r:embed="rId2"/>
+            <a:srcRect l="38453" t="8866" r="16343" b="9592"/>
+            <a:stretch/>
+          </p:blipFill>
+          <p:spPr>
+            <a:xfrm>
+              <a:off x="2690159" y="1257901"/>
+              <a:ext cx="5519117" cy="5600099"/>
+            </a:xfrm>
+            <a:prstGeom prst="rect">
+              <a:avLst/>
+            </a:prstGeom>
+          </p:spPr>
+        </p:pic>
+        <p:sp>
+          <p:nvSpPr>
+            <p:cNvPr id="12" name="Rectangle 11"/>
+            <p:cNvSpPr/>
+            <p:nvPr/>
+          </p:nvSpPr>
+          <p:spPr>
+            <a:xfrm>
+              <a:off x="3657600" y="3619099"/>
+              <a:ext cx="712269" cy="240632"/>
+            </a:xfrm>
+            <a:prstGeom prst="rect">
+              <a:avLst/>
+            </a:prstGeom>
+            <a:noFill/>
+            <a:ln>
+              <a:solidFill>
+                <a:srgbClr val="FF0000"/>
+              </a:solidFill>
+            </a:ln>
+          </p:spPr>
+          <p:style>
+            <a:lnRef idx="2">
+              <a:schemeClr val="accent1">
+                <a:shade val="50000"/>
+              </a:schemeClr>
+            </a:lnRef>
+            <a:fillRef idx="1">
+              <a:schemeClr val="accent1"/>
+            </a:fillRef>
+            <a:effectRef idx="0">
+              <a:schemeClr val="accent1"/>
+            </a:effectRef>
+            <a:fontRef idx="minor">
+              <a:schemeClr val="lt1"/>
+            </a:fontRef>
+          </p:style>
+          <p:txBody>
+            <a:bodyPr rtlCol="0" anchor="ctr"/>
+            <a:lstStyle/>
+            <a:p>
+              <a:pPr algn="ctr"/>
+              <a:endParaRPr lang="en-US"/>
+            </a:p>
+          </p:txBody>
+        </p:sp>
+        <p:sp>
+          <p:nvSpPr>
+            <p:cNvPr id="13" name="Rectangle 12"/>
+            <p:cNvSpPr/>
+            <p:nvPr/>
+          </p:nvSpPr>
+          <p:spPr>
+            <a:xfrm>
+              <a:off x="5205663" y="5176788"/>
+              <a:ext cx="712269" cy="240632"/>
+            </a:xfrm>
+            <a:prstGeom prst="rect">
+              <a:avLst/>
+            </a:prstGeom>
+            <a:noFill/>
+            <a:ln>
+              <a:solidFill>
+                <a:srgbClr val="FF0000"/>
+              </a:solidFill>
+            </a:ln>
+          </p:spPr>
+          <p:style>
+            <a:lnRef idx="2">
+              <a:schemeClr val="accent1">
+                <a:shade val="50000"/>
+              </a:schemeClr>
+            </a:lnRef>
+            <a:fillRef idx="1">
+              <a:schemeClr val="accent1"/>
+            </a:fillRef>
+            <a:effectRef idx="0">
+              <a:schemeClr val="accent1"/>
+            </a:effectRef>
+            <a:fontRef idx="minor">
+              <a:schemeClr val="lt1"/>
+            </a:fontRef>
+          </p:style>
+          <p:txBody>
+            <a:bodyPr rtlCol="0" anchor="ctr"/>
+            <a:lstStyle/>
+            <a:p>
+              <a:pPr algn="ctr"/>
+              <a:endParaRPr lang="en-US"/>
+            </a:p>
+          </p:txBody>
+        </p:sp>
+        <p:sp>
+          <p:nvSpPr>
+            <p:cNvPr id="14" name="Rectangle 13"/>
+            <p:cNvSpPr/>
+            <p:nvPr/>
+          </p:nvSpPr>
+          <p:spPr>
+            <a:xfrm>
+              <a:off x="6012581" y="5954830"/>
+              <a:ext cx="712269" cy="240632"/>
+            </a:xfrm>
+            <a:prstGeom prst="rect">
+              <a:avLst/>
+            </a:prstGeom>
+            <a:noFill/>
+            <a:ln>
+              <a:solidFill>
+                <a:srgbClr val="FF0000"/>
+              </a:solidFill>
+            </a:ln>
+          </p:spPr>
+          <p:style>
+            <a:lnRef idx="2">
+              <a:schemeClr val="accent1">
+                <a:shade val="50000"/>
+              </a:schemeClr>
+            </a:lnRef>
+            <a:fillRef idx="1">
+              <a:schemeClr val="accent1"/>
+            </a:fillRef>
+            <a:effectRef idx="0">
+              <a:schemeClr val="accent1"/>
+            </a:effectRef>
+            <a:fontRef idx="minor">
+              <a:schemeClr val="lt1"/>
+            </a:fontRef>
+          </p:style>
+          <p:txBody>
+            <a:bodyPr rtlCol="0" anchor="ctr"/>
+            <a:lstStyle/>
+            <a:p>
+              <a:pPr algn="ctr"/>
+              <a:endParaRPr lang="en-US"/>
+            </a:p>
+          </p:txBody>
+        </p:sp>
+        <p:sp>
+          <p:nvSpPr>
+            <p:cNvPr id="15" name="Rectangle 14"/>
+            <p:cNvSpPr/>
+            <p:nvPr/>
+          </p:nvSpPr>
+          <p:spPr>
+            <a:xfrm>
+              <a:off x="6394381" y="6352671"/>
+              <a:ext cx="712269" cy="240632"/>
+            </a:xfrm>
+            <a:prstGeom prst="rect">
+              <a:avLst/>
+            </a:prstGeom>
+            <a:noFill/>
+            <a:ln>
+              <a:solidFill>
+                <a:srgbClr val="FF0000"/>
+              </a:solidFill>
+            </a:ln>
+          </p:spPr>
+          <p:style>
+            <a:lnRef idx="2">
+              <a:schemeClr val="accent1">
+                <a:shade val="50000"/>
+              </a:schemeClr>
+            </a:lnRef>
+            <a:fillRef idx="1">
+              <a:schemeClr val="accent1"/>
+            </a:fillRef>
+            <a:effectRef idx="0">
+              <a:schemeClr val="accent1"/>
+            </a:effectRef>
+            <a:fontRef idx="minor">
+              <a:schemeClr val="lt1"/>
+            </a:fontRef>
+          </p:style>
+          <p:txBody>
+            <a:bodyPr rtlCol="0" anchor="ctr"/>
+            <a:lstStyle/>
+            <a:p>
+              <a:pPr algn="ctr"/>
+              <a:endParaRPr lang="en-US"/>
+            </a:p>
+          </p:txBody>
+        </p:sp>
+      </p:grpSp>
+    </p:spTree>
+    <p:extLst>
+      <p:ext uri="{BB962C8B-B14F-4D97-AF65-F5344CB8AC3E}">
+        <p14:creationId xmlns:p14="http://schemas.microsoft.com/office/powerpoint/2010/main" val="2077624635"/>
+      </p:ext>
+    </p:extLst>
+  </p:cSld>
+  <p:clrMapOvr>
+    <a:masterClrMapping/>
+  </p:clrMapOvr>
+</p:sld>
+</file>
+
+<file path=ppt/slides/slide21.xml><?xml version="1.0" encoding="utf-8"?>
+<p:sld xmlns:a="http://schemas.openxmlformats.org/drawingml/2006/main" xmlns:r="http://schemas.openxmlformats.org/officeDocument/2006/relationships" xmlns:p="http://schemas.openxmlformats.org/presentationml/2006/main">
+  <p:cSld>
+    <p:spTree>
+      <p:nvGrpSpPr>
+        <p:cNvPr id="1" name=""/>
+        <p:cNvGrpSpPr/>
+        <p:nvPr/>
+      </p:nvGrpSpPr>
+      <p:grpSpPr>
+        <a:xfrm>
+          <a:off x="0" y="0"/>
+          <a:ext cx="0" cy="0"/>
+          <a:chOff x="0" y="0"/>
+          <a:chExt cx="0" cy="0"/>
+        </a:xfrm>
+      </p:grpSpPr>
+      <p:cxnSp>
+        <p:nvCxnSpPr>
+          <p:cNvPr id="2" name="Straight Connector 1">
+            <a:extLst>
+              <a:ext uri="{FF2B5EF4-FFF2-40B4-BE49-F238E27FC236}">
+                <a16:creationId xmlns:a16="http://schemas.microsoft.com/office/drawing/2014/main" id="{BC4339F9-A066-45CD-91C6-61FED21D3027}"/>
+              </a:ext>
+            </a:extLst>
+          </p:cNvPr>
+          <p:cNvCxnSpPr/>
+          <p:nvPr/>
+        </p:nvCxnSpPr>
+        <p:spPr>
+          <a:xfrm>
+            <a:off x="0" y="1047750"/>
+            <a:ext cx="12192000" cy="0"/>
+          </a:xfrm>
+          <a:prstGeom prst="line">
+            <a:avLst/>
+          </a:prstGeom>
+          <a:ln w="76200">
+            <a:solidFill>
+              <a:srgbClr val="D2C264"/>
+            </a:solidFill>
+          </a:ln>
+        </p:spPr>
+        <p:style>
+          <a:lnRef idx="1">
+            <a:schemeClr val="accent1"/>
+          </a:lnRef>
+          <a:fillRef idx="0">
+            <a:schemeClr val="accent1"/>
+          </a:fillRef>
+          <a:effectRef idx="0">
+            <a:schemeClr val="accent1"/>
+          </a:effectRef>
+          <a:fontRef idx="minor">
+            <a:schemeClr val="tx1"/>
+          </a:fontRef>
+        </p:style>
+      </p:cxnSp>
+      <p:sp>
+        <p:nvSpPr>
+          <p:cNvPr id="3" name="TextBox 2">
+            <a:extLst>
+              <a:ext uri="{FF2B5EF4-FFF2-40B4-BE49-F238E27FC236}">
+                <a16:creationId xmlns:a16="http://schemas.microsoft.com/office/drawing/2014/main" id="{4F839CDC-E463-4502-8748-827AE781F905}"/>
+              </a:ext>
+            </a:extLst>
+          </p:cNvPr>
+          <p:cNvSpPr txBox="1"/>
+          <p:nvPr/>
+        </p:nvSpPr>
+        <p:spPr>
+          <a:xfrm>
+            <a:off x="439692" y="229258"/>
+            <a:ext cx="1027845" cy="584775"/>
+          </a:xfrm>
+          <a:prstGeom prst="rect">
+            <a:avLst/>
+          </a:prstGeom>
+          <a:noFill/>
+        </p:spPr>
+        <p:txBody>
+          <a:bodyPr wrap="none" rtlCol="0">
+            <a:spAutoFit/>
+          </a:bodyPr>
+          <a:lstStyle/>
+          <a:p>
+            <a:r>
+              <a:rPr lang="en-US" sz="3200" b="1" dirty="0">
+                <a:latin typeface="Times New Roman" panose="02020603050405020304" pitchFamily="18" charset="0"/>
+                <a:cs typeface="Times New Roman" panose="02020603050405020304" pitchFamily="18" charset="0"/>
+              </a:rPr>
+              <a:t>PCA</a:t>
+            </a:r>
+          </a:p>
+        </p:txBody>
+      </p:sp>
+      <p:sp>
+        <p:nvSpPr>
+          <p:cNvPr id="25" name="Rectangle 24"/>
+          <p:cNvSpPr/>
+          <p:nvPr/>
+        </p:nvSpPr>
+        <p:spPr>
+          <a:xfrm>
+            <a:off x="1934678" y="1218700"/>
+            <a:ext cx="1761423" cy="5639300"/>
+          </a:xfrm>
+          <a:prstGeom prst="rect">
+            <a:avLst/>
+          </a:prstGeom>
+          <a:noFill/>
+          <a:ln w="19050">
+            <a:solidFill>
+              <a:schemeClr val="accent4">
+                <a:lumMod val="60000"/>
+                <a:lumOff val="40000"/>
+              </a:schemeClr>
+            </a:solidFill>
+          </a:ln>
+        </p:spPr>
+        <p:style>
+          <a:lnRef idx="2">
+            <a:schemeClr val="accent1">
+              <a:shade val="50000"/>
+            </a:schemeClr>
+          </a:lnRef>
+          <a:fillRef idx="1">
+            <a:schemeClr val="accent1"/>
+          </a:fillRef>
+          <a:effectRef idx="0">
+            <a:schemeClr val="accent1"/>
+          </a:effectRef>
+          <a:fontRef idx="minor">
+            <a:schemeClr val="lt1"/>
+          </a:fontRef>
+        </p:style>
+        <p:txBody>
+          <a:bodyPr rtlCol="0" anchor="ctr"/>
+          <a:lstStyle/>
+          <a:p>
+            <a:pPr algn="ctr"/>
+            <a:endParaRPr lang="en-US"/>
+          </a:p>
+        </p:txBody>
+      </p:sp>
+      <p:grpSp>
+        <p:nvGrpSpPr>
+          <p:cNvPr id="11" name="Group 10"/>
+          <p:cNvGrpSpPr/>
+          <p:nvPr/>
+        </p:nvGrpSpPr>
+        <p:grpSpPr>
+          <a:xfrm>
+            <a:off x="766882" y="1213617"/>
+            <a:ext cx="10658236" cy="5644383"/>
+            <a:chOff x="766882" y="1213617"/>
+            <a:chExt cx="10658236" cy="5644383"/>
+          </a:xfrm>
+        </p:grpSpPr>
+        <p:pic>
+          <p:nvPicPr>
+            <p:cNvPr id="8" name="Picture 7"/>
+            <p:cNvPicPr>
+              <a:picLocks noChangeAspect="1"/>
+            </p:cNvPicPr>
+            <p:nvPr/>
+          </p:nvPicPr>
+          <p:blipFill rotWithShape="1">
+            <a:blip r:embed="rId2"/>
+            <a:srcRect l="24140" t="17135" r="2018" b="13345"/>
+            <a:stretch/>
+          </p:blipFill>
+          <p:spPr>
+            <a:xfrm>
+              <a:off x="766882" y="1213617"/>
+              <a:ext cx="10658236" cy="5644383"/>
+            </a:xfrm>
+            <a:prstGeom prst="rect">
+              <a:avLst/>
+            </a:prstGeom>
+          </p:spPr>
+        </p:pic>
+        <p:sp>
+          <p:nvSpPr>
+            <p:cNvPr id="9" name="Rectangle 8"/>
+            <p:cNvSpPr/>
+            <p:nvPr/>
+          </p:nvSpPr>
+          <p:spPr>
+            <a:xfrm>
+              <a:off x="1934678" y="1761422"/>
+              <a:ext cx="9490440" cy="288758"/>
+            </a:xfrm>
+            <a:prstGeom prst="rect">
+              <a:avLst/>
+            </a:prstGeom>
+            <a:noFill/>
+            <a:ln w="19050">
+              <a:solidFill>
+                <a:schemeClr val="accent6"/>
+              </a:solidFill>
+            </a:ln>
+          </p:spPr>
+          <p:style>
+            <a:lnRef idx="2">
+              <a:schemeClr val="accent1">
+                <a:shade val="50000"/>
+              </a:schemeClr>
+            </a:lnRef>
+            <a:fillRef idx="1">
+              <a:schemeClr val="accent1"/>
+            </a:fillRef>
+            <a:effectRef idx="0">
+              <a:schemeClr val="accent1"/>
+            </a:effectRef>
+            <a:fontRef idx="minor">
+              <a:schemeClr val="lt1"/>
+            </a:fontRef>
+          </p:style>
+          <p:txBody>
+            <a:bodyPr rtlCol="0" anchor="ctr"/>
+            <a:lstStyle/>
+            <a:p>
+              <a:pPr algn="ctr"/>
+              <a:endParaRPr lang="en-US"/>
+            </a:p>
+          </p:txBody>
+        </p:sp>
+        <p:sp>
+          <p:nvSpPr>
+            <p:cNvPr id="20" name="Rectangle 19"/>
+            <p:cNvSpPr/>
+            <p:nvPr/>
+          </p:nvSpPr>
+          <p:spPr>
+            <a:xfrm>
+              <a:off x="1934678" y="2727959"/>
+              <a:ext cx="9490440" cy="288758"/>
+            </a:xfrm>
+            <a:prstGeom prst="rect">
+              <a:avLst/>
+            </a:prstGeom>
+            <a:noFill/>
+            <a:ln w="19050">
+              <a:solidFill>
+                <a:schemeClr val="accent6"/>
+              </a:solidFill>
+            </a:ln>
+          </p:spPr>
+          <p:style>
+            <a:lnRef idx="2">
+              <a:schemeClr val="accent1">
+                <a:shade val="50000"/>
+              </a:schemeClr>
+            </a:lnRef>
+            <a:fillRef idx="1">
+              <a:schemeClr val="accent1"/>
+            </a:fillRef>
+            <a:effectRef idx="0">
+              <a:schemeClr val="accent1"/>
+            </a:effectRef>
+            <a:fontRef idx="minor">
+              <a:schemeClr val="lt1"/>
+            </a:fontRef>
+          </p:style>
+          <p:txBody>
+            <a:bodyPr rtlCol="0" anchor="ctr"/>
+            <a:lstStyle/>
+            <a:p>
+              <a:pPr algn="ctr"/>
+              <a:endParaRPr lang="en-US"/>
+            </a:p>
+          </p:txBody>
+        </p:sp>
+        <p:sp>
+          <p:nvSpPr>
+            <p:cNvPr id="21" name="Rectangle 20"/>
+            <p:cNvSpPr/>
+            <p:nvPr/>
+          </p:nvSpPr>
+          <p:spPr>
+            <a:xfrm>
+              <a:off x="1934678" y="3193149"/>
+              <a:ext cx="9490440" cy="288758"/>
+            </a:xfrm>
+            <a:prstGeom prst="rect">
+              <a:avLst/>
+            </a:prstGeom>
+            <a:noFill/>
+            <a:ln w="19050">
+              <a:solidFill>
+                <a:schemeClr val="accent6"/>
+              </a:solidFill>
+            </a:ln>
+          </p:spPr>
+          <p:style>
+            <a:lnRef idx="2">
+              <a:schemeClr val="accent1">
+                <a:shade val="50000"/>
+              </a:schemeClr>
+            </a:lnRef>
+            <a:fillRef idx="1">
+              <a:schemeClr val="accent1"/>
+            </a:fillRef>
+            <a:effectRef idx="0">
+              <a:schemeClr val="accent1"/>
+            </a:effectRef>
+            <a:fontRef idx="minor">
+              <a:schemeClr val="lt1"/>
+            </a:fontRef>
+          </p:style>
+          <p:txBody>
+            <a:bodyPr rtlCol="0" anchor="ctr"/>
+            <a:lstStyle/>
+            <a:p>
+              <a:pPr algn="ctr"/>
+              <a:endParaRPr lang="en-US"/>
+            </a:p>
+          </p:txBody>
+        </p:sp>
+        <p:sp>
+          <p:nvSpPr>
+            <p:cNvPr id="23" name="Rectangle 22"/>
+            <p:cNvSpPr/>
+            <p:nvPr/>
+          </p:nvSpPr>
+          <p:spPr>
+            <a:xfrm>
+              <a:off x="1934678" y="5126223"/>
+              <a:ext cx="9490440" cy="288758"/>
+            </a:xfrm>
+            <a:prstGeom prst="rect">
+              <a:avLst/>
+            </a:prstGeom>
+            <a:noFill/>
+            <a:ln w="19050">
+              <a:solidFill>
+                <a:srgbClr val="FF0000"/>
+              </a:solidFill>
+            </a:ln>
+          </p:spPr>
+          <p:style>
+            <a:lnRef idx="2">
+              <a:schemeClr val="accent1">
+                <a:shade val="50000"/>
+              </a:schemeClr>
+            </a:lnRef>
+            <a:fillRef idx="1">
+              <a:schemeClr val="accent1"/>
+            </a:fillRef>
+            <a:effectRef idx="0">
+              <a:schemeClr val="accent1"/>
+            </a:effectRef>
+            <a:fontRef idx="minor">
+              <a:schemeClr val="lt1"/>
+            </a:fontRef>
+          </p:style>
+          <p:txBody>
+            <a:bodyPr rtlCol="0" anchor="ctr"/>
+            <a:lstStyle/>
+            <a:p>
+              <a:pPr algn="ctr"/>
+              <a:endParaRPr lang="en-US">
+                <a:solidFill>
+                  <a:srgbClr val="FF0000"/>
+                </a:solidFill>
+              </a:endParaRPr>
+            </a:p>
+          </p:txBody>
+        </p:sp>
+        <p:sp>
+          <p:nvSpPr>
+            <p:cNvPr id="24" name="Rectangle 23"/>
+            <p:cNvSpPr/>
+            <p:nvPr/>
+          </p:nvSpPr>
+          <p:spPr>
+            <a:xfrm>
+              <a:off x="1934678" y="6569242"/>
+              <a:ext cx="9490440" cy="288758"/>
+            </a:xfrm>
+            <a:prstGeom prst="rect">
+              <a:avLst/>
+            </a:prstGeom>
+            <a:noFill/>
+            <a:ln w="19050">
+              <a:solidFill>
+                <a:srgbClr val="FF0000"/>
+              </a:solidFill>
+            </a:ln>
+          </p:spPr>
+          <p:style>
+            <a:lnRef idx="2">
+              <a:schemeClr val="accent1">
+                <a:shade val="50000"/>
+              </a:schemeClr>
+            </a:lnRef>
+            <a:fillRef idx="1">
+              <a:schemeClr val="accent1"/>
+            </a:fillRef>
+            <a:effectRef idx="0">
+              <a:schemeClr val="accent1"/>
+            </a:effectRef>
+            <a:fontRef idx="minor">
+              <a:schemeClr val="lt1"/>
+            </a:fontRef>
+          </p:style>
+          <p:txBody>
+            <a:bodyPr rtlCol="0" anchor="ctr"/>
+            <a:lstStyle/>
+            <a:p>
+              <a:pPr algn="ctr"/>
+              <a:endParaRPr lang="en-US">
+                <a:solidFill>
+                  <a:srgbClr val="FF0000"/>
+                </a:solidFill>
+              </a:endParaRPr>
+            </a:p>
+          </p:txBody>
+        </p:sp>
+        <p:sp>
+          <p:nvSpPr>
+            <p:cNvPr id="26" name="Rectangle 25"/>
+            <p:cNvSpPr/>
+            <p:nvPr/>
+          </p:nvSpPr>
+          <p:spPr>
+            <a:xfrm>
+              <a:off x="7170821" y="1236612"/>
+              <a:ext cx="827773" cy="5621388"/>
+            </a:xfrm>
+            <a:prstGeom prst="rect">
+              <a:avLst/>
+            </a:prstGeom>
+            <a:noFill/>
+            <a:ln w="19050">
+              <a:solidFill>
+                <a:schemeClr val="accent4">
+                  <a:lumMod val="60000"/>
+                  <a:lumOff val="40000"/>
+                </a:schemeClr>
+              </a:solidFill>
+            </a:ln>
+          </p:spPr>
+          <p:style>
+            <a:lnRef idx="2">
+              <a:schemeClr val="accent1">
+                <a:shade val="50000"/>
+              </a:schemeClr>
+            </a:lnRef>
+            <a:fillRef idx="1">
+              <a:schemeClr val="accent1"/>
+            </a:fillRef>
+            <a:effectRef idx="0">
+              <a:schemeClr val="accent1"/>
+            </a:effectRef>
+            <a:fontRef idx="minor">
+              <a:schemeClr val="lt1"/>
+            </a:fontRef>
+          </p:style>
+          <p:txBody>
+            <a:bodyPr rtlCol="0" anchor="ctr"/>
+            <a:lstStyle/>
+            <a:p>
+              <a:pPr algn="ctr"/>
+              <a:endParaRPr lang="en-US"/>
+            </a:p>
+          </p:txBody>
+        </p:sp>
+        <p:sp>
+          <p:nvSpPr>
+            <p:cNvPr id="27" name="Rectangle 26"/>
+            <p:cNvSpPr/>
+            <p:nvPr/>
+          </p:nvSpPr>
+          <p:spPr>
+            <a:xfrm>
+              <a:off x="8912995" y="1236610"/>
+              <a:ext cx="784424" cy="5621389"/>
+            </a:xfrm>
+            <a:prstGeom prst="rect">
+              <a:avLst/>
+            </a:prstGeom>
+            <a:noFill/>
+            <a:ln w="19050">
+              <a:solidFill>
+                <a:schemeClr val="accent4">
+                  <a:lumMod val="60000"/>
+                  <a:lumOff val="40000"/>
+                </a:schemeClr>
+              </a:solidFill>
+            </a:ln>
+          </p:spPr>
+          <p:style>
+            <a:lnRef idx="2">
+              <a:schemeClr val="accent1">
+                <a:shade val="50000"/>
+              </a:schemeClr>
+            </a:lnRef>
+            <a:fillRef idx="1">
+              <a:schemeClr val="accent1"/>
+            </a:fillRef>
+            <a:effectRef idx="0">
+              <a:schemeClr val="accent1"/>
+            </a:effectRef>
+            <a:fontRef idx="minor">
+              <a:schemeClr val="lt1"/>
+            </a:fontRef>
+          </p:style>
+          <p:txBody>
+            <a:bodyPr rtlCol="0" anchor="ctr"/>
+            <a:lstStyle/>
+            <a:p>
+              <a:pPr algn="ctr"/>
+              <a:endParaRPr lang="en-US"/>
+            </a:p>
+          </p:txBody>
+        </p:sp>
+      </p:grpSp>
+      <p:sp>
+        <p:nvSpPr>
+          <p:cNvPr id="28" name="Rectangle 27"/>
+          <p:cNvSpPr/>
+          <p:nvPr/>
+        </p:nvSpPr>
+        <p:spPr>
+          <a:xfrm>
+            <a:off x="1987616" y="1281468"/>
+            <a:ext cx="827773" cy="5621388"/>
+          </a:xfrm>
+          <a:prstGeom prst="rect">
+            <a:avLst/>
+          </a:prstGeom>
+          <a:noFill/>
+          <a:ln w="19050">
+            <a:solidFill>
+              <a:schemeClr val="accent4">
+                <a:lumMod val="60000"/>
+                <a:lumOff val="40000"/>
+              </a:schemeClr>
+            </a:solidFill>
+          </a:ln>
+        </p:spPr>
+        <p:style>
+          <a:lnRef idx="2">
+            <a:schemeClr val="accent1">
+              <a:shade val="50000"/>
+            </a:schemeClr>
+          </a:lnRef>
+          <a:fillRef idx="1">
+            <a:schemeClr val="accent1"/>
+          </a:fillRef>
+          <a:effectRef idx="0">
+            <a:schemeClr val="accent1"/>
+          </a:effectRef>
+          <a:fontRef idx="minor">
+            <a:schemeClr val="lt1"/>
+          </a:fontRef>
+        </p:style>
+        <p:txBody>
+          <a:bodyPr rtlCol="0" anchor="ctr"/>
+          <a:lstStyle/>
+          <a:p>
+            <a:pPr algn="ctr"/>
+            <a:endParaRPr lang="en-US"/>
+          </a:p>
+        </p:txBody>
+      </p:sp>
+      <p:sp>
+        <p:nvSpPr>
+          <p:cNvPr id="29" name="Rectangle 28"/>
+          <p:cNvSpPr/>
+          <p:nvPr/>
+        </p:nvSpPr>
+        <p:spPr>
+          <a:xfrm>
+            <a:off x="2868327" y="1281468"/>
+            <a:ext cx="827773" cy="5621388"/>
+          </a:xfrm>
+          <a:prstGeom prst="rect">
+            <a:avLst/>
+          </a:prstGeom>
+          <a:noFill/>
+          <a:ln w="19050">
+            <a:solidFill>
+              <a:schemeClr val="accent4">
+                <a:lumMod val="60000"/>
+                <a:lumOff val="40000"/>
+              </a:schemeClr>
+            </a:solidFill>
+          </a:ln>
+        </p:spPr>
+        <p:style>
+          <a:lnRef idx="2">
+            <a:schemeClr val="accent1">
+              <a:shade val="50000"/>
+            </a:schemeClr>
+          </a:lnRef>
+          <a:fillRef idx="1">
+            <a:schemeClr val="accent1"/>
+          </a:fillRef>
+          <a:effectRef idx="0">
+            <a:schemeClr val="accent1"/>
+          </a:effectRef>
+          <a:fontRef idx="minor">
+            <a:schemeClr val="lt1"/>
+          </a:fontRef>
+        </p:style>
+        <p:txBody>
+          <a:bodyPr rtlCol="0" anchor="ctr"/>
+          <a:lstStyle/>
+          <a:p>
+            <a:pPr algn="ctr"/>
+            <a:endParaRPr lang="en-US"/>
+          </a:p>
+        </p:txBody>
+      </p:sp>
+    </p:spTree>
+    <p:extLst>
+      <p:ext uri="{BB962C8B-B14F-4D97-AF65-F5344CB8AC3E}">
+        <p14:creationId xmlns:p14="http://schemas.microsoft.com/office/powerpoint/2010/main" val="490822379"/>
+      </p:ext>
+    </p:extLst>
+  </p:cSld>
+  <p:clrMapOvr>
+    <a:masterClrMapping/>
+  </p:clrMapOvr>
+</p:sld>
+</file>
+
+<file path=ppt/slides/slide22.xml><?xml version="1.0" encoding="utf-8"?>
+<p:sld xmlns:a="http://schemas.openxmlformats.org/drawingml/2006/main" xmlns:r="http://schemas.openxmlformats.org/officeDocument/2006/relationships" xmlns:p="http://schemas.openxmlformats.org/presentationml/2006/main">
+  <p:cSld>
+    <p:spTree>
+      <p:nvGrpSpPr>
+        <p:cNvPr id="1" name=""/>
+        <p:cNvGrpSpPr/>
+        <p:nvPr/>
+      </p:nvGrpSpPr>
+      <p:grpSpPr>
+        <a:xfrm>
+          <a:off x="0" y="0"/>
+          <a:ext cx="0" cy="0"/>
+          <a:chOff x="0" y="0"/>
+          <a:chExt cx="0" cy="0"/>
+        </a:xfrm>
+      </p:grpSpPr>
+      <p:cxnSp>
+        <p:nvCxnSpPr>
+          <p:cNvPr id="2" name="Straight Connector 1">
+            <a:extLst>
+              <a:ext uri="{FF2B5EF4-FFF2-40B4-BE49-F238E27FC236}">
+                <a16:creationId xmlns:a16="http://schemas.microsoft.com/office/drawing/2014/main" id="{BC4339F9-A066-45CD-91C6-61FED21D3027}"/>
+              </a:ext>
+            </a:extLst>
+          </p:cNvPr>
+          <p:cNvCxnSpPr/>
+          <p:nvPr/>
+        </p:nvCxnSpPr>
+        <p:spPr>
+          <a:xfrm>
+            <a:off x="0" y="1047750"/>
+            <a:ext cx="12192000" cy="0"/>
+          </a:xfrm>
+          <a:prstGeom prst="line">
+            <a:avLst/>
+          </a:prstGeom>
+          <a:ln w="76200">
+            <a:solidFill>
+              <a:srgbClr val="D2C264"/>
+            </a:solidFill>
+          </a:ln>
+        </p:spPr>
+        <p:style>
+          <a:lnRef idx="1">
+            <a:schemeClr val="accent1"/>
+          </a:lnRef>
+          <a:fillRef idx="0">
+            <a:schemeClr val="accent1"/>
+          </a:fillRef>
+          <a:effectRef idx="0">
+            <a:schemeClr val="accent1"/>
+          </a:effectRef>
+          <a:fontRef idx="minor">
+            <a:schemeClr val="tx1"/>
+          </a:fontRef>
+        </p:style>
+      </p:cxnSp>
+      <p:sp>
+        <p:nvSpPr>
+          <p:cNvPr id="3" name="TextBox 2">
+            <a:extLst>
+              <a:ext uri="{FF2B5EF4-FFF2-40B4-BE49-F238E27FC236}">
+                <a16:creationId xmlns:a16="http://schemas.microsoft.com/office/drawing/2014/main" id="{4F839CDC-E463-4502-8748-827AE781F905}"/>
+              </a:ext>
+            </a:extLst>
+          </p:cNvPr>
+          <p:cNvSpPr txBox="1"/>
+          <p:nvPr/>
+        </p:nvSpPr>
+        <p:spPr>
+          <a:xfrm>
+            <a:off x="439692" y="229258"/>
+            <a:ext cx="1027845" cy="584775"/>
+          </a:xfrm>
+          <a:prstGeom prst="rect">
+            <a:avLst/>
+          </a:prstGeom>
+          <a:noFill/>
+        </p:spPr>
+        <p:txBody>
+          <a:bodyPr wrap="none" rtlCol="0">
+            <a:spAutoFit/>
+          </a:bodyPr>
+          <a:lstStyle/>
+          <a:p>
+            <a:r>
+              <a:rPr lang="en-US" sz="3200" b="1" dirty="0">
+                <a:latin typeface="Times New Roman" panose="02020603050405020304" pitchFamily="18" charset="0"/>
+                <a:cs typeface="Times New Roman" panose="02020603050405020304" pitchFamily="18" charset="0"/>
+              </a:rPr>
+              <a:t>PCR</a:t>
+            </a:r>
+          </a:p>
+        </p:txBody>
+      </p:sp>
+      <p:grpSp>
+        <p:nvGrpSpPr>
+          <p:cNvPr id="7" name="Group 6"/>
+          <p:cNvGrpSpPr/>
+          <p:nvPr/>
+        </p:nvGrpSpPr>
+        <p:grpSpPr>
+          <a:xfrm>
+            <a:off x="439692" y="1281468"/>
+            <a:ext cx="7809223" cy="4686195"/>
+            <a:chOff x="439692" y="1281468"/>
+            <a:chExt cx="7809223" cy="4686195"/>
+          </a:xfrm>
+        </p:grpSpPr>
+        <p:pic>
+          <p:nvPicPr>
+            <p:cNvPr id="4" name="Picture 3"/>
+            <p:cNvPicPr>
+              <a:picLocks noChangeAspect="1"/>
+            </p:cNvPicPr>
+            <p:nvPr/>
+          </p:nvPicPr>
+          <p:blipFill rotWithShape="1">
+            <a:blip r:embed="rId2"/>
+            <a:srcRect l="26667" t="35655" r="23964" b="11286"/>
+            <a:stretch/>
+          </p:blipFill>
+          <p:spPr>
+            <a:xfrm>
+              <a:off x="439692" y="1281468"/>
+              <a:ext cx="7809223" cy="4686195"/>
+            </a:xfrm>
+            <a:prstGeom prst="rect">
+              <a:avLst/>
+            </a:prstGeom>
+          </p:spPr>
+        </p:pic>
+        <p:grpSp>
+          <p:nvGrpSpPr>
+            <p:cNvPr id="6" name="Group 5"/>
+            <p:cNvGrpSpPr/>
+            <p:nvPr/>
+          </p:nvGrpSpPr>
+          <p:grpSpPr>
+            <a:xfrm>
+              <a:off x="3829249" y="2935704"/>
+              <a:ext cx="3100939" cy="2704703"/>
+              <a:chOff x="3829249" y="2935704"/>
+              <a:chExt cx="3100939" cy="2704703"/>
+            </a:xfrm>
+          </p:grpSpPr>
+          <p:sp>
+            <p:nvSpPr>
+              <p:cNvPr id="5" name="Rectangle 4"/>
+              <p:cNvSpPr/>
+              <p:nvPr/>
+            </p:nvSpPr>
+            <p:spPr>
+              <a:xfrm>
+                <a:off x="6102417" y="2935704"/>
+                <a:ext cx="510139" cy="1299411"/>
+              </a:xfrm>
+              <a:prstGeom prst="rect">
+                <a:avLst/>
+              </a:prstGeom>
+              <a:noFill/>
+              <a:ln w="19050">
+                <a:solidFill>
+                  <a:srgbClr val="FF0000"/>
+                </a:solidFill>
+              </a:ln>
+            </p:spPr>
+            <p:style>
+              <a:lnRef idx="2">
+                <a:schemeClr val="accent1">
+                  <a:shade val="50000"/>
+                </a:schemeClr>
+              </a:lnRef>
+              <a:fillRef idx="1">
+                <a:schemeClr val="accent1"/>
+              </a:fillRef>
+              <a:effectRef idx="0">
+                <a:schemeClr val="accent1"/>
+              </a:effectRef>
+              <a:fontRef idx="minor">
+                <a:schemeClr val="lt1"/>
+              </a:fontRef>
+            </p:style>
+            <p:txBody>
+              <a:bodyPr rtlCol="0" anchor="ctr"/>
+              <a:lstStyle/>
+              <a:p>
+                <a:pPr algn="ctr"/>
+                <a:endParaRPr lang="en-US"/>
+              </a:p>
+            </p:txBody>
+          </p:sp>
+          <p:sp>
+            <p:nvSpPr>
+              <p:cNvPr id="15" name="Rectangle 14"/>
+              <p:cNvSpPr/>
+              <p:nvPr/>
+            </p:nvSpPr>
+            <p:spPr>
+              <a:xfrm rot="5400000">
+                <a:off x="5205660" y="3915879"/>
+                <a:ext cx="348117" cy="3100939"/>
+              </a:xfrm>
+              <a:prstGeom prst="rect">
+                <a:avLst/>
+              </a:prstGeom>
+              <a:noFill/>
+              <a:ln w="19050">
+                <a:solidFill>
+                  <a:srgbClr val="FF0000"/>
+                </a:solidFill>
+              </a:ln>
+            </p:spPr>
+            <p:style>
+              <a:lnRef idx="2">
+                <a:schemeClr val="accent1">
+                  <a:shade val="50000"/>
+                </a:schemeClr>
+              </a:lnRef>
+              <a:fillRef idx="1">
+                <a:schemeClr val="accent1"/>
+              </a:fillRef>
+              <a:effectRef idx="0">
+                <a:schemeClr val="accent1"/>
+              </a:effectRef>
+              <a:fontRef idx="minor">
+                <a:schemeClr val="lt1"/>
+              </a:fontRef>
+            </p:style>
+            <p:txBody>
+              <a:bodyPr rtlCol="0" anchor="ctr"/>
+              <a:lstStyle/>
+              <a:p>
+                <a:pPr algn="ctr"/>
+                <a:endParaRPr lang="en-US"/>
+              </a:p>
+            </p:txBody>
+          </p:sp>
+        </p:grpSp>
+      </p:grpSp>
+    </p:spTree>
+    <p:extLst>
+      <p:ext uri="{BB962C8B-B14F-4D97-AF65-F5344CB8AC3E}">
+        <p14:creationId xmlns:p14="http://schemas.microsoft.com/office/powerpoint/2010/main" val="4083326155"/>
+      </p:ext>
+    </p:extLst>
+  </p:cSld>
+  <p:clrMapOvr>
+    <a:masterClrMapping/>
+  </p:clrMapOvr>
+</p:sld>
+</file>
+
+<file path=ppt/slides/slide23.xml><?xml version="1.0" encoding="utf-8"?>
 <p:sld xmlns:a="http://schemas.openxmlformats.org/drawingml/2006/main" xmlns:r="http://schemas.openxmlformats.org/officeDocument/2006/relationships" xmlns:p="http://schemas.openxmlformats.org/presentationml/2006/main">
   <p:cSld>
     <p:spTree>
@@ -7351,7 +11141,7 @@
 </p:sld>
 </file>
 
-<file path=ppt/slides/slide18.xml><?xml version="1.0" encoding="utf-8"?>
+<file path=ppt/slides/slide24.xml><?xml version="1.0" encoding="utf-8"?>
 <p:sld xmlns:a="http://schemas.openxmlformats.org/drawingml/2006/main" xmlns:r="http://schemas.openxmlformats.org/officeDocument/2006/relationships" xmlns:p="http://schemas.openxmlformats.org/presentationml/2006/main">
   <p:cSld>
     <p:spTree>
@@ -9363,1521 +13153,6 @@
                                         </p:tgtEl>
                                       </p:cBhvr>
                                     </p:animEffect>
-                                  </p:childTnLst>
-                                </p:cTn>
-                              </p:par>
-                            </p:childTnLst>
-                          </p:cTn>
-                        </p:par>
-                      </p:childTnLst>
-                    </p:cTn>
-                  </p:par>
-                </p:childTnLst>
-              </p:cTn>
-              <p:prevCondLst>
-                <p:cond evt="onPrev" delay="0">
-                  <p:tgtEl>
-                    <p:sldTgt/>
-                  </p:tgtEl>
-                </p:cond>
-              </p:prevCondLst>
-              <p:nextCondLst>
-                <p:cond evt="onNext" delay="0">
-                  <p:tgtEl>
-                    <p:sldTgt/>
-                  </p:tgtEl>
-                </p:cond>
-              </p:nextCondLst>
-            </p:seq>
-          </p:childTnLst>
-        </p:cTn>
-      </p:par>
-    </p:tnLst>
-  </p:timing>
-</p:sld>
-</file>
-
-<file path=ppt/slides/slide2.xml><?xml version="1.0" encoding="utf-8"?>
-<p:sld xmlns:a="http://schemas.openxmlformats.org/drawingml/2006/main" xmlns:r="http://schemas.openxmlformats.org/officeDocument/2006/relationships" xmlns:p="http://schemas.openxmlformats.org/presentationml/2006/main">
-  <p:cSld>
-    <p:spTree>
-      <p:nvGrpSpPr>
-        <p:cNvPr id="1" name=""/>
-        <p:cNvGrpSpPr/>
-        <p:nvPr/>
-      </p:nvGrpSpPr>
-      <p:grpSpPr>
-        <a:xfrm>
-          <a:off x="0" y="0"/>
-          <a:ext cx="0" cy="0"/>
-          <a:chOff x="0" y="0"/>
-          <a:chExt cx="0" cy="0"/>
-        </a:xfrm>
-      </p:grpSpPr>
-      <p:sp>
-        <p:nvSpPr>
-          <p:cNvPr id="2" name="TextBox 1">
-            <a:extLst>
-              <a:ext uri="{FF2B5EF4-FFF2-40B4-BE49-F238E27FC236}">
-                <a16:creationId xmlns:a16="http://schemas.microsoft.com/office/drawing/2014/main" id="{FA3B5E8F-9FB4-4163-B829-9BE843BB6E52}"/>
-              </a:ext>
-            </a:extLst>
-          </p:cNvPr>
-          <p:cNvSpPr txBox="1"/>
-          <p:nvPr/>
-        </p:nvSpPr>
-        <p:spPr>
-          <a:xfrm>
-            <a:off x="439692" y="229258"/>
-            <a:ext cx="3603872" cy="584775"/>
-          </a:xfrm>
-          <a:prstGeom prst="rect">
-            <a:avLst/>
-          </a:prstGeom>
-          <a:noFill/>
-        </p:spPr>
-        <p:txBody>
-          <a:bodyPr wrap="none" rtlCol="0">
-            <a:spAutoFit/>
-          </a:bodyPr>
-          <a:lstStyle/>
-          <a:p>
-            <a:r>
-              <a:rPr lang="en-US" sz="3200" b="1" dirty="0">
-                <a:latin typeface="Times New Roman" panose="02020603050405020304" pitchFamily="18" charset="0"/>
-                <a:cs typeface="Times New Roman" panose="02020603050405020304" pitchFamily="18" charset="0"/>
-              </a:rPr>
-              <a:t>Data Set Overview:</a:t>
-            </a:r>
-          </a:p>
-        </p:txBody>
-      </p:sp>
-      <p:cxnSp>
-        <p:nvCxnSpPr>
-          <p:cNvPr id="5" name="Straight Connector 4">
-            <a:extLst>
-              <a:ext uri="{FF2B5EF4-FFF2-40B4-BE49-F238E27FC236}">
-                <a16:creationId xmlns:a16="http://schemas.microsoft.com/office/drawing/2014/main" id="{2456B271-4A45-4851-A8BF-926F16D8D568}"/>
-              </a:ext>
-            </a:extLst>
-          </p:cNvPr>
-          <p:cNvCxnSpPr/>
-          <p:nvPr/>
-        </p:nvCxnSpPr>
-        <p:spPr>
-          <a:xfrm>
-            <a:off x="0" y="1047750"/>
-            <a:ext cx="12192000" cy="0"/>
-          </a:xfrm>
-          <a:prstGeom prst="line">
-            <a:avLst/>
-          </a:prstGeom>
-          <a:ln w="76200">
-            <a:solidFill>
-              <a:srgbClr val="D2C264"/>
-            </a:solidFill>
-          </a:ln>
-        </p:spPr>
-        <p:style>
-          <a:lnRef idx="1">
-            <a:schemeClr val="accent1"/>
-          </a:lnRef>
-          <a:fillRef idx="0">
-            <a:schemeClr val="accent1"/>
-          </a:fillRef>
-          <a:effectRef idx="0">
-            <a:schemeClr val="accent1"/>
-          </a:effectRef>
-          <a:fontRef idx="minor">
-            <a:schemeClr val="tx1"/>
-          </a:fontRef>
-        </p:style>
-      </p:cxnSp>
-      <p:grpSp>
-        <p:nvGrpSpPr>
-          <p:cNvPr id="6" name="Group 5">
-            <a:extLst>
-              <a:ext uri="{FF2B5EF4-FFF2-40B4-BE49-F238E27FC236}">
-                <a16:creationId xmlns:a16="http://schemas.microsoft.com/office/drawing/2014/main" id="{402D1F21-BDC0-4BD7-841D-1C7E45806FF7}"/>
-              </a:ext>
-            </a:extLst>
-          </p:cNvPr>
-          <p:cNvGrpSpPr/>
-          <p:nvPr/>
-        </p:nvGrpSpPr>
-        <p:grpSpPr>
-          <a:xfrm>
-            <a:off x="1441590" y="3216584"/>
-            <a:ext cx="9704588" cy="1392962"/>
-            <a:chOff x="622568" y="2974494"/>
-            <a:chExt cx="11451432" cy="1643697"/>
-          </a:xfrm>
-        </p:grpSpPr>
-        <p:sp>
-          <p:nvSpPr>
-            <p:cNvPr id="7" name="TextBox 6">
-              <a:extLst>
-                <a:ext uri="{FF2B5EF4-FFF2-40B4-BE49-F238E27FC236}">
-                  <a16:creationId xmlns:a16="http://schemas.microsoft.com/office/drawing/2014/main" id="{F2A9DE6C-01A0-428D-9DC7-E3A1C05F0B8E}"/>
-                </a:ext>
-              </a:extLst>
-            </p:cNvPr>
-            <p:cNvSpPr txBox="1"/>
-            <p:nvPr/>
-          </p:nvSpPr>
-          <p:spPr>
-            <a:xfrm>
-              <a:off x="655935" y="2974494"/>
-              <a:ext cx="1897600" cy="544765"/>
-            </a:xfrm>
-            <a:prstGeom prst="rect">
-              <a:avLst/>
-            </a:prstGeom>
-            <a:noFill/>
-            <a:scene3d>
-              <a:camera prst="orthographicFront"/>
-              <a:lightRig rig="threePt" dir="t"/>
-            </a:scene3d>
-            <a:sp3d>
-              <a:bevelT w="114300" prst="artDeco"/>
-            </a:sp3d>
-          </p:spPr>
-          <p:txBody>
-            <a:bodyPr wrap="none" rtlCol="0">
-              <a:spAutoFit/>
-            </a:bodyPr>
-            <a:lstStyle/>
-            <a:p>
-              <a:r>
-                <a:rPr lang="en-US" sz="2400" b="1" dirty="0">
-                  <a:solidFill>
-                    <a:srgbClr val="00577E"/>
-                  </a:solidFill>
-                  <a:latin typeface="Arial Narrow" panose="020B0606020202030204" pitchFamily="34" charset="0"/>
-                </a:rPr>
-                <a:t>2017 / 2018:</a:t>
-              </a:r>
-            </a:p>
-          </p:txBody>
-        </p:sp>
-        <p:sp>
-          <p:nvSpPr>
-            <p:cNvPr id="8" name="Rectangle: Rounded Corners 7">
-              <a:extLst>
-                <a:ext uri="{FF2B5EF4-FFF2-40B4-BE49-F238E27FC236}">
-                  <a16:creationId xmlns:a16="http://schemas.microsoft.com/office/drawing/2014/main" id="{4A406CF7-2F65-455A-BBC0-1F0315BEEBF9}"/>
-                </a:ext>
-              </a:extLst>
-            </p:cNvPr>
-            <p:cNvSpPr/>
-            <p:nvPr/>
-          </p:nvSpPr>
-          <p:spPr>
-            <a:xfrm>
-              <a:off x="622568" y="3461371"/>
-              <a:ext cx="2174132" cy="1140238"/>
-            </a:xfrm>
-            <a:prstGeom prst="roundRect">
-              <a:avLst/>
-            </a:prstGeom>
-            <a:blipFill dpi="0" rotWithShape="1">
-              <a:blip r:embed="rId2" cstate="print">
-                <a:extLst>
-                  <a:ext uri="{28A0092B-C50C-407E-A947-70E740481C1C}">
-                    <a14:useLocalDpi xmlns:a14="http://schemas.microsoft.com/office/drawing/2010/main" val="0"/>
-                  </a:ext>
-                  <a:ext uri="{837473B0-CC2E-450A-ABE3-18F120FF3D39}">
-                    <a1611:picAttrSrcUrl xmlns:a1611="http://schemas.microsoft.com/office/drawing/2016/11/main" r:id="rId3"/>
-                  </a:ext>
-                </a:extLst>
-              </a:blip>
-              <a:srcRect/>
-              <a:stretch>
-                <a:fillRect/>
-              </a:stretch>
-            </a:blipFill>
-            <a:ln>
-              <a:solidFill>
-                <a:schemeClr val="tx1"/>
-              </a:solidFill>
-            </a:ln>
-            <a:scene3d>
-              <a:camera prst="orthographicFront"/>
-              <a:lightRig rig="threePt" dir="t"/>
-            </a:scene3d>
-            <a:sp3d>
-              <a:bevelT w="114300" prst="artDeco"/>
-            </a:sp3d>
-          </p:spPr>
-          <p:style>
-            <a:lnRef idx="2">
-              <a:schemeClr val="accent1">
-                <a:shade val="50000"/>
-              </a:schemeClr>
-            </a:lnRef>
-            <a:fillRef idx="1">
-              <a:schemeClr val="accent1"/>
-            </a:fillRef>
-            <a:effectRef idx="0">
-              <a:schemeClr val="accent1"/>
-            </a:effectRef>
-            <a:fontRef idx="minor">
-              <a:schemeClr val="lt1"/>
-            </a:fontRef>
-          </p:style>
-          <p:txBody>
-            <a:bodyPr rtlCol="0" anchor="ctr"/>
-            <a:lstStyle/>
-            <a:p>
-              <a:pPr algn="ctr"/>
-              <a:endParaRPr lang="en-US" sz="2400" b="1" dirty="0">
-                <a:solidFill>
-                  <a:srgbClr val="00577E"/>
-                </a:solidFill>
-              </a:endParaRPr>
-            </a:p>
-          </p:txBody>
-        </p:sp>
-        <p:sp>
-          <p:nvSpPr>
-            <p:cNvPr id="9" name="Rectangle: Rounded Corners 8">
-              <a:extLst>
-                <a:ext uri="{FF2B5EF4-FFF2-40B4-BE49-F238E27FC236}">
-                  <a16:creationId xmlns:a16="http://schemas.microsoft.com/office/drawing/2014/main" id="{309A92D1-CD6E-4925-9171-2B3C09D96288}"/>
-                </a:ext>
-              </a:extLst>
-            </p:cNvPr>
-            <p:cNvSpPr/>
-            <p:nvPr/>
-          </p:nvSpPr>
-          <p:spPr>
-            <a:xfrm>
-              <a:off x="5261218" y="3461371"/>
-              <a:ext cx="2174132" cy="1156820"/>
-            </a:xfrm>
-            <a:prstGeom prst="roundRect">
-              <a:avLst/>
-            </a:prstGeom>
-            <a:blipFill dpi="0" rotWithShape="1">
-              <a:blip r:embed="rId4">
-                <a:extLst>
-                  <a:ext uri="{28A0092B-C50C-407E-A947-70E740481C1C}">
-                    <a14:useLocalDpi xmlns:a14="http://schemas.microsoft.com/office/drawing/2010/main" val="0"/>
-                  </a:ext>
-                  <a:ext uri="{837473B0-CC2E-450A-ABE3-18F120FF3D39}">
-                    <a1611:picAttrSrcUrl xmlns:a1611="http://schemas.microsoft.com/office/drawing/2016/11/main" r:id="rId5"/>
-                  </a:ext>
-                </a:extLst>
-              </a:blip>
-              <a:srcRect/>
-              <a:stretch>
-                <a:fillRect/>
-              </a:stretch>
-            </a:blipFill>
-            <a:ln>
-              <a:solidFill>
-                <a:schemeClr val="tx1"/>
-              </a:solidFill>
-            </a:ln>
-            <a:scene3d>
-              <a:camera prst="orthographicFront"/>
-              <a:lightRig rig="threePt" dir="t"/>
-            </a:scene3d>
-            <a:sp3d>
-              <a:bevelT w="114300" prst="artDeco"/>
-            </a:sp3d>
-          </p:spPr>
-          <p:style>
-            <a:lnRef idx="2">
-              <a:schemeClr val="accent1">
-                <a:shade val="50000"/>
-              </a:schemeClr>
-            </a:lnRef>
-            <a:fillRef idx="1">
-              <a:schemeClr val="accent1"/>
-            </a:fillRef>
-            <a:effectRef idx="0">
-              <a:schemeClr val="accent1"/>
-            </a:effectRef>
-            <a:fontRef idx="minor">
-              <a:schemeClr val="lt1"/>
-            </a:fontRef>
-          </p:style>
-          <p:txBody>
-            <a:bodyPr rtlCol="0" anchor="ctr"/>
-            <a:lstStyle/>
-            <a:p>
-              <a:pPr algn="ctr"/>
-              <a:endParaRPr lang="en-US" sz="2400" b="1" dirty="0">
-                <a:solidFill>
-                  <a:srgbClr val="00577E"/>
-                </a:solidFill>
-              </a:endParaRPr>
-            </a:p>
-          </p:txBody>
-        </p:sp>
-        <p:sp>
-          <p:nvSpPr>
-            <p:cNvPr id="10" name="Rectangle: Rounded Corners 9">
-              <a:extLst>
-                <a:ext uri="{FF2B5EF4-FFF2-40B4-BE49-F238E27FC236}">
-                  <a16:creationId xmlns:a16="http://schemas.microsoft.com/office/drawing/2014/main" id="{F3969DE2-E82B-4AF4-AC81-52648060A3B7}"/>
-                </a:ext>
-              </a:extLst>
-            </p:cNvPr>
-            <p:cNvSpPr/>
-            <p:nvPr/>
-          </p:nvSpPr>
-          <p:spPr>
-            <a:xfrm>
-              <a:off x="9899868" y="3459959"/>
-              <a:ext cx="2174132" cy="1141650"/>
-            </a:xfrm>
-            <a:prstGeom prst="roundRect">
-              <a:avLst/>
-            </a:prstGeom>
-            <a:blipFill dpi="0" rotWithShape="1">
-              <a:blip r:embed="rId6" cstate="print">
-                <a:extLst>
-                  <a:ext uri="{28A0092B-C50C-407E-A947-70E740481C1C}">
-                    <a14:useLocalDpi xmlns:a14="http://schemas.microsoft.com/office/drawing/2010/main" val="0"/>
-                  </a:ext>
-                  <a:ext uri="{837473B0-CC2E-450A-ABE3-18F120FF3D39}">
-                    <a1611:picAttrSrcUrl xmlns:a1611="http://schemas.microsoft.com/office/drawing/2016/11/main" r:id="rId7"/>
-                  </a:ext>
-                </a:extLst>
-              </a:blip>
-              <a:srcRect/>
-              <a:stretch>
-                <a:fillRect/>
-              </a:stretch>
-            </a:blipFill>
-            <a:ln>
-              <a:solidFill>
-                <a:schemeClr val="tx1"/>
-              </a:solidFill>
-            </a:ln>
-            <a:scene3d>
-              <a:camera prst="orthographicFront"/>
-              <a:lightRig rig="threePt" dir="t"/>
-            </a:scene3d>
-            <a:sp3d>
-              <a:bevelT w="114300" prst="artDeco"/>
-            </a:sp3d>
-          </p:spPr>
-          <p:style>
-            <a:lnRef idx="2">
-              <a:schemeClr val="accent1">
-                <a:shade val="50000"/>
-              </a:schemeClr>
-            </a:lnRef>
-            <a:fillRef idx="1">
-              <a:schemeClr val="accent1"/>
-            </a:fillRef>
-            <a:effectRef idx="0">
-              <a:schemeClr val="accent1"/>
-            </a:effectRef>
-            <a:fontRef idx="minor">
-              <a:schemeClr val="lt1"/>
-            </a:fontRef>
-          </p:style>
-          <p:txBody>
-            <a:bodyPr rtlCol="0" anchor="ctr"/>
-            <a:lstStyle/>
-            <a:p>
-              <a:pPr algn="ctr"/>
-              <a:endParaRPr lang="en-US" sz="2400" b="1" dirty="0">
-                <a:solidFill>
-                  <a:srgbClr val="00577E"/>
-                </a:solidFill>
-              </a:endParaRPr>
-            </a:p>
-          </p:txBody>
-        </p:sp>
-        <p:sp>
-          <p:nvSpPr>
-            <p:cNvPr id="11" name="Rectangle: Rounded Corners 10">
-              <a:extLst>
-                <a:ext uri="{FF2B5EF4-FFF2-40B4-BE49-F238E27FC236}">
-                  <a16:creationId xmlns:a16="http://schemas.microsoft.com/office/drawing/2014/main" id="{0D308D4E-2F29-4024-B8F7-02A2A59533E4}"/>
-                </a:ext>
-              </a:extLst>
-            </p:cNvPr>
-            <p:cNvSpPr/>
-            <p:nvPr/>
-          </p:nvSpPr>
-          <p:spPr>
-            <a:xfrm>
-              <a:off x="2941893" y="3461371"/>
-              <a:ext cx="2174132" cy="1140238"/>
-            </a:xfrm>
-            <a:prstGeom prst="roundRect">
-              <a:avLst/>
-            </a:prstGeom>
-            <a:blipFill dpi="0" rotWithShape="1">
-              <a:blip r:embed="rId8">
-                <a:extLst>
-                  <a:ext uri="{28A0092B-C50C-407E-A947-70E740481C1C}">
-                    <a14:useLocalDpi xmlns:a14="http://schemas.microsoft.com/office/drawing/2010/main" val="0"/>
-                  </a:ext>
-                  <a:ext uri="{837473B0-CC2E-450A-ABE3-18F120FF3D39}">
-                    <a1611:picAttrSrcUrl xmlns:a1611="http://schemas.microsoft.com/office/drawing/2016/11/main" r:id="rId9"/>
-                  </a:ext>
-                </a:extLst>
-              </a:blip>
-              <a:srcRect/>
-              <a:stretch>
-                <a:fillRect/>
-              </a:stretch>
-            </a:blipFill>
-            <a:ln>
-              <a:solidFill>
-                <a:schemeClr val="tx1"/>
-              </a:solidFill>
-            </a:ln>
-            <a:scene3d>
-              <a:camera prst="orthographicFront"/>
-              <a:lightRig rig="threePt" dir="t"/>
-            </a:scene3d>
-            <a:sp3d>
-              <a:bevelT w="114300" prst="artDeco"/>
-            </a:sp3d>
-          </p:spPr>
-          <p:style>
-            <a:lnRef idx="2">
-              <a:schemeClr val="accent1">
-                <a:shade val="50000"/>
-              </a:schemeClr>
-            </a:lnRef>
-            <a:fillRef idx="1">
-              <a:schemeClr val="accent1"/>
-            </a:fillRef>
-            <a:effectRef idx="0">
-              <a:schemeClr val="accent1"/>
-            </a:effectRef>
-            <a:fontRef idx="minor">
-              <a:schemeClr val="lt1"/>
-            </a:fontRef>
-          </p:style>
-          <p:txBody>
-            <a:bodyPr rtlCol="0" anchor="ctr"/>
-            <a:lstStyle/>
-            <a:p>
-              <a:pPr algn="ctr"/>
-              <a:endParaRPr lang="en-US" sz="2400" b="1" dirty="0">
-                <a:solidFill>
-                  <a:srgbClr val="00577E"/>
-                </a:solidFill>
-              </a:endParaRPr>
-            </a:p>
-          </p:txBody>
-        </p:sp>
-        <p:sp>
-          <p:nvSpPr>
-            <p:cNvPr id="12" name="Rectangle: Rounded Corners 11">
-              <a:extLst>
-                <a:ext uri="{FF2B5EF4-FFF2-40B4-BE49-F238E27FC236}">
-                  <a16:creationId xmlns:a16="http://schemas.microsoft.com/office/drawing/2014/main" id="{C506414F-A722-42B9-BD56-6BD0102C7E99}"/>
-                </a:ext>
-              </a:extLst>
-            </p:cNvPr>
-            <p:cNvSpPr/>
-            <p:nvPr/>
-          </p:nvSpPr>
-          <p:spPr>
-            <a:xfrm>
-              <a:off x="7580543" y="3459959"/>
-              <a:ext cx="2174132" cy="1158232"/>
-            </a:xfrm>
-            <a:prstGeom prst="roundRect">
-              <a:avLst/>
-            </a:prstGeom>
-            <a:blipFill dpi="0" rotWithShape="1">
-              <a:blip r:embed="rId10" cstate="print">
-                <a:extLst>
-                  <a:ext uri="{28A0092B-C50C-407E-A947-70E740481C1C}">
-                    <a14:useLocalDpi xmlns:a14="http://schemas.microsoft.com/office/drawing/2010/main" val="0"/>
-                  </a:ext>
-                  <a:ext uri="{837473B0-CC2E-450A-ABE3-18F120FF3D39}">
-                    <a1611:picAttrSrcUrl xmlns:a1611="http://schemas.microsoft.com/office/drawing/2016/11/main" r:id="rId11"/>
-                  </a:ext>
-                </a:extLst>
-              </a:blip>
-              <a:srcRect/>
-              <a:stretch>
-                <a:fillRect/>
-              </a:stretch>
-            </a:blipFill>
-            <a:ln>
-              <a:solidFill>
-                <a:schemeClr val="tx1"/>
-              </a:solidFill>
-            </a:ln>
-            <a:scene3d>
-              <a:camera prst="orthographicFront"/>
-              <a:lightRig rig="threePt" dir="t"/>
-            </a:scene3d>
-            <a:sp3d>
-              <a:bevelT w="114300" prst="artDeco"/>
-            </a:sp3d>
-          </p:spPr>
-          <p:style>
-            <a:lnRef idx="2">
-              <a:schemeClr val="accent1">
-                <a:shade val="50000"/>
-              </a:schemeClr>
-            </a:lnRef>
-            <a:fillRef idx="1">
-              <a:schemeClr val="accent1"/>
-            </a:fillRef>
-            <a:effectRef idx="0">
-              <a:schemeClr val="accent1"/>
-            </a:effectRef>
-            <a:fontRef idx="minor">
-              <a:schemeClr val="lt1"/>
-            </a:fontRef>
-          </p:style>
-          <p:txBody>
-            <a:bodyPr rtlCol="0" anchor="ctr"/>
-            <a:lstStyle/>
-            <a:p>
-              <a:pPr algn="ctr"/>
-              <a:endParaRPr lang="en-US" sz="2400" b="1" dirty="0">
-                <a:solidFill>
-                  <a:srgbClr val="00577E"/>
-                </a:solidFill>
-              </a:endParaRPr>
-            </a:p>
-          </p:txBody>
-        </p:sp>
-      </p:grpSp>
-      <p:grpSp>
-        <p:nvGrpSpPr>
-          <p:cNvPr id="13" name="Group 12">
-            <a:extLst>
-              <a:ext uri="{FF2B5EF4-FFF2-40B4-BE49-F238E27FC236}">
-                <a16:creationId xmlns:a16="http://schemas.microsoft.com/office/drawing/2014/main" id="{B76497C1-EBE7-4CC7-8848-E6F164537443}"/>
-              </a:ext>
-            </a:extLst>
-          </p:cNvPr>
-          <p:cNvGrpSpPr/>
-          <p:nvPr/>
-        </p:nvGrpSpPr>
-        <p:grpSpPr>
-          <a:xfrm>
-            <a:off x="1441590" y="1531274"/>
-            <a:ext cx="1842481" cy="1368098"/>
-            <a:chOff x="672901" y="1272514"/>
-            <a:chExt cx="2174132" cy="1614358"/>
-          </a:xfrm>
-        </p:grpSpPr>
-        <p:sp>
-          <p:nvSpPr>
-            <p:cNvPr id="14" name="TextBox 13">
-              <a:extLst>
-                <a:ext uri="{FF2B5EF4-FFF2-40B4-BE49-F238E27FC236}">
-                  <a16:creationId xmlns:a16="http://schemas.microsoft.com/office/drawing/2014/main" id="{62F0CA42-0789-4126-8406-7D28A7369A25}"/>
-                </a:ext>
-              </a:extLst>
-            </p:cNvPr>
-            <p:cNvSpPr txBox="1"/>
-            <p:nvPr/>
-          </p:nvSpPr>
-          <p:spPr>
-            <a:xfrm>
-              <a:off x="706643" y="1272514"/>
-              <a:ext cx="982091" cy="544765"/>
-            </a:xfrm>
-            <a:prstGeom prst="rect">
-              <a:avLst/>
-            </a:prstGeom>
-            <a:noFill/>
-            <a:scene3d>
-              <a:camera prst="orthographicFront"/>
-              <a:lightRig rig="threePt" dir="t"/>
-            </a:scene3d>
-            <a:sp3d>
-              <a:bevelT w="114300" prst="artDeco"/>
-            </a:sp3d>
-          </p:spPr>
-          <p:txBody>
-            <a:bodyPr wrap="none" rtlCol="0">
-              <a:spAutoFit/>
-            </a:bodyPr>
-            <a:lstStyle/>
-            <a:p>
-              <a:r>
-                <a:rPr lang="en-US" sz="2400" b="1" dirty="0">
-                  <a:solidFill>
-                    <a:srgbClr val="00577E"/>
-                  </a:solidFill>
-                  <a:latin typeface="Arial Narrow" panose="020B0606020202030204" pitchFamily="34" charset="0"/>
-                </a:rPr>
-                <a:t>2016:</a:t>
-              </a:r>
-            </a:p>
-          </p:txBody>
-        </p:sp>
-        <p:sp>
-          <p:nvSpPr>
-            <p:cNvPr id="15" name="Rectangle: Rounded Corners 14">
-              <a:extLst>
-                <a:ext uri="{FF2B5EF4-FFF2-40B4-BE49-F238E27FC236}">
-                  <a16:creationId xmlns:a16="http://schemas.microsoft.com/office/drawing/2014/main" id="{8777892D-759A-4086-AF22-ADF29283590B}"/>
-                </a:ext>
-              </a:extLst>
-            </p:cNvPr>
-            <p:cNvSpPr/>
-            <p:nvPr/>
-          </p:nvSpPr>
-          <p:spPr>
-            <a:xfrm>
-              <a:off x="672901" y="1746634"/>
-              <a:ext cx="2174132" cy="1140238"/>
-            </a:xfrm>
-            <a:prstGeom prst="roundRect">
-              <a:avLst/>
-            </a:prstGeom>
-            <a:blipFill dpi="0" rotWithShape="1">
-              <a:blip r:embed="rId12" cstate="print">
-                <a:extLst>
-                  <a:ext uri="{28A0092B-C50C-407E-A947-70E740481C1C}">
-                    <a14:useLocalDpi xmlns:a14="http://schemas.microsoft.com/office/drawing/2010/main" val="0"/>
-                  </a:ext>
-                  <a:ext uri="{837473B0-CC2E-450A-ABE3-18F120FF3D39}">
-                    <a1611:picAttrSrcUrl xmlns:a1611="http://schemas.microsoft.com/office/drawing/2016/11/main" r:id="rId13"/>
-                  </a:ext>
-                </a:extLst>
-              </a:blip>
-              <a:srcRect/>
-              <a:stretch>
-                <a:fillRect/>
-              </a:stretch>
-            </a:blipFill>
-            <a:ln>
-              <a:solidFill>
-                <a:schemeClr val="tx1"/>
-              </a:solidFill>
-            </a:ln>
-            <a:scene3d>
-              <a:camera prst="orthographicFront"/>
-              <a:lightRig rig="threePt" dir="t"/>
-            </a:scene3d>
-            <a:sp3d>
-              <a:bevelT w="114300" prst="artDeco"/>
-            </a:sp3d>
-          </p:spPr>
-          <p:style>
-            <a:lnRef idx="2">
-              <a:schemeClr val="accent1">
-                <a:shade val="50000"/>
-              </a:schemeClr>
-            </a:lnRef>
-            <a:fillRef idx="1">
-              <a:schemeClr val="accent1"/>
-            </a:fillRef>
-            <a:effectRef idx="0">
-              <a:schemeClr val="accent1"/>
-            </a:effectRef>
-            <a:fontRef idx="minor">
-              <a:schemeClr val="lt1"/>
-            </a:fontRef>
-          </p:style>
-          <p:txBody>
-            <a:bodyPr rtlCol="0" anchor="ctr"/>
-            <a:lstStyle/>
-            <a:p>
-              <a:pPr algn="ctr"/>
-              <a:endParaRPr lang="en-US" sz="2400" b="1" dirty="0">
-                <a:solidFill>
-                  <a:srgbClr val="00577E"/>
-                </a:solidFill>
-              </a:endParaRPr>
-            </a:p>
-          </p:txBody>
-        </p:sp>
-      </p:grpSp>
-      <p:grpSp>
-        <p:nvGrpSpPr>
-          <p:cNvPr id="16" name="Group 15">
-            <a:extLst>
-              <a:ext uri="{FF2B5EF4-FFF2-40B4-BE49-F238E27FC236}">
-                <a16:creationId xmlns:a16="http://schemas.microsoft.com/office/drawing/2014/main" id="{92DBFA76-339B-4BC7-A996-64FF23A08D34}"/>
-              </a:ext>
-            </a:extLst>
-          </p:cNvPr>
-          <p:cNvGrpSpPr/>
-          <p:nvPr/>
-        </p:nvGrpSpPr>
-        <p:grpSpPr>
-          <a:xfrm>
-            <a:off x="1441590" y="4793899"/>
-            <a:ext cx="1842481" cy="1376582"/>
-            <a:chOff x="622568" y="4797529"/>
-            <a:chExt cx="2174132" cy="1624369"/>
-          </a:xfrm>
-        </p:grpSpPr>
-        <p:sp>
-          <p:nvSpPr>
-            <p:cNvPr id="17" name="TextBox 16">
-              <a:extLst>
-                <a:ext uri="{FF2B5EF4-FFF2-40B4-BE49-F238E27FC236}">
-                  <a16:creationId xmlns:a16="http://schemas.microsoft.com/office/drawing/2014/main" id="{18863F4F-F7B3-4AA0-A3A2-69C4090AE22B}"/>
-                </a:ext>
-              </a:extLst>
-            </p:cNvPr>
-            <p:cNvSpPr txBox="1"/>
-            <p:nvPr/>
-          </p:nvSpPr>
-          <p:spPr>
-            <a:xfrm>
-              <a:off x="672901" y="4797529"/>
-              <a:ext cx="982091" cy="544765"/>
-            </a:xfrm>
-            <a:prstGeom prst="rect">
-              <a:avLst/>
-            </a:prstGeom>
-            <a:noFill/>
-            <a:scene3d>
-              <a:camera prst="orthographicFront"/>
-              <a:lightRig rig="threePt" dir="t"/>
-            </a:scene3d>
-            <a:sp3d>
-              <a:bevelT w="114300" prst="artDeco"/>
-            </a:sp3d>
-          </p:spPr>
-          <p:txBody>
-            <a:bodyPr wrap="none" rtlCol="0">
-              <a:spAutoFit/>
-            </a:bodyPr>
-            <a:lstStyle/>
-            <a:p>
-              <a:r>
-                <a:rPr lang="en-US" sz="2400" b="1" dirty="0">
-                  <a:solidFill>
-                    <a:srgbClr val="00577E"/>
-                  </a:solidFill>
-                  <a:latin typeface="Arial Narrow" panose="020B0606020202030204" pitchFamily="34" charset="0"/>
-                </a:rPr>
-                <a:t>2018:</a:t>
-              </a:r>
-            </a:p>
-          </p:txBody>
-        </p:sp>
-        <p:sp>
-          <p:nvSpPr>
-            <p:cNvPr id="18" name="Rectangle: Rounded Corners 17">
-              <a:extLst>
-                <a:ext uri="{FF2B5EF4-FFF2-40B4-BE49-F238E27FC236}">
-                  <a16:creationId xmlns:a16="http://schemas.microsoft.com/office/drawing/2014/main" id="{CA295CF7-0415-4BD2-B05F-3124A13F2AF7}"/>
-                </a:ext>
-              </a:extLst>
-            </p:cNvPr>
-            <p:cNvSpPr/>
-            <p:nvPr/>
-          </p:nvSpPr>
-          <p:spPr>
-            <a:xfrm>
-              <a:off x="622568" y="5281660"/>
-              <a:ext cx="2174132" cy="1140238"/>
-            </a:xfrm>
-            <a:prstGeom prst="roundRect">
-              <a:avLst/>
-            </a:prstGeom>
-            <a:blipFill dpi="0" rotWithShape="1">
-              <a:blip r:embed="rId14" cstate="print">
-                <a:extLst>
-                  <a:ext uri="{28A0092B-C50C-407E-A947-70E740481C1C}">
-                    <a14:useLocalDpi xmlns:a14="http://schemas.microsoft.com/office/drawing/2010/main" val="0"/>
-                  </a:ext>
-                  <a:ext uri="{837473B0-CC2E-450A-ABE3-18F120FF3D39}">
-                    <a1611:picAttrSrcUrl xmlns:a1611="http://schemas.microsoft.com/office/drawing/2016/11/main" r:id="rId15"/>
-                  </a:ext>
-                </a:extLst>
-              </a:blip>
-              <a:srcRect/>
-              <a:stretch>
-                <a:fillRect/>
-              </a:stretch>
-            </a:blipFill>
-            <a:ln>
-              <a:solidFill>
-                <a:schemeClr val="tx1"/>
-              </a:solidFill>
-            </a:ln>
-            <a:scene3d>
-              <a:camera prst="orthographicFront"/>
-              <a:lightRig rig="threePt" dir="t"/>
-            </a:scene3d>
-            <a:sp3d>
-              <a:bevelT w="114300" prst="artDeco"/>
-            </a:sp3d>
-          </p:spPr>
-          <p:style>
-            <a:lnRef idx="2">
-              <a:schemeClr val="accent1">
-                <a:shade val="50000"/>
-              </a:schemeClr>
-            </a:lnRef>
-            <a:fillRef idx="1">
-              <a:schemeClr val="accent1"/>
-            </a:fillRef>
-            <a:effectRef idx="0">
-              <a:schemeClr val="accent1"/>
-            </a:effectRef>
-            <a:fontRef idx="minor">
-              <a:schemeClr val="lt1"/>
-            </a:fontRef>
-          </p:style>
-          <p:txBody>
-            <a:bodyPr rtlCol="0" anchor="ctr"/>
-            <a:lstStyle/>
-            <a:p>
-              <a:pPr algn="ctr"/>
-              <a:endParaRPr lang="en-US" sz="2400" b="1" dirty="0">
-                <a:solidFill>
-                  <a:srgbClr val="00577E"/>
-                </a:solidFill>
-              </a:endParaRPr>
-            </a:p>
-          </p:txBody>
-        </p:sp>
-      </p:grpSp>
-      <p:grpSp>
-        <p:nvGrpSpPr>
-          <p:cNvPr id="19" name="Group 18">
-            <a:extLst>
-              <a:ext uri="{FF2B5EF4-FFF2-40B4-BE49-F238E27FC236}">
-                <a16:creationId xmlns:a16="http://schemas.microsoft.com/office/drawing/2014/main" id="{4695C998-EA22-48E6-99A8-4261DE86D1B7}"/>
-              </a:ext>
-            </a:extLst>
-          </p:cNvPr>
-          <p:cNvGrpSpPr/>
-          <p:nvPr/>
-        </p:nvGrpSpPr>
-        <p:grpSpPr>
-          <a:xfrm>
-            <a:off x="6798451" y="1573478"/>
-            <a:ext cx="3959738" cy="1685307"/>
-            <a:chOff x="5785531" y="918808"/>
-            <a:chExt cx="4624093" cy="1968064"/>
-          </a:xfrm>
-        </p:grpSpPr>
-        <p:sp>
-          <p:nvSpPr>
-            <p:cNvPr id="20" name="Rectangle: Rounded Corners 19">
-              <a:extLst>
-                <a:ext uri="{FF2B5EF4-FFF2-40B4-BE49-F238E27FC236}">
-                  <a16:creationId xmlns:a16="http://schemas.microsoft.com/office/drawing/2014/main" id="{BA8EBCCF-FA84-4EA4-B032-1EFDBA14DBA8}"/>
-                </a:ext>
-              </a:extLst>
-            </p:cNvPr>
-            <p:cNvSpPr/>
-            <p:nvPr/>
-          </p:nvSpPr>
-          <p:spPr>
-            <a:xfrm>
-              <a:off x="5785531" y="918808"/>
-              <a:ext cx="4565673" cy="1968064"/>
-            </a:xfrm>
-            <a:prstGeom prst="roundRect">
-              <a:avLst/>
-            </a:prstGeom>
-            <a:noFill/>
-            <a:ln w="38100"/>
-            <a:effectLst>
-              <a:outerShdw blurRad="50800" dist="38100" dir="8100000" algn="tr" rotWithShape="0">
-                <a:prstClr val="black">
-                  <a:alpha val="40000"/>
-                </a:prstClr>
-              </a:outerShdw>
-            </a:effectLst>
-          </p:spPr>
-          <p:style>
-            <a:lnRef idx="2">
-              <a:schemeClr val="accent1">
-                <a:shade val="50000"/>
-              </a:schemeClr>
-            </a:lnRef>
-            <a:fillRef idx="1">
-              <a:schemeClr val="accent1"/>
-            </a:fillRef>
-            <a:effectRef idx="0">
-              <a:schemeClr val="accent1"/>
-            </a:effectRef>
-            <a:fontRef idx="minor">
-              <a:schemeClr val="lt1"/>
-            </a:fontRef>
-          </p:style>
-          <p:txBody>
-            <a:bodyPr rtlCol="0" anchor="ctr"/>
-            <a:lstStyle/>
-            <a:p>
-              <a:pPr algn="ctr"/>
-              <a:endParaRPr lang="en-US" b="1" dirty="0">
-                <a:latin typeface="Arial Narrow" panose="020B0606020202030204" pitchFamily="34" charset="0"/>
-              </a:endParaRPr>
-            </a:p>
-          </p:txBody>
-        </p:sp>
-        <p:sp>
-          <p:nvSpPr>
-            <p:cNvPr id="21" name="TextBox 20">
-              <a:extLst>
-                <a:ext uri="{FF2B5EF4-FFF2-40B4-BE49-F238E27FC236}">
-                  <a16:creationId xmlns:a16="http://schemas.microsoft.com/office/drawing/2014/main" id="{9E08633C-F67F-443E-9428-E015A1F07E85}"/>
-                </a:ext>
-              </a:extLst>
-            </p:cNvPr>
-            <p:cNvSpPr txBox="1"/>
-            <p:nvPr/>
-          </p:nvSpPr>
-          <p:spPr>
-            <a:xfrm>
-              <a:off x="7013120" y="975080"/>
-              <a:ext cx="2220509" cy="539122"/>
-            </a:xfrm>
-            <a:prstGeom prst="rect">
-              <a:avLst/>
-            </a:prstGeom>
-            <a:noFill/>
-          </p:spPr>
-          <p:txBody>
-            <a:bodyPr wrap="none" rtlCol="0">
-              <a:spAutoFit/>
-            </a:bodyPr>
-            <a:lstStyle/>
-            <a:p>
-              <a:r>
-                <a:rPr lang="en-US" sz="2400" b="1" dirty="0">
-                  <a:solidFill>
-                    <a:srgbClr val="00577E"/>
-                  </a:solidFill>
-                  <a:latin typeface="Arial Narrow" panose="020B0606020202030204" pitchFamily="34" charset="0"/>
-                </a:rPr>
-                <a:t>1,974 Matches</a:t>
-              </a:r>
-            </a:p>
-          </p:txBody>
-        </p:sp>
-        <p:sp>
-          <p:nvSpPr>
-            <p:cNvPr id="22" name="Arrow: Down 21">
-              <a:extLst>
-                <a:ext uri="{FF2B5EF4-FFF2-40B4-BE49-F238E27FC236}">
-                  <a16:creationId xmlns:a16="http://schemas.microsoft.com/office/drawing/2014/main" id="{8B26D85F-9FDA-4812-B6D8-2B78D454FCAD}"/>
-                </a:ext>
-              </a:extLst>
-            </p:cNvPr>
-            <p:cNvSpPr/>
-            <p:nvPr/>
-          </p:nvSpPr>
-          <p:spPr>
-            <a:xfrm>
-              <a:off x="7864088" y="1528247"/>
-              <a:ext cx="408561" cy="730132"/>
-            </a:xfrm>
-            <a:prstGeom prst="downArrow">
-              <a:avLst/>
-            </a:prstGeom>
-            <a:solidFill>
-              <a:srgbClr val="00577E"/>
-            </a:solidFill>
-            <a:ln>
-              <a:noFill/>
-            </a:ln>
-            <a:effectLst>
-              <a:outerShdw blurRad="44450" dist="27940" dir="5400000" algn="ctr">
-                <a:srgbClr val="000000">
-                  <a:alpha val="32000"/>
-                </a:srgbClr>
-              </a:outerShdw>
-            </a:effectLst>
-            <a:scene3d>
-              <a:camera prst="orthographicFront">
-                <a:rot lat="0" lon="0" rev="0"/>
-              </a:camera>
-              <a:lightRig rig="balanced" dir="t">
-                <a:rot lat="0" lon="0" rev="8700000"/>
-              </a:lightRig>
-            </a:scene3d>
-            <a:sp3d>
-              <a:bevelT w="190500" h="38100"/>
-            </a:sp3d>
-          </p:spPr>
-          <p:style>
-            <a:lnRef idx="2">
-              <a:schemeClr val="accent1">
-                <a:shade val="50000"/>
-              </a:schemeClr>
-            </a:lnRef>
-            <a:fillRef idx="1">
-              <a:schemeClr val="accent1"/>
-            </a:fillRef>
-            <a:effectRef idx="0">
-              <a:schemeClr val="accent1"/>
-            </a:effectRef>
-            <a:fontRef idx="minor">
-              <a:schemeClr val="lt1"/>
-            </a:fontRef>
-          </p:style>
-          <p:txBody>
-            <a:bodyPr rtlCol="0" anchor="ctr"/>
-            <a:lstStyle/>
-            <a:p>
-              <a:pPr algn="ctr"/>
-              <a:endParaRPr lang="en-US" b="1">
-                <a:latin typeface="Arial Narrow" panose="020B0606020202030204" pitchFamily="34" charset="0"/>
-              </a:endParaRPr>
-            </a:p>
-          </p:txBody>
-        </p:sp>
-        <p:sp>
-          <p:nvSpPr>
-            <p:cNvPr id="23" name="TextBox 22">
-              <a:extLst>
-                <a:ext uri="{FF2B5EF4-FFF2-40B4-BE49-F238E27FC236}">
-                  <a16:creationId xmlns:a16="http://schemas.microsoft.com/office/drawing/2014/main" id="{3AF5BA8D-EFDA-495B-9355-4A1E67DF7485}"/>
-                </a:ext>
-              </a:extLst>
-            </p:cNvPr>
-            <p:cNvSpPr txBox="1"/>
-            <p:nvPr/>
-          </p:nvSpPr>
-          <p:spPr>
-            <a:xfrm>
-              <a:off x="5785531" y="2189779"/>
-              <a:ext cx="4624093" cy="539122"/>
-            </a:xfrm>
-            <a:prstGeom prst="rect">
-              <a:avLst/>
-            </a:prstGeom>
-            <a:noFill/>
-          </p:spPr>
-          <p:txBody>
-            <a:bodyPr wrap="none" rtlCol="0">
-              <a:spAutoFit/>
-            </a:bodyPr>
-            <a:lstStyle/>
-            <a:p>
-              <a:r>
-                <a:rPr lang="en-US" sz="2400" b="1" dirty="0">
-                  <a:solidFill>
-                    <a:srgbClr val="00577E"/>
-                  </a:solidFill>
-                  <a:latin typeface="Arial Narrow" panose="020B0606020202030204" pitchFamily="34" charset="0"/>
-                </a:rPr>
-                <a:t>3,251,294 events &amp; 18 variables</a:t>
-              </a:r>
-            </a:p>
-          </p:txBody>
-        </p:sp>
-      </p:grpSp>
-    </p:spTree>
-    <p:extLst>
-      <p:ext uri="{BB962C8B-B14F-4D97-AF65-F5344CB8AC3E}">
-        <p14:creationId xmlns:p14="http://schemas.microsoft.com/office/powerpoint/2010/main" val="3983215714"/>
-      </p:ext>
-    </p:extLst>
-  </p:cSld>
-  <p:clrMapOvr>
-    <a:masterClrMapping/>
-  </p:clrMapOvr>
-  <p:timing>
-    <p:tnLst>
-      <p:par>
-        <p:cTn id="1" dur="indefinite" restart="never" nodeType="tmRoot">
-          <p:childTnLst>
-            <p:seq concurrent="1" nextAc="seek">
-              <p:cTn id="2" dur="indefinite" nodeType="mainSeq">
-                <p:childTnLst>
-                  <p:par>
-                    <p:cTn id="3" fill="hold">
-                      <p:stCondLst>
-                        <p:cond delay="indefinite"/>
-                      </p:stCondLst>
-                      <p:childTnLst>
-                        <p:par>
-                          <p:cTn id="4" fill="hold">
-                            <p:stCondLst>
-                              <p:cond delay="0"/>
-                            </p:stCondLst>
-                            <p:childTnLst>
-                              <p:par>
-                                <p:cTn id="5" presetID="53" presetClass="entr" presetSubtype="16" fill="hold" nodeType="clickEffect">
-                                  <p:stCondLst>
-                                    <p:cond delay="0"/>
-                                  </p:stCondLst>
-                                  <p:childTnLst>
-                                    <p:set>
-                                      <p:cBhvr>
-                                        <p:cTn id="6" dur="1" fill="hold">
-                                          <p:stCondLst>
-                                            <p:cond delay="0"/>
-                                          </p:stCondLst>
-                                        </p:cTn>
-                                        <p:tgtEl>
-                                          <p:spTgt spid="19"/>
-                                        </p:tgtEl>
-                                        <p:attrNameLst>
-                                          <p:attrName>style.visibility</p:attrName>
-                                        </p:attrNameLst>
-                                      </p:cBhvr>
-                                      <p:to>
-                                        <p:strVal val="visible"/>
-                                      </p:to>
-                                    </p:set>
-                                    <p:anim calcmode="lin" valueType="num">
-                                      <p:cBhvr>
-                                        <p:cTn id="7" dur="500" fill="hold"/>
-                                        <p:tgtEl>
-                                          <p:spTgt spid="19"/>
-                                        </p:tgtEl>
-                                        <p:attrNameLst>
-                                          <p:attrName>ppt_w</p:attrName>
-                                        </p:attrNameLst>
-                                      </p:cBhvr>
-                                      <p:tavLst>
-                                        <p:tav tm="0">
-                                          <p:val>
-                                            <p:fltVal val="0"/>
-                                          </p:val>
-                                        </p:tav>
-                                        <p:tav tm="100000">
-                                          <p:val>
-                                            <p:strVal val="#ppt_w"/>
-                                          </p:val>
-                                        </p:tav>
-                                      </p:tavLst>
-                                    </p:anim>
-                                    <p:anim calcmode="lin" valueType="num">
-                                      <p:cBhvr>
-                                        <p:cTn id="8" dur="500" fill="hold"/>
-                                        <p:tgtEl>
-                                          <p:spTgt spid="19"/>
-                                        </p:tgtEl>
-                                        <p:attrNameLst>
-                                          <p:attrName>ppt_h</p:attrName>
-                                        </p:attrNameLst>
-                                      </p:cBhvr>
-                                      <p:tavLst>
-                                        <p:tav tm="0">
-                                          <p:val>
-                                            <p:fltVal val="0"/>
-                                          </p:val>
-                                        </p:tav>
-                                        <p:tav tm="100000">
-                                          <p:val>
-                                            <p:strVal val="#ppt_h"/>
-                                          </p:val>
-                                        </p:tav>
-                                      </p:tavLst>
-                                    </p:anim>
-                                    <p:animEffect transition="in" filter="fade">
-                                      <p:cBhvr>
-                                        <p:cTn id="9" dur="500"/>
-                                        <p:tgtEl>
-                                          <p:spTgt spid="19"/>
-                                        </p:tgtEl>
-                                      </p:cBhvr>
-                                    </p:animEffect>
-                                  </p:childTnLst>
-                                </p:cTn>
-                              </p:par>
-                            </p:childTnLst>
-                          </p:cTn>
-                        </p:par>
-                      </p:childTnLst>
-                    </p:cTn>
-                  </p:par>
-                  <p:par>
-                    <p:cTn id="10" fill="hold">
-                      <p:stCondLst>
-                        <p:cond delay="indefinite"/>
-                      </p:stCondLst>
-                      <p:childTnLst>
-                        <p:par>
-                          <p:cTn id="11" fill="hold">
-                            <p:stCondLst>
-                              <p:cond delay="0"/>
-                            </p:stCondLst>
-                            <p:childTnLst>
-                              <p:par>
-                                <p:cTn id="12" presetID="42" presetClass="entr" presetSubtype="0" fill="hold" nodeType="clickEffect">
-                                  <p:stCondLst>
-                                    <p:cond delay="0"/>
-                                  </p:stCondLst>
-                                  <p:childTnLst>
-                                    <p:set>
-                                      <p:cBhvr>
-                                        <p:cTn id="13" dur="1" fill="hold">
-                                          <p:stCondLst>
-                                            <p:cond delay="0"/>
-                                          </p:stCondLst>
-                                        </p:cTn>
-                                        <p:tgtEl>
-                                          <p:spTgt spid="13"/>
-                                        </p:tgtEl>
-                                        <p:attrNameLst>
-                                          <p:attrName>style.visibility</p:attrName>
-                                        </p:attrNameLst>
-                                      </p:cBhvr>
-                                      <p:to>
-                                        <p:strVal val="visible"/>
-                                      </p:to>
-                                    </p:set>
-                                    <p:animEffect transition="in" filter="fade">
-                                      <p:cBhvr>
-                                        <p:cTn id="14" dur="1000"/>
-                                        <p:tgtEl>
-                                          <p:spTgt spid="13"/>
-                                        </p:tgtEl>
-                                      </p:cBhvr>
-                                    </p:animEffect>
-                                    <p:anim calcmode="lin" valueType="num">
-                                      <p:cBhvr>
-                                        <p:cTn id="15" dur="1000" fill="hold"/>
-                                        <p:tgtEl>
-                                          <p:spTgt spid="13"/>
-                                        </p:tgtEl>
-                                        <p:attrNameLst>
-                                          <p:attrName>ppt_x</p:attrName>
-                                        </p:attrNameLst>
-                                      </p:cBhvr>
-                                      <p:tavLst>
-                                        <p:tav tm="0">
-                                          <p:val>
-                                            <p:strVal val="#ppt_x"/>
-                                          </p:val>
-                                        </p:tav>
-                                        <p:tav tm="100000">
-                                          <p:val>
-                                            <p:strVal val="#ppt_x"/>
-                                          </p:val>
-                                        </p:tav>
-                                      </p:tavLst>
-                                    </p:anim>
-                                    <p:anim calcmode="lin" valueType="num">
-                                      <p:cBhvr>
-                                        <p:cTn id="16" dur="1000" fill="hold"/>
-                                        <p:tgtEl>
-                                          <p:spTgt spid="13"/>
-                                        </p:tgtEl>
-                                        <p:attrNameLst>
-                                          <p:attrName>ppt_y</p:attrName>
-                                        </p:attrNameLst>
-                                      </p:cBhvr>
-                                      <p:tavLst>
-                                        <p:tav tm="0">
-                                          <p:val>
-                                            <p:strVal val="#ppt_y+.1"/>
-                                          </p:val>
-                                        </p:tav>
-                                        <p:tav tm="100000">
-                                          <p:val>
-                                            <p:strVal val="#ppt_y"/>
-                                          </p:val>
-                                        </p:tav>
-                                      </p:tavLst>
-                                    </p:anim>
-                                  </p:childTnLst>
-                                </p:cTn>
-                              </p:par>
-                            </p:childTnLst>
-                          </p:cTn>
-                        </p:par>
-                      </p:childTnLst>
-                    </p:cTn>
-                  </p:par>
-                  <p:par>
-                    <p:cTn id="17" fill="hold">
-                      <p:stCondLst>
-                        <p:cond delay="indefinite"/>
-                      </p:stCondLst>
-                      <p:childTnLst>
-                        <p:par>
-                          <p:cTn id="18" fill="hold">
-                            <p:stCondLst>
-                              <p:cond delay="0"/>
-                            </p:stCondLst>
-                            <p:childTnLst>
-                              <p:par>
-                                <p:cTn id="19" presetID="42" presetClass="entr" presetSubtype="0" fill="hold" nodeType="clickEffect">
-                                  <p:stCondLst>
-                                    <p:cond delay="0"/>
-                                  </p:stCondLst>
-                                  <p:childTnLst>
-                                    <p:set>
-                                      <p:cBhvr>
-                                        <p:cTn id="20" dur="1" fill="hold">
-                                          <p:stCondLst>
-                                            <p:cond delay="0"/>
-                                          </p:stCondLst>
-                                        </p:cTn>
-                                        <p:tgtEl>
-                                          <p:spTgt spid="6"/>
-                                        </p:tgtEl>
-                                        <p:attrNameLst>
-                                          <p:attrName>style.visibility</p:attrName>
-                                        </p:attrNameLst>
-                                      </p:cBhvr>
-                                      <p:to>
-                                        <p:strVal val="visible"/>
-                                      </p:to>
-                                    </p:set>
-                                    <p:animEffect transition="in" filter="fade">
-                                      <p:cBhvr>
-                                        <p:cTn id="21" dur="1000"/>
-                                        <p:tgtEl>
-                                          <p:spTgt spid="6"/>
-                                        </p:tgtEl>
-                                      </p:cBhvr>
-                                    </p:animEffect>
-                                    <p:anim calcmode="lin" valueType="num">
-                                      <p:cBhvr>
-                                        <p:cTn id="22" dur="1000" fill="hold"/>
-                                        <p:tgtEl>
-                                          <p:spTgt spid="6"/>
-                                        </p:tgtEl>
-                                        <p:attrNameLst>
-                                          <p:attrName>ppt_x</p:attrName>
-                                        </p:attrNameLst>
-                                      </p:cBhvr>
-                                      <p:tavLst>
-                                        <p:tav tm="0">
-                                          <p:val>
-                                            <p:strVal val="#ppt_x"/>
-                                          </p:val>
-                                        </p:tav>
-                                        <p:tav tm="100000">
-                                          <p:val>
-                                            <p:strVal val="#ppt_x"/>
-                                          </p:val>
-                                        </p:tav>
-                                      </p:tavLst>
-                                    </p:anim>
-                                    <p:anim calcmode="lin" valueType="num">
-                                      <p:cBhvr>
-                                        <p:cTn id="23" dur="1000" fill="hold"/>
-                                        <p:tgtEl>
-                                          <p:spTgt spid="6"/>
-                                        </p:tgtEl>
-                                        <p:attrNameLst>
-                                          <p:attrName>ppt_y</p:attrName>
-                                        </p:attrNameLst>
-                                      </p:cBhvr>
-                                      <p:tavLst>
-                                        <p:tav tm="0">
-                                          <p:val>
-                                            <p:strVal val="#ppt_y+.1"/>
-                                          </p:val>
-                                        </p:tav>
-                                        <p:tav tm="100000">
-                                          <p:val>
-                                            <p:strVal val="#ppt_y"/>
-                                          </p:val>
-                                        </p:tav>
-                                      </p:tavLst>
-                                    </p:anim>
-                                  </p:childTnLst>
-                                </p:cTn>
-                              </p:par>
-                            </p:childTnLst>
-                          </p:cTn>
-                        </p:par>
-                      </p:childTnLst>
-                    </p:cTn>
-                  </p:par>
-                  <p:par>
-                    <p:cTn id="24" fill="hold">
-                      <p:stCondLst>
-                        <p:cond delay="indefinite"/>
-                      </p:stCondLst>
-                      <p:childTnLst>
-                        <p:par>
-                          <p:cTn id="25" fill="hold">
-                            <p:stCondLst>
-                              <p:cond delay="0"/>
-                            </p:stCondLst>
-                            <p:childTnLst>
-                              <p:par>
-                                <p:cTn id="26" presetID="42" presetClass="entr" presetSubtype="0" fill="hold" nodeType="clickEffect">
-                                  <p:stCondLst>
-                                    <p:cond delay="0"/>
-                                  </p:stCondLst>
-                                  <p:childTnLst>
-                                    <p:set>
-                                      <p:cBhvr>
-                                        <p:cTn id="27" dur="1" fill="hold">
-                                          <p:stCondLst>
-                                            <p:cond delay="0"/>
-                                          </p:stCondLst>
-                                        </p:cTn>
-                                        <p:tgtEl>
-                                          <p:spTgt spid="16"/>
-                                        </p:tgtEl>
-                                        <p:attrNameLst>
-                                          <p:attrName>style.visibility</p:attrName>
-                                        </p:attrNameLst>
-                                      </p:cBhvr>
-                                      <p:to>
-                                        <p:strVal val="visible"/>
-                                      </p:to>
-                                    </p:set>
-                                    <p:animEffect transition="in" filter="fade">
-                                      <p:cBhvr>
-                                        <p:cTn id="28" dur="1000"/>
-                                        <p:tgtEl>
-                                          <p:spTgt spid="16"/>
-                                        </p:tgtEl>
-                                      </p:cBhvr>
-                                    </p:animEffect>
-                                    <p:anim calcmode="lin" valueType="num">
-                                      <p:cBhvr>
-                                        <p:cTn id="29" dur="1000" fill="hold"/>
-                                        <p:tgtEl>
-                                          <p:spTgt spid="16"/>
-                                        </p:tgtEl>
-                                        <p:attrNameLst>
-                                          <p:attrName>ppt_x</p:attrName>
-                                        </p:attrNameLst>
-                                      </p:cBhvr>
-                                      <p:tavLst>
-                                        <p:tav tm="0">
-                                          <p:val>
-                                            <p:strVal val="#ppt_x"/>
-                                          </p:val>
-                                        </p:tav>
-                                        <p:tav tm="100000">
-                                          <p:val>
-                                            <p:strVal val="#ppt_x"/>
-                                          </p:val>
-                                        </p:tav>
-                                      </p:tavLst>
-                                    </p:anim>
-                                    <p:anim calcmode="lin" valueType="num">
-                                      <p:cBhvr>
-                                        <p:cTn id="30" dur="1000" fill="hold"/>
-                                        <p:tgtEl>
-                                          <p:spTgt spid="16"/>
-                                        </p:tgtEl>
-                                        <p:attrNameLst>
-                                          <p:attrName>ppt_y</p:attrName>
-                                        </p:attrNameLst>
-                                      </p:cBhvr>
-                                      <p:tavLst>
-                                        <p:tav tm="0">
-                                          <p:val>
-                                            <p:strVal val="#ppt_y+.1"/>
-                                          </p:val>
-                                        </p:tav>
-                                        <p:tav tm="100000">
-                                          <p:val>
-                                            <p:strVal val="#ppt_y"/>
-                                          </p:val>
-                                        </p:tav>
-                                      </p:tavLst>
-                                    </p:anim>
                                   </p:childTnLst>
                                 </p:cTn>
                               </p:par>

--- a/final_project/T2_final_project.pptx
+++ b/final_project/T2_final_project.pptx
@@ -24,11 +24,12 @@
     <p:sldId id="276" r:id="rId18"/>
     <p:sldId id="277" r:id="rId19"/>
     <p:sldId id="278" r:id="rId20"/>
-    <p:sldId id="279" r:id="rId21"/>
-    <p:sldId id="280" r:id="rId22"/>
-    <p:sldId id="281" r:id="rId23"/>
-    <p:sldId id="267" r:id="rId24"/>
-    <p:sldId id="268" r:id="rId25"/>
+    <p:sldId id="283" r:id="rId21"/>
+    <p:sldId id="279" r:id="rId22"/>
+    <p:sldId id="280" r:id="rId23"/>
+    <p:sldId id="281" r:id="rId24"/>
+    <p:sldId id="267" r:id="rId25"/>
+    <p:sldId id="268" r:id="rId26"/>
   </p:sldIdLst>
   <p:sldSz cx="12192000" cy="6858000"/>
   <p:notesSz cx="6858000" cy="9144000"/>
@@ -7603,7 +7604,7 @@
 </file>
 
 <file path=ppt/slides/slide17.xml><?xml version="1.0" encoding="utf-8"?>
-<p:sld xmlns:a="http://schemas.openxmlformats.org/drawingml/2006/main" xmlns:r="http://schemas.openxmlformats.org/officeDocument/2006/relationships" xmlns:p="http://schemas.openxmlformats.org/presentationml/2006/main">
+<p:sld xmlns:a="http://schemas.openxmlformats.org/drawingml/2006/main" xmlns:r="http://schemas.openxmlformats.org/officeDocument/2006/relationships" xmlns:p="http://schemas.openxmlformats.org/presentationml/2006/main" show="0">
   <p:cSld>
     <p:spTree>
       <p:nvGrpSpPr>
@@ -9839,6 +9840,186 @@
           <p:cNvPr id="2" name="Straight Connector 1">
             <a:extLst>
               <a:ext uri="{FF2B5EF4-FFF2-40B4-BE49-F238E27FC236}">
+                <a16:creationId xmlns:a16="http://schemas.microsoft.com/office/drawing/2014/main" id="{AC4F71CC-7F86-4E5B-8494-019D67CEEE38}"/>
+              </a:ext>
+            </a:extLst>
+          </p:cNvPr>
+          <p:cNvCxnSpPr/>
+          <p:nvPr/>
+        </p:nvCxnSpPr>
+        <p:spPr>
+          <a:xfrm>
+            <a:off x="0" y="1047750"/>
+            <a:ext cx="12192000" cy="0"/>
+          </a:xfrm>
+          <a:prstGeom prst="line">
+            <a:avLst/>
+          </a:prstGeom>
+          <a:ln w="76200">
+            <a:solidFill>
+              <a:srgbClr val="D2C264"/>
+            </a:solidFill>
+          </a:ln>
+        </p:spPr>
+        <p:style>
+          <a:lnRef idx="1">
+            <a:schemeClr val="accent1"/>
+          </a:lnRef>
+          <a:fillRef idx="0">
+            <a:schemeClr val="accent1"/>
+          </a:fillRef>
+          <a:effectRef idx="0">
+            <a:schemeClr val="accent1"/>
+          </a:effectRef>
+          <a:fontRef idx="minor">
+            <a:schemeClr val="tx1"/>
+          </a:fontRef>
+        </p:style>
+      </p:cxnSp>
+      <p:sp>
+        <p:nvSpPr>
+          <p:cNvPr id="3" name="TextBox 2">
+            <a:extLst>
+              <a:ext uri="{FF2B5EF4-FFF2-40B4-BE49-F238E27FC236}">
+                <a16:creationId xmlns:a16="http://schemas.microsoft.com/office/drawing/2014/main" id="{8B3BC4E2-3633-48AE-8642-FECEB91C7154}"/>
+              </a:ext>
+            </a:extLst>
+          </p:cNvPr>
+          <p:cNvSpPr txBox="1"/>
+          <p:nvPr/>
+        </p:nvSpPr>
+        <p:spPr>
+          <a:xfrm>
+            <a:off x="439692" y="229258"/>
+            <a:ext cx="5451685" cy="584775"/>
+          </a:xfrm>
+          <a:prstGeom prst="rect">
+            <a:avLst/>
+          </a:prstGeom>
+          <a:noFill/>
+        </p:spPr>
+        <p:txBody>
+          <a:bodyPr wrap="none" rtlCol="0">
+            <a:spAutoFit/>
+          </a:bodyPr>
+          <a:lstStyle/>
+          <a:p>
+            <a:r>
+              <a:rPr lang="en-US" sz="3200" b="1" dirty="0">
+                <a:latin typeface="Times New Roman" panose="02020603050405020304" pitchFamily="18" charset="0"/>
+                <a:cs typeface="Times New Roman" panose="02020603050405020304" pitchFamily="18" charset="0"/>
+              </a:rPr>
+              <a:t>Best Linear Regression Model</a:t>
+            </a:r>
+          </a:p>
+        </p:txBody>
+      </p:sp>
+      <p:pic>
+        <p:nvPicPr>
+          <p:cNvPr id="5" name="Picture 4">
+            <a:extLst>
+              <a:ext uri="{FF2B5EF4-FFF2-40B4-BE49-F238E27FC236}">
+                <a16:creationId xmlns:a16="http://schemas.microsoft.com/office/drawing/2014/main" id="{2C331DF7-6277-408E-BBD4-871A45CBAB36}"/>
+              </a:ext>
+            </a:extLst>
+          </p:cNvPr>
+          <p:cNvPicPr>
+            <a:picLocks noChangeAspect="1"/>
+          </p:cNvPicPr>
+          <p:nvPr/>
+        </p:nvPicPr>
+        <p:blipFill>
+          <a:blip r:embed="rId2"/>
+          <a:stretch>
+            <a:fillRect/>
+          </a:stretch>
+        </p:blipFill>
+        <p:spPr>
+          <a:xfrm>
+            <a:off x="2425798" y="1839099"/>
+            <a:ext cx="7358333" cy="4543771"/>
+          </a:xfrm>
+          <a:prstGeom prst="rect">
+            <a:avLst/>
+          </a:prstGeom>
+        </p:spPr>
+      </p:pic>
+      <p:sp>
+        <p:nvSpPr>
+          <p:cNvPr id="7" name="TextBox 6">
+            <a:extLst>
+              <a:ext uri="{FF2B5EF4-FFF2-40B4-BE49-F238E27FC236}">
+                <a16:creationId xmlns:a16="http://schemas.microsoft.com/office/drawing/2014/main" id="{9B1D8C54-4349-40BD-B90B-7A79C85053C7}"/>
+              </a:ext>
+            </a:extLst>
+          </p:cNvPr>
+          <p:cNvSpPr txBox="1"/>
+          <p:nvPr/>
+        </p:nvSpPr>
+        <p:spPr>
+          <a:xfrm>
+            <a:off x="5325373" y="1839099"/>
+            <a:ext cx="1559182" cy="646331"/>
+          </a:xfrm>
+          <a:prstGeom prst="rect">
+            <a:avLst/>
+          </a:prstGeom>
+          <a:noFill/>
+        </p:spPr>
+        <p:txBody>
+          <a:bodyPr wrap="square">
+            <a:spAutoFit/>
+          </a:bodyPr>
+          <a:lstStyle/>
+          <a:p>
+            <a:r>
+              <a:rPr lang="en-US" dirty="0"/>
+              <a:t>RMSE      R2 </a:t>
+            </a:r>
+          </a:p>
+          <a:p>
+            <a:r>
+              <a:rPr lang="en-US" dirty="0"/>
+              <a:t>5.275     0.418 </a:t>
+            </a:r>
+          </a:p>
+        </p:txBody>
+      </p:sp>
+    </p:spTree>
+    <p:extLst>
+      <p:ext uri="{BB962C8B-B14F-4D97-AF65-F5344CB8AC3E}">
+        <p14:creationId xmlns:p14="http://schemas.microsoft.com/office/powerpoint/2010/main" val="586131624"/>
+      </p:ext>
+    </p:extLst>
+  </p:cSld>
+  <p:clrMapOvr>
+    <a:masterClrMapping/>
+  </p:clrMapOvr>
+</p:sld>
+</file>
+
+<file path=ppt/slides/slide21.xml><?xml version="1.0" encoding="utf-8"?>
+<p:sld xmlns:a="http://schemas.openxmlformats.org/drawingml/2006/main" xmlns:r="http://schemas.openxmlformats.org/officeDocument/2006/relationships" xmlns:p="http://schemas.openxmlformats.org/presentationml/2006/main" show="0">
+  <p:cSld>
+    <p:spTree>
+      <p:nvGrpSpPr>
+        <p:cNvPr id="1" name=""/>
+        <p:cNvGrpSpPr/>
+        <p:nvPr/>
+      </p:nvGrpSpPr>
+      <p:grpSpPr>
+        <a:xfrm>
+          <a:off x="0" y="0"/>
+          <a:ext cx="0" cy="0"/>
+          <a:chOff x="0" y="0"/>
+          <a:chExt cx="0" cy="0"/>
+        </a:xfrm>
+      </p:grpSpPr>
+      <p:cxnSp>
+        <p:nvCxnSpPr>
+          <p:cNvPr id="2" name="Straight Connector 1">
+            <a:extLst>
+              <a:ext uri="{FF2B5EF4-FFF2-40B4-BE49-F238E27FC236}">
                 <a16:creationId xmlns:a16="http://schemas.microsoft.com/office/drawing/2014/main" id="{BC4339F9-A066-45CD-91C6-61FED21D3027}"/>
               </a:ext>
             </a:extLst>
@@ -10148,8 +10329,8 @@
 </p:sld>
 </file>
 
-<file path=ppt/slides/slide21.xml><?xml version="1.0" encoding="utf-8"?>
-<p:sld xmlns:a="http://schemas.openxmlformats.org/drawingml/2006/main" xmlns:r="http://schemas.openxmlformats.org/officeDocument/2006/relationships" xmlns:p="http://schemas.openxmlformats.org/presentationml/2006/main">
+<file path=ppt/slides/slide22.xml><?xml version="1.0" encoding="utf-8"?>
+<p:sld xmlns:a="http://schemas.openxmlformats.org/drawingml/2006/main" xmlns:r="http://schemas.openxmlformats.org/officeDocument/2006/relationships" xmlns:p="http://schemas.openxmlformats.org/presentationml/2006/main" show="0">
   <p:cSld>
     <p:spTree>
       <p:nvGrpSpPr>
@@ -10778,8 +10959,8 @@
 </p:sld>
 </file>
 
-<file path=ppt/slides/slide22.xml><?xml version="1.0" encoding="utf-8"?>
-<p:sld xmlns:a="http://schemas.openxmlformats.org/drawingml/2006/main" xmlns:r="http://schemas.openxmlformats.org/officeDocument/2006/relationships" xmlns:p="http://schemas.openxmlformats.org/presentationml/2006/main">
+<file path=ppt/slides/slide23.xml><?xml version="1.0" encoding="utf-8"?>
+<p:sld xmlns:a="http://schemas.openxmlformats.org/drawingml/2006/main" xmlns:r="http://schemas.openxmlformats.org/officeDocument/2006/relationships" xmlns:p="http://schemas.openxmlformats.org/presentationml/2006/main" show="0">
   <p:cSld>
     <p:spTree>
       <p:nvGrpSpPr>
@@ -11032,7 +11213,7 @@
 </p:sld>
 </file>
 
-<file path=ppt/slides/slide23.xml><?xml version="1.0" encoding="utf-8"?>
+<file path=ppt/slides/slide24.xml><?xml version="1.0" encoding="utf-8"?>
 <p:sld xmlns:a="http://schemas.openxmlformats.org/drawingml/2006/main" xmlns:r="http://schemas.openxmlformats.org/officeDocument/2006/relationships" xmlns:p="http://schemas.openxmlformats.org/presentationml/2006/main">
   <p:cSld>
     <p:spTree>
@@ -11141,7 +11322,7 @@
 </p:sld>
 </file>
 
-<file path=ppt/slides/slide24.xml><?xml version="1.0" encoding="utf-8"?>
+<file path=ppt/slides/slide25.xml><?xml version="1.0" encoding="utf-8"?>
 <p:sld xmlns:a="http://schemas.openxmlformats.org/drawingml/2006/main" xmlns:r="http://schemas.openxmlformats.org/officeDocument/2006/relationships" xmlns:p="http://schemas.openxmlformats.org/presentationml/2006/main">
   <p:cSld>
     <p:spTree>

--- a/final_project/T2_final_project.pptx
+++ b/final_project/T2_final_project.pptx
@@ -8,9 +8,9 @@
     <p:sldId id="257" r:id="rId2"/>
     <p:sldId id="258" r:id="rId3"/>
     <p:sldId id="259" r:id="rId4"/>
-    <p:sldId id="261" r:id="rId5"/>
-    <p:sldId id="260" r:id="rId6"/>
-    <p:sldId id="269" r:id="rId7"/>
+    <p:sldId id="260" r:id="rId5"/>
+    <p:sldId id="269" r:id="rId6"/>
+    <p:sldId id="261" r:id="rId7"/>
     <p:sldId id="265" r:id="rId8"/>
     <p:sldId id="270" r:id="rId9"/>
     <p:sldId id="272" r:id="rId10"/>
@@ -25,11 +25,9 @@
     <p:sldId id="277" r:id="rId19"/>
     <p:sldId id="278" r:id="rId20"/>
     <p:sldId id="283" r:id="rId21"/>
-    <p:sldId id="279" r:id="rId22"/>
-    <p:sldId id="280" r:id="rId23"/>
-    <p:sldId id="281" r:id="rId24"/>
-    <p:sldId id="267" r:id="rId25"/>
-    <p:sldId id="268" r:id="rId26"/>
+    <p:sldId id="267" r:id="rId22"/>
+    <p:sldId id="284" r:id="rId23"/>
+    <p:sldId id="268" r:id="rId24"/>
   </p:sldIdLst>
   <p:sldSz cx="12192000" cy="6858000"/>
   <p:notesSz cx="6858000" cy="9144000"/>
@@ -4011,6 +4009,44 @@
           </a:prstGeom>
         </p:spPr>
       </p:pic>
+      <p:sp>
+        <p:nvSpPr>
+          <p:cNvPr id="3" name="TextBox 2">
+            <a:extLst>
+              <a:ext uri="{FF2B5EF4-FFF2-40B4-BE49-F238E27FC236}">
+                <a16:creationId xmlns:a16="http://schemas.microsoft.com/office/drawing/2014/main" id="{4D0C753E-D2B8-4F7B-BC81-F73E5E8F32C4}"/>
+              </a:ext>
+            </a:extLst>
+          </p:cNvPr>
+          <p:cNvSpPr txBox="1"/>
+          <p:nvPr/>
+        </p:nvSpPr>
+        <p:spPr>
+          <a:xfrm>
+            <a:off x="11215389" y="80452"/>
+            <a:ext cx="800219" cy="369332"/>
+          </a:xfrm>
+          <a:prstGeom prst="rect">
+            <a:avLst/>
+          </a:prstGeom>
+          <a:noFill/>
+        </p:spPr>
+        <p:txBody>
+          <a:bodyPr wrap="none" rtlCol="0">
+            <a:spAutoFit/>
+          </a:bodyPr>
+          <a:lstStyle/>
+          <a:p>
+            <a:r>
+              <a:rPr lang="en-US" dirty="0">
+                <a:latin typeface="Times New Roman" panose="02020603050405020304" pitchFamily="18" charset="0"/>
+                <a:cs typeface="Times New Roman" panose="02020603050405020304" pitchFamily="18" charset="0"/>
+              </a:rPr>
+              <a:t>Daniel</a:t>
+            </a:r>
+          </a:p>
+        </p:txBody>
+      </p:sp>
     </p:spTree>
     <p:extLst>
       <p:ext uri="{BB962C8B-B14F-4D97-AF65-F5344CB8AC3E}">
@@ -4155,6 +4191,44 @@
                 <a:cs typeface="Times New Roman" panose="02020603050405020304" pitchFamily="18" charset="0"/>
               </a:rPr>
               <a:t>SMART Question 2:</a:t>
+            </a:r>
+          </a:p>
+        </p:txBody>
+      </p:sp>
+      <p:sp>
+        <p:nvSpPr>
+          <p:cNvPr id="5" name="TextBox 4">
+            <a:extLst>
+              <a:ext uri="{FF2B5EF4-FFF2-40B4-BE49-F238E27FC236}">
+                <a16:creationId xmlns:a16="http://schemas.microsoft.com/office/drawing/2014/main" id="{5968C956-CF53-42BE-BD91-C3E651F6F5C6}"/>
+              </a:ext>
+            </a:extLst>
+          </p:cNvPr>
+          <p:cNvSpPr txBox="1"/>
+          <p:nvPr/>
+        </p:nvSpPr>
+        <p:spPr>
+          <a:xfrm>
+            <a:off x="11215389" y="80452"/>
+            <a:ext cx="941283" cy="369332"/>
+          </a:xfrm>
+          <a:prstGeom prst="rect">
+            <a:avLst/>
+          </a:prstGeom>
+          <a:noFill/>
+        </p:spPr>
+        <p:txBody>
+          <a:bodyPr wrap="none" rtlCol="0">
+            <a:spAutoFit/>
+          </a:bodyPr>
+          <a:lstStyle/>
+          <a:p>
+            <a:r>
+              <a:rPr lang="en-US" dirty="0">
+                <a:latin typeface="Times New Roman" panose="02020603050405020304" pitchFamily="18" charset="0"/>
+                <a:cs typeface="Times New Roman" panose="02020603050405020304" pitchFamily="18" charset="0"/>
+              </a:rPr>
+              <a:t>Michael</a:t>
             </a:r>
           </a:p>
         </p:txBody>
@@ -4541,6 +4615,44 @@
           <a:p>
             <a:pPr algn="ctr"/>
             <a:endParaRPr lang="en-US"/>
+          </a:p>
+        </p:txBody>
+      </p:sp>
+      <p:sp>
+        <p:nvSpPr>
+          <p:cNvPr id="10" name="TextBox 9">
+            <a:extLst>
+              <a:ext uri="{FF2B5EF4-FFF2-40B4-BE49-F238E27FC236}">
+                <a16:creationId xmlns:a16="http://schemas.microsoft.com/office/drawing/2014/main" id="{4329DCDD-E468-44B0-AB84-11ED123E245F}"/>
+              </a:ext>
+            </a:extLst>
+          </p:cNvPr>
+          <p:cNvSpPr txBox="1"/>
+          <p:nvPr/>
+        </p:nvSpPr>
+        <p:spPr>
+          <a:xfrm>
+            <a:off x="11215389" y="80452"/>
+            <a:ext cx="941283" cy="369332"/>
+          </a:xfrm>
+          <a:prstGeom prst="rect">
+            <a:avLst/>
+          </a:prstGeom>
+          <a:noFill/>
+        </p:spPr>
+        <p:txBody>
+          <a:bodyPr wrap="none" rtlCol="0">
+            <a:spAutoFit/>
+          </a:bodyPr>
+          <a:lstStyle/>
+          <a:p>
+            <a:r>
+              <a:rPr lang="en-US" dirty="0">
+                <a:latin typeface="Times New Roman" panose="02020603050405020304" pitchFamily="18" charset="0"/>
+                <a:cs typeface="Times New Roman" panose="02020603050405020304" pitchFamily="18" charset="0"/>
+              </a:rPr>
+              <a:t>Michael</a:t>
+            </a:r>
           </a:p>
         </p:txBody>
       </p:sp>
@@ -6543,6 +6655,44 @@
           </a:p>
         </p:txBody>
       </p:sp>
+      <p:sp>
+        <p:nvSpPr>
+          <p:cNvPr id="33" name="TextBox 32">
+            <a:extLst>
+              <a:ext uri="{FF2B5EF4-FFF2-40B4-BE49-F238E27FC236}">
+                <a16:creationId xmlns:a16="http://schemas.microsoft.com/office/drawing/2014/main" id="{32AE6A30-CBC8-40DD-926E-59B6772158B8}"/>
+              </a:ext>
+            </a:extLst>
+          </p:cNvPr>
+          <p:cNvSpPr txBox="1"/>
+          <p:nvPr/>
+        </p:nvSpPr>
+        <p:spPr>
+          <a:xfrm>
+            <a:off x="11215389" y="80452"/>
+            <a:ext cx="941283" cy="369332"/>
+          </a:xfrm>
+          <a:prstGeom prst="rect">
+            <a:avLst/>
+          </a:prstGeom>
+          <a:noFill/>
+        </p:spPr>
+        <p:txBody>
+          <a:bodyPr wrap="none" rtlCol="0">
+            <a:spAutoFit/>
+          </a:bodyPr>
+          <a:lstStyle/>
+          <a:p>
+            <a:r>
+              <a:rPr lang="en-US" dirty="0">
+                <a:latin typeface="Times New Roman" panose="02020603050405020304" pitchFamily="18" charset="0"/>
+                <a:cs typeface="Times New Roman" panose="02020603050405020304" pitchFamily="18" charset="0"/>
+              </a:rPr>
+              <a:t>Michael</a:t>
+            </a:r>
+          </a:p>
+        </p:txBody>
+      </p:sp>
     </p:spTree>
     <p:extLst>
       <p:ext uri="{BB962C8B-B14F-4D97-AF65-F5344CB8AC3E}">
@@ -6734,6 +6884,44 @@
           </a:ln>
         </p:spPr>
       </p:pic>
+      <p:sp>
+        <p:nvSpPr>
+          <p:cNvPr id="6" name="TextBox 5">
+            <a:extLst>
+              <a:ext uri="{FF2B5EF4-FFF2-40B4-BE49-F238E27FC236}">
+                <a16:creationId xmlns:a16="http://schemas.microsoft.com/office/drawing/2014/main" id="{B9C90B26-26D1-4A0B-B0EF-18BEADE378C9}"/>
+              </a:ext>
+            </a:extLst>
+          </p:cNvPr>
+          <p:cNvSpPr txBox="1"/>
+          <p:nvPr/>
+        </p:nvSpPr>
+        <p:spPr>
+          <a:xfrm>
+            <a:off x="11215389" y="80452"/>
+            <a:ext cx="941283" cy="369332"/>
+          </a:xfrm>
+          <a:prstGeom prst="rect">
+            <a:avLst/>
+          </a:prstGeom>
+          <a:noFill/>
+        </p:spPr>
+        <p:txBody>
+          <a:bodyPr wrap="none" rtlCol="0">
+            <a:spAutoFit/>
+          </a:bodyPr>
+          <a:lstStyle/>
+          <a:p>
+            <a:r>
+              <a:rPr lang="en-US" dirty="0">
+                <a:latin typeface="Times New Roman" panose="02020603050405020304" pitchFamily="18" charset="0"/>
+                <a:cs typeface="Times New Roman" panose="02020603050405020304" pitchFamily="18" charset="0"/>
+              </a:rPr>
+              <a:t>Michael</a:t>
+            </a:r>
+          </a:p>
+        </p:txBody>
+      </p:sp>
     </p:spTree>
     <p:extLst>
       <p:ext uri="{BB962C8B-B14F-4D97-AF65-F5344CB8AC3E}">
@@ -7310,6 +7498,44 @@
           </a:p>
         </p:txBody>
       </p:sp>
+      <p:sp>
+        <p:nvSpPr>
+          <p:cNvPr id="14" name="TextBox 13">
+            <a:extLst>
+              <a:ext uri="{FF2B5EF4-FFF2-40B4-BE49-F238E27FC236}">
+                <a16:creationId xmlns:a16="http://schemas.microsoft.com/office/drawing/2014/main" id="{3CD9944B-7E47-4AED-99F6-5CCFC488B931}"/>
+              </a:ext>
+            </a:extLst>
+          </p:cNvPr>
+          <p:cNvSpPr txBox="1"/>
+          <p:nvPr/>
+        </p:nvSpPr>
+        <p:spPr>
+          <a:xfrm>
+            <a:off x="11215389" y="80452"/>
+            <a:ext cx="941283" cy="369332"/>
+          </a:xfrm>
+          <a:prstGeom prst="rect">
+            <a:avLst/>
+          </a:prstGeom>
+          <a:noFill/>
+        </p:spPr>
+        <p:txBody>
+          <a:bodyPr wrap="none" rtlCol="0">
+            <a:spAutoFit/>
+          </a:bodyPr>
+          <a:lstStyle/>
+          <a:p>
+            <a:r>
+              <a:rPr lang="en-US" dirty="0">
+                <a:latin typeface="Times New Roman" panose="02020603050405020304" pitchFamily="18" charset="0"/>
+                <a:cs typeface="Times New Roman" panose="02020603050405020304" pitchFamily="18" charset="0"/>
+              </a:rPr>
+              <a:t>Michael</a:t>
+            </a:r>
+          </a:p>
+        </p:txBody>
+      </p:sp>
     </p:spTree>
     <p:extLst>
       <p:ext uri="{BB962C8B-B14F-4D97-AF65-F5344CB8AC3E}">
@@ -7454,6 +7680,44 @@
                 <a:cs typeface="Times New Roman" panose="02020603050405020304" pitchFamily="18" charset="0"/>
               </a:rPr>
               <a:t>Based on match stats (i.e., percentage of possession of the ball, number of shots, number of shots on target, being home team vs being visitor team, etc.), can we predict the number of goals scored by each team?</a:t>
+            </a:r>
+          </a:p>
+        </p:txBody>
+      </p:sp>
+      <p:sp>
+        <p:nvSpPr>
+          <p:cNvPr id="5" name="TextBox 4">
+            <a:extLst>
+              <a:ext uri="{FF2B5EF4-FFF2-40B4-BE49-F238E27FC236}">
+                <a16:creationId xmlns:a16="http://schemas.microsoft.com/office/drawing/2014/main" id="{ACAAEEF6-7416-46A9-A115-7BEE157A487C}"/>
+              </a:ext>
+            </a:extLst>
+          </p:cNvPr>
+          <p:cNvSpPr txBox="1"/>
+          <p:nvPr/>
+        </p:nvSpPr>
+        <p:spPr>
+          <a:xfrm>
+            <a:off x="11215389" y="80452"/>
+            <a:ext cx="646331" cy="369332"/>
+          </a:xfrm>
+          <a:prstGeom prst="rect">
+            <a:avLst/>
+          </a:prstGeom>
+          <a:noFill/>
+        </p:spPr>
+        <p:txBody>
+          <a:bodyPr wrap="none" rtlCol="0">
+            <a:spAutoFit/>
+          </a:bodyPr>
+          <a:lstStyle/>
+          <a:p>
+            <a:r>
+              <a:rPr lang="en-US" dirty="0">
+                <a:latin typeface="Times New Roman" panose="02020603050405020304" pitchFamily="18" charset="0"/>
+                <a:cs typeface="Times New Roman" panose="02020603050405020304" pitchFamily="18" charset="0"/>
+              </a:rPr>
+              <a:t>Rose</a:t>
             </a:r>
           </a:p>
         </p:txBody>
@@ -7604,7 +7868,7 @@
 </file>
 
 <file path=ppt/slides/slide17.xml><?xml version="1.0" encoding="utf-8"?>
-<p:sld xmlns:a="http://schemas.openxmlformats.org/drawingml/2006/main" xmlns:r="http://schemas.openxmlformats.org/officeDocument/2006/relationships" xmlns:p="http://schemas.openxmlformats.org/presentationml/2006/main" show="0">
+<p:sld xmlns:a="http://schemas.openxmlformats.org/drawingml/2006/main" xmlns:r="http://schemas.openxmlformats.org/officeDocument/2006/relationships" xmlns:p="http://schemas.openxmlformats.org/presentationml/2006/main">
   <p:cSld>
     <p:spTree>
       <p:nvGrpSpPr>
@@ -7728,6 +7992,44 @@
           </a:prstGeom>
         </p:spPr>
       </p:pic>
+      <p:sp>
+        <p:nvSpPr>
+          <p:cNvPr id="5" name="TextBox 4">
+            <a:extLst>
+              <a:ext uri="{FF2B5EF4-FFF2-40B4-BE49-F238E27FC236}">
+                <a16:creationId xmlns:a16="http://schemas.microsoft.com/office/drawing/2014/main" id="{14421A78-58B9-4580-8291-DEB4A94713CE}"/>
+              </a:ext>
+            </a:extLst>
+          </p:cNvPr>
+          <p:cNvSpPr txBox="1"/>
+          <p:nvPr/>
+        </p:nvSpPr>
+        <p:spPr>
+          <a:xfrm>
+            <a:off x="11215389" y="80452"/>
+            <a:ext cx="646331" cy="369332"/>
+          </a:xfrm>
+          <a:prstGeom prst="rect">
+            <a:avLst/>
+          </a:prstGeom>
+          <a:noFill/>
+        </p:spPr>
+        <p:txBody>
+          <a:bodyPr wrap="none" rtlCol="0">
+            <a:spAutoFit/>
+          </a:bodyPr>
+          <a:lstStyle/>
+          <a:p>
+            <a:r>
+              <a:rPr lang="en-US" dirty="0">
+                <a:latin typeface="Times New Roman" panose="02020603050405020304" pitchFamily="18" charset="0"/>
+                <a:cs typeface="Times New Roman" panose="02020603050405020304" pitchFamily="18" charset="0"/>
+              </a:rPr>
+              <a:t>Rose</a:t>
+            </a:r>
+          </a:p>
+        </p:txBody>
+      </p:sp>
     </p:spTree>
     <p:extLst>
       <p:ext uri="{BB962C8B-B14F-4D97-AF65-F5344CB8AC3E}">
@@ -7866,6 +8168,44 @@
           </a:prstGeom>
         </p:spPr>
       </p:pic>
+      <p:sp>
+        <p:nvSpPr>
+          <p:cNvPr id="5" name="TextBox 4">
+            <a:extLst>
+              <a:ext uri="{FF2B5EF4-FFF2-40B4-BE49-F238E27FC236}">
+                <a16:creationId xmlns:a16="http://schemas.microsoft.com/office/drawing/2014/main" id="{F127B861-CE0B-4956-AF56-61F9EFACA894}"/>
+              </a:ext>
+            </a:extLst>
+          </p:cNvPr>
+          <p:cNvSpPr txBox="1"/>
+          <p:nvPr/>
+        </p:nvSpPr>
+        <p:spPr>
+          <a:xfrm>
+            <a:off x="11215389" y="80452"/>
+            <a:ext cx="646331" cy="369332"/>
+          </a:xfrm>
+          <a:prstGeom prst="rect">
+            <a:avLst/>
+          </a:prstGeom>
+          <a:noFill/>
+        </p:spPr>
+        <p:txBody>
+          <a:bodyPr wrap="none" rtlCol="0">
+            <a:spAutoFit/>
+          </a:bodyPr>
+          <a:lstStyle/>
+          <a:p>
+            <a:r>
+              <a:rPr lang="en-US" dirty="0">
+                <a:latin typeface="Times New Roman" panose="02020603050405020304" pitchFamily="18" charset="0"/>
+                <a:cs typeface="Times New Roman" panose="02020603050405020304" pitchFamily="18" charset="0"/>
+              </a:rPr>
+              <a:t>Rose</a:t>
+            </a:r>
+          </a:p>
+        </p:txBody>
+      </p:sp>
     </p:spTree>
     <p:extLst>
       <p:ext uri="{BB962C8B-B14F-4D97-AF65-F5344CB8AC3E}">
@@ -8287,6 +8627,44 @@
               <a:latin typeface="Times New Roman" panose="02020603050405020304" pitchFamily="18" charset="0"/>
               <a:cs typeface="Times New Roman" panose="02020603050405020304" pitchFamily="18" charset="0"/>
             </a:endParaRPr>
+          </a:p>
+        </p:txBody>
+      </p:sp>
+      <p:sp>
+        <p:nvSpPr>
+          <p:cNvPr id="11" name="TextBox 10">
+            <a:extLst>
+              <a:ext uri="{FF2B5EF4-FFF2-40B4-BE49-F238E27FC236}">
+                <a16:creationId xmlns:a16="http://schemas.microsoft.com/office/drawing/2014/main" id="{296EF7E8-B19E-4525-A24E-2C4EC782EF9F}"/>
+              </a:ext>
+            </a:extLst>
+          </p:cNvPr>
+          <p:cNvSpPr txBox="1"/>
+          <p:nvPr/>
+        </p:nvSpPr>
+        <p:spPr>
+          <a:xfrm>
+            <a:off x="11215389" y="80452"/>
+            <a:ext cx="646331" cy="369332"/>
+          </a:xfrm>
+          <a:prstGeom prst="rect">
+            <a:avLst/>
+          </a:prstGeom>
+          <a:noFill/>
+        </p:spPr>
+        <p:txBody>
+          <a:bodyPr wrap="none" rtlCol="0">
+            <a:spAutoFit/>
+          </a:bodyPr>
+          <a:lstStyle/>
+          <a:p>
+            <a:r>
+              <a:rPr lang="en-US" dirty="0">
+                <a:latin typeface="Times New Roman" panose="02020603050405020304" pitchFamily="18" charset="0"/>
+                <a:cs typeface="Times New Roman" panose="02020603050405020304" pitchFamily="18" charset="0"/>
+              </a:rPr>
+              <a:t>Rose</a:t>
+            </a:r>
           </a:p>
         </p:txBody>
       </p:sp>
@@ -9379,6 +9757,44 @@
           </p:txBody>
         </p:sp>
       </p:grpSp>
+      <p:sp>
+        <p:nvSpPr>
+          <p:cNvPr id="3" name="TextBox 2">
+            <a:extLst>
+              <a:ext uri="{FF2B5EF4-FFF2-40B4-BE49-F238E27FC236}">
+                <a16:creationId xmlns:a16="http://schemas.microsoft.com/office/drawing/2014/main" id="{3748ACAD-5222-4814-A9BE-496EA55216DA}"/>
+              </a:ext>
+            </a:extLst>
+          </p:cNvPr>
+          <p:cNvSpPr txBox="1"/>
+          <p:nvPr/>
+        </p:nvSpPr>
+        <p:spPr>
+          <a:xfrm>
+            <a:off x="11215389" y="80452"/>
+            <a:ext cx="889987" cy="369332"/>
+          </a:xfrm>
+          <a:prstGeom prst="rect">
+            <a:avLst/>
+          </a:prstGeom>
+          <a:noFill/>
+        </p:spPr>
+        <p:txBody>
+          <a:bodyPr wrap="none" rtlCol="0">
+            <a:spAutoFit/>
+          </a:bodyPr>
+          <a:lstStyle/>
+          <a:p>
+            <a:r>
+              <a:rPr lang="en-US" dirty="0">
+                <a:latin typeface="Times New Roman" panose="02020603050405020304" pitchFamily="18" charset="0"/>
+                <a:cs typeface="Times New Roman" panose="02020603050405020304" pitchFamily="18" charset="0"/>
+              </a:rPr>
+              <a:t>Ganesh</a:t>
+            </a:r>
+          </a:p>
+        </p:txBody>
+      </p:sp>
     </p:spTree>
     <p:extLst>
       <p:ext uri="{BB962C8B-B14F-4D97-AF65-F5344CB8AC3E}">
@@ -9985,6 +10401,44 @@
           </a:p>
         </p:txBody>
       </p:sp>
+      <p:sp>
+        <p:nvSpPr>
+          <p:cNvPr id="6" name="TextBox 5">
+            <a:extLst>
+              <a:ext uri="{FF2B5EF4-FFF2-40B4-BE49-F238E27FC236}">
+                <a16:creationId xmlns:a16="http://schemas.microsoft.com/office/drawing/2014/main" id="{5B0443FD-90D9-48BC-897C-ABD5E91D5509}"/>
+              </a:ext>
+            </a:extLst>
+          </p:cNvPr>
+          <p:cNvSpPr txBox="1"/>
+          <p:nvPr/>
+        </p:nvSpPr>
+        <p:spPr>
+          <a:xfrm>
+            <a:off x="11215389" y="80452"/>
+            <a:ext cx="646331" cy="369332"/>
+          </a:xfrm>
+          <a:prstGeom prst="rect">
+            <a:avLst/>
+          </a:prstGeom>
+          <a:noFill/>
+        </p:spPr>
+        <p:txBody>
+          <a:bodyPr wrap="none" rtlCol="0">
+            <a:spAutoFit/>
+          </a:bodyPr>
+          <a:lstStyle/>
+          <a:p>
+            <a:r>
+              <a:rPr lang="en-US" dirty="0">
+                <a:latin typeface="Times New Roman" panose="02020603050405020304" pitchFamily="18" charset="0"/>
+                <a:cs typeface="Times New Roman" panose="02020603050405020304" pitchFamily="18" charset="0"/>
+              </a:rPr>
+              <a:t>Rose</a:t>
+            </a:r>
+          </a:p>
+        </p:txBody>
+      </p:sp>
     </p:spTree>
     <p:extLst>
       <p:ext uri="{BB962C8B-B14F-4D97-AF65-F5344CB8AC3E}">
@@ -9999,1221 +10453,6 @@
 </file>
 
 <file path=ppt/slides/slide21.xml><?xml version="1.0" encoding="utf-8"?>
-<p:sld xmlns:a="http://schemas.openxmlformats.org/drawingml/2006/main" xmlns:r="http://schemas.openxmlformats.org/officeDocument/2006/relationships" xmlns:p="http://schemas.openxmlformats.org/presentationml/2006/main" show="0">
-  <p:cSld>
-    <p:spTree>
-      <p:nvGrpSpPr>
-        <p:cNvPr id="1" name=""/>
-        <p:cNvGrpSpPr/>
-        <p:nvPr/>
-      </p:nvGrpSpPr>
-      <p:grpSpPr>
-        <a:xfrm>
-          <a:off x="0" y="0"/>
-          <a:ext cx="0" cy="0"/>
-          <a:chOff x="0" y="0"/>
-          <a:chExt cx="0" cy="0"/>
-        </a:xfrm>
-      </p:grpSpPr>
-      <p:cxnSp>
-        <p:nvCxnSpPr>
-          <p:cNvPr id="2" name="Straight Connector 1">
-            <a:extLst>
-              <a:ext uri="{FF2B5EF4-FFF2-40B4-BE49-F238E27FC236}">
-                <a16:creationId xmlns:a16="http://schemas.microsoft.com/office/drawing/2014/main" id="{BC4339F9-A066-45CD-91C6-61FED21D3027}"/>
-              </a:ext>
-            </a:extLst>
-          </p:cNvPr>
-          <p:cNvCxnSpPr/>
-          <p:nvPr/>
-        </p:nvCxnSpPr>
-        <p:spPr>
-          <a:xfrm>
-            <a:off x="0" y="1047750"/>
-            <a:ext cx="12192000" cy="0"/>
-          </a:xfrm>
-          <a:prstGeom prst="line">
-            <a:avLst/>
-          </a:prstGeom>
-          <a:ln w="76200">
-            <a:solidFill>
-              <a:srgbClr val="D2C264"/>
-            </a:solidFill>
-          </a:ln>
-        </p:spPr>
-        <p:style>
-          <a:lnRef idx="1">
-            <a:schemeClr val="accent1"/>
-          </a:lnRef>
-          <a:fillRef idx="0">
-            <a:schemeClr val="accent1"/>
-          </a:fillRef>
-          <a:effectRef idx="0">
-            <a:schemeClr val="accent1"/>
-          </a:effectRef>
-          <a:fontRef idx="minor">
-            <a:schemeClr val="tx1"/>
-          </a:fontRef>
-        </p:style>
-      </p:cxnSp>
-      <p:sp>
-        <p:nvSpPr>
-          <p:cNvPr id="3" name="TextBox 2">
-            <a:extLst>
-              <a:ext uri="{FF2B5EF4-FFF2-40B4-BE49-F238E27FC236}">
-                <a16:creationId xmlns:a16="http://schemas.microsoft.com/office/drawing/2014/main" id="{4F839CDC-E463-4502-8748-827AE781F905}"/>
-              </a:ext>
-            </a:extLst>
-          </p:cNvPr>
-          <p:cNvSpPr txBox="1"/>
-          <p:nvPr/>
-        </p:nvSpPr>
-        <p:spPr>
-          <a:xfrm>
-            <a:off x="439692" y="229258"/>
-            <a:ext cx="5010026" cy="584775"/>
-          </a:xfrm>
-          <a:prstGeom prst="rect">
-            <a:avLst/>
-          </a:prstGeom>
-          <a:noFill/>
-        </p:spPr>
-        <p:txBody>
-          <a:bodyPr wrap="none" rtlCol="0">
-            <a:spAutoFit/>
-          </a:bodyPr>
-          <a:lstStyle/>
-          <a:p>
-            <a:r>
-              <a:rPr lang="en-US" sz="3200" b="1" dirty="0">
-                <a:latin typeface="Times New Roman" panose="02020603050405020304" pitchFamily="18" charset="0"/>
-                <a:cs typeface="Times New Roman" panose="02020603050405020304" pitchFamily="18" charset="0"/>
-              </a:rPr>
-              <a:t>Other Variables in the Data</a:t>
-            </a:r>
-          </a:p>
-        </p:txBody>
-      </p:sp>
-      <p:grpSp>
-        <p:nvGrpSpPr>
-          <p:cNvPr id="16" name="Group 15"/>
-          <p:cNvGrpSpPr/>
-          <p:nvPr/>
-        </p:nvGrpSpPr>
-        <p:grpSpPr>
-          <a:xfrm>
-            <a:off x="2690159" y="1257901"/>
-            <a:ext cx="5519117" cy="5600099"/>
-            <a:chOff x="2690159" y="1257901"/>
-            <a:chExt cx="5519117" cy="5600099"/>
-          </a:xfrm>
-        </p:grpSpPr>
-        <p:pic>
-          <p:nvPicPr>
-            <p:cNvPr id="10" name="Picture 9"/>
-            <p:cNvPicPr>
-              <a:picLocks noChangeAspect="1"/>
-            </p:cNvPicPr>
-            <p:nvPr/>
-          </p:nvPicPr>
-          <p:blipFill rotWithShape="1">
-            <a:blip r:embed="rId2"/>
-            <a:srcRect l="38453" t="8866" r="16343" b="9592"/>
-            <a:stretch/>
-          </p:blipFill>
-          <p:spPr>
-            <a:xfrm>
-              <a:off x="2690159" y="1257901"/>
-              <a:ext cx="5519117" cy="5600099"/>
-            </a:xfrm>
-            <a:prstGeom prst="rect">
-              <a:avLst/>
-            </a:prstGeom>
-          </p:spPr>
-        </p:pic>
-        <p:sp>
-          <p:nvSpPr>
-            <p:cNvPr id="12" name="Rectangle 11"/>
-            <p:cNvSpPr/>
-            <p:nvPr/>
-          </p:nvSpPr>
-          <p:spPr>
-            <a:xfrm>
-              <a:off x="3657600" y="3619099"/>
-              <a:ext cx="712269" cy="240632"/>
-            </a:xfrm>
-            <a:prstGeom prst="rect">
-              <a:avLst/>
-            </a:prstGeom>
-            <a:noFill/>
-            <a:ln>
-              <a:solidFill>
-                <a:srgbClr val="FF0000"/>
-              </a:solidFill>
-            </a:ln>
-          </p:spPr>
-          <p:style>
-            <a:lnRef idx="2">
-              <a:schemeClr val="accent1">
-                <a:shade val="50000"/>
-              </a:schemeClr>
-            </a:lnRef>
-            <a:fillRef idx="1">
-              <a:schemeClr val="accent1"/>
-            </a:fillRef>
-            <a:effectRef idx="0">
-              <a:schemeClr val="accent1"/>
-            </a:effectRef>
-            <a:fontRef idx="minor">
-              <a:schemeClr val="lt1"/>
-            </a:fontRef>
-          </p:style>
-          <p:txBody>
-            <a:bodyPr rtlCol="0" anchor="ctr"/>
-            <a:lstStyle/>
-            <a:p>
-              <a:pPr algn="ctr"/>
-              <a:endParaRPr lang="en-US"/>
-            </a:p>
-          </p:txBody>
-        </p:sp>
-        <p:sp>
-          <p:nvSpPr>
-            <p:cNvPr id="13" name="Rectangle 12"/>
-            <p:cNvSpPr/>
-            <p:nvPr/>
-          </p:nvSpPr>
-          <p:spPr>
-            <a:xfrm>
-              <a:off x="5205663" y="5176788"/>
-              <a:ext cx="712269" cy="240632"/>
-            </a:xfrm>
-            <a:prstGeom prst="rect">
-              <a:avLst/>
-            </a:prstGeom>
-            <a:noFill/>
-            <a:ln>
-              <a:solidFill>
-                <a:srgbClr val="FF0000"/>
-              </a:solidFill>
-            </a:ln>
-          </p:spPr>
-          <p:style>
-            <a:lnRef idx="2">
-              <a:schemeClr val="accent1">
-                <a:shade val="50000"/>
-              </a:schemeClr>
-            </a:lnRef>
-            <a:fillRef idx="1">
-              <a:schemeClr val="accent1"/>
-            </a:fillRef>
-            <a:effectRef idx="0">
-              <a:schemeClr val="accent1"/>
-            </a:effectRef>
-            <a:fontRef idx="minor">
-              <a:schemeClr val="lt1"/>
-            </a:fontRef>
-          </p:style>
-          <p:txBody>
-            <a:bodyPr rtlCol="0" anchor="ctr"/>
-            <a:lstStyle/>
-            <a:p>
-              <a:pPr algn="ctr"/>
-              <a:endParaRPr lang="en-US"/>
-            </a:p>
-          </p:txBody>
-        </p:sp>
-        <p:sp>
-          <p:nvSpPr>
-            <p:cNvPr id="14" name="Rectangle 13"/>
-            <p:cNvSpPr/>
-            <p:nvPr/>
-          </p:nvSpPr>
-          <p:spPr>
-            <a:xfrm>
-              <a:off x="6012581" y="5954830"/>
-              <a:ext cx="712269" cy="240632"/>
-            </a:xfrm>
-            <a:prstGeom prst="rect">
-              <a:avLst/>
-            </a:prstGeom>
-            <a:noFill/>
-            <a:ln>
-              <a:solidFill>
-                <a:srgbClr val="FF0000"/>
-              </a:solidFill>
-            </a:ln>
-          </p:spPr>
-          <p:style>
-            <a:lnRef idx="2">
-              <a:schemeClr val="accent1">
-                <a:shade val="50000"/>
-              </a:schemeClr>
-            </a:lnRef>
-            <a:fillRef idx="1">
-              <a:schemeClr val="accent1"/>
-            </a:fillRef>
-            <a:effectRef idx="0">
-              <a:schemeClr val="accent1"/>
-            </a:effectRef>
-            <a:fontRef idx="minor">
-              <a:schemeClr val="lt1"/>
-            </a:fontRef>
-          </p:style>
-          <p:txBody>
-            <a:bodyPr rtlCol="0" anchor="ctr"/>
-            <a:lstStyle/>
-            <a:p>
-              <a:pPr algn="ctr"/>
-              <a:endParaRPr lang="en-US"/>
-            </a:p>
-          </p:txBody>
-        </p:sp>
-        <p:sp>
-          <p:nvSpPr>
-            <p:cNvPr id="15" name="Rectangle 14"/>
-            <p:cNvSpPr/>
-            <p:nvPr/>
-          </p:nvSpPr>
-          <p:spPr>
-            <a:xfrm>
-              <a:off x="6394381" y="6352671"/>
-              <a:ext cx="712269" cy="240632"/>
-            </a:xfrm>
-            <a:prstGeom prst="rect">
-              <a:avLst/>
-            </a:prstGeom>
-            <a:noFill/>
-            <a:ln>
-              <a:solidFill>
-                <a:srgbClr val="FF0000"/>
-              </a:solidFill>
-            </a:ln>
-          </p:spPr>
-          <p:style>
-            <a:lnRef idx="2">
-              <a:schemeClr val="accent1">
-                <a:shade val="50000"/>
-              </a:schemeClr>
-            </a:lnRef>
-            <a:fillRef idx="1">
-              <a:schemeClr val="accent1"/>
-            </a:fillRef>
-            <a:effectRef idx="0">
-              <a:schemeClr val="accent1"/>
-            </a:effectRef>
-            <a:fontRef idx="minor">
-              <a:schemeClr val="lt1"/>
-            </a:fontRef>
-          </p:style>
-          <p:txBody>
-            <a:bodyPr rtlCol="0" anchor="ctr"/>
-            <a:lstStyle/>
-            <a:p>
-              <a:pPr algn="ctr"/>
-              <a:endParaRPr lang="en-US"/>
-            </a:p>
-          </p:txBody>
-        </p:sp>
-      </p:grpSp>
-    </p:spTree>
-    <p:extLst>
-      <p:ext uri="{BB962C8B-B14F-4D97-AF65-F5344CB8AC3E}">
-        <p14:creationId xmlns:p14="http://schemas.microsoft.com/office/powerpoint/2010/main" val="2077624635"/>
-      </p:ext>
-    </p:extLst>
-  </p:cSld>
-  <p:clrMapOvr>
-    <a:masterClrMapping/>
-  </p:clrMapOvr>
-</p:sld>
-</file>
-
-<file path=ppt/slides/slide22.xml><?xml version="1.0" encoding="utf-8"?>
-<p:sld xmlns:a="http://schemas.openxmlformats.org/drawingml/2006/main" xmlns:r="http://schemas.openxmlformats.org/officeDocument/2006/relationships" xmlns:p="http://schemas.openxmlformats.org/presentationml/2006/main" show="0">
-  <p:cSld>
-    <p:spTree>
-      <p:nvGrpSpPr>
-        <p:cNvPr id="1" name=""/>
-        <p:cNvGrpSpPr/>
-        <p:nvPr/>
-      </p:nvGrpSpPr>
-      <p:grpSpPr>
-        <a:xfrm>
-          <a:off x="0" y="0"/>
-          <a:ext cx="0" cy="0"/>
-          <a:chOff x="0" y="0"/>
-          <a:chExt cx="0" cy="0"/>
-        </a:xfrm>
-      </p:grpSpPr>
-      <p:cxnSp>
-        <p:nvCxnSpPr>
-          <p:cNvPr id="2" name="Straight Connector 1">
-            <a:extLst>
-              <a:ext uri="{FF2B5EF4-FFF2-40B4-BE49-F238E27FC236}">
-                <a16:creationId xmlns:a16="http://schemas.microsoft.com/office/drawing/2014/main" id="{BC4339F9-A066-45CD-91C6-61FED21D3027}"/>
-              </a:ext>
-            </a:extLst>
-          </p:cNvPr>
-          <p:cNvCxnSpPr/>
-          <p:nvPr/>
-        </p:nvCxnSpPr>
-        <p:spPr>
-          <a:xfrm>
-            <a:off x="0" y="1047750"/>
-            <a:ext cx="12192000" cy="0"/>
-          </a:xfrm>
-          <a:prstGeom prst="line">
-            <a:avLst/>
-          </a:prstGeom>
-          <a:ln w="76200">
-            <a:solidFill>
-              <a:srgbClr val="D2C264"/>
-            </a:solidFill>
-          </a:ln>
-        </p:spPr>
-        <p:style>
-          <a:lnRef idx="1">
-            <a:schemeClr val="accent1"/>
-          </a:lnRef>
-          <a:fillRef idx="0">
-            <a:schemeClr val="accent1"/>
-          </a:fillRef>
-          <a:effectRef idx="0">
-            <a:schemeClr val="accent1"/>
-          </a:effectRef>
-          <a:fontRef idx="minor">
-            <a:schemeClr val="tx1"/>
-          </a:fontRef>
-        </p:style>
-      </p:cxnSp>
-      <p:sp>
-        <p:nvSpPr>
-          <p:cNvPr id="3" name="TextBox 2">
-            <a:extLst>
-              <a:ext uri="{FF2B5EF4-FFF2-40B4-BE49-F238E27FC236}">
-                <a16:creationId xmlns:a16="http://schemas.microsoft.com/office/drawing/2014/main" id="{4F839CDC-E463-4502-8748-827AE781F905}"/>
-              </a:ext>
-            </a:extLst>
-          </p:cNvPr>
-          <p:cNvSpPr txBox="1"/>
-          <p:nvPr/>
-        </p:nvSpPr>
-        <p:spPr>
-          <a:xfrm>
-            <a:off x="439692" y="229258"/>
-            <a:ext cx="1027845" cy="584775"/>
-          </a:xfrm>
-          <a:prstGeom prst="rect">
-            <a:avLst/>
-          </a:prstGeom>
-          <a:noFill/>
-        </p:spPr>
-        <p:txBody>
-          <a:bodyPr wrap="none" rtlCol="0">
-            <a:spAutoFit/>
-          </a:bodyPr>
-          <a:lstStyle/>
-          <a:p>
-            <a:r>
-              <a:rPr lang="en-US" sz="3200" b="1" dirty="0">
-                <a:latin typeface="Times New Roman" panose="02020603050405020304" pitchFamily="18" charset="0"/>
-                <a:cs typeface="Times New Roman" panose="02020603050405020304" pitchFamily="18" charset="0"/>
-              </a:rPr>
-              <a:t>PCA</a:t>
-            </a:r>
-          </a:p>
-        </p:txBody>
-      </p:sp>
-      <p:sp>
-        <p:nvSpPr>
-          <p:cNvPr id="25" name="Rectangle 24"/>
-          <p:cNvSpPr/>
-          <p:nvPr/>
-        </p:nvSpPr>
-        <p:spPr>
-          <a:xfrm>
-            <a:off x="1934678" y="1218700"/>
-            <a:ext cx="1761423" cy="5639300"/>
-          </a:xfrm>
-          <a:prstGeom prst="rect">
-            <a:avLst/>
-          </a:prstGeom>
-          <a:noFill/>
-          <a:ln w="19050">
-            <a:solidFill>
-              <a:schemeClr val="accent4">
-                <a:lumMod val="60000"/>
-                <a:lumOff val="40000"/>
-              </a:schemeClr>
-            </a:solidFill>
-          </a:ln>
-        </p:spPr>
-        <p:style>
-          <a:lnRef idx="2">
-            <a:schemeClr val="accent1">
-              <a:shade val="50000"/>
-            </a:schemeClr>
-          </a:lnRef>
-          <a:fillRef idx="1">
-            <a:schemeClr val="accent1"/>
-          </a:fillRef>
-          <a:effectRef idx="0">
-            <a:schemeClr val="accent1"/>
-          </a:effectRef>
-          <a:fontRef idx="minor">
-            <a:schemeClr val="lt1"/>
-          </a:fontRef>
-        </p:style>
-        <p:txBody>
-          <a:bodyPr rtlCol="0" anchor="ctr"/>
-          <a:lstStyle/>
-          <a:p>
-            <a:pPr algn="ctr"/>
-            <a:endParaRPr lang="en-US"/>
-          </a:p>
-        </p:txBody>
-      </p:sp>
-      <p:grpSp>
-        <p:nvGrpSpPr>
-          <p:cNvPr id="11" name="Group 10"/>
-          <p:cNvGrpSpPr/>
-          <p:nvPr/>
-        </p:nvGrpSpPr>
-        <p:grpSpPr>
-          <a:xfrm>
-            <a:off x="766882" y="1213617"/>
-            <a:ext cx="10658236" cy="5644383"/>
-            <a:chOff x="766882" y="1213617"/>
-            <a:chExt cx="10658236" cy="5644383"/>
-          </a:xfrm>
-        </p:grpSpPr>
-        <p:pic>
-          <p:nvPicPr>
-            <p:cNvPr id="8" name="Picture 7"/>
-            <p:cNvPicPr>
-              <a:picLocks noChangeAspect="1"/>
-            </p:cNvPicPr>
-            <p:nvPr/>
-          </p:nvPicPr>
-          <p:blipFill rotWithShape="1">
-            <a:blip r:embed="rId2"/>
-            <a:srcRect l="24140" t="17135" r="2018" b="13345"/>
-            <a:stretch/>
-          </p:blipFill>
-          <p:spPr>
-            <a:xfrm>
-              <a:off x="766882" y="1213617"/>
-              <a:ext cx="10658236" cy="5644383"/>
-            </a:xfrm>
-            <a:prstGeom prst="rect">
-              <a:avLst/>
-            </a:prstGeom>
-          </p:spPr>
-        </p:pic>
-        <p:sp>
-          <p:nvSpPr>
-            <p:cNvPr id="9" name="Rectangle 8"/>
-            <p:cNvSpPr/>
-            <p:nvPr/>
-          </p:nvSpPr>
-          <p:spPr>
-            <a:xfrm>
-              <a:off x="1934678" y="1761422"/>
-              <a:ext cx="9490440" cy="288758"/>
-            </a:xfrm>
-            <a:prstGeom prst="rect">
-              <a:avLst/>
-            </a:prstGeom>
-            <a:noFill/>
-            <a:ln w="19050">
-              <a:solidFill>
-                <a:schemeClr val="accent6"/>
-              </a:solidFill>
-            </a:ln>
-          </p:spPr>
-          <p:style>
-            <a:lnRef idx="2">
-              <a:schemeClr val="accent1">
-                <a:shade val="50000"/>
-              </a:schemeClr>
-            </a:lnRef>
-            <a:fillRef idx="1">
-              <a:schemeClr val="accent1"/>
-            </a:fillRef>
-            <a:effectRef idx="0">
-              <a:schemeClr val="accent1"/>
-            </a:effectRef>
-            <a:fontRef idx="minor">
-              <a:schemeClr val="lt1"/>
-            </a:fontRef>
-          </p:style>
-          <p:txBody>
-            <a:bodyPr rtlCol="0" anchor="ctr"/>
-            <a:lstStyle/>
-            <a:p>
-              <a:pPr algn="ctr"/>
-              <a:endParaRPr lang="en-US"/>
-            </a:p>
-          </p:txBody>
-        </p:sp>
-        <p:sp>
-          <p:nvSpPr>
-            <p:cNvPr id="20" name="Rectangle 19"/>
-            <p:cNvSpPr/>
-            <p:nvPr/>
-          </p:nvSpPr>
-          <p:spPr>
-            <a:xfrm>
-              <a:off x="1934678" y="2727959"/>
-              <a:ext cx="9490440" cy="288758"/>
-            </a:xfrm>
-            <a:prstGeom prst="rect">
-              <a:avLst/>
-            </a:prstGeom>
-            <a:noFill/>
-            <a:ln w="19050">
-              <a:solidFill>
-                <a:schemeClr val="accent6"/>
-              </a:solidFill>
-            </a:ln>
-          </p:spPr>
-          <p:style>
-            <a:lnRef idx="2">
-              <a:schemeClr val="accent1">
-                <a:shade val="50000"/>
-              </a:schemeClr>
-            </a:lnRef>
-            <a:fillRef idx="1">
-              <a:schemeClr val="accent1"/>
-            </a:fillRef>
-            <a:effectRef idx="0">
-              <a:schemeClr val="accent1"/>
-            </a:effectRef>
-            <a:fontRef idx="minor">
-              <a:schemeClr val="lt1"/>
-            </a:fontRef>
-          </p:style>
-          <p:txBody>
-            <a:bodyPr rtlCol="0" anchor="ctr"/>
-            <a:lstStyle/>
-            <a:p>
-              <a:pPr algn="ctr"/>
-              <a:endParaRPr lang="en-US"/>
-            </a:p>
-          </p:txBody>
-        </p:sp>
-        <p:sp>
-          <p:nvSpPr>
-            <p:cNvPr id="21" name="Rectangle 20"/>
-            <p:cNvSpPr/>
-            <p:nvPr/>
-          </p:nvSpPr>
-          <p:spPr>
-            <a:xfrm>
-              <a:off x="1934678" y="3193149"/>
-              <a:ext cx="9490440" cy="288758"/>
-            </a:xfrm>
-            <a:prstGeom prst="rect">
-              <a:avLst/>
-            </a:prstGeom>
-            <a:noFill/>
-            <a:ln w="19050">
-              <a:solidFill>
-                <a:schemeClr val="accent6"/>
-              </a:solidFill>
-            </a:ln>
-          </p:spPr>
-          <p:style>
-            <a:lnRef idx="2">
-              <a:schemeClr val="accent1">
-                <a:shade val="50000"/>
-              </a:schemeClr>
-            </a:lnRef>
-            <a:fillRef idx="1">
-              <a:schemeClr val="accent1"/>
-            </a:fillRef>
-            <a:effectRef idx="0">
-              <a:schemeClr val="accent1"/>
-            </a:effectRef>
-            <a:fontRef idx="minor">
-              <a:schemeClr val="lt1"/>
-            </a:fontRef>
-          </p:style>
-          <p:txBody>
-            <a:bodyPr rtlCol="0" anchor="ctr"/>
-            <a:lstStyle/>
-            <a:p>
-              <a:pPr algn="ctr"/>
-              <a:endParaRPr lang="en-US"/>
-            </a:p>
-          </p:txBody>
-        </p:sp>
-        <p:sp>
-          <p:nvSpPr>
-            <p:cNvPr id="23" name="Rectangle 22"/>
-            <p:cNvSpPr/>
-            <p:nvPr/>
-          </p:nvSpPr>
-          <p:spPr>
-            <a:xfrm>
-              <a:off x="1934678" y="5126223"/>
-              <a:ext cx="9490440" cy="288758"/>
-            </a:xfrm>
-            <a:prstGeom prst="rect">
-              <a:avLst/>
-            </a:prstGeom>
-            <a:noFill/>
-            <a:ln w="19050">
-              <a:solidFill>
-                <a:srgbClr val="FF0000"/>
-              </a:solidFill>
-            </a:ln>
-          </p:spPr>
-          <p:style>
-            <a:lnRef idx="2">
-              <a:schemeClr val="accent1">
-                <a:shade val="50000"/>
-              </a:schemeClr>
-            </a:lnRef>
-            <a:fillRef idx="1">
-              <a:schemeClr val="accent1"/>
-            </a:fillRef>
-            <a:effectRef idx="0">
-              <a:schemeClr val="accent1"/>
-            </a:effectRef>
-            <a:fontRef idx="minor">
-              <a:schemeClr val="lt1"/>
-            </a:fontRef>
-          </p:style>
-          <p:txBody>
-            <a:bodyPr rtlCol="0" anchor="ctr"/>
-            <a:lstStyle/>
-            <a:p>
-              <a:pPr algn="ctr"/>
-              <a:endParaRPr lang="en-US">
-                <a:solidFill>
-                  <a:srgbClr val="FF0000"/>
-                </a:solidFill>
-              </a:endParaRPr>
-            </a:p>
-          </p:txBody>
-        </p:sp>
-        <p:sp>
-          <p:nvSpPr>
-            <p:cNvPr id="24" name="Rectangle 23"/>
-            <p:cNvSpPr/>
-            <p:nvPr/>
-          </p:nvSpPr>
-          <p:spPr>
-            <a:xfrm>
-              <a:off x="1934678" y="6569242"/>
-              <a:ext cx="9490440" cy="288758"/>
-            </a:xfrm>
-            <a:prstGeom prst="rect">
-              <a:avLst/>
-            </a:prstGeom>
-            <a:noFill/>
-            <a:ln w="19050">
-              <a:solidFill>
-                <a:srgbClr val="FF0000"/>
-              </a:solidFill>
-            </a:ln>
-          </p:spPr>
-          <p:style>
-            <a:lnRef idx="2">
-              <a:schemeClr val="accent1">
-                <a:shade val="50000"/>
-              </a:schemeClr>
-            </a:lnRef>
-            <a:fillRef idx="1">
-              <a:schemeClr val="accent1"/>
-            </a:fillRef>
-            <a:effectRef idx="0">
-              <a:schemeClr val="accent1"/>
-            </a:effectRef>
-            <a:fontRef idx="minor">
-              <a:schemeClr val="lt1"/>
-            </a:fontRef>
-          </p:style>
-          <p:txBody>
-            <a:bodyPr rtlCol="0" anchor="ctr"/>
-            <a:lstStyle/>
-            <a:p>
-              <a:pPr algn="ctr"/>
-              <a:endParaRPr lang="en-US">
-                <a:solidFill>
-                  <a:srgbClr val="FF0000"/>
-                </a:solidFill>
-              </a:endParaRPr>
-            </a:p>
-          </p:txBody>
-        </p:sp>
-        <p:sp>
-          <p:nvSpPr>
-            <p:cNvPr id="26" name="Rectangle 25"/>
-            <p:cNvSpPr/>
-            <p:nvPr/>
-          </p:nvSpPr>
-          <p:spPr>
-            <a:xfrm>
-              <a:off x="7170821" y="1236612"/>
-              <a:ext cx="827773" cy="5621388"/>
-            </a:xfrm>
-            <a:prstGeom prst="rect">
-              <a:avLst/>
-            </a:prstGeom>
-            <a:noFill/>
-            <a:ln w="19050">
-              <a:solidFill>
-                <a:schemeClr val="accent4">
-                  <a:lumMod val="60000"/>
-                  <a:lumOff val="40000"/>
-                </a:schemeClr>
-              </a:solidFill>
-            </a:ln>
-          </p:spPr>
-          <p:style>
-            <a:lnRef idx="2">
-              <a:schemeClr val="accent1">
-                <a:shade val="50000"/>
-              </a:schemeClr>
-            </a:lnRef>
-            <a:fillRef idx="1">
-              <a:schemeClr val="accent1"/>
-            </a:fillRef>
-            <a:effectRef idx="0">
-              <a:schemeClr val="accent1"/>
-            </a:effectRef>
-            <a:fontRef idx="minor">
-              <a:schemeClr val="lt1"/>
-            </a:fontRef>
-          </p:style>
-          <p:txBody>
-            <a:bodyPr rtlCol="0" anchor="ctr"/>
-            <a:lstStyle/>
-            <a:p>
-              <a:pPr algn="ctr"/>
-              <a:endParaRPr lang="en-US"/>
-            </a:p>
-          </p:txBody>
-        </p:sp>
-        <p:sp>
-          <p:nvSpPr>
-            <p:cNvPr id="27" name="Rectangle 26"/>
-            <p:cNvSpPr/>
-            <p:nvPr/>
-          </p:nvSpPr>
-          <p:spPr>
-            <a:xfrm>
-              <a:off x="8912995" y="1236610"/>
-              <a:ext cx="784424" cy="5621389"/>
-            </a:xfrm>
-            <a:prstGeom prst="rect">
-              <a:avLst/>
-            </a:prstGeom>
-            <a:noFill/>
-            <a:ln w="19050">
-              <a:solidFill>
-                <a:schemeClr val="accent4">
-                  <a:lumMod val="60000"/>
-                  <a:lumOff val="40000"/>
-                </a:schemeClr>
-              </a:solidFill>
-            </a:ln>
-          </p:spPr>
-          <p:style>
-            <a:lnRef idx="2">
-              <a:schemeClr val="accent1">
-                <a:shade val="50000"/>
-              </a:schemeClr>
-            </a:lnRef>
-            <a:fillRef idx="1">
-              <a:schemeClr val="accent1"/>
-            </a:fillRef>
-            <a:effectRef idx="0">
-              <a:schemeClr val="accent1"/>
-            </a:effectRef>
-            <a:fontRef idx="minor">
-              <a:schemeClr val="lt1"/>
-            </a:fontRef>
-          </p:style>
-          <p:txBody>
-            <a:bodyPr rtlCol="0" anchor="ctr"/>
-            <a:lstStyle/>
-            <a:p>
-              <a:pPr algn="ctr"/>
-              <a:endParaRPr lang="en-US"/>
-            </a:p>
-          </p:txBody>
-        </p:sp>
-      </p:grpSp>
-      <p:sp>
-        <p:nvSpPr>
-          <p:cNvPr id="28" name="Rectangle 27"/>
-          <p:cNvSpPr/>
-          <p:nvPr/>
-        </p:nvSpPr>
-        <p:spPr>
-          <a:xfrm>
-            <a:off x="1987616" y="1281468"/>
-            <a:ext cx="827773" cy="5621388"/>
-          </a:xfrm>
-          <a:prstGeom prst="rect">
-            <a:avLst/>
-          </a:prstGeom>
-          <a:noFill/>
-          <a:ln w="19050">
-            <a:solidFill>
-              <a:schemeClr val="accent4">
-                <a:lumMod val="60000"/>
-                <a:lumOff val="40000"/>
-              </a:schemeClr>
-            </a:solidFill>
-          </a:ln>
-        </p:spPr>
-        <p:style>
-          <a:lnRef idx="2">
-            <a:schemeClr val="accent1">
-              <a:shade val="50000"/>
-            </a:schemeClr>
-          </a:lnRef>
-          <a:fillRef idx="1">
-            <a:schemeClr val="accent1"/>
-          </a:fillRef>
-          <a:effectRef idx="0">
-            <a:schemeClr val="accent1"/>
-          </a:effectRef>
-          <a:fontRef idx="minor">
-            <a:schemeClr val="lt1"/>
-          </a:fontRef>
-        </p:style>
-        <p:txBody>
-          <a:bodyPr rtlCol="0" anchor="ctr"/>
-          <a:lstStyle/>
-          <a:p>
-            <a:pPr algn="ctr"/>
-            <a:endParaRPr lang="en-US"/>
-          </a:p>
-        </p:txBody>
-      </p:sp>
-      <p:sp>
-        <p:nvSpPr>
-          <p:cNvPr id="29" name="Rectangle 28"/>
-          <p:cNvSpPr/>
-          <p:nvPr/>
-        </p:nvSpPr>
-        <p:spPr>
-          <a:xfrm>
-            <a:off x="2868327" y="1281468"/>
-            <a:ext cx="827773" cy="5621388"/>
-          </a:xfrm>
-          <a:prstGeom prst="rect">
-            <a:avLst/>
-          </a:prstGeom>
-          <a:noFill/>
-          <a:ln w="19050">
-            <a:solidFill>
-              <a:schemeClr val="accent4">
-                <a:lumMod val="60000"/>
-                <a:lumOff val="40000"/>
-              </a:schemeClr>
-            </a:solidFill>
-          </a:ln>
-        </p:spPr>
-        <p:style>
-          <a:lnRef idx="2">
-            <a:schemeClr val="accent1">
-              <a:shade val="50000"/>
-            </a:schemeClr>
-          </a:lnRef>
-          <a:fillRef idx="1">
-            <a:schemeClr val="accent1"/>
-          </a:fillRef>
-          <a:effectRef idx="0">
-            <a:schemeClr val="accent1"/>
-          </a:effectRef>
-          <a:fontRef idx="minor">
-            <a:schemeClr val="lt1"/>
-          </a:fontRef>
-        </p:style>
-        <p:txBody>
-          <a:bodyPr rtlCol="0" anchor="ctr"/>
-          <a:lstStyle/>
-          <a:p>
-            <a:pPr algn="ctr"/>
-            <a:endParaRPr lang="en-US"/>
-          </a:p>
-        </p:txBody>
-      </p:sp>
-    </p:spTree>
-    <p:extLst>
-      <p:ext uri="{BB962C8B-B14F-4D97-AF65-F5344CB8AC3E}">
-        <p14:creationId xmlns:p14="http://schemas.microsoft.com/office/powerpoint/2010/main" val="490822379"/>
-      </p:ext>
-    </p:extLst>
-  </p:cSld>
-  <p:clrMapOvr>
-    <a:masterClrMapping/>
-  </p:clrMapOvr>
-</p:sld>
-</file>
-
-<file path=ppt/slides/slide23.xml><?xml version="1.0" encoding="utf-8"?>
-<p:sld xmlns:a="http://schemas.openxmlformats.org/drawingml/2006/main" xmlns:r="http://schemas.openxmlformats.org/officeDocument/2006/relationships" xmlns:p="http://schemas.openxmlformats.org/presentationml/2006/main" show="0">
-  <p:cSld>
-    <p:spTree>
-      <p:nvGrpSpPr>
-        <p:cNvPr id="1" name=""/>
-        <p:cNvGrpSpPr/>
-        <p:nvPr/>
-      </p:nvGrpSpPr>
-      <p:grpSpPr>
-        <a:xfrm>
-          <a:off x="0" y="0"/>
-          <a:ext cx="0" cy="0"/>
-          <a:chOff x="0" y="0"/>
-          <a:chExt cx="0" cy="0"/>
-        </a:xfrm>
-      </p:grpSpPr>
-      <p:cxnSp>
-        <p:nvCxnSpPr>
-          <p:cNvPr id="2" name="Straight Connector 1">
-            <a:extLst>
-              <a:ext uri="{FF2B5EF4-FFF2-40B4-BE49-F238E27FC236}">
-                <a16:creationId xmlns:a16="http://schemas.microsoft.com/office/drawing/2014/main" id="{BC4339F9-A066-45CD-91C6-61FED21D3027}"/>
-              </a:ext>
-            </a:extLst>
-          </p:cNvPr>
-          <p:cNvCxnSpPr/>
-          <p:nvPr/>
-        </p:nvCxnSpPr>
-        <p:spPr>
-          <a:xfrm>
-            <a:off x="0" y="1047750"/>
-            <a:ext cx="12192000" cy="0"/>
-          </a:xfrm>
-          <a:prstGeom prst="line">
-            <a:avLst/>
-          </a:prstGeom>
-          <a:ln w="76200">
-            <a:solidFill>
-              <a:srgbClr val="D2C264"/>
-            </a:solidFill>
-          </a:ln>
-        </p:spPr>
-        <p:style>
-          <a:lnRef idx="1">
-            <a:schemeClr val="accent1"/>
-          </a:lnRef>
-          <a:fillRef idx="0">
-            <a:schemeClr val="accent1"/>
-          </a:fillRef>
-          <a:effectRef idx="0">
-            <a:schemeClr val="accent1"/>
-          </a:effectRef>
-          <a:fontRef idx="minor">
-            <a:schemeClr val="tx1"/>
-          </a:fontRef>
-        </p:style>
-      </p:cxnSp>
-      <p:sp>
-        <p:nvSpPr>
-          <p:cNvPr id="3" name="TextBox 2">
-            <a:extLst>
-              <a:ext uri="{FF2B5EF4-FFF2-40B4-BE49-F238E27FC236}">
-                <a16:creationId xmlns:a16="http://schemas.microsoft.com/office/drawing/2014/main" id="{4F839CDC-E463-4502-8748-827AE781F905}"/>
-              </a:ext>
-            </a:extLst>
-          </p:cNvPr>
-          <p:cNvSpPr txBox="1"/>
-          <p:nvPr/>
-        </p:nvSpPr>
-        <p:spPr>
-          <a:xfrm>
-            <a:off x="439692" y="229258"/>
-            <a:ext cx="1027845" cy="584775"/>
-          </a:xfrm>
-          <a:prstGeom prst="rect">
-            <a:avLst/>
-          </a:prstGeom>
-          <a:noFill/>
-        </p:spPr>
-        <p:txBody>
-          <a:bodyPr wrap="none" rtlCol="0">
-            <a:spAutoFit/>
-          </a:bodyPr>
-          <a:lstStyle/>
-          <a:p>
-            <a:r>
-              <a:rPr lang="en-US" sz="3200" b="1" dirty="0">
-                <a:latin typeface="Times New Roman" panose="02020603050405020304" pitchFamily="18" charset="0"/>
-                <a:cs typeface="Times New Roman" panose="02020603050405020304" pitchFamily="18" charset="0"/>
-              </a:rPr>
-              <a:t>PCR</a:t>
-            </a:r>
-          </a:p>
-        </p:txBody>
-      </p:sp>
-      <p:grpSp>
-        <p:nvGrpSpPr>
-          <p:cNvPr id="7" name="Group 6"/>
-          <p:cNvGrpSpPr/>
-          <p:nvPr/>
-        </p:nvGrpSpPr>
-        <p:grpSpPr>
-          <a:xfrm>
-            <a:off x="439692" y="1281468"/>
-            <a:ext cx="7809223" cy="4686195"/>
-            <a:chOff x="439692" y="1281468"/>
-            <a:chExt cx="7809223" cy="4686195"/>
-          </a:xfrm>
-        </p:grpSpPr>
-        <p:pic>
-          <p:nvPicPr>
-            <p:cNvPr id="4" name="Picture 3"/>
-            <p:cNvPicPr>
-              <a:picLocks noChangeAspect="1"/>
-            </p:cNvPicPr>
-            <p:nvPr/>
-          </p:nvPicPr>
-          <p:blipFill rotWithShape="1">
-            <a:blip r:embed="rId2"/>
-            <a:srcRect l="26667" t="35655" r="23964" b="11286"/>
-            <a:stretch/>
-          </p:blipFill>
-          <p:spPr>
-            <a:xfrm>
-              <a:off x="439692" y="1281468"/>
-              <a:ext cx="7809223" cy="4686195"/>
-            </a:xfrm>
-            <a:prstGeom prst="rect">
-              <a:avLst/>
-            </a:prstGeom>
-          </p:spPr>
-        </p:pic>
-        <p:grpSp>
-          <p:nvGrpSpPr>
-            <p:cNvPr id="6" name="Group 5"/>
-            <p:cNvGrpSpPr/>
-            <p:nvPr/>
-          </p:nvGrpSpPr>
-          <p:grpSpPr>
-            <a:xfrm>
-              <a:off x="3829249" y="2935704"/>
-              <a:ext cx="3100939" cy="2704703"/>
-              <a:chOff x="3829249" y="2935704"/>
-              <a:chExt cx="3100939" cy="2704703"/>
-            </a:xfrm>
-          </p:grpSpPr>
-          <p:sp>
-            <p:nvSpPr>
-              <p:cNvPr id="5" name="Rectangle 4"/>
-              <p:cNvSpPr/>
-              <p:nvPr/>
-            </p:nvSpPr>
-            <p:spPr>
-              <a:xfrm>
-                <a:off x="6102417" y="2935704"/>
-                <a:ext cx="510139" cy="1299411"/>
-              </a:xfrm>
-              <a:prstGeom prst="rect">
-                <a:avLst/>
-              </a:prstGeom>
-              <a:noFill/>
-              <a:ln w="19050">
-                <a:solidFill>
-                  <a:srgbClr val="FF0000"/>
-                </a:solidFill>
-              </a:ln>
-            </p:spPr>
-            <p:style>
-              <a:lnRef idx="2">
-                <a:schemeClr val="accent1">
-                  <a:shade val="50000"/>
-                </a:schemeClr>
-              </a:lnRef>
-              <a:fillRef idx="1">
-                <a:schemeClr val="accent1"/>
-              </a:fillRef>
-              <a:effectRef idx="0">
-                <a:schemeClr val="accent1"/>
-              </a:effectRef>
-              <a:fontRef idx="minor">
-                <a:schemeClr val="lt1"/>
-              </a:fontRef>
-            </p:style>
-            <p:txBody>
-              <a:bodyPr rtlCol="0" anchor="ctr"/>
-              <a:lstStyle/>
-              <a:p>
-                <a:pPr algn="ctr"/>
-                <a:endParaRPr lang="en-US"/>
-              </a:p>
-            </p:txBody>
-          </p:sp>
-          <p:sp>
-            <p:nvSpPr>
-              <p:cNvPr id="15" name="Rectangle 14"/>
-              <p:cNvSpPr/>
-              <p:nvPr/>
-            </p:nvSpPr>
-            <p:spPr>
-              <a:xfrm rot="5400000">
-                <a:off x="5205660" y="3915879"/>
-                <a:ext cx="348117" cy="3100939"/>
-              </a:xfrm>
-              <a:prstGeom prst="rect">
-                <a:avLst/>
-              </a:prstGeom>
-              <a:noFill/>
-              <a:ln w="19050">
-                <a:solidFill>
-                  <a:srgbClr val="FF0000"/>
-                </a:solidFill>
-              </a:ln>
-            </p:spPr>
-            <p:style>
-              <a:lnRef idx="2">
-                <a:schemeClr val="accent1">
-                  <a:shade val="50000"/>
-                </a:schemeClr>
-              </a:lnRef>
-              <a:fillRef idx="1">
-                <a:schemeClr val="accent1"/>
-              </a:fillRef>
-              <a:effectRef idx="0">
-                <a:schemeClr val="accent1"/>
-              </a:effectRef>
-              <a:fontRef idx="minor">
-                <a:schemeClr val="lt1"/>
-              </a:fontRef>
-            </p:style>
-            <p:txBody>
-              <a:bodyPr rtlCol="0" anchor="ctr"/>
-              <a:lstStyle/>
-              <a:p>
-                <a:pPr algn="ctr"/>
-                <a:endParaRPr lang="en-US"/>
-              </a:p>
-            </p:txBody>
-          </p:sp>
-        </p:grpSp>
-      </p:grpSp>
-    </p:spTree>
-    <p:extLst>
-      <p:ext uri="{BB962C8B-B14F-4D97-AF65-F5344CB8AC3E}">
-        <p14:creationId xmlns:p14="http://schemas.microsoft.com/office/powerpoint/2010/main" val="4083326155"/>
-      </p:ext>
-    </p:extLst>
-  </p:cSld>
-  <p:clrMapOvr>
-    <a:masterClrMapping/>
-  </p:clrMapOvr>
-</p:sld>
-</file>
-
-<file path=ppt/slides/slide24.xml><?xml version="1.0" encoding="utf-8"?>
 <p:sld xmlns:a="http://schemas.openxmlformats.org/drawingml/2006/main" xmlns:r="http://schemas.openxmlformats.org/officeDocument/2006/relationships" xmlns:p="http://schemas.openxmlformats.org/presentationml/2006/main">
   <p:cSld>
     <p:spTree>
@@ -11309,6 +10548,44 @@
           </a:p>
         </p:txBody>
       </p:sp>
+      <p:sp>
+        <p:nvSpPr>
+          <p:cNvPr id="6" name="TextBox 5">
+            <a:extLst>
+              <a:ext uri="{FF2B5EF4-FFF2-40B4-BE49-F238E27FC236}">
+                <a16:creationId xmlns:a16="http://schemas.microsoft.com/office/drawing/2014/main" id="{968A0A82-7146-484C-AA9D-583D7134C376}"/>
+              </a:ext>
+            </a:extLst>
+          </p:cNvPr>
+          <p:cNvSpPr txBox="1"/>
+          <p:nvPr/>
+        </p:nvSpPr>
+        <p:spPr>
+          <a:xfrm>
+            <a:off x="11215389" y="80452"/>
+            <a:ext cx="877163" cy="369332"/>
+          </a:xfrm>
+          <a:prstGeom prst="rect">
+            <a:avLst/>
+          </a:prstGeom>
+          <a:noFill/>
+        </p:spPr>
+        <p:txBody>
+          <a:bodyPr wrap="none" rtlCol="0">
+            <a:spAutoFit/>
+          </a:bodyPr>
+          <a:lstStyle/>
+          <a:p>
+            <a:r>
+              <a:rPr lang="en-US" dirty="0">
+                <a:latin typeface="Times New Roman" panose="02020603050405020304" pitchFamily="18" charset="0"/>
+                <a:cs typeface="Times New Roman" panose="02020603050405020304" pitchFamily="18" charset="0"/>
+              </a:rPr>
+              <a:t>Ganesh</a:t>
+            </a:r>
+          </a:p>
+        </p:txBody>
+      </p:sp>
     </p:spTree>
     <p:extLst>
       <p:ext uri="{BB962C8B-B14F-4D97-AF65-F5344CB8AC3E}">
@@ -11322,7 +10599,210 @@
 </p:sld>
 </file>
 
-<file path=ppt/slides/slide25.xml><?xml version="1.0" encoding="utf-8"?>
+<file path=ppt/slides/slide22.xml><?xml version="1.0" encoding="utf-8"?>
+<p:sld xmlns:a="http://schemas.openxmlformats.org/drawingml/2006/main" xmlns:r="http://schemas.openxmlformats.org/officeDocument/2006/relationships" xmlns:p="http://schemas.openxmlformats.org/presentationml/2006/main">
+  <p:cSld>
+    <p:spTree>
+      <p:nvGrpSpPr>
+        <p:cNvPr id="1" name=""/>
+        <p:cNvGrpSpPr/>
+        <p:nvPr/>
+      </p:nvGrpSpPr>
+      <p:grpSpPr>
+        <a:xfrm>
+          <a:off x="0" y="0"/>
+          <a:ext cx="0" cy="0"/>
+          <a:chOff x="0" y="0"/>
+          <a:chExt cx="0" cy="0"/>
+        </a:xfrm>
+      </p:grpSpPr>
+      <p:cxnSp>
+        <p:nvCxnSpPr>
+          <p:cNvPr id="2" name="Straight Connector 1">
+            <a:extLst>
+              <a:ext uri="{FF2B5EF4-FFF2-40B4-BE49-F238E27FC236}">
+                <a16:creationId xmlns:a16="http://schemas.microsoft.com/office/drawing/2014/main" id="{A31E7CB7-EDC3-46F2-92F6-748EE36F583B}"/>
+              </a:ext>
+            </a:extLst>
+          </p:cNvPr>
+          <p:cNvCxnSpPr/>
+          <p:nvPr/>
+        </p:nvCxnSpPr>
+        <p:spPr>
+          <a:xfrm>
+            <a:off x="0" y="1047750"/>
+            <a:ext cx="12192000" cy="0"/>
+          </a:xfrm>
+          <a:prstGeom prst="line">
+            <a:avLst/>
+          </a:prstGeom>
+          <a:ln w="76200">
+            <a:solidFill>
+              <a:srgbClr val="D2C264"/>
+            </a:solidFill>
+          </a:ln>
+        </p:spPr>
+        <p:style>
+          <a:lnRef idx="1">
+            <a:schemeClr val="accent1"/>
+          </a:lnRef>
+          <a:fillRef idx="0">
+            <a:schemeClr val="accent1"/>
+          </a:fillRef>
+          <a:effectRef idx="0">
+            <a:schemeClr val="accent1"/>
+          </a:effectRef>
+          <a:fontRef idx="minor">
+            <a:schemeClr val="tx1"/>
+          </a:fontRef>
+        </p:style>
+      </p:cxnSp>
+      <p:sp>
+        <p:nvSpPr>
+          <p:cNvPr id="3" name="TextBox 2">
+            <a:extLst>
+              <a:ext uri="{FF2B5EF4-FFF2-40B4-BE49-F238E27FC236}">
+                <a16:creationId xmlns:a16="http://schemas.microsoft.com/office/drawing/2014/main" id="{1CC17B57-5182-431A-B89C-F0A6B72A815B}"/>
+              </a:ext>
+            </a:extLst>
+          </p:cNvPr>
+          <p:cNvSpPr txBox="1"/>
+          <p:nvPr/>
+        </p:nvSpPr>
+        <p:spPr>
+          <a:xfrm>
+            <a:off x="439692" y="229258"/>
+            <a:ext cx="2482731" cy="584775"/>
+          </a:xfrm>
+          <a:prstGeom prst="rect">
+            <a:avLst/>
+          </a:prstGeom>
+          <a:noFill/>
+        </p:spPr>
+        <p:txBody>
+          <a:bodyPr wrap="none" rtlCol="0">
+            <a:spAutoFit/>
+          </a:bodyPr>
+          <a:lstStyle/>
+          <a:p>
+            <a:r>
+              <a:rPr lang="en-US" sz="3200" b="1" dirty="0">
+                <a:latin typeface="Times New Roman" panose="02020603050405020304" pitchFamily="18" charset="0"/>
+                <a:cs typeface="Times New Roman" panose="02020603050405020304" pitchFamily="18" charset="0"/>
+              </a:rPr>
+              <a:t>Future Work</a:t>
+            </a:r>
+          </a:p>
+        </p:txBody>
+      </p:sp>
+      <p:sp>
+        <p:nvSpPr>
+          <p:cNvPr id="4" name="TextBox 3">
+            <a:extLst>
+              <a:ext uri="{FF2B5EF4-FFF2-40B4-BE49-F238E27FC236}">
+                <a16:creationId xmlns:a16="http://schemas.microsoft.com/office/drawing/2014/main" id="{1907185F-1CA9-4BC9-B320-FC69FAEC82F0}"/>
+              </a:ext>
+            </a:extLst>
+          </p:cNvPr>
+          <p:cNvSpPr txBox="1"/>
+          <p:nvPr/>
+        </p:nvSpPr>
+        <p:spPr>
+          <a:xfrm>
+            <a:off x="11215389" y="80452"/>
+            <a:ext cx="877163" cy="369332"/>
+          </a:xfrm>
+          <a:prstGeom prst="rect">
+            <a:avLst/>
+          </a:prstGeom>
+          <a:noFill/>
+        </p:spPr>
+        <p:txBody>
+          <a:bodyPr wrap="none" rtlCol="0">
+            <a:spAutoFit/>
+          </a:bodyPr>
+          <a:lstStyle/>
+          <a:p>
+            <a:r>
+              <a:rPr lang="en-US" dirty="0">
+                <a:latin typeface="Times New Roman" panose="02020603050405020304" pitchFamily="18" charset="0"/>
+                <a:cs typeface="Times New Roman" panose="02020603050405020304" pitchFamily="18" charset="0"/>
+              </a:rPr>
+              <a:t>Ganesh</a:t>
+            </a:r>
+          </a:p>
+        </p:txBody>
+      </p:sp>
+      <p:sp>
+        <p:nvSpPr>
+          <p:cNvPr id="5" name="TextBox 4">
+            <a:extLst>
+              <a:ext uri="{FF2B5EF4-FFF2-40B4-BE49-F238E27FC236}">
+                <a16:creationId xmlns:a16="http://schemas.microsoft.com/office/drawing/2014/main" id="{AD0705EB-EF39-46A3-A7C2-30D71D721A1A}"/>
+              </a:ext>
+            </a:extLst>
+          </p:cNvPr>
+          <p:cNvSpPr txBox="1"/>
+          <p:nvPr/>
+        </p:nvSpPr>
+        <p:spPr>
+          <a:xfrm>
+            <a:off x="806824" y="1604682"/>
+            <a:ext cx="3991542" cy="923330"/>
+          </a:xfrm>
+          <a:prstGeom prst="rect">
+            <a:avLst/>
+          </a:prstGeom>
+          <a:noFill/>
+        </p:spPr>
+        <p:txBody>
+          <a:bodyPr wrap="none" rtlCol="0">
+            <a:spAutoFit/>
+          </a:bodyPr>
+          <a:lstStyle/>
+          <a:p>
+            <a:pPr marL="285750" indent="-285750">
+              <a:buFont typeface="Arial" panose="020B0604020202020204" pitchFamily="34" charset="0"/>
+              <a:buChar char="•"/>
+            </a:pPr>
+            <a:r>
+              <a:rPr lang="en-US" dirty="0"/>
+              <a:t>PCA &amp; PCR</a:t>
+            </a:r>
+          </a:p>
+          <a:p>
+            <a:pPr marL="285750" indent="-285750">
+              <a:buFont typeface="Arial" panose="020B0604020202020204" pitchFamily="34" charset="0"/>
+              <a:buChar char="•"/>
+            </a:pPr>
+            <a:r>
+              <a:rPr lang="en-US" dirty="0"/>
+              <a:t>Logistical regression smart question 3</a:t>
+            </a:r>
+          </a:p>
+          <a:p>
+            <a:pPr marL="285750" indent="-285750">
+              <a:buFont typeface="Arial" panose="020B0604020202020204" pitchFamily="34" charset="0"/>
+              <a:buChar char="•"/>
+            </a:pPr>
+            <a:endParaRPr lang="en-US" dirty="0"/>
+          </a:p>
+        </p:txBody>
+      </p:sp>
+    </p:spTree>
+    <p:extLst>
+      <p:ext uri="{BB962C8B-B14F-4D97-AF65-F5344CB8AC3E}">
+        <p14:creationId xmlns:p14="http://schemas.microsoft.com/office/powerpoint/2010/main" val="2910143040"/>
+      </p:ext>
+    </p:extLst>
+  </p:cSld>
+  <p:clrMapOvr>
+    <a:masterClrMapping/>
+  </p:clrMapOvr>
+</p:sld>
+</file>
+
+<file path=ppt/slides/slide23.xml><?xml version="1.0" encoding="utf-8"?>
 <p:sld xmlns:a="http://schemas.openxmlformats.org/drawingml/2006/main" xmlns:r="http://schemas.openxmlformats.org/officeDocument/2006/relationships" xmlns:p="http://schemas.openxmlformats.org/presentationml/2006/main">
   <p:cSld>
     <p:spTree>
@@ -15375,6 +14855,44 @@
           </p:txBody>
         </p:sp>
       </p:grpSp>
+      <p:sp>
+        <p:nvSpPr>
+          <p:cNvPr id="34" name="TextBox 33">
+            <a:extLst>
+              <a:ext uri="{FF2B5EF4-FFF2-40B4-BE49-F238E27FC236}">
+                <a16:creationId xmlns:a16="http://schemas.microsoft.com/office/drawing/2014/main" id="{1F160490-9C3C-416D-AB6C-6313A0CFC731}"/>
+              </a:ext>
+            </a:extLst>
+          </p:cNvPr>
+          <p:cNvSpPr txBox="1"/>
+          <p:nvPr/>
+        </p:nvSpPr>
+        <p:spPr>
+          <a:xfrm>
+            <a:off x="11215389" y="80452"/>
+            <a:ext cx="889987" cy="369332"/>
+          </a:xfrm>
+          <a:prstGeom prst="rect">
+            <a:avLst/>
+          </a:prstGeom>
+          <a:noFill/>
+        </p:spPr>
+        <p:txBody>
+          <a:bodyPr wrap="none" rtlCol="0">
+            <a:spAutoFit/>
+          </a:bodyPr>
+          <a:lstStyle/>
+          <a:p>
+            <a:r>
+              <a:rPr lang="en-US" dirty="0">
+                <a:latin typeface="Times New Roman" panose="02020603050405020304" pitchFamily="18" charset="0"/>
+                <a:cs typeface="Times New Roman" panose="02020603050405020304" pitchFamily="18" charset="0"/>
+              </a:rPr>
+              <a:t>Ganesh</a:t>
+            </a:r>
+          </a:p>
+        </p:txBody>
+      </p:sp>
     </p:spTree>
     <p:extLst>
       <p:ext uri="{BB962C8B-B14F-4D97-AF65-F5344CB8AC3E}">
@@ -15389,286 +14907,6 @@
 </file>
 
 <file path=ppt/slides/slide4.xml><?xml version="1.0" encoding="utf-8"?>
-<p:sld xmlns:a="http://schemas.openxmlformats.org/drawingml/2006/main" xmlns:r="http://schemas.openxmlformats.org/officeDocument/2006/relationships" xmlns:p="http://schemas.openxmlformats.org/presentationml/2006/main">
-  <p:cSld>
-    <p:spTree>
-      <p:nvGrpSpPr>
-        <p:cNvPr id="1" name=""/>
-        <p:cNvGrpSpPr/>
-        <p:nvPr/>
-      </p:nvGrpSpPr>
-      <p:grpSpPr>
-        <a:xfrm>
-          <a:off x="0" y="0"/>
-          <a:ext cx="0" cy="0"/>
-          <a:chOff x="0" y="0"/>
-          <a:chExt cx="0" cy="0"/>
-        </a:xfrm>
-      </p:grpSpPr>
-      <p:sp>
-        <p:nvSpPr>
-          <p:cNvPr id="2" name="TextBox 1">
-            <a:extLst>
-              <a:ext uri="{FF2B5EF4-FFF2-40B4-BE49-F238E27FC236}">
-                <a16:creationId xmlns:a16="http://schemas.microsoft.com/office/drawing/2014/main" id="{742EF216-75D4-4734-B156-3EDB09F9CE9B}"/>
-              </a:ext>
-            </a:extLst>
-          </p:cNvPr>
-          <p:cNvSpPr txBox="1"/>
-          <p:nvPr/>
-        </p:nvSpPr>
-        <p:spPr>
-          <a:xfrm>
-            <a:off x="477753" y="2819123"/>
-            <a:ext cx="11236494" cy="2062103"/>
-          </a:xfrm>
-          <a:prstGeom prst="rect">
-            <a:avLst/>
-          </a:prstGeom>
-          <a:noFill/>
-        </p:spPr>
-        <p:txBody>
-          <a:bodyPr wrap="square">
-            <a:spAutoFit/>
-          </a:bodyPr>
-          <a:lstStyle/>
-          <a:p>
-            <a:pPr lvl="0"/>
-            <a:r>
-              <a:rPr lang="en-US" sz="3200" dirty="0">
-                <a:latin typeface="Times New Roman" panose="02020603050405020304" pitchFamily="18" charset="0"/>
-                <a:cs typeface="Times New Roman" panose="02020603050405020304" pitchFamily="18" charset="0"/>
-              </a:rPr>
-              <a:t>Given the variables that describe the (X, Y) coordinates of the beginning and end of key events (shots, assists, key passes), which configuration of the variables result in the best fitting model that gives the probability of a shot on goal being successful?</a:t>
-            </a:r>
-          </a:p>
-        </p:txBody>
-      </p:sp>
-      <p:cxnSp>
-        <p:nvCxnSpPr>
-          <p:cNvPr id="3" name="Straight Connector 2">
-            <a:extLst>
-              <a:ext uri="{FF2B5EF4-FFF2-40B4-BE49-F238E27FC236}">
-                <a16:creationId xmlns:a16="http://schemas.microsoft.com/office/drawing/2014/main" id="{B493E240-C89A-4822-B4C3-EC3A33AD45FA}"/>
-              </a:ext>
-            </a:extLst>
-          </p:cNvPr>
-          <p:cNvCxnSpPr/>
-          <p:nvPr/>
-        </p:nvCxnSpPr>
-        <p:spPr>
-          <a:xfrm>
-            <a:off x="0" y="1047750"/>
-            <a:ext cx="12192000" cy="0"/>
-          </a:xfrm>
-          <a:prstGeom prst="line">
-            <a:avLst/>
-          </a:prstGeom>
-          <a:ln w="76200">
-            <a:solidFill>
-              <a:srgbClr val="D2C264"/>
-            </a:solidFill>
-          </a:ln>
-        </p:spPr>
-        <p:style>
-          <a:lnRef idx="1">
-            <a:schemeClr val="accent1"/>
-          </a:lnRef>
-          <a:fillRef idx="0">
-            <a:schemeClr val="accent1"/>
-          </a:fillRef>
-          <a:effectRef idx="0">
-            <a:schemeClr val="accent1"/>
-          </a:effectRef>
-          <a:fontRef idx="minor">
-            <a:schemeClr val="tx1"/>
-          </a:fontRef>
-        </p:style>
-      </p:cxnSp>
-      <p:sp>
-        <p:nvSpPr>
-          <p:cNvPr id="4" name="TextBox 3">
-            <a:extLst>
-              <a:ext uri="{FF2B5EF4-FFF2-40B4-BE49-F238E27FC236}">
-                <a16:creationId xmlns:a16="http://schemas.microsoft.com/office/drawing/2014/main" id="{9EAF4BF5-F510-49EE-8E26-0511CB451A3D}"/>
-              </a:ext>
-            </a:extLst>
-          </p:cNvPr>
-          <p:cNvSpPr txBox="1"/>
-          <p:nvPr/>
-        </p:nvSpPr>
-        <p:spPr>
-          <a:xfrm>
-            <a:off x="439692" y="229258"/>
-            <a:ext cx="3764749" cy="584775"/>
-          </a:xfrm>
-          <a:prstGeom prst="rect">
-            <a:avLst/>
-          </a:prstGeom>
-          <a:noFill/>
-        </p:spPr>
-        <p:txBody>
-          <a:bodyPr wrap="none" rtlCol="0">
-            <a:spAutoFit/>
-          </a:bodyPr>
-          <a:lstStyle/>
-          <a:p>
-            <a:r>
-              <a:rPr lang="en-US" sz="3200" b="1" dirty="0">
-                <a:latin typeface="Times New Roman" panose="02020603050405020304" pitchFamily="18" charset="0"/>
-                <a:cs typeface="Times New Roman" panose="02020603050405020304" pitchFamily="18" charset="0"/>
-              </a:rPr>
-              <a:t>SMART Question 1:</a:t>
-            </a:r>
-          </a:p>
-        </p:txBody>
-      </p:sp>
-    </p:spTree>
-    <p:extLst>
-      <p:ext uri="{BB962C8B-B14F-4D97-AF65-F5344CB8AC3E}">
-        <p14:creationId xmlns:p14="http://schemas.microsoft.com/office/powerpoint/2010/main" val="1927476904"/>
-      </p:ext>
-    </p:extLst>
-  </p:cSld>
-  <p:clrMapOvr>
-    <a:masterClrMapping/>
-  </p:clrMapOvr>
-  <p:timing>
-    <p:tnLst>
-      <p:par>
-        <p:cTn id="1" dur="indefinite" restart="never" nodeType="tmRoot">
-          <p:childTnLst>
-            <p:seq concurrent="1" nextAc="seek">
-              <p:cTn id="2" dur="indefinite" nodeType="mainSeq">
-                <p:childTnLst>
-                  <p:par>
-                    <p:cTn id="3" fill="hold">
-                      <p:stCondLst>
-                        <p:cond delay="indefinite"/>
-                      </p:stCondLst>
-                      <p:childTnLst>
-                        <p:par>
-                          <p:cTn id="4" fill="hold">
-                            <p:stCondLst>
-                              <p:cond delay="0"/>
-                            </p:stCondLst>
-                            <p:childTnLst>
-                              <p:par>
-                                <p:cTn id="5" presetID="42" presetClass="entr" presetSubtype="0" fill="hold" grpId="0" nodeType="clickEffect">
-                                  <p:stCondLst>
-                                    <p:cond delay="0"/>
-                                  </p:stCondLst>
-                                  <p:childTnLst>
-                                    <p:set>
-                                      <p:cBhvr>
-                                        <p:cTn id="6" dur="1" fill="hold">
-                                          <p:stCondLst>
-                                            <p:cond delay="0"/>
-                                          </p:stCondLst>
-                                        </p:cTn>
-                                        <p:tgtEl>
-                                          <p:spTgt spid="2"/>
-                                        </p:tgtEl>
-                                        <p:attrNameLst>
-                                          <p:attrName>style.visibility</p:attrName>
-                                        </p:attrNameLst>
-                                      </p:cBhvr>
-                                      <p:to>
-                                        <p:strVal val="visible"/>
-                                      </p:to>
-                                    </p:set>
-                                    <p:animEffect transition="in" filter="fade">
-                                      <p:cBhvr>
-                                        <p:cTn id="7" dur="1000"/>
-                                        <p:tgtEl>
-                                          <p:spTgt spid="2"/>
-                                        </p:tgtEl>
-                                      </p:cBhvr>
-                                    </p:animEffect>
-                                    <p:anim calcmode="lin" valueType="num">
-                                      <p:cBhvr>
-                                        <p:cTn id="8" dur="1000" fill="hold"/>
-                                        <p:tgtEl>
-                                          <p:spTgt spid="2"/>
-                                        </p:tgtEl>
-                                        <p:attrNameLst>
-                                          <p:attrName>ppt_x</p:attrName>
-                                        </p:attrNameLst>
-                                      </p:cBhvr>
-                                      <p:tavLst>
-                                        <p:tav tm="0">
-                                          <p:val>
-                                            <p:strVal val="#ppt_x"/>
-                                          </p:val>
-                                        </p:tav>
-                                        <p:tav tm="100000">
-                                          <p:val>
-                                            <p:strVal val="#ppt_x"/>
-                                          </p:val>
-                                        </p:tav>
-                                      </p:tavLst>
-                                    </p:anim>
-                                    <p:anim calcmode="lin" valueType="num">
-                                      <p:cBhvr>
-                                        <p:cTn id="9" dur="1000" fill="hold"/>
-                                        <p:tgtEl>
-                                          <p:spTgt spid="2"/>
-                                        </p:tgtEl>
-                                        <p:attrNameLst>
-                                          <p:attrName>ppt_y</p:attrName>
-                                        </p:attrNameLst>
-                                      </p:cBhvr>
-                                      <p:tavLst>
-                                        <p:tav tm="0">
-                                          <p:val>
-                                            <p:strVal val="#ppt_y+.1"/>
-                                          </p:val>
-                                        </p:tav>
-                                        <p:tav tm="100000">
-                                          <p:val>
-                                            <p:strVal val="#ppt_y"/>
-                                          </p:val>
-                                        </p:tav>
-                                      </p:tavLst>
-                                    </p:anim>
-                                  </p:childTnLst>
-                                </p:cTn>
-                              </p:par>
-                            </p:childTnLst>
-                          </p:cTn>
-                        </p:par>
-                      </p:childTnLst>
-                    </p:cTn>
-                  </p:par>
-                </p:childTnLst>
-              </p:cTn>
-              <p:prevCondLst>
-                <p:cond evt="onPrev" delay="0">
-                  <p:tgtEl>
-                    <p:sldTgt/>
-                  </p:tgtEl>
-                </p:cond>
-              </p:prevCondLst>
-              <p:nextCondLst>
-                <p:cond evt="onNext" delay="0">
-                  <p:tgtEl>
-                    <p:sldTgt/>
-                  </p:tgtEl>
-                </p:cond>
-              </p:nextCondLst>
-            </p:seq>
-          </p:childTnLst>
-        </p:cTn>
-      </p:par>
-    </p:tnLst>
-    <p:bldLst>
-      <p:bldP spid="2" grpId="0"/>
-    </p:bldLst>
-  </p:timing>
-</p:sld>
-</file>
-
-<file path=ppt/slides/slide5.xml><?xml version="1.0" encoding="utf-8"?>
 <p:sld xmlns:a="http://schemas.openxmlformats.org/drawingml/2006/main" xmlns:r="http://schemas.openxmlformats.org/officeDocument/2006/relationships" xmlns:p="http://schemas.openxmlformats.org/presentationml/2006/main">
   <p:cSld>
     <p:spTree>
@@ -17675,6 +16913,44 @@
           </p:txBody>
         </p:sp>
       </p:grpSp>
+      <p:sp>
+        <p:nvSpPr>
+          <p:cNvPr id="33" name="TextBox 32">
+            <a:extLst>
+              <a:ext uri="{FF2B5EF4-FFF2-40B4-BE49-F238E27FC236}">
+                <a16:creationId xmlns:a16="http://schemas.microsoft.com/office/drawing/2014/main" id="{5146260A-BC29-4368-ACCC-D8F294EDC607}"/>
+              </a:ext>
+            </a:extLst>
+          </p:cNvPr>
+          <p:cNvSpPr txBox="1"/>
+          <p:nvPr/>
+        </p:nvSpPr>
+        <p:spPr>
+          <a:xfrm>
+            <a:off x="11215389" y="80452"/>
+            <a:ext cx="889987" cy="369332"/>
+          </a:xfrm>
+          <a:prstGeom prst="rect">
+            <a:avLst/>
+          </a:prstGeom>
+          <a:noFill/>
+        </p:spPr>
+        <p:txBody>
+          <a:bodyPr wrap="none" rtlCol="0">
+            <a:spAutoFit/>
+          </a:bodyPr>
+          <a:lstStyle/>
+          <a:p>
+            <a:r>
+              <a:rPr lang="en-US" dirty="0">
+                <a:latin typeface="Times New Roman" panose="02020603050405020304" pitchFamily="18" charset="0"/>
+                <a:cs typeface="Times New Roman" panose="02020603050405020304" pitchFamily="18" charset="0"/>
+              </a:rPr>
+              <a:t>Ganesh</a:t>
+            </a:r>
+          </a:p>
+        </p:txBody>
+      </p:sp>
     </p:spTree>
     <p:extLst>
       <p:ext uri="{BB962C8B-B14F-4D97-AF65-F5344CB8AC3E}">
@@ -17688,7 +16964,7 @@
 </p:sld>
 </file>
 
-<file path=ppt/slides/slide6.xml><?xml version="1.0" encoding="utf-8"?>
+<file path=ppt/slides/slide5.xml><?xml version="1.0" encoding="utf-8"?>
 <p:sld xmlns:a="http://schemas.openxmlformats.org/drawingml/2006/main" xmlns:r="http://schemas.openxmlformats.org/officeDocument/2006/relationships" xmlns:p="http://schemas.openxmlformats.org/presentationml/2006/main">
   <p:cSld>
     <p:spTree>
@@ -17904,6 +17180,44 @@
           </a:prstGeom>
         </p:spPr>
       </p:pic>
+      <p:sp>
+        <p:nvSpPr>
+          <p:cNvPr id="10" name="TextBox 9">
+            <a:extLst>
+              <a:ext uri="{FF2B5EF4-FFF2-40B4-BE49-F238E27FC236}">
+                <a16:creationId xmlns:a16="http://schemas.microsoft.com/office/drawing/2014/main" id="{16A9779B-7B71-469D-BE62-F468D82B0968}"/>
+              </a:ext>
+            </a:extLst>
+          </p:cNvPr>
+          <p:cNvSpPr txBox="1"/>
+          <p:nvPr/>
+        </p:nvSpPr>
+        <p:spPr>
+          <a:xfrm>
+            <a:off x="11215389" y="80452"/>
+            <a:ext cx="889987" cy="369332"/>
+          </a:xfrm>
+          <a:prstGeom prst="rect">
+            <a:avLst/>
+          </a:prstGeom>
+          <a:noFill/>
+        </p:spPr>
+        <p:txBody>
+          <a:bodyPr wrap="none" rtlCol="0">
+            <a:spAutoFit/>
+          </a:bodyPr>
+          <a:lstStyle/>
+          <a:p>
+            <a:r>
+              <a:rPr lang="en-US" dirty="0">
+                <a:latin typeface="Times New Roman" panose="02020603050405020304" pitchFamily="18" charset="0"/>
+                <a:cs typeface="Times New Roman" panose="02020603050405020304" pitchFamily="18" charset="0"/>
+              </a:rPr>
+              <a:t>Ganesh</a:t>
+            </a:r>
+          </a:p>
+        </p:txBody>
+      </p:sp>
     </p:spTree>
     <p:extLst>
       <p:ext uri="{BB962C8B-B14F-4D97-AF65-F5344CB8AC3E}">
@@ -17914,6 +17228,324 @@
   <p:clrMapOvr>
     <a:masterClrMapping/>
   </p:clrMapOvr>
+</p:sld>
+</file>
+
+<file path=ppt/slides/slide6.xml><?xml version="1.0" encoding="utf-8"?>
+<p:sld xmlns:a="http://schemas.openxmlformats.org/drawingml/2006/main" xmlns:r="http://schemas.openxmlformats.org/officeDocument/2006/relationships" xmlns:p="http://schemas.openxmlformats.org/presentationml/2006/main">
+  <p:cSld>
+    <p:spTree>
+      <p:nvGrpSpPr>
+        <p:cNvPr id="1" name=""/>
+        <p:cNvGrpSpPr/>
+        <p:nvPr/>
+      </p:nvGrpSpPr>
+      <p:grpSpPr>
+        <a:xfrm>
+          <a:off x="0" y="0"/>
+          <a:ext cx="0" cy="0"/>
+          <a:chOff x="0" y="0"/>
+          <a:chExt cx="0" cy="0"/>
+        </a:xfrm>
+      </p:grpSpPr>
+      <p:sp>
+        <p:nvSpPr>
+          <p:cNvPr id="2" name="TextBox 1">
+            <a:extLst>
+              <a:ext uri="{FF2B5EF4-FFF2-40B4-BE49-F238E27FC236}">
+                <a16:creationId xmlns:a16="http://schemas.microsoft.com/office/drawing/2014/main" id="{742EF216-75D4-4734-B156-3EDB09F9CE9B}"/>
+              </a:ext>
+            </a:extLst>
+          </p:cNvPr>
+          <p:cNvSpPr txBox="1"/>
+          <p:nvPr/>
+        </p:nvSpPr>
+        <p:spPr>
+          <a:xfrm>
+            <a:off x="477753" y="2819123"/>
+            <a:ext cx="11236494" cy="2062103"/>
+          </a:xfrm>
+          <a:prstGeom prst="rect">
+            <a:avLst/>
+          </a:prstGeom>
+          <a:noFill/>
+        </p:spPr>
+        <p:txBody>
+          <a:bodyPr wrap="square">
+            <a:spAutoFit/>
+          </a:bodyPr>
+          <a:lstStyle/>
+          <a:p>
+            <a:pPr lvl="0"/>
+            <a:r>
+              <a:rPr lang="en-US" sz="3200" dirty="0">
+                <a:latin typeface="Times New Roman" panose="02020603050405020304" pitchFamily="18" charset="0"/>
+                <a:cs typeface="Times New Roman" panose="02020603050405020304" pitchFamily="18" charset="0"/>
+              </a:rPr>
+              <a:t>Given the variables that describe the (X, Y) coordinates of the beginning and end of key events (shots, assists, key passes), which configuration of the variables result in the best fitting model that gives the probability of a shot on goal being successful?</a:t>
+            </a:r>
+          </a:p>
+        </p:txBody>
+      </p:sp>
+      <p:cxnSp>
+        <p:nvCxnSpPr>
+          <p:cNvPr id="3" name="Straight Connector 2">
+            <a:extLst>
+              <a:ext uri="{FF2B5EF4-FFF2-40B4-BE49-F238E27FC236}">
+                <a16:creationId xmlns:a16="http://schemas.microsoft.com/office/drawing/2014/main" id="{B493E240-C89A-4822-B4C3-EC3A33AD45FA}"/>
+              </a:ext>
+            </a:extLst>
+          </p:cNvPr>
+          <p:cNvCxnSpPr/>
+          <p:nvPr/>
+        </p:nvCxnSpPr>
+        <p:spPr>
+          <a:xfrm>
+            <a:off x="0" y="1047750"/>
+            <a:ext cx="12192000" cy="0"/>
+          </a:xfrm>
+          <a:prstGeom prst="line">
+            <a:avLst/>
+          </a:prstGeom>
+          <a:ln w="76200">
+            <a:solidFill>
+              <a:srgbClr val="D2C264"/>
+            </a:solidFill>
+          </a:ln>
+        </p:spPr>
+        <p:style>
+          <a:lnRef idx="1">
+            <a:schemeClr val="accent1"/>
+          </a:lnRef>
+          <a:fillRef idx="0">
+            <a:schemeClr val="accent1"/>
+          </a:fillRef>
+          <a:effectRef idx="0">
+            <a:schemeClr val="accent1"/>
+          </a:effectRef>
+          <a:fontRef idx="minor">
+            <a:schemeClr val="tx1"/>
+          </a:fontRef>
+        </p:style>
+      </p:cxnSp>
+      <p:sp>
+        <p:nvSpPr>
+          <p:cNvPr id="4" name="TextBox 3">
+            <a:extLst>
+              <a:ext uri="{FF2B5EF4-FFF2-40B4-BE49-F238E27FC236}">
+                <a16:creationId xmlns:a16="http://schemas.microsoft.com/office/drawing/2014/main" id="{9EAF4BF5-F510-49EE-8E26-0511CB451A3D}"/>
+              </a:ext>
+            </a:extLst>
+          </p:cNvPr>
+          <p:cNvSpPr txBox="1"/>
+          <p:nvPr/>
+        </p:nvSpPr>
+        <p:spPr>
+          <a:xfrm>
+            <a:off x="439692" y="229258"/>
+            <a:ext cx="3764749" cy="584775"/>
+          </a:xfrm>
+          <a:prstGeom prst="rect">
+            <a:avLst/>
+          </a:prstGeom>
+          <a:noFill/>
+        </p:spPr>
+        <p:txBody>
+          <a:bodyPr wrap="none" rtlCol="0">
+            <a:spAutoFit/>
+          </a:bodyPr>
+          <a:lstStyle/>
+          <a:p>
+            <a:r>
+              <a:rPr lang="en-US" sz="3200" b="1" dirty="0">
+                <a:latin typeface="Times New Roman" panose="02020603050405020304" pitchFamily="18" charset="0"/>
+                <a:cs typeface="Times New Roman" panose="02020603050405020304" pitchFamily="18" charset="0"/>
+              </a:rPr>
+              <a:t>SMART Question 1:</a:t>
+            </a:r>
+          </a:p>
+        </p:txBody>
+      </p:sp>
+      <p:sp>
+        <p:nvSpPr>
+          <p:cNvPr id="5" name="TextBox 4">
+            <a:extLst>
+              <a:ext uri="{FF2B5EF4-FFF2-40B4-BE49-F238E27FC236}">
+                <a16:creationId xmlns:a16="http://schemas.microsoft.com/office/drawing/2014/main" id="{636A0C26-9EFD-4A72-9FFD-E35B43C1CAD8}"/>
+              </a:ext>
+            </a:extLst>
+          </p:cNvPr>
+          <p:cNvSpPr txBox="1"/>
+          <p:nvPr/>
+        </p:nvSpPr>
+        <p:spPr>
+          <a:xfrm>
+            <a:off x="11215389" y="80452"/>
+            <a:ext cx="800219" cy="369332"/>
+          </a:xfrm>
+          <a:prstGeom prst="rect">
+            <a:avLst/>
+          </a:prstGeom>
+          <a:noFill/>
+        </p:spPr>
+        <p:txBody>
+          <a:bodyPr wrap="none" rtlCol="0">
+            <a:spAutoFit/>
+          </a:bodyPr>
+          <a:lstStyle/>
+          <a:p>
+            <a:r>
+              <a:rPr lang="en-US" dirty="0">
+                <a:latin typeface="Times New Roman" panose="02020603050405020304" pitchFamily="18" charset="0"/>
+                <a:cs typeface="Times New Roman" panose="02020603050405020304" pitchFamily="18" charset="0"/>
+              </a:rPr>
+              <a:t>Daniel</a:t>
+            </a:r>
+          </a:p>
+        </p:txBody>
+      </p:sp>
+    </p:spTree>
+    <p:extLst>
+      <p:ext uri="{BB962C8B-B14F-4D97-AF65-F5344CB8AC3E}">
+        <p14:creationId xmlns:p14="http://schemas.microsoft.com/office/powerpoint/2010/main" val="1927476904"/>
+      </p:ext>
+    </p:extLst>
+  </p:cSld>
+  <p:clrMapOvr>
+    <a:masterClrMapping/>
+  </p:clrMapOvr>
+  <p:timing>
+    <p:tnLst>
+      <p:par>
+        <p:cTn id="1" dur="indefinite" restart="never" nodeType="tmRoot">
+          <p:childTnLst>
+            <p:seq concurrent="1" nextAc="seek">
+              <p:cTn id="2" dur="indefinite" nodeType="mainSeq">
+                <p:childTnLst>
+                  <p:par>
+                    <p:cTn id="3" fill="hold">
+                      <p:stCondLst>
+                        <p:cond delay="indefinite"/>
+                      </p:stCondLst>
+                      <p:childTnLst>
+                        <p:par>
+                          <p:cTn id="4" fill="hold">
+                            <p:stCondLst>
+                              <p:cond delay="0"/>
+                            </p:stCondLst>
+                            <p:childTnLst>
+                              <p:par>
+                                <p:cTn id="5" presetID="42" presetClass="entr" presetSubtype="0" fill="hold" grpId="0" nodeType="clickEffect">
+                                  <p:stCondLst>
+                                    <p:cond delay="0"/>
+                                  </p:stCondLst>
+                                  <p:childTnLst>
+                                    <p:set>
+                                      <p:cBhvr>
+                                        <p:cTn id="6" dur="1" fill="hold">
+                                          <p:stCondLst>
+                                            <p:cond delay="0"/>
+                                          </p:stCondLst>
+                                        </p:cTn>
+                                        <p:tgtEl>
+                                          <p:spTgt spid="2"/>
+                                        </p:tgtEl>
+                                        <p:attrNameLst>
+                                          <p:attrName>style.visibility</p:attrName>
+                                        </p:attrNameLst>
+                                      </p:cBhvr>
+                                      <p:to>
+                                        <p:strVal val="visible"/>
+                                      </p:to>
+                                    </p:set>
+                                    <p:animEffect transition="in" filter="fade">
+                                      <p:cBhvr>
+                                        <p:cTn id="7" dur="1000"/>
+                                        <p:tgtEl>
+                                          <p:spTgt spid="2"/>
+                                        </p:tgtEl>
+                                      </p:cBhvr>
+                                    </p:animEffect>
+                                    <p:anim calcmode="lin" valueType="num">
+                                      <p:cBhvr>
+                                        <p:cTn id="8" dur="1000" fill="hold"/>
+                                        <p:tgtEl>
+                                          <p:spTgt spid="2"/>
+                                        </p:tgtEl>
+                                        <p:attrNameLst>
+                                          <p:attrName>ppt_x</p:attrName>
+                                        </p:attrNameLst>
+                                      </p:cBhvr>
+                                      <p:tavLst>
+                                        <p:tav tm="0">
+                                          <p:val>
+                                            <p:strVal val="#ppt_x"/>
+                                          </p:val>
+                                        </p:tav>
+                                        <p:tav tm="100000">
+                                          <p:val>
+                                            <p:strVal val="#ppt_x"/>
+                                          </p:val>
+                                        </p:tav>
+                                      </p:tavLst>
+                                    </p:anim>
+                                    <p:anim calcmode="lin" valueType="num">
+                                      <p:cBhvr>
+                                        <p:cTn id="9" dur="1000" fill="hold"/>
+                                        <p:tgtEl>
+                                          <p:spTgt spid="2"/>
+                                        </p:tgtEl>
+                                        <p:attrNameLst>
+                                          <p:attrName>ppt_y</p:attrName>
+                                        </p:attrNameLst>
+                                      </p:cBhvr>
+                                      <p:tavLst>
+                                        <p:tav tm="0">
+                                          <p:val>
+                                            <p:strVal val="#ppt_y+.1"/>
+                                          </p:val>
+                                        </p:tav>
+                                        <p:tav tm="100000">
+                                          <p:val>
+                                            <p:strVal val="#ppt_y"/>
+                                          </p:val>
+                                        </p:tav>
+                                      </p:tavLst>
+                                    </p:anim>
+                                  </p:childTnLst>
+                                </p:cTn>
+                              </p:par>
+                            </p:childTnLst>
+                          </p:cTn>
+                        </p:par>
+                      </p:childTnLst>
+                    </p:cTn>
+                  </p:par>
+                </p:childTnLst>
+              </p:cTn>
+              <p:prevCondLst>
+                <p:cond evt="onPrev" delay="0">
+                  <p:tgtEl>
+                    <p:sldTgt/>
+                  </p:tgtEl>
+                </p:cond>
+              </p:prevCondLst>
+              <p:nextCondLst>
+                <p:cond evt="onNext" delay="0">
+                  <p:tgtEl>
+                    <p:sldTgt/>
+                  </p:tgtEl>
+                </p:cond>
+              </p:nextCondLst>
+            </p:seq>
+          </p:childTnLst>
+        </p:cTn>
+      </p:par>
+    </p:tnLst>
+    <p:bldLst>
+      <p:bldP spid="2" grpId="0"/>
+    </p:bldLst>
+  </p:timing>
 </p:sld>
 </file>
 
@@ -18358,6 +17990,44 @@
               <a:buAutoNum type="arabicPeriod"/>
             </a:pPr>
             <a:endParaRPr lang="es-MX" dirty="0"/>
+          </a:p>
+        </p:txBody>
+      </p:sp>
+      <p:sp>
+        <p:nvSpPr>
+          <p:cNvPr id="6" name="TextBox 5">
+            <a:extLst>
+              <a:ext uri="{FF2B5EF4-FFF2-40B4-BE49-F238E27FC236}">
+                <a16:creationId xmlns:a16="http://schemas.microsoft.com/office/drawing/2014/main" id="{A0C47128-B89B-4060-BDE4-0F0C82171400}"/>
+              </a:ext>
+            </a:extLst>
+          </p:cNvPr>
+          <p:cNvSpPr txBox="1"/>
+          <p:nvPr/>
+        </p:nvSpPr>
+        <p:spPr>
+          <a:xfrm>
+            <a:off x="11215389" y="80452"/>
+            <a:ext cx="800219" cy="369332"/>
+          </a:xfrm>
+          <a:prstGeom prst="rect">
+            <a:avLst/>
+          </a:prstGeom>
+          <a:noFill/>
+        </p:spPr>
+        <p:txBody>
+          <a:bodyPr wrap="none" rtlCol="0">
+            <a:spAutoFit/>
+          </a:bodyPr>
+          <a:lstStyle/>
+          <a:p>
+            <a:r>
+              <a:rPr lang="en-US" dirty="0">
+                <a:latin typeface="Times New Roman" panose="02020603050405020304" pitchFamily="18" charset="0"/>
+                <a:cs typeface="Times New Roman" panose="02020603050405020304" pitchFamily="18" charset="0"/>
+              </a:rPr>
+              <a:t>Daniel</a:t>
+            </a:r>
           </a:p>
         </p:txBody>
       </p:sp>
@@ -21425,6 +21095,44 @@
           </a:prstGeom>
         </p:spPr>
       </p:pic>
+      <p:sp>
+        <p:nvSpPr>
+          <p:cNvPr id="6" name="TextBox 5">
+            <a:extLst>
+              <a:ext uri="{FF2B5EF4-FFF2-40B4-BE49-F238E27FC236}">
+                <a16:creationId xmlns:a16="http://schemas.microsoft.com/office/drawing/2014/main" id="{49167481-5284-49E4-BC69-2F5BB5613D6B}"/>
+              </a:ext>
+            </a:extLst>
+          </p:cNvPr>
+          <p:cNvSpPr txBox="1"/>
+          <p:nvPr/>
+        </p:nvSpPr>
+        <p:spPr>
+          <a:xfrm>
+            <a:off x="11215389" y="80452"/>
+            <a:ext cx="800219" cy="369332"/>
+          </a:xfrm>
+          <a:prstGeom prst="rect">
+            <a:avLst/>
+          </a:prstGeom>
+          <a:noFill/>
+        </p:spPr>
+        <p:txBody>
+          <a:bodyPr wrap="none" rtlCol="0">
+            <a:spAutoFit/>
+          </a:bodyPr>
+          <a:lstStyle/>
+          <a:p>
+            <a:r>
+              <a:rPr lang="en-US" dirty="0">
+                <a:latin typeface="Times New Roman" panose="02020603050405020304" pitchFamily="18" charset="0"/>
+                <a:cs typeface="Times New Roman" panose="02020603050405020304" pitchFamily="18" charset="0"/>
+              </a:rPr>
+              <a:t>Daniel</a:t>
+            </a:r>
+          </a:p>
+        </p:txBody>
+      </p:sp>
     </p:spTree>
     <p:extLst>
       <p:ext uri="{BB962C8B-B14F-4D97-AF65-F5344CB8AC3E}">
@@ -22356,6 +22064,44 @@
           </a:prstGeom>
         </p:spPr>
       </p:pic>
+      <p:sp>
+        <p:nvSpPr>
+          <p:cNvPr id="6" name="TextBox 5">
+            <a:extLst>
+              <a:ext uri="{FF2B5EF4-FFF2-40B4-BE49-F238E27FC236}">
+                <a16:creationId xmlns:a16="http://schemas.microsoft.com/office/drawing/2014/main" id="{584642E6-EB29-4A17-8984-A8EB49687BCE}"/>
+              </a:ext>
+            </a:extLst>
+          </p:cNvPr>
+          <p:cNvSpPr txBox="1"/>
+          <p:nvPr/>
+        </p:nvSpPr>
+        <p:spPr>
+          <a:xfrm>
+            <a:off x="11215389" y="80452"/>
+            <a:ext cx="800219" cy="369332"/>
+          </a:xfrm>
+          <a:prstGeom prst="rect">
+            <a:avLst/>
+          </a:prstGeom>
+          <a:noFill/>
+        </p:spPr>
+        <p:txBody>
+          <a:bodyPr wrap="none" rtlCol="0">
+            <a:spAutoFit/>
+          </a:bodyPr>
+          <a:lstStyle/>
+          <a:p>
+            <a:r>
+              <a:rPr lang="en-US" dirty="0">
+                <a:latin typeface="Times New Roman" panose="02020603050405020304" pitchFamily="18" charset="0"/>
+                <a:cs typeface="Times New Roman" panose="02020603050405020304" pitchFamily="18" charset="0"/>
+              </a:rPr>
+              <a:t>Daniel</a:t>
+            </a:r>
+          </a:p>
+        </p:txBody>
+      </p:sp>
     </p:spTree>
     <p:extLst>
       <p:ext uri="{BB962C8B-B14F-4D97-AF65-F5344CB8AC3E}">

--- a/final_project/T2_final_project.pptx
+++ b/final_project/T2_final_project.pptx
@@ -4,6 +4,9 @@
   <p:sldMasterIdLst>
     <p:sldMasterId id="2147483648" r:id="rId1"/>
   </p:sldMasterIdLst>
+  <p:notesMasterIdLst>
+    <p:notesMasterId r:id="rId26"/>
+  </p:notesMasterIdLst>
   <p:sldIdLst>
     <p:sldId id="257" r:id="rId2"/>
     <p:sldId id="258" r:id="rId3"/>
@@ -19,15 +22,16 @@
     <p:sldId id="262" r:id="rId13"/>
     <p:sldId id="264" r:id="rId14"/>
     <p:sldId id="282" r:id="rId15"/>
-    <p:sldId id="266" r:id="rId16"/>
-    <p:sldId id="274" r:id="rId17"/>
-    <p:sldId id="276" r:id="rId18"/>
-    <p:sldId id="277" r:id="rId19"/>
-    <p:sldId id="278" r:id="rId20"/>
-    <p:sldId id="283" r:id="rId21"/>
-    <p:sldId id="267" r:id="rId22"/>
-    <p:sldId id="284" r:id="rId23"/>
-    <p:sldId id="268" r:id="rId24"/>
+    <p:sldId id="285" r:id="rId16"/>
+    <p:sldId id="266" r:id="rId17"/>
+    <p:sldId id="274" r:id="rId18"/>
+    <p:sldId id="276" r:id="rId19"/>
+    <p:sldId id="277" r:id="rId20"/>
+    <p:sldId id="278" r:id="rId21"/>
+    <p:sldId id="283" r:id="rId22"/>
+    <p:sldId id="267" r:id="rId23"/>
+    <p:sldId id="284" r:id="rId24"/>
+    <p:sldId id="268" r:id="rId25"/>
   </p:sldIdLst>
   <p:sldSz cx="12192000" cy="6858000"/>
   <p:notesSz cx="6858000" cy="9144000"/>
@@ -134,6 +138,355 @@
 </p:presentation>
 </file>
 
+<file path=ppt/notesMasters/notesMaster1.xml><?xml version="1.0" encoding="utf-8"?>
+<p:notesMaster xmlns:a="http://schemas.openxmlformats.org/drawingml/2006/main" xmlns:r="http://schemas.openxmlformats.org/officeDocument/2006/relationships" xmlns:p="http://schemas.openxmlformats.org/presentationml/2006/main">
+  <p:cSld>
+    <p:bg>
+      <p:bgRef idx="1001">
+        <a:schemeClr val="bg1"/>
+      </p:bgRef>
+    </p:bg>
+    <p:spTree>
+      <p:nvGrpSpPr>
+        <p:cNvPr id="1" name=""/>
+        <p:cNvGrpSpPr/>
+        <p:nvPr/>
+      </p:nvGrpSpPr>
+      <p:grpSpPr>
+        <a:xfrm>
+          <a:off x="0" y="0"/>
+          <a:ext cx="0" cy="0"/>
+          <a:chOff x="0" y="0"/>
+          <a:chExt cx="0" cy="0"/>
+        </a:xfrm>
+      </p:grpSpPr>
+      <p:sp>
+        <p:nvSpPr>
+          <p:cNvPr id="2" name="Header Placeholder 1"/>
+          <p:cNvSpPr>
+            <a:spLocks noGrp="1"/>
+          </p:cNvSpPr>
+          <p:nvPr>
+            <p:ph type="hdr" sz="quarter"/>
+          </p:nvPr>
+        </p:nvSpPr>
+        <p:spPr>
+          <a:xfrm>
+            <a:off x="0" y="0"/>
+            <a:ext cx="2971800" cy="458788"/>
+          </a:xfrm>
+          <a:prstGeom prst="rect">
+            <a:avLst/>
+          </a:prstGeom>
+        </p:spPr>
+        <p:txBody>
+          <a:bodyPr vert="horz" lIns="91440" tIns="45720" rIns="91440" bIns="45720" rtlCol="0"/>
+          <a:lstStyle>
+            <a:lvl1pPr algn="l">
+              <a:defRPr sz="1200"/>
+            </a:lvl1pPr>
+          </a:lstStyle>
+          <a:p>
+            <a:endParaRPr lang="en-US"/>
+          </a:p>
+        </p:txBody>
+      </p:sp>
+      <p:sp>
+        <p:nvSpPr>
+          <p:cNvPr id="3" name="Date Placeholder 2"/>
+          <p:cNvSpPr>
+            <a:spLocks noGrp="1"/>
+          </p:cNvSpPr>
+          <p:nvPr>
+            <p:ph type="dt" idx="1"/>
+          </p:nvPr>
+        </p:nvSpPr>
+        <p:spPr>
+          <a:xfrm>
+            <a:off x="3884613" y="0"/>
+            <a:ext cx="2971800" cy="458788"/>
+          </a:xfrm>
+          <a:prstGeom prst="rect">
+            <a:avLst/>
+          </a:prstGeom>
+        </p:spPr>
+        <p:txBody>
+          <a:bodyPr vert="horz" lIns="91440" tIns="45720" rIns="91440" bIns="45720" rtlCol="0"/>
+          <a:lstStyle>
+            <a:lvl1pPr algn="r">
+              <a:defRPr sz="1200"/>
+            </a:lvl1pPr>
+          </a:lstStyle>
+          <a:p>
+            <a:fld id="{894AE648-7ACA-48B1-9DBD-59A5BF6000D4}" type="datetimeFigureOut">
+              <a:rPr lang="en-US" smtClean="0"/>
+              <a:t>4/20/2022</a:t>
+            </a:fld>
+            <a:endParaRPr lang="en-US"/>
+          </a:p>
+        </p:txBody>
+      </p:sp>
+      <p:sp>
+        <p:nvSpPr>
+          <p:cNvPr id="4" name="Slide Image Placeholder 3"/>
+          <p:cNvSpPr>
+            <a:spLocks noGrp="1" noRot="1" noChangeAspect="1"/>
+          </p:cNvSpPr>
+          <p:nvPr>
+            <p:ph type="sldImg" idx="2"/>
+          </p:nvPr>
+        </p:nvSpPr>
+        <p:spPr>
+          <a:xfrm>
+            <a:off x="685800" y="1143000"/>
+            <a:ext cx="5486400" cy="3086100"/>
+          </a:xfrm>
+          <a:prstGeom prst="rect">
+            <a:avLst/>
+          </a:prstGeom>
+          <a:noFill/>
+          <a:ln w="12700">
+            <a:solidFill>
+              <a:prstClr val="black"/>
+            </a:solidFill>
+          </a:ln>
+        </p:spPr>
+        <p:txBody>
+          <a:bodyPr vert="horz" lIns="91440" tIns="45720" rIns="91440" bIns="45720" rtlCol="0" anchor="ctr"/>
+          <a:lstStyle/>
+          <a:p>
+            <a:endParaRPr lang="en-US"/>
+          </a:p>
+        </p:txBody>
+      </p:sp>
+      <p:sp>
+        <p:nvSpPr>
+          <p:cNvPr id="5" name="Notes Placeholder 4"/>
+          <p:cNvSpPr>
+            <a:spLocks noGrp="1"/>
+          </p:cNvSpPr>
+          <p:nvPr>
+            <p:ph type="body" sz="quarter" idx="3"/>
+          </p:nvPr>
+        </p:nvSpPr>
+        <p:spPr>
+          <a:xfrm>
+            <a:off x="685800" y="4400550"/>
+            <a:ext cx="5486400" cy="3600450"/>
+          </a:xfrm>
+          <a:prstGeom prst="rect">
+            <a:avLst/>
+          </a:prstGeom>
+        </p:spPr>
+        <p:txBody>
+          <a:bodyPr vert="horz" lIns="91440" tIns="45720" rIns="91440" bIns="45720" rtlCol="0"/>
+          <a:lstStyle/>
+          <a:p>
+            <a:pPr lvl="0"/>
+            <a:r>
+              <a:rPr lang="en-US"/>
+              <a:t>Click to edit Master text styles</a:t>
+            </a:r>
+          </a:p>
+          <a:p>
+            <a:pPr lvl="1"/>
+            <a:r>
+              <a:rPr lang="en-US"/>
+              <a:t>Second level</a:t>
+            </a:r>
+          </a:p>
+          <a:p>
+            <a:pPr lvl="2"/>
+            <a:r>
+              <a:rPr lang="en-US"/>
+              <a:t>Third level</a:t>
+            </a:r>
+          </a:p>
+          <a:p>
+            <a:pPr lvl="3"/>
+            <a:r>
+              <a:rPr lang="en-US"/>
+              <a:t>Fourth level</a:t>
+            </a:r>
+          </a:p>
+          <a:p>
+            <a:pPr lvl="4"/>
+            <a:r>
+              <a:rPr lang="en-US"/>
+              <a:t>Fifth level</a:t>
+            </a:r>
+          </a:p>
+        </p:txBody>
+      </p:sp>
+      <p:sp>
+        <p:nvSpPr>
+          <p:cNvPr id="6" name="Footer Placeholder 5"/>
+          <p:cNvSpPr>
+            <a:spLocks noGrp="1"/>
+          </p:cNvSpPr>
+          <p:nvPr>
+            <p:ph type="ftr" sz="quarter" idx="4"/>
+          </p:nvPr>
+        </p:nvSpPr>
+        <p:spPr>
+          <a:xfrm>
+            <a:off x="0" y="8685213"/>
+            <a:ext cx="2971800" cy="458787"/>
+          </a:xfrm>
+          <a:prstGeom prst="rect">
+            <a:avLst/>
+          </a:prstGeom>
+        </p:spPr>
+        <p:txBody>
+          <a:bodyPr vert="horz" lIns="91440" tIns="45720" rIns="91440" bIns="45720" rtlCol="0" anchor="b"/>
+          <a:lstStyle>
+            <a:lvl1pPr algn="l">
+              <a:defRPr sz="1200"/>
+            </a:lvl1pPr>
+          </a:lstStyle>
+          <a:p>
+            <a:endParaRPr lang="en-US"/>
+          </a:p>
+        </p:txBody>
+      </p:sp>
+      <p:sp>
+        <p:nvSpPr>
+          <p:cNvPr id="7" name="Slide Number Placeholder 6"/>
+          <p:cNvSpPr>
+            <a:spLocks noGrp="1"/>
+          </p:cNvSpPr>
+          <p:nvPr>
+            <p:ph type="sldNum" sz="quarter" idx="5"/>
+          </p:nvPr>
+        </p:nvSpPr>
+        <p:spPr>
+          <a:xfrm>
+            <a:off x="3884613" y="8685213"/>
+            <a:ext cx="2971800" cy="458787"/>
+          </a:xfrm>
+          <a:prstGeom prst="rect">
+            <a:avLst/>
+          </a:prstGeom>
+        </p:spPr>
+        <p:txBody>
+          <a:bodyPr vert="horz" lIns="91440" tIns="45720" rIns="91440" bIns="45720" rtlCol="0" anchor="b"/>
+          <a:lstStyle>
+            <a:lvl1pPr algn="r">
+              <a:defRPr sz="1200"/>
+            </a:lvl1pPr>
+          </a:lstStyle>
+          <a:p>
+            <a:fld id="{6A71E05D-B04D-4CFD-910F-4ECB020BBE1D}" type="slidenum">
+              <a:rPr lang="en-US" smtClean="0"/>
+              <a:t>‹#›</a:t>
+            </a:fld>
+            <a:endParaRPr lang="en-US"/>
+          </a:p>
+        </p:txBody>
+      </p:sp>
+    </p:spTree>
+    <p:extLst>
+      <p:ext uri="{BB962C8B-B14F-4D97-AF65-F5344CB8AC3E}">
+        <p14:creationId xmlns:p14="http://schemas.microsoft.com/office/powerpoint/2010/main" val="1860336705"/>
+      </p:ext>
+    </p:extLst>
+  </p:cSld>
+  <p:clrMap bg1="lt1" tx1="dk1" bg2="lt2" tx2="dk2" accent1="accent1" accent2="accent2" accent3="accent3" accent4="accent4" accent5="accent5" accent6="accent6" hlink="hlink" folHlink="folHlink"/>
+  <p:notesStyle>
+    <a:lvl1pPr marL="0" algn="l" defTabSz="914400" rtl="0" eaLnBrk="1" latinLnBrk="0" hangingPunct="1">
+      <a:defRPr sz="1200" kern="1200">
+        <a:solidFill>
+          <a:schemeClr val="tx1"/>
+        </a:solidFill>
+        <a:latin typeface="+mn-lt"/>
+        <a:ea typeface="+mn-ea"/>
+        <a:cs typeface="+mn-cs"/>
+      </a:defRPr>
+    </a:lvl1pPr>
+    <a:lvl2pPr marL="457200" algn="l" defTabSz="914400" rtl="0" eaLnBrk="1" latinLnBrk="0" hangingPunct="1">
+      <a:defRPr sz="1200" kern="1200">
+        <a:solidFill>
+          <a:schemeClr val="tx1"/>
+        </a:solidFill>
+        <a:latin typeface="+mn-lt"/>
+        <a:ea typeface="+mn-ea"/>
+        <a:cs typeface="+mn-cs"/>
+      </a:defRPr>
+    </a:lvl2pPr>
+    <a:lvl3pPr marL="914400" algn="l" defTabSz="914400" rtl="0" eaLnBrk="1" latinLnBrk="0" hangingPunct="1">
+      <a:defRPr sz="1200" kern="1200">
+        <a:solidFill>
+          <a:schemeClr val="tx1"/>
+        </a:solidFill>
+        <a:latin typeface="+mn-lt"/>
+        <a:ea typeface="+mn-ea"/>
+        <a:cs typeface="+mn-cs"/>
+      </a:defRPr>
+    </a:lvl3pPr>
+    <a:lvl4pPr marL="1371600" algn="l" defTabSz="914400" rtl="0" eaLnBrk="1" latinLnBrk="0" hangingPunct="1">
+      <a:defRPr sz="1200" kern="1200">
+        <a:solidFill>
+          <a:schemeClr val="tx1"/>
+        </a:solidFill>
+        <a:latin typeface="+mn-lt"/>
+        <a:ea typeface="+mn-ea"/>
+        <a:cs typeface="+mn-cs"/>
+      </a:defRPr>
+    </a:lvl4pPr>
+    <a:lvl5pPr marL="1828800" algn="l" defTabSz="914400" rtl="0" eaLnBrk="1" latinLnBrk="0" hangingPunct="1">
+      <a:defRPr sz="1200" kern="1200">
+        <a:solidFill>
+          <a:schemeClr val="tx1"/>
+        </a:solidFill>
+        <a:latin typeface="+mn-lt"/>
+        <a:ea typeface="+mn-ea"/>
+        <a:cs typeface="+mn-cs"/>
+      </a:defRPr>
+    </a:lvl5pPr>
+    <a:lvl6pPr marL="2286000" algn="l" defTabSz="914400" rtl="0" eaLnBrk="1" latinLnBrk="0" hangingPunct="1">
+      <a:defRPr sz="1200" kern="1200">
+        <a:solidFill>
+          <a:schemeClr val="tx1"/>
+        </a:solidFill>
+        <a:latin typeface="+mn-lt"/>
+        <a:ea typeface="+mn-ea"/>
+        <a:cs typeface="+mn-cs"/>
+      </a:defRPr>
+    </a:lvl6pPr>
+    <a:lvl7pPr marL="2743200" algn="l" defTabSz="914400" rtl="0" eaLnBrk="1" latinLnBrk="0" hangingPunct="1">
+      <a:defRPr sz="1200" kern="1200">
+        <a:solidFill>
+          <a:schemeClr val="tx1"/>
+        </a:solidFill>
+        <a:latin typeface="+mn-lt"/>
+        <a:ea typeface="+mn-ea"/>
+        <a:cs typeface="+mn-cs"/>
+      </a:defRPr>
+    </a:lvl7pPr>
+    <a:lvl8pPr marL="3200400" algn="l" defTabSz="914400" rtl="0" eaLnBrk="1" latinLnBrk="0" hangingPunct="1">
+      <a:defRPr sz="1200" kern="1200">
+        <a:solidFill>
+          <a:schemeClr val="tx1"/>
+        </a:solidFill>
+        <a:latin typeface="+mn-lt"/>
+        <a:ea typeface="+mn-ea"/>
+        <a:cs typeface="+mn-cs"/>
+      </a:defRPr>
+    </a:lvl8pPr>
+    <a:lvl9pPr marL="3657600" algn="l" defTabSz="914400" rtl="0" eaLnBrk="1" latinLnBrk="0" hangingPunct="1">
+      <a:defRPr sz="1200" kern="1200">
+        <a:solidFill>
+          <a:schemeClr val="tx1"/>
+        </a:solidFill>
+        <a:latin typeface="+mn-lt"/>
+        <a:ea typeface="+mn-ea"/>
+        <a:cs typeface="+mn-cs"/>
+      </a:defRPr>
+    </a:lvl9pPr>
+  </p:notesStyle>
+</p:notesMaster>
+</file>
+
 <file path=ppt/slideLayouts/slideLayout1.xml><?xml version="1.0" encoding="utf-8"?>
 <p:sldLayout xmlns:a="http://schemas.openxmlformats.org/drawingml/2006/main" xmlns:r="http://schemas.openxmlformats.org/officeDocument/2006/relationships" xmlns:p="http://schemas.openxmlformats.org/presentationml/2006/main" type="title" preserve="1">
   <p:cSld name="Title Slide">
@@ -279,9 +632,9 @@
           <a:bodyPr/>
           <a:lstStyle/>
           <a:p>
-            <a:fld id="{21A59B2D-CEAF-4CE7-BBDB-A88F3CD9A195}" type="datetimeFigureOut">
+            <a:fld id="{64FB6F47-6501-4D03-AA43-9A51467742BE}" type="datetime1">
               <a:rPr lang="en-US" smtClean="0"/>
-              <a:t>4/19/2022</a:t>
+              <a:t>4/20/2022</a:t>
             </a:fld>
             <a:endParaRPr lang="en-US"/>
           </a:p>
@@ -477,9 +830,9 @@
           <a:bodyPr/>
           <a:lstStyle/>
           <a:p>
-            <a:fld id="{21A59B2D-CEAF-4CE7-BBDB-A88F3CD9A195}" type="datetimeFigureOut">
+            <a:fld id="{58635EEC-AC04-454F-B528-8FC3C6B54314}" type="datetime1">
               <a:rPr lang="en-US" smtClean="0"/>
-              <a:t>4/19/2022</a:t>
+              <a:t>4/20/2022</a:t>
             </a:fld>
             <a:endParaRPr lang="en-US"/>
           </a:p>
@@ -685,9 +1038,9 @@
           <a:bodyPr/>
           <a:lstStyle/>
           <a:p>
-            <a:fld id="{21A59B2D-CEAF-4CE7-BBDB-A88F3CD9A195}" type="datetimeFigureOut">
+            <a:fld id="{E766740F-B8E8-4AB1-89D1-361EB24EA3A4}" type="datetime1">
               <a:rPr lang="en-US" smtClean="0"/>
-              <a:t>4/19/2022</a:t>
+              <a:t>4/20/2022</a:t>
             </a:fld>
             <a:endParaRPr lang="en-US"/>
           </a:p>
@@ -883,9 +1236,9 @@
           <a:bodyPr/>
           <a:lstStyle/>
           <a:p>
-            <a:fld id="{21A59B2D-CEAF-4CE7-BBDB-A88F3CD9A195}" type="datetimeFigureOut">
+            <a:fld id="{4D3DDA2C-47CB-4B8F-8103-2EF8B6200E76}" type="datetime1">
               <a:rPr lang="en-US" smtClean="0"/>
-              <a:t>4/19/2022</a:t>
+              <a:t>4/20/2022</a:t>
             </a:fld>
             <a:endParaRPr lang="en-US"/>
           </a:p>
@@ -1158,9 +1511,9 @@
           <a:bodyPr/>
           <a:lstStyle/>
           <a:p>
-            <a:fld id="{21A59B2D-CEAF-4CE7-BBDB-A88F3CD9A195}" type="datetimeFigureOut">
+            <a:fld id="{D9CE748D-70AB-4E58-9CE9-BB27221EBB03}" type="datetime1">
               <a:rPr lang="en-US" smtClean="0"/>
-              <a:t>4/19/2022</a:t>
+              <a:t>4/20/2022</a:t>
             </a:fld>
             <a:endParaRPr lang="en-US"/>
           </a:p>
@@ -1423,9 +1776,9 @@
           <a:bodyPr/>
           <a:lstStyle/>
           <a:p>
-            <a:fld id="{21A59B2D-CEAF-4CE7-BBDB-A88F3CD9A195}" type="datetimeFigureOut">
+            <a:fld id="{DF4F4581-5A40-458B-BC83-8E9F4FE04819}" type="datetime1">
               <a:rPr lang="en-US" smtClean="0"/>
-              <a:t>4/19/2022</a:t>
+              <a:t>4/20/2022</a:t>
             </a:fld>
             <a:endParaRPr lang="en-US"/>
           </a:p>
@@ -1835,9 +2188,9 @@
           <a:bodyPr/>
           <a:lstStyle/>
           <a:p>
-            <a:fld id="{21A59B2D-CEAF-4CE7-BBDB-A88F3CD9A195}" type="datetimeFigureOut">
+            <a:fld id="{6D223CDE-BBFF-45E0-BD9D-B937262A6883}" type="datetime1">
               <a:rPr lang="en-US" smtClean="0"/>
-              <a:t>4/19/2022</a:t>
+              <a:t>4/20/2022</a:t>
             </a:fld>
             <a:endParaRPr lang="en-US"/>
           </a:p>
@@ -1976,9 +2329,9 @@
           <a:bodyPr/>
           <a:lstStyle/>
           <a:p>
-            <a:fld id="{21A59B2D-CEAF-4CE7-BBDB-A88F3CD9A195}" type="datetimeFigureOut">
+            <a:fld id="{1003A0C1-7098-4CBD-B403-BC0465A6F04B}" type="datetime1">
               <a:rPr lang="en-US" smtClean="0"/>
-              <a:t>4/19/2022</a:t>
+              <a:t>4/20/2022</a:t>
             </a:fld>
             <a:endParaRPr lang="en-US"/>
           </a:p>
@@ -2089,9 +2442,9 @@
           <a:bodyPr/>
           <a:lstStyle/>
           <a:p>
-            <a:fld id="{21A59B2D-CEAF-4CE7-BBDB-A88F3CD9A195}" type="datetimeFigureOut">
+            <a:fld id="{F59D5724-5438-4DF1-93C0-9A907041AC6A}" type="datetime1">
               <a:rPr lang="en-US" smtClean="0"/>
-              <a:t>4/19/2022</a:t>
+              <a:t>4/20/2022</a:t>
             </a:fld>
             <a:endParaRPr lang="en-US"/>
           </a:p>
@@ -2400,9 +2753,9 @@
           <a:bodyPr/>
           <a:lstStyle/>
           <a:p>
-            <a:fld id="{21A59B2D-CEAF-4CE7-BBDB-A88F3CD9A195}" type="datetimeFigureOut">
+            <a:fld id="{C01B3631-6873-4E82-9866-73789F2DB053}" type="datetime1">
               <a:rPr lang="en-US" smtClean="0"/>
-              <a:t>4/19/2022</a:t>
+              <a:t>4/20/2022</a:t>
             </a:fld>
             <a:endParaRPr lang="en-US"/>
           </a:p>
@@ -2688,9 +3041,9 @@
           <a:bodyPr/>
           <a:lstStyle/>
           <a:p>
-            <a:fld id="{21A59B2D-CEAF-4CE7-BBDB-A88F3CD9A195}" type="datetimeFigureOut">
+            <a:fld id="{17814C4E-D658-4604-A380-9EEA46CB426A}" type="datetime1">
               <a:rPr lang="en-US" smtClean="0"/>
-              <a:t>4/19/2022</a:t>
+              <a:t>4/20/2022</a:t>
             </a:fld>
             <a:endParaRPr lang="en-US"/>
           </a:p>
@@ -2929,9 +3282,9 @@
             </a:lvl1pPr>
           </a:lstStyle>
           <a:p>
-            <a:fld id="{21A59B2D-CEAF-4CE7-BBDB-A88F3CD9A195}" type="datetimeFigureOut">
+            <a:fld id="{849C8FC6-2211-40A0-B614-25EBF9C4E813}" type="datetime1">
               <a:rPr lang="en-US" smtClean="0"/>
-              <a:t>4/19/2022</a:t>
+              <a:t>4/20/2022</a:t>
             </a:fld>
             <a:endParaRPr lang="en-US"/>
           </a:p>
@@ -3048,6 +3401,7 @@
     <p:sldLayoutId id="2147483658" r:id="rId10"/>
     <p:sldLayoutId id="2147483659" r:id="rId11"/>
   </p:sldLayoutIdLst>
+  <p:hf hdr="0" ftr="0" dt="0"/>
   <p:txStyles>
     <p:titleStyle>
       <a:lvl1pPr algn="l" defTabSz="914400" rtl="0" eaLnBrk="1" latinLnBrk="0" hangingPunct="1">
@@ -3950,6 +4304,35 @@
           </a:custGeom>
         </p:spPr>
       </p:pic>
+      <p:sp>
+        <p:nvSpPr>
+          <p:cNvPr id="2" name="Slide Number Placeholder 1">
+            <a:extLst>
+              <a:ext uri="{FF2B5EF4-FFF2-40B4-BE49-F238E27FC236}">
+                <a16:creationId xmlns:a16="http://schemas.microsoft.com/office/drawing/2014/main" id="{02BA0B0E-44A7-43F7-9235-6A5465736311}"/>
+              </a:ext>
+            </a:extLst>
+          </p:cNvPr>
+          <p:cNvSpPr>
+            <a:spLocks noGrp="1"/>
+          </p:cNvSpPr>
+          <p:nvPr>
+            <p:ph type="sldNum" sz="quarter" idx="12"/>
+          </p:nvPr>
+        </p:nvSpPr>
+        <p:spPr/>
+        <p:txBody>
+          <a:bodyPr/>
+          <a:lstStyle/>
+          <a:p>
+            <a:fld id="{B4FB4218-D507-4A96-AB1C-B66AA2771B74}" type="slidenum">
+              <a:rPr lang="en-US" smtClean="0"/>
+              <a:t>1</a:t>
+            </a:fld>
+            <a:endParaRPr lang="en-US"/>
+          </a:p>
+        </p:txBody>
+      </p:sp>
     </p:spTree>
     <p:extLst>
       <p:ext uri="{BB962C8B-B14F-4D97-AF65-F5344CB8AC3E}">
@@ -4047,6 +4430,35 @@
           </a:p>
         </p:txBody>
       </p:sp>
+      <p:sp>
+        <p:nvSpPr>
+          <p:cNvPr id="2" name="Slide Number Placeholder 1">
+            <a:extLst>
+              <a:ext uri="{FF2B5EF4-FFF2-40B4-BE49-F238E27FC236}">
+                <a16:creationId xmlns:a16="http://schemas.microsoft.com/office/drawing/2014/main" id="{23CCFA8E-F184-4429-BBE5-80A3755DB0FA}"/>
+              </a:ext>
+            </a:extLst>
+          </p:cNvPr>
+          <p:cNvSpPr>
+            <a:spLocks noGrp="1"/>
+          </p:cNvSpPr>
+          <p:nvPr>
+            <p:ph type="sldNum" sz="quarter" idx="12"/>
+          </p:nvPr>
+        </p:nvSpPr>
+        <p:spPr/>
+        <p:txBody>
+          <a:bodyPr/>
+          <a:lstStyle/>
+          <a:p>
+            <a:fld id="{B4FB4218-D507-4A96-AB1C-B66AA2771B74}" type="slidenum">
+              <a:rPr lang="en-US" smtClean="0"/>
+              <a:t>10</a:t>
+            </a:fld>
+            <a:endParaRPr lang="en-US"/>
+          </a:p>
+        </p:txBody>
+      </p:sp>
     </p:spTree>
     <p:extLst>
       <p:ext uri="{BB962C8B-B14F-4D97-AF65-F5344CB8AC3E}">
@@ -4233,6 +4645,35 @@
           </a:p>
         </p:txBody>
       </p:sp>
+      <p:sp>
+        <p:nvSpPr>
+          <p:cNvPr id="6" name="Slide Number Placeholder 5">
+            <a:extLst>
+              <a:ext uri="{FF2B5EF4-FFF2-40B4-BE49-F238E27FC236}">
+                <a16:creationId xmlns:a16="http://schemas.microsoft.com/office/drawing/2014/main" id="{EA756F38-2AA8-4B2C-8487-0F5B994DD12C}"/>
+              </a:ext>
+            </a:extLst>
+          </p:cNvPr>
+          <p:cNvSpPr>
+            <a:spLocks noGrp="1"/>
+          </p:cNvSpPr>
+          <p:nvPr>
+            <p:ph type="sldNum" sz="quarter" idx="12"/>
+          </p:nvPr>
+        </p:nvSpPr>
+        <p:spPr/>
+        <p:txBody>
+          <a:bodyPr/>
+          <a:lstStyle/>
+          <a:p>
+            <a:fld id="{B4FB4218-D507-4A96-AB1C-B66AA2771B74}" type="slidenum">
+              <a:rPr lang="en-US" smtClean="0"/>
+              <a:t>11</a:t>
+            </a:fld>
+            <a:endParaRPr lang="en-US"/>
+          </a:p>
+        </p:txBody>
+      </p:sp>
     </p:spTree>
     <p:extLst>
       <p:ext uri="{BB962C8B-B14F-4D97-AF65-F5344CB8AC3E}">
@@ -4243,138 +4684,6 @@
   <p:clrMapOvr>
     <a:masterClrMapping/>
   </p:clrMapOvr>
-  <p:timing>
-    <p:tnLst>
-      <p:par>
-        <p:cTn id="1" dur="indefinite" restart="never" nodeType="tmRoot">
-          <p:childTnLst>
-            <p:seq concurrent="1" nextAc="seek">
-              <p:cTn id="2" dur="indefinite" nodeType="mainSeq">
-                <p:childTnLst>
-                  <p:par>
-                    <p:cTn id="3" fill="hold">
-                      <p:stCondLst>
-                        <p:cond delay="indefinite"/>
-                      </p:stCondLst>
-                      <p:childTnLst>
-                        <p:par>
-                          <p:cTn id="4" fill="hold">
-                            <p:stCondLst>
-                              <p:cond delay="0"/>
-                            </p:stCondLst>
-                            <p:childTnLst>
-                              <p:par>
-                                <p:cTn id="5" presetID="42" presetClass="entr" presetSubtype="0" fill="hold" grpId="0" nodeType="clickEffect">
-                                  <p:stCondLst>
-                                    <p:cond delay="0"/>
-                                  </p:stCondLst>
-                                  <p:childTnLst>
-                                    <p:set>
-                                      <p:cBhvr>
-                                        <p:cTn id="6" dur="1" fill="hold">
-                                          <p:stCondLst>
-                                            <p:cond delay="0"/>
-                                          </p:stCondLst>
-                                        </p:cTn>
-                                        <p:tgtEl>
-                                          <p:spTgt spid="2"/>
-                                        </p:tgtEl>
-                                        <p:attrNameLst>
-                                          <p:attrName>style.visibility</p:attrName>
-                                        </p:attrNameLst>
-                                      </p:cBhvr>
-                                      <p:to>
-                                        <p:strVal val="visible"/>
-                                      </p:to>
-                                    </p:set>
-                                    <p:animEffect transition="in" filter="fade">
-                                      <p:cBhvr>
-                                        <p:cTn id="7" dur="1000"/>
-                                        <p:tgtEl>
-                                          <p:spTgt spid="2"/>
-                                        </p:tgtEl>
-                                      </p:cBhvr>
-                                    </p:animEffect>
-                                    <p:anim calcmode="lin" valueType="num">
-                                      <p:cBhvr>
-                                        <p:cTn id="8" dur="1000" fill="hold"/>
-                                        <p:tgtEl>
-                                          <p:spTgt spid="2"/>
-                                        </p:tgtEl>
-                                        <p:attrNameLst>
-                                          <p:attrName>ppt_x</p:attrName>
-                                        </p:attrNameLst>
-                                      </p:cBhvr>
-                                      <p:tavLst>
-                                        <p:tav tm="0">
-                                          <p:val>
-                                            <p:strVal val="#ppt_x"/>
-                                          </p:val>
-                                        </p:tav>
-                                        <p:tav tm="100000">
-                                          <p:val>
-                                            <p:strVal val="#ppt_x"/>
-                                          </p:val>
-                                        </p:tav>
-                                      </p:tavLst>
-                                    </p:anim>
-                                    <p:anim calcmode="lin" valueType="num">
-                                      <p:cBhvr>
-                                        <p:cTn id="9" dur="1000" fill="hold"/>
-                                        <p:tgtEl>
-                                          <p:spTgt spid="2"/>
-                                        </p:tgtEl>
-                                        <p:attrNameLst>
-                                          <p:attrName>ppt_y</p:attrName>
-                                        </p:attrNameLst>
-                                      </p:cBhvr>
-                                      <p:tavLst>
-                                        <p:tav tm="0">
-                                          <p:val>
-                                            <p:strVal val="#ppt_y+.1"/>
-                                          </p:val>
-                                        </p:tav>
-                                        <p:tav tm="100000">
-                                          <p:val>
-                                            <p:strVal val="#ppt_y"/>
-                                          </p:val>
-                                        </p:tav>
-                                      </p:tavLst>
-                                    </p:anim>
-                                  </p:childTnLst>
-                                </p:cTn>
-                              </p:par>
-                            </p:childTnLst>
-                          </p:cTn>
-                        </p:par>
-                      </p:childTnLst>
-                    </p:cTn>
-                  </p:par>
-                </p:childTnLst>
-              </p:cTn>
-              <p:prevCondLst>
-                <p:cond evt="onPrev" delay="0">
-                  <p:tgtEl>
-                    <p:sldTgt/>
-                  </p:tgtEl>
-                </p:cond>
-              </p:prevCondLst>
-              <p:nextCondLst>
-                <p:cond evt="onNext" delay="0">
-                  <p:tgtEl>
-                    <p:sldTgt/>
-                  </p:tgtEl>
-                </p:cond>
-              </p:nextCondLst>
-            </p:seq>
-          </p:childTnLst>
-        </p:cTn>
-      </p:par>
-    </p:tnLst>
-    <p:bldLst>
-      <p:bldP spid="2" grpId="0"/>
-    </p:bldLst>
-  </p:timing>
 </p:sld>
 </file>
 
@@ -4656,6 +4965,35 @@
           </a:p>
         </p:txBody>
       </p:sp>
+      <p:sp>
+        <p:nvSpPr>
+          <p:cNvPr id="4" name="Slide Number Placeholder 3">
+            <a:extLst>
+              <a:ext uri="{FF2B5EF4-FFF2-40B4-BE49-F238E27FC236}">
+                <a16:creationId xmlns:a16="http://schemas.microsoft.com/office/drawing/2014/main" id="{B19A1528-7935-4AAB-97B3-DE91F973F836}"/>
+              </a:ext>
+            </a:extLst>
+          </p:cNvPr>
+          <p:cNvSpPr>
+            <a:spLocks noGrp="1"/>
+          </p:cNvSpPr>
+          <p:nvPr>
+            <p:ph type="sldNum" sz="quarter" idx="12"/>
+          </p:nvPr>
+        </p:nvSpPr>
+        <p:spPr/>
+        <p:txBody>
+          <a:bodyPr/>
+          <a:lstStyle/>
+          <a:p>
+            <a:fld id="{B4FB4218-D507-4A96-AB1C-B66AA2771B74}" type="slidenum">
+              <a:rPr lang="en-US" smtClean="0"/>
+              <a:t>12</a:t>
+            </a:fld>
+            <a:endParaRPr lang="en-US"/>
+          </a:p>
+        </p:txBody>
+      </p:sp>
     </p:spTree>
     <p:extLst>
       <p:ext uri="{BB962C8B-B14F-4D97-AF65-F5344CB8AC3E}">
@@ -6690,6 +7028,35 @@
               </a:rPr>
               <a:t>Michael</a:t>
             </a:r>
+          </a:p>
+        </p:txBody>
+      </p:sp>
+      <p:sp>
+        <p:nvSpPr>
+          <p:cNvPr id="2" name="Slide Number Placeholder 1">
+            <a:extLst>
+              <a:ext uri="{FF2B5EF4-FFF2-40B4-BE49-F238E27FC236}">
+                <a16:creationId xmlns:a16="http://schemas.microsoft.com/office/drawing/2014/main" id="{EF0BF336-CECD-4FAA-8B1B-CF4D637F14FA}"/>
+              </a:ext>
+            </a:extLst>
+          </p:cNvPr>
+          <p:cNvSpPr>
+            <a:spLocks noGrp="1"/>
+          </p:cNvSpPr>
+          <p:nvPr>
+            <p:ph type="sldNum" sz="quarter" idx="12"/>
+          </p:nvPr>
+        </p:nvSpPr>
+        <p:spPr/>
+        <p:txBody>
+          <a:bodyPr/>
+          <a:lstStyle/>
+          <a:p>
+            <a:fld id="{B4FB4218-D507-4A96-AB1C-B66AA2771B74}" type="slidenum">
+              <a:rPr lang="en-US" smtClean="0"/>
+              <a:t>13</a:t>
+            </a:fld>
+            <a:endParaRPr lang="en-US"/>
           </a:p>
         </p:txBody>
       </p:sp>
@@ -6802,88 +7169,6 @@
           </a:p>
         </p:txBody>
       </p:sp>
-      <p:pic>
-        <p:nvPicPr>
-          <p:cNvPr id="5" name="Picture 4" descr="Table&#10;&#10;Description automatically generated">
-            <a:extLst>
-              <a:ext uri="{FF2B5EF4-FFF2-40B4-BE49-F238E27FC236}">
-                <a16:creationId xmlns:a16="http://schemas.microsoft.com/office/drawing/2014/main" id="{907BCF52-55E3-47E9-B986-514CFF6D8472}"/>
-              </a:ext>
-            </a:extLst>
-          </p:cNvPr>
-          <p:cNvPicPr>
-            <a:picLocks noChangeAspect="1"/>
-          </p:cNvPicPr>
-          <p:nvPr/>
-        </p:nvPicPr>
-        <p:blipFill>
-          <a:blip r:embed="rId2">
-            <a:extLst>
-              <a:ext uri="{28A0092B-C50C-407E-A947-70E740481C1C}">
-                <a14:useLocalDpi xmlns:a14="http://schemas.microsoft.com/office/drawing/2010/main" val="0"/>
-              </a:ext>
-            </a:extLst>
-          </a:blip>
-          <a:stretch>
-            <a:fillRect/>
-          </a:stretch>
-        </p:blipFill>
-        <p:spPr>
-          <a:xfrm>
-            <a:off x="2133139" y="1980451"/>
-            <a:ext cx="7925721" cy="3541807"/>
-          </a:xfrm>
-          <a:prstGeom prst="rect">
-            <a:avLst/>
-          </a:prstGeom>
-          <a:ln>
-            <a:solidFill>
-              <a:schemeClr val="tx1"/>
-            </a:solidFill>
-          </a:ln>
-        </p:spPr>
-      </p:pic>
-      <p:pic>
-        <p:nvPicPr>
-          <p:cNvPr id="7" name="Picture 6" descr="Table&#10;&#10;Description automatically generated">
-            <a:extLst>
-              <a:ext uri="{FF2B5EF4-FFF2-40B4-BE49-F238E27FC236}">
-                <a16:creationId xmlns:a16="http://schemas.microsoft.com/office/drawing/2014/main" id="{143FE0C7-5559-4624-954C-8200D93DF23B}"/>
-              </a:ext>
-            </a:extLst>
-          </p:cNvPr>
-          <p:cNvPicPr>
-            <a:picLocks noChangeAspect="1"/>
-          </p:cNvPicPr>
-          <p:nvPr/>
-        </p:nvPicPr>
-        <p:blipFill>
-          <a:blip r:embed="rId3">
-            <a:extLst>
-              <a:ext uri="{28A0092B-C50C-407E-A947-70E740481C1C}">
-                <a14:useLocalDpi xmlns:a14="http://schemas.microsoft.com/office/drawing/2010/main" val="0"/>
-              </a:ext>
-            </a:extLst>
-          </a:blip>
-          <a:stretch>
-            <a:fillRect/>
-          </a:stretch>
-        </p:blipFill>
-        <p:spPr>
-          <a:xfrm>
-            <a:off x="1394768" y="1980451"/>
-            <a:ext cx="9402463" cy="3541806"/>
-          </a:xfrm>
-          <a:prstGeom prst="rect">
-            <a:avLst/>
-          </a:prstGeom>
-          <a:ln>
-            <a:solidFill>
-              <a:schemeClr val="tx1"/>
-            </a:solidFill>
-          </a:ln>
-        </p:spPr>
-      </p:pic>
       <p:sp>
         <p:nvSpPr>
           <p:cNvPr id="6" name="TextBox 5">
@@ -6922,6 +7207,76 @@
           </a:p>
         </p:txBody>
       </p:sp>
+      <p:sp>
+        <p:nvSpPr>
+          <p:cNvPr id="4" name="Slide Number Placeholder 3">
+            <a:extLst>
+              <a:ext uri="{FF2B5EF4-FFF2-40B4-BE49-F238E27FC236}">
+                <a16:creationId xmlns:a16="http://schemas.microsoft.com/office/drawing/2014/main" id="{0CDFE87B-81B9-498F-80EF-80914176D35F}"/>
+              </a:ext>
+            </a:extLst>
+          </p:cNvPr>
+          <p:cNvSpPr>
+            <a:spLocks noGrp="1"/>
+          </p:cNvSpPr>
+          <p:nvPr>
+            <p:ph type="sldNum" sz="quarter" idx="12"/>
+          </p:nvPr>
+        </p:nvSpPr>
+        <p:spPr/>
+        <p:txBody>
+          <a:bodyPr/>
+          <a:lstStyle/>
+          <a:p>
+            <a:fld id="{B4FB4218-D507-4A96-AB1C-B66AA2771B74}" type="slidenum">
+              <a:rPr lang="en-US" smtClean="0"/>
+              <a:t>14</a:t>
+            </a:fld>
+            <a:endParaRPr lang="en-US"/>
+          </a:p>
+        </p:txBody>
+      </p:sp>
+      <p:pic>
+        <p:nvPicPr>
+          <p:cNvPr id="9" name="Picture 8" descr="Table&#10;&#10;Description automatically generated">
+            <a:extLst>
+              <a:ext uri="{FF2B5EF4-FFF2-40B4-BE49-F238E27FC236}">
+                <a16:creationId xmlns:a16="http://schemas.microsoft.com/office/drawing/2014/main" id="{84AC1F2F-C0E4-4280-9468-2DD5A4E649DD}"/>
+              </a:ext>
+            </a:extLst>
+          </p:cNvPr>
+          <p:cNvPicPr>
+            <a:picLocks noChangeAspect="1"/>
+          </p:cNvPicPr>
+          <p:nvPr/>
+        </p:nvPicPr>
+        <p:blipFill>
+          <a:blip r:embed="rId2">
+            <a:extLst>
+              <a:ext uri="{28A0092B-C50C-407E-A947-70E740481C1C}">
+                <a14:useLocalDpi xmlns:a14="http://schemas.microsoft.com/office/drawing/2010/main" val="0"/>
+              </a:ext>
+            </a:extLst>
+          </a:blip>
+          <a:stretch>
+            <a:fillRect/>
+          </a:stretch>
+        </p:blipFill>
+        <p:spPr>
+          <a:xfrm>
+            <a:off x="199431" y="2297179"/>
+            <a:ext cx="11793138" cy="2809742"/>
+          </a:xfrm>
+          <a:prstGeom prst="rect">
+            <a:avLst/>
+          </a:prstGeom>
+          <a:ln>
+            <a:solidFill>
+              <a:schemeClr val="tx1"/>
+            </a:solidFill>
+          </a:ln>
+        </p:spPr>
+      </p:pic>
     </p:spTree>
     <p:extLst>
       <p:ext uri="{BB962C8B-B14F-4D97-AF65-F5344CB8AC3E}">
@@ -6932,85 +7287,392 @@
   <p:clrMapOvr>
     <a:masterClrMapping/>
   </p:clrMapOvr>
-  <p:timing>
-    <p:tnLst>
-      <p:par>
-        <p:cTn id="1" dur="indefinite" restart="never" nodeType="tmRoot">
-          <p:childTnLst>
-            <p:seq concurrent="1" nextAc="seek">
-              <p:cTn id="2" dur="indefinite" nodeType="mainSeq">
-                <p:childTnLst>
-                  <p:par>
-                    <p:cTn id="3" fill="hold">
-                      <p:stCondLst>
-                        <p:cond delay="indefinite"/>
-                      </p:stCondLst>
-                      <p:childTnLst>
-                        <p:par>
-                          <p:cTn id="4" fill="hold">
-                            <p:stCondLst>
-                              <p:cond delay="0"/>
-                            </p:stCondLst>
-                            <p:childTnLst>
-                              <p:par>
-                                <p:cTn id="5" presetID="1" presetClass="entr" presetSubtype="0" fill="hold" nodeType="clickEffect">
-                                  <p:stCondLst>
-                                    <p:cond delay="0"/>
-                                  </p:stCondLst>
-                                  <p:childTnLst>
-                                    <p:set>
-                                      <p:cBhvr>
-                                        <p:cTn id="6" dur="1" fill="hold">
-                                          <p:stCondLst>
-                                            <p:cond delay="0"/>
-                                          </p:stCondLst>
-                                        </p:cTn>
-                                        <p:tgtEl>
-                                          <p:spTgt spid="7"/>
-                                        </p:tgtEl>
-                                        <p:attrNameLst>
-                                          <p:attrName>style.visibility</p:attrName>
-                                        </p:attrNameLst>
-                                      </p:cBhvr>
-                                      <p:to>
-                                        <p:strVal val="visible"/>
-                                      </p:to>
-                                    </p:set>
-                                  </p:childTnLst>
-                                </p:cTn>
-                              </p:par>
-                            </p:childTnLst>
-                          </p:cTn>
-                        </p:par>
-                      </p:childTnLst>
-                    </p:cTn>
-                  </p:par>
-                </p:childTnLst>
-              </p:cTn>
-              <p:prevCondLst>
-                <p:cond evt="onPrev" delay="0">
-                  <p:tgtEl>
-                    <p:sldTgt/>
-                  </p:tgtEl>
-                </p:cond>
-              </p:prevCondLst>
-              <p:nextCondLst>
-                <p:cond evt="onNext" delay="0">
-                  <p:tgtEl>
-                    <p:sldTgt/>
-                  </p:tgtEl>
-                </p:cond>
-              </p:nextCondLst>
-            </p:seq>
-          </p:childTnLst>
-        </p:cTn>
-      </p:par>
-    </p:tnLst>
-  </p:timing>
 </p:sld>
 </file>
 
 <file path=ppt/slides/slide15.xml><?xml version="1.0" encoding="utf-8"?>
+<p:sld xmlns:a="http://schemas.openxmlformats.org/drawingml/2006/main" xmlns:r="http://schemas.openxmlformats.org/officeDocument/2006/relationships" xmlns:p="http://schemas.openxmlformats.org/presentationml/2006/main">
+  <p:cSld>
+    <p:spTree>
+      <p:nvGrpSpPr>
+        <p:cNvPr id="1" name=""/>
+        <p:cNvGrpSpPr/>
+        <p:nvPr/>
+      </p:nvGrpSpPr>
+      <p:grpSpPr>
+        <a:xfrm>
+          <a:off x="0" y="0"/>
+          <a:ext cx="0" cy="0"/>
+          <a:chOff x="0" y="0"/>
+          <a:chExt cx="0" cy="0"/>
+        </a:xfrm>
+      </p:grpSpPr>
+      <p:cxnSp>
+        <p:nvCxnSpPr>
+          <p:cNvPr id="2" name="Straight Connector 1">
+            <a:extLst>
+              <a:ext uri="{FF2B5EF4-FFF2-40B4-BE49-F238E27FC236}">
+                <a16:creationId xmlns:a16="http://schemas.microsoft.com/office/drawing/2014/main" id="{F82B0979-8F33-444A-9C6B-3767B20E23F2}"/>
+              </a:ext>
+            </a:extLst>
+          </p:cNvPr>
+          <p:cNvCxnSpPr/>
+          <p:nvPr/>
+        </p:nvCxnSpPr>
+        <p:spPr>
+          <a:xfrm>
+            <a:off x="0" y="1047750"/>
+            <a:ext cx="12192000" cy="0"/>
+          </a:xfrm>
+          <a:prstGeom prst="line">
+            <a:avLst/>
+          </a:prstGeom>
+          <a:ln w="76200">
+            <a:solidFill>
+              <a:srgbClr val="D2C264"/>
+            </a:solidFill>
+          </a:ln>
+        </p:spPr>
+        <p:style>
+          <a:lnRef idx="1">
+            <a:schemeClr val="accent1"/>
+          </a:lnRef>
+          <a:fillRef idx="0">
+            <a:schemeClr val="accent1"/>
+          </a:fillRef>
+          <a:effectRef idx="0">
+            <a:schemeClr val="accent1"/>
+          </a:effectRef>
+          <a:fontRef idx="minor">
+            <a:schemeClr val="tx1"/>
+          </a:fontRef>
+        </p:style>
+      </p:cxnSp>
+      <p:sp>
+        <p:nvSpPr>
+          <p:cNvPr id="3" name="TextBox 2">
+            <a:extLst>
+              <a:ext uri="{FF2B5EF4-FFF2-40B4-BE49-F238E27FC236}">
+                <a16:creationId xmlns:a16="http://schemas.microsoft.com/office/drawing/2014/main" id="{67AA1C79-2CF3-476C-836F-80765D49F55E}"/>
+              </a:ext>
+            </a:extLst>
+          </p:cNvPr>
+          <p:cNvSpPr txBox="1"/>
+          <p:nvPr/>
+        </p:nvSpPr>
+        <p:spPr>
+          <a:xfrm>
+            <a:off x="439692" y="229258"/>
+            <a:ext cx="4559261" cy="584775"/>
+          </a:xfrm>
+          <a:prstGeom prst="rect">
+            <a:avLst/>
+          </a:prstGeom>
+          <a:noFill/>
+        </p:spPr>
+        <p:txBody>
+          <a:bodyPr wrap="none" rtlCol="0">
+            <a:spAutoFit/>
+          </a:bodyPr>
+          <a:lstStyle/>
+          <a:p>
+            <a:r>
+              <a:rPr lang="en-US" sz="3200" b="1" dirty="0">
+                <a:latin typeface="Times New Roman" panose="02020603050405020304" pitchFamily="18" charset="0"/>
+                <a:cs typeface="Times New Roman" panose="02020603050405020304" pitchFamily="18" charset="0"/>
+              </a:rPr>
+              <a:t>Calculating Match Stats:</a:t>
+            </a:r>
+          </a:p>
+        </p:txBody>
+      </p:sp>
+      <p:sp>
+        <p:nvSpPr>
+          <p:cNvPr id="6" name="TextBox 5">
+            <a:extLst>
+              <a:ext uri="{FF2B5EF4-FFF2-40B4-BE49-F238E27FC236}">
+                <a16:creationId xmlns:a16="http://schemas.microsoft.com/office/drawing/2014/main" id="{B9C90B26-26D1-4A0B-B0EF-18BEADE378C9}"/>
+              </a:ext>
+            </a:extLst>
+          </p:cNvPr>
+          <p:cNvSpPr txBox="1"/>
+          <p:nvPr/>
+        </p:nvSpPr>
+        <p:spPr>
+          <a:xfrm>
+            <a:off x="11215389" y="80452"/>
+            <a:ext cx="941283" cy="369332"/>
+          </a:xfrm>
+          <a:prstGeom prst="rect">
+            <a:avLst/>
+          </a:prstGeom>
+          <a:noFill/>
+        </p:spPr>
+        <p:txBody>
+          <a:bodyPr wrap="none" rtlCol="0">
+            <a:spAutoFit/>
+          </a:bodyPr>
+          <a:lstStyle/>
+          <a:p>
+            <a:r>
+              <a:rPr lang="en-US" dirty="0">
+                <a:latin typeface="Times New Roman" panose="02020603050405020304" pitchFamily="18" charset="0"/>
+                <a:cs typeface="Times New Roman" panose="02020603050405020304" pitchFamily="18" charset="0"/>
+              </a:rPr>
+              <a:t>Michael</a:t>
+            </a:r>
+          </a:p>
+        </p:txBody>
+      </p:sp>
+      <p:sp>
+        <p:nvSpPr>
+          <p:cNvPr id="4" name="Slide Number Placeholder 3">
+            <a:extLst>
+              <a:ext uri="{FF2B5EF4-FFF2-40B4-BE49-F238E27FC236}">
+                <a16:creationId xmlns:a16="http://schemas.microsoft.com/office/drawing/2014/main" id="{0CDFE87B-81B9-498F-80EF-80914176D35F}"/>
+              </a:ext>
+            </a:extLst>
+          </p:cNvPr>
+          <p:cNvSpPr>
+            <a:spLocks noGrp="1"/>
+          </p:cNvSpPr>
+          <p:nvPr>
+            <p:ph type="sldNum" sz="quarter" idx="12"/>
+          </p:nvPr>
+        </p:nvSpPr>
+        <p:spPr/>
+        <p:txBody>
+          <a:bodyPr/>
+          <a:lstStyle/>
+          <a:p>
+            <a:fld id="{B4FB4218-D507-4A96-AB1C-B66AA2771B74}" type="slidenum">
+              <a:rPr lang="en-US" smtClean="0"/>
+              <a:t>15</a:t>
+            </a:fld>
+            <a:endParaRPr lang="en-US"/>
+          </a:p>
+        </p:txBody>
+      </p:sp>
+      <p:pic>
+        <p:nvPicPr>
+          <p:cNvPr id="7" name="Picture 6" descr="Table&#10;&#10;Description automatically generated">
+            <a:extLst>
+              <a:ext uri="{FF2B5EF4-FFF2-40B4-BE49-F238E27FC236}">
+                <a16:creationId xmlns:a16="http://schemas.microsoft.com/office/drawing/2014/main" id="{9DD9B50A-DED5-4C32-B52B-E3F2AF5D8F54}"/>
+              </a:ext>
+            </a:extLst>
+          </p:cNvPr>
+          <p:cNvPicPr>
+            <a:picLocks noChangeAspect="1"/>
+          </p:cNvPicPr>
+          <p:nvPr/>
+        </p:nvPicPr>
+        <p:blipFill>
+          <a:blip r:embed="rId2">
+            <a:extLst>
+              <a:ext uri="{28A0092B-C50C-407E-A947-70E740481C1C}">
+                <a14:useLocalDpi xmlns:a14="http://schemas.microsoft.com/office/drawing/2010/main" val="0"/>
+              </a:ext>
+            </a:extLst>
+          </a:blip>
+          <a:stretch>
+            <a:fillRect/>
+          </a:stretch>
+        </p:blipFill>
+        <p:spPr>
+          <a:xfrm>
+            <a:off x="199431" y="2426877"/>
+            <a:ext cx="11793138" cy="2862540"/>
+          </a:xfrm>
+          <a:prstGeom prst="rect">
+            <a:avLst/>
+          </a:prstGeom>
+          <a:ln>
+            <a:solidFill>
+              <a:schemeClr val="tx1"/>
+            </a:solidFill>
+          </a:ln>
+        </p:spPr>
+      </p:pic>
+      <p:sp>
+        <p:nvSpPr>
+          <p:cNvPr id="8" name="TextBox 7">
+            <a:extLst>
+              <a:ext uri="{FF2B5EF4-FFF2-40B4-BE49-F238E27FC236}">
+                <a16:creationId xmlns:a16="http://schemas.microsoft.com/office/drawing/2014/main" id="{58845CCA-6EB8-4496-8A91-02AA9F8BB290}"/>
+              </a:ext>
+            </a:extLst>
+          </p:cNvPr>
+          <p:cNvSpPr txBox="1"/>
+          <p:nvPr/>
+        </p:nvSpPr>
+        <p:spPr>
+          <a:xfrm>
+            <a:off x="4452489" y="1284895"/>
+            <a:ext cx="1092928" cy="892552"/>
+          </a:xfrm>
+          <a:prstGeom prst="rect">
+            <a:avLst/>
+          </a:prstGeom>
+          <a:noFill/>
+        </p:spPr>
+        <p:txBody>
+          <a:bodyPr wrap="none" rtlCol="0">
+            <a:spAutoFit/>
+          </a:bodyPr>
+          <a:lstStyle/>
+          <a:p>
+            <a:r>
+              <a:rPr lang="en-US" sz="2400" dirty="0">
+                <a:latin typeface="Times New Roman" panose="02020603050405020304" pitchFamily="18" charset="0"/>
+                <a:cs typeface="Times New Roman" panose="02020603050405020304" pitchFamily="18" charset="0"/>
+              </a:rPr>
+              <a:t>Team 1</a:t>
+            </a:r>
+          </a:p>
+          <a:p>
+            <a:pPr algn="ctr"/>
+            <a:r>
+              <a:rPr lang="en-US" sz="2800" b="1" dirty="0">
+                <a:solidFill>
+                  <a:srgbClr val="00B050"/>
+                </a:solidFill>
+                <a:latin typeface="Times New Roman" panose="02020603050405020304" pitchFamily="18" charset="0"/>
+                <a:cs typeface="Times New Roman" panose="02020603050405020304" pitchFamily="18" charset="0"/>
+              </a:rPr>
+              <a:t>+</a:t>
+            </a:r>
+          </a:p>
+        </p:txBody>
+      </p:sp>
+      <p:sp>
+        <p:nvSpPr>
+          <p:cNvPr id="11" name="TextBox 10">
+            <a:extLst>
+              <a:ext uri="{FF2B5EF4-FFF2-40B4-BE49-F238E27FC236}">
+                <a16:creationId xmlns:a16="http://schemas.microsoft.com/office/drawing/2014/main" id="{352E3E7A-EA3F-4053-90BE-D6ACDC61A9E9}"/>
+              </a:ext>
+            </a:extLst>
+          </p:cNvPr>
+          <p:cNvSpPr txBox="1"/>
+          <p:nvPr/>
+        </p:nvSpPr>
+        <p:spPr>
+          <a:xfrm>
+            <a:off x="6646585" y="1284895"/>
+            <a:ext cx="1092928" cy="892552"/>
+          </a:xfrm>
+          <a:prstGeom prst="rect">
+            <a:avLst/>
+          </a:prstGeom>
+          <a:noFill/>
+        </p:spPr>
+        <p:txBody>
+          <a:bodyPr wrap="none" rtlCol="0">
+            <a:spAutoFit/>
+          </a:bodyPr>
+          <a:lstStyle/>
+          <a:p>
+            <a:r>
+              <a:rPr lang="en-US" sz="2400" dirty="0">
+                <a:latin typeface="Times New Roman" panose="02020603050405020304" pitchFamily="18" charset="0"/>
+                <a:cs typeface="Times New Roman" panose="02020603050405020304" pitchFamily="18" charset="0"/>
+              </a:rPr>
+              <a:t>Team 2</a:t>
+            </a:r>
+          </a:p>
+          <a:p>
+            <a:pPr algn="ctr"/>
+            <a:r>
+              <a:rPr lang="en-US" sz="2800" b="1" dirty="0">
+                <a:solidFill>
+                  <a:srgbClr val="FF0000"/>
+                </a:solidFill>
+                <a:latin typeface="Times New Roman" panose="02020603050405020304" pitchFamily="18" charset="0"/>
+                <a:cs typeface="Times New Roman" panose="02020603050405020304" pitchFamily="18" charset="0"/>
+              </a:rPr>
+              <a:t>-</a:t>
+            </a:r>
+          </a:p>
+        </p:txBody>
+      </p:sp>
+      <p:sp>
+        <p:nvSpPr>
+          <p:cNvPr id="12" name="Arrow: Left-Right 11">
+            <a:extLst>
+              <a:ext uri="{FF2B5EF4-FFF2-40B4-BE49-F238E27FC236}">
+                <a16:creationId xmlns:a16="http://schemas.microsoft.com/office/drawing/2014/main" id="{D7F7A215-119C-4C1C-82C0-2CADBD6A06B3}"/>
+              </a:ext>
+            </a:extLst>
+          </p:cNvPr>
+          <p:cNvSpPr/>
+          <p:nvPr/>
+        </p:nvSpPr>
+        <p:spPr>
+          <a:xfrm>
+            <a:off x="5605554" y="1704491"/>
+            <a:ext cx="980891" cy="382227"/>
+          </a:xfrm>
+          <a:prstGeom prst="leftRightArrow">
+            <a:avLst/>
+          </a:prstGeom>
+          <a:gradFill flip="none" rotWithShape="1">
+            <a:gsLst>
+              <a:gs pos="0">
+                <a:srgbClr val="00B050"/>
+              </a:gs>
+              <a:gs pos="100000">
+                <a:srgbClr val="FF0000"/>
+              </a:gs>
+            </a:gsLst>
+            <a:lin ang="0" scaled="1"/>
+            <a:tileRect/>
+          </a:gradFill>
+          <a:ln>
+            <a:solidFill>
+              <a:schemeClr val="tx1"/>
+            </a:solidFill>
+          </a:ln>
+        </p:spPr>
+        <p:style>
+          <a:lnRef idx="2">
+            <a:schemeClr val="accent1">
+              <a:shade val="50000"/>
+            </a:schemeClr>
+          </a:lnRef>
+          <a:fillRef idx="1">
+            <a:schemeClr val="accent1"/>
+          </a:fillRef>
+          <a:effectRef idx="0">
+            <a:schemeClr val="accent1"/>
+          </a:effectRef>
+          <a:fontRef idx="minor">
+            <a:schemeClr val="lt1"/>
+          </a:fontRef>
+        </p:style>
+        <p:txBody>
+          <a:bodyPr rtlCol="0" anchor="ctr"/>
+          <a:lstStyle/>
+          <a:p>
+            <a:pPr algn="ctr"/>
+            <a:endParaRPr lang="en-US"/>
+          </a:p>
+        </p:txBody>
+      </p:sp>
+    </p:spTree>
+    <p:extLst>
+      <p:ext uri="{BB962C8B-B14F-4D97-AF65-F5344CB8AC3E}">
+        <p14:creationId xmlns:p14="http://schemas.microsoft.com/office/powerpoint/2010/main" val="352063065"/>
+      </p:ext>
+    </p:extLst>
+  </p:cSld>
+  <p:clrMapOvr>
+    <a:masterClrMapping/>
+  </p:clrMapOvr>
+</p:sld>
+</file>
+
+<file path=ppt/slides/slide16.xml><?xml version="1.0" encoding="utf-8"?>
 <p:sld xmlns:a="http://schemas.openxmlformats.org/drawingml/2006/main" xmlns:r="http://schemas.openxmlformats.org/officeDocument/2006/relationships" xmlns:p="http://schemas.openxmlformats.org/presentationml/2006/main">
   <p:cSld>
     <p:spTree>
@@ -7228,14 +7890,13 @@
           </p:cNvPr>
           <p:cNvCxnSpPr>
             <a:cxnSpLocks/>
-            <a:endCxn id="11" idx="0"/>
           </p:cNvCxnSpPr>
           <p:nvPr/>
         </p:nvCxnSpPr>
         <p:spPr>
           <a:xfrm>
-            <a:off x="2680447" y="5145741"/>
-            <a:ext cx="2640425" cy="1150607"/>
+            <a:off x="2743200" y="4912659"/>
+            <a:ext cx="2341142" cy="1154286"/>
           </a:xfrm>
           <a:prstGeom prst="straightConnector1">
             <a:avLst/>
@@ -7276,8 +7937,8 @@
         </p:nvSpPr>
         <p:spPr>
           <a:xfrm>
-            <a:off x="4258658" y="6296348"/>
-            <a:ext cx="2124428" cy="461665"/>
+            <a:off x="5084342" y="6066945"/>
+            <a:ext cx="2776337" cy="584775"/>
           </a:xfrm>
           <a:prstGeom prst="rect">
             <a:avLst/>
@@ -7296,7 +7957,7 @@
           <a:lstStyle/>
           <a:p>
             <a:r>
-              <a:rPr lang="en-US" sz="2400" dirty="0">
+              <a:rPr lang="en-US" sz="3200" dirty="0">
                 <a:solidFill>
                   <a:srgbClr val="00B050"/>
                 </a:solidFill>
@@ -7536,6 +8197,35 @@
           </a:p>
         </p:txBody>
       </p:sp>
+      <p:sp>
+        <p:nvSpPr>
+          <p:cNvPr id="4" name="Slide Number Placeholder 3">
+            <a:extLst>
+              <a:ext uri="{FF2B5EF4-FFF2-40B4-BE49-F238E27FC236}">
+                <a16:creationId xmlns:a16="http://schemas.microsoft.com/office/drawing/2014/main" id="{CDC01415-DD3A-4310-82E3-759502EC3948}"/>
+              </a:ext>
+            </a:extLst>
+          </p:cNvPr>
+          <p:cNvSpPr>
+            <a:spLocks noGrp="1"/>
+          </p:cNvSpPr>
+          <p:nvPr>
+            <p:ph type="sldNum" sz="quarter" idx="12"/>
+          </p:nvPr>
+        </p:nvSpPr>
+        <p:spPr/>
+        <p:txBody>
+          <a:bodyPr/>
+          <a:lstStyle/>
+          <a:p>
+            <a:fld id="{B4FB4218-D507-4A96-AB1C-B66AA2771B74}" type="slidenum">
+              <a:rPr lang="en-US" smtClean="0"/>
+              <a:t>16</a:t>
+            </a:fld>
+            <a:endParaRPr lang="en-US"/>
+          </a:p>
+        </p:txBody>
+      </p:sp>
     </p:spTree>
     <p:extLst>
       <p:ext uri="{BB962C8B-B14F-4D97-AF65-F5344CB8AC3E}">
@@ -7549,7 +8239,7 @@
 </p:sld>
 </file>
 
-<file path=ppt/slides/slide16.xml><?xml version="1.0" encoding="utf-8"?>
+<file path=ppt/slides/slide17.xml><?xml version="1.0" encoding="utf-8"?>
 <p:sld xmlns:a="http://schemas.openxmlformats.org/drawingml/2006/main" xmlns:r="http://schemas.openxmlformats.org/officeDocument/2006/relationships" xmlns:p="http://schemas.openxmlformats.org/presentationml/2006/main">
   <p:cSld>
     <p:spTree>
@@ -7722,6 +8412,35 @@
           </a:p>
         </p:txBody>
       </p:sp>
+      <p:sp>
+        <p:nvSpPr>
+          <p:cNvPr id="6" name="Slide Number Placeholder 5">
+            <a:extLst>
+              <a:ext uri="{FF2B5EF4-FFF2-40B4-BE49-F238E27FC236}">
+                <a16:creationId xmlns:a16="http://schemas.microsoft.com/office/drawing/2014/main" id="{3A69544C-5C5B-4A94-943B-9137EA7906C2}"/>
+              </a:ext>
+            </a:extLst>
+          </p:cNvPr>
+          <p:cNvSpPr>
+            <a:spLocks noGrp="1"/>
+          </p:cNvSpPr>
+          <p:nvPr>
+            <p:ph type="sldNum" sz="quarter" idx="12"/>
+          </p:nvPr>
+        </p:nvSpPr>
+        <p:spPr/>
+        <p:txBody>
+          <a:bodyPr/>
+          <a:lstStyle/>
+          <a:p>
+            <a:fld id="{B4FB4218-D507-4A96-AB1C-B66AA2771B74}" type="slidenum">
+              <a:rPr lang="en-US" smtClean="0"/>
+              <a:t>17</a:t>
+            </a:fld>
+            <a:endParaRPr lang="en-US"/>
+          </a:p>
+        </p:txBody>
+      </p:sp>
     </p:spTree>
     <p:extLst>
       <p:ext uri="{BB962C8B-B14F-4D97-AF65-F5344CB8AC3E}">
@@ -7732,142 +8451,10 @@
   <p:clrMapOvr>
     <a:masterClrMapping/>
   </p:clrMapOvr>
-  <p:timing>
-    <p:tnLst>
-      <p:par>
-        <p:cTn id="1" dur="indefinite" restart="never" nodeType="tmRoot">
-          <p:childTnLst>
-            <p:seq concurrent="1" nextAc="seek">
-              <p:cTn id="2" dur="indefinite" nodeType="mainSeq">
-                <p:childTnLst>
-                  <p:par>
-                    <p:cTn id="3" fill="hold">
-                      <p:stCondLst>
-                        <p:cond delay="indefinite"/>
-                      </p:stCondLst>
-                      <p:childTnLst>
-                        <p:par>
-                          <p:cTn id="4" fill="hold">
-                            <p:stCondLst>
-                              <p:cond delay="0"/>
-                            </p:stCondLst>
-                            <p:childTnLst>
-                              <p:par>
-                                <p:cTn id="5" presetID="42" presetClass="entr" presetSubtype="0" fill="hold" grpId="0" nodeType="clickEffect">
-                                  <p:stCondLst>
-                                    <p:cond delay="0"/>
-                                  </p:stCondLst>
-                                  <p:childTnLst>
-                                    <p:set>
-                                      <p:cBhvr>
-                                        <p:cTn id="6" dur="1" fill="hold">
-                                          <p:stCondLst>
-                                            <p:cond delay="0"/>
-                                          </p:stCondLst>
-                                        </p:cTn>
-                                        <p:tgtEl>
-                                          <p:spTgt spid="4"/>
-                                        </p:tgtEl>
-                                        <p:attrNameLst>
-                                          <p:attrName>style.visibility</p:attrName>
-                                        </p:attrNameLst>
-                                      </p:cBhvr>
-                                      <p:to>
-                                        <p:strVal val="visible"/>
-                                      </p:to>
-                                    </p:set>
-                                    <p:animEffect transition="in" filter="fade">
-                                      <p:cBhvr>
-                                        <p:cTn id="7" dur="1000"/>
-                                        <p:tgtEl>
-                                          <p:spTgt spid="4"/>
-                                        </p:tgtEl>
-                                      </p:cBhvr>
-                                    </p:animEffect>
-                                    <p:anim calcmode="lin" valueType="num">
-                                      <p:cBhvr>
-                                        <p:cTn id="8" dur="1000" fill="hold"/>
-                                        <p:tgtEl>
-                                          <p:spTgt spid="4"/>
-                                        </p:tgtEl>
-                                        <p:attrNameLst>
-                                          <p:attrName>ppt_x</p:attrName>
-                                        </p:attrNameLst>
-                                      </p:cBhvr>
-                                      <p:tavLst>
-                                        <p:tav tm="0">
-                                          <p:val>
-                                            <p:strVal val="#ppt_x"/>
-                                          </p:val>
-                                        </p:tav>
-                                        <p:tav tm="100000">
-                                          <p:val>
-                                            <p:strVal val="#ppt_x"/>
-                                          </p:val>
-                                        </p:tav>
-                                      </p:tavLst>
-                                    </p:anim>
-                                    <p:anim calcmode="lin" valueType="num">
-                                      <p:cBhvr>
-                                        <p:cTn id="9" dur="1000" fill="hold"/>
-                                        <p:tgtEl>
-                                          <p:spTgt spid="4"/>
-                                        </p:tgtEl>
-                                        <p:attrNameLst>
-                                          <p:attrName>ppt_y</p:attrName>
-                                        </p:attrNameLst>
-                                      </p:cBhvr>
-                                      <p:tavLst>
-                                        <p:tav tm="0">
-                                          <p:val>
-                                            <p:strVal val="#ppt_y+.1"/>
-                                          </p:val>
-                                        </p:tav>
-                                        <p:tav tm="100000">
-                                          <p:val>
-                                            <p:strVal val="#ppt_y"/>
-                                          </p:val>
-                                        </p:tav>
-                                      </p:tavLst>
-                                    </p:anim>
-                                  </p:childTnLst>
-                                </p:cTn>
-                              </p:par>
-                            </p:childTnLst>
-                          </p:cTn>
-                        </p:par>
-                      </p:childTnLst>
-                    </p:cTn>
-                  </p:par>
-                </p:childTnLst>
-              </p:cTn>
-              <p:prevCondLst>
-                <p:cond evt="onPrev" delay="0">
-                  <p:tgtEl>
-                    <p:sldTgt/>
-                  </p:tgtEl>
-                </p:cond>
-              </p:prevCondLst>
-              <p:nextCondLst>
-                <p:cond evt="onNext" delay="0">
-                  <p:tgtEl>
-                    <p:sldTgt/>
-                  </p:tgtEl>
-                </p:cond>
-              </p:nextCondLst>
-            </p:seq>
-          </p:childTnLst>
-        </p:cTn>
-      </p:par>
-    </p:tnLst>
-    <p:bldLst>
-      <p:bldP spid="4" grpId="0"/>
-    </p:bldLst>
-  </p:timing>
 </p:sld>
 </file>
 
-<file path=ppt/slides/slide17.xml><?xml version="1.0" encoding="utf-8"?>
+<file path=ppt/slides/slide18.xml><?xml version="1.0" encoding="utf-8"?>
 <p:sld xmlns:a="http://schemas.openxmlformats.org/drawingml/2006/main" xmlns:r="http://schemas.openxmlformats.org/officeDocument/2006/relationships" xmlns:p="http://schemas.openxmlformats.org/presentationml/2006/main">
   <p:cSld>
     <p:spTree>
@@ -8030,6 +8617,35 @@
           </a:p>
         </p:txBody>
       </p:sp>
+      <p:sp>
+        <p:nvSpPr>
+          <p:cNvPr id="6" name="Slide Number Placeholder 5">
+            <a:extLst>
+              <a:ext uri="{FF2B5EF4-FFF2-40B4-BE49-F238E27FC236}">
+                <a16:creationId xmlns:a16="http://schemas.microsoft.com/office/drawing/2014/main" id="{22A6E6F7-1820-45AD-B91F-B44AD3919B42}"/>
+              </a:ext>
+            </a:extLst>
+          </p:cNvPr>
+          <p:cNvSpPr>
+            <a:spLocks noGrp="1"/>
+          </p:cNvSpPr>
+          <p:nvPr>
+            <p:ph type="sldNum" sz="quarter" idx="12"/>
+          </p:nvPr>
+        </p:nvSpPr>
+        <p:spPr/>
+        <p:txBody>
+          <a:bodyPr/>
+          <a:lstStyle/>
+          <a:p>
+            <a:fld id="{B4FB4218-D507-4A96-AB1C-B66AA2771B74}" type="slidenum">
+              <a:rPr lang="en-US" smtClean="0"/>
+              <a:t>18</a:t>
+            </a:fld>
+            <a:endParaRPr lang="en-US"/>
+          </a:p>
+        </p:txBody>
+      </p:sp>
     </p:spTree>
     <p:extLst>
       <p:ext uri="{BB962C8B-B14F-4D97-AF65-F5344CB8AC3E}">
@@ -8043,7 +8659,7 @@
 </p:sld>
 </file>
 
-<file path=ppt/slides/slide18.xml><?xml version="1.0" encoding="utf-8"?>
+<file path=ppt/slides/slide19.xml><?xml version="1.0" encoding="utf-8"?>
 <p:sld xmlns:a="http://schemas.openxmlformats.org/drawingml/2006/main" xmlns:r="http://schemas.openxmlformats.org/officeDocument/2006/relationships" xmlns:p="http://schemas.openxmlformats.org/presentationml/2006/main">
   <p:cSld>
     <p:spTree>
@@ -8206,472 +8822,39 @@
           </a:p>
         </p:txBody>
       </p:sp>
-    </p:spTree>
-    <p:extLst>
-      <p:ext uri="{BB962C8B-B14F-4D97-AF65-F5344CB8AC3E}">
-        <p14:creationId xmlns:p14="http://schemas.microsoft.com/office/powerpoint/2010/main" val="780329860"/>
-      </p:ext>
-    </p:extLst>
-  </p:cSld>
-  <p:clrMapOvr>
-    <a:masterClrMapping/>
-  </p:clrMapOvr>
-</p:sld>
-</file>
-
-<file path=ppt/slides/slide19.xml><?xml version="1.0" encoding="utf-8"?>
-<p:sld xmlns:a="http://schemas.openxmlformats.org/drawingml/2006/main" xmlns:r="http://schemas.openxmlformats.org/officeDocument/2006/relationships" xmlns:p="http://schemas.openxmlformats.org/presentationml/2006/main">
-  <p:cSld>
-    <p:spTree>
-      <p:nvGrpSpPr>
-        <p:cNvPr id="1" name=""/>
-        <p:cNvGrpSpPr/>
-        <p:nvPr/>
-      </p:nvGrpSpPr>
-      <p:grpSpPr>
-        <a:xfrm>
-          <a:off x="0" y="0"/>
-          <a:ext cx="0" cy="0"/>
-          <a:chOff x="0" y="0"/>
-          <a:chExt cx="0" cy="0"/>
-        </a:xfrm>
-      </p:grpSpPr>
-      <p:cxnSp>
-        <p:nvCxnSpPr>
-          <p:cNvPr id="2" name="Straight Connector 1">
+      <p:sp>
+        <p:nvSpPr>
+          <p:cNvPr id="4" name="Slide Number Placeholder 3">
             <a:extLst>
               <a:ext uri="{FF2B5EF4-FFF2-40B4-BE49-F238E27FC236}">
-                <a16:creationId xmlns:a16="http://schemas.microsoft.com/office/drawing/2014/main" id="{BC4339F9-A066-45CD-91C6-61FED21D3027}"/>
+                <a16:creationId xmlns:a16="http://schemas.microsoft.com/office/drawing/2014/main" id="{C0505C3B-2E2E-4632-85EB-91CC97303EFC}"/>
               </a:ext>
             </a:extLst>
           </p:cNvPr>
-          <p:cNvCxnSpPr/>
-          <p:nvPr/>
-        </p:nvCxnSpPr>
-        <p:spPr>
-          <a:xfrm>
-            <a:off x="0" y="1047750"/>
-            <a:ext cx="12192000" cy="0"/>
-          </a:xfrm>
-          <a:prstGeom prst="line">
-            <a:avLst/>
-          </a:prstGeom>
-          <a:ln w="76200">
-            <a:solidFill>
-              <a:srgbClr val="D2C264"/>
-            </a:solidFill>
-          </a:ln>
-        </p:spPr>
-        <p:style>
-          <a:lnRef idx="1">
-            <a:schemeClr val="accent1"/>
-          </a:lnRef>
-          <a:fillRef idx="0">
-            <a:schemeClr val="accent1"/>
-          </a:fillRef>
-          <a:effectRef idx="0">
-            <a:schemeClr val="accent1"/>
-          </a:effectRef>
-          <a:fontRef idx="minor">
-            <a:schemeClr val="tx1"/>
-          </a:fontRef>
-        </p:style>
-      </p:cxnSp>
-      <p:sp>
-        <p:nvSpPr>
-          <p:cNvPr id="3" name="TextBox 2">
-            <a:extLst>
-              <a:ext uri="{FF2B5EF4-FFF2-40B4-BE49-F238E27FC236}">
-                <a16:creationId xmlns:a16="http://schemas.microsoft.com/office/drawing/2014/main" id="{4F839CDC-E463-4502-8748-827AE781F905}"/>
-              </a:ext>
-            </a:extLst>
-          </p:cNvPr>
-          <p:cNvSpPr txBox="1"/>
-          <p:nvPr/>
+          <p:cNvSpPr>
+            <a:spLocks noGrp="1"/>
+          </p:cNvSpPr>
+          <p:nvPr>
+            <p:ph type="sldNum" sz="quarter" idx="12"/>
+          </p:nvPr>
         </p:nvSpPr>
-        <p:spPr>
-          <a:xfrm>
-            <a:off x="439692" y="229258"/>
-            <a:ext cx="5451685" cy="584775"/>
-          </a:xfrm>
-          <a:prstGeom prst="rect">
-            <a:avLst/>
-          </a:prstGeom>
-          <a:noFill/>
-        </p:spPr>
+        <p:spPr/>
         <p:txBody>
-          <a:bodyPr wrap="none" rtlCol="0">
-            <a:spAutoFit/>
-          </a:bodyPr>
+          <a:bodyPr/>
           <a:lstStyle/>
           <a:p>
-            <a:r>
-              <a:rPr lang="en-US" sz="3200" b="1" dirty="0">
-                <a:latin typeface="Times New Roman" panose="02020603050405020304" pitchFamily="18" charset="0"/>
-                <a:cs typeface="Times New Roman" panose="02020603050405020304" pitchFamily="18" charset="0"/>
-              </a:rPr>
-              <a:t>Best Linear Regression Model</a:t>
-            </a:r>
-          </a:p>
-        </p:txBody>
-      </p:sp>
-      <p:sp>
-        <p:nvSpPr>
-          <p:cNvPr id="7" name="TextBox 6">
-            <a:extLst>
-              <a:ext uri="{FF2B5EF4-FFF2-40B4-BE49-F238E27FC236}">
-                <a16:creationId xmlns:a16="http://schemas.microsoft.com/office/drawing/2014/main" id="{4F839CDC-E463-4502-8748-827AE781F905}"/>
-              </a:ext>
-            </a:extLst>
-          </p:cNvPr>
-          <p:cNvSpPr txBox="1"/>
-          <p:nvPr/>
-        </p:nvSpPr>
-        <p:spPr>
-          <a:xfrm>
-            <a:off x="429588" y="652279"/>
-            <a:ext cx="8027069" cy="400110"/>
-          </a:xfrm>
-          <a:prstGeom prst="rect">
-            <a:avLst/>
-          </a:prstGeom>
-          <a:noFill/>
-        </p:spPr>
-        <p:txBody>
-          <a:bodyPr wrap="none" rtlCol="0">
-            <a:spAutoFit/>
-          </a:bodyPr>
-          <a:lstStyle/>
-          <a:p>
-            <a:r>
-              <a:rPr lang="en-US" sz="2000" b="1" dirty="0">
-                <a:latin typeface="Times New Roman" panose="02020603050405020304" pitchFamily="18" charset="0"/>
-                <a:cs typeface="Times New Roman" panose="02020603050405020304" pitchFamily="18" charset="0"/>
-              </a:rPr>
-              <a:t>Goals = Shots + </a:t>
-            </a:r>
-            <a:r>
-              <a:rPr lang="en-US" sz="2000" b="1" dirty="0" err="1">
-                <a:latin typeface="Times New Roman" panose="02020603050405020304" pitchFamily="18" charset="0"/>
-                <a:cs typeface="Times New Roman" panose="02020603050405020304" pitchFamily="18" charset="0"/>
-              </a:rPr>
-              <a:t>Shots.Target</a:t>
-            </a:r>
-            <a:r>
-              <a:rPr lang="en-US" sz="2000" b="1" dirty="0">
-                <a:latin typeface="Times New Roman" panose="02020603050405020304" pitchFamily="18" charset="0"/>
-                <a:cs typeface="Times New Roman" panose="02020603050405020304" pitchFamily="18" charset="0"/>
-              </a:rPr>
-              <a:t> + </a:t>
-            </a:r>
-            <a:r>
-              <a:rPr lang="en-US" sz="2000" b="1" dirty="0" err="1">
-                <a:latin typeface="Times New Roman" panose="02020603050405020304" pitchFamily="18" charset="0"/>
-                <a:cs typeface="Times New Roman" panose="02020603050405020304" pitchFamily="18" charset="0"/>
-              </a:rPr>
-              <a:t>Pass.Acc</a:t>
-            </a:r>
-            <a:r>
-              <a:rPr lang="en-US" sz="2000" b="1" dirty="0">
-                <a:latin typeface="Times New Roman" panose="02020603050405020304" pitchFamily="18" charset="0"/>
-                <a:cs typeface="Times New Roman" panose="02020603050405020304" pitchFamily="18" charset="0"/>
-              </a:rPr>
-              <a:t> + Possession + Corners + Fouls</a:t>
-            </a:r>
-          </a:p>
-        </p:txBody>
-      </p:sp>
-      <p:grpSp>
-        <p:nvGrpSpPr>
-          <p:cNvPr id="10" name="Group 9"/>
-          <p:cNvGrpSpPr/>
-          <p:nvPr/>
-        </p:nvGrpSpPr>
-        <p:grpSpPr>
-          <a:xfrm>
-            <a:off x="429588" y="1209504"/>
-            <a:ext cx="6877292" cy="5216493"/>
-            <a:chOff x="429588" y="1209504"/>
-            <a:chExt cx="6877292" cy="5216493"/>
-          </a:xfrm>
-        </p:grpSpPr>
-        <p:pic>
-          <p:nvPicPr>
-            <p:cNvPr id="4" name="Picture 3"/>
-            <p:cNvPicPr>
-              <a:picLocks noChangeAspect="1"/>
-            </p:cNvPicPr>
-            <p:nvPr/>
-          </p:nvPicPr>
-          <p:blipFill rotWithShape="1">
-            <a:blip r:embed="rId2"/>
-            <a:srcRect l="30442" t="30127" r="25171" b="10018"/>
-            <a:stretch/>
-          </p:blipFill>
-          <p:spPr>
-            <a:xfrm>
-              <a:off x="429588" y="1209504"/>
-              <a:ext cx="6877292" cy="5216493"/>
-            </a:xfrm>
-            <a:prstGeom prst="rect">
-              <a:avLst/>
-            </a:prstGeom>
-          </p:spPr>
-        </p:pic>
-        <p:sp>
-          <p:nvSpPr>
-            <p:cNvPr id="5" name="Rectangle 4"/>
-            <p:cNvSpPr/>
-            <p:nvPr/>
-          </p:nvSpPr>
-          <p:spPr>
-            <a:xfrm rot="5400000">
-              <a:off x="3966275" y="3966279"/>
-              <a:ext cx="287996" cy="2335794"/>
-            </a:xfrm>
-            <a:prstGeom prst="rect">
-              <a:avLst/>
-            </a:prstGeom>
-            <a:noFill/>
-            <a:ln w="28575">
-              <a:solidFill>
-                <a:srgbClr val="FF0000"/>
-              </a:solidFill>
-            </a:ln>
-          </p:spPr>
-          <p:style>
-            <a:lnRef idx="2">
-              <a:schemeClr val="accent6"/>
-            </a:lnRef>
-            <a:fillRef idx="1">
-              <a:schemeClr val="lt1"/>
-            </a:fillRef>
-            <a:effectRef idx="0">
-              <a:schemeClr val="accent6"/>
-            </a:effectRef>
-            <a:fontRef idx="minor">
-              <a:schemeClr val="dk1"/>
-            </a:fontRef>
-          </p:style>
-          <p:txBody>
-            <a:bodyPr rtlCol="0" anchor="ctr"/>
-            <a:lstStyle/>
-            <a:p>
-              <a:pPr algn="ctr"/>
-              <a:endParaRPr lang="en-US"/>
-            </a:p>
-          </p:txBody>
-        </p:sp>
-        <p:sp>
-          <p:nvSpPr>
-            <p:cNvPr id="8" name="Rectangle 7"/>
-            <p:cNvSpPr/>
-            <p:nvPr/>
-          </p:nvSpPr>
-          <p:spPr>
-            <a:xfrm>
-              <a:off x="4742507" y="2587783"/>
-              <a:ext cx="389299" cy="1520982"/>
-            </a:xfrm>
-            <a:prstGeom prst="rect">
-              <a:avLst/>
-            </a:prstGeom>
-            <a:noFill/>
-            <a:ln w="28575">
-              <a:solidFill>
-                <a:srgbClr val="FF0000"/>
-              </a:solidFill>
-            </a:ln>
-          </p:spPr>
-          <p:style>
-            <a:lnRef idx="2">
-              <a:schemeClr val="accent6"/>
-            </a:lnRef>
-            <a:fillRef idx="1">
-              <a:schemeClr val="lt1"/>
-            </a:fillRef>
-            <a:effectRef idx="0">
-              <a:schemeClr val="accent6"/>
-            </a:effectRef>
-            <a:fontRef idx="minor">
-              <a:schemeClr val="dk1"/>
-            </a:fontRef>
-          </p:style>
-          <p:txBody>
-            <a:bodyPr rtlCol="0" anchor="ctr"/>
-            <a:lstStyle/>
-            <a:p>
-              <a:pPr algn="ctr"/>
-              <a:endParaRPr lang="en-US"/>
-            </a:p>
-          </p:txBody>
-        </p:sp>
-      </p:grpSp>
-      <p:sp>
-        <p:nvSpPr>
-          <p:cNvPr id="9" name="Rectangle 8"/>
-          <p:cNvSpPr/>
-          <p:nvPr/>
-        </p:nvSpPr>
-        <p:spPr>
-          <a:xfrm rot="5400000">
-            <a:off x="4000876" y="3122691"/>
-            <a:ext cx="262551" cy="6166919"/>
-          </a:xfrm>
-          <a:prstGeom prst="rect">
-            <a:avLst/>
-          </a:prstGeom>
-          <a:noFill/>
-          <a:ln w="28575">
-            <a:solidFill>
-              <a:srgbClr val="FF0000"/>
-            </a:solidFill>
-          </a:ln>
-        </p:spPr>
-        <p:style>
-          <a:lnRef idx="2">
-            <a:schemeClr val="accent6"/>
-          </a:lnRef>
-          <a:fillRef idx="1">
-            <a:schemeClr val="lt1"/>
-          </a:fillRef>
-          <a:effectRef idx="0">
-            <a:schemeClr val="accent6"/>
-          </a:effectRef>
-          <a:fontRef idx="minor">
-            <a:schemeClr val="dk1"/>
-          </a:fontRef>
-        </p:style>
-        <p:txBody>
-          <a:bodyPr rtlCol="0" anchor="ctr"/>
-          <a:lstStyle/>
-          <a:p>
-            <a:pPr algn="ctr"/>
+            <a:fld id="{B4FB4218-D507-4A96-AB1C-B66AA2771B74}" type="slidenum">
+              <a:rPr lang="en-US" smtClean="0"/>
+              <a:t>19</a:t>
+            </a:fld>
             <a:endParaRPr lang="en-US"/>
-          </a:p>
-        </p:txBody>
-      </p:sp>
-      <p:sp>
-        <p:nvSpPr>
-          <p:cNvPr id="12" name="TextBox 11">
-            <a:extLst>
-              <a:ext uri="{FF2B5EF4-FFF2-40B4-BE49-F238E27FC236}">
-                <a16:creationId xmlns:a16="http://schemas.microsoft.com/office/drawing/2014/main" id="{4F839CDC-E463-4502-8748-827AE781F905}"/>
-              </a:ext>
-            </a:extLst>
-          </p:cNvPr>
-          <p:cNvSpPr txBox="1"/>
-          <p:nvPr/>
-        </p:nvSpPr>
-        <p:spPr>
-          <a:xfrm>
-            <a:off x="7306880" y="2840442"/>
-            <a:ext cx="4503156" cy="1015663"/>
-          </a:xfrm>
-          <a:prstGeom prst="rect">
-            <a:avLst/>
-          </a:prstGeom>
-          <a:noFill/>
-        </p:spPr>
-        <p:txBody>
-          <a:bodyPr wrap="none" rtlCol="0">
-            <a:spAutoFit/>
-          </a:bodyPr>
-          <a:lstStyle/>
-          <a:p>
-            <a:pPr marL="457200" indent="-457200">
-              <a:buFont typeface="Arial" panose="020B0604020202020204" pitchFamily="34" charset="0"/>
-              <a:buChar char="•"/>
-            </a:pPr>
-            <a:r>
-              <a:rPr lang="en-US" sz="2000" dirty="0">
-                <a:latin typeface="Times New Roman" panose="02020603050405020304" pitchFamily="18" charset="0"/>
-                <a:cs typeface="Times New Roman" panose="02020603050405020304" pitchFamily="18" charset="0"/>
-              </a:rPr>
-              <a:t>Statistically significant estimates</a:t>
-            </a:r>
-          </a:p>
-          <a:p>
-            <a:pPr marL="457200" indent="-457200">
-              <a:buFont typeface="Arial" panose="020B0604020202020204" pitchFamily="34" charset="0"/>
-              <a:buChar char="•"/>
-            </a:pPr>
-            <a:r>
-              <a:rPr lang="en-US" sz="2000" dirty="0">
-                <a:latin typeface="Times New Roman" panose="02020603050405020304" pitchFamily="18" charset="0"/>
-                <a:cs typeface="Times New Roman" panose="02020603050405020304" pitchFamily="18" charset="0"/>
-              </a:rPr>
-              <a:t>Adjusted R-Squared can be improved</a:t>
-            </a:r>
-          </a:p>
-          <a:p>
-            <a:pPr marL="457200" indent="-457200">
-              <a:buFont typeface="Arial" panose="020B0604020202020204" pitchFamily="34" charset="0"/>
-              <a:buChar char="•"/>
-            </a:pPr>
-            <a:r>
-              <a:rPr lang="en-US" sz="2000" dirty="0">
-                <a:latin typeface="Times New Roman" panose="02020603050405020304" pitchFamily="18" charset="0"/>
-                <a:cs typeface="Times New Roman" panose="02020603050405020304" pitchFamily="18" charset="0"/>
-              </a:rPr>
-              <a:t>No concern for </a:t>
-            </a:r>
-            <a:r>
-              <a:rPr lang="en-US" sz="2000" dirty="0" err="1">
-                <a:latin typeface="Times New Roman" panose="02020603050405020304" pitchFamily="18" charset="0"/>
-                <a:cs typeface="Times New Roman" panose="02020603050405020304" pitchFamily="18" charset="0"/>
-              </a:rPr>
-              <a:t>multicollinearity</a:t>
-            </a:r>
-            <a:endParaRPr lang="en-US" sz="2000" dirty="0">
-              <a:latin typeface="Times New Roman" panose="02020603050405020304" pitchFamily="18" charset="0"/>
-              <a:cs typeface="Times New Roman" panose="02020603050405020304" pitchFamily="18" charset="0"/>
-            </a:endParaRPr>
-          </a:p>
-        </p:txBody>
-      </p:sp>
-      <p:sp>
-        <p:nvSpPr>
-          <p:cNvPr id="11" name="TextBox 10">
-            <a:extLst>
-              <a:ext uri="{FF2B5EF4-FFF2-40B4-BE49-F238E27FC236}">
-                <a16:creationId xmlns:a16="http://schemas.microsoft.com/office/drawing/2014/main" id="{296EF7E8-B19E-4525-A24E-2C4EC782EF9F}"/>
-              </a:ext>
-            </a:extLst>
-          </p:cNvPr>
-          <p:cNvSpPr txBox="1"/>
-          <p:nvPr/>
-        </p:nvSpPr>
-        <p:spPr>
-          <a:xfrm>
-            <a:off x="11215389" y="80452"/>
-            <a:ext cx="646331" cy="369332"/>
-          </a:xfrm>
-          <a:prstGeom prst="rect">
-            <a:avLst/>
-          </a:prstGeom>
-          <a:noFill/>
-        </p:spPr>
-        <p:txBody>
-          <a:bodyPr wrap="none" rtlCol="0">
-            <a:spAutoFit/>
-          </a:bodyPr>
-          <a:lstStyle/>
-          <a:p>
-            <a:r>
-              <a:rPr lang="en-US" dirty="0">
-                <a:latin typeface="Times New Roman" panose="02020603050405020304" pitchFamily="18" charset="0"/>
-                <a:cs typeface="Times New Roman" panose="02020603050405020304" pitchFamily="18" charset="0"/>
-              </a:rPr>
-              <a:t>Rose</a:t>
-            </a:r>
           </a:p>
         </p:txBody>
       </p:sp>
     </p:spTree>
     <p:extLst>
       <p:ext uri="{BB962C8B-B14F-4D97-AF65-F5344CB8AC3E}">
-        <p14:creationId xmlns:p14="http://schemas.microsoft.com/office/powerpoint/2010/main" val="4192136879"/>
+        <p14:creationId xmlns:p14="http://schemas.microsoft.com/office/powerpoint/2010/main" val="780329860"/>
       </p:ext>
     </p:extLst>
   </p:cSld>
@@ -9795,6 +9978,35 @@
           </a:p>
         </p:txBody>
       </p:sp>
+      <p:sp>
+        <p:nvSpPr>
+          <p:cNvPr id="4" name="Slide Number Placeholder 3">
+            <a:extLst>
+              <a:ext uri="{FF2B5EF4-FFF2-40B4-BE49-F238E27FC236}">
+                <a16:creationId xmlns:a16="http://schemas.microsoft.com/office/drawing/2014/main" id="{3520C46F-99E6-4817-9D3D-39803535527F}"/>
+              </a:ext>
+            </a:extLst>
+          </p:cNvPr>
+          <p:cNvSpPr>
+            <a:spLocks noGrp="1"/>
+          </p:cNvSpPr>
+          <p:nvPr>
+            <p:ph type="sldNum" sz="quarter" idx="12"/>
+          </p:nvPr>
+        </p:nvSpPr>
+        <p:spPr/>
+        <p:txBody>
+          <a:bodyPr/>
+          <a:lstStyle/>
+          <a:p>
+            <a:fld id="{B4FB4218-D507-4A96-AB1C-B66AA2771B74}" type="slidenum">
+              <a:rPr lang="en-US" smtClean="0"/>
+              <a:t>2</a:t>
+            </a:fld>
+            <a:endParaRPr lang="en-US"/>
+          </a:p>
+        </p:txBody>
+      </p:sp>
     </p:spTree>
     <p:extLst>
       <p:ext uri="{BB962C8B-B14F-4D97-AF65-F5344CB8AC3E}">
@@ -10256,6 +10468,497 @@
           <p:cNvPr id="2" name="Straight Connector 1">
             <a:extLst>
               <a:ext uri="{FF2B5EF4-FFF2-40B4-BE49-F238E27FC236}">
+                <a16:creationId xmlns:a16="http://schemas.microsoft.com/office/drawing/2014/main" id="{BC4339F9-A066-45CD-91C6-61FED21D3027}"/>
+              </a:ext>
+            </a:extLst>
+          </p:cNvPr>
+          <p:cNvCxnSpPr/>
+          <p:nvPr/>
+        </p:nvCxnSpPr>
+        <p:spPr>
+          <a:xfrm>
+            <a:off x="0" y="1047750"/>
+            <a:ext cx="12192000" cy="0"/>
+          </a:xfrm>
+          <a:prstGeom prst="line">
+            <a:avLst/>
+          </a:prstGeom>
+          <a:ln w="76200">
+            <a:solidFill>
+              <a:srgbClr val="D2C264"/>
+            </a:solidFill>
+          </a:ln>
+        </p:spPr>
+        <p:style>
+          <a:lnRef idx="1">
+            <a:schemeClr val="accent1"/>
+          </a:lnRef>
+          <a:fillRef idx="0">
+            <a:schemeClr val="accent1"/>
+          </a:fillRef>
+          <a:effectRef idx="0">
+            <a:schemeClr val="accent1"/>
+          </a:effectRef>
+          <a:fontRef idx="minor">
+            <a:schemeClr val="tx1"/>
+          </a:fontRef>
+        </p:style>
+      </p:cxnSp>
+      <p:sp>
+        <p:nvSpPr>
+          <p:cNvPr id="3" name="TextBox 2">
+            <a:extLst>
+              <a:ext uri="{FF2B5EF4-FFF2-40B4-BE49-F238E27FC236}">
+                <a16:creationId xmlns:a16="http://schemas.microsoft.com/office/drawing/2014/main" id="{4F839CDC-E463-4502-8748-827AE781F905}"/>
+              </a:ext>
+            </a:extLst>
+          </p:cNvPr>
+          <p:cNvSpPr txBox="1"/>
+          <p:nvPr/>
+        </p:nvSpPr>
+        <p:spPr>
+          <a:xfrm>
+            <a:off x="439692" y="229258"/>
+            <a:ext cx="5451685" cy="584775"/>
+          </a:xfrm>
+          <a:prstGeom prst="rect">
+            <a:avLst/>
+          </a:prstGeom>
+          <a:noFill/>
+        </p:spPr>
+        <p:txBody>
+          <a:bodyPr wrap="none" rtlCol="0">
+            <a:spAutoFit/>
+          </a:bodyPr>
+          <a:lstStyle/>
+          <a:p>
+            <a:r>
+              <a:rPr lang="en-US" sz="3200" b="1" dirty="0">
+                <a:latin typeface="Times New Roman" panose="02020603050405020304" pitchFamily="18" charset="0"/>
+                <a:cs typeface="Times New Roman" panose="02020603050405020304" pitchFamily="18" charset="0"/>
+              </a:rPr>
+              <a:t>Best Linear Regression Model</a:t>
+            </a:r>
+          </a:p>
+        </p:txBody>
+      </p:sp>
+      <p:sp>
+        <p:nvSpPr>
+          <p:cNvPr id="7" name="TextBox 6">
+            <a:extLst>
+              <a:ext uri="{FF2B5EF4-FFF2-40B4-BE49-F238E27FC236}">
+                <a16:creationId xmlns:a16="http://schemas.microsoft.com/office/drawing/2014/main" id="{4F839CDC-E463-4502-8748-827AE781F905}"/>
+              </a:ext>
+            </a:extLst>
+          </p:cNvPr>
+          <p:cNvSpPr txBox="1"/>
+          <p:nvPr/>
+        </p:nvSpPr>
+        <p:spPr>
+          <a:xfrm>
+            <a:off x="429588" y="652279"/>
+            <a:ext cx="8027069" cy="400110"/>
+          </a:xfrm>
+          <a:prstGeom prst="rect">
+            <a:avLst/>
+          </a:prstGeom>
+          <a:noFill/>
+        </p:spPr>
+        <p:txBody>
+          <a:bodyPr wrap="none" rtlCol="0">
+            <a:spAutoFit/>
+          </a:bodyPr>
+          <a:lstStyle/>
+          <a:p>
+            <a:r>
+              <a:rPr lang="en-US" sz="2000" b="1" dirty="0">
+                <a:latin typeface="Times New Roman" panose="02020603050405020304" pitchFamily="18" charset="0"/>
+                <a:cs typeface="Times New Roman" panose="02020603050405020304" pitchFamily="18" charset="0"/>
+              </a:rPr>
+              <a:t>Goals = Shots + </a:t>
+            </a:r>
+            <a:r>
+              <a:rPr lang="en-US" sz="2000" b="1" dirty="0" err="1">
+                <a:latin typeface="Times New Roman" panose="02020603050405020304" pitchFamily="18" charset="0"/>
+                <a:cs typeface="Times New Roman" panose="02020603050405020304" pitchFamily="18" charset="0"/>
+              </a:rPr>
+              <a:t>Shots.Target</a:t>
+            </a:r>
+            <a:r>
+              <a:rPr lang="en-US" sz="2000" b="1" dirty="0">
+                <a:latin typeface="Times New Roman" panose="02020603050405020304" pitchFamily="18" charset="0"/>
+                <a:cs typeface="Times New Roman" panose="02020603050405020304" pitchFamily="18" charset="0"/>
+              </a:rPr>
+              <a:t> + </a:t>
+            </a:r>
+            <a:r>
+              <a:rPr lang="en-US" sz="2000" b="1" dirty="0" err="1">
+                <a:latin typeface="Times New Roman" panose="02020603050405020304" pitchFamily="18" charset="0"/>
+                <a:cs typeface="Times New Roman" panose="02020603050405020304" pitchFamily="18" charset="0"/>
+              </a:rPr>
+              <a:t>Pass.Acc</a:t>
+            </a:r>
+            <a:r>
+              <a:rPr lang="en-US" sz="2000" b="1" dirty="0">
+                <a:latin typeface="Times New Roman" panose="02020603050405020304" pitchFamily="18" charset="0"/>
+                <a:cs typeface="Times New Roman" panose="02020603050405020304" pitchFamily="18" charset="0"/>
+              </a:rPr>
+              <a:t> + Possession + Corners + Fouls</a:t>
+            </a:r>
+          </a:p>
+        </p:txBody>
+      </p:sp>
+      <p:grpSp>
+        <p:nvGrpSpPr>
+          <p:cNvPr id="10" name="Group 9"/>
+          <p:cNvGrpSpPr/>
+          <p:nvPr/>
+        </p:nvGrpSpPr>
+        <p:grpSpPr>
+          <a:xfrm>
+            <a:off x="429588" y="1209504"/>
+            <a:ext cx="6877292" cy="5216493"/>
+            <a:chOff x="429588" y="1209504"/>
+            <a:chExt cx="6877292" cy="5216493"/>
+          </a:xfrm>
+        </p:grpSpPr>
+        <p:pic>
+          <p:nvPicPr>
+            <p:cNvPr id="4" name="Picture 3"/>
+            <p:cNvPicPr>
+              <a:picLocks noChangeAspect="1"/>
+            </p:cNvPicPr>
+            <p:nvPr/>
+          </p:nvPicPr>
+          <p:blipFill rotWithShape="1">
+            <a:blip r:embed="rId2"/>
+            <a:srcRect l="30442" t="30127" r="25171" b="10018"/>
+            <a:stretch/>
+          </p:blipFill>
+          <p:spPr>
+            <a:xfrm>
+              <a:off x="429588" y="1209504"/>
+              <a:ext cx="6877292" cy="5216493"/>
+            </a:xfrm>
+            <a:prstGeom prst="rect">
+              <a:avLst/>
+            </a:prstGeom>
+          </p:spPr>
+        </p:pic>
+        <p:sp>
+          <p:nvSpPr>
+            <p:cNvPr id="5" name="Rectangle 4"/>
+            <p:cNvSpPr/>
+            <p:nvPr/>
+          </p:nvSpPr>
+          <p:spPr>
+            <a:xfrm rot="5400000">
+              <a:off x="3966275" y="3966279"/>
+              <a:ext cx="287996" cy="2335794"/>
+            </a:xfrm>
+            <a:prstGeom prst="rect">
+              <a:avLst/>
+            </a:prstGeom>
+            <a:noFill/>
+            <a:ln w="28575">
+              <a:solidFill>
+                <a:srgbClr val="FF0000"/>
+              </a:solidFill>
+            </a:ln>
+          </p:spPr>
+          <p:style>
+            <a:lnRef idx="2">
+              <a:schemeClr val="accent6"/>
+            </a:lnRef>
+            <a:fillRef idx="1">
+              <a:schemeClr val="lt1"/>
+            </a:fillRef>
+            <a:effectRef idx="0">
+              <a:schemeClr val="accent6"/>
+            </a:effectRef>
+            <a:fontRef idx="minor">
+              <a:schemeClr val="dk1"/>
+            </a:fontRef>
+          </p:style>
+          <p:txBody>
+            <a:bodyPr rtlCol="0" anchor="ctr"/>
+            <a:lstStyle/>
+            <a:p>
+              <a:pPr algn="ctr"/>
+              <a:endParaRPr lang="en-US"/>
+            </a:p>
+          </p:txBody>
+        </p:sp>
+        <p:sp>
+          <p:nvSpPr>
+            <p:cNvPr id="8" name="Rectangle 7"/>
+            <p:cNvSpPr/>
+            <p:nvPr/>
+          </p:nvSpPr>
+          <p:spPr>
+            <a:xfrm>
+              <a:off x="4742507" y="2587783"/>
+              <a:ext cx="389299" cy="1520982"/>
+            </a:xfrm>
+            <a:prstGeom prst="rect">
+              <a:avLst/>
+            </a:prstGeom>
+            <a:noFill/>
+            <a:ln w="28575">
+              <a:solidFill>
+                <a:srgbClr val="FF0000"/>
+              </a:solidFill>
+            </a:ln>
+          </p:spPr>
+          <p:style>
+            <a:lnRef idx="2">
+              <a:schemeClr val="accent6"/>
+            </a:lnRef>
+            <a:fillRef idx="1">
+              <a:schemeClr val="lt1"/>
+            </a:fillRef>
+            <a:effectRef idx="0">
+              <a:schemeClr val="accent6"/>
+            </a:effectRef>
+            <a:fontRef idx="minor">
+              <a:schemeClr val="dk1"/>
+            </a:fontRef>
+          </p:style>
+          <p:txBody>
+            <a:bodyPr rtlCol="0" anchor="ctr"/>
+            <a:lstStyle/>
+            <a:p>
+              <a:pPr algn="ctr"/>
+              <a:endParaRPr lang="en-US"/>
+            </a:p>
+          </p:txBody>
+        </p:sp>
+      </p:grpSp>
+      <p:sp>
+        <p:nvSpPr>
+          <p:cNvPr id="9" name="Rectangle 8"/>
+          <p:cNvSpPr/>
+          <p:nvPr/>
+        </p:nvSpPr>
+        <p:spPr>
+          <a:xfrm rot="5400000">
+            <a:off x="4000876" y="3122691"/>
+            <a:ext cx="262551" cy="6166919"/>
+          </a:xfrm>
+          <a:prstGeom prst="rect">
+            <a:avLst/>
+          </a:prstGeom>
+          <a:noFill/>
+          <a:ln w="28575">
+            <a:solidFill>
+              <a:srgbClr val="FF0000"/>
+            </a:solidFill>
+          </a:ln>
+        </p:spPr>
+        <p:style>
+          <a:lnRef idx="2">
+            <a:schemeClr val="accent6"/>
+          </a:lnRef>
+          <a:fillRef idx="1">
+            <a:schemeClr val="lt1"/>
+          </a:fillRef>
+          <a:effectRef idx="0">
+            <a:schemeClr val="accent6"/>
+          </a:effectRef>
+          <a:fontRef idx="minor">
+            <a:schemeClr val="dk1"/>
+          </a:fontRef>
+        </p:style>
+        <p:txBody>
+          <a:bodyPr rtlCol="0" anchor="ctr"/>
+          <a:lstStyle/>
+          <a:p>
+            <a:pPr algn="ctr"/>
+            <a:endParaRPr lang="en-US"/>
+          </a:p>
+        </p:txBody>
+      </p:sp>
+      <p:sp>
+        <p:nvSpPr>
+          <p:cNvPr id="12" name="TextBox 11">
+            <a:extLst>
+              <a:ext uri="{FF2B5EF4-FFF2-40B4-BE49-F238E27FC236}">
+                <a16:creationId xmlns:a16="http://schemas.microsoft.com/office/drawing/2014/main" id="{4F839CDC-E463-4502-8748-827AE781F905}"/>
+              </a:ext>
+            </a:extLst>
+          </p:cNvPr>
+          <p:cNvSpPr txBox="1"/>
+          <p:nvPr/>
+        </p:nvSpPr>
+        <p:spPr>
+          <a:xfrm>
+            <a:off x="7306880" y="2840442"/>
+            <a:ext cx="4503156" cy="1015663"/>
+          </a:xfrm>
+          <a:prstGeom prst="rect">
+            <a:avLst/>
+          </a:prstGeom>
+          <a:noFill/>
+        </p:spPr>
+        <p:txBody>
+          <a:bodyPr wrap="none" rtlCol="0">
+            <a:spAutoFit/>
+          </a:bodyPr>
+          <a:lstStyle/>
+          <a:p>
+            <a:pPr marL="457200" indent="-457200">
+              <a:buFont typeface="Arial" panose="020B0604020202020204" pitchFamily="34" charset="0"/>
+              <a:buChar char="•"/>
+            </a:pPr>
+            <a:r>
+              <a:rPr lang="en-US" sz="2000" dirty="0">
+                <a:latin typeface="Times New Roman" panose="02020603050405020304" pitchFamily="18" charset="0"/>
+                <a:cs typeface="Times New Roman" panose="02020603050405020304" pitchFamily="18" charset="0"/>
+              </a:rPr>
+              <a:t>Statistically significant estimates</a:t>
+            </a:r>
+          </a:p>
+          <a:p>
+            <a:pPr marL="457200" indent="-457200">
+              <a:buFont typeface="Arial" panose="020B0604020202020204" pitchFamily="34" charset="0"/>
+              <a:buChar char="•"/>
+            </a:pPr>
+            <a:r>
+              <a:rPr lang="en-US" sz="2000" dirty="0">
+                <a:latin typeface="Times New Roman" panose="02020603050405020304" pitchFamily="18" charset="0"/>
+                <a:cs typeface="Times New Roman" panose="02020603050405020304" pitchFamily="18" charset="0"/>
+              </a:rPr>
+              <a:t>Adjusted R-Squared can be improved</a:t>
+            </a:r>
+          </a:p>
+          <a:p>
+            <a:pPr marL="457200" indent="-457200">
+              <a:buFont typeface="Arial" panose="020B0604020202020204" pitchFamily="34" charset="0"/>
+              <a:buChar char="•"/>
+            </a:pPr>
+            <a:r>
+              <a:rPr lang="en-US" sz="2000" dirty="0">
+                <a:latin typeface="Times New Roman" panose="02020603050405020304" pitchFamily="18" charset="0"/>
+                <a:cs typeface="Times New Roman" panose="02020603050405020304" pitchFamily="18" charset="0"/>
+              </a:rPr>
+              <a:t>No concern for </a:t>
+            </a:r>
+            <a:r>
+              <a:rPr lang="en-US" sz="2000" dirty="0" err="1">
+                <a:latin typeface="Times New Roman" panose="02020603050405020304" pitchFamily="18" charset="0"/>
+                <a:cs typeface="Times New Roman" panose="02020603050405020304" pitchFamily="18" charset="0"/>
+              </a:rPr>
+              <a:t>multicollinearity</a:t>
+            </a:r>
+            <a:endParaRPr lang="en-US" sz="2000" dirty="0">
+              <a:latin typeface="Times New Roman" panose="02020603050405020304" pitchFamily="18" charset="0"/>
+              <a:cs typeface="Times New Roman" panose="02020603050405020304" pitchFamily="18" charset="0"/>
+            </a:endParaRPr>
+          </a:p>
+        </p:txBody>
+      </p:sp>
+      <p:sp>
+        <p:nvSpPr>
+          <p:cNvPr id="11" name="TextBox 10">
+            <a:extLst>
+              <a:ext uri="{FF2B5EF4-FFF2-40B4-BE49-F238E27FC236}">
+                <a16:creationId xmlns:a16="http://schemas.microsoft.com/office/drawing/2014/main" id="{296EF7E8-B19E-4525-A24E-2C4EC782EF9F}"/>
+              </a:ext>
+            </a:extLst>
+          </p:cNvPr>
+          <p:cNvSpPr txBox="1"/>
+          <p:nvPr/>
+        </p:nvSpPr>
+        <p:spPr>
+          <a:xfrm>
+            <a:off x="11215389" y="80452"/>
+            <a:ext cx="646331" cy="369332"/>
+          </a:xfrm>
+          <a:prstGeom prst="rect">
+            <a:avLst/>
+          </a:prstGeom>
+          <a:noFill/>
+        </p:spPr>
+        <p:txBody>
+          <a:bodyPr wrap="none" rtlCol="0">
+            <a:spAutoFit/>
+          </a:bodyPr>
+          <a:lstStyle/>
+          <a:p>
+            <a:r>
+              <a:rPr lang="en-US" dirty="0">
+                <a:latin typeface="Times New Roman" panose="02020603050405020304" pitchFamily="18" charset="0"/>
+                <a:cs typeface="Times New Roman" panose="02020603050405020304" pitchFamily="18" charset="0"/>
+              </a:rPr>
+              <a:t>Rose</a:t>
+            </a:r>
+          </a:p>
+        </p:txBody>
+      </p:sp>
+      <p:sp>
+        <p:nvSpPr>
+          <p:cNvPr id="6" name="Slide Number Placeholder 5">
+            <a:extLst>
+              <a:ext uri="{FF2B5EF4-FFF2-40B4-BE49-F238E27FC236}">
+                <a16:creationId xmlns:a16="http://schemas.microsoft.com/office/drawing/2014/main" id="{6FA6159A-06FA-4CFE-876B-8E5BE7E74C2A}"/>
+              </a:ext>
+            </a:extLst>
+          </p:cNvPr>
+          <p:cNvSpPr>
+            <a:spLocks noGrp="1"/>
+          </p:cNvSpPr>
+          <p:nvPr>
+            <p:ph type="sldNum" sz="quarter" idx="12"/>
+          </p:nvPr>
+        </p:nvSpPr>
+        <p:spPr/>
+        <p:txBody>
+          <a:bodyPr/>
+          <a:lstStyle/>
+          <a:p>
+            <a:fld id="{B4FB4218-D507-4A96-AB1C-B66AA2771B74}" type="slidenum">
+              <a:rPr lang="en-US" smtClean="0"/>
+              <a:t>20</a:t>
+            </a:fld>
+            <a:endParaRPr lang="en-US"/>
+          </a:p>
+        </p:txBody>
+      </p:sp>
+    </p:spTree>
+    <p:extLst>
+      <p:ext uri="{BB962C8B-B14F-4D97-AF65-F5344CB8AC3E}">
+        <p14:creationId xmlns:p14="http://schemas.microsoft.com/office/powerpoint/2010/main" val="4192136879"/>
+      </p:ext>
+    </p:extLst>
+  </p:cSld>
+  <p:clrMapOvr>
+    <a:masterClrMapping/>
+  </p:clrMapOvr>
+</p:sld>
+</file>
+
+<file path=ppt/slides/slide21.xml><?xml version="1.0" encoding="utf-8"?>
+<p:sld xmlns:a="http://schemas.openxmlformats.org/drawingml/2006/main" xmlns:r="http://schemas.openxmlformats.org/officeDocument/2006/relationships" xmlns:p="http://schemas.openxmlformats.org/presentationml/2006/main">
+  <p:cSld>
+    <p:spTree>
+      <p:nvGrpSpPr>
+        <p:cNvPr id="1" name=""/>
+        <p:cNvGrpSpPr/>
+        <p:nvPr/>
+      </p:nvGrpSpPr>
+      <p:grpSpPr>
+        <a:xfrm>
+          <a:off x="0" y="0"/>
+          <a:ext cx="0" cy="0"/>
+          <a:chOff x="0" y="0"/>
+          <a:chExt cx="0" cy="0"/>
+        </a:xfrm>
+      </p:grpSpPr>
+      <p:cxnSp>
+        <p:nvCxnSpPr>
+          <p:cNvPr id="2" name="Straight Connector 1">
+            <a:extLst>
+              <a:ext uri="{FF2B5EF4-FFF2-40B4-BE49-F238E27FC236}">
                 <a16:creationId xmlns:a16="http://schemas.microsoft.com/office/drawing/2014/main" id="{AC4F71CC-7F86-4E5B-8494-019D67CEEE38}"/>
               </a:ext>
             </a:extLst>
@@ -10439,6 +11142,35 @@
           </a:p>
         </p:txBody>
       </p:sp>
+      <p:sp>
+        <p:nvSpPr>
+          <p:cNvPr id="4" name="Slide Number Placeholder 3">
+            <a:extLst>
+              <a:ext uri="{FF2B5EF4-FFF2-40B4-BE49-F238E27FC236}">
+                <a16:creationId xmlns:a16="http://schemas.microsoft.com/office/drawing/2014/main" id="{D8C84466-E7A1-4992-B032-722AA600AC01}"/>
+              </a:ext>
+            </a:extLst>
+          </p:cNvPr>
+          <p:cNvSpPr>
+            <a:spLocks noGrp="1"/>
+          </p:cNvSpPr>
+          <p:nvPr>
+            <p:ph type="sldNum" sz="quarter" idx="12"/>
+          </p:nvPr>
+        </p:nvSpPr>
+        <p:spPr/>
+        <p:txBody>
+          <a:bodyPr/>
+          <a:lstStyle/>
+          <a:p>
+            <a:fld id="{B4FB4218-D507-4A96-AB1C-B66AA2771B74}" type="slidenum">
+              <a:rPr lang="en-US" smtClean="0"/>
+              <a:t>21</a:t>
+            </a:fld>
+            <a:endParaRPr lang="en-US"/>
+          </a:p>
+        </p:txBody>
+      </p:sp>
     </p:spTree>
     <p:extLst>
       <p:ext uri="{BB962C8B-B14F-4D97-AF65-F5344CB8AC3E}">
@@ -10452,7 +11184,7 @@
 </p:sld>
 </file>
 
-<file path=ppt/slides/slide21.xml><?xml version="1.0" encoding="utf-8"?>
+<file path=ppt/slides/slide22.xml><?xml version="1.0" encoding="utf-8"?>
 <p:sld xmlns:a="http://schemas.openxmlformats.org/drawingml/2006/main" xmlns:r="http://schemas.openxmlformats.org/officeDocument/2006/relationships" xmlns:p="http://schemas.openxmlformats.org/presentationml/2006/main">
   <p:cSld>
     <p:spTree>
@@ -10586,6 +11318,136 @@
           </a:p>
         </p:txBody>
       </p:sp>
+      <p:sp>
+        <p:nvSpPr>
+          <p:cNvPr id="4" name="Slide Number Placeholder 3">
+            <a:extLst>
+              <a:ext uri="{FF2B5EF4-FFF2-40B4-BE49-F238E27FC236}">
+                <a16:creationId xmlns:a16="http://schemas.microsoft.com/office/drawing/2014/main" id="{A2C6C374-36AC-4AC1-B755-127A76259660}"/>
+              </a:ext>
+            </a:extLst>
+          </p:cNvPr>
+          <p:cNvSpPr>
+            <a:spLocks noGrp="1"/>
+          </p:cNvSpPr>
+          <p:nvPr>
+            <p:ph type="sldNum" sz="quarter" idx="12"/>
+          </p:nvPr>
+        </p:nvSpPr>
+        <p:spPr/>
+        <p:txBody>
+          <a:bodyPr/>
+          <a:lstStyle/>
+          <a:p>
+            <a:fld id="{B4FB4218-D507-4A96-AB1C-B66AA2771B74}" type="slidenum">
+              <a:rPr lang="en-US" smtClean="0"/>
+              <a:t>22</a:t>
+            </a:fld>
+            <a:endParaRPr lang="en-US"/>
+          </a:p>
+        </p:txBody>
+      </p:sp>
+      <p:sp>
+        <p:nvSpPr>
+          <p:cNvPr id="7" name="TextBox 6">
+            <a:extLst>
+              <a:ext uri="{FF2B5EF4-FFF2-40B4-BE49-F238E27FC236}">
+                <a16:creationId xmlns:a16="http://schemas.microsoft.com/office/drawing/2014/main" id="{BE8BE599-A983-42AB-9743-C46DC7AEC928}"/>
+              </a:ext>
+            </a:extLst>
+          </p:cNvPr>
+          <p:cNvSpPr txBox="1"/>
+          <p:nvPr/>
+        </p:nvSpPr>
+        <p:spPr>
+          <a:xfrm>
+            <a:off x="439693" y="1506070"/>
+            <a:ext cx="11142708" cy="3046988"/>
+          </a:xfrm>
+          <a:prstGeom prst="rect">
+            <a:avLst/>
+          </a:prstGeom>
+          <a:noFill/>
+        </p:spPr>
+        <p:txBody>
+          <a:bodyPr wrap="square" rtlCol="0">
+            <a:spAutoFit/>
+          </a:bodyPr>
+          <a:lstStyle/>
+          <a:p>
+            <a:pPr marL="285750" indent="-285750">
+              <a:buFont typeface="Arial" panose="020B0604020202020204" pitchFamily="34" charset="0"/>
+              <a:buChar char="•"/>
+            </a:pPr>
+            <a:r>
+              <a:rPr lang="en-US" sz="2400" dirty="0">
+                <a:latin typeface="Times New Roman" panose="02020603050405020304" pitchFamily="18" charset="0"/>
+                <a:cs typeface="Times New Roman" panose="02020603050405020304" pitchFamily="18" charset="0"/>
+              </a:rPr>
+              <a:t>Smart Q1</a:t>
+            </a:r>
+          </a:p>
+          <a:p>
+            <a:pPr marL="285750" indent="-285750">
+              <a:buFont typeface="Arial" panose="020B0604020202020204" pitchFamily="34" charset="0"/>
+              <a:buChar char="•"/>
+            </a:pPr>
+            <a:endParaRPr lang="en-US" sz="2400" dirty="0">
+              <a:latin typeface="Times New Roman" panose="02020603050405020304" pitchFamily="18" charset="0"/>
+              <a:cs typeface="Times New Roman" panose="02020603050405020304" pitchFamily="18" charset="0"/>
+            </a:endParaRPr>
+          </a:p>
+          <a:p>
+            <a:pPr marL="285750" indent="-285750">
+              <a:buFont typeface="Arial" panose="020B0604020202020204" pitchFamily="34" charset="0"/>
+              <a:buChar char="•"/>
+            </a:pPr>
+            <a:r>
+              <a:rPr lang="en-US" sz="2400" dirty="0">
+                <a:latin typeface="Times New Roman" panose="02020603050405020304" pitchFamily="18" charset="0"/>
+                <a:cs typeface="Times New Roman" panose="02020603050405020304" pitchFamily="18" charset="0"/>
+              </a:rPr>
+              <a:t>We are able to predict a match winner based on the match summary statistics with 73% accuracy.</a:t>
+            </a:r>
+          </a:p>
+          <a:p>
+            <a:pPr marL="742950" lvl="1" indent="-285750">
+              <a:buFont typeface="Arial" panose="020B0604020202020204" pitchFamily="34" charset="0"/>
+              <a:buChar char="•"/>
+            </a:pPr>
+            <a:r>
+              <a:rPr lang="en-US" sz="2400" dirty="0">
+                <a:latin typeface="Times New Roman" panose="02020603050405020304" pitchFamily="18" charset="0"/>
+                <a:cs typeface="Times New Roman" panose="02020603050405020304" pitchFamily="18" charset="0"/>
+              </a:rPr>
+              <a:t>Good, but also indicates that there may be other variables better able to predict match outcomes.</a:t>
+            </a:r>
+          </a:p>
+          <a:p>
+            <a:pPr marL="742950" lvl="1" indent="-285750">
+              <a:buFont typeface="Arial" panose="020B0604020202020204" pitchFamily="34" charset="0"/>
+              <a:buChar char="•"/>
+            </a:pPr>
+            <a:endParaRPr lang="en-US" sz="2400" dirty="0">
+              <a:latin typeface="Times New Roman" panose="02020603050405020304" pitchFamily="18" charset="0"/>
+              <a:cs typeface="Times New Roman" panose="02020603050405020304" pitchFamily="18" charset="0"/>
+            </a:endParaRPr>
+          </a:p>
+          <a:p>
+            <a:pPr marL="0" lvl="1" indent="287338">
+              <a:buFont typeface="Arial" panose="020B0604020202020204" pitchFamily="34" charset="0"/>
+              <a:buChar char="•"/>
+            </a:pPr>
+            <a:r>
+              <a:rPr lang="en-US" sz="2400" dirty="0">
+                <a:latin typeface="Times New Roman" panose="02020603050405020304" pitchFamily="18" charset="0"/>
+                <a:cs typeface="Times New Roman" panose="02020603050405020304" pitchFamily="18" charset="0"/>
+              </a:rPr>
+              <a:t>Smart Q3</a:t>
+            </a:r>
+          </a:p>
+        </p:txBody>
+      </p:sp>
     </p:spTree>
     <p:extLst>
       <p:ext uri="{BB962C8B-B14F-4D97-AF65-F5344CB8AC3E}">
@@ -10599,7 +11461,7 @@
 </p:sld>
 </file>
 
-<file path=ppt/slides/slide22.xml><?xml version="1.0" encoding="utf-8"?>
+<file path=ppt/slides/slide23.xml><?xml version="1.0" encoding="utf-8"?>
 <p:sld xmlns:a="http://schemas.openxmlformats.org/drawingml/2006/main" xmlns:r="http://schemas.openxmlformats.org/officeDocument/2006/relationships" xmlns:p="http://schemas.openxmlformats.org/presentationml/2006/main">
   <p:cSld>
     <p:spTree>
@@ -10747,8 +11609,8 @@
         </p:nvSpPr>
         <p:spPr>
           <a:xfrm>
-            <a:off x="806824" y="1604682"/>
-            <a:ext cx="3991542" cy="923330"/>
+            <a:off x="439693" y="1506070"/>
+            <a:ext cx="11142708" cy="2585323"/>
           </a:xfrm>
           <a:prstGeom prst="rect">
             <a:avLst/>
@@ -10756,7 +11618,7 @@
           <a:noFill/>
         </p:spPr>
         <p:txBody>
-          <a:bodyPr wrap="none" rtlCol="0">
+          <a:bodyPr wrap="square" rtlCol="0">
             <a:spAutoFit/>
           </a:bodyPr>
           <a:lstStyle/>
@@ -10766,9 +11628,22 @@
               <a:buChar char="•"/>
             </a:pPr>
             <a:r>
-              <a:rPr lang="en-US" dirty="0"/>
-              <a:t>PCA &amp; PCR</a:t>
+              <a:rPr lang="en-US" sz="2400" dirty="0">
+                <a:latin typeface="Times New Roman" panose="02020603050405020304" pitchFamily="18" charset="0"/>
+                <a:cs typeface="Times New Roman" panose="02020603050405020304" pitchFamily="18" charset="0"/>
+              </a:rPr>
+              <a:t>Apply a multinomial logistic regression model to predict expected goals, treat expected goals as categorical variable rather than continuous value.</a:t>
             </a:r>
+          </a:p>
+          <a:p>
+            <a:pPr marL="285750" indent="-285750">
+              <a:buFont typeface="Arial" panose="020B0604020202020204" pitchFamily="34" charset="0"/>
+              <a:buChar char="•"/>
+            </a:pPr>
+            <a:endParaRPr lang="en-US" sz="2400" dirty="0">
+              <a:latin typeface="Times New Roman" panose="02020603050405020304" pitchFamily="18" charset="0"/>
+              <a:cs typeface="Times New Roman" panose="02020603050405020304" pitchFamily="18" charset="0"/>
+            </a:endParaRPr>
           </a:p>
           <a:p>
             <a:pPr marL="285750" indent="-285750">
@@ -10776,9 +11651,22 @@
               <a:buChar char="•"/>
             </a:pPr>
             <a:r>
-              <a:rPr lang="en-US" dirty="0"/>
-              <a:t>Logistical regression smart question 3</a:t>
+              <a:rPr lang="en-US" sz="2400" dirty="0">
+                <a:latin typeface="Times New Roman" panose="02020603050405020304" pitchFamily="18" charset="0"/>
+                <a:cs typeface="Times New Roman" panose="02020603050405020304" pitchFamily="18" charset="0"/>
+              </a:rPr>
+              <a:t>Uncover patterns in match summary data using PCA &amp; PCR that could help predict expected goals better.</a:t>
             </a:r>
+          </a:p>
+          <a:p>
+            <a:pPr marL="285750" indent="-285750">
+              <a:buFont typeface="Arial" panose="020B0604020202020204" pitchFamily="34" charset="0"/>
+              <a:buChar char="•"/>
+            </a:pPr>
+            <a:endParaRPr lang="en-US" sz="2400" dirty="0">
+              <a:latin typeface="Times New Roman" panose="02020603050405020304" pitchFamily="18" charset="0"/>
+              <a:cs typeface="Times New Roman" panose="02020603050405020304" pitchFamily="18" charset="0"/>
+            </a:endParaRPr>
           </a:p>
           <a:p>
             <a:pPr marL="285750" indent="-285750">
@@ -10786,6 +11674,35 @@
               <a:buChar char="•"/>
             </a:pPr>
             <a:endParaRPr lang="en-US" dirty="0"/>
+          </a:p>
+        </p:txBody>
+      </p:sp>
+      <p:sp>
+        <p:nvSpPr>
+          <p:cNvPr id="6" name="Slide Number Placeholder 5">
+            <a:extLst>
+              <a:ext uri="{FF2B5EF4-FFF2-40B4-BE49-F238E27FC236}">
+                <a16:creationId xmlns:a16="http://schemas.microsoft.com/office/drawing/2014/main" id="{A390E0CC-D576-48B4-9DB4-06AE6C42C796}"/>
+              </a:ext>
+            </a:extLst>
+          </p:cNvPr>
+          <p:cNvSpPr>
+            <a:spLocks noGrp="1"/>
+          </p:cNvSpPr>
+          <p:nvPr>
+            <p:ph type="sldNum" sz="quarter" idx="12"/>
+          </p:nvPr>
+        </p:nvSpPr>
+        <p:spPr/>
+        <p:txBody>
+          <a:bodyPr/>
+          <a:lstStyle/>
+          <a:p>
+            <a:fld id="{B4FB4218-D507-4A96-AB1C-B66AA2771B74}" type="slidenum">
+              <a:rPr lang="en-US" smtClean="0"/>
+              <a:t>23</a:t>
+            </a:fld>
+            <a:endParaRPr lang="en-US"/>
           </a:p>
         </p:txBody>
       </p:sp>
@@ -10802,7 +11719,7 @@
 </p:sld>
 </file>
 
-<file path=ppt/slides/slide23.xml><?xml version="1.0" encoding="utf-8"?>
+<file path=ppt/slides/slide24.xml><?xml version="1.0" encoding="utf-8"?>
 <p:sld xmlns:a="http://schemas.openxmlformats.org/drawingml/2006/main" xmlns:r="http://schemas.openxmlformats.org/officeDocument/2006/relationships" xmlns:p="http://schemas.openxmlformats.org/presentationml/2006/main">
   <p:cSld>
     <p:spTree>
@@ -12703,6 +13620,35 @@
               </a:rPr>
               <a:t>Questions?</a:t>
             </a:r>
+          </a:p>
+        </p:txBody>
+      </p:sp>
+      <p:sp>
+        <p:nvSpPr>
+          <p:cNvPr id="15" name="Slide Number Placeholder 14">
+            <a:extLst>
+              <a:ext uri="{FF2B5EF4-FFF2-40B4-BE49-F238E27FC236}">
+                <a16:creationId xmlns:a16="http://schemas.microsoft.com/office/drawing/2014/main" id="{9B8A62BC-01F5-440F-ABBD-FFE2ED9FE843}"/>
+              </a:ext>
+            </a:extLst>
+          </p:cNvPr>
+          <p:cNvSpPr>
+            <a:spLocks noGrp="1"/>
+          </p:cNvSpPr>
+          <p:nvPr>
+            <p:ph type="sldNum" sz="quarter" idx="12"/>
+          </p:nvPr>
+        </p:nvSpPr>
+        <p:spPr/>
+        <p:txBody>
+          <a:bodyPr/>
+          <a:lstStyle/>
+          <a:p>
+            <a:fld id="{B4FB4218-D507-4A96-AB1C-B66AA2771B74}" type="slidenum">
+              <a:rPr lang="en-US" smtClean="0"/>
+              <a:t>24</a:t>
+            </a:fld>
+            <a:endParaRPr lang="en-US"/>
           </a:p>
         </p:txBody>
       </p:sp>
@@ -14893,6 +15839,35 @@
           </a:p>
         </p:txBody>
       </p:sp>
+      <p:sp>
+        <p:nvSpPr>
+          <p:cNvPr id="2" name="Slide Number Placeholder 1">
+            <a:extLst>
+              <a:ext uri="{FF2B5EF4-FFF2-40B4-BE49-F238E27FC236}">
+                <a16:creationId xmlns:a16="http://schemas.microsoft.com/office/drawing/2014/main" id="{059FB86C-4591-4A75-AFA1-EB5F86600486}"/>
+              </a:ext>
+            </a:extLst>
+          </p:cNvPr>
+          <p:cNvSpPr>
+            <a:spLocks noGrp="1"/>
+          </p:cNvSpPr>
+          <p:nvPr>
+            <p:ph type="sldNum" sz="quarter" idx="12"/>
+          </p:nvPr>
+        </p:nvSpPr>
+        <p:spPr/>
+        <p:txBody>
+          <a:bodyPr/>
+          <a:lstStyle/>
+          <a:p>
+            <a:fld id="{B4FB4218-D507-4A96-AB1C-B66AA2771B74}" type="slidenum">
+              <a:rPr lang="en-US" smtClean="0"/>
+              <a:t>3</a:t>
+            </a:fld>
+            <a:endParaRPr lang="en-US"/>
+          </a:p>
+        </p:txBody>
+      </p:sp>
     </p:spTree>
     <p:extLst>
       <p:ext uri="{BB962C8B-B14F-4D97-AF65-F5344CB8AC3E}">
@@ -16951,6 +17926,35 @@
           </a:p>
         </p:txBody>
       </p:sp>
+      <p:sp>
+        <p:nvSpPr>
+          <p:cNvPr id="3" name="Slide Number Placeholder 2">
+            <a:extLst>
+              <a:ext uri="{FF2B5EF4-FFF2-40B4-BE49-F238E27FC236}">
+                <a16:creationId xmlns:a16="http://schemas.microsoft.com/office/drawing/2014/main" id="{456265BB-7B88-4F32-B42D-41004F1E7C0D}"/>
+              </a:ext>
+            </a:extLst>
+          </p:cNvPr>
+          <p:cNvSpPr>
+            <a:spLocks noGrp="1"/>
+          </p:cNvSpPr>
+          <p:nvPr>
+            <p:ph type="sldNum" sz="quarter" idx="12"/>
+          </p:nvPr>
+        </p:nvSpPr>
+        <p:spPr/>
+        <p:txBody>
+          <a:bodyPr/>
+          <a:lstStyle/>
+          <a:p>
+            <a:fld id="{B4FB4218-D507-4A96-AB1C-B66AA2771B74}" type="slidenum">
+              <a:rPr lang="en-US" smtClean="0"/>
+              <a:t>4</a:t>
+            </a:fld>
+            <a:endParaRPr lang="en-US"/>
+          </a:p>
+        </p:txBody>
+      </p:sp>
     </p:spTree>
     <p:extLst>
       <p:ext uri="{BB962C8B-B14F-4D97-AF65-F5344CB8AC3E}">
@@ -17218,6 +18222,35 @@
           </a:p>
         </p:txBody>
       </p:sp>
+      <p:sp>
+        <p:nvSpPr>
+          <p:cNvPr id="4" name="Slide Number Placeholder 3">
+            <a:extLst>
+              <a:ext uri="{FF2B5EF4-FFF2-40B4-BE49-F238E27FC236}">
+                <a16:creationId xmlns:a16="http://schemas.microsoft.com/office/drawing/2014/main" id="{0627437A-39D4-4B71-8862-6307CF871855}"/>
+              </a:ext>
+            </a:extLst>
+          </p:cNvPr>
+          <p:cNvSpPr>
+            <a:spLocks noGrp="1"/>
+          </p:cNvSpPr>
+          <p:nvPr>
+            <p:ph type="sldNum" sz="quarter" idx="12"/>
+          </p:nvPr>
+        </p:nvSpPr>
+        <p:spPr/>
+        <p:txBody>
+          <a:bodyPr/>
+          <a:lstStyle/>
+          <a:p>
+            <a:fld id="{B4FB4218-D507-4A96-AB1C-B66AA2771B74}" type="slidenum">
+              <a:rPr lang="en-US" smtClean="0"/>
+              <a:t>5</a:t>
+            </a:fld>
+            <a:endParaRPr lang="en-US"/>
+          </a:p>
+        </p:txBody>
+      </p:sp>
     </p:spTree>
     <p:extLst>
       <p:ext uri="{BB962C8B-B14F-4D97-AF65-F5344CB8AC3E}">
@@ -17404,6 +18437,35 @@
           </a:p>
         </p:txBody>
       </p:sp>
+      <p:sp>
+        <p:nvSpPr>
+          <p:cNvPr id="6" name="Slide Number Placeholder 5">
+            <a:extLst>
+              <a:ext uri="{FF2B5EF4-FFF2-40B4-BE49-F238E27FC236}">
+                <a16:creationId xmlns:a16="http://schemas.microsoft.com/office/drawing/2014/main" id="{071B7041-F83F-4368-A269-876983F7A485}"/>
+              </a:ext>
+            </a:extLst>
+          </p:cNvPr>
+          <p:cNvSpPr>
+            <a:spLocks noGrp="1"/>
+          </p:cNvSpPr>
+          <p:nvPr>
+            <p:ph type="sldNum" sz="quarter" idx="12"/>
+          </p:nvPr>
+        </p:nvSpPr>
+        <p:spPr/>
+        <p:txBody>
+          <a:bodyPr/>
+          <a:lstStyle/>
+          <a:p>
+            <a:fld id="{B4FB4218-D507-4A96-AB1C-B66AA2771B74}" type="slidenum">
+              <a:rPr lang="en-US" smtClean="0"/>
+              <a:t>6</a:t>
+            </a:fld>
+            <a:endParaRPr lang="en-US"/>
+          </a:p>
+        </p:txBody>
+      </p:sp>
     </p:spTree>
     <p:extLst>
       <p:ext uri="{BB962C8B-B14F-4D97-AF65-F5344CB8AC3E}">
@@ -17414,138 +18476,6 @@
   <p:clrMapOvr>
     <a:masterClrMapping/>
   </p:clrMapOvr>
-  <p:timing>
-    <p:tnLst>
-      <p:par>
-        <p:cTn id="1" dur="indefinite" restart="never" nodeType="tmRoot">
-          <p:childTnLst>
-            <p:seq concurrent="1" nextAc="seek">
-              <p:cTn id="2" dur="indefinite" nodeType="mainSeq">
-                <p:childTnLst>
-                  <p:par>
-                    <p:cTn id="3" fill="hold">
-                      <p:stCondLst>
-                        <p:cond delay="indefinite"/>
-                      </p:stCondLst>
-                      <p:childTnLst>
-                        <p:par>
-                          <p:cTn id="4" fill="hold">
-                            <p:stCondLst>
-                              <p:cond delay="0"/>
-                            </p:stCondLst>
-                            <p:childTnLst>
-                              <p:par>
-                                <p:cTn id="5" presetID="42" presetClass="entr" presetSubtype="0" fill="hold" grpId="0" nodeType="clickEffect">
-                                  <p:stCondLst>
-                                    <p:cond delay="0"/>
-                                  </p:stCondLst>
-                                  <p:childTnLst>
-                                    <p:set>
-                                      <p:cBhvr>
-                                        <p:cTn id="6" dur="1" fill="hold">
-                                          <p:stCondLst>
-                                            <p:cond delay="0"/>
-                                          </p:stCondLst>
-                                        </p:cTn>
-                                        <p:tgtEl>
-                                          <p:spTgt spid="2"/>
-                                        </p:tgtEl>
-                                        <p:attrNameLst>
-                                          <p:attrName>style.visibility</p:attrName>
-                                        </p:attrNameLst>
-                                      </p:cBhvr>
-                                      <p:to>
-                                        <p:strVal val="visible"/>
-                                      </p:to>
-                                    </p:set>
-                                    <p:animEffect transition="in" filter="fade">
-                                      <p:cBhvr>
-                                        <p:cTn id="7" dur="1000"/>
-                                        <p:tgtEl>
-                                          <p:spTgt spid="2"/>
-                                        </p:tgtEl>
-                                      </p:cBhvr>
-                                    </p:animEffect>
-                                    <p:anim calcmode="lin" valueType="num">
-                                      <p:cBhvr>
-                                        <p:cTn id="8" dur="1000" fill="hold"/>
-                                        <p:tgtEl>
-                                          <p:spTgt spid="2"/>
-                                        </p:tgtEl>
-                                        <p:attrNameLst>
-                                          <p:attrName>ppt_x</p:attrName>
-                                        </p:attrNameLst>
-                                      </p:cBhvr>
-                                      <p:tavLst>
-                                        <p:tav tm="0">
-                                          <p:val>
-                                            <p:strVal val="#ppt_x"/>
-                                          </p:val>
-                                        </p:tav>
-                                        <p:tav tm="100000">
-                                          <p:val>
-                                            <p:strVal val="#ppt_x"/>
-                                          </p:val>
-                                        </p:tav>
-                                      </p:tavLst>
-                                    </p:anim>
-                                    <p:anim calcmode="lin" valueType="num">
-                                      <p:cBhvr>
-                                        <p:cTn id="9" dur="1000" fill="hold"/>
-                                        <p:tgtEl>
-                                          <p:spTgt spid="2"/>
-                                        </p:tgtEl>
-                                        <p:attrNameLst>
-                                          <p:attrName>ppt_y</p:attrName>
-                                        </p:attrNameLst>
-                                      </p:cBhvr>
-                                      <p:tavLst>
-                                        <p:tav tm="0">
-                                          <p:val>
-                                            <p:strVal val="#ppt_y+.1"/>
-                                          </p:val>
-                                        </p:tav>
-                                        <p:tav tm="100000">
-                                          <p:val>
-                                            <p:strVal val="#ppt_y"/>
-                                          </p:val>
-                                        </p:tav>
-                                      </p:tavLst>
-                                    </p:anim>
-                                  </p:childTnLst>
-                                </p:cTn>
-                              </p:par>
-                            </p:childTnLst>
-                          </p:cTn>
-                        </p:par>
-                      </p:childTnLst>
-                    </p:cTn>
-                  </p:par>
-                </p:childTnLst>
-              </p:cTn>
-              <p:prevCondLst>
-                <p:cond evt="onPrev" delay="0">
-                  <p:tgtEl>
-                    <p:sldTgt/>
-                  </p:tgtEl>
-                </p:cond>
-              </p:prevCondLst>
-              <p:nextCondLst>
-                <p:cond evt="onNext" delay="0">
-                  <p:tgtEl>
-                    <p:sldTgt/>
-                  </p:tgtEl>
-                </p:cond>
-              </p:nextCondLst>
-            </p:seq>
-          </p:childTnLst>
-        </p:cTn>
-      </p:par>
-    </p:tnLst>
-    <p:bldLst>
-      <p:bldP spid="2" grpId="0"/>
-    </p:bldLst>
-  </p:timing>
 </p:sld>
 </file>
 
@@ -18028,6 +18958,35 @@
               </a:rPr>
               <a:t>Daniel</a:t>
             </a:r>
+          </a:p>
+        </p:txBody>
+      </p:sp>
+      <p:sp>
+        <p:nvSpPr>
+          <p:cNvPr id="4" name="Slide Number Placeholder 3">
+            <a:extLst>
+              <a:ext uri="{FF2B5EF4-FFF2-40B4-BE49-F238E27FC236}">
+                <a16:creationId xmlns:a16="http://schemas.microsoft.com/office/drawing/2014/main" id="{74D7F8F2-47DA-45DB-AD93-6440A43A1DBE}"/>
+              </a:ext>
+            </a:extLst>
+          </p:cNvPr>
+          <p:cNvSpPr>
+            <a:spLocks noGrp="1"/>
+          </p:cNvSpPr>
+          <p:nvPr>
+            <p:ph type="sldNum" sz="quarter" idx="12"/>
+          </p:nvPr>
+        </p:nvSpPr>
+        <p:spPr/>
+        <p:txBody>
+          <a:bodyPr/>
+          <a:lstStyle/>
+          <a:p>
+            <a:fld id="{B4FB4218-D507-4A96-AB1C-B66AA2771B74}" type="slidenum">
+              <a:rPr lang="en-US" smtClean="0"/>
+              <a:t>7</a:t>
+            </a:fld>
+            <a:endParaRPr lang="en-US"/>
           </a:p>
         </p:txBody>
       </p:sp>
@@ -21133,6 +22092,35 @@
           </a:p>
         </p:txBody>
       </p:sp>
+      <p:sp>
+        <p:nvSpPr>
+          <p:cNvPr id="4" name="Slide Number Placeholder 3">
+            <a:extLst>
+              <a:ext uri="{FF2B5EF4-FFF2-40B4-BE49-F238E27FC236}">
+                <a16:creationId xmlns:a16="http://schemas.microsoft.com/office/drawing/2014/main" id="{1380C177-1018-4362-9F4A-A654196559C4}"/>
+              </a:ext>
+            </a:extLst>
+          </p:cNvPr>
+          <p:cNvSpPr>
+            <a:spLocks noGrp="1"/>
+          </p:cNvSpPr>
+          <p:nvPr>
+            <p:ph type="sldNum" sz="quarter" idx="12"/>
+          </p:nvPr>
+        </p:nvSpPr>
+        <p:spPr/>
+        <p:txBody>
+          <a:bodyPr/>
+          <a:lstStyle/>
+          <a:p>
+            <a:fld id="{B4FB4218-D507-4A96-AB1C-B66AA2771B74}" type="slidenum">
+              <a:rPr lang="en-US" smtClean="0"/>
+              <a:t>8</a:t>
+            </a:fld>
+            <a:endParaRPr lang="en-US"/>
+          </a:p>
+        </p:txBody>
+      </p:sp>
     </p:spTree>
     <p:extLst>
       <p:ext uri="{BB962C8B-B14F-4D97-AF65-F5344CB8AC3E}">
@@ -22102,6 +23090,35 @@
           </a:p>
         </p:txBody>
       </p:sp>
+      <p:sp>
+        <p:nvSpPr>
+          <p:cNvPr id="4" name="Slide Number Placeholder 3">
+            <a:extLst>
+              <a:ext uri="{FF2B5EF4-FFF2-40B4-BE49-F238E27FC236}">
+                <a16:creationId xmlns:a16="http://schemas.microsoft.com/office/drawing/2014/main" id="{863D1FAA-345D-4F65-809D-573A1E4F4961}"/>
+              </a:ext>
+            </a:extLst>
+          </p:cNvPr>
+          <p:cNvSpPr>
+            <a:spLocks noGrp="1"/>
+          </p:cNvSpPr>
+          <p:nvPr>
+            <p:ph type="sldNum" sz="quarter" idx="12"/>
+          </p:nvPr>
+        </p:nvSpPr>
+        <p:spPr/>
+        <p:txBody>
+          <a:bodyPr/>
+          <a:lstStyle/>
+          <a:p>
+            <a:fld id="{B4FB4218-D507-4A96-AB1C-B66AA2771B74}" type="slidenum">
+              <a:rPr lang="en-US" smtClean="0"/>
+              <a:t>9</a:t>
+            </a:fld>
+            <a:endParaRPr lang="en-US"/>
+          </a:p>
+        </p:txBody>
+      </p:sp>
     </p:spTree>
     <p:extLst>
       <p:ext uri="{BB962C8B-B14F-4D97-AF65-F5344CB8AC3E}">
@@ -22408,4 +23425,299 @@
     </a:ext>
   </a:extLst>
 </a:theme>
+</file>
+
+<file path=ppt/theme/theme2.xml><?xml version="1.0" encoding="utf-8"?>
+<a:theme xmlns:a="http://schemas.openxmlformats.org/drawingml/2006/main" name="Office Theme">
+  <a:themeElements>
+    <a:clrScheme name="Office">
+      <a:dk1>
+        <a:sysClr val="windowText" lastClr="000000"/>
+      </a:dk1>
+      <a:lt1>
+        <a:sysClr val="window" lastClr="FFFFFF"/>
+      </a:lt1>
+      <a:dk2>
+        <a:srgbClr val="44546A"/>
+      </a:dk2>
+      <a:lt2>
+        <a:srgbClr val="E7E6E6"/>
+      </a:lt2>
+      <a:accent1>
+        <a:srgbClr val="4472C4"/>
+      </a:accent1>
+      <a:accent2>
+        <a:srgbClr val="ED7D31"/>
+      </a:accent2>
+      <a:accent3>
+        <a:srgbClr val="A5A5A5"/>
+      </a:accent3>
+      <a:accent4>
+        <a:srgbClr val="FFC000"/>
+      </a:accent4>
+      <a:accent5>
+        <a:srgbClr val="5B9BD5"/>
+      </a:accent5>
+      <a:accent6>
+        <a:srgbClr val="70AD47"/>
+      </a:accent6>
+      <a:hlink>
+        <a:srgbClr val="0563C1"/>
+      </a:hlink>
+      <a:folHlink>
+        <a:srgbClr val="954F72"/>
+      </a:folHlink>
+    </a:clrScheme>
+    <a:fontScheme name="Office">
+      <a:majorFont>
+        <a:latin typeface="Calibri Light" panose="020F0302020204030204"/>
+        <a:ea typeface=""/>
+        <a:cs typeface=""/>
+        <a:font script="Jpan" typeface="游ゴシック Light"/>
+        <a:font script="Hang" typeface="맑은 고딕"/>
+        <a:font script="Hans" typeface="等线 Light"/>
+        <a:font script="Hant" typeface="新細明體"/>
+        <a:font script="Arab" typeface="Times New Roman"/>
+        <a:font script="Hebr" typeface="Times New Roman"/>
+        <a:font script="Thai" typeface="Angsana New"/>
+        <a:font script="Ethi" typeface="Nyala"/>
+        <a:font script="Beng" typeface="Vrinda"/>
+        <a:font script="Gujr" typeface="Shruti"/>
+        <a:font script="Khmr" typeface="MoolBoran"/>
+        <a:font script="Knda" typeface="Tunga"/>
+        <a:font script="Guru" typeface="Raavi"/>
+        <a:font script="Cans" typeface="Euphemia"/>
+        <a:font script="Cher" typeface="Plantagenet Cherokee"/>
+        <a:font script="Yiii" typeface="Microsoft Yi Baiti"/>
+        <a:font script="Tibt" typeface="Microsoft Himalaya"/>
+        <a:font script="Thaa" typeface="MV Boli"/>
+        <a:font script="Deva" typeface="Mangal"/>
+        <a:font script="Telu" typeface="Gautami"/>
+        <a:font script="Taml" typeface="Latha"/>
+        <a:font script="Syrc" typeface="Estrangelo Edessa"/>
+        <a:font script="Orya" typeface="Kalinga"/>
+        <a:font script="Mlym" typeface="Kartika"/>
+        <a:font script="Laoo" typeface="DokChampa"/>
+        <a:font script="Sinh" typeface="Iskoola Pota"/>
+        <a:font script="Mong" typeface="Mongolian Baiti"/>
+        <a:font script="Viet" typeface="Times New Roman"/>
+        <a:font script="Uigh" typeface="Microsoft Uighur"/>
+        <a:font script="Geor" typeface="Sylfaen"/>
+        <a:font script="Armn" typeface="Arial"/>
+        <a:font script="Bugi" typeface="Leelawadee UI"/>
+        <a:font script="Bopo" typeface="Microsoft JhengHei"/>
+        <a:font script="Java" typeface="Javanese Text"/>
+        <a:font script="Lisu" typeface="Segoe UI"/>
+        <a:font script="Mymr" typeface="Myanmar Text"/>
+        <a:font script="Nkoo" typeface="Ebrima"/>
+        <a:font script="Olck" typeface="Nirmala UI"/>
+        <a:font script="Osma" typeface="Ebrima"/>
+        <a:font script="Phag" typeface="Phagspa"/>
+        <a:font script="Syrn" typeface="Estrangelo Edessa"/>
+        <a:font script="Syrj" typeface="Estrangelo Edessa"/>
+        <a:font script="Syre" typeface="Estrangelo Edessa"/>
+        <a:font script="Sora" typeface="Nirmala UI"/>
+        <a:font script="Tale" typeface="Microsoft Tai Le"/>
+        <a:font script="Talu" typeface="Microsoft New Tai Lue"/>
+        <a:font script="Tfng" typeface="Ebrima"/>
+      </a:majorFont>
+      <a:minorFont>
+        <a:latin typeface="Calibri" panose="020F0502020204030204"/>
+        <a:ea typeface=""/>
+        <a:cs typeface=""/>
+        <a:font script="Jpan" typeface="游ゴシック"/>
+        <a:font script="Hang" typeface="맑은 고딕"/>
+        <a:font script="Hans" typeface="等线"/>
+        <a:font script="Hant" typeface="新細明體"/>
+        <a:font script="Arab" typeface="Arial"/>
+        <a:font script="Hebr" typeface="Arial"/>
+        <a:font script="Thai" typeface="Cordia New"/>
+        <a:font script="Ethi" typeface="Nyala"/>
+        <a:font script="Beng" typeface="Vrinda"/>
+        <a:font script="Gujr" typeface="Shruti"/>
+        <a:font script="Khmr" typeface="DaunPenh"/>
+        <a:font script="Knda" typeface="Tunga"/>
+        <a:font script="Guru" typeface="Raavi"/>
+        <a:font script="Cans" typeface="Euphemia"/>
+        <a:font script="Cher" typeface="Plantagenet Cherokee"/>
+        <a:font script="Yiii" typeface="Microsoft Yi Baiti"/>
+        <a:font script="Tibt" typeface="Microsoft Himalaya"/>
+        <a:font script="Thaa" typeface="MV Boli"/>
+        <a:font script="Deva" typeface="Mangal"/>
+        <a:font script="Telu" typeface="Gautami"/>
+        <a:font script="Taml" typeface="Latha"/>
+        <a:font script="Syrc" typeface="Estrangelo Edessa"/>
+        <a:font script="Orya" typeface="Kalinga"/>
+        <a:font script="Mlym" typeface="Kartika"/>
+        <a:font script="Laoo" typeface="DokChampa"/>
+        <a:font script="Sinh" typeface="Iskoola Pota"/>
+        <a:font script="Mong" typeface="Mongolian Baiti"/>
+        <a:font script="Viet" typeface="Arial"/>
+        <a:font script="Uigh" typeface="Microsoft Uighur"/>
+        <a:font script="Geor" typeface="Sylfaen"/>
+        <a:font script="Armn" typeface="Arial"/>
+        <a:font script="Bugi" typeface="Leelawadee UI"/>
+        <a:font script="Bopo" typeface="Microsoft JhengHei"/>
+        <a:font script="Java" typeface="Javanese Text"/>
+        <a:font script="Lisu" typeface="Segoe UI"/>
+        <a:font script="Mymr" typeface="Myanmar Text"/>
+        <a:font script="Nkoo" typeface="Ebrima"/>
+        <a:font script="Olck" typeface="Nirmala UI"/>
+        <a:font script="Osma" typeface="Ebrima"/>
+        <a:font script="Phag" typeface="Phagspa"/>
+        <a:font script="Syrn" typeface="Estrangelo Edessa"/>
+        <a:font script="Syrj" typeface="Estrangelo Edessa"/>
+        <a:font script="Syre" typeface="Estrangelo Edessa"/>
+        <a:font script="Sora" typeface="Nirmala UI"/>
+        <a:font script="Tale" typeface="Microsoft Tai Le"/>
+        <a:font script="Talu" typeface="Microsoft New Tai Lue"/>
+        <a:font script="Tfng" typeface="Ebrima"/>
+      </a:minorFont>
+    </a:fontScheme>
+    <a:fmtScheme name="Office">
+      <a:fillStyleLst>
+        <a:solidFill>
+          <a:schemeClr val="phClr"/>
+        </a:solidFill>
+        <a:gradFill rotWithShape="1">
+          <a:gsLst>
+            <a:gs pos="0">
+              <a:schemeClr val="phClr">
+                <a:lumMod val="110000"/>
+                <a:satMod val="105000"/>
+                <a:tint val="67000"/>
+              </a:schemeClr>
+            </a:gs>
+            <a:gs pos="50000">
+              <a:schemeClr val="phClr">
+                <a:lumMod val="105000"/>
+                <a:satMod val="103000"/>
+                <a:tint val="73000"/>
+              </a:schemeClr>
+            </a:gs>
+            <a:gs pos="100000">
+              <a:schemeClr val="phClr">
+                <a:lumMod val="105000"/>
+                <a:satMod val="109000"/>
+                <a:tint val="81000"/>
+              </a:schemeClr>
+            </a:gs>
+          </a:gsLst>
+          <a:lin ang="5400000" scaled="0"/>
+        </a:gradFill>
+        <a:gradFill rotWithShape="1">
+          <a:gsLst>
+            <a:gs pos="0">
+              <a:schemeClr val="phClr">
+                <a:satMod val="103000"/>
+                <a:lumMod val="102000"/>
+                <a:tint val="94000"/>
+              </a:schemeClr>
+            </a:gs>
+            <a:gs pos="50000">
+              <a:schemeClr val="phClr">
+                <a:satMod val="110000"/>
+                <a:lumMod val="100000"/>
+                <a:shade val="100000"/>
+              </a:schemeClr>
+            </a:gs>
+            <a:gs pos="100000">
+              <a:schemeClr val="phClr">
+                <a:lumMod val="99000"/>
+                <a:satMod val="120000"/>
+                <a:shade val="78000"/>
+              </a:schemeClr>
+            </a:gs>
+          </a:gsLst>
+          <a:lin ang="5400000" scaled="0"/>
+        </a:gradFill>
+      </a:fillStyleLst>
+      <a:lnStyleLst>
+        <a:ln w="6350" cap="flat" cmpd="sng" algn="ctr">
+          <a:solidFill>
+            <a:schemeClr val="phClr"/>
+          </a:solidFill>
+          <a:prstDash val="solid"/>
+          <a:miter lim="800000"/>
+        </a:ln>
+        <a:ln w="12700" cap="flat" cmpd="sng" algn="ctr">
+          <a:solidFill>
+            <a:schemeClr val="phClr"/>
+          </a:solidFill>
+          <a:prstDash val="solid"/>
+          <a:miter lim="800000"/>
+        </a:ln>
+        <a:ln w="19050" cap="flat" cmpd="sng" algn="ctr">
+          <a:solidFill>
+            <a:schemeClr val="phClr"/>
+          </a:solidFill>
+          <a:prstDash val="solid"/>
+          <a:miter lim="800000"/>
+        </a:ln>
+      </a:lnStyleLst>
+      <a:effectStyleLst>
+        <a:effectStyle>
+          <a:effectLst/>
+        </a:effectStyle>
+        <a:effectStyle>
+          <a:effectLst/>
+        </a:effectStyle>
+        <a:effectStyle>
+          <a:effectLst>
+            <a:outerShdw blurRad="57150" dist="19050" dir="5400000" algn="ctr" rotWithShape="0">
+              <a:srgbClr val="000000">
+                <a:alpha val="63000"/>
+              </a:srgbClr>
+            </a:outerShdw>
+          </a:effectLst>
+        </a:effectStyle>
+      </a:effectStyleLst>
+      <a:bgFillStyleLst>
+        <a:solidFill>
+          <a:schemeClr val="phClr"/>
+        </a:solidFill>
+        <a:solidFill>
+          <a:schemeClr val="phClr">
+            <a:tint val="95000"/>
+            <a:satMod val="170000"/>
+          </a:schemeClr>
+        </a:solidFill>
+        <a:gradFill rotWithShape="1">
+          <a:gsLst>
+            <a:gs pos="0">
+              <a:schemeClr val="phClr">
+                <a:tint val="93000"/>
+                <a:satMod val="150000"/>
+                <a:shade val="98000"/>
+                <a:lumMod val="102000"/>
+              </a:schemeClr>
+            </a:gs>
+            <a:gs pos="50000">
+              <a:schemeClr val="phClr">
+                <a:tint val="98000"/>
+                <a:satMod val="130000"/>
+                <a:shade val="90000"/>
+                <a:lumMod val="103000"/>
+              </a:schemeClr>
+            </a:gs>
+            <a:gs pos="100000">
+              <a:schemeClr val="phClr">
+                <a:shade val="63000"/>
+                <a:satMod val="120000"/>
+              </a:schemeClr>
+            </a:gs>
+          </a:gsLst>
+          <a:lin ang="5400000" scaled="0"/>
+        </a:gradFill>
+      </a:bgFillStyleLst>
+    </a:fmtScheme>
+  </a:themeElements>
+  <a:objectDefaults/>
+  <a:extraClrSchemeLst/>
+  <a:extLst>
+    <a:ext uri="{05A4C25C-085E-4340-85A3-A5531E510DB2}">
+      <thm15:themeFamily xmlns:thm15="http://schemas.microsoft.com/office/thememl/2012/main" name="Office Theme" id="{62F939B6-93AF-4DB8-9C6B-D6C7DFDC589F}" vid="{4A3C46E8-61CC-4603-A589-7422A47A8E4A}"/>
+    </a:ext>
+  </a:extLst>
+</a:theme>
 </file>
--- a/final_project/T2_final_project.pptx
+++ b/final_project/T2_final_project.pptx
@@ -8236,6 +8236,111 @@
   <p:clrMapOvr>
     <a:masterClrMapping/>
   </p:clrMapOvr>
+  <p:timing>
+    <p:tnLst>
+      <p:par>
+        <p:cTn id="1" dur="indefinite" restart="never" nodeType="tmRoot">
+          <p:childTnLst>
+            <p:seq concurrent="1" nextAc="seek">
+              <p:cTn id="2" dur="indefinite" nodeType="mainSeq">
+                <p:childTnLst>
+                  <p:par>
+                    <p:cTn id="3" fill="hold">
+                      <p:stCondLst>
+                        <p:cond delay="indefinite"/>
+                      </p:stCondLst>
+                      <p:childTnLst>
+                        <p:par>
+                          <p:cTn id="4" fill="hold">
+                            <p:stCondLst>
+                              <p:cond delay="0"/>
+                            </p:stCondLst>
+                            <p:childTnLst>
+                              <p:par>
+                                <p:cTn id="5" presetID="1" presetClass="entr" presetSubtype="0" fill="hold" nodeType="clickEffect">
+                                  <p:stCondLst>
+                                    <p:cond delay="0"/>
+                                  </p:stCondLst>
+                                  <p:childTnLst>
+                                    <p:set>
+                                      <p:cBhvr>
+                                        <p:cTn id="6" dur="1" fill="hold">
+                                          <p:stCondLst>
+                                            <p:cond delay="0"/>
+                                          </p:stCondLst>
+                                        </p:cTn>
+                                        <p:tgtEl>
+                                          <p:spTgt spid="10"/>
+                                        </p:tgtEl>
+                                        <p:attrNameLst>
+                                          <p:attrName>style.visibility</p:attrName>
+                                        </p:attrNameLst>
+                                      </p:cBhvr>
+                                      <p:to>
+                                        <p:strVal val="visible"/>
+                                      </p:to>
+                                    </p:set>
+                                  </p:childTnLst>
+                                </p:cTn>
+                              </p:par>
+                              <p:par>
+                                <p:cTn id="7" presetID="1" presetClass="entr" presetSubtype="0" fill="hold" grpId="0" nodeType="withEffect">
+                                  <p:stCondLst>
+                                    <p:cond delay="0"/>
+                                  </p:stCondLst>
+                                  <p:childTnLst>
+                                    <p:set>
+                                      <p:cBhvr>
+                                        <p:cTn id="8" dur="1" fill="hold">
+                                          <p:stCondLst>
+                                            <p:cond delay="0"/>
+                                          </p:stCondLst>
+                                        </p:cTn>
+                                        <p:tgtEl>
+                                          <p:spTgt spid="11"/>
+                                        </p:tgtEl>
+                                        <p:attrNameLst>
+                                          <p:attrName>style.visibility</p:attrName>
+                                        </p:attrNameLst>
+                                      </p:cBhvr>
+                                      <p:to>
+                                        <p:strVal val="visible"/>
+                                      </p:to>
+                                    </p:set>
+                                  </p:childTnLst>
+                                </p:cTn>
+                              </p:par>
+                            </p:childTnLst>
+                          </p:cTn>
+                        </p:par>
+                      </p:childTnLst>
+                    </p:cTn>
+                  </p:par>
+                </p:childTnLst>
+              </p:cTn>
+              <p:prevCondLst>
+                <p:cond evt="onPrev" delay="0">
+                  <p:tgtEl>
+                    <p:sldTgt/>
+                  </p:tgtEl>
+                </p:cond>
+              </p:prevCondLst>
+              <p:nextCondLst>
+                <p:cond evt="onNext" delay="0">
+                  <p:tgtEl>
+                    <p:sldTgt/>
+                  </p:tgtEl>
+                </p:cond>
+              </p:nextCondLst>
+            </p:seq>
+          </p:childTnLst>
+        </p:cTn>
+      </p:par>
+    </p:tnLst>
+    <p:bldLst>
+      <p:bldP spid="11" grpId="0" animBg="1"/>
+    </p:bldLst>
+  </p:timing>
 </p:sld>
 </file>
 
@@ -11033,77 +11138,6 @@
           </a:p>
         </p:txBody>
       </p:sp>
-      <p:pic>
-        <p:nvPicPr>
-          <p:cNvPr id="5" name="Picture 4">
-            <a:extLst>
-              <a:ext uri="{FF2B5EF4-FFF2-40B4-BE49-F238E27FC236}">
-                <a16:creationId xmlns:a16="http://schemas.microsoft.com/office/drawing/2014/main" id="{2C331DF7-6277-408E-BBD4-871A45CBAB36}"/>
-              </a:ext>
-            </a:extLst>
-          </p:cNvPr>
-          <p:cNvPicPr>
-            <a:picLocks noChangeAspect="1"/>
-          </p:cNvPicPr>
-          <p:nvPr/>
-        </p:nvPicPr>
-        <p:blipFill>
-          <a:blip r:embed="rId2"/>
-          <a:stretch>
-            <a:fillRect/>
-          </a:stretch>
-        </p:blipFill>
-        <p:spPr>
-          <a:xfrm>
-            <a:off x="2425798" y="1839099"/>
-            <a:ext cx="7358333" cy="4543771"/>
-          </a:xfrm>
-          <a:prstGeom prst="rect">
-            <a:avLst/>
-          </a:prstGeom>
-        </p:spPr>
-      </p:pic>
-      <p:sp>
-        <p:nvSpPr>
-          <p:cNvPr id="7" name="TextBox 6">
-            <a:extLst>
-              <a:ext uri="{FF2B5EF4-FFF2-40B4-BE49-F238E27FC236}">
-                <a16:creationId xmlns:a16="http://schemas.microsoft.com/office/drawing/2014/main" id="{9B1D8C54-4349-40BD-B90B-7A79C85053C7}"/>
-              </a:ext>
-            </a:extLst>
-          </p:cNvPr>
-          <p:cNvSpPr txBox="1"/>
-          <p:nvPr/>
-        </p:nvSpPr>
-        <p:spPr>
-          <a:xfrm>
-            <a:off x="5325373" y="1839099"/>
-            <a:ext cx="1559182" cy="646331"/>
-          </a:xfrm>
-          <a:prstGeom prst="rect">
-            <a:avLst/>
-          </a:prstGeom>
-          <a:noFill/>
-        </p:spPr>
-        <p:txBody>
-          <a:bodyPr wrap="square">
-            <a:spAutoFit/>
-          </a:bodyPr>
-          <a:lstStyle/>
-          <a:p>
-            <a:r>
-              <a:rPr lang="en-US" dirty="0"/>
-              <a:t>RMSE      R2 </a:t>
-            </a:r>
-          </a:p>
-          <a:p>
-            <a:r>
-              <a:rPr lang="en-US" dirty="0"/>
-              <a:t>5.275     0.418 </a:t>
-            </a:r>
-          </a:p>
-        </p:txBody>
-      </p:sp>
       <p:sp>
         <p:nvSpPr>
           <p:cNvPr id="6" name="TextBox 5">
@@ -11171,6 +11205,372 @@
           </a:p>
         </p:txBody>
       </p:sp>
+      <p:graphicFrame>
+        <p:nvGraphicFramePr>
+          <p:cNvPr id="9" name="Table 9">
+            <a:extLst>
+              <a:ext uri="{FF2B5EF4-FFF2-40B4-BE49-F238E27FC236}">
+                <a16:creationId xmlns:a16="http://schemas.microsoft.com/office/drawing/2014/main" id="{8C7962D5-FD75-4BEE-A9E4-1C5F71B7AFB6}"/>
+              </a:ext>
+            </a:extLst>
+          </p:cNvPr>
+          <p:cNvGraphicFramePr>
+            <a:graphicFrameLocks noGrp="1"/>
+          </p:cNvGraphicFramePr>
+          <p:nvPr>
+            <p:extLst>
+              <p:ext uri="{D42A27DB-BD31-4B8C-83A1-F6EECF244321}">
+                <p14:modId xmlns:p14="http://schemas.microsoft.com/office/powerpoint/2010/main" val="3551349866"/>
+              </p:ext>
+            </p:extLst>
+          </p:nvPr>
+        </p:nvGraphicFramePr>
+        <p:xfrm>
+          <a:off x="1330353" y="5686388"/>
+          <a:ext cx="4885344" cy="741680"/>
+        </p:xfrm>
+        <a:graphic>
+          <a:graphicData uri="http://schemas.openxmlformats.org/drawingml/2006/table">
+            <a:tbl>
+              <a:tblPr firstRow="1" bandRow="1">
+                <a:tableStyleId>{7DF18680-E054-41AD-8BC1-D1AEF772440D}</a:tableStyleId>
+              </a:tblPr>
+              <a:tblGrid>
+                <a:gridCol w="2442672">
+                  <a:extLst>
+                    <a:ext uri="{9D8B030D-6E8A-4147-A177-3AD203B41FA5}">
+                      <a16:colId xmlns:a16="http://schemas.microsoft.com/office/drawing/2014/main" val="1248716383"/>
+                    </a:ext>
+                  </a:extLst>
+                </a:gridCol>
+                <a:gridCol w="2442672">
+                  <a:extLst>
+                    <a:ext uri="{9D8B030D-6E8A-4147-A177-3AD203B41FA5}">
+                      <a16:colId xmlns:a16="http://schemas.microsoft.com/office/drawing/2014/main" val="2587689662"/>
+                    </a:ext>
+                  </a:extLst>
+                </a:gridCol>
+              </a:tblGrid>
+              <a:tr h="370840">
+                <a:tc>
+                  <a:txBody>
+                    <a:bodyPr/>
+                    <a:lstStyle/>
+                    <a:p>
+                      <a:pPr algn="ctr"/>
+                      <a:r>
+                        <a:rPr lang="en-US" dirty="0"/>
+                        <a:t>RMSE</a:t>
+                      </a:r>
+                    </a:p>
+                  </a:txBody>
+                  <a:tcPr>
+                    <a:lnL w="12700" cap="flat" cmpd="sng" algn="ctr">
+                      <a:solidFill>
+                        <a:schemeClr val="tx1"/>
+                      </a:solidFill>
+                      <a:prstDash val="solid"/>
+                      <a:round/>
+                      <a:headEnd type="none" w="med" len="med"/>
+                      <a:tailEnd type="none" w="med" len="med"/>
+                    </a:lnL>
+                    <a:lnR w="12700" cap="flat" cmpd="sng" algn="ctr">
+                      <a:solidFill>
+                        <a:schemeClr val="tx1"/>
+                      </a:solidFill>
+                      <a:prstDash val="solid"/>
+                      <a:round/>
+                      <a:headEnd type="none" w="med" len="med"/>
+                      <a:tailEnd type="none" w="med" len="med"/>
+                    </a:lnR>
+                    <a:lnT w="12700" cap="flat" cmpd="sng" algn="ctr">
+                      <a:solidFill>
+                        <a:schemeClr val="tx1"/>
+                      </a:solidFill>
+                      <a:prstDash val="solid"/>
+                      <a:round/>
+                      <a:headEnd type="none" w="med" len="med"/>
+                      <a:tailEnd type="none" w="med" len="med"/>
+                    </a:lnT>
+                    <a:lnB w="12700" cap="flat" cmpd="sng" algn="ctr">
+                      <a:solidFill>
+                        <a:schemeClr val="tx1"/>
+                      </a:solidFill>
+                      <a:prstDash val="solid"/>
+                      <a:round/>
+                      <a:headEnd type="none" w="med" len="med"/>
+                      <a:tailEnd type="none" w="med" len="med"/>
+                    </a:lnB>
+                  </a:tcPr>
+                </a:tc>
+                <a:tc>
+                  <a:txBody>
+                    <a:bodyPr/>
+                    <a:lstStyle/>
+                    <a:p>
+                      <a:pPr algn="ctr"/>
+                      <a:r>
+                        <a:rPr lang="en-US" dirty="0"/>
+                        <a:t>R</a:t>
+                      </a:r>
+                      <a:r>
+                        <a:rPr lang="en-US" baseline="30000" dirty="0"/>
+                        <a:t>2</a:t>
+                      </a:r>
+                      <a:endParaRPr lang="en-US" dirty="0"/>
+                    </a:p>
+                  </a:txBody>
+                  <a:tcPr>
+                    <a:lnL w="12700" cap="flat" cmpd="sng" algn="ctr">
+                      <a:solidFill>
+                        <a:schemeClr val="tx1"/>
+                      </a:solidFill>
+                      <a:prstDash val="solid"/>
+                      <a:round/>
+                      <a:headEnd type="none" w="med" len="med"/>
+                      <a:tailEnd type="none" w="med" len="med"/>
+                    </a:lnL>
+                    <a:lnR w="12700" cap="flat" cmpd="sng" algn="ctr">
+                      <a:solidFill>
+                        <a:schemeClr val="tx1"/>
+                      </a:solidFill>
+                      <a:prstDash val="solid"/>
+                      <a:round/>
+                      <a:headEnd type="none" w="med" len="med"/>
+                      <a:tailEnd type="none" w="med" len="med"/>
+                    </a:lnR>
+                    <a:lnT w="12700" cap="flat" cmpd="sng" algn="ctr">
+                      <a:solidFill>
+                        <a:schemeClr val="tx1"/>
+                      </a:solidFill>
+                      <a:prstDash val="solid"/>
+                      <a:round/>
+                      <a:headEnd type="none" w="med" len="med"/>
+                      <a:tailEnd type="none" w="med" len="med"/>
+                    </a:lnT>
+                    <a:lnB w="12700" cap="flat" cmpd="sng" algn="ctr">
+                      <a:solidFill>
+                        <a:schemeClr val="tx1"/>
+                      </a:solidFill>
+                      <a:prstDash val="solid"/>
+                      <a:round/>
+                      <a:headEnd type="none" w="med" len="med"/>
+                      <a:tailEnd type="none" w="med" len="med"/>
+                    </a:lnB>
+                  </a:tcPr>
+                </a:tc>
+                <a:extLst>
+                  <a:ext uri="{0D108BD9-81ED-4DB2-BD59-A6C34878D82A}">
+                    <a16:rowId xmlns:a16="http://schemas.microsoft.com/office/drawing/2014/main" val="814600167"/>
+                  </a:ext>
+                </a:extLst>
+              </a:tr>
+              <a:tr h="370840">
+                <a:tc>
+                  <a:txBody>
+                    <a:bodyPr/>
+                    <a:lstStyle/>
+                    <a:p>
+                      <a:pPr algn="ctr"/>
+                      <a:r>
+                        <a:rPr lang="en-US" dirty="0"/>
+                        <a:t>5.275</a:t>
+                      </a:r>
+                    </a:p>
+                  </a:txBody>
+                  <a:tcPr>
+                    <a:lnL w="12700" cap="flat" cmpd="sng" algn="ctr">
+                      <a:solidFill>
+                        <a:schemeClr val="tx1"/>
+                      </a:solidFill>
+                      <a:prstDash val="solid"/>
+                      <a:round/>
+                      <a:headEnd type="none" w="med" len="med"/>
+                      <a:tailEnd type="none" w="med" len="med"/>
+                    </a:lnL>
+                    <a:lnR w="12700" cap="flat" cmpd="sng" algn="ctr">
+                      <a:solidFill>
+                        <a:schemeClr val="tx1"/>
+                      </a:solidFill>
+                      <a:prstDash val="solid"/>
+                      <a:round/>
+                      <a:headEnd type="none" w="med" len="med"/>
+                      <a:tailEnd type="none" w="med" len="med"/>
+                    </a:lnR>
+                    <a:lnT w="12700" cap="flat" cmpd="sng" algn="ctr">
+                      <a:solidFill>
+                        <a:schemeClr val="tx1"/>
+                      </a:solidFill>
+                      <a:prstDash val="solid"/>
+                      <a:round/>
+                      <a:headEnd type="none" w="med" len="med"/>
+                      <a:tailEnd type="none" w="med" len="med"/>
+                    </a:lnT>
+                    <a:lnB w="12700" cap="flat" cmpd="sng" algn="ctr">
+                      <a:solidFill>
+                        <a:schemeClr val="tx1"/>
+                      </a:solidFill>
+                      <a:prstDash val="solid"/>
+                      <a:round/>
+                      <a:headEnd type="none" w="med" len="med"/>
+                      <a:tailEnd type="none" w="med" len="med"/>
+                    </a:lnB>
+                  </a:tcPr>
+                </a:tc>
+                <a:tc>
+                  <a:txBody>
+                    <a:bodyPr/>
+                    <a:lstStyle/>
+                    <a:p>
+                      <a:pPr algn="ctr"/>
+                      <a:r>
+                        <a:rPr lang="en-US" dirty="0"/>
+                        <a:t>0.418</a:t>
+                      </a:r>
+                    </a:p>
+                  </a:txBody>
+                  <a:tcPr>
+                    <a:lnL w="12700" cap="flat" cmpd="sng" algn="ctr">
+                      <a:solidFill>
+                        <a:schemeClr val="tx1"/>
+                      </a:solidFill>
+                      <a:prstDash val="solid"/>
+                      <a:round/>
+                      <a:headEnd type="none" w="med" len="med"/>
+                      <a:tailEnd type="none" w="med" len="med"/>
+                    </a:lnL>
+                    <a:lnR w="12700" cap="flat" cmpd="sng" algn="ctr">
+                      <a:solidFill>
+                        <a:schemeClr val="tx1"/>
+                      </a:solidFill>
+                      <a:prstDash val="solid"/>
+                      <a:round/>
+                      <a:headEnd type="none" w="med" len="med"/>
+                      <a:tailEnd type="none" w="med" len="med"/>
+                    </a:lnR>
+                    <a:lnT w="12700" cap="flat" cmpd="sng" algn="ctr">
+                      <a:solidFill>
+                        <a:schemeClr val="tx1"/>
+                      </a:solidFill>
+                      <a:prstDash val="solid"/>
+                      <a:round/>
+                      <a:headEnd type="none" w="med" len="med"/>
+                      <a:tailEnd type="none" w="med" len="med"/>
+                    </a:lnT>
+                    <a:lnB w="12700" cap="flat" cmpd="sng" algn="ctr">
+                      <a:solidFill>
+                        <a:schemeClr val="tx1"/>
+                      </a:solidFill>
+                      <a:prstDash val="solid"/>
+                      <a:round/>
+                      <a:headEnd type="none" w="med" len="med"/>
+                      <a:tailEnd type="none" w="med" len="med"/>
+                    </a:lnB>
+                  </a:tcPr>
+                </a:tc>
+                <a:extLst>
+                  <a:ext uri="{0D108BD9-81ED-4DB2-BD59-A6C34878D82A}">
+                    <a16:rowId xmlns:a16="http://schemas.microsoft.com/office/drawing/2014/main" val="4111910200"/>
+                  </a:ext>
+                </a:extLst>
+              </a:tr>
+            </a:tbl>
+          </a:graphicData>
+        </a:graphic>
+      </p:graphicFrame>
+      <p:pic>
+        <p:nvPicPr>
+          <p:cNvPr id="11" name="Picture 10">
+            <a:extLst>
+              <a:ext uri="{FF2B5EF4-FFF2-40B4-BE49-F238E27FC236}">
+                <a16:creationId xmlns:a16="http://schemas.microsoft.com/office/drawing/2014/main" id="{C432FFC9-395A-46AC-BFA9-67409BF13538}"/>
+              </a:ext>
+            </a:extLst>
+          </p:cNvPr>
+          <p:cNvPicPr>
+            <a:picLocks noChangeAspect="1"/>
+          </p:cNvPicPr>
+          <p:nvPr/>
+        </p:nvPicPr>
+        <p:blipFill>
+          <a:blip r:embed="rId2"/>
+          <a:stretch>
+            <a:fillRect/>
+          </a:stretch>
+        </p:blipFill>
+        <p:spPr>
+          <a:xfrm>
+            <a:off x="439692" y="1447049"/>
+            <a:ext cx="6666667" cy="4114286"/>
+          </a:xfrm>
+          <a:prstGeom prst="rect">
+            <a:avLst/>
+          </a:prstGeom>
+          <a:ln>
+            <a:solidFill>
+              <a:schemeClr val="tx1"/>
+            </a:solidFill>
+          </a:ln>
+        </p:spPr>
+      </p:pic>
+      <p:pic>
+        <p:nvPicPr>
+          <p:cNvPr id="12" name="Picture 11">
+            <a:extLst>
+              <a:ext uri="{FF2B5EF4-FFF2-40B4-BE49-F238E27FC236}">
+                <a16:creationId xmlns:a16="http://schemas.microsoft.com/office/drawing/2014/main" id="{F2EB8CBD-3AF1-4610-931D-68B8969DF5EC}"/>
+              </a:ext>
+            </a:extLst>
+          </p:cNvPr>
+          <p:cNvPicPr>
+            <a:picLocks noChangeAspect="1"/>
+          </p:cNvPicPr>
+          <p:nvPr/>
+        </p:nvPicPr>
+        <p:blipFill rotWithShape="1">
+          <a:blip r:embed="rId3"/>
+          <a:srcRect b="5313"/>
+          <a:stretch/>
+        </p:blipFill>
+        <p:spPr>
+          <a:xfrm>
+            <a:off x="7479080" y="1285765"/>
+            <a:ext cx="4104299" cy="2398355"/>
+          </a:xfrm>
+          <a:prstGeom prst="rect">
+            <a:avLst/>
+          </a:prstGeom>
+        </p:spPr>
+      </p:pic>
+      <p:pic>
+        <p:nvPicPr>
+          <p:cNvPr id="13" name="Picture 12">
+            <a:extLst>
+              <a:ext uri="{FF2B5EF4-FFF2-40B4-BE49-F238E27FC236}">
+                <a16:creationId xmlns:a16="http://schemas.microsoft.com/office/drawing/2014/main" id="{9461FE86-2C54-4895-A0F9-B7F5BC6634F4}"/>
+              </a:ext>
+            </a:extLst>
+          </p:cNvPr>
+          <p:cNvPicPr>
+            <a:picLocks noChangeAspect="1"/>
+          </p:cNvPicPr>
+          <p:nvPr/>
+        </p:nvPicPr>
+        <p:blipFill rotWithShape="1">
+          <a:blip r:embed="rId4"/>
+          <a:srcRect b="5373"/>
+          <a:stretch/>
+        </p:blipFill>
+        <p:spPr>
+          <a:xfrm>
+            <a:off x="7479080" y="3886274"/>
+            <a:ext cx="4106919" cy="2398355"/>
+          </a:xfrm>
+          <a:prstGeom prst="rect">
+            <a:avLst/>
+          </a:prstGeom>
+        </p:spPr>
+      </p:pic>
     </p:spTree>
     <p:extLst>
       <p:ext uri="{BB962C8B-B14F-4D97-AF65-F5344CB8AC3E}">

--- a/final_project/T2_final_project.pptx
+++ b/final_project/T2_final_project.pptx
@@ -509,7 +509,7 @@
           <p:cNvPr id="2" name="Title 1">
             <a:extLst>
               <a:ext uri="{FF2B5EF4-FFF2-40B4-BE49-F238E27FC236}">
-                <a16:creationId xmlns:a16="http://schemas.microsoft.com/office/drawing/2014/main" id="{7991FF1C-8740-4583-9D4E-97A7295A265C}"/>
+                <a16:creationId xmlns:a16="http://schemas.microsoft.com/office/drawing/2014/main" xmlns="" id="{7991FF1C-8740-4583-9D4E-97A7295A265C}"/>
               </a:ext>
             </a:extLst>
           </p:cNvPr>
@@ -546,7 +546,7 @@
           <p:cNvPr id="3" name="Subtitle 2">
             <a:extLst>
               <a:ext uri="{FF2B5EF4-FFF2-40B4-BE49-F238E27FC236}">
-                <a16:creationId xmlns:a16="http://schemas.microsoft.com/office/drawing/2014/main" id="{ABF902D2-6FE9-4E65-9BB4-512485FA9A37}"/>
+                <a16:creationId xmlns:a16="http://schemas.microsoft.com/office/drawing/2014/main" xmlns="" id="{ABF902D2-6FE9-4E65-9BB4-512485FA9A37}"/>
               </a:ext>
             </a:extLst>
           </p:cNvPr>
@@ -616,7 +616,7 @@
           <p:cNvPr id="4" name="Date Placeholder 3">
             <a:extLst>
               <a:ext uri="{FF2B5EF4-FFF2-40B4-BE49-F238E27FC236}">
-                <a16:creationId xmlns:a16="http://schemas.microsoft.com/office/drawing/2014/main" id="{64BD5271-D5FF-4012-87BD-4280D41BE3AE}"/>
+                <a16:creationId xmlns:a16="http://schemas.microsoft.com/office/drawing/2014/main" xmlns="" id="{64BD5271-D5FF-4012-87BD-4280D41BE3AE}"/>
               </a:ext>
             </a:extLst>
           </p:cNvPr>
@@ -645,7 +645,7 @@
           <p:cNvPr id="5" name="Footer Placeholder 4">
             <a:extLst>
               <a:ext uri="{FF2B5EF4-FFF2-40B4-BE49-F238E27FC236}">
-                <a16:creationId xmlns:a16="http://schemas.microsoft.com/office/drawing/2014/main" id="{C6326500-5A7B-41C4-8E5E-EDB6F58F3303}"/>
+                <a16:creationId xmlns:a16="http://schemas.microsoft.com/office/drawing/2014/main" xmlns="" id="{C6326500-5A7B-41C4-8E5E-EDB6F58F3303}"/>
               </a:ext>
             </a:extLst>
           </p:cNvPr>
@@ -670,7 +670,7 @@
           <p:cNvPr id="6" name="Slide Number Placeholder 5">
             <a:extLst>
               <a:ext uri="{FF2B5EF4-FFF2-40B4-BE49-F238E27FC236}">
-                <a16:creationId xmlns:a16="http://schemas.microsoft.com/office/drawing/2014/main" id="{847ED73A-F91B-4D4E-B66D-D674A31D9386}"/>
+                <a16:creationId xmlns:a16="http://schemas.microsoft.com/office/drawing/2014/main" xmlns="" id="{847ED73A-F91B-4D4E-B66D-D674A31D9386}"/>
               </a:ext>
             </a:extLst>
           </p:cNvPr>
@@ -729,7 +729,7 @@
           <p:cNvPr id="2" name="Title 1">
             <a:extLst>
               <a:ext uri="{FF2B5EF4-FFF2-40B4-BE49-F238E27FC236}">
-                <a16:creationId xmlns:a16="http://schemas.microsoft.com/office/drawing/2014/main" id="{D9BA2A15-5EBB-48B0-84BF-94A12930FBF7}"/>
+                <a16:creationId xmlns:a16="http://schemas.microsoft.com/office/drawing/2014/main" xmlns="" id="{D9BA2A15-5EBB-48B0-84BF-94A12930FBF7}"/>
               </a:ext>
             </a:extLst>
           </p:cNvPr>
@@ -757,7 +757,7 @@
           <p:cNvPr id="3" name="Vertical Text Placeholder 2">
             <a:extLst>
               <a:ext uri="{FF2B5EF4-FFF2-40B4-BE49-F238E27FC236}">
-                <a16:creationId xmlns:a16="http://schemas.microsoft.com/office/drawing/2014/main" id="{FDCF8101-35E9-4DD5-BCB1-83970413AFD1}"/>
+                <a16:creationId xmlns:a16="http://schemas.microsoft.com/office/drawing/2014/main" xmlns="" id="{FDCF8101-35E9-4DD5-BCB1-83970413AFD1}"/>
               </a:ext>
             </a:extLst>
           </p:cNvPr>
@@ -814,7 +814,7 @@
           <p:cNvPr id="4" name="Date Placeholder 3">
             <a:extLst>
               <a:ext uri="{FF2B5EF4-FFF2-40B4-BE49-F238E27FC236}">
-                <a16:creationId xmlns:a16="http://schemas.microsoft.com/office/drawing/2014/main" id="{32D85C91-8C68-4D38-BE68-E23A7461DB42}"/>
+                <a16:creationId xmlns:a16="http://schemas.microsoft.com/office/drawing/2014/main" xmlns="" id="{32D85C91-8C68-4D38-BE68-E23A7461DB42}"/>
               </a:ext>
             </a:extLst>
           </p:cNvPr>
@@ -843,7 +843,7 @@
           <p:cNvPr id="5" name="Footer Placeholder 4">
             <a:extLst>
               <a:ext uri="{FF2B5EF4-FFF2-40B4-BE49-F238E27FC236}">
-                <a16:creationId xmlns:a16="http://schemas.microsoft.com/office/drawing/2014/main" id="{83785779-70A8-4E04-9A56-29B994E78433}"/>
+                <a16:creationId xmlns:a16="http://schemas.microsoft.com/office/drawing/2014/main" xmlns="" id="{83785779-70A8-4E04-9A56-29B994E78433}"/>
               </a:ext>
             </a:extLst>
           </p:cNvPr>
@@ -868,7 +868,7 @@
           <p:cNvPr id="6" name="Slide Number Placeholder 5">
             <a:extLst>
               <a:ext uri="{FF2B5EF4-FFF2-40B4-BE49-F238E27FC236}">
-                <a16:creationId xmlns:a16="http://schemas.microsoft.com/office/drawing/2014/main" id="{50D77FAB-9DD3-43D8-B923-27418C9D1B6C}"/>
+                <a16:creationId xmlns:a16="http://schemas.microsoft.com/office/drawing/2014/main" xmlns="" id="{50D77FAB-9DD3-43D8-B923-27418C9D1B6C}"/>
               </a:ext>
             </a:extLst>
           </p:cNvPr>
@@ -927,7 +927,7 @@
           <p:cNvPr id="2" name="Vertical Title 1">
             <a:extLst>
               <a:ext uri="{FF2B5EF4-FFF2-40B4-BE49-F238E27FC236}">
-                <a16:creationId xmlns:a16="http://schemas.microsoft.com/office/drawing/2014/main" id="{275FD3A8-5F2D-44FE-B2CB-5F0C31CF5372}"/>
+                <a16:creationId xmlns:a16="http://schemas.microsoft.com/office/drawing/2014/main" xmlns="" id="{275FD3A8-5F2D-44FE-B2CB-5F0C31CF5372}"/>
               </a:ext>
             </a:extLst>
           </p:cNvPr>
@@ -960,7 +960,7 @@
           <p:cNvPr id="3" name="Vertical Text Placeholder 2">
             <a:extLst>
               <a:ext uri="{FF2B5EF4-FFF2-40B4-BE49-F238E27FC236}">
-                <a16:creationId xmlns:a16="http://schemas.microsoft.com/office/drawing/2014/main" id="{6928AD24-AFA4-4DA8-AC71-95FA4AF1C48B}"/>
+                <a16:creationId xmlns:a16="http://schemas.microsoft.com/office/drawing/2014/main" xmlns="" id="{6928AD24-AFA4-4DA8-AC71-95FA4AF1C48B}"/>
               </a:ext>
             </a:extLst>
           </p:cNvPr>
@@ -1022,7 +1022,7 @@
           <p:cNvPr id="4" name="Date Placeholder 3">
             <a:extLst>
               <a:ext uri="{FF2B5EF4-FFF2-40B4-BE49-F238E27FC236}">
-                <a16:creationId xmlns:a16="http://schemas.microsoft.com/office/drawing/2014/main" id="{EC8585DE-B12A-4EEF-91C9-7B971361427E}"/>
+                <a16:creationId xmlns:a16="http://schemas.microsoft.com/office/drawing/2014/main" xmlns="" id="{EC8585DE-B12A-4EEF-91C9-7B971361427E}"/>
               </a:ext>
             </a:extLst>
           </p:cNvPr>
@@ -1051,7 +1051,7 @@
           <p:cNvPr id="5" name="Footer Placeholder 4">
             <a:extLst>
               <a:ext uri="{FF2B5EF4-FFF2-40B4-BE49-F238E27FC236}">
-                <a16:creationId xmlns:a16="http://schemas.microsoft.com/office/drawing/2014/main" id="{2997F936-9298-4B18-BD25-457C4711B56A}"/>
+                <a16:creationId xmlns:a16="http://schemas.microsoft.com/office/drawing/2014/main" xmlns="" id="{2997F936-9298-4B18-BD25-457C4711B56A}"/>
               </a:ext>
             </a:extLst>
           </p:cNvPr>
@@ -1076,7 +1076,7 @@
           <p:cNvPr id="6" name="Slide Number Placeholder 5">
             <a:extLst>
               <a:ext uri="{FF2B5EF4-FFF2-40B4-BE49-F238E27FC236}">
-                <a16:creationId xmlns:a16="http://schemas.microsoft.com/office/drawing/2014/main" id="{0A31366D-2505-44A7-8095-6EB53BAFABBB}"/>
+                <a16:creationId xmlns:a16="http://schemas.microsoft.com/office/drawing/2014/main" xmlns="" id="{0A31366D-2505-44A7-8095-6EB53BAFABBB}"/>
               </a:ext>
             </a:extLst>
           </p:cNvPr>
@@ -1135,7 +1135,7 @@
           <p:cNvPr id="2" name="Title 1">
             <a:extLst>
               <a:ext uri="{FF2B5EF4-FFF2-40B4-BE49-F238E27FC236}">
-                <a16:creationId xmlns:a16="http://schemas.microsoft.com/office/drawing/2014/main" id="{97BA6634-FAB0-47D4-B566-0318DBA2A7D8}"/>
+                <a16:creationId xmlns:a16="http://schemas.microsoft.com/office/drawing/2014/main" xmlns="" id="{97BA6634-FAB0-47D4-B566-0318DBA2A7D8}"/>
               </a:ext>
             </a:extLst>
           </p:cNvPr>
@@ -1163,7 +1163,7 @@
           <p:cNvPr id="3" name="Content Placeholder 2">
             <a:extLst>
               <a:ext uri="{FF2B5EF4-FFF2-40B4-BE49-F238E27FC236}">
-                <a16:creationId xmlns:a16="http://schemas.microsoft.com/office/drawing/2014/main" id="{3A3E62D1-62CC-4D63-9482-E8AC3ED1AB52}"/>
+                <a16:creationId xmlns:a16="http://schemas.microsoft.com/office/drawing/2014/main" xmlns="" id="{3A3E62D1-62CC-4D63-9482-E8AC3ED1AB52}"/>
               </a:ext>
             </a:extLst>
           </p:cNvPr>
@@ -1220,7 +1220,7 @@
           <p:cNvPr id="4" name="Date Placeholder 3">
             <a:extLst>
               <a:ext uri="{FF2B5EF4-FFF2-40B4-BE49-F238E27FC236}">
-                <a16:creationId xmlns:a16="http://schemas.microsoft.com/office/drawing/2014/main" id="{518E4EFC-E675-46DB-AFAB-61F7EA5F0BB1}"/>
+                <a16:creationId xmlns:a16="http://schemas.microsoft.com/office/drawing/2014/main" xmlns="" id="{518E4EFC-E675-46DB-AFAB-61F7EA5F0BB1}"/>
               </a:ext>
             </a:extLst>
           </p:cNvPr>
@@ -1249,7 +1249,7 @@
           <p:cNvPr id="5" name="Footer Placeholder 4">
             <a:extLst>
               <a:ext uri="{FF2B5EF4-FFF2-40B4-BE49-F238E27FC236}">
-                <a16:creationId xmlns:a16="http://schemas.microsoft.com/office/drawing/2014/main" id="{D4A48A20-0D4A-4BD0-9277-46996715F05F}"/>
+                <a16:creationId xmlns:a16="http://schemas.microsoft.com/office/drawing/2014/main" xmlns="" id="{D4A48A20-0D4A-4BD0-9277-46996715F05F}"/>
               </a:ext>
             </a:extLst>
           </p:cNvPr>
@@ -1274,7 +1274,7 @@
           <p:cNvPr id="6" name="Slide Number Placeholder 5">
             <a:extLst>
               <a:ext uri="{FF2B5EF4-FFF2-40B4-BE49-F238E27FC236}">
-                <a16:creationId xmlns:a16="http://schemas.microsoft.com/office/drawing/2014/main" id="{3800F55C-AF6F-49EB-803D-93D5EF5D1FA1}"/>
+                <a16:creationId xmlns:a16="http://schemas.microsoft.com/office/drawing/2014/main" xmlns="" id="{3800F55C-AF6F-49EB-803D-93D5EF5D1FA1}"/>
               </a:ext>
             </a:extLst>
           </p:cNvPr>
@@ -1333,7 +1333,7 @@
           <p:cNvPr id="2" name="Title 1">
             <a:extLst>
               <a:ext uri="{FF2B5EF4-FFF2-40B4-BE49-F238E27FC236}">
-                <a16:creationId xmlns:a16="http://schemas.microsoft.com/office/drawing/2014/main" id="{4056ED20-E0D9-44B8-9C25-62EA4CD16F41}"/>
+                <a16:creationId xmlns:a16="http://schemas.microsoft.com/office/drawing/2014/main" xmlns="" id="{4056ED20-E0D9-44B8-9C25-62EA4CD16F41}"/>
               </a:ext>
             </a:extLst>
           </p:cNvPr>
@@ -1370,7 +1370,7 @@
           <p:cNvPr id="3" name="Text Placeholder 2">
             <a:extLst>
               <a:ext uri="{FF2B5EF4-FFF2-40B4-BE49-F238E27FC236}">
-                <a16:creationId xmlns:a16="http://schemas.microsoft.com/office/drawing/2014/main" id="{092F1EF0-B105-4CA1-8ABF-8AB68494820A}"/>
+                <a16:creationId xmlns:a16="http://schemas.microsoft.com/office/drawing/2014/main" xmlns="" id="{092F1EF0-B105-4CA1-8ABF-8AB68494820A}"/>
               </a:ext>
             </a:extLst>
           </p:cNvPr>
@@ -1495,7 +1495,7 @@
           <p:cNvPr id="4" name="Date Placeholder 3">
             <a:extLst>
               <a:ext uri="{FF2B5EF4-FFF2-40B4-BE49-F238E27FC236}">
-                <a16:creationId xmlns:a16="http://schemas.microsoft.com/office/drawing/2014/main" id="{67103BC3-7A61-420D-9D49-3C4B389D0215}"/>
+                <a16:creationId xmlns:a16="http://schemas.microsoft.com/office/drawing/2014/main" xmlns="" id="{67103BC3-7A61-420D-9D49-3C4B389D0215}"/>
               </a:ext>
             </a:extLst>
           </p:cNvPr>
@@ -1524,7 +1524,7 @@
           <p:cNvPr id="5" name="Footer Placeholder 4">
             <a:extLst>
               <a:ext uri="{FF2B5EF4-FFF2-40B4-BE49-F238E27FC236}">
-                <a16:creationId xmlns:a16="http://schemas.microsoft.com/office/drawing/2014/main" id="{AE03DD3F-9529-4FE1-8DB4-E1D21CB0225B}"/>
+                <a16:creationId xmlns:a16="http://schemas.microsoft.com/office/drawing/2014/main" xmlns="" id="{AE03DD3F-9529-4FE1-8DB4-E1D21CB0225B}"/>
               </a:ext>
             </a:extLst>
           </p:cNvPr>
@@ -1549,7 +1549,7 @@
           <p:cNvPr id="6" name="Slide Number Placeholder 5">
             <a:extLst>
               <a:ext uri="{FF2B5EF4-FFF2-40B4-BE49-F238E27FC236}">
-                <a16:creationId xmlns:a16="http://schemas.microsoft.com/office/drawing/2014/main" id="{AB4B493E-A3C8-4E61-9CF2-366C4C30FFCC}"/>
+                <a16:creationId xmlns:a16="http://schemas.microsoft.com/office/drawing/2014/main" xmlns="" id="{AB4B493E-A3C8-4E61-9CF2-366C4C30FFCC}"/>
               </a:ext>
             </a:extLst>
           </p:cNvPr>
@@ -1608,7 +1608,7 @@
           <p:cNvPr id="2" name="Title 1">
             <a:extLst>
               <a:ext uri="{FF2B5EF4-FFF2-40B4-BE49-F238E27FC236}">
-                <a16:creationId xmlns:a16="http://schemas.microsoft.com/office/drawing/2014/main" id="{C32434D4-5477-4F80-81A7-F2BCF84E7450}"/>
+                <a16:creationId xmlns:a16="http://schemas.microsoft.com/office/drawing/2014/main" xmlns="" id="{C32434D4-5477-4F80-81A7-F2BCF84E7450}"/>
               </a:ext>
             </a:extLst>
           </p:cNvPr>
@@ -1636,7 +1636,7 @@
           <p:cNvPr id="3" name="Content Placeholder 2">
             <a:extLst>
               <a:ext uri="{FF2B5EF4-FFF2-40B4-BE49-F238E27FC236}">
-                <a16:creationId xmlns:a16="http://schemas.microsoft.com/office/drawing/2014/main" id="{41751AE1-B383-424A-803A-B34C21BA2535}"/>
+                <a16:creationId xmlns:a16="http://schemas.microsoft.com/office/drawing/2014/main" xmlns="" id="{41751AE1-B383-424A-803A-B34C21BA2535}"/>
               </a:ext>
             </a:extLst>
           </p:cNvPr>
@@ -1698,7 +1698,7 @@
           <p:cNvPr id="4" name="Content Placeholder 3">
             <a:extLst>
               <a:ext uri="{FF2B5EF4-FFF2-40B4-BE49-F238E27FC236}">
-                <a16:creationId xmlns:a16="http://schemas.microsoft.com/office/drawing/2014/main" id="{69217FB6-C794-4D81-A5E7-BC780DB41F30}"/>
+                <a16:creationId xmlns:a16="http://schemas.microsoft.com/office/drawing/2014/main" xmlns="" id="{69217FB6-C794-4D81-A5E7-BC780DB41F30}"/>
               </a:ext>
             </a:extLst>
           </p:cNvPr>
@@ -1760,7 +1760,7 @@
           <p:cNvPr id="5" name="Date Placeholder 4">
             <a:extLst>
               <a:ext uri="{FF2B5EF4-FFF2-40B4-BE49-F238E27FC236}">
-                <a16:creationId xmlns:a16="http://schemas.microsoft.com/office/drawing/2014/main" id="{BE85F722-6559-46B6-A031-9704F03FA631}"/>
+                <a16:creationId xmlns:a16="http://schemas.microsoft.com/office/drawing/2014/main" xmlns="" id="{BE85F722-6559-46B6-A031-9704F03FA631}"/>
               </a:ext>
             </a:extLst>
           </p:cNvPr>
@@ -1789,7 +1789,7 @@
           <p:cNvPr id="6" name="Footer Placeholder 5">
             <a:extLst>
               <a:ext uri="{FF2B5EF4-FFF2-40B4-BE49-F238E27FC236}">
-                <a16:creationId xmlns:a16="http://schemas.microsoft.com/office/drawing/2014/main" id="{43005DCA-EE35-4011-BBCE-A44B43D4928B}"/>
+                <a16:creationId xmlns:a16="http://schemas.microsoft.com/office/drawing/2014/main" xmlns="" id="{43005DCA-EE35-4011-BBCE-A44B43D4928B}"/>
               </a:ext>
             </a:extLst>
           </p:cNvPr>
@@ -1814,7 +1814,7 @@
           <p:cNvPr id="7" name="Slide Number Placeholder 6">
             <a:extLst>
               <a:ext uri="{FF2B5EF4-FFF2-40B4-BE49-F238E27FC236}">
-                <a16:creationId xmlns:a16="http://schemas.microsoft.com/office/drawing/2014/main" id="{EBCCE416-6CE7-457F-B651-D9949607C5B3}"/>
+                <a16:creationId xmlns:a16="http://schemas.microsoft.com/office/drawing/2014/main" xmlns="" id="{EBCCE416-6CE7-457F-B651-D9949607C5B3}"/>
               </a:ext>
             </a:extLst>
           </p:cNvPr>
@@ -1873,7 +1873,7 @@
           <p:cNvPr id="2" name="Title 1">
             <a:extLst>
               <a:ext uri="{FF2B5EF4-FFF2-40B4-BE49-F238E27FC236}">
-                <a16:creationId xmlns:a16="http://schemas.microsoft.com/office/drawing/2014/main" id="{12028016-80A2-493C-BAD2-F73486BF3747}"/>
+                <a16:creationId xmlns:a16="http://schemas.microsoft.com/office/drawing/2014/main" xmlns="" id="{12028016-80A2-493C-BAD2-F73486BF3747}"/>
               </a:ext>
             </a:extLst>
           </p:cNvPr>
@@ -1906,7 +1906,7 @@
           <p:cNvPr id="3" name="Text Placeholder 2">
             <a:extLst>
               <a:ext uri="{FF2B5EF4-FFF2-40B4-BE49-F238E27FC236}">
-                <a16:creationId xmlns:a16="http://schemas.microsoft.com/office/drawing/2014/main" id="{71460042-26F0-4D19-97AF-8D11535BBF16}"/>
+                <a16:creationId xmlns:a16="http://schemas.microsoft.com/office/drawing/2014/main" xmlns="" id="{71460042-26F0-4D19-97AF-8D11535BBF16}"/>
               </a:ext>
             </a:extLst>
           </p:cNvPr>
@@ -1977,7 +1977,7 @@
           <p:cNvPr id="4" name="Content Placeholder 3">
             <a:extLst>
               <a:ext uri="{FF2B5EF4-FFF2-40B4-BE49-F238E27FC236}">
-                <a16:creationId xmlns:a16="http://schemas.microsoft.com/office/drawing/2014/main" id="{968A4617-9A80-42C0-99C5-4E4304412E46}"/>
+                <a16:creationId xmlns:a16="http://schemas.microsoft.com/office/drawing/2014/main" xmlns="" id="{968A4617-9A80-42C0-99C5-4E4304412E46}"/>
               </a:ext>
             </a:extLst>
           </p:cNvPr>
@@ -2039,7 +2039,7 @@
           <p:cNvPr id="5" name="Text Placeholder 4">
             <a:extLst>
               <a:ext uri="{FF2B5EF4-FFF2-40B4-BE49-F238E27FC236}">
-                <a16:creationId xmlns:a16="http://schemas.microsoft.com/office/drawing/2014/main" id="{66BDE5AC-3F3A-49E1-B00D-F5ABE9B0B502}"/>
+                <a16:creationId xmlns:a16="http://schemas.microsoft.com/office/drawing/2014/main" xmlns="" id="{66BDE5AC-3F3A-49E1-B00D-F5ABE9B0B502}"/>
               </a:ext>
             </a:extLst>
           </p:cNvPr>
@@ -2110,7 +2110,7 @@
           <p:cNvPr id="6" name="Content Placeholder 5">
             <a:extLst>
               <a:ext uri="{FF2B5EF4-FFF2-40B4-BE49-F238E27FC236}">
-                <a16:creationId xmlns:a16="http://schemas.microsoft.com/office/drawing/2014/main" id="{236EC18B-D07C-4A68-B328-0916DE7A7B17}"/>
+                <a16:creationId xmlns:a16="http://schemas.microsoft.com/office/drawing/2014/main" xmlns="" id="{236EC18B-D07C-4A68-B328-0916DE7A7B17}"/>
               </a:ext>
             </a:extLst>
           </p:cNvPr>
@@ -2172,7 +2172,7 @@
           <p:cNvPr id="7" name="Date Placeholder 6">
             <a:extLst>
               <a:ext uri="{FF2B5EF4-FFF2-40B4-BE49-F238E27FC236}">
-                <a16:creationId xmlns:a16="http://schemas.microsoft.com/office/drawing/2014/main" id="{B41FA263-D0AD-45EF-BD1A-1E8EE367E1BF}"/>
+                <a16:creationId xmlns:a16="http://schemas.microsoft.com/office/drawing/2014/main" xmlns="" id="{B41FA263-D0AD-45EF-BD1A-1E8EE367E1BF}"/>
               </a:ext>
             </a:extLst>
           </p:cNvPr>
@@ -2201,7 +2201,7 @@
           <p:cNvPr id="8" name="Footer Placeholder 7">
             <a:extLst>
               <a:ext uri="{FF2B5EF4-FFF2-40B4-BE49-F238E27FC236}">
-                <a16:creationId xmlns:a16="http://schemas.microsoft.com/office/drawing/2014/main" id="{3DD661C0-C595-4BCC-9499-ADE3ED68D657}"/>
+                <a16:creationId xmlns:a16="http://schemas.microsoft.com/office/drawing/2014/main" xmlns="" id="{3DD661C0-C595-4BCC-9499-ADE3ED68D657}"/>
               </a:ext>
             </a:extLst>
           </p:cNvPr>
@@ -2226,7 +2226,7 @@
           <p:cNvPr id="9" name="Slide Number Placeholder 8">
             <a:extLst>
               <a:ext uri="{FF2B5EF4-FFF2-40B4-BE49-F238E27FC236}">
-                <a16:creationId xmlns:a16="http://schemas.microsoft.com/office/drawing/2014/main" id="{FCA5E7FB-383D-40E5-97FA-4BD65C4F834A}"/>
+                <a16:creationId xmlns:a16="http://schemas.microsoft.com/office/drawing/2014/main" xmlns="" id="{FCA5E7FB-383D-40E5-97FA-4BD65C4F834A}"/>
               </a:ext>
             </a:extLst>
           </p:cNvPr>
@@ -2285,7 +2285,7 @@
           <p:cNvPr id="2" name="Title 1">
             <a:extLst>
               <a:ext uri="{FF2B5EF4-FFF2-40B4-BE49-F238E27FC236}">
-                <a16:creationId xmlns:a16="http://schemas.microsoft.com/office/drawing/2014/main" id="{D5C1CC5E-D7D1-492E-AB58-A36F012D2033}"/>
+                <a16:creationId xmlns:a16="http://schemas.microsoft.com/office/drawing/2014/main" xmlns="" id="{D5C1CC5E-D7D1-492E-AB58-A36F012D2033}"/>
               </a:ext>
             </a:extLst>
           </p:cNvPr>
@@ -2313,7 +2313,7 @@
           <p:cNvPr id="3" name="Date Placeholder 2">
             <a:extLst>
               <a:ext uri="{FF2B5EF4-FFF2-40B4-BE49-F238E27FC236}">
-                <a16:creationId xmlns:a16="http://schemas.microsoft.com/office/drawing/2014/main" id="{1F109B1D-3516-465E-B4A7-C856AE085122}"/>
+                <a16:creationId xmlns:a16="http://schemas.microsoft.com/office/drawing/2014/main" xmlns="" id="{1F109B1D-3516-465E-B4A7-C856AE085122}"/>
               </a:ext>
             </a:extLst>
           </p:cNvPr>
@@ -2342,7 +2342,7 @@
           <p:cNvPr id="4" name="Footer Placeholder 3">
             <a:extLst>
               <a:ext uri="{FF2B5EF4-FFF2-40B4-BE49-F238E27FC236}">
-                <a16:creationId xmlns:a16="http://schemas.microsoft.com/office/drawing/2014/main" id="{ED507623-3AD4-4906-956E-3DB299625B53}"/>
+                <a16:creationId xmlns:a16="http://schemas.microsoft.com/office/drawing/2014/main" xmlns="" id="{ED507623-3AD4-4906-956E-3DB299625B53}"/>
               </a:ext>
             </a:extLst>
           </p:cNvPr>
@@ -2367,7 +2367,7 @@
           <p:cNvPr id="5" name="Slide Number Placeholder 4">
             <a:extLst>
               <a:ext uri="{FF2B5EF4-FFF2-40B4-BE49-F238E27FC236}">
-                <a16:creationId xmlns:a16="http://schemas.microsoft.com/office/drawing/2014/main" id="{E50535B7-75F6-48BE-AD26-EFCEC1518C35}"/>
+                <a16:creationId xmlns:a16="http://schemas.microsoft.com/office/drawing/2014/main" xmlns="" id="{E50535B7-75F6-48BE-AD26-EFCEC1518C35}"/>
               </a:ext>
             </a:extLst>
           </p:cNvPr>
@@ -2426,7 +2426,7 @@
           <p:cNvPr id="2" name="Date Placeholder 1">
             <a:extLst>
               <a:ext uri="{FF2B5EF4-FFF2-40B4-BE49-F238E27FC236}">
-                <a16:creationId xmlns:a16="http://schemas.microsoft.com/office/drawing/2014/main" id="{9C94BD29-B01C-4612-AAEE-56789B8F97CB}"/>
+                <a16:creationId xmlns:a16="http://schemas.microsoft.com/office/drawing/2014/main" xmlns="" id="{9C94BD29-B01C-4612-AAEE-56789B8F97CB}"/>
               </a:ext>
             </a:extLst>
           </p:cNvPr>
@@ -2455,7 +2455,7 @@
           <p:cNvPr id="3" name="Footer Placeholder 2">
             <a:extLst>
               <a:ext uri="{FF2B5EF4-FFF2-40B4-BE49-F238E27FC236}">
-                <a16:creationId xmlns:a16="http://schemas.microsoft.com/office/drawing/2014/main" id="{70DED8FE-3A63-4BD5-B4D9-D2EC89D3177B}"/>
+                <a16:creationId xmlns:a16="http://schemas.microsoft.com/office/drawing/2014/main" xmlns="" id="{70DED8FE-3A63-4BD5-B4D9-D2EC89D3177B}"/>
               </a:ext>
             </a:extLst>
           </p:cNvPr>
@@ -2480,7 +2480,7 @@
           <p:cNvPr id="4" name="Slide Number Placeholder 3">
             <a:extLst>
               <a:ext uri="{FF2B5EF4-FFF2-40B4-BE49-F238E27FC236}">
-                <a16:creationId xmlns:a16="http://schemas.microsoft.com/office/drawing/2014/main" id="{9289ABA2-3183-412C-B8F5-DECDA9AAAF95}"/>
+                <a16:creationId xmlns:a16="http://schemas.microsoft.com/office/drawing/2014/main" xmlns="" id="{9289ABA2-3183-412C-B8F5-DECDA9AAAF95}"/>
               </a:ext>
             </a:extLst>
           </p:cNvPr>
@@ -2539,7 +2539,7 @@
           <p:cNvPr id="2" name="Title 1">
             <a:extLst>
               <a:ext uri="{FF2B5EF4-FFF2-40B4-BE49-F238E27FC236}">
-                <a16:creationId xmlns:a16="http://schemas.microsoft.com/office/drawing/2014/main" id="{4D85E78B-794A-4E6D-BA9F-25920A0656FC}"/>
+                <a16:creationId xmlns:a16="http://schemas.microsoft.com/office/drawing/2014/main" xmlns="" id="{4D85E78B-794A-4E6D-BA9F-25920A0656FC}"/>
               </a:ext>
             </a:extLst>
           </p:cNvPr>
@@ -2576,7 +2576,7 @@
           <p:cNvPr id="3" name="Content Placeholder 2">
             <a:extLst>
               <a:ext uri="{FF2B5EF4-FFF2-40B4-BE49-F238E27FC236}">
-                <a16:creationId xmlns:a16="http://schemas.microsoft.com/office/drawing/2014/main" id="{4C8355B9-5127-4870-9EAA-3A0EAA4F76C0}"/>
+                <a16:creationId xmlns:a16="http://schemas.microsoft.com/office/drawing/2014/main" xmlns="" id="{4C8355B9-5127-4870-9EAA-3A0EAA4F76C0}"/>
               </a:ext>
             </a:extLst>
           </p:cNvPr>
@@ -2666,7 +2666,7 @@
           <p:cNvPr id="4" name="Text Placeholder 3">
             <a:extLst>
               <a:ext uri="{FF2B5EF4-FFF2-40B4-BE49-F238E27FC236}">
-                <a16:creationId xmlns:a16="http://schemas.microsoft.com/office/drawing/2014/main" id="{B9AC585D-E45B-4884-8133-896D6B9FD012}"/>
+                <a16:creationId xmlns:a16="http://schemas.microsoft.com/office/drawing/2014/main" xmlns="" id="{B9AC585D-E45B-4884-8133-896D6B9FD012}"/>
               </a:ext>
             </a:extLst>
           </p:cNvPr>
@@ -2737,7 +2737,7 @@
           <p:cNvPr id="5" name="Date Placeholder 4">
             <a:extLst>
               <a:ext uri="{FF2B5EF4-FFF2-40B4-BE49-F238E27FC236}">
-                <a16:creationId xmlns:a16="http://schemas.microsoft.com/office/drawing/2014/main" id="{1CC9432E-1F46-4064-8A02-B5FD4A391C7D}"/>
+                <a16:creationId xmlns:a16="http://schemas.microsoft.com/office/drawing/2014/main" xmlns="" id="{1CC9432E-1F46-4064-8A02-B5FD4A391C7D}"/>
               </a:ext>
             </a:extLst>
           </p:cNvPr>
@@ -2766,7 +2766,7 @@
           <p:cNvPr id="6" name="Footer Placeholder 5">
             <a:extLst>
               <a:ext uri="{FF2B5EF4-FFF2-40B4-BE49-F238E27FC236}">
-                <a16:creationId xmlns:a16="http://schemas.microsoft.com/office/drawing/2014/main" id="{042092B1-D34E-43ED-AC82-9B2070E73CD0}"/>
+                <a16:creationId xmlns:a16="http://schemas.microsoft.com/office/drawing/2014/main" xmlns="" id="{042092B1-D34E-43ED-AC82-9B2070E73CD0}"/>
               </a:ext>
             </a:extLst>
           </p:cNvPr>
@@ -2791,7 +2791,7 @@
           <p:cNvPr id="7" name="Slide Number Placeholder 6">
             <a:extLst>
               <a:ext uri="{FF2B5EF4-FFF2-40B4-BE49-F238E27FC236}">
-                <a16:creationId xmlns:a16="http://schemas.microsoft.com/office/drawing/2014/main" id="{C1A996C0-0D4C-4582-9984-89B1F905F9E2}"/>
+                <a16:creationId xmlns:a16="http://schemas.microsoft.com/office/drawing/2014/main" xmlns="" id="{C1A996C0-0D4C-4582-9984-89B1F905F9E2}"/>
               </a:ext>
             </a:extLst>
           </p:cNvPr>
@@ -2850,7 +2850,7 @@
           <p:cNvPr id="2" name="Title 1">
             <a:extLst>
               <a:ext uri="{FF2B5EF4-FFF2-40B4-BE49-F238E27FC236}">
-                <a16:creationId xmlns:a16="http://schemas.microsoft.com/office/drawing/2014/main" id="{98C2F291-7BE1-41EF-BB2F-A748B93558DB}"/>
+                <a16:creationId xmlns:a16="http://schemas.microsoft.com/office/drawing/2014/main" xmlns="" id="{98C2F291-7BE1-41EF-BB2F-A748B93558DB}"/>
               </a:ext>
             </a:extLst>
           </p:cNvPr>
@@ -2887,7 +2887,7 @@
           <p:cNvPr id="3" name="Picture Placeholder 2">
             <a:extLst>
               <a:ext uri="{FF2B5EF4-FFF2-40B4-BE49-F238E27FC236}">
-                <a16:creationId xmlns:a16="http://schemas.microsoft.com/office/drawing/2014/main" id="{3886DADD-1051-4AA5-8E2A-D2B463C3ED05}"/>
+                <a16:creationId xmlns:a16="http://schemas.microsoft.com/office/drawing/2014/main" xmlns="" id="{3886DADD-1051-4AA5-8E2A-D2B463C3ED05}"/>
               </a:ext>
             </a:extLst>
           </p:cNvPr>
@@ -2954,7 +2954,7 @@
           <p:cNvPr id="4" name="Text Placeholder 3">
             <a:extLst>
               <a:ext uri="{FF2B5EF4-FFF2-40B4-BE49-F238E27FC236}">
-                <a16:creationId xmlns:a16="http://schemas.microsoft.com/office/drawing/2014/main" id="{3A8CEA21-16EB-4A94-9944-3647BB6BA8D5}"/>
+                <a16:creationId xmlns:a16="http://schemas.microsoft.com/office/drawing/2014/main" xmlns="" id="{3A8CEA21-16EB-4A94-9944-3647BB6BA8D5}"/>
               </a:ext>
             </a:extLst>
           </p:cNvPr>
@@ -3025,7 +3025,7 @@
           <p:cNvPr id="5" name="Date Placeholder 4">
             <a:extLst>
               <a:ext uri="{FF2B5EF4-FFF2-40B4-BE49-F238E27FC236}">
-                <a16:creationId xmlns:a16="http://schemas.microsoft.com/office/drawing/2014/main" id="{688DB44F-3059-4092-AD1A-7504EEF36CE6}"/>
+                <a16:creationId xmlns:a16="http://schemas.microsoft.com/office/drawing/2014/main" xmlns="" id="{688DB44F-3059-4092-AD1A-7504EEF36CE6}"/>
               </a:ext>
             </a:extLst>
           </p:cNvPr>
@@ -3054,7 +3054,7 @@
           <p:cNvPr id="6" name="Footer Placeholder 5">
             <a:extLst>
               <a:ext uri="{FF2B5EF4-FFF2-40B4-BE49-F238E27FC236}">
-                <a16:creationId xmlns:a16="http://schemas.microsoft.com/office/drawing/2014/main" id="{B35C929B-9E2A-47DE-873A-02CE39525023}"/>
+                <a16:creationId xmlns:a16="http://schemas.microsoft.com/office/drawing/2014/main" xmlns="" id="{B35C929B-9E2A-47DE-873A-02CE39525023}"/>
               </a:ext>
             </a:extLst>
           </p:cNvPr>
@@ -3079,7 +3079,7 @@
           <p:cNvPr id="7" name="Slide Number Placeholder 6">
             <a:extLst>
               <a:ext uri="{FF2B5EF4-FFF2-40B4-BE49-F238E27FC236}">
-                <a16:creationId xmlns:a16="http://schemas.microsoft.com/office/drawing/2014/main" id="{AAA4813F-F911-4447-B66E-08B88D2CF718}"/>
+                <a16:creationId xmlns:a16="http://schemas.microsoft.com/office/drawing/2014/main" xmlns="" id="{AAA4813F-F911-4447-B66E-08B88D2CF718}"/>
               </a:ext>
             </a:extLst>
           </p:cNvPr>
@@ -3143,7 +3143,7 @@
           <p:cNvPr id="2" name="Title Placeholder 1">
             <a:extLst>
               <a:ext uri="{FF2B5EF4-FFF2-40B4-BE49-F238E27FC236}">
-                <a16:creationId xmlns:a16="http://schemas.microsoft.com/office/drawing/2014/main" id="{8057EEA8-3535-4679-826C-98302F743460}"/>
+                <a16:creationId xmlns:a16="http://schemas.microsoft.com/office/drawing/2014/main" xmlns="" id="{8057EEA8-3535-4679-826C-98302F743460}"/>
               </a:ext>
             </a:extLst>
           </p:cNvPr>
@@ -3181,7 +3181,7 @@
           <p:cNvPr id="3" name="Text Placeholder 2">
             <a:extLst>
               <a:ext uri="{FF2B5EF4-FFF2-40B4-BE49-F238E27FC236}">
-                <a16:creationId xmlns:a16="http://schemas.microsoft.com/office/drawing/2014/main" id="{AF37BD19-7260-4B33-B4CA-FFA7A56E23B8}"/>
+                <a16:creationId xmlns:a16="http://schemas.microsoft.com/office/drawing/2014/main" xmlns="" id="{AF37BD19-7260-4B33-B4CA-FFA7A56E23B8}"/>
               </a:ext>
             </a:extLst>
           </p:cNvPr>
@@ -3248,7 +3248,7 @@
           <p:cNvPr id="4" name="Date Placeholder 3">
             <a:extLst>
               <a:ext uri="{FF2B5EF4-FFF2-40B4-BE49-F238E27FC236}">
-                <a16:creationId xmlns:a16="http://schemas.microsoft.com/office/drawing/2014/main" id="{CAE3F551-FEA9-4AC8-907E-F464AD03C7CF}"/>
+                <a16:creationId xmlns:a16="http://schemas.microsoft.com/office/drawing/2014/main" xmlns="" id="{CAE3F551-FEA9-4AC8-907E-F464AD03C7CF}"/>
               </a:ext>
             </a:extLst>
           </p:cNvPr>
@@ -3295,7 +3295,7 @@
           <p:cNvPr id="5" name="Footer Placeholder 4">
             <a:extLst>
               <a:ext uri="{FF2B5EF4-FFF2-40B4-BE49-F238E27FC236}">
-                <a16:creationId xmlns:a16="http://schemas.microsoft.com/office/drawing/2014/main" id="{9F3A1DFC-4437-46F7-9F8F-A3B4C12FB65C}"/>
+                <a16:creationId xmlns:a16="http://schemas.microsoft.com/office/drawing/2014/main" xmlns="" id="{9F3A1DFC-4437-46F7-9F8F-A3B4C12FB65C}"/>
               </a:ext>
             </a:extLst>
           </p:cNvPr>
@@ -3338,7 +3338,7 @@
           <p:cNvPr id="6" name="Slide Number Placeholder 5">
             <a:extLst>
               <a:ext uri="{FF2B5EF4-FFF2-40B4-BE49-F238E27FC236}">
-                <a16:creationId xmlns:a16="http://schemas.microsoft.com/office/drawing/2014/main" id="{F231CB4B-700E-41BE-B19E-449274381105}"/>
+                <a16:creationId xmlns:a16="http://schemas.microsoft.com/office/drawing/2014/main" xmlns="" id="{F231CB4B-700E-41BE-B19E-449274381105}"/>
               </a:ext>
             </a:extLst>
           </p:cNvPr>
@@ -3707,7 +3707,7 @@
           <p:cNvPr id="8" name="Title 1">
             <a:extLst>
               <a:ext uri="{FF2B5EF4-FFF2-40B4-BE49-F238E27FC236}">
-                <a16:creationId xmlns:a16="http://schemas.microsoft.com/office/drawing/2014/main" id="{2A63AA7F-5772-4352-BFEE-F60D9B7A4536}"/>
+                <a16:creationId xmlns:a16="http://schemas.microsoft.com/office/drawing/2014/main" xmlns="" id="{2A63AA7F-5772-4352-BFEE-F60D9B7A4536}"/>
               </a:ext>
             </a:extLst>
           </p:cNvPr>
@@ -3746,7 +3746,7 @@
           <p:cNvPr id="9" name="Subtitle 2">
             <a:extLst>
               <a:ext uri="{FF2B5EF4-FFF2-40B4-BE49-F238E27FC236}">
-                <a16:creationId xmlns:a16="http://schemas.microsoft.com/office/drawing/2014/main" id="{B58A8D68-3E61-45ED-A10C-6C6894DB002B}"/>
+                <a16:creationId xmlns:a16="http://schemas.microsoft.com/office/drawing/2014/main" xmlns="" id="{B58A8D68-3E61-45ED-A10C-6C6894DB002B}"/>
               </a:ext>
             </a:extLst>
           </p:cNvPr>
@@ -3816,7 +3816,7 @@
           <p:cNvPr id="11" name="Picture 10" descr="Football ball in goal">
             <a:extLst>
               <a:ext uri="{FF2B5EF4-FFF2-40B4-BE49-F238E27FC236}">
-                <a16:creationId xmlns:a16="http://schemas.microsoft.com/office/drawing/2014/main" id="{048B0899-43EE-21D1-2138-892E6609B295}"/>
+                <a16:creationId xmlns:a16="http://schemas.microsoft.com/office/drawing/2014/main" xmlns="" id="{048B0899-43EE-21D1-2138-892E6609B295}"/>
               </a:ext>
             </a:extLst>
           </p:cNvPr>
@@ -4309,7 +4309,7 @@
           <p:cNvPr id="2" name="Slide Number Placeholder 1">
             <a:extLst>
               <a:ext uri="{FF2B5EF4-FFF2-40B4-BE49-F238E27FC236}">
-                <a16:creationId xmlns:a16="http://schemas.microsoft.com/office/drawing/2014/main" id="{02BA0B0E-44A7-43F7-9235-6A5465736311}"/>
+                <a16:creationId xmlns:a16="http://schemas.microsoft.com/office/drawing/2014/main" xmlns="" id="{02BA0B0E-44A7-43F7-9235-6A5465736311}"/>
               </a:ext>
             </a:extLst>
           </p:cNvPr>
@@ -4368,7 +4368,7 @@
           <p:cNvPr id="12" name="Imagen 11">
             <a:extLst>
               <a:ext uri="{FF2B5EF4-FFF2-40B4-BE49-F238E27FC236}">
-                <a16:creationId xmlns:a16="http://schemas.microsoft.com/office/drawing/2014/main" id="{9F999587-A626-4D80-BBDE-BE764F793500}"/>
+                <a16:creationId xmlns:a16="http://schemas.microsoft.com/office/drawing/2014/main" xmlns="" id="{9F999587-A626-4D80-BBDE-BE764F793500}"/>
               </a:ext>
             </a:extLst>
           </p:cNvPr>
@@ -4397,7 +4397,7 @@
           <p:cNvPr id="3" name="TextBox 2">
             <a:extLst>
               <a:ext uri="{FF2B5EF4-FFF2-40B4-BE49-F238E27FC236}">
-                <a16:creationId xmlns:a16="http://schemas.microsoft.com/office/drawing/2014/main" id="{4D0C753E-D2B8-4F7B-BC81-F73E5E8F32C4}"/>
+                <a16:creationId xmlns:a16="http://schemas.microsoft.com/office/drawing/2014/main" xmlns="" id="{4D0C753E-D2B8-4F7B-BC81-F73E5E8F32C4}"/>
               </a:ext>
             </a:extLst>
           </p:cNvPr>
@@ -4435,7 +4435,7 @@
           <p:cNvPr id="2" name="Slide Number Placeholder 1">
             <a:extLst>
               <a:ext uri="{FF2B5EF4-FFF2-40B4-BE49-F238E27FC236}">
-                <a16:creationId xmlns:a16="http://schemas.microsoft.com/office/drawing/2014/main" id="{23CCFA8E-F184-4429-BBE5-80A3755DB0FA}"/>
+                <a16:creationId xmlns:a16="http://schemas.microsoft.com/office/drawing/2014/main" xmlns="" id="{23CCFA8E-F184-4429-BBE5-80A3755DB0FA}"/>
               </a:ext>
             </a:extLst>
           </p:cNvPr>
@@ -4494,7 +4494,7 @@
           <p:cNvPr id="2" name="TextBox 1">
             <a:extLst>
               <a:ext uri="{FF2B5EF4-FFF2-40B4-BE49-F238E27FC236}">
-                <a16:creationId xmlns:a16="http://schemas.microsoft.com/office/drawing/2014/main" id="{742EF216-75D4-4734-B156-3EDB09F9CE9B}"/>
+                <a16:creationId xmlns:a16="http://schemas.microsoft.com/office/drawing/2014/main" xmlns="" id="{742EF216-75D4-4734-B156-3EDB09F9CE9B}"/>
               </a:ext>
             </a:extLst>
           </p:cNvPr>
@@ -4533,7 +4533,7 @@
           <p:cNvPr id="3" name="Straight Connector 2">
             <a:extLst>
               <a:ext uri="{FF2B5EF4-FFF2-40B4-BE49-F238E27FC236}">
-                <a16:creationId xmlns:a16="http://schemas.microsoft.com/office/drawing/2014/main" id="{B493E240-C89A-4822-B4C3-EC3A33AD45FA}"/>
+                <a16:creationId xmlns:a16="http://schemas.microsoft.com/office/drawing/2014/main" xmlns="" id="{B493E240-C89A-4822-B4C3-EC3A33AD45FA}"/>
               </a:ext>
             </a:extLst>
           </p:cNvPr>
@@ -4574,7 +4574,7 @@
           <p:cNvPr id="4" name="TextBox 3">
             <a:extLst>
               <a:ext uri="{FF2B5EF4-FFF2-40B4-BE49-F238E27FC236}">
-                <a16:creationId xmlns:a16="http://schemas.microsoft.com/office/drawing/2014/main" id="{9EAF4BF5-F510-49EE-8E26-0511CB451A3D}"/>
+                <a16:creationId xmlns:a16="http://schemas.microsoft.com/office/drawing/2014/main" xmlns="" id="{9EAF4BF5-F510-49EE-8E26-0511CB451A3D}"/>
               </a:ext>
             </a:extLst>
           </p:cNvPr>
@@ -4612,7 +4612,7 @@
           <p:cNvPr id="5" name="TextBox 4">
             <a:extLst>
               <a:ext uri="{FF2B5EF4-FFF2-40B4-BE49-F238E27FC236}">
-                <a16:creationId xmlns:a16="http://schemas.microsoft.com/office/drawing/2014/main" id="{5968C956-CF53-42BE-BD91-C3E651F6F5C6}"/>
+                <a16:creationId xmlns:a16="http://schemas.microsoft.com/office/drawing/2014/main" xmlns="" id="{5968C956-CF53-42BE-BD91-C3E651F6F5C6}"/>
               </a:ext>
             </a:extLst>
           </p:cNvPr>
@@ -4650,7 +4650,7 @@
           <p:cNvPr id="6" name="Slide Number Placeholder 5">
             <a:extLst>
               <a:ext uri="{FF2B5EF4-FFF2-40B4-BE49-F238E27FC236}">
-                <a16:creationId xmlns:a16="http://schemas.microsoft.com/office/drawing/2014/main" id="{EA756F38-2AA8-4B2C-8487-0F5B994DD12C}"/>
+                <a16:creationId xmlns:a16="http://schemas.microsoft.com/office/drawing/2014/main" xmlns="" id="{EA756F38-2AA8-4B2C-8487-0F5B994DD12C}"/>
               </a:ext>
             </a:extLst>
           </p:cNvPr>
@@ -4709,7 +4709,7 @@
           <p:cNvPr id="2" name="Straight Connector 1">
             <a:extLst>
               <a:ext uri="{FF2B5EF4-FFF2-40B4-BE49-F238E27FC236}">
-                <a16:creationId xmlns:a16="http://schemas.microsoft.com/office/drawing/2014/main" id="{EE905CE2-8908-4191-AD04-9750412658A3}"/>
+                <a16:creationId xmlns:a16="http://schemas.microsoft.com/office/drawing/2014/main" xmlns="" id="{EE905CE2-8908-4191-AD04-9750412658A3}"/>
               </a:ext>
             </a:extLst>
           </p:cNvPr>
@@ -4750,7 +4750,7 @@
           <p:cNvPr id="3" name="TextBox 2">
             <a:extLst>
               <a:ext uri="{FF2B5EF4-FFF2-40B4-BE49-F238E27FC236}">
-                <a16:creationId xmlns:a16="http://schemas.microsoft.com/office/drawing/2014/main" id="{C643D531-7E8B-4760-8A5A-4C20FE94E1D0}"/>
+                <a16:creationId xmlns:a16="http://schemas.microsoft.com/office/drawing/2014/main" xmlns="" id="{C643D531-7E8B-4760-8A5A-4C20FE94E1D0}"/>
               </a:ext>
             </a:extLst>
           </p:cNvPr>
@@ -4788,7 +4788,7 @@
           <p:cNvPr id="8" name="Group 7">
             <a:extLst>
               <a:ext uri="{FF2B5EF4-FFF2-40B4-BE49-F238E27FC236}">
-                <a16:creationId xmlns:a16="http://schemas.microsoft.com/office/drawing/2014/main" id="{D56D44EB-9B4A-4942-BA2D-21CC24E1630F}"/>
+                <a16:creationId xmlns:a16="http://schemas.microsoft.com/office/drawing/2014/main" xmlns="" id="{D56D44EB-9B4A-4942-BA2D-21CC24E1630F}"/>
               </a:ext>
             </a:extLst>
           </p:cNvPr>
@@ -4808,7 +4808,7 @@
             <p:cNvPr id="5" name="Picture 4" descr="Graphical user interface, application&#10;&#10;Description automatically generated">
               <a:extLst>
                 <a:ext uri="{FF2B5EF4-FFF2-40B4-BE49-F238E27FC236}">
-                  <a16:creationId xmlns:a16="http://schemas.microsoft.com/office/drawing/2014/main" id="{199DE427-4248-4E0B-905E-17DCC5355BC3}"/>
+                  <a16:creationId xmlns:a16="http://schemas.microsoft.com/office/drawing/2014/main" xmlns="" id="{199DE427-4248-4E0B-905E-17DCC5355BC3}"/>
                 </a:ext>
               </a:extLst>
             </p:cNvPr>
@@ -4843,7 +4843,7 @@
             <p:cNvPr id="7" name="Picture 6" descr="Text&#10;&#10;Description automatically generated">
               <a:extLst>
                 <a:ext uri="{FF2B5EF4-FFF2-40B4-BE49-F238E27FC236}">
-                  <a16:creationId xmlns:a16="http://schemas.microsoft.com/office/drawing/2014/main" id="{2CC1C528-A443-4FAB-938F-D72C1CC041BF}"/>
+                  <a16:creationId xmlns:a16="http://schemas.microsoft.com/office/drawing/2014/main" xmlns="" id="{2CC1C528-A443-4FAB-938F-D72C1CC041BF}"/>
                 </a:ext>
               </a:extLst>
             </p:cNvPr>
@@ -4880,7 +4880,7 @@
           <p:cNvPr id="9" name="Rectangle 8">
             <a:extLst>
               <a:ext uri="{FF2B5EF4-FFF2-40B4-BE49-F238E27FC236}">
-                <a16:creationId xmlns:a16="http://schemas.microsoft.com/office/drawing/2014/main" id="{F99468AA-2A75-4214-862D-2CA3304F500A}"/>
+                <a16:creationId xmlns:a16="http://schemas.microsoft.com/office/drawing/2014/main" xmlns="" id="{F99468AA-2A75-4214-862D-2CA3304F500A}"/>
               </a:ext>
             </a:extLst>
           </p:cNvPr>
@@ -4932,7 +4932,7 @@
           <p:cNvPr id="10" name="TextBox 9">
             <a:extLst>
               <a:ext uri="{FF2B5EF4-FFF2-40B4-BE49-F238E27FC236}">
-                <a16:creationId xmlns:a16="http://schemas.microsoft.com/office/drawing/2014/main" id="{4329DCDD-E468-44B0-AB84-11ED123E245F}"/>
+                <a16:creationId xmlns:a16="http://schemas.microsoft.com/office/drawing/2014/main" xmlns="" id="{4329DCDD-E468-44B0-AB84-11ED123E245F}"/>
               </a:ext>
             </a:extLst>
           </p:cNvPr>
@@ -4970,7 +4970,7 @@
           <p:cNvPr id="4" name="Slide Number Placeholder 3">
             <a:extLst>
               <a:ext uri="{FF2B5EF4-FFF2-40B4-BE49-F238E27FC236}">
-                <a16:creationId xmlns:a16="http://schemas.microsoft.com/office/drawing/2014/main" id="{B19A1528-7935-4AAB-97B3-DE91F973F836}"/>
+                <a16:creationId xmlns:a16="http://schemas.microsoft.com/office/drawing/2014/main" xmlns="" id="{B19A1528-7935-4AAB-97B3-DE91F973F836}"/>
               </a:ext>
             </a:extLst>
           </p:cNvPr>
@@ -5029,7 +5029,7 @@
           <p:cNvPr id="28" name="Straight Connector 27">
             <a:extLst>
               <a:ext uri="{FF2B5EF4-FFF2-40B4-BE49-F238E27FC236}">
-                <a16:creationId xmlns:a16="http://schemas.microsoft.com/office/drawing/2014/main" id="{5BC01C7A-1442-4981-9CA7-DBED2A4FA907}"/>
+                <a16:creationId xmlns:a16="http://schemas.microsoft.com/office/drawing/2014/main" xmlns="" id="{5BC01C7A-1442-4981-9CA7-DBED2A4FA907}"/>
               </a:ext>
             </a:extLst>
           </p:cNvPr>
@@ -5070,7 +5070,7 @@
           <p:cNvPr id="29" name="TextBox 28">
             <a:extLst>
               <a:ext uri="{FF2B5EF4-FFF2-40B4-BE49-F238E27FC236}">
-                <a16:creationId xmlns:a16="http://schemas.microsoft.com/office/drawing/2014/main" id="{FD8A799C-BE52-4998-90B7-F7B21AE43B0E}"/>
+                <a16:creationId xmlns:a16="http://schemas.microsoft.com/office/drawing/2014/main" xmlns="" id="{FD8A799C-BE52-4998-90B7-F7B21AE43B0E}"/>
               </a:ext>
             </a:extLst>
           </p:cNvPr>
@@ -5108,7 +5108,7 @@
           <p:cNvPr id="8" name="Rectangle: Rounded Corners 7">
             <a:extLst>
               <a:ext uri="{FF2B5EF4-FFF2-40B4-BE49-F238E27FC236}">
-                <a16:creationId xmlns:a16="http://schemas.microsoft.com/office/drawing/2014/main" id="{F4435332-69FC-4D75-B3A6-EA7EB1DA13F2}"/>
+                <a16:creationId xmlns:a16="http://schemas.microsoft.com/office/drawing/2014/main" xmlns="" id="{F4435332-69FC-4D75-B3A6-EA7EB1DA13F2}"/>
               </a:ext>
             </a:extLst>
           </p:cNvPr>
@@ -5183,7 +5183,7 @@
           <p:cNvPr id="9" name="Rectangle: Rounded Corners 8">
             <a:extLst>
               <a:ext uri="{FF2B5EF4-FFF2-40B4-BE49-F238E27FC236}">
-                <a16:creationId xmlns:a16="http://schemas.microsoft.com/office/drawing/2014/main" id="{1F7799C2-40DE-491E-922C-E05F43B64704}"/>
+                <a16:creationId xmlns:a16="http://schemas.microsoft.com/office/drawing/2014/main" xmlns="" id="{1F7799C2-40DE-491E-922C-E05F43B64704}"/>
               </a:ext>
             </a:extLst>
           </p:cNvPr>
@@ -5258,7 +5258,7 @@
           <p:cNvPr id="10" name="Rectangle: Rounded Corners 9">
             <a:extLst>
               <a:ext uri="{FF2B5EF4-FFF2-40B4-BE49-F238E27FC236}">
-                <a16:creationId xmlns:a16="http://schemas.microsoft.com/office/drawing/2014/main" id="{C41A0105-3D0A-41A6-979A-05BB97B6C5C7}"/>
+                <a16:creationId xmlns:a16="http://schemas.microsoft.com/office/drawing/2014/main" xmlns="" id="{C41A0105-3D0A-41A6-979A-05BB97B6C5C7}"/>
               </a:ext>
             </a:extLst>
           </p:cNvPr>
@@ -5333,7 +5333,7 @@
           <p:cNvPr id="11" name="Rectangle: Rounded Corners 10">
             <a:extLst>
               <a:ext uri="{FF2B5EF4-FFF2-40B4-BE49-F238E27FC236}">
-                <a16:creationId xmlns:a16="http://schemas.microsoft.com/office/drawing/2014/main" id="{61A8BB1B-DF19-4230-B91C-FA1B01C9D034}"/>
+                <a16:creationId xmlns:a16="http://schemas.microsoft.com/office/drawing/2014/main" xmlns="" id="{61A8BB1B-DF19-4230-B91C-FA1B01C9D034}"/>
               </a:ext>
             </a:extLst>
           </p:cNvPr>
@@ -5408,7 +5408,7 @@
           <p:cNvPr id="12" name="Rectangle: Rounded Corners 11">
             <a:extLst>
               <a:ext uri="{FF2B5EF4-FFF2-40B4-BE49-F238E27FC236}">
-                <a16:creationId xmlns:a16="http://schemas.microsoft.com/office/drawing/2014/main" id="{C9762CBF-3494-4AB6-8F84-63E4F89FFE81}"/>
+                <a16:creationId xmlns:a16="http://schemas.microsoft.com/office/drawing/2014/main" xmlns="" id="{C9762CBF-3494-4AB6-8F84-63E4F89FFE81}"/>
               </a:ext>
             </a:extLst>
           </p:cNvPr>
@@ -5483,7 +5483,7 @@
           <p:cNvPr id="13" name="Rectangle: Rounded Corners 12">
             <a:extLst>
               <a:ext uri="{FF2B5EF4-FFF2-40B4-BE49-F238E27FC236}">
-                <a16:creationId xmlns:a16="http://schemas.microsoft.com/office/drawing/2014/main" id="{0AD5A17F-D6F5-4898-90E7-32F83AD408E4}"/>
+                <a16:creationId xmlns:a16="http://schemas.microsoft.com/office/drawing/2014/main" xmlns="" id="{0AD5A17F-D6F5-4898-90E7-32F83AD408E4}"/>
               </a:ext>
             </a:extLst>
           </p:cNvPr>
@@ -5558,7 +5558,7 @@
           <p:cNvPr id="14" name="Rectangle: Rounded Corners 13">
             <a:extLst>
               <a:ext uri="{FF2B5EF4-FFF2-40B4-BE49-F238E27FC236}">
-                <a16:creationId xmlns:a16="http://schemas.microsoft.com/office/drawing/2014/main" id="{427388F0-F1BF-49F1-AB90-BF4F855265CB}"/>
+                <a16:creationId xmlns:a16="http://schemas.microsoft.com/office/drawing/2014/main" xmlns="" id="{427388F0-F1BF-49F1-AB90-BF4F855265CB}"/>
               </a:ext>
             </a:extLst>
           </p:cNvPr>
@@ -5633,7 +5633,7 @@
           <p:cNvPr id="15" name="Rectangle: Rounded Corners 14">
             <a:extLst>
               <a:ext uri="{FF2B5EF4-FFF2-40B4-BE49-F238E27FC236}">
-                <a16:creationId xmlns:a16="http://schemas.microsoft.com/office/drawing/2014/main" id="{F4F36732-5BAB-40B0-8F96-050D67939387}"/>
+                <a16:creationId xmlns:a16="http://schemas.microsoft.com/office/drawing/2014/main" xmlns="" id="{F4F36732-5BAB-40B0-8F96-050D67939387}"/>
               </a:ext>
             </a:extLst>
           </p:cNvPr>
@@ -5708,7 +5708,7 @@
           <p:cNvPr id="16" name="Rectangle: Rounded Corners 15">
             <a:extLst>
               <a:ext uri="{FF2B5EF4-FFF2-40B4-BE49-F238E27FC236}">
-                <a16:creationId xmlns:a16="http://schemas.microsoft.com/office/drawing/2014/main" id="{CA09CD9D-372F-45B5-B665-D4CC658FCC48}"/>
+                <a16:creationId xmlns:a16="http://schemas.microsoft.com/office/drawing/2014/main" xmlns="" id="{CA09CD9D-372F-45B5-B665-D4CC658FCC48}"/>
               </a:ext>
             </a:extLst>
           </p:cNvPr>
@@ -5774,7 +5774,7 @@
           <p:cNvPr id="17" name="Rectangle: Rounded Corners 16">
             <a:extLst>
               <a:ext uri="{FF2B5EF4-FFF2-40B4-BE49-F238E27FC236}">
-                <a16:creationId xmlns:a16="http://schemas.microsoft.com/office/drawing/2014/main" id="{4D38B512-7E7D-4A61-8C38-D1BF4269173E}"/>
+                <a16:creationId xmlns:a16="http://schemas.microsoft.com/office/drawing/2014/main" xmlns="" id="{4D38B512-7E7D-4A61-8C38-D1BF4269173E}"/>
               </a:ext>
             </a:extLst>
           </p:cNvPr>
@@ -5840,7 +5840,7 @@
           <p:cNvPr id="18" name="Rectangle: Rounded Corners 17">
             <a:extLst>
               <a:ext uri="{FF2B5EF4-FFF2-40B4-BE49-F238E27FC236}">
-                <a16:creationId xmlns:a16="http://schemas.microsoft.com/office/drawing/2014/main" id="{4077607C-E917-47B5-B2B0-FE2CD453C596}"/>
+                <a16:creationId xmlns:a16="http://schemas.microsoft.com/office/drawing/2014/main" xmlns="" id="{4077607C-E917-47B5-B2B0-FE2CD453C596}"/>
               </a:ext>
             </a:extLst>
           </p:cNvPr>
@@ -5906,7 +5906,7 @@
           <p:cNvPr id="19" name="Rectangle: Rounded Corners 18">
             <a:extLst>
               <a:ext uri="{FF2B5EF4-FFF2-40B4-BE49-F238E27FC236}">
-                <a16:creationId xmlns:a16="http://schemas.microsoft.com/office/drawing/2014/main" id="{61F80F85-6FCC-413C-8C38-5A0E48E467F7}"/>
+                <a16:creationId xmlns:a16="http://schemas.microsoft.com/office/drawing/2014/main" xmlns="" id="{61F80F85-6FCC-413C-8C38-5A0E48E467F7}"/>
               </a:ext>
             </a:extLst>
           </p:cNvPr>
@@ -5972,7 +5972,7 @@
           <p:cNvPr id="20" name="Rectangle: Rounded Corners 19">
             <a:extLst>
               <a:ext uri="{FF2B5EF4-FFF2-40B4-BE49-F238E27FC236}">
-                <a16:creationId xmlns:a16="http://schemas.microsoft.com/office/drawing/2014/main" id="{CBB470BF-A936-4D60-B1A2-03A93D25CD47}"/>
+                <a16:creationId xmlns:a16="http://schemas.microsoft.com/office/drawing/2014/main" xmlns="" id="{CBB470BF-A936-4D60-B1A2-03A93D25CD47}"/>
               </a:ext>
             </a:extLst>
           </p:cNvPr>
@@ -6038,7 +6038,7 @@
           <p:cNvPr id="21" name="Rectangle: Rounded Corners 20">
             <a:extLst>
               <a:ext uri="{FF2B5EF4-FFF2-40B4-BE49-F238E27FC236}">
-                <a16:creationId xmlns:a16="http://schemas.microsoft.com/office/drawing/2014/main" id="{F76D9321-06A5-4A29-A115-ADE0DFF6AADD}"/>
+                <a16:creationId xmlns:a16="http://schemas.microsoft.com/office/drawing/2014/main" xmlns="" id="{F76D9321-06A5-4A29-A115-ADE0DFF6AADD}"/>
               </a:ext>
             </a:extLst>
           </p:cNvPr>
@@ -6104,7 +6104,7 @@
           <p:cNvPr id="22" name="Rectangle: Rounded Corners 21">
             <a:extLst>
               <a:ext uri="{FF2B5EF4-FFF2-40B4-BE49-F238E27FC236}">
-                <a16:creationId xmlns:a16="http://schemas.microsoft.com/office/drawing/2014/main" id="{D48F64A5-A45D-4254-B2D2-4763B59951C3}"/>
+                <a16:creationId xmlns:a16="http://schemas.microsoft.com/office/drawing/2014/main" xmlns="" id="{D48F64A5-A45D-4254-B2D2-4763B59951C3}"/>
               </a:ext>
             </a:extLst>
           </p:cNvPr>
@@ -6170,7 +6170,7 @@
           <p:cNvPr id="23" name="Rectangle: Rounded Corners 22">
             <a:extLst>
               <a:ext uri="{FF2B5EF4-FFF2-40B4-BE49-F238E27FC236}">
-                <a16:creationId xmlns:a16="http://schemas.microsoft.com/office/drawing/2014/main" id="{1F8CE15E-2EC7-419B-9B10-0944E4E7BB64}"/>
+                <a16:creationId xmlns:a16="http://schemas.microsoft.com/office/drawing/2014/main" xmlns="" id="{1F8CE15E-2EC7-419B-9B10-0944E4E7BB64}"/>
               </a:ext>
             </a:extLst>
           </p:cNvPr>
@@ -6236,7 +6236,7 @@
           <p:cNvPr id="24" name="TextBox 23">
             <a:extLst>
               <a:ext uri="{FF2B5EF4-FFF2-40B4-BE49-F238E27FC236}">
-                <a16:creationId xmlns:a16="http://schemas.microsoft.com/office/drawing/2014/main" id="{1D72480D-C09C-42F2-AF4C-B3877C177CC3}"/>
+                <a16:creationId xmlns:a16="http://schemas.microsoft.com/office/drawing/2014/main" xmlns="" id="{1D72480D-C09C-42F2-AF4C-B3877C177CC3}"/>
               </a:ext>
             </a:extLst>
           </p:cNvPr>
@@ -6310,7 +6310,7 @@
           <p:cNvPr id="25" name="TextBox 24">
             <a:extLst>
               <a:ext uri="{FF2B5EF4-FFF2-40B4-BE49-F238E27FC236}">
-                <a16:creationId xmlns:a16="http://schemas.microsoft.com/office/drawing/2014/main" id="{26160063-FD4F-4FF6-B323-B31EE539258B}"/>
+                <a16:creationId xmlns:a16="http://schemas.microsoft.com/office/drawing/2014/main" xmlns="" id="{26160063-FD4F-4FF6-B323-B31EE539258B}"/>
               </a:ext>
             </a:extLst>
           </p:cNvPr>
@@ -6384,7 +6384,7 @@
           <p:cNvPr id="26" name="TextBox 25">
             <a:extLst>
               <a:ext uri="{FF2B5EF4-FFF2-40B4-BE49-F238E27FC236}">
-                <a16:creationId xmlns:a16="http://schemas.microsoft.com/office/drawing/2014/main" id="{A8BA53C5-77CF-4DDD-8C5C-056D334E73EE}"/>
+                <a16:creationId xmlns:a16="http://schemas.microsoft.com/office/drawing/2014/main" xmlns="" id="{A8BA53C5-77CF-4DDD-8C5C-056D334E73EE}"/>
               </a:ext>
             </a:extLst>
           </p:cNvPr>
@@ -6458,7 +6458,7 @@
           <p:cNvPr id="27" name="TextBox 26">
             <a:extLst>
               <a:ext uri="{FF2B5EF4-FFF2-40B4-BE49-F238E27FC236}">
-                <a16:creationId xmlns:a16="http://schemas.microsoft.com/office/drawing/2014/main" id="{73233433-E353-4C36-A84A-DA39FC0FE1EE}"/>
+                <a16:creationId xmlns:a16="http://schemas.microsoft.com/office/drawing/2014/main" xmlns="" id="{73233433-E353-4C36-A84A-DA39FC0FE1EE}"/>
               </a:ext>
             </a:extLst>
           </p:cNvPr>
@@ -6532,7 +6532,7 @@
           <p:cNvPr id="4" name="TextBox 3">
             <a:extLst>
               <a:ext uri="{FF2B5EF4-FFF2-40B4-BE49-F238E27FC236}">
-                <a16:creationId xmlns:a16="http://schemas.microsoft.com/office/drawing/2014/main" id="{A2AD06CB-AC0F-4628-A6C5-065165D1D398}"/>
+                <a16:creationId xmlns:a16="http://schemas.microsoft.com/office/drawing/2014/main" xmlns="" id="{A2AD06CB-AC0F-4628-A6C5-065165D1D398}"/>
               </a:ext>
             </a:extLst>
           </p:cNvPr>
@@ -6597,7 +6597,7 @@
           <p:cNvPr id="5" name="TextBox 4">
             <a:extLst>
               <a:ext uri="{FF2B5EF4-FFF2-40B4-BE49-F238E27FC236}">
-                <a16:creationId xmlns:a16="http://schemas.microsoft.com/office/drawing/2014/main" id="{29DD3659-D9E9-4D4E-B5B3-94B67A848518}"/>
+                <a16:creationId xmlns:a16="http://schemas.microsoft.com/office/drawing/2014/main" xmlns="" id="{29DD3659-D9E9-4D4E-B5B3-94B67A848518}"/>
               </a:ext>
             </a:extLst>
           </p:cNvPr>
@@ -6662,7 +6662,7 @@
           <p:cNvPr id="6" name="TextBox 5">
             <a:extLst>
               <a:ext uri="{FF2B5EF4-FFF2-40B4-BE49-F238E27FC236}">
-                <a16:creationId xmlns:a16="http://schemas.microsoft.com/office/drawing/2014/main" id="{46FFF08C-A00A-452C-9FB5-897F0F9C2026}"/>
+                <a16:creationId xmlns:a16="http://schemas.microsoft.com/office/drawing/2014/main" xmlns="" id="{46FFF08C-A00A-452C-9FB5-897F0F9C2026}"/>
               </a:ext>
             </a:extLst>
           </p:cNvPr>
@@ -6727,7 +6727,7 @@
           <p:cNvPr id="7" name="TextBox 6">
             <a:extLst>
               <a:ext uri="{FF2B5EF4-FFF2-40B4-BE49-F238E27FC236}">
-                <a16:creationId xmlns:a16="http://schemas.microsoft.com/office/drawing/2014/main" id="{DC8BF421-EC0E-41F0-A810-54D65394FB44}"/>
+                <a16:creationId xmlns:a16="http://schemas.microsoft.com/office/drawing/2014/main" xmlns="" id="{DC8BF421-EC0E-41F0-A810-54D65394FB44}"/>
               </a:ext>
             </a:extLst>
           </p:cNvPr>
@@ -6792,7 +6792,7 @@
           <p:cNvPr id="30" name="Rectangle: Rounded Corners 29">
             <a:extLst>
               <a:ext uri="{FF2B5EF4-FFF2-40B4-BE49-F238E27FC236}">
-                <a16:creationId xmlns:a16="http://schemas.microsoft.com/office/drawing/2014/main" id="{622FED8A-6710-405A-8EEB-2B9A71D48CA2}"/>
+                <a16:creationId xmlns:a16="http://schemas.microsoft.com/office/drawing/2014/main" xmlns="" id="{622FED8A-6710-405A-8EEB-2B9A71D48CA2}"/>
               </a:ext>
             </a:extLst>
           </p:cNvPr>
@@ -6867,7 +6867,7 @@
           <p:cNvPr id="31" name="Rectangle: Rounded Corners 30">
             <a:extLst>
               <a:ext uri="{FF2B5EF4-FFF2-40B4-BE49-F238E27FC236}">
-                <a16:creationId xmlns:a16="http://schemas.microsoft.com/office/drawing/2014/main" id="{2F6E0BC0-0AC7-4652-BBFE-A2212A73586F}"/>
+                <a16:creationId xmlns:a16="http://schemas.microsoft.com/office/drawing/2014/main" xmlns="" id="{2F6E0BC0-0AC7-4652-BBFE-A2212A73586F}"/>
               </a:ext>
             </a:extLst>
           </p:cNvPr>
@@ -6933,7 +6933,7 @@
           <p:cNvPr id="32" name="TextBox 31">
             <a:extLst>
               <a:ext uri="{FF2B5EF4-FFF2-40B4-BE49-F238E27FC236}">
-                <a16:creationId xmlns:a16="http://schemas.microsoft.com/office/drawing/2014/main" id="{B1DE1F40-72F3-4FC9-B30F-3F4DAF6BCD28}"/>
+                <a16:creationId xmlns:a16="http://schemas.microsoft.com/office/drawing/2014/main" xmlns="" id="{B1DE1F40-72F3-4FC9-B30F-3F4DAF6BCD28}"/>
               </a:ext>
             </a:extLst>
           </p:cNvPr>
@@ -6998,7 +6998,7 @@
           <p:cNvPr id="33" name="TextBox 32">
             <a:extLst>
               <a:ext uri="{FF2B5EF4-FFF2-40B4-BE49-F238E27FC236}">
-                <a16:creationId xmlns:a16="http://schemas.microsoft.com/office/drawing/2014/main" id="{32AE6A30-CBC8-40DD-926E-59B6772158B8}"/>
+                <a16:creationId xmlns:a16="http://schemas.microsoft.com/office/drawing/2014/main" xmlns="" id="{32AE6A30-CBC8-40DD-926E-59B6772158B8}"/>
               </a:ext>
             </a:extLst>
           </p:cNvPr>
@@ -7036,7 +7036,7 @@
           <p:cNvPr id="2" name="Slide Number Placeholder 1">
             <a:extLst>
               <a:ext uri="{FF2B5EF4-FFF2-40B4-BE49-F238E27FC236}">
-                <a16:creationId xmlns:a16="http://schemas.microsoft.com/office/drawing/2014/main" id="{EF0BF336-CECD-4FAA-8B1B-CF4D637F14FA}"/>
+                <a16:creationId xmlns:a16="http://schemas.microsoft.com/office/drawing/2014/main" xmlns="" id="{EF0BF336-CECD-4FAA-8B1B-CF4D637F14FA}"/>
               </a:ext>
             </a:extLst>
           </p:cNvPr>
@@ -7095,7 +7095,7 @@
           <p:cNvPr id="2" name="Straight Connector 1">
             <a:extLst>
               <a:ext uri="{FF2B5EF4-FFF2-40B4-BE49-F238E27FC236}">
-                <a16:creationId xmlns:a16="http://schemas.microsoft.com/office/drawing/2014/main" id="{F82B0979-8F33-444A-9C6B-3767B20E23F2}"/>
+                <a16:creationId xmlns:a16="http://schemas.microsoft.com/office/drawing/2014/main" xmlns="" id="{F82B0979-8F33-444A-9C6B-3767B20E23F2}"/>
               </a:ext>
             </a:extLst>
           </p:cNvPr>
@@ -7136,7 +7136,7 @@
           <p:cNvPr id="3" name="TextBox 2">
             <a:extLst>
               <a:ext uri="{FF2B5EF4-FFF2-40B4-BE49-F238E27FC236}">
-                <a16:creationId xmlns:a16="http://schemas.microsoft.com/office/drawing/2014/main" id="{67AA1C79-2CF3-476C-836F-80765D49F55E}"/>
+                <a16:creationId xmlns:a16="http://schemas.microsoft.com/office/drawing/2014/main" xmlns="" id="{67AA1C79-2CF3-476C-836F-80765D49F55E}"/>
               </a:ext>
             </a:extLst>
           </p:cNvPr>
@@ -7174,7 +7174,7 @@
           <p:cNvPr id="6" name="TextBox 5">
             <a:extLst>
               <a:ext uri="{FF2B5EF4-FFF2-40B4-BE49-F238E27FC236}">
-                <a16:creationId xmlns:a16="http://schemas.microsoft.com/office/drawing/2014/main" id="{B9C90B26-26D1-4A0B-B0EF-18BEADE378C9}"/>
+                <a16:creationId xmlns:a16="http://schemas.microsoft.com/office/drawing/2014/main" xmlns="" id="{B9C90B26-26D1-4A0B-B0EF-18BEADE378C9}"/>
               </a:ext>
             </a:extLst>
           </p:cNvPr>
@@ -7212,7 +7212,7 @@
           <p:cNvPr id="4" name="Slide Number Placeholder 3">
             <a:extLst>
               <a:ext uri="{FF2B5EF4-FFF2-40B4-BE49-F238E27FC236}">
-                <a16:creationId xmlns:a16="http://schemas.microsoft.com/office/drawing/2014/main" id="{0CDFE87B-81B9-498F-80EF-80914176D35F}"/>
+                <a16:creationId xmlns:a16="http://schemas.microsoft.com/office/drawing/2014/main" xmlns="" id="{0CDFE87B-81B9-498F-80EF-80914176D35F}"/>
               </a:ext>
             </a:extLst>
           </p:cNvPr>
@@ -7241,7 +7241,7 @@
           <p:cNvPr id="9" name="Picture 8" descr="Table&#10;&#10;Description automatically generated">
             <a:extLst>
               <a:ext uri="{FF2B5EF4-FFF2-40B4-BE49-F238E27FC236}">
-                <a16:creationId xmlns:a16="http://schemas.microsoft.com/office/drawing/2014/main" id="{84AC1F2F-C0E4-4280-9468-2DD5A4E649DD}"/>
+                <a16:creationId xmlns:a16="http://schemas.microsoft.com/office/drawing/2014/main" xmlns="" id="{84AC1F2F-C0E4-4280-9468-2DD5A4E649DD}"/>
               </a:ext>
             </a:extLst>
           </p:cNvPr>
@@ -7312,7 +7312,7 @@
           <p:cNvPr id="2" name="Straight Connector 1">
             <a:extLst>
               <a:ext uri="{FF2B5EF4-FFF2-40B4-BE49-F238E27FC236}">
-                <a16:creationId xmlns:a16="http://schemas.microsoft.com/office/drawing/2014/main" id="{F82B0979-8F33-444A-9C6B-3767B20E23F2}"/>
+                <a16:creationId xmlns:a16="http://schemas.microsoft.com/office/drawing/2014/main" xmlns="" id="{F82B0979-8F33-444A-9C6B-3767B20E23F2}"/>
               </a:ext>
             </a:extLst>
           </p:cNvPr>
@@ -7353,7 +7353,7 @@
           <p:cNvPr id="3" name="TextBox 2">
             <a:extLst>
               <a:ext uri="{FF2B5EF4-FFF2-40B4-BE49-F238E27FC236}">
-                <a16:creationId xmlns:a16="http://schemas.microsoft.com/office/drawing/2014/main" id="{67AA1C79-2CF3-476C-836F-80765D49F55E}"/>
+                <a16:creationId xmlns:a16="http://schemas.microsoft.com/office/drawing/2014/main" xmlns="" id="{67AA1C79-2CF3-476C-836F-80765D49F55E}"/>
               </a:ext>
             </a:extLst>
           </p:cNvPr>
@@ -7391,7 +7391,7 @@
           <p:cNvPr id="6" name="TextBox 5">
             <a:extLst>
               <a:ext uri="{FF2B5EF4-FFF2-40B4-BE49-F238E27FC236}">
-                <a16:creationId xmlns:a16="http://schemas.microsoft.com/office/drawing/2014/main" id="{B9C90B26-26D1-4A0B-B0EF-18BEADE378C9}"/>
+                <a16:creationId xmlns:a16="http://schemas.microsoft.com/office/drawing/2014/main" xmlns="" id="{B9C90B26-26D1-4A0B-B0EF-18BEADE378C9}"/>
               </a:ext>
             </a:extLst>
           </p:cNvPr>
@@ -7429,7 +7429,7 @@
           <p:cNvPr id="4" name="Slide Number Placeholder 3">
             <a:extLst>
               <a:ext uri="{FF2B5EF4-FFF2-40B4-BE49-F238E27FC236}">
-                <a16:creationId xmlns:a16="http://schemas.microsoft.com/office/drawing/2014/main" id="{0CDFE87B-81B9-498F-80EF-80914176D35F}"/>
+                <a16:creationId xmlns:a16="http://schemas.microsoft.com/office/drawing/2014/main" xmlns="" id="{0CDFE87B-81B9-498F-80EF-80914176D35F}"/>
               </a:ext>
             </a:extLst>
           </p:cNvPr>
@@ -7458,7 +7458,7 @@
           <p:cNvPr id="7" name="Picture 6" descr="Table&#10;&#10;Description automatically generated">
             <a:extLst>
               <a:ext uri="{FF2B5EF4-FFF2-40B4-BE49-F238E27FC236}">
-                <a16:creationId xmlns:a16="http://schemas.microsoft.com/office/drawing/2014/main" id="{9DD9B50A-DED5-4C32-B52B-E3F2AF5D8F54}"/>
+                <a16:creationId xmlns:a16="http://schemas.microsoft.com/office/drawing/2014/main" xmlns="" id="{9DD9B50A-DED5-4C32-B52B-E3F2AF5D8F54}"/>
               </a:ext>
             </a:extLst>
           </p:cNvPr>
@@ -7499,7 +7499,7 @@
           <p:cNvPr id="8" name="TextBox 7">
             <a:extLst>
               <a:ext uri="{FF2B5EF4-FFF2-40B4-BE49-F238E27FC236}">
-                <a16:creationId xmlns:a16="http://schemas.microsoft.com/office/drawing/2014/main" id="{58845CCA-6EB8-4496-8A91-02AA9F8BB290}"/>
+                <a16:creationId xmlns:a16="http://schemas.microsoft.com/office/drawing/2014/main" xmlns="" id="{58845CCA-6EB8-4496-8A91-02AA9F8BB290}"/>
               </a:ext>
             </a:extLst>
           </p:cNvPr>
@@ -7550,7 +7550,7 @@
           <p:cNvPr id="11" name="TextBox 10">
             <a:extLst>
               <a:ext uri="{FF2B5EF4-FFF2-40B4-BE49-F238E27FC236}">
-                <a16:creationId xmlns:a16="http://schemas.microsoft.com/office/drawing/2014/main" id="{352E3E7A-EA3F-4053-90BE-D6ACDC61A9E9}"/>
+                <a16:creationId xmlns:a16="http://schemas.microsoft.com/office/drawing/2014/main" xmlns="" id="{352E3E7A-EA3F-4053-90BE-D6ACDC61A9E9}"/>
               </a:ext>
             </a:extLst>
           </p:cNvPr>
@@ -7601,7 +7601,7 @@
           <p:cNvPr id="12" name="Arrow: Left-Right 11">
             <a:extLst>
               <a:ext uri="{FF2B5EF4-FFF2-40B4-BE49-F238E27FC236}">
-                <a16:creationId xmlns:a16="http://schemas.microsoft.com/office/drawing/2014/main" id="{D7F7A215-119C-4C1C-82C0-2CADBD6A06B3}"/>
+                <a16:creationId xmlns:a16="http://schemas.microsoft.com/office/drawing/2014/main" xmlns="" id="{D7F7A215-119C-4C1C-82C0-2CADBD6A06B3}"/>
               </a:ext>
             </a:extLst>
           </p:cNvPr>
@@ -7694,7 +7694,7 @@
           <p:cNvPr id="2" name="Straight Connector 1">
             <a:extLst>
               <a:ext uri="{FF2B5EF4-FFF2-40B4-BE49-F238E27FC236}">
-                <a16:creationId xmlns:a16="http://schemas.microsoft.com/office/drawing/2014/main" id="{BC4339F9-A066-45CD-91C6-61FED21D3027}"/>
+                <a16:creationId xmlns:a16="http://schemas.microsoft.com/office/drawing/2014/main" xmlns="" id="{BC4339F9-A066-45CD-91C6-61FED21D3027}"/>
               </a:ext>
             </a:extLst>
           </p:cNvPr>
@@ -7735,7 +7735,7 @@
           <p:cNvPr id="3" name="TextBox 2">
             <a:extLst>
               <a:ext uri="{FF2B5EF4-FFF2-40B4-BE49-F238E27FC236}">
-                <a16:creationId xmlns:a16="http://schemas.microsoft.com/office/drawing/2014/main" id="{4F839CDC-E463-4502-8748-827AE781F905}"/>
+                <a16:creationId xmlns:a16="http://schemas.microsoft.com/office/drawing/2014/main" xmlns="" id="{4F839CDC-E463-4502-8748-827AE781F905}"/>
               </a:ext>
             </a:extLst>
           </p:cNvPr>
@@ -7773,7 +7773,7 @@
           <p:cNvPr id="5" name="Picture 4" descr="Table&#10;&#10;Description automatically generated">
             <a:extLst>
               <a:ext uri="{FF2B5EF4-FFF2-40B4-BE49-F238E27FC236}">
-                <a16:creationId xmlns:a16="http://schemas.microsoft.com/office/drawing/2014/main" id="{640A3E40-8F3E-4807-9775-C228686663F6}"/>
+                <a16:creationId xmlns:a16="http://schemas.microsoft.com/office/drawing/2014/main" xmlns="" id="{640A3E40-8F3E-4807-9775-C228686663F6}"/>
               </a:ext>
             </a:extLst>
           </p:cNvPr>
@@ -7814,7 +7814,7 @@
           <p:cNvPr id="6" name="Picture 5">
             <a:extLst>
               <a:ext uri="{FF2B5EF4-FFF2-40B4-BE49-F238E27FC236}">
-                <a16:creationId xmlns:a16="http://schemas.microsoft.com/office/drawing/2014/main" id="{F64BF678-CF07-4709-9518-07C5ADDD0440}"/>
+                <a16:creationId xmlns:a16="http://schemas.microsoft.com/office/drawing/2014/main" xmlns="" id="{F64BF678-CF07-4709-9518-07C5ADDD0440}"/>
               </a:ext>
             </a:extLst>
           </p:cNvPr>
@@ -7844,7 +7844,7 @@
           <p:cNvPr id="7" name="TextBox 6">
             <a:extLst>
               <a:ext uri="{FF2B5EF4-FFF2-40B4-BE49-F238E27FC236}">
-                <a16:creationId xmlns:a16="http://schemas.microsoft.com/office/drawing/2014/main" id="{4C46B3BD-A19D-4612-B241-47533C1396B3}"/>
+                <a16:creationId xmlns:a16="http://schemas.microsoft.com/office/drawing/2014/main" xmlns="" id="{4C46B3BD-A19D-4612-B241-47533C1396B3}"/>
               </a:ext>
             </a:extLst>
           </p:cNvPr>
@@ -7884,7 +7884,7 @@
           <p:cNvPr id="10" name="Straight Arrow Connector 9">
             <a:extLst>
               <a:ext uri="{FF2B5EF4-FFF2-40B4-BE49-F238E27FC236}">
-                <a16:creationId xmlns:a16="http://schemas.microsoft.com/office/drawing/2014/main" id="{2A550069-C01B-4CD5-9A8B-7F747EA6E38F}"/>
+                <a16:creationId xmlns:a16="http://schemas.microsoft.com/office/drawing/2014/main" xmlns="" id="{2A550069-C01B-4CD5-9A8B-7F747EA6E38F}"/>
               </a:ext>
             </a:extLst>
           </p:cNvPr>
@@ -7928,7 +7928,7 @@
           <p:cNvPr id="11" name="TextBox 10">
             <a:extLst>
               <a:ext uri="{FF2B5EF4-FFF2-40B4-BE49-F238E27FC236}">
-                <a16:creationId xmlns:a16="http://schemas.microsoft.com/office/drawing/2014/main" id="{C080F36E-D589-4AE0-BB2A-E57C520A437C}"/>
+                <a16:creationId xmlns:a16="http://schemas.microsoft.com/office/drawing/2014/main" xmlns="" id="{C080F36E-D589-4AE0-BB2A-E57C520A437C}"/>
               </a:ext>
             </a:extLst>
           </p:cNvPr>
@@ -7972,7 +7972,7 @@
           <p:cNvPr id="8" name="Picture 7" descr="A black screen with white text&#10;&#10;Description automatically generated with low confidence">
             <a:extLst>
               <a:ext uri="{FF2B5EF4-FFF2-40B4-BE49-F238E27FC236}">
-                <a16:creationId xmlns:a16="http://schemas.microsoft.com/office/drawing/2014/main" id="{F5491302-26A4-47DB-A132-06B872391976}"/>
+                <a16:creationId xmlns:a16="http://schemas.microsoft.com/office/drawing/2014/main" xmlns="" id="{F5491302-26A4-47DB-A132-06B872391976}"/>
               </a:ext>
             </a:extLst>
           </p:cNvPr>
@@ -8008,7 +8008,7 @@
           <p:cNvPr id="9" name="Rectangle 8">
             <a:extLst>
               <a:ext uri="{FF2B5EF4-FFF2-40B4-BE49-F238E27FC236}">
-                <a16:creationId xmlns:a16="http://schemas.microsoft.com/office/drawing/2014/main" id="{6D775965-1C50-487F-8F2A-DEC0F98F5C8A}"/>
+                <a16:creationId xmlns:a16="http://schemas.microsoft.com/office/drawing/2014/main" xmlns="" id="{6D775965-1C50-487F-8F2A-DEC0F98F5C8A}"/>
               </a:ext>
             </a:extLst>
           </p:cNvPr>
@@ -8060,7 +8060,7 @@
           <p:cNvPr id="12" name="Rectangle 11">
             <a:extLst>
               <a:ext uri="{FF2B5EF4-FFF2-40B4-BE49-F238E27FC236}">
-                <a16:creationId xmlns:a16="http://schemas.microsoft.com/office/drawing/2014/main" id="{B32DB8DB-FBEF-47EE-92F9-D0F9C79BB6F8}"/>
+                <a16:creationId xmlns:a16="http://schemas.microsoft.com/office/drawing/2014/main" xmlns="" id="{B32DB8DB-FBEF-47EE-92F9-D0F9C79BB6F8}"/>
               </a:ext>
             </a:extLst>
           </p:cNvPr>
@@ -8112,7 +8112,7 @@
           <p:cNvPr id="13" name="Rectangle 12">
             <a:extLst>
               <a:ext uri="{FF2B5EF4-FFF2-40B4-BE49-F238E27FC236}">
-                <a16:creationId xmlns:a16="http://schemas.microsoft.com/office/drawing/2014/main" id="{50C32D38-6D4D-495A-92DC-3EE4316B53B3}"/>
+                <a16:creationId xmlns:a16="http://schemas.microsoft.com/office/drawing/2014/main" xmlns="" id="{50C32D38-6D4D-495A-92DC-3EE4316B53B3}"/>
               </a:ext>
             </a:extLst>
           </p:cNvPr>
@@ -8164,7 +8164,7 @@
           <p:cNvPr id="14" name="TextBox 13">
             <a:extLst>
               <a:ext uri="{FF2B5EF4-FFF2-40B4-BE49-F238E27FC236}">
-                <a16:creationId xmlns:a16="http://schemas.microsoft.com/office/drawing/2014/main" id="{3CD9944B-7E47-4AED-99F6-5CCFC488B931}"/>
+                <a16:creationId xmlns:a16="http://schemas.microsoft.com/office/drawing/2014/main" xmlns="" id="{3CD9944B-7E47-4AED-99F6-5CCFC488B931}"/>
               </a:ext>
             </a:extLst>
           </p:cNvPr>
@@ -8202,7 +8202,7 @@
           <p:cNvPr id="4" name="Slide Number Placeholder 3">
             <a:extLst>
               <a:ext uri="{FF2B5EF4-FFF2-40B4-BE49-F238E27FC236}">
-                <a16:creationId xmlns:a16="http://schemas.microsoft.com/office/drawing/2014/main" id="{CDC01415-DD3A-4310-82E3-759502EC3948}"/>
+                <a16:creationId xmlns:a16="http://schemas.microsoft.com/office/drawing/2014/main" xmlns="" id="{CDC01415-DD3A-4310-82E3-759502EC3948}"/>
               </a:ext>
             </a:extLst>
           </p:cNvPr>
@@ -8366,7 +8366,7 @@
           <p:cNvPr id="2" name="Straight Connector 1">
             <a:extLst>
               <a:ext uri="{FF2B5EF4-FFF2-40B4-BE49-F238E27FC236}">
-                <a16:creationId xmlns:a16="http://schemas.microsoft.com/office/drawing/2014/main" id="{A31E7CB7-EDC3-46F2-92F6-748EE36F583B}"/>
+                <a16:creationId xmlns:a16="http://schemas.microsoft.com/office/drawing/2014/main" xmlns="" id="{A31E7CB7-EDC3-46F2-92F6-748EE36F583B}"/>
               </a:ext>
             </a:extLst>
           </p:cNvPr>
@@ -8407,7 +8407,7 @@
           <p:cNvPr id="3" name="TextBox 2">
             <a:extLst>
               <a:ext uri="{FF2B5EF4-FFF2-40B4-BE49-F238E27FC236}">
-                <a16:creationId xmlns:a16="http://schemas.microsoft.com/office/drawing/2014/main" id="{1CC17B57-5182-431A-B89C-F0A6B72A815B}"/>
+                <a16:creationId xmlns:a16="http://schemas.microsoft.com/office/drawing/2014/main" xmlns="" id="{1CC17B57-5182-431A-B89C-F0A6B72A815B}"/>
               </a:ext>
             </a:extLst>
           </p:cNvPr>
@@ -8445,7 +8445,7 @@
           <p:cNvPr id="4" name="TextBox 3">
             <a:extLst>
               <a:ext uri="{FF2B5EF4-FFF2-40B4-BE49-F238E27FC236}">
-                <a16:creationId xmlns:a16="http://schemas.microsoft.com/office/drawing/2014/main" id="{6F1D9BC5-A74C-48B9-B837-E3A52F63C79B}"/>
+                <a16:creationId xmlns:a16="http://schemas.microsoft.com/office/drawing/2014/main" xmlns="" id="{6F1D9BC5-A74C-48B9-B837-E3A52F63C79B}"/>
               </a:ext>
             </a:extLst>
           </p:cNvPr>
@@ -8455,7 +8455,7 @@
         <p:spPr>
           <a:xfrm>
             <a:off x="477753" y="2819123"/>
-            <a:ext cx="11236494" cy="2062103"/>
+            <a:ext cx="11236494" cy="1569660"/>
           </a:xfrm>
           <a:prstGeom prst="rect">
             <a:avLst/>
@@ -8474,7 +8474,21 @@
                 <a:latin typeface="Times New Roman" panose="02020603050405020304" pitchFamily="18" charset="0"/>
                 <a:cs typeface="Times New Roman" panose="02020603050405020304" pitchFamily="18" charset="0"/>
               </a:rPr>
-              <a:t>Based on match stats (i.e., percentage of possession of the ball, number of shots, number of shots on target, being home team vs being visitor team, etc.), can we predict the number of goals scored by each team?</a:t>
+              <a:t>Based on match stats (i.e., percentage of possession of the ball, number of shots, number of shots on target</a:t>
+            </a:r>
+            <a:r>
+              <a:rPr lang="en-US" sz="3200" dirty="0" smtClean="0">
+                <a:latin typeface="Times New Roman" panose="02020603050405020304" pitchFamily="18" charset="0"/>
+                <a:cs typeface="Times New Roman" panose="02020603050405020304" pitchFamily="18" charset="0"/>
+              </a:rPr>
+              <a:t>, </a:t>
+            </a:r>
+            <a:r>
+              <a:rPr lang="en-US" sz="3200" dirty="0">
+                <a:latin typeface="Times New Roman" panose="02020603050405020304" pitchFamily="18" charset="0"/>
+                <a:cs typeface="Times New Roman" panose="02020603050405020304" pitchFamily="18" charset="0"/>
+              </a:rPr>
+              <a:t>etc.), can we predict the number of goals scored by each team?</a:t>
             </a:r>
           </a:p>
         </p:txBody>
@@ -8484,7 +8498,7 @@
           <p:cNvPr id="5" name="TextBox 4">
             <a:extLst>
               <a:ext uri="{FF2B5EF4-FFF2-40B4-BE49-F238E27FC236}">
-                <a16:creationId xmlns:a16="http://schemas.microsoft.com/office/drawing/2014/main" id="{ACAAEEF6-7416-46A9-A115-7BEE157A487C}"/>
+                <a16:creationId xmlns:a16="http://schemas.microsoft.com/office/drawing/2014/main" xmlns="" id="{ACAAEEF6-7416-46A9-A115-7BEE157A487C}"/>
               </a:ext>
             </a:extLst>
           </p:cNvPr>
@@ -8522,7 +8536,7 @@
           <p:cNvPr id="6" name="Slide Number Placeholder 5">
             <a:extLst>
               <a:ext uri="{FF2B5EF4-FFF2-40B4-BE49-F238E27FC236}">
-                <a16:creationId xmlns:a16="http://schemas.microsoft.com/office/drawing/2014/main" id="{3A69544C-5C5B-4A94-943B-9137EA7906C2}"/>
+                <a16:creationId xmlns:a16="http://schemas.microsoft.com/office/drawing/2014/main" xmlns="" id="{3A69544C-5C5B-4A94-943B-9137EA7906C2}"/>
               </a:ext>
             </a:extLst>
           </p:cNvPr>
@@ -8581,7 +8595,7 @@
           <p:cNvPr id="2" name="Straight Connector 1">
             <a:extLst>
               <a:ext uri="{FF2B5EF4-FFF2-40B4-BE49-F238E27FC236}">
-                <a16:creationId xmlns:a16="http://schemas.microsoft.com/office/drawing/2014/main" id="{BC4339F9-A066-45CD-91C6-61FED21D3027}"/>
+                <a16:creationId xmlns:a16="http://schemas.microsoft.com/office/drawing/2014/main" xmlns="" id="{BC4339F9-A066-45CD-91C6-61FED21D3027}"/>
               </a:ext>
             </a:extLst>
           </p:cNvPr>
@@ -8622,7 +8636,7 @@
           <p:cNvPr id="3" name="TextBox 2">
             <a:extLst>
               <a:ext uri="{FF2B5EF4-FFF2-40B4-BE49-F238E27FC236}">
-                <a16:creationId xmlns:a16="http://schemas.microsoft.com/office/drawing/2014/main" id="{4F839CDC-E463-4502-8748-827AE781F905}"/>
+                <a16:creationId xmlns:a16="http://schemas.microsoft.com/office/drawing/2014/main" xmlns="" id="{4F839CDC-E463-4502-8748-827AE781F905}"/>
               </a:ext>
             </a:extLst>
           </p:cNvPr>
@@ -8689,7 +8703,7 @@
           <p:cNvPr id="5" name="TextBox 4">
             <a:extLst>
               <a:ext uri="{FF2B5EF4-FFF2-40B4-BE49-F238E27FC236}">
-                <a16:creationId xmlns:a16="http://schemas.microsoft.com/office/drawing/2014/main" id="{14421A78-58B9-4580-8291-DEB4A94713CE}"/>
+                <a16:creationId xmlns:a16="http://schemas.microsoft.com/office/drawing/2014/main" xmlns="" id="{14421A78-58B9-4580-8291-DEB4A94713CE}"/>
               </a:ext>
             </a:extLst>
           </p:cNvPr>
@@ -8727,7 +8741,7 @@
           <p:cNvPr id="6" name="Slide Number Placeholder 5">
             <a:extLst>
               <a:ext uri="{FF2B5EF4-FFF2-40B4-BE49-F238E27FC236}">
-                <a16:creationId xmlns:a16="http://schemas.microsoft.com/office/drawing/2014/main" id="{22A6E6F7-1820-45AD-B91F-B44AD3919B42}"/>
+                <a16:creationId xmlns:a16="http://schemas.microsoft.com/office/drawing/2014/main" xmlns="" id="{22A6E6F7-1820-45AD-B91F-B44AD3919B42}"/>
               </a:ext>
             </a:extLst>
           </p:cNvPr>
@@ -8786,7 +8800,7 @@
           <p:cNvPr id="2" name="Straight Connector 1">
             <a:extLst>
               <a:ext uri="{FF2B5EF4-FFF2-40B4-BE49-F238E27FC236}">
-                <a16:creationId xmlns:a16="http://schemas.microsoft.com/office/drawing/2014/main" id="{BC4339F9-A066-45CD-91C6-61FED21D3027}"/>
+                <a16:creationId xmlns:a16="http://schemas.microsoft.com/office/drawing/2014/main" xmlns="" id="{BC4339F9-A066-45CD-91C6-61FED21D3027}"/>
               </a:ext>
             </a:extLst>
           </p:cNvPr>
@@ -8827,7 +8841,7 @@
           <p:cNvPr id="3" name="TextBox 2">
             <a:extLst>
               <a:ext uri="{FF2B5EF4-FFF2-40B4-BE49-F238E27FC236}">
-                <a16:creationId xmlns:a16="http://schemas.microsoft.com/office/drawing/2014/main" id="{4F839CDC-E463-4502-8748-827AE781F905}"/>
+                <a16:creationId xmlns:a16="http://schemas.microsoft.com/office/drawing/2014/main" xmlns="" id="{4F839CDC-E463-4502-8748-827AE781F905}"/>
               </a:ext>
             </a:extLst>
           </p:cNvPr>
@@ -8894,7 +8908,7 @@
           <p:cNvPr id="5" name="TextBox 4">
             <a:extLst>
               <a:ext uri="{FF2B5EF4-FFF2-40B4-BE49-F238E27FC236}">
-                <a16:creationId xmlns:a16="http://schemas.microsoft.com/office/drawing/2014/main" id="{F127B861-CE0B-4956-AF56-61F9EFACA894}"/>
+                <a16:creationId xmlns:a16="http://schemas.microsoft.com/office/drawing/2014/main" xmlns="" id="{F127B861-CE0B-4956-AF56-61F9EFACA894}"/>
               </a:ext>
             </a:extLst>
           </p:cNvPr>
@@ -8932,7 +8946,7 @@
           <p:cNvPr id="4" name="Slide Number Placeholder 3">
             <a:extLst>
               <a:ext uri="{FF2B5EF4-FFF2-40B4-BE49-F238E27FC236}">
-                <a16:creationId xmlns:a16="http://schemas.microsoft.com/office/drawing/2014/main" id="{C0505C3B-2E2E-4632-85EB-91CC97303EFC}"/>
+                <a16:creationId xmlns:a16="http://schemas.microsoft.com/office/drawing/2014/main" xmlns="" id="{C0505C3B-2E2E-4632-85EB-91CC97303EFC}"/>
               </a:ext>
             </a:extLst>
           </p:cNvPr>
@@ -8991,7 +9005,7 @@
           <p:cNvPr id="2" name="TextBox 1">
             <a:extLst>
               <a:ext uri="{FF2B5EF4-FFF2-40B4-BE49-F238E27FC236}">
-                <a16:creationId xmlns:a16="http://schemas.microsoft.com/office/drawing/2014/main" id="{FA3B5E8F-9FB4-4163-B829-9BE843BB6E52}"/>
+                <a16:creationId xmlns:a16="http://schemas.microsoft.com/office/drawing/2014/main" xmlns="" id="{FA3B5E8F-9FB4-4163-B829-9BE843BB6E52}"/>
               </a:ext>
             </a:extLst>
           </p:cNvPr>
@@ -9029,7 +9043,7 @@
           <p:cNvPr id="5" name="Straight Connector 4">
             <a:extLst>
               <a:ext uri="{FF2B5EF4-FFF2-40B4-BE49-F238E27FC236}">
-                <a16:creationId xmlns:a16="http://schemas.microsoft.com/office/drawing/2014/main" id="{2456B271-4A45-4851-A8BF-926F16D8D568}"/>
+                <a16:creationId xmlns:a16="http://schemas.microsoft.com/office/drawing/2014/main" xmlns="" id="{2456B271-4A45-4851-A8BF-926F16D8D568}"/>
               </a:ext>
             </a:extLst>
           </p:cNvPr>
@@ -9070,7 +9084,7 @@
           <p:cNvPr id="6" name="Group 5">
             <a:extLst>
               <a:ext uri="{FF2B5EF4-FFF2-40B4-BE49-F238E27FC236}">
-                <a16:creationId xmlns:a16="http://schemas.microsoft.com/office/drawing/2014/main" id="{402D1F21-BDC0-4BD7-841D-1C7E45806FF7}"/>
+                <a16:creationId xmlns:a16="http://schemas.microsoft.com/office/drawing/2014/main" xmlns="" id="{402D1F21-BDC0-4BD7-841D-1C7E45806FF7}"/>
               </a:ext>
             </a:extLst>
           </p:cNvPr>
@@ -9090,7 +9104,7 @@
             <p:cNvPr id="7" name="TextBox 6">
               <a:extLst>
                 <a:ext uri="{FF2B5EF4-FFF2-40B4-BE49-F238E27FC236}">
-                  <a16:creationId xmlns:a16="http://schemas.microsoft.com/office/drawing/2014/main" id="{F2A9DE6C-01A0-428D-9DC7-E3A1C05F0B8E}"/>
+                  <a16:creationId xmlns:a16="http://schemas.microsoft.com/office/drawing/2014/main" xmlns="" id="{F2A9DE6C-01A0-428D-9DC7-E3A1C05F0B8E}"/>
                 </a:ext>
               </a:extLst>
             </p:cNvPr>
@@ -9137,7 +9151,7 @@
             <p:cNvPr id="8" name="Rectangle: Rounded Corners 7">
               <a:extLst>
                 <a:ext uri="{FF2B5EF4-FFF2-40B4-BE49-F238E27FC236}">
-                  <a16:creationId xmlns:a16="http://schemas.microsoft.com/office/drawing/2014/main" id="{4A406CF7-2F65-455A-BBC0-1F0315BEEBF9}"/>
+                  <a16:creationId xmlns:a16="http://schemas.microsoft.com/office/drawing/2014/main" xmlns="" id="{4A406CF7-2F65-455A-BBC0-1F0315BEEBF9}"/>
                 </a:ext>
               </a:extLst>
             </p:cNvPr>
@@ -9159,7 +9173,7 @@
                     <a14:useLocalDpi xmlns:a14="http://schemas.microsoft.com/office/drawing/2010/main" val="0"/>
                   </a:ext>
                   <a:ext uri="{837473B0-CC2E-450A-ABE3-18F120FF3D39}">
-                    <a1611:picAttrSrcUrl xmlns:a1611="http://schemas.microsoft.com/office/drawing/2016/11/main" r:id="rId3"/>
+                    <a1611:picAttrSrcUrl xmlns:a1611="http://schemas.microsoft.com/office/drawing/2016/11/main" xmlns="" r:id="rId3"/>
                   </a:ext>
                 </a:extLst>
               </a:blip>
@@ -9215,7 +9229,7 @@
             <p:cNvPr id="9" name="Rectangle: Rounded Corners 8">
               <a:extLst>
                 <a:ext uri="{FF2B5EF4-FFF2-40B4-BE49-F238E27FC236}">
-                  <a16:creationId xmlns:a16="http://schemas.microsoft.com/office/drawing/2014/main" id="{309A92D1-CD6E-4925-9171-2B3C09D96288}"/>
+                  <a16:creationId xmlns:a16="http://schemas.microsoft.com/office/drawing/2014/main" xmlns="" id="{309A92D1-CD6E-4925-9171-2B3C09D96288}"/>
                 </a:ext>
               </a:extLst>
             </p:cNvPr>
@@ -9237,7 +9251,7 @@
                     <a14:useLocalDpi xmlns:a14="http://schemas.microsoft.com/office/drawing/2010/main" val="0"/>
                   </a:ext>
                   <a:ext uri="{837473B0-CC2E-450A-ABE3-18F120FF3D39}">
-                    <a1611:picAttrSrcUrl xmlns:a1611="http://schemas.microsoft.com/office/drawing/2016/11/main" r:id="rId5"/>
+                    <a1611:picAttrSrcUrl xmlns:a1611="http://schemas.microsoft.com/office/drawing/2016/11/main" xmlns="" r:id="rId5"/>
                   </a:ext>
                 </a:extLst>
               </a:blip>
@@ -9293,7 +9307,7 @@
             <p:cNvPr id="10" name="Rectangle: Rounded Corners 9">
               <a:extLst>
                 <a:ext uri="{FF2B5EF4-FFF2-40B4-BE49-F238E27FC236}">
-                  <a16:creationId xmlns:a16="http://schemas.microsoft.com/office/drawing/2014/main" id="{F3969DE2-E82B-4AF4-AC81-52648060A3B7}"/>
+                  <a16:creationId xmlns:a16="http://schemas.microsoft.com/office/drawing/2014/main" xmlns="" id="{F3969DE2-E82B-4AF4-AC81-52648060A3B7}"/>
                 </a:ext>
               </a:extLst>
             </p:cNvPr>
@@ -9315,7 +9329,7 @@
                     <a14:useLocalDpi xmlns:a14="http://schemas.microsoft.com/office/drawing/2010/main" val="0"/>
                   </a:ext>
                   <a:ext uri="{837473B0-CC2E-450A-ABE3-18F120FF3D39}">
-                    <a1611:picAttrSrcUrl xmlns:a1611="http://schemas.microsoft.com/office/drawing/2016/11/main" r:id="rId7"/>
+                    <a1611:picAttrSrcUrl xmlns:a1611="http://schemas.microsoft.com/office/drawing/2016/11/main" xmlns="" r:id="rId7"/>
                   </a:ext>
                 </a:extLst>
               </a:blip>
@@ -9371,7 +9385,7 @@
             <p:cNvPr id="11" name="Rectangle: Rounded Corners 10">
               <a:extLst>
                 <a:ext uri="{FF2B5EF4-FFF2-40B4-BE49-F238E27FC236}">
-                  <a16:creationId xmlns:a16="http://schemas.microsoft.com/office/drawing/2014/main" id="{0D308D4E-2F29-4024-B8F7-02A2A59533E4}"/>
+                  <a16:creationId xmlns:a16="http://schemas.microsoft.com/office/drawing/2014/main" xmlns="" id="{0D308D4E-2F29-4024-B8F7-02A2A59533E4}"/>
                 </a:ext>
               </a:extLst>
             </p:cNvPr>
@@ -9393,7 +9407,7 @@
                     <a14:useLocalDpi xmlns:a14="http://schemas.microsoft.com/office/drawing/2010/main" val="0"/>
                   </a:ext>
                   <a:ext uri="{837473B0-CC2E-450A-ABE3-18F120FF3D39}">
-                    <a1611:picAttrSrcUrl xmlns:a1611="http://schemas.microsoft.com/office/drawing/2016/11/main" r:id="rId9"/>
+                    <a1611:picAttrSrcUrl xmlns:a1611="http://schemas.microsoft.com/office/drawing/2016/11/main" xmlns="" r:id="rId9"/>
                   </a:ext>
                 </a:extLst>
               </a:blip>
@@ -9449,7 +9463,7 @@
             <p:cNvPr id="12" name="Rectangle: Rounded Corners 11">
               <a:extLst>
                 <a:ext uri="{FF2B5EF4-FFF2-40B4-BE49-F238E27FC236}">
-                  <a16:creationId xmlns:a16="http://schemas.microsoft.com/office/drawing/2014/main" id="{C506414F-A722-42B9-BD56-6BD0102C7E99}"/>
+                  <a16:creationId xmlns:a16="http://schemas.microsoft.com/office/drawing/2014/main" xmlns="" id="{C506414F-A722-42B9-BD56-6BD0102C7E99}"/>
                 </a:ext>
               </a:extLst>
             </p:cNvPr>
@@ -9471,7 +9485,7 @@
                     <a14:useLocalDpi xmlns:a14="http://schemas.microsoft.com/office/drawing/2010/main" val="0"/>
                   </a:ext>
                   <a:ext uri="{837473B0-CC2E-450A-ABE3-18F120FF3D39}">
-                    <a1611:picAttrSrcUrl xmlns:a1611="http://schemas.microsoft.com/office/drawing/2016/11/main" r:id="rId11"/>
+                    <a1611:picAttrSrcUrl xmlns:a1611="http://schemas.microsoft.com/office/drawing/2016/11/main" xmlns="" r:id="rId11"/>
                   </a:ext>
                 </a:extLst>
               </a:blip>
@@ -9528,7 +9542,7 @@
           <p:cNvPr id="13" name="Group 12">
             <a:extLst>
               <a:ext uri="{FF2B5EF4-FFF2-40B4-BE49-F238E27FC236}">
-                <a16:creationId xmlns:a16="http://schemas.microsoft.com/office/drawing/2014/main" id="{B76497C1-EBE7-4CC7-8848-E6F164537443}"/>
+                <a16:creationId xmlns:a16="http://schemas.microsoft.com/office/drawing/2014/main" xmlns="" id="{B76497C1-EBE7-4CC7-8848-E6F164537443}"/>
               </a:ext>
             </a:extLst>
           </p:cNvPr>
@@ -9548,7 +9562,7 @@
             <p:cNvPr id="14" name="TextBox 13">
               <a:extLst>
                 <a:ext uri="{FF2B5EF4-FFF2-40B4-BE49-F238E27FC236}">
-                  <a16:creationId xmlns:a16="http://schemas.microsoft.com/office/drawing/2014/main" id="{62F0CA42-0789-4126-8406-7D28A7369A25}"/>
+                  <a16:creationId xmlns:a16="http://schemas.microsoft.com/office/drawing/2014/main" xmlns="" id="{62F0CA42-0789-4126-8406-7D28A7369A25}"/>
                 </a:ext>
               </a:extLst>
             </p:cNvPr>
@@ -9595,7 +9609,7 @@
             <p:cNvPr id="15" name="Rectangle: Rounded Corners 14">
               <a:extLst>
                 <a:ext uri="{FF2B5EF4-FFF2-40B4-BE49-F238E27FC236}">
-                  <a16:creationId xmlns:a16="http://schemas.microsoft.com/office/drawing/2014/main" id="{8777892D-759A-4086-AF22-ADF29283590B}"/>
+                  <a16:creationId xmlns:a16="http://schemas.microsoft.com/office/drawing/2014/main" xmlns="" id="{8777892D-759A-4086-AF22-ADF29283590B}"/>
                 </a:ext>
               </a:extLst>
             </p:cNvPr>
@@ -9617,7 +9631,7 @@
                     <a14:useLocalDpi xmlns:a14="http://schemas.microsoft.com/office/drawing/2010/main" val="0"/>
                   </a:ext>
                   <a:ext uri="{837473B0-CC2E-450A-ABE3-18F120FF3D39}">
-                    <a1611:picAttrSrcUrl xmlns:a1611="http://schemas.microsoft.com/office/drawing/2016/11/main" r:id="rId13"/>
+                    <a1611:picAttrSrcUrl xmlns:a1611="http://schemas.microsoft.com/office/drawing/2016/11/main" xmlns="" r:id="rId13"/>
                   </a:ext>
                 </a:extLst>
               </a:blip>
@@ -9674,7 +9688,7 @@
           <p:cNvPr id="16" name="Group 15">
             <a:extLst>
               <a:ext uri="{FF2B5EF4-FFF2-40B4-BE49-F238E27FC236}">
-                <a16:creationId xmlns:a16="http://schemas.microsoft.com/office/drawing/2014/main" id="{92DBFA76-339B-4BC7-A996-64FF23A08D34}"/>
+                <a16:creationId xmlns:a16="http://schemas.microsoft.com/office/drawing/2014/main" xmlns="" id="{92DBFA76-339B-4BC7-A996-64FF23A08D34}"/>
               </a:ext>
             </a:extLst>
           </p:cNvPr>
@@ -9694,7 +9708,7 @@
             <p:cNvPr id="17" name="TextBox 16">
               <a:extLst>
                 <a:ext uri="{FF2B5EF4-FFF2-40B4-BE49-F238E27FC236}">
-                  <a16:creationId xmlns:a16="http://schemas.microsoft.com/office/drawing/2014/main" id="{18863F4F-F7B3-4AA0-A3A2-69C4090AE22B}"/>
+                  <a16:creationId xmlns:a16="http://schemas.microsoft.com/office/drawing/2014/main" xmlns="" id="{18863F4F-F7B3-4AA0-A3A2-69C4090AE22B}"/>
                 </a:ext>
               </a:extLst>
             </p:cNvPr>
@@ -9741,7 +9755,7 @@
             <p:cNvPr id="18" name="Rectangle: Rounded Corners 17">
               <a:extLst>
                 <a:ext uri="{FF2B5EF4-FFF2-40B4-BE49-F238E27FC236}">
-                  <a16:creationId xmlns:a16="http://schemas.microsoft.com/office/drawing/2014/main" id="{CA295CF7-0415-4BD2-B05F-3124A13F2AF7}"/>
+                  <a16:creationId xmlns:a16="http://schemas.microsoft.com/office/drawing/2014/main" xmlns="" id="{CA295CF7-0415-4BD2-B05F-3124A13F2AF7}"/>
                 </a:ext>
               </a:extLst>
             </p:cNvPr>
@@ -9763,7 +9777,7 @@
                     <a14:useLocalDpi xmlns:a14="http://schemas.microsoft.com/office/drawing/2010/main" val="0"/>
                   </a:ext>
                   <a:ext uri="{837473B0-CC2E-450A-ABE3-18F120FF3D39}">
-                    <a1611:picAttrSrcUrl xmlns:a1611="http://schemas.microsoft.com/office/drawing/2016/11/main" r:id="rId15"/>
+                    <a1611:picAttrSrcUrl xmlns:a1611="http://schemas.microsoft.com/office/drawing/2016/11/main" xmlns="" r:id="rId15"/>
                   </a:ext>
                 </a:extLst>
               </a:blip>
@@ -9820,7 +9834,7 @@
           <p:cNvPr id="19" name="Group 18">
             <a:extLst>
               <a:ext uri="{FF2B5EF4-FFF2-40B4-BE49-F238E27FC236}">
-                <a16:creationId xmlns:a16="http://schemas.microsoft.com/office/drawing/2014/main" id="{4695C998-EA22-48E6-99A8-4261DE86D1B7}"/>
+                <a16:creationId xmlns:a16="http://schemas.microsoft.com/office/drawing/2014/main" xmlns="" id="{4695C998-EA22-48E6-99A8-4261DE86D1B7}"/>
               </a:ext>
             </a:extLst>
           </p:cNvPr>
@@ -9840,7 +9854,7 @@
             <p:cNvPr id="20" name="Rectangle: Rounded Corners 19">
               <a:extLst>
                 <a:ext uri="{FF2B5EF4-FFF2-40B4-BE49-F238E27FC236}">
-                  <a16:creationId xmlns:a16="http://schemas.microsoft.com/office/drawing/2014/main" id="{BA8EBCCF-FA84-4EA4-B032-1EFDBA14DBA8}"/>
+                  <a16:creationId xmlns:a16="http://schemas.microsoft.com/office/drawing/2014/main" xmlns="" id="{BA8EBCCF-FA84-4EA4-B032-1EFDBA14DBA8}"/>
                 </a:ext>
               </a:extLst>
             </p:cNvPr>
@@ -9897,7 +9911,7 @@
             <p:cNvPr id="21" name="TextBox 20">
               <a:extLst>
                 <a:ext uri="{FF2B5EF4-FFF2-40B4-BE49-F238E27FC236}">
-                  <a16:creationId xmlns:a16="http://schemas.microsoft.com/office/drawing/2014/main" id="{9E08633C-F67F-443E-9428-E015A1F07E85}"/>
+                  <a16:creationId xmlns:a16="http://schemas.microsoft.com/office/drawing/2014/main" xmlns="" id="{9E08633C-F67F-443E-9428-E015A1F07E85}"/>
                 </a:ext>
               </a:extLst>
             </p:cNvPr>
@@ -9937,7 +9951,7 @@
             <p:cNvPr id="22" name="Arrow: Down 21">
               <a:extLst>
                 <a:ext uri="{FF2B5EF4-FFF2-40B4-BE49-F238E27FC236}">
-                  <a16:creationId xmlns:a16="http://schemas.microsoft.com/office/drawing/2014/main" id="{8B26D85F-9FDA-4812-B6D8-2B78D454FCAD}"/>
+                  <a16:creationId xmlns:a16="http://schemas.microsoft.com/office/drawing/2014/main" xmlns="" id="{8B26D85F-9FDA-4812-B6D8-2B78D454FCAD}"/>
                 </a:ext>
               </a:extLst>
             </p:cNvPr>
@@ -10009,7 +10023,7 @@
             <p:cNvPr id="23" name="TextBox 22">
               <a:extLst>
                 <a:ext uri="{FF2B5EF4-FFF2-40B4-BE49-F238E27FC236}">
-                  <a16:creationId xmlns:a16="http://schemas.microsoft.com/office/drawing/2014/main" id="{3AF5BA8D-EFDA-495B-9355-4A1E67DF7485}"/>
+                  <a16:creationId xmlns:a16="http://schemas.microsoft.com/office/drawing/2014/main" xmlns="" id="{3AF5BA8D-EFDA-495B-9355-4A1E67DF7485}"/>
                 </a:ext>
               </a:extLst>
             </p:cNvPr>
@@ -10050,7 +10064,7 @@
           <p:cNvPr id="3" name="TextBox 2">
             <a:extLst>
               <a:ext uri="{FF2B5EF4-FFF2-40B4-BE49-F238E27FC236}">
-                <a16:creationId xmlns:a16="http://schemas.microsoft.com/office/drawing/2014/main" id="{3748ACAD-5222-4814-A9BE-496EA55216DA}"/>
+                <a16:creationId xmlns:a16="http://schemas.microsoft.com/office/drawing/2014/main" xmlns="" id="{3748ACAD-5222-4814-A9BE-496EA55216DA}"/>
               </a:ext>
             </a:extLst>
           </p:cNvPr>
@@ -10088,7 +10102,7 @@
           <p:cNvPr id="4" name="Slide Number Placeholder 3">
             <a:extLst>
               <a:ext uri="{FF2B5EF4-FFF2-40B4-BE49-F238E27FC236}">
-                <a16:creationId xmlns:a16="http://schemas.microsoft.com/office/drawing/2014/main" id="{3520C46F-99E6-4817-9D3D-39803535527F}"/>
+                <a16:creationId xmlns:a16="http://schemas.microsoft.com/office/drawing/2014/main" xmlns="" id="{3520C46F-99E6-4817-9D3D-39803535527F}"/>
               </a:ext>
             </a:extLst>
           </p:cNvPr>
@@ -10573,7 +10587,7 @@
           <p:cNvPr id="2" name="Straight Connector 1">
             <a:extLst>
               <a:ext uri="{FF2B5EF4-FFF2-40B4-BE49-F238E27FC236}">
-                <a16:creationId xmlns:a16="http://schemas.microsoft.com/office/drawing/2014/main" id="{BC4339F9-A066-45CD-91C6-61FED21D3027}"/>
+                <a16:creationId xmlns:a16="http://schemas.microsoft.com/office/drawing/2014/main" xmlns="" id="{BC4339F9-A066-45CD-91C6-61FED21D3027}"/>
               </a:ext>
             </a:extLst>
           </p:cNvPr>
@@ -10614,7 +10628,7 @@
           <p:cNvPr id="3" name="TextBox 2">
             <a:extLst>
               <a:ext uri="{FF2B5EF4-FFF2-40B4-BE49-F238E27FC236}">
-                <a16:creationId xmlns:a16="http://schemas.microsoft.com/office/drawing/2014/main" id="{4F839CDC-E463-4502-8748-827AE781F905}"/>
+                <a16:creationId xmlns:a16="http://schemas.microsoft.com/office/drawing/2014/main" xmlns="" id="{4F839CDC-E463-4502-8748-827AE781F905}"/>
               </a:ext>
             </a:extLst>
           </p:cNvPr>
@@ -10652,7 +10666,7 @@
           <p:cNvPr id="7" name="TextBox 6">
             <a:extLst>
               <a:ext uri="{FF2B5EF4-FFF2-40B4-BE49-F238E27FC236}">
-                <a16:creationId xmlns:a16="http://schemas.microsoft.com/office/drawing/2014/main" id="{4F839CDC-E463-4502-8748-827AE781F905}"/>
+                <a16:creationId xmlns:a16="http://schemas.microsoft.com/office/drawing/2014/main" xmlns="" id="{4F839CDC-E463-4502-8748-827AE781F905}"/>
               </a:ext>
             </a:extLst>
           </p:cNvPr>
@@ -10888,7 +10902,7 @@
           <p:cNvPr id="12" name="TextBox 11">
             <a:extLst>
               <a:ext uri="{FF2B5EF4-FFF2-40B4-BE49-F238E27FC236}">
-                <a16:creationId xmlns:a16="http://schemas.microsoft.com/office/drawing/2014/main" id="{4F839CDC-E463-4502-8748-827AE781F905}"/>
+                <a16:creationId xmlns:a16="http://schemas.microsoft.com/office/drawing/2014/main" xmlns="" id="{4F839CDC-E463-4502-8748-827AE781F905}"/>
               </a:ext>
             </a:extLst>
           </p:cNvPr>
@@ -10967,7 +10981,7 @@
           <p:cNvPr id="11" name="TextBox 10">
             <a:extLst>
               <a:ext uri="{FF2B5EF4-FFF2-40B4-BE49-F238E27FC236}">
-                <a16:creationId xmlns:a16="http://schemas.microsoft.com/office/drawing/2014/main" id="{296EF7E8-B19E-4525-A24E-2C4EC782EF9F}"/>
+                <a16:creationId xmlns:a16="http://schemas.microsoft.com/office/drawing/2014/main" xmlns="" id="{296EF7E8-B19E-4525-A24E-2C4EC782EF9F}"/>
               </a:ext>
             </a:extLst>
           </p:cNvPr>
@@ -11005,7 +11019,7 @@
           <p:cNvPr id="6" name="Slide Number Placeholder 5">
             <a:extLst>
               <a:ext uri="{FF2B5EF4-FFF2-40B4-BE49-F238E27FC236}">
-                <a16:creationId xmlns:a16="http://schemas.microsoft.com/office/drawing/2014/main" id="{6FA6159A-06FA-4CFE-876B-8E5BE7E74C2A}"/>
+                <a16:creationId xmlns:a16="http://schemas.microsoft.com/office/drawing/2014/main" xmlns="" id="{6FA6159A-06FA-4CFE-876B-8E5BE7E74C2A}"/>
               </a:ext>
             </a:extLst>
           </p:cNvPr>
@@ -11064,7 +11078,7 @@
           <p:cNvPr id="2" name="Straight Connector 1">
             <a:extLst>
               <a:ext uri="{FF2B5EF4-FFF2-40B4-BE49-F238E27FC236}">
-                <a16:creationId xmlns:a16="http://schemas.microsoft.com/office/drawing/2014/main" id="{AC4F71CC-7F86-4E5B-8494-019D67CEEE38}"/>
+                <a16:creationId xmlns:a16="http://schemas.microsoft.com/office/drawing/2014/main" xmlns="" id="{AC4F71CC-7F86-4E5B-8494-019D67CEEE38}"/>
               </a:ext>
             </a:extLst>
           </p:cNvPr>
@@ -11105,7 +11119,7 @@
           <p:cNvPr id="3" name="TextBox 2">
             <a:extLst>
               <a:ext uri="{FF2B5EF4-FFF2-40B4-BE49-F238E27FC236}">
-                <a16:creationId xmlns:a16="http://schemas.microsoft.com/office/drawing/2014/main" id="{8B3BC4E2-3633-48AE-8642-FECEB91C7154}"/>
+                <a16:creationId xmlns:a16="http://schemas.microsoft.com/office/drawing/2014/main" xmlns="" id="{8B3BC4E2-3633-48AE-8642-FECEB91C7154}"/>
               </a:ext>
             </a:extLst>
           </p:cNvPr>
@@ -11143,7 +11157,7 @@
           <p:cNvPr id="6" name="TextBox 5">
             <a:extLst>
               <a:ext uri="{FF2B5EF4-FFF2-40B4-BE49-F238E27FC236}">
-                <a16:creationId xmlns:a16="http://schemas.microsoft.com/office/drawing/2014/main" id="{5B0443FD-90D9-48BC-897C-ABD5E91D5509}"/>
+                <a16:creationId xmlns:a16="http://schemas.microsoft.com/office/drawing/2014/main" xmlns="" id="{5B0443FD-90D9-48BC-897C-ABD5E91D5509}"/>
               </a:ext>
             </a:extLst>
           </p:cNvPr>
@@ -11181,7 +11195,7 @@
           <p:cNvPr id="4" name="Slide Number Placeholder 3">
             <a:extLst>
               <a:ext uri="{FF2B5EF4-FFF2-40B4-BE49-F238E27FC236}">
-                <a16:creationId xmlns:a16="http://schemas.microsoft.com/office/drawing/2014/main" id="{D8C84466-E7A1-4992-B032-722AA600AC01}"/>
+                <a16:creationId xmlns:a16="http://schemas.microsoft.com/office/drawing/2014/main" xmlns="" id="{D8C84466-E7A1-4992-B032-722AA600AC01}"/>
               </a:ext>
             </a:extLst>
           </p:cNvPr>
@@ -11210,7 +11224,7 @@
           <p:cNvPr id="9" name="Table 9">
             <a:extLst>
               <a:ext uri="{FF2B5EF4-FFF2-40B4-BE49-F238E27FC236}">
-                <a16:creationId xmlns:a16="http://schemas.microsoft.com/office/drawing/2014/main" id="{8C7962D5-FD75-4BEE-A9E4-1C5F71B7AFB6}"/>
+                <a16:creationId xmlns:a16="http://schemas.microsoft.com/office/drawing/2014/main" xmlns="" id="{8C7962D5-FD75-4BEE-A9E4-1C5F71B7AFB6}"/>
               </a:ext>
             </a:extLst>
           </p:cNvPr>
@@ -11239,14 +11253,14 @@
                 <a:gridCol w="2442672">
                   <a:extLst>
                     <a:ext uri="{9D8B030D-6E8A-4147-A177-3AD203B41FA5}">
-                      <a16:colId xmlns:a16="http://schemas.microsoft.com/office/drawing/2014/main" val="1248716383"/>
+                      <a16:colId xmlns:a16="http://schemas.microsoft.com/office/drawing/2014/main" xmlns="" val="1248716383"/>
                     </a:ext>
                   </a:extLst>
                 </a:gridCol>
                 <a:gridCol w="2442672">
                   <a:extLst>
                     <a:ext uri="{9D8B030D-6E8A-4147-A177-3AD203B41FA5}">
-                      <a16:colId xmlns:a16="http://schemas.microsoft.com/office/drawing/2014/main" val="2587689662"/>
+                      <a16:colId xmlns:a16="http://schemas.microsoft.com/office/drawing/2014/main" xmlns="" val="2587689662"/>
                     </a:ext>
                   </a:extLst>
                 </a:gridCol>
@@ -11361,7 +11375,7 @@
                 </a:tc>
                 <a:extLst>
                   <a:ext uri="{0D108BD9-81ED-4DB2-BD59-A6C34878D82A}">
-                    <a16:rowId xmlns:a16="http://schemas.microsoft.com/office/drawing/2014/main" val="814600167"/>
+                    <a16:rowId xmlns:a16="http://schemas.microsoft.com/office/drawing/2014/main" xmlns="" val="814600167"/>
                   </a:ext>
                 </a:extLst>
               </a:tr>
@@ -11470,7 +11484,7 @@
                 </a:tc>
                 <a:extLst>
                   <a:ext uri="{0D108BD9-81ED-4DB2-BD59-A6C34878D82A}">
-                    <a16:rowId xmlns:a16="http://schemas.microsoft.com/office/drawing/2014/main" val="4111910200"/>
+                    <a16:rowId xmlns:a16="http://schemas.microsoft.com/office/drawing/2014/main" xmlns="" val="4111910200"/>
                   </a:ext>
                 </a:extLst>
               </a:tr>
@@ -11483,7 +11497,7 @@
           <p:cNvPr id="11" name="Picture 10">
             <a:extLst>
               <a:ext uri="{FF2B5EF4-FFF2-40B4-BE49-F238E27FC236}">
-                <a16:creationId xmlns:a16="http://schemas.microsoft.com/office/drawing/2014/main" id="{C432FFC9-395A-46AC-BFA9-67409BF13538}"/>
+                <a16:creationId xmlns:a16="http://schemas.microsoft.com/office/drawing/2014/main" xmlns="" id="{C432FFC9-395A-46AC-BFA9-67409BF13538}"/>
               </a:ext>
             </a:extLst>
           </p:cNvPr>
@@ -11518,7 +11532,7 @@
           <p:cNvPr id="12" name="Picture 11">
             <a:extLst>
               <a:ext uri="{FF2B5EF4-FFF2-40B4-BE49-F238E27FC236}">
-                <a16:creationId xmlns:a16="http://schemas.microsoft.com/office/drawing/2014/main" id="{F2EB8CBD-3AF1-4610-931D-68B8969DF5EC}"/>
+                <a16:creationId xmlns:a16="http://schemas.microsoft.com/office/drawing/2014/main" xmlns="" id="{F2EB8CBD-3AF1-4610-931D-68B8969DF5EC}"/>
               </a:ext>
             </a:extLst>
           </p:cNvPr>
@@ -11547,7 +11561,7 @@
           <p:cNvPr id="13" name="Picture 12">
             <a:extLst>
               <a:ext uri="{FF2B5EF4-FFF2-40B4-BE49-F238E27FC236}">
-                <a16:creationId xmlns:a16="http://schemas.microsoft.com/office/drawing/2014/main" id="{9461FE86-2C54-4895-A0F9-B7F5BC6634F4}"/>
+                <a16:creationId xmlns:a16="http://schemas.microsoft.com/office/drawing/2014/main" xmlns="" id="{9461FE86-2C54-4895-A0F9-B7F5BC6634F4}"/>
               </a:ext>
             </a:extLst>
           </p:cNvPr>
@@ -11606,7 +11620,7 @@
           <p:cNvPr id="2" name="Straight Connector 1">
             <a:extLst>
               <a:ext uri="{FF2B5EF4-FFF2-40B4-BE49-F238E27FC236}">
-                <a16:creationId xmlns:a16="http://schemas.microsoft.com/office/drawing/2014/main" id="{A31E7CB7-EDC3-46F2-92F6-748EE36F583B}"/>
+                <a16:creationId xmlns:a16="http://schemas.microsoft.com/office/drawing/2014/main" xmlns="" id="{A31E7CB7-EDC3-46F2-92F6-748EE36F583B}"/>
               </a:ext>
             </a:extLst>
           </p:cNvPr>
@@ -11647,7 +11661,7 @@
           <p:cNvPr id="3" name="TextBox 2">
             <a:extLst>
               <a:ext uri="{FF2B5EF4-FFF2-40B4-BE49-F238E27FC236}">
-                <a16:creationId xmlns:a16="http://schemas.microsoft.com/office/drawing/2014/main" id="{1CC17B57-5182-431A-B89C-F0A6B72A815B}"/>
+                <a16:creationId xmlns:a16="http://schemas.microsoft.com/office/drawing/2014/main" xmlns="" id="{1CC17B57-5182-431A-B89C-F0A6B72A815B}"/>
               </a:ext>
             </a:extLst>
           </p:cNvPr>
@@ -11685,7 +11699,7 @@
           <p:cNvPr id="6" name="TextBox 5">
             <a:extLst>
               <a:ext uri="{FF2B5EF4-FFF2-40B4-BE49-F238E27FC236}">
-                <a16:creationId xmlns:a16="http://schemas.microsoft.com/office/drawing/2014/main" id="{968A0A82-7146-484C-AA9D-583D7134C376}"/>
+                <a16:creationId xmlns:a16="http://schemas.microsoft.com/office/drawing/2014/main" xmlns="" id="{968A0A82-7146-484C-AA9D-583D7134C376}"/>
               </a:ext>
             </a:extLst>
           </p:cNvPr>
@@ -11723,7 +11737,7 @@
           <p:cNvPr id="4" name="Slide Number Placeholder 3">
             <a:extLst>
               <a:ext uri="{FF2B5EF4-FFF2-40B4-BE49-F238E27FC236}">
-                <a16:creationId xmlns:a16="http://schemas.microsoft.com/office/drawing/2014/main" id="{A2C6C374-36AC-4AC1-B755-127A76259660}"/>
+                <a16:creationId xmlns:a16="http://schemas.microsoft.com/office/drawing/2014/main" xmlns="" id="{A2C6C374-36AC-4AC1-B755-127A76259660}"/>
               </a:ext>
             </a:extLst>
           </p:cNvPr>
@@ -11752,7 +11766,7 @@
           <p:cNvPr id="7" name="TextBox 6">
             <a:extLst>
               <a:ext uri="{FF2B5EF4-FFF2-40B4-BE49-F238E27FC236}">
-                <a16:creationId xmlns:a16="http://schemas.microsoft.com/office/drawing/2014/main" id="{BE8BE599-A983-42AB-9743-C46DC7AEC928}"/>
+                <a16:creationId xmlns:a16="http://schemas.microsoft.com/office/drawing/2014/main" xmlns="" id="{BE8BE599-A983-42AB-9743-C46DC7AEC928}"/>
               </a:ext>
             </a:extLst>
           </p:cNvPr>
@@ -11883,7 +11897,7 @@
           <p:cNvPr id="2" name="Straight Connector 1">
             <a:extLst>
               <a:ext uri="{FF2B5EF4-FFF2-40B4-BE49-F238E27FC236}">
-                <a16:creationId xmlns:a16="http://schemas.microsoft.com/office/drawing/2014/main" id="{A31E7CB7-EDC3-46F2-92F6-748EE36F583B}"/>
+                <a16:creationId xmlns:a16="http://schemas.microsoft.com/office/drawing/2014/main" xmlns="" id="{A31E7CB7-EDC3-46F2-92F6-748EE36F583B}"/>
               </a:ext>
             </a:extLst>
           </p:cNvPr>
@@ -11924,7 +11938,7 @@
           <p:cNvPr id="3" name="TextBox 2">
             <a:extLst>
               <a:ext uri="{FF2B5EF4-FFF2-40B4-BE49-F238E27FC236}">
-                <a16:creationId xmlns:a16="http://schemas.microsoft.com/office/drawing/2014/main" id="{1CC17B57-5182-431A-B89C-F0A6B72A815B}"/>
+                <a16:creationId xmlns:a16="http://schemas.microsoft.com/office/drawing/2014/main" xmlns="" id="{1CC17B57-5182-431A-B89C-F0A6B72A815B}"/>
               </a:ext>
             </a:extLst>
           </p:cNvPr>
@@ -11962,7 +11976,7 @@
           <p:cNvPr id="4" name="TextBox 3">
             <a:extLst>
               <a:ext uri="{FF2B5EF4-FFF2-40B4-BE49-F238E27FC236}">
-                <a16:creationId xmlns:a16="http://schemas.microsoft.com/office/drawing/2014/main" id="{1907185F-1CA9-4BC9-B320-FC69FAEC82F0}"/>
+                <a16:creationId xmlns:a16="http://schemas.microsoft.com/office/drawing/2014/main" xmlns="" id="{1907185F-1CA9-4BC9-B320-FC69FAEC82F0}"/>
               </a:ext>
             </a:extLst>
           </p:cNvPr>
@@ -12000,7 +12014,7 @@
           <p:cNvPr id="5" name="TextBox 4">
             <a:extLst>
               <a:ext uri="{FF2B5EF4-FFF2-40B4-BE49-F238E27FC236}">
-                <a16:creationId xmlns:a16="http://schemas.microsoft.com/office/drawing/2014/main" id="{AD0705EB-EF39-46A3-A7C2-30D71D721A1A}"/>
+                <a16:creationId xmlns:a16="http://schemas.microsoft.com/office/drawing/2014/main" xmlns="" id="{AD0705EB-EF39-46A3-A7C2-30D71D721A1A}"/>
               </a:ext>
             </a:extLst>
           </p:cNvPr>
@@ -12082,7 +12096,7 @@
           <p:cNvPr id="6" name="Slide Number Placeholder 5">
             <a:extLst>
               <a:ext uri="{FF2B5EF4-FFF2-40B4-BE49-F238E27FC236}">
-                <a16:creationId xmlns:a16="http://schemas.microsoft.com/office/drawing/2014/main" id="{A390E0CC-D576-48B4-9DB4-06AE6C42C796}"/>
+                <a16:creationId xmlns:a16="http://schemas.microsoft.com/office/drawing/2014/main" xmlns="" id="{A390E0CC-D576-48B4-9DB4-06AE6C42C796}"/>
               </a:ext>
             </a:extLst>
           </p:cNvPr>
@@ -12141,7 +12155,7 @@
           <p:cNvPr id="2" name="Group 1">
             <a:extLst>
               <a:ext uri="{FF2B5EF4-FFF2-40B4-BE49-F238E27FC236}">
-                <a16:creationId xmlns:a16="http://schemas.microsoft.com/office/drawing/2014/main" id="{7CCA5530-82AF-4F30-A094-F86FFD933B34}"/>
+                <a16:creationId xmlns:a16="http://schemas.microsoft.com/office/drawing/2014/main" xmlns="" id="{7CCA5530-82AF-4F30-A094-F86FFD933B34}"/>
               </a:ext>
             </a:extLst>
           </p:cNvPr>
@@ -12171,7 +12185,7 @@
             <p:cNvPr id="3" name="Graphic 2" descr="Confused person">
               <a:extLst>
                 <a:ext uri="{FF2B5EF4-FFF2-40B4-BE49-F238E27FC236}">
-                  <a16:creationId xmlns:a16="http://schemas.microsoft.com/office/drawing/2014/main" id="{A38B64CB-D798-4C5A-AC8D-7F2D59AA3750}"/>
+                  <a16:creationId xmlns:a16="http://schemas.microsoft.com/office/drawing/2014/main" xmlns="" id="{A38B64CB-D798-4C5A-AC8D-7F2D59AA3750}"/>
                 </a:ext>
               </a:extLst>
             </p:cNvPr>
@@ -12187,7 +12201,7 @@
                   <a14:useLocalDpi xmlns:a14="http://schemas.microsoft.com/office/drawing/2010/main" val="0"/>
                 </a:ext>
                 <a:ext uri="{96DAC541-7B7A-43D3-8B79-37D633B846F1}">
-                  <asvg:svgBlip xmlns:asvg="http://schemas.microsoft.com/office/drawing/2016/SVG/main" r:embed="rId3"/>
+                  <asvg:svgBlip xmlns:asvg="http://schemas.microsoft.com/office/drawing/2016/SVG/main" xmlns="" r:embed="rId3"/>
                 </a:ext>
               </a:extLst>
             </a:blip>
@@ -12210,7 +12224,7 @@
             <p:cNvPr id="4" name="Graphic 3" descr="Thought bubble">
               <a:extLst>
                 <a:ext uri="{FF2B5EF4-FFF2-40B4-BE49-F238E27FC236}">
-                  <a16:creationId xmlns:a16="http://schemas.microsoft.com/office/drawing/2014/main" id="{341C9552-7FDF-46B3-9262-3A5EEF380915}"/>
+                  <a16:creationId xmlns:a16="http://schemas.microsoft.com/office/drawing/2014/main" xmlns="" id="{341C9552-7FDF-46B3-9262-3A5EEF380915}"/>
                 </a:ext>
               </a:extLst>
             </p:cNvPr>
@@ -12226,7 +12240,7 @@
                   <a14:useLocalDpi xmlns:a14="http://schemas.microsoft.com/office/drawing/2010/main" val="0"/>
                 </a:ext>
                 <a:ext uri="{96DAC541-7B7A-43D3-8B79-37D633B846F1}">
-                  <asvg:svgBlip xmlns:asvg="http://schemas.microsoft.com/office/drawing/2016/SVG/main" r:embed="rId5"/>
+                  <asvg:svgBlip xmlns:asvg="http://schemas.microsoft.com/office/drawing/2016/SVG/main" xmlns="" r:embed="rId5"/>
                 </a:ext>
               </a:extLst>
             </a:blip>
@@ -12249,7 +12263,7 @@
             <p:cNvPr id="5" name="Graphic 4" descr="Users">
               <a:extLst>
                 <a:ext uri="{FF2B5EF4-FFF2-40B4-BE49-F238E27FC236}">
-                  <a16:creationId xmlns:a16="http://schemas.microsoft.com/office/drawing/2014/main" id="{531FB4F3-92FF-4A66-B000-274145B6BC46}"/>
+                  <a16:creationId xmlns:a16="http://schemas.microsoft.com/office/drawing/2014/main" xmlns="" id="{531FB4F3-92FF-4A66-B000-274145B6BC46}"/>
                 </a:ext>
               </a:extLst>
             </p:cNvPr>
@@ -12265,7 +12279,7 @@
                   <a14:useLocalDpi xmlns:a14="http://schemas.microsoft.com/office/drawing/2010/main" val="0"/>
                 </a:ext>
                 <a:ext uri="{96DAC541-7B7A-43D3-8B79-37D633B846F1}">
-                  <asvg:svgBlip xmlns:asvg="http://schemas.microsoft.com/office/drawing/2016/SVG/main" r:embed="rId7"/>
+                  <asvg:svgBlip xmlns:asvg="http://schemas.microsoft.com/office/drawing/2016/SVG/main" xmlns="" r:embed="rId7"/>
                 </a:ext>
               </a:extLst>
             </a:blip>
@@ -12288,7 +12302,7 @@
             <p:cNvPr id="6" name="Graphic 9" descr="Questions">
               <a:extLst>
                 <a:ext uri="{FF2B5EF4-FFF2-40B4-BE49-F238E27FC236}">
-                  <a16:creationId xmlns:a16="http://schemas.microsoft.com/office/drawing/2014/main" id="{A40B25B0-B997-4657-A36D-2494096C6DCC}"/>
+                  <a16:creationId xmlns:a16="http://schemas.microsoft.com/office/drawing/2014/main" xmlns="" id="{A40B25B0-B997-4657-A36D-2494096C6DCC}"/>
                 </a:ext>
               </a:extLst>
             </p:cNvPr>
@@ -12672,7 +12686,7 @@
             <p:cNvPr id="7" name="Graphic 6" descr="Chat bubble">
               <a:extLst>
                 <a:ext uri="{FF2B5EF4-FFF2-40B4-BE49-F238E27FC236}">
-                  <a16:creationId xmlns:a16="http://schemas.microsoft.com/office/drawing/2014/main" id="{989AF653-7BD5-449F-9F07-75B9300F4567}"/>
+                  <a16:creationId xmlns:a16="http://schemas.microsoft.com/office/drawing/2014/main" xmlns="" id="{989AF653-7BD5-449F-9F07-75B9300F4567}"/>
                 </a:ext>
               </a:extLst>
             </p:cNvPr>
@@ -12688,7 +12702,7 @@
                   <a14:useLocalDpi xmlns:a14="http://schemas.microsoft.com/office/drawing/2010/main" val="0"/>
                 </a:ext>
                 <a:ext uri="{96DAC541-7B7A-43D3-8B79-37D633B846F1}">
-                  <asvg:svgBlip xmlns:asvg="http://schemas.microsoft.com/office/drawing/2016/SVG/main" r:embed="rId9"/>
+                  <asvg:svgBlip xmlns:asvg="http://schemas.microsoft.com/office/drawing/2016/SVG/main" xmlns="" r:embed="rId9"/>
                 </a:ext>
               </a:extLst>
             </a:blip>
@@ -12711,7 +12725,7 @@
             <p:cNvPr id="8" name="Graphic 7" descr="Users">
               <a:extLst>
                 <a:ext uri="{FF2B5EF4-FFF2-40B4-BE49-F238E27FC236}">
-                  <a16:creationId xmlns:a16="http://schemas.microsoft.com/office/drawing/2014/main" id="{857E97E0-1CDF-45BC-9962-357E4E895102}"/>
+                  <a16:creationId xmlns:a16="http://schemas.microsoft.com/office/drawing/2014/main" xmlns="" id="{857E97E0-1CDF-45BC-9962-357E4E895102}"/>
                 </a:ext>
               </a:extLst>
             </p:cNvPr>
@@ -12727,7 +12741,7 @@
                   <a14:useLocalDpi xmlns:a14="http://schemas.microsoft.com/office/drawing/2010/main" val="0"/>
                 </a:ext>
                 <a:ext uri="{96DAC541-7B7A-43D3-8B79-37D633B846F1}">
-                  <asvg:svgBlip xmlns:asvg="http://schemas.microsoft.com/office/drawing/2016/SVG/main" r:embed="rId7"/>
+                  <asvg:svgBlip xmlns:asvg="http://schemas.microsoft.com/office/drawing/2016/SVG/main" xmlns="" r:embed="rId7"/>
                 </a:ext>
               </a:extLst>
             </a:blip>
@@ -12750,7 +12764,7 @@
             <p:cNvPr id="9" name="Group 8">
               <a:extLst>
                 <a:ext uri="{FF2B5EF4-FFF2-40B4-BE49-F238E27FC236}">
-                  <a16:creationId xmlns:a16="http://schemas.microsoft.com/office/drawing/2014/main" id="{517FB3E2-2872-447C-918C-A488283BC818}"/>
+                  <a16:creationId xmlns:a16="http://schemas.microsoft.com/office/drawing/2014/main" xmlns="" id="{517FB3E2-2872-447C-918C-A488283BC818}"/>
                 </a:ext>
               </a:extLst>
             </p:cNvPr>
@@ -12771,7 +12785,7 @@
               <p:cNvPr id="11" name="Graphic 20" descr="Person with idea">
                 <a:extLst>
                   <a:ext uri="{FF2B5EF4-FFF2-40B4-BE49-F238E27FC236}">
-                    <a16:creationId xmlns:a16="http://schemas.microsoft.com/office/drawing/2014/main" id="{29AA5932-C2B1-4DD9-8373-92D124E6E1E5}"/>
+                    <a16:creationId xmlns:a16="http://schemas.microsoft.com/office/drawing/2014/main" xmlns="" id="{29AA5932-C2B1-4DD9-8373-92D124E6E1E5}"/>
                   </a:ext>
                 </a:extLst>
               </p:cNvPr>
@@ -12901,7 +12915,7 @@
               <p:cNvPr id="12" name="Graphic 20" descr="Person with idea">
                 <a:extLst>
                   <a:ext uri="{FF2B5EF4-FFF2-40B4-BE49-F238E27FC236}">
-                    <a16:creationId xmlns:a16="http://schemas.microsoft.com/office/drawing/2014/main" id="{F8C8969F-2BC8-4DBC-AF17-5E921E90DE3E}"/>
+                    <a16:creationId xmlns:a16="http://schemas.microsoft.com/office/drawing/2014/main" xmlns="" id="{F8C8969F-2BC8-4DBC-AF17-5E921E90DE3E}"/>
                   </a:ext>
                 </a:extLst>
               </p:cNvPr>
@@ -12996,7 +13010,7 @@
             <p:cNvPr id="10" name="Graphic 20" descr="Person with idea">
               <a:extLst>
                 <a:ext uri="{FF2B5EF4-FFF2-40B4-BE49-F238E27FC236}">
-                  <a16:creationId xmlns:a16="http://schemas.microsoft.com/office/drawing/2014/main" id="{0070E24E-F934-42EC-8686-D50DDD89777A}"/>
+                  <a16:creationId xmlns:a16="http://schemas.microsoft.com/office/drawing/2014/main" xmlns="" id="{0070E24E-F934-42EC-8686-D50DDD89777A}"/>
                 </a:ext>
               </a:extLst>
             </p:cNvPr>
@@ -13949,7 +13963,7 @@
           <p:cNvPr id="13" name="Straight Connector 12">
             <a:extLst>
               <a:ext uri="{FF2B5EF4-FFF2-40B4-BE49-F238E27FC236}">
-                <a16:creationId xmlns:a16="http://schemas.microsoft.com/office/drawing/2014/main" id="{90CA4E41-3F80-415A-8F8B-4B005E0C9EB1}"/>
+                <a16:creationId xmlns:a16="http://schemas.microsoft.com/office/drawing/2014/main" xmlns="" id="{90CA4E41-3F80-415A-8F8B-4B005E0C9EB1}"/>
               </a:ext>
             </a:extLst>
           </p:cNvPr>
@@ -13990,7 +14004,7 @@
           <p:cNvPr id="14" name="TextBox 13">
             <a:extLst>
               <a:ext uri="{FF2B5EF4-FFF2-40B4-BE49-F238E27FC236}">
-                <a16:creationId xmlns:a16="http://schemas.microsoft.com/office/drawing/2014/main" id="{E1A2BC41-0AB1-4AD0-8BF8-6CF5C1660D46}"/>
+                <a16:creationId xmlns:a16="http://schemas.microsoft.com/office/drawing/2014/main" xmlns="" id="{E1A2BC41-0AB1-4AD0-8BF8-6CF5C1660D46}"/>
               </a:ext>
             </a:extLst>
           </p:cNvPr>
@@ -14028,7 +14042,7 @@
           <p:cNvPr id="15" name="Slide Number Placeholder 14">
             <a:extLst>
               <a:ext uri="{FF2B5EF4-FFF2-40B4-BE49-F238E27FC236}">
-                <a16:creationId xmlns:a16="http://schemas.microsoft.com/office/drawing/2014/main" id="{9B8A62BC-01F5-440F-ABBD-FFE2ED9FE843}"/>
+                <a16:creationId xmlns:a16="http://schemas.microsoft.com/office/drawing/2014/main" xmlns="" id="{9B8A62BC-01F5-440F-ABBD-FFE2ED9FE843}"/>
               </a:ext>
             </a:extLst>
           </p:cNvPr>
@@ -14216,7 +14230,7 @@
           <p:cNvPr id="28" name="Straight Connector 27">
             <a:extLst>
               <a:ext uri="{FF2B5EF4-FFF2-40B4-BE49-F238E27FC236}">
-                <a16:creationId xmlns:a16="http://schemas.microsoft.com/office/drawing/2014/main" id="{5BC01C7A-1442-4981-9CA7-DBED2A4FA907}"/>
+                <a16:creationId xmlns:a16="http://schemas.microsoft.com/office/drawing/2014/main" xmlns="" id="{5BC01C7A-1442-4981-9CA7-DBED2A4FA907}"/>
               </a:ext>
             </a:extLst>
           </p:cNvPr>
@@ -14257,7 +14271,7 @@
           <p:cNvPr id="29" name="TextBox 28">
             <a:extLst>
               <a:ext uri="{FF2B5EF4-FFF2-40B4-BE49-F238E27FC236}">
-                <a16:creationId xmlns:a16="http://schemas.microsoft.com/office/drawing/2014/main" id="{FD8A799C-BE52-4998-90B7-F7B21AE43B0E}"/>
+                <a16:creationId xmlns:a16="http://schemas.microsoft.com/office/drawing/2014/main" xmlns="" id="{FD8A799C-BE52-4998-90B7-F7B21AE43B0E}"/>
               </a:ext>
             </a:extLst>
           </p:cNvPr>
@@ -14295,7 +14309,7 @@
           <p:cNvPr id="33" name="Group 32">
             <a:extLst>
               <a:ext uri="{FF2B5EF4-FFF2-40B4-BE49-F238E27FC236}">
-                <a16:creationId xmlns:a16="http://schemas.microsoft.com/office/drawing/2014/main" id="{CE0D35C0-CE6D-425B-AE6F-D3F193BAD9E5}"/>
+                <a16:creationId xmlns:a16="http://schemas.microsoft.com/office/drawing/2014/main" xmlns="" id="{CE0D35C0-CE6D-425B-AE6F-D3F193BAD9E5}"/>
               </a:ext>
             </a:extLst>
           </p:cNvPr>
@@ -14315,7 +14329,7 @@
             <p:cNvPr id="8" name="Rectangle: Rounded Corners 7">
               <a:extLst>
                 <a:ext uri="{FF2B5EF4-FFF2-40B4-BE49-F238E27FC236}">
-                  <a16:creationId xmlns:a16="http://schemas.microsoft.com/office/drawing/2014/main" id="{F4435332-69FC-4D75-B3A6-EA7EB1DA13F2}"/>
+                  <a16:creationId xmlns:a16="http://schemas.microsoft.com/office/drawing/2014/main" xmlns="" id="{F4435332-69FC-4D75-B3A6-EA7EB1DA13F2}"/>
                 </a:ext>
               </a:extLst>
             </p:cNvPr>
@@ -14390,7 +14404,7 @@
             <p:cNvPr id="9" name="Rectangle: Rounded Corners 8">
               <a:extLst>
                 <a:ext uri="{FF2B5EF4-FFF2-40B4-BE49-F238E27FC236}">
-                  <a16:creationId xmlns:a16="http://schemas.microsoft.com/office/drawing/2014/main" id="{1F7799C2-40DE-491E-922C-E05F43B64704}"/>
+                  <a16:creationId xmlns:a16="http://schemas.microsoft.com/office/drawing/2014/main" xmlns="" id="{1F7799C2-40DE-491E-922C-E05F43B64704}"/>
                 </a:ext>
               </a:extLst>
             </p:cNvPr>
@@ -14465,7 +14479,7 @@
             <p:cNvPr id="10" name="Rectangle: Rounded Corners 9">
               <a:extLst>
                 <a:ext uri="{FF2B5EF4-FFF2-40B4-BE49-F238E27FC236}">
-                  <a16:creationId xmlns:a16="http://schemas.microsoft.com/office/drawing/2014/main" id="{C41A0105-3D0A-41A6-979A-05BB97B6C5C7}"/>
+                  <a16:creationId xmlns:a16="http://schemas.microsoft.com/office/drawing/2014/main" xmlns="" id="{C41A0105-3D0A-41A6-979A-05BB97B6C5C7}"/>
                 </a:ext>
               </a:extLst>
             </p:cNvPr>
@@ -14540,7 +14554,7 @@
             <p:cNvPr id="11" name="Rectangle: Rounded Corners 10">
               <a:extLst>
                 <a:ext uri="{FF2B5EF4-FFF2-40B4-BE49-F238E27FC236}">
-                  <a16:creationId xmlns:a16="http://schemas.microsoft.com/office/drawing/2014/main" id="{61A8BB1B-DF19-4230-B91C-FA1B01C9D034}"/>
+                  <a16:creationId xmlns:a16="http://schemas.microsoft.com/office/drawing/2014/main" xmlns="" id="{61A8BB1B-DF19-4230-B91C-FA1B01C9D034}"/>
                 </a:ext>
               </a:extLst>
             </p:cNvPr>
@@ -14615,7 +14629,7 @@
             <p:cNvPr id="12" name="Rectangle: Rounded Corners 11">
               <a:extLst>
                 <a:ext uri="{FF2B5EF4-FFF2-40B4-BE49-F238E27FC236}">
-                  <a16:creationId xmlns:a16="http://schemas.microsoft.com/office/drawing/2014/main" id="{C9762CBF-3494-4AB6-8F84-63E4F89FFE81}"/>
+                  <a16:creationId xmlns:a16="http://schemas.microsoft.com/office/drawing/2014/main" xmlns="" id="{C9762CBF-3494-4AB6-8F84-63E4F89FFE81}"/>
                 </a:ext>
               </a:extLst>
             </p:cNvPr>
@@ -14690,7 +14704,7 @@
             <p:cNvPr id="13" name="Rectangle: Rounded Corners 12">
               <a:extLst>
                 <a:ext uri="{FF2B5EF4-FFF2-40B4-BE49-F238E27FC236}">
-                  <a16:creationId xmlns:a16="http://schemas.microsoft.com/office/drawing/2014/main" id="{0AD5A17F-D6F5-4898-90E7-32F83AD408E4}"/>
+                  <a16:creationId xmlns:a16="http://schemas.microsoft.com/office/drawing/2014/main" xmlns="" id="{0AD5A17F-D6F5-4898-90E7-32F83AD408E4}"/>
                 </a:ext>
               </a:extLst>
             </p:cNvPr>
@@ -14765,7 +14779,7 @@
             <p:cNvPr id="14" name="Rectangle: Rounded Corners 13">
               <a:extLst>
                 <a:ext uri="{FF2B5EF4-FFF2-40B4-BE49-F238E27FC236}">
-                  <a16:creationId xmlns:a16="http://schemas.microsoft.com/office/drawing/2014/main" id="{427388F0-F1BF-49F1-AB90-BF4F855265CB}"/>
+                  <a16:creationId xmlns:a16="http://schemas.microsoft.com/office/drawing/2014/main" xmlns="" id="{427388F0-F1BF-49F1-AB90-BF4F855265CB}"/>
                 </a:ext>
               </a:extLst>
             </p:cNvPr>
@@ -14840,7 +14854,7 @@
             <p:cNvPr id="15" name="Rectangle: Rounded Corners 14">
               <a:extLst>
                 <a:ext uri="{FF2B5EF4-FFF2-40B4-BE49-F238E27FC236}">
-                  <a16:creationId xmlns:a16="http://schemas.microsoft.com/office/drawing/2014/main" id="{F4F36732-5BAB-40B0-8F96-050D67939387}"/>
+                  <a16:creationId xmlns:a16="http://schemas.microsoft.com/office/drawing/2014/main" xmlns="" id="{F4F36732-5BAB-40B0-8F96-050D67939387}"/>
                 </a:ext>
               </a:extLst>
             </p:cNvPr>
@@ -14915,7 +14929,7 @@
             <p:cNvPr id="16" name="Rectangle: Rounded Corners 15">
               <a:extLst>
                 <a:ext uri="{FF2B5EF4-FFF2-40B4-BE49-F238E27FC236}">
-                  <a16:creationId xmlns:a16="http://schemas.microsoft.com/office/drawing/2014/main" id="{CA09CD9D-372F-45B5-B665-D4CC658FCC48}"/>
+                  <a16:creationId xmlns:a16="http://schemas.microsoft.com/office/drawing/2014/main" xmlns="" id="{CA09CD9D-372F-45B5-B665-D4CC658FCC48}"/>
                 </a:ext>
               </a:extLst>
             </p:cNvPr>
@@ -14981,7 +14995,7 @@
             <p:cNvPr id="17" name="Rectangle: Rounded Corners 16">
               <a:extLst>
                 <a:ext uri="{FF2B5EF4-FFF2-40B4-BE49-F238E27FC236}">
-                  <a16:creationId xmlns:a16="http://schemas.microsoft.com/office/drawing/2014/main" id="{4D38B512-7E7D-4A61-8C38-D1BF4269173E}"/>
+                  <a16:creationId xmlns:a16="http://schemas.microsoft.com/office/drawing/2014/main" xmlns="" id="{4D38B512-7E7D-4A61-8C38-D1BF4269173E}"/>
                 </a:ext>
               </a:extLst>
             </p:cNvPr>
@@ -15047,7 +15061,7 @@
             <p:cNvPr id="18" name="Rectangle: Rounded Corners 17">
               <a:extLst>
                 <a:ext uri="{FF2B5EF4-FFF2-40B4-BE49-F238E27FC236}">
-                  <a16:creationId xmlns:a16="http://schemas.microsoft.com/office/drawing/2014/main" id="{4077607C-E917-47B5-B2B0-FE2CD453C596}"/>
+                  <a16:creationId xmlns:a16="http://schemas.microsoft.com/office/drawing/2014/main" xmlns="" id="{4077607C-E917-47B5-B2B0-FE2CD453C596}"/>
                 </a:ext>
               </a:extLst>
             </p:cNvPr>
@@ -15113,7 +15127,7 @@
             <p:cNvPr id="19" name="Rectangle: Rounded Corners 18">
               <a:extLst>
                 <a:ext uri="{FF2B5EF4-FFF2-40B4-BE49-F238E27FC236}">
-                  <a16:creationId xmlns:a16="http://schemas.microsoft.com/office/drawing/2014/main" id="{61F80F85-6FCC-413C-8C38-5A0E48E467F7}"/>
+                  <a16:creationId xmlns:a16="http://schemas.microsoft.com/office/drawing/2014/main" xmlns="" id="{61F80F85-6FCC-413C-8C38-5A0E48E467F7}"/>
                 </a:ext>
               </a:extLst>
             </p:cNvPr>
@@ -15179,7 +15193,7 @@
             <p:cNvPr id="20" name="Rectangle: Rounded Corners 19">
               <a:extLst>
                 <a:ext uri="{FF2B5EF4-FFF2-40B4-BE49-F238E27FC236}">
-                  <a16:creationId xmlns:a16="http://schemas.microsoft.com/office/drawing/2014/main" id="{CBB470BF-A936-4D60-B1A2-03A93D25CD47}"/>
+                  <a16:creationId xmlns:a16="http://schemas.microsoft.com/office/drawing/2014/main" xmlns="" id="{CBB470BF-A936-4D60-B1A2-03A93D25CD47}"/>
                 </a:ext>
               </a:extLst>
             </p:cNvPr>
@@ -15245,7 +15259,7 @@
             <p:cNvPr id="21" name="Rectangle: Rounded Corners 20">
               <a:extLst>
                 <a:ext uri="{FF2B5EF4-FFF2-40B4-BE49-F238E27FC236}">
-                  <a16:creationId xmlns:a16="http://schemas.microsoft.com/office/drawing/2014/main" id="{F76D9321-06A5-4A29-A115-ADE0DFF6AADD}"/>
+                  <a16:creationId xmlns:a16="http://schemas.microsoft.com/office/drawing/2014/main" xmlns="" id="{F76D9321-06A5-4A29-A115-ADE0DFF6AADD}"/>
                 </a:ext>
               </a:extLst>
             </p:cNvPr>
@@ -15311,7 +15325,7 @@
             <p:cNvPr id="22" name="Rectangle: Rounded Corners 21">
               <a:extLst>
                 <a:ext uri="{FF2B5EF4-FFF2-40B4-BE49-F238E27FC236}">
-                  <a16:creationId xmlns:a16="http://schemas.microsoft.com/office/drawing/2014/main" id="{D48F64A5-A45D-4254-B2D2-4763B59951C3}"/>
+                  <a16:creationId xmlns:a16="http://schemas.microsoft.com/office/drawing/2014/main" xmlns="" id="{D48F64A5-A45D-4254-B2D2-4763B59951C3}"/>
                 </a:ext>
               </a:extLst>
             </p:cNvPr>
@@ -15377,7 +15391,7 @@
             <p:cNvPr id="23" name="Rectangle: Rounded Corners 22">
               <a:extLst>
                 <a:ext uri="{FF2B5EF4-FFF2-40B4-BE49-F238E27FC236}">
-                  <a16:creationId xmlns:a16="http://schemas.microsoft.com/office/drawing/2014/main" id="{1F8CE15E-2EC7-419B-9B10-0944E4E7BB64}"/>
+                  <a16:creationId xmlns:a16="http://schemas.microsoft.com/office/drawing/2014/main" xmlns="" id="{1F8CE15E-2EC7-419B-9B10-0944E4E7BB64}"/>
                 </a:ext>
               </a:extLst>
             </p:cNvPr>
@@ -15443,7 +15457,7 @@
             <p:cNvPr id="24" name="TextBox 23">
               <a:extLst>
                 <a:ext uri="{FF2B5EF4-FFF2-40B4-BE49-F238E27FC236}">
-                  <a16:creationId xmlns:a16="http://schemas.microsoft.com/office/drawing/2014/main" id="{1D72480D-C09C-42F2-AF4C-B3877C177CC3}"/>
+                  <a16:creationId xmlns:a16="http://schemas.microsoft.com/office/drawing/2014/main" xmlns="" id="{1D72480D-C09C-42F2-AF4C-B3877C177CC3}"/>
                 </a:ext>
               </a:extLst>
             </p:cNvPr>
@@ -15517,7 +15531,7 @@
             <p:cNvPr id="25" name="TextBox 24">
               <a:extLst>
                 <a:ext uri="{FF2B5EF4-FFF2-40B4-BE49-F238E27FC236}">
-                  <a16:creationId xmlns:a16="http://schemas.microsoft.com/office/drawing/2014/main" id="{26160063-FD4F-4FF6-B323-B31EE539258B}"/>
+                  <a16:creationId xmlns:a16="http://schemas.microsoft.com/office/drawing/2014/main" xmlns="" id="{26160063-FD4F-4FF6-B323-B31EE539258B}"/>
                 </a:ext>
               </a:extLst>
             </p:cNvPr>
@@ -15591,7 +15605,7 @@
             <p:cNvPr id="26" name="TextBox 25">
               <a:extLst>
                 <a:ext uri="{FF2B5EF4-FFF2-40B4-BE49-F238E27FC236}">
-                  <a16:creationId xmlns:a16="http://schemas.microsoft.com/office/drawing/2014/main" id="{A8BA53C5-77CF-4DDD-8C5C-056D334E73EE}"/>
+                  <a16:creationId xmlns:a16="http://schemas.microsoft.com/office/drawing/2014/main" xmlns="" id="{A8BA53C5-77CF-4DDD-8C5C-056D334E73EE}"/>
                 </a:ext>
               </a:extLst>
             </p:cNvPr>
@@ -15665,7 +15679,7 @@
             <p:cNvPr id="27" name="TextBox 26">
               <a:extLst>
                 <a:ext uri="{FF2B5EF4-FFF2-40B4-BE49-F238E27FC236}">
-                  <a16:creationId xmlns:a16="http://schemas.microsoft.com/office/drawing/2014/main" id="{73233433-E353-4C36-A84A-DA39FC0FE1EE}"/>
+                  <a16:creationId xmlns:a16="http://schemas.microsoft.com/office/drawing/2014/main" xmlns="" id="{73233433-E353-4C36-A84A-DA39FC0FE1EE}"/>
                 </a:ext>
               </a:extLst>
             </p:cNvPr>
@@ -15739,7 +15753,7 @@
             <p:cNvPr id="4" name="TextBox 3">
               <a:extLst>
                 <a:ext uri="{FF2B5EF4-FFF2-40B4-BE49-F238E27FC236}">
-                  <a16:creationId xmlns:a16="http://schemas.microsoft.com/office/drawing/2014/main" id="{A2AD06CB-AC0F-4628-A6C5-065165D1D398}"/>
+                  <a16:creationId xmlns:a16="http://schemas.microsoft.com/office/drawing/2014/main" xmlns="" id="{A2AD06CB-AC0F-4628-A6C5-065165D1D398}"/>
                 </a:ext>
               </a:extLst>
             </p:cNvPr>
@@ -15804,7 +15818,7 @@
             <p:cNvPr id="5" name="TextBox 4">
               <a:extLst>
                 <a:ext uri="{FF2B5EF4-FFF2-40B4-BE49-F238E27FC236}">
-                  <a16:creationId xmlns:a16="http://schemas.microsoft.com/office/drawing/2014/main" id="{29DD3659-D9E9-4D4E-B5B3-94B67A848518}"/>
+                  <a16:creationId xmlns:a16="http://schemas.microsoft.com/office/drawing/2014/main" xmlns="" id="{29DD3659-D9E9-4D4E-B5B3-94B67A848518}"/>
                 </a:ext>
               </a:extLst>
             </p:cNvPr>
@@ -15869,7 +15883,7 @@
             <p:cNvPr id="6" name="TextBox 5">
               <a:extLst>
                 <a:ext uri="{FF2B5EF4-FFF2-40B4-BE49-F238E27FC236}">
-                  <a16:creationId xmlns:a16="http://schemas.microsoft.com/office/drawing/2014/main" id="{46FFF08C-A00A-452C-9FB5-897F0F9C2026}"/>
+                  <a16:creationId xmlns:a16="http://schemas.microsoft.com/office/drawing/2014/main" xmlns="" id="{46FFF08C-A00A-452C-9FB5-897F0F9C2026}"/>
                 </a:ext>
               </a:extLst>
             </p:cNvPr>
@@ -15934,7 +15948,7 @@
             <p:cNvPr id="7" name="TextBox 6">
               <a:extLst>
                 <a:ext uri="{FF2B5EF4-FFF2-40B4-BE49-F238E27FC236}">
-                  <a16:creationId xmlns:a16="http://schemas.microsoft.com/office/drawing/2014/main" id="{DC8BF421-EC0E-41F0-A810-54D65394FB44}"/>
+                  <a16:creationId xmlns:a16="http://schemas.microsoft.com/office/drawing/2014/main" xmlns="" id="{DC8BF421-EC0E-41F0-A810-54D65394FB44}"/>
                 </a:ext>
               </a:extLst>
             </p:cNvPr>
@@ -15999,7 +16013,7 @@
             <p:cNvPr id="30" name="Rectangle: Rounded Corners 29">
               <a:extLst>
                 <a:ext uri="{FF2B5EF4-FFF2-40B4-BE49-F238E27FC236}">
-                  <a16:creationId xmlns:a16="http://schemas.microsoft.com/office/drawing/2014/main" id="{622FED8A-6710-405A-8EEB-2B9A71D48CA2}"/>
+                  <a16:creationId xmlns:a16="http://schemas.microsoft.com/office/drawing/2014/main" xmlns="" id="{622FED8A-6710-405A-8EEB-2B9A71D48CA2}"/>
                 </a:ext>
               </a:extLst>
             </p:cNvPr>
@@ -16074,7 +16088,7 @@
             <p:cNvPr id="31" name="Rectangle: Rounded Corners 30">
               <a:extLst>
                 <a:ext uri="{FF2B5EF4-FFF2-40B4-BE49-F238E27FC236}">
-                  <a16:creationId xmlns:a16="http://schemas.microsoft.com/office/drawing/2014/main" id="{2F6E0BC0-0AC7-4652-BBFE-A2212A73586F}"/>
+                  <a16:creationId xmlns:a16="http://schemas.microsoft.com/office/drawing/2014/main" xmlns="" id="{2F6E0BC0-0AC7-4652-BBFE-A2212A73586F}"/>
                 </a:ext>
               </a:extLst>
             </p:cNvPr>
@@ -16140,7 +16154,7 @@
             <p:cNvPr id="32" name="TextBox 31">
               <a:extLst>
                 <a:ext uri="{FF2B5EF4-FFF2-40B4-BE49-F238E27FC236}">
-                  <a16:creationId xmlns:a16="http://schemas.microsoft.com/office/drawing/2014/main" id="{B1DE1F40-72F3-4FC9-B30F-3F4DAF6BCD28}"/>
+                  <a16:creationId xmlns:a16="http://schemas.microsoft.com/office/drawing/2014/main" xmlns="" id="{B1DE1F40-72F3-4FC9-B30F-3F4DAF6BCD28}"/>
                 </a:ext>
               </a:extLst>
             </p:cNvPr>
@@ -16206,7 +16220,7 @@
           <p:cNvPr id="34" name="TextBox 33">
             <a:extLst>
               <a:ext uri="{FF2B5EF4-FFF2-40B4-BE49-F238E27FC236}">
-                <a16:creationId xmlns:a16="http://schemas.microsoft.com/office/drawing/2014/main" id="{1F160490-9C3C-416D-AB6C-6313A0CFC731}"/>
+                <a16:creationId xmlns:a16="http://schemas.microsoft.com/office/drawing/2014/main" xmlns="" id="{1F160490-9C3C-416D-AB6C-6313A0CFC731}"/>
               </a:ext>
             </a:extLst>
           </p:cNvPr>
@@ -16244,7 +16258,7 @@
           <p:cNvPr id="2" name="Slide Number Placeholder 1">
             <a:extLst>
               <a:ext uri="{FF2B5EF4-FFF2-40B4-BE49-F238E27FC236}">
-                <a16:creationId xmlns:a16="http://schemas.microsoft.com/office/drawing/2014/main" id="{059FB86C-4591-4A75-AFA1-EB5F86600486}"/>
+                <a16:creationId xmlns:a16="http://schemas.microsoft.com/office/drawing/2014/main" xmlns="" id="{059FB86C-4591-4A75-AFA1-EB5F86600486}"/>
               </a:ext>
             </a:extLst>
           </p:cNvPr>
@@ -16303,7 +16317,7 @@
           <p:cNvPr id="28" name="Straight Connector 27">
             <a:extLst>
               <a:ext uri="{FF2B5EF4-FFF2-40B4-BE49-F238E27FC236}">
-                <a16:creationId xmlns:a16="http://schemas.microsoft.com/office/drawing/2014/main" id="{5BC01C7A-1442-4981-9CA7-DBED2A4FA907}"/>
+                <a16:creationId xmlns:a16="http://schemas.microsoft.com/office/drawing/2014/main" xmlns="" id="{5BC01C7A-1442-4981-9CA7-DBED2A4FA907}"/>
               </a:ext>
             </a:extLst>
           </p:cNvPr>
@@ -16344,7 +16358,7 @@
           <p:cNvPr id="29" name="TextBox 28">
             <a:extLst>
               <a:ext uri="{FF2B5EF4-FFF2-40B4-BE49-F238E27FC236}">
-                <a16:creationId xmlns:a16="http://schemas.microsoft.com/office/drawing/2014/main" id="{FD8A799C-BE52-4998-90B7-F7B21AE43B0E}"/>
+                <a16:creationId xmlns:a16="http://schemas.microsoft.com/office/drawing/2014/main" xmlns="" id="{FD8A799C-BE52-4998-90B7-F7B21AE43B0E}"/>
               </a:ext>
             </a:extLst>
           </p:cNvPr>
@@ -16382,7 +16396,7 @@
           <p:cNvPr id="2" name="Group 1">
             <a:extLst>
               <a:ext uri="{FF2B5EF4-FFF2-40B4-BE49-F238E27FC236}">
-                <a16:creationId xmlns:a16="http://schemas.microsoft.com/office/drawing/2014/main" id="{FD0577ED-0B2D-46AA-B696-ACF560E0FD16}"/>
+                <a16:creationId xmlns:a16="http://schemas.microsoft.com/office/drawing/2014/main" xmlns="" id="{FD0577ED-0B2D-46AA-B696-ACF560E0FD16}"/>
               </a:ext>
             </a:extLst>
           </p:cNvPr>
@@ -16402,7 +16416,7 @@
             <p:cNvPr id="8" name="Rectangle: Rounded Corners 7">
               <a:extLst>
                 <a:ext uri="{FF2B5EF4-FFF2-40B4-BE49-F238E27FC236}">
-                  <a16:creationId xmlns:a16="http://schemas.microsoft.com/office/drawing/2014/main" id="{F4435332-69FC-4D75-B3A6-EA7EB1DA13F2}"/>
+                  <a16:creationId xmlns:a16="http://schemas.microsoft.com/office/drawing/2014/main" xmlns="" id="{F4435332-69FC-4D75-B3A6-EA7EB1DA13F2}"/>
                 </a:ext>
               </a:extLst>
             </p:cNvPr>
@@ -16477,7 +16491,7 @@
             <p:cNvPr id="9" name="Rectangle: Rounded Corners 8">
               <a:extLst>
                 <a:ext uri="{FF2B5EF4-FFF2-40B4-BE49-F238E27FC236}">
-                  <a16:creationId xmlns:a16="http://schemas.microsoft.com/office/drawing/2014/main" id="{1F7799C2-40DE-491E-922C-E05F43B64704}"/>
+                  <a16:creationId xmlns:a16="http://schemas.microsoft.com/office/drawing/2014/main" xmlns="" id="{1F7799C2-40DE-491E-922C-E05F43B64704}"/>
                 </a:ext>
               </a:extLst>
             </p:cNvPr>
@@ -16552,7 +16566,7 @@
             <p:cNvPr id="10" name="Rectangle: Rounded Corners 9">
               <a:extLst>
                 <a:ext uri="{FF2B5EF4-FFF2-40B4-BE49-F238E27FC236}">
-                  <a16:creationId xmlns:a16="http://schemas.microsoft.com/office/drawing/2014/main" id="{C41A0105-3D0A-41A6-979A-05BB97B6C5C7}"/>
+                  <a16:creationId xmlns:a16="http://schemas.microsoft.com/office/drawing/2014/main" xmlns="" id="{C41A0105-3D0A-41A6-979A-05BB97B6C5C7}"/>
                 </a:ext>
               </a:extLst>
             </p:cNvPr>
@@ -16627,7 +16641,7 @@
             <p:cNvPr id="11" name="Rectangle: Rounded Corners 10">
               <a:extLst>
                 <a:ext uri="{FF2B5EF4-FFF2-40B4-BE49-F238E27FC236}">
-                  <a16:creationId xmlns:a16="http://schemas.microsoft.com/office/drawing/2014/main" id="{61A8BB1B-DF19-4230-B91C-FA1B01C9D034}"/>
+                  <a16:creationId xmlns:a16="http://schemas.microsoft.com/office/drawing/2014/main" xmlns="" id="{61A8BB1B-DF19-4230-B91C-FA1B01C9D034}"/>
                 </a:ext>
               </a:extLst>
             </p:cNvPr>
@@ -16702,7 +16716,7 @@
             <p:cNvPr id="12" name="Rectangle: Rounded Corners 11">
               <a:extLst>
                 <a:ext uri="{FF2B5EF4-FFF2-40B4-BE49-F238E27FC236}">
-                  <a16:creationId xmlns:a16="http://schemas.microsoft.com/office/drawing/2014/main" id="{C9762CBF-3494-4AB6-8F84-63E4F89FFE81}"/>
+                  <a16:creationId xmlns:a16="http://schemas.microsoft.com/office/drawing/2014/main" xmlns="" id="{C9762CBF-3494-4AB6-8F84-63E4F89FFE81}"/>
                 </a:ext>
               </a:extLst>
             </p:cNvPr>
@@ -16777,7 +16791,7 @@
             <p:cNvPr id="13" name="Rectangle: Rounded Corners 12">
               <a:extLst>
                 <a:ext uri="{FF2B5EF4-FFF2-40B4-BE49-F238E27FC236}">
-                  <a16:creationId xmlns:a16="http://schemas.microsoft.com/office/drawing/2014/main" id="{0AD5A17F-D6F5-4898-90E7-32F83AD408E4}"/>
+                  <a16:creationId xmlns:a16="http://schemas.microsoft.com/office/drawing/2014/main" xmlns="" id="{0AD5A17F-D6F5-4898-90E7-32F83AD408E4}"/>
                 </a:ext>
               </a:extLst>
             </p:cNvPr>
@@ -16852,7 +16866,7 @@
             <p:cNvPr id="14" name="Rectangle: Rounded Corners 13">
               <a:extLst>
                 <a:ext uri="{FF2B5EF4-FFF2-40B4-BE49-F238E27FC236}">
-                  <a16:creationId xmlns:a16="http://schemas.microsoft.com/office/drawing/2014/main" id="{427388F0-F1BF-49F1-AB90-BF4F855265CB}"/>
+                  <a16:creationId xmlns:a16="http://schemas.microsoft.com/office/drawing/2014/main" xmlns="" id="{427388F0-F1BF-49F1-AB90-BF4F855265CB}"/>
                 </a:ext>
               </a:extLst>
             </p:cNvPr>
@@ -16927,7 +16941,7 @@
             <p:cNvPr id="15" name="Rectangle: Rounded Corners 14">
               <a:extLst>
                 <a:ext uri="{FF2B5EF4-FFF2-40B4-BE49-F238E27FC236}">
-                  <a16:creationId xmlns:a16="http://schemas.microsoft.com/office/drawing/2014/main" id="{F4F36732-5BAB-40B0-8F96-050D67939387}"/>
+                  <a16:creationId xmlns:a16="http://schemas.microsoft.com/office/drawing/2014/main" xmlns="" id="{F4F36732-5BAB-40B0-8F96-050D67939387}"/>
                 </a:ext>
               </a:extLst>
             </p:cNvPr>
@@ -17002,7 +17016,7 @@
             <p:cNvPr id="16" name="Rectangle: Rounded Corners 15">
               <a:extLst>
                 <a:ext uri="{FF2B5EF4-FFF2-40B4-BE49-F238E27FC236}">
-                  <a16:creationId xmlns:a16="http://schemas.microsoft.com/office/drawing/2014/main" id="{CA09CD9D-372F-45B5-B665-D4CC658FCC48}"/>
+                  <a16:creationId xmlns:a16="http://schemas.microsoft.com/office/drawing/2014/main" xmlns="" id="{CA09CD9D-372F-45B5-B665-D4CC658FCC48}"/>
                 </a:ext>
               </a:extLst>
             </p:cNvPr>
@@ -17068,7 +17082,7 @@
             <p:cNvPr id="17" name="Rectangle: Rounded Corners 16">
               <a:extLst>
                 <a:ext uri="{FF2B5EF4-FFF2-40B4-BE49-F238E27FC236}">
-                  <a16:creationId xmlns:a16="http://schemas.microsoft.com/office/drawing/2014/main" id="{4D38B512-7E7D-4A61-8C38-D1BF4269173E}"/>
+                  <a16:creationId xmlns:a16="http://schemas.microsoft.com/office/drawing/2014/main" xmlns="" id="{4D38B512-7E7D-4A61-8C38-D1BF4269173E}"/>
                 </a:ext>
               </a:extLst>
             </p:cNvPr>
@@ -17134,7 +17148,7 @@
             <p:cNvPr id="18" name="Rectangle: Rounded Corners 17">
               <a:extLst>
                 <a:ext uri="{FF2B5EF4-FFF2-40B4-BE49-F238E27FC236}">
-                  <a16:creationId xmlns:a16="http://schemas.microsoft.com/office/drawing/2014/main" id="{4077607C-E917-47B5-B2B0-FE2CD453C596}"/>
+                  <a16:creationId xmlns:a16="http://schemas.microsoft.com/office/drawing/2014/main" xmlns="" id="{4077607C-E917-47B5-B2B0-FE2CD453C596}"/>
                 </a:ext>
               </a:extLst>
             </p:cNvPr>
@@ -17200,7 +17214,7 @@
             <p:cNvPr id="19" name="Rectangle: Rounded Corners 18">
               <a:extLst>
                 <a:ext uri="{FF2B5EF4-FFF2-40B4-BE49-F238E27FC236}">
-                  <a16:creationId xmlns:a16="http://schemas.microsoft.com/office/drawing/2014/main" id="{61F80F85-6FCC-413C-8C38-5A0E48E467F7}"/>
+                  <a16:creationId xmlns:a16="http://schemas.microsoft.com/office/drawing/2014/main" xmlns="" id="{61F80F85-6FCC-413C-8C38-5A0E48E467F7}"/>
                 </a:ext>
               </a:extLst>
             </p:cNvPr>
@@ -17266,7 +17280,7 @@
             <p:cNvPr id="20" name="Rectangle: Rounded Corners 19">
               <a:extLst>
                 <a:ext uri="{FF2B5EF4-FFF2-40B4-BE49-F238E27FC236}">
-                  <a16:creationId xmlns:a16="http://schemas.microsoft.com/office/drawing/2014/main" id="{CBB470BF-A936-4D60-B1A2-03A93D25CD47}"/>
+                  <a16:creationId xmlns:a16="http://schemas.microsoft.com/office/drawing/2014/main" xmlns="" id="{CBB470BF-A936-4D60-B1A2-03A93D25CD47}"/>
                 </a:ext>
               </a:extLst>
             </p:cNvPr>
@@ -17332,7 +17346,7 @@
             <p:cNvPr id="21" name="Rectangle: Rounded Corners 20">
               <a:extLst>
                 <a:ext uri="{FF2B5EF4-FFF2-40B4-BE49-F238E27FC236}">
-                  <a16:creationId xmlns:a16="http://schemas.microsoft.com/office/drawing/2014/main" id="{F76D9321-06A5-4A29-A115-ADE0DFF6AADD}"/>
+                  <a16:creationId xmlns:a16="http://schemas.microsoft.com/office/drawing/2014/main" xmlns="" id="{F76D9321-06A5-4A29-A115-ADE0DFF6AADD}"/>
                 </a:ext>
               </a:extLst>
             </p:cNvPr>
@@ -17398,7 +17412,7 @@
             <p:cNvPr id="22" name="Rectangle: Rounded Corners 21">
               <a:extLst>
                 <a:ext uri="{FF2B5EF4-FFF2-40B4-BE49-F238E27FC236}">
-                  <a16:creationId xmlns:a16="http://schemas.microsoft.com/office/drawing/2014/main" id="{D48F64A5-A45D-4254-B2D2-4763B59951C3}"/>
+                  <a16:creationId xmlns:a16="http://schemas.microsoft.com/office/drawing/2014/main" xmlns="" id="{D48F64A5-A45D-4254-B2D2-4763B59951C3}"/>
                 </a:ext>
               </a:extLst>
             </p:cNvPr>
@@ -17464,7 +17478,7 @@
             <p:cNvPr id="23" name="Rectangle: Rounded Corners 22">
               <a:extLst>
                 <a:ext uri="{FF2B5EF4-FFF2-40B4-BE49-F238E27FC236}">
-                  <a16:creationId xmlns:a16="http://schemas.microsoft.com/office/drawing/2014/main" id="{1F8CE15E-2EC7-419B-9B10-0944E4E7BB64}"/>
+                  <a16:creationId xmlns:a16="http://schemas.microsoft.com/office/drawing/2014/main" xmlns="" id="{1F8CE15E-2EC7-419B-9B10-0944E4E7BB64}"/>
                 </a:ext>
               </a:extLst>
             </p:cNvPr>
@@ -17530,7 +17544,7 @@
             <p:cNvPr id="24" name="TextBox 23">
               <a:extLst>
                 <a:ext uri="{FF2B5EF4-FFF2-40B4-BE49-F238E27FC236}">
-                  <a16:creationId xmlns:a16="http://schemas.microsoft.com/office/drawing/2014/main" id="{1D72480D-C09C-42F2-AF4C-B3877C177CC3}"/>
+                  <a16:creationId xmlns:a16="http://schemas.microsoft.com/office/drawing/2014/main" xmlns="" id="{1D72480D-C09C-42F2-AF4C-B3877C177CC3}"/>
                 </a:ext>
               </a:extLst>
             </p:cNvPr>
@@ -17604,7 +17618,7 @@
             <p:cNvPr id="25" name="TextBox 24">
               <a:extLst>
                 <a:ext uri="{FF2B5EF4-FFF2-40B4-BE49-F238E27FC236}">
-                  <a16:creationId xmlns:a16="http://schemas.microsoft.com/office/drawing/2014/main" id="{26160063-FD4F-4FF6-B323-B31EE539258B}"/>
+                  <a16:creationId xmlns:a16="http://schemas.microsoft.com/office/drawing/2014/main" xmlns="" id="{26160063-FD4F-4FF6-B323-B31EE539258B}"/>
                 </a:ext>
               </a:extLst>
             </p:cNvPr>
@@ -17678,7 +17692,7 @@
             <p:cNvPr id="26" name="TextBox 25">
               <a:extLst>
                 <a:ext uri="{FF2B5EF4-FFF2-40B4-BE49-F238E27FC236}">
-                  <a16:creationId xmlns:a16="http://schemas.microsoft.com/office/drawing/2014/main" id="{A8BA53C5-77CF-4DDD-8C5C-056D334E73EE}"/>
+                  <a16:creationId xmlns:a16="http://schemas.microsoft.com/office/drawing/2014/main" xmlns="" id="{A8BA53C5-77CF-4DDD-8C5C-056D334E73EE}"/>
                 </a:ext>
               </a:extLst>
             </p:cNvPr>
@@ -17752,7 +17766,7 @@
             <p:cNvPr id="27" name="TextBox 26">
               <a:extLst>
                 <a:ext uri="{FF2B5EF4-FFF2-40B4-BE49-F238E27FC236}">
-                  <a16:creationId xmlns:a16="http://schemas.microsoft.com/office/drawing/2014/main" id="{73233433-E353-4C36-A84A-DA39FC0FE1EE}"/>
+                  <a16:creationId xmlns:a16="http://schemas.microsoft.com/office/drawing/2014/main" xmlns="" id="{73233433-E353-4C36-A84A-DA39FC0FE1EE}"/>
                 </a:ext>
               </a:extLst>
             </p:cNvPr>
@@ -17826,7 +17840,7 @@
             <p:cNvPr id="4" name="TextBox 3">
               <a:extLst>
                 <a:ext uri="{FF2B5EF4-FFF2-40B4-BE49-F238E27FC236}">
-                  <a16:creationId xmlns:a16="http://schemas.microsoft.com/office/drawing/2014/main" id="{A2AD06CB-AC0F-4628-A6C5-065165D1D398}"/>
+                  <a16:creationId xmlns:a16="http://schemas.microsoft.com/office/drawing/2014/main" xmlns="" id="{A2AD06CB-AC0F-4628-A6C5-065165D1D398}"/>
                 </a:ext>
               </a:extLst>
             </p:cNvPr>
@@ -17891,7 +17905,7 @@
             <p:cNvPr id="5" name="TextBox 4">
               <a:extLst>
                 <a:ext uri="{FF2B5EF4-FFF2-40B4-BE49-F238E27FC236}">
-                  <a16:creationId xmlns:a16="http://schemas.microsoft.com/office/drawing/2014/main" id="{29DD3659-D9E9-4D4E-B5B3-94B67A848518}"/>
+                  <a16:creationId xmlns:a16="http://schemas.microsoft.com/office/drawing/2014/main" xmlns="" id="{29DD3659-D9E9-4D4E-B5B3-94B67A848518}"/>
                 </a:ext>
               </a:extLst>
             </p:cNvPr>
@@ -17956,7 +17970,7 @@
             <p:cNvPr id="6" name="TextBox 5">
               <a:extLst>
                 <a:ext uri="{FF2B5EF4-FFF2-40B4-BE49-F238E27FC236}">
-                  <a16:creationId xmlns:a16="http://schemas.microsoft.com/office/drawing/2014/main" id="{46FFF08C-A00A-452C-9FB5-897F0F9C2026}"/>
+                  <a16:creationId xmlns:a16="http://schemas.microsoft.com/office/drawing/2014/main" xmlns="" id="{46FFF08C-A00A-452C-9FB5-897F0F9C2026}"/>
                 </a:ext>
               </a:extLst>
             </p:cNvPr>
@@ -18021,7 +18035,7 @@
             <p:cNvPr id="7" name="TextBox 6">
               <a:extLst>
                 <a:ext uri="{FF2B5EF4-FFF2-40B4-BE49-F238E27FC236}">
-                  <a16:creationId xmlns:a16="http://schemas.microsoft.com/office/drawing/2014/main" id="{DC8BF421-EC0E-41F0-A810-54D65394FB44}"/>
+                  <a16:creationId xmlns:a16="http://schemas.microsoft.com/office/drawing/2014/main" xmlns="" id="{DC8BF421-EC0E-41F0-A810-54D65394FB44}"/>
                 </a:ext>
               </a:extLst>
             </p:cNvPr>
@@ -18086,7 +18100,7 @@
             <p:cNvPr id="30" name="Rectangle: Rounded Corners 29">
               <a:extLst>
                 <a:ext uri="{FF2B5EF4-FFF2-40B4-BE49-F238E27FC236}">
-                  <a16:creationId xmlns:a16="http://schemas.microsoft.com/office/drawing/2014/main" id="{622FED8A-6710-405A-8EEB-2B9A71D48CA2}"/>
+                  <a16:creationId xmlns:a16="http://schemas.microsoft.com/office/drawing/2014/main" xmlns="" id="{622FED8A-6710-405A-8EEB-2B9A71D48CA2}"/>
                 </a:ext>
               </a:extLst>
             </p:cNvPr>
@@ -18161,7 +18175,7 @@
             <p:cNvPr id="31" name="Rectangle: Rounded Corners 30">
               <a:extLst>
                 <a:ext uri="{FF2B5EF4-FFF2-40B4-BE49-F238E27FC236}">
-                  <a16:creationId xmlns:a16="http://schemas.microsoft.com/office/drawing/2014/main" id="{2F6E0BC0-0AC7-4652-BBFE-A2212A73586F}"/>
+                  <a16:creationId xmlns:a16="http://schemas.microsoft.com/office/drawing/2014/main" xmlns="" id="{2F6E0BC0-0AC7-4652-BBFE-A2212A73586F}"/>
                 </a:ext>
               </a:extLst>
             </p:cNvPr>
@@ -18227,7 +18241,7 @@
             <p:cNvPr id="32" name="TextBox 31">
               <a:extLst>
                 <a:ext uri="{FF2B5EF4-FFF2-40B4-BE49-F238E27FC236}">
-                  <a16:creationId xmlns:a16="http://schemas.microsoft.com/office/drawing/2014/main" id="{B1DE1F40-72F3-4FC9-B30F-3F4DAF6BCD28}"/>
+                  <a16:creationId xmlns:a16="http://schemas.microsoft.com/office/drawing/2014/main" xmlns="" id="{B1DE1F40-72F3-4FC9-B30F-3F4DAF6BCD28}"/>
                 </a:ext>
               </a:extLst>
             </p:cNvPr>
@@ -18293,7 +18307,7 @@
           <p:cNvPr id="33" name="TextBox 32">
             <a:extLst>
               <a:ext uri="{FF2B5EF4-FFF2-40B4-BE49-F238E27FC236}">
-                <a16:creationId xmlns:a16="http://schemas.microsoft.com/office/drawing/2014/main" id="{5146260A-BC29-4368-ACCC-D8F294EDC607}"/>
+                <a16:creationId xmlns:a16="http://schemas.microsoft.com/office/drawing/2014/main" xmlns="" id="{5146260A-BC29-4368-ACCC-D8F294EDC607}"/>
               </a:ext>
             </a:extLst>
           </p:cNvPr>
@@ -18331,7 +18345,7 @@
           <p:cNvPr id="3" name="Slide Number Placeholder 2">
             <a:extLst>
               <a:ext uri="{FF2B5EF4-FFF2-40B4-BE49-F238E27FC236}">
-                <a16:creationId xmlns:a16="http://schemas.microsoft.com/office/drawing/2014/main" id="{456265BB-7B88-4F32-B42D-41004F1E7C0D}"/>
+                <a16:creationId xmlns:a16="http://schemas.microsoft.com/office/drawing/2014/main" xmlns="" id="{456265BB-7B88-4F32-B42D-41004F1E7C0D}"/>
               </a:ext>
             </a:extLst>
           </p:cNvPr>
@@ -18390,7 +18404,7 @@
           <p:cNvPr id="2" name="Straight Connector 1">
             <a:extLst>
               <a:ext uri="{FF2B5EF4-FFF2-40B4-BE49-F238E27FC236}">
-                <a16:creationId xmlns:a16="http://schemas.microsoft.com/office/drawing/2014/main" id="{F44F53FF-CB60-4BDA-BAF7-075D1129A04C}"/>
+                <a16:creationId xmlns:a16="http://schemas.microsoft.com/office/drawing/2014/main" xmlns="" id="{F44F53FF-CB60-4BDA-BAF7-075D1129A04C}"/>
               </a:ext>
             </a:extLst>
           </p:cNvPr>
@@ -18431,7 +18445,7 @@
           <p:cNvPr id="3" name="TextBox 2">
             <a:extLst>
               <a:ext uri="{FF2B5EF4-FFF2-40B4-BE49-F238E27FC236}">
-                <a16:creationId xmlns:a16="http://schemas.microsoft.com/office/drawing/2014/main" id="{5D185221-1B9E-4EC1-A3BB-F7F166A2E649}"/>
+                <a16:creationId xmlns:a16="http://schemas.microsoft.com/office/drawing/2014/main" xmlns="" id="{5D185221-1B9E-4EC1-A3BB-F7F166A2E649}"/>
               </a:ext>
             </a:extLst>
           </p:cNvPr>
@@ -18469,7 +18483,7 @@
           <p:cNvPr id="6" name="Picture 5">
             <a:extLst>
               <a:ext uri="{FF2B5EF4-FFF2-40B4-BE49-F238E27FC236}">
-                <a16:creationId xmlns:a16="http://schemas.microsoft.com/office/drawing/2014/main" id="{BB23E385-43D3-4488-BB88-D3B73729ABC1}"/>
+                <a16:creationId xmlns:a16="http://schemas.microsoft.com/office/drawing/2014/main" xmlns="" id="{BB23E385-43D3-4488-BB88-D3B73729ABC1}"/>
               </a:ext>
             </a:extLst>
           </p:cNvPr>
@@ -18499,7 +18513,7 @@
           <p:cNvPr id="7" name="Picture 6">
             <a:extLst>
               <a:ext uri="{FF2B5EF4-FFF2-40B4-BE49-F238E27FC236}">
-                <a16:creationId xmlns:a16="http://schemas.microsoft.com/office/drawing/2014/main" id="{02049588-D35A-4493-BF2C-3F86550673B9}"/>
+                <a16:creationId xmlns:a16="http://schemas.microsoft.com/office/drawing/2014/main" xmlns="" id="{02049588-D35A-4493-BF2C-3F86550673B9}"/>
               </a:ext>
             </a:extLst>
           </p:cNvPr>
@@ -18529,7 +18543,7 @@
           <p:cNvPr id="8" name="Picture 7">
             <a:extLst>
               <a:ext uri="{FF2B5EF4-FFF2-40B4-BE49-F238E27FC236}">
-                <a16:creationId xmlns:a16="http://schemas.microsoft.com/office/drawing/2014/main" id="{225C4CDF-6F55-425F-85C0-F2E4B04E43FD}"/>
+                <a16:creationId xmlns:a16="http://schemas.microsoft.com/office/drawing/2014/main" xmlns="" id="{225C4CDF-6F55-425F-85C0-F2E4B04E43FD}"/>
               </a:ext>
             </a:extLst>
           </p:cNvPr>
@@ -18559,7 +18573,7 @@
           <p:cNvPr id="9" name="Picture 8">
             <a:extLst>
               <a:ext uri="{FF2B5EF4-FFF2-40B4-BE49-F238E27FC236}">
-                <a16:creationId xmlns:a16="http://schemas.microsoft.com/office/drawing/2014/main" id="{B2C6BC1C-BC56-4F85-B7A1-5BE025D05D74}"/>
+                <a16:creationId xmlns:a16="http://schemas.microsoft.com/office/drawing/2014/main" xmlns="" id="{B2C6BC1C-BC56-4F85-B7A1-5BE025D05D74}"/>
               </a:ext>
             </a:extLst>
           </p:cNvPr>
@@ -18589,7 +18603,7 @@
           <p:cNvPr id="10" name="TextBox 9">
             <a:extLst>
               <a:ext uri="{FF2B5EF4-FFF2-40B4-BE49-F238E27FC236}">
-                <a16:creationId xmlns:a16="http://schemas.microsoft.com/office/drawing/2014/main" id="{16A9779B-7B71-469D-BE62-F468D82B0968}"/>
+                <a16:creationId xmlns:a16="http://schemas.microsoft.com/office/drawing/2014/main" xmlns="" id="{16A9779B-7B71-469D-BE62-F468D82B0968}"/>
               </a:ext>
             </a:extLst>
           </p:cNvPr>
@@ -18627,7 +18641,7 @@
           <p:cNvPr id="4" name="Slide Number Placeholder 3">
             <a:extLst>
               <a:ext uri="{FF2B5EF4-FFF2-40B4-BE49-F238E27FC236}">
-                <a16:creationId xmlns:a16="http://schemas.microsoft.com/office/drawing/2014/main" id="{0627437A-39D4-4B71-8862-6307CF871855}"/>
+                <a16:creationId xmlns:a16="http://schemas.microsoft.com/office/drawing/2014/main" xmlns="" id="{0627437A-39D4-4B71-8862-6307CF871855}"/>
               </a:ext>
             </a:extLst>
           </p:cNvPr>
@@ -18686,7 +18700,7 @@
           <p:cNvPr id="2" name="TextBox 1">
             <a:extLst>
               <a:ext uri="{FF2B5EF4-FFF2-40B4-BE49-F238E27FC236}">
-                <a16:creationId xmlns:a16="http://schemas.microsoft.com/office/drawing/2014/main" id="{742EF216-75D4-4734-B156-3EDB09F9CE9B}"/>
+                <a16:creationId xmlns:a16="http://schemas.microsoft.com/office/drawing/2014/main" xmlns="" id="{742EF216-75D4-4734-B156-3EDB09F9CE9B}"/>
               </a:ext>
             </a:extLst>
           </p:cNvPr>
@@ -18725,7 +18739,7 @@
           <p:cNvPr id="3" name="Straight Connector 2">
             <a:extLst>
               <a:ext uri="{FF2B5EF4-FFF2-40B4-BE49-F238E27FC236}">
-                <a16:creationId xmlns:a16="http://schemas.microsoft.com/office/drawing/2014/main" id="{B493E240-C89A-4822-B4C3-EC3A33AD45FA}"/>
+                <a16:creationId xmlns:a16="http://schemas.microsoft.com/office/drawing/2014/main" xmlns="" id="{B493E240-C89A-4822-B4C3-EC3A33AD45FA}"/>
               </a:ext>
             </a:extLst>
           </p:cNvPr>
@@ -18766,7 +18780,7 @@
           <p:cNvPr id="4" name="TextBox 3">
             <a:extLst>
               <a:ext uri="{FF2B5EF4-FFF2-40B4-BE49-F238E27FC236}">
-                <a16:creationId xmlns:a16="http://schemas.microsoft.com/office/drawing/2014/main" id="{9EAF4BF5-F510-49EE-8E26-0511CB451A3D}"/>
+                <a16:creationId xmlns:a16="http://schemas.microsoft.com/office/drawing/2014/main" xmlns="" id="{9EAF4BF5-F510-49EE-8E26-0511CB451A3D}"/>
               </a:ext>
             </a:extLst>
           </p:cNvPr>
@@ -18804,7 +18818,7 @@
           <p:cNvPr id="5" name="TextBox 4">
             <a:extLst>
               <a:ext uri="{FF2B5EF4-FFF2-40B4-BE49-F238E27FC236}">
-                <a16:creationId xmlns:a16="http://schemas.microsoft.com/office/drawing/2014/main" id="{636A0C26-9EFD-4A72-9FFD-E35B43C1CAD8}"/>
+                <a16:creationId xmlns:a16="http://schemas.microsoft.com/office/drawing/2014/main" xmlns="" id="{636A0C26-9EFD-4A72-9FFD-E35B43C1CAD8}"/>
               </a:ext>
             </a:extLst>
           </p:cNvPr>
@@ -18842,7 +18856,7 @@
           <p:cNvPr id="6" name="Slide Number Placeholder 5">
             <a:extLst>
               <a:ext uri="{FF2B5EF4-FFF2-40B4-BE49-F238E27FC236}">
-                <a16:creationId xmlns:a16="http://schemas.microsoft.com/office/drawing/2014/main" id="{071B7041-F83F-4368-A269-876983F7A485}"/>
+                <a16:creationId xmlns:a16="http://schemas.microsoft.com/office/drawing/2014/main" xmlns="" id="{071B7041-F83F-4368-A269-876983F7A485}"/>
               </a:ext>
             </a:extLst>
           </p:cNvPr>
@@ -18901,7 +18915,7 @@
           <p:cNvPr id="2" name="Straight Connector 1">
             <a:extLst>
               <a:ext uri="{FF2B5EF4-FFF2-40B4-BE49-F238E27FC236}">
-                <a16:creationId xmlns:a16="http://schemas.microsoft.com/office/drawing/2014/main" id="{6B2A0167-33CF-48BF-A2ED-757ECB5D4774}"/>
+                <a16:creationId xmlns:a16="http://schemas.microsoft.com/office/drawing/2014/main" xmlns="" id="{6B2A0167-33CF-48BF-A2ED-757ECB5D4774}"/>
               </a:ext>
             </a:extLst>
           </p:cNvPr>
@@ -18942,7 +18956,7 @@
           <p:cNvPr id="3" name="TextBox 2">
             <a:extLst>
               <a:ext uri="{FF2B5EF4-FFF2-40B4-BE49-F238E27FC236}">
-                <a16:creationId xmlns:a16="http://schemas.microsoft.com/office/drawing/2014/main" id="{B89D4FB9-4FD5-4539-9D75-EEA50F5DB448}"/>
+                <a16:creationId xmlns:a16="http://schemas.microsoft.com/office/drawing/2014/main" xmlns="" id="{B89D4FB9-4FD5-4539-9D75-EEA50F5DB448}"/>
               </a:ext>
             </a:extLst>
           </p:cNvPr>
@@ -18980,7 +18994,7 @@
           <p:cNvPr id="5" name="Marcador de contenido 4">
             <a:extLst>
               <a:ext uri="{FF2B5EF4-FFF2-40B4-BE49-F238E27FC236}">
-                <a16:creationId xmlns:a16="http://schemas.microsoft.com/office/drawing/2014/main" id="{0D461417-6BB0-4F6D-94DC-7C4510A3D7ED}"/>
+                <a16:creationId xmlns:a16="http://schemas.microsoft.com/office/drawing/2014/main" xmlns="" id="{0D461417-6BB0-4F6D-94DC-7C4510A3D7ED}"/>
               </a:ext>
             </a:extLst>
           </p:cNvPr>
@@ -19328,7 +19342,7 @@
           <p:cNvPr id="6" name="TextBox 5">
             <a:extLst>
               <a:ext uri="{FF2B5EF4-FFF2-40B4-BE49-F238E27FC236}">
-                <a16:creationId xmlns:a16="http://schemas.microsoft.com/office/drawing/2014/main" id="{A0C47128-B89B-4060-BDE4-0F0C82171400}"/>
+                <a16:creationId xmlns:a16="http://schemas.microsoft.com/office/drawing/2014/main" xmlns="" id="{A0C47128-B89B-4060-BDE4-0F0C82171400}"/>
               </a:ext>
             </a:extLst>
           </p:cNvPr>
@@ -19366,7 +19380,7 @@
           <p:cNvPr id="4" name="Slide Number Placeholder 3">
             <a:extLst>
               <a:ext uri="{FF2B5EF4-FFF2-40B4-BE49-F238E27FC236}">
-                <a16:creationId xmlns:a16="http://schemas.microsoft.com/office/drawing/2014/main" id="{74D7F8F2-47DA-45DB-AD93-6440A43A1DBE}"/>
+                <a16:creationId xmlns:a16="http://schemas.microsoft.com/office/drawing/2014/main" xmlns="" id="{74D7F8F2-47DA-45DB-AD93-6440A43A1DBE}"/>
               </a:ext>
             </a:extLst>
           </p:cNvPr>
@@ -19425,7 +19439,7 @@
           <p:cNvPr id="2" name="Straight Connector 1">
             <a:extLst>
               <a:ext uri="{FF2B5EF4-FFF2-40B4-BE49-F238E27FC236}">
-                <a16:creationId xmlns:a16="http://schemas.microsoft.com/office/drawing/2014/main" id="{6B2A0167-33CF-48BF-A2ED-757ECB5D4774}"/>
+                <a16:creationId xmlns:a16="http://schemas.microsoft.com/office/drawing/2014/main" xmlns="" id="{6B2A0167-33CF-48BF-A2ED-757ECB5D4774}"/>
               </a:ext>
             </a:extLst>
           </p:cNvPr>
@@ -19466,7 +19480,7 @@
           <p:cNvPr id="3" name="TextBox 2">
             <a:extLst>
               <a:ext uri="{FF2B5EF4-FFF2-40B4-BE49-F238E27FC236}">
-                <a16:creationId xmlns:a16="http://schemas.microsoft.com/office/drawing/2014/main" id="{B89D4FB9-4FD5-4539-9D75-EEA50F5DB448}"/>
+                <a16:creationId xmlns:a16="http://schemas.microsoft.com/office/drawing/2014/main" xmlns="" id="{B89D4FB9-4FD5-4539-9D75-EEA50F5DB448}"/>
               </a:ext>
             </a:extLst>
           </p:cNvPr>
@@ -19506,7 +19520,7 @@
               <p:cNvPr id="19" name="Marcador de contenido 18">
                 <a:extLst>
                   <a:ext uri="{FF2B5EF4-FFF2-40B4-BE49-F238E27FC236}">
-                    <a16:creationId xmlns:a16="http://schemas.microsoft.com/office/drawing/2014/main" id="{A8292075-DFBC-44D4-9140-69A2366F3B6E}"/>
+                    <a16:creationId xmlns:a16="http://schemas.microsoft.com/office/drawing/2014/main" xmlns="" id="{A8292075-DFBC-44D4-9140-69A2366F3B6E}"/>
                   </a:ext>
                 </a:extLst>
               </p:cNvPr>
@@ -19534,14 +19548,14 @@
                     <a:gridCol w="10489791">
                       <a:extLst>
                         <a:ext uri="{9D8B030D-6E8A-4147-A177-3AD203B41FA5}">
-                          <a16:colId xmlns:a16="http://schemas.microsoft.com/office/drawing/2014/main" val="2200701939"/>
+                          <a16:colId xmlns:a16="http://schemas.microsoft.com/office/drawing/2014/main" xmlns="" val="2200701939"/>
                         </a:ext>
                       </a:extLst>
                     </a:gridCol>
                     <a:gridCol w="1063777">
                       <a:extLst>
                         <a:ext uri="{9D8B030D-6E8A-4147-A177-3AD203B41FA5}">
-                          <a16:colId xmlns:a16="http://schemas.microsoft.com/office/drawing/2014/main" val="390178824"/>
+                          <a16:colId xmlns:a16="http://schemas.microsoft.com/office/drawing/2014/main" xmlns="" val="390178824"/>
                         </a:ext>
                       </a:extLst>
                     </a:gridCol>
@@ -20128,7 +20142,7 @@
                     </a:tc>
                     <a:extLst>
                       <a:ext uri="{0D108BD9-81ED-4DB2-BD59-A6C34878D82A}">
-                        <a16:rowId xmlns:a16="http://schemas.microsoft.com/office/drawing/2014/main" val="2311300338"/>
+                        <a16:rowId xmlns:a16="http://schemas.microsoft.com/office/drawing/2014/main" xmlns="" val="2311300338"/>
                       </a:ext>
                     </a:extLst>
                   </a:tr>
@@ -20642,7 +20656,7 @@
                     </a:tc>
                     <a:extLst>
                       <a:ext uri="{0D108BD9-81ED-4DB2-BD59-A6C34878D82A}">
-                        <a16:rowId xmlns:a16="http://schemas.microsoft.com/office/drawing/2014/main" val="3084881557"/>
+                        <a16:rowId xmlns:a16="http://schemas.microsoft.com/office/drawing/2014/main" xmlns="" val="3084881557"/>
                       </a:ext>
                     </a:extLst>
                   </a:tr>
@@ -21310,7 +21324,7 @@
                     </a:tc>
                     <a:extLst>
                       <a:ext uri="{0D108BD9-81ED-4DB2-BD59-A6C34878D82A}">
-                        <a16:rowId xmlns:a16="http://schemas.microsoft.com/office/drawing/2014/main" val="4213757338"/>
+                        <a16:rowId xmlns:a16="http://schemas.microsoft.com/office/drawing/2014/main" xmlns="" val="4213757338"/>
                       </a:ext>
                     </a:extLst>
                   </a:tr>
@@ -21876,7 +21890,7 @@
                     </a:tc>
                     <a:extLst>
                       <a:ext uri="{0D108BD9-81ED-4DB2-BD59-A6C34878D82A}">
-                        <a16:rowId xmlns:a16="http://schemas.microsoft.com/office/drawing/2014/main" val="2720335172"/>
+                        <a16:rowId xmlns:a16="http://schemas.microsoft.com/office/drawing/2014/main" xmlns="" val="2720335172"/>
                       </a:ext>
                     </a:extLst>
                   </a:tr>
@@ -22430,7 +22444,7 @@
           <p:cNvPr id="21" name="Imagen 20">
             <a:extLst>
               <a:ext uri="{FF2B5EF4-FFF2-40B4-BE49-F238E27FC236}">
-                <a16:creationId xmlns:a16="http://schemas.microsoft.com/office/drawing/2014/main" id="{BCEF3C89-D85A-4AA8-A83D-6EEA5F9EC044}"/>
+                <a16:creationId xmlns:a16="http://schemas.microsoft.com/office/drawing/2014/main" xmlns="" id="{BCEF3C89-D85A-4AA8-A83D-6EEA5F9EC044}"/>
               </a:ext>
             </a:extLst>
           </p:cNvPr>
@@ -22459,7 +22473,7 @@
           <p:cNvPr id="6" name="TextBox 5">
             <a:extLst>
               <a:ext uri="{FF2B5EF4-FFF2-40B4-BE49-F238E27FC236}">
-                <a16:creationId xmlns:a16="http://schemas.microsoft.com/office/drawing/2014/main" id="{49167481-5284-49E4-BC69-2F5BB5613D6B}"/>
+                <a16:creationId xmlns:a16="http://schemas.microsoft.com/office/drawing/2014/main" xmlns="" id="{49167481-5284-49E4-BC69-2F5BB5613D6B}"/>
               </a:ext>
             </a:extLst>
           </p:cNvPr>
@@ -22497,7 +22511,7 @@
           <p:cNvPr id="4" name="Slide Number Placeholder 3">
             <a:extLst>
               <a:ext uri="{FF2B5EF4-FFF2-40B4-BE49-F238E27FC236}">
-                <a16:creationId xmlns:a16="http://schemas.microsoft.com/office/drawing/2014/main" id="{1380C177-1018-4362-9F4A-A654196559C4}"/>
+                <a16:creationId xmlns:a16="http://schemas.microsoft.com/office/drawing/2014/main" xmlns="" id="{1380C177-1018-4362-9F4A-A654196559C4}"/>
               </a:ext>
             </a:extLst>
           </p:cNvPr>
@@ -22556,7 +22570,7 @@
           <p:cNvPr id="2" name="Straight Connector 1">
             <a:extLst>
               <a:ext uri="{FF2B5EF4-FFF2-40B4-BE49-F238E27FC236}">
-                <a16:creationId xmlns:a16="http://schemas.microsoft.com/office/drawing/2014/main" id="{6B2A0167-33CF-48BF-A2ED-757ECB5D4774}"/>
+                <a16:creationId xmlns:a16="http://schemas.microsoft.com/office/drawing/2014/main" xmlns="" id="{6B2A0167-33CF-48BF-A2ED-757ECB5D4774}"/>
               </a:ext>
             </a:extLst>
           </p:cNvPr>
@@ -22597,7 +22611,7 @@
           <p:cNvPr id="3" name="TextBox 2">
             <a:extLst>
               <a:ext uri="{FF2B5EF4-FFF2-40B4-BE49-F238E27FC236}">
-                <a16:creationId xmlns:a16="http://schemas.microsoft.com/office/drawing/2014/main" id="{B89D4FB9-4FD5-4539-9D75-EEA50F5DB448}"/>
+                <a16:creationId xmlns:a16="http://schemas.microsoft.com/office/drawing/2014/main" xmlns="" id="{B89D4FB9-4FD5-4539-9D75-EEA50F5DB448}"/>
               </a:ext>
             </a:extLst>
           </p:cNvPr>
@@ -22637,7 +22651,7 @@
               <p:cNvPr id="19" name="Marcador de contenido 18">
                 <a:extLst>
                   <a:ext uri="{FF2B5EF4-FFF2-40B4-BE49-F238E27FC236}">
-                    <a16:creationId xmlns:a16="http://schemas.microsoft.com/office/drawing/2014/main" id="{A8292075-DFBC-44D4-9140-69A2366F3B6E}"/>
+                    <a16:creationId xmlns:a16="http://schemas.microsoft.com/office/drawing/2014/main" xmlns="" id="{A8292075-DFBC-44D4-9140-69A2366F3B6E}"/>
                   </a:ext>
                 </a:extLst>
               </p:cNvPr>
@@ -22665,14 +22679,14 @@
                     <a:gridCol w="10489791">
                       <a:extLst>
                         <a:ext uri="{9D8B030D-6E8A-4147-A177-3AD203B41FA5}">
-                          <a16:colId xmlns:a16="http://schemas.microsoft.com/office/drawing/2014/main" val="2200701939"/>
+                          <a16:colId xmlns:a16="http://schemas.microsoft.com/office/drawing/2014/main" xmlns="" val="2200701939"/>
                         </a:ext>
                       </a:extLst>
                     </a:gridCol>
                     <a:gridCol w="1063777">
                       <a:extLst>
                         <a:ext uri="{9D8B030D-6E8A-4147-A177-3AD203B41FA5}">
-                          <a16:colId xmlns:a16="http://schemas.microsoft.com/office/drawing/2014/main" val="390178824"/>
+                          <a16:colId xmlns:a16="http://schemas.microsoft.com/office/drawing/2014/main" xmlns="" val="390178824"/>
                         </a:ext>
                       </a:extLst>
                     </a:gridCol>
@@ -23239,7 +23253,7 @@
                     </a:tc>
                     <a:extLst>
                       <a:ext uri="{0D108BD9-81ED-4DB2-BD59-A6C34878D82A}">
-                        <a16:rowId xmlns:a16="http://schemas.microsoft.com/office/drawing/2014/main" val="2720335172"/>
+                        <a16:rowId xmlns:a16="http://schemas.microsoft.com/office/drawing/2014/main" xmlns="" val="2720335172"/>
                       </a:ext>
                     </a:extLst>
                   </a:tr>
@@ -23427,7 +23441,7 @@
           <p:cNvPr id="7" name="Imagen 6">
             <a:extLst>
               <a:ext uri="{FF2B5EF4-FFF2-40B4-BE49-F238E27FC236}">
-                <a16:creationId xmlns:a16="http://schemas.microsoft.com/office/drawing/2014/main" id="{AA2FCA76-3D4F-4431-8C78-1B3FDAE197C2}"/>
+                <a16:creationId xmlns:a16="http://schemas.microsoft.com/office/drawing/2014/main" xmlns="" id="{AA2FCA76-3D4F-4431-8C78-1B3FDAE197C2}"/>
               </a:ext>
             </a:extLst>
           </p:cNvPr>
@@ -23457,7 +23471,7 @@
           <p:cNvPr id="6" name="TextBox 5">
             <a:extLst>
               <a:ext uri="{FF2B5EF4-FFF2-40B4-BE49-F238E27FC236}">
-                <a16:creationId xmlns:a16="http://schemas.microsoft.com/office/drawing/2014/main" id="{584642E6-EB29-4A17-8984-A8EB49687BCE}"/>
+                <a16:creationId xmlns:a16="http://schemas.microsoft.com/office/drawing/2014/main" xmlns="" id="{584642E6-EB29-4A17-8984-A8EB49687BCE}"/>
               </a:ext>
             </a:extLst>
           </p:cNvPr>
@@ -23495,7 +23509,7 @@
           <p:cNvPr id="4" name="Slide Number Placeholder 3">
             <a:extLst>
               <a:ext uri="{FF2B5EF4-FFF2-40B4-BE49-F238E27FC236}">
-                <a16:creationId xmlns:a16="http://schemas.microsoft.com/office/drawing/2014/main" id="{863D1FAA-345D-4F65-809D-573A1E4F4961}"/>
+                <a16:creationId xmlns:a16="http://schemas.microsoft.com/office/drawing/2014/main" xmlns="" id="{863D1FAA-345D-4F65-809D-573A1E4F4961}"/>
               </a:ext>
             </a:extLst>
           </p:cNvPr>

--- a/final_project/T2_final_project.pptx
+++ b/final_project/T2_final_project.pptx
@@ -11514,7 +11514,7 @@
         </p:blipFill>
         <p:spPr>
           <a:xfrm>
-            <a:off x="439692" y="1447049"/>
+            <a:off x="439692" y="1453399"/>
             <a:ext cx="6666667" cy="4114286"/>
           </a:xfrm>
           <a:prstGeom prst="rect">
@@ -11776,7 +11776,7 @@
         <p:spPr>
           <a:xfrm>
             <a:off x="439693" y="1506070"/>
-            <a:ext cx="11142708" cy="3046988"/>
+            <a:ext cx="11142708" cy="4154984"/>
           </a:xfrm>
           <a:prstGeom prst="rect">
             <a:avLst/>
@@ -11853,12 +11853,72 @@
               <a:buChar char="•"/>
             </a:pPr>
             <a:r>
+              <a:rPr lang="en-US" sz="2400" dirty="0" smtClean="0">
+                <a:latin typeface="Times New Roman" panose="02020603050405020304" pitchFamily="18" charset="0"/>
+                <a:cs typeface="Times New Roman" panose="02020603050405020304" pitchFamily="18" charset="0"/>
+              </a:rPr>
+              <a:t>The </a:t>
+            </a:r>
+            <a:r>
               <a:rPr lang="en-US" sz="2400" dirty="0">
                 <a:latin typeface="Times New Roman" panose="02020603050405020304" pitchFamily="18" charset="0"/>
                 <a:cs typeface="Times New Roman" panose="02020603050405020304" pitchFamily="18" charset="0"/>
               </a:rPr>
-              <a:t>Smart Q3</a:t>
+              <a:t>model Goals = Shots + </a:t>
             </a:r>
+            <a:r>
+              <a:rPr lang="en-US" sz="2400" dirty="0" err="1">
+                <a:latin typeface="Times New Roman" panose="02020603050405020304" pitchFamily="18" charset="0"/>
+                <a:cs typeface="Times New Roman" panose="02020603050405020304" pitchFamily="18" charset="0"/>
+              </a:rPr>
+              <a:t>Shots.Target</a:t>
+            </a:r>
+            <a:r>
+              <a:rPr lang="en-US" sz="2400" dirty="0">
+                <a:latin typeface="Times New Roman" panose="02020603050405020304" pitchFamily="18" charset="0"/>
+                <a:cs typeface="Times New Roman" panose="02020603050405020304" pitchFamily="18" charset="0"/>
+              </a:rPr>
+              <a:t> + </a:t>
+            </a:r>
+            <a:r>
+              <a:rPr lang="en-US" sz="2400" dirty="0" err="1">
+                <a:latin typeface="Times New Roman" panose="02020603050405020304" pitchFamily="18" charset="0"/>
+                <a:cs typeface="Times New Roman" panose="02020603050405020304" pitchFamily="18" charset="0"/>
+              </a:rPr>
+              <a:t>Pass.Acc</a:t>
+            </a:r>
+            <a:r>
+              <a:rPr lang="en-US" sz="2400" dirty="0">
+                <a:latin typeface="Times New Roman" panose="02020603050405020304" pitchFamily="18" charset="0"/>
+                <a:cs typeface="Times New Roman" panose="02020603050405020304" pitchFamily="18" charset="0"/>
+              </a:rPr>
+              <a:t> + Possession + Corners + </a:t>
+            </a:r>
+            <a:r>
+              <a:rPr lang="en-US" sz="2400" dirty="0" smtClean="0">
+                <a:latin typeface="Times New Roman" panose="02020603050405020304" pitchFamily="18" charset="0"/>
+                <a:cs typeface="Times New Roman" panose="02020603050405020304" pitchFamily="18" charset="0"/>
+              </a:rPr>
+              <a:t>Fouls</a:t>
+            </a:r>
+            <a:r>
+              <a:rPr lang="en-US" sz="2400" dirty="0">
+                <a:latin typeface="Times New Roman" panose="02020603050405020304" pitchFamily="18" charset="0"/>
+                <a:cs typeface="Times New Roman" panose="02020603050405020304" pitchFamily="18" charset="0"/>
+              </a:rPr>
+              <a:t> </a:t>
+            </a:r>
+            <a:r>
+              <a:rPr lang="en-US" sz="2400" dirty="0" smtClean="0">
+                <a:latin typeface="Times New Roman" panose="02020603050405020304" pitchFamily="18" charset="0"/>
+                <a:cs typeface="Times New Roman" panose="02020603050405020304" pitchFamily="18" charset="0"/>
+              </a:rPr>
+              <a:t>is the best linear regression model under BIC and Adjusted R-Squared measures. However, because the response variable is a non-negative count variable, count data models such as Poisson (a Generalized Linear Model) may be more appropriate.</a:t>
+            </a:r>
+            <a:endParaRPr lang="en-US" sz="2400" dirty="0">
+              <a:latin typeface="Times New Roman" panose="02020603050405020304" pitchFamily="18" charset="0"/>
+              <a:cs typeface="Times New Roman" panose="02020603050405020304" pitchFamily="18" charset="0"/>
+            </a:endParaRPr>
           </a:p>
         </p:txBody>
       </p:sp>
@@ -12024,7 +12084,7 @@
         <p:spPr>
           <a:xfrm>
             <a:off x="439693" y="1506070"/>
-            <a:ext cx="11142708" cy="2585323"/>
+            <a:ext cx="11142708" cy="3693319"/>
           </a:xfrm>
           <a:prstGeom prst="rect">
             <a:avLst/>
@@ -12046,14 +12106,17 @@
                 <a:latin typeface="Times New Roman" panose="02020603050405020304" pitchFamily="18" charset="0"/>
                 <a:cs typeface="Times New Roman" panose="02020603050405020304" pitchFamily="18" charset="0"/>
               </a:rPr>
-              <a:t>Apply a multinomial logistic regression model to predict expected goals, treat expected goals as categorical variable rather than continuous value.</a:t>
+              <a:t>Apply a multinomial logistic regression model to predict expected goals, treat expected goals as categorical variable rather than continuous value</a:t>
             </a:r>
-          </a:p>
-          <a:p>
-            <a:pPr marL="285750" indent="-285750">
-              <a:buFont typeface="Arial" panose="020B0604020202020204" pitchFamily="34" charset="0"/>
-              <a:buChar char="•"/>
-            </a:pPr>
+            <a:r>
+              <a:rPr lang="en-US" sz="2400" dirty="0" smtClean="0">
+                <a:latin typeface="Times New Roman" panose="02020603050405020304" pitchFamily="18" charset="0"/>
+                <a:cs typeface="Times New Roman" panose="02020603050405020304" pitchFamily="18" charset="0"/>
+              </a:rPr>
+              <a:t>.</a:t>
+            </a:r>
+          </a:p>
+          <a:p>
             <a:endParaRPr lang="en-US" sz="2400" dirty="0">
               <a:latin typeface="Times New Roman" panose="02020603050405020304" pitchFamily="18" charset="0"/>
               <a:cs typeface="Times New Roman" panose="02020603050405020304" pitchFamily="18" charset="0"/>
@@ -12065,11 +12128,51 @@
               <a:buChar char="•"/>
             </a:pPr>
             <a:r>
+              <a:rPr lang="en-US" sz="2400" dirty="0" smtClean="0">
+                <a:latin typeface="Times New Roman" panose="02020603050405020304" pitchFamily="18" charset="0"/>
+                <a:cs typeface="Times New Roman" panose="02020603050405020304" pitchFamily="18" charset="0"/>
+              </a:rPr>
+              <a:t>Apply a generalized linear model (likely</a:t>
+            </a:r>
+            <a:r>
+              <a:rPr lang="en-US" sz="2400" smtClean="0">
+                <a:latin typeface="Times New Roman" panose="02020603050405020304" pitchFamily="18" charset="0"/>
+                <a:cs typeface="Times New Roman" panose="02020603050405020304" pitchFamily="18" charset="0"/>
+              </a:rPr>
+              <a:t>, Poisson) to </a:t>
+            </a:r>
+            <a:r>
+              <a:rPr lang="en-US" sz="2400" dirty="0" smtClean="0">
+                <a:latin typeface="Times New Roman" panose="02020603050405020304" pitchFamily="18" charset="0"/>
+                <a:cs typeface="Times New Roman" panose="02020603050405020304" pitchFamily="18" charset="0"/>
+              </a:rPr>
+              <a:t>predict number of goals since it is a non-negative count variable.</a:t>
+            </a:r>
+          </a:p>
+          <a:p>
+            <a:endParaRPr lang="en-US" sz="2400" dirty="0">
+              <a:latin typeface="Times New Roman" panose="02020603050405020304" pitchFamily="18" charset="0"/>
+              <a:cs typeface="Times New Roman" panose="02020603050405020304" pitchFamily="18" charset="0"/>
+            </a:endParaRPr>
+          </a:p>
+          <a:p>
+            <a:pPr marL="285750" indent="-285750">
+              <a:buFont typeface="Arial" panose="020B0604020202020204" pitchFamily="34" charset="0"/>
+              <a:buChar char="•"/>
+            </a:pPr>
+            <a:r>
+              <a:rPr lang="en-US" sz="2400" dirty="0" smtClean="0">
+                <a:latin typeface="Times New Roman" panose="02020603050405020304" pitchFamily="18" charset="0"/>
+                <a:cs typeface="Times New Roman" panose="02020603050405020304" pitchFamily="18" charset="0"/>
+              </a:rPr>
+              <a:t>Uncover </a:t>
+            </a:r>
+            <a:r>
               <a:rPr lang="en-US" sz="2400" dirty="0">
                 <a:latin typeface="Times New Roman" panose="02020603050405020304" pitchFamily="18" charset="0"/>
                 <a:cs typeface="Times New Roman" panose="02020603050405020304" pitchFamily="18" charset="0"/>
               </a:rPr>
-              <a:t>Uncover patterns in match summary data using PCA &amp; PCR that could help predict expected goals better.</a:t>
+              <a:t>patterns in match summary data using PCA &amp; PCR that could help predict expected goals better.</a:t>
             </a:r>
           </a:p>
           <a:p>

--- a/final_project/T2_final_project.pptx
+++ b/final_project/T2_final_project.pptx
@@ -509,7 +509,7 @@
           <p:cNvPr id="2" name="Title 1">
             <a:extLst>
               <a:ext uri="{FF2B5EF4-FFF2-40B4-BE49-F238E27FC236}">
-                <a16:creationId xmlns:a16="http://schemas.microsoft.com/office/drawing/2014/main" id="{7991FF1C-8740-4583-9D4E-97A7295A265C}"/>
+                <a16:creationId xmlns:a16="http://schemas.microsoft.com/office/drawing/2014/main" xmlns="" id="{7991FF1C-8740-4583-9D4E-97A7295A265C}"/>
               </a:ext>
             </a:extLst>
           </p:cNvPr>
@@ -546,7 +546,7 @@
           <p:cNvPr id="3" name="Subtitle 2">
             <a:extLst>
               <a:ext uri="{FF2B5EF4-FFF2-40B4-BE49-F238E27FC236}">
-                <a16:creationId xmlns:a16="http://schemas.microsoft.com/office/drawing/2014/main" id="{ABF902D2-6FE9-4E65-9BB4-512485FA9A37}"/>
+                <a16:creationId xmlns:a16="http://schemas.microsoft.com/office/drawing/2014/main" xmlns="" id="{ABF902D2-6FE9-4E65-9BB4-512485FA9A37}"/>
               </a:ext>
             </a:extLst>
           </p:cNvPr>
@@ -616,7 +616,7 @@
           <p:cNvPr id="4" name="Date Placeholder 3">
             <a:extLst>
               <a:ext uri="{FF2B5EF4-FFF2-40B4-BE49-F238E27FC236}">
-                <a16:creationId xmlns:a16="http://schemas.microsoft.com/office/drawing/2014/main" id="{64BD5271-D5FF-4012-87BD-4280D41BE3AE}"/>
+                <a16:creationId xmlns:a16="http://schemas.microsoft.com/office/drawing/2014/main" xmlns="" id="{64BD5271-D5FF-4012-87BD-4280D41BE3AE}"/>
               </a:ext>
             </a:extLst>
           </p:cNvPr>
@@ -645,7 +645,7 @@
           <p:cNvPr id="5" name="Footer Placeholder 4">
             <a:extLst>
               <a:ext uri="{FF2B5EF4-FFF2-40B4-BE49-F238E27FC236}">
-                <a16:creationId xmlns:a16="http://schemas.microsoft.com/office/drawing/2014/main" id="{C6326500-5A7B-41C4-8E5E-EDB6F58F3303}"/>
+                <a16:creationId xmlns:a16="http://schemas.microsoft.com/office/drawing/2014/main" xmlns="" id="{C6326500-5A7B-41C4-8E5E-EDB6F58F3303}"/>
               </a:ext>
             </a:extLst>
           </p:cNvPr>
@@ -670,7 +670,7 @@
           <p:cNvPr id="6" name="Slide Number Placeholder 5">
             <a:extLst>
               <a:ext uri="{FF2B5EF4-FFF2-40B4-BE49-F238E27FC236}">
-                <a16:creationId xmlns:a16="http://schemas.microsoft.com/office/drawing/2014/main" id="{847ED73A-F91B-4D4E-B66D-D674A31D9386}"/>
+                <a16:creationId xmlns:a16="http://schemas.microsoft.com/office/drawing/2014/main" xmlns="" id="{847ED73A-F91B-4D4E-B66D-D674A31D9386}"/>
               </a:ext>
             </a:extLst>
           </p:cNvPr>
@@ -729,7 +729,7 @@
           <p:cNvPr id="2" name="Title 1">
             <a:extLst>
               <a:ext uri="{FF2B5EF4-FFF2-40B4-BE49-F238E27FC236}">
-                <a16:creationId xmlns:a16="http://schemas.microsoft.com/office/drawing/2014/main" id="{D9BA2A15-5EBB-48B0-84BF-94A12930FBF7}"/>
+                <a16:creationId xmlns:a16="http://schemas.microsoft.com/office/drawing/2014/main" xmlns="" id="{D9BA2A15-5EBB-48B0-84BF-94A12930FBF7}"/>
               </a:ext>
             </a:extLst>
           </p:cNvPr>
@@ -757,7 +757,7 @@
           <p:cNvPr id="3" name="Vertical Text Placeholder 2">
             <a:extLst>
               <a:ext uri="{FF2B5EF4-FFF2-40B4-BE49-F238E27FC236}">
-                <a16:creationId xmlns:a16="http://schemas.microsoft.com/office/drawing/2014/main" id="{FDCF8101-35E9-4DD5-BCB1-83970413AFD1}"/>
+                <a16:creationId xmlns:a16="http://schemas.microsoft.com/office/drawing/2014/main" xmlns="" id="{FDCF8101-35E9-4DD5-BCB1-83970413AFD1}"/>
               </a:ext>
             </a:extLst>
           </p:cNvPr>
@@ -814,7 +814,7 @@
           <p:cNvPr id="4" name="Date Placeholder 3">
             <a:extLst>
               <a:ext uri="{FF2B5EF4-FFF2-40B4-BE49-F238E27FC236}">
-                <a16:creationId xmlns:a16="http://schemas.microsoft.com/office/drawing/2014/main" id="{32D85C91-8C68-4D38-BE68-E23A7461DB42}"/>
+                <a16:creationId xmlns:a16="http://schemas.microsoft.com/office/drawing/2014/main" xmlns="" id="{32D85C91-8C68-4D38-BE68-E23A7461DB42}"/>
               </a:ext>
             </a:extLst>
           </p:cNvPr>
@@ -843,7 +843,7 @@
           <p:cNvPr id="5" name="Footer Placeholder 4">
             <a:extLst>
               <a:ext uri="{FF2B5EF4-FFF2-40B4-BE49-F238E27FC236}">
-                <a16:creationId xmlns:a16="http://schemas.microsoft.com/office/drawing/2014/main" id="{83785779-70A8-4E04-9A56-29B994E78433}"/>
+                <a16:creationId xmlns:a16="http://schemas.microsoft.com/office/drawing/2014/main" xmlns="" id="{83785779-70A8-4E04-9A56-29B994E78433}"/>
               </a:ext>
             </a:extLst>
           </p:cNvPr>
@@ -868,7 +868,7 @@
           <p:cNvPr id="6" name="Slide Number Placeholder 5">
             <a:extLst>
               <a:ext uri="{FF2B5EF4-FFF2-40B4-BE49-F238E27FC236}">
-                <a16:creationId xmlns:a16="http://schemas.microsoft.com/office/drawing/2014/main" id="{50D77FAB-9DD3-43D8-B923-27418C9D1B6C}"/>
+                <a16:creationId xmlns:a16="http://schemas.microsoft.com/office/drawing/2014/main" xmlns="" id="{50D77FAB-9DD3-43D8-B923-27418C9D1B6C}"/>
               </a:ext>
             </a:extLst>
           </p:cNvPr>
@@ -927,7 +927,7 @@
           <p:cNvPr id="2" name="Vertical Title 1">
             <a:extLst>
               <a:ext uri="{FF2B5EF4-FFF2-40B4-BE49-F238E27FC236}">
-                <a16:creationId xmlns:a16="http://schemas.microsoft.com/office/drawing/2014/main" id="{275FD3A8-5F2D-44FE-B2CB-5F0C31CF5372}"/>
+                <a16:creationId xmlns:a16="http://schemas.microsoft.com/office/drawing/2014/main" xmlns="" id="{275FD3A8-5F2D-44FE-B2CB-5F0C31CF5372}"/>
               </a:ext>
             </a:extLst>
           </p:cNvPr>
@@ -960,7 +960,7 @@
           <p:cNvPr id="3" name="Vertical Text Placeholder 2">
             <a:extLst>
               <a:ext uri="{FF2B5EF4-FFF2-40B4-BE49-F238E27FC236}">
-                <a16:creationId xmlns:a16="http://schemas.microsoft.com/office/drawing/2014/main" id="{6928AD24-AFA4-4DA8-AC71-95FA4AF1C48B}"/>
+                <a16:creationId xmlns:a16="http://schemas.microsoft.com/office/drawing/2014/main" xmlns="" id="{6928AD24-AFA4-4DA8-AC71-95FA4AF1C48B}"/>
               </a:ext>
             </a:extLst>
           </p:cNvPr>
@@ -1022,7 +1022,7 @@
           <p:cNvPr id="4" name="Date Placeholder 3">
             <a:extLst>
               <a:ext uri="{FF2B5EF4-FFF2-40B4-BE49-F238E27FC236}">
-                <a16:creationId xmlns:a16="http://schemas.microsoft.com/office/drawing/2014/main" id="{EC8585DE-B12A-4EEF-91C9-7B971361427E}"/>
+                <a16:creationId xmlns:a16="http://schemas.microsoft.com/office/drawing/2014/main" xmlns="" id="{EC8585DE-B12A-4EEF-91C9-7B971361427E}"/>
               </a:ext>
             </a:extLst>
           </p:cNvPr>
@@ -1051,7 +1051,7 @@
           <p:cNvPr id="5" name="Footer Placeholder 4">
             <a:extLst>
               <a:ext uri="{FF2B5EF4-FFF2-40B4-BE49-F238E27FC236}">
-                <a16:creationId xmlns:a16="http://schemas.microsoft.com/office/drawing/2014/main" id="{2997F936-9298-4B18-BD25-457C4711B56A}"/>
+                <a16:creationId xmlns:a16="http://schemas.microsoft.com/office/drawing/2014/main" xmlns="" id="{2997F936-9298-4B18-BD25-457C4711B56A}"/>
               </a:ext>
             </a:extLst>
           </p:cNvPr>
@@ -1076,7 +1076,7 @@
           <p:cNvPr id="6" name="Slide Number Placeholder 5">
             <a:extLst>
               <a:ext uri="{FF2B5EF4-FFF2-40B4-BE49-F238E27FC236}">
-                <a16:creationId xmlns:a16="http://schemas.microsoft.com/office/drawing/2014/main" id="{0A31366D-2505-44A7-8095-6EB53BAFABBB}"/>
+                <a16:creationId xmlns:a16="http://schemas.microsoft.com/office/drawing/2014/main" xmlns="" id="{0A31366D-2505-44A7-8095-6EB53BAFABBB}"/>
               </a:ext>
             </a:extLst>
           </p:cNvPr>
@@ -1135,7 +1135,7 @@
           <p:cNvPr id="2" name="Title 1">
             <a:extLst>
               <a:ext uri="{FF2B5EF4-FFF2-40B4-BE49-F238E27FC236}">
-                <a16:creationId xmlns:a16="http://schemas.microsoft.com/office/drawing/2014/main" id="{97BA6634-FAB0-47D4-B566-0318DBA2A7D8}"/>
+                <a16:creationId xmlns:a16="http://schemas.microsoft.com/office/drawing/2014/main" xmlns="" id="{97BA6634-FAB0-47D4-B566-0318DBA2A7D8}"/>
               </a:ext>
             </a:extLst>
           </p:cNvPr>
@@ -1163,7 +1163,7 @@
           <p:cNvPr id="3" name="Content Placeholder 2">
             <a:extLst>
               <a:ext uri="{FF2B5EF4-FFF2-40B4-BE49-F238E27FC236}">
-                <a16:creationId xmlns:a16="http://schemas.microsoft.com/office/drawing/2014/main" id="{3A3E62D1-62CC-4D63-9482-E8AC3ED1AB52}"/>
+                <a16:creationId xmlns:a16="http://schemas.microsoft.com/office/drawing/2014/main" xmlns="" id="{3A3E62D1-62CC-4D63-9482-E8AC3ED1AB52}"/>
               </a:ext>
             </a:extLst>
           </p:cNvPr>
@@ -1220,7 +1220,7 @@
           <p:cNvPr id="4" name="Date Placeholder 3">
             <a:extLst>
               <a:ext uri="{FF2B5EF4-FFF2-40B4-BE49-F238E27FC236}">
-                <a16:creationId xmlns:a16="http://schemas.microsoft.com/office/drawing/2014/main" id="{518E4EFC-E675-46DB-AFAB-61F7EA5F0BB1}"/>
+                <a16:creationId xmlns:a16="http://schemas.microsoft.com/office/drawing/2014/main" xmlns="" id="{518E4EFC-E675-46DB-AFAB-61F7EA5F0BB1}"/>
               </a:ext>
             </a:extLst>
           </p:cNvPr>
@@ -1249,7 +1249,7 @@
           <p:cNvPr id="5" name="Footer Placeholder 4">
             <a:extLst>
               <a:ext uri="{FF2B5EF4-FFF2-40B4-BE49-F238E27FC236}">
-                <a16:creationId xmlns:a16="http://schemas.microsoft.com/office/drawing/2014/main" id="{D4A48A20-0D4A-4BD0-9277-46996715F05F}"/>
+                <a16:creationId xmlns:a16="http://schemas.microsoft.com/office/drawing/2014/main" xmlns="" id="{D4A48A20-0D4A-4BD0-9277-46996715F05F}"/>
               </a:ext>
             </a:extLst>
           </p:cNvPr>
@@ -1274,7 +1274,7 @@
           <p:cNvPr id="6" name="Slide Number Placeholder 5">
             <a:extLst>
               <a:ext uri="{FF2B5EF4-FFF2-40B4-BE49-F238E27FC236}">
-                <a16:creationId xmlns:a16="http://schemas.microsoft.com/office/drawing/2014/main" id="{3800F55C-AF6F-49EB-803D-93D5EF5D1FA1}"/>
+                <a16:creationId xmlns:a16="http://schemas.microsoft.com/office/drawing/2014/main" xmlns="" id="{3800F55C-AF6F-49EB-803D-93D5EF5D1FA1}"/>
               </a:ext>
             </a:extLst>
           </p:cNvPr>
@@ -1333,7 +1333,7 @@
           <p:cNvPr id="2" name="Title 1">
             <a:extLst>
               <a:ext uri="{FF2B5EF4-FFF2-40B4-BE49-F238E27FC236}">
-                <a16:creationId xmlns:a16="http://schemas.microsoft.com/office/drawing/2014/main" id="{4056ED20-E0D9-44B8-9C25-62EA4CD16F41}"/>
+                <a16:creationId xmlns:a16="http://schemas.microsoft.com/office/drawing/2014/main" xmlns="" id="{4056ED20-E0D9-44B8-9C25-62EA4CD16F41}"/>
               </a:ext>
             </a:extLst>
           </p:cNvPr>
@@ -1370,7 +1370,7 @@
           <p:cNvPr id="3" name="Text Placeholder 2">
             <a:extLst>
               <a:ext uri="{FF2B5EF4-FFF2-40B4-BE49-F238E27FC236}">
-                <a16:creationId xmlns:a16="http://schemas.microsoft.com/office/drawing/2014/main" id="{092F1EF0-B105-4CA1-8ABF-8AB68494820A}"/>
+                <a16:creationId xmlns:a16="http://schemas.microsoft.com/office/drawing/2014/main" xmlns="" id="{092F1EF0-B105-4CA1-8ABF-8AB68494820A}"/>
               </a:ext>
             </a:extLst>
           </p:cNvPr>
@@ -1495,7 +1495,7 @@
           <p:cNvPr id="4" name="Date Placeholder 3">
             <a:extLst>
               <a:ext uri="{FF2B5EF4-FFF2-40B4-BE49-F238E27FC236}">
-                <a16:creationId xmlns:a16="http://schemas.microsoft.com/office/drawing/2014/main" id="{67103BC3-7A61-420D-9D49-3C4B389D0215}"/>
+                <a16:creationId xmlns:a16="http://schemas.microsoft.com/office/drawing/2014/main" xmlns="" id="{67103BC3-7A61-420D-9D49-3C4B389D0215}"/>
               </a:ext>
             </a:extLst>
           </p:cNvPr>
@@ -1524,7 +1524,7 @@
           <p:cNvPr id="5" name="Footer Placeholder 4">
             <a:extLst>
               <a:ext uri="{FF2B5EF4-FFF2-40B4-BE49-F238E27FC236}">
-                <a16:creationId xmlns:a16="http://schemas.microsoft.com/office/drawing/2014/main" id="{AE03DD3F-9529-4FE1-8DB4-E1D21CB0225B}"/>
+                <a16:creationId xmlns:a16="http://schemas.microsoft.com/office/drawing/2014/main" xmlns="" id="{AE03DD3F-9529-4FE1-8DB4-E1D21CB0225B}"/>
               </a:ext>
             </a:extLst>
           </p:cNvPr>
@@ -1549,7 +1549,7 @@
           <p:cNvPr id="6" name="Slide Number Placeholder 5">
             <a:extLst>
               <a:ext uri="{FF2B5EF4-FFF2-40B4-BE49-F238E27FC236}">
-                <a16:creationId xmlns:a16="http://schemas.microsoft.com/office/drawing/2014/main" id="{AB4B493E-A3C8-4E61-9CF2-366C4C30FFCC}"/>
+                <a16:creationId xmlns:a16="http://schemas.microsoft.com/office/drawing/2014/main" xmlns="" id="{AB4B493E-A3C8-4E61-9CF2-366C4C30FFCC}"/>
               </a:ext>
             </a:extLst>
           </p:cNvPr>
@@ -1608,7 +1608,7 @@
           <p:cNvPr id="2" name="Title 1">
             <a:extLst>
               <a:ext uri="{FF2B5EF4-FFF2-40B4-BE49-F238E27FC236}">
-                <a16:creationId xmlns:a16="http://schemas.microsoft.com/office/drawing/2014/main" id="{C32434D4-5477-4F80-81A7-F2BCF84E7450}"/>
+                <a16:creationId xmlns:a16="http://schemas.microsoft.com/office/drawing/2014/main" xmlns="" id="{C32434D4-5477-4F80-81A7-F2BCF84E7450}"/>
               </a:ext>
             </a:extLst>
           </p:cNvPr>
@@ -1636,7 +1636,7 @@
           <p:cNvPr id="3" name="Content Placeholder 2">
             <a:extLst>
               <a:ext uri="{FF2B5EF4-FFF2-40B4-BE49-F238E27FC236}">
-                <a16:creationId xmlns:a16="http://schemas.microsoft.com/office/drawing/2014/main" id="{41751AE1-B383-424A-803A-B34C21BA2535}"/>
+                <a16:creationId xmlns:a16="http://schemas.microsoft.com/office/drawing/2014/main" xmlns="" id="{41751AE1-B383-424A-803A-B34C21BA2535}"/>
               </a:ext>
             </a:extLst>
           </p:cNvPr>
@@ -1698,7 +1698,7 @@
           <p:cNvPr id="4" name="Content Placeholder 3">
             <a:extLst>
               <a:ext uri="{FF2B5EF4-FFF2-40B4-BE49-F238E27FC236}">
-                <a16:creationId xmlns:a16="http://schemas.microsoft.com/office/drawing/2014/main" id="{69217FB6-C794-4D81-A5E7-BC780DB41F30}"/>
+                <a16:creationId xmlns:a16="http://schemas.microsoft.com/office/drawing/2014/main" xmlns="" id="{69217FB6-C794-4D81-A5E7-BC780DB41F30}"/>
               </a:ext>
             </a:extLst>
           </p:cNvPr>
@@ -1760,7 +1760,7 @@
           <p:cNvPr id="5" name="Date Placeholder 4">
             <a:extLst>
               <a:ext uri="{FF2B5EF4-FFF2-40B4-BE49-F238E27FC236}">
-                <a16:creationId xmlns:a16="http://schemas.microsoft.com/office/drawing/2014/main" id="{BE85F722-6559-46B6-A031-9704F03FA631}"/>
+                <a16:creationId xmlns:a16="http://schemas.microsoft.com/office/drawing/2014/main" xmlns="" id="{BE85F722-6559-46B6-A031-9704F03FA631}"/>
               </a:ext>
             </a:extLst>
           </p:cNvPr>
@@ -1789,7 +1789,7 @@
           <p:cNvPr id="6" name="Footer Placeholder 5">
             <a:extLst>
               <a:ext uri="{FF2B5EF4-FFF2-40B4-BE49-F238E27FC236}">
-                <a16:creationId xmlns:a16="http://schemas.microsoft.com/office/drawing/2014/main" id="{43005DCA-EE35-4011-BBCE-A44B43D4928B}"/>
+                <a16:creationId xmlns:a16="http://schemas.microsoft.com/office/drawing/2014/main" xmlns="" id="{43005DCA-EE35-4011-BBCE-A44B43D4928B}"/>
               </a:ext>
             </a:extLst>
           </p:cNvPr>
@@ -1814,7 +1814,7 @@
           <p:cNvPr id="7" name="Slide Number Placeholder 6">
             <a:extLst>
               <a:ext uri="{FF2B5EF4-FFF2-40B4-BE49-F238E27FC236}">
-                <a16:creationId xmlns:a16="http://schemas.microsoft.com/office/drawing/2014/main" id="{EBCCE416-6CE7-457F-B651-D9949607C5B3}"/>
+                <a16:creationId xmlns:a16="http://schemas.microsoft.com/office/drawing/2014/main" xmlns="" id="{EBCCE416-6CE7-457F-B651-D9949607C5B3}"/>
               </a:ext>
             </a:extLst>
           </p:cNvPr>
@@ -1873,7 +1873,7 @@
           <p:cNvPr id="2" name="Title 1">
             <a:extLst>
               <a:ext uri="{FF2B5EF4-FFF2-40B4-BE49-F238E27FC236}">
-                <a16:creationId xmlns:a16="http://schemas.microsoft.com/office/drawing/2014/main" id="{12028016-80A2-493C-BAD2-F73486BF3747}"/>
+                <a16:creationId xmlns:a16="http://schemas.microsoft.com/office/drawing/2014/main" xmlns="" id="{12028016-80A2-493C-BAD2-F73486BF3747}"/>
               </a:ext>
             </a:extLst>
           </p:cNvPr>
@@ -1906,7 +1906,7 @@
           <p:cNvPr id="3" name="Text Placeholder 2">
             <a:extLst>
               <a:ext uri="{FF2B5EF4-FFF2-40B4-BE49-F238E27FC236}">
-                <a16:creationId xmlns:a16="http://schemas.microsoft.com/office/drawing/2014/main" id="{71460042-26F0-4D19-97AF-8D11535BBF16}"/>
+                <a16:creationId xmlns:a16="http://schemas.microsoft.com/office/drawing/2014/main" xmlns="" id="{71460042-26F0-4D19-97AF-8D11535BBF16}"/>
               </a:ext>
             </a:extLst>
           </p:cNvPr>
@@ -1977,7 +1977,7 @@
           <p:cNvPr id="4" name="Content Placeholder 3">
             <a:extLst>
               <a:ext uri="{FF2B5EF4-FFF2-40B4-BE49-F238E27FC236}">
-                <a16:creationId xmlns:a16="http://schemas.microsoft.com/office/drawing/2014/main" id="{968A4617-9A80-42C0-99C5-4E4304412E46}"/>
+                <a16:creationId xmlns:a16="http://schemas.microsoft.com/office/drawing/2014/main" xmlns="" id="{968A4617-9A80-42C0-99C5-4E4304412E46}"/>
               </a:ext>
             </a:extLst>
           </p:cNvPr>
@@ -2039,7 +2039,7 @@
           <p:cNvPr id="5" name="Text Placeholder 4">
             <a:extLst>
               <a:ext uri="{FF2B5EF4-FFF2-40B4-BE49-F238E27FC236}">
-                <a16:creationId xmlns:a16="http://schemas.microsoft.com/office/drawing/2014/main" id="{66BDE5AC-3F3A-49E1-B00D-F5ABE9B0B502}"/>
+                <a16:creationId xmlns:a16="http://schemas.microsoft.com/office/drawing/2014/main" xmlns="" id="{66BDE5AC-3F3A-49E1-B00D-F5ABE9B0B502}"/>
               </a:ext>
             </a:extLst>
           </p:cNvPr>
@@ -2110,7 +2110,7 @@
           <p:cNvPr id="6" name="Content Placeholder 5">
             <a:extLst>
               <a:ext uri="{FF2B5EF4-FFF2-40B4-BE49-F238E27FC236}">
-                <a16:creationId xmlns:a16="http://schemas.microsoft.com/office/drawing/2014/main" id="{236EC18B-D07C-4A68-B328-0916DE7A7B17}"/>
+                <a16:creationId xmlns:a16="http://schemas.microsoft.com/office/drawing/2014/main" xmlns="" id="{236EC18B-D07C-4A68-B328-0916DE7A7B17}"/>
               </a:ext>
             </a:extLst>
           </p:cNvPr>
@@ -2172,7 +2172,7 @@
           <p:cNvPr id="7" name="Date Placeholder 6">
             <a:extLst>
               <a:ext uri="{FF2B5EF4-FFF2-40B4-BE49-F238E27FC236}">
-                <a16:creationId xmlns:a16="http://schemas.microsoft.com/office/drawing/2014/main" id="{B41FA263-D0AD-45EF-BD1A-1E8EE367E1BF}"/>
+                <a16:creationId xmlns:a16="http://schemas.microsoft.com/office/drawing/2014/main" xmlns="" id="{B41FA263-D0AD-45EF-BD1A-1E8EE367E1BF}"/>
               </a:ext>
             </a:extLst>
           </p:cNvPr>
@@ -2201,7 +2201,7 @@
           <p:cNvPr id="8" name="Footer Placeholder 7">
             <a:extLst>
               <a:ext uri="{FF2B5EF4-FFF2-40B4-BE49-F238E27FC236}">
-                <a16:creationId xmlns:a16="http://schemas.microsoft.com/office/drawing/2014/main" id="{3DD661C0-C595-4BCC-9499-ADE3ED68D657}"/>
+                <a16:creationId xmlns:a16="http://schemas.microsoft.com/office/drawing/2014/main" xmlns="" id="{3DD661C0-C595-4BCC-9499-ADE3ED68D657}"/>
               </a:ext>
             </a:extLst>
           </p:cNvPr>
@@ -2226,7 +2226,7 @@
           <p:cNvPr id="9" name="Slide Number Placeholder 8">
             <a:extLst>
               <a:ext uri="{FF2B5EF4-FFF2-40B4-BE49-F238E27FC236}">
-                <a16:creationId xmlns:a16="http://schemas.microsoft.com/office/drawing/2014/main" id="{FCA5E7FB-383D-40E5-97FA-4BD65C4F834A}"/>
+                <a16:creationId xmlns:a16="http://schemas.microsoft.com/office/drawing/2014/main" xmlns="" id="{FCA5E7FB-383D-40E5-97FA-4BD65C4F834A}"/>
               </a:ext>
             </a:extLst>
           </p:cNvPr>
@@ -2285,7 +2285,7 @@
           <p:cNvPr id="2" name="Title 1">
             <a:extLst>
               <a:ext uri="{FF2B5EF4-FFF2-40B4-BE49-F238E27FC236}">
-                <a16:creationId xmlns:a16="http://schemas.microsoft.com/office/drawing/2014/main" id="{D5C1CC5E-D7D1-492E-AB58-A36F012D2033}"/>
+                <a16:creationId xmlns:a16="http://schemas.microsoft.com/office/drawing/2014/main" xmlns="" id="{D5C1CC5E-D7D1-492E-AB58-A36F012D2033}"/>
               </a:ext>
             </a:extLst>
           </p:cNvPr>
@@ -2313,7 +2313,7 @@
           <p:cNvPr id="3" name="Date Placeholder 2">
             <a:extLst>
               <a:ext uri="{FF2B5EF4-FFF2-40B4-BE49-F238E27FC236}">
-                <a16:creationId xmlns:a16="http://schemas.microsoft.com/office/drawing/2014/main" id="{1F109B1D-3516-465E-B4A7-C856AE085122}"/>
+                <a16:creationId xmlns:a16="http://schemas.microsoft.com/office/drawing/2014/main" xmlns="" id="{1F109B1D-3516-465E-B4A7-C856AE085122}"/>
               </a:ext>
             </a:extLst>
           </p:cNvPr>
@@ -2342,7 +2342,7 @@
           <p:cNvPr id="4" name="Footer Placeholder 3">
             <a:extLst>
               <a:ext uri="{FF2B5EF4-FFF2-40B4-BE49-F238E27FC236}">
-                <a16:creationId xmlns:a16="http://schemas.microsoft.com/office/drawing/2014/main" id="{ED507623-3AD4-4906-956E-3DB299625B53}"/>
+                <a16:creationId xmlns:a16="http://schemas.microsoft.com/office/drawing/2014/main" xmlns="" id="{ED507623-3AD4-4906-956E-3DB299625B53}"/>
               </a:ext>
             </a:extLst>
           </p:cNvPr>
@@ -2367,7 +2367,7 @@
           <p:cNvPr id="5" name="Slide Number Placeholder 4">
             <a:extLst>
               <a:ext uri="{FF2B5EF4-FFF2-40B4-BE49-F238E27FC236}">
-                <a16:creationId xmlns:a16="http://schemas.microsoft.com/office/drawing/2014/main" id="{E50535B7-75F6-48BE-AD26-EFCEC1518C35}"/>
+                <a16:creationId xmlns:a16="http://schemas.microsoft.com/office/drawing/2014/main" xmlns="" id="{E50535B7-75F6-48BE-AD26-EFCEC1518C35}"/>
               </a:ext>
             </a:extLst>
           </p:cNvPr>
@@ -2426,7 +2426,7 @@
           <p:cNvPr id="2" name="Date Placeholder 1">
             <a:extLst>
               <a:ext uri="{FF2B5EF4-FFF2-40B4-BE49-F238E27FC236}">
-                <a16:creationId xmlns:a16="http://schemas.microsoft.com/office/drawing/2014/main" id="{9C94BD29-B01C-4612-AAEE-56789B8F97CB}"/>
+                <a16:creationId xmlns:a16="http://schemas.microsoft.com/office/drawing/2014/main" xmlns="" id="{9C94BD29-B01C-4612-AAEE-56789B8F97CB}"/>
               </a:ext>
             </a:extLst>
           </p:cNvPr>
@@ -2455,7 +2455,7 @@
           <p:cNvPr id="3" name="Footer Placeholder 2">
             <a:extLst>
               <a:ext uri="{FF2B5EF4-FFF2-40B4-BE49-F238E27FC236}">
-                <a16:creationId xmlns:a16="http://schemas.microsoft.com/office/drawing/2014/main" id="{70DED8FE-3A63-4BD5-B4D9-D2EC89D3177B}"/>
+                <a16:creationId xmlns:a16="http://schemas.microsoft.com/office/drawing/2014/main" xmlns="" id="{70DED8FE-3A63-4BD5-B4D9-D2EC89D3177B}"/>
               </a:ext>
             </a:extLst>
           </p:cNvPr>
@@ -2480,7 +2480,7 @@
           <p:cNvPr id="4" name="Slide Number Placeholder 3">
             <a:extLst>
               <a:ext uri="{FF2B5EF4-FFF2-40B4-BE49-F238E27FC236}">
-                <a16:creationId xmlns:a16="http://schemas.microsoft.com/office/drawing/2014/main" id="{9289ABA2-3183-412C-B8F5-DECDA9AAAF95}"/>
+                <a16:creationId xmlns:a16="http://schemas.microsoft.com/office/drawing/2014/main" xmlns="" id="{9289ABA2-3183-412C-B8F5-DECDA9AAAF95}"/>
               </a:ext>
             </a:extLst>
           </p:cNvPr>
@@ -2539,7 +2539,7 @@
           <p:cNvPr id="2" name="Title 1">
             <a:extLst>
               <a:ext uri="{FF2B5EF4-FFF2-40B4-BE49-F238E27FC236}">
-                <a16:creationId xmlns:a16="http://schemas.microsoft.com/office/drawing/2014/main" id="{4D85E78B-794A-4E6D-BA9F-25920A0656FC}"/>
+                <a16:creationId xmlns:a16="http://schemas.microsoft.com/office/drawing/2014/main" xmlns="" id="{4D85E78B-794A-4E6D-BA9F-25920A0656FC}"/>
               </a:ext>
             </a:extLst>
           </p:cNvPr>
@@ -2576,7 +2576,7 @@
           <p:cNvPr id="3" name="Content Placeholder 2">
             <a:extLst>
               <a:ext uri="{FF2B5EF4-FFF2-40B4-BE49-F238E27FC236}">
-                <a16:creationId xmlns:a16="http://schemas.microsoft.com/office/drawing/2014/main" id="{4C8355B9-5127-4870-9EAA-3A0EAA4F76C0}"/>
+                <a16:creationId xmlns:a16="http://schemas.microsoft.com/office/drawing/2014/main" xmlns="" id="{4C8355B9-5127-4870-9EAA-3A0EAA4F76C0}"/>
               </a:ext>
             </a:extLst>
           </p:cNvPr>
@@ -2666,7 +2666,7 @@
           <p:cNvPr id="4" name="Text Placeholder 3">
             <a:extLst>
               <a:ext uri="{FF2B5EF4-FFF2-40B4-BE49-F238E27FC236}">
-                <a16:creationId xmlns:a16="http://schemas.microsoft.com/office/drawing/2014/main" id="{B9AC585D-E45B-4884-8133-896D6B9FD012}"/>
+                <a16:creationId xmlns:a16="http://schemas.microsoft.com/office/drawing/2014/main" xmlns="" id="{B9AC585D-E45B-4884-8133-896D6B9FD012}"/>
               </a:ext>
             </a:extLst>
           </p:cNvPr>
@@ -2737,7 +2737,7 @@
           <p:cNvPr id="5" name="Date Placeholder 4">
             <a:extLst>
               <a:ext uri="{FF2B5EF4-FFF2-40B4-BE49-F238E27FC236}">
-                <a16:creationId xmlns:a16="http://schemas.microsoft.com/office/drawing/2014/main" id="{1CC9432E-1F46-4064-8A02-B5FD4A391C7D}"/>
+                <a16:creationId xmlns:a16="http://schemas.microsoft.com/office/drawing/2014/main" xmlns="" id="{1CC9432E-1F46-4064-8A02-B5FD4A391C7D}"/>
               </a:ext>
             </a:extLst>
           </p:cNvPr>
@@ -2766,7 +2766,7 @@
           <p:cNvPr id="6" name="Footer Placeholder 5">
             <a:extLst>
               <a:ext uri="{FF2B5EF4-FFF2-40B4-BE49-F238E27FC236}">
-                <a16:creationId xmlns:a16="http://schemas.microsoft.com/office/drawing/2014/main" id="{042092B1-D34E-43ED-AC82-9B2070E73CD0}"/>
+                <a16:creationId xmlns:a16="http://schemas.microsoft.com/office/drawing/2014/main" xmlns="" id="{042092B1-D34E-43ED-AC82-9B2070E73CD0}"/>
               </a:ext>
             </a:extLst>
           </p:cNvPr>
@@ -2791,7 +2791,7 @@
           <p:cNvPr id="7" name="Slide Number Placeholder 6">
             <a:extLst>
               <a:ext uri="{FF2B5EF4-FFF2-40B4-BE49-F238E27FC236}">
-                <a16:creationId xmlns:a16="http://schemas.microsoft.com/office/drawing/2014/main" id="{C1A996C0-0D4C-4582-9984-89B1F905F9E2}"/>
+                <a16:creationId xmlns:a16="http://schemas.microsoft.com/office/drawing/2014/main" xmlns="" id="{C1A996C0-0D4C-4582-9984-89B1F905F9E2}"/>
               </a:ext>
             </a:extLst>
           </p:cNvPr>
@@ -2850,7 +2850,7 @@
           <p:cNvPr id="2" name="Title 1">
             <a:extLst>
               <a:ext uri="{FF2B5EF4-FFF2-40B4-BE49-F238E27FC236}">
-                <a16:creationId xmlns:a16="http://schemas.microsoft.com/office/drawing/2014/main" id="{98C2F291-7BE1-41EF-BB2F-A748B93558DB}"/>
+                <a16:creationId xmlns:a16="http://schemas.microsoft.com/office/drawing/2014/main" xmlns="" id="{98C2F291-7BE1-41EF-BB2F-A748B93558DB}"/>
               </a:ext>
             </a:extLst>
           </p:cNvPr>
@@ -2887,7 +2887,7 @@
           <p:cNvPr id="3" name="Picture Placeholder 2">
             <a:extLst>
               <a:ext uri="{FF2B5EF4-FFF2-40B4-BE49-F238E27FC236}">
-                <a16:creationId xmlns:a16="http://schemas.microsoft.com/office/drawing/2014/main" id="{3886DADD-1051-4AA5-8E2A-D2B463C3ED05}"/>
+                <a16:creationId xmlns:a16="http://schemas.microsoft.com/office/drawing/2014/main" xmlns="" id="{3886DADD-1051-4AA5-8E2A-D2B463C3ED05}"/>
               </a:ext>
             </a:extLst>
           </p:cNvPr>
@@ -2954,7 +2954,7 @@
           <p:cNvPr id="4" name="Text Placeholder 3">
             <a:extLst>
               <a:ext uri="{FF2B5EF4-FFF2-40B4-BE49-F238E27FC236}">
-                <a16:creationId xmlns:a16="http://schemas.microsoft.com/office/drawing/2014/main" id="{3A8CEA21-16EB-4A94-9944-3647BB6BA8D5}"/>
+                <a16:creationId xmlns:a16="http://schemas.microsoft.com/office/drawing/2014/main" xmlns="" id="{3A8CEA21-16EB-4A94-9944-3647BB6BA8D5}"/>
               </a:ext>
             </a:extLst>
           </p:cNvPr>
@@ -3025,7 +3025,7 @@
           <p:cNvPr id="5" name="Date Placeholder 4">
             <a:extLst>
               <a:ext uri="{FF2B5EF4-FFF2-40B4-BE49-F238E27FC236}">
-                <a16:creationId xmlns:a16="http://schemas.microsoft.com/office/drawing/2014/main" id="{688DB44F-3059-4092-AD1A-7504EEF36CE6}"/>
+                <a16:creationId xmlns:a16="http://schemas.microsoft.com/office/drawing/2014/main" xmlns="" id="{688DB44F-3059-4092-AD1A-7504EEF36CE6}"/>
               </a:ext>
             </a:extLst>
           </p:cNvPr>
@@ -3054,7 +3054,7 @@
           <p:cNvPr id="6" name="Footer Placeholder 5">
             <a:extLst>
               <a:ext uri="{FF2B5EF4-FFF2-40B4-BE49-F238E27FC236}">
-                <a16:creationId xmlns:a16="http://schemas.microsoft.com/office/drawing/2014/main" id="{B35C929B-9E2A-47DE-873A-02CE39525023}"/>
+                <a16:creationId xmlns:a16="http://schemas.microsoft.com/office/drawing/2014/main" xmlns="" id="{B35C929B-9E2A-47DE-873A-02CE39525023}"/>
               </a:ext>
             </a:extLst>
           </p:cNvPr>
@@ -3079,7 +3079,7 @@
           <p:cNvPr id="7" name="Slide Number Placeholder 6">
             <a:extLst>
               <a:ext uri="{FF2B5EF4-FFF2-40B4-BE49-F238E27FC236}">
-                <a16:creationId xmlns:a16="http://schemas.microsoft.com/office/drawing/2014/main" id="{AAA4813F-F911-4447-B66E-08B88D2CF718}"/>
+                <a16:creationId xmlns:a16="http://schemas.microsoft.com/office/drawing/2014/main" xmlns="" id="{AAA4813F-F911-4447-B66E-08B88D2CF718}"/>
               </a:ext>
             </a:extLst>
           </p:cNvPr>
@@ -3143,7 +3143,7 @@
           <p:cNvPr id="2" name="Title Placeholder 1">
             <a:extLst>
               <a:ext uri="{FF2B5EF4-FFF2-40B4-BE49-F238E27FC236}">
-                <a16:creationId xmlns:a16="http://schemas.microsoft.com/office/drawing/2014/main" id="{8057EEA8-3535-4679-826C-98302F743460}"/>
+                <a16:creationId xmlns:a16="http://schemas.microsoft.com/office/drawing/2014/main" xmlns="" id="{8057EEA8-3535-4679-826C-98302F743460}"/>
               </a:ext>
             </a:extLst>
           </p:cNvPr>
@@ -3181,7 +3181,7 @@
           <p:cNvPr id="3" name="Text Placeholder 2">
             <a:extLst>
               <a:ext uri="{FF2B5EF4-FFF2-40B4-BE49-F238E27FC236}">
-                <a16:creationId xmlns:a16="http://schemas.microsoft.com/office/drawing/2014/main" id="{AF37BD19-7260-4B33-B4CA-FFA7A56E23B8}"/>
+                <a16:creationId xmlns:a16="http://schemas.microsoft.com/office/drawing/2014/main" xmlns="" id="{AF37BD19-7260-4B33-B4CA-FFA7A56E23B8}"/>
               </a:ext>
             </a:extLst>
           </p:cNvPr>
@@ -3248,7 +3248,7 @@
           <p:cNvPr id="4" name="Date Placeholder 3">
             <a:extLst>
               <a:ext uri="{FF2B5EF4-FFF2-40B4-BE49-F238E27FC236}">
-                <a16:creationId xmlns:a16="http://schemas.microsoft.com/office/drawing/2014/main" id="{CAE3F551-FEA9-4AC8-907E-F464AD03C7CF}"/>
+                <a16:creationId xmlns:a16="http://schemas.microsoft.com/office/drawing/2014/main" xmlns="" id="{CAE3F551-FEA9-4AC8-907E-F464AD03C7CF}"/>
               </a:ext>
             </a:extLst>
           </p:cNvPr>
@@ -3295,7 +3295,7 @@
           <p:cNvPr id="5" name="Footer Placeholder 4">
             <a:extLst>
               <a:ext uri="{FF2B5EF4-FFF2-40B4-BE49-F238E27FC236}">
-                <a16:creationId xmlns:a16="http://schemas.microsoft.com/office/drawing/2014/main" id="{9F3A1DFC-4437-46F7-9F8F-A3B4C12FB65C}"/>
+                <a16:creationId xmlns:a16="http://schemas.microsoft.com/office/drawing/2014/main" xmlns="" id="{9F3A1DFC-4437-46F7-9F8F-A3B4C12FB65C}"/>
               </a:ext>
             </a:extLst>
           </p:cNvPr>
@@ -3338,7 +3338,7 @@
           <p:cNvPr id="6" name="Slide Number Placeholder 5">
             <a:extLst>
               <a:ext uri="{FF2B5EF4-FFF2-40B4-BE49-F238E27FC236}">
-                <a16:creationId xmlns:a16="http://schemas.microsoft.com/office/drawing/2014/main" id="{F231CB4B-700E-41BE-B19E-449274381105}"/>
+                <a16:creationId xmlns:a16="http://schemas.microsoft.com/office/drawing/2014/main" xmlns="" id="{F231CB4B-700E-41BE-B19E-449274381105}"/>
               </a:ext>
             </a:extLst>
           </p:cNvPr>
@@ -3707,7 +3707,7 @@
           <p:cNvPr id="8" name="Title 1">
             <a:extLst>
               <a:ext uri="{FF2B5EF4-FFF2-40B4-BE49-F238E27FC236}">
-                <a16:creationId xmlns:a16="http://schemas.microsoft.com/office/drawing/2014/main" id="{2A63AA7F-5772-4352-BFEE-F60D9B7A4536}"/>
+                <a16:creationId xmlns:a16="http://schemas.microsoft.com/office/drawing/2014/main" xmlns="" id="{2A63AA7F-5772-4352-BFEE-F60D9B7A4536}"/>
               </a:ext>
             </a:extLst>
           </p:cNvPr>
@@ -3746,7 +3746,7 @@
           <p:cNvPr id="9" name="Subtitle 2">
             <a:extLst>
               <a:ext uri="{FF2B5EF4-FFF2-40B4-BE49-F238E27FC236}">
-                <a16:creationId xmlns:a16="http://schemas.microsoft.com/office/drawing/2014/main" id="{B58A8D68-3E61-45ED-A10C-6C6894DB002B}"/>
+                <a16:creationId xmlns:a16="http://schemas.microsoft.com/office/drawing/2014/main" xmlns="" id="{B58A8D68-3E61-45ED-A10C-6C6894DB002B}"/>
               </a:ext>
             </a:extLst>
           </p:cNvPr>
@@ -3816,7 +3816,7 @@
           <p:cNvPr id="11" name="Picture 10" descr="Football ball in goal">
             <a:extLst>
               <a:ext uri="{FF2B5EF4-FFF2-40B4-BE49-F238E27FC236}">
-                <a16:creationId xmlns:a16="http://schemas.microsoft.com/office/drawing/2014/main" id="{048B0899-43EE-21D1-2138-892E6609B295}"/>
+                <a16:creationId xmlns:a16="http://schemas.microsoft.com/office/drawing/2014/main" xmlns="" id="{048B0899-43EE-21D1-2138-892E6609B295}"/>
               </a:ext>
             </a:extLst>
           </p:cNvPr>
@@ -4309,7 +4309,7 @@
           <p:cNvPr id="2" name="Slide Number Placeholder 1">
             <a:extLst>
               <a:ext uri="{FF2B5EF4-FFF2-40B4-BE49-F238E27FC236}">
-                <a16:creationId xmlns:a16="http://schemas.microsoft.com/office/drawing/2014/main" id="{02BA0B0E-44A7-43F7-9235-6A5465736311}"/>
+                <a16:creationId xmlns:a16="http://schemas.microsoft.com/office/drawing/2014/main" xmlns="" id="{02BA0B0E-44A7-43F7-9235-6A5465736311}"/>
               </a:ext>
             </a:extLst>
           </p:cNvPr>
@@ -4368,7 +4368,7 @@
           <p:cNvPr id="12" name="Imagen 11">
             <a:extLst>
               <a:ext uri="{FF2B5EF4-FFF2-40B4-BE49-F238E27FC236}">
-                <a16:creationId xmlns:a16="http://schemas.microsoft.com/office/drawing/2014/main" id="{9F999587-A626-4D80-BBDE-BE764F793500}"/>
+                <a16:creationId xmlns:a16="http://schemas.microsoft.com/office/drawing/2014/main" xmlns="" id="{9F999587-A626-4D80-BBDE-BE764F793500}"/>
               </a:ext>
             </a:extLst>
           </p:cNvPr>
@@ -4397,7 +4397,7 @@
           <p:cNvPr id="3" name="TextBox 2">
             <a:extLst>
               <a:ext uri="{FF2B5EF4-FFF2-40B4-BE49-F238E27FC236}">
-                <a16:creationId xmlns:a16="http://schemas.microsoft.com/office/drawing/2014/main" id="{4D0C753E-D2B8-4F7B-BC81-F73E5E8F32C4}"/>
+                <a16:creationId xmlns:a16="http://schemas.microsoft.com/office/drawing/2014/main" xmlns="" id="{4D0C753E-D2B8-4F7B-BC81-F73E5E8F32C4}"/>
               </a:ext>
             </a:extLst>
           </p:cNvPr>
@@ -4435,7 +4435,7 @@
           <p:cNvPr id="2" name="Slide Number Placeholder 1">
             <a:extLst>
               <a:ext uri="{FF2B5EF4-FFF2-40B4-BE49-F238E27FC236}">
-                <a16:creationId xmlns:a16="http://schemas.microsoft.com/office/drawing/2014/main" id="{23CCFA8E-F184-4429-BBE5-80A3755DB0FA}"/>
+                <a16:creationId xmlns:a16="http://schemas.microsoft.com/office/drawing/2014/main" xmlns="" id="{23CCFA8E-F184-4429-BBE5-80A3755DB0FA}"/>
               </a:ext>
             </a:extLst>
           </p:cNvPr>
@@ -4494,7 +4494,7 @@
           <p:cNvPr id="2" name="TextBox 1">
             <a:extLst>
               <a:ext uri="{FF2B5EF4-FFF2-40B4-BE49-F238E27FC236}">
-                <a16:creationId xmlns:a16="http://schemas.microsoft.com/office/drawing/2014/main" id="{742EF216-75D4-4734-B156-3EDB09F9CE9B}"/>
+                <a16:creationId xmlns:a16="http://schemas.microsoft.com/office/drawing/2014/main" xmlns="" id="{742EF216-75D4-4734-B156-3EDB09F9CE9B}"/>
               </a:ext>
             </a:extLst>
           </p:cNvPr>
@@ -4533,7 +4533,7 @@
           <p:cNvPr id="3" name="Straight Connector 2">
             <a:extLst>
               <a:ext uri="{FF2B5EF4-FFF2-40B4-BE49-F238E27FC236}">
-                <a16:creationId xmlns:a16="http://schemas.microsoft.com/office/drawing/2014/main" id="{B493E240-C89A-4822-B4C3-EC3A33AD45FA}"/>
+                <a16:creationId xmlns:a16="http://schemas.microsoft.com/office/drawing/2014/main" xmlns="" id="{B493E240-C89A-4822-B4C3-EC3A33AD45FA}"/>
               </a:ext>
             </a:extLst>
           </p:cNvPr>
@@ -4574,7 +4574,7 @@
           <p:cNvPr id="4" name="TextBox 3">
             <a:extLst>
               <a:ext uri="{FF2B5EF4-FFF2-40B4-BE49-F238E27FC236}">
-                <a16:creationId xmlns:a16="http://schemas.microsoft.com/office/drawing/2014/main" id="{9EAF4BF5-F510-49EE-8E26-0511CB451A3D}"/>
+                <a16:creationId xmlns:a16="http://schemas.microsoft.com/office/drawing/2014/main" xmlns="" id="{9EAF4BF5-F510-49EE-8E26-0511CB451A3D}"/>
               </a:ext>
             </a:extLst>
           </p:cNvPr>
@@ -4612,7 +4612,7 @@
           <p:cNvPr id="5" name="TextBox 4">
             <a:extLst>
               <a:ext uri="{FF2B5EF4-FFF2-40B4-BE49-F238E27FC236}">
-                <a16:creationId xmlns:a16="http://schemas.microsoft.com/office/drawing/2014/main" id="{5968C956-CF53-42BE-BD91-C3E651F6F5C6}"/>
+                <a16:creationId xmlns:a16="http://schemas.microsoft.com/office/drawing/2014/main" xmlns="" id="{5968C956-CF53-42BE-BD91-C3E651F6F5C6}"/>
               </a:ext>
             </a:extLst>
           </p:cNvPr>
@@ -4650,7 +4650,7 @@
           <p:cNvPr id="6" name="Slide Number Placeholder 5">
             <a:extLst>
               <a:ext uri="{FF2B5EF4-FFF2-40B4-BE49-F238E27FC236}">
-                <a16:creationId xmlns:a16="http://schemas.microsoft.com/office/drawing/2014/main" id="{EA756F38-2AA8-4B2C-8487-0F5B994DD12C}"/>
+                <a16:creationId xmlns:a16="http://schemas.microsoft.com/office/drawing/2014/main" xmlns="" id="{EA756F38-2AA8-4B2C-8487-0F5B994DD12C}"/>
               </a:ext>
             </a:extLst>
           </p:cNvPr>
@@ -4709,7 +4709,7 @@
           <p:cNvPr id="2" name="Straight Connector 1">
             <a:extLst>
               <a:ext uri="{FF2B5EF4-FFF2-40B4-BE49-F238E27FC236}">
-                <a16:creationId xmlns:a16="http://schemas.microsoft.com/office/drawing/2014/main" id="{EE905CE2-8908-4191-AD04-9750412658A3}"/>
+                <a16:creationId xmlns:a16="http://schemas.microsoft.com/office/drawing/2014/main" xmlns="" id="{EE905CE2-8908-4191-AD04-9750412658A3}"/>
               </a:ext>
             </a:extLst>
           </p:cNvPr>
@@ -4750,7 +4750,7 @@
           <p:cNvPr id="3" name="TextBox 2">
             <a:extLst>
               <a:ext uri="{FF2B5EF4-FFF2-40B4-BE49-F238E27FC236}">
-                <a16:creationId xmlns:a16="http://schemas.microsoft.com/office/drawing/2014/main" id="{C643D531-7E8B-4760-8A5A-4C20FE94E1D0}"/>
+                <a16:creationId xmlns:a16="http://schemas.microsoft.com/office/drawing/2014/main" xmlns="" id="{C643D531-7E8B-4760-8A5A-4C20FE94E1D0}"/>
               </a:ext>
             </a:extLst>
           </p:cNvPr>
@@ -4788,7 +4788,7 @@
           <p:cNvPr id="8" name="Group 7">
             <a:extLst>
               <a:ext uri="{FF2B5EF4-FFF2-40B4-BE49-F238E27FC236}">
-                <a16:creationId xmlns:a16="http://schemas.microsoft.com/office/drawing/2014/main" id="{D56D44EB-9B4A-4942-BA2D-21CC24E1630F}"/>
+                <a16:creationId xmlns:a16="http://schemas.microsoft.com/office/drawing/2014/main" xmlns="" id="{D56D44EB-9B4A-4942-BA2D-21CC24E1630F}"/>
               </a:ext>
             </a:extLst>
           </p:cNvPr>
@@ -4808,7 +4808,7 @@
             <p:cNvPr id="5" name="Picture 4" descr="Graphical user interface, application&#10;&#10;Description automatically generated">
               <a:extLst>
                 <a:ext uri="{FF2B5EF4-FFF2-40B4-BE49-F238E27FC236}">
-                  <a16:creationId xmlns:a16="http://schemas.microsoft.com/office/drawing/2014/main" id="{199DE427-4248-4E0B-905E-17DCC5355BC3}"/>
+                  <a16:creationId xmlns:a16="http://schemas.microsoft.com/office/drawing/2014/main" xmlns="" id="{199DE427-4248-4E0B-905E-17DCC5355BC3}"/>
                 </a:ext>
               </a:extLst>
             </p:cNvPr>
@@ -4843,7 +4843,7 @@
             <p:cNvPr id="7" name="Picture 6" descr="Text&#10;&#10;Description automatically generated">
               <a:extLst>
                 <a:ext uri="{FF2B5EF4-FFF2-40B4-BE49-F238E27FC236}">
-                  <a16:creationId xmlns:a16="http://schemas.microsoft.com/office/drawing/2014/main" id="{2CC1C528-A443-4FAB-938F-D72C1CC041BF}"/>
+                  <a16:creationId xmlns:a16="http://schemas.microsoft.com/office/drawing/2014/main" xmlns="" id="{2CC1C528-A443-4FAB-938F-D72C1CC041BF}"/>
                 </a:ext>
               </a:extLst>
             </p:cNvPr>
@@ -4880,7 +4880,7 @@
           <p:cNvPr id="9" name="Rectangle 8">
             <a:extLst>
               <a:ext uri="{FF2B5EF4-FFF2-40B4-BE49-F238E27FC236}">
-                <a16:creationId xmlns:a16="http://schemas.microsoft.com/office/drawing/2014/main" id="{F99468AA-2A75-4214-862D-2CA3304F500A}"/>
+                <a16:creationId xmlns:a16="http://schemas.microsoft.com/office/drawing/2014/main" xmlns="" id="{F99468AA-2A75-4214-862D-2CA3304F500A}"/>
               </a:ext>
             </a:extLst>
           </p:cNvPr>
@@ -4932,7 +4932,7 @@
           <p:cNvPr id="10" name="TextBox 9">
             <a:extLst>
               <a:ext uri="{FF2B5EF4-FFF2-40B4-BE49-F238E27FC236}">
-                <a16:creationId xmlns:a16="http://schemas.microsoft.com/office/drawing/2014/main" id="{4329DCDD-E468-44B0-AB84-11ED123E245F}"/>
+                <a16:creationId xmlns:a16="http://schemas.microsoft.com/office/drawing/2014/main" xmlns="" id="{4329DCDD-E468-44B0-AB84-11ED123E245F}"/>
               </a:ext>
             </a:extLst>
           </p:cNvPr>
@@ -4970,7 +4970,7 @@
           <p:cNvPr id="4" name="Slide Number Placeholder 3">
             <a:extLst>
               <a:ext uri="{FF2B5EF4-FFF2-40B4-BE49-F238E27FC236}">
-                <a16:creationId xmlns:a16="http://schemas.microsoft.com/office/drawing/2014/main" id="{B19A1528-7935-4AAB-97B3-DE91F973F836}"/>
+                <a16:creationId xmlns:a16="http://schemas.microsoft.com/office/drawing/2014/main" xmlns="" id="{B19A1528-7935-4AAB-97B3-DE91F973F836}"/>
               </a:ext>
             </a:extLst>
           </p:cNvPr>
@@ -5029,7 +5029,7 @@
           <p:cNvPr id="28" name="Straight Connector 27">
             <a:extLst>
               <a:ext uri="{FF2B5EF4-FFF2-40B4-BE49-F238E27FC236}">
-                <a16:creationId xmlns:a16="http://schemas.microsoft.com/office/drawing/2014/main" id="{5BC01C7A-1442-4981-9CA7-DBED2A4FA907}"/>
+                <a16:creationId xmlns:a16="http://schemas.microsoft.com/office/drawing/2014/main" xmlns="" id="{5BC01C7A-1442-4981-9CA7-DBED2A4FA907}"/>
               </a:ext>
             </a:extLst>
           </p:cNvPr>
@@ -5070,7 +5070,7 @@
           <p:cNvPr id="29" name="TextBox 28">
             <a:extLst>
               <a:ext uri="{FF2B5EF4-FFF2-40B4-BE49-F238E27FC236}">
-                <a16:creationId xmlns:a16="http://schemas.microsoft.com/office/drawing/2014/main" id="{FD8A799C-BE52-4998-90B7-F7B21AE43B0E}"/>
+                <a16:creationId xmlns:a16="http://schemas.microsoft.com/office/drawing/2014/main" xmlns="" id="{FD8A799C-BE52-4998-90B7-F7B21AE43B0E}"/>
               </a:ext>
             </a:extLst>
           </p:cNvPr>
@@ -5108,7 +5108,7 @@
           <p:cNvPr id="8" name="Rectangle: Rounded Corners 7">
             <a:extLst>
               <a:ext uri="{FF2B5EF4-FFF2-40B4-BE49-F238E27FC236}">
-                <a16:creationId xmlns:a16="http://schemas.microsoft.com/office/drawing/2014/main" id="{F4435332-69FC-4D75-B3A6-EA7EB1DA13F2}"/>
+                <a16:creationId xmlns:a16="http://schemas.microsoft.com/office/drawing/2014/main" xmlns="" id="{F4435332-69FC-4D75-B3A6-EA7EB1DA13F2}"/>
               </a:ext>
             </a:extLst>
           </p:cNvPr>
@@ -5183,7 +5183,7 @@
           <p:cNvPr id="9" name="Rectangle: Rounded Corners 8">
             <a:extLst>
               <a:ext uri="{FF2B5EF4-FFF2-40B4-BE49-F238E27FC236}">
-                <a16:creationId xmlns:a16="http://schemas.microsoft.com/office/drawing/2014/main" id="{1F7799C2-40DE-491E-922C-E05F43B64704}"/>
+                <a16:creationId xmlns:a16="http://schemas.microsoft.com/office/drawing/2014/main" xmlns="" id="{1F7799C2-40DE-491E-922C-E05F43B64704}"/>
               </a:ext>
             </a:extLst>
           </p:cNvPr>
@@ -5258,7 +5258,7 @@
           <p:cNvPr id="10" name="Rectangle: Rounded Corners 9">
             <a:extLst>
               <a:ext uri="{FF2B5EF4-FFF2-40B4-BE49-F238E27FC236}">
-                <a16:creationId xmlns:a16="http://schemas.microsoft.com/office/drawing/2014/main" id="{C41A0105-3D0A-41A6-979A-05BB97B6C5C7}"/>
+                <a16:creationId xmlns:a16="http://schemas.microsoft.com/office/drawing/2014/main" xmlns="" id="{C41A0105-3D0A-41A6-979A-05BB97B6C5C7}"/>
               </a:ext>
             </a:extLst>
           </p:cNvPr>
@@ -5333,7 +5333,7 @@
           <p:cNvPr id="11" name="Rectangle: Rounded Corners 10">
             <a:extLst>
               <a:ext uri="{FF2B5EF4-FFF2-40B4-BE49-F238E27FC236}">
-                <a16:creationId xmlns:a16="http://schemas.microsoft.com/office/drawing/2014/main" id="{61A8BB1B-DF19-4230-B91C-FA1B01C9D034}"/>
+                <a16:creationId xmlns:a16="http://schemas.microsoft.com/office/drawing/2014/main" xmlns="" id="{61A8BB1B-DF19-4230-B91C-FA1B01C9D034}"/>
               </a:ext>
             </a:extLst>
           </p:cNvPr>
@@ -5408,7 +5408,7 @@
           <p:cNvPr id="12" name="Rectangle: Rounded Corners 11">
             <a:extLst>
               <a:ext uri="{FF2B5EF4-FFF2-40B4-BE49-F238E27FC236}">
-                <a16:creationId xmlns:a16="http://schemas.microsoft.com/office/drawing/2014/main" id="{C9762CBF-3494-4AB6-8F84-63E4F89FFE81}"/>
+                <a16:creationId xmlns:a16="http://schemas.microsoft.com/office/drawing/2014/main" xmlns="" id="{C9762CBF-3494-4AB6-8F84-63E4F89FFE81}"/>
               </a:ext>
             </a:extLst>
           </p:cNvPr>
@@ -5483,7 +5483,7 @@
           <p:cNvPr id="13" name="Rectangle: Rounded Corners 12">
             <a:extLst>
               <a:ext uri="{FF2B5EF4-FFF2-40B4-BE49-F238E27FC236}">
-                <a16:creationId xmlns:a16="http://schemas.microsoft.com/office/drawing/2014/main" id="{0AD5A17F-D6F5-4898-90E7-32F83AD408E4}"/>
+                <a16:creationId xmlns:a16="http://schemas.microsoft.com/office/drawing/2014/main" xmlns="" id="{0AD5A17F-D6F5-4898-90E7-32F83AD408E4}"/>
               </a:ext>
             </a:extLst>
           </p:cNvPr>
@@ -5558,7 +5558,7 @@
           <p:cNvPr id="14" name="Rectangle: Rounded Corners 13">
             <a:extLst>
               <a:ext uri="{FF2B5EF4-FFF2-40B4-BE49-F238E27FC236}">
-                <a16:creationId xmlns:a16="http://schemas.microsoft.com/office/drawing/2014/main" id="{427388F0-F1BF-49F1-AB90-BF4F855265CB}"/>
+                <a16:creationId xmlns:a16="http://schemas.microsoft.com/office/drawing/2014/main" xmlns="" id="{427388F0-F1BF-49F1-AB90-BF4F855265CB}"/>
               </a:ext>
             </a:extLst>
           </p:cNvPr>
@@ -5633,7 +5633,7 @@
           <p:cNvPr id="15" name="Rectangle: Rounded Corners 14">
             <a:extLst>
               <a:ext uri="{FF2B5EF4-FFF2-40B4-BE49-F238E27FC236}">
-                <a16:creationId xmlns:a16="http://schemas.microsoft.com/office/drawing/2014/main" id="{F4F36732-5BAB-40B0-8F96-050D67939387}"/>
+                <a16:creationId xmlns:a16="http://schemas.microsoft.com/office/drawing/2014/main" xmlns="" id="{F4F36732-5BAB-40B0-8F96-050D67939387}"/>
               </a:ext>
             </a:extLst>
           </p:cNvPr>
@@ -5708,7 +5708,7 @@
           <p:cNvPr id="16" name="Rectangle: Rounded Corners 15">
             <a:extLst>
               <a:ext uri="{FF2B5EF4-FFF2-40B4-BE49-F238E27FC236}">
-                <a16:creationId xmlns:a16="http://schemas.microsoft.com/office/drawing/2014/main" id="{CA09CD9D-372F-45B5-B665-D4CC658FCC48}"/>
+                <a16:creationId xmlns:a16="http://schemas.microsoft.com/office/drawing/2014/main" xmlns="" id="{CA09CD9D-372F-45B5-B665-D4CC658FCC48}"/>
               </a:ext>
             </a:extLst>
           </p:cNvPr>
@@ -5774,7 +5774,7 @@
           <p:cNvPr id="17" name="Rectangle: Rounded Corners 16">
             <a:extLst>
               <a:ext uri="{FF2B5EF4-FFF2-40B4-BE49-F238E27FC236}">
-                <a16:creationId xmlns:a16="http://schemas.microsoft.com/office/drawing/2014/main" id="{4D38B512-7E7D-4A61-8C38-D1BF4269173E}"/>
+                <a16:creationId xmlns:a16="http://schemas.microsoft.com/office/drawing/2014/main" xmlns="" id="{4D38B512-7E7D-4A61-8C38-D1BF4269173E}"/>
               </a:ext>
             </a:extLst>
           </p:cNvPr>
@@ -5840,7 +5840,7 @@
           <p:cNvPr id="18" name="Rectangle: Rounded Corners 17">
             <a:extLst>
               <a:ext uri="{FF2B5EF4-FFF2-40B4-BE49-F238E27FC236}">
-                <a16:creationId xmlns:a16="http://schemas.microsoft.com/office/drawing/2014/main" id="{4077607C-E917-47B5-B2B0-FE2CD453C596}"/>
+                <a16:creationId xmlns:a16="http://schemas.microsoft.com/office/drawing/2014/main" xmlns="" id="{4077607C-E917-47B5-B2B0-FE2CD453C596}"/>
               </a:ext>
             </a:extLst>
           </p:cNvPr>
@@ -5906,7 +5906,7 @@
           <p:cNvPr id="19" name="Rectangle: Rounded Corners 18">
             <a:extLst>
               <a:ext uri="{FF2B5EF4-FFF2-40B4-BE49-F238E27FC236}">
-                <a16:creationId xmlns:a16="http://schemas.microsoft.com/office/drawing/2014/main" id="{61F80F85-6FCC-413C-8C38-5A0E48E467F7}"/>
+                <a16:creationId xmlns:a16="http://schemas.microsoft.com/office/drawing/2014/main" xmlns="" id="{61F80F85-6FCC-413C-8C38-5A0E48E467F7}"/>
               </a:ext>
             </a:extLst>
           </p:cNvPr>
@@ -5972,7 +5972,7 @@
           <p:cNvPr id="20" name="Rectangle: Rounded Corners 19">
             <a:extLst>
               <a:ext uri="{FF2B5EF4-FFF2-40B4-BE49-F238E27FC236}">
-                <a16:creationId xmlns:a16="http://schemas.microsoft.com/office/drawing/2014/main" id="{CBB470BF-A936-4D60-B1A2-03A93D25CD47}"/>
+                <a16:creationId xmlns:a16="http://schemas.microsoft.com/office/drawing/2014/main" xmlns="" id="{CBB470BF-A936-4D60-B1A2-03A93D25CD47}"/>
               </a:ext>
             </a:extLst>
           </p:cNvPr>
@@ -6038,7 +6038,7 @@
           <p:cNvPr id="21" name="Rectangle: Rounded Corners 20">
             <a:extLst>
               <a:ext uri="{FF2B5EF4-FFF2-40B4-BE49-F238E27FC236}">
-                <a16:creationId xmlns:a16="http://schemas.microsoft.com/office/drawing/2014/main" id="{F76D9321-06A5-4A29-A115-ADE0DFF6AADD}"/>
+                <a16:creationId xmlns:a16="http://schemas.microsoft.com/office/drawing/2014/main" xmlns="" id="{F76D9321-06A5-4A29-A115-ADE0DFF6AADD}"/>
               </a:ext>
             </a:extLst>
           </p:cNvPr>
@@ -6104,7 +6104,7 @@
           <p:cNvPr id="22" name="Rectangle: Rounded Corners 21">
             <a:extLst>
               <a:ext uri="{FF2B5EF4-FFF2-40B4-BE49-F238E27FC236}">
-                <a16:creationId xmlns:a16="http://schemas.microsoft.com/office/drawing/2014/main" id="{D48F64A5-A45D-4254-B2D2-4763B59951C3}"/>
+                <a16:creationId xmlns:a16="http://schemas.microsoft.com/office/drawing/2014/main" xmlns="" id="{D48F64A5-A45D-4254-B2D2-4763B59951C3}"/>
               </a:ext>
             </a:extLst>
           </p:cNvPr>
@@ -6170,7 +6170,7 @@
           <p:cNvPr id="23" name="Rectangle: Rounded Corners 22">
             <a:extLst>
               <a:ext uri="{FF2B5EF4-FFF2-40B4-BE49-F238E27FC236}">
-                <a16:creationId xmlns:a16="http://schemas.microsoft.com/office/drawing/2014/main" id="{1F8CE15E-2EC7-419B-9B10-0944E4E7BB64}"/>
+                <a16:creationId xmlns:a16="http://schemas.microsoft.com/office/drawing/2014/main" xmlns="" id="{1F8CE15E-2EC7-419B-9B10-0944E4E7BB64}"/>
               </a:ext>
             </a:extLst>
           </p:cNvPr>
@@ -6236,7 +6236,7 @@
           <p:cNvPr id="24" name="TextBox 23">
             <a:extLst>
               <a:ext uri="{FF2B5EF4-FFF2-40B4-BE49-F238E27FC236}">
-                <a16:creationId xmlns:a16="http://schemas.microsoft.com/office/drawing/2014/main" id="{1D72480D-C09C-42F2-AF4C-B3877C177CC3}"/>
+                <a16:creationId xmlns:a16="http://schemas.microsoft.com/office/drawing/2014/main" xmlns="" id="{1D72480D-C09C-42F2-AF4C-B3877C177CC3}"/>
               </a:ext>
             </a:extLst>
           </p:cNvPr>
@@ -6310,7 +6310,7 @@
           <p:cNvPr id="25" name="TextBox 24">
             <a:extLst>
               <a:ext uri="{FF2B5EF4-FFF2-40B4-BE49-F238E27FC236}">
-                <a16:creationId xmlns:a16="http://schemas.microsoft.com/office/drawing/2014/main" id="{26160063-FD4F-4FF6-B323-B31EE539258B}"/>
+                <a16:creationId xmlns:a16="http://schemas.microsoft.com/office/drawing/2014/main" xmlns="" id="{26160063-FD4F-4FF6-B323-B31EE539258B}"/>
               </a:ext>
             </a:extLst>
           </p:cNvPr>
@@ -6384,7 +6384,7 @@
           <p:cNvPr id="26" name="TextBox 25">
             <a:extLst>
               <a:ext uri="{FF2B5EF4-FFF2-40B4-BE49-F238E27FC236}">
-                <a16:creationId xmlns:a16="http://schemas.microsoft.com/office/drawing/2014/main" id="{A8BA53C5-77CF-4DDD-8C5C-056D334E73EE}"/>
+                <a16:creationId xmlns:a16="http://schemas.microsoft.com/office/drawing/2014/main" xmlns="" id="{A8BA53C5-77CF-4DDD-8C5C-056D334E73EE}"/>
               </a:ext>
             </a:extLst>
           </p:cNvPr>
@@ -6458,7 +6458,7 @@
           <p:cNvPr id="27" name="TextBox 26">
             <a:extLst>
               <a:ext uri="{FF2B5EF4-FFF2-40B4-BE49-F238E27FC236}">
-                <a16:creationId xmlns:a16="http://schemas.microsoft.com/office/drawing/2014/main" id="{73233433-E353-4C36-A84A-DA39FC0FE1EE}"/>
+                <a16:creationId xmlns:a16="http://schemas.microsoft.com/office/drawing/2014/main" xmlns="" id="{73233433-E353-4C36-A84A-DA39FC0FE1EE}"/>
               </a:ext>
             </a:extLst>
           </p:cNvPr>
@@ -6532,7 +6532,7 @@
           <p:cNvPr id="4" name="TextBox 3">
             <a:extLst>
               <a:ext uri="{FF2B5EF4-FFF2-40B4-BE49-F238E27FC236}">
-                <a16:creationId xmlns:a16="http://schemas.microsoft.com/office/drawing/2014/main" id="{A2AD06CB-AC0F-4628-A6C5-065165D1D398}"/>
+                <a16:creationId xmlns:a16="http://schemas.microsoft.com/office/drawing/2014/main" xmlns="" id="{A2AD06CB-AC0F-4628-A6C5-065165D1D398}"/>
               </a:ext>
             </a:extLst>
           </p:cNvPr>
@@ -6597,7 +6597,7 @@
           <p:cNvPr id="5" name="TextBox 4">
             <a:extLst>
               <a:ext uri="{FF2B5EF4-FFF2-40B4-BE49-F238E27FC236}">
-                <a16:creationId xmlns:a16="http://schemas.microsoft.com/office/drawing/2014/main" id="{29DD3659-D9E9-4D4E-B5B3-94B67A848518}"/>
+                <a16:creationId xmlns:a16="http://schemas.microsoft.com/office/drawing/2014/main" xmlns="" id="{29DD3659-D9E9-4D4E-B5B3-94B67A848518}"/>
               </a:ext>
             </a:extLst>
           </p:cNvPr>
@@ -6662,7 +6662,7 @@
           <p:cNvPr id="6" name="TextBox 5">
             <a:extLst>
               <a:ext uri="{FF2B5EF4-FFF2-40B4-BE49-F238E27FC236}">
-                <a16:creationId xmlns:a16="http://schemas.microsoft.com/office/drawing/2014/main" id="{46FFF08C-A00A-452C-9FB5-897F0F9C2026}"/>
+                <a16:creationId xmlns:a16="http://schemas.microsoft.com/office/drawing/2014/main" xmlns="" id="{46FFF08C-A00A-452C-9FB5-897F0F9C2026}"/>
               </a:ext>
             </a:extLst>
           </p:cNvPr>
@@ -6727,7 +6727,7 @@
           <p:cNvPr id="7" name="TextBox 6">
             <a:extLst>
               <a:ext uri="{FF2B5EF4-FFF2-40B4-BE49-F238E27FC236}">
-                <a16:creationId xmlns:a16="http://schemas.microsoft.com/office/drawing/2014/main" id="{DC8BF421-EC0E-41F0-A810-54D65394FB44}"/>
+                <a16:creationId xmlns:a16="http://schemas.microsoft.com/office/drawing/2014/main" xmlns="" id="{DC8BF421-EC0E-41F0-A810-54D65394FB44}"/>
               </a:ext>
             </a:extLst>
           </p:cNvPr>
@@ -6792,7 +6792,7 @@
           <p:cNvPr id="30" name="Rectangle: Rounded Corners 29">
             <a:extLst>
               <a:ext uri="{FF2B5EF4-FFF2-40B4-BE49-F238E27FC236}">
-                <a16:creationId xmlns:a16="http://schemas.microsoft.com/office/drawing/2014/main" id="{622FED8A-6710-405A-8EEB-2B9A71D48CA2}"/>
+                <a16:creationId xmlns:a16="http://schemas.microsoft.com/office/drawing/2014/main" xmlns="" id="{622FED8A-6710-405A-8EEB-2B9A71D48CA2}"/>
               </a:ext>
             </a:extLst>
           </p:cNvPr>
@@ -6867,7 +6867,7 @@
           <p:cNvPr id="31" name="Rectangle: Rounded Corners 30">
             <a:extLst>
               <a:ext uri="{FF2B5EF4-FFF2-40B4-BE49-F238E27FC236}">
-                <a16:creationId xmlns:a16="http://schemas.microsoft.com/office/drawing/2014/main" id="{2F6E0BC0-0AC7-4652-BBFE-A2212A73586F}"/>
+                <a16:creationId xmlns:a16="http://schemas.microsoft.com/office/drawing/2014/main" xmlns="" id="{2F6E0BC0-0AC7-4652-BBFE-A2212A73586F}"/>
               </a:ext>
             </a:extLst>
           </p:cNvPr>
@@ -6933,7 +6933,7 @@
           <p:cNvPr id="32" name="TextBox 31">
             <a:extLst>
               <a:ext uri="{FF2B5EF4-FFF2-40B4-BE49-F238E27FC236}">
-                <a16:creationId xmlns:a16="http://schemas.microsoft.com/office/drawing/2014/main" id="{B1DE1F40-72F3-4FC9-B30F-3F4DAF6BCD28}"/>
+                <a16:creationId xmlns:a16="http://schemas.microsoft.com/office/drawing/2014/main" xmlns="" id="{B1DE1F40-72F3-4FC9-B30F-3F4DAF6BCD28}"/>
               </a:ext>
             </a:extLst>
           </p:cNvPr>
@@ -6998,7 +6998,7 @@
           <p:cNvPr id="33" name="TextBox 32">
             <a:extLst>
               <a:ext uri="{FF2B5EF4-FFF2-40B4-BE49-F238E27FC236}">
-                <a16:creationId xmlns:a16="http://schemas.microsoft.com/office/drawing/2014/main" id="{32AE6A30-CBC8-40DD-926E-59B6772158B8}"/>
+                <a16:creationId xmlns:a16="http://schemas.microsoft.com/office/drawing/2014/main" xmlns="" id="{32AE6A30-CBC8-40DD-926E-59B6772158B8}"/>
               </a:ext>
             </a:extLst>
           </p:cNvPr>
@@ -7036,7 +7036,7 @@
           <p:cNvPr id="2" name="Slide Number Placeholder 1">
             <a:extLst>
               <a:ext uri="{FF2B5EF4-FFF2-40B4-BE49-F238E27FC236}">
-                <a16:creationId xmlns:a16="http://schemas.microsoft.com/office/drawing/2014/main" id="{EF0BF336-CECD-4FAA-8B1B-CF4D637F14FA}"/>
+                <a16:creationId xmlns:a16="http://schemas.microsoft.com/office/drawing/2014/main" xmlns="" id="{EF0BF336-CECD-4FAA-8B1B-CF4D637F14FA}"/>
               </a:ext>
             </a:extLst>
           </p:cNvPr>
@@ -7095,7 +7095,7 @@
           <p:cNvPr id="2" name="Straight Connector 1">
             <a:extLst>
               <a:ext uri="{FF2B5EF4-FFF2-40B4-BE49-F238E27FC236}">
-                <a16:creationId xmlns:a16="http://schemas.microsoft.com/office/drawing/2014/main" id="{F82B0979-8F33-444A-9C6B-3767B20E23F2}"/>
+                <a16:creationId xmlns:a16="http://schemas.microsoft.com/office/drawing/2014/main" xmlns="" id="{F82B0979-8F33-444A-9C6B-3767B20E23F2}"/>
               </a:ext>
             </a:extLst>
           </p:cNvPr>
@@ -7136,7 +7136,7 @@
           <p:cNvPr id="3" name="TextBox 2">
             <a:extLst>
               <a:ext uri="{FF2B5EF4-FFF2-40B4-BE49-F238E27FC236}">
-                <a16:creationId xmlns:a16="http://schemas.microsoft.com/office/drawing/2014/main" id="{67AA1C79-2CF3-476C-836F-80765D49F55E}"/>
+                <a16:creationId xmlns:a16="http://schemas.microsoft.com/office/drawing/2014/main" xmlns="" id="{67AA1C79-2CF3-476C-836F-80765D49F55E}"/>
               </a:ext>
             </a:extLst>
           </p:cNvPr>
@@ -7174,7 +7174,7 @@
           <p:cNvPr id="6" name="TextBox 5">
             <a:extLst>
               <a:ext uri="{FF2B5EF4-FFF2-40B4-BE49-F238E27FC236}">
-                <a16:creationId xmlns:a16="http://schemas.microsoft.com/office/drawing/2014/main" id="{B9C90B26-26D1-4A0B-B0EF-18BEADE378C9}"/>
+                <a16:creationId xmlns:a16="http://schemas.microsoft.com/office/drawing/2014/main" xmlns="" id="{B9C90B26-26D1-4A0B-B0EF-18BEADE378C9}"/>
               </a:ext>
             </a:extLst>
           </p:cNvPr>
@@ -7212,7 +7212,7 @@
           <p:cNvPr id="4" name="Slide Number Placeholder 3">
             <a:extLst>
               <a:ext uri="{FF2B5EF4-FFF2-40B4-BE49-F238E27FC236}">
-                <a16:creationId xmlns:a16="http://schemas.microsoft.com/office/drawing/2014/main" id="{0CDFE87B-81B9-498F-80EF-80914176D35F}"/>
+                <a16:creationId xmlns:a16="http://schemas.microsoft.com/office/drawing/2014/main" xmlns="" id="{0CDFE87B-81B9-498F-80EF-80914176D35F}"/>
               </a:ext>
             </a:extLst>
           </p:cNvPr>
@@ -7241,7 +7241,7 @@
           <p:cNvPr id="9" name="Picture 8" descr="Table&#10;&#10;Description automatically generated">
             <a:extLst>
               <a:ext uri="{FF2B5EF4-FFF2-40B4-BE49-F238E27FC236}">
-                <a16:creationId xmlns:a16="http://schemas.microsoft.com/office/drawing/2014/main" id="{84AC1F2F-C0E4-4280-9468-2DD5A4E649DD}"/>
+                <a16:creationId xmlns:a16="http://schemas.microsoft.com/office/drawing/2014/main" xmlns="" id="{84AC1F2F-C0E4-4280-9468-2DD5A4E649DD}"/>
               </a:ext>
             </a:extLst>
           </p:cNvPr>
@@ -7312,7 +7312,7 @@
           <p:cNvPr id="2" name="Straight Connector 1">
             <a:extLst>
               <a:ext uri="{FF2B5EF4-FFF2-40B4-BE49-F238E27FC236}">
-                <a16:creationId xmlns:a16="http://schemas.microsoft.com/office/drawing/2014/main" id="{F82B0979-8F33-444A-9C6B-3767B20E23F2}"/>
+                <a16:creationId xmlns:a16="http://schemas.microsoft.com/office/drawing/2014/main" xmlns="" id="{F82B0979-8F33-444A-9C6B-3767B20E23F2}"/>
               </a:ext>
             </a:extLst>
           </p:cNvPr>
@@ -7353,7 +7353,7 @@
           <p:cNvPr id="3" name="TextBox 2">
             <a:extLst>
               <a:ext uri="{FF2B5EF4-FFF2-40B4-BE49-F238E27FC236}">
-                <a16:creationId xmlns:a16="http://schemas.microsoft.com/office/drawing/2014/main" id="{67AA1C79-2CF3-476C-836F-80765D49F55E}"/>
+                <a16:creationId xmlns:a16="http://schemas.microsoft.com/office/drawing/2014/main" xmlns="" id="{67AA1C79-2CF3-476C-836F-80765D49F55E}"/>
               </a:ext>
             </a:extLst>
           </p:cNvPr>
@@ -7391,7 +7391,7 @@
           <p:cNvPr id="6" name="TextBox 5">
             <a:extLst>
               <a:ext uri="{FF2B5EF4-FFF2-40B4-BE49-F238E27FC236}">
-                <a16:creationId xmlns:a16="http://schemas.microsoft.com/office/drawing/2014/main" id="{B9C90B26-26D1-4A0B-B0EF-18BEADE378C9}"/>
+                <a16:creationId xmlns:a16="http://schemas.microsoft.com/office/drawing/2014/main" xmlns="" id="{B9C90B26-26D1-4A0B-B0EF-18BEADE378C9}"/>
               </a:ext>
             </a:extLst>
           </p:cNvPr>
@@ -7429,7 +7429,7 @@
           <p:cNvPr id="4" name="Slide Number Placeholder 3">
             <a:extLst>
               <a:ext uri="{FF2B5EF4-FFF2-40B4-BE49-F238E27FC236}">
-                <a16:creationId xmlns:a16="http://schemas.microsoft.com/office/drawing/2014/main" id="{0CDFE87B-81B9-498F-80EF-80914176D35F}"/>
+                <a16:creationId xmlns:a16="http://schemas.microsoft.com/office/drawing/2014/main" xmlns="" id="{0CDFE87B-81B9-498F-80EF-80914176D35F}"/>
               </a:ext>
             </a:extLst>
           </p:cNvPr>
@@ -7458,7 +7458,7 @@
           <p:cNvPr id="7" name="Picture 6" descr="Table&#10;&#10;Description automatically generated">
             <a:extLst>
               <a:ext uri="{FF2B5EF4-FFF2-40B4-BE49-F238E27FC236}">
-                <a16:creationId xmlns:a16="http://schemas.microsoft.com/office/drawing/2014/main" id="{9DD9B50A-DED5-4C32-B52B-E3F2AF5D8F54}"/>
+                <a16:creationId xmlns:a16="http://schemas.microsoft.com/office/drawing/2014/main" xmlns="" id="{9DD9B50A-DED5-4C32-B52B-E3F2AF5D8F54}"/>
               </a:ext>
             </a:extLst>
           </p:cNvPr>
@@ -7499,7 +7499,7 @@
           <p:cNvPr id="8" name="TextBox 7">
             <a:extLst>
               <a:ext uri="{FF2B5EF4-FFF2-40B4-BE49-F238E27FC236}">
-                <a16:creationId xmlns:a16="http://schemas.microsoft.com/office/drawing/2014/main" id="{58845CCA-6EB8-4496-8A91-02AA9F8BB290}"/>
+                <a16:creationId xmlns:a16="http://schemas.microsoft.com/office/drawing/2014/main" xmlns="" id="{58845CCA-6EB8-4496-8A91-02AA9F8BB290}"/>
               </a:ext>
             </a:extLst>
           </p:cNvPr>
@@ -7550,7 +7550,7 @@
           <p:cNvPr id="11" name="TextBox 10">
             <a:extLst>
               <a:ext uri="{FF2B5EF4-FFF2-40B4-BE49-F238E27FC236}">
-                <a16:creationId xmlns:a16="http://schemas.microsoft.com/office/drawing/2014/main" id="{352E3E7A-EA3F-4053-90BE-D6ACDC61A9E9}"/>
+                <a16:creationId xmlns:a16="http://schemas.microsoft.com/office/drawing/2014/main" xmlns="" id="{352E3E7A-EA3F-4053-90BE-D6ACDC61A9E9}"/>
               </a:ext>
             </a:extLst>
           </p:cNvPr>
@@ -7601,7 +7601,7 @@
           <p:cNvPr id="12" name="Arrow: Left-Right 11">
             <a:extLst>
               <a:ext uri="{FF2B5EF4-FFF2-40B4-BE49-F238E27FC236}">
-                <a16:creationId xmlns:a16="http://schemas.microsoft.com/office/drawing/2014/main" id="{D7F7A215-119C-4C1C-82C0-2CADBD6A06B3}"/>
+                <a16:creationId xmlns:a16="http://schemas.microsoft.com/office/drawing/2014/main" xmlns="" id="{D7F7A215-119C-4C1C-82C0-2CADBD6A06B3}"/>
               </a:ext>
             </a:extLst>
           </p:cNvPr>
@@ -7694,7 +7694,7 @@
           <p:cNvPr id="2" name="Straight Connector 1">
             <a:extLst>
               <a:ext uri="{FF2B5EF4-FFF2-40B4-BE49-F238E27FC236}">
-                <a16:creationId xmlns:a16="http://schemas.microsoft.com/office/drawing/2014/main" id="{BC4339F9-A066-45CD-91C6-61FED21D3027}"/>
+                <a16:creationId xmlns:a16="http://schemas.microsoft.com/office/drawing/2014/main" xmlns="" id="{BC4339F9-A066-45CD-91C6-61FED21D3027}"/>
               </a:ext>
             </a:extLst>
           </p:cNvPr>
@@ -7735,7 +7735,7 @@
           <p:cNvPr id="3" name="TextBox 2">
             <a:extLst>
               <a:ext uri="{FF2B5EF4-FFF2-40B4-BE49-F238E27FC236}">
-                <a16:creationId xmlns:a16="http://schemas.microsoft.com/office/drawing/2014/main" id="{4F839CDC-E463-4502-8748-827AE781F905}"/>
+                <a16:creationId xmlns:a16="http://schemas.microsoft.com/office/drawing/2014/main" xmlns="" id="{4F839CDC-E463-4502-8748-827AE781F905}"/>
               </a:ext>
             </a:extLst>
           </p:cNvPr>
@@ -7773,7 +7773,7 @@
           <p:cNvPr id="5" name="Picture 4" descr="Table&#10;&#10;Description automatically generated">
             <a:extLst>
               <a:ext uri="{FF2B5EF4-FFF2-40B4-BE49-F238E27FC236}">
-                <a16:creationId xmlns:a16="http://schemas.microsoft.com/office/drawing/2014/main" id="{640A3E40-8F3E-4807-9775-C228686663F6}"/>
+                <a16:creationId xmlns:a16="http://schemas.microsoft.com/office/drawing/2014/main" xmlns="" id="{640A3E40-8F3E-4807-9775-C228686663F6}"/>
               </a:ext>
             </a:extLst>
           </p:cNvPr>
@@ -7814,7 +7814,7 @@
           <p:cNvPr id="6" name="Picture 5">
             <a:extLst>
               <a:ext uri="{FF2B5EF4-FFF2-40B4-BE49-F238E27FC236}">
-                <a16:creationId xmlns:a16="http://schemas.microsoft.com/office/drawing/2014/main" id="{F64BF678-CF07-4709-9518-07C5ADDD0440}"/>
+                <a16:creationId xmlns:a16="http://schemas.microsoft.com/office/drawing/2014/main" xmlns="" id="{F64BF678-CF07-4709-9518-07C5ADDD0440}"/>
               </a:ext>
             </a:extLst>
           </p:cNvPr>
@@ -7844,7 +7844,7 @@
           <p:cNvPr id="7" name="TextBox 6">
             <a:extLst>
               <a:ext uri="{FF2B5EF4-FFF2-40B4-BE49-F238E27FC236}">
-                <a16:creationId xmlns:a16="http://schemas.microsoft.com/office/drawing/2014/main" id="{4C46B3BD-A19D-4612-B241-47533C1396B3}"/>
+                <a16:creationId xmlns:a16="http://schemas.microsoft.com/office/drawing/2014/main" xmlns="" id="{4C46B3BD-A19D-4612-B241-47533C1396B3}"/>
               </a:ext>
             </a:extLst>
           </p:cNvPr>
@@ -7884,7 +7884,7 @@
           <p:cNvPr id="10" name="Straight Arrow Connector 9">
             <a:extLst>
               <a:ext uri="{FF2B5EF4-FFF2-40B4-BE49-F238E27FC236}">
-                <a16:creationId xmlns:a16="http://schemas.microsoft.com/office/drawing/2014/main" id="{2A550069-C01B-4CD5-9A8B-7F747EA6E38F}"/>
+                <a16:creationId xmlns:a16="http://schemas.microsoft.com/office/drawing/2014/main" xmlns="" id="{2A550069-C01B-4CD5-9A8B-7F747EA6E38F}"/>
               </a:ext>
             </a:extLst>
           </p:cNvPr>
@@ -7928,7 +7928,7 @@
           <p:cNvPr id="11" name="TextBox 10">
             <a:extLst>
               <a:ext uri="{FF2B5EF4-FFF2-40B4-BE49-F238E27FC236}">
-                <a16:creationId xmlns:a16="http://schemas.microsoft.com/office/drawing/2014/main" id="{C080F36E-D589-4AE0-BB2A-E57C520A437C}"/>
+                <a16:creationId xmlns:a16="http://schemas.microsoft.com/office/drawing/2014/main" xmlns="" id="{C080F36E-D589-4AE0-BB2A-E57C520A437C}"/>
               </a:ext>
             </a:extLst>
           </p:cNvPr>
@@ -7972,7 +7972,7 @@
           <p:cNvPr id="8" name="Picture 7" descr="A black screen with white text&#10;&#10;Description automatically generated with low confidence">
             <a:extLst>
               <a:ext uri="{FF2B5EF4-FFF2-40B4-BE49-F238E27FC236}">
-                <a16:creationId xmlns:a16="http://schemas.microsoft.com/office/drawing/2014/main" id="{F5491302-26A4-47DB-A132-06B872391976}"/>
+                <a16:creationId xmlns:a16="http://schemas.microsoft.com/office/drawing/2014/main" xmlns="" id="{F5491302-26A4-47DB-A132-06B872391976}"/>
               </a:ext>
             </a:extLst>
           </p:cNvPr>
@@ -8008,7 +8008,7 @@
           <p:cNvPr id="9" name="Rectangle 8">
             <a:extLst>
               <a:ext uri="{FF2B5EF4-FFF2-40B4-BE49-F238E27FC236}">
-                <a16:creationId xmlns:a16="http://schemas.microsoft.com/office/drawing/2014/main" id="{6D775965-1C50-487F-8F2A-DEC0F98F5C8A}"/>
+                <a16:creationId xmlns:a16="http://schemas.microsoft.com/office/drawing/2014/main" xmlns="" id="{6D775965-1C50-487F-8F2A-DEC0F98F5C8A}"/>
               </a:ext>
             </a:extLst>
           </p:cNvPr>
@@ -8060,7 +8060,7 @@
           <p:cNvPr id="12" name="Rectangle 11">
             <a:extLst>
               <a:ext uri="{FF2B5EF4-FFF2-40B4-BE49-F238E27FC236}">
-                <a16:creationId xmlns:a16="http://schemas.microsoft.com/office/drawing/2014/main" id="{B32DB8DB-FBEF-47EE-92F9-D0F9C79BB6F8}"/>
+                <a16:creationId xmlns:a16="http://schemas.microsoft.com/office/drawing/2014/main" xmlns="" id="{B32DB8DB-FBEF-47EE-92F9-D0F9C79BB6F8}"/>
               </a:ext>
             </a:extLst>
           </p:cNvPr>
@@ -8112,7 +8112,7 @@
           <p:cNvPr id="13" name="Rectangle 12">
             <a:extLst>
               <a:ext uri="{FF2B5EF4-FFF2-40B4-BE49-F238E27FC236}">
-                <a16:creationId xmlns:a16="http://schemas.microsoft.com/office/drawing/2014/main" id="{50C32D38-6D4D-495A-92DC-3EE4316B53B3}"/>
+                <a16:creationId xmlns:a16="http://schemas.microsoft.com/office/drawing/2014/main" xmlns="" id="{50C32D38-6D4D-495A-92DC-3EE4316B53B3}"/>
               </a:ext>
             </a:extLst>
           </p:cNvPr>
@@ -8164,7 +8164,7 @@
           <p:cNvPr id="14" name="TextBox 13">
             <a:extLst>
               <a:ext uri="{FF2B5EF4-FFF2-40B4-BE49-F238E27FC236}">
-                <a16:creationId xmlns:a16="http://schemas.microsoft.com/office/drawing/2014/main" id="{3CD9944B-7E47-4AED-99F6-5CCFC488B931}"/>
+                <a16:creationId xmlns:a16="http://schemas.microsoft.com/office/drawing/2014/main" xmlns="" id="{3CD9944B-7E47-4AED-99F6-5CCFC488B931}"/>
               </a:ext>
             </a:extLst>
           </p:cNvPr>
@@ -8202,7 +8202,7 @@
           <p:cNvPr id="4" name="Slide Number Placeholder 3">
             <a:extLst>
               <a:ext uri="{FF2B5EF4-FFF2-40B4-BE49-F238E27FC236}">
-                <a16:creationId xmlns:a16="http://schemas.microsoft.com/office/drawing/2014/main" id="{CDC01415-DD3A-4310-82E3-759502EC3948}"/>
+                <a16:creationId xmlns:a16="http://schemas.microsoft.com/office/drawing/2014/main" xmlns="" id="{CDC01415-DD3A-4310-82E3-759502EC3948}"/>
               </a:ext>
             </a:extLst>
           </p:cNvPr>
@@ -8366,7 +8366,7 @@
           <p:cNvPr id="2" name="Straight Connector 1">
             <a:extLst>
               <a:ext uri="{FF2B5EF4-FFF2-40B4-BE49-F238E27FC236}">
-                <a16:creationId xmlns:a16="http://schemas.microsoft.com/office/drawing/2014/main" id="{A31E7CB7-EDC3-46F2-92F6-748EE36F583B}"/>
+                <a16:creationId xmlns:a16="http://schemas.microsoft.com/office/drawing/2014/main" xmlns="" id="{A31E7CB7-EDC3-46F2-92F6-748EE36F583B}"/>
               </a:ext>
             </a:extLst>
           </p:cNvPr>
@@ -8407,7 +8407,7 @@
           <p:cNvPr id="3" name="TextBox 2">
             <a:extLst>
               <a:ext uri="{FF2B5EF4-FFF2-40B4-BE49-F238E27FC236}">
-                <a16:creationId xmlns:a16="http://schemas.microsoft.com/office/drawing/2014/main" id="{1CC17B57-5182-431A-B89C-F0A6B72A815B}"/>
+                <a16:creationId xmlns:a16="http://schemas.microsoft.com/office/drawing/2014/main" xmlns="" id="{1CC17B57-5182-431A-B89C-F0A6B72A815B}"/>
               </a:ext>
             </a:extLst>
           </p:cNvPr>
@@ -8445,7 +8445,7 @@
           <p:cNvPr id="4" name="TextBox 3">
             <a:extLst>
               <a:ext uri="{FF2B5EF4-FFF2-40B4-BE49-F238E27FC236}">
-                <a16:creationId xmlns:a16="http://schemas.microsoft.com/office/drawing/2014/main" id="{6F1D9BC5-A74C-48B9-B837-E3A52F63C79B}"/>
+                <a16:creationId xmlns:a16="http://schemas.microsoft.com/office/drawing/2014/main" xmlns="" id="{6F1D9BC5-A74C-48B9-B837-E3A52F63C79B}"/>
               </a:ext>
             </a:extLst>
           </p:cNvPr>
@@ -8455,7 +8455,7 @@
         <p:spPr>
           <a:xfrm>
             <a:off x="477753" y="2819123"/>
-            <a:ext cx="11236494" cy="2062103"/>
+            <a:ext cx="11236494" cy="1569660"/>
           </a:xfrm>
           <a:prstGeom prst="rect">
             <a:avLst/>
@@ -8474,7 +8474,21 @@
                 <a:latin typeface="Times New Roman" panose="02020603050405020304" pitchFamily="18" charset="0"/>
                 <a:cs typeface="Times New Roman" panose="02020603050405020304" pitchFamily="18" charset="0"/>
               </a:rPr>
-              <a:t>Based on match stats (i.e., percentage of possession of the ball, number of shots, number of shots on target, being home team vs being visitor team, etc.), can we predict the number of goals scored by each team?</a:t>
+              <a:t>Based on match stats (i.e., percentage of possession of the ball, number of shots, number of shots on target</a:t>
+            </a:r>
+            <a:r>
+              <a:rPr lang="en-US" sz="3200" dirty="0" smtClean="0">
+                <a:latin typeface="Times New Roman" panose="02020603050405020304" pitchFamily="18" charset="0"/>
+                <a:cs typeface="Times New Roman" panose="02020603050405020304" pitchFamily="18" charset="0"/>
+              </a:rPr>
+              <a:t>, </a:t>
+            </a:r>
+            <a:r>
+              <a:rPr lang="en-US" sz="3200" dirty="0">
+                <a:latin typeface="Times New Roman" panose="02020603050405020304" pitchFamily="18" charset="0"/>
+                <a:cs typeface="Times New Roman" panose="02020603050405020304" pitchFamily="18" charset="0"/>
+              </a:rPr>
+              <a:t>etc.), can we predict the number of goals scored by each team?</a:t>
             </a:r>
           </a:p>
         </p:txBody>
@@ -8484,7 +8498,7 @@
           <p:cNvPr id="5" name="TextBox 4">
             <a:extLst>
               <a:ext uri="{FF2B5EF4-FFF2-40B4-BE49-F238E27FC236}">
-                <a16:creationId xmlns:a16="http://schemas.microsoft.com/office/drawing/2014/main" id="{ACAAEEF6-7416-46A9-A115-7BEE157A487C}"/>
+                <a16:creationId xmlns:a16="http://schemas.microsoft.com/office/drawing/2014/main" xmlns="" id="{ACAAEEF6-7416-46A9-A115-7BEE157A487C}"/>
               </a:ext>
             </a:extLst>
           </p:cNvPr>
@@ -8522,7 +8536,7 @@
           <p:cNvPr id="6" name="Slide Number Placeholder 5">
             <a:extLst>
               <a:ext uri="{FF2B5EF4-FFF2-40B4-BE49-F238E27FC236}">
-                <a16:creationId xmlns:a16="http://schemas.microsoft.com/office/drawing/2014/main" id="{3A69544C-5C5B-4A94-943B-9137EA7906C2}"/>
+                <a16:creationId xmlns:a16="http://schemas.microsoft.com/office/drawing/2014/main" xmlns="" id="{3A69544C-5C5B-4A94-943B-9137EA7906C2}"/>
               </a:ext>
             </a:extLst>
           </p:cNvPr>
@@ -8581,7 +8595,7 @@
           <p:cNvPr id="2" name="Straight Connector 1">
             <a:extLst>
               <a:ext uri="{FF2B5EF4-FFF2-40B4-BE49-F238E27FC236}">
-                <a16:creationId xmlns:a16="http://schemas.microsoft.com/office/drawing/2014/main" id="{BC4339F9-A066-45CD-91C6-61FED21D3027}"/>
+                <a16:creationId xmlns:a16="http://schemas.microsoft.com/office/drawing/2014/main" xmlns="" id="{BC4339F9-A066-45CD-91C6-61FED21D3027}"/>
               </a:ext>
             </a:extLst>
           </p:cNvPr>
@@ -8622,7 +8636,7 @@
           <p:cNvPr id="3" name="TextBox 2">
             <a:extLst>
               <a:ext uri="{FF2B5EF4-FFF2-40B4-BE49-F238E27FC236}">
-                <a16:creationId xmlns:a16="http://schemas.microsoft.com/office/drawing/2014/main" id="{4F839CDC-E463-4502-8748-827AE781F905}"/>
+                <a16:creationId xmlns:a16="http://schemas.microsoft.com/office/drawing/2014/main" xmlns="" id="{4F839CDC-E463-4502-8748-827AE781F905}"/>
               </a:ext>
             </a:extLst>
           </p:cNvPr>
@@ -8689,7 +8703,7 @@
           <p:cNvPr id="5" name="TextBox 4">
             <a:extLst>
               <a:ext uri="{FF2B5EF4-FFF2-40B4-BE49-F238E27FC236}">
-                <a16:creationId xmlns:a16="http://schemas.microsoft.com/office/drawing/2014/main" id="{14421A78-58B9-4580-8291-DEB4A94713CE}"/>
+                <a16:creationId xmlns:a16="http://schemas.microsoft.com/office/drawing/2014/main" xmlns="" id="{14421A78-58B9-4580-8291-DEB4A94713CE}"/>
               </a:ext>
             </a:extLst>
           </p:cNvPr>
@@ -8727,7 +8741,7 @@
           <p:cNvPr id="6" name="Slide Number Placeholder 5">
             <a:extLst>
               <a:ext uri="{FF2B5EF4-FFF2-40B4-BE49-F238E27FC236}">
-                <a16:creationId xmlns:a16="http://schemas.microsoft.com/office/drawing/2014/main" id="{22A6E6F7-1820-45AD-B91F-B44AD3919B42}"/>
+                <a16:creationId xmlns:a16="http://schemas.microsoft.com/office/drawing/2014/main" xmlns="" id="{22A6E6F7-1820-45AD-B91F-B44AD3919B42}"/>
               </a:ext>
             </a:extLst>
           </p:cNvPr>
@@ -8786,7 +8800,7 @@
           <p:cNvPr id="2" name="Straight Connector 1">
             <a:extLst>
               <a:ext uri="{FF2B5EF4-FFF2-40B4-BE49-F238E27FC236}">
-                <a16:creationId xmlns:a16="http://schemas.microsoft.com/office/drawing/2014/main" id="{BC4339F9-A066-45CD-91C6-61FED21D3027}"/>
+                <a16:creationId xmlns:a16="http://schemas.microsoft.com/office/drawing/2014/main" xmlns="" id="{BC4339F9-A066-45CD-91C6-61FED21D3027}"/>
               </a:ext>
             </a:extLst>
           </p:cNvPr>
@@ -8827,7 +8841,7 @@
           <p:cNvPr id="3" name="TextBox 2">
             <a:extLst>
               <a:ext uri="{FF2B5EF4-FFF2-40B4-BE49-F238E27FC236}">
-                <a16:creationId xmlns:a16="http://schemas.microsoft.com/office/drawing/2014/main" id="{4F839CDC-E463-4502-8748-827AE781F905}"/>
+                <a16:creationId xmlns:a16="http://schemas.microsoft.com/office/drawing/2014/main" xmlns="" id="{4F839CDC-E463-4502-8748-827AE781F905}"/>
               </a:ext>
             </a:extLst>
           </p:cNvPr>
@@ -8894,7 +8908,7 @@
           <p:cNvPr id="5" name="TextBox 4">
             <a:extLst>
               <a:ext uri="{FF2B5EF4-FFF2-40B4-BE49-F238E27FC236}">
-                <a16:creationId xmlns:a16="http://schemas.microsoft.com/office/drawing/2014/main" id="{F127B861-CE0B-4956-AF56-61F9EFACA894}"/>
+                <a16:creationId xmlns:a16="http://schemas.microsoft.com/office/drawing/2014/main" xmlns="" id="{F127B861-CE0B-4956-AF56-61F9EFACA894}"/>
               </a:ext>
             </a:extLst>
           </p:cNvPr>
@@ -8932,7 +8946,7 @@
           <p:cNvPr id="4" name="Slide Number Placeholder 3">
             <a:extLst>
               <a:ext uri="{FF2B5EF4-FFF2-40B4-BE49-F238E27FC236}">
-                <a16:creationId xmlns:a16="http://schemas.microsoft.com/office/drawing/2014/main" id="{C0505C3B-2E2E-4632-85EB-91CC97303EFC}"/>
+                <a16:creationId xmlns:a16="http://schemas.microsoft.com/office/drawing/2014/main" xmlns="" id="{C0505C3B-2E2E-4632-85EB-91CC97303EFC}"/>
               </a:ext>
             </a:extLst>
           </p:cNvPr>
@@ -8991,7 +9005,7 @@
           <p:cNvPr id="2" name="TextBox 1">
             <a:extLst>
               <a:ext uri="{FF2B5EF4-FFF2-40B4-BE49-F238E27FC236}">
-                <a16:creationId xmlns:a16="http://schemas.microsoft.com/office/drawing/2014/main" id="{FA3B5E8F-9FB4-4163-B829-9BE843BB6E52}"/>
+                <a16:creationId xmlns:a16="http://schemas.microsoft.com/office/drawing/2014/main" xmlns="" id="{FA3B5E8F-9FB4-4163-B829-9BE843BB6E52}"/>
               </a:ext>
             </a:extLst>
           </p:cNvPr>
@@ -9029,7 +9043,7 @@
           <p:cNvPr id="5" name="Straight Connector 4">
             <a:extLst>
               <a:ext uri="{FF2B5EF4-FFF2-40B4-BE49-F238E27FC236}">
-                <a16:creationId xmlns:a16="http://schemas.microsoft.com/office/drawing/2014/main" id="{2456B271-4A45-4851-A8BF-926F16D8D568}"/>
+                <a16:creationId xmlns:a16="http://schemas.microsoft.com/office/drawing/2014/main" xmlns="" id="{2456B271-4A45-4851-A8BF-926F16D8D568}"/>
               </a:ext>
             </a:extLst>
           </p:cNvPr>
@@ -9070,7 +9084,7 @@
           <p:cNvPr id="6" name="Group 5">
             <a:extLst>
               <a:ext uri="{FF2B5EF4-FFF2-40B4-BE49-F238E27FC236}">
-                <a16:creationId xmlns:a16="http://schemas.microsoft.com/office/drawing/2014/main" id="{402D1F21-BDC0-4BD7-841D-1C7E45806FF7}"/>
+                <a16:creationId xmlns:a16="http://schemas.microsoft.com/office/drawing/2014/main" xmlns="" id="{402D1F21-BDC0-4BD7-841D-1C7E45806FF7}"/>
               </a:ext>
             </a:extLst>
           </p:cNvPr>
@@ -9090,7 +9104,7 @@
             <p:cNvPr id="7" name="TextBox 6">
               <a:extLst>
                 <a:ext uri="{FF2B5EF4-FFF2-40B4-BE49-F238E27FC236}">
-                  <a16:creationId xmlns:a16="http://schemas.microsoft.com/office/drawing/2014/main" id="{F2A9DE6C-01A0-428D-9DC7-E3A1C05F0B8E}"/>
+                  <a16:creationId xmlns:a16="http://schemas.microsoft.com/office/drawing/2014/main" xmlns="" id="{F2A9DE6C-01A0-428D-9DC7-E3A1C05F0B8E}"/>
                 </a:ext>
               </a:extLst>
             </p:cNvPr>
@@ -9137,7 +9151,7 @@
             <p:cNvPr id="8" name="Rectangle: Rounded Corners 7">
               <a:extLst>
                 <a:ext uri="{FF2B5EF4-FFF2-40B4-BE49-F238E27FC236}">
-                  <a16:creationId xmlns:a16="http://schemas.microsoft.com/office/drawing/2014/main" id="{4A406CF7-2F65-455A-BBC0-1F0315BEEBF9}"/>
+                  <a16:creationId xmlns:a16="http://schemas.microsoft.com/office/drawing/2014/main" xmlns="" id="{4A406CF7-2F65-455A-BBC0-1F0315BEEBF9}"/>
                 </a:ext>
               </a:extLst>
             </p:cNvPr>
@@ -9159,7 +9173,7 @@
                     <a14:useLocalDpi xmlns:a14="http://schemas.microsoft.com/office/drawing/2010/main" val="0"/>
                   </a:ext>
                   <a:ext uri="{837473B0-CC2E-450A-ABE3-18F120FF3D39}">
-                    <a1611:picAttrSrcUrl xmlns:a1611="http://schemas.microsoft.com/office/drawing/2016/11/main" r:id="rId3"/>
+                    <a1611:picAttrSrcUrl xmlns:a1611="http://schemas.microsoft.com/office/drawing/2016/11/main" xmlns="" r:id="rId3"/>
                   </a:ext>
                 </a:extLst>
               </a:blip>
@@ -9215,7 +9229,7 @@
             <p:cNvPr id="9" name="Rectangle: Rounded Corners 8">
               <a:extLst>
                 <a:ext uri="{FF2B5EF4-FFF2-40B4-BE49-F238E27FC236}">
-                  <a16:creationId xmlns:a16="http://schemas.microsoft.com/office/drawing/2014/main" id="{309A92D1-CD6E-4925-9171-2B3C09D96288}"/>
+                  <a16:creationId xmlns:a16="http://schemas.microsoft.com/office/drawing/2014/main" xmlns="" id="{309A92D1-CD6E-4925-9171-2B3C09D96288}"/>
                 </a:ext>
               </a:extLst>
             </p:cNvPr>
@@ -9237,7 +9251,7 @@
                     <a14:useLocalDpi xmlns:a14="http://schemas.microsoft.com/office/drawing/2010/main" val="0"/>
                   </a:ext>
                   <a:ext uri="{837473B0-CC2E-450A-ABE3-18F120FF3D39}">
-                    <a1611:picAttrSrcUrl xmlns:a1611="http://schemas.microsoft.com/office/drawing/2016/11/main" r:id="rId5"/>
+                    <a1611:picAttrSrcUrl xmlns:a1611="http://schemas.microsoft.com/office/drawing/2016/11/main" xmlns="" r:id="rId5"/>
                   </a:ext>
                 </a:extLst>
               </a:blip>
@@ -9293,7 +9307,7 @@
             <p:cNvPr id="10" name="Rectangle: Rounded Corners 9">
               <a:extLst>
                 <a:ext uri="{FF2B5EF4-FFF2-40B4-BE49-F238E27FC236}">
-                  <a16:creationId xmlns:a16="http://schemas.microsoft.com/office/drawing/2014/main" id="{F3969DE2-E82B-4AF4-AC81-52648060A3B7}"/>
+                  <a16:creationId xmlns:a16="http://schemas.microsoft.com/office/drawing/2014/main" xmlns="" id="{F3969DE2-E82B-4AF4-AC81-52648060A3B7}"/>
                 </a:ext>
               </a:extLst>
             </p:cNvPr>
@@ -9315,7 +9329,7 @@
                     <a14:useLocalDpi xmlns:a14="http://schemas.microsoft.com/office/drawing/2010/main" val="0"/>
                   </a:ext>
                   <a:ext uri="{837473B0-CC2E-450A-ABE3-18F120FF3D39}">
-                    <a1611:picAttrSrcUrl xmlns:a1611="http://schemas.microsoft.com/office/drawing/2016/11/main" r:id="rId7"/>
+                    <a1611:picAttrSrcUrl xmlns:a1611="http://schemas.microsoft.com/office/drawing/2016/11/main" xmlns="" r:id="rId7"/>
                   </a:ext>
                 </a:extLst>
               </a:blip>
@@ -9371,7 +9385,7 @@
             <p:cNvPr id="11" name="Rectangle: Rounded Corners 10">
               <a:extLst>
                 <a:ext uri="{FF2B5EF4-FFF2-40B4-BE49-F238E27FC236}">
-                  <a16:creationId xmlns:a16="http://schemas.microsoft.com/office/drawing/2014/main" id="{0D308D4E-2F29-4024-B8F7-02A2A59533E4}"/>
+                  <a16:creationId xmlns:a16="http://schemas.microsoft.com/office/drawing/2014/main" xmlns="" id="{0D308D4E-2F29-4024-B8F7-02A2A59533E4}"/>
                 </a:ext>
               </a:extLst>
             </p:cNvPr>
@@ -9393,7 +9407,7 @@
                     <a14:useLocalDpi xmlns:a14="http://schemas.microsoft.com/office/drawing/2010/main" val="0"/>
                   </a:ext>
                   <a:ext uri="{837473B0-CC2E-450A-ABE3-18F120FF3D39}">
-                    <a1611:picAttrSrcUrl xmlns:a1611="http://schemas.microsoft.com/office/drawing/2016/11/main" r:id="rId9"/>
+                    <a1611:picAttrSrcUrl xmlns:a1611="http://schemas.microsoft.com/office/drawing/2016/11/main" xmlns="" r:id="rId9"/>
                   </a:ext>
                 </a:extLst>
               </a:blip>
@@ -9449,7 +9463,7 @@
             <p:cNvPr id="12" name="Rectangle: Rounded Corners 11">
               <a:extLst>
                 <a:ext uri="{FF2B5EF4-FFF2-40B4-BE49-F238E27FC236}">
-                  <a16:creationId xmlns:a16="http://schemas.microsoft.com/office/drawing/2014/main" id="{C506414F-A722-42B9-BD56-6BD0102C7E99}"/>
+                  <a16:creationId xmlns:a16="http://schemas.microsoft.com/office/drawing/2014/main" xmlns="" id="{C506414F-A722-42B9-BD56-6BD0102C7E99}"/>
                 </a:ext>
               </a:extLst>
             </p:cNvPr>
@@ -9471,7 +9485,7 @@
                     <a14:useLocalDpi xmlns:a14="http://schemas.microsoft.com/office/drawing/2010/main" val="0"/>
                   </a:ext>
                   <a:ext uri="{837473B0-CC2E-450A-ABE3-18F120FF3D39}">
-                    <a1611:picAttrSrcUrl xmlns:a1611="http://schemas.microsoft.com/office/drawing/2016/11/main" r:id="rId11"/>
+                    <a1611:picAttrSrcUrl xmlns:a1611="http://schemas.microsoft.com/office/drawing/2016/11/main" xmlns="" r:id="rId11"/>
                   </a:ext>
                 </a:extLst>
               </a:blip>
@@ -9528,7 +9542,7 @@
           <p:cNvPr id="13" name="Group 12">
             <a:extLst>
               <a:ext uri="{FF2B5EF4-FFF2-40B4-BE49-F238E27FC236}">
-                <a16:creationId xmlns:a16="http://schemas.microsoft.com/office/drawing/2014/main" id="{B76497C1-EBE7-4CC7-8848-E6F164537443}"/>
+                <a16:creationId xmlns:a16="http://schemas.microsoft.com/office/drawing/2014/main" xmlns="" id="{B76497C1-EBE7-4CC7-8848-E6F164537443}"/>
               </a:ext>
             </a:extLst>
           </p:cNvPr>
@@ -9548,7 +9562,7 @@
             <p:cNvPr id="14" name="TextBox 13">
               <a:extLst>
                 <a:ext uri="{FF2B5EF4-FFF2-40B4-BE49-F238E27FC236}">
-                  <a16:creationId xmlns:a16="http://schemas.microsoft.com/office/drawing/2014/main" id="{62F0CA42-0789-4126-8406-7D28A7369A25}"/>
+                  <a16:creationId xmlns:a16="http://schemas.microsoft.com/office/drawing/2014/main" xmlns="" id="{62F0CA42-0789-4126-8406-7D28A7369A25}"/>
                 </a:ext>
               </a:extLst>
             </p:cNvPr>
@@ -9595,7 +9609,7 @@
             <p:cNvPr id="15" name="Rectangle: Rounded Corners 14">
               <a:extLst>
                 <a:ext uri="{FF2B5EF4-FFF2-40B4-BE49-F238E27FC236}">
-                  <a16:creationId xmlns:a16="http://schemas.microsoft.com/office/drawing/2014/main" id="{8777892D-759A-4086-AF22-ADF29283590B}"/>
+                  <a16:creationId xmlns:a16="http://schemas.microsoft.com/office/drawing/2014/main" xmlns="" id="{8777892D-759A-4086-AF22-ADF29283590B}"/>
                 </a:ext>
               </a:extLst>
             </p:cNvPr>
@@ -9617,7 +9631,7 @@
                     <a14:useLocalDpi xmlns:a14="http://schemas.microsoft.com/office/drawing/2010/main" val="0"/>
                   </a:ext>
                   <a:ext uri="{837473B0-CC2E-450A-ABE3-18F120FF3D39}">
-                    <a1611:picAttrSrcUrl xmlns:a1611="http://schemas.microsoft.com/office/drawing/2016/11/main" r:id="rId13"/>
+                    <a1611:picAttrSrcUrl xmlns:a1611="http://schemas.microsoft.com/office/drawing/2016/11/main" xmlns="" r:id="rId13"/>
                   </a:ext>
                 </a:extLst>
               </a:blip>
@@ -9674,7 +9688,7 @@
           <p:cNvPr id="16" name="Group 15">
             <a:extLst>
               <a:ext uri="{FF2B5EF4-FFF2-40B4-BE49-F238E27FC236}">
-                <a16:creationId xmlns:a16="http://schemas.microsoft.com/office/drawing/2014/main" id="{92DBFA76-339B-4BC7-A996-64FF23A08D34}"/>
+                <a16:creationId xmlns:a16="http://schemas.microsoft.com/office/drawing/2014/main" xmlns="" id="{92DBFA76-339B-4BC7-A996-64FF23A08D34}"/>
               </a:ext>
             </a:extLst>
           </p:cNvPr>
@@ -9694,7 +9708,7 @@
             <p:cNvPr id="17" name="TextBox 16">
               <a:extLst>
                 <a:ext uri="{FF2B5EF4-FFF2-40B4-BE49-F238E27FC236}">
-                  <a16:creationId xmlns:a16="http://schemas.microsoft.com/office/drawing/2014/main" id="{18863F4F-F7B3-4AA0-A3A2-69C4090AE22B}"/>
+                  <a16:creationId xmlns:a16="http://schemas.microsoft.com/office/drawing/2014/main" xmlns="" id="{18863F4F-F7B3-4AA0-A3A2-69C4090AE22B}"/>
                 </a:ext>
               </a:extLst>
             </p:cNvPr>
@@ -9741,7 +9755,7 @@
             <p:cNvPr id="18" name="Rectangle: Rounded Corners 17">
               <a:extLst>
                 <a:ext uri="{FF2B5EF4-FFF2-40B4-BE49-F238E27FC236}">
-                  <a16:creationId xmlns:a16="http://schemas.microsoft.com/office/drawing/2014/main" id="{CA295CF7-0415-4BD2-B05F-3124A13F2AF7}"/>
+                  <a16:creationId xmlns:a16="http://schemas.microsoft.com/office/drawing/2014/main" xmlns="" id="{CA295CF7-0415-4BD2-B05F-3124A13F2AF7}"/>
                 </a:ext>
               </a:extLst>
             </p:cNvPr>
@@ -9763,7 +9777,7 @@
                     <a14:useLocalDpi xmlns:a14="http://schemas.microsoft.com/office/drawing/2010/main" val="0"/>
                   </a:ext>
                   <a:ext uri="{837473B0-CC2E-450A-ABE3-18F120FF3D39}">
-                    <a1611:picAttrSrcUrl xmlns:a1611="http://schemas.microsoft.com/office/drawing/2016/11/main" r:id="rId15"/>
+                    <a1611:picAttrSrcUrl xmlns:a1611="http://schemas.microsoft.com/office/drawing/2016/11/main" xmlns="" r:id="rId15"/>
                   </a:ext>
                 </a:extLst>
               </a:blip>
@@ -9820,7 +9834,7 @@
           <p:cNvPr id="19" name="Group 18">
             <a:extLst>
               <a:ext uri="{FF2B5EF4-FFF2-40B4-BE49-F238E27FC236}">
-                <a16:creationId xmlns:a16="http://schemas.microsoft.com/office/drawing/2014/main" id="{4695C998-EA22-48E6-99A8-4261DE86D1B7}"/>
+                <a16:creationId xmlns:a16="http://schemas.microsoft.com/office/drawing/2014/main" xmlns="" id="{4695C998-EA22-48E6-99A8-4261DE86D1B7}"/>
               </a:ext>
             </a:extLst>
           </p:cNvPr>
@@ -9840,7 +9854,7 @@
             <p:cNvPr id="20" name="Rectangle: Rounded Corners 19">
               <a:extLst>
                 <a:ext uri="{FF2B5EF4-FFF2-40B4-BE49-F238E27FC236}">
-                  <a16:creationId xmlns:a16="http://schemas.microsoft.com/office/drawing/2014/main" id="{BA8EBCCF-FA84-4EA4-B032-1EFDBA14DBA8}"/>
+                  <a16:creationId xmlns:a16="http://schemas.microsoft.com/office/drawing/2014/main" xmlns="" id="{BA8EBCCF-FA84-4EA4-B032-1EFDBA14DBA8}"/>
                 </a:ext>
               </a:extLst>
             </p:cNvPr>
@@ -9897,7 +9911,7 @@
             <p:cNvPr id="21" name="TextBox 20">
               <a:extLst>
                 <a:ext uri="{FF2B5EF4-FFF2-40B4-BE49-F238E27FC236}">
-                  <a16:creationId xmlns:a16="http://schemas.microsoft.com/office/drawing/2014/main" id="{9E08633C-F67F-443E-9428-E015A1F07E85}"/>
+                  <a16:creationId xmlns:a16="http://schemas.microsoft.com/office/drawing/2014/main" xmlns="" id="{9E08633C-F67F-443E-9428-E015A1F07E85}"/>
                 </a:ext>
               </a:extLst>
             </p:cNvPr>
@@ -9937,7 +9951,7 @@
             <p:cNvPr id="22" name="Arrow: Down 21">
               <a:extLst>
                 <a:ext uri="{FF2B5EF4-FFF2-40B4-BE49-F238E27FC236}">
-                  <a16:creationId xmlns:a16="http://schemas.microsoft.com/office/drawing/2014/main" id="{8B26D85F-9FDA-4812-B6D8-2B78D454FCAD}"/>
+                  <a16:creationId xmlns:a16="http://schemas.microsoft.com/office/drawing/2014/main" xmlns="" id="{8B26D85F-9FDA-4812-B6D8-2B78D454FCAD}"/>
                 </a:ext>
               </a:extLst>
             </p:cNvPr>
@@ -10009,7 +10023,7 @@
             <p:cNvPr id="23" name="TextBox 22">
               <a:extLst>
                 <a:ext uri="{FF2B5EF4-FFF2-40B4-BE49-F238E27FC236}">
-                  <a16:creationId xmlns:a16="http://schemas.microsoft.com/office/drawing/2014/main" id="{3AF5BA8D-EFDA-495B-9355-4A1E67DF7485}"/>
+                  <a16:creationId xmlns:a16="http://schemas.microsoft.com/office/drawing/2014/main" xmlns="" id="{3AF5BA8D-EFDA-495B-9355-4A1E67DF7485}"/>
                 </a:ext>
               </a:extLst>
             </p:cNvPr>
@@ -10050,7 +10064,7 @@
           <p:cNvPr id="3" name="TextBox 2">
             <a:extLst>
               <a:ext uri="{FF2B5EF4-FFF2-40B4-BE49-F238E27FC236}">
-                <a16:creationId xmlns:a16="http://schemas.microsoft.com/office/drawing/2014/main" id="{3748ACAD-5222-4814-A9BE-496EA55216DA}"/>
+                <a16:creationId xmlns:a16="http://schemas.microsoft.com/office/drawing/2014/main" xmlns="" id="{3748ACAD-5222-4814-A9BE-496EA55216DA}"/>
               </a:ext>
             </a:extLst>
           </p:cNvPr>
@@ -10088,7 +10102,7 @@
           <p:cNvPr id="4" name="Slide Number Placeholder 3">
             <a:extLst>
               <a:ext uri="{FF2B5EF4-FFF2-40B4-BE49-F238E27FC236}">
-                <a16:creationId xmlns:a16="http://schemas.microsoft.com/office/drawing/2014/main" id="{3520C46F-99E6-4817-9D3D-39803535527F}"/>
+                <a16:creationId xmlns:a16="http://schemas.microsoft.com/office/drawing/2014/main" xmlns="" id="{3520C46F-99E6-4817-9D3D-39803535527F}"/>
               </a:ext>
             </a:extLst>
           </p:cNvPr>
@@ -10573,7 +10587,7 @@
           <p:cNvPr id="2" name="Straight Connector 1">
             <a:extLst>
               <a:ext uri="{FF2B5EF4-FFF2-40B4-BE49-F238E27FC236}">
-                <a16:creationId xmlns:a16="http://schemas.microsoft.com/office/drawing/2014/main" id="{BC4339F9-A066-45CD-91C6-61FED21D3027}"/>
+                <a16:creationId xmlns:a16="http://schemas.microsoft.com/office/drawing/2014/main" xmlns="" id="{BC4339F9-A066-45CD-91C6-61FED21D3027}"/>
               </a:ext>
             </a:extLst>
           </p:cNvPr>
@@ -10614,7 +10628,7 @@
           <p:cNvPr id="3" name="TextBox 2">
             <a:extLst>
               <a:ext uri="{FF2B5EF4-FFF2-40B4-BE49-F238E27FC236}">
-                <a16:creationId xmlns:a16="http://schemas.microsoft.com/office/drawing/2014/main" id="{4F839CDC-E463-4502-8748-827AE781F905}"/>
+                <a16:creationId xmlns:a16="http://schemas.microsoft.com/office/drawing/2014/main" xmlns="" id="{4F839CDC-E463-4502-8748-827AE781F905}"/>
               </a:ext>
             </a:extLst>
           </p:cNvPr>
@@ -10652,7 +10666,7 @@
           <p:cNvPr id="7" name="TextBox 6">
             <a:extLst>
               <a:ext uri="{FF2B5EF4-FFF2-40B4-BE49-F238E27FC236}">
-                <a16:creationId xmlns:a16="http://schemas.microsoft.com/office/drawing/2014/main" id="{4F839CDC-E463-4502-8748-827AE781F905}"/>
+                <a16:creationId xmlns:a16="http://schemas.microsoft.com/office/drawing/2014/main" xmlns="" id="{4F839CDC-E463-4502-8748-827AE781F905}"/>
               </a:ext>
             </a:extLst>
           </p:cNvPr>
@@ -10888,7 +10902,7 @@
           <p:cNvPr id="12" name="TextBox 11">
             <a:extLst>
               <a:ext uri="{FF2B5EF4-FFF2-40B4-BE49-F238E27FC236}">
-                <a16:creationId xmlns:a16="http://schemas.microsoft.com/office/drawing/2014/main" id="{4F839CDC-E463-4502-8748-827AE781F905}"/>
+                <a16:creationId xmlns:a16="http://schemas.microsoft.com/office/drawing/2014/main" xmlns="" id="{4F839CDC-E463-4502-8748-827AE781F905}"/>
               </a:ext>
             </a:extLst>
           </p:cNvPr>
@@ -10967,7 +10981,7 @@
           <p:cNvPr id="11" name="TextBox 10">
             <a:extLst>
               <a:ext uri="{FF2B5EF4-FFF2-40B4-BE49-F238E27FC236}">
-                <a16:creationId xmlns:a16="http://schemas.microsoft.com/office/drawing/2014/main" id="{296EF7E8-B19E-4525-A24E-2C4EC782EF9F}"/>
+                <a16:creationId xmlns:a16="http://schemas.microsoft.com/office/drawing/2014/main" xmlns="" id="{296EF7E8-B19E-4525-A24E-2C4EC782EF9F}"/>
               </a:ext>
             </a:extLst>
           </p:cNvPr>
@@ -11005,7 +11019,7 @@
           <p:cNvPr id="6" name="Slide Number Placeholder 5">
             <a:extLst>
               <a:ext uri="{FF2B5EF4-FFF2-40B4-BE49-F238E27FC236}">
-                <a16:creationId xmlns:a16="http://schemas.microsoft.com/office/drawing/2014/main" id="{6FA6159A-06FA-4CFE-876B-8E5BE7E74C2A}"/>
+                <a16:creationId xmlns:a16="http://schemas.microsoft.com/office/drawing/2014/main" xmlns="" id="{6FA6159A-06FA-4CFE-876B-8E5BE7E74C2A}"/>
               </a:ext>
             </a:extLst>
           </p:cNvPr>
@@ -11064,7 +11078,7 @@
           <p:cNvPr id="2" name="Straight Connector 1">
             <a:extLst>
               <a:ext uri="{FF2B5EF4-FFF2-40B4-BE49-F238E27FC236}">
-                <a16:creationId xmlns:a16="http://schemas.microsoft.com/office/drawing/2014/main" id="{AC4F71CC-7F86-4E5B-8494-019D67CEEE38}"/>
+                <a16:creationId xmlns:a16="http://schemas.microsoft.com/office/drawing/2014/main" xmlns="" id="{AC4F71CC-7F86-4E5B-8494-019D67CEEE38}"/>
               </a:ext>
             </a:extLst>
           </p:cNvPr>
@@ -11105,7 +11119,7 @@
           <p:cNvPr id="3" name="TextBox 2">
             <a:extLst>
               <a:ext uri="{FF2B5EF4-FFF2-40B4-BE49-F238E27FC236}">
-                <a16:creationId xmlns:a16="http://schemas.microsoft.com/office/drawing/2014/main" id="{8B3BC4E2-3633-48AE-8642-FECEB91C7154}"/>
+                <a16:creationId xmlns:a16="http://schemas.microsoft.com/office/drawing/2014/main" xmlns="" id="{8B3BC4E2-3633-48AE-8642-FECEB91C7154}"/>
               </a:ext>
             </a:extLst>
           </p:cNvPr>
@@ -11143,7 +11157,7 @@
           <p:cNvPr id="6" name="TextBox 5">
             <a:extLst>
               <a:ext uri="{FF2B5EF4-FFF2-40B4-BE49-F238E27FC236}">
-                <a16:creationId xmlns:a16="http://schemas.microsoft.com/office/drawing/2014/main" id="{5B0443FD-90D9-48BC-897C-ABD5E91D5509}"/>
+                <a16:creationId xmlns:a16="http://schemas.microsoft.com/office/drawing/2014/main" xmlns="" id="{5B0443FD-90D9-48BC-897C-ABD5E91D5509}"/>
               </a:ext>
             </a:extLst>
           </p:cNvPr>
@@ -11181,7 +11195,7 @@
           <p:cNvPr id="4" name="Slide Number Placeholder 3">
             <a:extLst>
               <a:ext uri="{FF2B5EF4-FFF2-40B4-BE49-F238E27FC236}">
-                <a16:creationId xmlns:a16="http://schemas.microsoft.com/office/drawing/2014/main" id="{D8C84466-E7A1-4992-B032-722AA600AC01}"/>
+                <a16:creationId xmlns:a16="http://schemas.microsoft.com/office/drawing/2014/main" xmlns="" id="{D8C84466-E7A1-4992-B032-722AA600AC01}"/>
               </a:ext>
             </a:extLst>
           </p:cNvPr>
@@ -11210,7 +11224,7 @@
           <p:cNvPr id="9" name="Table 9">
             <a:extLst>
               <a:ext uri="{FF2B5EF4-FFF2-40B4-BE49-F238E27FC236}">
-                <a16:creationId xmlns:a16="http://schemas.microsoft.com/office/drawing/2014/main" id="{8C7962D5-FD75-4BEE-A9E4-1C5F71B7AFB6}"/>
+                <a16:creationId xmlns:a16="http://schemas.microsoft.com/office/drawing/2014/main" xmlns="" id="{8C7962D5-FD75-4BEE-A9E4-1C5F71B7AFB6}"/>
               </a:ext>
             </a:extLst>
           </p:cNvPr>
@@ -11239,14 +11253,14 @@
                 <a:gridCol w="2442672">
                   <a:extLst>
                     <a:ext uri="{9D8B030D-6E8A-4147-A177-3AD203B41FA5}">
-                      <a16:colId xmlns:a16="http://schemas.microsoft.com/office/drawing/2014/main" val="1248716383"/>
+                      <a16:colId xmlns:a16="http://schemas.microsoft.com/office/drawing/2014/main" xmlns="" val="1248716383"/>
                     </a:ext>
                   </a:extLst>
                 </a:gridCol>
                 <a:gridCol w="2442672">
                   <a:extLst>
                     <a:ext uri="{9D8B030D-6E8A-4147-A177-3AD203B41FA5}">
-                      <a16:colId xmlns:a16="http://schemas.microsoft.com/office/drawing/2014/main" val="2587689662"/>
+                      <a16:colId xmlns:a16="http://schemas.microsoft.com/office/drawing/2014/main" xmlns="" val="2587689662"/>
                     </a:ext>
                   </a:extLst>
                 </a:gridCol>
@@ -11361,7 +11375,7 @@
                 </a:tc>
                 <a:extLst>
                   <a:ext uri="{0D108BD9-81ED-4DB2-BD59-A6C34878D82A}">
-                    <a16:rowId xmlns:a16="http://schemas.microsoft.com/office/drawing/2014/main" val="814600167"/>
+                    <a16:rowId xmlns:a16="http://schemas.microsoft.com/office/drawing/2014/main" xmlns="" val="814600167"/>
                   </a:ext>
                 </a:extLst>
               </a:tr>
@@ -11470,7 +11484,7 @@
                 </a:tc>
                 <a:extLst>
                   <a:ext uri="{0D108BD9-81ED-4DB2-BD59-A6C34878D82A}">
-                    <a16:rowId xmlns:a16="http://schemas.microsoft.com/office/drawing/2014/main" val="4111910200"/>
+                    <a16:rowId xmlns:a16="http://schemas.microsoft.com/office/drawing/2014/main" xmlns="" val="4111910200"/>
                   </a:ext>
                 </a:extLst>
               </a:tr>
@@ -11483,7 +11497,7 @@
           <p:cNvPr id="11" name="Picture 10">
             <a:extLst>
               <a:ext uri="{FF2B5EF4-FFF2-40B4-BE49-F238E27FC236}">
-                <a16:creationId xmlns:a16="http://schemas.microsoft.com/office/drawing/2014/main" id="{C432FFC9-395A-46AC-BFA9-67409BF13538}"/>
+                <a16:creationId xmlns:a16="http://schemas.microsoft.com/office/drawing/2014/main" xmlns="" id="{C432FFC9-395A-46AC-BFA9-67409BF13538}"/>
               </a:ext>
             </a:extLst>
           </p:cNvPr>
@@ -11500,7 +11514,7 @@
         </p:blipFill>
         <p:spPr>
           <a:xfrm>
-            <a:off x="439692" y="1447049"/>
+            <a:off x="439692" y="1453399"/>
             <a:ext cx="6666667" cy="4114286"/>
           </a:xfrm>
           <a:prstGeom prst="rect">
@@ -11518,7 +11532,7 @@
           <p:cNvPr id="12" name="Picture 11">
             <a:extLst>
               <a:ext uri="{FF2B5EF4-FFF2-40B4-BE49-F238E27FC236}">
-                <a16:creationId xmlns:a16="http://schemas.microsoft.com/office/drawing/2014/main" id="{F2EB8CBD-3AF1-4610-931D-68B8969DF5EC}"/>
+                <a16:creationId xmlns:a16="http://schemas.microsoft.com/office/drawing/2014/main" xmlns="" id="{F2EB8CBD-3AF1-4610-931D-68B8969DF5EC}"/>
               </a:ext>
             </a:extLst>
           </p:cNvPr>
@@ -11547,7 +11561,7 @@
           <p:cNvPr id="13" name="Picture 12">
             <a:extLst>
               <a:ext uri="{FF2B5EF4-FFF2-40B4-BE49-F238E27FC236}">
-                <a16:creationId xmlns:a16="http://schemas.microsoft.com/office/drawing/2014/main" id="{9461FE86-2C54-4895-A0F9-B7F5BC6634F4}"/>
+                <a16:creationId xmlns:a16="http://schemas.microsoft.com/office/drawing/2014/main" xmlns="" id="{9461FE86-2C54-4895-A0F9-B7F5BC6634F4}"/>
               </a:ext>
             </a:extLst>
           </p:cNvPr>
@@ -11606,7 +11620,7 @@
           <p:cNvPr id="2" name="Straight Connector 1">
             <a:extLst>
               <a:ext uri="{FF2B5EF4-FFF2-40B4-BE49-F238E27FC236}">
-                <a16:creationId xmlns:a16="http://schemas.microsoft.com/office/drawing/2014/main" id="{A31E7CB7-EDC3-46F2-92F6-748EE36F583B}"/>
+                <a16:creationId xmlns:a16="http://schemas.microsoft.com/office/drawing/2014/main" xmlns="" id="{A31E7CB7-EDC3-46F2-92F6-748EE36F583B}"/>
               </a:ext>
             </a:extLst>
           </p:cNvPr>
@@ -11647,7 +11661,7 @@
           <p:cNvPr id="3" name="TextBox 2">
             <a:extLst>
               <a:ext uri="{FF2B5EF4-FFF2-40B4-BE49-F238E27FC236}">
-                <a16:creationId xmlns:a16="http://schemas.microsoft.com/office/drawing/2014/main" id="{1CC17B57-5182-431A-B89C-F0A6B72A815B}"/>
+                <a16:creationId xmlns:a16="http://schemas.microsoft.com/office/drawing/2014/main" xmlns="" id="{1CC17B57-5182-431A-B89C-F0A6B72A815B}"/>
               </a:ext>
             </a:extLst>
           </p:cNvPr>
@@ -11685,7 +11699,7 @@
           <p:cNvPr id="6" name="TextBox 5">
             <a:extLst>
               <a:ext uri="{FF2B5EF4-FFF2-40B4-BE49-F238E27FC236}">
-                <a16:creationId xmlns:a16="http://schemas.microsoft.com/office/drawing/2014/main" id="{968A0A82-7146-484C-AA9D-583D7134C376}"/>
+                <a16:creationId xmlns:a16="http://schemas.microsoft.com/office/drawing/2014/main" xmlns="" id="{968A0A82-7146-484C-AA9D-583D7134C376}"/>
               </a:ext>
             </a:extLst>
           </p:cNvPr>
@@ -11723,7 +11737,7 @@
           <p:cNvPr id="4" name="Slide Number Placeholder 3">
             <a:extLst>
               <a:ext uri="{FF2B5EF4-FFF2-40B4-BE49-F238E27FC236}">
-                <a16:creationId xmlns:a16="http://schemas.microsoft.com/office/drawing/2014/main" id="{A2C6C374-36AC-4AC1-B755-127A76259660}"/>
+                <a16:creationId xmlns:a16="http://schemas.microsoft.com/office/drawing/2014/main" xmlns="" id="{A2C6C374-36AC-4AC1-B755-127A76259660}"/>
               </a:ext>
             </a:extLst>
           </p:cNvPr>
@@ -11752,7 +11766,7 @@
           <p:cNvPr id="7" name="TextBox 6">
             <a:extLst>
               <a:ext uri="{FF2B5EF4-FFF2-40B4-BE49-F238E27FC236}">
-                <a16:creationId xmlns:a16="http://schemas.microsoft.com/office/drawing/2014/main" id="{BE8BE599-A983-42AB-9743-C46DC7AEC928}"/>
+                <a16:creationId xmlns:a16="http://schemas.microsoft.com/office/drawing/2014/main" xmlns="" id="{BE8BE599-A983-42AB-9743-C46DC7AEC928}"/>
               </a:ext>
             </a:extLst>
           </p:cNvPr>
@@ -11762,7 +11776,7 @@
         <p:spPr>
           <a:xfrm>
             <a:off x="439693" y="1506070"/>
-            <a:ext cx="11142708" cy="3046988"/>
+            <a:ext cx="11142708" cy="4154984"/>
           </a:xfrm>
           <a:prstGeom prst="rect">
             <a:avLst/>
@@ -11839,12 +11853,72 @@
               <a:buChar char="•"/>
             </a:pPr>
             <a:r>
+              <a:rPr lang="en-US" sz="2400" dirty="0" smtClean="0">
+                <a:latin typeface="Times New Roman" panose="02020603050405020304" pitchFamily="18" charset="0"/>
+                <a:cs typeface="Times New Roman" panose="02020603050405020304" pitchFamily="18" charset="0"/>
+              </a:rPr>
+              <a:t>The </a:t>
+            </a:r>
+            <a:r>
               <a:rPr lang="en-US" sz="2400" dirty="0">
                 <a:latin typeface="Times New Roman" panose="02020603050405020304" pitchFamily="18" charset="0"/>
                 <a:cs typeface="Times New Roman" panose="02020603050405020304" pitchFamily="18" charset="0"/>
               </a:rPr>
-              <a:t>Smart Q3</a:t>
+              <a:t>model Goals = Shots + </a:t>
             </a:r>
+            <a:r>
+              <a:rPr lang="en-US" sz="2400" dirty="0" err="1">
+                <a:latin typeface="Times New Roman" panose="02020603050405020304" pitchFamily="18" charset="0"/>
+                <a:cs typeface="Times New Roman" panose="02020603050405020304" pitchFamily="18" charset="0"/>
+              </a:rPr>
+              <a:t>Shots.Target</a:t>
+            </a:r>
+            <a:r>
+              <a:rPr lang="en-US" sz="2400" dirty="0">
+                <a:latin typeface="Times New Roman" panose="02020603050405020304" pitchFamily="18" charset="0"/>
+                <a:cs typeface="Times New Roman" panose="02020603050405020304" pitchFamily="18" charset="0"/>
+              </a:rPr>
+              <a:t> + </a:t>
+            </a:r>
+            <a:r>
+              <a:rPr lang="en-US" sz="2400" dirty="0" err="1">
+                <a:latin typeface="Times New Roman" panose="02020603050405020304" pitchFamily="18" charset="0"/>
+                <a:cs typeface="Times New Roman" panose="02020603050405020304" pitchFamily="18" charset="0"/>
+              </a:rPr>
+              <a:t>Pass.Acc</a:t>
+            </a:r>
+            <a:r>
+              <a:rPr lang="en-US" sz="2400" dirty="0">
+                <a:latin typeface="Times New Roman" panose="02020603050405020304" pitchFamily="18" charset="0"/>
+                <a:cs typeface="Times New Roman" panose="02020603050405020304" pitchFamily="18" charset="0"/>
+              </a:rPr>
+              <a:t> + Possession + Corners + </a:t>
+            </a:r>
+            <a:r>
+              <a:rPr lang="en-US" sz="2400" dirty="0" smtClean="0">
+                <a:latin typeface="Times New Roman" panose="02020603050405020304" pitchFamily="18" charset="0"/>
+                <a:cs typeface="Times New Roman" panose="02020603050405020304" pitchFamily="18" charset="0"/>
+              </a:rPr>
+              <a:t>Fouls</a:t>
+            </a:r>
+            <a:r>
+              <a:rPr lang="en-US" sz="2400" dirty="0">
+                <a:latin typeface="Times New Roman" panose="02020603050405020304" pitchFamily="18" charset="0"/>
+                <a:cs typeface="Times New Roman" panose="02020603050405020304" pitchFamily="18" charset="0"/>
+              </a:rPr>
+              <a:t> </a:t>
+            </a:r>
+            <a:r>
+              <a:rPr lang="en-US" sz="2400" dirty="0" smtClean="0">
+                <a:latin typeface="Times New Roman" panose="02020603050405020304" pitchFamily="18" charset="0"/>
+                <a:cs typeface="Times New Roman" panose="02020603050405020304" pitchFamily="18" charset="0"/>
+              </a:rPr>
+              <a:t>is the best linear regression model under BIC and Adjusted R-Squared measures. However, because the response variable is a non-negative count variable, count data models such as Poisson (a Generalized Linear Model) may be more appropriate.</a:t>
+            </a:r>
+            <a:endParaRPr lang="en-US" sz="2400" dirty="0">
+              <a:latin typeface="Times New Roman" panose="02020603050405020304" pitchFamily="18" charset="0"/>
+              <a:cs typeface="Times New Roman" panose="02020603050405020304" pitchFamily="18" charset="0"/>
+            </a:endParaRPr>
           </a:p>
         </p:txBody>
       </p:sp>
@@ -11883,7 +11957,7 @@
           <p:cNvPr id="2" name="Straight Connector 1">
             <a:extLst>
               <a:ext uri="{FF2B5EF4-FFF2-40B4-BE49-F238E27FC236}">
-                <a16:creationId xmlns:a16="http://schemas.microsoft.com/office/drawing/2014/main" id="{A31E7CB7-EDC3-46F2-92F6-748EE36F583B}"/>
+                <a16:creationId xmlns:a16="http://schemas.microsoft.com/office/drawing/2014/main" xmlns="" id="{A31E7CB7-EDC3-46F2-92F6-748EE36F583B}"/>
               </a:ext>
             </a:extLst>
           </p:cNvPr>
@@ -11924,7 +11998,7 @@
           <p:cNvPr id="3" name="TextBox 2">
             <a:extLst>
               <a:ext uri="{FF2B5EF4-FFF2-40B4-BE49-F238E27FC236}">
-                <a16:creationId xmlns:a16="http://schemas.microsoft.com/office/drawing/2014/main" id="{1CC17B57-5182-431A-B89C-F0A6B72A815B}"/>
+                <a16:creationId xmlns:a16="http://schemas.microsoft.com/office/drawing/2014/main" xmlns="" id="{1CC17B57-5182-431A-B89C-F0A6B72A815B}"/>
               </a:ext>
             </a:extLst>
           </p:cNvPr>
@@ -11962,7 +12036,7 @@
           <p:cNvPr id="4" name="TextBox 3">
             <a:extLst>
               <a:ext uri="{FF2B5EF4-FFF2-40B4-BE49-F238E27FC236}">
-                <a16:creationId xmlns:a16="http://schemas.microsoft.com/office/drawing/2014/main" id="{1907185F-1CA9-4BC9-B320-FC69FAEC82F0}"/>
+                <a16:creationId xmlns:a16="http://schemas.microsoft.com/office/drawing/2014/main" xmlns="" id="{1907185F-1CA9-4BC9-B320-FC69FAEC82F0}"/>
               </a:ext>
             </a:extLst>
           </p:cNvPr>
@@ -12000,7 +12074,7 @@
           <p:cNvPr id="5" name="TextBox 4">
             <a:extLst>
               <a:ext uri="{FF2B5EF4-FFF2-40B4-BE49-F238E27FC236}">
-                <a16:creationId xmlns:a16="http://schemas.microsoft.com/office/drawing/2014/main" id="{AD0705EB-EF39-46A3-A7C2-30D71D721A1A}"/>
+                <a16:creationId xmlns:a16="http://schemas.microsoft.com/office/drawing/2014/main" xmlns="" id="{AD0705EB-EF39-46A3-A7C2-30D71D721A1A}"/>
               </a:ext>
             </a:extLst>
           </p:cNvPr>
@@ -12010,7 +12084,7 @@
         <p:spPr>
           <a:xfrm>
             <a:off x="439693" y="1506070"/>
-            <a:ext cx="11142708" cy="2585323"/>
+            <a:ext cx="11142708" cy="3693319"/>
           </a:xfrm>
           <a:prstGeom prst="rect">
             <a:avLst/>
@@ -12032,7 +12106,73 @@
                 <a:latin typeface="Times New Roman" panose="02020603050405020304" pitchFamily="18" charset="0"/>
                 <a:cs typeface="Times New Roman" panose="02020603050405020304" pitchFamily="18" charset="0"/>
               </a:rPr>
-              <a:t>Apply a multinomial logistic regression model to predict expected goals, treat expected goals as categorical variable rather than continuous value.</a:t>
+              <a:t>Apply a multinomial logistic regression model to predict expected goals, treat expected goals as categorical variable rather than continuous value</a:t>
+            </a:r>
+            <a:r>
+              <a:rPr lang="en-US" sz="2400" dirty="0" smtClean="0">
+                <a:latin typeface="Times New Roman" panose="02020603050405020304" pitchFamily="18" charset="0"/>
+                <a:cs typeface="Times New Roman" panose="02020603050405020304" pitchFamily="18" charset="0"/>
+              </a:rPr>
+              <a:t>.</a:t>
+            </a:r>
+          </a:p>
+          <a:p>
+            <a:endParaRPr lang="en-US" sz="2400" dirty="0">
+              <a:latin typeface="Times New Roman" panose="02020603050405020304" pitchFamily="18" charset="0"/>
+              <a:cs typeface="Times New Roman" panose="02020603050405020304" pitchFamily="18" charset="0"/>
+            </a:endParaRPr>
+          </a:p>
+          <a:p>
+            <a:pPr marL="285750" indent="-285750">
+              <a:buFont typeface="Arial" panose="020B0604020202020204" pitchFamily="34" charset="0"/>
+              <a:buChar char="•"/>
+            </a:pPr>
+            <a:r>
+              <a:rPr lang="en-US" sz="2400" dirty="0" smtClean="0">
+                <a:latin typeface="Times New Roman" panose="02020603050405020304" pitchFamily="18" charset="0"/>
+                <a:cs typeface="Times New Roman" panose="02020603050405020304" pitchFamily="18" charset="0"/>
+              </a:rPr>
+              <a:t>Apply a generalized linear model (likely</a:t>
+            </a:r>
+            <a:r>
+              <a:rPr lang="en-US" sz="2400" smtClean="0">
+                <a:latin typeface="Times New Roman" panose="02020603050405020304" pitchFamily="18" charset="0"/>
+                <a:cs typeface="Times New Roman" panose="02020603050405020304" pitchFamily="18" charset="0"/>
+              </a:rPr>
+              <a:t>, Poisson) to </a:t>
+            </a:r>
+            <a:r>
+              <a:rPr lang="en-US" sz="2400" dirty="0" smtClean="0">
+                <a:latin typeface="Times New Roman" panose="02020603050405020304" pitchFamily="18" charset="0"/>
+                <a:cs typeface="Times New Roman" panose="02020603050405020304" pitchFamily="18" charset="0"/>
+              </a:rPr>
+              <a:t>predict number of goals since it is a non-negative count variable.</a:t>
+            </a:r>
+          </a:p>
+          <a:p>
+            <a:endParaRPr lang="en-US" sz="2400" dirty="0">
+              <a:latin typeface="Times New Roman" panose="02020603050405020304" pitchFamily="18" charset="0"/>
+              <a:cs typeface="Times New Roman" panose="02020603050405020304" pitchFamily="18" charset="0"/>
+            </a:endParaRPr>
+          </a:p>
+          <a:p>
+            <a:pPr marL="285750" indent="-285750">
+              <a:buFont typeface="Arial" panose="020B0604020202020204" pitchFamily="34" charset="0"/>
+              <a:buChar char="•"/>
+            </a:pPr>
+            <a:r>
+              <a:rPr lang="en-US" sz="2400" dirty="0" smtClean="0">
+                <a:latin typeface="Times New Roman" panose="02020603050405020304" pitchFamily="18" charset="0"/>
+                <a:cs typeface="Times New Roman" panose="02020603050405020304" pitchFamily="18" charset="0"/>
+              </a:rPr>
+              <a:t>Uncover </a:t>
+            </a:r>
+            <a:r>
+              <a:rPr lang="en-US" sz="2400" dirty="0">
+                <a:latin typeface="Times New Roman" panose="02020603050405020304" pitchFamily="18" charset="0"/>
+                <a:cs typeface="Times New Roman" panose="02020603050405020304" pitchFamily="18" charset="0"/>
+              </a:rPr>
+              <a:t>patterns in match summary data using PCA &amp; PCR that could help predict expected goals better.</a:t>
             </a:r>
           </a:p>
           <a:p>
@@ -12050,29 +12190,6 @@
               <a:buFont typeface="Arial" panose="020B0604020202020204" pitchFamily="34" charset="0"/>
               <a:buChar char="•"/>
             </a:pPr>
-            <a:r>
-              <a:rPr lang="en-US" sz="2400" dirty="0">
-                <a:latin typeface="Times New Roman" panose="02020603050405020304" pitchFamily="18" charset="0"/>
-                <a:cs typeface="Times New Roman" panose="02020603050405020304" pitchFamily="18" charset="0"/>
-              </a:rPr>
-              <a:t>Uncover patterns in match summary data using PCA &amp; PCR that could help predict expected goals better.</a:t>
-            </a:r>
-          </a:p>
-          <a:p>
-            <a:pPr marL="285750" indent="-285750">
-              <a:buFont typeface="Arial" panose="020B0604020202020204" pitchFamily="34" charset="0"/>
-              <a:buChar char="•"/>
-            </a:pPr>
-            <a:endParaRPr lang="en-US" sz="2400" dirty="0">
-              <a:latin typeface="Times New Roman" panose="02020603050405020304" pitchFamily="18" charset="0"/>
-              <a:cs typeface="Times New Roman" panose="02020603050405020304" pitchFamily="18" charset="0"/>
-            </a:endParaRPr>
-          </a:p>
-          <a:p>
-            <a:pPr marL="285750" indent="-285750">
-              <a:buFont typeface="Arial" panose="020B0604020202020204" pitchFamily="34" charset="0"/>
-              <a:buChar char="•"/>
-            </a:pPr>
             <a:endParaRPr lang="en-US" dirty="0"/>
           </a:p>
         </p:txBody>
@@ -12082,7 +12199,7 @@
           <p:cNvPr id="6" name="Slide Number Placeholder 5">
             <a:extLst>
               <a:ext uri="{FF2B5EF4-FFF2-40B4-BE49-F238E27FC236}">
-                <a16:creationId xmlns:a16="http://schemas.microsoft.com/office/drawing/2014/main" id="{A390E0CC-D576-48B4-9DB4-06AE6C42C796}"/>
+                <a16:creationId xmlns:a16="http://schemas.microsoft.com/office/drawing/2014/main" xmlns="" id="{A390E0CC-D576-48B4-9DB4-06AE6C42C796}"/>
               </a:ext>
             </a:extLst>
           </p:cNvPr>
@@ -12141,7 +12258,7 @@
           <p:cNvPr id="2" name="Group 1">
             <a:extLst>
               <a:ext uri="{FF2B5EF4-FFF2-40B4-BE49-F238E27FC236}">
-                <a16:creationId xmlns:a16="http://schemas.microsoft.com/office/drawing/2014/main" id="{7CCA5530-82AF-4F30-A094-F86FFD933B34}"/>
+                <a16:creationId xmlns:a16="http://schemas.microsoft.com/office/drawing/2014/main" xmlns="" id="{7CCA5530-82AF-4F30-A094-F86FFD933B34}"/>
               </a:ext>
             </a:extLst>
           </p:cNvPr>
@@ -12171,7 +12288,7 @@
             <p:cNvPr id="3" name="Graphic 2" descr="Confused person">
               <a:extLst>
                 <a:ext uri="{FF2B5EF4-FFF2-40B4-BE49-F238E27FC236}">
-                  <a16:creationId xmlns:a16="http://schemas.microsoft.com/office/drawing/2014/main" id="{A38B64CB-D798-4C5A-AC8D-7F2D59AA3750}"/>
+                  <a16:creationId xmlns:a16="http://schemas.microsoft.com/office/drawing/2014/main" xmlns="" id="{A38B64CB-D798-4C5A-AC8D-7F2D59AA3750}"/>
                 </a:ext>
               </a:extLst>
             </p:cNvPr>
@@ -12187,7 +12304,7 @@
                   <a14:useLocalDpi xmlns:a14="http://schemas.microsoft.com/office/drawing/2010/main" val="0"/>
                 </a:ext>
                 <a:ext uri="{96DAC541-7B7A-43D3-8B79-37D633B846F1}">
-                  <asvg:svgBlip xmlns:asvg="http://schemas.microsoft.com/office/drawing/2016/SVG/main" r:embed="rId3"/>
+                  <asvg:svgBlip xmlns:asvg="http://schemas.microsoft.com/office/drawing/2016/SVG/main" xmlns="" r:embed="rId3"/>
                 </a:ext>
               </a:extLst>
             </a:blip>
@@ -12210,7 +12327,7 @@
             <p:cNvPr id="4" name="Graphic 3" descr="Thought bubble">
               <a:extLst>
                 <a:ext uri="{FF2B5EF4-FFF2-40B4-BE49-F238E27FC236}">
-                  <a16:creationId xmlns:a16="http://schemas.microsoft.com/office/drawing/2014/main" id="{341C9552-7FDF-46B3-9262-3A5EEF380915}"/>
+                  <a16:creationId xmlns:a16="http://schemas.microsoft.com/office/drawing/2014/main" xmlns="" id="{341C9552-7FDF-46B3-9262-3A5EEF380915}"/>
                 </a:ext>
               </a:extLst>
             </p:cNvPr>
@@ -12226,7 +12343,7 @@
                   <a14:useLocalDpi xmlns:a14="http://schemas.microsoft.com/office/drawing/2010/main" val="0"/>
                 </a:ext>
                 <a:ext uri="{96DAC541-7B7A-43D3-8B79-37D633B846F1}">
-                  <asvg:svgBlip xmlns:asvg="http://schemas.microsoft.com/office/drawing/2016/SVG/main" r:embed="rId5"/>
+                  <asvg:svgBlip xmlns:asvg="http://schemas.microsoft.com/office/drawing/2016/SVG/main" xmlns="" r:embed="rId5"/>
                 </a:ext>
               </a:extLst>
             </a:blip>
@@ -12249,7 +12366,7 @@
             <p:cNvPr id="5" name="Graphic 4" descr="Users">
               <a:extLst>
                 <a:ext uri="{FF2B5EF4-FFF2-40B4-BE49-F238E27FC236}">
-                  <a16:creationId xmlns:a16="http://schemas.microsoft.com/office/drawing/2014/main" id="{531FB4F3-92FF-4A66-B000-274145B6BC46}"/>
+                  <a16:creationId xmlns:a16="http://schemas.microsoft.com/office/drawing/2014/main" xmlns="" id="{531FB4F3-92FF-4A66-B000-274145B6BC46}"/>
                 </a:ext>
               </a:extLst>
             </p:cNvPr>
@@ -12265,7 +12382,7 @@
                   <a14:useLocalDpi xmlns:a14="http://schemas.microsoft.com/office/drawing/2010/main" val="0"/>
                 </a:ext>
                 <a:ext uri="{96DAC541-7B7A-43D3-8B79-37D633B846F1}">
-                  <asvg:svgBlip xmlns:asvg="http://schemas.microsoft.com/office/drawing/2016/SVG/main" r:embed="rId7"/>
+                  <asvg:svgBlip xmlns:asvg="http://schemas.microsoft.com/office/drawing/2016/SVG/main" xmlns="" r:embed="rId7"/>
                 </a:ext>
               </a:extLst>
             </a:blip>
@@ -12288,7 +12405,7 @@
             <p:cNvPr id="6" name="Graphic 9" descr="Questions">
               <a:extLst>
                 <a:ext uri="{FF2B5EF4-FFF2-40B4-BE49-F238E27FC236}">
-                  <a16:creationId xmlns:a16="http://schemas.microsoft.com/office/drawing/2014/main" id="{A40B25B0-B997-4657-A36D-2494096C6DCC}"/>
+                  <a16:creationId xmlns:a16="http://schemas.microsoft.com/office/drawing/2014/main" xmlns="" id="{A40B25B0-B997-4657-A36D-2494096C6DCC}"/>
                 </a:ext>
               </a:extLst>
             </p:cNvPr>
@@ -12672,7 +12789,7 @@
             <p:cNvPr id="7" name="Graphic 6" descr="Chat bubble">
               <a:extLst>
                 <a:ext uri="{FF2B5EF4-FFF2-40B4-BE49-F238E27FC236}">
-                  <a16:creationId xmlns:a16="http://schemas.microsoft.com/office/drawing/2014/main" id="{989AF653-7BD5-449F-9F07-75B9300F4567}"/>
+                  <a16:creationId xmlns:a16="http://schemas.microsoft.com/office/drawing/2014/main" xmlns="" id="{989AF653-7BD5-449F-9F07-75B9300F4567}"/>
                 </a:ext>
               </a:extLst>
             </p:cNvPr>
@@ -12688,7 +12805,7 @@
                   <a14:useLocalDpi xmlns:a14="http://schemas.microsoft.com/office/drawing/2010/main" val="0"/>
                 </a:ext>
                 <a:ext uri="{96DAC541-7B7A-43D3-8B79-37D633B846F1}">
-                  <asvg:svgBlip xmlns:asvg="http://schemas.microsoft.com/office/drawing/2016/SVG/main" r:embed="rId9"/>
+                  <asvg:svgBlip xmlns:asvg="http://schemas.microsoft.com/office/drawing/2016/SVG/main" xmlns="" r:embed="rId9"/>
                 </a:ext>
               </a:extLst>
             </a:blip>
@@ -12711,7 +12828,7 @@
             <p:cNvPr id="8" name="Graphic 7" descr="Users">
               <a:extLst>
                 <a:ext uri="{FF2B5EF4-FFF2-40B4-BE49-F238E27FC236}">
-                  <a16:creationId xmlns:a16="http://schemas.microsoft.com/office/drawing/2014/main" id="{857E97E0-1CDF-45BC-9962-357E4E895102}"/>
+                  <a16:creationId xmlns:a16="http://schemas.microsoft.com/office/drawing/2014/main" xmlns="" id="{857E97E0-1CDF-45BC-9962-357E4E895102}"/>
                 </a:ext>
               </a:extLst>
             </p:cNvPr>
@@ -12727,7 +12844,7 @@
                   <a14:useLocalDpi xmlns:a14="http://schemas.microsoft.com/office/drawing/2010/main" val="0"/>
                 </a:ext>
                 <a:ext uri="{96DAC541-7B7A-43D3-8B79-37D633B846F1}">
-                  <asvg:svgBlip xmlns:asvg="http://schemas.microsoft.com/office/drawing/2016/SVG/main" r:embed="rId7"/>
+                  <asvg:svgBlip xmlns:asvg="http://schemas.microsoft.com/office/drawing/2016/SVG/main" xmlns="" r:embed="rId7"/>
                 </a:ext>
               </a:extLst>
             </a:blip>
@@ -12750,7 +12867,7 @@
             <p:cNvPr id="9" name="Group 8">
               <a:extLst>
                 <a:ext uri="{FF2B5EF4-FFF2-40B4-BE49-F238E27FC236}">
-                  <a16:creationId xmlns:a16="http://schemas.microsoft.com/office/drawing/2014/main" id="{517FB3E2-2872-447C-918C-A488283BC818}"/>
+                  <a16:creationId xmlns:a16="http://schemas.microsoft.com/office/drawing/2014/main" xmlns="" id="{517FB3E2-2872-447C-918C-A488283BC818}"/>
                 </a:ext>
               </a:extLst>
             </p:cNvPr>
@@ -12771,7 +12888,7 @@
               <p:cNvPr id="11" name="Graphic 20" descr="Person with idea">
                 <a:extLst>
                   <a:ext uri="{FF2B5EF4-FFF2-40B4-BE49-F238E27FC236}">
-                    <a16:creationId xmlns:a16="http://schemas.microsoft.com/office/drawing/2014/main" id="{29AA5932-C2B1-4DD9-8373-92D124E6E1E5}"/>
+                    <a16:creationId xmlns:a16="http://schemas.microsoft.com/office/drawing/2014/main" xmlns="" id="{29AA5932-C2B1-4DD9-8373-92D124E6E1E5}"/>
                   </a:ext>
                 </a:extLst>
               </p:cNvPr>
@@ -12901,7 +13018,7 @@
               <p:cNvPr id="12" name="Graphic 20" descr="Person with idea">
                 <a:extLst>
                   <a:ext uri="{FF2B5EF4-FFF2-40B4-BE49-F238E27FC236}">
-                    <a16:creationId xmlns:a16="http://schemas.microsoft.com/office/drawing/2014/main" id="{F8C8969F-2BC8-4DBC-AF17-5E921E90DE3E}"/>
+                    <a16:creationId xmlns:a16="http://schemas.microsoft.com/office/drawing/2014/main" xmlns="" id="{F8C8969F-2BC8-4DBC-AF17-5E921E90DE3E}"/>
                   </a:ext>
                 </a:extLst>
               </p:cNvPr>
@@ -12996,7 +13113,7 @@
             <p:cNvPr id="10" name="Graphic 20" descr="Person with idea">
               <a:extLst>
                 <a:ext uri="{FF2B5EF4-FFF2-40B4-BE49-F238E27FC236}">
-                  <a16:creationId xmlns:a16="http://schemas.microsoft.com/office/drawing/2014/main" id="{0070E24E-F934-42EC-8686-D50DDD89777A}"/>
+                  <a16:creationId xmlns:a16="http://schemas.microsoft.com/office/drawing/2014/main" xmlns="" id="{0070E24E-F934-42EC-8686-D50DDD89777A}"/>
                 </a:ext>
               </a:extLst>
             </p:cNvPr>
@@ -13949,7 +14066,7 @@
           <p:cNvPr id="13" name="Straight Connector 12">
             <a:extLst>
               <a:ext uri="{FF2B5EF4-FFF2-40B4-BE49-F238E27FC236}">
-                <a16:creationId xmlns:a16="http://schemas.microsoft.com/office/drawing/2014/main" id="{90CA4E41-3F80-415A-8F8B-4B005E0C9EB1}"/>
+                <a16:creationId xmlns:a16="http://schemas.microsoft.com/office/drawing/2014/main" xmlns="" id="{90CA4E41-3F80-415A-8F8B-4B005E0C9EB1}"/>
               </a:ext>
             </a:extLst>
           </p:cNvPr>
@@ -13990,7 +14107,7 @@
           <p:cNvPr id="14" name="TextBox 13">
             <a:extLst>
               <a:ext uri="{FF2B5EF4-FFF2-40B4-BE49-F238E27FC236}">
-                <a16:creationId xmlns:a16="http://schemas.microsoft.com/office/drawing/2014/main" id="{E1A2BC41-0AB1-4AD0-8BF8-6CF5C1660D46}"/>
+                <a16:creationId xmlns:a16="http://schemas.microsoft.com/office/drawing/2014/main" xmlns="" id="{E1A2BC41-0AB1-4AD0-8BF8-6CF5C1660D46}"/>
               </a:ext>
             </a:extLst>
           </p:cNvPr>
@@ -14028,7 +14145,7 @@
           <p:cNvPr id="15" name="Slide Number Placeholder 14">
             <a:extLst>
               <a:ext uri="{FF2B5EF4-FFF2-40B4-BE49-F238E27FC236}">
-                <a16:creationId xmlns:a16="http://schemas.microsoft.com/office/drawing/2014/main" id="{9B8A62BC-01F5-440F-ABBD-FFE2ED9FE843}"/>
+                <a16:creationId xmlns:a16="http://schemas.microsoft.com/office/drawing/2014/main" xmlns="" id="{9B8A62BC-01F5-440F-ABBD-FFE2ED9FE843}"/>
               </a:ext>
             </a:extLst>
           </p:cNvPr>
@@ -14216,7 +14333,7 @@
           <p:cNvPr id="28" name="Straight Connector 27">
             <a:extLst>
               <a:ext uri="{FF2B5EF4-FFF2-40B4-BE49-F238E27FC236}">
-                <a16:creationId xmlns:a16="http://schemas.microsoft.com/office/drawing/2014/main" id="{5BC01C7A-1442-4981-9CA7-DBED2A4FA907}"/>
+                <a16:creationId xmlns:a16="http://schemas.microsoft.com/office/drawing/2014/main" xmlns="" id="{5BC01C7A-1442-4981-9CA7-DBED2A4FA907}"/>
               </a:ext>
             </a:extLst>
           </p:cNvPr>
@@ -14257,7 +14374,7 @@
           <p:cNvPr id="29" name="TextBox 28">
             <a:extLst>
               <a:ext uri="{FF2B5EF4-FFF2-40B4-BE49-F238E27FC236}">
-                <a16:creationId xmlns:a16="http://schemas.microsoft.com/office/drawing/2014/main" id="{FD8A799C-BE52-4998-90B7-F7B21AE43B0E}"/>
+                <a16:creationId xmlns:a16="http://schemas.microsoft.com/office/drawing/2014/main" xmlns="" id="{FD8A799C-BE52-4998-90B7-F7B21AE43B0E}"/>
               </a:ext>
             </a:extLst>
           </p:cNvPr>
@@ -14295,7 +14412,7 @@
           <p:cNvPr id="33" name="Group 32">
             <a:extLst>
               <a:ext uri="{FF2B5EF4-FFF2-40B4-BE49-F238E27FC236}">
-                <a16:creationId xmlns:a16="http://schemas.microsoft.com/office/drawing/2014/main" id="{CE0D35C0-CE6D-425B-AE6F-D3F193BAD9E5}"/>
+                <a16:creationId xmlns:a16="http://schemas.microsoft.com/office/drawing/2014/main" xmlns="" id="{CE0D35C0-CE6D-425B-AE6F-D3F193BAD9E5}"/>
               </a:ext>
             </a:extLst>
           </p:cNvPr>
@@ -14315,7 +14432,7 @@
             <p:cNvPr id="8" name="Rectangle: Rounded Corners 7">
               <a:extLst>
                 <a:ext uri="{FF2B5EF4-FFF2-40B4-BE49-F238E27FC236}">
-                  <a16:creationId xmlns:a16="http://schemas.microsoft.com/office/drawing/2014/main" id="{F4435332-69FC-4D75-B3A6-EA7EB1DA13F2}"/>
+                  <a16:creationId xmlns:a16="http://schemas.microsoft.com/office/drawing/2014/main" xmlns="" id="{F4435332-69FC-4D75-B3A6-EA7EB1DA13F2}"/>
                 </a:ext>
               </a:extLst>
             </p:cNvPr>
@@ -14390,7 +14507,7 @@
             <p:cNvPr id="9" name="Rectangle: Rounded Corners 8">
               <a:extLst>
                 <a:ext uri="{FF2B5EF4-FFF2-40B4-BE49-F238E27FC236}">
-                  <a16:creationId xmlns:a16="http://schemas.microsoft.com/office/drawing/2014/main" id="{1F7799C2-40DE-491E-922C-E05F43B64704}"/>
+                  <a16:creationId xmlns:a16="http://schemas.microsoft.com/office/drawing/2014/main" xmlns="" id="{1F7799C2-40DE-491E-922C-E05F43B64704}"/>
                 </a:ext>
               </a:extLst>
             </p:cNvPr>
@@ -14465,7 +14582,7 @@
             <p:cNvPr id="10" name="Rectangle: Rounded Corners 9">
               <a:extLst>
                 <a:ext uri="{FF2B5EF4-FFF2-40B4-BE49-F238E27FC236}">
-                  <a16:creationId xmlns:a16="http://schemas.microsoft.com/office/drawing/2014/main" id="{C41A0105-3D0A-41A6-979A-05BB97B6C5C7}"/>
+                  <a16:creationId xmlns:a16="http://schemas.microsoft.com/office/drawing/2014/main" xmlns="" id="{C41A0105-3D0A-41A6-979A-05BB97B6C5C7}"/>
                 </a:ext>
               </a:extLst>
             </p:cNvPr>
@@ -14540,7 +14657,7 @@
             <p:cNvPr id="11" name="Rectangle: Rounded Corners 10">
               <a:extLst>
                 <a:ext uri="{FF2B5EF4-FFF2-40B4-BE49-F238E27FC236}">
-                  <a16:creationId xmlns:a16="http://schemas.microsoft.com/office/drawing/2014/main" id="{61A8BB1B-DF19-4230-B91C-FA1B01C9D034}"/>
+                  <a16:creationId xmlns:a16="http://schemas.microsoft.com/office/drawing/2014/main" xmlns="" id="{61A8BB1B-DF19-4230-B91C-FA1B01C9D034}"/>
                 </a:ext>
               </a:extLst>
             </p:cNvPr>
@@ -14615,7 +14732,7 @@
             <p:cNvPr id="12" name="Rectangle: Rounded Corners 11">
               <a:extLst>
                 <a:ext uri="{FF2B5EF4-FFF2-40B4-BE49-F238E27FC236}">
-                  <a16:creationId xmlns:a16="http://schemas.microsoft.com/office/drawing/2014/main" id="{C9762CBF-3494-4AB6-8F84-63E4F89FFE81}"/>
+                  <a16:creationId xmlns:a16="http://schemas.microsoft.com/office/drawing/2014/main" xmlns="" id="{C9762CBF-3494-4AB6-8F84-63E4F89FFE81}"/>
                 </a:ext>
               </a:extLst>
             </p:cNvPr>
@@ -14690,7 +14807,7 @@
             <p:cNvPr id="13" name="Rectangle: Rounded Corners 12">
               <a:extLst>
                 <a:ext uri="{FF2B5EF4-FFF2-40B4-BE49-F238E27FC236}">
-                  <a16:creationId xmlns:a16="http://schemas.microsoft.com/office/drawing/2014/main" id="{0AD5A17F-D6F5-4898-90E7-32F83AD408E4}"/>
+                  <a16:creationId xmlns:a16="http://schemas.microsoft.com/office/drawing/2014/main" xmlns="" id="{0AD5A17F-D6F5-4898-90E7-32F83AD408E4}"/>
                 </a:ext>
               </a:extLst>
             </p:cNvPr>
@@ -14765,7 +14882,7 @@
             <p:cNvPr id="14" name="Rectangle: Rounded Corners 13">
               <a:extLst>
                 <a:ext uri="{FF2B5EF4-FFF2-40B4-BE49-F238E27FC236}">
-                  <a16:creationId xmlns:a16="http://schemas.microsoft.com/office/drawing/2014/main" id="{427388F0-F1BF-49F1-AB90-BF4F855265CB}"/>
+                  <a16:creationId xmlns:a16="http://schemas.microsoft.com/office/drawing/2014/main" xmlns="" id="{427388F0-F1BF-49F1-AB90-BF4F855265CB}"/>
                 </a:ext>
               </a:extLst>
             </p:cNvPr>
@@ -14840,7 +14957,7 @@
             <p:cNvPr id="15" name="Rectangle: Rounded Corners 14">
               <a:extLst>
                 <a:ext uri="{FF2B5EF4-FFF2-40B4-BE49-F238E27FC236}">
-                  <a16:creationId xmlns:a16="http://schemas.microsoft.com/office/drawing/2014/main" id="{F4F36732-5BAB-40B0-8F96-050D67939387}"/>
+                  <a16:creationId xmlns:a16="http://schemas.microsoft.com/office/drawing/2014/main" xmlns="" id="{F4F36732-5BAB-40B0-8F96-050D67939387}"/>
                 </a:ext>
               </a:extLst>
             </p:cNvPr>
@@ -14915,7 +15032,7 @@
             <p:cNvPr id="16" name="Rectangle: Rounded Corners 15">
               <a:extLst>
                 <a:ext uri="{FF2B5EF4-FFF2-40B4-BE49-F238E27FC236}">
-                  <a16:creationId xmlns:a16="http://schemas.microsoft.com/office/drawing/2014/main" id="{CA09CD9D-372F-45B5-B665-D4CC658FCC48}"/>
+                  <a16:creationId xmlns:a16="http://schemas.microsoft.com/office/drawing/2014/main" xmlns="" id="{CA09CD9D-372F-45B5-B665-D4CC658FCC48}"/>
                 </a:ext>
               </a:extLst>
             </p:cNvPr>
@@ -14981,7 +15098,7 @@
             <p:cNvPr id="17" name="Rectangle: Rounded Corners 16">
               <a:extLst>
                 <a:ext uri="{FF2B5EF4-FFF2-40B4-BE49-F238E27FC236}">
-                  <a16:creationId xmlns:a16="http://schemas.microsoft.com/office/drawing/2014/main" id="{4D38B512-7E7D-4A61-8C38-D1BF4269173E}"/>
+                  <a16:creationId xmlns:a16="http://schemas.microsoft.com/office/drawing/2014/main" xmlns="" id="{4D38B512-7E7D-4A61-8C38-D1BF4269173E}"/>
                 </a:ext>
               </a:extLst>
             </p:cNvPr>
@@ -15047,7 +15164,7 @@
             <p:cNvPr id="18" name="Rectangle: Rounded Corners 17">
               <a:extLst>
                 <a:ext uri="{FF2B5EF4-FFF2-40B4-BE49-F238E27FC236}">
-                  <a16:creationId xmlns:a16="http://schemas.microsoft.com/office/drawing/2014/main" id="{4077607C-E917-47B5-B2B0-FE2CD453C596}"/>
+                  <a16:creationId xmlns:a16="http://schemas.microsoft.com/office/drawing/2014/main" xmlns="" id="{4077607C-E917-47B5-B2B0-FE2CD453C596}"/>
                 </a:ext>
               </a:extLst>
             </p:cNvPr>
@@ -15113,7 +15230,7 @@
             <p:cNvPr id="19" name="Rectangle: Rounded Corners 18">
               <a:extLst>
                 <a:ext uri="{FF2B5EF4-FFF2-40B4-BE49-F238E27FC236}">
-                  <a16:creationId xmlns:a16="http://schemas.microsoft.com/office/drawing/2014/main" id="{61F80F85-6FCC-413C-8C38-5A0E48E467F7}"/>
+                  <a16:creationId xmlns:a16="http://schemas.microsoft.com/office/drawing/2014/main" xmlns="" id="{61F80F85-6FCC-413C-8C38-5A0E48E467F7}"/>
                 </a:ext>
               </a:extLst>
             </p:cNvPr>
@@ -15179,7 +15296,7 @@
             <p:cNvPr id="20" name="Rectangle: Rounded Corners 19">
               <a:extLst>
                 <a:ext uri="{FF2B5EF4-FFF2-40B4-BE49-F238E27FC236}">
-                  <a16:creationId xmlns:a16="http://schemas.microsoft.com/office/drawing/2014/main" id="{CBB470BF-A936-4D60-B1A2-03A93D25CD47}"/>
+                  <a16:creationId xmlns:a16="http://schemas.microsoft.com/office/drawing/2014/main" xmlns="" id="{CBB470BF-A936-4D60-B1A2-03A93D25CD47}"/>
                 </a:ext>
               </a:extLst>
             </p:cNvPr>
@@ -15245,7 +15362,7 @@
             <p:cNvPr id="21" name="Rectangle: Rounded Corners 20">
               <a:extLst>
                 <a:ext uri="{FF2B5EF4-FFF2-40B4-BE49-F238E27FC236}">
-                  <a16:creationId xmlns:a16="http://schemas.microsoft.com/office/drawing/2014/main" id="{F76D9321-06A5-4A29-A115-ADE0DFF6AADD}"/>
+                  <a16:creationId xmlns:a16="http://schemas.microsoft.com/office/drawing/2014/main" xmlns="" id="{F76D9321-06A5-4A29-A115-ADE0DFF6AADD}"/>
                 </a:ext>
               </a:extLst>
             </p:cNvPr>
@@ -15311,7 +15428,7 @@
             <p:cNvPr id="22" name="Rectangle: Rounded Corners 21">
               <a:extLst>
                 <a:ext uri="{FF2B5EF4-FFF2-40B4-BE49-F238E27FC236}">
-                  <a16:creationId xmlns:a16="http://schemas.microsoft.com/office/drawing/2014/main" id="{D48F64A5-A45D-4254-B2D2-4763B59951C3}"/>
+                  <a16:creationId xmlns:a16="http://schemas.microsoft.com/office/drawing/2014/main" xmlns="" id="{D48F64A5-A45D-4254-B2D2-4763B59951C3}"/>
                 </a:ext>
               </a:extLst>
             </p:cNvPr>
@@ -15377,7 +15494,7 @@
             <p:cNvPr id="23" name="Rectangle: Rounded Corners 22">
               <a:extLst>
                 <a:ext uri="{FF2B5EF4-FFF2-40B4-BE49-F238E27FC236}">
-                  <a16:creationId xmlns:a16="http://schemas.microsoft.com/office/drawing/2014/main" id="{1F8CE15E-2EC7-419B-9B10-0944E4E7BB64}"/>
+                  <a16:creationId xmlns:a16="http://schemas.microsoft.com/office/drawing/2014/main" xmlns="" id="{1F8CE15E-2EC7-419B-9B10-0944E4E7BB64}"/>
                 </a:ext>
               </a:extLst>
             </p:cNvPr>
@@ -15443,7 +15560,7 @@
             <p:cNvPr id="24" name="TextBox 23">
               <a:extLst>
                 <a:ext uri="{FF2B5EF4-FFF2-40B4-BE49-F238E27FC236}">
-                  <a16:creationId xmlns:a16="http://schemas.microsoft.com/office/drawing/2014/main" id="{1D72480D-C09C-42F2-AF4C-B3877C177CC3}"/>
+                  <a16:creationId xmlns:a16="http://schemas.microsoft.com/office/drawing/2014/main" xmlns="" id="{1D72480D-C09C-42F2-AF4C-B3877C177CC3}"/>
                 </a:ext>
               </a:extLst>
             </p:cNvPr>
@@ -15517,7 +15634,7 @@
             <p:cNvPr id="25" name="TextBox 24">
               <a:extLst>
                 <a:ext uri="{FF2B5EF4-FFF2-40B4-BE49-F238E27FC236}">
-                  <a16:creationId xmlns:a16="http://schemas.microsoft.com/office/drawing/2014/main" id="{26160063-FD4F-4FF6-B323-B31EE539258B}"/>
+                  <a16:creationId xmlns:a16="http://schemas.microsoft.com/office/drawing/2014/main" xmlns="" id="{26160063-FD4F-4FF6-B323-B31EE539258B}"/>
                 </a:ext>
               </a:extLst>
             </p:cNvPr>
@@ -15591,7 +15708,7 @@
             <p:cNvPr id="26" name="TextBox 25">
               <a:extLst>
                 <a:ext uri="{FF2B5EF4-FFF2-40B4-BE49-F238E27FC236}">
-                  <a16:creationId xmlns:a16="http://schemas.microsoft.com/office/drawing/2014/main" id="{A8BA53C5-77CF-4DDD-8C5C-056D334E73EE}"/>
+                  <a16:creationId xmlns:a16="http://schemas.microsoft.com/office/drawing/2014/main" xmlns="" id="{A8BA53C5-77CF-4DDD-8C5C-056D334E73EE}"/>
                 </a:ext>
               </a:extLst>
             </p:cNvPr>
@@ -15665,7 +15782,7 @@
             <p:cNvPr id="27" name="TextBox 26">
               <a:extLst>
                 <a:ext uri="{FF2B5EF4-FFF2-40B4-BE49-F238E27FC236}">
-                  <a16:creationId xmlns:a16="http://schemas.microsoft.com/office/drawing/2014/main" id="{73233433-E353-4C36-A84A-DA39FC0FE1EE}"/>
+                  <a16:creationId xmlns:a16="http://schemas.microsoft.com/office/drawing/2014/main" xmlns="" id="{73233433-E353-4C36-A84A-DA39FC0FE1EE}"/>
                 </a:ext>
               </a:extLst>
             </p:cNvPr>
@@ -15739,7 +15856,7 @@
             <p:cNvPr id="4" name="TextBox 3">
               <a:extLst>
                 <a:ext uri="{FF2B5EF4-FFF2-40B4-BE49-F238E27FC236}">
-                  <a16:creationId xmlns:a16="http://schemas.microsoft.com/office/drawing/2014/main" id="{A2AD06CB-AC0F-4628-A6C5-065165D1D398}"/>
+                  <a16:creationId xmlns:a16="http://schemas.microsoft.com/office/drawing/2014/main" xmlns="" id="{A2AD06CB-AC0F-4628-A6C5-065165D1D398}"/>
                 </a:ext>
               </a:extLst>
             </p:cNvPr>
@@ -15804,7 +15921,7 @@
             <p:cNvPr id="5" name="TextBox 4">
               <a:extLst>
                 <a:ext uri="{FF2B5EF4-FFF2-40B4-BE49-F238E27FC236}">
-                  <a16:creationId xmlns:a16="http://schemas.microsoft.com/office/drawing/2014/main" id="{29DD3659-D9E9-4D4E-B5B3-94B67A848518}"/>
+                  <a16:creationId xmlns:a16="http://schemas.microsoft.com/office/drawing/2014/main" xmlns="" id="{29DD3659-D9E9-4D4E-B5B3-94B67A848518}"/>
                 </a:ext>
               </a:extLst>
             </p:cNvPr>
@@ -15869,7 +15986,7 @@
             <p:cNvPr id="6" name="TextBox 5">
               <a:extLst>
                 <a:ext uri="{FF2B5EF4-FFF2-40B4-BE49-F238E27FC236}">
-                  <a16:creationId xmlns:a16="http://schemas.microsoft.com/office/drawing/2014/main" id="{46FFF08C-A00A-452C-9FB5-897F0F9C2026}"/>
+                  <a16:creationId xmlns:a16="http://schemas.microsoft.com/office/drawing/2014/main" xmlns="" id="{46FFF08C-A00A-452C-9FB5-897F0F9C2026}"/>
                 </a:ext>
               </a:extLst>
             </p:cNvPr>
@@ -15934,7 +16051,7 @@
             <p:cNvPr id="7" name="TextBox 6">
               <a:extLst>
                 <a:ext uri="{FF2B5EF4-FFF2-40B4-BE49-F238E27FC236}">
-                  <a16:creationId xmlns:a16="http://schemas.microsoft.com/office/drawing/2014/main" id="{DC8BF421-EC0E-41F0-A810-54D65394FB44}"/>
+                  <a16:creationId xmlns:a16="http://schemas.microsoft.com/office/drawing/2014/main" xmlns="" id="{DC8BF421-EC0E-41F0-A810-54D65394FB44}"/>
                 </a:ext>
               </a:extLst>
             </p:cNvPr>
@@ -15999,7 +16116,7 @@
             <p:cNvPr id="30" name="Rectangle: Rounded Corners 29">
               <a:extLst>
                 <a:ext uri="{FF2B5EF4-FFF2-40B4-BE49-F238E27FC236}">
-                  <a16:creationId xmlns:a16="http://schemas.microsoft.com/office/drawing/2014/main" id="{622FED8A-6710-405A-8EEB-2B9A71D48CA2}"/>
+                  <a16:creationId xmlns:a16="http://schemas.microsoft.com/office/drawing/2014/main" xmlns="" id="{622FED8A-6710-405A-8EEB-2B9A71D48CA2}"/>
                 </a:ext>
               </a:extLst>
             </p:cNvPr>
@@ -16074,7 +16191,7 @@
             <p:cNvPr id="31" name="Rectangle: Rounded Corners 30">
               <a:extLst>
                 <a:ext uri="{FF2B5EF4-FFF2-40B4-BE49-F238E27FC236}">
-                  <a16:creationId xmlns:a16="http://schemas.microsoft.com/office/drawing/2014/main" id="{2F6E0BC0-0AC7-4652-BBFE-A2212A73586F}"/>
+                  <a16:creationId xmlns:a16="http://schemas.microsoft.com/office/drawing/2014/main" xmlns="" id="{2F6E0BC0-0AC7-4652-BBFE-A2212A73586F}"/>
                 </a:ext>
               </a:extLst>
             </p:cNvPr>
@@ -16140,7 +16257,7 @@
             <p:cNvPr id="32" name="TextBox 31">
               <a:extLst>
                 <a:ext uri="{FF2B5EF4-FFF2-40B4-BE49-F238E27FC236}">
-                  <a16:creationId xmlns:a16="http://schemas.microsoft.com/office/drawing/2014/main" id="{B1DE1F40-72F3-4FC9-B30F-3F4DAF6BCD28}"/>
+                  <a16:creationId xmlns:a16="http://schemas.microsoft.com/office/drawing/2014/main" xmlns="" id="{B1DE1F40-72F3-4FC9-B30F-3F4DAF6BCD28}"/>
                 </a:ext>
               </a:extLst>
             </p:cNvPr>
@@ -16206,7 +16323,7 @@
           <p:cNvPr id="34" name="TextBox 33">
             <a:extLst>
               <a:ext uri="{FF2B5EF4-FFF2-40B4-BE49-F238E27FC236}">
-                <a16:creationId xmlns:a16="http://schemas.microsoft.com/office/drawing/2014/main" id="{1F160490-9C3C-416D-AB6C-6313A0CFC731}"/>
+                <a16:creationId xmlns:a16="http://schemas.microsoft.com/office/drawing/2014/main" xmlns="" id="{1F160490-9C3C-416D-AB6C-6313A0CFC731}"/>
               </a:ext>
             </a:extLst>
           </p:cNvPr>
@@ -16244,7 +16361,7 @@
           <p:cNvPr id="2" name="Slide Number Placeholder 1">
             <a:extLst>
               <a:ext uri="{FF2B5EF4-FFF2-40B4-BE49-F238E27FC236}">
-                <a16:creationId xmlns:a16="http://schemas.microsoft.com/office/drawing/2014/main" id="{059FB86C-4591-4A75-AFA1-EB5F86600486}"/>
+                <a16:creationId xmlns:a16="http://schemas.microsoft.com/office/drawing/2014/main" xmlns="" id="{059FB86C-4591-4A75-AFA1-EB5F86600486}"/>
               </a:ext>
             </a:extLst>
           </p:cNvPr>
@@ -16303,7 +16420,7 @@
           <p:cNvPr id="28" name="Straight Connector 27">
             <a:extLst>
               <a:ext uri="{FF2B5EF4-FFF2-40B4-BE49-F238E27FC236}">
-                <a16:creationId xmlns:a16="http://schemas.microsoft.com/office/drawing/2014/main" id="{5BC01C7A-1442-4981-9CA7-DBED2A4FA907}"/>
+                <a16:creationId xmlns:a16="http://schemas.microsoft.com/office/drawing/2014/main" xmlns="" id="{5BC01C7A-1442-4981-9CA7-DBED2A4FA907}"/>
               </a:ext>
             </a:extLst>
           </p:cNvPr>
@@ -16344,7 +16461,7 @@
           <p:cNvPr id="29" name="TextBox 28">
             <a:extLst>
               <a:ext uri="{FF2B5EF4-FFF2-40B4-BE49-F238E27FC236}">
-                <a16:creationId xmlns:a16="http://schemas.microsoft.com/office/drawing/2014/main" id="{FD8A799C-BE52-4998-90B7-F7B21AE43B0E}"/>
+                <a16:creationId xmlns:a16="http://schemas.microsoft.com/office/drawing/2014/main" xmlns="" id="{FD8A799C-BE52-4998-90B7-F7B21AE43B0E}"/>
               </a:ext>
             </a:extLst>
           </p:cNvPr>
@@ -16382,7 +16499,7 @@
           <p:cNvPr id="2" name="Group 1">
             <a:extLst>
               <a:ext uri="{FF2B5EF4-FFF2-40B4-BE49-F238E27FC236}">
-                <a16:creationId xmlns:a16="http://schemas.microsoft.com/office/drawing/2014/main" id="{FD0577ED-0B2D-46AA-B696-ACF560E0FD16}"/>
+                <a16:creationId xmlns:a16="http://schemas.microsoft.com/office/drawing/2014/main" xmlns="" id="{FD0577ED-0B2D-46AA-B696-ACF560E0FD16}"/>
               </a:ext>
             </a:extLst>
           </p:cNvPr>
@@ -16402,7 +16519,7 @@
             <p:cNvPr id="8" name="Rectangle: Rounded Corners 7">
               <a:extLst>
                 <a:ext uri="{FF2B5EF4-FFF2-40B4-BE49-F238E27FC236}">
-                  <a16:creationId xmlns:a16="http://schemas.microsoft.com/office/drawing/2014/main" id="{F4435332-69FC-4D75-B3A6-EA7EB1DA13F2}"/>
+                  <a16:creationId xmlns:a16="http://schemas.microsoft.com/office/drawing/2014/main" xmlns="" id="{F4435332-69FC-4D75-B3A6-EA7EB1DA13F2}"/>
                 </a:ext>
               </a:extLst>
             </p:cNvPr>
@@ -16477,7 +16594,7 @@
             <p:cNvPr id="9" name="Rectangle: Rounded Corners 8">
               <a:extLst>
                 <a:ext uri="{FF2B5EF4-FFF2-40B4-BE49-F238E27FC236}">
-                  <a16:creationId xmlns:a16="http://schemas.microsoft.com/office/drawing/2014/main" id="{1F7799C2-40DE-491E-922C-E05F43B64704}"/>
+                  <a16:creationId xmlns:a16="http://schemas.microsoft.com/office/drawing/2014/main" xmlns="" id="{1F7799C2-40DE-491E-922C-E05F43B64704}"/>
                 </a:ext>
               </a:extLst>
             </p:cNvPr>
@@ -16552,7 +16669,7 @@
             <p:cNvPr id="10" name="Rectangle: Rounded Corners 9">
               <a:extLst>
                 <a:ext uri="{FF2B5EF4-FFF2-40B4-BE49-F238E27FC236}">
-                  <a16:creationId xmlns:a16="http://schemas.microsoft.com/office/drawing/2014/main" id="{C41A0105-3D0A-41A6-979A-05BB97B6C5C7}"/>
+                  <a16:creationId xmlns:a16="http://schemas.microsoft.com/office/drawing/2014/main" xmlns="" id="{C41A0105-3D0A-41A6-979A-05BB97B6C5C7}"/>
                 </a:ext>
               </a:extLst>
             </p:cNvPr>
@@ -16627,7 +16744,7 @@
             <p:cNvPr id="11" name="Rectangle: Rounded Corners 10">
               <a:extLst>
                 <a:ext uri="{FF2B5EF4-FFF2-40B4-BE49-F238E27FC236}">
-                  <a16:creationId xmlns:a16="http://schemas.microsoft.com/office/drawing/2014/main" id="{61A8BB1B-DF19-4230-B91C-FA1B01C9D034}"/>
+                  <a16:creationId xmlns:a16="http://schemas.microsoft.com/office/drawing/2014/main" xmlns="" id="{61A8BB1B-DF19-4230-B91C-FA1B01C9D034}"/>
                 </a:ext>
               </a:extLst>
             </p:cNvPr>
@@ -16702,7 +16819,7 @@
             <p:cNvPr id="12" name="Rectangle: Rounded Corners 11">
               <a:extLst>
                 <a:ext uri="{FF2B5EF4-FFF2-40B4-BE49-F238E27FC236}">
-                  <a16:creationId xmlns:a16="http://schemas.microsoft.com/office/drawing/2014/main" id="{C9762CBF-3494-4AB6-8F84-63E4F89FFE81}"/>
+                  <a16:creationId xmlns:a16="http://schemas.microsoft.com/office/drawing/2014/main" xmlns="" id="{C9762CBF-3494-4AB6-8F84-63E4F89FFE81}"/>
                 </a:ext>
               </a:extLst>
             </p:cNvPr>
@@ -16777,7 +16894,7 @@
             <p:cNvPr id="13" name="Rectangle: Rounded Corners 12">
               <a:extLst>
                 <a:ext uri="{FF2B5EF4-FFF2-40B4-BE49-F238E27FC236}">
-                  <a16:creationId xmlns:a16="http://schemas.microsoft.com/office/drawing/2014/main" id="{0AD5A17F-D6F5-4898-90E7-32F83AD408E4}"/>
+                  <a16:creationId xmlns:a16="http://schemas.microsoft.com/office/drawing/2014/main" xmlns="" id="{0AD5A17F-D6F5-4898-90E7-32F83AD408E4}"/>
                 </a:ext>
               </a:extLst>
             </p:cNvPr>
@@ -16852,7 +16969,7 @@
             <p:cNvPr id="14" name="Rectangle: Rounded Corners 13">
               <a:extLst>
                 <a:ext uri="{FF2B5EF4-FFF2-40B4-BE49-F238E27FC236}">
-                  <a16:creationId xmlns:a16="http://schemas.microsoft.com/office/drawing/2014/main" id="{427388F0-F1BF-49F1-AB90-BF4F855265CB}"/>
+                  <a16:creationId xmlns:a16="http://schemas.microsoft.com/office/drawing/2014/main" xmlns="" id="{427388F0-F1BF-49F1-AB90-BF4F855265CB}"/>
                 </a:ext>
               </a:extLst>
             </p:cNvPr>
@@ -16927,7 +17044,7 @@
             <p:cNvPr id="15" name="Rectangle: Rounded Corners 14">
               <a:extLst>
                 <a:ext uri="{FF2B5EF4-FFF2-40B4-BE49-F238E27FC236}">
-                  <a16:creationId xmlns:a16="http://schemas.microsoft.com/office/drawing/2014/main" id="{F4F36732-5BAB-40B0-8F96-050D67939387}"/>
+                  <a16:creationId xmlns:a16="http://schemas.microsoft.com/office/drawing/2014/main" xmlns="" id="{F4F36732-5BAB-40B0-8F96-050D67939387}"/>
                 </a:ext>
               </a:extLst>
             </p:cNvPr>
@@ -17002,7 +17119,7 @@
             <p:cNvPr id="16" name="Rectangle: Rounded Corners 15">
               <a:extLst>
                 <a:ext uri="{FF2B5EF4-FFF2-40B4-BE49-F238E27FC236}">
-                  <a16:creationId xmlns:a16="http://schemas.microsoft.com/office/drawing/2014/main" id="{CA09CD9D-372F-45B5-B665-D4CC658FCC48}"/>
+                  <a16:creationId xmlns:a16="http://schemas.microsoft.com/office/drawing/2014/main" xmlns="" id="{CA09CD9D-372F-45B5-B665-D4CC658FCC48}"/>
                 </a:ext>
               </a:extLst>
             </p:cNvPr>
@@ -17068,7 +17185,7 @@
             <p:cNvPr id="17" name="Rectangle: Rounded Corners 16">
               <a:extLst>
                 <a:ext uri="{FF2B5EF4-FFF2-40B4-BE49-F238E27FC236}">
-                  <a16:creationId xmlns:a16="http://schemas.microsoft.com/office/drawing/2014/main" id="{4D38B512-7E7D-4A61-8C38-D1BF4269173E}"/>
+                  <a16:creationId xmlns:a16="http://schemas.microsoft.com/office/drawing/2014/main" xmlns="" id="{4D38B512-7E7D-4A61-8C38-D1BF4269173E}"/>
                 </a:ext>
               </a:extLst>
             </p:cNvPr>
@@ -17134,7 +17251,7 @@
             <p:cNvPr id="18" name="Rectangle: Rounded Corners 17">
               <a:extLst>
                 <a:ext uri="{FF2B5EF4-FFF2-40B4-BE49-F238E27FC236}">
-                  <a16:creationId xmlns:a16="http://schemas.microsoft.com/office/drawing/2014/main" id="{4077607C-E917-47B5-B2B0-FE2CD453C596}"/>
+                  <a16:creationId xmlns:a16="http://schemas.microsoft.com/office/drawing/2014/main" xmlns="" id="{4077607C-E917-47B5-B2B0-FE2CD453C596}"/>
                 </a:ext>
               </a:extLst>
             </p:cNvPr>
@@ -17200,7 +17317,7 @@
             <p:cNvPr id="19" name="Rectangle: Rounded Corners 18">
               <a:extLst>
                 <a:ext uri="{FF2B5EF4-FFF2-40B4-BE49-F238E27FC236}">
-                  <a16:creationId xmlns:a16="http://schemas.microsoft.com/office/drawing/2014/main" id="{61F80F85-6FCC-413C-8C38-5A0E48E467F7}"/>
+                  <a16:creationId xmlns:a16="http://schemas.microsoft.com/office/drawing/2014/main" xmlns="" id="{61F80F85-6FCC-413C-8C38-5A0E48E467F7}"/>
                 </a:ext>
               </a:extLst>
             </p:cNvPr>
@@ -17266,7 +17383,7 @@
             <p:cNvPr id="20" name="Rectangle: Rounded Corners 19">
               <a:extLst>
                 <a:ext uri="{FF2B5EF4-FFF2-40B4-BE49-F238E27FC236}">
-                  <a16:creationId xmlns:a16="http://schemas.microsoft.com/office/drawing/2014/main" id="{CBB470BF-A936-4D60-B1A2-03A93D25CD47}"/>
+                  <a16:creationId xmlns:a16="http://schemas.microsoft.com/office/drawing/2014/main" xmlns="" id="{CBB470BF-A936-4D60-B1A2-03A93D25CD47}"/>
                 </a:ext>
               </a:extLst>
             </p:cNvPr>
@@ -17332,7 +17449,7 @@
             <p:cNvPr id="21" name="Rectangle: Rounded Corners 20">
               <a:extLst>
                 <a:ext uri="{FF2B5EF4-FFF2-40B4-BE49-F238E27FC236}">
-                  <a16:creationId xmlns:a16="http://schemas.microsoft.com/office/drawing/2014/main" id="{F76D9321-06A5-4A29-A115-ADE0DFF6AADD}"/>
+                  <a16:creationId xmlns:a16="http://schemas.microsoft.com/office/drawing/2014/main" xmlns="" id="{F76D9321-06A5-4A29-A115-ADE0DFF6AADD}"/>
                 </a:ext>
               </a:extLst>
             </p:cNvPr>
@@ -17398,7 +17515,7 @@
             <p:cNvPr id="22" name="Rectangle: Rounded Corners 21">
               <a:extLst>
                 <a:ext uri="{FF2B5EF4-FFF2-40B4-BE49-F238E27FC236}">
-                  <a16:creationId xmlns:a16="http://schemas.microsoft.com/office/drawing/2014/main" id="{D48F64A5-A45D-4254-B2D2-4763B59951C3}"/>
+                  <a16:creationId xmlns:a16="http://schemas.microsoft.com/office/drawing/2014/main" xmlns="" id="{D48F64A5-A45D-4254-B2D2-4763B59951C3}"/>
                 </a:ext>
               </a:extLst>
             </p:cNvPr>
@@ -17464,7 +17581,7 @@
             <p:cNvPr id="23" name="Rectangle: Rounded Corners 22">
               <a:extLst>
                 <a:ext uri="{FF2B5EF4-FFF2-40B4-BE49-F238E27FC236}">
-                  <a16:creationId xmlns:a16="http://schemas.microsoft.com/office/drawing/2014/main" id="{1F8CE15E-2EC7-419B-9B10-0944E4E7BB64}"/>
+                  <a16:creationId xmlns:a16="http://schemas.microsoft.com/office/drawing/2014/main" xmlns="" id="{1F8CE15E-2EC7-419B-9B10-0944E4E7BB64}"/>
                 </a:ext>
               </a:extLst>
             </p:cNvPr>
@@ -17530,7 +17647,7 @@
             <p:cNvPr id="24" name="TextBox 23">
               <a:extLst>
                 <a:ext uri="{FF2B5EF4-FFF2-40B4-BE49-F238E27FC236}">
-                  <a16:creationId xmlns:a16="http://schemas.microsoft.com/office/drawing/2014/main" id="{1D72480D-C09C-42F2-AF4C-B3877C177CC3}"/>
+                  <a16:creationId xmlns:a16="http://schemas.microsoft.com/office/drawing/2014/main" xmlns="" id="{1D72480D-C09C-42F2-AF4C-B3877C177CC3}"/>
                 </a:ext>
               </a:extLst>
             </p:cNvPr>
@@ -17604,7 +17721,7 @@
             <p:cNvPr id="25" name="TextBox 24">
               <a:extLst>
                 <a:ext uri="{FF2B5EF4-FFF2-40B4-BE49-F238E27FC236}">
-                  <a16:creationId xmlns:a16="http://schemas.microsoft.com/office/drawing/2014/main" id="{26160063-FD4F-4FF6-B323-B31EE539258B}"/>
+                  <a16:creationId xmlns:a16="http://schemas.microsoft.com/office/drawing/2014/main" xmlns="" id="{26160063-FD4F-4FF6-B323-B31EE539258B}"/>
                 </a:ext>
               </a:extLst>
             </p:cNvPr>
@@ -17678,7 +17795,7 @@
             <p:cNvPr id="26" name="TextBox 25">
               <a:extLst>
                 <a:ext uri="{FF2B5EF4-FFF2-40B4-BE49-F238E27FC236}">
-                  <a16:creationId xmlns:a16="http://schemas.microsoft.com/office/drawing/2014/main" id="{A8BA53C5-77CF-4DDD-8C5C-056D334E73EE}"/>
+                  <a16:creationId xmlns:a16="http://schemas.microsoft.com/office/drawing/2014/main" xmlns="" id="{A8BA53C5-77CF-4DDD-8C5C-056D334E73EE}"/>
                 </a:ext>
               </a:extLst>
             </p:cNvPr>
@@ -17752,7 +17869,7 @@
             <p:cNvPr id="27" name="TextBox 26">
               <a:extLst>
                 <a:ext uri="{FF2B5EF4-FFF2-40B4-BE49-F238E27FC236}">
-                  <a16:creationId xmlns:a16="http://schemas.microsoft.com/office/drawing/2014/main" id="{73233433-E353-4C36-A84A-DA39FC0FE1EE}"/>
+                  <a16:creationId xmlns:a16="http://schemas.microsoft.com/office/drawing/2014/main" xmlns="" id="{73233433-E353-4C36-A84A-DA39FC0FE1EE}"/>
                 </a:ext>
               </a:extLst>
             </p:cNvPr>
@@ -17826,7 +17943,7 @@
             <p:cNvPr id="4" name="TextBox 3">
               <a:extLst>
                 <a:ext uri="{FF2B5EF4-FFF2-40B4-BE49-F238E27FC236}">
-                  <a16:creationId xmlns:a16="http://schemas.microsoft.com/office/drawing/2014/main" id="{A2AD06CB-AC0F-4628-A6C5-065165D1D398}"/>
+                  <a16:creationId xmlns:a16="http://schemas.microsoft.com/office/drawing/2014/main" xmlns="" id="{A2AD06CB-AC0F-4628-A6C5-065165D1D398}"/>
                 </a:ext>
               </a:extLst>
             </p:cNvPr>
@@ -17891,7 +18008,7 @@
             <p:cNvPr id="5" name="TextBox 4">
               <a:extLst>
                 <a:ext uri="{FF2B5EF4-FFF2-40B4-BE49-F238E27FC236}">
-                  <a16:creationId xmlns:a16="http://schemas.microsoft.com/office/drawing/2014/main" id="{29DD3659-D9E9-4D4E-B5B3-94B67A848518}"/>
+                  <a16:creationId xmlns:a16="http://schemas.microsoft.com/office/drawing/2014/main" xmlns="" id="{29DD3659-D9E9-4D4E-B5B3-94B67A848518}"/>
                 </a:ext>
               </a:extLst>
             </p:cNvPr>
@@ -17956,7 +18073,7 @@
             <p:cNvPr id="6" name="TextBox 5">
               <a:extLst>
                 <a:ext uri="{FF2B5EF4-FFF2-40B4-BE49-F238E27FC236}">
-                  <a16:creationId xmlns:a16="http://schemas.microsoft.com/office/drawing/2014/main" id="{46FFF08C-A00A-452C-9FB5-897F0F9C2026}"/>
+                  <a16:creationId xmlns:a16="http://schemas.microsoft.com/office/drawing/2014/main" xmlns="" id="{46FFF08C-A00A-452C-9FB5-897F0F9C2026}"/>
                 </a:ext>
               </a:extLst>
             </p:cNvPr>
@@ -18021,7 +18138,7 @@
             <p:cNvPr id="7" name="TextBox 6">
               <a:extLst>
                 <a:ext uri="{FF2B5EF4-FFF2-40B4-BE49-F238E27FC236}">
-                  <a16:creationId xmlns:a16="http://schemas.microsoft.com/office/drawing/2014/main" id="{DC8BF421-EC0E-41F0-A810-54D65394FB44}"/>
+                  <a16:creationId xmlns:a16="http://schemas.microsoft.com/office/drawing/2014/main" xmlns="" id="{DC8BF421-EC0E-41F0-A810-54D65394FB44}"/>
                 </a:ext>
               </a:extLst>
             </p:cNvPr>
@@ -18086,7 +18203,7 @@
             <p:cNvPr id="30" name="Rectangle: Rounded Corners 29">
               <a:extLst>
                 <a:ext uri="{FF2B5EF4-FFF2-40B4-BE49-F238E27FC236}">
-                  <a16:creationId xmlns:a16="http://schemas.microsoft.com/office/drawing/2014/main" id="{622FED8A-6710-405A-8EEB-2B9A71D48CA2}"/>
+                  <a16:creationId xmlns:a16="http://schemas.microsoft.com/office/drawing/2014/main" xmlns="" id="{622FED8A-6710-405A-8EEB-2B9A71D48CA2}"/>
                 </a:ext>
               </a:extLst>
             </p:cNvPr>
@@ -18161,7 +18278,7 @@
             <p:cNvPr id="31" name="Rectangle: Rounded Corners 30">
               <a:extLst>
                 <a:ext uri="{FF2B5EF4-FFF2-40B4-BE49-F238E27FC236}">
-                  <a16:creationId xmlns:a16="http://schemas.microsoft.com/office/drawing/2014/main" id="{2F6E0BC0-0AC7-4652-BBFE-A2212A73586F}"/>
+                  <a16:creationId xmlns:a16="http://schemas.microsoft.com/office/drawing/2014/main" xmlns="" id="{2F6E0BC0-0AC7-4652-BBFE-A2212A73586F}"/>
                 </a:ext>
               </a:extLst>
             </p:cNvPr>
@@ -18227,7 +18344,7 @@
             <p:cNvPr id="32" name="TextBox 31">
               <a:extLst>
                 <a:ext uri="{FF2B5EF4-FFF2-40B4-BE49-F238E27FC236}">
-                  <a16:creationId xmlns:a16="http://schemas.microsoft.com/office/drawing/2014/main" id="{B1DE1F40-72F3-4FC9-B30F-3F4DAF6BCD28}"/>
+                  <a16:creationId xmlns:a16="http://schemas.microsoft.com/office/drawing/2014/main" xmlns="" id="{B1DE1F40-72F3-4FC9-B30F-3F4DAF6BCD28}"/>
                 </a:ext>
               </a:extLst>
             </p:cNvPr>
@@ -18293,7 +18410,7 @@
           <p:cNvPr id="33" name="TextBox 32">
             <a:extLst>
               <a:ext uri="{FF2B5EF4-FFF2-40B4-BE49-F238E27FC236}">
-                <a16:creationId xmlns:a16="http://schemas.microsoft.com/office/drawing/2014/main" id="{5146260A-BC29-4368-ACCC-D8F294EDC607}"/>
+                <a16:creationId xmlns:a16="http://schemas.microsoft.com/office/drawing/2014/main" xmlns="" id="{5146260A-BC29-4368-ACCC-D8F294EDC607}"/>
               </a:ext>
             </a:extLst>
           </p:cNvPr>
@@ -18331,7 +18448,7 @@
           <p:cNvPr id="3" name="Slide Number Placeholder 2">
             <a:extLst>
               <a:ext uri="{FF2B5EF4-FFF2-40B4-BE49-F238E27FC236}">
-                <a16:creationId xmlns:a16="http://schemas.microsoft.com/office/drawing/2014/main" id="{456265BB-7B88-4F32-B42D-41004F1E7C0D}"/>
+                <a16:creationId xmlns:a16="http://schemas.microsoft.com/office/drawing/2014/main" xmlns="" id="{456265BB-7B88-4F32-B42D-41004F1E7C0D}"/>
               </a:ext>
             </a:extLst>
           </p:cNvPr>
@@ -18390,7 +18507,7 @@
           <p:cNvPr id="2" name="Straight Connector 1">
             <a:extLst>
               <a:ext uri="{FF2B5EF4-FFF2-40B4-BE49-F238E27FC236}">
-                <a16:creationId xmlns:a16="http://schemas.microsoft.com/office/drawing/2014/main" id="{F44F53FF-CB60-4BDA-BAF7-075D1129A04C}"/>
+                <a16:creationId xmlns:a16="http://schemas.microsoft.com/office/drawing/2014/main" xmlns="" id="{F44F53FF-CB60-4BDA-BAF7-075D1129A04C}"/>
               </a:ext>
             </a:extLst>
           </p:cNvPr>
@@ -18431,7 +18548,7 @@
           <p:cNvPr id="3" name="TextBox 2">
             <a:extLst>
               <a:ext uri="{FF2B5EF4-FFF2-40B4-BE49-F238E27FC236}">
-                <a16:creationId xmlns:a16="http://schemas.microsoft.com/office/drawing/2014/main" id="{5D185221-1B9E-4EC1-A3BB-F7F166A2E649}"/>
+                <a16:creationId xmlns:a16="http://schemas.microsoft.com/office/drawing/2014/main" xmlns="" id="{5D185221-1B9E-4EC1-A3BB-F7F166A2E649}"/>
               </a:ext>
             </a:extLst>
           </p:cNvPr>
@@ -18469,7 +18586,7 @@
           <p:cNvPr id="6" name="Picture 5">
             <a:extLst>
               <a:ext uri="{FF2B5EF4-FFF2-40B4-BE49-F238E27FC236}">
-                <a16:creationId xmlns:a16="http://schemas.microsoft.com/office/drawing/2014/main" id="{BB23E385-43D3-4488-BB88-D3B73729ABC1}"/>
+                <a16:creationId xmlns:a16="http://schemas.microsoft.com/office/drawing/2014/main" xmlns="" id="{BB23E385-43D3-4488-BB88-D3B73729ABC1}"/>
               </a:ext>
             </a:extLst>
           </p:cNvPr>
@@ -18499,7 +18616,7 @@
           <p:cNvPr id="7" name="Picture 6">
             <a:extLst>
               <a:ext uri="{FF2B5EF4-FFF2-40B4-BE49-F238E27FC236}">
-                <a16:creationId xmlns:a16="http://schemas.microsoft.com/office/drawing/2014/main" id="{02049588-D35A-4493-BF2C-3F86550673B9}"/>
+                <a16:creationId xmlns:a16="http://schemas.microsoft.com/office/drawing/2014/main" xmlns="" id="{02049588-D35A-4493-BF2C-3F86550673B9}"/>
               </a:ext>
             </a:extLst>
           </p:cNvPr>
@@ -18529,7 +18646,7 @@
           <p:cNvPr id="8" name="Picture 7">
             <a:extLst>
               <a:ext uri="{FF2B5EF4-FFF2-40B4-BE49-F238E27FC236}">
-                <a16:creationId xmlns:a16="http://schemas.microsoft.com/office/drawing/2014/main" id="{225C4CDF-6F55-425F-85C0-F2E4B04E43FD}"/>
+                <a16:creationId xmlns:a16="http://schemas.microsoft.com/office/drawing/2014/main" xmlns="" id="{225C4CDF-6F55-425F-85C0-F2E4B04E43FD}"/>
               </a:ext>
             </a:extLst>
           </p:cNvPr>
@@ -18559,7 +18676,7 @@
           <p:cNvPr id="9" name="Picture 8">
             <a:extLst>
               <a:ext uri="{FF2B5EF4-FFF2-40B4-BE49-F238E27FC236}">
-                <a16:creationId xmlns:a16="http://schemas.microsoft.com/office/drawing/2014/main" id="{B2C6BC1C-BC56-4F85-B7A1-5BE025D05D74}"/>
+                <a16:creationId xmlns:a16="http://schemas.microsoft.com/office/drawing/2014/main" xmlns="" id="{B2C6BC1C-BC56-4F85-B7A1-5BE025D05D74}"/>
               </a:ext>
             </a:extLst>
           </p:cNvPr>
@@ -18589,7 +18706,7 @@
           <p:cNvPr id="10" name="TextBox 9">
             <a:extLst>
               <a:ext uri="{FF2B5EF4-FFF2-40B4-BE49-F238E27FC236}">
-                <a16:creationId xmlns:a16="http://schemas.microsoft.com/office/drawing/2014/main" id="{16A9779B-7B71-469D-BE62-F468D82B0968}"/>
+                <a16:creationId xmlns:a16="http://schemas.microsoft.com/office/drawing/2014/main" xmlns="" id="{16A9779B-7B71-469D-BE62-F468D82B0968}"/>
               </a:ext>
             </a:extLst>
           </p:cNvPr>
@@ -18627,7 +18744,7 @@
           <p:cNvPr id="4" name="Slide Number Placeholder 3">
             <a:extLst>
               <a:ext uri="{FF2B5EF4-FFF2-40B4-BE49-F238E27FC236}">
-                <a16:creationId xmlns:a16="http://schemas.microsoft.com/office/drawing/2014/main" id="{0627437A-39D4-4B71-8862-6307CF871855}"/>
+                <a16:creationId xmlns:a16="http://schemas.microsoft.com/office/drawing/2014/main" xmlns="" id="{0627437A-39D4-4B71-8862-6307CF871855}"/>
               </a:ext>
             </a:extLst>
           </p:cNvPr>
@@ -18686,7 +18803,7 @@
           <p:cNvPr id="2" name="TextBox 1">
             <a:extLst>
               <a:ext uri="{FF2B5EF4-FFF2-40B4-BE49-F238E27FC236}">
-                <a16:creationId xmlns:a16="http://schemas.microsoft.com/office/drawing/2014/main" id="{742EF216-75D4-4734-B156-3EDB09F9CE9B}"/>
+                <a16:creationId xmlns:a16="http://schemas.microsoft.com/office/drawing/2014/main" xmlns="" id="{742EF216-75D4-4734-B156-3EDB09F9CE9B}"/>
               </a:ext>
             </a:extLst>
           </p:cNvPr>
@@ -18725,7 +18842,7 @@
           <p:cNvPr id="3" name="Straight Connector 2">
             <a:extLst>
               <a:ext uri="{FF2B5EF4-FFF2-40B4-BE49-F238E27FC236}">
-                <a16:creationId xmlns:a16="http://schemas.microsoft.com/office/drawing/2014/main" id="{B493E240-C89A-4822-B4C3-EC3A33AD45FA}"/>
+                <a16:creationId xmlns:a16="http://schemas.microsoft.com/office/drawing/2014/main" xmlns="" id="{B493E240-C89A-4822-B4C3-EC3A33AD45FA}"/>
               </a:ext>
             </a:extLst>
           </p:cNvPr>
@@ -18766,7 +18883,7 @@
           <p:cNvPr id="4" name="TextBox 3">
             <a:extLst>
               <a:ext uri="{FF2B5EF4-FFF2-40B4-BE49-F238E27FC236}">
-                <a16:creationId xmlns:a16="http://schemas.microsoft.com/office/drawing/2014/main" id="{9EAF4BF5-F510-49EE-8E26-0511CB451A3D}"/>
+                <a16:creationId xmlns:a16="http://schemas.microsoft.com/office/drawing/2014/main" xmlns="" id="{9EAF4BF5-F510-49EE-8E26-0511CB451A3D}"/>
               </a:ext>
             </a:extLst>
           </p:cNvPr>
@@ -18804,7 +18921,7 @@
           <p:cNvPr id="5" name="TextBox 4">
             <a:extLst>
               <a:ext uri="{FF2B5EF4-FFF2-40B4-BE49-F238E27FC236}">
-                <a16:creationId xmlns:a16="http://schemas.microsoft.com/office/drawing/2014/main" id="{636A0C26-9EFD-4A72-9FFD-E35B43C1CAD8}"/>
+                <a16:creationId xmlns:a16="http://schemas.microsoft.com/office/drawing/2014/main" xmlns="" id="{636A0C26-9EFD-4A72-9FFD-E35B43C1CAD8}"/>
               </a:ext>
             </a:extLst>
           </p:cNvPr>
@@ -18842,7 +18959,7 @@
           <p:cNvPr id="6" name="Slide Number Placeholder 5">
             <a:extLst>
               <a:ext uri="{FF2B5EF4-FFF2-40B4-BE49-F238E27FC236}">
-                <a16:creationId xmlns:a16="http://schemas.microsoft.com/office/drawing/2014/main" id="{071B7041-F83F-4368-A269-876983F7A485}"/>
+                <a16:creationId xmlns:a16="http://schemas.microsoft.com/office/drawing/2014/main" xmlns="" id="{071B7041-F83F-4368-A269-876983F7A485}"/>
               </a:ext>
             </a:extLst>
           </p:cNvPr>
@@ -18901,7 +19018,7 @@
           <p:cNvPr id="2" name="Straight Connector 1">
             <a:extLst>
               <a:ext uri="{FF2B5EF4-FFF2-40B4-BE49-F238E27FC236}">
-                <a16:creationId xmlns:a16="http://schemas.microsoft.com/office/drawing/2014/main" id="{6B2A0167-33CF-48BF-A2ED-757ECB5D4774}"/>
+                <a16:creationId xmlns:a16="http://schemas.microsoft.com/office/drawing/2014/main" xmlns="" id="{6B2A0167-33CF-48BF-A2ED-757ECB5D4774}"/>
               </a:ext>
             </a:extLst>
           </p:cNvPr>
@@ -18942,7 +19059,7 @@
           <p:cNvPr id="3" name="TextBox 2">
             <a:extLst>
               <a:ext uri="{FF2B5EF4-FFF2-40B4-BE49-F238E27FC236}">
-                <a16:creationId xmlns:a16="http://schemas.microsoft.com/office/drawing/2014/main" id="{B89D4FB9-4FD5-4539-9D75-EEA50F5DB448}"/>
+                <a16:creationId xmlns:a16="http://schemas.microsoft.com/office/drawing/2014/main" xmlns="" id="{B89D4FB9-4FD5-4539-9D75-EEA50F5DB448}"/>
               </a:ext>
             </a:extLst>
           </p:cNvPr>
@@ -18980,7 +19097,7 @@
           <p:cNvPr id="5" name="Marcador de contenido 4">
             <a:extLst>
               <a:ext uri="{FF2B5EF4-FFF2-40B4-BE49-F238E27FC236}">
-                <a16:creationId xmlns:a16="http://schemas.microsoft.com/office/drawing/2014/main" id="{0D461417-6BB0-4F6D-94DC-7C4510A3D7ED}"/>
+                <a16:creationId xmlns:a16="http://schemas.microsoft.com/office/drawing/2014/main" xmlns="" id="{0D461417-6BB0-4F6D-94DC-7C4510A3D7ED}"/>
               </a:ext>
             </a:extLst>
           </p:cNvPr>
@@ -19328,7 +19445,7 @@
           <p:cNvPr id="6" name="TextBox 5">
             <a:extLst>
               <a:ext uri="{FF2B5EF4-FFF2-40B4-BE49-F238E27FC236}">
-                <a16:creationId xmlns:a16="http://schemas.microsoft.com/office/drawing/2014/main" id="{A0C47128-B89B-4060-BDE4-0F0C82171400}"/>
+                <a16:creationId xmlns:a16="http://schemas.microsoft.com/office/drawing/2014/main" xmlns="" id="{A0C47128-B89B-4060-BDE4-0F0C82171400}"/>
               </a:ext>
             </a:extLst>
           </p:cNvPr>
@@ -19366,7 +19483,7 @@
           <p:cNvPr id="4" name="Slide Number Placeholder 3">
             <a:extLst>
               <a:ext uri="{FF2B5EF4-FFF2-40B4-BE49-F238E27FC236}">
-                <a16:creationId xmlns:a16="http://schemas.microsoft.com/office/drawing/2014/main" id="{74D7F8F2-47DA-45DB-AD93-6440A43A1DBE}"/>
+                <a16:creationId xmlns:a16="http://schemas.microsoft.com/office/drawing/2014/main" xmlns="" id="{74D7F8F2-47DA-45DB-AD93-6440A43A1DBE}"/>
               </a:ext>
             </a:extLst>
           </p:cNvPr>
@@ -19425,7 +19542,7 @@
           <p:cNvPr id="2" name="Straight Connector 1">
             <a:extLst>
               <a:ext uri="{FF2B5EF4-FFF2-40B4-BE49-F238E27FC236}">
-                <a16:creationId xmlns:a16="http://schemas.microsoft.com/office/drawing/2014/main" id="{6B2A0167-33CF-48BF-A2ED-757ECB5D4774}"/>
+                <a16:creationId xmlns:a16="http://schemas.microsoft.com/office/drawing/2014/main" xmlns="" id="{6B2A0167-33CF-48BF-A2ED-757ECB5D4774}"/>
               </a:ext>
             </a:extLst>
           </p:cNvPr>
@@ -19466,7 +19583,7 @@
           <p:cNvPr id="3" name="TextBox 2">
             <a:extLst>
               <a:ext uri="{FF2B5EF4-FFF2-40B4-BE49-F238E27FC236}">
-                <a16:creationId xmlns:a16="http://schemas.microsoft.com/office/drawing/2014/main" id="{B89D4FB9-4FD5-4539-9D75-EEA50F5DB448}"/>
+                <a16:creationId xmlns:a16="http://schemas.microsoft.com/office/drawing/2014/main" xmlns="" id="{B89D4FB9-4FD5-4539-9D75-EEA50F5DB448}"/>
               </a:ext>
             </a:extLst>
           </p:cNvPr>
@@ -19506,7 +19623,7 @@
               <p:cNvPr id="19" name="Marcador de contenido 18">
                 <a:extLst>
                   <a:ext uri="{FF2B5EF4-FFF2-40B4-BE49-F238E27FC236}">
-                    <a16:creationId xmlns:a16="http://schemas.microsoft.com/office/drawing/2014/main" id="{A8292075-DFBC-44D4-9140-69A2366F3B6E}"/>
+                    <a16:creationId xmlns:a16="http://schemas.microsoft.com/office/drawing/2014/main" xmlns="" id="{A8292075-DFBC-44D4-9140-69A2366F3B6E}"/>
                   </a:ext>
                 </a:extLst>
               </p:cNvPr>
@@ -19534,14 +19651,14 @@
                     <a:gridCol w="10489791">
                       <a:extLst>
                         <a:ext uri="{9D8B030D-6E8A-4147-A177-3AD203B41FA5}">
-                          <a16:colId xmlns:a16="http://schemas.microsoft.com/office/drawing/2014/main" val="2200701939"/>
+                          <a16:colId xmlns:a16="http://schemas.microsoft.com/office/drawing/2014/main" xmlns="" val="2200701939"/>
                         </a:ext>
                       </a:extLst>
                     </a:gridCol>
                     <a:gridCol w="1063777">
                       <a:extLst>
                         <a:ext uri="{9D8B030D-6E8A-4147-A177-3AD203B41FA5}">
-                          <a16:colId xmlns:a16="http://schemas.microsoft.com/office/drawing/2014/main" val="390178824"/>
+                          <a16:colId xmlns:a16="http://schemas.microsoft.com/office/drawing/2014/main" xmlns="" val="390178824"/>
                         </a:ext>
                       </a:extLst>
                     </a:gridCol>
@@ -20128,7 +20245,7 @@
                     </a:tc>
                     <a:extLst>
                       <a:ext uri="{0D108BD9-81ED-4DB2-BD59-A6C34878D82A}">
-                        <a16:rowId xmlns:a16="http://schemas.microsoft.com/office/drawing/2014/main" val="2311300338"/>
+                        <a16:rowId xmlns:a16="http://schemas.microsoft.com/office/drawing/2014/main" xmlns="" val="2311300338"/>
                       </a:ext>
                     </a:extLst>
                   </a:tr>
@@ -20642,7 +20759,7 @@
                     </a:tc>
                     <a:extLst>
                       <a:ext uri="{0D108BD9-81ED-4DB2-BD59-A6C34878D82A}">
-                        <a16:rowId xmlns:a16="http://schemas.microsoft.com/office/drawing/2014/main" val="3084881557"/>
+                        <a16:rowId xmlns:a16="http://schemas.microsoft.com/office/drawing/2014/main" xmlns="" val="3084881557"/>
                       </a:ext>
                     </a:extLst>
                   </a:tr>
@@ -21310,7 +21427,7 @@
                     </a:tc>
                     <a:extLst>
                       <a:ext uri="{0D108BD9-81ED-4DB2-BD59-A6C34878D82A}">
-                        <a16:rowId xmlns:a16="http://schemas.microsoft.com/office/drawing/2014/main" val="4213757338"/>
+                        <a16:rowId xmlns:a16="http://schemas.microsoft.com/office/drawing/2014/main" xmlns="" val="4213757338"/>
                       </a:ext>
                     </a:extLst>
                   </a:tr>
@@ -21876,7 +21993,7 @@
                     </a:tc>
                     <a:extLst>
                       <a:ext uri="{0D108BD9-81ED-4DB2-BD59-A6C34878D82A}">
-                        <a16:rowId xmlns:a16="http://schemas.microsoft.com/office/drawing/2014/main" val="2720335172"/>
+                        <a16:rowId xmlns:a16="http://schemas.microsoft.com/office/drawing/2014/main" xmlns="" val="2720335172"/>
                       </a:ext>
                     </a:extLst>
                   </a:tr>
@@ -22430,7 +22547,7 @@
           <p:cNvPr id="21" name="Imagen 20">
             <a:extLst>
               <a:ext uri="{FF2B5EF4-FFF2-40B4-BE49-F238E27FC236}">
-                <a16:creationId xmlns:a16="http://schemas.microsoft.com/office/drawing/2014/main" id="{BCEF3C89-D85A-4AA8-A83D-6EEA5F9EC044}"/>
+                <a16:creationId xmlns:a16="http://schemas.microsoft.com/office/drawing/2014/main" xmlns="" id="{BCEF3C89-D85A-4AA8-A83D-6EEA5F9EC044}"/>
               </a:ext>
             </a:extLst>
           </p:cNvPr>
@@ -22459,7 +22576,7 @@
           <p:cNvPr id="6" name="TextBox 5">
             <a:extLst>
               <a:ext uri="{FF2B5EF4-FFF2-40B4-BE49-F238E27FC236}">
-                <a16:creationId xmlns:a16="http://schemas.microsoft.com/office/drawing/2014/main" id="{49167481-5284-49E4-BC69-2F5BB5613D6B}"/>
+                <a16:creationId xmlns:a16="http://schemas.microsoft.com/office/drawing/2014/main" xmlns="" id="{49167481-5284-49E4-BC69-2F5BB5613D6B}"/>
               </a:ext>
             </a:extLst>
           </p:cNvPr>
@@ -22497,7 +22614,7 @@
           <p:cNvPr id="4" name="Slide Number Placeholder 3">
             <a:extLst>
               <a:ext uri="{FF2B5EF4-FFF2-40B4-BE49-F238E27FC236}">
-                <a16:creationId xmlns:a16="http://schemas.microsoft.com/office/drawing/2014/main" id="{1380C177-1018-4362-9F4A-A654196559C4}"/>
+                <a16:creationId xmlns:a16="http://schemas.microsoft.com/office/drawing/2014/main" xmlns="" id="{1380C177-1018-4362-9F4A-A654196559C4}"/>
               </a:ext>
             </a:extLst>
           </p:cNvPr>
@@ -22556,7 +22673,7 @@
           <p:cNvPr id="2" name="Straight Connector 1">
             <a:extLst>
               <a:ext uri="{FF2B5EF4-FFF2-40B4-BE49-F238E27FC236}">
-                <a16:creationId xmlns:a16="http://schemas.microsoft.com/office/drawing/2014/main" id="{6B2A0167-33CF-48BF-A2ED-757ECB5D4774}"/>
+                <a16:creationId xmlns:a16="http://schemas.microsoft.com/office/drawing/2014/main" xmlns="" id="{6B2A0167-33CF-48BF-A2ED-757ECB5D4774}"/>
               </a:ext>
             </a:extLst>
           </p:cNvPr>
@@ -22597,7 +22714,7 @@
           <p:cNvPr id="3" name="TextBox 2">
             <a:extLst>
               <a:ext uri="{FF2B5EF4-FFF2-40B4-BE49-F238E27FC236}">
-                <a16:creationId xmlns:a16="http://schemas.microsoft.com/office/drawing/2014/main" id="{B89D4FB9-4FD5-4539-9D75-EEA50F5DB448}"/>
+                <a16:creationId xmlns:a16="http://schemas.microsoft.com/office/drawing/2014/main" xmlns="" id="{B89D4FB9-4FD5-4539-9D75-EEA50F5DB448}"/>
               </a:ext>
             </a:extLst>
           </p:cNvPr>
@@ -22637,7 +22754,7 @@
               <p:cNvPr id="19" name="Marcador de contenido 18">
                 <a:extLst>
                   <a:ext uri="{FF2B5EF4-FFF2-40B4-BE49-F238E27FC236}">
-                    <a16:creationId xmlns:a16="http://schemas.microsoft.com/office/drawing/2014/main" id="{A8292075-DFBC-44D4-9140-69A2366F3B6E}"/>
+                    <a16:creationId xmlns:a16="http://schemas.microsoft.com/office/drawing/2014/main" xmlns="" id="{A8292075-DFBC-44D4-9140-69A2366F3B6E}"/>
                   </a:ext>
                 </a:extLst>
               </p:cNvPr>
@@ -22665,14 +22782,14 @@
                     <a:gridCol w="10489791">
                       <a:extLst>
                         <a:ext uri="{9D8B030D-6E8A-4147-A177-3AD203B41FA5}">
-                          <a16:colId xmlns:a16="http://schemas.microsoft.com/office/drawing/2014/main" val="2200701939"/>
+                          <a16:colId xmlns:a16="http://schemas.microsoft.com/office/drawing/2014/main" xmlns="" val="2200701939"/>
                         </a:ext>
                       </a:extLst>
                     </a:gridCol>
                     <a:gridCol w="1063777">
                       <a:extLst>
                         <a:ext uri="{9D8B030D-6E8A-4147-A177-3AD203B41FA5}">
-                          <a16:colId xmlns:a16="http://schemas.microsoft.com/office/drawing/2014/main" val="390178824"/>
+                          <a16:colId xmlns:a16="http://schemas.microsoft.com/office/drawing/2014/main" xmlns="" val="390178824"/>
                         </a:ext>
                       </a:extLst>
                     </a:gridCol>
@@ -23239,7 +23356,7 @@
                     </a:tc>
                     <a:extLst>
                       <a:ext uri="{0D108BD9-81ED-4DB2-BD59-A6C34878D82A}">
-                        <a16:rowId xmlns:a16="http://schemas.microsoft.com/office/drawing/2014/main" val="2720335172"/>
+                        <a16:rowId xmlns:a16="http://schemas.microsoft.com/office/drawing/2014/main" xmlns="" val="2720335172"/>
                       </a:ext>
                     </a:extLst>
                   </a:tr>
@@ -23427,7 +23544,7 @@
           <p:cNvPr id="7" name="Imagen 6">
             <a:extLst>
               <a:ext uri="{FF2B5EF4-FFF2-40B4-BE49-F238E27FC236}">
-                <a16:creationId xmlns:a16="http://schemas.microsoft.com/office/drawing/2014/main" id="{AA2FCA76-3D4F-4431-8C78-1B3FDAE197C2}"/>
+                <a16:creationId xmlns:a16="http://schemas.microsoft.com/office/drawing/2014/main" xmlns="" id="{AA2FCA76-3D4F-4431-8C78-1B3FDAE197C2}"/>
               </a:ext>
             </a:extLst>
           </p:cNvPr>
@@ -23457,7 +23574,7 @@
           <p:cNvPr id="6" name="TextBox 5">
             <a:extLst>
               <a:ext uri="{FF2B5EF4-FFF2-40B4-BE49-F238E27FC236}">
-                <a16:creationId xmlns:a16="http://schemas.microsoft.com/office/drawing/2014/main" id="{584642E6-EB29-4A17-8984-A8EB49687BCE}"/>
+                <a16:creationId xmlns:a16="http://schemas.microsoft.com/office/drawing/2014/main" xmlns="" id="{584642E6-EB29-4A17-8984-A8EB49687BCE}"/>
               </a:ext>
             </a:extLst>
           </p:cNvPr>
@@ -23495,7 +23612,7 @@
           <p:cNvPr id="4" name="Slide Number Placeholder 3">
             <a:extLst>
               <a:ext uri="{FF2B5EF4-FFF2-40B4-BE49-F238E27FC236}">
-                <a16:creationId xmlns:a16="http://schemas.microsoft.com/office/drawing/2014/main" id="{863D1FAA-345D-4F65-809D-573A1E4F4961}"/>
+                <a16:creationId xmlns:a16="http://schemas.microsoft.com/office/drawing/2014/main" xmlns="" id="{863D1FAA-345D-4F65-809D-573A1E4F4961}"/>
               </a:ext>
             </a:extLst>
           </p:cNvPr>

--- a/final_project/T2_final_project.pptx
+++ b/final_project/T2_final_project.pptx
@@ -220,7 +220,7 @@
           <a:p>
             <a:fld id="{894AE648-7ACA-48B1-9DBD-59A5BF6000D4}" type="datetimeFigureOut">
               <a:rPr lang="en-US" smtClean="0"/>
-              <a:t>4/20/2022</a:t>
+              <a:t>4/20/22</a:t>
             </a:fld>
             <a:endParaRPr lang="en-US"/>
           </a:p>
@@ -509,7 +509,7 @@
           <p:cNvPr id="2" name="Title 1">
             <a:extLst>
               <a:ext uri="{FF2B5EF4-FFF2-40B4-BE49-F238E27FC236}">
-                <a16:creationId xmlns:a16="http://schemas.microsoft.com/office/drawing/2014/main" xmlns="" id="{7991FF1C-8740-4583-9D4E-97A7295A265C}"/>
+                <a16:creationId xmlns:a16="http://schemas.microsoft.com/office/drawing/2014/main" id="{7991FF1C-8740-4583-9D4E-97A7295A265C}"/>
               </a:ext>
             </a:extLst>
           </p:cNvPr>
@@ -546,7 +546,7 @@
           <p:cNvPr id="3" name="Subtitle 2">
             <a:extLst>
               <a:ext uri="{FF2B5EF4-FFF2-40B4-BE49-F238E27FC236}">
-                <a16:creationId xmlns:a16="http://schemas.microsoft.com/office/drawing/2014/main" xmlns="" id="{ABF902D2-6FE9-4E65-9BB4-512485FA9A37}"/>
+                <a16:creationId xmlns:a16="http://schemas.microsoft.com/office/drawing/2014/main" id="{ABF902D2-6FE9-4E65-9BB4-512485FA9A37}"/>
               </a:ext>
             </a:extLst>
           </p:cNvPr>
@@ -616,7 +616,7 @@
           <p:cNvPr id="4" name="Date Placeholder 3">
             <a:extLst>
               <a:ext uri="{FF2B5EF4-FFF2-40B4-BE49-F238E27FC236}">
-                <a16:creationId xmlns:a16="http://schemas.microsoft.com/office/drawing/2014/main" xmlns="" id="{64BD5271-D5FF-4012-87BD-4280D41BE3AE}"/>
+                <a16:creationId xmlns:a16="http://schemas.microsoft.com/office/drawing/2014/main" id="{64BD5271-D5FF-4012-87BD-4280D41BE3AE}"/>
               </a:ext>
             </a:extLst>
           </p:cNvPr>
@@ -634,7 +634,7 @@
           <a:p>
             <a:fld id="{64FB6F47-6501-4D03-AA43-9A51467742BE}" type="datetime1">
               <a:rPr lang="en-US" smtClean="0"/>
-              <a:t>4/20/2022</a:t>
+              <a:t>4/20/22</a:t>
             </a:fld>
             <a:endParaRPr lang="en-US"/>
           </a:p>
@@ -645,7 +645,7 @@
           <p:cNvPr id="5" name="Footer Placeholder 4">
             <a:extLst>
               <a:ext uri="{FF2B5EF4-FFF2-40B4-BE49-F238E27FC236}">
-                <a16:creationId xmlns:a16="http://schemas.microsoft.com/office/drawing/2014/main" xmlns="" id="{C6326500-5A7B-41C4-8E5E-EDB6F58F3303}"/>
+                <a16:creationId xmlns:a16="http://schemas.microsoft.com/office/drawing/2014/main" id="{C6326500-5A7B-41C4-8E5E-EDB6F58F3303}"/>
               </a:ext>
             </a:extLst>
           </p:cNvPr>
@@ -670,7 +670,7 @@
           <p:cNvPr id="6" name="Slide Number Placeholder 5">
             <a:extLst>
               <a:ext uri="{FF2B5EF4-FFF2-40B4-BE49-F238E27FC236}">
-                <a16:creationId xmlns:a16="http://schemas.microsoft.com/office/drawing/2014/main" xmlns="" id="{847ED73A-F91B-4D4E-B66D-D674A31D9386}"/>
+                <a16:creationId xmlns:a16="http://schemas.microsoft.com/office/drawing/2014/main" id="{847ED73A-F91B-4D4E-B66D-D674A31D9386}"/>
               </a:ext>
             </a:extLst>
           </p:cNvPr>
@@ -729,7 +729,7 @@
           <p:cNvPr id="2" name="Title 1">
             <a:extLst>
               <a:ext uri="{FF2B5EF4-FFF2-40B4-BE49-F238E27FC236}">
-                <a16:creationId xmlns:a16="http://schemas.microsoft.com/office/drawing/2014/main" xmlns="" id="{D9BA2A15-5EBB-48B0-84BF-94A12930FBF7}"/>
+                <a16:creationId xmlns:a16="http://schemas.microsoft.com/office/drawing/2014/main" id="{D9BA2A15-5EBB-48B0-84BF-94A12930FBF7}"/>
               </a:ext>
             </a:extLst>
           </p:cNvPr>
@@ -757,7 +757,7 @@
           <p:cNvPr id="3" name="Vertical Text Placeholder 2">
             <a:extLst>
               <a:ext uri="{FF2B5EF4-FFF2-40B4-BE49-F238E27FC236}">
-                <a16:creationId xmlns:a16="http://schemas.microsoft.com/office/drawing/2014/main" xmlns="" id="{FDCF8101-35E9-4DD5-BCB1-83970413AFD1}"/>
+                <a16:creationId xmlns:a16="http://schemas.microsoft.com/office/drawing/2014/main" id="{FDCF8101-35E9-4DD5-BCB1-83970413AFD1}"/>
               </a:ext>
             </a:extLst>
           </p:cNvPr>
@@ -814,7 +814,7 @@
           <p:cNvPr id="4" name="Date Placeholder 3">
             <a:extLst>
               <a:ext uri="{FF2B5EF4-FFF2-40B4-BE49-F238E27FC236}">
-                <a16:creationId xmlns:a16="http://schemas.microsoft.com/office/drawing/2014/main" xmlns="" id="{32D85C91-8C68-4D38-BE68-E23A7461DB42}"/>
+                <a16:creationId xmlns:a16="http://schemas.microsoft.com/office/drawing/2014/main" id="{32D85C91-8C68-4D38-BE68-E23A7461DB42}"/>
               </a:ext>
             </a:extLst>
           </p:cNvPr>
@@ -832,7 +832,7 @@
           <a:p>
             <a:fld id="{58635EEC-AC04-454F-B528-8FC3C6B54314}" type="datetime1">
               <a:rPr lang="en-US" smtClean="0"/>
-              <a:t>4/20/2022</a:t>
+              <a:t>4/20/22</a:t>
             </a:fld>
             <a:endParaRPr lang="en-US"/>
           </a:p>
@@ -843,7 +843,7 @@
           <p:cNvPr id="5" name="Footer Placeholder 4">
             <a:extLst>
               <a:ext uri="{FF2B5EF4-FFF2-40B4-BE49-F238E27FC236}">
-                <a16:creationId xmlns:a16="http://schemas.microsoft.com/office/drawing/2014/main" xmlns="" id="{83785779-70A8-4E04-9A56-29B994E78433}"/>
+                <a16:creationId xmlns:a16="http://schemas.microsoft.com/office/drawing/2014/main" id="{83785779-70A8-4E04-9A56-29B994E78433}"/>
               </a:ext>
             </a:extLst>
           </p:cNvPr>
@@ -868,7 +868,7 @@
           <p:cNvPr id="6" name="Slide Number Placeholder 5">
             <a:extLst>
               <a:ext uri="{FF2B5EF4-FFF2-40B4-BE49-F238E27FC236}">
-                <a16:creationId xmlns:a16="http://schemas.microsoft.com/office/drawing/2014/main" xmlns="" id="{50D77FAB-9DD3-43D8-B923-27418C9D1B6C}"/>
+                <a16:creationId xmlns:a16="http://schemas.microsoft.com/office/drawing/2014/main" id="{50D77FAB-9DD3-43D8-B923-27418C9D1B6C}"/>
               </a:ext>
             </a:extLst>
           </p:cNvPr>
@@ -927,7 +927,7 @@
           <p:cNvPr id="2" name="Vertical Title 1">
             <a:extLst>
               <a:ext uri="{FF2B5EF4-FFF2-40B4-BE49-F238E27FC236}">
-                <a16:creationId xmlns:a16="http://schemas.microsoft.com/office/drawing/2014/main" xmlns="" id="{275FD3A8-5F2D-44FE-B2CB-5F0C31CF5372}"/>
+                <a16:creationId xmlns:a16="http://schemas.microsoft.com/office/drawing/2014/main" id="{275FD3A8-5F2D-44FE-B2CB-5F0C31CF5372}"/>
               </a:ext>
             </a:extLst>
           </p:cNvPr>
@@ -960,7 +960,7 @@
           <p:cNvPr id="3" name="Vertical Text Placeholder 2">
             <a:extLst>
               <a:ext uri="{FF2B5EF4-FFF2-40B4-BE49-F238E27FC236}">
-                <a16:creationId xmlns:a16="http://schemas.microsoft.com/office/drawing/2014/main" xmlns="" id="{6928AD24-AFA4-4DA8-AC71-95FA4AF1C48B}"/>
+                <a16:creationId xmlns:a16="http://schemas.microsoft.com/office/drawing/2014/main" id="{6928AD24-AFA4-4DA8-AC71-95FA4AF1C48B}"/>
               </a:ext>
             </a:extLst>
           </p:cNvPr>
@@ -1022,7 +1022,7 @@
           <p:cNvPr id="4" name="Date Placeholder 3">
             <a:extLst>
               <a:ext uri="{FF2B5EF4-FFF2-40B4-BE49-F238E27FC236}">
-                <a16:creationId xmlns:a16="http://schemas.microsoft.com/office/drawing/2014/main" xmlns="" id="{EC8585DE-B12A-4EEF-91C9-7B971361427E}"/>
+                <a16:creationId xmlns:a16="http://schemas.microsoft.com/office/drawing/2014/main" id="{EC8585DE-B12A-4EEF-91C9-7B971361427E}"/>
               </a:ext>
             </a:extLst>
           </p:cNvPr>
@@ -1040,7 +1040,7 @@
           <a:p>
             <a:fld id="{E766740F-B8E8-4AB1-89D1-361EB24EA3A4}" type="datetime1">
               <a:rPr lang="en-US" smtClean="0"/>
-              <a:t>4/20/2022</a:t>
+              <a:t>4/20/22</a:t>
             </a:fld>
             <a:endParaRPr lang="en-US"/>
           </a:p>
@@ -1051,7 +1051,7 @@
           <p:cNvPr id="5" name="Footer Placeholder 4">
             <a:extLst>
               <a:ext uri="{FF2B5EF4-FFF2-40B4-BE49-F238E27FC236}">
-                <a16:creationId xmlns:a16="http://schemas.microsoft.com/office/drawing/2014/main" xmlns="" id="{2997F936-9298-4B18-BD25-457C4711B56A}"/>
+                <a16:creationId xmlns:a16="http://schemas.microsoft.com/office/drawing/2014/main" id="{2997F936-9298-4B18-BD25-457C4711B56A}"/>
               </a:ext>
             </a:extLst>
           </p:cNvPr>
@@ -1076,7 +1076,7 @@
           <p:cNvPr id="6" name="Slide Number Placeholder 5">
             <a:extLst>
               <a:ext uri="{FF2B5EF4-FFF2-40B4-BE49-F238E27FC236}">
-                <a16:creationId xmlns:a16="http://schemas.microsoft.com/office/drawing/2014/main" xmlns="" id="{0A31366D-2505-44A7-8095-6EB53BAFABBB}"/>
+                <a16:creationId xmlns:a16="http://schemas.microsoft.com/office/drawing/2014/main" id="{0A31366D-2505-44A7-8095-6EB53BAFABBB}"/>
               </a:ext>
             </a:extLst>
           </p:cNvPr>
@@ -1135,7 +1135,7 @@
           <p:cNvPr id="2" name="Title 1">
             <a:extLst>
               <a:ext uri="{FF2B5EF4-FFF2-40B4-BE49-F238E27FC236}">
-                <a16:creationId xmlns:a16="http://schemas.microsoft.com/office/drawing/2014/main" xmlns="" id="{97BA6634-FAB0-47D4-B566-0318DBA2A7D8}"/>
+                <a16:creationId xmlns:a16="http://schemas.microsoft.com/office/drawing/2014/main" id="{97BA6634-FAB0-47D4-B566-0318DBA2A7D8}"/>
               </a:ext>
             </a:extLst>
           </p:cNvPr>
@@ -1163,7 +1163,7 @@
           <p:cNvPr id="3" name="Content Placeholder 2">
             <a:extLst>
               <a:ext uri="{FF2B5EF4-FFF2-40B4-BE49-F238E27FC236}">
-                <a16:creationId xmlns:a16="http://schemas.microsoft.com/office/drawing/2014/main" xmlns="" id="{3A3E62D1-62CC-4D63-9482-E8AC3ED1AB52}"/>
+                <a16:creationId xmlns:a16="http://schemas.microsoft.com/office/drawing/2014/main" id="{3A3E62D1-62CC-4D63-9482-E8AC3ED1AB52}"/>
               </a:ext>
             </a:extLst>
           </p:cNvPr>
@@ -1220,7 +1220,7 @@
           <p:cNvPr id="4" name="Date Placeholder 3">
             <a:extLst>
               <a:ext uri="{FF2B5EF4-FFF2-40B4-BE49-F238E27FC236}">
-                <a16:creationId xmlns:a16="http://schemas.microsoft.com/office/drawing/2014/main" xmlns="" id="{518E4EFC-E675-46DB-AFAB-61F7EA5F0BB1}"/>
+                <a16:creationId xmlns:a16="http://schemas.microsoft.com/office/drawing/2014/main" id="{518E4EFC-E675-46DB-AFAB-61F7EA5F0BB1}"/>
               </a:ext>
             </a:extLst>
           </p:cNvPr>
@@ -1238,7 +1238,7 @@
           <a:p>
             <a:fld id="{4D3DDA2C-47CB-4B8F-8103-2EF8B6200E76}" type="datetime1">
               <a:rPr lang="en-US" smtClean="0"/>
-              <a:t>4/20/2022</a:t>
+              <a:t>4/20/22</a:t>
             </a:fld>
             <a:endParaRPr lang="en-US"/>
           </a:p>
@@ -1249,7 +1249,7 @@
           <p:cNvPr id="5" name="Footer Placeholder 4">
             <a:extLst>
               <a:ext uri="{FF2B5EF4-FFF2-40B4-BE49-F238E27FC236}">
-                <a16:creationId xmlns:a16="http://schemas.microsoft.com/office/drawing/2014/main" xmlns="" id="{D4A48A20-0D4A-4BD0-9277-46996715F05F}"/>
+                <a16:creationId xmlns:a16="http://schemas.microsoft.com/office/drawing/2014/main" id="{D4A48A20-0D4A-4BD0-9277-46996715F05F}"/>
               </a:ext>
             </a:extLst>
           </p:cNvPr>
@@ -1274,7 +1274,7 @@
           <p:cNvPr id="6" name="Slide Number Placeholder 5">
             <a:extLst>
               <a:ext uri="{FF2B5EF4-FFF2-40B4-BE49-F238E27FC236}">
-                <a16:creationId xmlns:a16="http://schemas.microsoft.com/office/drawing/2014/main" xmlns="" id="{3800F55C-AF6F-49EB-803D-93D5EF5D1FA1}"/>
+                <a16:creationId xmlns:a16="http://schemas.microsoft.com/office/drawing/2014/main" id="{3800F55C-AF6F-49EB-803D-93D5EF5D1FA1}"/>
               </a:ext>
             </a:extLst>
           </p:cNvPr>
@@ -1333,7 +1333,7 @@
           <p:cNvPr id="2" name="Title 1">
             <a:extLst>
               <a:ext uri="{FF2B5EF4-FFF2-40B4-BE49-F238E27FC236}">
-                <a16:creationId xmlns:a16="http://schemas.microsoft.com/office/drawing/2014/main" xmlns="" id="{4056ED20-E0D9-44B8-9C25-62EA4CD16F41}"/>
+                <a16:creationId xmlns:a16="http://schemas.microsoft.com/office/drawing/2014/main" id="{4056ED20-E0D9-44B8-9C25-62EA4CD16F41}"/>
               </a:ext>
             </a:extLst>
           </p:cNvPr>
@@ -1370,7 +1370,7 @@
           <p:cNvPr id="3" name="Text Placeholder 2">
             <a:extLst>
               <a:ext uri="{FF2B5EF4-FFF2-40B4-BE49-F238E27FC236}">
-                <a16:creationId xmlns:a16="http://schemas.microsoft.com/office/drawing/2014/main" xmlns="" id="{092F1EF0-B105-4CA1-8ABF-8AB68494820A}"/>
+                <a16:creationId xmlns:a16="http://schemas.microsoft.com/office/drawing/2014/main" id="{092F1EF0-B105-4CA1-8ABF-8AB68494820A}"/>
               </a:ext>
             </a:extLst>
           </p:cNvPr>
@@ -1495,7 +1495,7 @@
           <p:cNvPr id="4" name="Date Placeholder 3">
             <a:extLst>
               <a:ext uri="{FF2B5EF4-FFF2-40B4-BE49-F238E27FC236}">
-                <a16:creationId xmlns:a16="http://schemas.microsoft.com/office/drawing/2014/main" xmlns="" id="{67103BC3-7A61-420D-9D49-3C4B389D0215}"/>
+                <a16:creationId xmlns:a16="http://schemas.microsoft.com/office/drawing/2014/main" id="{67103BC3-7A61-420D-9D49-3C4B389D0215}"/>
               </a:ext>
             </a:extLst>
           </p:cNvPr>
@@ -1513,7 +1513,7 @@
           <a:p>
             <a:fld id="{D9CE748D-70AB-4E58-9CE9-BB27221EBB03}" type="datetime1">
               <a:rPr lang="en-US" smtClean="0"/>
-              <a:t>4/20/2022</a:t>
+              <a:t>4/20/22</a:t>
             </a:fld>
             <a:endParaRPr lang="en-US"/>
           </a:p>
@@ -1524,7 +1524,7 @@
           <p:cNvPr id="5" name="Footer Placeholder 4">
             <a:extLst>
               <a:ext uri="{FF2B5EF4-FFF2-40B4-BE49-F238E27FC236}">
-                <a16:creationId xmlns:a16="http://schemas.microsoft.com/office/drawing/2014/main" xmlns="" id="{AE03DD3F-9529-4FE1-8DB4-E1D21CB0225B}"/>
+                <a16:creationId xmlns:a16="http://schemas.microsoft.com/office/drawing/2014/main" id="{AE03DD3F-9529-4FE1-8DB4-E1D21CB0225B}"/>
               </a:ext>
             </a:extLst>
           </p:cNvPr>
@@ -1549,7 +1549,7 @@
           <p:cNvPr id="6" name="Slide Number Placeholder 5">
             <a:extLst>
               <a:ext uri="{FF2B5EF4-FFF2-40B4-BE49-F238E27FC236}">
-                <a16:creationId xmlns:a16="http://schemas.microsoft.com/office/drawing/2014/main" xmlns="" id="{AB4B493E-A3C8-4E61-9CF2-366C4C30FFCC}"/>
+                <a16:creationId xmlns:a16="http://schemas.microsoft.com/office/drawing/2014/main" id="{AB4B493E-A3C8-4E61-9CF2-366C4C30FFCC}"/>
               </a:ext>
             </a:extLst>
           </p:cNvPr>
@@ -1608,7 +1608,7 @@
           <p:cNvPr id="2" name="Title 1">
             <a:extLst>
               <a:ext uri="{FF2B5EF4-FFF2-40B4-BE49-F238E27FC236}">
-                <a16:creationId xmlns:a16="http://schemas.microsoft.com/office/drawing/2014/main" xmlns="" id="{C32434D4-5477-4F80-81A7-F2BCF84E7450}"/>
+                <a16:creationId xmlns:a16="http://schemas.microsoft.com/office/drawing/2014/main" id="{C32434D4-5477-4F80-81A7-F2BCF84E7450}"/>
               </a:ext>
             </a:extLst>
           </p:cNvPr>
@@ -1636,7 +1636,7 @@
           <p:cNvPr id="3" name="Content Placeholder 2">
             <a:extLst>
               <a:ext uri="{FF2B5EF4-FFF2-40B4-BE49-F238E27FC236}">
-                <a16:creationId xmlns:a16="http://schemas.microsoft.com/office/drawing/2014/main" xmlns="" id="{41751AE1-B383-424A-803A-B34C21BA2535}"/>
+                <a16:creationId xmlns:a16="http://schemas.microsoft.com/office/drawing/2014/main" id="{41751AE1-B383-424A-803A-B34C21BA2535}"/>
               </a:ext>
             </a:extLst>
           </p:cNvPr>
@@ -1698,7 +1698,7 @@
           <p:cNvPr id="4" name="Content Placeholder 3">
             <a:extLst>
               <a:ext uri="{FF2B5EF4-FFF2-40B4-BE49-F238E27FC236}">
-                <a16:creationId xmlns:a16="http://schemas.microsoft.com/office/drawing/2014/main" xmlns="" id="{69217FB6-C794-4D81-A5E7-BC780DB41F30}"/>
+                <a16:creationId xmlns:a16="http://schemas.microsoft.com/office/drawing/2014/main" id="{69217FB6-C794-4D81-A5E7-BC780DB41F30}"/>
               </a:ext>
             </a:extLst>
           </p:cNvPr>
@@ -1760,7 +1760,7 @@
           <p:cNvPr id="5" name="Date Placeholder 4">
             <a:extLst>
               <a:ext uri="{FF2B5EF4-FFF2-40B4-BE49-F238E27FC236}">
-                <a16:creationId xmlns:a16="http://schemas.microsoft.com/office/drawing/2014/main" xmlns="" id="{BE85F722-6559-46B6-A031-9704F03FA631}"/>
+                <a16:creationId xmlns:a16="http://schemas.microsoft.com/office/drawing/2014/main" id="{BE85F722-6559-46B6-A031-9704F03FA631}"/>
               </a:ext>
             </a:extLst>
           </p:cNvPr>
@@ -1778,7 +1778,7 @@
           <a:p>
             <a:fld id="{DF4F4581-5A40-458B-BC83-8E9F4FE04819}" type="datetime1">
               <a:rPr lang="en-US" smtClean="0"/>
-              <a:t>4/20/2022</a:t>
+              <a:t>4/20/22</a:t>
             </a:fld>
             <a:endParaRPr lang="en-US"/>
           </a:p>
@@ -1789,7 +1789,7 @@
           <p:cNvPr id="6" name="Footer Placeholder 5">
             <a:extLst>
               <a:ext uri="{FF2B5EF4-FFF2-40B4-BE49-F238E27FC236}">
-                <a16:creationId xmlns:a16="http://schemas.microsoft.com/office/drawing/2014/main" xmlns="" id="{43005DCA-EE35-4011-BBCE-A44B43D4928B}"/>
+                <a16:creationId xmlns:a16="http://schemas.microsoft.com/office/drawing/2014/main" id="{43005DCA-EE35-4011-BBCE-A44B43D4928B}"/>
               </a:ext>
             </a:extLst>
           </p:cNvPr>
@@ -1814,7 +1814,7 @@
           <p:cNvPr id="7" name="Slide Number Placeholder 6">
             <a:extLst>
               <a:ext uri="{FF2B5EF4-FFF2-40B4-BE49-F238E27FC236}">
-                <a16:creationId xmlns:a16="http://schemas.microsoft.com/office/drawing/2014/main" xmlns="" id="{EBCCE416-6CE7-457F-B651-D9949607C5B3}"/>
+                <a16:creationId xmlns:a16="http://schemas.microsoft.com/office/drawing/2014/main" id="{EBCCE416-6CE7-457F-B651-D9949607C5B3}"/>
               </a:ext>
             </a:extLst>
           </p:cNvPr>
@@ -1873,7 +1873,7 @@
           <p:cNvPr id="2" name="Title 1">
             <a:extLst>
               <a:ext uri="{FF2B5EF4-FFF2-40B4-BE49-F238E27FC236}">
-                <a16:creationId xmlns:a16="http://schemas.microsoft.com/office/drawing/2014/main" xmlns="" id="{12028016-80A2-493C-BAD2-F73486BF3747}"/>
+                <a16:creationId xmlns:a16="http://schemas.microsoft.com/office/drawing/2014/main" id="{12028016-80A2-493C-BAD2-F73486BF3747}"/>
               </a:ext>
             </a:extLst>
           </p:cNvPr>
@@ -1906,7 +1906,7 @@
           <p:cNvPr id="3" name="Text Placeholder 2">
             <a:extLst>
               <a:ext uri="{FF2B5EF4-FFF2-40B4-BE49-F238E27FC236}">
-                <a16:creationId xmlns:a16="http://schemas.microsoft.com/office/drawing/2014/main" xmlns="" id="{71460042-26F0-4D19-97AF-8D11535BBF16}"/>
+                <a16:creationId xmlns:a16="http://schemas.microsoft.com/office/drawing/2014/main" id="{71460042-26F0-4D19-97AF-8D11535BBF16}"/>
               </a:ext>
             </a:extLst>
           </p:cNvPr>
@@ -1977,7 +1977,7 @@
           <p:cNvPr id="4" name="Content Placeholder 3">
             <a:extLst>
               <a:ext uri="{FF2B5EF4-FFF2-40B4-BE49-F238E27FC236}">
-                <a16:creationId xmlns:a16="http://schemas.microsoft.com/office/drawing/2014/main" xmlns="" id="{968A4617-9A80-42C0-99C5-4E4304412E46}"/>
+                <a16:creationId xmlns:a16="http://schemas.microsoft.com/office/drawing/2014/main" id="{968A4617-9A80-42C0-99C5-4E4304412E46}"/>
               </a:ext>
             </a:extLst>
           </p:cNvPr>
@@ -2039,7 +2039,7 @@
           <p:cNvPr id="5" name="Text Placeholder 4">
             <a:extLst>
               <a:ext uri="{FF2B5EF4-FFF2-40B4-BE49-F238E27FC236}">
-                <a16:creationId xmlns:a16="http://schemas.microsoft.com/office/drawing/2014/main" xmlns="" id="{66BDE5AC-3F3A-49E1-B00D-F5ABE9B0B502}"/>
+                <a16:creationId xmlns:a16="http://schemas.microsoft.com/office/drawing/2014/main" id="{66BDE5AC-3F3A-49E1-B00D-F5ABE9B0B502}"/>
               </a:ext>
             </a:extLst>
           </p:cNvPr>
@@ -2110,7 +2110,7 @@
           <p:cNvPr id="6" name="Content Placeholder 5">
             <a:extLst>
               <a:ext uri="{FF2B5EF4-FFF2-40B4-BE49-F238E27FC236}">
-                <a16:creationId xmlns:a16="http://schemas.microsoft.com/office/drawing/2014/main" xmlns="" id="{236EC18B-D07C-4A68-B328-0916DE7A7B17}"/>
+                <a16:creationId xmlns:a16="http://schemas.microsoft.com/office/drawing/2014/main" id="{236EC18B-D07C-4A68-B328-0916DE7A7B17}"/>
               </a:ext>
             </a:extLst>
           </p:cNvPr>
@@ -2172,7 +2172,7 @@
           <p:cNvPr id="7" name="Date Placeholder 6">
             <a:extLst>
               <a:ext uri="{FF2B5EF4-FFF2-40B4-BE49-F238E27FC236}">
-                <a16:creationId xmlns:a16="http://schemas.microsoft.com/office/drawing/2014/main" xmlns="" id="{B41FA263-D0AD-45EF-BD1A-1E8EE367E1BF}"/>
+                <a16:creationId xmlns:a16="http://schemas.microsoft.com/office/drawing/2014/main" id="{B41FA263-D0AD-45EF-BD1A-1E8EE367E1BF}"/>
               </a:ext>
             </a:extLst>
           </p:cNvPr>
@@ -2190,7 +2190,7 @@
           <a:p>
             <a:fld id="{6D223CDE-BBFF-45E0-BD9D-B937262A6883}" type="datetime1">
               <a:rPr lang="en-US" smtClean="0"/>
-              <a:t>4/20/2022</a:t>
+              <a:t>4/20/22</a:t>
             </a:fld>
             <a:endParaRPr lang="en-US"/>
           </a:p>
@@ -2201,7 +2201,7 @@
           <p:cNvPr id="8" name="Footer Placeholder 7">
             <a:extLst>
               <a:ext uri="{FF2B5EF4-FFF2-40B4-BE49-F238E27FC236}">
-                <a16:creationId xmlns:a16="http://schemas.microsoft.com/office/drawing/2014/main" xmlns="" id="{3DD661C0-C595-4BCC-9499-ADE3ED68D657}"/>
+                <a16:creationId xmlns:a16="http://schemas.microsoft.com/office/drawing/2014/main" id="{3DD661C0-C595-4BCC-9499-ADE3ED68D657}"/>
               </a:ext>
             </a:extLst>
           </p:cNvPr>
@@ -2226,7 +2226,7 @@
           <p:cNvPr id="9" name="Slide Number Placeholder 8">
             <a:extLst>
               <a:ext uri="{FF2B5EF4-FFF2-40B4-BE49-F238E27FC236}">
-                <a16:creationId xmlns:a16="http://schemas.microsoft.com/office/drawing/2014/main" xmlns="" id="{FCA5E7FB-383D-40E5-97FA-4BD65C4F834A}"/>
+                <a16:creationId xmlns:a16="http://schemas.microsoft.com/office/drawing/2014/main" id="{FCA5E7FB-383D-40E5-97FA-4BD65C4F834A}"/>
               </a:ext>
             </a:extLst>
           </p:cNvPr>
@@ -2285,7 +2285,7 @@
           <p:cNvPr id="2" name="Title 1">
             <a:extLst>
               <a:ext uri="{FF2B5EF4-FFF2-40B4-BE49-F238E27FC236}">
-                <a16:creationId xmlns:a16="http://schemas.microsoft.com/office/drawing/2014/main" xmlns="" id="{D5C1CC5E-D7D1-492E-AB58-A36F012D2033}"/>
+                <a16:creationId xmlns:a16="http://schemas.microsoft.com/office/drawing/2014/main" id="{D5C1CC5E-D7D1-492E-AB58-A36F012D2033}"/>
               </a:ext>
             </a:extLst>
           </p:cNvPr>
@@ -2313,7 +2313,7 @@
           <p:cNvPr id="3" name="Date Placeholder 2">
             <a:extLst>
               <a:ext uri="{FF2B5EF4-FFF2-40B4-BE49-F238E27FC236}">
-                <a16:creationId xmlns:a16="http://schemas.microsoft.com/office/drawing/2014/main" xmlns="" id="{1F109B1D-3516-465E-B4A7-C856AE085122}"/>
+                <a16:creationId xmlns:a16="http://schemas.microsoft.com/office/drawing/2014/main" id="{1F109B1D-3516-465E-B4A7-C856AE085122}"/>
               </a:ext>
             </a:extLst>
           </p:cNvPr>
@@ -2331,7 +2331,7 @@
           <a:p>
             <a:fld id="{1003A0C1-7098-4CBD-B403-BC0465A6F04B}" type="datetime1">
               <a:rPr lang="en-US" smtClean="0"/>
-              <a:t>4/20/2022</a:t>
+              <a:t>4/20/22</a:t>
             </a:fld>
             <a:endParaRPr lang="en-US"/>
           </a:p>
@@ -2342,7 +2342,7 @@
           <p:cNvPr id="4" name="Footer Placeholder 3">
             <a:extLst>
               <a:ext uri="{FF2B5EF4-FFF2-40B4-BE49-F238E27FC236}">
-                <a16:creationId xmlns:a16="http://schemas.microsoft.com/office/drawing/2014/main" xmlns="" id="{ED507623-3AD4-4906-956E-3DB299625B53}"/>
+                <a16:creationId xmlns:a16="http://schemas.microsoft.com/office/drawing/2014/main" id="{ED507623-3AD4-4906-956E-3DB299625B53}"/>
               </a:ext>
             </a:extLst>
           </p:cNvPr>
@@ -2367,7 +2367,7 @@
           <p:cNvPr id="5" name="Slide Number Placeholder 4">
             <a:extLst>
               <a:ext uri="{FF2B5EF4-FFF2-40B4-BE49-F238E27FC236}">
-                <a16:creationId xmlns:a16="http://schemas.microsoft.com/office/drawing/2014/main" xmlns="" id="{E50535B7-75F6-48BE-AD26-EFCEC1518C35}"/>
+                <a16:creationId xmlns:a16="http://schemas.microsoft.com/office/drawing/2014/main" id="{E50535B7-75F6-48BE-AD26-EFCEC1518C35}"/>
               </a:ext>
             </a:extLst>
           </p:cNvPr>
@@ -2426,7 +2426,7 @@
           <p:cNvPr id="2" name="Date Placeholder 1">
             <a:extLst>
               <a:ext uri="{FF2B5EF4-FFF2-40B4-BE49-F238E27FC236}">
-                <a16:creationId xmlns:a16="http://schemas.microsoft.com/office/drawing/2014/main" xmlns="" id="{9C94BD29-B01C-4612-AAEE-56789B8F97CB}"/>
+                <a16:creationId xmlns:a16="http://schemas.microsoft.com/office/drawing/2014/main" id="{9C94BD29-B01C-4612-AAEE-56789B8F97CB}"/>
               </a:ext>
             </a:extLst>
           </p:cNvPr>
@@ -2444,7 +2444,7 @@
           <a:p>
             <a:fld id="{F59D5724-5438-4DF1-93C0-9A907041AC6A}" type="datetime1">
               <a:rPr lang="en-US" smtClean="0"/>
-              <a:t>4/20/2022</a:t>
+              <a:t>4/20/22</a:t>
             </a:fld>
             <a:endParaRPr lang="en-US"/>
           </a:p>
@@ -2455,7 +2455,7 @@
           <p:cNvPr id="3" name="Footer Placeholder 2">
             <a:extLst>
               <a:ext uri="{FF2B5EF4-FFF2-40B4-BE49-F238E27FC236}">
-                <a16:creationId xmlns:a16="http://schemas.microsoft.com/office/drawing/2014/main" xmlns="" id="{70DED8FE-3A63-4BD5-B4D9-D2EC89D3177B}"/>
+                <a16:creationId xmlns:a16="http://schemas.microsoft.com/office/drawing/2014/main" id="{70DED8FE-3A63-4BD5-B4D9-D2EC89D3177B}"/>
               </a:ext>
             </a:extLst>
           </p:cNvPr>
@@ -2480,7 +2480,7 @@
           <p:cNvPr id="4" name="Slide Number Placeholder 3">
             <a:extLst>
               <a:ext uri="{FF2B5EF4-FFF2-40B4-BE49-F238E27FC236}">
-                <a16:creationId xmlns:a16="http://schemas.microsoft.com/office/drawing/2014/main" xmlns="" id="{9289ABA2-3183-412C-B8F5-DECDA9AAAF95}"/>
+                <a16:creationId xmlns:a16="http://schemas.microsoft.com/office/drawing/2014/main" id="{9289ABA2-3183-412C-B8F5-DECDA9AAAF95}"/>
               </a:ext>
             </a:extLst>
           </p:cNvPr>
@@ -2539,7 +2539,7 @@
           <p:cNvPr id="2" name="Title 1">
             <a:extLst>
               <a:ext uri="{FF2B5EF4-FFF2-40B4-BE49-F238E27FC236}">
-                <a16:creationId xmlns:a16="http://schemas.microsoft.com/office/drawing/2014/main" xmlns="" id="{4D85E78B-794A-4E6D-BA9F-25920A0656FC}"/>
+                <a16:creationId xmlns:a16="http://schemas.microsoft.com/office/drawing/2014/main" id="{4D85E78B-794A-4E6D-BA9F-25920A0656FC}"/>
               </a:ext>
             </a:extLst>
           </p:cNvPr>
@@ -2576,7 +2576,7 @@
           <p:cNvPr id="3" name="Content Placeholder 2">
             <a:extLst>
               <a:ext uri="{FF2B5EF4-FFF2-40B4-BE49-F238E27FC236}">
-                <a16:creationId xmlns:a16="http://schemas.microsoft.com/office/drawing/2014/main" xmlns="" id="{4C8355B9-5127-4870-9EAA-3A0EAA4F76C0}"/>
+                <a16:creationId xmlns:a16="http://schemas.microsoft.com/office/drawing/2014/main" id="{4C8355B9-5127-4870-9EAA-3A0EAA4F76C0}"/>
               </a:ext>
             </a:extLst>
           </p:cNvPr>
@@ -2666,7 +2666,7 @@
           <p:cNvPr id="4" name="Text Placeholder 3">
             <a:extLst>
               <a:ext uri="{FF2B5EF4-FFF2-40B4-BE49-F238E27FC236}">
-                <a16:creationId xmlns:a16="http://schemas.microsoft.com/office/drawing/2014/main" xmlns="" id="{B9AC585D-E45B-4884-8133-896D6B9FD012}"/>
+                <a16:creationId xmlns:a16="http://schemas.microsoft.com/office/drawing/2014/main" id="{B9AC585D-E45B-4884-8133-896D6B9FD012}"/>
               </a:ext>
             </a:extLst>
           </p:cNvPr>
@@ -2737,7 +2737,7 @@
           <p:cNvPr id="5" name="Date Placeholder 4">
             <a:extLst>
               <a:ext uri="{FF2B5EF4-FFF2-40B4-BE49-F238E27FC236}">
-                <a16:creationId xmlns:a16="http://schemas.microsoft.com/office/drawing/2014/main" xmlns="" id="{1CC9432E-1F46-4064-8A02-B5FD4A391C7D}"/>
+                <a16:creationId xmlns:a16="http://schemas.microsoft.com/office/drawing/2014/main" id="{1CC9432E-1F46-4064-8A02-B5FD4A391C7D}"/>
               </a:ext>
             </a:extLst>
           </p:cNvPr>
@@ -2755,7 +2755,7 @@
           <a:p>
             <a:fld id="{C01B3631-6873-4E82-9866-73789F2DB053}" type="datetime1">
               <a:rPr lang="en-US" smtClean="0"/>
-              <a:t>4/20/2022</a:t>
+              <a:t>4/20/22</a:t>
             </a:fld>
             <a:endParaRPr lang="en-US"/>
           </a:p>
@@ -2766,7 +2766,7 @@
           <p:cNvPr id="6" name="Footer Placeholder 5">
             <a:extLst>
               <a:ext uri="{FF2B5EF4-FFF2-40B4-BE49-F238E27FC236}">
-                <a16:creationId xmlns:a16="http://schemas.microsoft.com/office/drawing/2014/main" xmlns="" id="{042092B1-D34E-43ED-AC82-9B2070E73CD0}"/>
+                <a16:creationId xmlns:a16="http://schemas.microsoft.com/office/drawing/2014/main" id="{042092B1-D34E-43ED-AC82-9B2070E73CD0}"/>
               </a:ext>
             </a:extLst>
           </p:cNvPr>
@@ -2791,7 +2791,7 @@
           <p:cNvPr id="7" name="Slide Number Placeholder 6">
             <a:extLst>
               <a:ext uri="{FF2B5EF4-FFF2-40B4-BE49-F238E27FC236}">
-                <a16:creationId xmlns:a16="http://schemas.microsoft.com/office/drawing/2014/main" xmlns="" id="{C1A996C0-0D4C-4582-9984-89B1F905F9E2}"/>
+                <a16:creationId xmlns:a16="http://schemas.microsoft.com/office/drawing/2014/main" id="{C1A996C0-0D4C-4582-9984-89B1F905F9E2}"/>
               </a:ext>
             </a:extLst>
           </p:cNvPr>
@@ -2850,7 +2850,7 @@
           <p:cNvPr id="2" name="Title 1">
             <a:extLst>
               <a:ext uri="{FF2B5EF4-FFF2-40B4-BE49-F238E27FC236}">
-                <a16:creationId xmlns:a16="http://schemas.microsoft.com/office/drawing/2014/main" xmlns="" id="{98C2F291-7BE1-41EF-BB2F-A748B93558DB}"/>
+                <a16:creationId xmlns:a16="http://schemas.microsoft.com/office/drawing/2014/main" id="{98C2F291-7BE1-41EF-BB2F-A748B93558DB}"/>
               </a:ext>
             </a:extLst>
           </p:cNvPr>
@@ -2887,7 +2887,7 @@
           <p:cNvPr id="3" name="Picture Placeholder 2">
             <a:extLst>
               <a:ext uri="{FF2B5EF4-FFF2-40B4-BE49-F238E27FC236}">
-                <a16:creationId xmlns:a16="http://schemas.microsoft.com/office/drawing/2014/main" xmlns="" id="{3886DADD-1051-4AA5-8E2A-D2B463C3ED05}"/>
+                <a16:creationId xmlns:a16="http://schemas.microsoft.com/office/drawing/2014/main" id="{3886DADD-1051-4AA5-8E2A-D2B463C3ED05}"/>
               </a:ext>
             </a:extLst>
           </p:cNvPr>
@@ -2954,7 +2954,7 @@
           <p:cNvPr id="4" name="Text Placeholder 3">
             <a:extLst>
               <a:ext uri="{FF2B5EF4-FFF2-40B4-BE49-F238E27FC236}">
-                <a16:creationId xmlns:a16="http://schemas.microsoft.com/office/drawing/2014/main" xmlns="" id="{3A8CEA21-16EB-4A94-9944-3647BB6BA8D5}"/>
+                <a16:creationId xmlns:a16="http://schemas.microsoft.com/office/drawing/2014/main" id="{3A8CEA21-16EB-4A94-9944-3647BB6BA8D5}"/>
               </a:ext>
             </a:extLst>
           </p:cNvPr>
@@ -3025,7 +3025,7 @@
           <p:cNvPr id="5" name="Date Placeholder 4">
             <a:extLst>
               <a:ext uri="{FF2B5EF4-FFF2-40B4-BE49-F238E27FC236}">
-                <a16:creationId xmlns:a16="http://schemas.microsoft.com/office/drawing/2014/main" xmlns="" id="{688DB44F-3059-4092-AD1A-7504EEF36CE6}"/>
+                <a16:creationId xmlns:a16="http://schemas.microsoft.com/office/drawing/2014/main" id="{688DB44F-3059-4092-AD1A-7504EEF36CE6}"/>
               </a:ext>
             </a:extLst>
           </p:cNvPr>
@@ -3043,7 +3043,7 @@
           <a:p>
             <a:fld id="{17814C4E-D658-4604-A380-9EEA46CB426A}" type="datetime1">
               <a:rPr lang="en-US" smtClean="0"/>
-              <a:t>4/20/2022</a:t>
+              <a:t>4/20/22</a:t>
             </a:fld>
             <a:endParaRPr lang="en-US"/>
           </a:p>
@@ -3054,7 +3054,7 @@
           <p:cNvPr id="6" name="Footer Placeholder 5">
             <a:extLst>
               <a:ext uri="{FF2B5EF4-FFF2-40B4-BE49-F238E27FC236}">
-                <a16:creationId xmlns:a16="http://schemas.microsoft.com/office/drawing/2014/main" xmlns="" id="{B35C929B-9E2A-47DE-873A-02CE39525023}"/>
+                <a16:creationId xmlns:a16="http://schemas.microsoft.com/office/drawing/2014/main" id="{B35C929B-9E2A-47DE-873A-02CE39525023}"/>
               </a:ext>
             </a:extLst>
           </p:cNvPr>
@@ -3079,7 +3079,7 @@
           <p:cNvPr id="7" name="Slide Number Placeholder 6">
             <a:extLst>
               <a:ext uri="{FF2B5EF4-FFF2-40B4-BE49-F238E27FC236}">
-                <a16:creationId xmlns:a16="http://schemas.microsoft.com/office/drawing/2014/main" xmlns="" id="{AAA4813F-F911-4447-B66E-08B88D2CF718}"/>
+                <a16:creationId xmlns:a16="http://schemas.microsoft.com/office/drawing/2014/main" id="{AAA4813F-F911-4447-B66E-08B88D2CF718}"/>
               </a:ext>
             </a:extLst>
           </p:cNvPr>
@@ -3143,7 +3143,7 @@
           <p:cNvPr id="2" name="Title Placeholder 1">
             <a:extLst>
               <a:ext uri="{FF2B5EF4-FFF2-40B4-BE49-F238E27FC236}">
-                <a16:creationId xmlns:a16="http://schemas.microsoft.com/office/drawing/2014/main" xmlns="" id="{8057EEA8-3535-4679-826C-98302F743460}"/>
+                <a16:creationId xmlns:a16="http://schemas.microsoft.com/office/drawing/2014/main" id="{8057EEA8-3535-4679-826C-98302F743460}"/>
               </a:ext>
             </a:extLst>
           </p:cNvPr>
@@ -3181,7 +3181,7 @@
           <p:cNvPr id="3" name="Text Placeholder 2">
             <a:extLst>
               <a:ext uri="{FF2B5EF4-FFF2-40B4-BE49-F238E27FC236}">
-                <a16:creationId xmlns:a16="http://schemas.microsoft.com/office/drawing/2014/main" xmlns="" id="{AF37BD19-7260-4B33-B4CA-FFA7A56E23B8}"/>
+                <a16:creationId xmlns:a16="http://schemas.microsoft.com/office/drawing/2014/main" id="{AF37BD19-7260-4B33-B4CA-FFA7A56E23B8}"/>
               </a:ext>
             </a:extLst>
           </p:cNvPr>
@@ -3248,7 +3248,7 @@
           <p:cNvPr id="4" name="Date Placeholder 3">
             <a:extLst>
               <a:ext uri="{FF2B5EF4-FFF2-40B4-BE49-F238E27FC236}">
-                <a16:creationId xmlns:a16="http://schemas.microsoft.com/office/drawing/2014/main" xmlns="" id="{CAE3F551-FEA9-4AC8-907E-F464AD03C7CF}"/>
+                <a16:creationId xmlns:a16="http://schemas.microsoft.com/office/drawing/2014/main" id="{CAE3F551-FEA9-4AC8-907E-F464AD03C7CF}"/>
               </a:ext>
             </a:extLst>
           </p:cNvPr>
@@ -3284,7 +3284,7 @@
           <a:p>
             <a:fld id="{849C8FC6-2211-40A0-B614-25EBF9C4E813}" type="datetime1">
               <a:rPr lang="en-US" smtClean="0"/>
-              <a:t>4/20/2022</a:t>
+              <a:t>4/20/22</a:t>
             </a:fld>
             <a:endParaRPr lang="en-US"/>
           </a:p>
@@ -3295,7 +3295,7 @@
           <p:cNvPr id="5" name="Footer Placeholder 4">
             <a:extLst>
               <a:ext uri="{FF2B5EF4-FFF2-40B4-BE49-F238E27FC236}">
-                <a16:creationId xmlns:a16="http://schemas.microsoft.com/office/drawing/2014/main" xmlns="" id="{9F3A1DFC-4437-46F7-9F8F-A3B4C12FB65C}"/>
+                <a16:creationId xmlns:a16="http://schemas.microsoft.com/office/drawing/2014/main" id="{9F3A1DFC-4437-46F7-9F8F-A3B4C12FB65C}"/>
               </a:ext>
             </a:extLst>
           </p:cNvPr>
@@ -3338,7 +3338,7 @@
           <p:cNvPr id="6" name="Slide Number Placeholder 5">
             <a:extLst>
               <a:ext uri="{FF2B5EF4-FFF2-40B4-BE49-F238E27FC236}">
-                <a16:creationId xmlns:a16="http://schemas.microsoft.com/office/drawing/2014/main" xmlns="" id="{F231CB4B-700E-41BE-B19E-449274381105}"/>
+                <a16:creationId xmlns:a16="http://schemas.microsoft.com/office/drawing/2014/main" id="{F231CB4B-700E-41BE-B19E-449274381105}"/>
               </a:ext>
             </a:extLst>
           </p:cNvPr>
@@ -3707,7 +3707,7 @@
           <p:cNvPr id="8" name="Title 1">
             <a:extLst>
               <a:ext uri="{FF2B5EF4-FFF2-40B4-BE49-F238E27FC236}">
-                <a16:creationId xmlns:a16="http://schemas.microsoft.com/office/drawing/2014/main" xmlns="" id="{2A63AA7F-5772-4352-BFEE-F60D9B7A4536}"/>
+                <a16:creationId xmlns:a16="http://schemas.microsoft.com/office/drawing/2014/main" id="{2A63AA7F-5772-4352-BFEE-F60D9B7A4536}"/>
               </a:ext>
             </a:extLst>
           </p:cNvPr>
@@ -3746,7 +3746,7 @@
           <p:cNvPr id="9" name="Subtitle 2">
             <a:extLst>
               <a:ext uri="{FF2B5EF4-FFF2-40B4-BE49-F238E27FC236}">
-                <a16:creationId xmlns:a16="http://schemas.microsoft.com/office/drawing/2014/main" xmlns="" id="{B58A8D68-3E61-45ED-A10C-6C6894DB002B}"/>
+                <a16:creationId xmlns:a16="http://schemas.microsoft.com/office/drawing/2014/main" id="{B58A8D68-3E61-45ED-A10C-6C6894DB002B}"/>
               </a:ext>
             </a:extLst>
           </p:cNvPr>
@@ -3816,7 +3816,7 @@
           <p:cNvPr id="11" name="Picture 10" descr="Football ball in goal">
             <a:extLst>
               <a:ext uri="{FF2B5EF4-FFF2-40B4-BE49-F238E27FC236}">
-                <a16:creationId xmlns:a16="http://schemas.microsoft.com/office/drawing/2014/main" xmlns="" id="{048B0899-43EE-21D1-2138-892E6609B295}"/>
+                <a16:creationId xmlns:a16="http://schemas.microsoft.com/office/drawing/2014/main" id="{048B0899-43EE-21D1-2138-892E6609B295}"/>
               </a:ext>
             </a:extLst>
           </p:cNvPr>
@@ -4309,7 +4309,7 @@
           <p:cNvPr id="2" name="Slide Number Placeholder 1">
             <a:extLst>
               <a:ext uri="{FF2B5EF4-FFF2-40B4-BE49-F238E27FC236}">
-                <a16:creationId xmlns:a16="http://schemas.microsoft.com/office/drawing/2014/main" xmlns="" id="{02BA0B0E-44A7-43F7-9235-6A5465736311}"/>
+                <a16:creationId xmlns:a16="http://schemas.microsoft.com/office/drawing/2014/main" id="{02BA0B0E-44A7-43F7-9235-6A5465736311}"/>
               </a:ext>
             </a:extLst>
           </p:cNvPr>
@@ -4368,7 +4368,7 @@
           <p:cNvPr id="12" name="Imagen 11">
             <a:extLst>
               <a:ext uri="{FF2B5EF4-FFF2-40B4-BE49-F238E27FC236}">
-                <a16:creationId xmlns:a16="http://schemas.microsoft.com/office/drawing/2014/main" xmlns="" id="{9F999587-A626-4D80-BBDE-BE764F793500}"/>
+                <a16:creationId xmlns:a16="http://schemas.microsoft.com/office/drawing/2014/main" id="{9F999587-A626-4D80-BBDE-BE764F793500}"/>
               </a:ext>
             </a:extLst>
           </p:cNvPr>
@@ -4397,7 +4397,7 @@
           <p:cNvPr id="3" name="TextBox 2">
             <a:extLst>
               <a:ext uri="{FF2B5EF4-FFF2-40B4-BE49-F238E27FC236}">
-                <a16:creationId xmlns:a16="http://schemas.microsoft.com/office/drawing/2014/main" xmlns="" id="{4D0C753E-D2B8-4F7B-BC81-F73E5E8F32C4}"/>
+                <a16:creationId xmlns:a16="http://schemas.microsoft.com/office/drawing/2014/main" id="{4D0C753E-D2B8-4F7B-BC81-F73E5E8F32C4}"/>
               </a:ext>
             </a:extLst>
           </p:cNvPr>
@@ -4435,7 +4435,7 @@
           <p:cNvPr id="2" name="Slide Number Placeholder 1">
             <a:extLst>
               <a:ext uri="{FF2B5EF4-FFF2-40B4-BE49-F238E27FC236}">
-                <a16:creationId xmlns:a16="http://schemas.microsoft.com/office/drawing/2014/main" xmlns="" id="{23CCFA8E-F184-4429-BBE5-80A3755DB0FA}"/>
+                <a16:creationId xmlns:a16="http://schemas.microsoft.com/office/drawing/2014/main" id="{23CCFA8E-F184-4429-BBE5-80A3755DB0FA}"/>
               </a:ext>
             </a:extLst>
           </p:cNvPr>
@@ -4494,7 +4494,7 @@
           <p:cNvPr id="2" name="TextBox 1">
             <a:extLst>
               <a:ext uri="{FF2B5EF4-FFF2-40B4-BE49-F238E27FC236}">
-                <a16:creationId xmlns:a16="http://schemas.microsoft.com/office/drawing/2014/main" xmlns="" id="{742EF216-75D4-4734-B156-3EDB09F9CE9B}"/>
+                <a16:creationId xmlns:a16="http://schemas.microsoft.com/office/drawing/2014/main" id="{742EF216-75D4-4734-B156-3EDB09F9CE9B}"/>
               </a:ext>
             </a:extLst>
           </p:cNvPr>
@@ -4533,7 +4533,7 @@
           <p:cNvPr id="3" name="Straight Connector 2">
             <a:extLst>
               <a:ext uri="{FF2B5EF4-FFF2-40B4-BE49-F238E27FC236}">
-                <a16:creationId xmlns:a16="http://schemas.microsoft.com/office/drawing/2014/main" xmlns="" id="{B493E240-C89A-4822-B4C3-EC3A33AD45FA}"/>
+                <a16:creationId xmlns:a16="http://schemas.microsoft.com/office/drawing/2014/main" id="{B493E240-C89A-4822-B4C3-EC3A33AD45FA}"/>
               </a:ext>
             </a:extLst>
           </p:cNvPr>
@@ -4574,7 +4574,7 @@
           <p:cNvPr id="4" name="TextBox 3">
             <a:extLst>
               <a:ext uri="{FF2B5EF4-FFF2-40B4-BE49-F238E27FC236}">
-                <a16:creationId xmlns:a16="http://schemas.microsoft.com/office/drawing/2014/main" xmlns="" id="{9EAF4BF5-F510-49EE-8E26-0511CB451A3D}"/>
+                <a16:creationId xmlns:a16="http://schemas.microsoft.com/office/drawing/2014/main" id="{9EAF4BF5-F510-49EE-8E26-0511CB451A3D}"/>
               </a:ext>
             </a:extLst>
           </p:cNvPr>
@@ -4612,7 +4612,7 @@
           <p:cNvPr id="5" name="TextBox 4">
             <a:extLst>
               <a:ext uri="{FF2B5EF4-FFF2-40B4-BE49-F238E27FC236}">
-                <a16:creationId xmlns:a16="http://schemas.microsoft.com/office/drawing/2014/main" xmlns="" id="{5968C956-CF53-42BE-BD91-C3E651F6F5C6}"/>
+                <a16:creationId xmlns:a16="http://schemas.microsoft.com/office/drawing/2014/main" id="{5968C956-CF53-42BE-BD91-C3E651F6F5C6}"/>
               </a:ext>
             </a:extLst>
           </p:cNvPr>
@@ -4650,7 +4650,7 @@
           <p:cNvPr id="6" name="Slide Number Placeholder 5">
             <a:extLst>
               <a:ext uri="{FF2B5EF4-FFF2-40B4-BE49-F238E27FC236}">
-                <a16:creationId xmlns:a16="http://schemas.microsoft.com/office/drawing/2014/main" xmlns="" id="{EA756F38-2AA8-4B2C-8487-0F5B994DD12C}"/>
+                <a16:creationId xmlns:a16="http://schemas.microsoft.com/office/drawing/2014/main" id="{EA756F38-2AA8-4B2C-8487-0F5B994DD12C}"/>
               </a:ext>
             </a:extLst>
           </p:cNvPr>
@@ -4709,7 +4709,7 @@
           <p:cNvPr id="2" name="Straight Connector 1">
             <a:extLst>
               <a:ext uri="{FF2B5EF4-FFF2-40B4-BE49-F238E27FC236}">
-                <a16:creationId xmlns:a16="http://schemas.microsoft.com/office/drawing/2014/main" xmlns="" id="{EE905CE2-8908-4191-AD04-9750412658A3}"/>
+                <a16:creationId xmlns:a16="http://schemas.microsoft.com/office/drawing/2014/main" id="{EE905CE2-8908-4191-AD04-9750412658A3}"/>
               </a:ext>
             </a:extLst>
           </p:cNvPr>
@@ -4750,7 +4750,7 @@
           <p:cNvPr id="3" name="TextBox 2">
             <a:extLst>
               <a:ext uri="{FF2B5EF4-FFF2-40B4-BE49-F238E27FC236}">
-                <a16:creationId xmlns:a16="http://schemas.microsoft.com/office/drawing/2014/main" xmlns="" id="{C643D531-7E8B-4760-8A5A-4C20FE94E1D0}"/>
+                <a16:creationId xmlns:a16="http://schemas.microsoft.com/office/drawing/2014/main" id="{C643D531-7E8B-4760-8A5A-4C20FE94E1D0}"/>
               </a:ext>
             </a:extLst>
           </p:cNvPr>
@@ -4788,7 +4788,7 @@
           <p:cNvPr id="8" name="Group 7">
             <a:extLst>
               <a:ext uri="{FF2B5EF4-FFF2-40B4-BE49-F238E27FC236}">
-                <a16:creationId xmlns:a16="http://schemas.microsoft.com/office/drawing/2014/main" xmlns="" id="{D56D44EB-9B4A-4942-BA2D-21CC24E1630F}"/>
+                <a16:creationId xmlns:a16="http://schemas.microsoft.com/office/drawing/2014/main" id="{D56D44EB-9B4A-4942-BA2D-21CC24E1630F}"/>
               </a:ext>
             </a:extLst>
           </p:cNvPr>
@@ -4808,7 +4808,7 @@
             <p:cNvPr id="5" name="Picture 4" descr="Graphical user interface, application&#10;&#10;Description automatically generated">
               <a:extLst>
                 <a:ext uri="{FF2B5EF4-FFF2-40B4-BE49-F238E27FC236}">
-                  <a16:creationId xmlns:a16="http://schemas.microsoft.com/office/drawing/2014/main" xmlns="" id="{199DE427-4248-4E0B-905E-17DCC5355BC3}"/>
+                  <a16:creationId xmlns:a16="http://schemas.microsoft.com/office/drawing/2014/main" id="{199DE427-4248-4E0B-905E-17DCC5355BC3}"/>
                 </a:ext>
               </a:extLst>
             </p:cNvPr>
@@ -4843,7 +4843,7 @@
             <p:cNvPr id="7" name="Picture 6" descr="Text&#10;&#10;Description automatically generated">
               <a:extLst>
                 <a:ext uri="{FF2B5EF4-FFF2-40B4-BE49-F238E27FC236}">
-                  <a16:creationId xmlns:a16="http://schemas.microsoft.com/office/drawing/2014/main" xmlns="" id="{2CC1C528-A443-4FAB-938F-D72C1CC041BF}"/>
+                  <a16:creationId xmlns:a16="http://schemas.microsoft.com/office/drawing/2014/main" id="{2CC1C528-A443-4FAB-938F-D72C1CC041BF}"/>
                 </a:ext>
               </a:extLst>
             </p:cNvPr>
@@ -4880,7 +4880,7 @@
           <p:cNvPr id="9" name="Rectangle 8">
             <a:extLst>
               <a:ext uri="{FF2B5EF4-FFF2-40B4-BE49-F238E27FC236}">
-                <a16:creationId xmlns:a16="http://schemas.microsoft.com/office/drawing/2014/main" xmlns="" id="{F99468AA-2A75-4214-862D-2CA3304F500A}"/>
+                <a16:creationId xmlns:a16="http://schemas.microsoft.com/office/drawing/2014/main" id="{F99468AA-2A75-4214-862D-2CA3304F500A}"/>
               </a:ext>
             </a:extLst>
           </p:cNvPr>
@@ -4932,7 +4932,7 @@
           <p:cNvPr id="10" name="TextBox 9">
             <a:extLst>
               <a:ext uri="{FF2B5EF4-FFF2-40B4-BE49-F238E27FC236}">
-                <a16:creationId xmlns:a16="http://schemas.microsoft.com/office/drawing/2014/main" xmlns="" id="{4329DCDD-E468-44B0-AB84-11ED123E245F}"/>
+                <a16:creationId xmlns:a16="http://schemas.microsoft.com/office/drawing/2014/main" id="{4329DCDD-E468-44B0-AB84-11ED123E245F}"/>
               </a:ext>
             </a:extLst>
           </p:cNvPr>
@@ -4970,7 +4970,7 @@
           <p:cNvPr id="4" name="Slide Number Placeholder 3">
             <a:extLst>
               <a:ext uri="{FF2B5EF4-FFF2-40B4-BE49-F238E27FC236}">
-                <a16:creationId xmlns:a16="http://schemas.microsoft.com/office/drawing/2014/main" xmlns="" id="{B19A1528-7935-4AAB-97B3-DE91F973F836}"/>
+                <a16:creationId xmlns:a16="http://schemas.microsoft.com/office/drawing/2014/main" id="{B19A1528-7935-4AAB-97B3-DE91F973F836}"/>
               </a:ext>
             </a:extLst>
           </p:cNvPr>
@@ -5029,7 +5029,7 @@
           <p:cNvPr id="28" name="Straight Connector 27">
             <a:extLst>
               <a:ext uri="{FF2B5EF4-FFF2-40B4-BE49-F238E27FC236}">
-                <a16:creationId xmlns:a16="http://schemas.microsoft.com/office/drawing/2014/main" xmlns="" id="{5BC01C7A-1442-4981-9CA7-DBED2A4FA907}"/>
+                <a16:creationId xmlns:a16="http://schemas.microsoft.com/office/drawing/2014/main" id="{5BC01C7A-1442-4981-9CA7-DBED2A4FA907}"/>
               </a:ext>
             </a:extLst>
           </p:cNvPr>
@@ -5070,7 +5070,7 @@
           <p:cNvPr id="29" name="TextBox 28">
             <a:extLst>
               <a:ext uri="{FF2B5EF4-FFF2-40B4-BE49-F238E27FC236}">
-                <a16:creationId xmlns:a16="http://schemas.microsoft.com/office/drawing/2014/main" xmlns="" id="{FD8A799C-BE52-4998-90B7-F7B21AE43B0E}"/>
+                <a16:creationId xmlns:a16="http://schemas.microsoft.com/office/drawing/2014/main" id="{FD8A799C-BE52-4998-90B7-F7B21AE43B0E}"/>
               </a:ext>
             </a:extLst>
           </p:cNvPr>
@@ -5108,7 +5108,7 @@
           <p:cNvPr id="8" name="Rectangle: Rounded Corners 7">
             <a:extLst>
               <a:ext uri="{FF2B5EF4-FFF2-40B4-BE49-F238E27FC236}">
-                <a16:creationId xmlns:a16="http://schemas.microsoft.com/office/drawing/2014/main" xmlns="" id="{F4435332-69FC-4D75-B3A6-EA7EB1DA13F2}"/>
+                <a16:creationId xmlns:a16="http://schemas.microsoft.com/office/drawing/2014/main" id="{F4435332-69FC-4D75-B3A6-EA7EB1DA13F2}"/>
               </a:ext>
             </a:extLst>
           </p:cNvPr>
@@ -5183,7 +5183,7 @@
           <p:cNvPr id="9" name="Rectangle: Rounded Corners 8">
             <a:extLst>
               <a:ext uri="{FF2B5EF4-FFF2-40B4-BE49-F238E27FC236}">
-                <a16:creationId xmlns:a16="http://schemas.microsoft.com/office/drawing/2014/main" xmlns="" id="{1F7799C2-40DE-491E-922C-E05F43B64704}"/>
+                <a16:creationId xmlns:a16="http://schemas.microsoft.com/office/drawing/2014/main" id="{1F7799C2-40DE-491E-922C-E05F43B64704}"/>
               </a:ext>
             </a:extLst>
           </p:cNvPr>
@@ -5258,7 +5258,7 @@
           <p:cNvPr id="10" name="Rectangle: Rounded Corners 9">
             <a:extLst>
               <a:ext uri="{FF2B5EF4-FFF2-40B4-BE49-F238E27FC236}">
-                <a16:creationId xmlns:a16="http://schemas.microsoft.com/office/drawing/2014/main" xmlns="" id="{C41A0105-3D0A-41A6-979A-05BB97B6C5C7}"/>
+                <a16:creationId xmlns:a16="http://schemas.microsoft.com/office/drawing/2014/main" id="{C41A0105-3D0A-41A6-979A-05BB97B6C5C7}"/>
               </a:ext>
             </a:extLst>
           </p:cNvPr>
@@ -5333,7 +5333,7 @@
           <p:cNvPr id="11" name="Rectangle: Rounded Corners 10">
             <a:extLst>
               <a:ext uri="{FF2B5EF4-FFF2-40B4-BE49-F238E27FC236}">
-                <a16:creationId xmlns:a16="http://schemas.microsoft.com/office/drawing/2014/main" xmlns="" id="{61A8BB1B-DF19-4230-B91C-FA1B01C9D034}"/>
+                <a16:creationId xmlns:a16="http://schemas.microsoft.com/office/drawing/2014/main" id="{61A8BB1B-DF19-4230-B91C-FA1B01C9D034}"/>
               </a:ext>
             </a:extLst>
           </p:cNvPr>
@@ -5408,7 +5408,7 @@
           <p:cNvPr id="12" name="Rectangle: Rounded Corners 11">
             <a:extLst>
               <a:ext uri="{FF2B5EF4-FFF2-40B4-BE49-F238E27FC236}">
-                <a16:creationId xmlns:a16="http://schemas.microsoft.com/office/drawing/2014/main" xmlns="" id="{C9762CBF-3494-4AB6-8F84-63E4F89FFE81}"/>
+                <a16:creationId xmlns:a16="http://schemas.microsoft.com/office/drawing/2014/main" id="{C9762CBF-3494-4AB6-8F84-63E4F89FFE81}"/>
               </a:ext>
             </a:extLst>
           </p:cNvPr>
@@ -5483,7 +5483,7 @@
           <p:cNvPr id="13" name="Rectangle: Rounded Corners 12">
             <a:extLst>
               <a:ext uri="{FF2B5EF4-FFF2-40B4-BE49-F238E27FC236}">
-                <a16:creationId xmlns:a16="http://schemas.microsoft.com/office/drawing/2014/main" xmlns="" id="{0AD5A17F-D6F5-4898-90E7-32F83AD408E4}"/>
+                <a16:creationId xmlns:a16="http://schemas.microsoft.com/office/drawing/2014/main" id="{0AD5A17F-D6F5-4898-90E7-32F83AD408E4}"/>
               </a:ext>
             </a:extLst>
           </p:cNvPr>
@@ -5558,7 +5558,7 @@
           <p:cNvPr id="14" name="Rectangle: Rounded Corners 13">
             <a:extLst>
               <a:ext uri="{FF2B5EF4-FFF2-40B4-BE49-F238E27FC236}">
-                <a16:creationId xmlns:a16="http://schemas.microsoft.com/office/drawing/2014/main" xmlns="" id="{427388F0-F1BF-49F1-AB90-BF4F855265CB}"/>
+                <a16:creationId xmlns:a16="http://schemas.microsoft.com/office/drawing/2014/main" id="{427388F0-F1BF-49F1-AB90-BF4F855265CB}"/>
               </a:ext>
             </a:extLst>
           </p:cNvPr>
@@ -5633,7 +5633,7 @@
           <p:cNvPr id="15" name="Rectangle: Rounded Corners 14">
             <a:extLst>
               <a:ext uri="{FF2B5EF4-FFF2-40B4-BE49-F238E27FC236}">
-                <a16:creationId xmlns:a16="http://schemas.microsoft.com/office/drawing/2014/main" xmlns="" id="{F4F36732-5BAB-40B0-8F96-050D67939387}"/>
+                <a16:creationId xmlns:a16="http://schemas.microsoft.com/office/drawing/2014/main" id="{F4F36732-5BAB-40B0-8F96-050D67939387}"/>
               </a:ext>
             </a:extLst>
           </p:cNvPr>
@@ -5708,7 +5708,7 @@
           <p:cNvPr id="16" name="Rectangle: Rounded Corners 15">
             <a:extLst>
               <a:ext uri="{FF2B5EF4-FFF2-40B4-BE49-F238E27FC236}">
-                <a16:creationId xmlns:a16="http://schemas.microsoft.com/office/drawing/2014/main" xmlns="" id="{CA09CD9D-372F-45B5-B665-D4CC658FCC48}"/>
+                <a16:creationId xmlns:a16="http://schemas.microsoft.com/office/drawing/2014/main" id="{CA09CD9D-372F-45B5-B665-D4CC658FCC48}"/>
               </a:ext>
             </a:extLst>
           </p:cNvPr>
@@ -5774,7 +5774,7 @@
           <p:cNvPr id="17" name="Rectangle: Rounded Corners 16">
             <a:extLst>
               <a:ext uri="{FF2B5EF4-FFF2-40B4-BE49-F238E27FC236}">
-                <a16:creationId xmlns:a16="http://schemas.microsoft.com/office/drawing/2014/main" xmlns="" id="{4D38B512-7E7D-4A61-8C38-D1BF4269173E}"/>
+                <a16:creationId xmlns:a16="http://schemas.microsoft.com/office/drawing/2014/main" id="{4D38B512-7E7D-4A61-8C38-D1BF4269173E}"/>
               </a:ext>
             </a:extLst>
           </p:cNvPr>
@@ -5840,7 +5840,7 @@
           <p:cNvPr id="18" name="Rectangle: Rounded Corners 17">
             <a:extLst>
               <a:ext uri="{FF2B5EF4-FFF2-40B4-BE49-F238E27FC236}">
-                <a16:creationId xmlns:a16="http://schemas.microsoft.com/office/drawing/2014/main" xmlns="" id="{4077607C-E917-47B5-B2B0-FE2CD453C596}"/>
+                <a16:creationId xmlns:a16="http://schemas.microsoft.com/office/drawing/2014/main" id="{4077607C-E917-47B5-B2B0-FE2CD453C596}"/>
               </a:ext>
             </a:extLst>
           </p:cNvPr>
@@ -5906,7 +5906,7 @@
           <p:cNvPr id="19" name="Rectangle: Rounded Corners 18">
             <a:extLst>
               <a:ext uri="{FF2B5EF4-FFF2-40B4-BE49-F238E27FC236}">
-                <a16:creationId xmlns:a16="http://schemas.microsoft.com/office/drawing/2014/main" xmlns="" id="{61F80F85-6FCC-413C-8C38-5A0E48E467F7}"/>
+                <a16:creationId xmlns:a16="http://schemas.microsoft.com/office/drawing/2014/main" id="{61F80F85-6FCC-413C-8C38-5A0E48E467F7}"/>
               </a:ext>
             </a:extLst>
           </p:cNvPr>
@@ -5972,7 +5972,7 @@
           <p:cNvPr id="20" name="Rectangle: Rounded Corners 19">
             <a:extLst>
               <a:ext uri="{FF2B5EF4-FFF2-40B4-BE49-F238E27FC236}">
-                <a16:creationId xmlns:a16="http://schemas.microsoft.com/office/drawing/2014/main" xmlns="" id="{CBB470BF-A936-4D60-B1A2-03A93D25CD47}"/>
+                <a16:creationId xmlns:a16="http://schemas.microsoft.com/office/drawing/2014/main" id="{CBB470BF-A936-4D60-B1A2-03A93D25CD47}"/>
               </a:ext>
             </a:extLst>
           </p:cNvPr>
@@ -6038,7 +6038,7 @@
           <p:cNvPr id="21" name="Rectangle: Rounded Corners 20">
             <a:extLst>
               <a:ext uri="{FF2B5EF4-FFF2-40B4-BE49-F238E27FC236}">
-                <a16:creationId xmlns:a16="http://schemas.microsoft.com/office/drawing/2014/main" xmlns="" id="{F76D9321-06A5-4A29-A115-ADE0DFF6AADD}"/>
+                <a16:creationId xmlns:a16="http://schemas.microsoft.com/office/drawing/2014/main" id="{F76D9321-06A5-4A29-A115-ADE0DFF6AADD}"/>
               </a:ext>
             </a:extLst>
           </p:cNvPr>
@@ -6104,7 +6104,7 @@
           <p:cNvPr id="22" name="Rectangle: Rounded Corners 21">
             <a:extLst>
               <a:ext uri="{FF2B5EF4-FFF2-40B4-BE49-F238E27FC236}">
-                <a16:creationId xmlns:a16="http://schemas.microsoft.com/office/drawing/2014/main" xmlns="" id="{D48F64A5-A45D-4254-B2D2-4763B59951C3}"/>
+                <a16:creationId xmlns:a16="http://schemas.microsoft.com/office/drawing/2014/main" id="{D48F64A5-A45D-4254-B2D2-4763B59951C3}"/>
               </a:ext>
             </a:extLst>
           </p:cNvPr>
@@ -6170,7 +6170,7 @@
           <p:cNvPr id="23" name="Rectangle: Rounded Corners 22">
             <a:extLst>
               <a:ext uri="{FF2B5EF4-FFF2-40B4-BE49-F238E27FC236}">
-                <a16:creationId xmlns:a16="http://schemas.microsoft.com/office/drawing/2014/main" xmlns="" id="{1F8CE15E-2EC7-419B-9B10-0944E4E7BB64}"/>
+                <a16:creationId xmlns:a16="http://schemas.microsoft.com/office/drawing/2014/main" id="{1F8CE15E-2EC7-419B-9B10-0944E4E7BB64}"/>
               </a:ext>
             </a:extLst>
           </p:cNvPr>
@@ -6236,7 +6236,7 @@
           <p:cNvPr id="24" name="TextBox 23">
             <a:extLst>
               <a:ext uri="{FF2B5EF4-FFF2-40B4-BE49-F238E27FC236}">
-                <a16:creationId xmlns:a16="http://schemas.microsoft.com/office/drawing/2014/main" xmlns="" id="{1D72480D-C09C-42F2-AF4C-B3877C177CC3}"/>
+                <a16:creationId xmlns:a16="http://schemas.microsoft.com/office/drawing/2014/main" id="{1D72480D-C09C-42F2-AF4C-B3877C177CC3}"/>
               </a:ext>
             </a:extLst>
           </p:cNvPr>
@@ -6310,7 +6310,7 @@
           <p:cNvPr id="25" name="TextBox 24">
             <a:extLst>
               <a:ext uri="{FF2B5EF4-FFF2-40B4-BE49-F238E27FC236}">
-                <a16:creationId xmlns:a16="http://schemas.microsoft.com/office/drawing/2014/main" xmlns="" id="{26160063-FD4F-4FF6-B323-B31EE539258B}"/>
+                <a16:creationId xmlns:a16="http://schemas.microsoft.com/office/drawing/2014/main" id="{26160063-FD4F-4FF6-B323-B31EE539258B}"/>
               </a:ext>
             </a:extLst>
           </p:cNvPr>
@@ -6384,7 +6384,7 @@
           <p:cNvPr id="26" name="TextBox 25">
             <a:extLst>
               <a:ext uri="{FF2B5EF4-FFF2-40B4-BE49-F238E27FC236}">
-                <a16:creationId xmlns:a16="http://schemas.microsoft.com/office/drawing/2014/main" xmlns="" id="{A8BA53C5-77CF-4DDD-8C5C-056D334E73EE}"/>
+                <a16:creationId xmlns:a16="http://schemas.microsoft.com/office/drawing/2014/main" id="{A8BA53C5-77CF-4DDD-8C5C-056D334E73EE}"/>
               </a:ext>
             </a:extLst>
           </p:cNvPr>
@@ -6458,7 +6458,7 @@
           <p:cNvPr id="27" name="TextBox 26">
             <a:extLst>
               <a:ext uri="{FF2B5EF4-FFF2-40B4-BE49-F238E27FC236}">
-                <a16:creationId xmlns:a16="http://schemas.microsoft.com/office/drawing/2014/main" xmlns="" id="{73233433-E353-4C36-A84A-DA39FC0FE1EE}"/>
+                <a16:creationId xmlns:a16="http://schemas.microsoft.com/office/drawing/2014/main" id="{73233433-E353-4C36-A84A-DA39FC0FE1EE}"/>
               </a:ext>
             </a:extLst>
           </p:cNvPr>
@@ -6532,7 +6532,7 @@
           <p:cNvPr id="4" name="TextBox 3">
             <a:extLst>
               <a:ext uri="{FF2B5EF4-FFF2-40B4-BE49-F238E27FC236}">
-                <a16:creationId xmlns:a16="http://schemas.microsoft.com/office/drawing/2014/main" xmlns="" id="{A2AD06CB-AC0F-4628-A6C5-065165D1D398}"/>
+                <a16:creationId xmlns:a16="http://schemas.microsoft.com/office/drawing/2014/main" id="{A2AD06CB-AC0F-4628-A6C5-065165D1D398}"/>
               </a:ext>
             </a:extLst>
           </p:cNvPr>
@@ -6597,7 +6597,7 @@
           <p:cNvPr id="5" name="TextBox 4">
             <a:extLst>
               <a:ext uri="{FF2B5EF4-FFF2-40B4-BE49-F238E27FC236}">
-                <a16:creationId xmlns:a16="http://schemas.microsoft.com/office/drawing/2014/main" xmlns="" id="{29DD3659-D9E9-4D4E-B5B3-94B67A848518}"/>
+                <a16:creationId xmlns:a16="http://schemas.microsoft.com/office/drawing/2014/main" id="{29DD3659-D9E9-4D4E-B5B3-94B67A848518}"/>
               </a:ext>
             </a:extLst>
           </p:cNvPr>
@@ -6662,7 +6662,7 @@
           <p:cNvPr id="6" name="TextBox 5">
             <a:extLst>
               <a:ext uri="{FF2B5EF4-FFF2-40B4-BE49-F238E27FC236}">
-                <a16:creationId xmlns:a16="http://schemas.microsoft.com/office/drawing/2014/main" xmlns="" id="{46FFF08C-A00A-452C-9FB5-897F0F9C2026}"/>
+                <a16:creationId xmlns:a16="http://schemas.microsoft.com/office/drawing/2014/main" id="{46FFF08C-A00A-452C-9FB5-897F0F9C2026}"/>
               </a:ext>
             </a:extLst>
           </p:cNvPr>
@@ -6727,7 +6727,7 @@
           <p:cNvPr id="7" name="TextBox 6">
             <a:extLst>
               <a:ext uri="{FF2B5EF4-FFF2-40B4-BE49-F238E27FC236}">
-                <a16:creationId xmlns:a16="http://schemas.microsoft.com/office/drawing/2014/main" xmlns="" id="{DC8BF421-EC0E-41F0-A810-54D65394FB44}"/>
+                <a16:creationId xmlns:a16="http://schemas.microsoft.com/office/drawing/2014/main" id="{DC8BF421-EC0E-41F0-A810-54D65394FB44}"/>
               </a:ext>
             </a:extLst>
           </p:cNvPr>
@@ -6792,7 +6792,7 @@
           <p:cNvPr id="30" name="Rectangle: Rounded Corners 29">
             <a:extLst>
               <a:ext uri="{FF2B5EF4-FFF2-40B4-BE49-F238E27FC236}">
-                <a16:creationId xmlns:a16="http://schemas.microsoft.com/office/drawing/2014/main" xmlns="" id="{622FED8A-6710-405A-8EEB-2B9A71D48CA2}"/>
+                <a16:creationId xmlns:a16="http://schemas.microsoft.com/office/drawing/2014/main" id="{622FED8A-6710-405A-8EEB-2B9A71D48CA2}"/>
               </a:ext>
             </a:extLst>
           </p:cNvPr>
@@ -6867,7 +6867,7 @@
           <p:cNvPr id="31" name="Rectangle: Rounded Corners 30">
             <a:extLst>
               <a:ext uri="{FF2B5EF4-FFF2-40B4-BE49-F238E27FC236}">
-                <a16:creationId xmlns:a16="http://schemas.microsoft.com/office/drawing/2014/main" xmlns="" id="{2F6E0BC0-0AC7-4652-BBFE-A2212A73586F}"/>
+                <a16:creationId xmlns:a16="http://schemas.microsoft.com/office/drawing/2014/main" id="{2F6E0BC0-0AC7-4652-BBFE-A2212A73586F}"/>
               </a:ext>
             </a:extLst>
           </p:cNvPr>
@@ -6933,7 +6933,7 @@
           <p:cNvPr id="32" name="TextBox 31">
             <a:extLst>
               <a:ext uri="{FF2B5EF4-FFF2-40B4-BE49-F238E27FC236}">
-                <a16:creationId xmlns:a16="http://schemas.microsoft.com/office/drawing/2014/main" xmlns="" id="{B1DE1F40-72F3-4FC9-B30F-3F4DAF6BCD28}"/>
+                <a16:creationId xmlns:a16="http://schemas.microsoft.com/office/drawing/2014/main" id="{B1DE1F40-72F3-4FC9-B30F-3F4DAF6BCD28}"/>
               </a:ext>
             </a:extLst>
           </p:cNvPr>
@@ -6998,7 +6998,7 @@
           <p:cNvPr id="33" name="TextBox 32">
             <a:extLst>
               <a:ext uri="{FF2B5EF4-FFF2-40B4-BE49-F238E27FC236}">
-                <a16:creationId xmlns:a16="http://schemas.microsoft.com/office/drawing/2014/main" xmlns="" id="{32AE6A30-CBC8-40DD-926E-59B6772158B8}"/>
+                <a16:creationId xmlns:a16="http://schemas.microsoft.com/office/drawing/2014/main" id="{32AE6A30-CBC8-40DD-926E-59B6772158B8}"/>
               </a:ext>
             </a:extLst>
           </p:cNvPr>
@@ -7036,7 +7036,7 @@
           <p:cNvPr id="2" name="Slide Number Placeholder 1">
             <a:extLst>
               <a:ext uri="{FF2B5EF4-FFF2-40B4-BE49-F238E27FC236}">
-                <a16:creationId xmlns:a16="http://schemas.microsoft.com/office/drawing/2014/main" xmlns="" id="{EF0BF336-CECD-4FAA-8B1B-CF4D637F14FA}"/>
+                <a16:creationId xmlns:a16="http://schemas.microsoft.com/office/drawing/2014/main" id="{EF0BF336-CECD-4FAA-8B1B-CF4D637F14FA}"/>
               </a:ext>
             </a:extLst>
           </p:cNvPr>
@@ -7095,7 +7095,7 @@
           <p:cNvPr id="2" name="Straight Connector 1">
             <a:extLst>
               <a:ext uri="{FF2B5EF4-FFF2-40B4-BE49-F238E27FC236}">
-                <a16:creationId xmlns:a16="http://schemas.microsoft.com/office/drawing/2014/main" xmlns="" id="{F82B0979-8F33-444A-9C6B-3767B20E23F2}"/>
+                <a16:creationId xmlns:a16="http://schemas.microsoft.com/office/drawing/2014/main" id="{F82B0979-8F33-444A-9C6B-3767B20E23F2}"/>
               </a:ext>
             </a:extLst>
           </p:cNvPr>
@@ -7136,7 +7136,7 @@
           <p:cNvPr id="3" name="TextBox 2">
             <a:extLst>
               <a:ext uri="{FF2B5EF4-FFF2-40B4-BE49-F238E27FC236}">
-                <a16:creationId xmlns:a16="http://schemas.microsoft.com/office/drawing/2014/main" xmlns="" id="{67AA1C79-2CF3-476C-836F-80765D49F55E}"/>
+                <a16:creationId xmlns:a16="http://schemas.microsoft.com/office/drawing/2014/main" id="{67AA1C79-2CF3-476C-836F-80765D49F55E}"/>
               </a:ext>
             </a:extLst>
           </p:cNvPr>
@@ -7174,7 +7174,7 @@
           <p:cNvPr id="6" name="TextBox 5">
             <a:extLst>
               <a:ext uri="{FF2B5EF4-FFF2-40B4-BE49-F238E27FC236}">
-                <a16:creationId xmlns:a16="http://schemas.microsoft.com/office/drawing/2014/main" xmlns="" id="{B9C90B26-26D1-4A0B-B0EF-18BEADE378C9}"/>
+                <a16:creationId xmlns:a16="http://schemas.microsoft.com/office/drawing/2014/main" id="{B9C90B26-26D1-4A0B-B0EF-18BEADE378C9}"/>
               </a:ext>
             </a:extLst>
           </p:cNvPr>
@@ -7212,7 +7212,7 @@
           <p:cNvPr id="4" name="Slide Number Placeholder 3">
             <a:extLst>
               <a:ext uri="{FF2B5EF4-FFF2-40B4-BE49-F238E27FC236}">
-                <a16:creationId xmlns:a16="http://schemas.microsoft.com/office/drawing/2014/main" xmlns="" id="{0CDFE87B-81B9-498F-80EF-80914176D35F}"/>
+                <a16:creationId xmlns:a16="http://schemas.microsoft.com/office/drawing/2014/main" id="{0CDFE87B-81B9-498F-80EF-80914176D35F}"/>
               </a:ext>
             </a:extLst>
           </p:cNvPr>
@@ -7241,7 +7241,7 @@
           <p:cNvPr id="9" name="Picture 8" descr="Table&#10;&#10;Description automatically generated">
             <a:extLst>
               <a:ext uri="{FF2B5EF4-FFF2-40B4-BE49-F238E27FC236}">
-                <a16:creationId xmlns:a16="http://schemas.microsoft.com/office/drawing/2014/main" xmlns="" id="{84AC1F2F-C0E4-4280-9468-2DD5A4E649DD}"/>
+                <a16:creationId xmlns:a16="http://schemas.microsoft.com/office/drawing/2014/main" id="{84AC1F2F-C0E4-4280-9468-2DD5A4E649DD}"/>
               </a:ext>
             </a:extLst>
           </p:cNvPr>
@@ -7312,7 +7312,7 @@
           <p:cNvPr id="2" name="Straight Connector 1">
             <a:extLst>
               <a:ext uri="{FF2B5EF4-FFF2-40B4-BE49-F238E27FC236}">
-                <a16:creationId xmlns:a16="http://schemas.microsoft.com/office/drawing/2014/main" xmlns="" id="{F82B0979-8F33-444A-9C6B-3767B20E23F2}"/>
+                <a16:creationId xmlns:a16="http://schemas.microsoft.com/office/drawing/2014/main" id="{F82B0979-8F33-444A-9C6B-3767B20E23F2}"/>
               </a:ext>
             </a:extLst>
           </p:cNvPr>
@@ -7353,7 +7353,7 @@
           <p:cNvPr id="3" name="TextBox 2">
             <a:extLst>
               <a:ext uri="{FF2B5EF4-FFF2-40B4-BE49-F238E27FC236}">
-                <a16:creationId xmlns:a16="http://schemas.microsoft.com/office/drawing/2014/main" xmlns="" id="{67AA1C79-2CF3-476C-836F-80765D49F55E}"/>
+                <a16:creationId xmlns:a16="http://schemas.microsoft.com/office/drawing/2014/main" id="{67AA1C79-2CF3-476C-836F-80765D49F55E}"/>
               </a:ext>
             </a:extLst>
           </p:cNvPr>
@@ -7391,7 +7391,7 @@
           <p:cNvPr id="6" name="TextBox 5">
             <a:extLst>
               <a:ext uri="{FF2B5EF4-FFF2-40B4-BE49-F238E27FC236}">
-                <a16:creationId xmlns:a16="http://schemas.microsoft.com/office/drawing/2014/main" xmlns="" id="{B9C90B26-26D1-4A0B-B0EF-18BEADE378C9}"/>
+                <a16:creationId xmlns:a16="http://schemas.microsoft.com/office/drawing/2014/main" id="{B9C90B26-26D1-4A0B-B0EF-18BEADE378C9}"/>
               </a:ext>
             </a:extLst>
           </p:cNvPr>
@@ -7429,7 +7429,7 @@
           <p:cNvPr id="4" name="Slide Number Placeholder 3">
             <a:extLst>
               <a:ext uri="{FF2B5EF4-FFF2-40B4-BE49-F238E27FC236}">
-                <a16:creationId xmlns:a16="http://schemas.microsoft.com/office/drawing/2014/main" xmlns="" id="{0CDFE87B-81B9-498F-80EF-80914176D35F}"/>
+                <a16:creationId xmlns:a16="http://schemas.microsoft.com/office/drawing/2014/main" id="{0CDFE87B-81B9-498F-80EF-80914176D35F}"/>
               </a:ext>
             </a:extLst>
           </p:cNvPr>
@@ -7458,7 +7458,7 @@
           <p:cNvPr id="7" name="Picture 6" descr="Table&#10;&#10;Description automatically generated">
             <a:extLst>
               <a:ext uri="{FF2B5EF4-FFF2-40B4-BE49-F238E27FC236}">
-                <a16:creationId xmlns:a16="http://schemas.microsoft.com/office/drawing/2014/main" xmlns="" id="{9DD9B50A-DED5-4C32-B52B-E3F2AF5D8F54}"/>
+                <a16:creationId xmlns:a16="http://schemas.microsoft.com/office/drawing/2014/main" id="{9DD9B50A-DED5-4C32-B52B-E3F2AF5D8F54}"/>
               </a:ext>
             </a:extLst>
           </p:cNvPr>
@@ -7499,7 +7499,7 @@
           <p:cNvPr id="8" name="TextBox 7">
             <a:extLst>
               <a:ext uri="{FF2B5EF4-FFF2-40B4-BE49-F238E27FC236}">
-                <a16:creationId xmlns:a16="http://schemas.microsoft.com/office/drawing/2014/main" xmlns="" id="{58845CCA-6EB8-4496-8A91-02AA9F8BB290}"/>
+                <a16:creationId xmlns:a16="http://schemas.microsoft.com/office/drawing/2014/main" id="{58845CCA-6EB8-4496-8A91-02AA9F8BB290}"/>
               </a:ext>
             </a:extLst>
           </p:cNvPr>
@@ -7550,7 +7550,7 @@
           <p:cNvPr id="11" name="TextBox 10">
             <a:extLst>
               <a:ext uri="{FF2B5EF4-FFF2-40B4-BE49-F238E27FC236}">
-                <a16:creationId xmlns:a16="http://schemas.microsoft.com/office/drawing/2014/main" xmlns="" id="{352E3E7A-EA3F-4053-90BE-D6ACDC61A9E9}"/>
+                <a16:creationId xmlns:a16="http://schemas.microsoft.com/office/drawing/2014/main" id="{352E3E7A-EA3F-4053-90BE-D6ACDC61A9E9}"/>
               </a:ext>
             </a:extLst>
           </p:cNvPr>
@@ -7601,7 +7601,7 @@
           <p:cNvPr id="12" name="Arrow: Left-Right 11">
             <a:extLst>
               <a:ext uri="{FF2B5EF4-FFF2-40B4-BE49-F238E27FC236}">
-                <a16:creationId xmlns:a16="http://schemas.microsoft.com/office/drawing/2014/main" xmlns="" id="{D7F7A215-119C-4C1C-82C0-2CADBD6A06B3}"/>
+                <a16:creationId xmlns:a16="http://schemas.microsoft.com/office/drawing/2014/main" id="{D7F7A215-119C-4C1C-82C0-2CADBD6A06B3}"/>
               </a:ext>
             </a:extLst>
           </p:cNvPr>
@@ -7694,7 +7694,7 @@
           <p:cNvPr id="2" name="Straight Connector 1">
             <a:extLst>
               <a:ext uri="{FF2B5EF4-FFF2-40B4-BE49-F238E27FC236}">
-                <a16:creationId xmlns:a16="http://schemas.microsoft.com/office/drawing/2014/main" xmlns="" id="{BC4339F9-A066-45CD-91C6-61FED21D3027}"/>
+                <a16:creationId xmlns:a16="http://schemas.microsoft.com/office/drawing/2014/main" id="{BC4339F9-A066-45CD-91C6-61FED21D3027}"/>
               </a:ext>
             </a:extLst>
           </p:cNvPr>
@@ -7735,7 +7735,7 @@
           <p:cNvPr id="3" name="TextBox 2">
             <a:extLst>
               <a:ext uri="{FF2B5EF4-FFF2-40B4-BE49-F238E27FC236}">
-                <a16:creationId xmlns:a16="http://schemas.microsoft.com/office/drawing/2014/main" xmlns="" id="{4F839CDC-E463-4502-8748-827AE781F905}"/>
+                <a16:creationId xmlns:a16="http://schemas.microsoft.com/office/drawing/2014/main" id="{4F839CDC-E463-4502-8748-827AE781F905}"/>
               </a:ext>
             </a:extLst>
           </p:cNvPr>
@@ -7773,7 +7773,7 @@
           <p:cNvPr id="5" name="Picture 4" descr="Table&#10;&#10;Description automatically generated">
             <a:extLst>
               <a:ext uri="{FF2B5EF4-FFF2-40B4-BE49-F238E27FC236}">
-                <a16:creationId xmlns:a16="http://schemas.microsoft.com/office/drawing/2014/main" xmlns="" id="{640A3E40-8F3E-4807-9775-C228686663F6}"/>
+                <a16:creationId xmlns:a16="http://schemas.microsoft.com/office/drawing/2014/main" id="{640A3E40-8F3E-4807-9775-C228686663F6}"/>
               </a:ext>
             </a:extLst>
           </p:cNvPr>
@@ -7814,7 +7814,7 @@
           <p:cNvPr id="6" name="Picture 5">
             <a:extLst>
               <a:ext uri="{FF2B5EF4-FFF2-40B4-BE49-F238E27FC236}">
-                <a16:creationId xmlns:a16="http://schemas.microsoft.com/office/drawing/2014/main" xmlns="" id="{F64BF678-CF07-4709-9518-07C5ADDD0440}"/>
+                <a16:creationId xmlns:a16="http://schemas.microsoft.com/office/drawing/2014/main" id="{F64BF678-CF07-4709-9518-07C5ADDD0440}"/>
               </a:ext>
             </a:extLst>
           </p:cNvPr>
@@ -7844,7 +7844,7 @@
           <p:cNvPr id="7" name="TextBox 6">
             <a:extLst>
               <a:ext uri="{FF2B5EF4-FFF2-40B4-BE49-F238E27FC236}">
-                <a16:creationId xmlns:a16="http://schemas.microsoft.com/office/drawing/2014/main" xmlns="" id="{4C46B3BD-A19D-4612-B241-47533C1396B3}"/>
+                <a16:creationId xmlns:a16="http://schemas.microsoft.com/office/drawing/2014/main" id="{4C46B3BD-A19D-4612-B241-47533C1396B3}"/>
               </a:ext>
             </a:extLst>
           </p:cNvPr>
@@ -7884,7 +7884,7 @@
           <p:cNvPr id="10" name="Straight Arrow Connector 9">
             <a:extLst>
               <a:ext uri="{FF2B5EF4-FFF2-40B4-BE49-F238E27FC236}">
-                <a16:creationId xmlns:a16="http://schemas.microsoft.com/office/drawing/2014/main" xmlns="" id="{2A550069-C01B-4CD5-9A8B-7F747EA6E38F}"/>
+                <a16:creationId xmlns:a16="http://schemas.microsoft.com/office/drawing/2014/main" id="{2A550069-C01B-4CD5-9A8B-7F747EA6E38F}"/>
               </a:ext>
             </a:extLst>
           </p:cNvPr>
@@ -7928,7 +7928,7 @@
           <p:cNvPr id="11" name="TextBox 10">
             <a:extLst>
               <a:ext uri="{FF2B5EF4-FFF2-40B4-BE49-F238E27FC236}">
-                <a16:creationId xmlns:a16="http://schemas.microsoft.com/office/drawing/2014/main" xmlns="" id="{C080F36E-D589-4AE0-BB2A-E57C520A437C}"/>
+                <a16:creationId xmlns:a16="http://schemas.microsoft.com/office/drawing/2014/main" id="{C080F36E-D589-4AE0-BB2A-E57C520A437C}"/>
               </a:ext>
             </a:extLst>
           </p:cNvPr>
@@ -7972,7 +7972,7 @@
           <p:cNvPr id="8" name="Picture 7" descr="A black screen with white text&#10;&#10;Description automatically generated with low confidence">
             <a:extLst>
               <a:ext uri="{FF2B5EF4-FFF2-40B4-BE49-F238E27FC236}">
-                <a16:creationId xmlns:a16="http://schemas.microsoft.com/office/drawing/2014/main" xmlns="" id="{F5491302-26A4-47DB-A132-06B872391976}"/>
+                <a16:creationId xmlns:a16="http://schemas.microsoft.com/office/drawing/2014/main" id="{F5491302-26A4-47DB-A132-06B872391976}"/>
               </a:ext>
             </a:extLst>
           </p:cNvPr>
@@ -8008,7 +8008,7 @@
           <p:cNvPr id="9" name="Rectangle 8">
             <a:extLst>
               <a:ext uri="{FF2B5EF4-FFF2-40B4-BE49-F238E27FC236}">
-                <a16:creationId xmlns:a16="http://schemas.microsoft.com/office/drawing/2014/main" xmlns="" id="{6D775965-1C50-487F-8F2A-DEC0F98F5C8A}"/>
+                <a16:creationId xmlns:a16="http://schemas.microsoft.com/office/drawing/2014/main" id="{6D775965-1C50-487F-8F2A-DEC0F98F5C8A}"/>
               </a:ext>
             </a:extLst>
           </p:cNvPr>
@@ -8060,7 +8060,7 @@
           <p:cNvPr id="12" name="Rectangle 11">
             <a:extLst>
               <a:ext uri="{FF2B5EF4-FFF2-40B4-BE49-F238E27FC236}">
-                <a16:creationId xmlns:a16="http://schemas.microsoft.com/office/drawing/2014/main" xmlns="" id="{B32DB8DB-FBEF-47EE-92F9-D0F9C79BB6F8}"/>
+                <a16:creationId xmlns:a16="http://schemas.microsoft.com/office/drawing/2014/main" id="{B32DB8DB-FBEF-47EE-92F9-D0F9C79BB6F8}"/>
               </a:ext>
             </a:extLst>
           </p:cNvPr>
@@ -8112,7 +8112,7 @@
           <p:cNvPr id="13" name="Rectangle 12">
             <a:extLst>
               <a:ext uri="{FF2B5EF4-FFF2-40B4-BE49-F238E27FC236}">
-                <a16:creationId xmlns:a16="http://schemas.microsoft.com/office/drawing/2014/main" xmlns="" id="{50C32D38-6D4D-495A-92DC-3EE4316B53B3}"/>
+                <a16:creationId xmlns:a16="http://schemas.microsoft.com/office/drawing/2014/main" id="{50C32D38-6D4D-495A-92DC-3EE4316B53B3}"/>
               </a:ext>
             </a:extLst>
           </p:cNvPr>
@@ -8164,7 +8164,7 @@
           <p:cNvPr id="14" name="TextBox 13">
             <a:extLst>
               <a:ext uri="{FF2B5EF4-FFF2-40B4-BE49-F238E27FC236}">
-                <a16:creationId xmlns:a16="http://schemas.microsoft.com/office/drawing/2014/main" xmlns="" id="{3CD9944B-7E47-4AED-99F6-5CCFC488B931}"/>
+                <a16:creationId xmlns:a16="http://schemas.microsoft.com/office/drawing/2014/main" id="{3CD9944B-7E47-4AED-99F6-5CCFC488B931}"/>
               </a:ext>
             </a:extLst>
           </p:cNvPr>
@@ -8202,7 +8202,7 @@
           <p:cNvPr id="4" name="Slide Number Placeholder 3">
             <a:extLst>
               <a:ext uri="{FF2B5EF4-FFF2-40B4-BE49-F238E27FC236}">
-                <a16:creationId xmlns:a16="http://schemas.microsoft.com/office/drawing/2014/main" xmlns="" id="{CDC01415-DD3A-4310-82E3-759502EC3948}"/>
+                <a16:creationId xmlns:a16="http://schemas.microsoft.com/office/drawing/2014/main" id="{CDC01415-DD3A-4310-82E3-759502EC3948}"/>
               </a:ext>
             </a:extLst>
           </p:cNvPr>
@@ -8366,7 +8366,7 @@
           <p:cNvPr id="2" name="Straight Connector 1">
             <a:extLst>
               <a:ext uri="{FF2B5EF4-FFF2-40B4-BE49-F238E27FC236}">
-                <a16:creationId xmlns:a16="http://schemas.microsoft.com/office/drawing/2014/main" xmlns="" id="{A31E7CB7-EDC3-46F2-92F6-748EE36F583B}"/>
+                <a16:creationId xmlns:a16="http://schemas.microsoft.com/office/drawing/2014/main" id="{A31E7CB7-EDC3-46F2-92F6-748EE36F583B}"/>
               </a:ext>
             </a:extLst>
           </p:cNvPr>
@@ -8407,7 +8407,7 @@
           <p:cNvPr id="3" name="TextBox 2">
             <a:extLst>
               <a:ext uri="{FF2B5EF4-FFF2-40B4-BE49-F238E27FC236}">
-                <a16:creationId xmlns:a16="http://schemas.microsoft.com/office/drawing/2014/main" xmlns="" id="{1CC17B57-5182-431A-B89C-F0A6B72A815B}"/>
+                <a16:creationId xmlns:a16="http://schemas.microsoft.com/office/drawing/2014/main" id="{1CC17B57-5182-431A-B89C-F0A6B72A815B}"/>
               </a:ext>
             </a:extLst>
           </p:cNvPr>
@@ -8445,7 +8445,7 @@
           <p:cNvPr id="4" name="TextBox 3">
             <a:extLst>
               <a:ext uri="{FF2B5EF4-FFF2-40B4-BE49-F238E27FC236}">
-                <a16:creationId xmlns:a16="http://schemas.microsoft.com/office/drawing/2014/main" xmlns="" id="{6F1D9BC5-A74C-48B9-B837-E3A52F63C79B}"/>
+                <a16:creationId xmlns:a16="http://schemas.microsoft.com/office/drawing/2014/main" id="{6F1D9BC5-A74C-48B9-B837-E3A52F63C79B}"/>
               </a:ext>
             </a:extLst>
           </p:cNvPr>
@@ -8474,21 +8474,7 @@
                 <a:latin typeface="Times New Roman" panose="02020603050405020304" pitchFamily="18" charset="0"/>
                 <a:cs typeface="Times New Roman" panose="02020603050405020304" pitchFamily="18" charset="0"/>
               </a:rPr>
-              <a:t>Based on match stats (i.e., percentage of possession of the ball, number of shots, number of shots on target</a:t>
-            </a:r>
-            <a:r>
-              <a:rPr lang="en-US" sz="3200" dirty="0" smtClean="0">
-                <a:latin typeface="Times New Roman" panose="02020603050405020304" pitchFamily="18" charset="0"/>
-                <a:cs typeface="Times New Roman" panose="02020603050405020304" pitchFamily="18" charset="0"/>
-              </a:rPr>
-              <a:t>, </a:t>
-            </a:r>
-            <a:r>
-              <a:rPr lang="en-US" sz="3200" dirty="0">
-                <a:latin typeface="Times New Roman" panose="02020603050405020304" pitchFamily="18" charset="0"/>
-                <a:cs typeface="Times New Roman" panose="02020603050405020304" pitchFamily="18" charset="0"/>
-              </a:rPr>
-              <a:t>etc.), can we predict the number of goals scored by each team?</a:t>
+              <a:t>Based on match stats (i.e., percentage of possession of the ball, number of shots, number of shots on target, etc.), can we predict the number of goals scored by each team?</a:t>
             </a:r>
           </a:p>
         </p:txBody>
@@ -8498,7 +8484,7 @@
           <p:cNvPr id="5" name="TextBox 4">
             <a:extLst>
               <a:ext uri="{FF2B5EF4-FFF2-40B4-BE49-F238E27FC236}">
-                <a16:creationId xmlns:a16="http://schemas.microsoft.com/office/drawing/2014/main" xmlns="" id="{ACAAEEF6-7416-46A9-A115-7BEE157A487C}"/>
+                <a16:creationId xmlns:a16="http://schemas.microsoft.com/office/drawing/2014/main" id="{ACAAEEF6-7416-46A9-A115-7BEE157A487C}"/>
               </a:ext>
             </a:extLst>
           </p:cNvPr>
@@ -8536,7 +8522,7 @@
           <p:cNvPr id="6" name="Slide Number Placeholder 5">
             <a:extLst>
               <a:ext uri="{FF2B5EF4-FFF2-40B4-BE49-F238E27FC236}">
-                <a16:creationId xmlns:a16="http://schemas.microsoft.com/office/drawing/2014/main" xmlns="" id="{3A69544C-5C5B-4A94-943B-9137EA7906C2}"/>
+                <a16:creationId xmlns:a16="http://schemas.microsoft.com/office/drawing/2014/main" id="{3A69544C-5C5B-4A94-943B-9137EA7906C2}"/>
               </a:ext>
             </a:extLst>
           </p:cNvPr>
@@ -8595,7 +8581,7 @@
           <p:cNvPr id="2" name="Straight Connector 1">
             <a:extLst>
               <a:ext uri="{FF2B5EF4-FFF2-40B4-BE49-F238E27FC236}">
-                <a16:creationId xmlns:a16="http://schemas.microsoft.com/office/drawing/2014/main" xmlns="" id="{BC4339F9-A066-45CD-91C6-61FED21D3027}"/>
+                <a16:creationId xmlns:a16="http://schemas.microsoft.com/office/drawing/2014/main" id="{BC4339F9-A066-45CD-91C6-61FED21D3027}"/>
               </a:ext>
             </a:extLst>
           </p:cNvPr>
@@ -8636,7 +8622,7 @@
           <p:cNvPr id="3" name="TextBox 2">
             <a:extLst>
               <a:ext uri="{FF2B5EF4-FFF2-40B4-BE49-F238E27FC236}">
-                <a16:creationId xmlns:a16="http://schemas.microsoft.com/office/drawing/2014/main" xmlns="" id="{4F839CDC-E463-4502-8748-827AE781F905}"/>
+                <a16:creationId xmlns:a16="http://schemas.microsoft.com/office/drawing/2014/main" id="{4F839CDC-E463-4502-8748-827AE781F905}"/>
               </a:ext>
             </a:extLst>
           </p:cNvPr>
@@ -8703,7 +8689,7 @@
           <p:cNvPr id="5" name="TextBox 4">
             <a:extLst>
               <a:ext uri="{FF2B5EF4-FFF2-40B4-BE49-F238E27FC236}">
-                <a16:creationId xmlns:a16="http://schemas.microsoft.com/office/drawing/2014/main" xmlns="" id="{14421A78-58B9-4580-8291-DEB4A94713CE}"/>
+                <a16:creationId xmlns:a16="http://schemas.microsoft.com/office/drawing/2014/main" id="{14421A78-58B9-4580-8291-DEB4A94713CE}"/>
               </a:ext>
             </a:extLst>
           </p:cNvPr>
@@ -8741,7 +8727,7 @@
           <p:cNvPr id="6" name="Slide Number Placeholder 5">
             <a:extLst>
               <a:ext uri="{FF2B5EF4-FFF2-40B4-BE49-F238E27FC236}">
-                <a16:creationId xmlns:a16="http://schemas.microsoft.com/office/drawing/2014/main" xmlns="" id="{22A6E6F7-1820-45AD-B91F-B44AD3919B42}"/>
+                <a16:creationId xmlns:a16="http://schemas.microsoft.com/office/drawing/2014/main" id="{22A6E6F7-1820-45AD-B91F-B44AD3919B42}"/>
               </a:ext>
             </a:extLst>
           </p:cNvPr>
@@ -8800,7 +8786,7 @@
           <p:cNvPr id="2" name="Straight Connector 1">
             <a:extLst>
               <a:ext uri="{FF2B5EF4-FFF2-40B4-BE49-F238E27FC236}">
-                <a16:creationId xmlns:a16="http://schemas.microsoft.com/office/drawing/2014/main" xmlns="" id="{BC4339F9-A066-45CD-91C6-61FED21D3027}"/>
+                <a16:creationId xmlns:a16="http://schemas.microsoft.com/office/drawing/2014/main" id="{BC4339F9-A066-45CD-91C6-61FED21D3027}"/>
               </a:ext>
             </a:extLst>
           </p:cNvPr>
@@ -8841,7 +8827,7 @@
           <p:cNvPr id="3" name="TextBox 2">
             <a:extLst>
               <a:ext uri="{FF2B5EF4-FFF2-40B4-BE49-F238E27FC236}">
-                <a16:creationId xmlns:a16="http://schemas.microsoft.com/office/drawing/2014/main" xmlns="" id="{4F839CDC-E463-4502-8748-827AE781F905}"/>
+                <a16:creationId xmlns:a16="http://schemas.microsoft.com/office/drawing/2014/main" id="{4F839CDC-E463-4502-8748-827AE781F905}"/>
               </a:ext>
             </a:extLst>
           </p:cNvPr>
@@ -8908,7 +8894,7 @@
           <p:cNvPr id="5" name="TextBox 4">
             <a:extLst>
               <a:ext uri="{FF2B5EF4-FFF2-40B4-BE49-F238E27FC236}">
-                <a16:creationId xmlns:a16="http://schemas.microsoft.com/office/drawing/2014/main" xmlns="" id="{F127B861-CE0B-4956-AF56-61F9EFACA894}"/>
+                <a16:creationId xmlns:a16="http://schemas.microsoft.com/office/drawing/2014/main" id="{F127B861-CE0B-4956-AF56-61F9EFACA894}"/>
               </a:ext>
             </a:extLst>
           </p:cNvPr>
@@ -8946,7 +8932,7 @@
           <p:cNvPr id="4" name="Slide Number Placeholder 3">
             <a:extLst>
               <a:ext uri="{FF2B5EF4-FFF2-40B4-BE49-F238E27FC236}">
-                <a16:creationId xmlns:a16="http://schemas.microsoft.com/office/drawing/2014/main" xmlns="" id="{C0505C3B-2E2E-4632-85EB-91CC97303EFC}"/>
+                <a16:creationId xmlns:a16="http://schemas.microsoft.com/office/drawing/2014/main" id="{C0505C3B-2E2E-4632-85EB-91CC97303EFC}"/>
               </a:ext>
             </a:extLst>
           </p:cNvPr>
@@ -9005,7 +8991,7 @@
           <p:cNvPr id="2" name="TextBox 1">
             <a:extLst>
               <a:ext uri="{FF2B5EF4-FFF2-40B4-BE49-F238E27FC236}">
-                <a16:creationId xmlns:a16="http://schemas.microsoft.com/office/drawing/2014/main" xmlns="" id="{FA3B5E8F-9FB4-4163-B829-9BE843BB6E52}"/>
+                <a16:creationId xmlns:a16="http://schemas.microsoft.com/office/drawing/2014/main" id="{FA3B5E8F-9FB4-4163-B829-9BE843BB6E52}"/>
               </a:ext>
             </a:extLst>
           </p:cNvPr>
@@ -9043,7 +9029,7 @@
           <p:cNvPr id="5" name="Straight Connector 4">
             <a:extLst>
               <a:ext uri="{FF2B5EF4-FFF2-40B4-BE49-F238E27FC236}">
-                <a16:creationId xmlns:a16="http://schemas.microsoft.com/office/drawing/2014/main" xmlns="" id="{2456B271-4A45-4851-A8BF-926F16D8D568}"/>
+                <a16:creationId xmlns:a16="http://schemas.microsoft.com/office/drawing/2014/main" id="{2456B271-4A45-4851-A8BF-926F16D8D568}"/>
               </a:ext>
             </a:extLst>
           </p:cNvPr>
@@ -9084,7 +9070,7 @@
           <p:cNvPr id="6" name="Group 5">
             <a:extLst>
               <a:ext uri="{FF2B5EF4-FFF2-40B4-BE49-F238E27FC236}">
-                <a16:creationId xmlns:a16="http://schemas.microsoft.com/office/drawing/2014/main" xmlns="" id="{402D1F21-BDC0-4BD7-841D-1C7E45806FF7}"/>
+                <a16:creationId xmlns:a16="http://schemas.microsoft.com/office/drawing/2014/main" id="{402D1F21-BDC0-4BD7-841D-1C7E45806FF7}"/>
               </a:ext>
             </a:extLst>
           </p:cNvPr>
@@ -9104,7 +9090,7 @@
             <p:cNvPr id="7" name="TextBox 6">
               <a:extLst>
                 <a:ext uri="{FF2B5EF4-FFF2-40B4-BE49-F238E27FC236}">
-                  <a16:creationId xmlns:a16="http://schemas.microsoft.com/office/drawing/2014/main" xmlns="" id="{F2A9DE6C-01A0-428D-9DC7-E3A1C05F0B8E}"/>
+                  <a16:creationId xmlns:a16="http://schemas.microsoft.com/office/drawing/2014/main" id="{F2A9DE6C-01A0-428D-9DC7-E3A1C05F0B8E}"/>
                 </a:ext>
               </a:extLst>
             </p:cNvPr>
@@ -9151,7 +9137,7 @@
             <p:cNvPr id="8" name="Rectangle: Rounded Corners 7">
               <a:extLst>
                 <a:ext uri="{FF2B5EF4-FFF2-40B4-BE49-F238E27FC236}">
-                  <a16:creationId xmlns:a16="http://schemas.microsoft.com/office/drawing/2014/main" xmlns="" id="{4A406CF7-2F65-455A-BBC0-1F0315BEEBF9}"/>
+                  <a16:creationId xmlns:a16="http://schemas.microsoft.com/office/drawing/2014/main" id="{4A406CF7-2F65-455A-BBC0-1F0315BEEBF9}"/>
                 </a:ext>
               </a:extLst>
             </p:cNvPr>
@@ -9173,7 +9159,7 @@
                     <a14:useLocalDpi xmlns:a14="http://schemas.microsoft.com/office/drawing/2010/main" val="0"/>
                   </a:ext>
                   <a:ext uri="{837473B0-CC2E-450A-ABE3-18F120FF3D39}">
-                    <a1611:picAttrSrcUrl xmlns:a1611="http://schemas.microsoft.com/office/drawing/2016/11/main" xmlns="" r:id="rId3"/>
+                    <a1611:picAttrSrcUrl xmlns:a1611="http://schemas.microsoft.com/office/drawing/2016/11/main" r:id="rId3"/>
                   </a:ext>
                 </a:extLst>
               </a:blip>
@@ -9229,7 +9215,7 @@
             <p:cNvPr id="9" name="Rectangle: Rounded Corners 8">
               <a:extLst>
                 <a:ext uri="{FF2B5EF4-FFF2-40B4-BE49-F238E27FC236}">
-                  <a16:creationId xmlns:a16="http://schemas.microsoft.com/office/drawing/2014/main" xmlns="" id="{309A92D1-CD6E-4925-9171-2B3C09D96288}"/>
+                  <a16:creationId xmlns:a16="http://schemas.microsoft.com/office/drawing/2014/main" id="{309A92D1-CD6E-4925-9171-2B3C09D96288}"/>
                 </a:ext>
               </a:extLst>
             </p:cNvPr>
@@ -9251,7 +9237,7 @@
                     <a14:useLocalDpi xmlns:a14="http://schemas.microsoft.com/office/drawing/2010/main" val="0"/>
                   </a:ext>
                   <a:ext uri="{837473B0-CC2E-450A-ABE3-18F120FF3D39}">
-                    <a1611:picAttrSrcUrl xmlns:a1611="http://schemas.microsoft.com/office/drawing/2016/11/main" xmlns="" r:id="rId5"/>
+                    <a1611:picAttrSrcUrl xmlns:a1611="http://schemas.microsoft.com/office/drawing/2016/11/main" r:id="rId5"/>
                   </a:ext>
                 </a:extLst>
               </a:blip>
@@ -9307,7 +9293,7 @@
             <p:cNvPr id="10" name="Rectangle: Rounded Corners 9">
               <a:extLst>
                 <a:ext uri="{FF2B5EF4-FFF2-40B4-BE49-F238E27FC236}">
-                  <a16:creationId xmlns:a16="http://schemas.microsoft.com/office/drawing/2014/main" xmlns="" id="{F3969DE2-E82B-4AF4-AC81-52648060A3B7}"/>
+                  <a16:creationId xmlns:a16="http://schemas.microsoft.com/office/drawing/2014/main" id="{F3969DE2-E82B-4AF4-AC81-52648060A3B7}"/>
                 </a:ext>
               </a:extLst>
             </p:cNvPr>
@@ -9329,7 +9315,7 @@
                     <a14:useLocalDpi xmlns:a14="http://schemas.microsoft.com/office/drawing/2010/main" val="0"/>
                   </a:ext>
                   <a:ext uri="{837473B0-CC2E-450A-ABE3-18F120FF3D39}">
-                    <a1611:picAttrSrcUrl xmlns:a1611="http://schemas.microsoft.com/office/drawing/2016/11/main" xmlns="" r:id="rId7"/>
+                    <a1611:picAttrSrcUrl xmlns:a1611="http://schemas.microsoft.com/office/drawing/2016/11/main" r:id="rId7"/>
                   </a:ext>
                 </a:extLst>
               </a:blip>
@@ -9385,7 +9371,7 @@
             <p:cNvPr id="11" name="Rectangle: Rounded Corners 10">
               <a:extLst>
                 <a:ext uri="{FF2B5EF4-FFF2-40B4-BE49-F238E27FC236}">
-                  <a16:creationId xmlns:a16="http://schemas.microsoft.com/office/drawing/2014/main" xmlns="" id="{0D308D4E-2F29-4024-B8F7-02A2A59533E4}"/>
+                  <a16:creationId xmlns:a16="http://schemas.microsoft.com/office/drawing/2014/main" id="{0D308D4E-2F29-4024-B8F7-02A2A59533E4}"/>
                 </a:ext>
               </a:extLst>
             </p:cNvPr>
@@ -9407,7 +9393,7 @@
                     <a14:useLocalDpi xmlns:a14="http://schemas.microsoft.com/office/drawing/2010/main" val="0"/>
                   </a:ext>
                   <a:ext uri="{837473B0-CC2E-450A-ABE3-18F120FF3D39}">
-                    <a1611:picAttrSrcUrl xmlns:a1611="http://schemas.microsoft.com/office/drawing/2016/11/main" xmlns="" r:id="rId9"/>
+                    <a1611:picAttrSrcUrl xmlns:a1611="http://schemas.microsoft.com/office/drawing/2016/11/main" r:id="rId9"/>
                   </a:ext>
                 </a:extLst>
               </a:blip>
@@ -9463,7 +9449,7 @@
             <p:cNvPr id="12" name="Rectangle: Rounded Corners 11">
               <a:extLst>
                 <a:ext uri="{FF2B5EF4-FFF2-40B4-BE49-F238E27FC236}">
-                  <a16:creationId xmlns:a16="http://schemas.microsoft.com/office/drawing/2014/main" xmlns="" id="{C506414F-A722-42B9-BD56-6BD0102C7E99}"/>
+                  <a16:creationId xmlns:a16="http://schemas.microsoft.com/office/drawing/2014/main" id="{C506414F-A722-42B9-BD56-6BD0102C7E99}"/>
                 </a:ext>
               </a:extLst>
             </p:cNvPr>
@@ -9485,7 +9471,7 @@
                     <a14:useLocalDpi xmlns:a14="http://schemas.microsoft.com/office/drawing/2010/main" val="0"/>
                   </a:ext>
                   <a:ext uri="{837473B0-CC2E-450A-ABE3-18F120FF3D39}">
-                    <a1611:picAttrSrcUrl xmlns:a1611="http://schemas.microsoft.com/office/drawing/2016/11/main" xmlns="" r:id="rId11"/>
+                    <a1611:picAttrSrcUrl xmlns:a1611="http://schemas.microsoft.com/office/drawing/2016/11/main" r:id="rId11"/>
                   </a:ext>
                 </a:extLst>
               </a:blip>
@@ -9542,7 +9528,7 @@
           <p:cNvPr id="13" name="Group 12">
             <a:extLst>
               <a:ext uri="{FF2B5EF4-FFF2-40B4-BE49-F238E27FC236}">
-                <a16:creationId xmlns:a16="http://schemas.microsoft.com/office/drawing/2014/main" xmlns="" id="{B76497C1-EBE7-4CC7-8848-E6F164537443}"/>
+                <a16:creationId xmlns:a16="http://schemas.microsoft.com/office/drawing/2014/main" id="{B76497C1-EBE7-4CC7-8848-E6F164537443}"/>
               </a:ext>
             </a:extLst>
           </p:cNvPr>
@@ -9562,7 +9548,7 @@
             <p:cNvPr id="14" name="TextBox 13">
               <a:extLst>
                 <a:ext uri="{FF2B5EF4-FFF2-40B4-BE49-F238E27FC236}">
-                  <a16:creationId xmlns:a16="http://schemas.microsoft.com/office/drawing/2014/main" xmlns="" id="{62F0CA42-0789-4126-8406-7D28A7369A25}"/>
+                  <a16:creationId xmlns:a16="http://schemas.microsoft.com/office/drawing/2014/main" id="{62F0CA42-0789-4126-8406-7D28A7369A25}"/>
                 </a:ext>
               </a:extLst>
             </p:cNvPr>
@@ -9609,7 +9595,7 @@
             <p:cNvPr id="15" name="Rectangle: Rounded Corners 14">
               <a:extLst>
                 <a:ext uri="{FF2B5EF4-FFF2-40B4-BE49-F238E27FC236}">
-                  <a16:creationId xmlns:a16="http://schemas.microsoft.com/office/drawing/2014/main" xmlns="" id="{8777892D-759A-4086-AF22-ADF29283590B}"/>
+                  <a16:creationId xmlns:a16="http://schemas.microsoft.com/office/drawing/2014/main" id="{8777892D-759A-4086-AF22-ADF29283590B}"/>
                 </a:ext>
               </a:extLst>
             </p:cNvPr>
@@ -9631,7 +9617,7 @@
                     <a14:useLocalDpi xmlns:a14="http://schemas.microsoft.com/office/drawing/2010/main" val="0"/>
                   </a:ext>
                   <a:ext uri="{837473B0-CC2E-450A-ABE3-18F120FF3D39}">
-                    <a1611:picAttrSrcUrl xmlns:a1611="http://schemas.microsoft.com/office/drawing/2016/11/main" xmlns="" r:id="rId13"/>
+                    <a1611:picAttrSrcUrl xmlns:a1611="http://schemas.microsoft.com/office/drawing/2016/11/main" r:id="rId13"/>
                   </a:ext>
                 </a:extLst>
               </a:blip>
@@ -9688,7 +9674,7 @@
           <p:cNvPr id="16" name="Group 15">
             <a:extLst>
               <a:ext uri="{FF2B5EF4-FFF2-40B4-BE49-F238E27FC236}">
-                <a16:creationId xmlns:a16="http://schemas.microsoft.com/office/drawing/2014/main" xmlns="" id="{92DBFA76-339B-4BC7-A996-64FF23A08D34}"/>
+                <a16:creationId xmlns:a16="http://schemas.microsoft.com/office/drawing/2014/main" id="{92DBFA76-339B-4BC7-A996-64FF23A08D34}"/>
               </a:ext>
             </a:extLst>
           </p:cNvPr>
@@ -9708,7 +9694,7 @@
             <p:cNvPr id="17" name="TextBox 16">
               <a:extLst>
                 <a:ext uri="{FF2B5EF4-FFF2-40B4-BE49-F238E27FC236}">
-                  <a16:creationId xmlns:a16="http://schemas.microsoft.com/office/drawing/2014/main" xmlns="" id="{18863F4F-F7B3-4AA0-A3A2-69C4090AE22B}"/>
+                  <a16:creationId xmlns:a16="http://schemas.microsoft.com/office/drawing/2014/main" id="{18863F4F-F7B3-4AA0-A3A2-69C4090AE22B}"/>
                 </a:ext>
               </a:extLst>
             </p:cNvPr>
@@ -9755,7 +9741,7 @@
             <p:cNvPr id="18" name="Rectangle: Rounded Corners 17">
               <a:extLst>
                 <a:ext uri="{FF2B5EF4-FFF2-40B4-BE49-F238E27FC236}">
-                  <a16:creationId xmlns:a16="http://schemas.microsoft.com/office/drawing/2014/main" xmlns="" id="{CA295CF7-0415-4BD2-B05F-3124A13F2AF7}"/>
+                  <a16:creationId xmlns:a16="http://schemas.microsoft.com/office/drawing/2014/main" id="{CA295CF7-0415-4BD2-B05F-3124A13F2AF7}"/>
                 </a:ext>
               </a:extLst>
             </p:cNvPr>
@@ -9777,7 +9763,7 @@
                     <a14:useLocalDpi xmlns:a14="http://schemas.microsoft.com/office/drawing/2010/main" val="0"/>
                   </a:ext>
                   <a:ext uri="{837473B0-CC2E-450A-ABE3-18F120FF3D39}">
-                    <a1611:picAttrSrcUrl xmlns:a1611="http://schemas.microsoft.com/office/drawing/2016/11/main" xmlns="" r:id="rId15"/>
+                    <a1611:picAttrSrcUrl xmlns:a1611="http://schemas.microsoft.com/office/drawing/2016/11/main" r:id="rId15"/>
                   </a:ext>
                 </a:extLst>
               </a:blip>
@@ -9834,7 +9820,7 @@
           <p:cNvPr id="19" name="Group 18">
             <a:extLst>
               <a:ext uri="{FF2B5EF4-FFF2-40B4-BE49-F238E27FC236}">
-                <a16:creationId xmlns:a16="http://schemas.microsoft.com/office/drawing/2014/main" xmlns="" id="{4695C998-EA22-48E6-99A8-4261DE86D1B7}"/>
+                <a16:creationId xmlns:a16="http://schemas.microsoft.com/office/drawing/2014/main" id="{4695C998-EA22-48E6-99A8-4261DE86D1B7}"/>
               </a:ext>
             </a:extLst>
           </p:cNvPr>
@@ -9854,7 +9840,7 @@
             <p:cNvPr id="20" name="Rectangle: Rounded Corners 19">
               <a:extLst>
                 <a:ext uri="{FF2B5EF4-FFF2-40B4-BE49-F238E27FC236}">
-                  <a16:creationId xmlns:a16="http://schemas.microsoft.com/office/drawing/2014/main" xmlns="" id="{BA8EBCCF-FA84-4EA4-B032-1EFDBA14DBA8}"/>
+                  <a16:creationId xmlns:a16="http://schemas.microsoft.com/office/drawing/2014/main" id="{BA8EBCCF-FA84-4EA4-B032-1EFDBA14DBA8}"/>
                 </a:ext>
               </a:extLst>
             </p:cNvPr>
@@ -9911,7 +9897,7 @@
             <p:cNvPr id="21" name="TextBox 20">
               <a:extLst>
                 <a:ext uri="{FF2B5EF4-FFF2-40B4-BE49-F238E27FC236}">
-                  <a16:creationId xmlns:a16="http://schemas.microsoft.com/office/drawing/2014/main" xmlns="" id="{9E08633C-F67F-443E-9428-E015A1F07E85}"/>
+                  <a16:creationId xmlns:a16="http://schemas.microsoft.com/office/drawing/2014/main" id="{9E08633C-F67F-443E-9428-E015A1F07E85}"/>
                 </a:ext>
               </a:extLst>
             </p:cNvPr>
@@ -9951,7 +9937,7 @@
             <p:cNvPr id="22" name="Arrow: Down 21">
               <a:extLst>
                 <a:ext uri="{FF2B5EF4-FFF2-40B4-BE49-F238E27FC236}">
-                  <a16:creationId xmlns:a16="http://schemas.microsoft.com/office/drawing/2014/main" xmlns="" id="{8B26D85F-9FDA-4812-B6D8-2B78D454FCAD}"/>
+                  <a16:creationId xmlns:a16="http://schemas.microsoft.com/office/drawing/2014/main" id="{8B26D85F-9FDA-4812-B6D8-2B78D454FCAD}"/>
                 </a:ext>
               </a:extLst>
             </p:cNvPr>
@@ -10023,7 +10009,7 @@
             <p:cNvPr id="23" name="TextBox 22">
               <a:extLst>
                 <a:ext uri="{FF2B5EF4-FFF2-40B4-BE49-F238E27FC236}">
-                  <a16:creationId xmlns:a16="http://schemas.microsoft.com/office/drawing/2014/main" xmlns="" id="{3AF5BA8D-EFDA-495B-9355-4A1E67DF7485}"/>
+                  <a16:creationId xmlns:a16="http://schemas.microsoft.com/office/drawing/2014/main" id="{3AF5BA8D-EFDA-495B-9355-4A1E67DF7485}"/>
                 </a:ext>
               </a:extLst>
             </p:cNvPr>
@@ -10064,7 +10050,7 @@
           <p:cNvPr id="3" name="TextBox 2">
             <a:extLst>
               <a:ext uri="{FF2B5EF4-FFF2-40B4-BE49-F238E27FC236}">
-                <a16:creationId xmlns:a16="http://schemas.microsoft.com/office/drawing/2014/main" xmlns="" id="{3748ACAD-5222-4814-A9BE-496EA55216DA}"/>
+                <a16:creationId xmlns:a16="http://schemas.microsoft.com/office/drawing/2014/main" id="{3748ACAD-5222-4814-A9BE-496EA55216DA}"/>
               </a:ext>
             </a:extLst>
           </p:cNvPr>
@@ -10102,7 +10088,7 @@
           <p:cNvPr id="4" name="Slide Number Placeholder 3">
             <a:extLst>
               <a:ext uri="{FF2B5EF4-FFF2-40B4-BE49-F238E27FC236}">
-                <a16:creationId xmlns:a16="http://schemas.microsoft.com/office/drawing/2014/main" xmlns="" id="{3520C46F-99E6-4817-9D3D-39803535527F}"/>
+                <a16:creationId xmlns:a16="http://schemas.microsoft.com/office/drawing/2014/main" id="{3520C46F-99E6-4817-9D3D-39803535527F}"/>
               </a:ext>
             </a:extLst>
           </p:cNvPr>
@@ -10587,7 +10573,7 @@
           <p:cNvPr id="2" name="Straight Connector 1">
             <a:extLst>
               <a:ext uri="{FF2B5EF4-FFF2-40B4-BE49-F238E27FC236}">
-                <a16:creationId xmlns:a16="http://schemas.microsoft.com/office/drawing/2014/main" xmlns="" id="{BC4339F9-A066-45CD-91C6-61FED21D3027}"/>
+                <a16:creationId xmlns:a16="http://schemas.microsoft.com/office/drawing/2014/main" id="{BC4339F9-A066-45CD-91C6-61FED21D3027}"/>
               </a:ext>
             </a:extLst>
           </p:cNvPr>
@@ -10628,7 +10614,7 @@
           <p:cNvPr id="3" name="TextBox 2">
             <a:extLst>
               <a:ext uri="{FF2B5EF4-FFF2-40B4-BE49-F238E27FC236}">
-                <a16:creationId xmlns:a16="http://schemas.microsoft.com/office/drawing/2014/main" xmlns="" id="{4F839CDC-E463-4502-8748-827AE781F905}"/>
+                <a16:creationId xmlns:a16="http://schemas.microsoft.com/office/drawing/2014/main" id="{4F839CDC-E463-4502-8748-827AE781F905}"/>
               </a:ext>
             </a:extLst>
           </p:cNvPr>
@@ -10666,7 +10652,7 @@
           <p:cNvPr id="7" name="TextBox 6">
             <a:extLst>
               <a:ext uri="{FF2B5EF4-FFF2-40B4-BE49-F238E27FC236}">
-                <a16:creationId xmlns:a16="http://schemas.microsoft.com/office/drawing/2014/main" xmlns="" id="{4F839CDC-E463-4502-8748-827AE781F905}"/>
+                <a16:creationId xmlns:a16="http://schemas.microsoft.com/office/drawing/2014/main" id="{4F839CDC-E463-4502-8748-827AE781F905}"/>
               </a:ext>
             </a:extLst>
           </p:cNvPr>
@@ -10902,7 +10888,7 @@
           <p:cNvPr id="12" name="TextBox 11">
             <a:extLst>
               <a:ext uri="{FF2B5EF4-FFF2-40B4-BE49-F238E27FC236}">
-                <a16:creationId xmlns:a16="http://schemas.microsoft.com/office/drawing/2014/main" xmlns="" id="{4F839CDC-E463-4502-8748-827AE781F905}"/>
+                <a16:creationId xmlns:a16="http://schemas.microsoft.com/office/drawing/2014/main" id="{4F839CDC-E463-4502-8748-827AE781F905}"/>
               </a:ext>
             </a:extLst>
           </p:cNvPr>
@@ -10981,7 +10967,7 @@
           <p:cNvPr id="11" name="TextBox 10">
             <a:extLst>
               <a:ext uri="{FF2B5EF4-FFF2-40B4-BE49-F238E27FC236}">
-                <a16:creationId xmlns:a16="http://schemas.microsoft.com/office/drawing/2014/main" xmlns="" id="{296EF7E8-B19E-4525-A24E-2C4EC782EF9F}"/>
+                <a16:creationId xmlns:a16="http://schemas.microsoft.com/office/drawing/2014/main" id="{296EF7E8-B19E-4525-A24E-2C4EC782EF9F}"/>
               </a:ext>
             </a:extLst>
           </p:cNvPr>
@@ -11019,7 +11005,7 @@
           <p:cNvPr id="6" name="Slide Number Placeholder 5">
             <a:extLst>
               <a:ext uri="{FF2B5EF4-FFF2-40B4-BE49-F238E27FC236}">
-                <a16:creationId xmlns:a16="http://schemas.microsoft.com/office/drawing/2014/main" xmlns="" id="{6FA6159A-06FA-4CFE-876B-8E5BE7E74C2A}"/>
+                <a16:creationId xmlns:a16="http://schemas.microsoft.com/office/drawing/2014/main" id="{6FA6159A-06FA-4CFE-876B-8E5BE7E74C2A}"/>
               </a:ext>
             </a:extLst>
           </p:cNvPr>
@@ -11078,7 +11064,7 @@
           <p:cNvPr id="2" name="Straight Connector 1">
             <a:extLst>
               <a:ext uri="{FF2B5EF4-FFF2-40B4-BE49-F238E27FC236}">
-                <a16:creationId xmlns:a16="http://schemas.microsoft.com/office/drawing/2014/main" xmlns="" id="{AC4F71CC-7F86-4E5B-8494-019D67CEEE38}"/>
+                <a16:creationId xmlns:a16="http://schemas.microsoft.com/office/drawing/2014/main" id="{AC4F71CC-7F86-4E5B-8494-019D67CEEE38}"/>
               </a:ext>
             </a:extLst>
           </p:cNvPr>
@@ -11119,7 +11105,7 @@
           <p:cNvPr id="3" name="TextBox 2">
             <a:extLst>
               <a:ext uri="{FF2B5EF4-FFF2-40B4-BE49-F238E27FC236}">
-                <a16:creationId xmlns:a16="http://schemas.microsoft.com/office/drawing/2014/main" xmlns="" id="{8B3BC4E2-3633-48AE-8642-FECEB91C7154}"/>
+                <a16:creationId xmlns:a16="http://schemas.microsoft.com/office/drawing/2014/main" id="{8B3BC4E2-3633-48AE-8642-FECEB91C7154}"/>
               </a:ext>
             </a:extLst>
           </p:cNvPr>
@@ -11157,7 +11143,7 @@
           <p:cNvPr id="6" name="TextBox 5">
             <a:extLst>
               <a:ext uri="{FF2B5EF4-FFF2-40B4-BE49-F238E27FC236}">
-                <a16:creationId xmlns:a16="http://schemas.microsoft.com/office/drawing/2014/main" xmlns="" id="{5B0443FD-90D9-48BC-897C-ABD5E91D5509}"/>
+                <a16:creationId xmlns:a16="http://schemas.microsoft.com/office/drawing/2014/main" id="{5B0443FD-90D9-48BC-897C-ABD5E91D5509}"/>
               </a:ext>
             </a:extLst>
           </p:cNvPr>
@@ -11195,7 +11181,7 @@
           <p:cNvPr id="4" name="Slide Number Placeholder 3">
             <a:extLst>
               <a:ext uri="{FF2B5EF4-FFF2-40B4-BE49-F238E27FC236}">
-                <a16:creationId xmlns:a16="http://schemas.microsoft.com/office/drawing/2014/main" xmlns="" id="{D8C84466-E7A1-4992-B032-722AA600AC01}"/>
+                <a16:creationId xmlns:a16="http://schemas.microsoft.com/office/drawing/2014/main" id="{D8C84466-E7A1-4992-B032-722AA600AC01}"/>
               </a:ext>
             </a:extLst>
           </p:cNvPr>
@@ -11224,7 +11210,7 @@
           <p:cNvPr id="9" name="Table 9">
             <a:extLst>
               <a:ext uri="{FF2B5EF4-FFF2-40B4-BE49-F238E27FC236}">
-                <a16:creationId xmlns:a16="http://schemas.microsoft.com/office/drawing/2014/main" xmlns="" id="{8C7962D5-FD75-4BEE-A9E4-1C5F71B7AFB6}"/>
+                <a16:creationId xmlns:a16="http://schemas.microsoft.com/office/drawing/2014/main" id="{8C7962D5-FD75-4BEE-A9E4-1C5F71B7AFB6}"/>
               </a:ext>
             </a:extLst>
           </p:cNvPr>
@@ -11253,14 +11239,14 @@
                 <a:gridCol w="2442672">
                   <a:extLst>
                     <a:ext uri="{9D8B030D-6E8A-4147-A177-3AD203B41FA5}">
-                      <a16:colId xmlns:a16="http://schemas.microsoft.com/office/drawing/2014/main" xmlns="" val="1248716383"/>
+                      <a16:colId xmlns:a16="http://schemas.microsoft.com/office/drawing/2014/main" val="1248716383"/>
                     </a:ext>
                   </a:extLst>
                 </a:gridCol>
                 <a:gridCol w="2442672">
                   <a:extLst>
                     <a:ext uri="{9D8B030D-6E8A-4147-A177-3AD203B41FA5}">
-                      <a16:colId xmlns:a16="http://schemas.microsoft.com/office/drawing/2014/main" xmlns="" val="2587689662"/>
+                      <a16:colId xmlns:a16="http://schemas.microsoft.com/office/drawing/2014/main" val="2587689662"/>
                     </a:ext>
                   </a:extLst>
                 </a:gridCol>
@@ -11375,7 +11361,7 @@
                 </a:tc>
                 <a:extLst>
                   <a:ext uri="{0D108BD9-81ED-4DB2-BD59-A6C34878D82A}">
-                    <a16:rowId xmlns:a16="http://schemas.microsoft.com/office/drawing/2014/main" xmlns="" val="814600167"/>
+                    <a16:rowId xmlns:a16="http://schemas.microsoft.com/office/drawing/2014/main" val="814600167"/>
                   </a:ext>
                 </a:extLst>
               </a:tr>
@@ -11484,7 +11470,7 @@
                 </a:tc>
                 <a:extLst>
                   <a:ext uri="{0D108BD9-81ED-4DB2-BD59-A6C34878D82A}">
-                    <a16:rowId xmlns:a16="http://schemas.microsoft.com/office/drawing/2014/main" xmlns="" val="4111910200"/>
+                    <a16:rowId xmlns:a16="http://schemas.microsoft.com/office/drawing/2014/main" val="4111910200"/>
                   </a:ext>
                 </a:extLst>
               </a:tr>
@@ -11497,7 +11483,7 @@
           <p:cNvPr id="11" name="Picture 10">
             <a:extLst>
               <a:ext uri="{FF2B5EF4-FFF2-40B4-BE49-F238E27FC236}">
-                <a16:creationId xmlns:a16="http://schemas.microsoft.com/office/drawing/2014/main" xmlns="" id="{C432FFC9-395A-46AC-BFA9-67409BF13538}"/>
+                <a16:creationId xmlns:a16="http://schemas.microsoft.com/office/drawing/2014/main" id="{C432FFC9-395A-46AC-BFA9-67409BF13538}"/>
               </a:ext>
             </a:extLst>
           </p:cNvPr>
@@ -11532,7 +11518,7 @@
           <p:cNvPr id="12" name="Picture 11">
             <a:extLst>
               <a:ext uri="{FF2B5EF4-FFF2-40B4-BE49-F238E27FC236}">
-                <a16:creationId xmlns:a16="http://schemas.microsoft.com/office/drawing/2014/main" xmlns="" id="{F2EB8CBD-3AF1-4610-931D-68B8969DF5EC}"/>
+                <a16:creationId xmlns:a16="http://schemas.microsoft.com/office/drawing/2014/main" id="{F2EB8CBD-3AF1-4610-931D-68B8969DF5EC}"/>
               </a:ext>
             </a:extLst>
           </p:cNvPr>
@@ -11561,7 +11547,7 @@
           <p:cNvPr id="13" name="Picture 12">
             <a:extLst>
               <a:ext uri="{FF2B5EF4-FFF2-40B4-BE49-F238E27FC236}">
-                <a16:creationId xmlns:a16="http://schemas.microsoft.com/office/drawing/2014/main" xmlns="" id="{9461FE86-2C54-4895-A0F9-B7F5BC6634F4}"/>
+                <a16:creationId xmlns:a16="http://schemas.microsoft.com/office/drawing/2014/main" id="{9461FE86-2C54-4895-A0F9-B7F5BC6634F4}"/>
               </a:ext>
             </a:extLst>
           </p:cNvPr>
@@ -11620,7 +11606,7 @@
           <p:cNvPr id="2" name="Straight Connector 1">
             <a:extLst>
               <a:ext uri="{FF2B5EF4-FFF2-40B4-BE49-F238E27FC236}">
-                <a16:creationId xmlns:a16="http://schemas.microsoft.com/office/drawing/2014/main" xmlns="" id="{A31E7CB7-EDC3-46F2-92F6-748EE36F583B}"/>
+                <a16:creationId xmlns:a16="http://schemas.microsoft.com/office/drawing/2014/main" id="{A31E7CB7-EDC3-46F2-92F6-748EE36F583B}"/>
               </a:ext>
             </a:extLst>
           </p:cNvPr>
@@ -11661,7 +11647,7 @@
           <p:cNvPr id="3" name="TextBox 2">
             <a:extLst>
               <a:ext uri="{FF2B5EF4-FFF2-40B4-BE49-F238E27FC236}">
-                <a16:creationId xmlns:a16="http://schemas.microsoft.com/office/drawing/2014/main" xmlns="" id="{1CC17B57-5182-431A-B89C-F0A6B72A815B}"/>
+                <a16:creationId xmlns:a16="http://schemas.microsoft.com/office/drawing/2014/main" id="{1CC17B57-5182-431A-B89C-F0A6B72A815B}"/>
               </a:ext>
             </a:extLst>
           </p:cNvPr>
@@ -11699,7 +11685,7 @@
           <p:cNvPr id="6" name="TextBox 5">
             <a:extLst>
               <a:ext uri="{FF2B5EF4-FFF2-40B4-BE49-F238E27FC236}">
-                <a16:creationId xmlns:a16="http://schemas.microsoft.com/office/drawing/2014/main" xmlns="" id="{968A0A82-7146-484C-AA9D-583D7134C376}"/>
+                <a16:creationId xmlns:a16="http://schemas.microsoft.com/office/drawing/2014/main" id="{968A0A82-7146-484C-AA9D-583D7134C376}"/>
               </a:ext>
             </a:extLst>
           </p:cNvPr>
@@ -11737,7 +11723,7 @@
           <p:cNvPr id="4" name="Slide Number Placeholder 3">
             <a:extLst>
               <a:ext uri="{FF2B5EF4-FFF2-40B4-BE49-F238E27FC236}">
-                <a16:creationId xmlns:a16="http://schemas.microsoft.com/office/drawing/2014/main" xmlns="" id="{A2C6C374-36AC-4AC1-B755-127A76259660}"/>
+                <a16:creationId xmlns:a16="http://schemas.microsoft.com/office/drawing/2014/main" id="{A2C6C374-36AC-4AC1-B755-127A76259660}"/>
               </a:ext>
             </a:extLst>
           </p:cNvPr>
@@ -11766,7 +11752,7 @@
           <p:cNvPr id="7" name="TextBox 6">
             <a:extLst>
               <a:ext uri="{FF2B5EF4-FFF2-40B4-BE49-F238E27FC236}">
-                <a16:creationId xmlns:a16="http://schemas.microsoft.com/office/drawing/2014/main" xmlns="" id="{BE8BE599-A983-42AB-9743-C46DC7AEC928}"/>
+                <a16:creationId xmlns:a16="http://schemas.microsoft.com/office/drawing/2014/main" id="{BE8BE599-A983-42AB-9743-C46DC7AEC928}"/>
               </a:ext>
             </a:extLst>
           </p:cNvPr>
@@ -11776,7 +11762,7 @@
         <p:spPr>
           <a:xfrm>
             <a:off x="439693" y="1506070"/>
-            <a:ext cx="11142708" cy="4154984"/>
+            <a:ext cx="11142708" cy="4524315"/>
           </a:xfrm>
           <a:prstGeom prst="rect">
             <a:avLst/>
@@ -11798,8 +11784,19 @@
                 <a:latin typeface="Times New Roman" panose="02020603050405020304" pitchFamily="18" charset="0"/>
                 <a:cs typeface="Times New Roman" panose="02020603050405020304" pitchFamily="18" charset="0"/>
               </a:rPr>
-              <a:t>Smart Q1</a:t>
+              <a:t>As expected shorter passes and closer to the goal has higher probability of </a:t>
             </a:r>
+            <a:r>
+              <a:rPr lang="en-US" sz="2400">
+                <a:latin typeface="Times New Roman" panose="02020603050405020304" pitchFamily="18" charset="0"/>
+                <a:cs typeface="Times New Roman" panose="02020603050405020304" pitchFamily="18" charset="0"/>
+              </a:rPr>
+              <a:t>the goal being successful. </a:t>
+            </a:r>
+            <a:endParaRPr lang="en-US" sz="2400" dirty="0">
+              <a:latin typeface="Times New Roman" panose="02020603050405020304" pitchFamily="18" charset="0"/>
+              <a:cs typeface="Times New Roman" panose="02020603050405020304" pitchFamily="18" charset="0"/>
+            </a:endParaRPr>
           </a:p>
           <a:p>
             <a:pPr marL="285750" indent="-285750">
@@ -11853,18 +11850,11 @@
               <a:buChar char="•"/>
             </a:pPr>
             <a:r>
-              <a:rPr lang="en-US" sz="2400" dirty="0" smtClean="0">
-                <a:latin typeface="Times New Roman" panose="02020603050405020304" pitchFamily="18" charset="0"/>
-                <a:cs typeface="Times New Roman" panose="02020603050405020304" pitchFamily="18" charset="0"/>
-              </a:rPr>
-              <a:t>The </a:t>
-            </a:r>
-            <a:r>
               <a:rPr lang="en-US" sz="2400" dirty="0">
                 <a:latin typeface="Times New Roman" panose="02020603050405020304" pitchFamily="18" charset="0"/>
                 <a:cs typeface="Times New Roman" panose="02020603050405020304" pitchFamily="18" charset="0"/>
               </a:rPr>
-              <a:t>model Goals = Shots + </a:t>
+              <a:t>The model Goals = Shots + </a:t>
             </a:r>
             <a:r>
               <a:rPr lang="en-US" sz="2400" dirty="0" err="1">
@@ -11892,33 +11882,8 @@
                 <a:latin typeface="Times New Roman" panose="02020603050405020304" pitchFamily="18" charset="0"/>
                 <a:cs typeface="Times New Roman" panose="02020603050405020304" pitchFamily="18" charset="0"/>
               </a:rPr>
-              <a:t> + Possession + Corners + </a:t>
+              <a:t> + Possession + Corners + Fouls is the best linear regression model under BIC and Adjusted R-Squared measures. However, because the response variable is a non-negative count variable, count data models such as Poisson (a Generalized Linear Model) may be more appropriate.</a:t>
             </a:r>
-            <a:r>
-              <a:rPr lang="en-US" sz="2400" dirty="0" smtClean="0">
-                <a:latin typeface="Times New Roman" panose="02020603050405020304" pitchFamily="18" charset="0"/>
-                <a:cs typeface="Times New Roman" panose="02020603050405020304" pitchFamily="18" charset="0"/>
-              </a:rPr>
-              <a:t>Fouls</a:t>
-            </a:r>
-            <a:r>
-              <a:rPr lang="en-US" sz="2400" dirty="0">
-                <a:latin typeface="Times New Roman" panose="02020603050405020304" pitchFamily="18" charset="0"/>
-                <a:cs typeface="Times New Roman" panose="02020603050405020304" pitchFamily="18" charset="0"/>
-              </a:rPr>
-              <a:t> </a:t>
-            </a:r>
-            <a:r>
-              <a:rPr lang="en-US" sz="2400" dirty="0" smtClean="0">
-                <a:latin typeface="Times New Roman" panose="02020603050405020304" pitchFamily="18" charset="0"/>
-                <a:cs typeface="Times New Roman" panose="02020603050405020304" pitchFamily="18" charset="0"/>
-              </a:rPr>
-              <a:t>is the best linear regression model under BIC and Adjusted R-Squared measures. However, because the response variable is a non-negative count variable, count data models such as Poisson (a Generalized Linear Model) may be more appropriate.</a:t>
-            </a:r>
-            <a:endParaRPr lang="en-US" sz="2400" dirty="0">
-              <a:latin typeface="Times New Roman" panose="02020603050405020304" pitchFamily="18" charset="0"/>
-              <a:cs typeface="Times New Roman" panose="02020603050405020304" pitchFamily="18" charset="0"/>
-            </a:endParaRPr>
           </a:p>
         </p:txBody>
       </p:sp>
@@ -11957,7 +11922,7 @@
           <p:cNvPr id="2" name="Straight Connector 1">
             <a:extLst>
               <a:ext uri="{FF2B5EF4-FFF2-40B4-BE49-F238E27FC236}">
-                <a16:creationId xmlns:a16="http://schemas.microsoft.com/office/drawing/2014/main" xmlns="" id="{A31E7CB7-EDC3-46F2-92F6-748EE36F583B}"/>
+                <a16:creationId xmlns:a16="http://schemas.microsoft.com/office/drawing/2014/main" id="{A31E7CB7-EDC3-46F2-92F6-748EE36F583B}"/>
               </a:ext>
             </a:extLst>
           </p:cNvPr>
@@ -11998,7 +11963,7 @@
           <p:cNvPr id="3" name="TextBox 2">
             <a:extLst>
               <a:ext uri="{FF2B5EF4-FFF2-40B4-BE49-F238E27FC236}">
-                <a16:creationId xmlns:a16="http://schemas.microsoft.com/office/drawing/2014/main" xmlns="" id="{1CC17B57-5182-431A-B89C-F0A6B72A815B}"/>
+                <a16:creationId xmlns:a16="http://schemas.microsoft.com/office/drawing/2014/main" id="{1CC17B57-5182-431A-B89C-F0A6B72A815B}"/>
               </a:ext>
             </a:extLst>
           </p:cNvPr>
@@ -12036,7 +12001,7 @@
           <p:cNvPr id="4" name="TextBox 3">
             <a:extLst>
               <a:ext uri="{FF2B5EF4-FFF2-40B4-BE49-F238E27FC236}">
-                <a16:creationId xmlns:a16="http://schemas.microsoft.com/office/drawing/2014/main" xmlns="" id="{1907185F-1CA9-4BC9-B320-FC69FAEC82F0}"/>
+                <a16:creationId xmlns:a16="http://schemas.microsoft.com/office/drawing/2014/main" id="{1907185F-1CA9-4BC9-B320-FC69FAEC82F0}"/>
               </a:ext>
             </a:extLst>
           </p:cNvPr>
@@ -12074,7 +12039,7 @@
           <p:cNvPr id="5" name="TextBox 4">
             <a:extLst>
               <a:ext uri="{FF2B5EF4-FFF2-40B4-BE49-F238E27FC236}">
-                <a16:creationId xmlns:a16="http://schemas.microsoft.com/office/drawing/2014/main" xmlns="" id="{AD0705EB-EF39-46A3-A7C2-30D71D721A1A}"/>
+                <a16:creationId xmlns:a16="http://schemas.microsoft.com/office/drawing/2014/main" id="{AD0705EB-EF39-46A3-A7C2-30D71D721A1A}"/>
               </a:ext>
             </a:extLst>
           </p:cNvPr>
@@ -12106,14 +12071,7 @@
                 <a:latin typeface="Times New Roman" panose="02020603050405020304" pitchFamily="18" charset="0"/>
                 <a:cs typeface="Times New Roman" panose="02020603050405020304" pitchFamily="18" charset="0"/>
               </a:rPr>
-              <a:t>Apply a multinomial logistic regression model to predict expected goals, treat expected goals as categorical variable rather than continuous value</a:t>
-            </a:r>
-            <a:r>
-              <a:rPr lang="en-US" sz="2400" dirty="0" smtClean="0">
-                <a:latin typeface="Times New Roman" panose="02020603050405020304" pitchFamily="18" charset="0"/>
-                <a:cs typeface="Times New Roman" panose="02020603050405020304" pitchFamily="18" charset="0"/>
-              </a:rPr>
-              <a:t>.</a:t>
+              <a:t>Apply a multinomial logistic regression model to predict expected goals, treat expected goals as categorical variable rather than continuous value.</a:t>
             </a:r>
           </a:p>
           <a:p>
@@ -12128,21 +12086,21 @@
               <a:buChar char="•"/>
             </a:pPr>
             <a:r>
-              <a:rPr lang="en-US" sz="2400" dirty="0" smtClean="0">
+              <a:rPr lang="en-US" sz="2400" dirty="0">
                 <a:latin typeface="Times New Roman" panose="02020603050405020304" pitchFamily="18" charset="0"/>
                 <a:cs typeface="Times New Roman" panose="02020603050405020304" pitchFamily="18" charset="0"/>
               </a:rPr>
               <a:t>Apply a generalized linear model (likely</a:t>
             </a:r>
             <a:r>
-              <a:rPr lang="en-US" sz="2400" smtClean="0">
+              <a:rPr lang="en-US" sz="2400">
                 <a:latin typeface="Times New Roman" panose="02020603050405020304" pitchFamily="18" charset="0"/>
                 <a:cs typeface="Times New Roman" panose="02020603050405020304" pitchFamily="18" charset="0"/>
               </a:rPr>
               <a:t>, Poisson) to </a:t>
             </a:r>
             <a:r>
-              <a:rPr lang="en-US" sz="2400" dirty="0" smtClean="0">
+              <a:rPr lang="en-US" sz="2400" dirty="0">
                 <a:latin typeface="Times New Roman" panose="02020603050405020304" pitchFamily="18" charset="0"/>
                 <a:cs typeface="Times New Roman" panose="02020603050405020304" pitchFamily="18" charset="0"/>
               </a:rPr>
@@ -12161,18 +12119,11 @@
               <a:buChar char="•"/>
             </a:pPr>
             <a:r>
-              <a:rPr lang="en-US" sz="2400" dirty="0" smtClean="0">
-                <a:latin typeface="Times New Roman" panose="02020603050405020304" pitchFamily="18" charset="0"/>
-                <a:cs typeface="Times New Roman" panose="02020603050405020304" pitchFamily="18" charset="0"/>
-              </a:rPr>
-              <a:t>Uncover </a:t>
-            </a:r>
-            <a:r>
               <a:rPr lang="en-US" sz="2400" dirty="0">
                 <a:latin typeface="Times New Roman" panose="02020603050405020304" pitchFamily="18" charset="0"/>
                 <a:cs typeface="Times New Roman" panose="02020603050405020304" pitchFamily="18" charset="0"/>
               </a:rPr>
-              <a:t>patterns in match summary data using PCA &amp; PCR that could help predict expected goals better.</a:t>
+              <a:t>Uncover patterns in match summary data using PCA &amp; PCR that could help predict expected goals better.</a:t>
             </a:r>
           </a:p>
           <a:p>
@@ -12199,7 +12150,7 @@
           <p:cNvPr id="6" name="Slide Number Placeholder 5">
             <a:extLst>
               <a:ext uri="{FF2B5EF4-FFF2-40B4-BE49-F238E27FC236}">
-                <a16:creationId xmlns:a16="http://schemas.microsoft.com/office/drawing/2014/main" xmlns="" id="{A390E0CC-D576-48B4-9DB4-06AE6C42C796}"/>
+                <a16:creationId xmlns:a16="http://schemas.microsoft.com/office/drawing/2014/main" id="{A390E0CC-D576-48B4-9DB4-06AE6C42C796}"/>
               </a:ext>
             </a:extLst>
           </p:cNvPr>
@@ -12258,7 +12209,7 @@
           <p:cNvPr id="2" name="Group 1">
             <a:extLst>
               <a:ext uri="{FF2B5EF4-FFF2-40B4-BE49-F238E27FC236}">
-                <a16:creationId xmlns:a16="http://schemas.microsoft.com/office/drawing/2014/main" xmlns="" id="{7CCA5530-82AF-4F30-A094-F86FFD933B34}"/>
+                <a16:creationId xmlns:a16="http://schemas.microsoft.com/office/drawing/2014/main" id="{7CCA5530-82AF-4F30-A094-F86FFD933B34}"/>
               </a:ext>
             </a:extLst>
           </p:cNvPr>
@@ -12288,7 +12239,7 @@
             <p:cNvPr id="3" name="Graphic 2" descr="Confused person">
               <a:extLst>
                 <a:ext uri="{FF2B5EF4-FFF2-40B4-BE49-F238E27FC236}">
-                  <a16:creationId xmlns:a16="http://schemas.microsoft.com/office/drawing/2014/main" xmlns="" id="{A38B64CB-D798-4C5A-AC8D-7F2D59AA3750}"/>
+                  <a16:creationId xmlns:a16="http://schemas.microsoft.com/office/drawing/2014/main" id="{A38B64CB-D798-4C5A-AC8D-7F2D59AA3750}"/>
                 </a:ext>
               </a:extLst>
             </p:cNvPr>
@@ -12304,7 +12255,7 @@
                   <a14:useLocalDpi xmlns:a14="http://schemas.microsoft.com/office/drawing/2010/main" val="0"/>
                 </a:ext>
                 <a:ext uri="{96DAC541-7B7A-43D3-8B79-37D633B846F1}">
-                  <asvg:svgBlip xmlns:asvg="http://schemas.microsoft.com/office/drawing/2016/SVG/main" xmlns="" r:embed="rId3"/>
+                  <asvg:svgBlip xmlns:asvg="http://schemas.microsoft.com/office/drawing/2016/SVG/main" r:embed="rId3"/>
                 </a:ext>
               </a:extLst>
             </a:blip>
@@ -12327,7 +12278,7 @@
             <p:cNvPr id="4" name="Graphic 3" descr="Thought bubble">
               <a:extLst>
                 <a:ext uri="{FF2B5EF4-FFF2-40B4-BE49-F238E27FC236}">
-                  <a16:creationId xmlns:a16="http://schemas.microsoft.com/office/drawing/2014/main" xmlns="" id="{341C9552-7FDF-46B3-9262-3A5EEF380915}"/>
+                  <a16:creationId xmlns:a16="http://schemas.microsoft.com/office/drawing/2014/main" id="{341C9552-7FDF-46B3-9262-3A5EEF380915}"/>
                 </a:ext>
               </a:extLst>
             </p:cNvPr>
@@ -12343,7 +12294,7 @@
                   <a14:useLocalDpi xmlns:a14="http://schemas.microsoft.com/office/drawing/2010/main" val="0"/>
                 </a:ext>
                 <a:ext uri="{96DAC541-7B7A-43D3-8B79-37D633B846F1}">
-                  <asvg:svgBlip xmlns:asvg="http://schemas.microsoft.com/office/drawing/2016/SVG/main" xmlns="" r:embed="rId5"/>
+                  <asvg:svgBlip xmlns:asvg="http://schemas.microsoft.com/office/drawing/2016/SVG/main" r:embed="rId5"/>
                 </a:ext>
               </a:extLst>
             </a:blip>
@@ -12366,7 +12317,7 @@
             <p:cNvPr id="5" name="Graphic 4" descr="Users">
               <a:extLst>
                 <a:ext uri="{FF2B5EF4-FFF2-40B4-BE49-F238E27FC236}">
-                  <a16:creationId xmlns:a16="http://schemas.microsoft.com/office/drawing/2014/main" xmlns="" id="{531FB4F3-92FF-4A66-B000-274145B6BC46}"/>
+                  <a16:creationId xmlns:a16="http://schemas.microsoft.com/office/drawing/2014/main" id="{531FB4F3-92FF-4A66-B000-274145B6BC46}"/>
                 </a:ext>
               </a:extLst>
             </p:cNvPr>
@@ -12382,7 +12333,7 @@
                   <a14:useLocalDpi xmlns:a14="http://schemas.microsoft.com/office/drawing/2010/main" val="0"/>
                 </a:ext>
                 <a:ext uri="{96DAC541-7B7A-43D3-8B79-37D633B846F1}">
-                  <asvg:svgBlip xmlns:asvg="http://schemas.microsoft.com/office/drawing/2016/SVG/main" xmlns="" r:embed="rId7"/>
+                  <asvg:svgBlip xmlns:asvg="http://schemas.microsoft.com/office/drawing/2016/SVG/main" r:embed="rId7"/>
                 </a:ext>
               </a:extLst>
             </a:blip>
@@ -12405,7 +12356,7 @@
             <p:cNvPr id="6" name="Graphic 9" descr="Questions">
               <a:extLst>
                 <a:ext uri="{FF2B5EF4-FFF2-40B4-BE49-F238E27FC236}">
-                  <a16:creationId xmlns:a16="http://schemas.microsoft.com/office/drawing/2014/main" xmlns="" id="{A40B25B0-B997-4657-A36D-2494096C6DCC}"/>
+                  <a16:creationId xmlns:a16="http://schemas.microsoft.com/office/drawing/2014/main" id="{A40B25B0-B997-4657-A36D-2494096C6DCC}"/>
                 </a:ext>
               </a:extLst>
             </p:cNvPr>
@@ -12789,7 +12740,7 @@
             <p:cNvPr id="7" name="Graphic 6" descr="Chat bubble">
               <a:extLst>
                 <a:ext uri="{FF2B5EF4-FFF2-40B4-BE49-F238E27FC236}">
-                  <a16:creationId xmlns:a16="http://schemas.microsoft.com/office/drawing/2014/main" xmlns="" id="{989AF653-7BD5-449F-9F07-75B9300F4567}"/>
+                  <a16:creationId xmlns:a16="http://schemas.microsoft.com/office/drawing/2014/main" id="{989AF653-7BD5-449F-9F07-75B9300F4567}"/>
                 </a:ext>
               </a:extLst>
             </p:cNvPr>
@@ -12805,7 +12756,7 @@
                   <a14:useLocalDpi xmlns:a14="http://schemas.microsoft.com/office/drawing/2010/main" val="0"/>
                 </a:ext>
                 <a:ext uri="{96DAC541-7B7A-43D3-8B79-37D633B846F1}">
-                  <asvg:svgBlip xmlns:asvg="http://schemas.microsoft.com/office/drawing/2016/SVG/main" xmlns="" r:embed="rId9"/>
+                  <asvg:svgBlip xmlns:asvg="http://schemas.microsoft.com/office/drawing/2016/SVG/main" r:embed="rId9"/>
                 </a:ext>
               </a:extLst>
             </a:blip>
@@ -12828,7 +12779,7 @@
             <p:cNvPr id="8" name="Graphic 7" descr="Users">
               <a:extLst>
                 <a:ext uri="{FF2B5EF4-FFF2-40B4-BE49-F238E27FC236}">
-                  <a16:creationId xmlns:a16="http://schemas.microsoft.com/office/drawing/2014/main" xmlns="" id="{857E97E0-1CDF-45BC-9962-357E4E895102}"/>
+                  <a16:creationId xmlns:a16="http://schemas.microsoft.com/office/drawing/2014/main" id="{857E97E0-1CDF-45BC-9962-357E4E895102}"/>
                 </a:ext>
               </a:extLst>
             </p:cNvPr>
@@ -12844,7 +12795,7 @@
                   <a14:useLocalDpi xmlns:a14="http://schemas.microsoft.com/office/drawing/2010/main" val="0"/>
                 </a:ext>
                 <a:ext uri="{96DAC541-7B7A-43D3-8B79-37D633B846F1}">
-                  <asvg:svgBlip xmlns:asvg="http://schemas.microsoft.com/office/drawing/2016/SVG/main" xmlns="" r:embed="rId7"/>
+                  <asvg:svgBlip xmlns:asvg="http://schemas.microsoft.com/office/drawing/2016/SVG/main" r:embed="rId7"/>
                 </a:ext>
               </a:extLst>
             </a:blip>
@@ -12867,7 +12818,7 @@
             <p:cNvPr id="9" name="Group 8">
               <a:extLst>
                 <a:ext uri="{FF2B5EF4-FFF2-40B4-BE49-F238E27FC236}">
-                  <a16:creationId xmlns:a16="http://schemas.microsoft.com/office/drawing/2014/main" xmlns="" id="{517FB3E2-2872-447C-918C-A488283BC818}"/>
+                  <a16:creationId xmlns:a16="http://schemas.microsoft.com/office/drawing/2014/main" id="{517FB3E2-2872-447C-918C-A488283BC818}"/>
                 </a:ext>
               </a:extLst>
             </p:cNvPr>
@@ -12888,7 +12839,7 @@
               <p:cNvPr id="11" name="Graphic 20" descr="Person with idea">
                 <a:extLst>
                   <a:ext uri="{FF2B5EF4-FFF2-40B4-BE49-F238E27FC236}">
-                    <a16:creationId xmlns:a16="http://schemas.microsoft.com/office/drawing/2014/main" xmlns="" id="{29AA5932-C2B1-4DD9-8373-92D124E6E1E5}"/>
+                    <a16:creationId xmlns:a16="http://schemas.microsoft.com/office/drawing/2014/main" id="{29AA5932-C2B1-4DD9-8373-92D124E6E1E5}"/>
                   </a:ext>
                 </a:extLst>
               </p:cNvPr>
@@ -13018,7 +12969,7 @@
               <p:cNvPr id="12" name="Graphic 20" descr="Person with idea">
                 <a:extLst>
                   <a:ext uri="{FF2B5EF4-FFF2-40B4-BE49-F238E27FC236}">
-                    <a16:creationId xmlns:a16="http://schemas.microsoft.com/office/drawing/2014/main" xmlns="" id="{F8C8969F-2BC8-4DBC-AF17-5E921E90DE3E}"/>
+                    <a16:creationId xmlns:a16="http://schemas.microsoft.com/office/drawing/2014/main" id="{F8C8969F-2BC8-4DBC-AF17-5E921E90DE3E}"/>
                   </a:ext>
                 </a:extLst>
               </p:cNvPr>
@@ -13113,7 +13064,7 @@
             <p:cNvPr id="10" name="Graphic 20" descr="Person with idea">
               <a:extLst>
                 <a:ext uri="{FF2B5EF4-FFF2-40B4-BE49-F238E27FC236}">
-                  <a16:creationId xmlns:a16="http://schemas.microsoft.com/office/drawing/2014/main" xmlns="" id="{0070E24E-F934-42EC-8686-D50DDD89777A}"/>
+                  <a16:creationId xmlns:a16="http://schemas.microsoft.com/office/drawing/2014/main" id="{0070E24E-F934-42EC-8686-D50DDD89777A}"/>
                 </a:ext>
               </a:extLst>
             </p:cNvPr>
@@ -14066,7 +14017,7 @@
           <p:cNvPr id="13" name="Straight Connector 12">
             <a:extLst>
               <a:ext uri="{FF2B5EF4-FFF2-40B4-BE49-F238E27FC236}">
-                <a16:creationId xmlns:a16="http://schemas.microsoft.com/office/drawing/2014/main" xmlns="" id="{90CA4E41-3F80-415A-8F8B-4B005E0C9EB1}"/>
+                <a16:creationId xmlns:a16="http://schemas.microsoft.com/office/drawing/2014/main" id="{90CA4E41-3F80-415A-8F8B-4B005E0C9EB1}"/>
               </a:ext>
             </a:extLst>
           </p:cNvPr>
@@ -14107,7 +14058,7 @@
           <p:cNvPr id="14" name="TextBox 13">
             <a:extLst>
               <a:ext uri="{FF2B5EF4-FFF2-40B4-BE49-F238E27FC236}">
-                <a16:creationId xmlns:a16="http://schemas.microsoft.com/office/drawing/2014/main" xmlns="" id="{E1A2BC41-0AB1-4AD0-8BF8-6CF5C1660D46}"/>
+                <a16:creationId xmlns:a16="http://schemas.microsoft.com/office/drawing/2014/main" id="{E1A2BC41-0AB1-4AD0-8BF8-6CF5C1660D46}"/>
               </a:ext>
             </a:extLst>
           </p:cNvPr>
@@ -14145,7 +14096,7 @@
           <p:cNvPr id="15" name="Slide Number Placeholder 14">
             <a:extLst>
               <a:ext uri="{FF2B5EF4-FFF2-40B4-BE49-F238E27FC236}">
-                <a16:creationId xmlns:a16="http://schemas.microsoft.com/office/drawing/2014/main" xmlns="" id="{9B8A62BC-01F5-440F-ABBD-FFE2ED9FE843}"/>
+                <a16:creationId xmlns:a16="http://schemas.microsoft.com/office/drawing/2014/main" id="{9B8A62BC-01F5-440F-ABBD-FFE2ED9FE843}"/>
               </a:ext>
             </a:extLst>
           </p:cNvPr>
@@ -14333,7 +14284,7 @@
           <p:cNvPr id="28" name="Straight Connector 27">
             <a:extLst>
               <a:ext uri="{FF2B5EF4-FFF2-40B4-BE49-F238E27FC236}">
-                <a16:creationId xmlns:a16="http://schemas.microsoft.com/office/drawing/2014/main" xmlns="" id="{5BC01C7A-1442-4981-9CA7-DBED2A4FA907}"/>
+                <a16:creationId xmlns:a16="http://schemas.microsoft.com/office/drawing/2014/main" id="{5BC01C7A-1442-4981-9CA7-DBED2A4FA907}"/>
               </a:ext>
             </a:extLst>
           </p:cNvPr>
@@ -14374,7 +14325,7 @@
           <p:cNvPr id="29" name="TextBox 28">
             <a:extLst>
               <a:ext uri="{FF2B5EF4-FFF2-40B4-BE49-F238E27FC236}">
-                <a16:creationId xmlns:a16="http://schemas.microsoft.com/office/drawing/2014/main" xmlns="" id="{FD8A799C-BE52-4998-90B7-F7B21AE43B0E}"/>
+                <a16:creationId xmlns:a16="http://schemas.microsoft.com/office/drawing/2014/main" id="{FD8A799C-BE52-4998-90B7-F7B21AE43B0E}"/>
               </a:ext>
             </a:extLst>
           </p:cNvPr>
@@ -14412,7 +14363,7 @@
           <p:cNvPr id="33" name="Group 32">
             <a:extLst>
               <a:ext uri="{FF2B5EF4-FFF2-40B4-BE49-F238E27FC236}">
-                <a16:creationId xmlns:a16="http://schemas.microsoft.com/office/drawing/2014/main" xmlns="" id="{CE0D35C0-CE6D-425B-AE6F-D3F193BAD9E5}"/>
+                <a16:creationId xmlns:a16="http://schemas.microsoft.com/office/drawing/2014/main" id="{CE0D35C0-CE6D-425B-AE6F-D3F193BAD9E5}"/>
               </a:ext>
             </a:extLst>
           </p:cNvPr>
@@ -14432,7 +14383,7 @@
             <p:cNvPr id="8" name="Rectangle: Rounded Corners 7">
               <a:extLst>
                 <a:ext uri="{FF2B5EF4-FFF2-40B4-BE49-F238E27FC236}">
-                  <a16:creationId xmlns:a16="http://schemas.microsoft.com/office/drawing/2014/main" xmlns="" id="{F4435332-69FC-4D75-B3A6-EA7EB1DA13F2}"/>
+                  <a16:creationId xmlns:a16="http://schemas.microsoft.com/office/drawing/2014/main" id="{F4435332-69FC-4D75-B3A6-EA7EB1DA13F2}"/>
                 </a:ext>
               </a:extLst>
             </p:cNvPr>
@@ -14507,7 +14458,7 @@
             <p:cNvPr id="9" name="Rectangle: Rounded Corners 8">
               <a:extLst>
                 <a:ext uri="{FF2B5EF4-FFF2-40B4-BE49-F238E27FC236}">
-                  <a16:creationId xmlns:a16="http://schemas.microsoft.com/office/drawing/2014/main" xmlns="" id="{1F7799C2-40DE-491E-922C-E05F43B64704}"/>
+                  <a16:creationId xmlns:a16="http://schemas.microsoft.com/office/drawing/2014/main" id="{1F7799C2-40DE-491E-922C-E05F43B64704}"/>
                 </a:ext>
               </a:extLst>
             </p:cNvPr>
@@ -14582,7 +14533,7 @@
             <p:cNvPr id="10" name="Rectangle: Rounded Corners 9">
               <a:extLst>
                 <a:ext uri="{FF2B5EF4-FFF2-40B4-BE49-F238E27FC236}">
-                  <a16:creationId xmlns:a16="http://schemas.microsoft.com/office/drawing/2014/main" xmlns="" id="{C41A0105-3D0A-41A6-979A-05BB97B6C5C7}"/>
+                  <a16:creationId xmlns:a16="http://schemas.microsoft.com/office/drawing/2014/main" id="{C41A0105-3D0A-41A6-979A-05BB97B6C5C7}"/>
                 </a:ext>
               </a:extLst>
             </p:cNvPr>
@@ -14657,7 +14608,7 @@
             <p:cNvPr id="11" name="Rectangle: Rounded Corners 10">
               <a:extLst>
                 <a:ext uri="{FF2B5EF4-FFF2-40B4-BE49-F238E27FC236}">
-                  <a16:creationId xmlns:a16="http://schemas.microsoft.com/office/drawing/2014/main" xmlns="" id="{61A8BB1B-DF19-4230-B91C-FA1B01C9D034}"/>
+                  <a16:creationId xmlns:a16="http://schemas.microsoft.com/office/drawing/2014/main" id="{61A8BB1B-DF19-4230-B91C-FA1B01C9D034}"/>
                 </a:ext>
               </a:extLst>
             </p:cNvPr>
@@ -14732,7 +14683,7 @@
             <p:cNvPr id="12" name="Rectangle: Rounded Corners 11">
               <a:extLst>
                 <a:ext uri="{FF2B5EF4-FFF2-40B4-BE49-F238E27FC236}">
-                  <a16:creationId xmlns:a16="http://schemas.microsoft.com/office/drawing/2014/main" xmlns="" id="{C9762CBF-3494-4AB6-8F84-63E4F89FFE81}"/>
+                  <a16:creationId xmlns:a16="http://schemas.microsoft.com/office/drawing/2014/main" id="{C9762CBF-3494-4AB6-8F84-63E4F89FFE81}"/>
                 </a:ext>
               </a:extLst>
             </p:cNvPr>
@@ -14807,7 +14758,7 @@
             <p:cNvPr id="13" name="Rectangle: Rounded Corners 12">
               <a:extLst>
                 <a:ext uri="{FF2B5EF4-FFF2-40B4-BE49-F238E27FC236}">
-                  <a16:creationId xmlns:a16="http://schemas.microsoft.com/office/drawing/2014/main" xmlns="" id="{0AD5A17F-D6F5-4898-90E7-32F83AD408E4}"/>
+                  <a16:creationId xmlns:a16="http://schemas.microsoft.com/office/drawing/2014/main" id="{0AD5A17F-D6F5-4898-90E7-32F83AD408E4}"/>
                 </a:ext>
               </a:extLst>
             </p:cNvPr>
@@ -14882,7 +14833,7 @@
             <p:cNvPr id="14" name="Rectangle: Rounded Corners 13">
               <a:extLst>
                 <a:ext uri="{FF2B5EF4-FFF2-40B4-BE49-F238E27FC236}">
-                  <a16:creationId xmlns:a16="http://schemas.microsoft.com/office/drawing/2014/main" xmlns="" id="{427388F0-F1BF-49F1-AB90-BF4F855265CB}"/>
+                  <a16:creationId xmlns:a16="http://schemas.microsoft.com/office/drawing/2014/main" id="{427388F0-F1BF-49F1-AB90-BF4F855265CB}"/>
                 </a:ext>
               </a:extLst>
             </p:cNvPr>
@@ -14957,7 +14908,7 @@
             <p:cNvPr id="15" name="Rectangle: Rounded Corners 14">
               <a:extLst>
                 <a:ext uri="{FF2B5EF4-FFF2-40B4-BE49-F238E27FC236}">
-                  <a16:creationId xmlns:a16="http://schemas.microsoft.com/office/drawing/2014/main" xmlns="" id="{F4F36732-5BAB-40B0-8F96-050D67939387}"/>
+                  <a16:creationId xmlns:a16="http://schemas.microsoft.com/office/drawing/2014/main" id="{F4F36732-5BAB-40B0-8F96-050D67939387}"/>
                 </a:ext>
               </a:extLst>
             </p:cNvPr>
@@ -15032,7 +14983,7 @@
             <p:cNvPr id="16" name="Rectangle: Rounded Corners 15">
               <a:extLst>
                 <a:ext uri="{FF2B5EF4-FFF2-40B4-BE49-F238E27FC236}">
-                  <a16:creationId xmlns:a16="http://schemas.microsoft.com/office/drawing/2014/main" xmlns="" id="{CA09CD9D-372F-45B5-B665-D4CC658FCC48}"/>
+                  <a16:creationId xmlns:a16="http://schemas.microsoft.com/office/drawing/2014/main" id="{CA09CD9D-372F-45B5-B665-D4CC658FCC48}"/>
                 </a:ext>
               </a:extLst>
             </p:cNvPr>
@@ -15098,7 +15049,7 @@
             <p:cNvPr id="17" name="Rectangle: Rounded Corners 16">
               <a:extLst>
                 <a:ext uri="{FF2B5EF4-FFF2-40B4-BE49-F238E27FC236}">
-                  <a16:creationId xmlns:a16="http://schemas.microsoft.com/office/drawing/2014/main" xmlns="" id="{4D38B512-7E7D-4A61-8C38-D1BF4269173E}"/>
+                  <a16:creationId xmlns:a16="http://schemas.microsoft.com/office/drawing/2014/main" id="{4D38B512-7E7D-4A61-8C38-D1BF4269173E}"/>
                 </a:ext>
               </a:extLst>
             </p:cNvPr>
@@ -15164,7 +15115,7 @@
             <p:cNvPr id="18" name="Rectangle: Rounded Corners 17">
               <a:extLst>
                 <a:ext uri="{FF2B5EF4-FFF2-40B4-BE49-F238E27FC236}">
-                  <a16:creationId xmlns:a16="http://schemas.microsoft.com/office/drawing/2014/main" xmlns="" id="{4077607C-E917-47B5-B2B0-FE2CD453C596}"/>
+                  <a16:creationId xmlns:a16="http://schemas.microsoft.com/office/drawing/2014/main" id="{4077607C-E917-47B5-B2B0-FE2CD453C596}"/>
                 </a:ext>
               </a:extLst>
             </p:cNvPr>
@@ -15230,7 +15181,7 @@
             <p:cNvPr id="19" name="Rectangle: Rounded Corners 18">
               <a:extLst>
                 <a:ext uri="{FF2B5EF4-FFF2-40B4-BE49-F238E27FC236}">
-                  <a16:creationId xmlns:a16="http://schemas.microsoft.com/office/drawing/2014/main" xmlns="" id="{61F80F85-6FCC-413C-8C38-5A0E48E467F7}"/>
+                  <a16:creationId xmlns:a16="http://schemas.microsoft.com/office/drawing/2014/main" id="{61F80F85-6FCC-413C-8C38-5A0E48E467F7}"/>
                 </a:ext>
               </a:extLst>
             </p:cNvPr>
@@ -15296,7 +15247,7 @@
             <p:cNvPr id="20" name="Rectangle: Rounded Corners 19">
               <a:extLst>
                 <a:ext uri="{FF2B5EF4-FFF2-40B4-BE49-F238E27FC236}">
-                  <a16:creationId xmlns:a16="http://schemas.microsoft.com/office/drawing/2014/main" xmlns="" id="{CBB470BF-A936-4D60-B1A2-03A93D25CD47}"/>
+                  <a16:creationId xmlns:a16="http://schemas.microsoft.com/office/drawing/2014/main" id="{CBB470BF-A936-4D60-B1A2-03A93D25CD47}"/>
                 </a:ext>
               </a:extLst>
             </p:cNvPr>
@@ -15362,7 +15313,7 @@
             <p:cNvPr id="21" name="Rectangle: Rounded Corners 20">
               <a:extLst>
                 <a:ext uri="{FF2B5EF4-FFF2-40B4-BE49-F238E27FC236}">
-                  <a16:creationId xmlns:a16="http://schemas.microsoft.com/office/drawing/2014/main" xmlns="" id="{F76D9321-06A5-4A29-A115-ADE0DFF6AADD}"/>
+                  <a16:creationId xmlns:a16="http://schemas.microsoft.com/office/drawing/2014/main" id="{F76D9321-06A5-4A29-A115-ADE0DFF6AADD}"/>
                 </a:ext>
               </a:extLst>
             </p:cNvPr>
@@ -15428,7 +15379,7 @@
             <p:cNvPr id="22" name="Rectangle: Rounded Corners 21">
               <a:extLst>
                 <a:ext uri="{FF2B5EF4-FFF2-40B4-BE49-F238E27FC236}">
-                  <a16:creationId xmlns:a16="http://schemas.microsoft.com/office/drawing/2014/main" xmlns="" id="{D48F64A5-A45D-4254-B2D2-4763B59951C3}"/>
+                  <a16:creationId xmlns:a16="http://schemas.microsoft.com/office/drawing/2014/main" id="{D48F64A5-A45D-4254-B2D2-4763B59951C3}"/>
                 </a:ext>
               </a:extLst>
             </p:cNvPr>
@@ -15494,7 +15445,7 @@
             <p:cNvPr id="23" name="Rectangle: Rounded Corners 22">
               <a:extLst>
                 <a:ext uri="{FF2B5EF4-FFF2-40B4-BE49-F238E27FC236}">
-                  <a16:creationId xmlns:a16="http://schemas.microsoft.com/office/drawing/2014/main" xmlns="" id="{1F8CE15E-2EC7-419B-9B10-0944E4E7BB64}"/>
+                  <a16:creationId xmlns:a16="http://schemas.microsoft.com/office/drawing/2014/main" id="{1F8CE15E-2EC7-419B-9B10-0944E4E7BB64}"/>
                 </a:ext>
               </a:extLst>
             </p:cNvPr>
@@ -15560,7 +15511,7 @@
             <p:cNvPr id="24" name="TextBox 23">
               <a:extLst>
                 <a:ext uri="{FF2B5EF4-FFF2-40B4-BE49-F238E27FC236}">
-                  <a16:creationId xmlns:a16="http://schemas.microsoft.com/office/drawing/2014/main" xmlns="" id="{1D72480D-C09C-42F2-AF4C-B3877C177CC3}"/>
+                  <a16:creationId xmlns:a16="http://schemas.microsoft.com/office/drawing/2014/main" id="{1D72480D-C09C-42F2-AF4C-B3877C177CC3}"/>
                 </a:ext>
               </a:extLst>
             </p:cNvPr>
@@ -15634,7 +15585,7 @@
             <p:cNvPr id="25" name="TextBox 24">
               <a:extLst>
                 <a:ext uri="{FF2B5EF4-FFF2-40B4-BE49-F238E27FC236}">
-                  <a16:creationId xmlns:a16="http://schemas.microsoft.com/office/drawing/2014/main" xmlns="" id="{26160063-FD4F-4FF6-B323-B31EE539258B}"/>
+                  <a16:creationId xmlns:a16="http://schemas.microsoft.com/office/drawing/2014/main" id="{26160063-FD4F-4FF6-B323-B31EE539258B}"/>
                 </a:ext>
               </a:extLst>
             </p:cNvPr>
@@ -15708,7 +15659,7 @@
             <p:cNvPr id="26" name="TextBox 25">
               <a:extLst>
                 <a:ext uri="{FF2B5EF4-FFF2-40B4-BE49-F238E27FC236}">
-                  <a16:creationId xmlns:a16="http://schemas.microsoft.com/office/drawing/2014/main" xmlns="" id="{A8BA53C5-77CF-4DDD-8C5C-056D334E73EE}"/>
+                  <a16:creationId xmlns:a16="http://schemas.microsoft.com/office/drawing/2014/main" id="{A8BA53C5-77CF-4DDD-8C5C-056D334E73EE}"/>
                 </a:ext>
               </a:extLst>
             </p:cNvPr>
@@ -15782,7 +15733,7 @@
             <p:cNvPr id="27" name="TextBox 26">
               <a:extLst>
                 <a:ext uri="{FF2B5EF4-FFF2-40B4-BE49-F238E27FC236}">
-                  <a16:creationId xmlns:a16="http://schemas.microsoft.com/office/drawing/2014/main" xmlns="" id="{73233433-E353-4C36-A84A-DA39FC0FE1EE}"/>
+                  <a16:creationId xmlns:a16="http://schemas.microsoft.com/office/drawing/2014/main" id="{73233433-E353-4C36-A84A-DA39FC0FE1EE}"/>
                 </a:ext>
               </a:extLst>
             </p:cNvPr>
@@ -15856,7 +15807,7 @@
             <p:cNvPr id="4" name="TextBox 3">
               <a:extLst>
                 <a:ext uri="{FF2B5EF4-FFF2-40B4-BE49-F238E27FC236}">
-                  <a16:creationId xmlns:a16="http://schemas.microsoft.com/office/drawing/2014/main" xmlns="" id="{A2AD06CB-AC0F-4628-A6C5-065165D1D398}"/>
+                  <a16:creationId xmlns:a16="http://schemas.microsoft.com/office/drawing/2014/main" id="{A2AD06CB-AC0F-4628-A6C5-065165D1D398}"/>
                 </a:ext>
               </a:extLst>
             </p:cNvPr>
@@ -15921,7 +15872,7 @@
             <p:cNvPr id="5" name="TextBox 4">
               <a:extLst>
                 <a:ext uri="{FF2B5EF4-FFF2-40B4-BE49-F238E27FC236}">
-                  <a16:creationId xmlns:a16="http://schemas.microsoft.com/office/drawing/2014/main" xmlns="" id="{29DD3659-D9E9-4D4E-B5B3-94B67A848518}"/>
+                  <a16:creationId xmlns:a16="http://schemas.microsoft.com/office/drawing/2014/main" id="{29DD3659-D9E9-4D4E-B5B3-94B67A848518}"/>
                 </a:ext>
               </a:extLst>
             </p:cNvPr>
@@ -15986,7 +15937,7 @@
             <p:cNvPr id="6" name="TextBox 5">
               <a:extLst>
                 <a:ext uri="{FF2B5EF4-FFF2-40B4-BE49-F238E27FC236}">
-                  <a16:creationId xmlns:a16="http://schemas.microsoft.com/office/drawing/2014/main" xmlns="" id="{46FFF08C-A00A-452C-9FB5-897F0F9C2026}"/>
+                  <a16:creationId xmlns:a16="http://schemas.microsoft.com/office/drawing/2014/main" id="{46FFF08C-A00A-452C-9FB5-897F0F9C2026}"/>
                 </a:ext>
               </a:extLst>
             </p:cNvPr>
@@ -16051,7 +16002,7 @@
             <p:cNvPr id="7" name="TextBox 6">
               <a:extLst>
                 <a:ext uri="{FF2B5EF4-FFF2-40B4-BE49-F238E27FC236}">
-                  <a16:creationId xmlns:a16="http://schemas.microsoft.com/office/drawing/2014/main" xmlns="" id="{DC8BF421-EC0E-41F0-A810-54D65394FB44}"/>
+                  <a16:creationId xmlns:a16="http://schemas.microsoft.com/office/drawing/2014/main" id="{DC8BF421-EC0E-41F0-A810-54D65394FB44}"/>
                 </a:ext>
               </a:extLst>
             </p:cNvPr>
@@ -16116,7 +16067,7 @@
             <p:cNvPr id="30" name="Rectangle: Rounded Corners 29">
               <a:extLst>
                 <a:ext uri="{FF2B5EF4-FFF2-40B4-BE49-F238E27FC236}">
-                  <a16:creationId xmlns:a16="http://schemas.microsoft.com/office/drawing/2014/main" xmlns="" id="{622FED8A-6710-405A-8EEB-2B9A71D48CA2}"/>
+                  <a16:creationId xmlns:a16="http://schemas.microsoft.com/office/drawing/2014/main" id="{622FED8A-6710-405A-8EEB-2B9A71D48CA2}"/>
                 </a:ext>
               </a:extLst>
             </p:cNvPr>
@@ -16191,7 +16142,7 @@
             <p:cNvPr id="31" name="Rectangle: Rounded Corners 30">
               <a:extLst>
                 <a:ext uri="{FF2B5EF4-FFF2-40B4-BE49-F238E27FC236}">
-                  <a16:creationId xmlns:a16="http://schemas.microsoft.com/office/drawing/2014/main" xmlns="" id="{2F6E0BC0-0AC7-4652-BBFE-A2212A73586F}"/>
+                  <a16:creationId xmlns:a16="http://schemas.microsoft.com/office/drawing/2014/main" id="{2F6E0BC0-0AC7-4652-BBFE-A2212A73586F}"/>
                 </a:ext>
               </a:extLst>
             </p:cNvPr>
@@ -16257,7 +16208,7 @@
             <p:cNvPr id="32" name="TextBox 31">
               <a:extLst>
                 <a:ext uri="{FF2B5EF4-FFF2-40B4-BE49-F238E27FC236}">
-                  <a16:creationId xmlns:a16="http://schemas.microsoft.com/office/drawing/2014/main" xmlns="" id="{B1DE1F40-72F3-4FC9-B30F-3F4DAF6BCD28}"/>
+                  <a16:creationId xmlns:a16="http://schemas.microsoft.com/office/drawing/2014/main" id="{B1DE1F40-72F3-4FC9-B30F-3F4DAF6BCD28}"/>
                 </a:ext>
               </a:extLst>
             </p:cNvPr>
@@ -16323,7 +16274,7 @@
           <p:cNvPr id="34" name="TextBox 33">
             <a:extLst>
               <a:ext uri="{FF2B5EF4-FFF2-40B4-BE49-F238E27FC236}">
-                <a16:creationId xmlns:a16="http://schemas.microsoft.com/office/drawing/2014/main" xmlns="" id="{1F160490-9C3C-416D-AB6C-6313A0CFC731}"/>
+                <a16:creationId xmlns:a16="http://schemas.microsoft.com/office/drawing/2014/main" id="{1F160490-9C3C-416D-AB6C-6313A0CFC731}"/>
               </a:ext>
             </a:extLst>
           </p:cNvPr>
@@ -16361,7 +16312,7 @@
           <p:cNvPr id="2" name="Slide Number Placeholder 1">
             <a:extLst>
               <a:ext uri="{FF2B5EF4-FFF2-40B4-BE49-F238E27FC236}">
-                <a16:creationId xmlns:a16="http://schemas.microsoft.com/office/drawing/2014/main" xmlns="" id="{059FB86C-4591-4A75-AFA1-EB5F86600486}"/>
+                <a16:creationId xmlns:a16="http://schemas.microsoft.com/office/drawing/2014/main" id="{059FB86C-4591-4A75-AFA1-EB5F86600486}"/>
               </a:ext>
             </a:extLst>
           </p:cNvPr>
@@ -16420,7 +16371,7 @@
           <p:cNvPr id="28" name="Straight Connector 27">
             <a:extLst>
               <a:ext uri="{FF2B5EF4-FFF2-40B4-BE49-F238E27FC236}">
-                <a16:creationId xmlns:a16="http://schemas.microsoft.com/office/drawing/2014/main" xmlns="" id="{5BC01C7A-1442-4981-9CA7-DBED2A4FA907}"/>
+                <a16:creationId xmlns:a16="http://schemas.microsoft.com/office/drawing/2014/main" id="{5BC01C7A-1442-4981-9CA7-DBED2A4FA907}"/>
               </a:ext>
             </a:extLst>
           </p:cNvPr>
@@ -16461,7 +16412,7 @@
           <p:cNvPr id="29" name="TextBox 28">
             <a:extLst>
               <a:ext uri="{FF2B5EF4-FFF2-40B4-BE49-F238E27FC236}">
-                <a16:creationId xmlns:a16="http://schemas.microsoft.com/office/drawing/2014/main" xmlns="" id="{FD8A799C-BE52-4998-90B7-F7B21AE43B0E}"/>
+                <a16:creationId xmlns:a16="http://schemas.microsoft.com/office/drawing/2014/main" id="{FD8A799C-BE52-4998-90B7-F7B21AE43B0E}"/>
               </a:ext>
             </a:extLst>
           </p:cNvPr>
@@ -16499,7 +16450,7 @@
           <p:cNvPr id="2" name="Group 1">
             <a:extLst>
               <a:ext uri="{FF2B5EF4-FFF2-40B4-BE49-F238E27FC236}">
-                <a16:creationId xmlns:a16="http://schemas.microsoft.com/office/drawing/2014/main" xmlns="" id="{FD0577ED-0B2D-46AA-B696-ACF560E0FD16}"/>
+                <a16:creationId xmlns:a16="http://schemas.microsoft.com/office/drawing/2014/main" id="{FD0577ED-0B2D-46AA-B696-ACF560E0FD16}"/>
               </a:ext>
             </a:extLst>
           </p:cNvPr>
@@ -16519,7 +16470,7 @@
             <p:cNvPr id="8" name="Rectangle: Rounded Corners 7">
               <a:extLst>
                 <a:ext uri="{FF2B5EF4-FFF2-40B4-BE49-F238E27FC236}">
-                  <a16:creationId xmlns:a16="http://schemas.microsoft.com/office/drawing/2014/main" xmlns="" id="{F4435332-69FC-4D75-B3A6-EA7EB1DA13F2}"/>
+                  <a16:creationId xmlns:a16="http://schemas.microsoft.com/office/drawing/2014/main" id="{F4435332-69FC-4D75-B3A6-EA7EB1DA13F2}"/>
                 </a:ext>
               </a:extLst>
             </p:cNvPr>
@@ -16594,7 +16545,7 @@
             <p:cNvPr id="9" name="Rectangle: Rounded Corners 8">
               <a:extLst>
                 <a:ext uri="{FF2B5EF4-FFF2-40B4-BE49-F238E27FC236}">
-                  <a16:creationId xmlns:a16="http://schemas.microsoft.com/office/drawing/2014/main" xmlns="" id="{1F7799C2-40DE-491E-922C-E05F43B64704}"/>
+                  <a16:creationId xmlns:a16="http://schemas.microsoft.com/office/drawing/2014/main" id="{1F7799C2-40DE-491E-922C-E05F43B64704}"/>
                 </a:ext>
               </a:extLst>
             </p:cNvPr>
@@ -16669,7 +16620,7 @@
             <p:cNvPr id="10" name="Rectangle: Rounded Corners 9">
               <a:extLst>
                 <a:ext uri="{FF2B5EF4-FFF2-40B4-BE49-F238E27FC236}">
-                  <a16:creationId xmlns:a16="http://schemas.microsoft.com/office/drawing/2014/main" xmlns="" id="{C41A0105-3D0A-41A6-979A-05BB97B6C5C7}"/>
+                  <a16:creationId xmlns:a16="http://schemas.microsoft.com/office/drawing/2014/main" id="{C41A0105-3D0A-41A6-979A-05BB97B6C5C7}"/>
                 </a:ext>
               </a:extLst>
             </p:cNvPr>
@@ -16744,7 +16695,7 @@
             <p:cNvPr id="11" name="Rectangle: Rounded Corners 10">
               <a:extLst>
                 <a:ext uri="{FF2B5EF4-FFF2-40B4-BE49-F238E27FC236}">
-                  <a16:creationId xmlns:a16="http://schemas.microsoft.com/office/drawing/2014/main" xmlns="" id="{61A8BB1B-DF19-4230-B91C-FA1B01C9D034}"/>
+                  <a16:creationId xmlns:a16="http://schemas.microsoft.com/office/drawing/2014/main" id="{61A8BB1B-DF19-4230-B91C-FA1B01C9D034}"/>
                 </a:ext>
               </a:extLst>
             </p:cNvPr>
@@ -16819,7 +16770,7 @@
             <p:cNvPr id="12" name="Rectangle: Rounded Corners 11">
               <a:extLst>
                 <a:ext uri="{FF2B5EF4-FFF2-40B4-BE49-F238E27FC236}">
-                  <a16:creationId xmlns:a16="http://schemas.microsoft.com/office/drawing/2014/main" xmlns="" id="{C9762CBF-3494-4AB6-8F84-63E4F89FFE81}"/>
+                  <a16:creationId xmlns:a16="http://schemas.microsoft.com/office/drawing/2014/main" id="{C9762CBF-3494-4AB6-8F84-63E4F89FFE81}"/>
                 </a:ext>
               </a:extLst>
             </p:cNvPr>
@@ -16894,7 +16845,7 @@
             <p:cNvPr id="13" name="Rectangle: Rounded Corners 12">
               <a:extLst>
                 <a:ext uri="{FF2B5EF4-FFF2-40B4-BE49-F238E27FC236}">
-                  <a16:creationId xmlns:a16="http://schemas.microsoft.com/office/drawing/2014/main" xmlns="" id="{0AD5A17F-D6F5-4898-90E7-32F83AD408E4}"/>
+                  <a16:creationId xmlns:a16="http://schemas.microsoft.com/office/drawing/2014/main" id="{0AD5A17F-D6F5-4898-90E7-32F83AD408E4}"/>
                 </a:ext>
               </a:extLst>
             </p:cNvPr>
@@ -16969,7 +16920,7 @@
             <p:cNvPr id="14" name="Rectangle: Rounded Corners 13">
               <a:extLst>
                 <a:ext uri="{FF2B5EF4-FFF2-40B4-BE49-F238E27FC236}">
-                  <a16:creationId xmlns:a16="http://schemas.microsoft.com/office/drawing/2014/main" xmlns="" id="{427388F0-F1BF-49F1-AB90-BF4F855265CB}"/>
+                  <a16:creationId xmlns:a16="http://schemas.microsoft.com/office/drawing/2014/main" id="{427388F0-F1BF-49F1-AB90-BF4F855265CB}"/>
                 </a:ext>
               </a:extLst>
             </p:cNvPr>
@@ -17044,7 +16995,7 @@
             <p:cNvPr id="15" name="Rectangle: Rounded Corners 14">
               <a:extLst>
                 <a:ext uri="{FF2B5EF4-FFF2-40B4-BE49-F238E27FC236}">
-                  <a16:creationId xmlns:a16="http://schemas.microsoft.com/office/drawing/2014/main" xmlns="" id="{F4F36732-5BAB-40B0-8F96-050D67939387}"/>
+                  <a16:creationId xmlns:a16="http://schemas.microsoft.com/office/drawing/2014/main" id="{F4F36732-5BAB-40B0-8F96-050D67939387}"/>
                 </a:ext>
               </a:extLst>
             </p:cNvPr>
@@ -17119,7 +17070,7 @@
             <p:cNvPr id="16" name="Rectangle: Rounded Corners 15">
               <a:extLst>
                 <a:ext uri="{FF2B5EF4-FFF2-40B4-BE49-F238E27FC236}">
-                  <a16:creationId xmlns:a16="http://schemas.microsoft.com/office/drawing/2014/main" xmlns="" id="{CA09CD9D-372F-45B5-B665-D4CC658FCC48}"/>
+                  <a16:creationId xmlns:a16="http://schemas.microsoft.com/office/drawing/2014/main" id="{CA09CD9D-372F-45B5-B665-D4CC658FCC48}"/>
                 </a:ext>
               </a:extLst>
             </p:cNvPr>
@@ -17185,7 +17136,7 @@
             <p:cNvPr id="17" name="Rectangle: Rounded Corners 16">
               <a:extLst>
                 <a:ext uri="{FF2B5EF4-FFF2-40B4-BE49-F238E27FC236}">
-                  <a16:creationId xmlns:a16="http://schemas.microsoft.com/office/drawing/2014/main" xmlns="" id="{4D38B512-7E7D-4A61-8C38-D1BF4269173E}"/>
+                  <a16:creationId xmlns:a16="http://schemas.microsoft.com/office/drawing/2014/main" id="{4D38B512-7E7D-4A61-8C38-D1BF4269173E}"/>
                 </a:ext>
               </a:extLst>
             </p:cNvPr>
@@ -17251,7 +17202,7 @@
             <p:cNvPr id="18" name="Rectangle: Rounded Corners 17">
               <a:extLst>
                 <a:ext uri="{FF2B5EF4-FFF2-40B4-BE49-F238E27FC236}">
-                  <a16:creationId xmlns:a16="http://schemas.microsoft.com/office/drawing/2014/main" xmlns="" id="{4077607C-E917-47B5-B2B0-FE2CD453C596}"/>
+                  <a16:creationId xmlns:a16="http://schemas.microsoft.com/office/drawing/2014/main" id="{4077607C-E917-47B5-B2B0-FE2CD453C596}"/>
                 </a:ext>
               </a:extLst>
             </p:cNvPr>
@@ -17317,7 +17268,7 @@
             <p:cNvPr id="19" name="Rectangle: Rounded Corners 18">
               <a:extLst>
                 <a:ext uri="{FF2B5EF4-FFF2-40B4-BE49-F238E27FC236}">
-                  <a16:creationId xmlns:a16="http://schemas.microsoft.com/office/drawing/2014/main" xmlns="" id="{61F80F85-6FCC-413C-8C38-5A0E48E467F7}"/>
+                  <a16:creationId xmlns:a16="http://schemas.microsoft.com/office/drawing/2014/main" id="{61F80F85-6FCC-413C-8C38-5A0E48E467F7}"/>
                 </a:ext>
               </a:extLst>
             </p:cNvPr>
@@ -17383,7 +17334,7 @@
             <p:cNvPr id="20" name="Rectangle: Rounded Corners 19">
               <a:extLst>
                 <a:ext uri="{FF2B5EF4-FFF2-40B4-BE49-F238E27FC236}">
-                  <a16:creationId xmlns:a16="http://schemas.microsoft.com/office/drawing/2014/main" xmlns="" id="{CBB470BF-A936-4D60-B1A2-03A93D25CD47}"/>
+                  <a16:creationId xmlns:a16="http://schemas.microsoft.com/office/drawing/2014/main" id="{CBB470BF-A936-4D60-B1A2-03A93D25CD47}"/>
                 </a:ext>
               </a:extLst>
             </p:cNvPr>
@@ -17449,7 +17400,7 @@
             <p:cNvPr id="21" name="Rectangle: Rounded Corners 20">
               <a:extLst>
                 <a:ext uri="{FF2B5EF4-FFF2-40B4-BE49-F238E27FC236}">
-                  <a16:creationId xmlns:a16="http://schemas.microsoft.com/office/drawing/2014/main" xmlns="" id="{F76D9321-06A5-4A29-A115-ADE0DFF6AADD}"/>
+                  <a16:creationId xmlns:a16="http://schemas.microsoft.com/office/drawing/2014/main" id="{F76D9321-06A5-4A29-A115-ADE0DFF6AADD}"/>
                 </a:ext>
               </a:extLst>
             </p:cNvPr>
@@ -17515,7 +17466,7 @@
             <p:cNvPr id="22" name="Rectangle: Rounded Corners 21">
               <a:extLst>
                 <a:ext uri="{FF2B5EF4-FFF2-40B4-BE49-F238E27FC236}">
-                  <a16:creationId xmlns:a16="http://schemas.microsoft.com/office/drawing/2014/main" xmlns="" id="{D48F64A5-A45D-4254-B2D2-4763B59951C3}"/>
+                  <a16:creationId xmlns:a16="http://schemas.microsoft.com/office/drawing/2014/main" id="{D48F64A5-A45D-4254-B2D2-4763B59951C3}"/>
                 </a:ext>
               </a:extLst>
             </p:cNvPr>
@@ -17581,7 +17532,7 @@
             <p:cNvPr id="23" name="Rectangle: Rounded Corners 22">
               <a:extLst>
                 <a:ext uri="{FF2B5EF4-FFF2-40B4-BE49-F238E27FC236}">
-                  <a16:creationId xmlns:a16="http://schemas.microsoft.com/office/drawing/2014/main" xmlns="" id="{1F8CE15E-2EC7-419B-9B10-0944E4E7BB64}"/>
+                  <a16:creationId xmlns:a16="http://schemas.microsoft.com/office/drawing/2014/main" id="{1F8CE15E-2EC7-419B-9B10-0944E4E7BB64}"/>
                 </a:ext>
               </a:extLst>
             </p:cNvPr>
@@ -17647,7 +17598,7 @@
             <p:cNvPr id="24" name="TextBox 23">
               <a:extLst>
                 <a:ext uri="{FF2B5EF4-FFF2-40B4-BE49-F238E27FC236}">
-                  <a16:creationId xmlns:a16="http://schemas.microsoft.com/office/drawing/2014/main" xmlns="" id="{1D72480D-C09C-42F2-AF4C-B3877C177CC3}"/>
+                  <a16:creationId xmlns:a16="http://schemas.microsoft.com/office/drawing/2014/main" id="{1D72480D-C09C-42F2-AF4C-B3877C177CC3}"/>
                 </a:ext>
               </a:extLst>
             </p:cNvPr>
@@ -17721,7 +17672,7 @@
             <p:cNvPr id="25" name="TextBox 24">
               <a:extLst>
                 <a:ext uri="{FF2B5EF4-FFF2-40B4-BE49-F238E27FC236}">
-                  <a16:creationId xmlns:a16="http://schemas.microsoft.com/office/drawing/2014/main" xmlns="" id="{26160063-FD4F-4FF6-B323-B31EE539258B}"/>
+                  <a16:creationId xmlns:a16="http://schemas.microsoft.com/office/drawing/2014/main" id="{26160063-FD4F-4FF6-B323-B31EE539258B}"/>
                 </a:ext>
               </a:extLst>
             </p:cNvPr>
@@ -17795,7 +17746,7 @@
             <p:cNvPr id="26" name="TextBox 25">
               <a:extLst>
                 <a:ext uri="{FF2B5EF4-FFF2-40B4-BE49-F238E27FC236}">
-                  <a16:creationId xmlns:a16="http://schemas.microsoft.com/office/drawing/2014/main" xmlns="" id="{A8BA53C5-77CF-4DDD-8C5C-056D334E73EE}"/>
+                  <a16:creationId xmlns:a16="http://schemas.microsoft.com/office/drawing/2014/main" id="{A8BA53C5-77CF-4DDD-8C5C-056D334E73EE}"/>
                 </a:ext>
               </a:extLst>
             </p:cNvPr>
@@ -17869,7 +17820,7 @@
             <p:cNvPr id="27" name="TextBox 26">
               <a:extLst>
                 <a:ext uri="{FF2B5EF4-FFF2-40B4-BE49-F238E27FC236}">
-                  <a16:creationId xmlns:a16="http://schemas.microsoft.com/office/drawing/2014/main" xmlns="" id="{73233433-E353-4C36-A84A-DA39FC0FE1EE}"/>
+                  <a16:creationId xmlns:a16="http://schemas.microsoft.com/office/drawing/2014/main" id="{73233433-E353-4C36-A84A-DA39FC0FE1EE}"/>
                 </a:ext>
               </a:extLst>
             </p:cNvPr>
@@ -17943,7 +17894,7 @@
             <p:cNvPr id="4" name="TextBox 3">
               <a:extLst>
                 <a:ext uri="{FF2B5EF4-FFF2-40B4-BE49-F238E27FC236}">
-                  <a16:creationId xmlns:a16="http://schemas.microsoft.com/office/drawing/2014/main" xmlns="" id="{A2AD06CB-AC0F-4628-A6C5-065165D1D398}"/>
+                  <a16:creationId xmlns:a16="http://schemas.microsoft.com/office/drawing/2014/main" id="{A2AD06CB-AC0F-4628-A6C5-065165D1D398}"/>
                 </a:ext>
               </a:extLst>
             </p:cNvPr>
@@ -18008,7 +17959,7 @@
             <p:cNvPr id="5" name="TextBox 4">
               <a:extLst>
                 <a:ext uri="{FF2B5EF4-FFF2-40B4-BE49-F238E27FC236}">
-                  <a16:creationId xmlns:a16="http://schemas.microsoft.com/office/drawing/2014/main" xmlns="" id="{29DD3659-D9E9-4D4E-B5B3-94B67A848518}"/>
+                  <a16:creationId xmlns:a16="http://schemas.microsoft.com/office/drawing/2014/main" id="{29DD3659-D9E9-4D4E-B5B3-94B67A848518}"/>
                 </a:ext>
               </a:extLst>
             </p:cNvPr>
@@ -18073,7 +18024,7 @@
             <p:cNvPr id="6" name="TextBox 5">
               <a:extLst>
                 <a:ext uri="{FF2B5EF4-FFF2-40B4-BE49-F238E27FC236}">
-                  <a16:creationId xmlns:a16="http://schemas.microsoft.com/office/drawing/2014/main" xmlns="" id="{46FFF08C-A00A-452C-9FB5-897F0F9C2026}"/>
+                  <a16:creationId xmlns:a16="http://schemas.microsoft.com/office/drawing/2014/main" id="{46FFF08C-A00A-452C-9FB5-897F0F9C2026}"/>
                 </a:ext>
               </a:extLst>
             </p:cNvPr>
@@ -18138,7 +18089,7 @@
             <p:cNvPr id="7" name="TextBox 6">
               <a:extLst>
                 <a:ext uri="{FF2B5EF4-FFF2-40B4-BE49-F238E27FC236}">
-                  <a16:creationId xmlns:a16="http://schemas.microsoft.com/office/drawing/2014/main" xmlns="" id="{DC8BF421-EC0E-41F0-A810-54D65394FB44}"/>
+                  <a16:creationId xmlns:a16="http://schemas.microsoft.com/office/drawing/2014/main" id="{DC8BF421-EC0E-41F0-A810-54D65394FB44}"/>
                 </a:ext>
               </a:extLst>
             </p:cNvPr>
@@ -18203,7 +18154,7 @@
             <p:cNvPr id="30" name="Rectangle: Rounded Corners 29">
               <a:extLst>
                 <a:ext uri="{FF2B5EF4-FFF2-40B4-BE49-F238E27FC236}">
-                  <a16:creationId xmlns:a16="http://schemas.microsoft.com/office/drawing/2014/main" xmlns="" id="{622FED8A-6710-405A-8EEB-2B9A71D48CA2}"/>
+                  <a16:creationId xmlns:a16="http://schemas.microsoft.com/office/drawing/2014/main" id="{622FED8A-6710-405A-8EEB-2B9A71D48CA2}"/>
                 </a:ext>
               </a:extLst>
             </p:cNvPr>
@@ -18278,7 +18229,7 @@
             <p:cNvPr id="31" name="Rectangle: Rounded Corners 30">
               <a:extLst>
                 <a:ext uri="{FF2B5EF4-FFF2-40B4-BE49-F238E27FC236}">
-                  <a16:creationId xmlns:a16="http://schemas.microsoft.com/office/drawing/2014/main" xmlns="" id="{2F6E0BC0-0AC7-4652-BBFE-A2212A73586F}"/>
+                  <a16:creationId xmlns:a16="http://schemas.microsoft.com/office/drawing/2014/main" id="{2F6E0BC0-0AC7-4652-BBFE-A2212A73586F}"/>
                 </a:ext>
               </a:extLst>
             </p:cNvPr>
@@ -18344,7 +18295,7 @@
             <p:cNvPr id="32" name="TextBox 31">
               <a:extLst>
                 <a:ext uri="{FF2B5EF4-FFF2-40B4-BE49-F238E27FC236}">
-                  <a16:creationId xmlns:a16="http://schemas.microsoft.com/office/drawing/2014/main" xmlns="" id="{B1DE1F40-72F3-4FC9-B30F-3F4DAF6BCD28}"/>
+                  <a16:creationId xmlns:a16="http://schemas.microsoft.com/office/drawing/2014/main" id="{B1DE1F40-72F3-4FC9-B30F-3F4DAF6BCD28}"/>
                 </a:ext>
               </a:extLst>
             </p:cNvPr>
@@ -18410,7 +18361,7 @@
           <p:cNvPr id="33" name="TextBox 32">
             <a:extLst>
               <a:ext uri="{FF2B5EF4-FFF2-40B4-BE49-F238E27FC236}">
-                <a16:creationId xmlns:a16="http://schemas.microsoft.com/office/drawing/2014/main" xmlns="" id="{5146260A-BC29-4368-ACCC-D8F294EDC607}"/>
+                <a16:creationId xmlns:a16="http://schemas.microsoft.com/office/drawing/2014/main" id="{5146260A-BC29-4368-ACCC-D8F294EDC607}"/>
               </a:ext>
             </a:extLst>
           </p:cNvPr>
@@ -18448,7 +18399,7 @@
           <p:cNvPr id="3" name="Slide Number Placeholder 2">
             <a:extLst>
               <a:ext uri="{FF2B5EF4-FFF2-40B4-BE49-F238E27FC236}">
-                <a16:creationId xmlns:a16="http://schemas.microsoft.com/office/drawing/2014/main" xmlns="" id="{456265BB-7B88-4F32-B42D-41004F1E7C0D}"/>
+                <a16:creationId xmlns:a16="http://schemas.microsoft.com/office/drawing/2014/main" id="{456265BB-7B88-4F32-B42D-41004F1E7C0D}"/>
               </a:ext>
             </a:extLst>
           </p:cNvPr>
@@ -18507,7 +18458,7 @@
           <p:cNvPr id="2" name="Straight Connector 1">
             <a:extLst>
               <a:ext uri="{FF2B5EF4-FFF2-40B4-BE49-F238E27FC236}">
-                <a16:creationId xmlns:a16="http://schemas.microsoft.com/office/drawing/2014/main" xmlns="" id="{F44F53FF-CB60-4BDA-BAF7-075D1129A04C}"/>
+                <a16:creationId xmlns:a16="http://schemas.microsoft.com/office/drawing/2014/main" id="{F44F53FF-CB60-4BDA-BAF7-075D1129A04C}"/>
               </a:ext>
             </a:extLst>
           </p:cNvPr>
@@ -18548,7 +18499,7 @@
           <p:cNvPr id="3" name="TextBox 2">
             <a:extLst>
               <a:ext uri="{FF2B5EF4-FFF2-40B4-BE49-F238E27FC236}">
-                <a16:creationId xmlns:a16="http://schemas.microsoft.com/office/drawing/2014/main" xmlns="" id="{5D185221-1B9E-4EC1-A3BB-F7F166A2E649}"/>
+                <a16:creationId xmlns:a16="http://schemas.microsoft.com/office/drawing/2014/main" id="{5D185221-1B9E-4EC1-A3BB-F7F166A2E649}"/>
               </a:ext>
             </a:extLst>
           </p:cNvPr>
@@ -18586,7 +18537,7 @@
           <p:cNvPr id="6" name="Picture 5">
             <a:extLst>
               <a:ext uri="{FF2B5EF4-FFF2-40B4-BE49-F238E27FC236}">
-                <a16:creationId xmlns:a16="http://schemas.microsoft.com/office/drawing/2014/main" xmlns="" id="{BB23E385-43D3-4488-BB88-D3B73729ABC1}"/>
+                <a16:creationId xmlns:a16="http://schemas.microsoft.com/office/drawing/2014/main" id="{BB23E385-43D3-4488-BB88-D3B73729ABC1}"/>
               </a:ext>
             </a:extLst>
           </p:cNvPr>
@@ -18616,7 +18567,7 @@
           <p:cNvPr id="7" name="Picture 6">
             <a:extLst>
               <a:ext uri="{FF2B5EF4-FFF2-40B4-BE49-F238E27FC236}">
-                <a16:creationId xmlns:a16="http://schemas.microsoft.com/office/drawing/2014/main" xmlns="" id="{02049588-D35A-4493-BF2C-3F86550673B9}"/>
+                <a16:creationId xmlns:a16="http://schemas.microsoft.com/office/drawing/2014/main" id="{02049588-D35A-4493-BF2C-3F86550673B9}"/>
               </a:ext>
             </a:extLst>
           </p:cNvPr>
@@ -18646,7 +18597,7 @@
           <p:cNvPr id="8" name="Picture 7">
             <a:extLst>
               <a:ext uri="{FF2B5EF4-FFF2-40B4-BE49-F238E27FC236}">
-                <a16:creationId xmlns:a16="http://schemas.microsoft.com/office/drawing/2014/main" xmlns="" id="{225C4CDF-6F55-425F-85C0-F2E4B04E43FD}"/>
+                <a16:creationId xmlns:a16="http://schemas.microsoft.com/office/drawing/2014/main" id="{225C4CDF-6F55-425F-85C0-F2E4B04E43FD}"/>
               </a:ext>
             </a:extLst>
           </p:cNvPr>
@@ -18676,7 +18627,7 @@
           <p:cNvPr id="9" name="Picture 8">
             <a:extLst>
               <a:ext uri="{FF2B5EF4-FFF2-40B4-BE49-F238E27FC236}">
-                <a16:creationId xmlns:a16="http://schemas.microsoft.com/office/drawing/2014/main" xmlns="" id="{B2C6BC1C-BC56-4F85-B7A1-5BE025D05D74}"/>
+                <a16:creationId xmlns:a16="http://schemas.microsoft.com/office/drawing/2014/main" id="{B2C6BC1C-BC56-4F85-B7A1-5BE025D05D74}"/>
               </a:ext>
             </a:extLst>
           </p:cNvPr>
@@ -18706,7 +18657,7 @@
           <p:cNvPr id="10" name="TextBox 9">
             <a:extLst>
               <a:ext uri="{FF2B5EF4-FFF2-40B4-BE49-F238E27FC236}">
-                <a16:creationId xmlns:a16="http://schemas.microsoft.com/office/drawing/2014/main" xmlns="" id="{16A9779B-7B71-469D-BE62-F468D82B0968}"/>
+                <a16:creationId xmlns:a16="http://schemas.microsoft.com/office/drawing/2014/main" id="{16A9779B-7B71-469D-BE62-F468D82B0968}"/>
               </a:ext>
             </a:extLst>
           </p:cNvPr>
@@ -18744,7 +18695,7 @@
           <p:cNvPr id="4" name="Slide Number Placeholder 3">
             <a:extLst>
               <a:ext uri="{FF2B5EF4-FFF2-40B4-BE49-F238E27FC236}">
-                <a16:creationId xmlns:a16="http://schemas.microsoft.com/office/drawing/2014/main" xmlns="" id="{0627437A-39D4-4B71-8862-6307CF871855}"/>
+                <a16:creationId xmlns:a16="http://schemas.microsoft.com/office/drawing/2014/main" id="{0627437A-39D4-4B71-8862-6307CF871855}"/>
               </a:ext>
             </a:extLst>
           </p:cNvPr>
@@ -18803,7 +18754,7 @@
           <p:cNvPr id="2" name="TextBox 1">
             <a:extLst>
               <a:ext uri="{FF2B5EF4-FFF2-40B4-BE49-F238E27FC236}">
-                <a16:creationId xmlns:a16="http://schemas.microsoft.com/office/drawing/2014/main" xmlns="" id="{742EF216-75D4-4734-B156-3EDB09F9CE9B}"/>
+                <a16:creationId xmlns:a16="http://schemas.microsoft.com/office/drawing/2014/main" id="{742EF216-75D4-4734-B156-3EDB09F9CE9B}"/>
               </a:ext>
             </a:extLst>
           </p:cNvPr>
@@ -18842,7 +18793,7 @@
           <p:cNvPr id="3" name="Straight Connector 2">
             <a:extLst>
               <a:ext uri="{FF2B5EF4-FFF2-40B4-BE49-F238E27FC236}">
-                <a16:creationId xmlns:a16="http://schemas.microsoft.com/office/drawing/2014/main" xmlns="" id="{B493E240-C89A-4822-B4C3-EC3A33AD45FA}"/>
+                <a16:creationId xmlns:a16="http://schemas.microsoft.com/office/drawing/2014/main" id="{B493E240-C89A-4822-B4C3-EC3A33AD45FA}"/>
               </a:ext>
             </a:extLst>
           </p:cNvPr>
@@ -18883,7 +18834,7 @@
           <p:cNvPr id="4" name="TextBox 3">
             <a:extLst>
               <a:ext uri="{FF2B5EF4-FFF2-40B4-BE49-F238E27FC236}">
-                <a16:creationId xmlns:a16="http://schemas.microsoft.com/office/drawing/2014/main" xmlns="" id="{9EAF4BF5-F510-49EE-8E26-0511CB451A3D}"/>
+                <a16:creationId xmlns:a16="http://schemas.microsoft.com/office/drawing/2014/main" id="{9EAF4BF5-F510-49EE-8E26-0511CB451A3D}"/>
               </a:ext>
             </a:extLst>
           </p:cNvPr>
@@ -18921,7 +18872,7 @@
           <p:cNvPr id="5" name="TextBox 4">
             <a:extLst>
               <a:ext uri="{FF2B5EF4-FFF2-40B4-BE49-F238E27FC236}">
-                <a16:creationId xmlns:a16="http://schemas.microsoft.com/office/drawing/2014/main" xmlns="" id="{636A0C26-9EFD-4A72-9FFD-E35B43C1CAD8}"/>
+                <a16:creationId xmlns:a16="http://schemas.microsoft.com/office/drawing/2014/main" id="{636A0C26-9EFD-4A72-9FFD-E35B43C1CAD8}"/>
               </a:ext>
             </a:extLst>
           </p:cNvPr>
@@ -18959,7 +18910,7 @@
           <p:cNvPr id="6" name="Slide Number Placeholder 5">
             <a:extLst>
               <a:ext uri="{FF2B5EF4-FFF2-40B4-BE49-F238E27FC236}">
-                <a16:creationId xmlns:a16="http://schemas.microsoft.com/office/drawing/2014/main" xmlns="" id="{071B7041-F83F-4368-A269-876983F7A485}"/>
+                <a16:creationId xmlns:a16="http://schemas.microsoft.com/office/drawing/2014/main" id="{071B7041-F83F-4368-A269-876983F7A485}"/>
               </a:ext>
             </a:extLst>
           </p:cNvPr>
@@ -19018,7 +18969,7 @@
           <p:cNvPr id="2" name="Straight Connector 1">
             <a:extLst>
               <a:ext uri="{FF2B5EF4-FFF2-40B4-BE49-F238E27FC236}">
-                <a16:creationId xmlns:a16="http://schemas.microsoft.com/office/drawing/2014/main" xmlns="" id="{6B2A0167-33CF-48BF-A2ED-757ECB5D4774}"/>
+                <a16:creationId xmlns:a16="http://schemas.microsoft.com/office/drawing/2014/main" id="{6B2A0167-33CF-48BF-A2ED-757ECB5D4774}"/>
               </a:ext>
             </a:extLst>
           </p:cNvPr>
@@ -19059,7 +19010,7 @@
           <p:cNvPr id="3" name="TextBox 2">
             <a:extLst>
               <a:ext uri="{FF2B5EF4-FFF2-40B4-BE49-F238E27FC236}">
-                <a16:creationId xmlns:a16="http://schemas.microsoft.com/office/drawing/2014/main" xmlns="" id="{B89D4FB9-4FD5-4539-9D75-EEA50F5DB448}"/>
+                <a16:creationId xmlns:a16="http://schemas.microsoft.com/office/drawing/2014/main" id="{B89D4FB9-4FD5-4539-9D75-EEA50F5DB448}"/>
               </a:ext>
             </a:extLst>
           </p:cNvPr>
@@ -19097,7 +19048,7 @@
           <p:cNvPr id="5" name="Marcador de contenido 4">
             <a:extLst>
               <a:ext uri="{FF2B5EF4-FFF2-40B4-BE49-F238E27FC236}">
-                <a16:creationId xmlns:a16="http://schemas.microsoft.com/office/drawing/2014/main" xmlns="" id="{0D461417-6BB0-4F6D-94DC-7C4510A3D7ED}"/>
+                <a16:creationId xmlns:a16="http://schemas.microsoft.com/office/drawing/2014/main" id="{0D461417-6BB0-4F6D-94DC-7C4510A3D7ED}"/>
               </a:ext>
             </a:extLst>
           </p:cNvPr>
@@ -19445,7 +19396,7 @@
           <p:cNvPr id="6" name="TextBox 5">
             <a:extLst>
               <a:ext uri="{FF2B5EF4-FFF2-40B4-BE49-F238E27FC236}">
-                <a16:creationId xmlns:a16="http://schemas.microsoft.com/office/drawing/2014/main" xmlns="" id="{A0C47128-B89B-4060-BDE4-0F0C82171400}"/>
+                <a16:creationId xmlns:a16="http://schemas.microsoft.com/office/drawing/2014/main" id="{A0C47128-B89B-4060-BDE4-0F0C82171400}"/>
               </a:ext>
             </a:extLst>
           </p:cNvPr>
@@ -19483,7 +19434,7 @@
           <p:cNvPr id="4" name="Slide Number Placeholder 3">
             <a:extLst>
               <a:ext uri="{FF2B5EF4-FFF2-40B4-BE49-F238E27FC236}">
-                <a16:creationId xmlns:a16="http://schemas.microsoft.com/office/drawing/2014/main" xmlns="" id="{74D7F8F2-47DA-45DB-AD93-6440A43A1DBE}"/>
+                <a16:creationId xmlns:a16="http://schemas.microsoft.com/office/drawing/2014/main" id="{74D7F8F2-47DA-45DB-AD93-6440A43A1DBE}"/>
               </a:ext>
             </a:extLst>
           </p:cNvPr>
@@ -19542,7 +19493,7 @@
           <p:cNvPr id="2" name="Straight Connector 1">
             <a:extLst>
               <a:ext uri="{FF2B5EF4-FFF2-40B4-BE49-F238E27FC236}">
-                <a16:creationId xmlns:a16="http://schemas.microsoft.com/office/drawing/2014/main" xmlns="" id="{6B2A0167-33CF-48BF-A2ED-757ECB5D4774}"/>
+                <a16:creationId xmlns:a16="http://schemas.microsoft.com/office/drawing/2014/main" id="{6B2A0167-33CF-48BF-A2ED-757ECB5D4774}"/>
               </a:ext>
             </a:extLst>
           </p:cNvPr>
@@ -19583,7 +19534,7 @@
           <p:cNvPr id="3" name="TextBox 2">
             <a:extLst>
               <a:ext uri="{FF2B5EF4-FFF2-40B4-BE49-F238E27FC236}">
-                <a16:creationId xmlns:a16="http://schemas.microsoft.com/office/drawing/2014/main" xmlns="" id="{B89D4FB9-4FD5-4539-9D75-EEA50F5DB448}"/>
+                <a16:creationId xmlns:a16="http://schemas.microsoft.com/office/drawing/2014/main" id="{B89D4FB9-4FD5-4539-9D75-EEA50F5DB448}"/>
               </a:ext>
             </a:extLst>
           </p:cNvPr>
@@ -19623,7 +19574,7 @@
               <p:cNvPr id="19" name="Marcador de contenido 18">
                 <a:extLst>
                   <a:ext uri="{FF2B5EF4-FFF2-40B4-BE49-F238E27FC236}">
-                    <a16:creationId xmlns:a16="http://schemas.microsoft.com/office/drawing/2014/main" xmlns="" id="{A8292075-DFBC-44D4-9140-69A2366F3B6E}"/>
+                    <a16:creationId xmlns:a16="http://schemas.microsoft.com/office/drawing/2014/main" id="{A8292075-DFBC-44D4-9140-69A2366F3B6E}"/>
                   </a:ext>
                 </a:extLst>
               </p:cNvPr>
@@ -19651,14 +19602,14 @@
                     <a:gridCol w="10489791">
                       <a:extLst>
                         <a:ext uri="{9D8B030D-6E8A-4147-A177-3AD203B41FA5}">
-                          <a16:colId xmlns:a16="http://schemas.microsoft.com/office/drawing/2014/main" xmlns="" val="2200701939"/>
+                          <a16:colId xmlns:a16="http://schemas.microsoft.com/office/drawing/2014/main" val="2200701939"/>
                         </a:ext>
                       </a:extLst>
                     </a:gridCol>
                     <a:gridCol w="1063777">
                       <a:extLst>
                         <a:ext uri="{9D8B030D-6E8A-4147-A177-3AD203B41FA5}">
-                          <a16:colId xmlns:a16="http://schemas.microsoft.com/office/drawing/2014/main" xmlns="" val="390178824"/>
+                          <a16:colId xmlns:a16="http://schemas.microsoft.com/office/drawing/2014/main" val="390178824"/>
                         </a:ext>
                       </a:extLst>
                     </a:gridCol>
@@ -20245,7 +20196,7 @@
                     </a:tc>
                     <a:extLst>
                       <a:ext uri="{0D108BD9-81ED-4DB2-BD59-A6C34878D82A}">
-                        <a16:rowId xmlns:a16="http://schemas.microsoft.com/office/drawing/2014/main" xmlns="" val="2311300338"/>
+                        <a16:rowId xmlns:a16="http://schemas.microsoft.com/office/drawing/2014/main" val="2311300338"/>
                       </a:ext>
                     </a:extLst>
                   </a:tr>
@@ -20759,7 +20710,7 @@
                     </a:tc>
                     <a:extLst>
                       <a:ext uri="{0D108BD9-81ED-4DB2-BD59-A6C34878D82A}">
-                        <a16:rowId xmlns:a16="http://schemas.microsoft.com/office/drawing/2014/main" xmlns="" val="3084881557"/>
+                        <a16:rowId xmlns:a16="http://schemas.microsoft.com/office/drawing/2014/main" val="3084881557"/>
                       </a:ext>
                     </a:extLst>
                   </a:tr>
@@ -21427,7 +21378,7 @@
                     </a:tc>
                     <a:extLst>
                       <a:ext uri="{0D108BD9-81ED-4DB2-BD59-A6C34878D82A}">
-                        <a16:rowId xmlns:a16="http://schemas.microsoft.com/office/drawing/2014/main" xmlns="" val="4213757338"/>
+                        <a16:rowId xmlns:a16="http://schemas.microsoft.com/office/drawing/2014/main" val="4213757338"/>
                       </a:ext>
                     </a:extLst>
                   </a:tr>
@@ -21993,7 +21944,7 @@
                     </a:tc>
                     <a:extLst>
                       <a:ext uri="{0D108BD9-81ED-4DB2-BD59-A6C34878D82A}">
-                        <a16:rowId xmlns:a16="http://schemas.microsoft.com/office/drawing/2014/main" xmlns="" val="2720335172"/>
+                        <a16:rowId xmlns:a16="http://schemas.microsoft.com/office/drawing/2014/main" val="2720335172"/>
                       </a:ext>
                     </a:extLst>
                   </a:tr>
@@ -22547,7 +22498,7 @@
           <p:cNvPr id="21" name="Imagen 20">
             <a:extLst>
               <a:ext uri="{FF2B5EF4-FFF2-40B4-BE49-F238E27FC236}">
-                <a16:creationId xmlns:a16="http://schemas.microsoft.com/office/drawing/2014/main" xmlns="" id="{BCEF3C89-D85A-4AA8-A83D-6EEA5F9EC044}"/>
+                <a16:creationId xmlns:a16="http://schemas.microsoft.com/office/drawing/2014/main" id="{BCEF3C89-D85A-4AA8-A83D-6EEA5F9EC044}"/>
               </a:ext>
             </a:extLst>
           </p:cNvPr>
@@ -22576,7 +22527,7 @@
           <p:cNvPr id="6" name="TextBox 5">
             <a:extLst>
               <a:ext uri="{FF2B5EF4-FFF2-40B4-BE49-F238E27FC236}">
-                <a16:creationId xmlns:a16="http://schemas.microsoft.com/office/drawing/2014/main" xmlns="" id="{49167481-5284-49E4-BC69-2F5BB5613D6B}"/>
+                <a16:creationId xmlns:a16="http://schemas.microsoft.com/office/drawing/2014/main" id="{49167481-5284-49E4-BC69-2F5BB5613D6B}"/>
               </a:ext>
             </a:extLst>
           </p:cNvPr>
@@ -22614,7 +22565,7 @@
           <p:cNvPr id="4" name="Slide Number Placeholder 3">
             <a:extLst>
               <a:ext uri="{FF2B5EF4-FFF2-40B4-BE49-F238E27FC236}">
-                <a16:creationId xmlns:a16="http://schemas.microsoft.com/office/drawing/2014/main" xmlns="" id="{1380C177-1018-4362-9F4A-A654196559C4}"/>
+                <a16:creationId xmlns:a16="http://schemas.microsoft.com/office/drawing/2014/main" id="{1380C177-1018-4362-9F4A-A654196559C4}"/>
               </a:ext>
             </a:extLst>
           </p:cNvPr>
@@ -22673,7 +22624,7 @@
           <p:cNvPr id="2" name="Straight Connector 1">
             <a:extLst>
               <a:ext uri="{FF2B5EF4-FFF2-40B4-BE49-F238E27FC236}">
-                <a16:creationId xmlns:a16="http://schemas.microsoft.com/office/drawing/2014/main" xmlns="" id="{6B2A0167-33CF-48BF-A2ED-757ECB5D4774}"/>
+                <a16:creationId xmlns:a16="http://schemas.microsoft.com/office/drawing/2014/main" id="{6B2A0167-33CF-48BF-A2ED-757ECB5D4774}"/>
               </a:ext>
             </a:extLst>
           </p:cNvPr>
@@ -22714,7 +22665,7 @@
           <p:cNvPr id="3" name="TextBox 2">
             <a:extLst>
               <a:ext uri="{FF2B5EF4-FFF2-40B4-BE49-F238E27FC236}">
-                <a16:creationId xmlns:a16="http://schemas.microsoft.com/office/drawing/2014/main" xmlns="" id="{B89D4FB9-4FD5-4539-9D75-EEA50F5DB448}"/>
+                <a16:creationId xmlns:a16="http://schemas.microsoft.com/office/drawing/2014/main" id="{B89D4FB9-4FD5-4539-9D75-EEA50F5DB448}"/>
               </a:ext>
             </a:extLst>
           </p:cNvPr>
@@ -22754,7 +22705,7 @@
               <p:cNvPr id="19" name="Marcador de contenido 18">
                 <a:extLst>
                   <a:ext uri="{FF2B5EF4-FFF2-40B4-BE49-F238E27FC236}">
-                    <a16:creationId xmlns:a16="http://schemas.microsoft.com/office/drawing/2014/main" xmlns="" id="{A8292075-DFBC-44D4-9140-69A2366F3B6E}"/>
+                    <a16:creationId xmlns:a16="http://schemas.microsoft.com/office/drawing/2014/main" id="{A8292075-DFBC-44D4-9140-69A2366F3B6E}"/>
                   </a:ext>
                 </a:extLst>
               </p:cNvPr>
@@ -22782,14 +22733,14 @@
                     <a:gridCol w="10489791">
                       <a:extLst>
                         <a:ext uri="{9D8B030D-6E8A-4147-A177-3AD203B41FA5}">
-                          <a16:colId xmlns:a16="http://schemas.microsoft.com/office/drawing/2014/main" xmlns="" val="2200701939"/>
+                          <a16:colId xmlns:a16="http://schemas.microsoft.com/office/drawing/2014/main" val="2200701939"/>
                         </a:ext>
                       </a:extLst>
                     </a:gridCol>
                     <a:gridCol w="1063777">
                       <a:extLst>
                         <a:ext uri="{9D8B030D-6E8A-4147-A177-3AD203B41FA5}">
-                          <a16:colId xmlns:a16="http://schemas.microsoft.com/office/drawing/2014/main" xmlns="" val="390178824"/>
+                          <a16:colId xmlns:a16="http://schemas.microsoft.com/office/drawing/2014/main" val="390178824"/>
                         </a:ext>
                       </a:extLst>
                     </a:gridCol>
@@ -23356,7 +23307,7 @@
                     </a:tc>
                     <a:extLst>
                       <a:ext uri="{0D108BD9-81ED-4DB2-BD59-A6C34878D82A}">
-                        <a16:rowId xmlns:a16="http://schemas.microsoft.com/office/drawing/2014/main" xmlns="" val="2720335172"/>
+                        <a16:rowId xmlns:a16="http://schemas.microsoft.com/office/drawing/2014/main" val="2720335172"/>
                       </a:ext>
                     </a:extLst>
                   </a:tr>
@@ -23544,7 +23495,7 @@
           <p:cNvPr id="7" name="Imagen 6">
             <a:extLst>
               <a:ext uri="{FF2B5EF4-FFF2-40B4-BE49-F238E27FC236}">
-                <a16:creationId xmlns:a16="http://schemas.microsoft.com/office/drawing/2014/main" xmlns="" id="{AA2FCA76-3D4F-4431-8C78-1B3FDAE197C2}"/>
+                <a16:creationId xmlns:a16="http://schemas.microsoft.com/office/drawing/2014/main" id="{AA2FCA76-3D4F-4431-8C78-1B3FDAE197C2}"/>
               </a:ext>
             </a:extLst>
           </p:cNvPr>
@@ -23574,7 +23525,7 @@
           <p:cNvPr id="6" name="TextBox 5">
             <a:extLst>
               <a:ext uri="{FF2B5EF4-FFF2-40B4-BE49-F238E27FC236}">
-                <a16:creationId xmlns:a16="http://schemas.microsoft.com/office/drawing/2014/main" xmlns="" id="{584642E6-EB29-4A17-8984-A8EB49687BCE}"/>
+                <a16:creationId xmlns:a16="http://schemas.microsoft.com/office/drawing/2014/main" id="{584642E6-EB29-4A17-8984-A8EB49687BCE}"/>
               </a:ext>
             </a:extLst>
           </p:cNvPr>
@@ -23612,7 +23563,7 @@
           <p:cNvPr id="4" name="Slide Number Placeholder 3">
             <a:extLst>
               <a:ext uri="{FF2B5EF4-FFF2-40B4-BE49-F238E27FC236}">
-                <a16:creationId xmlns:a16="http://schemas.microsoft.com/office/drawing/2014/main" xmlns="" id="{863D1FAA-345D-4F65-809D-573A1E4F4961}"/>
+                <a16:creationId xmlns:a16="http://schemas.microsoft.com/office/drawing/2014/main" id="{863D1FAA-345D-4F65-809D-573A1E4F4961}"/>
               </a:ext>
             </a:extLst>
           </p:cNvPr>

--- a/final_project/T2_final_project.pptx
+++ b/final_project/T2_final_project.pptx
@@ -220,7 +220,7 @@
           <a:p>
             <a:fld id="{894AE648-7ACA-48B1-9DBD-59A5BF6000D4}" type="datetimeFigureOut">
               <a:rPr lang="en-US" smtClean="0"/>
-              <a:t>4/20/22</a:t>
+              <a:t>4/20/2022</a:t>
             </a:fld>
             <a:endParaRPr lang="en-US"/>
           </a:p>
@@ -634,7 +634,7 @@
           <a:p>
             <a:fld id="{64FB6F47-6501-4D03-AA43-9A51467742BE}" type="datetime1">
               <a:rPr lang="en-US" smtClean="0"/>
-              <a:t>4/20/22</a:t>
+              <a:t>4/20/2022</a:t>
             </a:fld>
             <a:endParaRPr lang="en-US"/>
           </a:p>
@@ -832,7 +832,7 @@
           <a:p>
             <a:fld id="{58635EEC-AC04-454F-B528-8FC3C6B54314}" type="datetime1">
               <a:rPr lang="en-US" smtClean="0"/>
-              <a:t>4/20/22</a:t>
+              <a:t>4/20/2022</a:t>
             </a:fld>
             <a:endParaRPr lang="en-US"/>
           </a:p>
@@ -1040,7 +1040,7 @@
           <a:p>
             <a:fld id="{E766740F-B8E8-4AB1-89D1-361EB24EA3A4}" type="datetime1">
               <a:rPr lang="en-US" smtClean="0"/>
-              <a:t>4/20/22</a:t>
+              <a:t>4/20/2022</a:t>
             </a:fld>
             <a:endParaRPr lang="en-US"/>
           </a:p>
@@ -1238,7 +1238,7 @@
           <a:p>
             <a:fld id="{4D3DDA2C-47CB-4B8F-8103-2EF8B6200E76}" type="datetime1">
               <a:rPr lang="en-US" smtClean="0"/>
-              <a:t>4/20/22</a:t>
+              <a:t>4/20/2022</a:t>
             </a:fld>
             <a:endParaRPr lang="en-US"/>
           </a:p>
@@ -1513,7 +1513,7 @@
           <a:p>
             <a:fld id="{D9CE748D-70AB-4E58-9CE9-BB27221EBB03}" type="datetime1">
               <a:rPr lang="en-US" smtClean="0"/>
-              <a:t>4/20/22</a:t>
+              <a:t>4/20/2022</a:t>
             </a:fld>
             <a:endParaRPr lang="en-US"/>
           </a:p>
@@ -1778,7 +1778,7 @@
           <a:p>
             <a:fld id="{DF4F4581-5A40-458B-BC83-8E9F4FE04819}" type="datetime1">
               <a:rPr lang="en-US" smtClean="0"/>
-              <a:t>4/20/22</a:t>
+              <a:t>4/20/2022</a:t>
             </a:fld>
             <a:endParaRPr lang="en-US"/>
           </a:p>
@@ -2190,7 +2190,7 @@
           <a:p>
             <a:fld id="{6D223CDE-BBFF-45E0-BD9D-B937262A6883}" type="datetime1">
               <a:rPr lang="en-US" smtClean="0"/>
-              <a:t>4/20/22</a:t>
+              <a:t>4/20/2022</a:t>
             </a:fld>
             <a:endParaRPr lang="en-US"/>
           </a:p>
@@ -2331,7 +2331,7 @@
           <a:p>
             <a:fld id="{1003A0C1-7098-4CBD-B403-BC0465A6F04B}" type="datetime1">
               <a:rPr lang="en-US" smtClean="0"/>
-              <a:t>4/20/22</a:t>
+              <a:t>4/20/2022</a:t>
             </a:fld>
             <a:endParaRPr lang="en-US"/>
           </a:p>
@@ -2444,7 +2444,7 @@
           <a:p>
             <a:fld id="{F59D5724-5438-4DF1-93C0-9A907041AC6A}" type="datetime1">
               <a:rPr lang="en-US" smtClean="0"/>
-              <a:t>4/20/22</a:t>
+              <a:t>4/20/2022</a:t>
             </a:fld>
             <a:endParaRPr lang="en-US"/>
           </a:p>
@@ -2755,7 +2755,7 @@
           <a:p>
             <a:fld id="{C01B3631-6873-4E82-9866-73789F2DB053}" type="datetime1">
               <a:rPr lang="en-US" smtClean="0"/>
-              <a:t>4/20/22</a:t>
+              <a:t>4/20/2022</a:t>
             </a:fld>
             <a:endParaRPr lang="en-US"/>
           </a:p>
@@ -3043,7 +3043,7 @@
           <a:p>
             <a:fld id="{17814C4E-D658-4604-A380-9EEA46CB426A}" type="datetime1">
               <a:rPr lang="en-US" smtClean="0"/>
-              <a:t>4/20/22</a:t>
+              <a:t>4/20/2022</a:t>
             </a:fld>
             <a:endParaRPr lang="en-US"/>
           </a:p>
@@ -3284,7 +3284,7 @@
           <a:p>
             <a:fld id="{849C8FC6-2211-40A0-B614-25EBF9C4E813}" type="datetime1">
               <a:rPr lang="en-US" smtClean="0"/>
-              <a:t>4/20/22</a:t>
+              <a:t>4/20/2022</a:t>
             </a:fld>
             <a:endParaRPr lang="en-US"/>
           </a:p>
@@ -8222,6 +8222,58 @@
               <a:rPr lang="en-US" smtClean="0"/>
               <a:t>16</a:t>
             </a:fld>
+            <a:endParaRPr lang="en-US"/>
+          </a:p>
+        </p:txBody>
+      </p:sp>
+      <p:sp>
+        <p:nvSpPr>
+          <p:cNvPr id="15" name="Rectangle 14">
+            <a:extLst>
+              <a:ext uri="{FF2B5EF4-FFF2-40B4-BE49-F238E27FC236}">
+                <a16:creationId xmlns:a16="http://schemas.microsoft.com/office/drawing/2014/main" id="{425DBB88-0208-4C22-A44D-D49318AEE62D}"/>
+              </a:ext>
+            </a:extLst>
+          </p:cNvPr>
+          <p:cNvSpPr/>
+          <p:nvPr/>
+        </p:nvSpPr>
+        <p:spPr>
+          <a:xfrm>
+            <a:off x="439689" y="2910476"/>
+            <a:ext cx="4401249" cy="170968"/>
+          </a:xfrm>
+          <a:prstGeom prst="rect">
+            <a:avLst/>
+          </a:prstGeom>
+          <a:noFill/>
+          <a:ln w="19050">
+            <a:solidFill>
+              <a:srgbClr val="00B0F0"/>
+            </a:solidFill>
+          </a:ln>
+        </p:spPr>
+        <p:style>
+          <a:lnRef idx="2">
+            <a:schemeClr val="accent1">
+              <a:shade val="50000"/>
+            </a:schemeClr>
+          </a:lnRef>
+          <a:fillRef idx="1">
+            <a:schemeClr val="accent1"/>
+          </a:fillRef>
+          <a:effectRef idx="0">
+            <a:schemeClr val="accent1"/>
+          </a:effectRef>
+          <a:fontRef idx="minor">
+            <a:schemeClr val="lt1"/>
+          </a:fontRef>
+        </p:style>
+        <p:txBody>
+          <a:bodyPr rtlCol="0" anchor="ctr"/>
+          <a:lstStyle/>
+          <a:p>
+            <a:pPr algn="ctr"/>
             <a:endParaRPr lang="en-US"/>
           </a:p>
         </p:txBody>

--- a/final_project/T2_final_project.pptx
+++ b/final_project/T2_final_project.pptx
@@ -7896,7 +7896,7 @@
         <p:spPr>
           <a:xfrm>
             <a:off x="2743200" y="4912659"/>
-            <a:ext cx="2341142" cy="1154286"/>
+            <a:ext cx="2432582" cy="1111366"/>
           </a:xfrm>
           <a:prstGeom prst="straightConnector1">
             <a:avLst/>
@@ -7937,7 +7937,7 @@
         </p:nvSpPr>
         <p:spPr>
           <a:xfrm>
-            <a:off x="5084342" y="6066945"/>
+            <a:off x="5175782" y="6003960"/>
             <a:ext cx="2776337" cy="584775"/>
           </a:xfrm>
           <a:prstGeom prst="rect">
@@ -8222,7 +8222,7 @@
               <a:rPr lang="en-US" smtClean="0"/>
               <a:t>16</a:t>
             </a:fld>
-            <a:endParaRPr lang="en-US"/>
+            <a:endParaRPr lang="en-US" dirty="0"/>
           </a:p>
         </p:txBody>
       </p:sp>
@@ -8278,6 +8278,94 @@
           </a:p>
         </p:txBody>
       </p:sp>
+      <p:sp>
+        <p:nvSpPr>
+          <p:cNvPr id="16" name="TextBox 15">
+            <a:extLst>
+              <a:ext uri="{FF2B5EF4-FFF2-40B4-BE49-F238E27FC236}">
+                <a16:creationId xmlns:a16="http://schemas.microsoft.com/office/drawing/2014/main" id="{8E093FFE-FBFF-4658-A839-B4FB5EA278AE}"/>
+              </a:ext>
+            </a:extLst>
+          </p:cNvPr>
+          <p:cNvSpPr txBox="1"/>
+          <p:nvPr/>
+        </p:nvSpPr>
+        <p:spPr>
+          <a:xfrm>
+            <a:off x="2193232" y="6246524"/>
+            <a:ext cx="2793778" cy="584775"/>
+          </a:xfrm>
+          <a:prstGeom prst="rect">
+            <a:avLst/>
+          </a:prstGeom>
+          <a:noFill/>
+          <a:ln w="19050">
+            <a:solidFill>
+              <a:srgbClr val="00B0F0"/>
+            </a:solidFill>
+          </a:ln>
+        </p:spPr>
+        <p:txBody>
+          <a:bodyPr wrap="none" rtlCol="0">
+            <a:spAutoFit/>
+          </a:bodyPr>
+          <a:lstStyle/>
+          <a:p>
+            <a:r>
+              <a:rPr lang="en-US" sz="3200" dirty="0">
+                <a:solidFill>
+                  <a:srgbClr val="00B0F0"/>
+                </a:solidFill>
+              </a:rPr>
+              <a:t>Precision = 73%</a:t>
+            </a:r>
+          </a:p>
+        </p:txBody>
+      </p:sp>
+      <p:cxnSp>
+        <p:nvCxnSpPr>
+          <p:cNvPr id="18" name="Straight Arrow Connector 17">
+            <a:extLst>
+              <a:ext uri="{FF2B5EF4-FFF2-40B4-BE49-F238E27FC236}">
+                <a16:creationId xmlns:a16="http://schemas.microsoft.com/office/drawing/2014/main" id="{6987A342-0186-47AE-BFA4-C422323DF3CC}"/>
+              </a:ext>
+            </a:extLst>
+          </p:cNvPr>
+          <p:cNvCxnSpPr>
+            <a:cxnSpLocks/>
+          </p:cNvCxnSpPr>
+          <p:nvPr/>
+        </p:nvCxnSpPr>
+        <p:spPr>
+          <a:xfrm>
+            <a:off x="4000500" y="4902627"/>
+            <a:ext cx="0" cy="1297033"/>
+          </a:xfrm>
+          <a:prstGeom prst="straightConnector1">
+            <a:avLst/>
+          </a:prstGeom>
+          <a:ln w="19050">
+            <a:solidFill>
+              <a:srgbClr val="00B0F0"/>
+            </a:solidFill>
+            <a:tailEnd type="triangle"/>
+          </a:ln>
+        </p:spPr>
+        <p:style>
+          <a:lnRef idx="1">
+            <a:schemeClr val="accent1"/>
+          </a:lnRef>
+          <a:fillRef idx="0">
+            <a:schemeClr val="accent1"/>
+          </a:fillRef>
+          <a:effectRef idx="0">
+            <a:schemeClr val="accent1"/>
+          </a:effectRef>
+          <a:fontRef idx="minor">
+            <a:schemeClr val="tx1"/>
+          </a:fontRef>
+        </p:style>
+      </p:cxnSp>
     </p:spTree>
     <p:extLst>
       <p:ext uri="{BB962C8B-B14F-4D97-AF65-F5344CB8AC3E}">
@@ -8368,6 +8456,78 @@
                       </p:childTnLst>
                     </p:cTn>
                   </p:par>
+                  <p:par>
+                    <p:cTn id="9" fill="hold">
+                      <p:stCondLst>
+                        <p:cond delay="indefinite"/>
+                      </p:stCondLst>
+                      <p:childTnLst>
+                        <p:par>
+                          <p:cTn id="10" fill="hold">
+                            <p:stCondLst>
+                              <p:cond delay="0"/>
+                            </p:stCondLst>
+                            <p:childTnLst>
+                              <p:par>
+                                <p:cTn id="11" presetID="1" presetClass="entr" presetSubtype="0" fill="hold" nodeType="clickEffect">
+                                  <p:stCondLst>
+                                    <p:cond delay="0"/>
+                                  </p:stCondLst>
+                                  <p:childTnLst>
+                                    <p:set>
+                                      <p:cBhvr>
+                                        <p:cTn id="12" dur="1" fill="hold">
+                                          <p:stCondLst>
+                                            <p:cond delay="0"/>
+                                          </p:stCondLst>
+                                        </p:cTn>
+                                        <p:tgtEl>
+                                          <p:spTgt spid="18"/>
+                                        </p:tgtEl>
+                                        <p:attrNameLst>
+                                          <p:attrName>style.visibility</p:attrName>
+                                        </p:attrNameLst>
+                                      </p:cBhvr>
+                                      <p:to>
+                                        <p:strVal val="visible"/>
+                                      </p:to>
+                                    </p:set>
+                                  </p:childTnLst>
+                                </p:cTn>
+                              </p:par>
+                              <p:par>
+                                <p:cTn id="13" presetID="1" presetClass="entr" presetSubtype="0" fill="hold" grpId="0" nodeType="withEffect">
+                                  <p:stCondLst>
+                                    <p:cond delay="0"/>
+                                  </p:stCondLst>
+                                  <p:childTnLst>
+                                    <p:set>
+                                      <p:cBhvr>
+                                        <p:cTn id="14" dur="1" fill="hold">
+                                          <p:stCondLst>
+                                            <p:cond delay="0"/>
+                                          </p:stCondLst>
+                                        </p:cTn>
+                                        <p:tgtEl>
+                                          <p:spTgt spid="16"/>
+                                        </p:tgtEl>
+                                        <p:attrNameLst>
+                                          <p:attrName>style.visibility</p:attrName>
+                                        </p:attrNameLst>
+                                      </p:cBhvr>
+                                      <p:to>
+                                        <p:strVal val="visible"/>
+                                      </p:to>
+                                    </p:set>
+                                  </p:childTnLst>
+                                </p:cTn>
+                              </p:par>
+                            </p:childTnLst>
+                          </p:cTn>
+                        </p:par>
+                      </p:childTnLst>
+                    </p:cTn>
+                  </p:par>
                 </p:childTnLst>
               </p:cTn>
               <p:prevCondLst>
@@ -8391,6 +8551,7 @@
     </p:tnLst>
     <p:bldLst>
       <p:bldP spid="11" grpId="0" animBg="1"/>
+      <p:bldP spid="16" grpId="0" animBg="1"/>
     </p:bldLst>
   </p:timing>
 </p:sld>

--- a/final_project/T2_final_project.pptx
+++ b/final_project/T2_final_project.pptx
@@ -5,33 +5,34 @@
     <p:sldMasterId id="2147483648" r:id="rId1"/>
   </p:sldMasterIdLst>
   <p:notesMasterIdLst>
-    <p:notesMasterId r:id="rId26"/>
+    <p:notesMasterId r:id="rId27"/>
   </p:notesMasterIdLst>
   <p:sldIdLst>
     <p:sldId id="257" r:id="rId2"/>
     <p:sldId id="258" r:id="rId3"/>
     <p:sldId id="259" r:id="rId4"/>
     <p:sldId id="260" r:id="rId5"/>
-    <p:sldId id="269" r:id="rId6"/>
-    <p:sldId id="261" r:id="rId7"/>
-    <p:sldId id="265" r:id="rId8"/>
-    <p:sldId id="270" r:id="rId9"/>
-    <p:sldId id="272" r:id="rId10"/>
-    <p:sldId id="273" r:id="rId11"/>
-    <p:sldId id="263" r:id="rId12"/>
-    <p:sldId id="262" r:id="rId13"/>
-    <p:sldId id="264" r:id="rId14"/>
-    <p:sldId id="282" r:id="rId15"/>
-    <p:sldId id="285" r:id="rId16"/>
-    <p:sldId id="266" r:id="rId17"/>
-    <p:sldId id="274" r:id="rId18"/>
-    <p:sldId id="276" r:id="rId19"/>
-    <p:sldId id="277" r:id="rId20"/>
-    <p:sldId id="278" r:id="rId21"/>
-    <p:sldId id="283" r:id="rId22"/>
-    <p:sldId id="267" r:id="rId23"/>
-    <p:sldId id="284" r:id="rId24"/>
-    <p:sldId id="268" r:id="rId25"/>
+    <p:sldId id="286" r:id="rId6"/>
+    <p:sldId id="269" r:id="rId7"/>
+    <p:sldId id="261" r:id="rId8"/>
+    <p:sldId id="265" r:id="rId9"/>
+    <p:sldId id="270" r:id="rId10"/>
+    <p:sldId id="272" r:id="rId11"/>
+    <p:sldId id="273" r:id="rId12"/>
+    <p:sldId id="263" r:id="rId13"/>
+    <p:sldId id="262" r:id="rId14"/>
+    <p:sldId id="264" r:id="rId15"/>
+    <p:sldId id="282" r:id="rId16"/>
+    <p:sldId id="285" r:id="rId17"/>
+    <p:sldId id="266" r:id="rId18"/>
+    <p:sldId id="274" r:id="rId19"/>
+    <p:sldId id="276" r:id="rId20"/>
+    <p:sldId id="277" r:id="rId21"/>
+    <p:sldId id="278" r:id="rId22"/>
+    <p:sldId id="283" r:id="rId23"/>
+    <p:sldId id="267" r:id="rId24"/>
+    <p:sldId id="284" r:id="rId25"/>
+    <p:sldId id="268" r:id="rId26"/>
   </p:sldIdLst>
   <p:sldSz cx="12192000" cy="6858000"/>
   <p:notesSz cx="6858000" cy="9144000"/>
@@ -4363,6 +4364,1004 @@
           <a:chExt cx="0" cy="0"/>
         </a:xfrm>
       </p:grpSpPr>
+      <p:cxnSp>
+        <p:nvCxnSpPr>
+          <p:cNvPr id="2" name="Straight Connector 1">
+            <a:extLst>
+              <a:ext uri="{FF2B5EF4-FFF2-40B4-BE49-F238E27FC236}">
+                <a16:creationId xmlns:a16="http://schemas.microsoft.com/office/drawing/2014/main" id="{6B2A0167-33CF-48BF-A2ED-757ECB5D4774}"/>
+              </a:ext>
+            </a:extLst>
+          </p:cNvPr>
+          <p:cNvCxnSpPr/>
+          <p:nvPr/>
+        </p:nvCxnSpPr>
+        <p:spPr>
+          <a:xfrm>
+            <a:off x="0" y="1047750"/>
+            <a:ext cx="12192000" cy="0"/>
+          </a:xfrm>
+          <a:prstGeom prst="line">
+            <a:avLst/>
+          </a:prstGeom>
+          <a:ln w="76200">
+            <a:solidFill>
+              <a:srgbClr val="D2C264"/>
+            </a:solidFill>
+          </a:ln>
+        </p:spPr>
+        <p:style>
+          <a:lnRef idx="1">
+            <a:schemeClr val="accent1"/>
+          </a:lnRef>
+          <a:fillRef idx="0">
+            <a:schemeClr val="accent1"/>
+          </a:fillRef>
+          <a:effectRef idx="0">
+            <a:schemeClr val="accent1"/>
+          </a:effectRef>
+          <a:fontRef idx="minor">
+            <a:schemeClr val="tx1"/>
+          </a:fontRef>
+        </p:style>
+      </p:cxnSp>
+      <p:sp>
+        <p:nvSpPr>
+          <p:cNvPr id="3" name="TextBox 2">
+            <a:extLst>
+              <a:ext uri="{FF2B5EF4-FFF2-40B4-BE49-F238E27FC236}">
+                <a16:creationId xmlns:a16="http://schemas.microsoft.com/office/drawing/2014/main" id="{B89D4FB9-4FD5-4539-9D75-EEA50F5DB448}"/>
+              </a:ext>
+            </a:extLst>
+          </p:cNvPr>
+          <p:cNvSpPr txBox="1"/>
+          <p:nvPr/>
+        </p:nvSpPr>
+        <p:spPr>
+          <a:xfrm>
+            <a:off x="439692" y="229258"/>
+            <a:ext cx="1301959" cy="584775"/>
+          </a:xfrm>
+          <a:prstGeom prst="rect">
+            <a:avLst/>
+          </a:prstGeom>
+          <a:noFill/>
+        </p:spPr>
+        <p:txBody>
+          <a:bodyPr wrap="none" rtlCol="0">
+            <a:spAutoFit/>
+          </a:bodyPr>
+          <a:lstStyle/>
+          <a:p>
+            <a:r>
+              <a:rPr lang="en-US" sz="3200" b="1" dirty="0">
+                <a:latin typeface="Times New Roman" panose="02020603050405020304" pitchFamily="18" charset="0"/>
+                <a:cs typeface="Times New Roman" panose="02020603050405020304" pitchFamily="18" charset="0"/>
+              </a:rPr>
+              <a:t>Model</a:t>
+            </a:r>
+          </a:p>
+        </p:txBody>
+      </p:sp>
+      <mc:AlternateContent xmlns:mc="http://schemas.openxmlformats.org/markup-compatibility/2006" xmlns:a14="http://schemas.microsoft.com/office/drawing/2010/main">
+        <mc:Choice Requires="a14">
+          <p:graphicFrame>
+            <p:nvGraphicFramePr>
+              <p:cNvPr id="19" name="Marcador de contenido 18">
+                <a:extLst>
+                  <a:ext uri="{FF2B5EF4-FFF2-40B4-BE49-F238E27FC236}">
+                    <a16:creationId xmlns:a16="http://schemas.microsoft.com/office/drawing/2014/main" id="{A8292075-DFBC-44D4-9140-69A2366F3B6E}"/>
+                  </a:ext>
+                </a:extLst>
+              </p:cNvPr>
+              <p:cNvGraphicFramePr>
+                <a:graphicFrameLocks noGrp="1"/>
+              </p:cNvGraphicFramePr>
+              <p:nvPr>
+                <p:ph idx="1"/>
+                <p:extLst>
+                  <p:ext uri="{D42A27DB-BD31-4B8C-83A1-F6EECF244321}">
+                    <p14:modId xmlns:p14="http://schemas.microsoft.com/office/powerpoint/2010/main" val="2425452652"/>
+                  </p:ext>
+                </p:extLst>
+              </p:nvPr>
+            </p:nvGraphicFramePr>
+            <p:xfrm>
+              <a:off x="284205" y="1655808"/>
+              <a:ext cx="11553568" cy="730517"/>
+            </p:xfrm>
+            <a:graphic>
+              <a:graphicData uri="http://schemas.openxmlformats.org/drawingml/2006/table">
+                <a:tbl>
+                  <a:tblPr firstRow="1" firstCol="1" bandRow="1"/>
+                  <a:tblGrid>
+                    <a:gridCol w="10489791">
+                      <a:extLst>
+                        <a:ext uri="{9D8B030D-6E8A-4147-A177-3AD203B41FA5}">
+                          <a16:colId xmlns:a16="http://schemas.microsoft.com/office/drawing/2014/main" val="2200701939"/>
+                        </a:ext>
+                      </a:extLst>
+                    </a:gridCol>
+                    <a:gridCol w="1063777">
+                      <a:extLst>
+                        <a:ext uri="{9D8B030D-6E8A-4147-A177-3AD203B41FA5}">
+                          <a16:colId xmlns:a16="http://schemas.microsoft.com/office/drawing/2014/main" val="390178824"/>
+                        </a:ext>
+                      </a:extLst>
+                    </a:gridCol>
+                  </a:tblGrid>
+                  <a:tr h="730517">
+                    <a:tc>
+                      <a:txBody>
+                        <a:bodyPr/>
+                        <a:lstStyle/>
+                        <a:p>
+                          <a:pPr algn="just"/>
+                          <a14:m>
+                            <m:oMathPara xmlns:m="http://schemas.openxmlformats.org/officeDocument/2006/math">
+                              <m:oMathParaPr>
+                                <m:jc m:val="centerGroup"/>
+                              </m:oMathParaPr>
+                              <m:oMath xmlns:m="http://schemas.openxmlformats.org/officeDocument/2006/math">
+                                <m:sSub>
+                                  <m:sSubPr>
+                                    <m:ctrlPr>
+                                      <a:rPr lang="es-MX" sz="2400" b="1" i="1">
+                                        <a:effectLst/>
+                                        <a:latin typeface="Cambria Math" panose="02040503050406030204" pitchFamily="18" charset="0"/>
+                                        <a:ea typeface="Times New Roman" panose="02020603050405020304" pitchFamily="18" charset="0"/>
+                                        <a:cs typeface="Times New Roman" panose="02020603050405020304" pitchFamily="18" charset="0"/>
+                                      </a:rPr>
+                                    </m:ctrlPr>
+                                  </m:sSubPr>
+                                  <m:e>
+                                    <m:r>
+                                      <a:rPr lang="en-US" sz="2400" b="1" i="1" smtClean="0">
+                                        <a:effectLst/>
+                                        <a:latin typeface="Cambria Math" panose="02040503050406030204" pitchFamily="18" charset="0"/>
+                                        <a:ea typeface="Times New Roman" panose="02020603050405020304" pitchFamily="18" charset="0"/>
+                                        <a:cs typeface="Times New Roman" panose="02020603050405020304" pitchFamily="18" charset="0"/>
+                                      </a:rPr>
+                                      <m:t>𝑩</m:t>
+                                    </m:r>
+                                  </m:e>
+                                  <m:sub>
+                                    <m:r>
+                                      <a:rPr lang="en-US" sz="2400" b="1" i="1" smtClean="0">
+                                        <a:effectLst/>
+                                        <a:latin typeface="Cambria Math" panose="02040503050406030204" pitchFamily="18" charset="0"/>
+                                        <a:ea typeface="Times New Roman" panose="02020603050405020304" pitchFamily="18" charset="0"/>
+                                        <a:cs typeface="Times New Roman" panose="02020603050405020304" pitchFamily="18" charset="0"/>
+                                      </a:rPr>
+                                      <m:t>𝒔𝒖𝒄𝒄𝒆𝒔𝒔</m:t>
+                                    </m:r>
+                                  </m:sub>
+                                </m:sSub>
+                                <m:r>
+                                  <a:rPr lang="en-US" sz="2400" b="1" i="1" smtClean="0">
+                                    <a:effectLst/>
+                                    <a:latin typeface="Cambria Math" panose="02040503050406030204" pitchFamily="18" charset="0"/>
+                                    <a:ea typeface="Times New Roman" panose="02020603050405020304" pitchFamily="18" charset="0"/>
+                                    <a:cs typeface="Times New Roman" panose="02020603050405020304" pitchFamily="18" charset="0"/>
+                                  </a:rPr>
+                                  <m:t>=</m:t>
+                                </m:r>
+                                <m:sSub>
+                                  <m:sSubPr>
+                                    <m:ctrlPr>
+                                      <a:rPr lang="es-MX" sz="2400" b="1" i="1">
+                                        <a:effectLst/>
+                                        <a:latin typeface="Cambria Math" panose="02040503050406030204" pitchFamily="18" charset="0"/>
+                                        <a:ea typeface="Times New Roman" panose="02020603050405020304" pitchFamily="18" charset="0"/>
+                                        <a:cs typeface="Times New Roman" panose="02020603050405020304" pitchFamily="18" charset="0"/>
+                                      </a:rPr>
+                                    </m:ctrlPr>
+                                  </m:sSubPr>
+                                  <m:e>
+                                    <m:r>
+                                      <a:rPr lang="en-US" sz="2400" b="1" i="1" smtClean="0">
+                                        <a:effectLst/>
+                                        <a:latin typeface="Cambria Math" panose="02040503050406030204" pitchFamily="18" charset="0"/>
+                                        <a:ea typeface="Times New Roman" panose="02020603050405020304" pitchFamily="18" charset="0"/>
+                                        <a:cs typeface="Times New Roman" panose="02020603050405020304" pitchFamily="18" charset="0"/>
+                                      </a:rPr>
+                                      <m:t>𝜷</m:t>
+                                    </m:r>
+                                  </m:e>
+                                  <m:sub>
+                                    <m:r>
+                                      <a:rPr lang="en-US" sz="2400" b="1" i="1" smtClean="0">
+                                        <a:effectLst/>
+                                        <a:latin typeface="Cambria Math" panose="02040503050406030204" pitchFamily="18" charset="0"/>
+                                        <a:ea typeface="Times New Roman" panose="02020603050405020304" pitchFamily="18" charset="0"/>
+                                        <a:cs typeface="Times New Roman" panose="02020603050405020304" pitchFamily="18" charset="0"/>
+                                      </a:rPr>
+                                      <m:t>𝟎</m:t>
+                                    </m:r>
+                                  </m:sub>
+                                </m:sSub>
+                                <m:r>
+                                  <a:rPr lang="en-US" sz="2400" b="1" i="1" smtClean="0">
+                                    <a:effectLst/>
+                                    <a:latin typeface="Cambria Math" panose="02040503050406030204" pitchFamily="18" charset="0"/>
+                                    <a:ea typeface="Times New Roman" panose="02020603050405020304" pitchFamily="18" charset="0"/>
+                                    <a:cs typeface="Times New Roman" panose="02020603050405020304" pitchFamily="18" charset="0"/>
+                                  </a:rPr>
+                                  <m:t>+</m:t>
+                                </m:r>
+                                <m:sSub>
+                                  <m:sSubPr>
+                                    <m:ctrlPr>
+                                      <a:rPr lang="es-MX" sz="2400" b="1" i="1">
+                                        <a:effectLst/>
+                                        <a:latin typeface="Cambria Math" panose="02040503050406030204" pitchFamily="18" charset="0"/>
+                                        <a:ea typeface="Times New Roman" panose="02020603050405020304" pitchFamily="18" charset="0"/>
+                                        <a:cs typeface="Times New Roman" panose="02020603050405020304" pitchFamily="18" charset="0"/>
+                                      </a:rPr>
+                                    </m:ctrlPr>
+                                  </m:sSubPr>
+                                  <m:e>
+                                    <m:r>
+                                      <a:rPr lang="en-US" sz="2400" b="1" i="1" smtClean="0">
+                                        <a:effectLst/>
+                                        <a:latin typeface="Cambria Math" panose="02040503050406030204" pitchFamily="18" charset="0"/>
+                                        <a:ea typeface="Times New Roman" panose="02020603050405020304" pitchFamily="18" charset="0"/>
+                                        <a:cs typeface="Times New Roman" panose="02020603050405020304" pitchFamily="18" charset="0"/>
+                                      </a:rPr>
+                                      <m:t>𝜷</m:t>
+                                    </m:r>
+                                  </m:e>
+                                  <m:sub>
+                                    <m:r>
+                                      <a:rPr lang="en-US" sz="2400" b="1" i="1" smtClean="0">
+                                        <a:effectLst/>
+                                        <a:latin typeface="Cambria Math" panose="02040503050406030204" pitchFamily="18" charset="0"/>
+                                        <a:ea typeface="Times New Roman" panose="02020603050405020304" pitchFamily="18" charset="0"/>
+                                        <a:cs typeface="Times New Roman" panose="02020603050405020304" pitchFamily="18" charset="0"/>
+                                      </a:rPr>
+                                      <m:t>𝟏</m:t>
+                                    </m:r>
+                                  </m:sub>
+                                </m:sSub>
+                                <m:sSub>
+                                  <m:sSubPr>
+                                    <m:ctrlPr>
+                                      <a:rPr lang="es-MX" sz="2400" b="1" i="1">
+                                        <a:effectLst/>
+                                        <a:latin typeface="Cambria Math" panose="02040503050406030204" pitchFamily="18" charset="0"/>
+                                        <a:ea typeface="Times New Roman" panose="02020603050405020304" pitchFamily="18" charset="0"/>
+                                        <a:cs typeface="Times New Roman" panose="02020603050405020304" pitchFamily="18" charset="0"/>
+                                      </a:rPr>
+                                    </m:ctrlPr>
+                                  </m:sSubPr>
+                                  <m:e>
+                                    <m:r>
+                                      <a:rPr lang="en-US" sz="2400" b="1" i="1" smtClean="0">
+                                        <a:effectLst/>
+                                        <a:latin typeface="Cambria Math" panose="02040503050406030204" pitchFamily="18" charset="0"/>
+                                        <a:ea typeface="Times New Roman" panose="02020603050405020304" pitchFamily="18" charset="0"/>
+                                        <a:cs typeface="Times New Roman" panose="02020603050405020304" pitchFamily="18" charset="0"/>
+                                      </a:rPr>
+                                      <m:t>𝒙</m:t>
+                                    </m:r>
+                                  </m:e>
+                                  <m:sub>
+                                    <m:r>
+                                      <a:rPr lang="en-US" sz="2400" b="1" i="1" smtClean="0">
+                                        <a:effectLst/>
+                                        <a:latin typeface="Cambria Math" panose="02040503050406030204" pitchFamily="18" charset="0"/>
+                                        <a:ea typeface="Times New Roman" panose="02020603050405020304" pitchFamily="18" charset="0"/>
+                                        <a:cs typeface="Times New Roman" panose="02020603050405020304" pitchFamily="18" charset="0"/>
+                                      </a:rPr>
+                                      <m:t>𝒔𝒕𝒂𝒓𝒕</m:t>
+                                    </m:r>
+                                  </m:sub>
+                                </m:sSub>
+                                <m:r>
+                                  <a:rPr lang="en-US" sz="2400" b="1" i="1" smtClean="0">
+                                    <a:effectLst/>
+                                    <a:latin typeface="Cambria Math" panose="02040503050406030204" pitchFamily="18" charset="0"/>
+                                    <a:ea typeface="Times New Roman" panose="02020603050405020304" pitchFamily="18" charset="0"/>
+                                    <a:cs typeface="Times New Roman" panose="02020603050405020304" pitchFamily="18" charset="0"/>
+                                  </a:rPr>
+                                  <m:t>+</m:t>
+                                </m:r>
+                                <m:sSub>
+                                  <m:sSubPr>
+                                    <m:ctrlPr>
+                                      <a:rPr lang="es-MX" sz="2400" b="1" i="1">
+                                        <a:effectLst/>
+                                        <a:latin typeface="Cambria Math" panose="02040503050406030204" pitchFamily="18" charset="0"/>
+                                        <a:ea typeface="Times New Roman" panose="02020603050405020304" pitchFamily="18" charset="0"/>
+                                        <a:cs typeface="Times New Roman" panose="02020603050405020304" pitchFamily="18" charset="0"/>
+                                      </a:rPr>
+                                    </m:ctrlPr>
+                                  </m:sSubPr>
+                                  <m:e>
+                                    <m:r>
+                                      <a:rPr lang="en-US" sz="2400" b="1" i="1" smtClean="0">
+                                        <a:effectLst/>
+                                        <a:latin typeface="Cambria Math" panose="02040503050406030204" pitchFamily="18" charset="0"/>
+                                        <a:ea typeface="Times New Roman" panose="02020603050405020304" pitchFamily="18" charset="0"/>
+                                        <a:cs typeface="Times New Roman" panose="02020603050405020304" pitchFamily="18" charset="0"/>
+                                      </a:rPr>
+                                      <m:t>𝜷</m:t>
+                                    </m:r>
+                                  </m:e>
+                                  <m:sub>
+                                    <m:r>
+                                      <a:rPr lang="en-US" sz="2400" b="1" i="1" smtClean="0">
+                                        <a:effectLst/>
+                                        <a:latin typeface="Cambria Math" panose="02040503050406030204" pitchFamily="18" charset="0"/>
+                                        <a:ea typeface="Times New Roman" panose="02020603050405020304" pitchFamily="18" charset="0"/>
+                                        <a:cs typeface="Times New Roman" panose="02020603050405020304" pitchFamily="18" charset="0"/>
+                                      </a:rPr>
+                                      <m:t>𝟐</m:t>
+                                    </m:r>
+                                  </m:sub>
+                                </m:sSub>
+                                <m:sSub>
+                                  <m:sSubPr>
+                                    <m:ctrlPr>
+                                      <a:rPr lang="es-MX" sz="2400" b="1" i="1">
+                                        <a:effectLst/>
+                                        <a:latin typeface="Cambria Math" panose="02040503050406030204" pitchFamily="18" charset="0"/>
+                                        <a:ea typeface="Times New Roman" panose="02020603050405020304" pitchFamily="18" charset="0"/>
+                                        <a:cs typeface="Times New Roman" panose="02020603050405020304" pitchFamily="18" charset="0"/>
+                                      </a:rPr>
+                                    </m:ctrlPr>
+                                  </m:sSubPr>
+                                  <m:e>
+                                    <m:r>
+                                      <a:rPr lang="en-US" sz="2400" b="1" i="1" smtClean="0">
+                                        <a:effectLst/>
+                                        <a:latin typeface="Cambria Math" panose="02040503050406030204" pitchFamily="18" charset="0"/>
+                                        <a:ea typeface="Times New Roman" panose="02020603050405020304" pitchFamily="18" charset="0"/>
+                                        <a:cs typeface="Times New Roman" panose="02020603050405020304" pitchFamily="18" charset="0"/>
+                                      </a:rPr>
+                                      <m:t>𝒚</m:t>
+                                    </m:r>
+                                  </m:e>
+                                  <m:sub>
+                                    <m:r>
+                                      <a:rPr lang="en-US" sz="2400" b="1" i="1" smtClean="0">
+                                        <a:effectLst/>
+                                        <a:latin typeface="Cambria Math" panose="02040503050406030204" pitchFamily="18" charset="0"/>
+                                        <a:ea typeface="Times New Roman" panose="02020603050405020304" pitchFamily="18" charset="0"/>
+                                        <a:cs typeface="Times New Roman" panose="02020603050405020304" pitchFamily="18" charset="0"/>
+                                      </a:rPr>
+                                      <m:t>𝒔𝒕𝒂𝒓𝒕</m:t>
+                                    </m:r>
+                                  </m:sub>
+                                </m:sSub>
+                                <m:r>
+                                  <a:rPr lang="en-US" sz="2400" b="1" i="1" smtClean="0">
+                                    <a:effectLst/>
+                                    <a:latin typeface="Cambria Math" panose="02040503050406030204" pitchFamily="18" charset="0"/>
+                                    <a:ea typeface="Times New Roman" panose="02020603050405020304" pitchFamily="18" charset="0"/>
+                                    <a:cs typeface="Times New Roman" panose="02020603050405020304" pitchFamily="18" charset="0"/>
+                                  </a:rPr>
+                                  <m:t> +</m:t>
+                                </m:r>
+                                <m:sSub>
+                                  <m:sSubPr>
+                                    <m:ctrlPr>
+                                      <a:rPr lang="es-MX" sz="2400" b="1" i="1">
+                                        <a:effectLst/>
+                                        <a:latin typeface="Cambria Math" panose="02040503050406030204" pitchFamily="18" charset="0"/>
+                                        <a:ea typeface="Times New Roman" panose="02020603050405020304" pitchFamily="18" charset="0"/>
+                                        <a:cs typeface="Times New Roman" panose="02020603050405020304" pitchFamily="18" charset="0"/>
+                                      </a:rPr>
+                                    </m:ctrlPr>
+                                  </m:sSubPr>
+                                  <m:e>
+                                    <m:r>
+                                      <a:rPr lang="en-US" sz="2400" b="1" i="1" smtClean="0">
+                                        <a:effectLst/>
+                                        <a:latin typeface="Cambria Math" panose="02040503050406030204" pitchFamily="18" charset="0"/>
+                                        <a:ea typeface="Times New Roman" panose="02020603050405020304" pitchFamily="18" charset="0"/>
+                                        <a:cs typeface="Times New Roman" panose="02020603050405020304" pitchFamily="18" charset="0"/>
+                                      </a:rPr>
+                                      <m:t>𝜷</m:t>
+                                    </m:r>
+                                  </m:e>
+                                  <m:sub>
+                                    <m:r>
+                                      <a:rPr lang="en-US" sz="2400" b="1" i="1" smtClean="0">
+                                        <a:effectLst/>
+                                        <a:latin typeface="Cambria Math" panose="02040503050406030204" pitchFamily="18" charset="0"/>
+                                        <a:ea typeface="Times New Roman" panose="02020603050405020304" pitchFamily="18" charset="0"/>
+                                        <a:cs typeface="Times New Roman" panose="02020603050405020304" pitchFamily="18" charset="0"/>
+                                      </a:rPr>
+                                      <m:t>𝟑</m:t>
+                                    </m:r>
+                                  </m:sub>
+                                </m:sSub>
+                                <m:d>
+                                  <m:dPr>
+                                    <m:ctrlPr>
+                                      <a:rPr lang="es-MX" sz="2400" b="1" i="1">
+                                        <a:effectLst/>
+                                        <a:latin typeface="Cambria Math" panose="02040503050406030204" pitchFamily="18" charset="0"/>
+                                        <a:ea typeface="Times New Roman" panose="02020603050405020304" pitchFamily="18" charset="0"/>
+                                        <a:cs typeface="Times New Roman" panose="02020603050405020304" pitchFamily="18" charset="0"/>
+                                      </a:rPr>
+                                    </m:ctrlPr>
+                                  </m:dPr>
+                                  <m:e>
+                                    <m:sSub>
+                                      <m:sSubPr>
+                                        <m:ctrlPr>
+                                          <a:rPr lang="es-MX" sz="2400" b="1" i="1">
+                                            <a:effectLst/>
+                                            <a:latin typeface="Cambria Math" panose="02040503050406030204" pitchFamily="18" charset="0"/>
+                                            <a:ea typeface="Times New Roman" panose="02020603050405020304" pitchFamily="18" charset="0"/>
+                                            <a:cs typeface="Times New Roman" panose="02020603050405020304" pitchFamily="18" charset="0"/>
+                                          </a:rPr>
+                                        </m:ctrlPr>
+                                      </m:sSubPr>
+                                      <m:e>
+                                        <m:r>
+                                          <a:rPr lang="en-US" sz="2400" b="1" i="1" smtClean="0">
+                                            <a:effectLst/>
+                                            <a:latin typeface="Cambria Math" panose="02040503050406030204" pitchFamily="18" charset="0"/>
+                                            <a:ea typeface="Times New Roman" panose="02020603050405020304" pitchFamily="18" charset="0"/>
+                                            <a:cs typeface="Times New Roman" panose="02020603050405020304" pitchFamily="18" charset="0"/>
+                                          </a:rPr>
+                                          <m:t>𝒙</m:t>
+                                        </m:r>
+                                      </m:e>
+                                      <m:sub>
+                                        <m:r>
+                                          <a:rPr lang="en-US" sz="2400" b="1" i="1" smtClean="0">
+                                            <a:effectLst/>
+                                            <a:latin typeface="Cambria Math" panose="02040503050406030204" pitchFamily="18" charset="0"/>
+                                            <a:ea typeface="Times New Roman" panose="02020603050405020304" pitchFamily="18" charset="0"/>
+                                            <a:cs typeface="Times New Roman" panose="02020603050405020304" pitchFamily="18" charset="0"/>
+                                          </a:rPr>
+                                          <m:t>𝒔𝒕𝒂𝒓𝒕</m:t>
+                                        </m:r>
+                                      </m:sub>
+                                    </m:sSub>
+                                    <m:r>
+                                      <a:rPr lang="en-US" sz="2400" b="1" i="1" smtClean="0">
+                                        <a:effectLst/>
+                                        <a:latin typeface="Cambria Math" panose="02040503050406030204" pitchFamily="18" charset="0"/>
+                                        <a:ea typeface="Times New Roman" panose="02020603050405020304" pitchFamily="18" charset="0"/>
+                                        <a:cs typeface="Times New Roman" panose="02020603050405020304" pitchFamily="18" charset="0"/>
+                                      </a:rPr>
+                                      <m:t>:</m:t>
+                                    </m:r>
+                                    <m:sSub>
+                                      <m:sSubPr>
+                                        <m:ctrlPr>
+                                          <a:rPr lang="es-MX" sz="2400" b="1" i="1">
+                                            <a:effectLst/>
+                                            <a:latin typeface="Cambria Math" panose="02040503050406030204" pitchFamily="18" charset="0"/>
+                                            <a:ea typeface="Times New Roman" panose="02020603050405020304" pitchFamily="18" charset="0"/>
+                                            <a:cs typeface="Times New Roman" panose="02020603050405020304" pitchFamily="18" charset="0"/>
+                                          </a:rPr>
+                                        </m:ctrlPr>
+                                      </m:sSubPr>
+                                      <m:e>
+                                        <m:r>
+                                          <a:rPr lang="en-US" sz="2400" b="1" i="1" smtClean="0">
+                                            <a:effectLst/>
+                                            <a:latin typeface="Cambria Math" panose="02040503050406030204" pitchFamily="18" charset="0"/>
+                                            <a:ea typeface="Times New Roman" panose="02020603050405020304" pitchFamily="18" charset="0"/>
+                                            <a:cs typeface="Times New Roman" panose="02020603050405020304" pitchFamily="18" charset="0"/>
+                                          </a:rPr>
+                                          <m:t>𝒚</m:t>
+                                        </m:r>
+                                      </m:e>
+                                      <m:sub>
+                                        <m:r>
+                                          <a:rPr lang="en-US" sz="2400" b="1" i="1" smtClean="0">
+                                            <a:effectLst/>
+                                            <a:latin typeface="Cambria Math" panose="02040503050406030204" pitchFamily="18" charset="0"/>
+                                            <a:ea typeface="Times New Roman" panose="02020603050405020304" pitchFamily="18" charset="0"/>
+                                            <a:cs typeface="Times New Roman" panose="02020603050405020304" pitchFamily="18" charset="0"/>
+                                          </a:rPr>
+                                          <m:t>𝒔𝒕𝒂𝒓𝒕</m:t>
+                                        </m:r>
+                                      </m:sub>
+                                    </m:sSub>
+                                  </m:e>
+                                </m:d>
+                                <m:r>
+                                  <a:rPr lang="en-US" sz="2400" b="1" i="1" smtClean="0">
+                                    <a:effectLst/>
+                                    <a:latin typeface="Cambria Math" panose="02040503050406030204" pitchFamily="18" charset="0"/>
+                                    <a:ea typeface="Times New Roman" panose="02020603050405020304" pitchFamily="18" charset="0"/>
+                                    <a:cs typeface="Times New Roman" panose="02020603050405020304" pitchFamily="18" charset="0"/>
+                                  </a:rPr>
+                                  <m:t>+</m:t>
+                                </m:r>
+                                <m:sSub>
+                                  <m:sSubPr>
+                                    <m:ctrlPr>
+                                      <a:rPr lang="es-MX" sz="2400" b="1" i="1">
+                                        <a:effectLst/>
+                                        <a:latin typeface="Cambria Math" panose="02040503050406030204" pitchFamily="18" charset="0"/>
+                                        <a:ea typeface="Times New Roman" panose="02020603050405020304" pitchFamily="18" charset="0"/>
+                                        <a:cs typeface="Times New Roman" panose="02020603050405020304" pitchFamily="18" charset="0"/>
+                                      </a:rPr>
+                                    </m:ctrlPr>
+                                  </m:sSubPr>
+                                  <m:e>
+                                    <m:r>
+                                      <a:rPr lang="en-US" sz="2400" b="1" i="1" smtClean="0">
+                                        <a:effectLst/>
+                                        <a:latin typeface="Cambria Math" panose="02040503050406030204" pitchFamily="18" charset="0"/>
+                                        <a:ea typeface="Times New Roman" panose="02020603050405020304" pitchFamily="18" charset="0"/>
+                                        <a:cs typeface="Times New Roman" panose="02020603050405020304" pitchFamily="18" charset="0"/>
+                                      </a:rPr>
+                                      <m:t>𝜷</m:t>
+                                    </m:r>
+                                  </m:e>
+                                  <m:sub>
+                                    <m:r>
+                                      <a:rPr lang="en-US" sz="2400" b="1" i="1" smtClean="0">
+                                        <a:effectLst/>
+                                        <a:latin typeface="Cambria Math" panose="02040503050406030204" pitchFamily="18" charset="0"/>
+                                        <a:ea typeface="Times New Roman" panose="02020603050405020304" pitchFamily="18" charset="0"/>
+                                        <a:cs typeface="Times New Roman" panose="02020603050405020304" pitchFamily="18" charset="0"/>
+                                      </a:rPr>
+                                      <m:t>𝟒</m:t>
+                                    </m:r>
+                                  </m:sub>
+                                </m:sSub>
+                                <m:r>
+                                  <a:rPr lang="en-US" sz="2400" b="1" i="1" smtClean="0">
+                                    <a:effectLst/>
+                                    <a:latin typeface="Cambria Math" panose="02040503050406030204" pitchFamily="18" charset="0"/>
+                                    <a:ea typeface="Times New Roman" panose="02020603050405020304" pitchFamily="18" charset="0"/>
+                                    <a:cs typeface="Times New Roman" panose="02020603050405020304" pitchFamily="18" charset="0"/>
+                                  </a:rPr>
+                                  <m:t>𝑫𝒊𝒔𝒕𝒂𝒏𝒄𝒆</m:t>
+                                </m:r>
+                                <m:r>
+                                  <a:rPr lang="en-US" sz="2400" b="1" i="1" smtClean="0">
+                                    <a:effectLst/>
+                                    <a:latin typeface="Cambria Math" panose="02040503050406030204" pitchFamily="18" charset="0"/>
+                                    <a:ea typeface="Times New Roman" panose="02020603050405020304" pitchFamily="18" charset="0"/>
+                                    <a:cs typeface="Times New Roman" panose="02020603050405020304" pitchFamily="18" charset="0"/>
+                                  </a:rPr>
+                                  <m:t>+</m:t>
+                                </m:r>
+                                <m:r>
+                                  <a:rPr lang="en-US" sz="2400" b="1" i="1" smtClean="0">
+                                    <a:effectLst/>
+                                    <a:latin typeface="Cambria Math" panose="02040503050406030204" pitchFamily="18" charset="0"/>
+                                    <a:ea typeface="Times New Roman" panose="02020603050405020304" pitchFamily="18" charset="0"/>
+                                    <a:cs typeface="Times New Roman" panose="02020603050405020304" pitchFamily="18" charset="0"/>
+                                  </a:rPr>
+                                  <m:t>𝜺</m:t>
+                                </m:r>
+                              </m:oMath>
+                            </m:oMathPara>
+                          </a14:m>
+                          <a:endParaRPr lang="es-MX" sz="2400" b="1" dirty="0">
+                            <a:effectLst/>
+                            <a:latin typeface="Arial" panose="020B0604020202020204" pitchFamily="34" charset="0"/>
+                            <a:ea typeface="Calibri" panose="020F0502020204030204" pitchFamily="34" charset="0"/>
+                            <a:cs typeface="Times New Roman" panose="02020603050405020304" pitchFamily="18" charset="0"/>
+                          </a:endParaRPr>
+                        </a:p>
+                      </a:txBody>
+                      <a:tcPr marL="68580" marR="68580" marT="0" marB="0">
+                        <a:lnL w="12700" cap="flat" cmpd="sng" algn="ctr">
+                          <a:noFill/>
+                          <a:prstDash val="solid"/>
+                          <a:round/>
+                          <a:headEnd type="none" w="med" len="med"/>
+                          <a:tailEnd type="none" w="med" len="med"/>
+                        </a:lnL>
+                        <a:lnR w="12700" cap="flat" cmpd="sng" algn="ctr">
+                          <a:noFill/>
+                          <a:prstDash val="solid"/>
+                          <a:round/>
+                          <a:headEnd type="none" w="med" len="med"/>
+                          <a:tailEnd type="none" w="med" len="med"/>
+                        </a:lnR>
+                        <a:lnT w="12700" cap="flat" cmpd="sng" algn="ctr">
+                          <a:noFill/>
+                          <a:prstDash val="solid"/>
+                          <a:round/>
+                          <a:headEnd type="none" w="med" len="med"/>
+                          <a:tailEnd type="none" w="med" len="med"/>
+                        </a:lnT>
+                        <a:lnB w="12700" cap="flat" cmpd="sng" algn="ctr">
+                          <a:noFill/>
+                          <a:prstDash val="solid"/>
+                          <a:round/>
+                          <a:headEnd type="none" w="med" len="med"/>
+                          <a:tailEnd type="none" w="med" len="med"/>
+                        </a:lnB>
+                        <a:lnTlToBr w="12700" cmpd="sng">
+                          <a:noFill/>
+                          <a:prstDash val="solid"/>
+                        </a:lnTlToBr>
+                        <a:lnBlToTr w="12700" cmpd="sng">
+                          <a:noFill/>
+                          <a:prstDash val="solid"/>
+                        </a:lnBlToTr>
+                      </a:tcPr>
+                    </a:tc>
+                    <a:tc>
+                      <a:txBody>
+                        <a:bodyPr/>
+                        <a:lstStyle/>
+                        <a:p>
+                          <a:pPr algn="just"/>
+                          <a:r>
+                            <a:rPr lang="en-US" sz="2400" b="1" dirty="0">
+                              <a:effectLst/>
+                              <a:latin typeface="Arial" panose="020B0604020202020204" pitchFamily="34" charset="0"/>
+                              <a:ea typeface="Times New Roman" panose="02020603050405020304" pitchFamily="18" charset="0"/>
+                              <a:cs typeface="Times New Roman" panose="02020603050405020304" pitchFamily="18" charset="0"/>
+                            </a:rPr>
+                            <a:t>(6b)</a:t>
+                          </a:r>
+                          <a:endParaRPr lang="es-MX" sz="2400" b="1" dirty="0">
+                            <a:effectLst/>
+                            <a:latin typeface="Arial" panose="020B0604020202020204" pitchFamily="34" charset="0"/>
+                            <a:ea typeface="Calibri" panose="020F0502020204030204" pitchFamily="34" charset="0"/>
+                            <a:cs typeface="Times New Roman" panose="02020603050405020304" pitchFamily="18" charset="0"/>
+                          </a:endParaRPr>
+                        </a:p>
+                      </a:txBody>
+                      <a:tcPr marL="68580" marR="68580" marT="0" marB="0">
+                        <a:lnL w="12700" cap="flat" cmpd="sng" algn="ctr">
+                          <a:noFill/>
+                          <a:prstDash val="solid"/>
+                          <a:round/>
+                          <a:headEnd type="none" w="med" len="med"/>
+                          <a:tailEnd type="none" w="med" len="med"/>
+                        </a:lnL>
+                        <a:lnR w="12700" cap="flat" cmpd="sng" algn="ctr">
+                          <a:noFill/>
+                          <a:prstDash val="solid"/>
+                          <a:round/>
+                          <a:headEnd type="none" w="med" len="med"/>
+                          <a:tailEnd type="none" w="med" len="med"/>
+                        </a:lnR>
+                        <a:lnT w="12700" cap="flat" cmpd="sng" algn="ctr">
+                          <a:noFill/>
+                          <a:prstDash val="solid"/>
+                          <a:round/>
+                          <a:headEnd type="none" w="med" len="med"/>
+                          <a:tailEnd type="none" w="med" len="med"/>
+                        </a:lnT>
+                        <a:lnB w="12700" cap="flat" cmpd="sng" algn="ctr">
+                          <a:noFill/>
+                          <a:prstDash val="solid"/>
+                          <a:round/>
+                          <a:headEnd type="none" w="med" len="med"/>
+                          <a:tailEnd type="none" w="med" len="med"/>
+                        </a:lnB>
+                        <a:lnTlToBr w="12700" cmpd="sng">
+                          <a:noFill/>
+                          <a:prstDash val="solid"/>
+                        </a:lnTlToBr>
+                        <a:lnBlToTr w="12700" cmpd="sng">
+                          <a:noFill/>
+                          <a:prstDash val="solid"/>
+                        </a:lnBlToTr>
+                      </a:tcPr>
+                    </a:tc>
+                    <a:extLst>
+                      <a:ext uri="{0D108BD9-81ED-4DB2-BD59-A6C34878D82A}">
+                        <a16:rowId xmlns:a16="http://schemas.microsoft.com/office/drawing/2014/main" val="2720335172"/>
+                      </a:ext>
+                    </a:extLst>
+                  </a:tr>
+                </a:tbl>
+              </a:graphicData>
+            </a:graphic>
+          </p:graphicFrame>
+        </mc:Choice>
+        <mc:Fallback xmlns="">
+          <p:graphicFrame>
+            <p:nvGraphicFramePr>
+              <p:cNvPr id="19" name="Marcador de contenido 18">
+                <a:extLst>
+                  <a:ext uri="{FF2B5EF4-FFF2-40B4-BE49-F238E27FC236}">
+                    <a16:creationId xmlns:a16="http://schemas.microsoft.com/office/drawing/2014/main" id="{A8292075-DFBC-44D4-9140-69A2366F3B6E}"/>
+                  </a:ext>
+                </a:extLst>
+              </p:cNvPr>
+              <p:cNvGraphicFramePr>
+                <a:graphicFrameLocks noGrp="1"/>
+              </p:cNvGraphicFramePr>
+              <p:nvPr>
+                <p:ph idx="1"/>
+                <p:extLst>
+                  <p:ext uri="{D42A27DB-BD31-4B8C-83A1-F6EECF244321}">
+                    <p14:modId xmlns:p14="http://schemas.microsoft.com/office/powerpoint/2010/main" val="2425452652"/>
+                  </p:ext>
+                </p:extLst>
+              </p:nvPr>
+            </p:nvGraphicFramePr>
+            <p:xfrm>
+              <a:off x="284205" y="1655808"/>
+              <a:ext cx="11553568" cy="730517"/>
+            </p:xfrm>
+            <a:graphic>
+              <a:graphicData uri="http://schemas.openxmlformats.org/drawingml/2006/table">
+                <a:tbl>
+                  <a:tblPr firstRow="1" firstCol="1" bandRow="1"/>
+                  <a:tblGrid>
+                    <a:gridCol w="10489791">
+                      <a:extLst>
+                        <a:ext uri="{9D8B030D-6E8A-4147-A177-3AD203B41FA5}">
+                          <a16:colId xmlns:a16="http://schemas.microsoft.com/office/drawing/2014/main" val="2200701939"/>
+                        </a:ext>
+                      </a:extLst>
+                    </a:gridCol>
+                    <a:gridCol w="1063777">
+                      <a:extLst>
+                        <a:ext uri="{9D8B030D-6E8A-4147-A177-3AD203B41FA5}">
+                          <a16:colId xmlns:a16="http://schemas.microsoft.com/office/drawing/2014/main" val="390178824"/>
+                        </a:ext>
+                      </a:extLst>
+                    </a:gridCol>
+                  </a:tblGrid>
+                  <a:tr h="730517">
+                    <a:tc>
+                      <a:txBody>
+                        <a:bodyPr/>
+                        <a:lstStyle/>
+                        <a:p>
+                          <a:endParaRPr lang="es-MX"/>
+                        </a:p>
+                      </a:txBody>
+                      <a:tcPr marL="68580" marR="68580" marT="0" marB="0">
+                        <a:lnL w="12700" cap="flat" cmpd="sng" algn="ctr">
+                          <a:noFill/>
+                          <a:prstDash val="solid"/>
+                          <a:round/>
+                          <a:headEnd type="none" w="med" len="med"/>
+                          <a:tailEnd type="none" w="med" len="med"/>
+                        </a:lnL>
+                        <a:lnR w="12700" cap="flat" cmpd="sng" algn="ctr">
+                          <a:noFill/>
+                          <a:prstDash val="solid"/>
+                          <a:round/>
+                          <a:headEnd type="none" w="med" len="med"/>
+                          <a:tailEnd type="none" w="med" len="med"/>
+                        </a:lnR>
+                        <a:lnT w="12700" cap="flat" cmpd="sng" algn="ctr">
+                          <a:noFill/>
+                          <a:prstDash val="solid"/>
+                          <a:round/>
+                          <a:headEnd type="none" w="med" len="med"/>
+                          <a:tailEnd type="none" w="med" len="med"/>
+                        </a:lnT>
+                        <a:lnB w="12700" cap="flat" cmpd="sng" algn="ctr">
+                          <a:noFill/>
+                          <a:prstDash val="solid"/>
+                          <a:round/>
+                          <a:headEnd type="none" w="med" len="med"/>
+                          <a:tailEnd type="none" w="med" len="med"/>
+                        </a:lnB>
+                        <a:lnTlToBr w="12700" cmpd="sng">
+                          <a:noFill/>
+                          <a:prstDash val="solid"/>
+                        </a:lnTlToBr>
+                        <a:lnBlToTr w="12700" cmpd="sng">
+                          <a:noFill/>
+                          <a:prstDash val="solid"/>
+                        </a:lnBlToTr>
+                        <a:blipFill>
+                          <a:blip r:embed="rId2"/>
+                          <a:stretch>
+                            <a:fillRect t="-11570" r="-10169"/>
+                          </a:stretch>
+                        </a:blipFill>
+                      </a:tcPr>
+                    </a:tc>
+                    <a:tc>
+                      <a:txBody>
+                        <a:bodyPr/>
+                        <a:lstStyle/>
+                        <a:p>
+                          <a:pPr algn="just"/>
+                          <a:r>
+                            <a:rPr lang="en-US" sz="2400" b="1" dirty="0">
+                              <a:effectLst/>
+                              <a:latin typeface="Arial" panose="020B0604020202020204" pitchFamily="34" charset="0"/>
+                              <a:ea typeface="Times New Roman" panose="02020603050405020304" pitchFamily="18" charset="0"/>
+                              <a:cs typeface="Times New Roman" panose="02020603050405020304" pitchFamily="18" charset="0"/>
+                            </a:rPr>
+                            <a:t>(6b)</a:t>
+                          </a:r>
+                          <a:endParaRPr lang="es-MX" sz="2400" b="1" dirty="0">
+                            <a:effectLst/>
+                            <a:latin typeface="Arial" panose="020B0604020202020204" pitchFamily="34" charset="0"/>
+                            <a:ea typeface="Calibri" panose="020F0502020204030204" pitchFamily="34" charset="0"/>
+                            <a:cs typeface="Times New Roman" panose="02020603050405020304" pitchFamily="18" charset="0"/>
+                          </a:endParaRPr>
+                        </a:p>
+                      </a:txBody>
+                      <a:tcPr marL="68580" marR="68580" marT="0" marB="0">
+                        <a:lnL w="12700" cap="flat" cmpd="sng" algn="ctr">
+                          <a:noFill/>
+                          <a:prstDash val="solid"/>
+                          <a:round/>
+                          <a:headEnd type="none" w="med" len="med"/>
+                          <a:tailEnd type="none" w="med" len="med"/>
+                        </a:lnL>
+                        <a:lnR w="12700" cap="flat" cmpd="sng" algn="ctr">
+                          <a:noFill/>
+                          <a:prstDash val="solid"/>
+                          <a:round/>
+                          <a:headEnd type="none" w="med" len="med"/>
+                          <a:tailEnd type="none" w="med" len="med"/>
+                        </a:lnR>
+                        <a:lnT w="12700" cap="flat" cmpd="sng" algn="ctr">
+                          <a:noFill/>
+                          <a:prstDash val="solid"/>
+                          <a:round/>
+                          <a:headEnd type="none" w="med" len="med"/>
+                          <a:tailEnd type="none" w="med" len="med"/>
+                        </a:lnT>
+                        <a:lnB w="12700" cap="flat" cmpd="sng" algn="ctr">
+                          <a:noFill/>
+                          <a:prstDash val="solid"/>
+                          <a:round/>
+                          <a:headEnd type="none" w="med" len="med"/>
+                          <a:tailEnd type="none" w="med" len="med"/>
+                        </a:lnB>
+                        <a:lnTlToBr w="12700" cmpd="sng">
+                          <a:noFill/>
+                          <a:prstDash val="solid"/>
+                        </a:lnTlToBr>
+                        <a:lnBlToTr w="12700" cmpd="sng">
+                          <a:noFill/>
+                          <a:prstDash val="solid"/>
+                        </a:lnBlToTr>
+                      </a:tcPr>
+                    </a:tc>
+                    <a:extLst>
+                      <a:ext uri="{0D108BD9-81ED-4DB2-BD59-A6C34878D82A}">
+                        <a16:rowId xmlns:a16="http://schemas.microsoft.com/office/drawing/2014/main" val="2720335172"/>
+                      </a:ext>
+                    </a:extLst>
+                  </a:tr>
+                </a:tbl>
+              </a:graphicData>
+            </a:graphic>
+          </p:graphicFrame>
+        </mc:Fallback>
+      </mc:AlternateContent>
+      <p:pic>
+        <p:nvPicPr>
+          <p:cNvPr id="7" name="Imagen 6">
+            <a:extLst>
+              <a:ext uri="{FF2B5EF4-FFF2-40B4-BE49-F238E27FC236}">
+                <a16:creationId xmlns:a16="http://schemas.microsoft.com/office/drawing/2014/main" id="{AA2FCA76-3D4F-4431-8C78-1B3FDAE197C2}"/>
+              </a:ext>
+            </a:extLst>
+          </p:cNvPr>
+          <p:cNvPicPr>
+            <a:picLocks noChangeAspect="1"/>
+          </p:cNvPicPr>
+          <p:nvPr/>
+        </p:nvPicPr>
+        <p:blipFill>
+          <a:blip r:embed="rId3"/>
+          <a:stretch>
+            <a:fillRect/>
+          </a:stretch>
+        </p:blipFill>
+        <p:spPr>
+          <a:xfrm>
+            <a:off x="2223192" y="2386325"/>
+            <a:ext cx="7745615" cy="2506951"/>
+          </a:xfrm>
+          <a:prstGeom prst="rect">
+            <a:avLst/>
+          </a:prstGeom>
+        </p:spPr>
+      </p:pic>
+      <p:sp>
+        <p:nvSpPr>
+          <p:cNvPr id="6" name="TextBox 5">
+            <a:extLst>
+              <a:ext uri="{FF2B5EF4-FFF2-40B4-BE49-F238E27FC236}">
+                <a16:creationId xmlns:a16="http://schemas.microsoft.com/office/drawing/2014/main" id="{584642E6-EB29-4A17-8984-A8EB49687BCE}"/>
+              </a:ext>
+            </a:extLst>
+          </p:cNvPr>
+          <p:cNvSpPr txBox="1"/>
+          <p:nvPr/>
+        </p:nvSpPr>
+        <p:spPr>
+          <a:xfrm>
+            <a:off x="11215389" y="80452"/>
+            <a:ext cx="800219" cy="369332"/>
+          </a:xfrm>
+          <a:prstGeom prst="rect">
+            <a:avLst/>
+          </a:prstGeom>
+          <a:noFill/>
+        </p:spPr>
+        <p:txBody>
+          <a:bodyPr wrap="none" rtlCol="0">
+            <a:spAutoFit/>
+          </a:bodyPr>
+          <a:lstStyle/>
+          <a:p>
+            <a:r>
+              <a:rPr lang="en-US" dirty="0">
+                <a:latin typeface="Times New Roman" panose="02020603050405020304" pitchFamily="18" charset="0"/>
+                <a:cs typeface="Times New Roman" panose="02020603050405020304" pitchFamily="18" charset="0"/>
+              </a:rPr>
+              <a:t>Daniel</a:t>
+            </a:r>
+          </a:p>
+        </p:txBody>
+      </p:sp>
+      <p:sp>
+        <p:nvSpPr>
+          <p:cNvPr id="4" name="Slide Number Placeholder 3">
+            <a:extLst>
+              <a:ext uri="{FF2B5EF4-FFF2-40B4-BE49-F238E27FC236}">
+                <a16:creationId xmlns:a16="http://schemas.microsoft.com/office/drawing/2014/main" id="{863D1FAA-345D-4F65-809D-573A1E4F4961}"/>
+              </a:ext>
+            </a:extLst>
+          </p:cNvPr>
+          <p:cNvSpPr>
+            <a:spLocks noGrp="1"/>
+          </p:cNvSpPr>
+          <p:nvPr>
+            <p:ph type="sldNum" sz="quarter" idx="12"/>
+          </p:nvPr>
+        </p:nvSpPr>
+        <p:spPr/>
+        <p:txBody>
+          <a:bodyPr/>
+          <a:lstStyle/>
+          <a:p>
+            <a:fld id="{B4FB4218-D507-4A96-AB1C-B66AA2771B74}" type="slidenum">
+              <a:rPr lang="en-US" smtClean="0"/>
+              <a:t>10</a:t>
+            </a:fld>
+            <a:endParaRPr lang="en-US"/>
+          </a:p>
+        </p:txBody>
+      </p:sp>
+    </p:spTree>
+    <p:extLst>
+      <p:ext uri="{BB962C8B-B14F-4D97-AF65-F5344CB8AC3E}">
+        <p14:creationId xmlns:p14="http://schemas.microsoft.com/office/powerpoint/2010/main" val="2743446554"/>
+      </p:ext>
+    </p:extLst>
+  </p:cSld>
+  <p:clrMapOvr>
+    <a:masterClrMapping/>
+  </p:clrMapOvr>
+</p:sld>
+</file>
+
+<file path=ppt/slides/slide11.xml><?xml version="1.0" encoding="utf-8"?>
+<p:sld xmlns:a="http://schemas.openxmlformats.org/drawingml/2006/main" xmlns:r="http://schemas.openxmlformats.org/officeDocument/2006/relationships" xmlns:p="http://schemas.openxmlformats.org/presentationml/2006/main">
+  <p:cSld>
+    <p:spTree>
+      <p:nvGrpSpPr>
+        <p:cNvPr id="1" name=""/>
+        <p:cNvGrpSpPr/>
+        <p:nvPr/>
+      </p:nvGrpSpPr>
+      <p:grpSpPr>
+        <a:xfrm>
+          <a:off x="0" y="0"/>
+          <a:ext cx="0" cy="0"/>
+          <a:chOff x="0" y="0"/>
+          <a:chExt cx="0" cy="0"/>
+        </a:xfrm>
+      </p:grpSpPr>
       <p:pic>
         <p:nvPicPr>
           <p:cNvPr id="12" name="Imagen 11">
@@ -4453,7 +5452,7 @@
           <a:p>
             <a:fld id="{B4FB4218-D507-4A96-AB1C-B66AA2771B74}" type="slidenum">
               <a:rPr lang="en-US" smtClean="0"/>
-              <a:t>10</a:t>
+              <a:t>11</a:t>
             </a:fld>
             <a:endParaRPr lang="en-US"/>
           </a:p>
@@ -4472,7 +5471,7 @@
 </p:sld>
 </file>
 
-<file path=ppt/slides/slide11.xml><?xml version="1.0" encoding="utf-8"?>
+<file path=ppt/slides/slide12.xml><?xml version="1.0" encoding="utf-8"?>
 <p:sld xmlns:a="http://schemas.openxmlformats.org/drawingml/2006/main" xmlns:r="http://schemas.openxmlformats.org/officeDocument/2006/relationships" xmlns:p="http://schemas.openxmlformats.org/presentationml/2006/main">
   <p:cSld>
     <p:spTree>
@@ -4668,7 +5667,7 @@
           <a:p>
             <a:fld id="{B4FB4218-D507-4A96-AB1C-B66AA2771B74}" type="slidenum">
               <a:rPr lang="en-US" smtClean="0"/>
-              <a:t>11</a:t>
+              <a:t>12</a:t>
             </a:fld>
             <a:endParaRPr lang="en-US"/>
           </a:p>
@@ -4687,7 +5686,7 @@
 </p:sld>
 </file>
 
-<file path=ppt/slides/slide12.xml><?xml version="1.0" encoding="utf-8"?>
+<file path=ppt/slides/slide13.xml><?xml version="1.0" encoding="utf-8"?>
 <p:sld xmlns:a="http://schemas.openxmlformats.org/drawingml/2006/main" xmlns:r="http://schemas.openxmlformats.org/officeDocument/2006/relationships" xmlns:p="http://schemas.openxmlformats.org/presentationml/2006/main">
   <p:cSld>
     <p:spTree>
@@ -4988,7 +5987,7 @@
           <a:p>
             <a:fld id="{B4FB4218-D507-4A96-AB1C-B66AA2771B74}" type="slidenum">
               <a:rPr lang="en-US" smtClean="0"/>
-              <a:t>12</a:t>
+              <a:t>13</a:t>
             </a:fld>
             <a:endParaRPr lang="en-US"/>
           </a:p>
@@ -5007,7 +6006,7 @@
 </p:sld>
 </file>
 
-<file path=ppt/slides/slide13.xml><?xml version="1.0" encoding="utf-8"?>
+<file path=ppt/slides/slide14.xml><?xml version="1.0" encoding="utf-8"?>
 <p:sld xmlns:a="http://schemas.openxmlformats.org/drawingml/2006/main" xmlns:r="http://schemas.openxmlformats.org/officeDocument/2006/relationships" xmlns:p="http://schemas.openxmlformats.org/presentationml/2006/main">
   <p:cSld>
     <p:spTree>
@@ -7054,7 +8053,7 @@
           <a:p>
             <a:fld id="{B4FB4218-D507-4A96-AB1C-B66AA2771B74}" type="slidenum">
               <a:rPr lang="en-US" smtClean="0"/>
-              <a:t>13</a:t>
+              <a:t>14</a:t>
             </a:fld>
             <a:endParaRPr lang="en-US"/>
           </a:p>
@@ -7064,223 +8063,6 @@
     <p:extLst>
       <p:ext uri="{BB962C8B-B14F-4D97-AF65-F5344CB8AC3E}">
         <p14:creationId xmlns:p14="http://schemas.microsoft.com/office/powerpoint/2010/main" val="3539991135"/>
-      </p:ext>
-    </p:extLst>
-  </p:cSld>
-  <p:clrMapOvr>
-    <a:masterClrMapping/>
-  </p:clrMapOvr>
-</p:sld>
-</file>
-
-<file path=ppt/slides/slide14.xml><?xml version="1.0" encoding="utf-8"?>
-<p:sld xmlns:a="http://schemas.openxmlformats.org/drawingml/2006/main" xmlns:r="http://schemas.openxmlformats.org/officeDocument/2006/relationships" xmlns:p="http://schemas.openxmlformats.org/presentationml/2006/main">
-  <p:cSld>
-    <p:spTree>
-      <p:nvGrpSpPr>
-        <p:cNvPr id="1" name=""/>
-        <p:cNvGrpSpPr/>
-        <p:nvPr/>
-      </p:nvGrpSpPr>
-      <p:grpSpPr>
-        <a:xfrm>
-          <a:off x="0" y="0"/>
-          <a:ext cx="0" cy="0"/>
-          <a:chOff x="0" y="0"/>
-          <a:chExt cx="0" cy="0"/>
-        </a:xfrm>
-      </p:grpSpPr>
-      <p:cxnSp>
-        <p:nvCxnSpPr>
-          <p:cNvPr id="2" name="Straight Connector 1">
-            <a:extLst>
-              <a:ext uri="{FF2B5EF4-FFF2-40B4-BE49-F238E27FC236}">
-                <a16:creationId xmlns:a16="http://schemas.microsoft.com/office/drawing/2014/main" id="{F82B0979-8F33-444A-9C6B-3767B20E23F2}"/>
-              </a:ext>
-            </a:extLst>
-          </p:cNvPr>
-          <p:cNvCxnSpPr/>
-          <p:nvPr/>
-        </p:nvCxnSpPr>
-        <p:spPr>
-          <a:xfrm>
-            <a:off x="0" y="1047750"/>
-            <a:ext cx="12192000" cy="0"/>
-          </a:xfrm>
-          <a:prstGeom prst="line">
-            <a:avLst/>
-          </a:prstGeom>
-          <a:ln w="76200">
-            <a:solidFill>
-              <a:srgbClr val="D2C264"/>
-            </a:solidFill>
-          </a:ln>
-        </p:spPr>
-        <p:style>
-          <a:lnRef idx="1">
-            <a:schemeClr val="accent1"/>
-          </a:lnRef>
-          <a:fillRef idx="0">
-            <a:schemeClr val="accent1"/>
-          </a:fillRef>
-          <a:effectRef idx="0">
-            <a:schemeClr val="accent1"/>
-          </a:effectRef>
-          <a:fontRef idx="minor">
-            <a:schemeClr val="tx1"/>
-          </a:fontRef>
-        </p:style>
-      </p:cxnSp>
-      <p:sp>
-        <p:nvSpPr>
-          <p:cNvPr id="3" name="TextBox 2">
-            <a:extLst>
-              <a:ext uri="{FF2B5EF4-FFF2-40B4-BE49-F238E27FC236}">
-                <a16:creationId xmlns:a16="http://schemas.microsoft.com/office/drawing/2014/main" id="{67AA1C79-2CF3-476C-836F-80765D49F55E}"/>
-              </a:ext>
-            </a:extLst>
-          </p:cNvPr>
-          <p:cNvSpPr txBox="1"/>
-          <p:nvPr/>
-        </p:nvSpPr>
-        <p:spPr>
-          <a:xfrm>
-            <a:off x="439692" y="229258"/>
-            <a:ext cx="4559261" cy="584775"/>
-          </a:xfrm>
-          <a:prstGeom prst="rect">
-            <a:avLst/>
-          </a:prstGeom>
-          <a:noFill/>
-        </p:spPr>
-        <p:txBody>
-          <a:bodyPr wrap="none" rtlCol="0">
-            <a:spAutoFit/>
-          </a:bodyPr>
-          <a:lstStyle/>
-          <a:p>
-            <a:r>
-              <a:rPr lang="en-US" sz="3200" b="1" dirty="0">
-                <a:latin typeface="Times New Roman" panose="02020603050405020304" pitchFamily="18" charset="0"/>
-                <a:cs typeface="Times New Roman" panose="02020603050405020304" pitchFamily="18" charset="0"/>
-              </a:rPr>
-              <a:t>Calculating Match Stats:</a:t>
-            </a:r>
-          </a:p>
-        </p:txBody>
-      </p:sp>
-      <p:sp>
-        <p:nvSpPr>
-          <p:cNvPr id="6" name="TextBox 5">
-            <a:extLst>
-              <a:ext uri="{FF2B5EF4-FFF2-40B4-BE49-F238E27FC236}">
-                <a16:creationId xmlns:a16="http://schemas.microsoft.com/office/drawing/2014/main" id="{B9C90B26-26D1-4A0B-B0EF-18BEADE378C9}"/>
-              </a:ext>
-            </a:extLst>
-          </p:cNvPr>
-          <p:cNvSpPr txBox="1"/>
-          <p:nvPr/>
-        </p:nvSpPr>
-        <p:spPr>
-          <a:xfrm>
-            <a:off x="11215389" y="80452"/>
-            <a:ext cx="941283" cy="369332"/>
-          </a:xfrm>
-          <a:prstGeom prst="rect">
-            <a:avLst/>
-          </a:prstGeom>
-          <a:noFill/>
-        </p:spPr>
-        <p:txBody>
-          <a:bodyPr wrap="none" rtlCol="0">
-            <a:spAutoFit/>
-          </a:bodyPr>
-          <a:lstStyle/>
-          <a:p>
-            <a:r>
-              <a:rPr lang="en-US" dirty="0">
-                <a:latin typeface="Times New Roman" panose="02020603050405020304" pitchFamily="18" charset="0"/>
-                <a:cs typeface="Times New Roman" panose="02020603050405020304" pitchFamily="18" charset="0"/>
-              </a:rPr>
-              <a:t>Michael</a:t>
-            </a:r>
-          </a:p>
-        </p:txBody>
-      </p:sp>
-      <p:sp>
-        <p:nvSpPr>
-          <p:cNvPr id="4" name="Slide Number Placeholder 3">
-            <a:extLst>
-              <a:ext uri="{FF2B5EF4-FFF2-40B4-BE49-F238E27FC236}">
-                <a16:creationId xmlns:a16="http://schemas.microsoft.com/office/drawing/2014/main" id="{0CDFE87B-81B9-498F-80EF-80914176D35F}"/>
-              </a:ext>
-            </a:extLst>
-          </p:cNvPr>
-          <p:cNvSpPr>
-            <a:spLocks noGrp="1"/>
-          </p:cNvSpPr>
-          <p:nvPr>
-            <p:ph type="sldNum" sz="quarter" idx="12"/>
-          </p:nvPr>
-        </p:nvSpPr>
-        <p:spPr/>
-        <p:txBody>
-          <a:bodyPr/>
-          <a:lstStyle/>
-          <a:p>
-            <a:fld id="{B4FB4218-D507-4A96-AB1C-B66AA2771B74}" type="slidenum">
-              <a:rPr lang="en-US" smtClean="0"/>
-              <a:t>14</a:t>
-            </a:fld>
-            <a:endParaRPr lang="en-US"/>
-          </a:p>
-        </p:txBody>
-      </p:sp>
-      <p:pic>
-        <p:nvPicPr>
-          <p:cNvPr id="9" name="Picture 8" descr="Table&#10;&#10;Description automatically generated">
-            <a:extLst>
-              <a:ext uri="{FF2B5EF4-FFF2-40B4-BE49-F238E27FC236}">
-                <a16:creationId xmlns:a16="http://schemas.microsoft.com/office/drawing/2014/main" id="{84AC1F2F-C0E4-4280-9468-2DD5A4E649DD}"/>
-              </a:ext>
-            </a:extLst>
-          </p:cNvPr>
-          <p:cNvPicPr>
-            <a:picLocks noChangeAspect="1"/>
-          </p:cNvPicPr>
-          <p:nvPr/>
-        </p:nvPicPr>
-        <p:blipFill>
-          <a:blip r:embed="rId2">
-            <a:extLst>
-              <a:ext uri="{28A0092B-C50C-407E-A947-70E740481C1C}">
-                <a14:useLocalDpi xmlns:a14="http://schemas.microsoft.com/office/drawing/2010/main" val="0"/>
-              </a:ext>
-            </a:extLst>
-          </a:blip>
-          <a:stretch>
-            <a:fillRect/>
-          </a:stretch>
-        </p:blipFill>
-        <p:spPr>
-          <a:xfrm>
-            <a:off x="199431" y="2297179"/>
-            <a:ext cx="11793138" cy="2809742"/>
-          </a:xfrm>
-          <a:prstGeom prst="rect">
-            <a:avLst/>
-          </a:prstGeom>
-          <a:ln>
-            <a:solidFill>
-              <a:schemeClr val="tx1"/>
-            </a:solidFill>
-          </a:ln>
-        </p:spPr>
-      </p:pic>
-    </p:spTree>
-    <p:extLst>
-      <p:ext uri="{BB962C8B-B14F-4D97-AF65-F5344CB8AC3E}">
-        <p14:creationId xmlns:p14="http://schemas.microsoft.com/office/powerpoint/2010/main" val="4281136933"/>
       </p:ext>
     </p:extLst>
   </p:cSld>
@@ -7455,6 +8237,223 @@
       </p:sp>
       <p:pic>
         <p:nvPicPr>
+          <p:cNvPr id="9" name="Picture 8" descr="Table&#10;&#10;Description automatically generated">
+            <a:extLst>
+              <a:ext uri="{FF2B5EF4-FFF2-40B4-BE49-F238E27FC236}">
+                <a16:creationId xmlns:a16="http://schemas.microsoft.com/office/drawing/2014/main" id="{84AC1F2F-C0E4-4280-9468-2DD5A4E649DD}"/>
+              </a:ext>
+            </a:extLst>
+          </p:cNvPr>
+          <p:cNvPicPr>
+            <a:picLocks noChangeAspect="1"/>
+          </p:cNvPicPr>
+          <p:nvPr/>
+        </p:nvPicPr>
+        <p:blipFill>
+          <a:blip r:embed="rId2">
+            <a:extLst>
+              <a:ext uri="{28A0092B-C50C-407E-A947-70E740481C1C}">
+                <a14:useLocalDpi xmlns:a14="http://schemas.microsoft.com/office/drawing/2010/main" val="0"/>
+              </a:ext>
+            </a:extLst>
+          </a:blip>
+          <a:stretch>
+            <a:fillRect/>
+          </a:stretch>
+        </p:blipFill>
+        <p:spPr>
+          <a:xfrm>
+            <a:off x="199431" y="2297179"/>
+            <a:ext cx="11793138" cy="2809742"/>
+          </a:xfrm>
+          <a:prstGeom prst="rect">
+            <a:avLst/>
+          </a:prstGeom>
+          <a:ln>
+            <a:solidFill>
+              <a:schemeClr val="tx1"/>
+            </a:solidFill>
+          </a:ln>
+        </p:spPr>
+      </p:pic>
+    </p:spTree>
+    <p:extLst>
+      <p:ext uri="{BB962C8B-B14F-4D97-AF65-F5344CB8AC3E}">
+        <p14:creationId xmlns:p14="http://schemas.microsoft.com/office/powerpoint/2010/main" val="4281136933"/>
+      </p:ext>
+    </p:extLst>
+  </p:cSld>
+  <p:clrMapOvr>
+    <a:masterClrMapping/>
+  </p:clrMapOvr>
+</p:sld>
+</file>
+
+<file path=ppt/slides/slide16.xml><?xml version="1.0" encoding="utf-8"?>
+<p:sld xmlns:a="http://schemas.openxmlformats.org/drawingml/2006/main" xmlns:r="http://schemas.openxmlformats.org/officeDocument/2006/relationships" xmlns:p="http://schemas.openxmlformats.org/presentationml/2006/main">
+  <p:cSld>
+    <p:spTree>
+      <p:nvGrpSpPr>
+        <p:cNvPr id="1" name=""/>
+        <p:cNvGrpSpPr/>
+        <p:nvPr/>
+      </p:nvGrpSpPr>
+      <p:grpSpPr>
+        <a:xfrm>
+          <a:off x="0" y="0"/>
+          <a:ext cx="0" cy="0"/>
+          <a:chOff x="0" y="0"/>
+          <a:chExt cx="0" cy="0"/>
+        </a:xfrm>
+      </p:grpSpPr>
+      <p:cxnSp>
+        <p:nvCxnSpPr>
+          <p:cNvPr id="2" name="Straight Connector 1">
+            <a:extLst>
+              <a:ext uri="{FF2B5EF4-FFF2-40B4-BE49-F238E27FC236}">
+                <a16:creationId xmlns:a16="http://schemas.microsoft.com/office/drawing/2014/main" id="{F82B0979-8F33-444A-9C6B-3767B20E23F2}"/>
+              </a:ext>
+            </a:extLst>
+          </p:cNvPr>
+          <p:cNvCxnSpPr/>
+          <p:nvPr/>
+        </p:nvCxnSpPr>
+        <p:spPr>
+          <a:xfrm>
+            <a:off x="0" y="1047750"/>
+            <a:ext cx="12192000" cy="0"/>
+          </a:xfrm>
+          <a:prstGeom prst="line">
+            <a:avLst/>
+          </a:prstGeom>
+          <a:ln w="76200">
+            <a:solidFill>
+              <a:srgbClr val="D2C264"/>
+            </a:solidFill>
+          </a:ln>
+        </p:spPr>
+        <p:style>
+          <a:lnRef idx="1">
+            <a:schemeClr val="accent1"/>
+          </a:lnRef>
+          <a:fillRef idx="0">
+            <a:schemeClr val="accent1"/>
+          </a:fillRef>
+          <a:effectRef idx="0">
+            <a:schemeClr val="accent1"/>
+          </a:effectRef>
+          <a:fontRef idx="minor">
+            <a:schemeClr val="tx1"/>
+          </a:fontRef>
+        </p:style>
+      </p:cxnSp>
+      <p:sp>
+        <p:nvSpPr>
+          <p:cNvPr id="3" name="TextBox 2">
+            <a:extLst>
+              <a:ext uri="{FF2B5EF4-FFF2-40B4-BE49-F238E27FC236}">
+                <a16:creationId xmlns:a16="http://schemas.microsoft.com/office/drawing/2014/main" id="{67AA1C79-2CF3-476C-836F-80765D49F55E}"/>
+              </a:ext>
+            </a:extLst>
+          </p:cNvPr>
+          <p:cNvSpPr txBox="1"/>
+          <p:nvPr/>
+        </p:nvSpPr>
+        <p:spPr>
+          <a:xfrm>
+            <a:off x="439692" y="229258"/>
+            <a:ext cx="4559261" cy="584775"/>
+          </a:xfrm>
+          <a:prstGeom prst="rect">
+            <a:avLst/>
+          </a:prstGeom>
+          <a:noFill/>
+        </p:spPr>
+        <p:txBody>
+          <a:bodyPr wrap="none" rtlCol="0">
+            <a:spAutoFit/>
+          </a:bodyPr>
+          <a:lstStyle/>
+          <a:p>
+            <a:r>
+              <a:rPr lang="en-US" sz="3200" b="1" dirty="0">
+                <a:latin typeface="Times New Roman" panose="02020603050405020304" pitchFamily="18" charset="0"/>
+                <a:cs typeface="Times New Roman" panose="02020603050405020304" pitchFamily="18" charset="0"/>
+              </a:rPr>
+              <a:t>Calculating Match Stats:</a:t>
+            </a:r>
+          </a:p>
+        </p:txBody>
+      </p:sp>
+      <p:sp>
+        <p:nvSpPr>
+          <p:cNvPr id="6" name="TextBox 5">
+            <a:extLst>
+              <a:ext uri="{FF2B5EF4-FFF2-40B4-BE49-F238E27FC236}">
+                <a16:creationId xmlns:a16="http://schemas.microsoft.com/office/drawing/2014/main" id="{B9C90B26-26D1-4A0B-B0EF-18BEADE378C9}"/>
+              </a:ext>
+            </a:extLst>
+          </p:cNvPr>
+          <p:cNvSpPr txBox="1"/>
+          <p:nvPr/>
+        </p:nvSpPr>
+        <p:spPr>
+          <a:xfrm>
+            <a:off x="11215389" y="80452"/>
+            <a:ext cx="941283" cy="369332"/>
+          </a:xfrm>
+          <a:prstGeom prst="rect">
+            <a:avLst/>
+          </a:prstGeom>
+          <a:noFill/>
+        </p:spPr>
+        <p:txBody>
+          <a:bodyPr wrap="none" rtlCol="0">
+            <a:spAutoFit/>
+          </a:bodyPr>
+          <a:lstStyle/>
+          <a:p>
+            <a:r>
+              <a:rPr lang="en-US" dirty="0">
+                <a:latin typeface="Times New Roman" panose="02020603050405020304" pitchFamily="18" charset="0"/>
+                <a:cs typeface="Times New Roman" panose="02020603050405020304" pitchFamily="18" charset="0"/>
+              </a:rPr>
+              <a:t>Michael</a:t>
+            </a:r>
+          </a:p>
+        </p:txBody>
+      </p:sp>
+      <p:sp>
+        <p:nvSpPr>
+          <p:cNvPr id="4" name="Slide Number Placeholder 3">
+            <a:extLst>
+              <a:ext uri="{FF2B5EF4-FFF2-40B4-BE49-F238E27FC236}">
+                <a16:creationId xmlns:a16="http://schemas.microsoft.com/office/drawing/2014/main" id="{0CDFE87B-81B9-498F-80EF-80914176D35F}"/>
+              </a:ext>
+            </a:extLst>
+          </p:cNvPr>
+          <p:cNvSpPr>
+            <a:spLocks noGrp="1"/>
+          </p:cNvSpPr>
+          <p:nvPr>
+            <p:ph type="sldNum" sz="quarter" idx="12"/>
+          </p:nvPr>
+        </p:nvSpPr>
+        <p:spPr/>
+        <p:txBody>
+          <a:bodyPr/>
+          <a:lstStyle/>
+          <a:p>
+            <a:fld id="{B4FB4218-D507-4A96-AB1C-B66AA2771B74}" type="slidenum">
+              <a:rPr lang="en-US" smtClean="0"/>
+              <a:t>16</a:t>
+            </a:fld>
+            <a:endParaRPr lang="en-US"/>
+          </a:p>
+        </p:txBody>
+      </p:sp>
+      <p:pic>
+        <p:nvPicPr>
           <p:cNvPr id="7" name="Picture 6" descr="Table&#10;&#10;Description automatically generated">
             <a:extLst>
               <a:ext uri="{FF2B5EF4-FFF2-40B4-BE49-F238E27FC236}">
@@ -7672,7 +8671,7 @@
 </p:sld>
 </file>
 
-<file path=ppt/slides/slide16.xml><?xml version="1.0" encoding="utf-8"?>
+<file path=ppt/slides/slide17.xml><?xml version="1.0" encoding="utf-8"?>
 <p:sld xmlns:a="http://schemas.openxmlformats.org/drawingml/2006/main" xmlns:r="http://schemas.openxmlformats.org/officeDocument/2006/relationships" xmlns:p="http://schemas.openxmlformats.org/presentationml/2006/main">
   <p:cSld>
     <p:spTree>
@@ -8220,7 +9219,7 @@
           <a:p>
             <a:fld id="{B4FB4218-D507-4A96-AB1C-B66AA2771B74}" type="slidenum">
               <a:rPr lang="en-US" smtClean="0"/>
-              <a:t>16</a:t>
+              <a:t>17</a:t>
             </a:fld>
             <a:endParaRPr lang="en-US" dirty="0"/>
           </a:p>
@@ -8557,7 +9556,7 @@
 </p:sld>
 </file>
 
-<file path=ppt/slides/slide17.xml><?xml version="1.0" encoding="utf-8"?>
+<file path=ppt/slides/slide18.xml><?xml version="1.0" encoding="utf-8"?>
 <p:sld xmlns:a="http://schemas.openxmlformats.org/drawingml/2006/main" xmlns:r="http://schemas.openxmlformats.org/officeDocument/2006/relationships" xmlns:p="http://schemas.openxmlformats.org/presentationml/2006/main">
   <p:cSld>
     <p:spTree>
@@ -8753,7 +9752,7 @@
           <a:p>
             <a:fld id="{B4FB4218-D507-4A96-AB1C-B66AA2771B74}" type="slidenum">
               <a:rPr lang="en-US" smtClean="0"/>
-              <a:t>17</a:t>
+              <a:t>18</a:t>
             </a:fld>
             <a:endParaRPr lang="en-US"/>
           </a:p>
@@ -8772,7 +9771,7 @@
 </p:sld>
 </file>
 
-<file path=ppt/slides/slide18.xml><?xml version="1.0" encoding="utf-8"?>
+<file path=ppt/slides/slide19.xml><?xml version="1.0" encoding="utf-8"?>
 <p:sld xmlns:a="http://schemas.openxmlformats.org/drawingml/2006/main" xmlns:r="http://schemas.openxmlformats.org/officeDocument/2006/relationships" xmlns:p="http://schemas.openxmlformats.org/presentationml/2006/main">
   <p:cSld>
     <p:spTree>
@@ -8958,7 +9957,7 @@
           <a:p>
             <a:fld id="{B4FB4218-D507-4A96-AB1C-B66AA2771B74}" type="slidenum">
               <a:rPr lang="en-US" smtClean="0"/>
-              <a:t>18</a:t>
+              <a:t>19</a:t>
             </a:fld>
             <a:endParaRPr lang="en-US"/>
           </a:p>
@@ -8968,211 +9967,6 @@
     <p:extLst>
       <p:ext uri="{BB962C8B-B14F-4D97-AF65-F5344CB8AC3E}">
         <p14:creationId xmlns:p14="http://schemas.microsoft.com/office/powerpoint/2010/main" val="3310294040"/>
-      </p:ext>
-    </p:extLst>
-  </p:cSld>
-  <p:clrMapOvr>
-    <a:masterClrMapping/>
-  </p:clrMapOvr>
-</p:sld>
-</file>
-
-<file path=ppt/slides/slide19.xml><?xml version="1.0" encoding="utf-8"?>
-<p:sld xmlns:a="http://schemas.openxmlformats.org/drawingml/2006/main" xmlns:r="http://schemas.openxmlformats.org/officeDocument/2006/relationships" xmlns:p="http://schemas.openxmlformats.org/presentationml/2006/main">
-  <p:cSld>
-    <p:spTree>
-      <p:nvGrpSpPr>
-        <p:cNvPr id="1" name=""/>
-        <p:cNvGrpSpPr/>
-        <p:nvPr/>
-      </p:nvGrpSpPr>
-      <p:grpSpPr>
-        <a:xfrm>
-          <a:off x="0" y="0"/>
-          <a:ext cx="0" cy="0"/>
-          <a:chOff x="0" y="0"/>
-          <a:chExt cx="0" cy="0"/>
-        </a:xfrm>
-      </p:grpSpPr>
-      <p:cxnSp>
-        <p:nvCxnSpPr>
-          <p:cNvPr id="2" name="Straight Connector 1">
-            <a:extLst>
-              <a:ext uri="{FF2B5EF4-FFF2-40B4-BE49-F238E27FC236}">
-                <a16:creationId xmlns:a16="http://schemas.microsoft.com/office/drawing/2014/main" id="{BC4339F9-A066-45CD-91C6-61FED21D3027}"/>
-              </a:ext>
-            </a:extLst>
-          </p:cNvPr>
-          <p:cNvCxnSpPr/>
-          <p:nvPr/>
-        </p:nvCxnSpPr>
-        <p:spPr>
-          <a:xfrm>
-            <a:off x="0" y="1047750"/>
-            <a:ext cx="12192000" cy="0"/>
-          </a:xfrm>
-          <a:prstGeom prst="line">
-            <a:avLst/>
-          </a:prstGeom>
-          <a:ln w="76200">
-            <a:solidFill>
-              <a:srgbClr val="D2C264"/>
-            </a:solidFill>
-          </a:ln>
-        </p:spPr>
-        <p:style>
-          <a:lnRef idx="1">
-            <a:schemeClr val="accent1"/>
-          </a:lnRef>
-          <a:fillRef idx="0">
-            <a:schemeClr val="accent1"/>
-          </a:fillRef>
-          <a:effectRef idx="0">
-            <a:schemeClr val="accent1"/>
-          </a:effectRef>
-          <a:fontRef idx="minor">
-            <a:schemeClr val="tx1"/>
-          </a:fontRef>
-        </p:style>
-      </p:cxnSp>
-      <p:sp>
-        <p:nvSpPr>
-          <p:cNvPr id="3" name="TextBox 2">
-            <a:extLst>
-              <a:ext uri="{FF2B5EF4-FFF2-40B4-BE49-F238E27FC236}">
-                <a16:creationId xmlns:a16="http://schemas.microsoft.com/office/drawing/2014/main" id="{4F839CDC-E463-4502-8748-827AE781F905}"/>
-              </a:ext>
-            </a:extLst>
-          </p:cNvPr>
-          <p:cNvSpPr txBox="1"/>
-          <p:nvPr/>
-        </p:nvSpPr>
-        <p:spPr>
-          <a:xfrm>
-            <a:off x="439692" y="229258"/>
-            <a:ext cx="2443298" cy="584775"/>
-          </a:xfrm>
-          <a:prstGeom prst="rect">
-            <a:avLst/>
-          </a:prstGeom>
-          <a:noFill/>
-        </p:spPr>
-        <p:txBody>
-          <a:bodyPr wrap="none" rtlCol="0">
-            <a:spAutoFit/>
-          </a:bodyPr>
-          <a:lstStyle/>
-          <a:p>
-            <a:r>
-              <a:rPr lang="en-US" sz="3200" b="1" dirty="0">
-                <a:latin typeface="Times New Roman" panose="02020603050405020304" pitchFamily="18" charset="0"/>
-                <a:cs typeface="Times New Roman" panose="02020603050405020304" pitchFamily="18" charset="0"/>
-              </a:rPr>
-              <a:t>Model – BIC</a:t>
-            </a:r>
-          </a:p>
-        </p:txBody>
-      </p:sp>
-      <p:pic>
-        <p:nvPicPr>
-          <p:cNvPr id="6" name="Picture 5"/>
-          <p:cNvPicPr>
-            <a:picLocks noChangeAspect="1"/>
-          </p:cNvPicPr>
-          <p:nvPr/>
-        </p:nvPicPr>
-        <p:blipFill rotWithShape="1">
-          <a:blip r:embed="rId2">
-            <a:extLst>
-              <a:ext uri="{28A0092B-C50C-407E-A947-70E740481C1C}">
-                <a14:useLocalDpi xmlns:a14="http://schemas.microsoft.com/office/drawing/2010/main" val="0"/>
-              </a:ext>
-            </a:extLst>
-          </a:blip>
-          <a:srcRect t="10476"/>
-          <a:stretch/>
-        </p:blipFill>
-        <p:spPr>
-          <a:xfrm>
-            <a:off x="1080380" y="1469840"/>
-            <a:ext cx="10031239" cy="5249000"/>
-          </a:xfrm>
-          <a:prstGeom prst="rect">
-            <a:avLst/>
-          </a:prstGeom>
-        </p:spPr>
-      </p:pic>
-      <p:sp>
-        <p:nvSpPr>
-          <p:cNvPr id="5" name="TextBox 4">
-            <a:extLst>
-              <a:ext uri="{FF2B5EF4-FFF2-40B4-BE49-F238E27FC236}">
-                <a16:creationId xmlns:a16="http://schemas.microsoft.com/office/drawing/2014/main" id="{F127B861-CE0B-4956-AF56-61F9EFACA894}"/>
-              </a:ext>
-            </a:extLst>
-          </p:cNvPr>
-          <p:cNvSpPr txBox="1"/>
-          <p:nvPr/>
-        </p:nvSpPr>
-        <p:spPr>
-          <a:xfrm>
-            <a:off x="11215389" y="80452"/>
-            <a:ext cx="646331" cy="369332"/>
-          </a:xfrm>
-          <a:prstGeom prst="rect">
-            <a:avLst/>
-          </a:prstGeom>
-          <a:noFill/>
-        </p:spPr>
-        <p:txBody>
-          <a:bodyPr wrap="none" rtlCol="0">
-            <a:spAutoFit/>
-          </a:bodyPr>
-          <a:lstStyle/>
-          <a:p>
-            <a:r>
-              <a:rPr lang="en-US" dirty="0">
-                <a:latin typeface="Times New Roman" panose="02020603050405020304" pitchFamily="18" charset="0"/>
-                <a:cs typeface="Times New Roman" panose="02020603050405020304" pitchFamily="18" charset="0"/>
-              </a:rPr>
-              <a:t>Rose</a:t>
-            </a:r>
-          </a:p>
-        </p:txBody>
-      </p:sp>
-      <p:sp>
-        <p:nvSpPr>
-          <p:cNvPr id="4" name="Slide Number Placeholder 3">
-            <a:extLst>
-              <a:ext uri="{FF2B5EF4-FFF2-40B4-BE49-F238E27FC236}">
-                <a16:creationId xmlns:a16="http://schemas.microsoft.com/office/drawing/2014/main" id="{C0505C3B-2E2E-4632-85EB-91CC97303EFC}"/>
-              </a:ext>
-            </a:extLst>
-          </p:cNvPr>
-          <p:cNvSpPr>
-            <a:spLocks noGrp="1"/>
-          </p:cNvSpPr>
-          <p:nvPr>
-            <p:ph type="sldNum" sz="quarter" idx="12"/>
-          </p:nvPr>
-        </p:nvSpPr>
-        <p:spPr/>
-        <p:txBody>
-          <a:bodyPr/>
-          <a:lstStyle/>
-          <a:p>
-            <a:fld id="{B4FB4218-D507-4A96-AB1C-B66AA2771B74}" type="slidenum">
-              <a:rPr lang="en-US" smtClean="0"/>
-              <a:t>19</a:t>
-            </a:fld>
-            <a:endParaRPr lang="en-US"/>
-          </a:p>
-        </p:txBody>
-      </p:sp>
-    </p:spTree>
-    <p:extLst>
-      <p:ext uri="{BB962C8B-B14F-4D97-AF65-F5344CB8AC3E}">
-        <p14:creationId xmlns:p14="http://schemas.microsoft.com/office/powerpoint/2010/main" val="780329860"/>
       </p:ext>
     </p:extLst>
   </p:cSld>
@@ -10837,6 +11631,211 @@
         <p:spPr>
           <a:xfrm>
             <a:off x="439692" y="229258"/>
+            <a:ext cx="2443298" cy="584775"/>
+          </a:xfrm>
+          <a:prstGeom prst="rect">
+            <a:avLst/>
+          </a:prstGeom>
+          <a:noFill/>
+        </p:spPr>
+        <p:txBody>
+          <a:bodyPr wrap="none" rtlCol="0">
+            <a:spAutoFit/>
+          </a:bodyPr>
+          <a:lstStyle/>
+          <a:p>
+            <a:r>
+              <a:rPr lang="en-US" sz="3200" b="1" dirty="0">
+                <a:latin typeface="Times New Roman" panose="02020603050405020304" pitchFamily="18" charset="0"/>
+                <a:cs typeface="Times New Roman" panose="02020603050405020304" pitchFamily="18" charset="0"/>
+              </a:rPr>
+              <a:t>Model – BIC</a:t>
+            </a:r>
+          </a:p>
+        </p:txBody>
+      </p:sp>
+      <p:pic>
+        <p:nvPicPr>
+          <p:cNvPr id="6" name="Picture 5"/>
+          <p:cNvPicPr>
+            <a:picLocks noChangeAspect="1"/>
+          </p:cNvPicPr>
+          <p:nvPr/>
+        </p:nvPicPr>
+        <p:blipFill rotWithShape="1">
+          <a:blip r:embed="rId2">
+            <a:extLst>
+              <a:ext uri="{28A0092B-C50C-407E-A947-70E740481C1C}">
+                <a14:useLocalDpi xmlns:a14="http://schemas.microsoft.com/office/drawing/2010/main" val="0"/>
+              </a:ext>
+            </a:extLst>
+          </a:blip>
+          <a:srcRect t="10476"/>
+          <a:stretch/>
+        </p:blipFill>
+        <p:spPr>
+          <a:xfrm>
+            <a:off x="1080380" y="1469840"/>
+            <a:ext cx="10031239" cy="5249000"/>
+          </a:xfrm>
+          <a:prstGeom prst="rect">
+            <a:avLst/>
+          </a:prstGeom>
+        </p:spPr>
+      </p:pic>
+      <p:sp>
+        <p:nvSpPr>
+          <p:cNvPr id="5" name="TextBox 4">
+            <a:extLst>
+              <a:ext uri="{FF2B5EF4-FFF2-40B4-BE49-F238E27FC236}">
+                <a16:creationId xmlns:a16="http://schemas.microsoft.com/office/drawing/2014/main" id="{F127B861-CE0B-4956-AF56-61F9EFACA894}"/>
+              </a:ext>
+            </a:extLst>
+          </p:cNvPr>
+          <p:cNvSpPr txBox="1"/>
+          <p:nvPr/>
+        </p:nvSpPr>
+        <p:spPr>
+          <a:xfrm>
+            <a:off x="11215389" y="80452"/>
+            <a:ext cx="646331" cy="369332"/>
+          </a:xfrm>
+          <a:prstGeom prst="rect">
+            <a:avLst/>
+          </a:prstGeom>
+          <a:noFill/>
+        </p:spPr>
+        <p:txBody>
+          <a:bodyPr wrap="none" rtlCol="0">
+            <a:spAutoFit/>
+          </a:bodyPr>
+          <a:lstStyle/>
+          <a:p>
+            <a:r>
+              <a:rPr lang="en-US" dirty="0">
+                <a:latin typeface="Times New Roman" panose="02020603050405020304" pitchFamily="18" charset="0"/>
+                <a:cs typeface="Times New Roman" panose="02020603050405020304" pitchFamily="18" charset="0"/>
+              </a:rPr>
+              <a:t>Rose</a:t>
+            </a:r>
+          </a:p>
+        </p:txBody>
+      </p:sp>
+      <p:sp>
+        <p:nvSpPr>
+          <p:cNvPr id="4" name="Slide Number Placeholder 3">
+            <a:extLst>
+              <a:ext uri="{FF2B5EF4-FFF2-40B4-BE49-F238E27FC236}">
+                <a16:creationId xmlns:a16="http://schemas.microsoft.com/office/drawing/2014/main" id="{C0505C3B-2E2E-4632-85EB-91CC97303EFC}"/>
+              </a:ext>
+            </a:extLst>
+          </p:cNvPr>
+          <p:cNvSpPr>
+            <a:spLocks noGrp="1"/>
+          </p:cNvSpPr>
+          <p:nvPr>
+            <p:ph type="sldNum" sz="quarter" idx="12"/>
+          </p:nvPr>
+        </p:nvSpPr>
+        <p:spPr/>
+        <p:txBody>
+          <a:bodyPr/>
+          <a:lstStyle/>
+          <a:p>
+            <a:fld id="{B4FB4218-D507-4A96-AB1C-B66AA2771B74}" type="slidenum">
+              <a:rPr lang="en-US" smtClean="0"/>
+              <a:t>20</a:t>
+            </a:fld>
+            <a:endParaRPr lang="en-US"/>
+          </a:p>
+        </p:txBody>
+      </p:sp>
+    </p:spTree>
+    <p:extLst>
+      <p:ext uri="{BB962C8B-B14F-4D97-AF65-F5344CB8AC3E}">
+        <p14:creationId xmlns:p14="http://schemas.microsoft.com/office/powerpoint/2010/main" val="780329860"/>
+      </p:ext>
+    </p:extLst>
+  </p:cSld>
+  <p:clrMapOvr>
+    <a:masterClrMapping/>
+  </p:clrMapOvr>
+</p:sld>
+</file>
+
+<file path=ppt/slides/slide21.xml><?xml version="1.0" encoding="utf-8"?>
+<p:sld xmlns:a="http://schemas.openxmlformats.org/drawingml/2006/main" xmlns:r="http://schemas.openxmlformats.org/officeDocument/2006/relationships" xmlns:p="http://schemas.openxmlformats.org/presentationml/2006/main">
+  <p:cSld>
+    <p:spTree>
+      <p:nvGrpSpPr>
+        <p:cNvPr id="1" name=""/>
+        <p:cNvGrpSpPr/>
+        <p:nvPr/>
+      </p:nvGrpSpPr>
+      <p:grpSpPr>
+        <a:xfrm>
+          <a:off x="0" y="0"/>
+          <a:ext cx="0" cy="0"/>
+          <a:chOff x="0" y="0"/>
+          <a:chExt cx="0" cy="0"/>
+        </a:xfrm>
+      </p:grpSpPr>
+      <p:cxnSp>
+        <p:nvCxnSpPr>
+          <p:cNvPr id="2" name="Straight Connector 1">
+            <a:extLst>
+              <a:ext uri="{FF2B5EF4-FFF2-40B4-BE49-F238E27FC236}">
+                <a16:creationId xmlns:a16="http://schemas.microsoft.com/office/drawing/2014/main" id="{BC4339F9-A066-45CD-91C6-61FED21D3027}"/>
+              </a:ext>
+            </a:extLst>
+          </p:cNvPr>
+          <p:cNvCxnSpPr/>
+          <p:nvPr/>
+        </p:nvCxnSpPr>
+        <p:spPr>
+          <a:xfrm>
+            <a:off x="0" y="1047750"/>
+            <a:ext cx="12192000" cy="0"/>
+          </a:xfrm>
+          <a:prstGeom prst="line">
+            <a:avLst/>
+          </a:prstGeom>
+          <a:ln w="76200">
+            <a:solidFill>
+              <a:srgbClr val="D2C264"/>
+            </a:solidFill>
+          </a:ln>
+        </p:spPr>
+        <p:style>
+          <a:lnRef idx="1">
+            <a:schemeClr val="accent1"/>
+          </a:lnRef>
+          <a:fillRef idx="0">
+            <a:schemeClr val="accent1"/>
+          </a:fillRef>
+          <a:effectRef idx="0">
+            <a:schemeClr val="accent1"/>
+          </a:effectRef>
+          <a:fontRef idx="minor">
+            <a:schemeClr val="tx1"/>
+          </a:fontRef>
+        </p:style>
+      </p:cxnSp>
+      <p:sp>
+        <p:nvSpPr>
+          <p:cNvPr id="3" name="TextBox 2">
+            <a:extLst>
+              <a:ext uri="{FF2B5EF4-FFF2-40B4-BE49-F238E27FC236}">
+                <a16:creationId xmlns:a16="http://schemas.microsoft.com/office/drawing/2014/main" id="{4F839CDC-E463-4502-8748-827AE781F905}"/>
+              </a:ext>
+            </a:extLst>
+          </p:cNvPr>
+          <p:cNvSpPr txBox="1"/>
+          <p:nvPr/>
+        </p:nvSpPr>
+        <p:spPr>
+          <a:xfrm>
+            <a:off x="439692" y="229258"/>
             <a:ext cx="5451685" cy="584775"/>
           </a:xfrm>
           <a:prstGeom prst="rect">
@@ -11236,7 +12235,7 @@
           <a:p>
             <a:fld id="{B4FB4218-D507-4A96-AB1C-B66AA2771B74}" type="slidenum">
               <a:rPr lang="en-US" smtClean="0"/>
-              <a:t>20</a:t>
+              <a:t>21</a:t>
             </a:fld>
             <a:endParaRPr lang="en-US"/>
           </a:p>
@@ -11255,7 +12254,7 @@
 </p:sld>
 </file>
 
-<file path=ppt/slides/slide21.xml><?xml version="1.0" encoding="utf-8"?>
+<file path=ppt/slides/slide22.xml><?xml version="1.0" encoding="utf-8"?>
 <p:sld xmlns:a="http://schemas.openxmlformats.org/drawingml/2006/main" xmlns:r="http://schemas.openxmlformats.org/officeDocument/2006/relationships" xmlns:p="http://schemas.openxmlformats.org/presentationml/2006/main">
   <p:cSld>
     <p:spTree>
@@ -11412,7 +12411,7 @@
           <a:p>
             <a:fld id="{B4FB4218-D507-4A96-AB1C-B66AA2771B74}" type="slidenum">
               <a:rPr lang="en-US" smtClean="0"/>
-              <a:t>21</a:t>
+              <a:t>22</a:t>
             </a:fld>
             <a:endParaRPr lang="en-US"/>
           </a:p>
@@ -11797,7 +12796,7 @@
 </p:sld>
 </file>
 
-<file path=ppt/slides/slide22.xml><?xml version="1.0" encoding="utf-8"?>
+<file path=ppt/slides/slide23.xml><?xml version="1.0" encoding="utf-8"?>
 <p:sld xmlns:a="http://schemas.openxmlformats.org/drawingml/2006/main" xmlns:r="http://schemas.openxmlformats.org/officeDocument/2006/relationships" xmlns:p="http://schemas.openxmlformats.org/presentationml/2006/main">
   <p:cSld>
     <p:spTree>
@@ -11954,7 +12953,7 @@
           <a:p>
             <a:fld id="{B4FB4218-D507-4A96-AB1C-B66AA2771B74}" type="slidenum">
               <a:rPr lang="en-US" smtClean="0"/>
-              <a:t>22</a:t>
+              <a:t>23</a:t>
             </a:fld>
             <a:endParaRPr lang="en-US"/>
           </a:p>
@@ -12113,7 +13112,7 @@
 </p:sld>
 </file>
 
-<file path=ppt/slides/slide23.xml><?xml version="1.0" encoding="utf-8"?>
+<file path=ppt/slides/slide24.xml><?xml version="1.0" encoding="utf-8"?>
 <p:sld xmlns:a="http://schemas.openxmlformats.org/drawingml/2006/main" xmlns:r="http://schemas.openxmlformats.org/officeDocument/2006/relationships" xmlns:p="http://schemas.openxmlformats.org/presentationml/2006/main">
   <p:cSld>
     <p:spTree>
@@ -12381,7 +13380,7 @@
           <a:p>
             <a:fld id="{B4FB4218-D507-4A96-AB1C-B66AA2771B74}" type="slidenum">
               <a:rPr lang="en-US" smtClean="0"/>
-              <a:t>23</a:t>
+              <a:t>24</a:t>
             </a:fld>
             <a:endParaRPr lang="en-US"/>
           </a:p>
@@ -12400,7 +13399,7 @@
 </p:sld>
 </file>
 
-<file path=ppt/slides/slide24.xml><?xml version="1.0" encoding="utf-8"?>
+<file path=ppt/slides/slide25.xml><?xml version="1.0" encoding="utf-8"?>
 <p:sld xmlns:a="http://schemas.openxmlformats.org/drawingml/2006/main" xmlns:r="http://schemas.openxmlformats.org/officeDocument/2006/relationships" xmlns:p="http://schemas.openxmlformats.org/presentationml/2006/main">
   <p:cSld>
     <p:spTree>
@@ -14327,7 +15326,7 @@
           <a:p>
             <a:fld id="{B4FB4218-D507-4A96-AB1C-B66AA2771B74}" type="slidenum">
               <a:rPr lang="en-US" smtClean="0"/>
-              <a:t>24</a:t>
+              <a:t>25</a:t>
             </a:fld>
             <a:endParaRPr lang="en-US"/>
           </a:p>
@@ -18668,6 +19667,223 @@
       </p:grpSpPr>
       <p:cxnSp>
         <p:nvCxnSpPr>
+          <p:cNvPr id="28" name="Straight Connector 27">
+            <a:extLst>
+              <a:ext uri="{FF2B5EF4-FFF2-40B4-BE49-F238E27FC236}">
+                <a16:creationId xmlns:a16="http://schemas.microsoft.com/office/drawing/2014/main" id="{5BC01C7A-1442-4981-9CA7-DBED2A4FA907}"/>
+              </a:ext>
+            </a:extLst>
+          </p:cNvPr>
+          <p:cNvCxnSpPr/>
+          <p:nvPr/>
+        </p:nvCxnSpPr>
+        <p:spPr>
+          <a:xfrm>
+            <a:off x="0" y="1047750"/>
+            <a:ext cx="12192000" cy="0"/>
+          </a:xfrm>
+          <a:prstGeom prst="line">
+            <a:avLst/>
+          </a:prstGeom>
+          <a:ln w="76200">
+            <a:solidFill>
+              <a:srgbClr val="D2C264"/>
+            </a:solidFill>
+          </a:ln>
+        </p:spPr>
+        <p:style>
+          <a:lnRef idx="1">
+            <a:schemeClr val="accent1"/>
+          </a:lnRef>
+          <a:fillRef idx="0">
+            <a:schemeClr val="accent1"/>
+          </a:fillRef>
+          <a:effectRef idx="0">
+            <a:schemeClr val="accent1"/>
+          </a:effectRef>
+          <a:fontRef idx="minor">
+            <a:schemeClr val="tx1"/>
+          </a:fontRef>
+        </p:style>
+      </p:cxnSp>
+      <p:sp>
+        <p:nvSpPr>
+          <p:cNvPr id="29" name="TextBox 28">
+            <a:extLst>
+              <a:ext uri="{FF2B5EF4-FFF2-40B4-BE49-F238E27FC236}">
+                <a16:creationId xmlns:a16="http://schemas.microsoft.com/office/drawing/2014/main" id="{FD8A799C-BE52-4998-90B7-F7B21AE43B0E}"/>
+              </a:ext>
+            </a:extLst>
+          </p:cNvPr>
+          <p:cNvSpPr txBox="1"/>
+          <p:nvPr/>
+        </p:nvSpPr>
+        <p:spPr>
+          <a:xfrm>
+            <a:off x="439692" y="229258"/>
+            <a:ext cx="6545125" cy="584775"/>
+          </a:xfrm>
+          <a:prstGeom prst="rect">
+            <a:avLst/>
+          </a:prstGeom>
+          <a:noFill/>
+        </p:spPr>
+        <p:txBody>
+          <a:bodyPr wrap="none" rtlCol="0">
+            <a:spAutoFit/>
+          </a:bodyPr>
+          <a:lstStyle/>
+          <a:p>
+            <a:r>
+              <a:rPr lang="en-US" sz="3200" b="1" dirty="0">
+                <a:latin typeface="Times New Roman" panose="02020603050405020304" pitchFamily="18" charset="0"/>
+                <a:cs typeface="Times New Roman" panose="02020603050405020304" pitchFamily="18" charset="0"/>
+              </a:rPr>
+              <a:t>Match Event Data Frame Variables:</a:t>
+            </a:r>
+          </a:p>
+        </p:txBody>
+      </p:sp>
+      <p:sp>
+        <p:nvSpPr>
+          <p:cNvPr id="33" name="TextBox 32">
+            <a:extLst>
+              <a:ext uri="{FF2B5EF4-FFF2-40B4-BE49-F238E27FC236}">
+                <a16:creationId xmlns:a16="http://schemas.microsoft.com/office/drawing/2014/main" id="{5146260A-BC29-4368-ACCC-D8F294EDC607}"/>
+              </a:ext>
+            </a:extLst>
+          </p:cNvPr>
+          <p:cNvSpPr txBox="1"/>
+          <p:nvPr/>
+        </p:nvSpPr>
+        <p:spPr>
+          <a:xfrm>
+            <a:off x="11215389" y="80452"/>
+            <a:ext cx="889987" cy="369332"/>
+          </a:xfrm>
+          <a:prstGeom prst="rect">
+            <a:avLst/>
+          </a:prstGeom>
+          <a:noFill/>
+        </p:spPr>
+        <p:txBody>
+          <a:bodyPr wrap="none" rtlCol="0">
+            <a:spAutoFit/>
+          </a:bodyPr>
+          <a:lstStyle/>
+          <a:p>
+            <a:r>
+              <a:rPr lang="en-US" dirty="0">
+                <a:latin typeface="Times New Roman" panose="02020603050405020304" pitchFamily="18" charset="0"/>
+                <a:cs typeface="Times New Roman" panose="02020603050405020304" pitchFamily="18" charset="0"/>
+              </a:rPr>
+              <a:t>Ganesh</a:t>
+            </a:r>
+          </a:p>
+        </p:txBody>
+      </p:sp>
+      <p:sp>
+        <p:nvSpPr>
+          <p:cNvPr id="3" name="Slide Number Placeholder 2">
+            <a:extLst>
+              <a:ext uri="{FF2B5EF4-FFF2-40B4-BE49-F238E27FC236}">
+                <a16:creationId xmlns:a16="http://schemas.microsoft.com/office/drawing/2014/main" id="{456265BB-7B88-4F32-B42D-41004F1E7C0D}"/>
+              </a:ext>
+            </a:extLst>
+          </p:cNvPr>
+          <p:cNvSpPr>
+            <a:spLocks noGrp="1"/>
+          </p:cNvSpPr>
+          <p:nvPr>
+            <p:ph type="sldNum" sz="quarter" idx="12"/>
+          </p:nvPr>
+        </p:nvSpPr>
+        <p:spPr/>
+        <p:txBody>
+          <a:bodyPr/>
+          <a:lstStyle/>
+          <a:p>
+            <a:fld id="{B4FB4218-D507-4A96-AB1C-B66AA2771B74}" type="slidenum">
+              <a:rPr lang="en-US" smtClean="0"/>
+              <a:t>5</a:t>
+            </a:fld>
+            <a:endParaRPr lang="en-US"/>
+          </a:p>
+        </p:txBody>
+      </p:sp>
+      <p:pic>
+        <p:nvPicPr>
+          <p:cNvPr id="35" name="Picture 34" descr="Table&#10;&#10;Description automatically generated">
+            <a:extLst>
+              <a:ext uri="{FF2B5EF4-FFF2-40B4-BE49-F238E27FC236}">
+                <a16:creationId xmlns:a16="http://schemas.microsoft.com/office/drawing/2014/main" id="{6567BD0A-0922-428E-876F-7A179D3AAD99}"/>
+              </a:ext>
+            </a:extLst>
+          </p:cNvPr>
+          <p:cNvPicPr>
+            <a:picLocks noChangeAspect="1"/>
+          </p:cNvPicPr>
+          <p:nvPr/>
+        </p:nvPicPr>
+        <p:blipFill>
+          <a:blip r:embed="rId2">
+            <a:extLst>
+              <a:ext uri="{28A0092B-C50C-407E-A947-70E740481C1C}">
+                <a14:useLocalDpi xmlns:a14="http://schemas.microsoft.com/office/drawing/2010/main" val="0"/>
+              </a:ext>
+            </a:extLst>
+          </a:blip>
+          <a:stretch>
+            <a:fillRect/>
+          </a:stretch>
+        </p:blipFill>
+        <p:spPr>
+          <a:xfrm>
+            <a:off x="236854" y="2126297"/>
+            <a:ext cx="11714557" cy="3142930"/>
+          </a:xfrm>
+          <a:prstGeom prst="rect">
+            <a:avLst/>
+          </a:prstGeom>
+          <a:ln>
+            <a:solidFill>
+              <a:schemeClr val="tx1"/>
+            </a:solidFill>
+          </a:ln>
+        </p:spPr>
+      </p:pic>
+    </p:spTree>
+    <p:extLst>
+      <p:ext uri="{BB962C8B-B14F-4D97-AF65-F5344CB8AC3E}">
+        <p14:creationId xmlns:p14="http://schemas.microsoft.com/office/powerpoint/2010/main" val="3961041668"/>
+      </p:ext>
+    </p:extLst>
+  </p:cSld>
+  <p:clrMapOvr>
+    <a:masterClrMapping/>
+  </p:clrMapOvr>
+</p:sld>
+</file>
+
+<file path=ppt/slides/slide6.xml><?xml version="1.0" encoding="utf-8"?>
+<p:sld xmlns:a="http://schemas.openxmlformats.org/drawingml/2006/main" xmlns:r="http://schemas.openxmlformats.org/officeDocument/2006/relationships" xmlns:p="http://schemas.openxmlformats.org/presentationml/2006/main">
+  <p:cSld>
+    <p:spTree>
+      <p:nvGrpSpPr>
+        <p:cNvPr id="1" name=""/>
+        <p:cNvGrpSpPr/>
+        <p:nvPr/>
+      </p:nvGrpSpPr>
+      <p:grpSpPr>
+        <a:xfrm>
+          <a:off x="0" y="0"/>
+          <a:ext cx="0" cy="0"/>
+          <a:chOff x="0" y="0"/>
+          <a:chExt cx="0" cy="0"/>
+        </a:xfrm>
+      </p:grpSpPr>
+      <p:cxnSp>
+        <p:nvCxnSpPr>
           <p:cNvPr id="2" name="Straight Connector 1">
             <a:extLst>
               <a:ext uri="{FF2B5EF4-FFF2-40B4-BE49-F238E27FC236}">
@@ -18926,7 +20142,7 @@
           <a:p>
             <a:fld id="{B4FB4218-D507-4A96-AB1C-B66AA2771B74}" type="slidenum">
               <a:rPr lang="en-US" smtClean="0"/>
-              <a:t>5</a:t>
+              <a:t>6</a:t>
             </a:fld>
             <a:endParaRPr lang="en-US"/>
           </a:p>
@@ -18945,7 +20161,7 @@
 </p:sld>
 </file>
 
-<file path=ppt/slides/slide6.xml><?xml version="1.0" encoding="utf-8"?>
+<file path=ppt/slides/slide7.xml><?xml version="1.0" encoding="utf-8"?>
 <p:sld xmlns:a="http://schemas.openxmlformats.org/drawingml/2006/main" xmlns:r="http://schemas.openxmlformats.org/officeDocument/2006/relationships" xmlns:p="http://schemas.openxmlformats.org/presentationml/2006/main">
   <p:cSld>
     <p:spTree>
@@ -19141,7 +20357,7 @@
           <a:p>
             <a:fld id="{B4FB4218-D507-4A96-AB1C-B66AA2771B74}" type="slidenum">
               <a:rPr lang="en-US" smtClean="0"/>
-              <a:t>6</a:t>
+              <a:t>7</a:t>
             </a:fld>
             <a:endParaRPr lang="en-US"/>
           </a:p>
@@ -19160,7 +20376,7 @@
 </p:sld>
 </file>
 
-<file path=ppt/slides/slide7.xml><?xml version="1.0" encoding="utf-8"?>
+<file path=ppt/slides/slide8.xml><?xml version="1.0" encoding="utf-8"?>
 <p:sld xmlns:a="http://schemas.openxmlformats.org/drawingml/2006/main" xmlns:r="http://schemas.openxmlformats.org/officeDocument/2006/relationships" xmlns:p="http://schemas.openxmlformats.org/presentationml/2006/main">
   <p:cSld>
     <p:spTree>
@@ -19665,7 +20881,7 @@
           <a:p>
             <a:fld id="{B4FB4218-D507-4A96-AB1C-B66AA2771B74}" type="slidenum">
               <a:rPr lang="en-US" smtClean="0"/>
-              <a:t>7</a:t>
+              <a:t>8</a:t>
             </a:fld>
             <a:endParaRPr lang="en-US"/>
           </a:p>
@@ -19684,7 +20900,7 @@
 </p:sld>
 </file>
 
-<file path=ppt/slides/slide8.xml><?xml version="1.0" encoding="utf-8"?>
+<file path=ppt/slides/slide9.xml><?xml version="1.0" encoding="utf-8"?>
 <p:sld xmlns:a="http://schemas.openxmlformats.org/drawingml/2006/main" xmlns:r="http://schemas.openxmlformats.org/officeDocument/2006/relationships" xmlns:p="http://schemas.openxmlformats.org/presentationml/2006/main">
   <p:cSld>
     <p:spTree>
@@ -22796,7 +24012,7 @@
           <a:p>
             <a:fld id="{B4FB4218-D507-4A96-AB1C-B66AA2771B74}" type="slidenum">
               <a:rPr lang="en-US" smtClean="0"/>
-              <a:t>8</a:t>
+              <a:t>9</a:t>
             </a:fld>
             <a:endParaRPr lang="en-US"/>
           </a:p>
@@ -22806,1004 +24022,6 @@
     <p:extLst>
       <p:ext uri="{BB962C8B-B14F-4D97-AF65-F5344CB8AC3E}">
         <p14:creationId xmlns:p14="http://schemas.microsoft.com/office/powerpoint/2010/main" val="1271993209"/>
-      </p:ext>
-    </p:extLst>
-  </p:cSld>
-  <p:clrMapOvr>
-    <a:masterClrMapping/>
-  </p:clrMapOvr>
-</p:sld>
-</file>
-
-<file path=ppt/slides/slide9.xml><?xml version="1.0" encoding="utf-8"?>
-<p:sld xmlns:a="http://schemas.openxmlformats.org/drawingml/2006/main" xmlns:r="http://schemas.openxmlformats.org/officeDocument/2006/relationships" xmlns:p="http://schemas.openxmlformats.org/presentationml/2006/main">
-  <p:cSld>
-    <p:spTree>
-      <p:nvGrpSpPr>
-        <p:cNvPr id="1" name=""/>
-        <p:cNvGrpSpPr/>
-        <p:nvPr/>
-      </p:nvGrpSpPr>
-      <p:grpSpPr>
-        <a:xfrm>
-          <a:off x="0" y="0"/>
-          <a:ext cx="0" cy="0"/>
-          <a:chOff x="0" y="0"/>
-          <a:chExt cx="0" cy="0"/>
-        </a:xfrm>
-      </p:grpSpPr>
-      <p:cxnSp>
-        <p:nvCxnSpPr>
-          <p:cNvPr id="2" name="Straight Connector 1">
-            <a:extLst>
-              <a:ext uri="{FF2B5EF4-FFF2-40B4-BE49-F238E27FC236}">
-                <a16:creationId xmlns:a16="http://schemas.microsoft.com/office/drawing/2014/main" id="{6B2A0167-33CF-48BF-A2ED-757ECB5D4774}"/>
-              </a:ext>
-            </a:extLst>
-          </p:cNvPr>
-          <p:cNvCxnSpPr/>
-          <p:nvPr/>
-        </p:nvCxnSpPr>
-        <p:spPr>
-          <a:xfrm>
-            <a:off x="0" y="1047750"/>
-            <a:ext cx="12192000" cy="0"/>
-          </a:xfrm>
-          <a:prstGeom prst="line">
-            <a:avLst/>
-          </a:prstGeom>
-          <a:ln w="76200">
-            <a:solidFill>
-              <a:srgbClr val="D2C264"/>
-            </a:solidFill>
-          </a:ln>
-        </p:spPr>
-        <p:style>
-          <a:lnRef idx="1">
-            <a:schemeClr val="accent1"/>
-          </a:lnRef>
-          <a:fillRef idx="0">
-            <a:schemeClr val="accent1"/>
-          </a:fillRef>
-          <a:effectRef idx="0">
-            <a:schemeClr val="accent1"/>
-          </a:effectRef>
-          <a:fontRef idx="minor">
-            <a:schemeClr val="tx1"/>
-          </a:fontRef>
-        </p:style>
-      </p:cxnSp>
-      <p:sp>
-        <p:nvSpPr>
-          <p:cNvPr id="3" name="TextBox 2">
-            <a:extLst>
-              <a:ext uri="{FF2B5EF4-FFF2-40B4-BE49-F238E27FC236}">
-                <a16:creationId xmlns:a16="http://schemas.microsoft.com/office/drawing/2014/main" id="{B89D4FB9-4FD5-4539-9D75-EEA50F5DB448}"/>
-              </a:ext>
-            </a:extLst>
-          </p:cNvPr>
-          <p:cNvSpPr txBox="1"/>
-          <p:nvPr/>
-        </p:nvSpPr>
-        <p:spPr>
-          <a:xfrm>
-            <a:off x="439692" y="229258"/>
-            <a:ext cx="1301959" cy="584775"/>
-          </a:xfrm>
-          <a:prstGeom prst="rect">
-            <a:avLst/>
-          </a:prstGeom>
-          <a:noFill/>
-        </p:spPr>
-        <p:txBody>
-          <a:bodyPr wrap="none" rtlCol="0">
-            <a:spAutoFit/>
-          </a:bodyPr>
-          <a:lstStyle/>
-          <a:p>
-            <a:r>
-              <a:rPr lang="en-US" sz="3200" b="1" dirty="0">
-                <a:latin typeface="Times New Roman" panose="02020603050405020304" pitchFamily="18" charset="0"/>
-                <a:cs typeface="Times New Roman" panose="02020603050405020304" pitchFamily="18" charset="0"/>
-              </a:rPr>
-              <a:t>Model</a:t>
-            </a:r>
-          </a:p>
-        </p:txBody>
-      </p:sp>
-      <mc:AlternateContent xmlns:mc="http://schemas.openxmlformats.org/markup-compatibility/2006" xmlns:a14="http://schemas.microsoft.com/office/drawing/2010/main">
-        <mc:Choice Requires="a14">
-          <p:graphicFrame>
-            <p:nvGraphicFramePr>
-              <p:cNvPr id="19" name="Marcador de contenido 18">
-                <a:extLst>
-                  <a:ext uri="{FF2B5EF4-FFF2-40B4-BE49-F238E27FC236}">
-                    <a16:creationId xmlns:a16="http://schemas.microsoft.com/office/drawing/2014/main" id="{A8292075-DFBC-44D4-9140-69A2366F3B6E}"/>
-                  </a:ext>
-                </a:extLst>
-              </p:cNvPr>
-              <p:cNvGraphicFramePr>
-                <a:graphicFrameLocks noGrp="1"/>
-              </p:cNvGraphicFramePr>
-              <p:nvPr>
-                <p:ph idx="1"/>
-                <p:extLst>
-                  <p:ext uri="{D42A27DB-BD31-4B8C-83A1-F6EECF244321}">
-                    <p14:modId xmlns:p14="http://schemas.microsoft.com/office/powerpoint/2010/main" val="2425452652"/>
-                  </p:ext>
-                </p:extLst>
-              </p:nvPr>
-            </p:nvGraphicFramePr>
-            <p:xfrm>
-              <a:off x="284205" y="1655808"/>
-              <a:ext cx="11553568" cy="730517"/>
-            </p:xfrm>
-            <a:graphic>
-              <a:graphicData uri="http://schemas.openxmlformats.org/drawingml/2006/table">
-                <a:tbl>
-                  <a:tblPr firstRow="1" firstCol="1" bandRow="1"/>
-                  <a:tblGrid>
-                    <a:gridCol w="10489791">
-                      <a:extLst>
-                        <a:ext uri="{9D8B030D-6E8A-4147-A177-3AD203B41FA5}">
-                          <a16:colId xmlns:a16="http://schemas.microsoft.com/office/drawing/2014/main" val="2200701939"/>
-                        </a:ext>
-                      </a:extLst>
-                    </a:gridCol>
-                    <a:gridCol w="1063777">
-                      <a:extLst>
-                        <a:ext uri="{9D8B030D-6E8A-4147-A177-3AD203B41FA5}">
-                          <a16:colId xmlns:a16="http://schemas.microsoft.com/office/drawing/2014/main" val="390178824"/>
-                        </a:ext>
-                      </a:extLst>
-                    </a:gridCol>
-                  </a:tblGrid>
-                  <a:tr h="730517">
-                    <a:tc>
-                      <a:txBody>
-                        <a:bodyPr/>
-                        <a:lstStyle/>
-                        <a:p>
-                          <a:pPr algn="just"/>
-                          <a14:m>
-                            <m:oMathPara xmlns:m="http://schemas.openxmlformats.org/officeDocument/2006/math">
-                              <m:oMathParaPr>
-                                <m:jc m:val="centerGroup"/>
-                              </m:oMathParaPr>
-                              <m:oMath xmlns:m="http://schemas.openxmlformats.org/officeDocument/2006/math">
-                                <m:sSub>
-                                  <m:sSubPr>
-                                    <m:ctrlPr>
-                                      <a:rPr lang="es-MX" sz="2400" b="1" i="1">
-                                        <a:effectLst/>
-                                        <a:latin typeface="Cambria Math" panose="02040503050406030204" pitchFamily="18" charset="0"/>
-                                        <a:ea typeface="Times New Roman" panose="02020603050405020304" pitchFamily="18" charset="0"/>
-                                        <a:cs typeface="Times New Roman" panose="02020603050405020304" pitchFamily="18" charset="0"/>
-                                      </a:rPr>
-                                    </m:ctrlPr>
-                                  </m:sSubPr>
-                                  <m:e>
-                                    <m:r>
-                                      <a:rPr lang="en-US" sz="2400" b="1" i="1" smtClean="0">
-                                        <a:effectLst/>
-                                        <a:latin typeface="Cambria Math" panose="02040503050406030204" pitchFamily="18" charset="0"/>
-                                        <a:ea typeface="Times New Roman" panose="02020603050405020304" pitchFamily="18" charset="0"/>
-                                        <a:cs typeface="Times New Roman" panose="02020603050405020304" pitchFamily="18" charset="0"/>
-                                      </a:rPr>
-                                      <m:t>𝑩</m:t>
-                                    </m:r>
-                                  </m:e>
-                                  <m:sub>
-                                    <m:r>
-                                      <a:rPr lang="en-US" sz="2400" b="1" i="1" smtClean="0">
-                                        <a:effectLst/>
-                                        <a:latin typeface="Cambria Math" panose="02040503050406030204" pitchFamily="18" charset="0"/>
-                                        <a:ea typeface="Times New Roman" panose="02020603050405020304" pitchFamily="18" charset="0"/>
-                                        <a:cs typeface="Times New Roman" panose="02020603050405020304" pitchFamily="18" charset="0"/>
-                                      </a:rPr>
-                                      <m:t>𝒔𝒖𝒄𝒄𝒆𝒔𝒔</m:t>
-                                    </m:r>
-                                  </m:sub>
-                                </m:sSub>
-                                <m:r>
-                                  <a:rPr lang="en-US" sz="2400" b="1" i="1" smtClean="0">
-                                    <a:effectLst/>
-                                    <a:latin typeface="Cambria Math" panose="02040503050406030204" pitchFamily="18" charset="0"/>
-                                    <a:ea typeface="Times New Roman" panose="02020603050405020304" pitchFamily="18" charset="0"/>
-                                    <a:cs typeface="Times New Roman" panose="02020603050405020304" pitchFamily="18" charset="0"/>
-                                  </a:rPr>
-                                  <m:t>=</m:t>
-                                </m:r>
-                                <m:sSub>
-                                  <m:sSubPr>
-                                    <m:ctrlPr>
-                                      <a:rPr lang="es-MX" sz="2400" b="1" i="1">
-                                        <a:effectLst/>
-                                        <a:latin typeface="Cambria Math" panose="02040503050406030204" pitchFamily="18" charset="0"/>
-                                        <a:ea typeface="Times New Roman" panose="02020603050405020304" pitchFamily="18" charset="0"/>
-                                        <a:cs typeface="Times New Roman" panose="02020603050405020304" pitchFamily="18" charset="0"/>
-                                      </a:rPr>
-                                    </m:ctrlPr>
-                                  </m:sSubPr>
-                                  <m:e>
-                                    <m:r>
-                                      <a:rPr lang="en-US" sz="2400" b="1" i="1" smtClean="0">
-                                        <a:effectLst/>
-                                        <a:latin typeface="Cambria Math" panose="02040503050406030204" pitchFamily="18" charset="0"/>
-                                        <a:ea typeface="Times New Roman" panose="02020603050405020304" pitchFamily="18" charset="0"/>
-                                        <a:cs typeface="Times New Roman" panose="02020603050405020304" pitchFamily="18" charset="0"/>
-                                      </a:rPr>
-                                      <m:t>𝜷</m:t>
-                                    </m:r>
-                                  </m:e>
-                                  <m:sub>
-                                    <m:r>
-                                      <a:rPr lang="en-US" sz="2400" b="1" i="1" smtClean="0">
-                                        <a:effectLst/>
-                                        <a:latin typeface="Cambria Math" panose="02040503050406030204" pitchFamily="18" charset="0"/>
-                                        <a:ea typeface="Times New Roman" panose="02020603050405020304" pitchFamily="18" charset="0"/>
-                                        <a:cs typeface="Times New Roman" panose="02020603050405020304" pitchFamily="18" charset="0"/>
-                                      </a:rPr>
-                                      <m:t>𝟎</m:t>
-                                    </m:r>
-                                  </m:sub>
-                                </m:sSub>
-                                <m:r>
-                                  <a:rPr lang="en-US" sz="2400" b="1" i="1" smtClean="0">
-                                    <a:effectLst/>
-                                    <a:latin typeface="Cambria Math" panose="02040503050406030204" pitchFamily="18" charset="0"/>
-                                    <a:ea typeface="Times New Roman" panose="02020603050405020304" pitchFamily="18" charset="0"/>
-                                    <a:cs typeface="Times New Roman" panose="02020603050405020304" pitchFamily="18" charset="0"/>
-                                  </a:rPr>
-                                  <m:t>+</m:t>
-                                </m:r>
-                                <m:sSub>
-                                  <m:sSubPr>
-                                    <m:ctrlPr>
-                                      <a:rPr lang="es-MX" sz="2400" b="1" i="1">
-                                        <a:effectLst/>
-                                        <a:latin typeface="Cambria Math" panose="02040503050406030204" pitchFamily="18" charset="0"/>
-                                        <a:ea typeface="Times New Roman" panose="02020603050405020304" pitchFamily="18" charset="0"/>
-                                        <a:cs typeface="Times New Roman" panose="02020603050405020304" pitchFamily="18" charset="0"/>
-                                      </a:rPr>
-                                    </m:ctrlPr>
-                                  </m:sSubPr>
-                                  <m:e>
-                                    <m:r>
-                                      <a:rPr lang="en-US" sz="2400" b="1" i="1" smtClean="0">
-                                        <a:effectLst/>
-                                        <a:latin typeface="Cambria Math" panose="02040503050406030204" pitchFamily="18" charset="0"/>
-                                        <a:ea typeface="Times New Roman" panose="02020603050405020304" pitchFamily="18" charset="0"/>
-                                        <a:cs typeface="Times New Roman" panose="02020603050405020304" pitchFamily="18" charset="0"/>
-                                      </a:rPr>
-                                      <m:t>𝜷</m:t>
-                                    </m:r>
-                                  </m:e>
-                                  <m:sub>
-                                    <m:r>
-                                      <a:rPr lang="en-US" sz="2400" b="1" i="1" smtClean="0">
-                                        <a:effectLst/>
-                                        <a:latin typeface="Cambria Math" panose="02040503050406030204" pitchFamily="18" charset="0"/>
-                                        <a:ea typeface="Times New Roman" panose="02020603050405020304" pitchFamily="18" charset="0"/>
-                                        <a:cs typeface="Times New Roman" panose="02020603050405020304" pitchFamily="18" charset="0"/>
-                                      </a:rPr>
-                                      <m:t>𝟏</m:t>
-                                    </m:r>
-                                  </m:sub>
-                                </m:sSub>
-                                <m:sSub>
-                                  <m:sSubPr>
-                                    <m:ctrlPr>
-                                      <a:rPr lang="es-MX" sz="2400" b="1" i="1">
-                                        <a:effectLst/>
-                                        <a:latin typeface="Cambria Math" panose="02040503050406030204" pitchFamily="18" charset="0"/>
-                                        <a:ea typeface="Times New Roman" panose="02020603050405020304" pitchFamily="18" charset="0"/>
-                                        <a:cs typeface="Times New Roman" panose="02020603050405020304" pitchFamily="18" charset="0"/>
-                                      </a:rPr>
-                                    </m:ctrlPr>
-                                  </m:sSubPr>
-                                  <m:e>
-                                    <m:r>
-                                      <a:rPr lang="en-US" sz="2400" b="1" i="1" smtClean="0">
-                                        <a:effectLst/>
-                                        <a:latin typeface="Cambria Math" panose="02040503050406030204" pitchFamily="18" charset="0"/>
-                                        <a:ea typeface="Times New Roman" panose="02020603050405020304" pitchFamily="18" charset="0"/>
-                                        <a:cs typeface="Times New Roman" panose="02020603050405020304" pitchFamily="18" charset="0"/>
-                                      </a:rPr>
-                                      <m:t>𝒙</m:t>
-                                    </m:r>
-                                  </m:e>
-                                  <m:sub>
-                                    <m:r>
-                                      <a:rPr lang="en-US" sz="2400" b="1" i="1" smtClean="0">
-                                        <a:effectLst/>
-                                        <a:latin typeface="Cambria Math" panose="02040503050406030204" pitchFamily="18" charset="0"/>
-                                        <a:ea typeface="Times New Roman" panose="02020603050405020304" pitchFamily="18" charset="0"/>
-                                        <a:cs typeface="Times New Roman" panose="02020603050405020304" pitchFamily="18" charset="0"/>
-                                      </a:rPr>
-                                      <m:t>𝒔𝒕𝒂𝒓𝒕</m:t>
-                                    </m:r>
-                                  </m:sub>
-                                </m:sSub>
-                                <m:r>
-                                  <a:rPr lang="en-US" sz="2400" b="1" i="1" smtClean="0">
-                                    <a:effectLst/>
-                                    <a:latin typeface="Cambria Math" panose="02040503050406030204" pitchFamily="18" charset="0"/>
-                                    <a:ea typeface="Times New Roman" panose="02020603050405020304" pitchFamily="18" charset="0"/>
-                                    <a:cs typeface="Times New Roman" panose="02020603050405020304" pitchFamily="18" charset="0"/>
-                                  </a:rPr>
-                                  <m:t>+</m:t>
-                                </m:r>
-                                <m:sSub>
-                                  <m:sSubPr>
-                                    <m:ctrlPr>
-                                      <a:rPr lang="es-MX" sz="2400" b="1" i="1">
-                                        <a:effectLst/>
-                                        <a:latin typeface="Cambria Math" panose="02040503050406030204" pitchFamily="18" charset="0"/>
-                                        <a:ea typeface="Times New Roman" panose="02020603050405020304" pitchFamily="18" charset="0"/>
-                                        <a:cs typeface="Times New Roman" panose="02020603050405020304" pitchFamily="18" charset="0"/>
-                                      </a:rPr>
-                                    </m:ctrlPr>
-                                  </m:sSubPr>
-                                  <m:e>
-                                    <m:r>
-                                      <a:rPr lang="en-US" sz="2400" b="1" i="1" smtClean="0">
-                                        <a:effectLst/>
-                                        <a:latin typeface="Cambria Math" panose="02040503050406030204" pitchFamily="18" charset="0"/>
-                                        <a:ea typeface="Times New Roman" panose="02020603050405020304" pitchFamily="18" charset="0"/>
-                                        <a:cs typeface="Times New Roman" panose="02020603050405020304" pitchFamily="18" charset="0"/>
-                                      </a:rPr>
-                                      <m:t>𝜷</m:t>
-                                    </m:r>
-                                  </m:e>
-                                  <m:sub>
-                                    <m:r>
-                                      <a:rPr lang="en-US" sz="2400" b="1" i="1" smtClean="0">
-                                        <a:effectLst/>
-                                        <a:latin typeface="Cambria Math" panose="02040503050406030204" pitchFamily="18" charset="0"/>
-                                        <a:ea typeface="Times New Roman" panose="02020603050405020304" pitchFamily="18" charset="0"/>
-                                        <a:cs typeface="Times New Roman" panose="02020603050405020304" pitchFamily="18" charset="0"/>
-                                      </a:rPr>
-                                      <m:t>𝟐</m:t>
-                                    </m:r>
-                                  </m:sub>
-                                </m:sSub>
-                                <m:sSub>
-                                  <m:sSubPr>
-                                    <m:ctrlPr>
-                                      <a:rPr lang="es-MX" sz="2400" b="1" i="1">
-                                        <a:effectLst/>
-                                        <a:latin typeface="Cambria Math" panose="02040503050406030204" pitchFamily="18" charset="0"/>
-                                        <a:ea typeface="Times New Roman" panose="02020603050405020304" pitchFamily="18" charset="0"/>
-                                        <a:cs typeface="Times New Roman" panose="02020603050405020304" pitchFamily="18" charset="0"/>
-                                      </a:rPr>
-                                    </m:ctrlPr>
-                                  </m:sSubPr>
-                                  <m:e>
-                                    <m:r>
-                                      <a:rPr lang="en-US" sz="2400" b="1" i="1" smtClean="0">
-                                        <a:effectLst/>
-                                        <a:latin typeface="Cambria Math" panose="02040503050406030204" pitchFamily="18" charset="0"/>
-                                        <a:ea typeface="Times New Roman" panose="02020603050405020304" pitchFamily="18" charset="0"/>
-                                        <a:cs typeface="Times New Roman" panose="02020603050405020304" pitchFamily="18" charset="0"/>
-                                      </a:rPr>
-                                      <m:t>𝒚</m:t>
-                                    </m:r>
-                                  </m:e>
-                                  <m:sub>
-                                    <m:r>
-                                      <a:rPr lang="en-US" sz="2400" b="1" i="1" smtClean="0">
-                                        <a:effectLst/>
-                                        <a:latin typeface="Cambria Math" panose="02040503050406030204" pitchFamily="18" charset="0"/>
-                                        <a:ea typeface="Times New Roman" panose="02020603050405020304" pitchFamily="18" charset="0"/>
-                                        <a:cs typeface="Times New Roman" panose="02020603050405020304" pitchFamily="18" charset="0"/>
-                                      </a:rPr>
-                                      <m:t>𝒔𝒕𝒂𝒓𝒕</m:t>
-                                    </m:r>
-                                  </m:sub>
-                                </m:sSub>
-                                <m:r>
-                                  <a:rPr lang="en-US" sz="2400" b="1" i="1" smtClean="0">
-                                    <a:effectLst/>
-                                    <a:latin typeface="Cambria Math" panose="02040503050406030204" pitchFamily="18" charset="0"/>
-                                    <a:ea typeface="Times New Roman" panose="02020603050405020304" pitchFamily="18" charset="0"/>
-                                    <a:cs typeface="Times New Roman" panose="02020603050405020304" pitchFamily="18" charset="0"/>
-                                  </a:rPr>
-                                  <m:t> +</m:t>
-                                </m:r>
-                                <m:sSub>
-                                  <m:sSubPr>
-                                    <m:ctrlPr>
-                                      <a:rPr lang="es-MX" sz="2400" b="1" i="1">
-                                        <a:effectLst/>
-                                        <a:latin typeface="Cambria Math" panose="02040503050406030204" pitchFamily="18" charset="0"/>
-                                        <a:ea typeface="Times New Roman" panose="02020603050405020304" pitchFamily="18" charset="0"/>
-                                        <a:cs typeface="Times New Roman" panose="02020603050405020304" pitchFamily="18" charset="0"/>
-                                      </a:rPr>
-                                    </m:ctrlPr>
-                                  </m:sSubPr>
-                                  <m:e>
-                                    <m:r>
-                                      <a:rPr lang="en-US" sz="2400" b="1" i="1" smtClean="0">
-                                        <a:effectLst/>
-                                        <a:latin typeface="Cambria Math" panose="02040503050406030204" pitchFamily="18" charset="0"/>
-                                        <a:ea typeface="Times New Roman" panose="02020603050405020304" pitchFamily="18" charset="0"/>
-                                        <a:cs typeface="Times New Roman" panose="02020603050405020304" pitchFamily="18" charset="0"/>
-                                      </a:rPr>
-                                      <m:t>𝜷</m:t>
-                                    </m:r>
-                                  </m:e>
-                                  <m:sub>
-                                    <m:r>
-                                      <a:rPr lang="en-US" sz="2400" b="1" i="1" smtClean="0">
-                                        <a:effectLst/>
-                                        <a:latin typeface="Cambria Math" panose="02040503050406030204" pitchFamily="18" charset="0"/>
-                                        <a:ea typeface="Times New Roman" panose="02020603050405020304" pitchFamily="18" charset="0"/>
-                                        <a:cs typeface="Times New Roman" panose="02020603050405020304" pitchFamily="18" charset="0"/>
-                                      </a:rPr>
-                                      <m:t>𝟑</m:t>
-                                    </m:r>
-                                  </m:sub>
-                                </m:sSub>
-                                <m:d>
-                                  <m:dPr>
-                                    <m:ctrlPr>
-                                      <a:rPr lang="es-MX" sz="2400" b="1" i="1">
-                                        <a:effectLst/>
-                                        <a:latin typeface="Cambria Math" panose="02040503050406030204" pitchFamily="18" charset="0"/>
-                                        <a:ea typeface="Times New Roman" panose="02020603050405020304" pitchFamily="18" charset="0"/>
-                                        <a:cs typeface="Times New Roman" panose="02020603050405020304" pitchFamily="18" charset="0"/>
-                                      </a:rPr>
-                                    </m:ctrlPr>
-                                  </m:dPr>
-                                  <m:e>
-                                    <m:sSub>
-                                      <m:sSubPr>
-                                        <m:ctrlPr>
-                                          <a:rPr lang="es-MX" sz="2400" b="1" i="1">
-                                            <a:effectLst/>
-                                            <a:latin typeface="Cambria Math" panose="02040503050406030204" pitchFamily="18" charset="0"/>
-                                            <a:ea typeface="Times New Roman" panose="02020603050405020304" pitchFamily="18" charset="0"/>
-                                            <a:cs typeface="Times New Roman" panose="02020603050405020304" pitchFamily="18" charset="0"/>
-                                          </a:rPr>
-                                        </m:ctrlPr>
-                                      </m:sSubPr>
-                                      <m:e>
-                                        <m:r>
-                                          <a:rPr lang="en-US" sz="2400" b="1" i="1" smtClean="0">
-                                            <a:effectLst/>
-                                            <a:latin typeface="Cambria Math" panose="02040503050406030204" pitchFamily="18" charset="0"/>
-                                            <a:ea typeface="Times New Roman" panose="02020603050405020304" pitchFamily="18" charset="0"/>
-                                            <a:cs typeface="Times New Roman" panose="02020603050405020304" pitchFamily="18" charset="0"/>
-                                          </a:rPr>
-                                          <m:t>𝒙</m:t>
-                                        </m:r>
-                                      </m:e>
-                                      <m:sub>
-                                        <m:r>
-                                          <a:rPr lang="en-US" sz="2400" b="1" i="1" smtClean="0">
-                                            <a:effectLst/>
-                                            <a:latin typeface="Cambria Math" panose="02040503050406030204" pitchFamily="18" charset="0"/>
-                                            <a:ea typeface="Times New Roman" panose="02020603050405020304" pitchFamily="18" charset="0"/>
-                                            <a:cs typeface="Times New Roman" panose="02020603050405020304" pitchFamily="18" charset="0"/>
-                                          </a:rPr>
-                                          <m:t>𝒔𝒕𝒂𝒓𝒕</m:t>
-                                        </m:r>
-                                      </m:sub>
-                                    </m:sSub>
-                                    <m:r>
-                                      <a:rPr lang="en-US" sz="2400" b="1" i="1" smtClean="0">
-                                        <a:effectLst/>
-                                        <a:latin typeface="Cambria Math" panose="02040503050406030204" pitchFamily="18" charset="0"/>
-                                        <a:ea typeface="Times New Roman" panose="02020603050405020304" pitchFamily="18" charset="0"/>
-                                        <a:cs typeface="Times New Roman" panose="02020603050405020304" pitchFamily="18" charset="0"/>
-                                      </a:rPr>
-                                      <m:t>:</m:t>
-                                    </m:r>
-                                    <m:sSub>
-                                      <m:sSubPr>
-                                        <m:ctrlPr>
-                                          <a:rPr lang="es-MX" sz="2400" b="1" i="1">
-                                            <a:effectLst/>
-                                            <a:latin typeface="Cambria Math" panose="02040503050406030204" pitchFamily="18" charset="0"/>
-                                            <a:ea typeface="Times New Roman" panose="02020603050405020304" pitchFamily="18" charset="0"/>
-                                            <a:cs typeface="Times New Roman" panose="02020603050405020304" pitchFamily="18" charset="0"/>
-                                          </a:rPr>
-                                        </m:ctrlPr>
-                                      </m:sSubPr>
-                                      <m:e>
-                                        <m:r>
-                                          <a:rPr lang="en-US" sz="2400" b="1" i="1" smtClean="0">
-                                            <a:effectLst/>
-                                            <a:latin typeface="Cambria Math" panose="02040503050406030204" pitchFamily="18" charset="0"/>
-                                            <a:ea typeface="Times New Roman" panose="02020603050405020304" pitchFamily="18" charset="0"/>
-                                            <a:cs typeface="Times New Roman" panose="02020603050405020304" pitchFamily="18" charset="0"/>
-                                          </a:rPr>
-                                          <m:t>𝒚</m:t>
-                                        </m:r>
-                                      </m:e>
-                                      <m:sub>
-                                        <m:r>
-                                          <a:rPr lang="en-US" sz="2400" b="1" i="1" smtClean="0">
-                                            <a:effectLst/>
-                                            <a:latin typeface="Cambria Math" panose="02040503050406030204" pitchFamily="18" charset="0"/>
-                                            <a:ea typeface="Times New Roman" panose="02020603050405020304" pitchFamily="18" charset="0"/>
-                                            <a:cs typeface="Times New Roman" panose="02020603050405020304" pitchFamily="18" charset="0"/>
-                                          </a:rPr>
-                                          <m:t>𝒔𝒕𝒂𝒓𝒕</m:t>
-                                        </m:r>
-                                      </m:sub>
-                                    </m:sSub>
-                                  </m:e>
-                                </m:d>
-                                <m:r>
-                                  <a:rPr lang="en-US" sz="2400" b="1" i="1" smtClean="0">
-                                    <a:effectLst/>
-                                    <a:latin typeface="Cambria Math" panose="02040503050406030204" pitchFamily="18" charset="0"/>
-                                    <a:ea typeface="Times New Roman" panose="02020603050405020304" pitchFamily="18" charset="0"/>
-                                    <a:cs typeface="Times New Roman" panose="02020603050405020304" pitchFamily="18" charset="0"/>
-                                  </a:rPr>
-                                  <m:t>+</m:t>
-                                </m:r>
-                                <m:sSub>
-                                  <m:sSubPr>
-                                    <m:ctrlPr>
-                                      <a:rPr lang="es-MX" sz="2400" b="1" i="1">
-                                        <a:effectLst/>
-                                        <a:latin typeface="Cambria Math" panose="02040503050406030204" pitchFamily="18" charset="0"/>
-                                        <a:ea typeface="Times New Roman" panose="02020603050405020304" pitchFamily="18" charset="0"/>
-                                        <a:cs typeface="Times New Roman" panose="02020603050405020304" pitchFamily="18" charset="0"/>
-                                      </a:rPr>
-                                    </m:ctrlPr>
-                                  </m:sSubPr>
-                                  <m:e>
-                                    <m:r>
-                                      <a:rPr lang="en-US" sz="2400" b="1" i="1" smtClean="0">
-                                        <a:effectLst/>
-                                        <a:latin typeface="Cambria Math" panose="02040503050406030204" pitchFamily="18" charset="0"/>
-                                        <a:ea typeface="Times New Roman" panose="02020603050405020304" pitchFamily="18" charset="0"/>
-                                        <a:cs typeface="Times New Roman" panose="02020603050405020304" pitchFamily="18" charset="0"/>
-                                      </a:rPr>
-                                      <m:t>𝜷</m:t>
-                                    </m:r>
-                                  </m:e>
-                                  <m:sub>
-                                    <m:r>
-                                      <a:rPr lang="en-US" sz="2400" b="1" i="1" smtClean="0">
-                                        <a:effectLst/>
-                                        <a:latin typeface="Cambria Math" panose="02040503050406030204" pitchFamily="18" charset="0"/>
-                                        <a:ea typeface="Times New Roman" panose="02020603050405020304" pitchFamily="18" charset="0"/>
-                                        <a:cs typeface="Times New Roman" panose="02020603050405020304" pitchFamily="18" charset="0"/>
-                                      </a:rPr>
-                                      <m:t>𝟒</m:t>
-                                    </m:r>
-                                  </m:sub>
-                                </m:sSub>
-                                <m:r>
-                                  <a:rPr lang="en-US" sz="2400" b="1" i="1" smtClean="0">
-                                    <a:effectLst/>
-                                    <a:latin typeface="Cambria Math" panose="02040503050406030204" pitchFamily="18" charset="0"/>
-                                    <a:ea typeface="Times New Roman" panose="02020603050405020304" pitchFamily="18" charset="0"/>
-                                    <a:cs typeface="Times New Roman" panose="02020603050405020304" pitchFamily="18" charset="0"/>
-                                  </a:rPr>
-                                  <m:t>𝑫𝒊𝒔𝒕𝒂𝒏𝒄𝒆</m:t>
-                                </m:r>
-                                <m:r>
-                                  <a:rPr lang="en-US" sz="2400" b="1" i="1" smtClean="0">
-                                    <a:effectLst/>
-                                    <a:latin typeface="Cambria Math" panose="02040503050406030204" pitchFamily="18" charset="0"/>
-                                    <a:ea typeface="Times New Roman" panose="02020603050405020304" pitchFamily="18" charset="0"/>
-                                    <a:cs typeface="Times New Roman" panose="02020603050405020304" pitchFamily="18" charset="0"/>
-                                  </a:rPr>
-                                  <m:t>+</m:t>
-                                </m:r>
-                                <m:r>
-                                  <a:rPr lang="en-US" sz="2400" b="1" i="1" smtClean="0">
-                                    <a:effectLst/>
-                                    <a:latin typeface="Cambria Math" panose="02040503050406030204" pitchFamily="18" charset="0"/>
-                                    <a:ea typeface="Times New Roman" panose="02020603050405020304" pitchFamily="18" charset="0"/>
-                                    <a:cs typeface="Times New Roman" panose="02020603050405020304" pitchFamily="18" charset="0"/>
-                                  </a:rPr>
-                                  <m:t>𝜺</m:t>
-                                </m:r>
-                              </m:oMath>
-                            </m:oMathPara>
-                          </a14:m>
-                          <a:endParaRPr lang="es-MX" sz="2400" b="1" dirty="0">
-                            <a:effectLst/>
-                            <a:latin typeface="Arial" panose="020B0604020202020204" pitchFamily="34" charset="0"/>
-                            <a:ea typeface="Calibri" panose="020F0502020204030204" pitchFamily="34" charset="0"/>
-                            <a:cs typeface="Times New Roman" panose="02020603050405020304" pitchFamily="18" charset="0"/>
-                          </a:endParaRPr>
-                        </a:p>
-                      </a:txBody>
-                      <a:tcPr marL="68580" marR="68580" marT="0" marB="0">
-                        <a:lnL w="12700" cap="flat" cmpd="sng" algn="ctr">
-                          <a:noFill/>
-                          <a:prstDash val="solid"/>
-                          <a:round/>
-                          <a:headEnd type="none" w="med" len="med"/>
-                          <a:tailEnd type="none" w="med" len="med"/>
-                        </a:lnL>
-                        <a:lnR w="12700" cap="flat" cmpd="sng" algn="ctr">
-                          <a:noFill/>
-                          <a:prstDash val="solid"/>
-                          <a:round/>
-                          <a:headEnd type="none" w="med" len="med"/>
-                          <a:tailEnd type="none" w="med" len="med"/>
-                        </a:lnR>
-                        <a:lnT w="12700" cap="flat" cmpd="sng" algn="ctr">
-                          <a:noFill/>
-                          <a:prstDash val="solid"/>
-                          <a:round/>
-                          <a:headEnd type="none" w="med" len="med"/>
-                          <a:tailEnd type="none" w="med" len="med"/>
-                        </a:lnT>
-                        <a:lnB w="12700" cap="flat" cmpd="sng" algn="ctr">
-                          <a:noFill/>
-                          <a:prstDash val="solid"/>
-                          <a:round/>
-                          <a:headEnd type="none" w="med" len="med"/>
-                          <a:tailEnd type="none" w="med" len="med"/>
-                        </a:lnB>
-                        <a:lnTlToBr w="12700" cmpd="sng">
-                          <a:noFill/>
-                          <a:prstDash val="solid"/>
-                        </a:lnTlToBr>
-                        <a:lnBlToTr w="12700" cmpd="sng">
-                          <a:noFill/>
-                          <a:prstDash val="solid"/>
-                        </a:lnBlToTr>
-                      </a:tcPr>
-                    </a:tc>
-                    <a:tc>
-                      <a:txBody>
-                        <a:bodyPr/>
-                        <a:lstStyle/>
-                        <a:p>
-                          <a:pPr algn="just"/>
-                          <a:r>
-                            <a:rPr lang="en-US" sz="2400" b="1" dirty="0">
-                              <a:effectLst/>
-                              <a:latin typeface="Arial" panose="020B0604020202020204" pitchFamily="34" charset="0"/>
-                              <a:ea typeface="Times New Roman" panose="02020603050405020304" pitchFamily="18" charset="0"/>
-                              <a:cs typeface="Times New Roman" panose="02020603050405020304" pitchFamily="18" charset="0"/>
-                            </a:rPr>
-                            <a:t>(6b)</a:t>
-                          </a:r>
-                          <a:endParaRPr lang="es-MX" sz="2400" b="1" dirty="0">
-                            <a:effectLst/>
-                            <a:latin typeface="Arial" panose="020B0604020202020204" pitchFamily="34" charset="0"/>
-                            <a:ea typeface="Calibri" panose="020F0502020204030204" pitchFamily="34" charset="0"/>
-                            <a:cs typeface="Times New Roman" panose="02020603050405020304" pitchFamily="18" charset="0"/>
-                          </a:endParaRPr>
-                        </a:p>
-                      </a:txBody>
-                      <a:tcPr marL="68580" marR="68580" marT="0" marB="0">
-                        <a:lnL w="12700" cap="flat" cmpd="sng" algn="ctr">
-                          <a:noFill/>
-                          <a:prstDash val="solid"/>
-                          <a:round/>
-                          <a:headEnd type="none" w="med" len="med"/>
-                          <a:tailEnd type="none" w="med" len="med"/>
-                        </a:lnL>
-                        <a:lnR w="12700" cap="flat" cmpd="sng" algn="ctr">
-                          <a:noFill/>
-                          <a:prstDash val="solid"/>
-                          <a:round/>
-                          <a:headEnd type="none" w="med" len="med"/>
-                          <a:tailEnd type="none" w="med" len="med"/>
-                        </a:lnR>
-                        <a:lnT w="12700" cap="flat" cmpd="sng" algn="ctr">
-                          <a:noFill/>
-                          <a:prstDash val="solid"/>
-                          <a:round/>
-                          <a:headEnd type="none" w="med" len="med"/>
-                          <a:tailEnd type="none" w="med" len="med"/>
-                        </a:lnT>
-                        <a:lnB w="12700" cap="flat" cmpd="sng" algn="ctr">
-                          <a:noFill/>
-                          <a:prstDash val="solid"/>
-                          <a:round/>
-                          <a:headEnd type="none" w="med" len="med"/>
-                          <a:tailEnd type="none" w="med" len="med"/>
-                        </a:lnB>
-                        <a:lnTlToBr w="12700" cmpd="sng">
-                          <a:noFill/>
-                          <a:prstDash val="solid"/>
-                        </a:lnTlToBr>
-                        <a:lnBlToTr w="12700" cmpd="sng">
-                          <a:noFill/>
-                          <a:prstDash val="solid"/>
-                        </a:lnBlToTr>
-                      </a:tcPr>
-                    </a:tc>
-                    <a:extLst>
-                      <a:ext uri="{0D108BD9-81ED-4DB2-BD59-A6C34878D82A}">
-                        <a16:rowId xmlns:a16="http://schemas.microsoft.com/office/drawing/2014/main" val="2720335172"/>
-                      </a:ext>
-                    </a:extLst>
-                  </a:tr>
-                </a:tbl>
-              </a:graphicData>
-            </a:graphic>
-          </p:graphicFrame>
-        </mc:Choice>
-        <mc:Fallback xmlns="">
-          <p:graphicFrame>
-            <p:nvGraphicFramePr>
-              <p:cNvPr id="19" name="Marcador de contenido 18">
-                <a:extLst>
-                  <a:ext uri="{FF2B5EF4-FFF2-40B4-BE49-F238E27FC236}">
-                    <a16:creationId xmlns:a16="http://schemas.microsoft.com/office/drawing/2014/main" id="{A8292075-DFBC-44D4-9140-69A2366F3B6E}"/>
-                  </a:ext>
-                </a:extLst>
-              </p:cNvPr>
-              <p:cNvGraphicFramePr>
-                <a:graphicFrameLocks noGrp="1"/>
-              </p:cNvGraphicFramePr>
-              <p:nvPr>
-                <p:ph idx="1"/>
-                <p:extLst>
-                  <p:ext uri="{D42A27DB-BD31-4B8C-83A1-F6EECF244321}">
-                    <p14:modId xmlns:p14="http://schemas.microsoft.com/office/powerpoint/2010/main" val="2425452652"/>
-                  </p:ext>
-                </p:extLst>
-              </p:nvPr>
-            </p:nvGraphicFramePr>
-            <p:xfrm>
-              <a:off x="284205" y="1655808"/>
-              <a:ext cx="11553568" cy="730517"/>
-            </p:xfrm>
-            <a:graphic>
-              <a:graphicData uri="http://schemas.openxmlformats.org/drawingml/2006/table">
-                <a:tbl>
-                  <a:tblPr firstRow="1" firstCol="1" bandRow="1"/>
-                  <a:tblGrid>
-                    <a:gridCol w="10489791">
-                      <a:extLst>
-                        <a:ext uri="{9D8B030D-6E8A-4147-A177-3AD203B41FA5}">
-                          <a16:colId xmlns:a16="http://schemas.microsoft.com/office/drawing/2014/main" val="2200701939"/>
-                        </a:ext>
-                      </a:extLst>
-                    </a:gridCol>
-                    <a:gridCol w="1063777">
-                      <a:extLst>
-                        <a:ext uri="{9D8B030D-6E8A-4147-A177-3AD203B41FA5}">
-                          <a16:colId xmlns:a16="http://schemas.microsoft.com/office/drawing/2014/main" val="390178824"/>
-                        </a:ext>
-                      </a:extLst>
-                    </a:gridCol>
-                  </a:tblGrid>
-                  <a:tr h="730517">
-                    <a:tc>
-                      <a:txBody>
-                        <a:bodyPr/>
-                        <a:lstStyle/>
-                        <a:p>
-                          <a:endParaRPr lang="es-MX"/>
-                        </a:p>
-                      </a:txBody>
-                      <a:tcPr marL="68580" marR="68580" marT="0" marB="0">
-                        <a:lnL w="12700" cap="flat" cmpd="sng" algn="ctr">
-                          <a:noFill/>
-                          <a:prstDash val="solid"/>
-                          <a:round/>
-                          <a:headEnd type="none" w="med" len="med"/>
-                          <a:tailEnd type="none" w="med" len="med"/>
-                        </a:lnL>
-                        <a:lnR w="12700" cap="flat" cmpd="sng" algn="ctr">
-                          <a:noFill/>
-                          <a:prstDash val="solid"/>
-                          <a:round/>
-                          <a:headEnd type="none" w="med" len="med"/>
-                          <a:tailEnd type="none" w="med" len="med"/>
-                        </a:lnR>
-                        <a:lnT w="12700" cap="flat" cmpd="sng" algn="ctr">
-                          <a:noFill/>
-                          <a:prstDash val="solid"/>
-                          <a:round/>
-                          <a:headEnd type="none" w="med" len="med"/>
-                          <a:tailEnd type="none" w="med" len="med"/>
-                        </a:lnT>
-                        <a:lnB w="12700" cap="flat" cmpd="sng" algn="ctr">
-                          <a:noFill/>
-                          <a:prstDash val="solid"/>
-                          <a:round/>
-                          <a:headEnd type="none" w="med" len="med"/>
-                          <a:tailEnd type="none" w="med" len="med"/>
-                        </a:lnB>
-                        <a:lnTlToBr w="12700" cmpd="sng">
-                          <a:noFill/>
-                          <a:prstDash val="solid"/>
-                        </a:lnTlToBr>
-                        <a:lnBlToTr w="12700" cmpd="sng">
-                          <a:noFill/>
-                          <a:prstDash val="solid"/>
-                        </a:lnBlToTr>
-                        <a:blipFill>
-                          <a:blip r:embed="rId2"/>
-                          <a:stretch>
-                            <a:fillRect t="-11570" r="-10169"/>
-                          </a:stretch>
-                        </a:blipFill>
-                      </a:tcPr>
-                    </a:tc>
-                    <a:tc>
-                      <a:txBody>
-                        <a:bodyPr/>
-                        <a:lstStyle/>
-                        <a:p>
-                          <a:pPr algn="just"/>
-                          <a:r>
-                            <a:rPr lang="en-US" sz="2400" b="1" dirty="0">
-                              <a:effectLst/>
-                              <a:latin typeface="Arial" panose="020B0604020202020204" pitchFamily="34" charset="0"/>
-                              <a:ea typeface="Times New Roman" panose="02020603050405020304" pitchFamily="18" charset="0"/>
-                              <a:cs typeface="Times New Roman" panose="02020603050405020304" pitchFamily="18" charset="0"/>
-                            </a:rPr>
-                            <a:t>(6b)</a:t>
-                          </a:r>
-                          <a:endParaRPr lang="es-MX" sz="2400" b="1" dirty="0">
-                            <a:effectLst/>
-                            <a:latin typeface="Arial" panose="020B0604020202020204" pitchFamily="34" charset="0"/>
-                            <a:ea typeface="Calibri" panose="020F0502020204030204" pitchFamily="34" charset="0"/>
-                            <a:cs typeface="Times New Roman" panose="02020603050405020304" pitchFamily="18" charset="0"/>
-                          </a:endParaRPr>
-                        </a:p>
-                      </a:txBody>
-                      <a:tcPr marL="68580" marR="68580" marT="0" marB="0">
-                        <a:lnL w="12700" cap="flat" cmpd="sng" algn="ctr">
-                          <a:noFill/>
-                          <a:prstDash val="solid"/>
-                          <a:round/>
-                          <a:headEnd type="none" w="med" len="med"/>
-                          <a:tailEnd type="none" w="med" len="med"/>
-                        </a:lnL>
-                        <a:lnR w="12700" cap="flat" cmpd="sng" algn="ctr">
-                          <a:noFill/>
-                          <a:prstDash val="solid"/>
-                          <a:round/>
-                          <a:headEnd type="none" w="med" len="med"/>
-                          <a:tailEnd type="none" w="med" len="med"/>
-                        </a:lnR>
-                        <a:lnT w="12700" cap="flat" cmpd="sng" algn="ctr">
-                          <a:noFill/>
-                          <a:prstDash val="solid"/>
-                          <a:round/>
-                          <a:headEnd type="none" w="med" len="med"/>
-                          <a:tailEnd type="none" w="med" len="med"/>
-                        </a:lnT>
-                        <a:lnB w="12700" cap="flat" cmpd="sng" algn="ctr">
-                          <a:noFill/>
-                          <a:prstDash val="solid"/>
-                          <a:round/>
-                          <a:headEnd type="none" w="med" len="med"/>
-                          <a:tailEnd type="none" w="med" len="med"/>
-                        </a:lnB>
-                        <a:lnTlToBr w="12700" cmpd="sng">
-                          <a:noFill/>
-                          <a:prstDash val="solid"/>
-                        </a:lnTlToBr>
-                        <a:lnBlToTr w="12700" cmpd="sng">
-                          <a:noFill/>
-                          <a:prstDash val="solid"/>
-                        </a:lnBlToTr>
-                      </a:tcPr>
-                    </a:tc>
-                    <a:extLst>
-                      <a:ext uri="{0D108BD9-81ED-4DB2-BD59-A6C34878D82A}">
-                        <a16:rowId xmlns:a16="http://schemas.microsoft.com/office/drawing/2014/main" val="2720335172"/>
-                      </a:ext>
-                    </a:extLst>
-                  </a:tr>
-                </a:tbl>
-              </a:graphicData>
-            </a:graphic>
-          </p:graphicFrame>
-        </mc:Fallback>
-      </mc:AlternateContent>
-      <p:pic>
-        <p:nvPicPr>
-          <p:cNvPr id="7" name="Imagen 6">
-            <a:extLst>
-              <a:ext uri="{FF2B5EF4-FFF2-40B4-BE49-F238E27FC236}">
-                <a16:creationId xmlns:a16="http://schemas.microsoft.com/office/drawing/2014/main" id="{AA2FCA76-3D4F-4431-8C78-1B3FDAE197C2}"/>
-              </a:ext>
-            </a:extLst>
-          </p:cNvPr>
-          <p:cNvPicPr>
-            <a:picLocks noChangeAspect="1"/>
-          </p:cNvPicPr>
-          <p:nvPr/>
-        </p:nvPicPr>
-        <p:blipFill>
-          <a:blip r:embed="rId3"/>
-          <a:stretch>
-            <a:fillRect/>
-          </a:stretch>
-        </p:blipFill>
-        <p:spPr>
-          <a:xfrm>
-            <a:off x="2223192" y="2386325"/>
-            <a:ext cx="7745615" cy="2506951"/>
-          </a:xfrm>
-          <a:prstGeom prst="rect">
-            <a:avLst/>
-          </a:prstGeom>
-        </p:spPr>
-      </p:pic>
-      <p:sp>
-        <p:nvSpPr>
-          <p:cNvPr id="6" name="TextBox 5">
-            <a:extLst>
-              <a:ext uri="{FF2B5EF4-FFF2-40B4-BE49-F238E27FC236}">
-                <a16:creationId xmlns:a16="http://schemas.microsoft.com/office/drawing/2014/main" id="{584642E6-EB29-4A17-8984-A8EB49687BCE}"/>
-              </a:ext>
-            </a:extLst>
-          </p:cNvPr>
-          <p:cNvSpPr txBox="1"/>
-          <p:nvPr/>
-        </p:nvSpPr>
-        <p:spPr>
-          <a:xfrm>
-            <a:off x="11215389" y="80452"/>
-            <a:ext cx="800219" cy="369332"/>
-          </a:xfrm>
-          <a:prstGeom prst="rect">
-            <a:avLst/>
-          </a:prstGeom>
-          <a:noFill/>
-        </p:spPr>
-        <p:txBody>
-          <a:bodyPr wrap="none" rtlCol="0">
-            <a:spAutoFit/>
-          </a:bodyPr>
-     